--- a/Document/하이레벨 + 스레드.pptx
+++ b/Document/하이레벨 + 스레드.pptx
@@ -1,22 +1,22 @@
 
 <file path=ppt/presentation.xml><?xml version="1.0" encoding="utf-8"?>
-<p:presentation xmlns:a="http://schemas.openxmlformats.org/drawingml/2006/main" xmlns:r="http://schemas.openxmlformats.org/officeDocument/2006/relationships" xmlns:mc="http://schemas.openxmlformats.org/markup-compatibility/2006" xmlns:mv="urn:schemas-microsoft-com:mac:vml" xmlns:p="http://schemas.openxmlformats.org/presentationml/2006/main" xmlns:c="http://schemas.openxmlformats.org/drawingml/2006/chart" xmlns:dgm="http://schemas.openxmlformats.org/drawingml/2006/diagram" xmlns:o="urn:schemas-microsoft-com:office:office" xmlns:v="urn:schemas-microsoft-com:vml" xmlns:pvml="urn:schemas-microsoft-com:office:powerpoint" xmlns:com="http://schemas.openxmlformats.org/drawingml/2006/compatibility" xmlns:p14="http://schemas.microsoft.com/office/powerpoint/2010/main" xmlns:p15="http://schemas.microsoft.com/office/powerpoint/2012/main" xmlns:ahyp="http://schemas.microsoft.com/office/drawing/2018/hyperlinkcolor" autoCompressPictures="0" strictFirstAndLastChars="0" saveSubsetFonts="1">
+<p:presentation xmlns:a="http://schemas.openxmlformats.org/drawingml/2006/main" xmlns:r="http://schemas.openxmlformats.org/officeDocument/2006/relationships" xmlns:p="http://schemas.openxmlformats.org/presentationml/2006/main" strictFirstAndLastChars="0" saveSubsetFonts="1" autoCompressPictures="0">
   <p:sldMasterIdLst>
-    <p:sldMasterId id="2147483659" r:id="rId4"/>
+    <p:sldMasterId id="2147483659" r:id="rId1"/>
   </p:sldMasterIdLst>
   <p:notesMasterIdLst>
-    <p:notesMasterId r:id="rId5"/>
+    <p:notesMasterId r:id="rId6"/>
   </p:notesMasterIdLst>
   <p:sldIdLst>
-    <p:sldId id="256" r:id="rId6"/>
-    <p:sldId id="257" r:id="rId7"/>
-    <p:sldId id="258" r:id="rId8"/>
-    <p:sldId id="259" r:id="rId9"/>
+    <p:sldId id="256" r:id="rId2"/>
+    <p:sldId id="257" r:id="rId3"/>
+    <p:sldId id="258" r:id="rId4"/>
+    <p:sldId id="259" r:id="rId5"/>
   </p:sldIdLst>
-  <p:sldSz cy="5143500" cx="9144000"/>
+  <p:sldSz cx="9144000" cy="5143500" type="screen16x9"/>
   <p:notesSz cx="6858000" cy="9144000"/>
   <p:defaultTextStyle>
-    <a:defPPr lvl="0" marR="0" rtl="0" algn="l">
+    <a:defPPr marR="0" lvl="0" algn="l" rtl="0">
       <a:lnSpc>
         <a:spcPct val="100000"/>
       </a:lnSpc>
@@ -27,7 +27,7 @@
         <a:spcPts val="0"/>
       </a:spcAft>
     </a:defPPr>
-    <a:lvl1pPr lvl="0" marR="0" rtl="0" algn="l">
+    <a:lvl1pPr marR="0" lvl="0" algn="l" rtl="0">
       <a:lnSpc>
         <a:spcPct val="100000"/>
       </a:lnSpc>
@@ -41,7 +41,7 @@
         <a:srgbClr val="000000"/>
       </a:buClr>
       <a:buFont typeface="Arial"/>
-      <a:defRPr b="0" i="0" sz="1400" u="none" cap="none" strike="noStrike">
+      <a:defRPr sz="1400" b="0" i="0" u="none" strike="noStrike" cap="none">
         <a:solidFill>
           <a:srgbClr val="000000"/>
         </a:solidFill>
@@ -51,7 +51,7 @@
         <a:sym typeface="Arial"/>
       </a:defRPr>
     </a:lvl1pPr>
-    <a:lvl2pPr lvl="1" marR="0" rtl="0" algn="l">
+    <a:lvl2pPr marR="0" lvl="1" algn="l" rtl="0">
       <a:lnSpc>
         <a:spcPct val="100000"/>
       </a:lnSpc>
@@ -65,7 +65,7 @@
         <a:srgbClr val="000000"/>
       </a:buClr>
       <a:buFont typeface="Arial"/>
-      <a:defRPr b="0" i="0" sz="1400" u="none" cap="none" strike="noStrike">
+      <a:defRPr sz="1400" b="0" i="0" u="none" strike="noStrike" cap="none">
         <a:solidFill>
           <a:srgbClr val="000000"/>
         </a:solidFill>
@@ -75,7 +75,7 @@
         <a:sym typeface="Arial"/>
       </a:defRPr>
     </a:lvl2pPr>
-    <a:lvl3pPr lvl="2" marR="0" rtl="0" algn="l">
+    <a:lvl3pPr marR="0" lvl="2" algn="l" rtl="0">
       <a:lnSpc>
         <a:spcPct val="100000"/>
       </a:lnSpc>
@@ -89,7 +89,7 @@
         <a:srgbClr val="000000"/>
       </a:buClr>
       <a:buFont typeface="Arial"/>
-      <a:defRPr b="0" i="0" sz="1400" u="none" cap="none" strike="noStrike">
+      <a:defRPr sz="1400" b="0" i="0" u="none" strike="noStrike" cap="none">
         <a:solidFill>
           <a:srgbClr val="000000"/>
         </a:solidFill>
@@ -99,7 +99,7 @@
         <a:sym typeface="Arial"/>
       </a:defRPr>
     </a:lvl3pPr>
-    <a:lvl4pPr lvl="3" marR="0" rtl="0" algn="l">
+    <a:lvl4pPr marR="0" lvl="3" algn="l" rtl="0">
       <a:lnSpc>
         <a:spcPct val="100000"/>
       </a:lnSpc>
@@ -113,7 +113,7 @@
         <a:srgbClr val="000000"/>
       </a:buClr>
       <a:buFont typeface="Arial"/>
-      <a:defRPr b="0" i="0" sz="1400" u="none" cap="none" strike="noStrike">
+      <a:defRPr sz="1400" b="0" i="0" u="none" strike="noStrike" cap="none">
         <a:solidFill>
           <a:srgbClr val="000000"/>
         </a:solidFill>
@@ -123,7 +123,7 @@
         <a:sym typeface="Arial"/>
       </a:defRPr>
     </a:lvl4pPr>
-    <a:lvl5pPr lvl="4" marR="0" rtl="0" algn="l">
+    <a:lvl5pPr marR="0" lvl="4" algn="l" rtl="0">
       <a:lnSpc>
         <a:spcPct val="100000"/>
       </a:lnSpc>
@@ -137,7 +137,7 @@
         <a:srgbClr val="000000"/>
       </a:buClr>
       <a:buFont typeface="Arial"/>
-      <a:defRPr b="0" i="0" sz="1400" u="none" cap="none" strike="noStrike">
+      <a:defRPr sz="1400" b="0" i="0" u="none" strike="noStrike" cap="none">
         <a:solidFill>
           <a:srgbClr val="000000"/>
         </a:solidFill>
@@ -147,7 +147,7 @@
         <a:sym typeface="Arial"/>
       </a:defRPr>
     </a:lvl5pPr>
-    <a:lvl6pPr lvl="5" marR="0" rtl="0" algn="l">
+    <a:lvl6pPr marR="0" lvl="5" algn="l" rtl="0">
       <a:lnSpc>
         <a:spcPct val="100000"/>
       </a:lnSpc>
@@ -161,7 +161,7 @@
         <a:srgbClr val="000000"/>
       </a:buClr>
       <a:buFont typeface="Arial"/>
-      <a:defRPr b="0" i="0" sz="1400" u="none" cap="none" strike="noStrike">
+      <a:defRPr sz="1400" b="0" i="0" u="none" strike="noStrike" cap="none">
         <a:solidFill>
           <a:srgbClr val="000000"/>
         </a:solidFill>
@@ -171,7 +171,7 @@
         <a:sym typeface="Arial"/>
       </a:defRPr>
     </a:lvl6pPr>
-    <a:lvl7pPr lvl="6" marR="0" rtl="0" algn="l">
+    <a:lvl7pPr marR="0" lvl="6" algn="l" rtl="0">
       <a:lnSpc>
         <a:spcPct val="100000"/>
       </a:lnSpc>
@@ -185,7 +185,7 @@
         <a:srgbClr val="000000"/>
       </a:buClr>
       <a:buFont typeface="Arial"/>
-      <a:defRPr b="0" i="0" sz="1400" u="none" cap="none" strike="noStrike">
+      <a:defRPr sz="1400" b="0" i="0" u="none" strike="noStrike" cap="none">
         <a:solidFill>
           <a:srgbClr val="000000"/>
         </a:solidFill>
@@ -195,7 +195,7 @@
         <a:sym typeface="Arial"/>
       </a:defRPr>
     </a:lvl7pPr>
-    <a:lvl8pPr lvl="7" marR="0" rtl="0" algn="l">
+    <a:lvl8pPr marR="0" lvl="7" algn="l" rtl="0">
       <a:lnSpc>
         <a:spcPct val="100000"/>
       </a:lnSpc>
@@ -209,7 +209,7 @@
         <a:srgbClr val="000000"/>
       </a:buClr>
       <a:buFont typeface="Arial"/>
-      <a:defRPr b="0" i="0" sz="1400" u="none" cap="none" strike="noStrike">
+      <a:defRPr sz="1400" b="0" i="0" u="none" strike="noStrike" cap="none">
         <a:solidFill>
           <a:srgbClr val="000000"/>
         </a:solidFill>
@@ -219,7 +219,7 @@
         <a:sym typeface="Arial"/>
       </a:defRPr>
     </a:lvl8pPr>
-    <a:lvl9pPr lvl="8" marR="0" rtl="0" algn="l">
+    <a:lvl9pPr marR="0" lvl="8" algn="l" rtl="0">
       <a:lnSpc>
         <a:spcPct val="100000"/>
       </a:lnSpc>
@@ -233,7 +233,7 @@
         <a:srgbClr val="000000"/>
       </a:buClr>
       <a:buFont typeface="Arial"/>
-      <a:defRPr b="0" i="0" sz="1400" u="none" cap="none" strike="noStrike">
+      <a:defRPr sz="1400" b="0" i="0" u="none" strike="noStrike" cap="none">
         <a:solidFill>
           <a:srgbClr val="000000"/>
         </a:solidFill>
@@ -246,7 +246,7 @@
   </p:defaultTextStyle>
   <p:extLst>
     <p:ext uri="{EFAFB233-063F-42B5-8137-9DF3F51BA10A}">
-      <p15:sldGuideLst>
+      <p15:sldGuideLst xmlns:p15="http://schemas.microsoft.com/office/powerpoint/2012/main">
         <p15:guide id="1" orient="horz" pos="1620">
           <p15:clr>
             <a:srgbClr val="A4A3A4"/>
@@ -264,11 +264,16 @@
 </file>
 
 <file path=ppt/notesMasters/notesMaster1.xml><?xml version="1.0" encoding="utf-8"?>
-<p:notesMaster xmlns:a="http://schemas.openxmlformats.org/drawingml/2006/main" xmlns:r="http://schemas.openxmlformats.org/officeDocument/2006/relationships" xmlns:mc="http://schemas.openxmlformats.org/markup-compatibility/2006" xmlns:mv="urn:schemas-microsoft-com:mac:vml" xmlns:p="http://schemas.openxmlformats.org/presentationml/2006/main" xmlns:c="http://schemas.openxmlformats.org/drawingml/2006/chart" xmlns:dgm="http://schemas.openxmlformats.org/drawingml/2006/diagram" xmlns:o="urn:schemas-microsoft-com:office:office" xmlns:v="urn:schemas-microsoft-com:vml" xmlns:pvml="urn:schemas-microsoft-com:office:powerpoint" xmlns:com="http://schemas.openxmlformats.org/drawingml/2006/compatibility" xmlns:p14="http://schemas.microsoft.com/office/powerpoint/2010/main" xmlns:p15="http://schemas.microsoft.com/office/powerpoint/2012/main" xmlns:ahyp="http://schemas.microsoft.com/office/drawing/2018/hyperlinkcolor">
+<p:notesMaster xmlns:a="http://schemas.openxmlformats.org/drawingml/2006/main" xmlns:r="http://schemas.openxmlformats.org/officeDocument/2006/relationships" xmlns:p="http://schemas.openxmlformats.org/presentationml/2006/main">
   <p:cSld>
+    <p:bg>
+      <p:bgRef idx="1001">
+        <a:schemeClr val="bg1"/>
+      </p:bgRef>
+    </p:bg>
     <p:spTree>
       <p:nvGrpSpPr>
-        <p:cNvPr id="2" name="Shape 2"/>
+        <p:cNvPr id="1" name="Shape 2"/>
         <p:cNvGrpSpPr/>
         <p:nvPr/>
       </p:nvGrpSpPr>
@@ -283,9 +288,11 @@
       <p:sp>
         <p:nvSpPr>
           <p:cNvPr id="3" name="Google Shape;3;n"/>
-          <p:cNvSpPr/>
+          <p:cNvSpPr>
+            <a:spLocks noGrp="1" noRot="1" noChangeAspect="1"/>
+          </p:cNvSpPr>
           <p:nvPr>
-            <p:ph idx="2" type="sldImg"/>
+            <p:ph type="sldImg" idx="2"/>
           </p:nvPr>
         </p:nvSpPr>
         <p:spPr>
@@ -294,9 +301,13 @@
             <a:ext cx="6096075" cy="3429000"/>
           </a:xfrm>
           <a:custGeom>
-            <a:rect b="b" l="l" r="r" t="t"/>
+            <a:avLst/>
+            <a:gdLst/>
+            <a:ahLst/>
+            <a:cxnLst/>
+            <a:rect l="l" t="t" r="r" b="b"/>
             <a:pathLst>
-              <a:path extrusionOk="0" h="120000" w="120000">
+              <a:path w="120000" h="120000" extrusionOk="0">
                 <a:moveTo>
                   <a:pt x="0" y="0"/>
                 </a:moveTo>
@@ -314,23 +325,25 @@
             </a:pathLst>
           </a:custGeom>
           <a:noFill/>
-          <a:ln cap="flat" cmpd="sng" w="9525">
+          <a:ln w="9525" cap="flat" cmpd="sng">
             <a:solidFill>
               <a:srgbClr val="000000"/>
             </a:solidFill>
             <a:prstDash val="solid"/>
             <a:round/>
-            <a:headEnd len="sm" w="sm" type="none"/>
-            <a:tailEnd len="sm" w="sm" type="none"/>
+            <a:headEnd type="none" w="sm" len="sm"/>
+            <a:tailEnd type="none" w="sm" len="sm"/>
           </a:ln>
         </p:spPr>
       </p:sp>
       <p:sp>
         <p:nvSpPr>
           <p:cNvPr id="4" name="Google Shape;4;n"/>
-          <p:cNvSpPr txBox="1"/>
+          <p:cNvSpPr txBox="1">
+            <a:spLocks noGrp="1"/>
+          </p:cNvSpPr>
           <p:nvPr>
-            <p:ph idx="1" type="body"/>
+            <p:ph type="body" idx="1"/>
           </p:nvPr>
         </p:nvSpPr>
         <p:spPr>
@@ -347,11 +360,11 @@
           </a:ln>
         </p:spPr>
         <p:txBody>
-          <a:bodyPr anchorCtr="0" anchor="t" bIns="91425" lIns="91425" spcFirstLastPara="1" rIns="91425" wrap="square" tIns="91425">
+          <a:bodyPr spcFirstLastPara="1" wrap="square" lIns="91425" tIns="91425" rIns="91425" bIns="91425" anchor="t" anchorCtr="0">
             <a:noAutofit/>
           </a:bodyPr>
           <a:lstStyle>
-            <a:lvl1pPr indent="-298450" lvl="0" marL="457200">
+            <a:lvl1pPr marL="457200" lvl="0" indent="-298450">
               <a:spcBef>
                 <a:spcPts val="0"/>
               </a:spcBef>
@@ -362,7 +375,7 @@
               <a:buChar char="●"/>
               <a:defRPr sz="1100"/>
             </a:lvl1pPr>
-            <a:lvl2pPr indent="-298450" lvl="1" marL="914400">
+            <a:lvl2pPr marL="914400" lvl="1" indent="-298450">
               <a:spcBef>
                 <a:spcPts val="0"/>
               </a:spcBef>
@@ -373,7 +386,7 @@
               <a:buChar char="○"/>
               <a:defRPr sz="1100"/>
             </a:lvl2pPr>
-            <a:lvl3pPr indent="-298450" lvl="2" marL="1371600">
+            <a:lvl3pPr marL="1371600" lvl="2" indent="-298450">
               <a:spcBef>
                 <a:spcPts val="0"/>
               </a:spcBef>
@@ -384,7 +397,7 @@
               <a:buChar char="■"/>
               <a:defRPr sz="1100"/>
             </a:lvl3pPr>
-            <a:lvl4pPr indent="-298450" lvl="3" marL="1828800">
+            <a:lvl4pPr marL="1828800" lvl="3" indent="-298450">
               <a:spcBef>
                 <a:spcPts val="0"/>
               </a:spcBef>
@@ -395,7 +408,7 @@
               <a:buChar char="●"/>
               <a:defRPr sz="1100"/>
             </a:lvl4pPr>
-            <a:lvl5pPr indent="-298450" lvl="4" marL="2286000">
+            <a:lvl5pPr marL="2286000" lvl="4" indent="-298450">
               <a:spcBef>
                 <a:spcPts val="0"/>
               </a:spcBef>
@@ -406,7 +419,7 @@
               <a:buChar char="○"/>
               <a:defRPr sz="1100"/>
             </a:lvl5pPr>
-            <a:lvl6pPr indent="-298450" lvl="5" marL="2743200">
+            <a:lvl6pPr marL="2743200" lvl="5" indent="-298450">
               <a:spcBef>
                 <a:spcPts val="0"/>
               </a:spcBef>
@@ -417,7 +430,7 @@
               <a:buChar char="■"/>
               <a:defRPr sz="1100"/>
             </a:lvl6pPr>
-            <a:lvl7pPr indent="-298450" lvl="6" marL="3200400">
+            <a:lvl7pPr marL="3200400" lvl="6" indent="-298450">
               <a:spcBef>
                 <a:spcPts val="0"/>
               </a:spcBef>
@@ -428,7 +441,7 @@
               <a:buChar char="●"/>
               <a:defRPr sz="1100"/>
             </a:lvl7pPr>
-            <a:lvl8pPr indent="-298450" lvl="7" marL="3657600">
+            <a:lvl8pPr marL="3657600" lvl="7" indent="-298450">
               <a:spcBef>
                 <a:spcPts val="0"/>
               </a:spcBef>
@@ -439,7 +452,7 @@
               <a:buChar char="○"/>
               <a:defRPr sz="1100"/>
             </a:lvl8pPr>
-            <a:lvl9pPr indent="-298450" lvl="8" marL="4114800">
+            <a:lvl9pPr marL="4114800" lvl="8" indent="-298450">
               <a:spcBef>
                 <a:spcPts val="0"/>
               </a:spcBef>
@@ -451,14 +464,16 @@
               <a:defRPr sz="1100"/>
             </a:lvl9pPr>
           </a:lstStyle>
-          <a:p/>
+          <a:p>
+            <a:endParaRPr/>
+          </a:p>
         </p:txBody>
       </p:sp>
     </p:spTree>
   </p:cSld>
-  <p:clrMap accent1="accent1" accent2="accent2" accent3="accent3" accent4="accent4" accent5="accent5" accent6="accent6" bg1="lt1" bg2="dk2" tx1="dk1" tx2="lt2" folHlink="folHlink" hlink="hlink"/>
+  <p:clrMap bg1="lt1" tx1="dk1" bg2="dk2" tx2="lt2" accent1="accent1" accent2="accent2" accent3="accent3" accent4="accent4" accent5="accent5" accent6="accent6" hlink="hlink" folHlink="folHlink"/>
   <p:notesStyle>
-    <a:defPPr lvl="0" marR="0" rtl="0" algn="l">
+    <a:defPPr marR="0" lvl="0" algn="l" rtl="0">
       <a:lnSpc>
         <a:spcPct val="100000"/>
       </a:lnSpc>
@@ -469,7 +484,7 @@
         <a:spcPts val="0"/>
       </a:spcAft>
     </a:defPPr>
-    <a:lvl1pPr lvl="0" marR="0" rtl="0" algn="l">
+    <a:lvl1pPr marR="0" lvl="0" algn="l" rtl="0">
       <a:lnSpc>
         <a:spcPct val="100000"/>
       </a:lnSpc>
@@ -483,7 +498,7 @@
         <a:srgbClr val="000000"/>
       </a:buClr>
       <a:buFont typeface="Arial"/>
-      <a:defRPr b="0" i="0" sz="1400" u="none" cap="none" strike="noStrike">
+      <a:defRPr sz="1400" b="0" i="0" u="none" strike="noStrike" cap="none">
         <a:solidFill>
           <a:srgbClr val="000000"/>
         </a:solidFill>
@@ -493,7 +508,7 @@
         <a:sym typeface="Arial"/>
       </a:defRPr>
     </a:lvl1pPr>
-    <a:lvl2pPr lvl="1" marR="0" rtl="0" algn="l">
+    <a:lvl2pPr marR="0" lvl="1" algn="l" rtl="0">
       <a:lnSpc>
         <a:spcPct val="100000"/>
       </a:lnSpc>
@@ -507,7 +522,7 @@
         <a:srgbClr val="000000"/>
       </a:buClr>
       <a:buFont typeface="Arial"/>
-      <a:defRPr b="0" i="0" sz="1400" u="none" cap="none" strike="noStrike">
+      <a:defRPr sz="1400" b="0" i="0" u="none" strike="noStrike" cap="none">
         <a:solidFill>
           <a:srgbClr val="000000"/>
         </a:solidFill>
@@ -517,7 +532,7 @@
         <a:sym typeface="Arial"/>
       </a:defRPr>
     </a:lvl2pPr>
-    <a:lvl3pPr lvl="2" marR="0" rtl="0" algn="l">
+    <a:lvl3pPr marR="0" lvl="2" algn="l" rtl="0">
       <a:lnSpc>
         <a:spcPct val="100000"/>
       </a:lnSpc>
@@ -531,7 +546,7 @@
         <a:srgbClr val="000000"/>
       </a:buClr>
       <a:buFont typeface="Arial"/>
-      <a:defRPr b="0" i="0" sz="1400" u="none" cap="none" strike="noStrike">
+      <a:defRPr sz="1400" b="0" i="0" u="none" strike="noStrike" cap="none">
         <a:solidFill>
           <a:srgbClr val="000000"/>
         </a:solidFill>
@@ -541,7 +556,7 @@
         <a:sym typeface="Arial"/>
       </a:defRPr>
     </a:lvl3pPr>
-    <a:lvl4pPr lvl="3" marR="0" rtl="0" algn="l">
+    <a:lvl4pPr marR="0" lvl="3" algn="l" rtl="0">
       <a:lnSpc>
         <a:spcPct val="100000"/>
       </a:lnSpc>
@@ -555,7 +570,7 @@
         <a:srgbClr val="000000"/>
       </a:buClr>
       <a:buFont typeface="Arial"/>
-      <a:defRPr b="0" i="0" sz="1400" u="none" cap="none" strike="noStrike">
+      <a:defRPr sz="1400" b="0" i="0" u="none" strike="noStrike" cap="none">
         <a:solidFill>
           <a:srgbClr val="000000"/>
         </a:solidFill>
@@ -565,7 +580,7 @@
         <a:sym typeface="Arial"/>
       </a:defRPr>
     </a:lvl4pPr>
-    <a:lvl5pPr lvl="4" marR="0" rtl="0" algn="l">
+    <a:lvl5pPr marR="0" lvl="4" algn="l" rtl="0">
       <a:lnSpc>
         <a:spcPct val="100000"/>
       </a:lnSpc>
@@ -579,7 +594,7 @@
         <a:srgbClr val="000000"/>
       </a:buClr>
       <a:buFont typeface="Arial"/>
-      <a:defRPr b="0" i="0" sz="1400" u="none" cap="none" strike="noStrike">
+      <a:defRPr sz="1400" b="0" i="0" u="none" strike="noStrike" cap="none">
         <a:solidFill>
           <a:srgbClr val="000000"/>
         </a:solidFill>
@@ -589,7 +604,7 @@
         <a:sym typeface="Arial"/>
       </a:defRPr>
     </a:lvl5pPr>
-    <a:lvl6pPr lvl="5" marR="0" rtl="0" algn="l">
+    <a:lvl6pPr marR="0" lvl="5" algn="l" rtl="0">
       <a:lnSpc>
         <a:spcPct val="100000"/>
       </a:lnSpc>
@@ -603,7 +618,7 @@
         <a:srgbClr val="000000"/>
       </a:buClr>
       <a:buFont typeface="Arial"/>
-      <a:defRPr b="0" i="0" sz="1400" u="none" cap="none" strike="noStrike">
+      <a:defRPr sz="1400" b="0" i="0" u="none" strike="noStrike" cap="none">
         <a:solidFill>
           <a:srgbClr val="000000"/>
         </a:solidFill>
@@ -613,7 +628,7 @@
         <a:sym typeface="Arial"/>
       </a:defRPr>
     </a:lvl6pPr>
-    <a:lvl7pPr lvl="6" marR="0" rtl="0" algn="l">
+    <a:lvl7pPr marR="0" lvl="6" algn="l" rtl="0">
       <a:lnSpc>
         <a:spcPct val="100000"/>
       </a:lnSpc>
@@ -627,7 +642,7 @@
         <a:srgbClr val="000000"/>
       </a:buClr>
       <a:buFont typeface="Arial"/>
-      <a:defRPr b="0" i="0" sz="1400" u="none" cap="none" strike="noStrike">
+      <a:defRPr sz="1400" b="0" i="0" u="none" strike="noStrike" cap="none">
         <a:solidFill>
           <a:srgbClr val="000000"/>
         </a:solidFill>
@@ -637,7 +652,7 @@
         <a:sym typeface="Arial"/>
       </a:defRPr>
     </a:lvl7pPr>
-    <a:lvl8pPr lvl="7" marR="0" rtl="0" algn="l">
+    <a:lvl8pPr marR="0" lvl="7" algn="l" rtl="0">
       <a:lnSpc>
         <a:spcPct val="100000"/>
       </a:lnSpc>
@@ -651,7 +666,7 @@
         <a:srgbClr val="000000"/>
       </a:buClr>
       <a:buFont typeface="Arial"/>
-      <a:defRPr b="0" i="0" sz="1400" u="none" cap="none" strike="noStrike">
+      <a:defRPr sz="1400" b="0" i="0" u="none" strike="noStrike" cap="none">
         <a:solidFill>
           <a:srgbClr val="000000"/>
         </a:solidFill>
@@ -661,7 +676,7 @@
         <a:sym typeface="Arial"/>
       </a:defRPr>
     </a:lvl8pPr>
-    <a:lvl9pPr lvl="8" marR="0" rtl="0" algn="l">
+    <a:lvl9pPr marR="0" lvl="8" algn="l" rtl="0">
       <a:lnSpc>
         <a:spcPct val="100000"/>
       </a:lnSpc>
@@ -675,7 +690,7 @@
         <a:srgbClr val="000000"/>
       </a:buClr>
       <a:buFont typeface="Arial"/>
-      <a:defRPr b="0" i="0" sz="1400" u="none" cap="none" strike="noStrike">
+      <a:defRPr sz="1400" b="0" i="0" u="none" strike="noStrike" cap="none">
         <a:solidFill>
           <a:srgbClr val="000000"/>
         </a:solidFill>
@@ -690,11 +705,11 @@
 </file>
 
 <file path=ppt/notesSlides/notesSlide1.xml><?xml version="1.0" encoding="utf-8"?>
-<p:notes xmlns:a="http://schemas.openxmlformats.org/drawingml/2006/main" xmlns:r="http://schemas.openxmlformats.org/officeDocument/2006/relationships" xmlns:mc="http://schemas.openxmlformats.org/markup-compatibility/2006" xmlns:mv="urn:schemas-microsoft-com:mac:vml" xmlns:p="http://schemas.openxmlformats.org/presentationml/2006/main" xmlns:c="http://schemas.openxmlformats.org/drawingml/2006/chart" xmlns:dgm="http://schemas.openxmlformats.org/drawingml/2006/diagram" xmlns:o="urn:schemas-microsoft-com:office:office" xmlns:v="urn:schemas-microsoft-com:vml" xmlns:pvml="urn:schemas-microsoft-com:office:powerpoint" xmlns:com="http://schemas.openxmlformats.org/drawingml/2006/compatibility" xmlns:p14="http://schemas.microsoft.com/office/powerpoint/2010/main" xmlns:p15="http://schemas.microsoft.com/office/powerpoint/2012/main" xmlns:ahyp="http://schemas.microsoft.com/office/drawing/2018/hyperlinkcolor" showMasterPhAnim="0" showMasterSp="0">
+<p:notes xmlns:a="http://schemas.openxmlformats.org/drawingml/2006/main" xmlns:r="http://schemas.openxmlformats.org/officeDocument/2006/relationships" xmlns:p="http://schemas.openxmlformats.org/presentationml/2006/main" showMasterSp="0" showMasterPhAnim="0">
   <p:cSld>
     <p:spTree>
       <p:nvGrpSpPr>
-        <p:cNvPr id="50" name="Shape 50"/>
+        <p:cNvPr id="1" name="Shape 50"/>
         <p:cNvGrpSpPr/>
         <p:nvPr/>
       </p:nvGrpSpPr>
@@ -709,20 +724,26 @@
       <p:sp>
         <p:nvSpPr>
           <p:cNvPr id="51" name="Google Shape;51;p:notes"/>
-          <p:cNvSpPr/>
+          <p:cNvSpPr>
+            <a:spLocks noGrp="1" noRot="1" noChangeAspect="1"/>
+          </p:cNvSpPr>
           <p:nvPr>
-            <p:ph idx="2" type="sldImg"/>
+            <p:ph type="sldImg" idx="2"/>
           </p:nvPr>
         </p:nvSpPr>
         <p:spPr>
           <a:xfrm>
-            <a:off x="381300" y="685800"/>
-            <a:ext cx="6096075" cy="3429000"/>
+            <a:off x="381000" y="685800"/>
+            <a:ext cx="6096000" cy="3429000"/>
           </a:xfrm>
           <a:custGeom>
-            <a:rect b="b" l="l" r="r" t="t"/>
+            <a:avLst/>
+            <a:gdLst/>
+            <a:ahLst/>
+            <a:cxnLst/>
+            <a:rect l="l" t="t" r="r" b="b"/>
             <a:pathLst>
-              <a:path extrusionOk="0" h="120000" w="120000">
+              <a:path w="120000" h="120000" extrusionOk="0">
                 <a:moveTo>
                   <a:pt x="0" y="0"/>
                 </a:moveTo>
@@ -744,9 +765,11 @@
       <p:sp>
         <p:nvSpPr>
           <p:cNvPr id="52" name="Google Shape;52;p:notes"/>
-          <p:cNvSpPr txBox="1"/>
+          <p:cNvSpPr txBox="1">
+            <a:spLocks noGrp="1"/>
+          </p:cNvSpPr>
           <p:nvPr>
-            <p:ph idx="1" type="body"/>
+            <p:ph type="body" idx="1"/>
           </p:nvPr>
         </p:nvSpPr>
         <p:spPr>
@@ -759,12 +782,12 @@
           </a:prstGeom>
         </p:spPr>
         <p:txBody>
-          <a:bodyPr anchorCtr="0" anchor="t" bIns="91425" lIns="91425" spcFirstLastPara="1" rIns="91425" wrap="square" tIns="91425">
+          <a:bodyPr spcFirstLastPara="1" wrap="square" lIns="91425" tIns="91425" rIns="91425" bIns="91425" anchor="t" anchorCtr="0">
             <a:noAutofit/>
           </a:bodyPr>
           <a:lstStyle/>
           <a:p>
-            <a:pPr indent="0" lvl="0" marL="0" rtl="0" algn="l">
+            <a:pPr marL="0" lvl="0" indent="0" algn="l" rtl="0">
               <a:spcBef>
                 <a:spcPts val="0"/>
               </a:spcBef>
@@ -773,9 +796,6 @@
               </a:spcAft>
               <a:buNone/>
             </a:pPr>
-            <a:r>
-              <a:t/>
-            </a:r>
             <a:endParaRPr/>
           </a:p>
         </p:txBody>
@@ -789,11 +809,11 @@
 </file>
 
 <file path=ppt/notesSlides/notesSlide2.xml><?xml version="1.0" encoding="utf-8"?>
-<p:notes xmlns:a="http://schemas.openxmlformats.org/drawingml/2006/main" xmlns:r="http://schemas.openxmlformats.org/officeDocument/2006/relationships" xmlns:mc="http://schemas.openxmlformats.org/markup-compatibility/2006" xmlns:mv="urn:schemas-microsoft-com:mac:vml" xmlns:p="http://schemas.openxmlformats.org/presentationml/2006/main" xmlns:c="http://schemas.openxmlformats.org/drawingml/2006/chart" xmlns:dgm="http://schemas.openxmlformats.org/drawingml/2006/diagram" xmlns:o="urn:schemas-microsoft-com:office:office" xmlns:v="urn:schemas-microsoft-com:vml" xmlns:pvml="urn:schemas-microsoft-com:office:powerpoint" xmlns:com="http://schemas.openxmlformats.org/drawingml/2006/compatibility" xmlns:p14="http://schemas.microsoft.com/office/powerpoint/2010/main" xmlns:p15="http://schemas.microsoft.com/office/powerpoint/2012/main" xmlns:ahyp="http://schemas.microsoft.com/office/drawing/2018/hyperlinkcolor" showMasterPhAnim="0" showMasterSp="0">
+<p:notes xmlns:a="http://schemas.openxmlformats.org/drawingml/2006/main" xmlns:r="http://schemas.openxmlformats.org/officeDocument/2006/relationships" xmlns:p="http://schemas.openxmlformats.org/presentationml/2006/main" showMasterSp="0" showMasterPhAnim="0">
   <p:cSld>
     <p:spTree>
       <p:nvGrpSpPr>
-        <p:cNvPr id="98" name="Shape 98"/>
+        <p:cNvPr id="1" name="Shape 98"/>
         <p:cNvGrpSpPr/>
         <p:nvPr/>
       </p:nvGrpSpPr>
@@ -808,20 +828,26 @@
       <p:sp>
         <p:nvSpPr>
           <p:cNvPr id="99" name="Google Shape;99;g176827bff65_0_32:notes"/>
-          <p:cNvSpPr/>
+          <p:cNvSpPr>
+            <a:spLocks noGrp="1" noRot="1" noChangeAspect="1"/>
+          </p:cNvSpPr>
           <p:nvPr>
-            <p:ph idx="2" type="sldImg"/>
+            <p:ph type="sldImg" idx="2"/>
           </p:nvPr>
         </p:nvSpPr>
         <p:spPr>
           <a:xfrm>
-            <a:off x="381300" y="685800"/>
+            <a:off x="381000" y="685800"/>
             <a:ext cx="6096000" cy="3429000"/>
           </a:xfrm>
           <a:custGeom>
-            <a:rect b="b" l="l" r="r" t="t"/>
+            <a:avLst/>
+            <a:gdLst/>
+            <a:ahLst/>
+            <a:cxnLst/>
+            <a:rect l="l" t="t" r="r" b="b"/>
             <a:pathLst>
-              <a:path extrusionOk="0" h="120000" w="120000">
+              <a:path w="120000" h="120000" extrusionOk="0">
                 <a:moveTo>
                   <a:pt x="0" y="0"/>
                 </a:moveTo>
@@ -843,9 +869,11 @@
       <p:sp>
         <p:nvSpPr>
           <p:cNvPr id="100" name="Google Shape;100;g176827bff65_0_32:notes"/>
-          <p:cNvSpPr txBox="1"/>
+          <p:cNvSpPr txBox="1">
+            <a:spLocks noGrp="1"/>
+          </p:cNvSpPr>
           <p:nvPr>
-            <p:ph idx="1" type="body"/>
+            <p:ph type="body" idx="1"/>
           </p:nvPr>
         </p:nvSpPr>
         <p:spPr>
@@ -858,12 +886,12 @@
           </a:prstGeom>
         </p:spPr>
         <p:txBody>
-          <a:bodyPr anchorCtr="0" anchor="t" bIns="91425" lIns="91425" spcFirstLastPara="1" rIns="91425" wrap="square" tIns="91425">
+          <a:bodyPr spcFirstLastPara="1" wrap="square" lIns="91425" tIns="91425" rIns="91425" bIns="91425" anchor="t" anchorCtr="0">
             <a:noAutofit/>
           </a:bodyPr>
           <a:lstStyle/>
           <a:p>
-            <a:pPr indent="0" lvl="0" marL="0" rtl="0" algn="l">
+            <a:pPr marL="0" lvl="0" indent="0" algn="l" rtl="0">
               <a:spcBef>
                 <a:spcPts val="0"/>
               </a:spcBef>
@@ -872,9 +900,6 @@
               </a:spcAft>
               <a:buNone/>
             </a:pPr>
-            <a:r>
-              <a:t/>
-            </a:r>
             <a:endParaRPr/>
           </a:p>
         </p:txBody>
@@ -888,11 +913,11 @@
 </file>
 
 <file path=ppt/notesSlides/notesSlide3.xml><?xml version="1.0" encoding="utf-8"?>
-<p:notes xmlns:a="http://schemas.openxmlformats.org/drawingml/2006/main" xmlns:r="http://schemas.openxmlformats.org/officeDocument/2006/relationships" xmlns:mc="http://schemas.openxmlformats.org/markup-compatibility/2006" xmlns:mv="urn:schemas-microsoft-com:mac:vml" xmlns:p="http://schemas.openxmlformats.org/presentationml/2006/main" xmlns:c="http://schemas.openxmlformats.org/drawingml/2006/chart" xmlns:dgm="http://schemas.openxmlformats.org/drawingml/2006/diagram" xmlns:o="urn:schemas-microsoft-com:office:office" xmlns:v="urn:schemas-microsoft-com:vml" xmlns:pvml="urn:schemas-microsoft-com:office:powerpoint" xmlns:com="http://schemas.openxmlformats.org/drawingml/2006/compatibility" xmlns:p14="http://schemas.microsoft.com/office/powerpoint/2010/main" xmlns:p15="http://schemas.microsoft.com/office/powerpoint/2012/main" xmlns:ahyp="http://schemas.microsoft.com/office/drawing/2018/hyperlinkcolor" showMasterPhAnim="0" showMasterSp="0">
+<p:notes xmlns:a="http://schemas.openxmlformats.org/drawingml/2006/main" xmlns:r="http://schemas.openxmlformats.org/officeDocument/2006/relationships" xmlns:p="http://schemas.openxmlformats.org/presentationml/2006/main" showMasterSp="0" showMasterPhAnim="0">
   <p:cSld>
     <p:spTree>
       <p:nvGrpSpPr>
-        <p:cNvPr id="154" name="Shape 154"/>
+        <p:cNvPr id="1" name="Shape 154"/>
         <p:cNvGrpSpPr/>
         <p:nvPr/>
       </p:nvGrpSpPr>
@@ -907,20 +932,26 @@
       <p:sp>
         <p:nvSpPr>
           <p:cNvPr id="155" name="Google Shape;155;g176827bff65_0_105:notes"/>
-          <p:cNvSpPr/>
+          <p:cNvSpPr>
+            <a:spLocks noGrp="1" noRot="1" noChangeAspect="1"/>
+          </p:cNvSpPr>
           <p:nvPr>
-            <p:ph idx="2" type="sldImg"/>
+            <p:ph type="sldImg" idx="2"/>
           </p:nvPr>
         </p:nvSpPr>
         <p:spPr>
           <a:xfrm>
-            <a:off x="381300" y="685800"/>
+            <a:off x="381000" y="685800"/>
             <a:ext cx="6096000" cy="3429000"/>
           </a:xfrm>
           <a:custGeom>
-            <a:rect b="b" l="l" r="r" t="t"/>
+            <a:avLst/>
+            <a:gdLst/>
+            <a:ahLst/>
+            <a:cxnLst/>
+            <a:rect l="l" t="t" r="r" b="b"/>
             <a:pathLst>
-              <a:path extrusionOk="0" h="120000" w="120000">
+              <a:path w="120000" h="120000" extrusionOk="0">
                 <a:moveTo>
                   <a:pt x="0" y="0"/>
                 </a:moveTo>
@@ -942,9 +973,11 @@
       <p:sp>
         <p:nvSpPr>
           <p:cNvPr id="156" name="Google Shape;156;g176827bff65_0_105:notes"/>
-          <p:cNvSpPr txBox="1"/>
+          <p:cNvSpPr txBox="1">
+            <a:spLocks noGrp="1"/>
+          </p:cNvSpPr>
           <p:nvPr>
-            <p:ph idx="1" type="body"/>
+            <p:ph type="body" idx="1"/>
           </p:nvPr>
         </p:nvSpPr>
         <p:spPr>
@@ -957,12 +990,12 @@
           </a:prstGeom>
         </p:spPr>
         <p:txBody>
-          <a:bodyPr anchorCtr="0" anchor="t" bIns="91425" lIns="91425" spcFirstLastPara="1" rIns="91425" wrap="square" tIns="91425">
+          <a:bodyPr spcFirstLastPara="1" wrap="square" lIns="91425" tIns="91425" rIns="91425" bIns="91425" anchor="t" anchorCtr="0">
             <a:noAutofit/>
           </a:bodyPr>
           <a:lstStyle/>
           <a:p>
-            <a:pPr indent="0" lvl="0" marL="0" rtl="0" algn="l">
+            <a:pPr marL="0" lvl="0" indent="0" algn="l" rtl="0">
               <a:spcBef>
                 <a:spcPts val="0"/>
               </a:spcBef>
@@ -971,9 +1004,6 @@
               </a:spcAft>
               <a:buNone/>
             </a:pPr>
-            <a:r>
-              <a:t/>
-            </a:r>
             <a:endParaRPr/>
           </a:p>
         </p:txBody>
@@ -987,11 +1017,11 @@
 </file>
 
 <file path=ppt/notesSlides/notesSlide4.xml><?xml version="1.0" encoding="utf-8"?>
-<p:notes xmlns:a="http://schemas.openxmlformats.org/drawingml/2006/main" xmlns:r="http://schemas.openxmlformats.org/officeDocument/2006/relationships" xmlns:mc="http://schemas.openxmlformats.org/markup-compatibility/2006" xmlns:mv="urn:schemas-microsoft-com:mac:vml" xmlns:p="http://schemas.openxmlformats.org/presentationml/2006/main" xmlns:c="http://schemas.openxmlformats.org/drawingml/2006/chart" xmlns:dgm="http://schemas.openxmlformats.org/drawingml/2006/diagram" xmlns:o="urn:schemas-microsoft-com:office:office" xmlns:v="urn:schemas-microsoft-com:vml" xmlns:pvml="urn:schemas-microsoft-com:office:powerpoint" xmlns:com="http://schemas.openxmlformats.org/drawingml/2006/compatibility" xmlns:p14="http://schemas.microsoft.com/office/powerpoint/2010/main" xmlns:p15="http://schemas.microsoft.com/office/powerpoint/2012/main" xmlns:ahyp="http://schemas.microsoft.com/office/drawing/2018/hyperlinkcolor" showMasterPhAnim="0" showMasterSp="0">
+<p:notes xmlns:a="http://schemas.openxmlformats.org/drawingml/2006/main" xmlns:r="http://schemas.openxmlformats.org/officeDocument/2006/relationships" xmlns:p="http://schemas.openxmlformats.org/presentationml/2006/main" showMasterSp="0" showMasterPhAnim="0">
   <p:cSld>
     <p:spTree>
       <p:nvGrpSpPr>
-        <p:cNvPr id="227" name="Shape 227"/>
+        <p:cNvPr id="1" name="Shape 227"/>
         <p:cNvGrpSpPr/>
         <p:nvPr/>
       </p:nvGrpSpPr>
@@ -1006,9 +1036,11 @@
       <p:sp>
         <p:nvSpPr>
           <p:cNvPr id="228" name="Google Shape;228;g17a3dd5f245_0_33:notes"/>
-          <p:cNvSpPr/>
+          <p:cNvSpPr>
+            <a:spLocks noGrp="1" noRot="1" noChangeAspect="1"/>
+          </p:cNvSpPr>
           <p:nvPr>
-            <p:ph idx="2" type="sldImg"/>
+            <p:ph type="sldImg" idx="2"/>
           </p:nvPr>
         </p:nvSpPr>
         <p:spPr>
@@ -1017,9 +1049,13 @@
             <a:ext cx="6096000" cy="3429000"/>
           </a:xfrm>
           <a:custGeom>
-            <a:rect b="b" l="l" r="r" t="t"/>
+            <a:avLst/>
+            <a:gdLst/>
+            <a:ahLst/>
+            <a:cxnLst/>
+            <a:rect l="l" t="t" r="r" b="b"/>
             <a:pathLst>
-              <a:path extrusionOk="0" h="120000" w="120000">
+              <a:path w="120000" h="120000" extrusionOk="0">
                 <a:moveTo>
                   <a:pt x="0" y="0"/>
                 </a:moveTo>
@@ -1041,9 +1077,11 @@
       <p:sp>
         <p:nvSpPr>
           <p:cNvPr id="229" name="Google Shape;229;g17a3dd5f245_0_33:notes"/>
-          <p:cNvSpPr txBox="1"/>
+          <p:cNvSpPr txBox="1">
+            <a:spLocks noGrp="1"/>
+          </p:cNvSpPr>
           <p:nvPr>
-            <p:ph idx="1" type="body"/>
+            <p:ph type="body" idx="1"/>
           </p:nvPr>
         </p:nvSpPr>
         <p:spPr>
@@ -1056,12 +1094,12 @@
           </a:prstGeom>
         </p:spPr>
         <p:txBody>
-          <a:bodyPr anchorCtr="0" anchor="t" bIns="91425" lIns="91425" spcFirstLastPara="1" rIns="91425" wrap="square" tIns="91425">
+          <a:bodyPr spcFirstLastPara="1" wrap="square" lIns="91425" tIns="91425" rIns="91425" bIns="91425" anchor="t" anchorCtr="0">
             <a:noAutofit/>
           </a:bodyPr>
           <a:lstStyle/>
           <a:p>
-            <a:pPr indent="0" lvl="0" marL="0" rtl="0" algn="l">
+            <a:pPr marL="0" lvl="0" indent="0" algn="l" rtl="0">
               <a:spcBef>
                 <a:spcPts val="0"/>
               </a:spcBef>
@@ -1070,9 +1108,6 @@
               </a:spcAft>
               <a:buNone/>
             </a:pPr>
-            <a:r>
-              <a:t/>
-            </a:r>
             <a:endParaRPr/>
           </a:p>
         </p:txBody>
@@ -1086,11 +1121,11 @@
 </file>
 
 <file path=ppt/slideLayouts/slideLayout1.xml><?xml version="1.0" encoding="utf-8"?>
-<p:sldLayout xmlns:a="http://schemas.openxmlformats.org/drawingml/2006/main" xmlns:r="http://schemas.openxmlformats.org/officeDocument/2006/relationships" xmlns:mc="http://schemas.openxmlformats.org/markup-compatibility/2006" xmlns:mv="urn:schemas-microsoft-com:mac:vml" xmlns:p="http://schemas.openxmlformats.org/presentationml/2006/main" xmlns:c="http://schemas.openxmlformats.org/drawingml/2006/chart" xmlns:dgm="http://schemas.openxmlformats.org/drawingml/2006/diagram" xmlns:o="urn:schemas-microsoft-com:office:office" xmlns:v="urn:schemas-microsoft-com:vml" xmlns:pvml="urn:schemas-microsoft-com:office:powerpoint" xmlns:com="http://schemas.openxmlformats.org/drawingml/2006/compatibility" xmlns:p14="http://schemas.microsoft.com/office/powerpoint/2010/main" xmlns:p15="http://schemas.microsoft.com/office/powerpoint/2012/main" xmlns:ahyp="http://schemas.microsoft.com/office/drawing/2018/hyperlinkcolor" matchingName="Title slide" type="title">
+<p:sldLayout xmlns:a="http://schemas.openxmlformats.org/drawingml/2006/main" xmlns:r="http://schemas.openxmlformats.org/officeDocument/2006/relationships" xmlns:p="http://schemas.openxmlformats.org/presentationml/2006/main" matchingName="Title slide" type="title">
   <p:cSld name="TITLE">
     <p:spTree>
       <p:nvGrpSpPr>
-        <p:cNvPr id="9" name="Shape 9"/>
+        <p:cNvPr id="1" name="Shape 9"/>
         <p:cNvGrpSpPr/>
         <p:nvPr/>
       </p:nvGrpSpPr>
@@ -1105,7 +1140,9 @@
       <p:sp>
         <p:nvSpPr>
           <p:cNvPr id="10" name="Google Shape;10;p2"/>
-          <p:cNvSpPr txBox="1"/>
+          <p:cNvSpPr txBox="1">
+            <a:spLocks noGrp="1"/>
+          </p:cNvSpPr>
           <p:nvPr>
             <p:ph type="ctrTitle"/>
           </p:nvPr>
@@ -1120,7 +1157,7 @@
           </a:prstGeom>
         </p:spPr>
         <p:txBody>
-          <a:bodyPr anchorCtr="0" anchor="b" bIns="91425" lIns="91425" spcFirstLastPara="1" rIns="91425" wrap="square" tIns="91425">
+          <a:bodyPr spcFirstLastPara="1" wrap="square" lIns="91425" tIns="91425" rIns="91425" bIns="91425" anchor="b" anchorCtr="0">
             <a:normAutofit/>
           </a:bodyPr>
           <a:lstStyle>
@@ -1224,15 +1261,19 @@
               <a:defRPr sz="5200"/>
             </a:lvl9pPr>
           </a:lstStyle>
-          <a:p/>
+          <a:p>
+            <a:endParaRPr/>
+          </a:p>
         </p:txBody>
       </p:sp>
       <p:sp>
         <p:nvSpPr>
           <p:cNvPr id="11" name="Google Shape;11;p2"/>
-          <p:cNvSpPr txBox="1"/>
+          <p:cNvSpPr txBox="1">
+            <a:spLocks noGrp="1"/>
+          </p:cNvSpPr>
           <p:nvPr>
-            <p:ph idx="1" type="subTitle"/>
+            <p:ph type="subTitle" idx="1"/>
           </p:nvPr>
         </p:nvSpPr>
         <p:spPr>
@@ -1245,7 +1286,7 @@
           </a:prstGeom>
         </p:spPr>
         <p:txBody>
-          <a:bodyPr anchorCtr="0" anchor="t" bIns="91425" lIns="91425" spcFirstLastPara="1" rIns="91425" wrap="square" tIns="91425">
+          <a:bodyPr spcFirstLastPara="1" wrap="square" lIns="91425" tIns="91425" rIns="91425" bIns="91425" anchor="t" anchorCtr="0">
             <a:normAutofit/>
           </a:bodyPr>
           <a:lstStyle>
@@ -1376,15 +1417,19 @@
               <a:defRPr sz="2800"/>
             </a:lvl9pPr>
           </a:lstStyle>
-          <a:p/>
+          <a:p>
+            <a:endParaRPr/>
+          </a:p>
         </p:txBody>
       </p:sp>
       <p:sp>
         <p:nvSpPr>
           <p:cNvPr id="12" name="Google Shape;12;p2"/>
-          <p:cNvSpPr txBox="1"/>
+          <p:cNvSpPr txBox="1">
+            <a:spLocks noGrp="1"/>
+          </p:cNvSpPr>
           <p:nvPr>
-            <p:ph idx="12" type="sldNum"/>
+            <p:ph type="sldNum" idx="12"/>
           </p:nvPr>
         </p:nvSpPr>
         <p:spPr>
@@ -1397,7 +1442,7 @@
           </a:prstGeom>
         </p:spPr>
         <p:txBody>
-          <a:bodyPr anchorCtr="0" anchor="ctr" bIns="91425" lIns="91425" spcFirstLastPara="1" rIns="91425" wrap="square" tIns="91425">
+          <a:bodyPr spcFirstLastPara="1" wrap="square" lIns="91425" tIns="91425" rIns="91425" bIns="91425" anchor="ctr" anchorCtr="0">
             <a:normAutofit/>
           </a:bodyPr>
           <a:lstStyle>
@@ -1439,7 +1484,7 @@
             </a:lvl9pPr>
           </a:lstStyle>
           <a:p>
-            <a:pPr indent="0" lvl="0" marL="0" rtl="0" algn="r">
+            <a:pPr marL="0" lvl="0" indent="0" algn="r" rtl="0">
               <a:spcBef>
                 <a:spcPts val="0"/>
               </a:spcBef>
@@ -1465,11 +1510,11 @@
 </file>
 
 <file path=ppt/slideLayouts/slideLayout10.xml><?xml version="1.0" encoding="utf-8"?>
-<p:sldLayout xmlns:a="http://schemas.openxmlformats.org/drawingml/2006/main" xmlns:r="http://schemas.openxmlformats.org/officeDocument/2006/relationships" xmlns:mc="http://schemas.openxmlformats.org/markup-compatibility/2006" xmlns:mv="urn:schemas-microsoft-com:mac:vml" xmlns:p="http://schemas.openxmlformats.org/presentationml/2006/main" xmlns:c="http://schemas.openxmlformats.org/drawingml/2006/chart" xmlns:dgm="http://schemas.openxmlformats.org/drawingml/2006/diagram" xmlns:o="urn:schemas-microsoft-com:office:office" xmlns:v="urn:schemas-microsoft-com:vml" xmlns:pvml="urn:schemas-microsoft-com:office:powerpoint" xmlns:com="http://schemas.openxmlformats.org/drawingml/2006/compatibility" xmlns:p14="http://schemas.microsoft.com/office/powerpoint/2010/main" xmlns:p15="http://schemas.microsoft.com/office/powerpoint/2012/main" xmlns:ahyp="http://schemas.microsoft.com/office/drawing/2018/hyperlinkcolor" matchingName="Big number">
+<p:sldLayout xmlns:a="http://schemas.openxmlformats.org/drawingml/2006/main" xmlns:r="http://schemas.openxmlformats.org/officeDocument/2006/relationships" xmlns:p="http://schemas.openxmlformats.org/presentationml/2006/main" matchingName="Big number">
   <p:cSld name="BIG_NUMBER">
     <p:spTree>
       <p:nvGrpSpPr>
-        <p:cNvPr id="44" name="Shape 44"/>
+        <p:cNvPr id="1" name="Shape 44"/>
         <p:cNvGrpSpPr/>
         <p:nvPr/>
       </p:nvGrpSpPr>
@@ -1484,9 +1529,11 @@
       <p:sp>
         <p:nvSpPr>
           <p:cNvPr id="45" name="Google Shape;45;p11"/>
-          <p:cNvSpPr txBox="1"/>
+          <p:cNvSpPr txBox="1">
+            <a:spLocks noGrp="1"/>
+          </p:cNvSpPr>
           <p:nvPr>
-            <p:ph hasCustomPrompt="1" type="title"/>
+            <p:ph type="title" hasCustomPrompt="1"/>
           </p:nvPr>
         </p:nvSpPr>
         <p:spPr>
@@ -1499,7 +1546,7 @@
           </a:prstGeom>
         </p:spPr>
         <p:txBody>
-          <a:bodyPr anchorCtr="0" anchor="b" bIns="91425" lIns="91425" spcFirstLastPara="1" rIns="91425" wrap="square" tIns="91425">
+          <a:bodyPr spcFirstLastPara="1" wrap="square" lIns="91425" tIns="91425" rIns="91425" bIns="91425" anchor="b" anchorCtr="0">
             <a:normAutofit/>
           </a:bodyPr>
           <a:lstStyle>
@@ -1613,9 +1660,11 @@
       <p:sp>
         <p:nvSpPr>
           <p:cNvPr id="46" name="Google Shape;46;p11"/>
-          <p:cNvSpPr txBox="1"/>
+          <p:cNvSpPr txBox="1">
+            <a:spLocks noGrp="1"/>
+          </p:cNvSpPr>
           <p:nvPr>
-            <p:ph idx="1" type="body"/>
+            <p:ph type="body" idx="1"/>
           </p:nvPr>
         </p:nvSpPr>
         <p:spPr>
@@ -1628,11 +1677,11 @@
           </a:prstGeom>
         </p:spPr>
         <p:txBody>
-          <a:bodyPr anchorCtr="0" anchor="t" bIns="91425" lIns="91425" spcFirstLastPara="1" rIns="91425" wrap="square" tIns="91425">
+          <a:bodyPr spcFirstLastPara="1" wrap="square" lIns="91425" tIns="91425" rIns="91425" bIns="91425" anchor="t" anchorCtr="0">
             <a:normAutofit/>
           </a:bodyPr>
           <a:lstStyle>
-            <a:lvl1pPr indent="-342900" lvl="0" marL="457200" algn="ctr">
+            <a:lvl1pPr marL="457200" lvl="0" indent="-342900" algn="ctr">
               <a:spcBef>
                 <a:spcPts val="0"/>
               </a:spcBef>
@@ -1643,7 +1692,7 @@
               <a:buChar char="●"/>
               <a:defRPr/>
             </a:lvl1pPr>
-            <a:lvl2pPr indent="-317500" lvl="1" marL="914400" algn="ctr">
+            <a:lvl2pPr marL="914400" lvl="1" indent="-317500" algn="ctr">
               <a:spcBef>
                 <a:spcPts val="0"/>
               </a:spcBef>
@@ -1654,7 +1703,7 @@
               <a:buChar char="○"/>
               <a:defRPr/>
             </a:lvl2pPr>
-            <a:lvl3pPr indent="-317500" lvl="2" marL="1371600" algn="ctr">
+            <a:lvl3pPr marL="1371600" lvl="2" indent="-317500" algn="ctr">
               <a:spcBef>
                 <a:spcPts val="0"/>
               </a:spcBef>
@@ -1665,7 +1714,7 @@
               <a:buChar char="■"/>
               <a:defRPr/>
             </a:lvl3pPr>
-            <a:lvl4pPr indent="-317500" lvl="3" marL="1828800" algn="ctr">
+            <a:lvl4pPr marL="1828800" lvl="3" indent="-317500" algn="ctr">
               <a:spcBef>
                 <a:spcPts val="0"/>
               </a:spcBef>
@@ -1676,7 +1725,7 @@
               <a:buChar char="●"/>
               <a:defRPr/>
             </a:lvl4pPr>
-            <a:lvl5pPr indent="-317500" lvl="4" marL="2286000" algn="ctr">
+            <a:lvl5pPr marL="2286000" lvl="4" indent="-317500" algn="ctr">
               <a:spcBef>
                 <a:spcPts val="0"/>
               </a:spcBef>
@@ -1687,7 +1736,7 @@
               <a:buChar char="○"/>
               <a:defRPr/>
             </a:lvl5pPr>
-            <a:lvl6pPr indent="-317500" lvl="5" marL="2743200" algn="ctr">
+            <a:lvl6pPr marL="2743200" lvl="5" indent="-317500" algn="ctr">
               <a:spcBef>
                 <a:spcPts val="0"/>
               </a:spcBef>
@@ -1698,7 +1747,7 @@
               <a:buChar char="■"/>
               <a:defRPr/>
             </a:lvl6pPr>
-            <a:lvl7pPr indent="-317500" lvl="6" marL="3200400" algn="ctr">
+            <a:lvl7pPr marL="3200400" lvl="6" indent="-317500" algn="ctr">
               <a:spcBef>
                 <a:spcPts val="0"/>
               </a:spcBef>
@@ -1709,7 +1758,7 @@
               <a:buChar char="●"/>
               <a:defRPr/>
             </a:lvl7pPr>
-            <a:lvl8pPr indent="-317500" lvl="7" marL="3657600" algn="ctr">
+            <a:lvl8pPr marL="3657600" lvl="7" indent="-317500" algn="ctr">
               <a:spcBef>
                 <a:spcPts val="0"/>
               </a:spcBef>
@@ -1720,7 +1769,7 @@
               <a:buChar char="○"/>
               <a:defRPr/>
             </a:lvl8pPr>
-            <a:lvl9pPr indent="-317500" lvl="8" marL="4114800" algn="ctr">
+            <a:lvl9pPr marL="4114800" lvl="8" indent="-317500" algn="ctr">
               <a:spcBef>
                 <a:spcPts val="0"/>
               </a:spcBef>
@@ -1732,15 +1781,19 @@
               <a:defRPr/>
             </a:lvl9pPr>
           </a:lstStyle>
-          <a:p/>
+          <a:p>
+            <a:endParaRPr/>
+          </a:p>
         </p:txBody>
       </p:sp>
       <p:sp>
         <p:nvSpPr>
           <p:cNvPr id="47" name="Google Shape;47;p11"/>
-          <p:cNvSpPr txBox="1"/>
+          <p:cNvSpPr txBox="1">
+            <a:spLocks noGrp="1"/>
+          </p:cNvSpPr>
           <p:nvPr>
-            <p:ph idx="12" type="sldNum"/>
+            <p:ph type="sldNum" idx="12"/>
           </p:nvPr>
         </p:nvSpPr>
         <p:spPr>
@@ -1753,7 +1806,7 @@
           </a:prstGeom>
         </p:spPr>
         <p:txBody>
-          <a:bodyPr anchorCtr="0" anchor="ctr" bIns="91425" lIns="91425" spcFirstLastPara="1" rIns="91425" wrap="square" tIns="91425">
+          <a:bodyPr spcFirstLastPara="1" wrap="square" lIns="91425" tIns="91425" rIns="91425" bIns="91425" anchor="ctr" anchorCtr="0">
             <a:normAutofit/>
           </a:bodyPr>
           <a:lstStyle>
@@ -1795,7 +1848,7 @@
             </a:lvl9pPr>
           </a:lstStyle>
           <a:p>
-            <a:pPr indent="0" lvl="0" marL="0" rtl="0" algn="r">
+            <a:pPr marL="0" lvl="0" indent="0" algn="r" rtl="0">
               <a:spcBef>
                 <a:spcPts val="0"/>
               </a:spcBef>
@@ -1821,11 +1874,11 @@
 </file>
 
 <file path=ppt/slideLayouts/slideLayout11.xml><?xml version="1.0" encoding="utf-8"?>
-<p:sldLayout xmlns:a="http://schemas.openxmlformats.org/drawingml/2006/main" xmlns:r="http://schemas.openxmlformats.org/officeDocument/2006/relationships" xmlns:mc="http://schemas.openxmlformats.org/markup-compatibility/2006" xmlns:mv="urn:schemas-microsoft-com:mac:vml" xmlns:p="http://schemas.openxmlformats.org/presentationml/2006/main" xmlns:c="http://schemas.openxmlformats.org/drawingml/2006/chart" xmlns:dgm="http://schemas.openxmlformats.org/drawingml/2006/diagram" xmlns:o="urn:schemas-microsoft-com:office:office" xmlns:v="urn:schemas-microsoft-com:vml" xmlns:pvml="urn:schemas-microsoft-com:office:powerpoint" xmlns:com="http://schemas.openxmlformats.org/drawingml/2006/compatibility" xmlns:p14="http://schemas.microsoft.com/office/powerpoint/2010/main" xmlns:p15="http://schemas.microsoft.com/office/powerpoint/2012/main" xmlns:ahyp="http://schemas.microsoft.com/office/drawing/2018/hyperlinkcolor" matchingName="Blank" type="blank">
+<p:sldLayout xmlns:a="http://schemas.openxmlformats.org/drawingml/2006/main" xmlns:r="http://schemas.openxmlformats.org/officeDocument/2006/relationships" xmlns:p="http://schemas.openxmlformats.org/presentationml/2006/main" matchingName="Blank" type="blank">
   <p:cSld name="BLANK">
     <p:spTree>
       <p:nvGrpSpPr>
-        <p:cNvPr id="48" name="Shape 48"/>
+        <p:cNvPr id="1" name="Shape 48"/>
         <p:cNvGrpSpPr/>
         <p:nvPr/>
       </p:nvGrpSpPr>
@@ -1840,9 +1893,11 @@
       <p:sp>
         <p:nvSpPr>
           <p:cNvPr id="49" name="Google Shape;49;p12"/>
-          <p:cNvSpPr txBox="1"/>
+          <p:cNvSpPr txBox="1">
+            <a:spLocks noGrp="1"/>
+          </p:cNvSpPr>
           <p:nvPr>
-            <p:ph idx="12" type="sldNum"/>
+            <p:ph type="sldNum" idx="12"/>
           </p:nvPr>
         </p:nvSpPr>
         <p:spPr>
@@ -1855,7 +1910,7 @@
           </a:prstGeom>
         </p:spPr>
         <p:txBody>
-          <a:bodyPr anchorCtr="0" anchor="ctr" bIns="91425" lIns="91425" spcFirstLastPara="1" rIns="91425" wrap="square" tIns="91425">
+          <a:bodyPr spcFirstLastPara="1" wrap="square" lIns="91425" tIns="91425" rIns="91425" bIns="91425" anchor="ctr" anchorCtr="0">
             <a:normAutofit/>
           </a:bodyPr>
           <a:lstStyle>
@@ -1897,7 +1952,7 @@
             </a:lvl9pPr>
           </a:lstStyle>
           <a:p>
-            <a:pPr indent="0" lvl="0" marL="0" rtl="0" algn="r">
+            <a:pPr marL="0" lvl="0" indent="0" algn="r" rtl="0">
               <a:spcBef>
                 <a:spcPts val="0"/>
               </a:spcBef>
@@ -1923,11 +1978,11 @@
 </file>
 
 <file path=ppt/slideLayouts/slideLayout2.xml><?xml version="1.0" encoding="utf-8"?>
-<p:sldLayout xmlns:a="http://schemas.openxmlformats.org/drawingml/2006/main" xmlns:r="http://schemas.openxmlformats.org/officeDocument/2006/relationships" xmlns:mc="http://schemas.openxmlformats.org/markup-compatibility/2006" xmlns:mv="urn:schemas-microsoft-com:mac:vml" xmlns:p="http://schemas.openxmlformats.org/presentationml/2006/main" xmlns:c="http://schemas.openxmlformats.org/drawingml/2006/chart" xmlns:dgm="http://schemas.openxmlformats.org/drawingml/2006/diagram" xmlns:o="urn:schemas-microsoft-com:office:office" xmlns:v="urn:schemas-microsoft-com:vml" xmlns:pvml="urn:schemas-microsoft-com:office:powerpoint" xmlns:com="http://schemas.openxmlformats.org/drawingml/2006/compatibility" xmlns:p14="http://schemas.microsoft.com/office/powerpoint/2010/main" xmlns:p15="http://schemas.microsoft.com/office/powerpoint/2012/main" xmlns:ahyp="http://schemas.microsoft.com/office/drawing/2018/hyperlinkcolor" matchingName="Section header" type="secHead">
+<p:sldLayout xmlns:a="http://schemas.openxmlformats.org/drawingml/2006/main" xmlns:r="http://schemas.openxmlformats.org/officeDocument/2006/relationships" xmlns:p="http://schemas.openxmlformats.org/presentationml/2006/main" matchingName="Section header" type="secHead">
   <p:cSld name="SECTION_HEADER">
     <p:spTree>
       <p:nvGrpSpPr>
-        <p:cNvPr id="13" name="Shape 13"/>
+        <p:cNvPr id="1" name="Shape 13"/>
         <p:cNvGrpSpPr/>
         <p:nvPr/>
       </p:nvGrpSpPr>
@@ -1942,7 +1997,9 @@
       <p:sp>
         <p:nvSpPr>
           <p:cNvPr id="14" name="Google Shape;14;p3"/>
-          <p:cNvSpPr txBox="1"/>
+          <p:cNvSpPr txBox="1">
+            <a:spLocks noGrp="1"/>
+          </p:cNvSpPr>
           <p:nvPr>
             <p:ph type="title"/>
           </p:nvPr>
@@ -1957,7 +2014,7 @@
           </a:prstGeom>
         </p:spPr>
         <p:txBody>
-          <a:bodyPr anchorCtr="0" anchor="ctr" bIns="91425" lIns="91425" spcFirstLastPara="1" rIns="91425" wrap="square" tIns="91425">
+          <a:bodyPr spcFirstLastPara="1" wrap="square" lIns="91425" tIns="91425" rIns="91425" bIns="91425" anchor="ctr" anchorCtr="0">
             <a:normAutofit/>
           </a:bodyPr>
           <a:lstStyle>
@@ -2061,15 +2118,19 @@
               <a:defRPr sz="3600"/>
             </a:lvl9pPr>
           </a:lstStyle>
-          <a:p/>
+          <a:p>
+            <a:endParaRPr/>
+          </a:p>
         </p:txBody>
       </p:sp>
       <p:sp>
         <p:nvSpPr>
           <p:cNvPr id="15" name="Google Shape;15;p3"/>
-          <p:cNvSpPr txBox="1"/>
+          <p:cNvSpPr txBox="1">
+            <a:spLocks noGrp="1"/>
+          </p:cNvSpPr>
           <p:nvPr>
-            <p:ph idx="12" type="sldNum"/>
+            <p:ph type="sldNum" idx="12"/>
           </p:nvPr>
         </p:nvSpPr>
         <p:spPr>
@@ -2082,7 +2143,7 @@
           </a:prstGeom>
         </p:spPr>
         <p:txBody>
-          <a:bodyPr anchorCtr="0" anchor="ctr" bIns="91425" lIns="91425" spcFirstLastPara="1" rIns="91425" wrap="square" tIns="91425">
+          <a:bodyPr spcFirstLastPara="1" wrap="square" lIns="91425" tIns="91425" rIns="91425" bIns="91425" anchor="ctr" anchorCtr="0">
             <a:normAutofit/>
           </a:bodyPr>
           <a:lstStyle>
@@ -2124,7 +2185,7 @@
             </a:lvl9pPr>
           </a:lstStyle>
           <a:p>
-            <a:pPr indent="0" lvl="0" marL="0" rtl="0" algn="r">
+            <a:pPr marL="0" lvl="0" indent="0" algn="r" rtl="0">
               <a:spcBef>
                 <a:spcPts val="0"/>
               </a:spcBef>
@@ -2150,11 +2211,11 @@
 </file>
 
 <file path=ppt/slideLayouts/slideLayout3.xml><?xml version="1.0" encoding="utf-8"?>
-<p:sldLayout xmlns:a="http://schemas.openxmlformats.org/drawingml/2006/main" xmlns:r="http://schemas.openxmlformats.org/officeDocument/2006/relationships" xmlns:mc="http://schemas.openxmlformats.org/markup-compatibility/2006" xmlns:mv="urn:schemas-microsoft-com:mac:vml" xmlns:p="http://schemas.openxmlformats.org/presentationml/2006/main" xmlns:c="http://schemas.openxmlformats.org/drawingml/2006/chart" xmlns:dgm="http://schemas.openxmlformats.org/drawingml/2006/diagram" xmlns:o="urn:schemas-microsoft-com:office:office" xmlns:v="urn:schemas-microsoft-com:vml" xmlns:pvml="urn:schemas-microsoft-com:office:powerpoint" xmlns:com="http://schemas.openxmlformats.org/drawingml/2006/compatibility" xmlns:p14="http://schemas.microsoft.com/office/powerpoint/2010/main" xmlns:p15="http://schemas.microsoft.com/office/powerpoint/2012/main" xmlns:ahyp="http://schemas.microsoft.com/office/drawing/2018/hyperlinkcolor" matchingName="Title and body" type="tx">
+<p:sldLayout xmlns:a="http://schemas.openxmlformats.org/drawingml/2006/main" xmlns:r="http://schemas.openxmlformats.org/officeDocument/2006/relationships" xmlns:p="http://schemas.openxmlformats.org/presentationml/2006/main" matchingName="Title and body" type="tx">
   <p:cSld name="TITLE_AND_BODY">
     <p:spTree>
       <p:nvGrpSpPr>
-        <p:cNvPr id="16" name="Shape 16"/>
+        <p:cNvPr id="1" name="Shape 16"/>
         <p:cNvGrpSpPr/>
         <p:nvPr/>
       </p:nvGrpSpPr>
@@ -2169,7 +2230,9 @@
       <p:sp>
         <p:nvSpPr>
           <p:cNvPr id="17" name="Google Shape;17;p4"/>
-          <p:cNvSpPr txBox="1"/>
+          <p:cNvSpPr txBox="1">
+            <a:spLocks noGrp="1"/>
+          </p:cNvSpPr>
           <p:nvPr>
             <p:ph type="title"/>
           </p:nvPr>
@@ -2184,7 +2247,7 @@
           </a:prstGeom>
         </p:spPr>
         <p:txBody>
-          <a:bodyPr anchorCtr="0" anchor="t" bIns="91425" lIns="91425" spcFirstLastPara="1" rIns="91425" wrap="square" tIns="91425">
+          <a:bodyPr spcFirstLastPara="1" wrap="square" lIns="91425" tIns="91425" rIns="91425" bIns="91425" anchor="t" anchorCtr="0">
             <a:normAutofit/>
           </a:bodyPr>
           <a:lstStyle>
@@ -2288,15 +2351,19 @@
               <a:defRPr/>
             </a:lvl9pPr>
           </a:lstStyle>
-          <a:p/>
+          <a:p>
+            <a:endParaRPr/>
+          </a:p>
         </p:txBody>
       </p:sp>
       <p:sp>
         <p:nvSpPr>
           <p:cNvPr id="18" name="Google Shape;18;p4"/>
-          <p:cNvSpPr txBox="1"/>
+          <p:cNvSpPr txBox="1">
+            <a:spLocks noGrp="1"/>
+          </p:cNvSpPr>
           <p:nvPr>
-            <p:ph idx="1" type="body"/>
+            <p:ph type="body" idx="1"/>
           </p:nvPr>
         </p:nvSpPr>
         <p:spPr>
@@ -2309,11 +2376,11 @@
           </a:prstGeom>
         </p:spPr>
         <p:txBody>
-          <a:bodyPr anchorCtr="0" anchor="t" bIns="91425" lIns="91425" spcFirstLastPara="1" rIns="91425" wrap="square" tIns="91425">
+          <a:bodyPr spcFirstLastPara="1" wrap="square" lIns="91425" tIns="91425" rIns="91425" bIns="91425" anchor="t" anchorCtr="0">
             <a:normAutofit/>
           </a:bodyPr>
           <a:lstStyle>
-            <a:lvl1pPr indent="-342900" lvl="0" marL="457200">
+            <a:lvl1pPr marL="457200" lvl="0" indent="-342900">
               <a:spcBef>
                 <a:spcPts val="0"/>
               </a:spcBef>
@@ -2324,7 +2391,7 @@
               <a:buChar char="●"/>
               <a:defRPr/>
             </a:lvl1pPr>
-            <a:lvl2pPr indent="-317500" lvl="1" marL="914400">
+            <a:lvl2pPr marL="914400" lvl="1" indent="-317500">
               <a:spcBef>
                 <a:spcPts val="0"/>
               </a:spcBef>
@@ -2335,7 +2402,7 @@
               <a:buChar char="○"/>
               <a:defRPr/>
             </a:lvl2pPr>
-            <a:lvl3pPr indent="-317500" lvl="2" marL="1371600">
+            <a:lvl3pPr marL="1371600" lvl="2" indent="-317500">
               <a:spcBef>
                 <a:spcPts val="0"/>
               </a:spcBef>
@@ -2346,7 +2413,7 @@
               <a:buChar char="■"/>
               <a:defRPr/>
             </a:lvl3pPr>
-            <a:lvl4pPr indent="-317500" lvl="3" marL="1828800">
+            <a:lvl4pPr marL="1828800" lvl="3" indent="-317500">
               <a:spcBef>
                 <a:spcPts val="0"/>
               </a:spcBef>
@@ -2357,7 +2424,7 @@
               <a:buChar char="●"/>
               <a:defRPr/>
             </a:lvl4pPr>
-            <a:lvl5pPr indent="-317500" lvl="4" marL="2286000">
+            <a:lvl5pPr marL="2286000" lvl="4" indent="-317500">
               <a:spcBef>
                 <a:spcPts val="0"/>
               </a:spcBef>
@@ -2368,7 +2435,7 @@
               <a:buChar char="○"/>
               <a:defRPr/>
             </a:lvl5pPr>
-            <a:lvl6pPr indent="-317500" lvl="5" marL="2743200">
+            <a:lvl6pPr marL="2743200" lvl="5" indent="-317500">
               <a:spcBef>
                 <a:spcPts val="0"/>
               </a:spcBef>
@@ -2379,7 +2446,7 @@
               <a:buChar char="■"/>
               <a:defRPr/>
             </a:lvl6pPr>
-            <a:lvl7pPr indent="-317500" lvl="6" marL="3200400">
+            <a:lvl7pPr marL="3200400" lvl="6" indent="-317500">
               <a:spcBef>
                 <a:spcPts val="0"/>
               </a:spcBef>
@@ -2390,7 +2457,7 @@
               <a:buChar char="●"/>
               <a:defRPr/>
             </a:lvl7pPr>
-            <a:lvl8pPr indent="-317500" lvl="7" marL="3657600">
+            <a:lvl8pPr marL="3657600" lvl="7" indent="-317500">
               <a:spcBef>
                 <a:spcPts val="0"/>
               </a:spcBef>
@@ -2401,7 +2468,7 @@
               <a:buChar char="○"/>
               <a:defRPr/>
             </a:lvl8pPr>
-            <a:lvl9pPr indent="-317500" lvl="8" marL="4114800">
+            <a:lvl9pPr marL="4114800" lvl="8" indent="-317500">
               <a:spcBef>
                 <a:spcPts val="0"/>
               </a:spcBef>
@@ -2413,15 +2480,19 @@
               <a:defRPr/>
             </a:lvl9pPr>
           </a:lstStyle>
-          <a:p/>
+          <a:p>
+            <a:endParaRPr/>
+          </a:p>
         </p:txBody>
       </p:sp>
       <p:sp>
         <p:nvSpPr>
           <p:cNvPr id="19" name="Google Shape;19;p4"/>
-          <p:cNvSpPr txBox="1"/>
+          <p:cNvSpPr txBox="1">
+            <a:spLocks noGrp="1"/>
+          </p:cNvSpPr>
           <p:nvPr>
-            <p:ph idx="12" type="sldNum"/>
+            <p:ph type="sldNum" idx="12"/>
           </p:nvPr>
         </p:nvSpPr>
         <p:spPr>
@@ -2434,7 +2505,7 @@
           </a:prstGeom>
         </p:spPr>
         <p:txBody>
-          <a:bodyPr anchorCtr="0" anchor="ctr" bIns="91425" lIns="91425" spcFirstLastPara="1" rIns="91425" wrap="square" tIns="91425">
+          <a:bodyPr spcFirstLastPara="1" wrap="square" lIns="91425" tIns="91425" rIns="91425" bIns="91425" anchor="ctr" anchorCtr="0">
             <a:normAutofit/>
           </a:bodyPr>
           <a:lstStyle>
@@ -2476,7 +2547,7 @@
             </a:lvl9pPr>
           </a:lstStyle>
           <a:p>
-            <a:pPr indent="0" lvl="0" marL="0" rtl="0" algn="r">
+            <a:pPr marL="0" lvl="0" indent="0" algn="r" rtl="0">
               <a:spcBef>
                 <a:spcPts val="0"/>
               </a:spcBef>
@@ -2502,11 +2573,11 @@
 </file>
 
 <file path=ppt/slideLayouts/slideLayout4.xml><?xml version="1.0" encoding="utf-8"?>
-<p:sldLayout xmlns:a="http://schemas.openxmlformats.org/drawingml/2006/main" xmlns:r="http://schemas.openxmlformats.org/officeDocument/2006/relationships" xmlns:mc="http://schemas.openxmlformats.org/markup-compatibility/2006" xmlns:mv="urn:schemas-microsoft-com:mac:vml" xmlns:p="http://schemas.openxmlformats.org/presentationml/2006/main" xmlns:c="http://schemas.openxmlformats.org/drawingml/2006/chart" xmlns:dgm="http://schemas.openxmlformats.org/drawingml/2006/diagram" xmlns:o="urn:schemas-microsoft-com:office:office" xmlns:v="urn:schemas-microsoft-com:vml" xmlns:pvml="urn:schemas-microsoft-com:office:powerpoint" xmlns:com="http://schemas.openxmlformats.org/drawingml/2006/compatibility" xmlns:p14="http://schemas.microsoft.com/office/powerpoint/2010/main" xmlns:p15="http://schemas.microsoft.com/office/powerpoint/2012/main" xmlns:ahyp="http://schemas.microsoft.com/office/drawing/2018/hyperlinkcolor" matchingName="Title and two columns" type="twoColTx">
+<p:sldLayout xmlns:a="http://schemas.openxmlformats.org/drawingml/2006/main" xmlns:r="http://schemas.openxmlformats.org/officeDocument/2006/relationships" xmlns:p="http://schemas.openxmlformats.org/presentationml/2006/main" matchingName="Title and two columns" type="twoColTx">
   <p:cSld name="TITLE_AND_TWO_COLUMNS">
     <p:spTree>
       <p:nvGrpSpPr>
-        <p:cNvPr id="20" name="Shape 20"/>
+        <p:cNvPr id="1" name="Shape 20"/>
         <p:cNvGrpSpPr/>
         <p:nvPr/>
       </p:nvGrpSpPr>
@@ -2521,7 +2592,9 @@
       <p:sp>
         <p:nvSpPr>
           <p:cNvPr id="21" name="Google Shape;21;p5"/>
-          <p:cNvSpPr txBox="1"/>
+          <p:cNvSpPr txBox="1">
+            <a:spLocks noGrp="1"/>
+          </p:cNvSpPr>
           <p:nvPr>
             <p:ph type="title"/>
           </p:nvPr>
@@ -2536,7 +2609,7 @@
           </a:prstGeom>
         </p:spPr>
         <p:txBody>
-          <a:bodyPr anchorCtr="0" anchor="t" bIns="91425" lIns="91425" spcFirstLastPara="1" rIns="91425" wrap="square" tIns="91425">
+          <a:bodyPr spcFirstLastPara="1" wrap="square" lIns="91425" tIns="91425" rIns="91425" bIns="91425" anchor="t" anchorCtr="0">
             <a:normAutofit/>
           </a:bodyPr>
           <a:lstStyle>
@@ -2640,15 +2713,19 @@
               <a:defRPr/>
             </a:lvl9pPr>
           </a:lstStyle>
-          <a:p/>
+          <a:p>
+            <a:endParaRPr/>
+          </a:p>
         </p:txBody>
       </p:sp>
       <p:sp>
         <p:nvSpPr>
           <p:cNvPr id="22" name="Google Shape;22;p5"/>
-          <p:cNvSpPr txBox="1"/>
+          <p:cNvSpPr txBox="1">
+            <a:spLocks noGrp="1"/>
+          </p:cNvSpPr>
           <p:nvPr>
-            <p:ph idx="1" type="body"/>
+            <p:ph type="body" idx="1"/>
           </p:nvPr>
         </p:nvSpPr>
         <p:spPr>
@@ -2661,11 +2738,11 @@
           </a:prstGeom>
         </p:spPr>
         <p:txBody>
-          <a:bodyPr anchorCtr="0" anchor="t" bIns="91425" lIns="91425" spcFirstLastPara="1" rIns="91425" wrap="square" tIns="91425">
+          <a:bodyPr spcFirstLastPara="1" wrap="square" lIns="91425" tIns="91425" rIns="91425" bIns="91425" anchor="t" anchorCtr="0">
             <a:normAutofit/>
           </a:bodyPr>
           <a:lstStyle>
-            <a:lvl1pPr indent="-317500" lvl="0" marL="457200">
+            <a:lvl1pPr marL="457200" lvl="0" indent="-317500">
               <a:spcBef>
                 <a:spcPts val="0"/>
               </a:spcBef>
@@ -2676,7 +2753,7 @@
               <a:buChar char="●"/>
               <a:defRPr sz="1400"/>
             </a:lvl1pPr>
-            <a:lvl2pPr indent="-304800" lvl="1" marL="914400">
+            <a:lvl2pPr marL="914400" lvl="1" indent="-304800">
               <a:spcBef>
                 <a:spcPts val="0"/>
               </a:spcBef>
@@ -2687,7 +2764,7 @@
               <a:buChar char="○"/>
               <a:defRPr sz="1200"/>
             </a:lvl2pPr>
-            <a:lvl3pPr indent="-304800" lvl="2" marL="1371600">
+            <a:lvl3pPr marL="1371600" lvl="2" indent="-304800">
               <a:spcBef>
                 <a:spcPts val="0"/>
               </a:spcBef>
@@ -2698,7 +2775,7 @@
               <a:buChar char="■"/>
               <a:defRPr sz="1200"/>
             </a:lvl3pPr>
-            <a:lvl4pPr indent="-304800" lvl="3" marL="1828800">
+            <a:lvl4pPr marL="1828800" lvl="3" indent="-304800">
               <a:spcBef>
                 <a:spcPts val="0"/>
               </a:spcBef>
@@ -2709,7 +2786,7 @@
               <a:buChar char="●"/>
               <a:defRPr sz="1200"/>
             </a:lvl4pPr>
-            <a:lvl5pPr indent="-304800" lvl="4" marL="2286000">
+            <a:lvl5pPr marL="2286000" lvl="4" indent="-304800">
               <a:spcBef>
                 <a:spcPts val="0"/>
               </a:spcBef>
@@ -2720,7 +2797,7 @@
               <a:buChar char="○"/>
               <a:defRPr sz="1200"/>
             </a:lvl5pPr>
-            <a:lvl6pPr indent="-304800" lvl="5" marL="2743200">
+            <a:lvl6pPr marL="2743200" lvl="5" indent="-304800">
               <a:spcBef>
                 <a:spcPts val="0"/>
               </a:spcBef>
@@ -2731,7 +2808,7 @@
               <a:buChar char="■"/>
               <a:defRPr sz="1200"/>
             </a:lvl6pPr>
-            <a:lvl7pPr indent="-304800" lvl="6" marL="3200400">
+            <a:lvl7pPr marL="3200400" lvl="6" indent="-304800">
               <a:spcBef>
                 <a:spcPts val="0"/>
               </a:spcBef>
@@ -2742,7 +2819,7 @@
               <a:buChar char="●"/>
               <a:defRPr sz="1200"/>
             </a:lvl7pPr>
-            <a:lvl8pPr indent="-304800" lvl="7" marL="3657600">
+            <a:lvl8pPr marL="3657600" lvl="7" indent="-304800">
               <a:spcBef>
                 <a:spcPts val="0"/>
               </a:spcBef>
@@ -2753,7 +2830,7 @@
               <a:buChar char="○"/>
               <a:defRPr sz="1200"/>
             </a:lvl8pPr>
-            <a:lvl9pPr indent="-304800" lvl="8" marL="4114800">
+            <a:lvl9pPr marL="4114800" lvl="8" indent="-304800">
               <a:spcBef>
                 <a:spcPts val="0"/>
               </a:spcBef>
@@ -2765,15 +2842,19 @@
               <a:defRPr sz="1200"/>
             </a:lvl9pPr>
           </a:lstStyle>
-          <a:p/>
+          <a:p>
+            <a:endParaRPr/>
+          </a:p>
         </p:txBody>
       </p:sp>
       <p:sp>
         <p:nvSpPr>
           <p:cNvPr id="23" name="Google Shape;23;p5"/>
-          <p:cNvSpPr txBox="1"/>
+          <p:cNvSpPr txBox="1">
+            <a:spLocks noGrp="1"/>
+          </p:cNvSpPr>
           <p:nvPr>
-            <p:ph idx="2" type="body"/>
+            <p:ph type="body" idx="2"/>
           </p:nvPr>
         </p:nvSpPr>
         <p:spPr>
@@ -2786,11 +2867,11 @@
           </a:prstGeom>
         </p:spPr>
         <p:txBody>
-          <a:bodyPr anchorCtr="0" anchor="t" bIns="91425" lIns="91425" spcFirstLastPara="1" rIns="91425" wrap="square" tIns="91425">
+          <a:bodyPr spcFirstLastPara="1" wrap="square" lIns="91425" tIns="91425" rIns="91425" bIns="91425" anchor="t" anchorCtr="0">
             <a:normAutofit/>
           </a:bodyPr>
           <a:lstStyle>
-            <a:lvl1pPr indent="-317500" lvl="0" marL="457200">
+            <a:lvl1pPr marL="457200" lvl="0" indent="-317500">
               <a:spcBef>
                 <a:spcPts val="0"/>
               </a:spcBef>
@@ -2801,7 +2882,7 @@
               <a:buChar char="●"/>
               <a:defRPr sz="1400"/>
             </a:lvl1pPr>
-            <a:lvl2pPr indent="-304800" lvl="1" marL="914400">
+            <a:lvl2pPr marL="914400" lvl="1" indent="-304800">
               <a:spcBef>
                 <a:spcPts val="0"/>
               </a:spcBef>
@@ -2812,7 +2893,7 @@
               <a:buChar char="○"/>
               <a:defRPr sz="1200"/>
             </a:lvl2pPr>
-            <a:lvl3pPr indent="-304800" lvl="2" marL="1371600">
+            <a:lvl3pPr marL="1371600" lvl="2" indent="-304800">
               <a:spcBef>
                 <a:spcPts val="0"/>
               </a:spcBef>
@@ -2823,7 +2904,7 @@
               <a:buChar char="■"/>
               <a:defRPr sz="1200"/>
             </a:lvl3pPr>
-            <a:lvl4pPr indent="-304800" lvl="3" marL="1828800">
+            <a:lvl4pPr marL="1828800" lvl="3" indent="-304800">
               <a:spcBef>
                 <a:spcPts val="0"/>
               </a:spcBef>
@@ -2834,7 +2915,7 @@
               <a:buChar char="●"/>
               <a:defRPr sz="1200"/>
             </a:lvl4pPr>
-            <a:lvl5pPr indent="-304800" lvl="4" marL="2286000">
+            <a:lvl5pPr marL="2286000" lvl="4" indent="-304800">
               <a:spcBef>
                 <a:spcPts val="0"/>
               </a:spcBef>
@@ -2845,7 +2926,7 @@
               <a:buChar char="○"/>
               <a:defRPr sz="1200"/>
             </a:lvl5pPr>
-            <a:lvl6pPr indent="-304800" lvl="5" marL="2743200">
+            <a:lvl6pPr marL="2743200" lvl="5" indent="-304800">
               <a:spcBef>
                 <a:spcPts val="0"/>
               </a:spcBef>
@@ -2856,7 +2937,7 @@
               <a:buChar char="■"/>
               <a:defRPr sz="1200"/>
             </a:lvl6pPr>
-            <a:lvl7pPr indent="-304800" lvl="6" marL="3200400">
+            <a:lvl7pPr marL="3200400" lvl="6" indent="-304800">
               <a:spcBef>
                 <a:spcPts val="0"/>
               </a:spcBef>
@@ -2867,7 +2948,7 @@
               <a:buChar char="●"/>
               <a:defRPr sz="1200"/>
             </a:lvl7pPr>
-            <a:lvl8pPr indent="-304800" lvl="7" marL="3657600">
+            <a:lvl8pPr marL="3657600" lvl="7" indent="-304800">
               <a:spcBef>
                 <a:spcPts val="0"/>
               </a:spcBef>
@@ -2878,7 +2959,7 @@
               <a:buChar char="○"/>
               <a:defRPr sz="1200"/>
             </a:lvl8pPr>
-            <a:lvl9pPr indent="-304800" lvl="8" marL="4114800">
+            <a:lvl9pPr marL="4114800" lvl="8" indent="-304800">
               <a:spcBef>
                 <a:spcPts val="0"/>
               </a:spcBef>
@@ -2890,15 +2971,19 @@
               <a:defRPr sz="1200"/>
             </a:lvl9pPr>
           </a:lstStyle>
-          <a:p/>
+          <a:p>
+            <a:endParaRPr/>
+          </a:p>
         </p:txBody>
       </p:sp>
       <p:sp>
         <p:nvSpPr>
           <p:cNvPr id="24" name="Google Shape;24;p5"/>
-          <p:cNvSpPr txBox="1"/>
+          <p:cNvSpPr txBox="1">
+            <a:spLocks noGrp="1"/>
+          </p:cNvSpPr>
           <p:nvPr>
-            <p:ph idx="12" type="sldNum"/>
+            <p:ph type="sldNum" idx="12"/>
           </p:nvPr>
         </p:nvSpPr>
         <p:spPr>
@@ -2911,7 +2996,7 @@
           </a:prstGeom>
         </p:spPr>
         <p:txBody>
-          <a:bodyPr anchorCtr="0" anchor="ctr" bIns="91425" lIns="91425" spcFirstLastPara="1" rIns="91425" wrap="square" tIns="91425">
+          <a:bodyPr spcFirstLastPara="1" wrap="square" lIns="91425" tIns="91425" rIns="91425" bIns="91425" anchor="ctr" anchorCtr="0">
             <a:normAutofit/>
           </a:bodyPr>
           <a:lstStyle>
@@ -2953,7 +3038,7 @@
             </a:lvl9pPr>
           </a:lstStyle>
           <a:p>
-            <a:pPr indent="0" lvl="0" marL="0" rtl="0" algn="r">
+            <a:pPr marL="0" lvl="0" indent="0" algn="r" rtl="0">
               <a:spcBef>
                 <a:spcPts val="0"/>
               </a:spcBef>
@@ -2979,11 +3064,11 @@
 </file>
 
 <file path=ppt/slideLayouts/slideLayout5.xml><?xml version="1.0" encoding="utf-8"?>
-<p:sldLayout xmlns:a="http://schemas.openxmlformats.org/drawingml/2006/main" xmlns:r="http://schemas.openxmlformats.org/officeDocument/2006/relationships" xmlns:mc="http://schemas.openxmlformats.org/markup-compatibility/2006" xmlns:mv="urn:schemas-microsoft-com:mac:vml" xmlns:p="http://schemas.openxmlformats.org/presentationml/2006/main" xmlns:c="http://schemas.openxmlformats.org/drawingml/2006/chart" xmlns:dgm="http://schemas.openxmlformats.org/drawingml/2006/diagram" xmlns:o="urn:schemas-microsoft-com:office:office" xmlns:v="urn:schemas-microsoft-com:vml" xmlns:pvml="urn:schemas-microsoft-com:office:powerpoint" xmlns:com="http://schemas.openxmlformats.org/drawingml/2006/compatibility" xmlns:p14="http://schemas.microsoft.com/office/powerpoint/2010/main" xmlns:p15="http://schemas.microsoft.com/office/powerpoint/2012/main" xmlns:ahyp="http://schemas.microsoft.com/office/drawing/2018/hyperlinkcolor" matchingName="Title only" type="titleOnly">
+<p:sldLayout xmlns:a="http://schemas.openxmlformats.org/drawingml/2006/main" xmlns:r="http://schemas.openxmlformats.org/officeDocument/2006/relationships" xmlns:p="http://schemas.openxmlformats.org/presentationml/2006/main" matchingName="Title only" type="titleOnly">
   <p:cSld name="TITLE_ONLY">
     <p:spTree>
       <p:nvGrpSpPr>
-        <p:cNvPr id="25" name="Shape 25"/>
+        <p:cNvPr id="1" name="Shape 25"/>
         <p:cNvGrpSpPr/>
         <p:nvPr/>
       </p:nvGrpSpPr>
@@ -2998,7 +3083,9 @@
       <p:sp>
         <p:nvSpPr>
           <p:cNvPr id="26" name="Google Shape;26;p6"/>
-          <p:cNvSpPr txBox="1"/>
+          <p:cNvSpPr txBox="1">
+            <a:spLocks noGrp="1"/>
+          </p:cNvSpPr>
           <p:nvPr>
             <p:ph type="title"/>
           </p:nvPr>
@@ -3013,7 +3100,7 @@
           </a:prstGeom>
         </p:spPr>
         <p:txBody>
-          <a:bodyPr anchorCtr="0" anchor="t" bIns="91425" lIns="91425" spcFirstLastPara="1" rIns="91425" wrap="square" tIns="91425">
+          <a:bodyPr spcFirstLastPara="1" wrap="square" lIns="91425" tIns="91425" rIns="91425" bIns="91425" anchor="t" anchorCtr="0">
             <a:normAutofit/>
           </a:bodyPr>
           <a:lstStyle>
@@ -3117,15 +3204,19 @@
               <a:defRPr/>
             </a:lvl9pPr>
           </a:lstStyle>
-          <a:p/>
+          <a:p>
+            <a:endParaRPr/>
+          </a:p>
         </p:txBody>
       </p:sp>
       <p:sp>
         <p:nvSpPr>
           <p:cNvPr id="27" name="Google Shape;27;p6"/>
-          <p:cNvSpPr txBox="1"/>
+          <p:cNvSpPr txBox="1">
+            <a:spLocks noGrp="1"/>
+          </p:cNvSpPr>
           <p:nvPr>
-            <p:ph idx="12" type="sldNum"/>
+            <p:ph type="sldNum" idx="12"/>
           </p:nvPr>
         </p:nvSpPr>
         <p:spPr>
@@ -3138,7 +3229,7 @@
           </a:prstGeom>
         </p:spPr>
         <p:txBody>
-          <a:bodyPr anchorCtr="0" anchor="ctr" bIns="91425" lIns="91425" spcFirstLastPara="1" rIns="91425" wrap="square" tIns="91425">
+          <a:bodyPr spcFirstLastPara="1" wrap="square" lIns="91425" tIns="91425" rIns="91425" bIns="91425" anchor="ctr" anchorCtr="0">
             <a:normAutofit/>
           </a:bodyPr>
           <a:lstStyle>
@@ -3180,7 +3271,7 @@
             </a:lvl9pPr>
           </a:lstStyle>
           <a:p>
-            <a:pPr indent="0" lvl="0" marL="0" rtl="0" algn="r">
+            <a:pPr marL="0" lvl="0" indent="0" algn="r" rtl="0">
               <a:spcBef>
                 <a:spcPts val="0"/>
               </a:spcBef>
@@ -3206,11 +3297,11 @@
 </file>
 
 <file path=ppt/slideLayouts/slideLayout6.xml><?xml version="1.0" encoding="utf-8"?>
-<p:sldLayout xmlns:a="http://schemas.openxmlformats.org/drawingml/2006/main" xmlns:r="http://schemas.openxmlformats.org/officeDocument/2006/relationships" xmlns:mc="http://schemas.openxmlformats.org/markup-compatibility/2006" xmlns:mv="urn:schemas-microsoft-com:mac:vml" xmlns:p="http://schemas.openxmlformats.org/presentationml/2006/main" xmlns:c="http://schemas.openxmlformats.org/drawingml/2006/chart" xmlns:dgm="http://schemas.openxmlformats.org/drawingml/2006/diagram" xmlns:o="urn:schemas-microsoft-com:office:office" xmlns:v="urn:schemas-microsoft-com:vml" xmlns:pvml="urn:schemas-microsoft-com:office:powerpoint" xmlns:com="http://schemas.openxmlformats.org/drawingml/2006/compatibility" xmlns:p14="http://schemas.microsoft.com/office/powerpoint/2010/main" xmlns:p15="http://schemas.microsoft.com/office/powerpoint/2012/main" xmlns:ahyp="http://schemas.microsoft.com/office/drawing/2018/hyperlinkcolor" matchingName="One column text">
+<p:sldLayout xmlns:a="http://schemas.openxmlformats.org/drawingml/2006/main" xmlns:r="http://schemas.openxmlformats.org/officeDocument/2006/relationships" xmlns:p="http://schemas.openxmlformats.org/presentationml/2006/main" matchingName="One column text">
   <p:cSld name="ONE_COLUMN_TEXT">
     <p:spTree>
       <p:nvGrpSpPr>
-        <p:cNvPr id="28" name="Shape 28"/>
+        <p:cNvPr id="1" name="Shape 28"/>
         <p:cNvGrpSpPr/>
         <p:nvPr/>
       </p:nvGrpSpPr>
@@ -3225,7 +3316,9 @@
       <p:sp>
         <p:nvSpPr>
           <p:cNvPr id="29" name="Google Shape;29;p7"/>
-          <p:cNvSpPr txBox="1"/>
+          <p:cNvSpPr txBox="1">
+            <a:spLocks noGrp="1"/>
+          </p:cNvSpPr>
           <p:nvPr>
             <p:ph type="title"/>
           </p:nvPr>
@@ -3240,7 +3333,7 @@
           </a:prstGeom>
         </p:spPr>
         <p:txBody>
-          <a:bodyPr anchorCtr="0" anchor="b" bIns="91425" lIns="91425" spcFirstLastPara="1" rIns="91425" wrap="square" tIns="91425">
+          <a:bodyPr spcFirstLastPara="1" wrap="square" lIns="91425" tIns="91425" rIns="91425" bIns="91425" anchor="b" anchorCtr="0">
             <a:normAutofit/>
           </a:bodyPr>
           <a:lstStyle>
@@ -3344,15 +3437,19 @@
               <a:defRPr sz="2400"/>
             </a:lvl9pPr>
           </a:lstStyle>
-          <a:p/>
+          <a:p>
+            <a:endParaRPr/>
+          </a:p>
         </p:txBody>
       </p:sp>
       <p:sp>
         <p:nvSpPr>
           <p:cNvPr id="30" name="Google Shape;30;p7"/>
-          <p:cNvSpPr txBox="1"/>
+          <p:cNvSpPr txBox="1">
+            <a:spLocks noGrp="1"/>
+          </p:cNvSpPr>
           <p:nvPr>
-            <p:ph idx="1" type="body"/>
+            <p:ph type="body" idx="1"/>
           </p:nvPr>
         </p:nvSpPr>
         <p:spPr>
@@ -3365,11 +3462,11 @@
           </a:prstGeom>
         </p:spPr>
         <p:txBody>
-          <a:bodyPr anchorCtr="0" anchor="t" bIns="91425" lIns="91425" spcFirstLastPara="1" rIns="91425" wrap="square" tIns="91425">
+          <a:bodyPr spcFirstLastPara="1" wrap="square" lIns="91425" tIns="91425" rIns="91425" bIns="91425" anchor="t" anchorCtr="0">
             <a:normAutofit/>
           </a:bodyPr>
           <a:lstStyle>
-            <a:lvl1pPr indent="-304800" lvl="0" marL="457200">
+            <a:lvl1pPr marL="457200" lvl="0" indent="-304800">
               <a:spcBef>
                 <a:spcPts val="0"/>
               </a:spcBef>
@@ -3380,7 +3477,7 @@
               <a:buChar char="●"/>
               <a:defRPr sz="1200"/>
             </a:lvl1pPr>
-            <a:lvl2pPr indent="-304800" lvl="1" marL="914400">
+            <a:lvl2pPr marL="914400" lvl="1" indent="-304800">
               <a:spcBef>
                 <a:spcPts val="0"/>
               </a:spcBef>
@@ -3391,7 +3488,7 @@
               <a:buChar char="○"/>
               <a:defRPr sz="1200"/>
             </a:lvl2pPr>
-            <a:lvl3pPr indent="-304800" lvl="2" marL="1371600">
+            <a:lvl3pPr marL="1371600" lvl="2" indent="-304800">
               <a:spcBef>
                 <a:spcPts val="0"/>
               </a:spcBef>
@@ -3402,7 +3499,7 @@
               <a:buChar char="■"/>
               <a:defRPr sz="1200"/>
             </a:lvl3pPr>
-            <a:lvl4pPr indent="-304800" lvl="3" marL="1828800">
+            <a:lvl4pPr marL="1828800" lvl="3" indent="-304800">
               <a:spcBef>
                 <a:spcPts val="0"/>
               </a:spcBef>
@@ -3413,7 +3510,7 @@
               <a:buChar char="●"/>
               <a:defRPr sz="1200"/>
             </a:lvl4pPr>
-            <a:lvl5pPr indent="-304800" lvl="4" marL="2286000">
+            <a:lvl5pPr marL="2286000" lvl="4" indent="-304800">
               <a:spcBef>
                 <a:spcPts val="0"/>
               </a:spcBef>
@@ -3424,7 +3521,7 @@
               <a:buChar char="○"/>
               <a:defRPr sz="1200"/>
             </a:lvl5pPr>
-            <a:lvl6pPr indent="-304800" lvl="5" marL="2743200">
+            <a:lvl6pPr marL="2743200" lvl="5" indent="-304800">
               <a:spcBef>
                 <a:spcPts val="0"/>
               </a:spcBef>
@@ -3435,7 +3532,7 @@
               <a:buChar char="■"/>
               <a:defRPr sz="1200"/>
             </a:lvl6pPr>
-            <a:lvl7pPr indent="-304800" lvl="6" marL="3200400">
+            <a:lvl7pPr marL="3200400" lvl="6" indent="-304800">
               <a:spcBef>
                 <a:spcPts val="0"/>
               </a:spcBef>
@@ -3446,7 +3543,7 @@
               <a:buChar char="●"/>
               <a:defRPr sz="1200"/>
             </a:lvl7pPr>
-            <a:lvl8pPr indent="-304800" lvl="7" marL="3657600">
+            <a:lvl8pPr marL="3657600" lvl="7" indent="-304800">
               <a:spcBef>
                 <a:spcPts val="0"/>
               </a:spcBef>
@@ -3457,7 +3554,7 @@
               <a:buChar char="○"/>
               <a:defRPr sz="1200"/>
             </a:lvl8pPr>
-            <a:lvl9pPr indent="-304800" lvl="8" marL="4114800">
+            <a:lvl9pPr marL="4114800" lvl="8" indent="-304800">
               <a:spcBef>
                 <a:spcPts val="0"/>
               </a:spcBef>
@@ -3469,15 +3566,19 @@
               <a:defRPr sz="1200"/>
             </a:lvl9pPr>
           </a:lstStyle>
-          <a:p/>
+          <a:p>
+            <a:endParaRPr/>
+          </a:p>
         </p:txBody>
       </p:sp>
       <p:sp>
         <p:nvSpPr>
           <p:cNvPr id="31" name="Google Shape;31;p7"/>
-          <p:cNvSpPr txBox="1"/>
+          <p:cNvSpPr txBox="1">
+            <a:spLocks noGrp="1"/>
+          </p:cNvSpPr>
           <p:nvPr>
-            <p:ph idx="12" type="sldNum"/>
+            <p:ph type="sldNum" idx="12"/>
           </p:nvPr>
         </p:nvSpPr>
         <p:spPr>
@@ -3490,7 +3591,7 @@
           </a:prstGeom>
         </p:spPr>
         <p:txBody>
-          <a:bodyPr anchorCtr="0" anchor="ctr" bIns="91425" lIns="91425" spcFirstLastPara="1" rIns="91425" wrap="square" tIns="91425">
+          <a:bodyPr spcFirstLastPara="1" wrap="square" lIns="91425" tIns="91425" rIns="91425" bIns="91425" anchor="ctr" anchorCtr="0">
             <a:normAutofit/>
           </a:bodyPr>
           <a:lstStyle>
@@ -3532,7 +3633,7 @@
             </a:lvl9pPr>
           </a:lstStyle>
           <a:p>
-            <a:pPr indent="0" lvl="0" marL="0" rtl="0" algn="r">
+            <a:pPr marL="0" lvl="0" indent="0" algn="r" rtl="0">
               <a:spcBef>
                 <a:spcPts val="0"/>
               </a:spcBef>
@@ -3558,11 +3659,11 @@
 </file>
 
 <file path=ppt/slideLayouts/slideLayout7.xml><?xml version="1.0" encoding="utf-8"?>
-<p:sldLayout xmlns:a="http://schemas.openxmlformats.org/drawingml/2006/main" xmlns:r="http://schemas.openxmlformats.org/officeDocument/2006/relationships" xmlns:mc="http://schemas.openxmlformats.org/markup-compatibility/2006" xmlns:mv="urn:schemas-microsoft-com:mac:vml" xmlns:p="http://schemas.openxmlformats.org/presentationml/2006/main" xmlns:c="http://schemas.openxmlformats.org/drawingml/2006/chart" xmlns:dgm="http://schemas.openxmlformats.org/drawingml/2006/diagram" xmlns:o="urn:schemas-microsoft-com:office:office" xmlns:v="urn:schemas-microsoft-com:vml" xmlns:pvml="urn:schemas-microsoft-com:office:powerpoint" xmlns:com="http://schemas.openxmlformats.org/drawingml/2006/compatibility" xmlns:p14="http://schemas.microsoft.com/office/powerpoint/2010/main" xmlns:p15="http://schemas.microsoft.com/office/powerpoint/2012/main" xmlns:ahyp="http://schemas.microsoft.com/office/drawing/2018/hyperlinkcolor" matchingName="Main point">
+<p:sldLayout xmlns:a="http://schemas.openxmlformats.org/drawingml/2006/main" xmlns:r="http://schemas.openxmlformats.org/officeDocument/2006/relationships" xmlns:p="http://schemas.openxmlformats.org/presentationml/2006/main" matchingName="Main point">
   <p:cSld name="MAIN_POINT">
     <p:spTree>
       <p:nvGrpSpPr>
-        <p:cNvPr id="32" name="Shape 32"/>
+        <p:cNvPr id="1" name="Shape 32"/>
         <p:cNvGrpSpPr/>
         <p:nvPr/>
       </p:nvGrpSpPr>
@@ -3577,7 +3678,9 @@
       <p:sp>
         <p:nvSpPr>
           <p:cNvPr id="33" name="Google Shape;33;p8"/>
-          <p:cNvSpPr txBox="1"/>
+          <p:cNvSpPr txBox="1">
+            <a:spLocks noGrp="1"/>
+          </p:cNvSpPr>
           <p:nvPr>
             <p:ph type="title"/>
           </p:nvPr>
@@ -3592,7 +3695,7 @@
           </a:prstGeom>
         </p:spPr>
         <p:txBody>
-          <a:bodyPr anchorCtr="0" anchor="ctr" bIns="91425" lIns="91425" spcFirstLastPara="1" rIns="91425" wrap="square" tIns="91425">
+          <a:bodyPr spcFirstLastPara="1" wrap="square" lIns="91425" tIns="91425" rIns="91425" bIns="91425" anchor="ctr" anchorCtr="0">
             <a:normAutofit/>
           </a:bodyPr>
           <a:lstStyle>
@@ -3696,15 +3799,19 @@
               <a:defRPr sz="4800"/>
             </a:lvl9pPr>
           </a:lstStyle>
-          <a:p/>
+          <a:p>
+            <a:endParaRPr/>
+          </a:p>
         </p:txBody>
       </p:sp>
       <p:sp>
         <p:nvSpPr>
           <p:cNvPr id="34" name="Google Shape;34;p8"/>
-          <p:cNvSpPr txBox="1"/>
+          <p:cNvSpPr txBox="1">
+            <a:spLocks noGrp="1"/>
+          </p:cNvSpPr>
           <p:nvPr>
-            <p:ph idx="12" type="sldNum"/>
+            <p:ph type="sldNum" idx="12"/>
           </p:nvPr>
         </p:nvSpPr>
         <p:spPr>
@@ -3717,7 +3824,7 @@
           </a:prstGeom>
         </p:spPr>
         <p:txBody>
-          <a:bodyPr anchorCtr="0" anchor="ctr" bIns="91425" lIns="91425" spcFirstLastPara="1" rIns="91425" wrap="square" tIns="91425">
+          <a:bodyPr spcFirstLastPara="1" wrap="square" lIns="91425" tIns="91425" rIns="91425" bIns="91425" anchor="ctr" anchorCtr="0">
             <a:normAutofit/>
           </a:bodyPr>
           <a:lstStyle>
@@ -3759,7 +3866,7 @@
             </a:lvl9pPr>
           </a:lstStyle>
           <a:p>
-            <a:pPr indent="0" lvl="0" marL="0" rtl="0" algn="r">
+            <a:pPr marL="0" lvl="0" indent="0" algn="r" rtl="0">
               <a:spcBef>
                 <a:spcPts val="0"/>
               </a:spcBef>
@@ -3785,11 +3892,11 @@
 </file>
 
 <file path=ppt/slideLayouts/slideLayout8.xml><?xml version="1.0" encoding="utf-8"?>
-<p:sldLayout xmlns:a="http://schemas.openxmlformats.org/drawingml/2006/main" xmlns:r="http://schemas.openxmlformats.org/officeDocument/2006/relationships" xmlns:mc="http://schemas.openxmlformats.org/markup-compatibility/2006" xmlns:mv="urn:schemas-microsoft-com:mac:vml" xmlns:p="http://schemas.openxmlformats.org/presentationml/2006/main" xmlns:c="http://schemas.openxmlformats.org/drawingml/2006/chart" xmlns:dgm="http://schemas.openxmlformats.org/drawingml/2006/diagram" xmlns:o="urn:schemas-microsoft-com:office:office" xmlns:v="urn:schemas-microsoft-com:vml" xmlns:pvml="urn:schemas-microsoft-com:office:powerpoint" xmlns:com="http://schemas.openxmlformats.org/drawingml/2006/compatibility" xmlns:p14="http://schemas.microsoft.com/office/powerpoint/2010/main" xmlns:p15="http://schemas.microsoft.com/office/powerpoint/2012/main" xmlns:ahyp="http://schemas.microsoft.com/office/drawing/2018/hyperlinkcolor" matchingName="Section title and description">
+<p:sldLayout xmlns:a="http://schemas.openxmlformats.org/drawingml/2006/main" xmlns:r="http://schemas.openxmlformats.org/officeDocument/2006/relationships" xmlns:p="http://schemas.openxmlformats.org/presentationml/2006/main" matchingName="Section title and description">
   <p:cSld name="SECTION_TITLE_AND_DESCRIPTION">
     <p:spTree>
       <p:nvGrpSpPr>
-        <p:cNvPr id="35" name="Shape 35"/>
+        <p:cNvPr id="1" name="Shape 35"/>
         <p:cNvGrpSpPr/>
         <p:nvPr/>
       </p:nvGrpSpPr>
@@ -3823,12 +3930,12 @@
           </a:ln>
         </p:spPr>
         <p:txBody>
-          <a:bodyPr anchorCtr="0" anchor="ctr" bIns="91425" lIns="91425" spcFirstLastPara="1" rIns="91425" wrap="square" tIns="91425">
+          <a:bodyPr spcFirstLastPara="1" wrap="square" lIns="91425" tIns="91425" rIns="91425" bIns="91425" anchor="ctr" anchorCtr="0">
             <a:noAutofit/>
           </a:bodyPr>
           <a:lstStyle/>
           <a:p>
-            <a:pPr indent="0" lvl="0" marL="0" rtl="0" algn="l">
+            <a:pPr marL="0" lvl="0" indent="0" algn="l" rtl="0">
               <a:spcBef>
                 <a:spcPts val="0"/>
               </a:spcBef>
@@ -3837,9 +3944,6 @@
               </a:spcAft>
               <a:buNone/>
             </a:pPr>
-            <a:r>
-              <a:t/>
-            </a:r>
             <a:endParaRPr/>
           </a:p>
         </p:txBody>
@@ -3847,7 +3951,9 @@
       <p:sp>
         <p:nvSpPr>
           <p:cNvPr id="37" name="Google Shape;37;p9"/>
-          <p:cNvSpPr txBox="1"/>
+          <p:cNvSpPr txBox="1">
+            <a:spLocks noGrp="1"/>
+          </p:cNvSpPr>
           <p:nvPr>
             <p:ph type="title"/>
           </p:nvPr>
@@ -3862,7 +3968,7 @@
           </a:prstGeom>
         </p:spPr>
         <p:txBody>
-          <a:bodyPr anchorCtr="0" anchor="b" bIns="91425" lIns="91425" spcFirstLastPara="1" rIns="91425" wrap="square" tIns="91425">
+          <a:bodyPr spcFirstLastPara="1" wrap="square" lIns="91425" tIns="91425" rIns="91425" bIns="91425" anchor="b" anchorCtr="0">
             <a:normAutofit/>
           </a:bodyPr>
           <a:lstStyle>
@@ -3966,15 +4072,19 @@
               <a:defRPr sz="4200"/>
             </a:lvl9pPr>
           </a:lstStyle>
-          <a:p/>
+          <a:p>
+            <a:endParaRPr/>
+          </a:p>
         </p:txBody>
       </p:sp>
       <p:sp>
         <p:nvSpPr>
           <p:cNvPr id="38" name="Google Shape;38;p9"/>
-          <p:cNvSpPr txBox="1"/>
+          <p:cNvSpPr txBox="1">
+            <a:spLocks noGrp="1"/>
+          </p:cNvSpPr>
           <p:nvPr>
-            <p:ph idx="1" type="subTitle"/>
+            <p:ph type="subTitle" idx="1"/>
           </p:nvPr>
         </p:nvSpPr>
         <p:spPr>
@@ -3987,7 +4097,7 @@
           </a:prstGeom>
         </p:spPr>
         <p:txBody>
-          <a:bodyPr anchorCtr="0" anchor="t" bIns="91425" lIns="91425" spcFirstLastPara="1" rIns="91425" wrap="square" tIns="91425">
+          <a:bodyPr spcFirstLastPara="1" wrap="square" lIns="91425" tIns="91425" rIns="91425" bIns="91425" anchor="t" anchorCtr="0">
             <a:normAutofit/>
           </a:bodyPr>
           <a:lstStyle>
@@ -4118,15 +4228,19 @@
               <a:defRPr sz="2100"/>
             </a:lvl9pPr>
           </a:lstStyle>
-          <a:p/>
+          <a:p>
+            <a:endParaRPr/>
+          </a:p>
         </p:txBody>
       </p:sp>
       <p:sp>
         <p:nvSpPr>
           <p:cNvPr id="39" name="Google Shape;39;p9"/>
-          <p:cNvSpPr txBox="1"/>
+          <p:cNvSpPr txBox="1">
+            <a:spLocks noGrp="1"/>
+          </p:cNvSpPr>
           <p:nvPr>
-            <p:ph idx="2" type="body"/>
+            <p:ph type="body" idx="2"/>
           </p:nvPr>
         </p:nvSpPr>
         <p:spPr>
@@ -4139,11 +4253,11 @@
           </a:prstGeom>
         </p:spPr>
         <p:txBody>
-          <a:bodyPr anchorCtr="0" anchor="ctr" bIns="91425" lIns="91425" spcFirstLastPara="1" rIns="91425" wrap="square" tIns="91425">
+          <a:bodyPr spcFirstLastPara="1" wrap="square" lIns="91425" tIns="91425" rIns="91425" bIns="91425" anchor="ctr" anchorCtr="0">
             <a:normAutofit/>
           </a:bodyPr>
           <a:lstStyle>
-            <a:lvl1pPr indent="-342900" lvl="0" marL="457200">
+            <a:lvl1pPr marL="457200" lvl="0" indent="-342900">
               <a:spcBef>
                 <a:spcPts val="0"/>
               </a:spcBef>
@@ -4154,7 +4268,7 @@
               <a:buChar char="●"/>
               <a:defRPr/>
             </a:lvl1pPr>
-            <a:lvl2pPr indent="-317500" lvl="1" marL="914400">
+            <a:lvl2pPr marL="914400" lvl="1" indent="-317500">
               <a:spcBef>
                 <a:spcPts val="0"/>
               </a:spcBef>
@@ -4165,7 +4279,7 @@
               <a:buChar char="○"/>
               <a:defRPr/>
             </a:lvl2pPr>
-            <a:lvl3pPr indent="-317500" lvl="2" marL="1371600">
+            <a:lvl3pPr marL="1371600" lvl="2" indent="-317500">
               <a:spcBef>
                 <a:spcPts val="0"/>
               </a:spcBef>
@@ -4176,7 +4290,7 @@
               <a:buChar char="■"/>
               <a:defRPr/>
             </a:lvl3pPr>
-            <a:lvl4pPr indent="-317500" lvl="3" marL="1828800">
+            <a:lvl4pPr marL="1828800" lvl="3" indent="-317500">
               <a:spcBef>
                 <a:spcPts val="0"/>
               </a:spcBef>
@@ -4187,7 +4301,7 @@
               <a:buChar char="●"/>
               <a:defRPr/>
             </a:lvl4pPr>
-            <a:lvl5pPr indent="-317500" lvl="4" marL="2286000">
+            <a:lvl5pPr marL="2286000" lvl="4" indent="-317500">
               <a:spcBef>
                 <a:spcPts val="0"/>
               </a:spcBef>
@@ -4198,7 +4312,7 @@
               <a:buChar char="○"/>
               <a:defRPr/>
             </a:lvl5pPr>
-            <a:lvl6pPr indent="-317500" lvl="5" marL="2743200">
+            <a:lvl6pPr marL="2743200" lvl="5" indent="-317500">
               <a:spcBef>
                 <a:spcPts val="0"/>
               </a:spcBef>
@@ -4209,7 +4323,7 @@
               <a:buChar char="■"/>
               <a:defRPr/>
             </a:lvl6pPr>
-            <a:lvl7pPr indent="-317500" lvl="6" marL="3200400">
+            <a:lvl7pPr marL="3200400" lvl="6" indent="-317500">
               <a:spcBef>
                 <a:spcPts val="0"/>
               </a:spcBef>
@@ -4220,7 +4334,7 @@
               <a:buChar char="●"/>
               <a:defRPr/>
             </a:lvl7pPr>
-            <a:lvl8pPr indent="-317500" lvl="7" marL="3657600">
+            <a:lvl8pPr marL="3657600" lvl="7" indent="-317500">
               <a:spcBef>
                 <a:spcPts val="0"/>
               </a:spcBef>
@@ -4231,7 +4345,7 @@
               <a:buChar char="○"/>
               <a:defRPr/>
             </a:lvl8pPr>
-            <a:lvl9pPr indent="-317500" lvl="8" marL="4114800">
+            <a:lvl9pPr marL="4114800" lvl="8" indent="-317500">
               <a:spcBef>
                 <a:spcPts val="0"/>
               </a:spcBef>
@@ -4243,15 +4357,19 @@
               <a:defRPr/>
             </a:lvl9pPr>
           </a:lstStyle>
-          <a:p/>
+          <a:p>
+            <a:endParaRPr/>
+          </a:p>
         </p:txBody>
       </p:sp>
       <p:sp>
         <p:nvSpPr>
           <p:cNvPr id="40" name="Google Shape;40;p9"/>
-          <p:cNvSpPr txBox="1"/>
+          <p:cNvSpPr txBox="1">
+            <a:spLocks noGrp="1"/>
+          </p:cNvSpPr>
           <p:nvPr>
-            <p:ph idx="12" type="sldNum"/>
+            <p:ph type="sldNum" idx="12"/>
           </p:nvPr>
         </p:nvSpPr>
         <p:spPr>
@@ -4264,7 +4382,7 @@
           </a:prstGeom>
         </p:spPr>
         <p:txBody>
-          <a:bodyPr anchorCtr="0" anchor="ctr" bIns="91425" lIns="91425" spcFirstLastPara="1" rIns="91425" wrap="square" tIns="91425">
+          <a:bodyPr spcFirstLastPara="1" wrap="square" lIns="91425" tIns="91425" rIns="91425" bIns="91425" anchor="ctr" anchorCtr="0">
             <a:normAutofit/>
           </a:bodyPr>
           <a:lstStyle>
@@ -4306,7 +4424,7 @@
             </a:lvl9pPr>
           </a:lstStyle>
           <a:p>
-            <a:pPr indent="0" lvl="0" marL="0" rtl="0" algn="r">
+            <a:pPr marL="0" lvl="0" indent="0" algn="r" rtl="0">
               <a:spcBef>
                 <a:spcPts val="0"/>
               </a:spcBef>
@@ -4332,11 +4450,11 @@
 </file>
 
 <file path=ppt/slideLayouts/slideLayout9.xml><?xml version="1.0" encoding="utf-8"?>
-<p:sldLayout xmlns:a="http://schemas.openxmlformats.org/drawingml/2006/main" xmlns:r="http://schemas.openxmlformats.org/officeDocument/2006/relationships" xmlns:mc="http://schemas.openxmlformats.org/markup-compatibility/2006" xmlns:mv="urn:schemas-microsoft-com:mac:vml" xmlns:p="http://schemas.openxmlformats.org/presentationml/2006/main" xmlns:c="http://schemas.openxmlformats.org/drawingml/2006/chart" xmlns:dgm="http://schemas.openxmlformats.org/drawingml/2006/diagram" xmlns:o="urn:schemas-microsoft-com:office:office" xmlns:v="urn:schemas-microsoft-com:vml" xmlns:pvml="urn:schemas-microsoft-com:office:powerpoint" xmlns:com="http://schemas.openxmlformats.org/drawingml/2006/compatibility" xmlns:p14="http://schemas.microsoft.com/office/powerpoint/2010/main" xmlns:p15="http://schemas.microsoft.com/office/powerpoint/2012/main" xmlns:ahyp="http://schemas.microsoft.com/office/drawing/2018/hyperlinkcolor" matchingName="Caption">
+<p:sldLayout xmlns:a="http://schemas.openxmlformats.org/drawingml/2006/main" xmlns:r="http://schemas.openxmlformats.org/officeDocument/2006/relationships" xmlns:p="http://schemas.openxmlformats.org/presentationml/2006/main" matchingName="Caption">
   <p:cSld name="CAPTION_ONLY">
     <p:spTree>
       <p:nvGrpSpPr>
-        <p:cNvPr id="41" name="Shape 41"/>
+        <p:cNvPr id="1" name="Shape 41"/>
         <p:cNvGrpSpPr/>
         <p:nvPr/>
       </p:nvGrpSpPr>
@@ -4351,9 +4469,11 @@
       <p:sp>
         <p:nvSpPr>
           <p:cNvPr id="42" name="Google Shape;42;p10"/>
-          <p:cNvSpPr txBox="1"/>
+          <p:cNvSpPr txBox="1">
+            <a:spLocks noGrp="1"/>
+          </p:cNvSpPr>
           <p:nvPr>
-            <p:ph idx="1" type="body"/>
+            <p:ph type="body" idx="1"/>
           </p:nvPr>
         </p:nvSpPr>
         <p:spPr>
@@ -4366,11 +4486,11 @@
           </a:prstGeom>
         </p:spPr>
         <p:txBody>
-          <a:bodyPr anchorCtr="0" anchor="ctr" bIns="91425" lIns="91425" spcFirstLastPara="1" rIns="91425" wrap="square" tIns="91425">
+          <a:bodyPr spcFirstLastPara="1" wrap="square" lIns="91425" tIns="91425" rIns="91425" bIns="91425" anchor="ctr" anchorCtr="0">
             <a:normAutofit/>
           </a:bodyPr>
           <a:lstStyle>
-            <a:lvl1pPr indent="-228600" lvl="0" marL="457200">
+            <a:lvl1pPr marL="457200" lvl="0" indent="-228600">
               <a:lnSpc>
                 <a:spcPct val="100000"/>
               </a:lnSpc>
@@ -4385,15 +4505,19 @@
               <a:defRPr/>
             </a:lvl1pPr>
           </a:lstStyle>
-          <a:p/>
+          <a:p>
+            <a:endParaRPr/>
+          </a:p>
         </p:txBody>
       </p:sp>
       <p:sp>
         <p:nvSpPr>
           <p:cNvPr id="43" name="Google Shape;43;p10"/>
-          <p:cNvSpPr txBox="1"/>
+          <p:cNvSpPr txBox="1">
+            <a:spLocks noGrp="1"/>
+          </p:cNvSpPr>
           <p:nvPr>
-            <p:ph idx="12" type="sldNum"/>
+            <p:ph type="sldNum" idx="12"/>
           </p:nvPr>
         </p:nvSpPr>
         <p:spPr>
@@ -4406,7 +4530,7 @@
           </a:prstGeom>
         </p:spPr>
         <p:txBody>
-          <a:bodyPr anchorCtr="0" anchor="ctr" bIns="91425" lIns="91425" spcFirstLastPara="1" rIns="91425" wrap="square" tIns="91425">
+          <a:bodyPr spcFirstLastPara="1" wrap="square" lIns="91425" tIns="91425" rIns="91425" bIns="91425" anchor="ctr" anchorCtr="0">
             <a:normAutofit/>
           </a:bodyPr>
           <a:lstStyle>
@@ -4448,7 +4572,7 @@
             </a:lvl9pPr>
           </a:lstStyle>
           <a:p>
-            <a:pPr indent="0" lvl="0" marL="0" rtl="0" algn="r">
+            <a:pPr marL="0" lvl="0" indent="0" algn="r" rtl="0">
               <a:spcBef>
                 <a:spcPts val="0"/>
               </a:spcBef>
@@ -4474,18 +4598,19 @@
 </file>
 
 <file path=ppt/slideMasters/slideMaster1.xml><?xml version="1.0" encoding="utf-8"?>
-<p:sldMaster xmlns:a="http://schemas.openxmlformats.org/drawingml/2006/main" xmlns:r="http://schemas.openxmlformats.org/officeDocument/2006/relationships" xmlns:mc="http://schemas.openxmlformats.org/markup-compatibility/2006" xmlns:mv="urn:schemas-microsoft-com:mac:vml" xmlns:p="http://schemas.openxmlformats.org/presentationml/2006/main" xmlns:c="http://schemas.openxmlformats.org/drawingml/2006/chart" xmlns:dgm="http://schemas.openxmlformats.org/drawingml/2006/diagram" xmlns:o="urn:schemas-microsoft-com:office:office" xmlns:v="urn:schemas-microsoft-com:vml" xmlns:pvml="urn:schemas-microsoft-com:office:powerpoint" xmlns:com="http://schemas.openxmlformats.org/drawingml/2006/compatibility" xmlns:p14="http://schemas.microsoft.com/office/powerpoint/2010/main" xmlns:p15="http://schemas.microsoft.com/office/powerpoint/2012/main" xmlns:ahyp="http://schemas.microsoft.com/office/drawing/2018/hyperlinkcolor">
+<p:sldMaster xmlns:a="http://schemas.openxmlformats.org/drawingml/2006/main" xmlns:r="http://schemas.openxmlformats.org/officeDocument/2006/relationships" xmlns:p="http://schemas.openxmlformats.org/presentationml/2006/main">
   <p:cSld name="simple-light-2">
     <p:bg>
       <p:bgPr>
         <a:solidFill>
           <a:schemeClr val="lt1"/>
         </a:solidFill>
+        <a:effectLst/>
       </p:bgPr>
     </p:bg>
     <p:spTree>
       <p:nvGrpSpPr>
-        <p:cNvPr id="5" name="Shape 5"/>
+        <p:cNvPr id="1" name="Shape 5"/>
         <p:cNvGrpSpPr/>
         <p:nvPr/>
       </p:nvGrpSpPr>
@@ -4500,7 +4625,9 @@
       <p:sp>
         <p:nvSpPr>
           <p:cNvPr id="6" name="Google Shape;6;p1"/>
-          <p:cNvSpPr txBox="1"/>
+          <p:cNvSpPr txBox="1">
+            <a:spLocks noGrp="1"/>
+          </p:cNvSpPr>
           <p:nvPr>
             <p:ph type="title"/>
           </p:nvPr>
@@ -4519,7 +4646,7 @@
           </a:ln>
         </p:spPr>
         <p:txBody>
-          <a:bodyPr anchorCtr="0" anchor="t" bIns="91425" lIns="91425" spcFirstLastPara="1" rIns="91425" wrap="square" tIns="91425">
+          <a:bodyPr spcFirstLastPara="1" wrap="square" lIns="91425" tIns="91425" rIns="91425" bIns="91425" anchor="t" anchorCtr="0">
             <a:normAutofit/>
           </a:bodyPr>
           <a:lstStyle>
@@ -4686,15 +4813,19 @@
               </a:defRPr>
             </a:lvl9pPr>
           </a:lstStyle>
-          <a:p/>
+          <a:p>
+            <a:endParaRPr/>
+          </a:p>
         </p:txBody>
       </p:sp>
       <p:sp>
         <p:nvSpPr>
           <p:cNvPr id="7" name="Google Shape;7;p1"/>
-          <p:cNvSpPr txBox="1"/>
+          <p:cNvSpPr txBox="1">
+            <a:spLocks noGrp="1"/>
+          </p:cNvSpPr>
           <p:nvPr>
-            <p:ph idx="1" type="body"/>
+            <p:ph type="body" idx="1"/>
           </p:nvPr>
         </p:nvSpPr>
         <p:spPr>
@@ -4711,11 +4842,11 @@
           </a:ln>
         </p:spPr>
         <p:txBody>
-          <a:bodyPr anchorCtr="0" anchor="t" bIns="91425" lIns="91425" spcFirstLastPara="1" rIns="91425" wrap="square" tIns="91425">
+          <a:bodyPr spcFirstLastPara="1" wrap="square" lIns="91425" tIns="91425" rIns="91425" bIns="91425" anchor="t" anchorCtr="0">
             <a:normAutofit/>
           </a:bodyPr>
           <a:lstStyle>
-            <a:lvl1pPr indent="-342900" lvl="0" marL="457200">
+            <a:lvl1pPr marL="457200" lvl="0" indent="-342900">
               <a:lnSpc>
                 <a:spcPct val="115000"/>
               </a:lnSpc>
@@ -4736,7 +4867,7 @@
                 </a:solidFill>
               </a:defRPr>
             </a:lvl1pPr>
-            <a:lvl2pPr indent="-317500" lvl="1" marL="914400">
+            <a:lvl2pPr marL="914400" lvl="1" indent="-317500">
               <a:lnSpc>
                 <a:spcPct val="115000"/>
               </a:lnSpc>
@@ -4757,7 +4888,7 @@
                 </a:solidFill>
               </a:defRPr>
             </a:lvl2pPr>
-            <a:lvl3pPr indent="-317500" lvl="2" marL="1371600">
+            <a:lvl3pPr marL="1371600" lvl="2" indent="-317500">
               <a:lnSpc>
                 <a:spcPct val="115000"/>
               </a:lnSpc>
@@ -4778,7 +4909,7 @@
                 </a:solidFill>
               </a:defRPr>
             </a:lvl3pPr>
-            <a:lvl4pPr indent="-317500" lvl="3" marL="1828800">
+            <a:lvl4pPr marL="1828800" lvl="3" indent="-317500">
               <a:lnSpc>
                 <a:spcPct val="115000"/>
               </a:lnSpc>
@@ -4799,7 +4930,7 @@
                 </a:solidFill>
               </a:defRPr>
             </a:lvl4pPr>
-            <a:lvl5pPr indent="-317500" lvl="4" marL="2286000">
+            <a:lvl5pPr marL="2286000" lvl="4" indent="-317500">
               <a:lnSpc>
                 <a:spcPct val="115000"/>
               </a:lnSpc>
@@ -4820,7 +4951,7 @@
                 </a:solidFill>
               </a:defRPr>
             </a:lvl5pPr>
-            <a:lvl6pPr indent="-317500" lvl="5" marL="2743200">
+            <a:lvl6pPr marL="2743200" lvl="5" indent="-317500">
               <a:lnSpc>
                 <a:spcPct val="115000"/>
               </a:lnSpc>
@@ -4841,7 +4972,7 @@
                 </a:solidFill>
               </a:defRPr>
             </a:lvl6pPr>
-            <a:lvl7pPr indent="-317500" lvl="6" marL="3200400">
+            <a:lvl7pPr marL="3200400" lvl="6" indent="-317500">
               <a:lnSpc>
                 <a:spcPct val="115000"/>
               </a:lnSpc>
@@ -4862,7 +4993,7 @@
                 </a:solidFill>
               </a:defRPr>
             </a:lvl7pPr>
-            <a:lvl8pPr indent="-317500" lvl="7" marL="3657600">
+            <a:lvl8pPr marL="3657600" lvl="7" indent="-317500">
               <a:lnSpc>
                 <a:spcPct val="115000"/>
               </a:lnSpc>
@@ -4883,7 +5014,7 @@
                 </a:solidFill>
               </a:defRPr>
             </a:lvl8pPr>
-            <a:lvl9pPr indent="-317500" lvl="8" marL="4114800">
+            <a:lvl9pPr marL="4114800" lvl="8" indent="-317500">
               <a:lnSpc>
                 <a:spcPct val="115000"/>
               </a:lnSpc>
@@ -4905,15 +5036,19 @@
               </a:defRPr>
             </a:lvl9pPr>
           </a:lstStyle>
-          <a:p/>
+          <a:p>
+            <a:endParaRPr/>
+          </a:p>
         </p:txBody>
       </p:sp>
       <p:sp>
         <p:nvSpPr>
           <p:cNvPr id="8" name="Google Shape;8;p1"/>
-          <p:cNvSpPr txBox="1"/>
+          <p:cNvSpPr txBox="1">
+            <a:spLocks noGrp="1"/>
+          </p:cNvSpPr>
           <p:nvPr>
-            <p:ph idx="12" type="sldNum"/>
+            <p:ph type="sldNum" idx="12"/>
           </p:nvPr>
         </p:nvSpPr>
         <p:spPr>
@@ -4930,7 +5065,7 @@
           </a:ln>
         </p:spPr>
         <p:txBody>
-          <a:bodyPr anchorCtr="0" anchor="ctr" bIns="91425" lIns="91425" spcFirstLastPara="1" rIns="91425" wrap="square" tIns="91425">
+          <a:bodyPr spcFirstLastPara="1" wrap="square" lIns="91425" tIns="91425" rIns="91425" bIns="91425" anchor="ctr" anchorCtr="0">
             <a:normAutofit/>
           </a:bodyPr>
           <a:lstStyle>
@@ -5008,7 +5143,7 @@
             </a:lvl9pPr>
           </a:lstStyle>
           <a:p>
-            <a:pPr indent="0" lvl="0" marL="0" rtl="0" algn="r">
+            <a:pPr marL="0" lvl="0" indent="0" algn="r" rtl="0">
               <a:spcBef>
                 <a:spcPts val="0"/>
               </a:spcBef>
@@ -5027,7 +5162,7 @@
       </p:sp>
     </p:spTree>
   </p:cSld>
-  <p:clrMap accent1="accent1" accent2="accent2" accent3="accent3" accent4="accent4" accent5="accent5" accent6="accent6" bg1="lt1" bg2="dk2" tx1="dk1" tx2="lt2" folHlink="folHlink" hlink="hlink"/>
+  <p:clrMap bg1="lt1" tx1="dk1" bg2="dk2" tx2="lt2" accent1="accent1" accent2="accent2" accent3="accent3" accent4="accent4" accent5="accent5" accent6="accent6" hlink="hlink" folHlink="folHlink"/>
   <p:sldLayoutIdLst>
     <p:sldLayoutId id="2147483648" r:id="rId1"/>
     <p:sldLayoutId id="2147483649" r:id="rId2"/>
@@ -5041,10 +5176,10 @@
     <p:sldLayoutId id="2147483657" r:id="rId10"/>
     <p:sldLayoutId id="2147483658" r:id="rId11"/>
   </p:sldLayoutIdLst>
-  <p:hf dt="0" ftr="0" hdr="0" sldNum="0"/>
+  <p:hf sldNum="0" hdr="0" ftr="0" dt="0"/>
   <p:txStyles>
     <p:titleStyle>
-      <a:defPPr lvl="0" marR="0" rtl="0" algn="l">
+      <a:defPPr marR="0" lvl="0" algn="l" rtl="0">
         <a:lnSpc>
           <a:spcPct val="100000"/>
         </a:lnSpc>
@@ -5055,7 +5190,7 @@
           <a:spcPts val="0"/>
         </a:spcAft>
       </a:defPPr>
-      <a:lvl1pPr lvl="0" marR="0" rtl="0" algn="l">
+      <a:lvl1pPr marR="0" lvl="0" algn="l" rtl="0">
         <a:lnSpc>
           <a:spcPct val="100000"/>
         </a:lnSpc>
@@ -5069,7 +5204,7 @@
           <a:srgbClr val="000000"/>
         </a:buClr>
         <a:buFont typeface="Arial"/>
-        <a:defRPr b="0" i="0" sz="1400" u="none" cap="none" strike="noStrike">
+        <a:defRPr sz="1400" b="0" i="0" u="none" strike="noStrike" cap="none">
           <a:solidFill>
             <a:srgbClr val="000000"/>
           </a:solidFill>
@@ -5079,7 +5214,7 @@
           <a:sym typeface="Arial"/>
         </a:defRPr>
       </a:lvl1pPr>
-      <a:lvl2pPr lvl="1" marR="0" rtl="0" algn="l">
+      <a:lvl2pPr marR="0" lvl="1" algn="l" rtl="0">
         <a:lnSpc>
           <a:spcPct val="100000"/>
         </a:lnSpc>
@@ -5093,7 +5228,7 @@
           <a:srgbClr val="000000"/>
         </a:buClr>
         <a:buFont typeface="Arial"/>
-        <a:defRPr b="0" i="0" sz="1400" u="none" cap="none" strike="noStrike">
+        <a:defRPr sz="1400" b="0" i="0" u="none" strike="noStrike" cap="none">
           <a:solidFill>
             <a:srgbClr val="000000"/>
           </a:solidFill>
@@ -5103,7 +5238,7 @@
           <a:sym typeface="Arial"/>
         </a:defRPr>
       </a:lvl2pPr>
-      <a:lvl3pPr lvl="2" marR="0" rtl="0" algn="l">
+      <a:lvl3pPr marR="0" lvl="2" algn="l" rtl="0">
         <a:lnSpc>
           <a:spcPct val="100000"/>
         </a:lnSpc>
@@ -5117,7 +5252,7 @@
           <a:srgbClr val="000000"/>
         </a:buClr>
         <a:buFont typeface="Arial"/>
-        <a:defRPr b="0" i="0" sz="1400" u="none" cap="none" strike="noStrike">
+        <a:defRPr sz="1400" b="0" i="0" u="none" strike="noStrike" cap="none">
           <a:solidFill>
             <a:srgbClr val="000000"/>
           </a:solidFill>
@@ -5127,7 +5262,7 @@
           <a:sym typeface="Arial"/>
         </a:defRPr>
       </a:lvl3pPr>
-      <a:lvl4pPr lvl="3" marR="0" rtl="0" algn="l">
+      <a:lvl4pPr marR="0" lvl="3" algn="l" rtl="0">
         <a:lnSpc>
           <a:spcPct val="100000"/>
         </a:lnSpc>
@@ -5141,7 +5276,7 @@
           <a:srgbClr val="000000"/>
         </a:buClr>
         <a:buFont typeface="Arial"/>
-        <a:defRPr b="0" i="0" sz="1400" u="none" cap="none" strike="noStrike">
+        <a:defRPr sz="1400" b="0" i="0" u="none" strike="noStrike" cap="none">
           <a:solidFill>
             <a:srgbClr val="000000"/>
           </a:solidFill>
@@ -5151,7 +5286,7 @@
           <a:sym typeface="Arial"/>
         </a:defRPr>
       </a:lvl4pPr>
-      <a:lvl5pPr lvl="4" marR="0" rtl="0" algn="l">
+      <a:lvl5pPr marR="0" lvl="4" algn="l" rtl="0">
         <a:lnSpc>
           <a:spcPct val="100000"/>
         </a:lnSpc>
@@ -5165,7 +5300,7 @@
           <a:srgbClr val="000000"/>
         </a:buClr>
         <a:buFont typeface="Arial"/>
-        <a:defRPr b="0" i="0" sz="1400" u="none" cap="none" strike="noStrike">
+        <a:defRPr sz="1400" b="0" i="0" u="none" strike="noStrike" cap="none">
           <a:solidFill>
             <a:srgbClr val="000000"/>
           </a:solidFill>
@@ -5175,7 +5310,7 @@
           <a:sym typeface="Arial"/>
         </a:defRPr>
       </a:lvl5pPr>
-      <a:lvl6pPr lvl="5" marR="0" rtl="0" algn="l">
+      <a:lvl6pPr marR="0" lvl="5" algn="l" rtl="0">
         <a:lnSpc>
           <a:spcPct val="100000"/>
         </a:lnSpc>
@@ -5189,7 +5324,7 @@
           <a:srgbClr val="000000"/>
         </a:buClr>
         <a:buFont typeface="Arial"/>
-        <a:defRPr b="0" i="0" sz="1400" u="none" cap="none" strike="noStrike">
+        <a:defRPr sz="1400" b="0" i="0" u="none" strike="noStrike" cap="none">
           <a:solidFill>
             <a:srgbClr val="000000"/>
           </a:solidFill>
@@ -5199,7 +5334,7 @@
           <a:sym typeface="Arial"/>
         </a:defRPr>
       </a:lvl6pPr>
-      <a:lvl7pPr lvl="6" marR="0" rtl="0" algn="l">
+      <a:lvl7pPr marR="0" lvl="6" algn="l" rtl="0">
         <a:lnSpc>
           <a:spcPct val="100000"/>
         </a:lnSpc>
@@ -5213,7 +5348,7 @@
           <a:srgbClr val="000000"/>
         </a:buClr>
         <a:buFont typeface="Arial"/>
-        <a:defRPr b="0" i="0" sz="1400" u="none" cap="none" strike="noStrike">
+        <a:defRPr sz="1400" b="0" i="0" u="none" strike="noStrike" cap="none">
           <a:solidFill>
             <a:srgbClr val="000000"/>
           </a:solidFill>
@@ -5223,7 +5358,7 @@
           <a:sym typeface="Arial"/>
         </a:defRPr>
       </a:lvl7pPr>
-      <a:lvl8pPr lvl="7" marR="0" rtl="0" algn="l">
+      <a:lvl8pPr marR="0" lvl="7" algn="l" rtl="0">
         <a:lnSpc>
           <a:spcPct val="100000"/>
         </a:lnSpc>
@@ -5237,7 +5372,7 @@
           <a:srgbClr val="000000"/>
         </a:buClr>
         <a:buFont typeface="Arial"/>
-        <a:defRPr b="0" i="0" sz="1400" u="none" cap="none" strike="noStrike">
+        <a:defRPr sz="1400" b="0" i="0" u="none" strike="noStrike" cap="none">
           <a:solidFill>
             <a:srgbClr val="000000"/>
           </a:solidFill>
@@ -5247,7 +5382,7 @@
           <a:sym typeface="Arial"/>
         </a:defRPr>
       </a:lvl8pPr>
-      <a:lvl9pPr lvl="8" marR="0" rtl="0" algn="l">
+      <a:lvl9pPr marR="0" lvl="8" algn="l" rtl="0">
         <a:lnSpc>
           <a:spcPct val="100000"/>
         </a:lnSpc>
@@ -5261,7 +5396,7 @@
           <a:srgbClr val="000000"/>
         </a:buClr>
         <a:buFont typeface="Arial"/>
-        <a:defRPr b="0" i="0" sz="1400" u="none" cap="none" strike="noStrike">
+        <a:defRPr sz="1400" b="0" i="0" u="none" strike="noStrike" cap="none">
           <a:solidFill>
             <a:srgbClr val="000000"/>
           </a:solidFill>
@@ -5273,7 +5408,7 @@
       </a:lvl9pPr>
     </p:titleStyle>
     <p:bodyStyle>
-      <a:defPPr lvl="0" marR="0" rtl="0" algn="l">
+      <a:defPPr marR="0" lvl="0" algn="l" rtl="0">
         <a:lnSpc>
           <a:spcPct val="100000"/>
         </a:lnSpc>
@@ -5284,7 +5419,7 @@
           <a:spcPts val="0"/>
         </a:spcAft>
       </a:defPPr>
-      <a:lvl1pPr lvl="0" marR="0" rtl="0" algn="l">
+      <a:lvl1pPr marR="0" lvl="0" algn="l" rtl="0">
         <a:lnSpc>
           <a:spcPct val="100000"/>
         </a:lnSpc>
@@ -5298,7 +5433,7 @@
           <a:srgbClr val="000000"/>
         </a:buClr>
         <a:buFont typeface="Arial"/>
-        <a:defRPr b="0" i="0" sz="1400" u="none" cap="none" strike="noStrike">
+        <a:defRPr sz="1400" b="0" i="0" u="none" strike="noStrike" cap="none">
           <a:solidFill>
             <a:srgbClr val="000000"/>
           </a:solidFill>
@@ -5308,7 +5443,7 @@
           <a:sym typeface="Arial"/>
         </a:defRPr>
       </a:lvl1pPr>
-      <a:lvl2pPr lvl="1" marR="0" rtl="0" algn="l">
+      <a:lvl2pPr marR="0" lvl="1" algn="l" rtl="0">
         <a:lnSpc>
           <a:spcPct val="100000"/>
         </a:lnSpc>
@@ -5322,7 +5457,7 @@
           <a:srgbClr val="000000"/>
         </a:buClr>
         <a:buFont typeface="Arial"/>
-        <a:defRPr b="0" i="0" sz="1400" u="none" cap="none" strike="noStrike">
+        <a:defRPr sz="1400" b="0" i="0" u="none" strike="noStrike" cap="none">
           <a:solidFill>
             <a:srgbClr val="000000"/>
           </a:solidFill>
@@ -5332,7 +5467,7 @@
           <a:sym typeface="Arial"/>
         </a:defRPr>
       </a:lvl2pPr>
-      <a:lvl3pPr lvl="2" marR="0" rtl="0" algn="l">
+      <a:lvl3pPr marR="0" lvl="2" algn="l" rtl="0">
         <a:lnSpc>
           <a:spcPct val="100000"/>
         </a:lnSpc>
@@ -5346,7 +5481,7 @@
           <a:srgbClr val="000000"/>
         </a:buClr>
         <a:buFont typeface="Arial"/>
-        <a:defRPr b="0" i="0" sz="1400" u="none" cap="none" strike="noStrike">
+        <a:defRPr sz="1400" b="0" i="0" u="none" strike="noStrike" cap="none">
           <a:solidFill>
             <a:srgbClr val="000000"/>
           </a:solidFill>
@@ -5356,7 +5491,7 @@
           <a:sym typeface="Arial"/>
         </a:defRPr>
       </a:lvl3pPr>
-      <a:lvl4pPr lvl="3" marR="0" rtl="0" algn="l">
+      <a:lvl4pPr marR="0" lvl="3" algn="l" rtl="0">
         <a:lnSpc>
           <a:spcPct val="100000"/>
         </a:lnSpc>
@@ -5370,7 +5505,7 @@
           <a:srgbClr val="000000"/>
         </a:buClr>
         <a:buFont typeface="Arial"/>
-        <a:defRPr b="0" i="0" sz="1400" u="none" cap="none" strike="noStrike">
+        <a:defRPr sz="1400" b="0" i="0" u="none" strike="noStrike" cap="none">
           <a:solidFill>
             <a:srgbClr val="000000"/>
           </a:solidFill>
@@ -5380,7 +5515,7 @@
           <a:sym typeface="Arial"/>
         </a:defRPr>
       </a:lvl4pPr>
-      <a:lvl5pPr lvl="4" marR="0" rtl="0" algn="l">
+      <a:lvl5pPr marR="0" lvl="4" algn="l" rtl="0">
         <a:lnSpc>
           <a:spcPct val="100000"/>
         </a:lnSpc>
@@ -5394,7 +5529,7 @@
           <a:srgbClr val="000000"/>
         </a:buClr>
         <a:buFont typeface="Arial"/>
-        <a:defRPr b="0" i="0" sz="1400" u="none" cap="none" strike="noStrike">
+        <a:defRPr sz="1400" b="0" i="0" u="none" strike="noStrike" cap="none">
           <a:solidFill>
             <a:srgbClr val="000000"/>
           </a:solidFill>
@@ -5404,7 +5539,7 @@
           <a:sym typeface="Arial"/>
         </a:defRPr>
       </a:lvl5pPr>
-      <a:lvl6pPr lvl="5" marR="0" rtl="0" algn="l">
+      <a:lvl6pPr marR="0" lvl="5" algn="l" rtl="0">
         <a:lnSpc>
           <a:spcPct val="100000"/>
         </a:lnSpc>
@@ -5418,7 +5553,7 @@
           <a:srgbClr val="000000"/>
         </a:buClr>
         <a:buFont typeface="Arial"/>
-        <a:defRPr b="0" i="0" sz="1400" u="none" cap="none" strike="noStrike">
+        <a:defRPr sz="1400" b="0" i="0" u="none" strike="noStrike" cap="none">
           <a:solidFill>
             <a:srgbClr val="000000"/>
           </a:solidFill>
@@ -5428,7 +5563,7 @@
           <a:sym typeface="Arial"/>
         </a:defRPr>
       </a:lvl6pPr>
-      <a:lvl7pPr lvl="6" marR="0" rtl="0" algn="l">
+      <a:lvl7pPr marR="0" lvl="6" algn="l" rtl="0">
         <a:lnSpc>
           <a:spcPct val="100000"/>
         </a:lnSpc>
@@ -5442,7 +5577,7 @@
           <a:srgbClr val="000000"/>
         </a:buClr>
         <a:buFont typeface="Arial"/>
-        <a:defRPr b="0" i="0" sz="1400" u="none" cap="none" strike="noStrike">
+        <a:defRPr sz="1400" b="0" i="0" u="none" strike="noStrike" cap="none">
           <a:solidFill>
             <a:srgbClr val="000000"/>
           </a:solidFill>
@@ -5452,7 +5587,7 @@
           <a:sym typeface="Arial"/>
         </a:defRPr>
       </a:lvl7pPr>
-      <a:lvl8pPr lvl="7" marR="0" rtl="0" algn="l">
+      <a:lvl8pPr marR="0" lvl="7" algn="l" rtl="0">
         <a:lnSpc>
           <a:spcPct val="100000"/>
         </a:lnSpc>
@@ -5466,7 +5601,7 @@
           <a:srgbClr val="000000"/>
         </a:buClr>
         <a:buFont typeface="Arial"/>
-        <a:defRPr b="0" i="0" sz="1400" u="none" cap="none" strike="noStrike">
+        <a:defRPr sz="1400" b="0" i="0" u="none" strike="noStrike" cap="none">
           <a:solidFill>
             <a:srgbClr val="000000"/>
           </a:solidFill>
@@ -5476,7 +5611,7 @@
           <a:sym typeface="Arial"/>
         </a:defRPr>
       </a:lvl8pPr>
-      <a:lvl9pPr lvl="8" marR="0" rtl="0" algn="l">
+      <a:lvl9pPr marR="0" lvl="8" algn="l" rtl="0">
         <a:lnSpc>
           <a:spcPct val="100000"/>
         </a:lnSpc>
@@ -5490,7 +5625,7 @@
           <a:srgbClr val="000000"/>
         </a:buClr>
         <a:buFont typeface="Arial"/>
-        <a:defRPr b="0" i="0" sz="1400" u="none" cap="none" strike="noStrike">
+        <a:defRPr sz="1400" b="0" i="0" u="none" strike="noStrike" cap="none">
           <a:solidFill>
             <a:srgbClr val="000000"/>
           </a:solidFill>
@@ -5502,7 +5637,7 @@
       </a:lvl9pPr>
     </p:bodyStyle>
     <p:otherStyle>
-      <a:defPPr lvl="0" marR="0" rtl="0" algn="l">
+      <a:defPPr marR="0" lvl="0" algn="l" rtl="0">
         <a:lnSpc>
           <a:spcPct val="100000"/>
         </a:lnSpc>
@@ -5513,7 +5648,7 @@
           <a:spcPts val="0"/>
         </a:spcAft>
       </a:defPPr>
-      <a:lvl1pPr lvl="0" marR="0" rtl="0" algn="l">
+      <a:lvl1pPr marR="0" lvl="0" algn="l" rtl="0">
         <a:lnSpc>
           <a:spcPct val="100000"/>
         </a:lnSpc>
@@ -5527,7 +5662,7 @@
           <a:srgbClr val="000000"/>
         </a:buClr>
         <a:buFont typeface="Arial"/>
-        <a:defRPr b="0" i="0" sz="1400" u="none" cap="none" strike="noStrike">
+        <a:defRPr sz="1400" b="0" i="0" u="none" strike="noStrike" cap="none">
           <a:solidFill>
             <a:srgbClr val="000000"/>
           </a:solidFill>
@@ -5537,7 +5672,7 @@
           <a:sym typeface="Arial"/>
         </a:defRPr>
       </a:lvl1pPr>
-      <a:lvl2pPr lvl="1" marR="0" rtl="0" algn="l">
+      <a:lvl2pPr marR="0" lvl="1" algn="l" rtl="0">
         <a:lnSpc>
           <a:spcPct val="100000"/>
         </a:lnSpc>
@@ -5551,7 +5686,7 @@
           <a:srgbClr val="000000"/>
         </a:buClr>
         <a:buFont typeface="Arial"/>
-        <a:defRPr b="0" i="0" sz="1400" u="none" cap="none" strike="noStrike">
+        <a:defRPr sz="1400" b="0" i="0" u="none" strike="noStrike" cap="none">
           <a:solidFill>
             <a:srgbClr val="000000"/>
           </a:solidFill>
@@ -5561,7 +5696,7 @@
           <a:sym typeface="Arial"/>
         </a:defRPr>
       </a:lvl2pPr>
-      <a:lvl3pPr lvl="2" marR="0" rtl="0" algn="l">
+      <a:lvl3pPr marR="0" lvl="2" algn="l" rtl="0">
         <a:lnSpc>
           <a:spcPct val="100000"/>
         </a:lnSpc>
@@ -5575,7 +5710,7 @@
           <a:srgbClr val="000000"/>
         </a:buClr>
         <a:buFont typeface="Arial"/>
-        <a:defRPr b="0" i="0" sz="1400" u="none" cap="none" strike="noStrike">
+        <a:defRPr sz="1400" b="0" i="0" u="none" strike="noStrike" cap="none">
           <a:solidFill>
             <a:srgbClr val="000000"/>
           </a:solidFill>
@@ -5585,7 +5720,7 @@
           <a:sym typeface="Arial"/>
         </a:defRPr>
       </a:lvl3pPr>
-      <a:lvl4pPr lvl="3" marR="0" rtl="0" algn="l">
+      <a:lvl4pPr marR="0" lvl="3" algn="l" rtl="0">
         <a:lnSpc>
           <a:spcPct val="100000"/>
         </a:lnSpc>
@@ -5599,7 +5734,7 @@
           <a:srgbClr val="000000"/>
         </a:buClr>
         <a:buFont typeface="Arial"/>
-        <a:defRPr b="0" i="0" sz="1400" u="none" cap="none" strike="noStrike">
+        <a:defRPr sz="1400" b="0" i="0" u="none" strike="noStrike" cap="none">
           <a:solidFill>
             <a:srgbClr val="000000"/>
           </a:solidFill>
@@ -5609,7 +5744,7 @@
           <a:sym typeface="Arial"/>
         </a:defRPr>
       </a:lvl4pPr>
-      <a:lvl5pPr lvl="4" marR="0" rtl="0" algn="l">
+      <a:lvl5pPr marR="0" lvl="4" algn="l" rtl="0">
         <a:lnSpc>
           <a:spcPct val="100000"/>
         </a:lnSpc>
@@ -5623,7 +5758,7 @@
           <a:srgbClr val="000000"/>
         </a:buClr>
         <a:buFont typeface="Arial"/>
-        <a:defRPr b="0" i="0" sz="1400" u="none" cap="none" strike="noStrike">
+        <a:defRPr sz="1400" b="0" i="0" u="none" strike="noStrike" cap="none">
           <a:solidFill>
             <a:srgbClr val="000000"/>
           </a:solidFill>
@@ -5633,7 +5768,7 @@
           <a:sym typeface="Arial"/>
         </a:defRPr>
       </a:lvl5pPr>
-      <a:lvl6pPr lvl="5" marR="0" rtl="0" algn="l">
+      <a:lvl6pPr marR="0" lvl="5" algn="l" rtl="0">
         <a:lnSpc>
           <a:spcPct val="100000"/>
         </a:lnSpc>
@@ -5647,7 +5782,7 @@
           <a:srgbClr val="000000"/>
         </a:buClr>
         <a:buFont typeface="Arial"/>
-        <a:defRPr b="0" i="0" sz="1400" u="none" cap="none" strike="noStrike">
+        <a:defRPr sz="1400" b="0" i="0" u="none" strike="noStrike" cap="none">
           <a:solidFill>
             <a:srgbClr val="000000"/>
           </a:solidFill>
@@ -5657,7 +5792,7 @@
           <a:sym typeface="Arial"/>
         </a:defRPr>
       </a:lvl6pPr>
-      <a:lvl7pPr lvl="6" marR="0" rtl="0" algn="l">
+      <a:lvl7pPr marR="0" lvl="6" algn="l" rtl="0">
         <a:lnSpc>
           <a:spcPct val="100000"/>
         </a:lnSpc>
@@ -5671,7 +5806,7 @@
           <a:srgbClr val="000000"/>
         </a:buClr>
         <a:buFont typeface="Arial"/>
-        <a:defRPr b="0" i="0" sz="1400" u="none" cap="none" strike="noStrike">
+        <a:defRPr sz="1400" b="0" i="0" u="none" strike="noStrike" cap="none">
           <a:solidFill>
             <a:srgbClr val="000000"/>
           </a:solidFill>
@@ -5681,7 +5816,7 @@
           <a:sym typeface="Arial"/>
         </a:defRPr>
       </a:lvl7pPr>
-      <a:lvl8pPr lvl="7" marR="0" rtl="0" algn="l">
+      <a:lvl8pPr marR="0" lvl="7" algn="l" rtl="0">
         <a:lnSpc>
           <a:spcPct val="100000"/>
         </a:lnSpc>
@@ -5695,7 +5830,7 @@
           <a:srgbClr val="000000"/>
         </a:buClr>
         <a:buFont typeface="Arial"/>
-        <a:defRPr b="0" i="0" sz="1400" u="none" cap="none" strike="noStrike">
+        <a:defRPr sz="1400" b="0" i="0" u="none" strike="noStrike" cap="none">
           <a:solidFill>
             <a:srgbClr val="000000"/>
           </a:solidFill>
@@ -5705,7 +5840,7 @@
           <a:sym typeface="Arial"/>
         </a:defRPr>
       </a:lvl8pPr>
-      <a:lvl9pPr lvl="8" marR="0" rtl="0" algn="l">
+      <a:lvl9pPr marR="0" lvl="8" algn="l" rtl="0">
         <a:lnSpc>
           <a:spcPct val="100000"/>
         </a:lnSpc>
@@ -5719,7 +5854,7 @@
           <a:srgbClr val="000000"/>
         </a:buClr>
         <a:buFont typeface="Arial"/>
-        <a:defRPr b="0" i="0" sz="1400" u="none" cap="none" strike="noStrike">
+        <a:defRPr sz="1400" b="0" i="0" u="none" strike="noStrike" cap="none">
           <a:solidFill>
             <a:srgbClr val="000000"/>
           </a:solidFill>
@@ -5735,11 +5870,11 @@
 </file>
 
 <file path=ppt/slides/slide1.xml><?xml version="1.0" encoding="utf-8"?>
-<p:sld xmlns:a="http://schemas.openxmlformats.org/drawingml/2006/main" xmlns:r="http://schemas.openxmlformats.org/officeDocument/2006/relationships" xmlns:mc="http://schemas.openxmlformats.org/markup-compatibility/2006" xmlns:mv="urn:schemas-microsoft-com:mac:vml" xmlns:p="http://schemas.openxmlformats.org/presentationml/2006/main" xmlns:c="http://schemas.openxmlformats.org/drawingml/2006/chart" xmlns:dgm="http://schemas.openxmlformats.org/drawingml/2006/diagram" xmlns:o="urn:schemas-microsoft-com:office:office" xmlns:v="urn:schemas-microsoft-com:vml" xmlns:pvml="urn:schemas-microsoft-com:office:powerpoint" xmlns:com="http://schemas.openxmlformats.org/drawingml/2006/compatibility" xmlns:p14="http://schemas.microsoft.com/office/powerpoint/2010/main" xmlns:p15="http://schemas.microsoft.com/office/powerpoint/2012/main" xmlns:ahyp="http://schemas.microsoft.com/office/drawing/2018/hyperlinkcolor">
+<p:sld xmlns:a="http://schemas.openxmlformats.org/drawingml/2006/main" xmlns:r="http://schemas.openxmlformats.org/officeDocument/2006/relationships" xmlns:p="http://schemas.openxmlformats.org/presentationml/2006/main">
   <p:cSld>
     <p:spTree>
       <p:nvGrpSpPr>
-        <p:cNvPr id="53" name="Shape 53"/>
+        <p:cNvPr id="1" name="Shape 53"/>
         <p:cNvGrpSpPr/>
         <p:nvPr/>
       </p:nvGrpSpPr>
@@ -5773,12 +5908,12 @@
           </a:ln>
         </p:spPr>
         <p:txBody>
-          <a:bodyPr anchorCtr="0" anchor="ctr" bIns="91425" lIns="91425" spcFirstLastPara="1" rIns="91425" wrap="square" tIns="91425">
+          <a:bodyPr spcFirstLastPara="1" wrap="square" lIns="91425" tIns="91425" rIns="91425" bIns="91425" anchor="ctr" anchorCtr="0">
             <a:noAutofit/>
           </a:bodyPr>
           <a:lstStyle/>
           <a:p>
-            <a:pPr indent="0" lvl="0" marL="0" rtl="0" algn="ctr">
+            <a:pPr marL="0" lvl="0" indent="0" algn="ctr" rtl="0">
               <a:spcBef>
                 <a:spcPts val="0"/>
               </a:spcBef>
@@ -5825,12 +5960,12 @@
           </a:ln>
         </p:spPr>
         <p:txBody>
-          <a:bodyPr anchorCtr="0" anchor="ctr" bIns="91425" lIns="91425" spcFirstLastPara="1" rIns="91425" wrap="square" tIns="91425">
+          <a:bodyPr spcFirstLastPara="1" wrap="square" lIns="91425" tIns="91425" rIns="91425" bIns="91425" anchor="ctr" anchorCtr="0">
             <a:noAutofit/>
           </a:bodyPr>
           <a:lstStyle/>
           <a:p>
-            <a:pPr indent="0" lvl="0" marL="0" rtl="0" algn="ctr">
+            <a:pPr marL="0" lvl="0" indent="0" algn="ctr" rtl="0">
               <a:spcBef>
                 <a:spcPts val="0"/>
               </a:spcBef>
@@ -5845,15 +5980,7 @@
                   <a:schemeClr val="lt1"/>
                 </a:solidFill>
               </a:rPr>
-              <a:t>클라</a:t>
-            </a:r>
-            <a:r>
-              <a:rPr lang="ko" sz="700">
-                <a:solidFill>
-                  <a:schemeClr val="lt1"/>
-                </a:solidFill>
-              </a:rPr>
-              <a:t> 실행</a:t>
+              <a:t>클라 실행</a:t>
             </a:r>
             <a:endParaRPr sz="700">
               <a:solidFill>
@@ -5876,7 +6003,7 @@
           </a:xfrm>
           <a:prstGeom prst="roundRect">
             <a:avLst>
-              <a:gd fmla="val 16667" name="adj"/>
+              <a:gd name="adj" fmla="val 16667"/>
             </a:avLst>
           </a:prstGeom>
           <a:solidFill>
@@ -5887,12 +6014,12 @@
           </a:ln>
         </p:spPr>
         <p:txBody>
-          <a:bodyPr anchorCtr="0" anchor="ctr" bIns="91425" lIns="91425" spcFirstLastPara="1" rIns="91425" wrap="square" tIns="91425">
+          <a:bodyPr spcFirstLastPara="1" wrap="square" lIns="91425" tIns="91425" rIns="91425" bIns="91425" anchor="ctr" anchorCtr="0">
             <a:noAutofit/>
           </a:bodyPr>
           <a:lstStyle/>
           <a:p>
-            <a:pPr indent="0" lvl="0" marL="0" rtl="0" algn="ctr">
+            <a:pPr marL="0" lvl="0" indent="0" algn="ctr" rtl="0">
               <a:spcBef>
                 <a:spcPts val="0"/>
               </a:spcBef>
@@ -5930,7 +6057,7 @@
           </a:xfrm>
           <a:prstGeom prst="roundRect">
             <a:avLst>
-              <a:gd fmla="val 16667" name="adj"/>
+              <a:gd name="adj" fmla="val 16667"/>
             </a:avLst>
           </a:prstGeom>
           <a:solidFill>
@@ -5941,12 +6068,12 @@
           </a:ln>
         </p:spPr>
         <p:txBody>
-          <a:bodyPr anchorCtr="0" anchor="ctr" bIns="91425" lIns="91425" spcFirstLastPara="1" rIns="91425" wrap="square" tIns="91425">
+          <a:bodyPr spcFirstLastPara="1" wrap="square" lIns="91425" tIns="91425" rIns="91425" bIns="91425" anchor="ctr" anchorCtr="0">
             <a:noAutofit/>
           </a:bodyPr>
           <a:lstStyle/>
           <a:p>
-            <a:pPr indent="0" lvl="0" marL="0" rtl="0" algn="ctr">
+            <a:pPr marL="0" lvl="0" indent="0" algn="ctr" rtl="0">
               <a:spcBef>
                 <a:spcPts val="0"/>
               </a:spcBef>
@@ -5984,7 +6111,7 @@
           </a:xfrm>
           <a:prstGeom prst="roundRect">
             <a:avLst>
-              <a:gd fmla="val 16667" name="adj"/>
+              <a:gd name="adj" fmla="val 16667"/>
             </a:avLst>
           </a:prstGeom>
           <a:solidFill>
@@ -5995,12 +6122,12 @@
           </a:ln>
         </p:spPr>
         <p:txBody>
-          <a:bodyPr anchorCtr="0" anchor="ctr" bIns="91425" lIns="91425" spcFirstLastPara="1" rIns="91425" wrap="square" tIns="91425">
+          <a:bodyPr spcFirstLastPara="1" wrap="square" lIns="91425" tIns="91425" rIns="91425" bIns="91425" anchor="ctr" anchorCtr="0">
             <a:noAutofit/>
           </a:bodyPr>
           <a:lstStyle/>
           <a:p>
-            <a:pPr indent="0" lvl="0" marL="0" rtl="0" algn="ctr">
+            <a:pPr marL="0" lvl="0" indent="0" algn="ctr" rtl="0">
               <a:spcBef>
                 <a:spcPts val="0"/>
               </a:spcBef>
@@ -6038,7 +6165,7 @@
           </a:xfrm>
           <a:prstGeom prst="roundRect">
             <a:avLst>
-              <a:gd fmla="val 16667" name="adj"/>
+              <a:gd name="adj" fmla="val 16667"/>
             </a:avLst>
           </a:prstGeom>
           <a:solidFill>
@@ -6049,12 +6176,12 @@
           </a:ln>
         </p:spPr>
         <p:txBody>
-          <a:bodyPr anchorCtr="0" anchor="ctr" bIns="91425" lIns="91425" spcFirstLastPara="1" rIns="91425" wrap="square" tIns="91425">
+          <a:bodyPr spcFirstLastPara="1" wrap="square" lIns="91425" tIns="91425" rIns="91425" bIns="91425" anchor="ctr" anchorCtr="0">
             <a:noAutofit/>
           </a:bodyPr>
           <a:lstStyle/>
           <a:p>
-            <a:pPr indent="0" lvl="0" marL="0" rtl="0" algn="ctr">
+            <a:pPr marL="0" lvl="0" indent="0" algn="ctr" rtl="0">
               <a:spcBef>
                 <a:spcPts val="0"/>
               </a:spcBef>
@@ -6064,14 +6191,14 @@
               <a:buNone/>
             </a:pPr>
             <a:r>
-              <a:rPr lang="ko" sz="700">
+              <a:rPr lang="ko" sz="700" dirty="0">
                 <a:solidFill>
                   <a:schemeClr val="lt1"/>
                 </a:solidFill>
               </a:rPr>
               <a:t>accept</a:t>
             </a:r>
-            <a:endParaRPr sz="700">
+            <a:endParaRPr sz="700" dirty="0">
               <a:solidFill>
                 <a:schemeClr val="lt1"/>
               </a:solidFill>
@@ -6092,7 +6219,7 @@
           </a:xfrm>
           <a:prstGeom prst="roundRect">
             <a:avLst>
-              <a:gd fmla="val 16667" name="adj"/>
+              <a:gd name="adj" fmla="val 16667"/>
             </a:avLst>
           </a:prstGeom>
           <a:solidFill>
@@ -6103,12 +6230,12 @@
           </a:ln>
         </p:spPr>
         <p:txBody>
-          <a:bodyPr anchorCtr="0" anchor="ctr" bIns="91425" lIns="91425" spcFirstLastPara="1" rIns="91425" wrap="square" tIns="91425">
+          <a:bodyPr spcFirstLastPara="1" wrap="square" lIns="91425" tIns="91425" rIns="91425" bIns="91425" anchor="ctr" anchorCtr="0">
             <a:noAutofit/>
           </a:bodyPr>
           <a:lstStyle/>
           <a:p>
-            <a:pPr indent="0" lvl="0" marL="0" rtl="0" algn="ctr">
+            <a:pPr marL="0" lvl="0" indent="0" algn="ctr" rtl="0">
               <a:spcBef>
                 <a:spcPts val="0"/>
               </a:spcBef>
@@ -6146,7 +6273,7 @@
           </a:xfrm>
           <a:prstGeom prst="roundRect">
             <a:avLst>
-              <a:gd fmla="val 16667" name="adj"/>
+              <a:gd name="adj" fmla="val 16667"/>
             </a:avLst>
           </a:prstGeom>
           <a:solidFill>
@@ -6157,12 +6284,12 @@
           </a:ln>
         </p:spPr>
         <p:txBody>
-          <a:bodyPr anchorCtr="0" anchor="ctr" bIns="91425" lIns="91425" spcFirstLastPara="1" rIns="91425" wrap="square" tIns="91425">
+          <a:bodyPr spcFirstLastPara="1" wrap="square" lIns="91425" tIns="91425" rIns="91425" bIns="91425" anchor="ctr" anchorCtr="0">
             <a:noAutofit/>
           </a:bodyPr>
           <a:lstStyle/>
           <a:p>
-            <a:pPr indent="0" lvl="0" marL="0" rtl="0" algn="ctr">
+            <a:pPr marL="0" lvl="0" indent="0" algn="ctr" rtl="0">
               <a:spcBef>
                 <a:spcPts val="0"/>
               </a:spcBef>
@@ -6200,7 +6327,7 @@
           </a:xfrm>
           <a:prstGeom prst="roundRect">
             <a:avLst>
-              <a:gd fmla="val 16667" name="adj"/>
+              <a:gd name="adj" fmla="val 16667"/>
             </a:avLst>
           </a:prstGeom>
           <a:solidFill>
@@ -6211,12 +6338,12 @@
           </a:ln>
         </p:spPr>
         <p:txBody>
-          <a:bodyPr anchorCtr="0" anchor="ctr" bIns="91425" lIns="91425" spcFirstLastPara="1" rIns="91425" wrap="square" tIns="91425">
+          <a:bodyPr spcFirstLastPara="1" wrap="square" lIns="91425" tIns="91425" rIns="91425" bIns="91425" anchor="ctr" anchorCtr="0">
             <a:noAutofit/>
           </a:bodyPr>
           <a:lstStyle/>
           <a:p>
-            <a:pPr indent="0" lvl="0" marL="0" rtl="0" algn="ctr">
+            <a:pPr marL="0" lvl="0" indent="0" algn="ctr" rtl="0">
               <a:spcBef>
                 <a:spcPts val="0"/>
               </a:spcBef>
@@ -6226,14 +6353,14 @@
               <a:buNone/>
             </a:pPr>
             <a:r>
-              <a:rPr lang="ko" sz="700">
+              <a:rPr lang="ko" sz="700" dirty="0">
                 <a:solidFill>
                   <a:schemeClr val="lt1"/>
                 </a:solidFill>
               </a:rPr>
               <a:t>thread 생성</a:t>
             </a:r>
-            <a:endParaRPr sz="700">
+            <a:endParaRPr sz="700" dirty="0">
               <a:solidFill>
                 <a:schemeClr val="lt1"/>
               </a:solidFill>
@@ -6263,12 +6390,12 @@
           </a:ln>
         </p:spPr>
         <p:txBody>
-          <a:bodyPr anchorCtr="0" anchor="ctr" bIns="91425" lIns="91425" spcFirstLastPara="1" rIns="91425" wrap="square" tIns="91425">
+          <a:bodyPr spcFirstLastPara="1" wrap="square" lIns="91425" tIns="91425" rIns="91425" bIns="91425" anchor="ctr" anchorCtr="0">
             <a:noAutofit/>
           </a:bodyPr>
           <a:lstStyle/>
           <a:p>
-            <a:pPr indent="0" lvl="0" marL="0" rtl="0" algn="ctr">
+            <a:pPr marL="0" lvl="0" indent="0" algn="ctr" rtl="0">
               <a:spcBef>
                 <a:spcPts val="0"/>
               </a:spcBef>
@@ -6306,7 +6433,7 @@
           </a:xfrm>
           <a:prstGeom prst="roundRect">
             <a:avLst>
-              <a:gd fmla="val 16667" name="adj"/>
+              <a:gd name="adj" fmla="val 16667"/>
             </a:avLst>
           </a:prstGeom>
           <a:solidFill>
@@ -6317,12 +6444,12 @@
           </a:ln>
         </p:spPr>
         <p:txBody>
-          <a:bodyPr anchorCtr="0" anchor="ctr" bIns="91425" lIns="91425" spcFirstLastPara="1" rIns="91425" wrap="square" tIns="91425">
+          <a:bodyPr spcFirstLastPara="1" wrap="square" lIns="91425" tIns="91425" rIns="91425" bIns="91425" anchor="ctr" anchorCtr="0">
             <a:noAutofit/>
           </a:bodyPr>
           <a:lstStyle/>
           <a:p>
-            <a:pPr indent="0" lvl="0" marL="0" rtl="0" algn="ctr">
+            <a:pPr marL="0" lvl="0" indent="0" algn="ctr" rtl="0">
               <a:spcBef>
                 <a:spcPts val="0"/>
               </a:spcBef>
@@ -6332,14 +6459,14 @@
               <a:buNone/>
             </a:pPr>
             <a:r>
-              <a:rPr lang="ko" sz="700">
+              <a:rPr lang="ko" sz="700" dirty="0">
                 <a:solidFill>
                   <a:schemeClr val="lt1"/>
                 </a:solidFill>
               </a:rPr>
               <a:t>게임 시작 요청 recv</a:t>
             </a:r>
-            <a:endParaRPr sz="700">
+            <a:endParaRPr sz="700" dirty="0">
               <a:solidFill>
                 <a:schemeClr val="lt1"/>
               </a:solidFill>
@@ -6360,7 +6487,7 @@
           </a:xfrm>
           <a:prstGeom prst="roundRect">
             <a:avLst>
-              <a:gd fmla="val 16667" name="adj"/>
+              <a:gd name="adj" fmla="val 16667"/>
             </a:avLst>
           </a:prstGeom>
           <a:solidFill>
@@ -6371,12 +6498,12 @@
           </a:ln>
         </p:spPr>
         <p:txBody>
-          <a:bodyPr anchorCtr="0" anchor="ctr" bIns="91425" lIns="91425" spcFirstLastPara="1" rIns="91425" wrap="square" tIns="91425">
+          <a:bodyPr spcFirstLastPara="1" wrap="square" lIns="91425" tIns="91425" rIns="91425" bIns="91425" anchor="ctr" anchorCtr="0">
             <a:noAutofit/>
           </a:bodyPr>
           <a:lstStyle/>
           <a:p>
-            <a:pPr indent="0" lvl="0" marL="0" rtl="0" algn="ctr">
+            <a:pPr marL="0" lvl="0" indent="0" algn="ctr" rtl="0">
               <a:spcBef>
                 <a:spcPts val="0"/>
               </a:spcBef>
@@ -6386,14 +6513,14 @@
               <a:buNone/>
             </a:pPr>
             <a:r>
-              <a:rPr lang="ko" sz="700">
+              <a:rPr lang="ko" sz="700" dirty="0">
                 <a:solidFill>
                   <a:schemeClr val="lt1"/>
                 </a:solidFill>
               </a:rPr>
               <a:t>게임 시작 요청 send</a:t>
             </a:r>
-            <a:endParaRPr sz="700">
+            <a:endParaRPr sz="700" dirty="0">
               <a:solidFill>
                 <a:schemeClr val="lt1"/>
               </a:solidFill>
@@ -6419,14 +6546,14 @@
             <a:avLst/>
           </a:prstGeom>
           <a:noFill/>
-          <a:ln cap="flat" cmpd="sng" w="9525">
+          <a:ln w="9525" cap="flat" cmpd="sng">
             <a:solidFill>
               <a:schemeClr val="dk2"/>
             </a:solidFill>
             <a:prstDash val="solid"/>
             <a:round/>
-            <a:headEnd len="med" w="med" type="none"/>
-            <a:tailEnd len="med" w="med" type="triangle"/>
+            <a:headEnd type="none" w="med" len="med"/>
+            <a:tailEnd type="triangle" w="med" len="med"/>
           </a:ln>
         </p:spPr>
       </p:cxnSp>
@@ -6448,14 +6575,14 @@
             <a:avLst/>
           </a:prstGeom>
           <a:noFill/>
-          <a:ln cap="flat" cmpd="sng" w="9525">
+          <a:ln w="9525" cap="flat" cmpd="sng">
             <a:solidFill>
               <a:schemeClr val="dk2"/>
             </a:solidFill>
             <a:prstDash val="solid"/>
             <a:round/>
-            <a:headEnd len="med" w="med" type="none"/>
-            <a:tailEnd len="med" w="med" type="triangle"/>
+            <a:headEnd type="none" w="med" len="med"/>
+            <a:tailEnd type="triangle" w="med" len="med"/>
           </a:ln>
         </p:spPr>
       </p:cxnSp>
@@ -6477,14 +6604,14 @@
             <a:avLst/>
           </a:prstGeom>
           <a:noFill/>
-          <a:ln cap="flat" cmpd="sng" w="9525">
+          <a:ln w="9525" cap="flat" cmpd="sng">
             <a:solidFill>
               <a:schemeClr val="dk2"/>
             </a:solidFill>
             <a:prstDash val="solid"/>
             <a:round/>
-            <a:headEnd len="med" w="med" type="none"/>
-            <a:tailEnd len="med" w="med" type="triangle"/>
+            <a:headEnd type="none" w="med" len="med"/>
+            <a:tailEnd type="triangle" w="med" len="med"/>
           </a:ln>
         </p:spPr>
       </p:cxnSp>
@@ -6506,14 +6633,14 @@
             <a:avLst/>
           </a:prstGeom>
           <a:noFill/>
-          <a:ln cap="flat" cmpd="sng" w="9525">
+          <a:ln w="9525" cap="flat" cmpd="sng">
             <a:solidFill>
               <a:schemeClr val="dk2"/>
             </a:solidFill>
             <a:prstDash val="solid"/>
             <a:round/>
-            <a:headEnd len="med" w="med" type="none"/>
-            <a:tailEnd len="med" w="med" type="triangle"/>
+            <a:headEnd type="none" w="med" len="med"/>
+            <a:tailEnd type="triangle" w="med" len="med"/>
           </a:ln>
         </p:spPr>
       </p:cxnSp>
@@ -6535,14 +6662,14 @@
             <a:avLst/>
           </a:prstGeom>
           <a:noFill/>
-          <a:ln cap="flat" cmpd="sng" w="9525">
+          <a:ln w="9525" cap="flat" cmpd="sng">
             <a:solidFill>
               <a:schemeClr val="dk2"/>
             </a:solidFill>
             <a:prstDash val="solid"/>
             <a:round/>
-            <a:headEnd len="med" w="med" type="none"/>
-            <a:tailEnd len="med" w="med" type="triangle"/>
+            <a:headEnd type="none" w="med" len="med"/>
+            <a:tailEnd type="triangle" w="med" len="med"/>
           </a:ln>
         </p:spPr>
       </p:cxnSp>
@@ -6564,14 +6691,14 @@
             <a:avLst/>
           </a:prstGeom>
           <a:noFill/>
-          <a:ln cap="flat" cmpd="sng" w="9525">
+          <a:ln w="9525" cap="flat" cmpd="sng">
             <a:solidFill>
               <a:schemeClr val="dk2"/>
             </a:solidFill>
             <a:prstDash val="solid"/>
             <a:round/>
-            <a:headEnd len="med" w="med" type="none"/>
-            <a:tailEnd len="med" w="med" type="triangle"/>
+            <a:headEnd type="none" w="med" len="med"/>
+            <a:tailEnd type="triangle" w="med" len="med"/>
           </a:ln>
         </p:spPr>
       </p:cxnSp>
@@ -6593,14 +6720,14 @@
             <a:avLst/>
           </a:prstGeom>
           <a:noFill/>
-          <a:ln cap="flat" cmpd="sng" w="9525">
+          <a:ln w="9525" cap="flat" cmpd="sng">
             <a:solidFill>
               <a:schemeClr val="dk2"/>
             </a:solidFill>
             <a:prstDash val="solid"/>
             <a:round/>
-            <a:headEnd len="med" w="med" type="none"/>
-            <a:tailEnd len="med" w="med" type="triangle"/>
+            <a:headEnd type="none" w="med" len="med"/>
+            <a:tailEnd type="triangle" w="med" len="med"/>
           </a:ln>
         </p:spPr>
       </p:cxnSp>
@@ -6622,14 +6749,14 @@
             <a:avLst/>
           </a:prstGeom>
           <a:noFill/>
-          <a:ln cap="flat" cmpd="sng" w="9525">
+          <a:ln w="9525" cap="flat" cmpd="sng">
             <a:solidFill>
               <a:schemeClr val="dk2"/>
             </a:solidFill>
             <a:prstDash val="solid"/>
             <a:round/>
-            <a:headEnd len="med" w="med" type="none"/>
-            <a:tailEnd len="med" w="med" type="triangle"/>
+            <a:headEnd type="none" w="med" len="med"/>
+            <a:tailEnd type="triangle" w="med" len="med"/>
           </a:ln>
         </p:spPr>
       </p:cxnSp>
@@ -6651,14 +6778,14 @@
             <a:avLst/>
           </a:prstGeom>
           <a:noFill/>
-          <a:ln cap="flat" cmpd="sng" w="9525">
+          <a:ln w="9525" cap="flat" cmpd="sng">
             <a:solidFill>
               <a:schemeClr val="dk2"/>
             </a:solidFill>
             <a:prstDash val="solid"/>
             <a:round/>
-            <a:headEnd len="med" w="med" type="none"/>
-            <a:tailEnd len="med" w="med" type="triangle"/>
+            <a:headEnd type="none" w="med" len="med"/>
+            <a:tailEnd type="triangle" w="med" len="med"/>
           </a:ln>
         </p:spPr>
       </p:cxnSp>
@@ -6680,14 +6807,14 @@
             <a:avLst/>
           </a:prstGeom>
           <a:noFill/>
-          <a:ln cap="flat" cmpd="sng" w="9525">
+          <a:ln w="9525" cap="flat" cmpd="sng">
             <a:solidFill>
               <a:schemeClr val="dk2"/>
             </a:solidFill>
             <a:prstDash val="solid"/>
             <a:round/>
-            <a:headEnd len="med" w="med" type="none"/>
-            <a:tailEnd len="med" w="med" type="triangle"/>
+            <a:headEnd type="none" w="med" len="med"/>
+            <a:tailEnd type="triangle" w="med" len="med"/>
           </a:ln>
         </p:spPr>
       </p:cxnSp>
@@ -6711,12 +6838,12 @@
           </a:ln>
         </p:spPr>
         <p:txBody>
-          <a:bodyPr anchorCtr="0" anchor="t" bIns="91425" lIns="91425" spcFirstLastPara="1" rIns="91425" wrap="square" tIns="91425">
+          <a:bodyPr spcFirstLastPara="1" wrap="square" lIns="91425" tIns="91425" rIns="91425" bIns="91425" anchor="t" anchorCtr="0">
             <a:spAutoFit/>
           </a:bodyPr>
           <a:lstStyle/>
           <a:p>
-            <a:pPr indent="0" lvl="0" marL="0" rtl="0" algn="l">
+            <a:pPr marL="0" lvl="0" indent="0" algn="l" rtl="0">
               <a:spcBef>
                 <a:spcPts val="0"/>
               </a:spcBef>
@@ -6755,114 +6882,12 @@
           </a:ln>
         </p:spPr>
         <p:txBody>
-          <a:bodyPr anchorCtr="0" anchor="ctr" bIns="91425" lIns="91425" spcFirstLastPara="1" rIns="91425" wrap="square" tIns="91425">
+          <a:bodyPr spcFirstLastPara="1" wrap="square" lIns="91425" tIns="91425" rIns="91425" bIns="91425" anchor="ctr" anchorCtr="0">
             <a:noAutofit/>
           </a:bodyPr>
           <a:lstStyle/>
           <a:p>
-            <a:pPr indent="0" lvl="0" marL="0" rtl="0" algn="ctr">
-              <a:spcBef>
-                <a:spcPts val="0"/>
-              </a:spcBef>
-              <a:spcAft>
-                <a:spcPts val="0"/>
-              </a:spcAft>
-              <a:buNone/>
-            </a:pPr>
-            <a:r>
-              <a:rPr lang="ko" sz="700">
-                <a:solidFill>
-                  <a:schemeClr val="lt1"/>
-                </a:solidFill>
-              </a:rPr>
-              <a:t>캐릭터 선택 창</a:t>
-            </a:r>
-            <a:r>
-              <a:rPr lang="ko" sz="700">
-                <a:solidFill>
-                  <a:schemeClr val="lt1"/>
-                </a:solidFill>
-              </a:rPr>
-              <a:t> 실행</a:t>
-            </a:r>
-            <a:endParaRPr sz="700">
-              <a:solidFill>
-                <a:schemeClr val="lt1"/>
-              </a:solidFill>
-            </a:endParaRPr>
-          </a:p>
-        </p:txBody>
-      </p:sp>
-      <p:sp>
-        <p:nvSpPr>
-          <p:cNvPr id="78" name="Google Shape;78;p13"/>
-          <p:cNvSpPr txBox="1"/>
-          <p:nvPr/>
-        </p:nvSpPr>
-        <p:spPr>
-          <a:xfrm>
-            <a:off x="2119200" y="3591400"/>
-            <a:ext cx="443400" cy="307800"/>
-          </a:xfrm>
-          <a:prstGeom prst="rect">
-            <a:avLst/>
-          </a:prstGeom>
-          <a:noFill/>
-          <a:ln>
-            <a:noFill/>
-          </a:ln>
-        </p:spPr>
-        <p:txBody>
-          <a:bodyPr anchorCtr="0" anchor="t" bIns="91425" lIns="91425" spcFirstLastPara="1" rIns="91425" wrap="square" tIns="91425">
-            <a:spAutoFit/>
-          </a:bodyPr>
-          <a:lstStyle/>
-          <a:p>
-            <a:pPr indent="0" lvl="0" marL="0" rtl="0" algn="l">
-              <a:spcBef>
-                <a:spcPts val="0"/>
-              </a:spcBef>
-              <a:spcAft>
-                <a:spcPts val="0"/>
-              </a:spcAft>
-              <a:buNone/>
-            </a:pPr>
-            <a:r>
-              <a:rPr lang="ko" sz="800"/>
-              <a:t>YES</a:t>
-            </a:r>
-            <a:endParaRPr sz="800"/>
-          </a:p>
-        </p:txBody>
-      </p:sp>
-      <p:sp>
-        <p:nvSpPr>
-          <p:cNvPr id="79" name="Google Shape;79;p13"/>
-          <p:cNvSpPr/>
-          <p:nvPr/>
-        </p:nvSpPr>
-        <p:spPr>
-          <a:xfrm>
-            <a:off x="6598113" y="4239025"/>
-            <a:ext cx="1271100" cy="516600"/>
-          </a:xfrm>
-          <a:prstGeom prst="ellipse">
-            <a:avLst/>
-          </a:prstGeom>
-          <a:solidFill>
-            <a:srgbClr val="6D9EEB"/>
-          </a:solidFill>
-          <a:ln>
-            <a:noFill/>
-          </a:ln>
-        </p:spPr>
-        <p:txBody>
-          <a:bodyPr anchorCtr="0" anchor="ctr" bIns="91425" lIns="91425" spcFirstLastPara="1" rIns="91425" wrap="square" tIns="91425">
-            <a:noAutofit/>
-          </a:bodyPr>
-          <a:lstStyle/>
-          <a:p>
-            <a:pPr indent="0" lvl="0" marL="0" rtl="0" algn="ctr">
+            <a:pPr marL="0" lvl="0" indent="0" algn="ctr" rtl="0">
               <a:spcBef>
                 <a:spcPts val="0"/>
               </a:spcBef>
@@ -6889,19 +6914,59 @@
       </p:sp>
       <p:sp>
         <p:nvSpPr>
-          <p:cNvPr id="80" name="Google Shape;80;p13"/>
+          <p:cNvPr id="78" name="Google Shape;78;p13"/>
+          <p:cNvSpPr txBox="1"/>
+          <p:nvPr/>
+        </p:nvSpPr>
+        <p:spPr>
+          <a:xfrm>
+            <a:off x="2119200" y="3591400"/>
+            <a:ext cx="443400" cy="307800"/>
+          </a:xfrm>
+          <a:prstGeom prst="rect">
+            <a:avLst/>
+          </a:prstGeom>
+          <a:noFill/>
+          <a:ln>
+            <a:noFill/>
+          </a:ln>
+        </p:spPr>
+        <p:txBody>
+          <a:bodyPr spcFirstLastPara="1" wrap="square" lIns="91425" tIns="91425" rIns="91425" bIns="91425" anchor="t" anchorCtr="0">
+            <a:spAutoFit/>
+          </a:bodyPr>
+          <a:lstStyle/>
+          <a:p>
+            <a:pPr marL="0" lvl="0" indent="0" algn="l" rtl="0">
+              <a:spcBef>
+                <a:spcPts val="0"/>
+              </a:spcBef>
+              <a:spcAft>
+                <a:spcPts val="0"/>
+              </a:spcAft>
+              <a:buNone/>
+            </a:pPr>
+            <a:r>
+              <a:rPr lang="ko" sz="800"/>
+              <a:t>YES</a:t>
+            </a:r>
+            <a:endParaRPr sz="800"/>
+          </a:p>
+        </p:txBody>
+      </p:sp>
+      <p:sp>
+        <p:nvSpPr>
+          <p:cNvPr id="79" name="Google Shape;79;p13"/>
           <p:cNvSpPr/>
           <p:nvPr/>
         </p:nvSpPr>
         <p:spPr>
           <a:xfrm>
-            <a:off x="2150425" y="2753200"/>
-            <a:ext cx="672000" cy="246900"/>
-          </a:xfrm>
-          <a:prstGeom prst="roundRect">
-            <a:avLst>
-              <a:gd fmla="val 16667" name="adj"/>
-            </a:avLst>
+            <a:off x="6598113" y="4239025"/>
+            <a:ext cx="1271100" cy="516600"/>
+          </a:xfrm>
+          <a:prstGeom prst="ellipse">
+            <a:avLst/>
           </a:prstGeom>
           <a:solidFill>
             <a:srgbClr val="6D9EEB"/>
@@ -6911,12 +6976,66 @@
           </a:ln>
         </p:spPr>
         <p:txBody>
-          <a:bodyPr anchorCtr="0" anchor="ctr" bIns="91425" lIns="91425" spcFirstLastPara="1" rIns="91425" wrap="square" tIns="91425">
+          <a:bodyPr spcFirstLastPara="1" wrap="square" lIns="91425" tIns="91425" rIns="91425" bIns="91425" anchor="ctr" anchorCtr="0">
             <a:noAutofit/>
           </a:bodyPr>
           <a:lstStyle/>
           <a:p>
-            <a:pPr indent="0" lvl="0" marL="0" rtl="0" algn="ctr">
+            <a:pPr marL="0" lvl="0" indent="0" algn="ctr" rtl="0">
+              <a:spcBef>
+                <a:spcPts val="0"/>
+              </a:spcBef>
+              <a:spcAft>
+                <a:spcPts val="0"/>
+              </a:spcAft>
+              <a:buNone/>
+            </a:pPr>
+            <a:r>
+              <a:rPr lang="ko" sz="700">
+                <a:solidFill>
+                  <a:schemeClr val="lt1"/>
+                </a:solidFill>
+              </a:rPr>
+              <a:t>캐릭터 선택 창 실행</a:t>
+            </a:r>
+            <a:endParaRPr sz="700">
+              <a:solidFill>
+                <a:schemeClr val="lt1"/>
+              </a:solidFill>
+            </a:endParaRPr>
+          </a:p>
+        </p:txBody>
+      </p:sp>
+      <p:sp>
+        <p:nvSpPr>
+          <p:cNvPr id="80" name="Google Shape;80;p13"/>
+          <p:cNvSpPr/>
+          <p:nvPr/>
+        </p:nvSpPr>
+        <p:spPr>
+          <a:xfrm>
+            <a:off x="2150425" y="2753200"/>
+            <a:ext cx="672000" cy="246900"/>
+          </a:xfrm>
+          <a:prstGeom prst="roundRect">
+            <a:avLst>
+              <a:gd name="adj" fmla="val 16667"/>
+            </a:avLst>
+          </a:prstGeom>
+          <a:solidFill>
+            <a:srgbClr val="6D9EEB"/>
+          </a:solidFill>
+          <a:ln>
+            <a:noFill/>
+          </a:ln>
+        </p:spPr>
+        <p:txBody>
+          <a:bodyPr spcFirstLastPara="1" wrap="square" lIns="91425" tIns="91425" rIns="91425" bIns="91425" anchor="ctr" anchorCtr="0">
+            <a:noAutofit/>
+          </a:bodyPr>
+          <a:lstStyle/>
+          <a:p>
+            <a:pPr marL="0" lvl="0" indent="0" algn="ctr" rtl="0">
               <a:spcBef>
                 <a:spcPts val="0"/>
               </a:spcBef>
@@ -6954,7 +7073,7 @@
           </a:xfrm>
           <a:prstGeom prst="roundRect">
             <a:avLst>
-              <a:gd fmla="val 16667" name="adj"/>
+              <a:gd name="adj" fmla="val 16667"/>
             </a:avLst>
           </a:prstGeom>
           <a:solidFill>
@@ -6965,12 +7084,12 @@
           </a:ln>
         </p:spPr>
         <p:txBody>
-          <a:bodyPr anchorCtr="0" anchor="ctr" bIns="91425" lIns="91425" spcFirstLastPara="1" rIns="91425" wrap="square" tIns="91425">
+          <a:bodyPr spcFirstLastPara="1" wrap="square" lIns="91425" tIns="91425" rIns="91425" bIns="91425" anchor="ctr" anchorCtr="0">
             <a:noAutofit/>
           </a:bodyPr>
           <a:lstStyle/>
           <a:p>
-            <a:pPr indent="0" lvl="0" marL="0" rtl="0" algn="ctr">
+            <a:pPr marL="0" lvl="0" indent="0" algn="ctr" rtl="0">
               <a:spcBef>
                 <a:spcPts val="0"/>
               </a:spcBef>
@@ -6980,22 +7099,14 @@
               <a:buNone/>
             </a:pPr>
             <a:r>
-              <a:rPr lang="ko" sz="500">
+              <a:rPr lang="ko" sz="500" dirty="0">
                 <a:solidFill>
                   <a:schemeClr val="lt1"/>
                 </a:solidFill>
               </a:rPr>
-              <a:t>유저 접속</a:t>
+              <a:t>유저 접속데이터 recv</a:t>
             </a:r>
-            <a:r>
-              <a:rPr lang="ko" sz="500">
-                <a:solidFill>
-                  <a:schemeClr val="lt1"/>
-                </a:solidFill>
-              </a:rPr>
-              <a:t>데이터 recv</a:t>
-            </a:r>
-            <a:endParaRPr sz="500">
+            <a:endParaRPr sz="500" dirty="0">
               <a:solidFill>
                 <a:schemeClr val="lt1"/>
               </a:solidFill>
@@ -7016,7 +7127,7 @@
           </a:xfrm>
           <a:prstGeom prst="roundRect">
             <a:avLst>
-              <a:gd fmla="val 16667" name="adj"/>
+              <a:gd name="adj" fmla="val 16667"/>
             </a:avLst>
           </a:prstGeom>
           <a:solidFill>
@@ -7027,12 +7138,12 @@
           </a:ln>
         </p:spPr>
         <p:txBody>
-          <a:bodyPr anchorCtr="0" anchor="ctr" bIns="91425" lIns="91425" spcFirstLastPara="1" rIns="91425" wrap="square" tIns="91425">
+          <a:bodyPr spcFirstLastPara="1" wrap="square" lIns="91425" tIns="91425" rIns="91425" bIns="91425" anchor="ctr" anchorCtr="0">
             <a:noAutofit/>
           </a:bodyPr>
           <a:lstStyle/>
           <a:p>
-            <a:pPr indent="0" lvl="0" marL="0" rtl="0" algn="ctr">
+            <a:pPr marL="0" lvl="0" indent="0" algn="ctr" rtl="0">
               <a:spcBef>
                 <a:spcPts val="0"/>
               </a:spcBef>
@@ -7075,14 +7186,14 @@
             <a:avLst/>
           </a:prstGeom>
           <a:noFill/>
-          <a:ln cap="flat" cmpd="sng" w="9525">
+          <a:ln w="9525" cap="flat" cmpd="sng">
             <a:solidFill>
               <a:schemeClr val="dk2"/>
             </a:solidFill>
             <a:prstDash val="solid"/>
             <a:round/>
-            <a:headEnd len="med" w="med" type="none"/>
-            <a:tailEnd len="med" w="med" type="triangle"/>
+            <a:headEnd type="none" w="med" len="med"/>
+            <a:tailEnd type="triangle" w="med" len="med"/>
           </a:ln>
         </p:spPr>
       </p:cxnSp>
@@ -7104,14 +7215,14 @@
             <a:avLst/>
           </a:prstGeom>
           <a:noFill/>
-          <a:ln cap="flat" cmpd="sng" w="9525">
+          <a:ln w="9525" cap="flat" cmpd="sng">
             <a:solidFill>
               <a:schemeClr val="dk2"/>
             </a:solidFill>
             <a:prstDash val="solid"/>
             <a:round/>
-            <a:headEnd len="med" w="med" type="none"/>
-            <a:tailEnd len="med" w="med" type="triangle"/>
+            <a:headEnd type="none" w="med" len="med"/>
+            <a:tailEnd type="triangle" w="med" len="med"/>
           </a:ln>
         </p:spPr>
       </p:cxnSp>
@@ -7119,28 +7230,29 @@
         <p:nvCxnSpPr>
           <p:cNvPr id="85" name="Google Shape;85;p13"/>
           <p:cNvCxnSpPr>
+            <a:cxnSpLocks/>
             <a:stCxn id="61" idx="2"/>
-            <a:endCxn id="82" idx="0"/>
+            <a:endCxn id="4" idx="0"/>
           </p:cNvCxnSpPr>
           <p:nvPr/>
         </p:nvCxnSpPr>
         <p:spPr>
-          <a:xfrm>
-            <a:off x="7233675" y="2161900"/>
-            <a:ext cx="0" cy="608100"/>
+          <a:xfrm flipH="1">
+            <a:off x="7233650" y="2161900"/>
+            <a:ext cx="25" cy="185741"/>
           </a:xfrm>
           <a:prstGeom prst="straightConnector1">
             <a:avLst/>
           </a:prstGeom>
           <a:noFill/>
-          <a:ln cap="flat" cmpd="sng" w="9525">
+          <a:ln w="9525" cap="flat" cmpd="sng">
             <a:solidFill>
               <a:schemeClr val="dk2"/>
             </a:solidFill>
             <a:prstDash val="solid"/>
             <a:round/>
-            <a:headEnd len="med" w="med" type="none"/>
-            <a:tailEnd len="med" w="med" type="triangle"/>
+            <a:headEnd type="none" w="med" len="med"/>
+            <a:tailEnd type="triangle" w="med" len="med"/>
           </a:ln>
         </p:spPr>
       </p:cxnSp>
@@ -7162,14 +7274,14 @@
             <a:avLst/>
           </a:prstGeom>
           <a:noFill/>
-          <a:ln cap="flat" cmpd="sng" w="9525">
+          <a:ln w="9525" cap="flat" cmpd="sng">
             <a:solidFill>
               <a:schemeClr val="dk2"/>
             </a:solidFill>
             <a:prstDash val="solid"/>
             <a:round/>
-            <a:headEnd len="med" w="med" type="none"/>
-            <a:tailEnd len="med" w="med" type="triangle"/>
+            <a:headEnd type="none" w="med" len="med"/>
+            <a:tailEnd type="triangle" w="med" len="med"/>
           </a:ln>
         </p:spPr>
       </p:cxnSp>
@@ -7186,7 +7298,7 @@
           </a:xfrm>
           <a:prstGeom prst="roundRect">
             <a:avLst>
-              <a:gd fmla="val 16667" name="adj"/>
+              <a:gd name="adj" fmla="val 16667"/>
             </a:avLst>
           </a:prstGeom>
           <a:solidFill>
@@ -7197,12 +7309,12 @@
           </a:ln>
         </p:spPr>
         <p:txBody>
-          <a:bodyPr anchorCtr="0" anchor="ctr" bIns="91425" lIns="91425" spcFirstLastPara="1" rIns="91425" wrap="square" tIns="91425">
+          <a:bodyPr spcFirstLastPara="1" wrap="square" lIns="91425" tIns="91425" rIns="91425" bIns="91425" anchor="ctr" anchorCtr="0">
             <a:noAutofit/>
           </a:bodyPr>
           <a:lstStyle/>
           <a:p>
-            <a:pPr indent="0" lvl="0" marL="0" rtl="0" algn="ctr">
+            <a:pPr marL="0" lvl="0" indent="0" algn="ctr" rtl="0">
               <a:spcBef>
                 <a:spcPts val="0"/>
               </a:spcBef>
@@ -7245,14 +7357,14 @@
             <a:avLst/>
           </a:prstGeom>
           <a:noFill/>
-          <a:ln cap="flat" cmpd="sng" w="9525">
+          <a:ln w="9525" cap="flat" cmpd="sng">
             <a:solidFill>
               <a:schemeClr val="dk2"/>
             </a:solidFill>
             <a:prstDash val="solid"/>
             <a:round/>
-            <a:headEnd len="med" w="med" type="none"/>
-            <a:tailEnd len="med" w="med" type="triangle"/>
+            <a:headEnd type="none" w="med" len="med"/>
+            <a:tailEnd type="triangle" w="med" len="med"/>
           </a:ln>
         </p:spPr>
       </p:cxnSp>
@@ -7274,14 +7386,14 @@
             <a:avLst/>
           </a:prstGeom>
           <a:noFill/>
-          <a:ln cap="flat" cmpd="sng" w="9525">
+          <a:ln w="9525" cap="flat" cmpd="sng">
             <a:solidFill>
               <a:schemeClr val="dk2"/>
             </a:solidFill>
             <a:prstDash val="solid"/>
             <a:round/>
-            <a:headEnd len="med" w="med" type="none"/>
-            <a:tailEnd len="med" w="med" type="triangle"/>
+            <a:headEnd type="none" w="med" len="med"/>
+            <a:tailEnd type="triangle" w="med" len="med"/>
           </a:ln>
         </p:spPr>
       </p:cxnSp>
@@ -7303,14 +7415,14 @@
             <a:avLst/>
           </a:prstGeom>
           <a:noFill/>
-          <a:ln cap="flat" cmpd="sng" w="9525">
+          <a:ln w="9525" cap="flat" cmpd="sng">
             <a:solidFill>
               <a:schemeClr val="dk2"/>
             </a:solidFill>
             <a:prstDash val="solid"/>
             <a:round/>
-            <a:headEnd len="med" w="med" type="none"/>
-            <a:tailEnd len="med" w="med" type="triangle"/>
+            <a:headEnd type="none" w="med" len="med"/>
+            <a:tailEnd type="triangle" w="med" len="med"/>
           </a:ln>
         </p:spPr>
       </p:cxnSp>
@@ -7332,14 +7444,14 @@
             <a:avLst/>
           </a:prstGeom>
           <a:noFill/>
-          <a:ln cap="flat" cmpd="sng" w="9525">
+          <a:ln w="9525" cap="flat" cmpd="sng">
             <a:solidFill>
               <a:schemeClr val="dk2"/>
             </a:solidFill>
             <a:prstDash val="solid"/>
             <a:round/>
-            <a:headEnd len="med" w="med" type="none"/>
-            <a:tailEnd len="med" w="med" type="triangle"/>
+            <a:headEnd type="none" w="med" len="med"/>
+            <a:tailEnd type="triangle" w="med" len="med"/>
           </a:ln>
         </p:spPr>
       </p:cxnSp>
@@ -7360,14 +7472,14 @@
             <a:avLst/>
           </a:prstGeom>
           <a:noFill/>
-          <a:ln cap="flat" cmpd="sng" w="9525">
+          <a:ln w="9525" cap="flat" cmpd="sng">
             <a:solidFill>
               <a:schemeClr val="dk2"/>
             </a:solidFill>
             <a:prstDash val="solid"/>
             <a:round/>
-            <a:headEnd len="med" w="med" type="none"/>
-            <a:tailEnd len="med" w="med" type="none"/>
+            <a:headEnd type="none" w="med" len="med"/>
+            <a:tailEnd type="none" w="med" len="med"/>
           </a:ln>
         </p:spPr>
       </p:cxnSp>
@@ -7388,14 +7500,14 @@
             <a:avLst/>
           </a:prstGeom>
           <a:noFill/>
-          <a:ln cap="flat" cmpd="sng" w="9525">
+          <a:ln w="9525" cap="flat" cmpd="sng">
             <a:solidFill>
               <a:schemeClr val="dk2"/>
             </a:solidFill>
             <a:prstDash val="solid"/>
             <a:round/>
-            <a:headEnd len="med" w="med" type="none"/>
-            <a:tailEnd len="med" w="med" type="triangle"/>
+            <a:headEnd type="none" w="med" len="med"/>
+            <a:tailEnd type="triangle" w="med" len="med"/>
           </a:ln>
         </p:spPr>
       </p:cxnSp>
@@ -7412,7 +7524,7 @@
           </a:xfrm>
           <a:prstGeom prst="roundRect">
             <a:avLst>
-              <a:gd fmla="val 16667" name="adj"/>
+              <a:gd name="adj" fmla="val 16667"/>
             </a:avLst>
           </a:prstGeom>
           <a:solidFill>
@@ -7423,12 +7535,12 @@
           </a:ln>
         </p:spPr>
         <p:txBody>
-          <a:bodyPr anchorCtr="0" anchor="ctr" bIns="91425" lIns="91425" spcFirstLastPara="1" rIns="91425" wrap="square" tIns="91425">
+          <a:bodyPr spcFirstLastPara="1" wrap="square" lIns="91425" tIns="91425" rIns="91425" bIns="91425" anchor="ctr" anchorCtr="0">
             <a:noAutofit/>
           </a:bodyPr>
           <a:lstStyle/>
           <a:p>
-            <a:pPr indent="0" lvl="0" marL="0" rtl="0" algn="ctr">
+            <a:pPr marL="0" lvl="0" indent="0" algn="ctr" rtl="0">
               <a:spcBef>
                 <a:spcPts val="0"/>
               </a:spcBef>
@@ -7438,14 +7550,30 @@
               <a:buNone/>
             </a:pPr>
             <a:r>
-              <a:rPr lang="ko" sz="700">
+              <a:rPr lang="en-US" altLang="ko-KR" sz="700" dirty="0">
                 <a:solidFill>
                   <a:schemeClr val="lt1"/>
                 </a:solidFill>
               </a:rPr>
-              <a:t>게임 시작 요청 send</a:t>
+              <a:t>Scene</a:t>
             </a:r>
-            <a:endParaRPr sz="700">
+            <a:r>
+              <a:rPr lang="ko-KR" altLang="en-US" sz="700" dirty="0">
+                <a:solidFill>
+                  <a:schemeClr val="lt1"/>
+                </a:solidFill>
+              </a:rPr>
+              <a:t> </a:t>
+            </a:r>
+            <a:r>
+              <a:rPr lang="en-US" altLang="ko-KR" sz="700" dirty="0">
+                <a:solidFill>
+                  <a:schemeClr val="lt1"/>
+                </a:solidFill>
+              </a:rPr>
+              <a:t>Update</a:t>
+            </a:r>
+            <a:endParaRPr sz="700" dirty="0">
               <a:solidFill>
                 <a:schemeClr val="lt1"/>
               </a:solidFill>
@@ -7466,7 +7594,7 @@
           </a:xfrm>
           <a:prstGeom prst="roundRect">
             <a:avLst>
-              <a:gd fmla="val 16667" name="adj"/>
+              <a:gd name="adj" fmla="val 16667"/>
             </a:avLst>
           </a:prstGeom>
           <a:solidFill>
@@ -7477,12 +7605,12 @@
           </a:ln>
         </p:spPr>
         <p:txBody>
-          <a:bodyPr anchorCtr="0" anchor="ctr" bIns="91425" lIns="91425" spcFirstLastPara="1" rIns="91425" wrap="square" tIns="91425">
+          <a:bodyPr spcFirstLastPara="1" wrap="square" lIns="91425" tIns="91425" rIns="91425" bIns="91425" anchor="ctr" anchorCtr="0">
             <a:noAutofit/>
           </a:bodyPr>
           <a:lstStyle/>
           <a:p>
-            <a:pPr indent="0" lvl="0" marL="0" rtl="0" algn="ctr">
+            <a:pPr marL="0" lvl="0" indent="0" algn="ctr" rtl="0">
               <a:spcBef>
                 <a:spcPts val="0"/>
               </a:spcBef>
@@ -7492,14 +7620,33 @@
               <a:buNone/>
             </a:pPr>
             <a:r>
-              <a:rPr lang="ko" sz="500">
+              <a:rPr lang="en-US" altLang="ko" sz="500" dirty="0">
                 <a:solidFill>
                   <a:schemeClr val="lt1"/>
                 </a:solidFill>
               </a:rPr>
-              <a:t>유저 접속데이터 recv</a:t>
+              <a:t>Scene Data</a:t>
             </a:r>
-            <a:endParaRPr sz="500">
+          </a:p>
+          <a:p>
+            <a:pPr marL="0" lvl="0" indent="0" algn="ctr" rtl="0">
+              <a:spcBef>
+                <a:spcPts val="0"/>
+              </a:spcBef>
+              <a:spcAft>
+                <a:spcPts val="0"/>
+              </a:spcAft>
+              <a:buNone/>
+            </a:pPr>
+            <a:r>
+              <a:rPr lang="ko" sz="500" dirty="0">
+                <a:solidFill>
+                  <a:schemeClr val="lt1"/>
+                </a:solidFill>
+              </a:rPr>
+              <a:t>recv</a:t>
+            </a:r>
+            <a:endParaRPr sz="500" dirty="0">
               <a:solidFill>
                 <a:schemeClr val="lt1"/>
               </a:solidFill>
@@ -7517,7 +7664,7 @@
           <p:nvPr/>
         </p:nvCxnSpPr>
         <p:spPr>
-          <a:xfrm flipH="1" rot="10800000">
+          <a:xfrm rot="10800000" flipH="1">
             <a:off x="2822388" y="3954225"/>
             <a:ext cx="3103800" cy="12000"/>
           </a:xfrm>
@@ -7525,14 +7672,14 @@
             <a:avLst/>
           </a:prstGeom>
           <a:noFill/>
-          <a:ln cap="flat" cmpd="sng" w="9525">
+          <a:ln w="9525" cap="flat" cmpd="sng">
             <a:solidFill>
               <a:schemeClr val="dk2"/>
             </a:solidFill>
             <a:prstDash val="solid"/>
             <a:round/>
-            <a:headEnd len="med" w="med" type="none"/>
-            <a:tailEnd len="med" w="med" type="triangle"/>
+            <a:headEnd type="none" w="med" len="med"/>
+            <a:tailEnd type="triangle" w="med" len="med"/>
           </a:ln>
         </p:spPr>
       </p:cxnSp>
@@ -7554,17 +7701,300 @@
             <a:avLst/>
           </a:prstGeom>
           <a:noFill/>
-          <a:ln cap="flat" cmpd="sng" w="9525">
+          <a:ln w="9525" cap="flat" cmpd="sng">
             <a:solidFill>
               <a:schemeClr val="dk2"/>
             </a:solidFill>
             <a:prstDash val="solid"/>
             <a:round/>
-            <a:headEnd len="med" w="med" type="none"/>
-            <a:tailEnd len="med" w="med" type="triangle"/>
+            <a:headEnd type="none" w="med" len="med"/>
+            <a:tailEnd type="triangle" w="med" len="med"/>
           </a:ln>
         </p:spPr>
       </p:cxnSp>
+      <p:cxnSp>
+        <p:nvCxnSpPr>
+          <p:cNvPr id="3" name="연결선: 꺾임 2">
+            <a:extLst>
+              <a:ext uri="{FF2B5EF4-FFF2-40B4-BE49-F238E27FC236}">
+                <a16:creationId xmlns:a16="http://schemas.microsoft.com/office/drawing/2014/main" id="{34357879-D2A2-76F5-1A7B-4F410DB97629}"/>
+              </a:ext>
+            </a:extLst>
+          </p:cNvPr>
+          <p:cNvCxnSpPr>
+            <a:stCxn id="62" idx="3"/>
+            <a:endCxn id="64" idx="0"/>
+          </p:cNvCxnSpPr>
+          <p:nvPr/>
+        </p:nvCxnSpPr>
+        <p:spPr>
+          <a:xfrm>
+            <a:off x="2822388" y="2465900"/>
+            <a:ext cx="968562" cy="834388"/>
+          </a:xfrm>
+          <a:prstGeom prst="bentConnector2">
+            <a:avLst/>
+          </a:prstGeom>
+          <a:ln>
+            <a:solidFill>
+              <a:schemeClr val="tx1"/>
+            </a:solidFill>
+            <a:prstDash val="dash"/>
+            <a:tailEnd type="triangle"/>
+          </a:ln>
+        </p:spPr>
+        <p:style>
+          <a:lnRef idx="1">
+            <a:schemeClr val="accent1"/>
+          </a:lnRef>
+          <a:fillRef idx="0">
+            <a:schemeClr val="accent1"/>
+          </a:fillRef>
+          <a:effectRef idx="0">
+            <a:schemeClr val="accent1"/>
+          </a:effectRef>
+          <a:fontRef idx="minor">
+            <a:schemeClr val="tx1"/>
+          </a:fontRef>
+        </p:style>
+      </p:cxnSp>
+      <p:sp>
+        <p:nvSpPr>
+          <p:cNvPr id="4" name="Google Shape;62;p13">
+            <a:extLst>
+              <a:ext uri="{FF2B5EF4-FFF2-40B4-BE49-F238E27FC236}">
+                <a16:creationId xmlns:a16="http://schemas.microsoft.com/office/drawing/2014/main" id="{8AEA65C4-F1FE-6520-A392-883915EC809C}"/>
+              </a:ext>
+            </a:extLst>
+          </p:cNvPr>
+          <p:cNvSpPr/>
+          <p:nvPr/>
+        </p:nvSpPr>
+        <p:spPr>
+          <a:xfrm>
+            <a:off x="6897650" y="2347641"/>
+            <a:ext cx="672000" cy="246900"/>
+          </a:xfrm>
+          <a:prstGeom prst="roundRect">
+            <a:avLst>
+              <a:gd name="adj" fmla="val 16667"/>
+            </a:avLst>
+          </a:prstGeom>
+          <a:solidFill>
+            <a:srgbClr val="6D9EEB"/>
+          </a:solidFill>
+          <a:ln>
+            <a:noFill/>
+          </a:ln>
+        </p:spPr>
+        <p:txBody>
+          <a:bodyPr spcFirstLastPara="1" wrap="square" lIns="91425" tIns="91425" rIns="91425" bIns="91425" anchor="ctr" anchorCtr="0">
+            <a:noAutofit/>
+          </a:bodyPr>
+          <a:lstStyle/>
+          <a:p>
+            <a:pPr marL="0" lvl="0" indent="0" algn="ctr" rtl="0">
+              <a:spcBef>
+                <a:spcPts val="0"/>
+              </a:spcBef>
+              <a:spcAft>
+                <a:spcPts val="0"/>
+              </a:spcAft>
+              <a:buNone/>
+            </a:pPr>
+            <a:r>
+              <a:rPr lang="ko" sz="700" dirty="0">
+                <a:solidFill>
+                  <a:schemeClr val="lt1"/>
+                </a:solidFill>
+              </a:rPr>
+              <a:t>thread 생성</a:t>
+            </a:r>
+            <a:endParaRPr sz="700" dirty="0">
+              <a:solidFill>
+                <a:schemeClr val="lt1"/>
+              </a:solidFill>
+            </a:endParaRPr>
+          </a:p>
+        </p:txBody>
+      </p:sp>
+      <p:cxnSp>
+        <p:nvCxnSpPr>
+          <p:cNvPr id="6" name="Google Shape;85;p13">
+            <a:extLst>
+              <a:ext uri="{FF2B5EF4-FFF2-40B4-BE49-F238E27FC236}">
+                <a16:creationId xmlns:a16="http://schemas.microsoft.com/office/drawing/2014/main" id="{AF7AB8B7-9353-8BC1-F4FF-3F5562DD243C}"/>
+              </a:ext>
+            </a:extLst>
+          </p:cNvPr>
+          <p:cNvCxnSpPr>
+            <a:cxnSpLocks/>
+            <a:stCxn id="4" idx="2"/>
+            <a:endCxn id="82" idx="0"/>
+          </p:cNvCxnSpPr>
+          <p:nvPr/>
+        </p:nvCxnSpPr>
+        <p:spPr>
+          <a:xfrm>
+            <a:off x="7233650" y="2594541"/>
+            <a:ext cx="0" cy="175509"/>
+          </a:xfrm>
+          <a:prstGeom prst="straightConnector1">
+            <a:avLst/>
+          </a:prstGeom>
+          <a:noFill/>
+          <a:ln w="9525" cap="flat" cmpd="sng">
+            <a:solidFill>
+              <a:schemeClr val="dk2"/>
+            </a:solidFill>
+            <a:prstDash val="solid"/>
+            <a:round/>
+            <a:headEnd type="none" w="med" len="med"/>
+            <a:tailEnd type="triangle" w="med" len="med"/>
+          </a:ln>
+        </p:spPr>
+      </p:cxnSp>
+      <p:cxnSp>
+        <p:nvCxnSpPr>
+          <p:cNvPr id="11" name="연결선: 꺾임 10">
+            <a:extLst>
+              <a:ext uri="{FF2B5EF4-FFF2-40B4-BE49-F238E27FC236}">
+                <a16:creationId xmlns:a16="http://schemas.microsoft.com/office/drawing/2014/main" id="{91525FC7-947A-77D0-DAE8-896D5FC5374A}"/>
+              </a:ext>
+            </a:extLst>
+          </p:cNvPr>
+          <p:cNvCxnSpPr>
+            <a:cxnSpLocks/>
+            <a:stCxn id="4" idx="1"/>
+            <a:endCxn id="81" idx="0"/>
+          </p:cNvCxnSpPr>
+          <p:nvPr/>
+        </p:nvCxnSpPr>
+        <p:spPr>
+          <a:xfrm rot="10800000" flipV="1">
+            <a:off x="6262100" y="2471091"/>
+            <a:ext cx="635550" cy="298884"/>
+          </a:xfrm>
+          <a:prstGeom prst="bentConnector2">
+            <a:avLst/>
+          </a:prstGeom>
+          <a:ln>
+            <a:solidFill>
+              <a:schemeClr val="tx1"/>
+            </a:solidFill>
+            <a:prstDash val="dash"/>
+            <a:tailEnd type="triangle"/>
+          </a:ln>
+        </p:spPr>
+        <p:style>
+          <a:lnRef idx="1">
+            <a:schemeClr val="accent1"/>
+          </a:lnRef>
+          <a:fillRef idx="0">
+            <a:schemeClr val="accent1"/>
+          </a:fillRef>
+          <a:effectRef idx="0">
+            <a:schemeClr val="accent1"/>
+          </a:effectRef>
+          <a:fontRef idx="minor">
+            <a:schemeClr val="tx1"/>
+          </a:fontRef>
+        </p:style>
+      </p:cxnSp>
+      <p:sp>
+        <p:nvSpPr>
+          <p:cNvPr id="14" name="TextBox 13">
+            <a:extLst>
+              <a:ext uri="{FF2B5EF4-FFF2-40B4-BE49-F238E27FC236}">
+                <a16:creationId xmlns:a16="http://schemas.microsoft.com/office/drawing/2014/main" id="{B0FC5BF8-FE98-7C95-43E4-9E8D49577FBD}"/>
+              </a:ext>
+            </a:extLst>
+          </p:cNvPr>
+          <p:cNvSpPr txBox="1"/>
+          <p:nvPr/>
+        </p:nvSpPr>
+        <p:spPr>
+          <a:xfrm>
+            <a:off x="2794637" y="2310573"/>
+            <a:ext cx="997389" cy="184666"/>
+          </a:xfrm>
+          <a:prstGeom prst="rect">
+            <a:avLst/>
+          </a:prstGeom>
+          <a:noFill/>
+        </p:spPr>
+        <p:txBody>
+          <a:bodyPr wrap="none" rtlCol="0">
+            <a:spAutoFit/>
+          </a:bodyPr>
+          <a:lstStyle/>
+          <a:p>
+            <a:r>
+              <a:rPr lang="en-US" altLang="ko-KR" sz="600" dirty="0" err="1"/>
+              <a:t>recv</a:t>
+            </a:r>
+            <a:r>
+              <a:rPr lang="ko-KR" altLang="en-US" sz="600" dirty="0"/>
+              <a:t> </a:t>
+            </a:r>
+            <a:r>
+              <a:rPr lang="en-US" altLang="ko-KR" sz="600" dirty="0"/>
+              <a:t>THREAD </a:t>
+            </a:r>
+            <a:r>
+              <a:rPr lang="ko-KR" altLang="en-US" sz="600" dirty="0"/>
+              <a:t>생성시점</a:t>
+            </a:r>
+          </a:p>
+        </p:txBody>
+      </p:sp>
+      <p:sp>
+        <p:nvSpPr>
+          <p:cNvPr id="15" name="TextBox 14">
+            <a:extLst>
+              <a:ext uri="{FF2B5EF4-FFF2-40B4-BE49-F238E27FC236}">
+                <a16:creationId xmlns:a16="http://schemas.microsoft.com/office/drawing/2014/main" id="{19D36A1E-3E84-60B7-02D6-876A146C31F3}"/>
+              </a:ext>
+            </a:extLst>
+          </p:cNvPr>
+          <p:cNvSpPr txBox="1"/>
+          <p:nvPr/>
+        </p:nvSpPr>
+        <p:spPr>
+          <a:xfrm>
+            <a:off x="5976866" y="2317580"/>
+            <a:ext cx="997389" cy="184666"/>
+          </a:xfrm>
+          <a:prstGeom prst="rect">
+            <a:avLst/>
+          </a:prstGeom>
+          <a:noFill/>
+        </p:spPr>
+        <p:txBody>
+          <a:bodyPr wrap="none" rtlCol="0">
+            <a:spAutoFit/>
+          </a:bodyPr>
+          <a:lstStyle/>
+          <a:p>
+            <a:r>
+              <a:rPr lang="en-US" altLang="ko-KR" sz="600" dirty="0" err="1"/>
+              <a:t>recv</a:t>
+            </a:r>
+            <a:r>
+              <a:rPr lang="ko-KR" altLang="en-US" sz="600" dirty="0"/>
+              <a:t> </a:t>
+            </a:r>
+            <a:r>
+              <a:rPr lang="en-US" altLang="ko-KR" sz="600" dirty="0"/>
+              <a:t>THREAD </a:t>
+            </a:r>
+            <a:r>
+              <a:rPr lang="ko-KR" altLang="en-US" sz="600" dirty="0"/>
+              <a:t>생성시점</a:t>
+            </a:r>
+          </a:p>
+        </p:txBody>
+      </p:sp>
     </p:spTree>
   </p:cSld>
   <p:clrMapOvr>
@@ -7574,11 +8004,11 @@
 </file>
 
 <file path=ppt/slides/slide2.xml><?xml version="1.0" encoding="utf-8"?>
-<p:sld xmlns:a="http://schemas.openxmlformats.org/drawingml/2006/main" xmlns:r="http://schemas.openxmlformats.org/officeDocument/2006/relationships" xmlns:mc="http://schemas.openxmlformats.org/markup-compatibility/2006" xmlns:mv="urn:schemas-microsoft-com:mac:vml" xmlns:p="http://schemas.openxmlformats.org/presentationml/2006/main" xmlns:c="http://schemas.openxmlformats.org/drawingml/2006/chart" xmlns:dgm="http://schemas.openxmlformats.org/drawingml/2006/diagram" xmlns:o="urn:schemas-microsoft-com:office:office" xmlns:v="urn:schemas-microsoft-com:vml" xmlns:pvml="urn:schemas-microsoft-com:office:powerpoint" xmlns:com="http://schemas.openxmlformats.org/drawingml/2006/compatibility" xmlns:p14="http://schemas.microsoft.com/office/powerpoint/2010/main" xmlns:p15="http://schemas.microsoft.com/office/powerpoint/2012/main" xmlns:ahyp="http://schemas.microsoft.com/office/drawing/2018/hyperlinkcolor">
+<p:sld xmlns:a="http://schemas.openxmlformats.org/drawingml/2006/main" xmlns:r="http://schemas.openxmlformats.org/officeDocument/2006/relationships" xmlns:p="http://schemas.openxmlformats.org/presentationml/2006/main">
   <p:cSld>
     <p:spTree>
       <p:nvGrpSpPr>
-        <p:cNvPr id="101" name="Shape 101"/>
+        <p:cNvPr id="1" name="Shape 101"/>
         <p:cNvGrpSpPr/>
         <p:nvPr/>
       </p:nvGrpSpPr>
@@ -7598,7 +8028,7 @@
         </p:nvSpPr>
         <p:spPr>
           <a:xfrm>
-            <a:off x="1850850" y="579900"/>
+            <a:off x="1850850" y="32401"/>
             <a:ext cx="1271100" cy="516600"/>
           </a:xfrm>
           <a:prstGeom prst="ellipse">
@@ -7612,12 +8042,12 @@
           </a:ln>
         </p:spPr>
         <p:txBody>
-          <a:bodyPr anchorCtr="0" anchor="ctr" bIns="91425" lIns="91425" spcFirstLastPara="1" rIns="91425" wrap="square" tIns="91425">
+          <a:bodyPr spcFirstLastPara="1" wrap="square" lIns="91425" tIns="91425" rIns="91425" bIns="91425" anchor="ctr" anchorCtr="0">
             <a:noAutofit/>
           </a:bodyPr>
           <a:lstStyle/>
           <a:p>
-            <a:pPr indent="0" lvl="0" marL="0" rtl="0" algn="ctr">
+            <a:pPr marL="0" lvl="0" indent="0" algn="ctr" rtl="0">
               <a:spcBef>
                 <a:spcPts val="0"/>
               </a:spcBef>
@@ -7664,12 +8094,12 @@
           </a:ln>
         </p:spPr>
         <p:txBody>
-          <a:bodyPr anchorCtr="0" anchor="ctr" bIns="91425" lIns="91425" spcFirstLastPara="1" rIns="91425" wrap="square" tIns="91425">
+          <a:bodyPr spcFirstLastPara="1" wrap="square" lIns="91425" tIns="91425" rIns="91425" bIns="91425" anchor="ctr" anchorCtr="0">
             <a:noAutofit/>
           </a:bodyPr>
           <a:lstStyle/>
           <a:p>
-            <a:pPr indent="0" lvl="0" marL="0" rtl="0" algn="ctr">
+            <a:pPr marL="0" lvl="0" indent="0" algn="ctr" rtl="0">
               <a:spcBef>
                 <a:spcPts val="0"/>
               </a:spcBef>
@@ -7707,7 +8137,7 @@
           </a:xfrm>
           <a:prstGeom prst="roundRect">
             <a:avLst>
-              <a:gd fmla="val 16667" name="adj"/>
+              <a:gd name="adj" fmla="val 16667"/>
             </a:avLst>
           </a:prstGeom>
           <a:solidFill>
@@ -7718,12 +8148,12 @@
           </a:ln>
         </p:spPr>
         <p:txBody>
-          <a:bodyPr anchorCtr="0" anchor="ctr" bIns="91425" lIns="91425" spcFirstLastPara="1" rIns="91425" wrap="square" tIns="91425">
+          <a:bodyPr spcFirstLastPara="1" wrap="square" lIns="91425" tIns="91425" rIns="91425" bIns="91425" anchor="ctr" anchorCtr="0">
             <a:noAutofit/>
           </a:bodyPr>
           <a:lstStyle/>
           <a:p>
-            <a:pPr indent="0" lvl="0" marL="0" rtl="0" algn="ctr">
+            <a:pPr marL="0" lvl="0" indent="0" algn="ctr" rtl="0">
               <a:spcBef>
                 <a:spcPts val="0"/>
               </a:spcBef>
@@ -7733,14 +8163,14 @@
               <a:buNone/>
             </a:pPr>
             <a:r>
-              <a:rPr lang="ko" sz="700">
+              <a:rPr lang="ko" sz="700" dirty="0">
                 <a:solidFill>
                   <a:schemeClr val="lt1"/>
                 </a:solidFill>
               </a:rPr>
               <a:t>초기 위치 send</a:t>
             </a:r>
-            <a:endParaRPr sz="700">
+            <a:endParaRPr sz="700" dirty="0">
               <a:solidFill>
                 <a:schemeClr val="lt1"/>
               </a:solidFill>
@@ -7761,7 +8191,7 @@
           </a:xfrm>
           <a:prstGeom prst="roundRect">
             <a:avLst>
-              <a:gd fmla="val 16667" name="adj"/>
+              <a:gd name="adj" fmla="val 16667"/>
             </a:avLst>
           </a:prstGeom>
           <a:solidFill>
@@ -7772,12 +8202,12 @@
           </a:ln>
         </p:spPr>
         <p:txBody>
-          <a:bodyPr anchorCtr="0" anchor="ctr" bIns="91425" lIns="91425" spcFirstLastPara="1" rIns="91425" wrap="square" tIns="91425">
+          <a:bodyPr spcFirstLastPara="1" wrap="square" lIns="91425" tIns="91425" rIns="91425" bIns="91425" anchor="ctr" anchorCtr="0">
             <a:noAutofit/>
           </a:bodyPr>
           <a:lstStyle/>
           <a:p>
-            <a:pPr indent="0" lvl="0" marL="0" rtl="0" algn="ctr">
+            <a:pPr marL="0" lvl="0" indent="0" algn="ctr" rtl="0">
               <a:spcBef>
                 <a:spcPts val="0"/>
               </a:spcBef>
@@ -7815,7 +8245,7 @@
           </a:xfrm>
           <a:prstGeom prst="roundRect">
             <a:avLst>
-              <a:gd fmla="val 16667" name="adj"/>
+              <a:gd name="adj" fmla="val 16667"/>
             </a:avLst>
           </a:prstGeom>
           <a:solidFill>
@@ -7826,12 +8256,12 @@
           </a:ln>
         </p:spPr>
         <p:txBody>
-          <a:bodyPr anchorCtr="0" anchor="ctr" bIns="91425" lIns="91425" spcFirstLastPara="1" rIns="91425" wrap="square" tIns="91425">
+          <a:bodyPr spcFirstLastPara="1" wrap="square" lIns="91425" tIns="91425" rIns="91425" bIns="91425" anchor="ctr" anchorCtr="0">
             <a:noAutofit/>
           </a:bodyPr>
           <a:lstStyle/>
           <a:p>
-            <a:pPr indent="0" lvl="0" marL="0" rtl="0" algn="ctr">
+            <a:pPr marL="0" lvl="0" indent="0" algn="ctr" rtl="0">
               <a:spcBef>
                 <a:spcPts val="0"/>
               </a:spcBef>
@@ -7869,7 +8299,7 @@
           </a:xfrm>
           <a:prstGeom prst="roundRect">
             <a:avLst>
-              <a:gd fmla="val 16667" name="adj"/>
+              <a:gd name="adj" fmla="val 16667"/>
             </a:avLst>
           </a:prstGeom>
           <a:solidFill>
@@ -7880,12 +8310,12 @@
           </a:ln>
         </p:spPr>
         <p:txBody>
-          <a:bodyPr anchorCtr="0" anchor="ctr" bIns="91425" lIns="91425" spcFirstLastPara="1" rIns="91425" wrap="square" tIns="91425">
+          <a:bodyPr spcFirstLastPara="1" wrap="square" lIns="91425" tIns="91425" rIns="91425" bIns="91425" anchor="ctr" anchorCtr="0">
             <a:noAutofit/>
           </a:bodyPr>
           <a:lstStyle/>
           <a:p>
-            <a:pPr indent="0" lvl="0" marL="0" rtl="0" algn="ctr">
+            <a:pPr marL="0" lvl="0" indent="0" algn="ctr" rtl="0">
               <a:spcBef>
                 <a:spcPts val="0"/>
               </a:spcBef>
@@ -7912,59 +8342,30 @@
       </p:sp>
       <p:cxnSp>
         <p:nvCxnSpPr>
-          <p:cNvPr id="108" name="Google Shape;108;p14"/>
+          <p:cNvPr id="109" name="Google Shape;109;p14"/>
           <p:cNvCxnSpPr>
-            <a:stCxn id="102" idx="4"/>
-            <a:endCxn id="104" idx="0"/>
+            <a:stCxn id="104" idx="2"/>
+            <a:endCxn id="105" idx="0"/>
           </p:cNvCxnSpPr>
           <p:nvPr/>
         </p:nvCxnSpPr>
         <p:spPr>
           <a:xfrm>
-            <a:off x="2486400" y="1096500"/>
+            <a:off x="2486400" y="1480575"/>
             <a:ext cx="0" cy="137100"/>
           </a:xfrm>
           <a:prstGeom prst="straightConnector1">
             <a:avLst/>
           </a:prstGeom>
           <a:noFill/>
-          <a:ln cap="flat" cmpd="sng" w="9525">
+          <a:ln w="9525" cap="flat" cmpd="sng">
             <a:solidFill>
               <a:schemeClr val="dk2"/>
             </a:solidFill>
             <a:prstDash val="solid"/>
             <a:round/>
-            <a:headEnd len="med" w="med" type="none"/>
-            <a:tailEnd len="med" w="med" type="triangle"/>
-          </a:ln>
-        </p:spPr>
-      </p:cxnSp>
-      <p:cxnSp>
-        <p:nvCxnSpPr>
-          <p:cNvPr id="109" name="Google Shape;109;p14"/>
-          <p:cNvCxnSpPr>
-            <a:stCxn id="104" idx="2"/>
-            <a:endCxn id="105" idx="0"/>
-          </p:cNvCxnSpPr>
-          <p:nvPr/>
-        </p:nvCxnSpPr>
-        <p:spPr>
-          <a:xfrm>
-            <a:off x="2486400" y="1480575"/>
-            <a:ext cx="0" cy="137100"/>
-          </a:xfrm>
-          <a:prstGeom prst="straightConnector1">
-            <a:avLst/>
-          </a:prstGeom>
-          <a:noFill/>
-          <a:ln cap="flat" cmpd="sng" w="9525">
-            <a:solidFill>
-              <a:schemeClr val="dk2"/>
-            </a:solidFill>
-            <a:prstDash val="solid"/>
-            <a:round/>
-            <a:headEnd len="med" w="med" type="none"/>
-            <a:tailEnd len="med" w="med" type="triangle"/>
+            <a:headEnd type="none" w="med" len="med"/>
+            <a:tailEnd type="triangle" w="med" len="med"/>
           </a:ln>
         </p:spPr>
       </p:cxnSp>
@@ -7986,14 +8387,14 @@
             <a:avLst/>
           </a:prstGeom>
           <a:noFill/>
-          <a:ln cap="flat" cmpd="sng" w="9525">
+          <a:ln w="9525" cap="flat" cmpd="sng">
             <a:solidFill>
               <a:schemeClr val="dk2"/>
             </a:solidFill>
             <a:prstDash val="solid"/>
             <a:round/>
-            <a:headEnd len="med" w="med" type="none"/>
-            <a:tailEnd len="med" w="med" type="triangle"/>
+            <a:headEnd type="none" w="med" len="med"/>
+            <a:tailEnd type="triangle" w="med" len="med"/>
           </a:ln>
         </p:spPr>
       </p:cxnSp>
@@ -8015,14 +8416,14 @@
             <a:avLst/>
           </a:prstGeom>
           <a:noFill/>
-          <a:ln cap="flat" cmpd="sng" w="9525">
+          <a:ln w="9525" cap="flat" cmpd="sng">
             <a:solidFill>
               <a:schemeClr val="dk2"/>
             </a:solidFill>
             <a:prstDash val="solid"/>
             <a:round/>
-            <a:headEnd len="med" w="med" type="none"/>
-            <a:tailEnd len="med" w="med" type="triangle"/>
+            <a:headEnd type="none" w="med" len="med"/>
+            <a:tailEnd type="triangle" w="med" len="med"/>
           </a:ln>
         </p:spPr>
       </p:cxnSp>
@@ -8039,7 +8440,7 @@
           </a:xfrm>
           <a:prstGeom prst="roundRect">
             <a:avLst>
-              <a:gd fmla="val 16667" name="adj"/>
+              <a:gd name="adj" fmla="val 16667"/>
             </a:avLst>
           </a:prstGeom>
           <a:solidFill>
@@ -8050,12 +8451,12 @@
           </a:ln>
         </p:spPr>
         <p:txBody>
-          <a:bodyPr anchorCtr="0" anchor="ctr" bIns="91425" lIns="91425" spcFirstLastPara="1" rIns="91425" wrap="square" tIns="91425">
+          <a:bodyPr spcFirstLastPara="1" wrap="square" lIns="91425" tIns="91425" rIns="91425" bIns="91425" anchor="ctr" anchorCtr="0">
             <a:noAutofit/>
           </a:bodyPr>
           <a:lstStyle/>
           <a:p>
-            <a:pPr indent="0" lvl="0" marL="0" rtl="0" algn="ctr">
+            <a:pPr marL="0" lvl="0" indent="0" algn="ctr" rtl="0">
               <a:spcBef>
                 <a:spcPts val="0"/>
               </a:spcBef>
@@ -8098,14 +8499,14 @@
             <a:avLst/>
           </a:prstGeom>
           <a:noFill/>
-          <a:ln cap="flat" cmpd="sng" w="9525">
+          <a:ln w="9525" cap="flat" cmpd="sng">
             <a:solidFill>
               <a:schemeClr val="dk2"/>
             </a:solidFill>
             <a:prstDash val="solid"/>
             <a:round/>
-            <a:headEnd len="med" w="med" type="none"/>
-            <a:tailEnd len="med" w="med" type="triangle"/>
+            <a:headEnd type="none" w="med" len="med"/>
+            <a:tailEnd type="triangle" w="med" len="med"/>
           </a:ln>
         </p:spPr>
       </p:cxnSp>
@@ -8127,14 +8528,14 @@
             <a:avLst/>
           </a:prstGeom>
           <a:noFill/>
-          <a:ln cap="flat" cmpd="sng" w="9525">
+          <a:ln w="9525" cap="flat" cmpd="sng">
             <a:solidFill>
               <a:schemeClr val="dk2"/>
             </a:solidFill>
             <a:prstDash val="solid"/>
             <a:round/>
-            <a:headEnd len="med" w="med" type="none"/>
-            <a:tailEnd len="med" w="med" type="triangle"/>
+            <a:headEnd type="none" w="med" len="med"/>
+            <a:tailEnd type="triangle" w="med" len="med"/>
           </a:ln>
         </p:spPr>
       </p:cxnSp>
@@ -8151,7 +8552,7 @@
           </a:xfrm>
           <a:prstGeom prst="roundRect">
             <a:avLst>
-              <a:gd fmla="val 16667" name="adj"/>
+              <a:gd name="adj" fmla="val 16667"/>
             </a:avLst>
           </a:prstGeom>
           <a:solidFill>
@@ -8162,12 +8563,12 @@
           </a:ln>
         </p:spPr>
         <p:txBody>
-          <a:bodyPr anchorCtr="0" anchor="ctr" bIns="91425" lIns="91425" spcFirstLastPara="1" rIns="91425" wrap="square" tIns="91425">
+          <a:bodyPr spcFirstLastPara="1" wrap="square" lIns="91425" tIns="91425" rIns="91425" bIns="91425" anchor="ctr" anchorCtr="0">
             <a:noAutofit/>
           </a:bodyPr>
           <a:lstStyle/>
           <a:p>
-            <a:pPr indent="0" lvl="0" marL="0" rtl="0" algn="ctr">
+            <a:pPr marL="0" lvl="0" indent="0" algn="ctr" rtl="0">
               <a:spcBef>
                 <a:spcPts val="0"/>
               </a:spcBef>
@@ -8205,7 +8606,7 @@
           </a:xfrm>
           <a:prstGeom prst="roundRect">
             <a:avLst>
-              <a:gd fmla="val 16667" name="adj"/>
+              <a:gd name="adj" fmla="val 16667"/>
             </a:avLst>
           </a:prstGeom>
           <a:solidFill>
@@ -8216,12 +8617,12 @@
           </a:ln>
         </p:spPr>
         <p:txBody>
-          <a:bodyPr anchorCtr="0" anchor="ctr" bIns="91425" lIns="91425" spcFirstLastPara="1" rIns="91425" wrap="square" tIns="91425">
+          <a:bodyPr spcFirstLastPara="1" wrap="square" lIns="91425" tIns="91425" rIns="91425" bIns="91425" anchor="ctr" anchorCtr="0">
             <a:noAutofit/>
           </a:bodyPr>
           <a:lstStyle/>
           <a:p>
-            <a:pPr indent="0" lvl="0" marL="0" rtl="0" algn="ctr">
+            <a:pPr marL="0" lvl="0" indent="0" algn="ctr" rtl="0">
               <a:spcBef>
                 <a:spcPts val="0"/>
               </a:spcBef>
@@ -8264,14 +8665,14 @@
             <a:avLst/>
           </a:prstGeom>
           <a:noFill/>
-          <a:ln cap="flat" cmpd="sng" w="9525">
+          <a:ln w="9525" cap="flat" cmpd="sng">
             <a:solidFill>
               <a:schemeClr val="dk2"/>
             </a:solidFill>
             <a:prstDash val="solid"/>
             <a:round/>
-            <a:headEnd len="med" w="med" type="none"/>
-            <a:tailEnd len="med" w="med" type="triangle"/>
+            <a:headEnd type="none" w="med" len="med"/>
+            <a:tailEnd type="triangle" w="med" len="med"/>
           </a:ln>
         </p:spPr>
       </p:cxnSp>
@@ -8293,14 +8694,14 @@
             <a:avLst/>
           </a:prstGeom>
           <a:noFill/>
-          <a:ln cap="flat" cmpd="sng" w="9525">
+          <a:ln w="9525" cap="flat" cmpd="sng">
             <a:solidFill>
               <a:schemeClr val="dk2"/>
             </a:solidFill>
             <a:prstDash val="solid"/>
             <a:round/>
-            <a:headEnd len="med" w="med" type="none"/>
-            <a:tailEnd len="med" w="med" type="triangle"/>
+            <a:headEnd type="none" w="med" len="med"/>
+            <a:tailEnd type="triangle" w="med" len="med"/>
           </a:ln>
         </p:spPr>
       </p:cxnSp>
@@ -8317,7 +8718,7 @@
           </a:xfrm>
           <a:prstGeom prst="roundRect">
             <a:avLst>
-              <a:gd fmla="val 16667" name="adj"/>
+              <a:gd name="adj" fmla="val 16667"/>
             </a:avLst>
           </a:prstGeom>
           <a:solidFill>
@@ -8328,12 +8729,12 @@
           </a:ln>
         </p:spPr>
         <p:txBody>
-          <a:bodyPr anchorCtr="0" anchor="ctr" bIns="91425" lIns="91425" spcFirstLastPara="1" rIns="91425" wrap="square" tIns="91425">
+          <a:bodyPr spcFirstLastPara="1" wrap="square" lIns="91425" tIns="91425" rIns="91425" bIns="91425" anchor="ctr" anchorCtr="0">
             <a:noAutofit/>
           </a:bodyPr>
           <a:lstStyle/>
           <a:p>
-            <a:pPr indent="0" lvl="0" marL="0" rtl="0" algn="ctr">
+            <a:pPr marL="0" lvl="0" indent="0" algn="ctr" rtl="0">
               <a:spcBef>
                 <a:spcPts val="0"/>
               </a:spcBef>
@@ -8348,15 +8749,7 @@
                   <a:schemeClr val="lt1"/>
                 </a:solidFill>
               </a:rPr>
-              <a:t>업데이트 결과</a:t>
-            </a:r>
-            <a:r>
-              <a:rPr lang="ko" sz="700">
-                <a:solidFill>
-                  <a:schemeClr val="lt1"/>
-                </a:solidFill>
-              </a:rPr>
-              <a:t> recv</a:t>
+              <a:t>업데이트 결과 recv</a:t>
             </a:r>
             <a:endParaRPr sz="700">
               <a:solidFill>
@@ -8384,14 +8777,14 @@
             <a:avLst/>
           </a:prstGeom>
           <a:noFill/>
-          <a:ln cap="flat" cmpd="sng" w="9525">
+          <a:ln w="9525" cap="flat" cmpd="sng">
             <a:solidFill>
               <a:schemeClr val="dk2"/>
             </a:solidFill>
             <a:prstDash val="solid"/>
             <a:round/>
-            <a:headEnd len="med" w="med" type="none"/>
-            <a:tailEnd len="med" w="med" type="triangle"/>
+            <a:headEnd type="none" w="med" len="med"/>
+            <a:tailEnd type="triangle" w="med" len="med"/>
           </a:ln>
         </p:spPr>
       </p:cxnSp>
@@ -8408,7 +8801,7 @@
           </a:xfrm>
           <a:prstGeom prst="roundRect">
             <a:avLst>
-              <a:gd fmla="val 16667" name="adj"/>
+              <a:gd name="adj" fmla="val 16667"/>
             </a:avLst>
           </a:prstGeom>
           <a:solidFill>
@@ -8419,12 +8812,12 @@
           </a:ln>
         </p:spPr>
         <p:txBody>
-          <a:bodyPr anchorCtr="0" anchor="ctr" bIns="91425" lIns="91425" spcFirstLastPara="1" rIns="91425" wrap="square" tIns="91425">
+          <a:bodyPr spcFirstLastPara="1" wrap="square" lIns="91425" tIns="91425" rIns="91425" bIns="91425" anchor="ctr" anchorCtr="0">
             <a:noAutofit/>
           </a:bodyPr>
           <a:lstStyle/>
           <a:p>
-            <a:pPr indent="0" lvl="0" marL="0" rtl="0" algn="ctr">
+            <a:pPr marL="0" lvl="0" indent="0" algn="ctr" rtl="0">
               <a:spcBef>
                 <a:spcPts val="0"/>
               </a:spcBef>
@@ -8467,14 +8860,14 @@
             <a:avLst/>
           </a:prstGeom>
           <a:noFill/>
-          <a:ln cap="flat" cmpd="sng" w="9525">
+          <a:ln w="9525" cap="flat" cmpd="sng">
             <a:solidFill>
               <a:schemeClr val="dk2"/>
             </a:solidFill>
             <a:prstDash val="solid"/>
             <a:round/>
-            <a:headEnd len="med" w="med" type="none"/>
-            <a:tailEnd len="med" w="med" type="triangle"/>
+            <a:headEnd type="none" w="med" len="med"/>
+            <a:tailEnd type="triangle" w="med" len="med"/>
           </a:ln>
         </p:spPr>
       </p:cxnSp>
@@ -8500,12 +8893,12 @@
           </a:ln>
         </p:spPr>
         <p:txBody>
-          <a:bodyPr anchorCtr="0" anchor="ctr" bIns="91425" lIns="91425" spcFirstLastPara="1" rIns="91425" wrap="square" tIns="91425">
+          <a:bodyPr spcFirstLastPara="1" wrap="square" lIns="91425" tIns="91425" rIns="91425" bIns="91425" anchor="ctr" anchorCtr="0">
             <a:noAutofit/>
           </a:bodyPr>
           <a:lstStyle/>
           <a:p>
-            <a:pPr indent="0" lvl="0" marL="0" rtl="0" algn="ctr">
+            <a:pPr marL="0" lvl="0" indent="0" algn="ctr" rtl="0">
               <a:spcBef>
                 <a:spcPts val="0"/>
               </a:spcBef>
@@ -8543,7 +8936,7 @@
           </a:xfrm>
           <a:prstGeom prst="roundRect">
             <a:avLst>
-              <a:gd fmla="val 16667" name="adj"/>
+              <a:gd name="adj" fmla="val 16667"/>
             </a:avLst>
           </a:prstGeom>
           <a:solidFill>
@@ -8554,12 +8947,12 @@
           </a:ln>
         </p:spPr>
         <p:txBody>
-          <a:bodyPr anchorCtr="0" anchor="ctr" bIns="91425" lIns="91425" spcFirstLastPara="1" rIns="91425" wrap="square" tIns="91425">
+          <a:bodyPr spcFirstLastPara="1" wrap="square" lIns="91425" tIns="91425" rIns="91425" bIns="91425" anchor="ctr" anchorCtr="0">
             <a:noAutofit/>
           </a:bodyPr>
           <a:lstStyle/>
           <a:p>
-            <a:pPr indent="0" lvl="0" marL="0" rtl="0" algn="ctr">
+            <a:pPr marL="0" lvl="0" indent="0" algn="ctr" rtl="0">
               <a:spcBef>
                 <a:spcPts val="0"/>
               </a:spcBef>
@@ -8569,14 +8962,22 @@
               <a:buNone/>
             </a:pPr>
             <a:r>
-              <a:rPr lang="ko" sz="700">
+              <a:rPr lang="ko" sz="600" dirty="0">
                 <a:solidFill>
                   <a:schemeClr val="dk1"/>
                 </a:solidFill>
               </a:rPr>
-              <a:t>타이머 생성</a:t>
+              <a:t>타이머 생</a:t>
             </a:r>
-            <a:endParaRPr sz="700">
+            <a:r>
+              <a:rPr lang="ko-KR" altLang="en-US" sz="600" dirty="0">
+                <a:solidFill>
+                  <a:schemeClr val="dk1"/>
+                </a:solidFill>
+              </a:rPr>
+              <a:t>성</a:t>
+            </a:r>
+            <a:endParaRPr lang="en-US" altLang="ko-KR" sz="600" dirty="0">
               <a:solidFill>
                 <a:schemeClr val="dk1"/>
               </a:solidFill>
@@ -8602,14 +9003,14 @@
             <a:avLst/>
           </a:prstGeom>
           <a:noFill/>
-          <a:ln cap="flat" cmpd="sng" w="9525">
+          <a:ln w="9525" cap="flat" cmpd="sng">
             <a:solidFill>
               <a:schemeClr val="dk2"/>
             </a:solidFill>
             <a:prstDash val="solid"/>
             <a:round/>
-            <a:headEnd len="med" w="med" type="none"/>
-            <a:tailEnd len="med" w="med" type="triangle"/>
+            <a:headEnd type="none" w="med" len="med"/>
+            <a:tailEnd type="triangle" w="med" len="med"/>
           </a:ln>
         </p:spPr>
       </p:cxnSp>
@@ -8626,7 +9027,7 @@
           </a:xfrm>
           <a:prstGeom prst="roundRect">
             <a:avLst>
-              <a:gd fmla="val 16667" name="adj"/>
+              <a:gd name="adj" fmla="val 16667"/>
             </a:avLst>
           </a:prstGeom>
           <a:solidFill>
@@ -8637,12 +9038,12 @@
           </a:ln>
         </p:spPr>
         <p:txBody>
-          <a:bodyPr anchorCtr="0" anchor="ctr" bIns="91425" lIns="91425" spcFirstLastPara="1" rIns="91425" wrap="square" tIns="91425">
+          <a:bodyPr spcFirstLastPara="1" wrap="square" lIns="91425" tIns="91425" rIns="91425" bIns="91425" anchor="ctr" anchorCtr="0">
             <a:noAutofit/>
           </a:bodyPr>
           <a:lstStyle/>
           <a:p>
-            <a:pPr indent="0" lvl="0" marL="0" rtl="0" algn="ctr">
+            <a:pPr marL="0" lvl="0" indent="0" algn="ctr" rtl="0">
               <a:spcBef>
                 <a:spcPts val="0"/>
               </a:spcBef>
@@ -8685,14 +9086,14 @@
             <a:avLst/>
           </a:prstGeom>
           <a:noFill/>
-          <a:ln cap="flat" cmpd="sng" w="9525">
+          <a:ln w="9525" cap="flat" cmpd="sng">
             <a:solidFill>
               <a:schemeClr val="dk2"/>
             </a:solidFill>
             <a:prstDash val="solid"/>
             <a:round/>
-            <a:headEnd len="med" w="med" type="none"/>
-            <a:tailEnd len="med" w="med" type="triangle"/>
+            <a:headEnd type="none" w="med" len="med"/>
+            <a:tailEnd type="triangle" w="med" len="med"/>
           </a:ln>
         </p:spPr>
       </p:cxnSp>
@@ -8714,14 +9115,14 @@
             <a:avLst/>
           </a:prstGeom>
           <a:noFill/>
-          <a:ln cap="flat" cmpd="sng" w="9525">
+          <a:ln w="9525" cap="flat" cmpd="sng">
             <a:solidFill>
               <a:schemeClr val="dk2"/>
             </a:solidFill>
             <a:prstDash val="solid"/>
             <a:round/>
-            <a:headEnd len="med" w="med" type="none"/>
-            <a:tailEnd len="med" w="med" type="triangle"/>
+            <a:headEnd type="none" w="med" len="med"/>
+            <a:tailEnd type="triangle" w="med" len="med"/>
           </a:ln>
         </p:spPr>
       </p:cxnSp>
@@ -8747,12 +9148,12 @@
           </a:ln>
         </p:spPr>
         <p:txBody>
-          <a:bodyPr anchorCtr="0" anchor="ctr" bIns="91425" lIns="91425" spcFirstLastPara="1" rIns="91425" wrap="square" tIns="91425">
+          <a:bodyPr spcFirstLastPara="1" wrap="square" lIns="91425" tIns="91425" rIns="91425" bIns="91425" anchor="ctr" anchorCtr="0">
             <a:noAutofit/>
           </a:bodyPr>
           <a:lstStyle/>
           <a:p>
-            <a:pPr indent="0" lvl="0" marL="0" rtl="0" algn="ctr">
+            <a:pPr marL="0" lvl="0" indent="0" algn="ctr" rtl="0">
               <a:spcBef>
                 <a:spcPts val="0"/>
               </a:spcBef>
@@ -8797,12 +9198,12 @@
           </a:ln>
         </p:spPr>
         <p:txBody>
-          <a:bodyPr anchorCtr="0" anchor="t" bIns="91425" lIns="91425" spcFirstLastPara="1" rIns="91425" wrap="square" tIns="91425">
+          <a:bodyPr spcFirstLastPara="1" wrap="square" lIns="91425" tIns="91425" rIns="91425" bIns="91425" anchor="t" anchorCtr="0">
             <a:spAutoFit/>
           </a:bodyPr>
           <a:lstStyle/>
           <a:p>
-            <a:pPr indent="0" lvl="0" marL="0" rtl="0" algn="l">
+            <a:pPr marL="0" lvl="0" indent="0" algn="l" rtl="0">
               <a:spcBef>
                 <a:spcPts val="0"/>
               </a:spcBef>
@@ -8841,12 +9242,12 @@
           </a:ln>
         </p:spPr>
         <p:txBody>
-          <a:bodyPr anchorCtr="0" anchor="ctr" bIns="91425" lIns="91425" spcFirstLastPara="1" rIns="91425" wrap="square" tIns="91425">
+          <a:bodyPr spcFirstLastPara="1" wrap="square" lIns="91425" tIns="91425" rIns="91425" bIns="91425" anchor="ctr" anchorCtr="0">
             <a:noAutofit/>
           </a:bodyPr>
           <a:lstStyle/>
           <a:p>
-            <a:pPr indent="0" lvl="0" marL="0" rtl="0" algn="ctr">
+            <a:pPr marL="0" lvl="0" indent="0" algn="ctr" rtl="0">
               <a:spcBef>
                 <a:spcPts val="0"/>
               </a:spcBef>
@@ -8893,12 +9294,12 @@
           </a:ln>
         </p:spPr>
         <p:txBody>
-          <a:bodyPr anchorCtr="0" anchor="ctr" bIns="91425" lIns="91425" spcFirstLastPara="1" rIns="91425" wrap="square" tIns="91425">
+          <a:bodyPr spcFirstLastPara="1" wrap="square" lIns="91425" tIns="91425" rIns="91425" bIns="91425" anchor="ctr" anchorCtr="0">
             <a:noAutofit/>
           </a:bodyPr>
           <a:lstStyle/>
           <a:p>
-            <a:pPr indent="0" lvl="0" marL="0" rtl="0" algn="ctr">
+            <a:pPr marL="0" lvl="0" indent="0" algn="ctr" rtl="0">
               <a:spcBef>
                 <a:spcPts val="0"/>
               </a:spcBef>
@@ -8941,14 +9342,14 @@
             <a:avLst/>
           </a:prstGeom>
           <a:noFill/>
-          <a:ln cap="flat" cmpd="sng" w="9525">
+          <a:ln w="9525" cap="flat" cmpd="sng">
             <a:solidFill>
               <a:schemeClr val="dk2"/>
             </a:solidFill>
             <a:prstDash val="solid"/>
             <a:round/>
-            <a:headEnd len="med" w="med" type="none"/>
-            <a:tailEnd len="med" w="med" type="triangle"/>
+            <a:headEnd type="none" w="med" len="med"/>
+            <a:tailEnd type="triangle" w="med" len="med"/>
           </a:ln>
         </p:spPr>
       </p:cxnSp>
@@ -8970,14 +9371,14 @@
             <a:avLst/>
           </a:prstGeom>
           <a:noFill/>
-          <a:ln cap="flat" cmpd="sng" w="9525">
+          <a:ln w="9525" cap="flat" cmpd="sng">
             <a:solidFill>
               <a:schemeClr val="dk2"/>
             </a:solidFill>
             <a:prstDash val="solid"/>
             <a:round/>
-            <a:headEnd len="med" w="med" type="none"/>
-            <a:tailEnd len="med" w="med" type="triangle"/>
+            <a:headEnd type="none" w="med" len="med"/>
+            <a:tailEnd type="triangle" w="med" len="med"/>
           </a:ln>
         </p:spPr>
       </p:cxnSp>
@@ -8999,14 +9400,14 @@
             <a:avLst/>
           </a:prstGeom>
           <a:noFill/>
-          <a:ln cap="flat" cmpd="sng" w="9525">
+          <a:ln w="9525" cap="flat" cmpd="sng">
             <a:solidFill>
               <a:schemeClr val="dk2"/>
             </a:solidFill>
             <a:prstDash val="solid"/>
             <a:round/>
-            <a:headEnd len="med" w="med" type="none"/>
-            <a:tailEnd len="med" w="med" type="triangle"/>
+            <a:headEnd type="none" w="med" len="med"/>
+            <a:tailEnd type="triangle" w="med" len="med"/>
           </a:ln>
         </p:spPr>
       </p:cxnSp>
@@ -9028,14 +9429,14 @@
             <a:avLst/>
           </a:prstGeom>
           <a:noFill/>
-          <a:ln cap="flat" cmpd="sng" w="9525">
+          <a:ln w="9525" cap="flat" cmpd="sng">
             <a:solidFill>
               <a:schemeClr val="dk2"/>
             </a:solidFill>
             <a:prstDash val="solid"/>
             <a:round/>
-            <a:headEnd len="med" w="med" type="none"/>
-            <a:tailEnd len="med" w="med" type="triangle"/>
+            <a:headEnd type="none" w="med" len="med"/>
+            <a:tailEnd type="triangle" w="med" len="med"/>
           </a:ln>
         </p:spPr>
       </p:cxnSp>
@@ -9056,14 +9457,14 @@
             <a:avLst/>
           </a:prstGeom>
           <a:noFill/>
-          <a:ln cap="flat" cmpd="sng" w="9525">
+          <a:ln w="9525" cap="flat" cmpd="sng">
             <a:solidFill>
               <a:schemeClr val="dk2"/>
             </a:solidFill>
             <a:prstDash val="solid"/>
             <a:round/>
-            <a:headEnd len="med" w="med" type="none"/>
-            <a:tailEnd len="med" w="med" type="none"/>
+            <a:headEnd type="none" w="med" len="med"/>
+            <a:tailEnd type="none" w="med" len="med"/>
           </a:ln>
         </p:spPr>
       </p:cxnSp>
@@ -9076,7 +9477,7 @@
           <p:nvPr/>
         </p:nvCxnSpPr>
         <p:spPr>
-          <a:xfrm flipH="1" rot="10800000">
+          <a:xfrm rot="10800000" flipH="1">
             <a:off x="1133850" y="4011225"/>
             <a:ext cx="717000" cy="16800"/>
           </a:xfrm>
@@ -9084,14 +9485,14 @@
             <a:avLst/>
           </a:prstGeom>
           <a:noFill/>
-          <a:ln cap="flat" cmpd="sng" w="9525">
+          <a:ln w="9525" cap="flat" cmpd="sng">
             <a:solidFill>
               <a:schemeClr val="dk2"/>
             </a:solidFill>
             <a:prstDash val="solid"/>
             <a:round/>
-            <a:headEnd len="med" w="med" type="none"/>
-            <a:tailEnd len="med" w="med" type="triangle"/>
+            <a:headEnd type="none" w="med" len="med"/>
+            <a:tailEnd type="triangle" w="med" len="med"/>
           </a:ln>
         </p:spPr>
       </p:cxnSp>
@@ -9115,12 +9516,12 @@
           </a:ln>
         </p:spPr>
         <p:txBody>
-          <a:bodyPr anchorCtr="0" anchor="t" bIns="91425" lIns="91425" spcFirstLastPara="1" rIns="91425" wrap="square" tIns="91425">
+          <a:bodyPr spcFirstLastPara="1" wrap="square" lIns="91425" tIns="91425" rIns="91425" bIns="91425" anchor="t" anchorCtr="0">
             <a:spAutoFit/>
           </a:bodyPr>
           <a:lstStyle/>
           <a:p>
-            <a:pPr indent="0" lvl="0" marL="0" rtl="0" algn="l">
+            <a:pPr marL="0" lvl="0" indent="0" algn="l" rtl="0">
               <a:spcBef>
                 <a:spcPts val="0"/>
               </a:spcBef>
@@ -9154,14 +9555,14 @@
             <a:avLst/>
           </a:prstGeom>
           <a:noFill/>
-          <a:ln cap="flat" cmpd="sng" w="9525">
+          <a:ln w="9525" cap="flat" cmpd="sng">
             <a:solidFill>
               <a:schemeClr val="dk2"/>
             </a:solidFill>
             <a:prstDash val="solid"/>
             <a:round/>
-            <a:headEnd len="med" w="med" type="none"/>
-            <a:tailEnd len="med" w="med" type="none"/>
+            <a:headEnd type="none" w="med" len="med"/>
+            <a:tailEnd type="none" w="med" len="med"/>
           </a:ln>
         </p:spPr>
       </p:cxnSp>
@@ -9182,14 +9583,14 @@
             <a:avLst/>
           </a:prstGeom>
           <a:noFill/>
-          <a:ln cap="flat" cmpd="sng" w="9525">
+          <a:ln w="9525" cap="flat" cmpd="sng">
             <a:solidFill>
               <a:schemeClr val="dk2"/>
             </a:solidFill>
             <a:prstDash val="solid"/>
             <a:round/>
-            <a:headEnd len="med" w="med" type="none"/>
-            <a:tailEnd len="med" w="med" type="triangle"/>
+            <a:headEnd type="none" w="med" len="med"/>
+            <a:tailEnd type="triangle" w="med" len="med"/>
           </a:ln>
         </p:spPr>
       </p:cxnSp>
@@ -9213,12 +9614,12 @@
           </a:ln>
         </p:spPr>
         <p:txBody>
-          <a:bodyPr anchorCtr="0" anchor="t" bIns="91425" lIns="91425" spcFirstLastPara="1" rIns="91425" wrap="square" tIns="91425">
+          <a:bodyPr spcFirstLastPara="1" wrap="square" lIns="91425" tIns="91425" rIns="91425" bIns="91425" anchor="t" anchorCtr="0">
             <a:spAutoFit/>
           </a:bodyPr>
           <a:lstStyle/>
           <a:p>
-            <a:pPr indent="0" lvl="0" marL="0" rtl="0" algn="l">
+            <a:pPr marL="0" lvl="0" indent="0" algn="l" rtl="0">
               <a:spcBef>
                 <a:spcPts val="0"/>
               </a:spcBef>
@@ -9248,7 +9649,7 @@
           </a:xfrm>
           <a:prstGeom prst="roundRect">
             <a:avLst>
-              <a:gd fmla="val 16667" name="adj"/>
+              <a:gd name="adj" fmla="val 16667"/>
             </a:avLst>
           </a:prstGeom>
           <a:solidFill>
@@ -9259,12 +9660,12 @@
           </a:ln>
         </p:spPr>
         <p:txBody>
-          <a:bodyPr anchorCtr="0" anchor="ctr" bIns="91425" lIns="91425" spcFirstLastPara="1" rIns="91425" wrap="square" tIns="91425">
+          <a:bodyPr spcFirstLastPara="1" wrap="square" lIns="91425" tIns="91425" rIns="91425" bIns="91425" anchor="ctr" anchorCtr="0">
             <a:noAutofit/>
           </a:bodyPr>
           <a:lstStyle/>
           <a:p>
-            <a:pPr indent="0" lvl="0" marL="0" rtl="0" algn="ctr">
+            <a:pPr marL="0" lvl="0" indent="0" algn="ctr" rtl="0">
               <a:spcBef>
                 <a:spcPts val="0"/>
               </a:spcBef>
@@ -9307,14 +9708,14 @@
             <a:avLst/>
           </a:prstGeom>
           <a:noFill/>
-          <a:ln cap="flat" cmpd="sng" w="9525">
+          <a:ln w="9525" cap="flat" cmpd="sng">
             <a:solidFill>
               <a:schemeClr val="dk2"/>
             </a:solidFill>
             <a:prstDash val="solid"/>
             <a:round/>
-            <a:headEnd len="med" w="med" type="none"/>
-            <a:tailEnd len="med" w="med" type="triangle"/>
+            <a:headEnd type="none" w="med" len="med"/>
+            <a:tailEnd type="triangle" w="med" len="med"/>
           </a:ln>
         </p:spPr>
       </p:cxnSp>
@@ -9336,14 +9737,14 @@
             <a:avLst/>
           </a:prstGeom>
           <a:noFill/>
-          <a:ln cap="flat" cmpd="sng" w="9525">
+          <a:ln w="9525" cap="flat" cmpd="sng">
             <a:solidFill>
               <a:schemeClr val="dk2"/>
             </a:solidFill>
             <a:prstDash val="solid"/>
             <a:round/>
-            <a:headEnd len="med" w="med" type="none"/>
-            <a:tailEnd len="med" w="med" type="triangle"/>
+            <a:headEnd type="none" w="med" len="med"/>
+            <a:tailEnd type="triangle" w="med" len="med"/>
           </a:ln>
         </p:spPr>
       </p:cxnSp>
@@ -9360,7 +9761,7 @@
           </a:xfrm>
           <a:prstGeom prst="roundRect">
             <a:avLst>
-              <a:gd fmla="val 16667" name="adj"/>
+              <a:gd name="adj" fmla="val 16667"/>
             </a:avLst>
           </a:prstGeom>
           <a:solidFill>
@@ -9371,12 +9772,12 @@
           </a:ln>
         </p:spPr>
         <p:txBody>
-          <a:bodyPr anchorCtr="0" anchor="ctr" bIns="91425" lIns="91425" spcFirstLastPara="1" rIns="91425" wrap="square" tIns="91425">
+          <a:bodyPr spcFirstLastPara="1" wrap="square" lIns="91425" tIns="91425" rIns="91425" bIns="91425" anchor="ctr" anchorCtr="0">
             <a:noAutofit/>
           </a:bodyPr>
           <a:lstStyle/>
           <a:p>
-            <a:pPr indent="0" lvl="0" marL="0" rtl="0" algn="ctr">
+            <a:pPr marL="0" lvl="0" indent="0" algn="ctr" rtl="0">
               <a:spcBef>
                 <a:spcPts val="0"/>
               </a:spcBef>
@@ -9391,15 +9792,7 @@
                   <a:schemeClr val="lt1"/>
                 </a:solidFill>
               </a:rPr>
-              <a:t>씬 데이터</a:t>
-            </a:r>
-            <a:r>
-              <a:rPr lang="ko" sz="700">
-                <a:solidFill>
-                  <a:schemeClr val="lt1"/>
-                </a:solidFill>
-              </a:rPr>
-              <a:t> recv</a:t>
+              <a:t>씬 데이터 recv</a:t>
             </a:r>
             <a:endParaRPr sz="700">
               <a:solidFill>
@@ -9427,14 +9820,14 @@
             <a:avLst/>
           </a:prstGeom>
           <a:noFill/>
-          <a:ln cap="flat" cmpd="sng" w="9525">
+          <a:ln w="9525" cap="flat" cmpd="sng">
             <a:solidFill>
               <a:schemeClr val="dk2"/>
             </a:solidFill>
             <a:prstDash val="solid"/>
             <a:round/>
-            <a:headEnd len="med" w="med" type="none"/>
-            <a:tailEnd len="med" w="med" type="triangle"/>
+            <a:headEnd type="none" w="med" len="med"/>
+            <a:tailEnd type="triangle" w="med" len="med"/>
           </a:ln>
         </p:spPr>
       </p:cxnSp>
@@ -9451,7 +9844,7 @@
           </a:xfrm>
           <a:prstGeom prst="roundRect">
             <a:avLst>
-              <a:gd fmla="val 16667" name="adj"/>
+              <a:gd name="adj" fmla="val 16667"/>
             </a:avLst>
           </a:prstGeom>
           <a:solidFill>
@@ -9462,12 +9855,12 @@
           </a:ln>
         </p:spPr>
         <p:txBody>
-          <a:bodyPr anchorCtr="0" anchor="ctr" bIns="91425" lIns="91425" spcFirstLastPara="1" rIns="91425" wrap="square" tIns="91425">
+          <a:bodyPr spcFirstLastPara="1" wrap="square" lIns="91425" tIns="91425" rIns="91425" bIns="91425" anchor="ctr" anchorCtr="0">
             <a:noAutofit/>
           </a:bodyPr>
           <a:lstStyle/>
           <a:p>
-            <a:pPr indent="0" lvl="0" marL="0" rtl="0" algn="ctr">
+            <a:pPr marL="0" lvl="0" indent="0" algn="ctr" rtl="0">
               <a:spcBef>
                 <a:spcPts val="0"/>
               </a:spcBef>
@@ -9510,14 +9903,14 @@
             <a:avLst/>
           </a:prstGeom>
           <a:noFill/>
-          <a:ln cap="flat" cmpd="sng" w="9525">
+          <a:ln w="9525" cap="flat" cmpd="sng">
             <a:solidFill>
               <a:schemeClr val="dk2"/>
             </a:solidFill>
             <a:prstDash val="solid"/>
             <a:round/>
-            <a:headEnd len="med" w="med" type="none"/>
-            <a:tailEnd len="med" w="med" type="triangle"/>
+            <a:headEnd type="none" w="med" len="med"/>
+            <a:tailEnd type="triangle" w="med" len="med"/>
           </a:ln>
         </p:spPr>
       </p:cxnSp>
@@ -9539,14 +9932,14 @@
             <a:avLst/>
           </a:prstGeom>
           <a:noFill/>
-          <a:ln cap="flat" cmpd="sng" w="9525">
+          <a:ln w="9525" cap="flat" cmpd="sng">
             <a:solidFill>
               <a:schemeClr val="dk2"/>
             </a:solidFill>
             <a:prstDash val="solid"/>
             <a:round/>
-            <a:headEnd len="med" w="med" type="none"/>
-            <a:tailEnd len="med" w="med" type="triangle"/>
+            <a:headEnd type="none" w="med" len="med"/>
+            <a:tailEnd type="triangle" w="med" len="med"/>
           </a:ln>
         </p:spPr>
       </p:cxnSp>
@@ -9568,14 +9961,14 @@
             <a:avLst/>
           </a:prstGeom>
           <a:noFill/>
-          <a:ln cap="flat" cmpd="sng" w="9525">
+          <a:ln w="9525" cap="flat" cmpd="sng">
             <a:solidFill>
               <a:schemeClr val="dk2"/>
             </a:solidFill>
             <a:prstDash val="solid"/>
             <a:round/>
-            <a:headEnd len="med" w="med" type="none"/>
-            <a:tailEnd len="med" w="med" type="triangle"/>
+            <a:headEnd type="none" w="med" len="med"/>
+            <a:tailEnd type="triangle" w="med" len="med"/>
           </a:ln>
         </p:spPr>
       </p:cxnSp>
@@ -9599,12 +9992,12 @@
           </a:ln>
         </p:spPr>
         <p:txBody>
-          <a:bodyPr anchorCtr="0" anchor="t" bIns="91425" lIns="91425" spcFirstLastPara="1" rIns="91425" wrap="square" tIns="91425">
+          <a:bodyPr spcFirstLastPara="1" wrap="square" lIns="91425" tIns="91425" rIns="91425" bIns="91425" anchor="t" anchorCtr="0">
             <a:spAutoFit/>
           </a:bodyPr>
           <a:lstStyle/>
           <a:p>
-            <a:pPr indent="0" lvl="0" marL="0" rtl="0" algn="l">
+            <a:pPr marL="0" lvl="0" indent="0" algn="l" rtl="0">
               <a:spcBef>
                 <a:spcPts val="0"/>
               </a:spcBef>
@@ -9620,7 +10013,7 @@
             <a:endParaRPr sz="900"/>
           </a:p>
           <a:p>
-            <a:pPr indent="0" lvl="0" marL="0" rtl="0" algn="l">
+            <a:pPr marL="0" lvl="0" indent="0" algn="l" rtl="0">
               <a:spcBef>
                 <a:spcPts val="0"/>
               </a:spcBef>
@@ -9629,13 +10022,10 @@
               </a:spcAft>
               <a:buNone/>
             </a:pPr>
-            <a:r>
-              <a:t/>
-            </a:r>
             <a:endParaRPr sz="900"/>
           </a:p>
           <a:p>
-            <a:pPr indent="0" lvl="0" marL="0" rtl="0" algn="l">
+            <a:pPr marL="0" lvl="0" indent="0" algn="l" rtl="0">
               <a:spcBef>
                 <a:spcPts val="0"/>
               </a:spcBef>
@@ -9651,7 +10041,7 @@
             <a:endParaRPr sz="900"/>
           </a:p>
           <a:p>
-            <a:pPr indent="0" lvl="0" marL="0" rtl="0" algn="l">
+            <a:pPr marL="0" lvl="0" indent="0" algn="l" rtl="0">
               <a:spcBef>
                 <a:spcPts val="0"/>
               </a:spcBef>
@@ -9688,12 +10078,12 @@
           </a:ln>
         </p:spPr>
         <p:txBody>
-          <a:bodyPr anchorCtr="0" anchor="t" bIns="91425" lIns="91425" spcFirstLastPara="1" rIns="91425" wrap="square" tIns="91425">
+          <a:bodyPr spcFirstLastPara="1" wrap="square" lIns="91425" tIns="91425" rIns="91425" bIns="91425" anchor="t" anchorCtr="0">
             <a:spAutoFit/>
           </a:bodyPr>
           <a:lstStyle/>
           <a:p>
-            <a:pPr indent="0" lvl="0" marL="0" rtl="0" algn="l">
+            <a:pPr marL="0" lvl="0" indent="0" algn="l" rtl="0">
               <a:spcBef>
                 <a:spcPts val="0"/>
               </a:spcBef>
@@ -9709,7 +10099,7 @@
             <a:endParaRPr sz="900"/>
           </a:p>
           <a:p>
-            <a:pPr indent="0" lvl="0" marL="0" rtl="0" algn="l">
+            <a:pPr marL="0" lvl="0" indent="0" algn="l" rtl="0">
               <a:spcBef>
                 <a:spcPts val="0"/>
               </a:spcBef>
@@ -9718,13 +10108,10 @@
               </a:spcAft>
               <a:buNone/>
             </a:pPr>
-            <a:r>
-              <a:t/>
-            </a:r>
             <a:endParaRPr sz="900"/>
           </a:p>
           <a:p>
-            <a:pPr indent="0" lvl="0" marL="0" rtl="0" algn="l">
+            <a:pPr marL="0" lvl="0" indent="0" algn="l" rtl="0">
               <a:spcBef>
                 <a:spcPts val="0"/>
               </a:spcBef>
@@ -9738,6 +10125,228 @@
               <a:t>씬 넘버</a:t>
             </a:r>
             <a:endParaRPr sz="900"/>
+          </a:p>
+        </p:txBody>
+      </p:sp>
+      <p:sp>
+        <p:nvSpPr>
+          <p:cNvPr id="6" name="Google Shape;104;p14">
+            <a:extLst>
+              <a:ext uri="{FF2B5EF4-FFF2-40B4-BE49-F238E27FC236}">
+                <a16:creationId xmlns:a16="http://schemas.microsoft.com/office/drawing/2014/main" id="{F3EF8E5B-E591-120A-1C0F-FFDBBCC37C2F}"/>
+              </a:ext>
+            </a:extLst>
+          </p:cNvPr>
+          <p:cNvSpPr/>
+          <p:nvPr/>
+        </p:nvSpPr>
+        <p:spPr>
+          <a:xfrm>
+            <a:off x="2150250" y="820290"/>
+            <a:ext cx="672000" cy="246900"/>
+          </a:xfrm>
+          <a:prstGeom prst="roundRect">
+            <a:avLst>
+              <a:gd name="adj" fmla="val 16667"/>
+            </a:avLst>
+          </a:prstGeom>
+          <a:solidFill>
+            <a:srgbClr val="6D9EEB"/>
+          </a:solidFill>
+          <a:ln>
+            <a:noFill/>
+          </a:ln>
+        </p:spPr>
+        <p:txBody>
+          <a:bodyPr spcFirstLastPara="1" wrap="square" lIns="91425" tIns="91425" rIns="91425" bIns="91425" anchor="ctr" anchorCtr="0">
+            <a:noAutofit/>
+          </a:bodyPr>
+          <a:lstStyle/>
+          <a:p>
+            <a:pPr marL="0" lvl="0" indent="0" algn="ctr" rtl="0">
+              <a:spcBef>
+                <a:spcPts val="0"/>
+              </a:spcBef>
+              <a:spcAft>
+                <a:spcPts val="0"/>
+              </a:spcAft>
+              <a:buNone/>
+            </a:pPr>
+            <a:r>
+              <a:rPr lang="en-US" sz="600" dirty="0">
+                <a:solidFill>
+                  <a:schemeClr val="lt1"/>
+                </a:solidFill>
+              </a:rPr>
+              <a:t>Timer Thread Create</a:t>
+            </a:r>
+            <a:endParaRPr sz="600" dirty="0">
+              <a:solidFill>
+                <a:schemeClr val="lt1"/>
+              </a:solidFill>
+            </a:endParaRPr>
+          </a:p>
+        </p:txBody>
+      </p:sp>
+      <p:cxnSp>
+        <p:nvCxnSpPr>
+          <p:cNvPr id="8" name="연결선: 꺾임 7">
+            <a:extLst>
+              <a:ext uri="{FF2B5EF4-FFF2-40B4-BE49-F238E27FC236}">
+                <a16:creationId xmlns:a16="http://schemas.microsoft.com/office/drawing/2014/main" id="{8D238C0C-6090-477A-2EAE-738500AB7E75}"/>
+              </a:ext>
+            </a:extLst>
+          </p:cNvPr>
+          <p:cNvCxnSpPr>
+            <a:stCxn id="6" idx="1"/>
+            <a:endCxn id="124" idx="0"/>
+          </p:cNvCxnSpPr>
+          <p:nvPr/>
+        </p:nvCxnSpPr>
+        <p:spPr>
+          <a:xfrm rot="10800000" flipV="1">
+            <a:off x="1134750" y="943739"/>
+            <a:ext cx="1015500" cy="289935"/>
+          </a:xfrm>
+          <a:prstGeom prst="bentConnector2">
+            <a:avLst/>
+          </a:prstGeom>
+          <a:ln>
+            <a:prstDash val="dash"/>
+            <a:tailEnd type="triangle"/>
+          </a:ln>
+        </p:spPr>
+        <p:style>
+          <a:lnRef idx="1">
+            <a:schemeClr val="accent2"/>
+          </a:lnRef>
+          <a:fillRef idx="0">
+            <a:schemeClr val="accent2"/>
+          </a:fillRef>
+          <a:effectRef idx="0">
+            <a:schemeClr val="accent2"/>
+          </a:effectRef>
+          <a:fontRef idx="minor">
+            <a:schemeClr val="tx1"/>
+          </a:fontRef>
+        </p:style>
+      </p:cxnSp>
+      <p:cxnSp>
+        <p:nvCxnSpPr>
+          <p:cNvPr id="9" name="Google Shape;125;p14">
+            <a:extLst>
+              <a:ext uri="{FF2B5EF4-FFF2-40B4-BE49-F238E27FC236}">
+                <a16:creationId xmlns:a16="http://schemas.microsoft.com/office/drawing/2014/main" id="{700F6C66-4A3C-A27A-D1DF-91E23BCCA1DF}"/>
+              </a:ext>
+            </a:extLst>
+          </p:cNvPr>
+          <p:cNvCxnSpPr>
+            <a:cxnSpLocks/>
+            <a:stCxn id="102" idx="4"/>
+            <a:endCxn id="6" idx="0"/>
+          </p:cNvCxnSpPr>
+          <p:nvPr/>
+        </p:nvCxnSpPr>
+        <p:spPr>
+          <a:xfrm flipH="1">
+            <a:off x="2486250" y="549001"/>
+            <a:ext cx="150" cy="271289"/>
+          </a:xfrm>
+          <a:prstGeom prst="straightConnector1">
+            <a:avLst/>
+          </a:prstGeom>
+          <a:noFill/>
+          <a:ln w="9525" cap="flat" cmpd="sng">
+            <a:solidFill>
+              <a:schemeClr val="dk2"/>
+            </a:solidFill>
+            <a:prstDash val="solid"/>
+            <a:round/>
+            <a:headEnd type="none" w="med" len="med"/>
+            <a:tailEnd type="triangle" w="med" len="med"/>
+          </a:ln>
+        </p:spPr>
+      </p:cxnSp>
+      <p:cxnSp>
+        <p:nvCxnSpPr>
+          <p:cNvPr id="12" name="Google Shape;125;p14">
+            <a:extLst>
+              <a:ext uri="{FF2B5EF4-FFF2-40B4-BE49-F238E27FC236}">
+                <a16:creationId xmlns:a16="http://schemas.microsoft.com/office/drawing/2014/main" id="{0BCFED67-4E87-DA3A-C50D-696522436440}"/>
+              </a:ext>
+            </a:extLst>
+          </p:cNvPr>
+          <p:cNvCxnSpPr>
+            <a:cxnSpLocks/>
+            <a:stCxn id="6" idx="2"/>
+            <a:endCxn id="104" idx="0"/>
+          </p:cNvCxnSpPr>
+          <p:nvPr/>
+        </p:nvCxnSpPr>
+        <p:spPr>
+          <a:xfrm>
+            <a:off x="2486250" y="1067190"/>
+            <a:ext cx="150" cy="166485"/>
+          </a:xfrm>
+          <a:prstGeom prst="straightConnector1">
+            <a:avLst/>
+          </a:prstGeom>
+          <a:noFill/>
+          <a:ln w="9525" cap="flat" cmpd="sng">
+            <a:solidFill>
+              <a:schemeClr val="dk2"/>
+            </a:solidFill>
+            <a:prstDash val="solid"/>
+            <a:round/>
+            <a:headEnd type="none" w="med" len="med"/>
+            <a:tailEnd type="triangle" w="med" len="med"/>
+          </a:ln>
+        </p:spPr>
+      </p:cxnSp>
+      <p:sp>
+        <p:nvSpPr>
+          <p:cNvPr id="15" name="TextBox 14">
+            <a:extLst>
+              <a:ext uri="{FF2B5EF4-FFF2-40B4-BE49-F238E27FC236}">
+                <a16:creationId xmlns:a16="http://schemas.microsoft.com/office/drawing/2014/main" id="{DB724BAB-A8F5-1693-A669-13ACA2C955B2}"/>
+              </a:ext>
+            </a:extLst>
+          </p:cNvPr>
+          <p:cNvSpPr txBox="1"/>
+          <p:nvPr/>
+        </p:nvSpPr>
+        <p:spPr>
+          <a:xfrm>
+            <a:off x="1105100" y="774539"/>
+            <a:ext cx="1090363" cy="184666"/>
+          </a:xfrm>
+          <a:prstGeom prst="rect">
+            <a:avLst/>
+          </a:prstGeom>
+          <a:noFill/>
+        </p:spPr>
+        <p:txBody>
+          <a:bodyPr wrap="none" rtlCol="0">
+            <a:spAutoFit/>
+          </a:bodyPr>
+          <a:lstStyle/>
+          <a:p>
+            <a:r>
+              <a:rPr lang="en-US" altLang="ko-KR" sz="600" dirty="0"/>
+              <a:t>TIMER</a:t>
+            </a:r>
+            <a:r>
+              <a:rPr lang="ko-KR" altLang="en-US" sz="600" dirty="0"/>
+              <a:t> </a:t>
+            </a:r>
+            <a:r>
+              <a:rPr lang="en-US" altLang="ko-KR" sz="600" dirty="0"/>
+              <a:t>THREAD </a:t>
+            </a:r>
+            <a:r>
+              <a:rPr lang="ko-KR" altLang="en-US" sz="600" dirty="0"/>
+              <a:t>생성시점</a:t>
+            </a:r>
           </a:p>
         </p:txBody>
       </p:sp>
@@ -9750,11 +10359,11 @@
 </file>
 
 <file path=ppt/slides/slide3.xml><?xml version="1.0" encoding="utf-8"?>
-<p:sld xmlns:a="http://schemas.openxmlformats.org/drawingml/2006/main" xmlns:r="http://schemas.openxmlformats.org/officeDocument/2006/relationships" xmlns:mc="http://schemas.openxmlformats.org/markup-compatibility/2006" xmlns:mv="urn:schemas-microsoft-com:mac:vml" xmlns:p="http://schemas.openxmlformats.org/presentationml/2006/main" xmlns:c="http://schemas.openxmlformats.org/drawingml/2006/chart" xmlns:dgm="http://schemas.openxmlformats.org/drawingml/2006/diagram" xmlns:o="urn:schemas-microsoft-com:office:office" xmlns:v="urn:schemas-microsoft-com:vml" xmlns:pvml="urn:schemas-microsoft-com:office:powerpoint" xmlns:com="http://schemas.openxmlformats.org/drawingml/2006/compatibility" xmlns:p14="http://schemas.microsoft.com/office/powerpoint/2010/main" xmlns:p15="http://schemas.microsoft.com/office/powerpoint/2012/main" xmlns:ahyp="http://schemas.microsoft.com/office/drawing/2018/hyperlinkcolor">
+<p:sld xmlns:a="http://schemas.openxmlformats.org/drawingml/2006/main" xmlns:r="http://schemas.openxmlformats.org/officeDocument/2006/relationships" xmlns:p="http://schemas.openxmlformats.org/presentationml/2006/main">
   <p:cSld>
     <p:spTree>
       <p:nvGrpSpPr>
-        <p:cNvPr id="157" name="Shape 157"/>
+        <p:cNvPr id="1" name="Shape 157"/>
         <p:cNvGrpSpPr/>
         <p:nvPr/>
       </p:nvGrpSpPr>
@@ -9768,6 +10377,61 @@
       </p:grpSpPr>
       <p:sp>
         <p:nvSpPr>
+          <p:cNvPr id="8" name="사각형: 둥근 모서리 7">
+            <a:extLst>
+              <a:ext uri="{FF2B5EF4-FFF2-40B4-BE49-F238E27FC236}">
+                <a16:creationId xmlns:a16="http://schemas.microsoft.com/office/drawing/2014/main" id="{6DE41FCC-491A-A70B-F054-E045AD458C24}"/>
+              </a:ext>
+            </a:extLst>
+          </p:cNvPr>
+          <p:cNvSpPr/>
+          <p:nvPr/>
+        </p:nvSpPr>
+        <p:spPr>
+          <a:xfrm>
+            <a:off x="8830" y="1338975"/>
+            <a:ext cx="8384595" cy="1999600"/>
+          </a:xfrm>
+          <a:prstGeom prst="roundRect">
+            <a:avLst/>
+          </a:prstGeom>
+          <a:solidFill>
+            <a:schemeClr val="bg2">
+              <a:lumMod val="40000"/>
+              <a:lumOff val="60000"/>
+            </a:schemeClr>
+          </a:solidFill>
+          <a:ln>
+            <a:noFill/>
+          </a:ln>
+        </p:spPr>
+        <p:style>
+          <a:lnRef idx="2">
+            <a:schemeClr val="accent1">
+              <a:shade val="50000"/>
+            </a:schemeClr>
+          </a:lnRef>
+          <a:fillRef idx="1">
+            <a:schemeClr val="accent1"/>
+          </a:fillRef>
+          <a:effectRef idx="0">
+            <a:schemeClr val="accent1"/>
+          </a:effectRef>
+          <a:fontRef idx="minor">
+            <a:schemeClr val="lt1"/>
+          </a:fontRef>
+        </p:style>
+        <p:txBody>
+          <a:bodyPr rtlCol="0" anchor="ctr"/>
+          <a:lstStyle/>
+          <a:p>
+            <a:pPr algn="ctr"/>
+            <a:endParaRPr lang="ko-KR" altLang="en-US"/>
+          </a:p>
+        </p:txBody>
+      </p:sp>
+      <p:sp>
+        <p:nvSpPr>
           <p:cNvPr id="158" name="Google Shape;158;p15"/>
           <p:cNvSpPr/>
           <p:nvPr/>
@@ -9788,12 +10452,64 @@
           </a:ln>
         </p:spPr>
         <p:txBody>
-          <a:bodyPr anchorCtr="0" anchor="ctr" bIns="91425" lIns="91425" spcFirstLastPara="1" rIns="91425" wrap="square" tIns="91425">
+          <a:bodyPr spcFirstLastPara="1" wrap="square" lIns="91425" tIns="91425" rIns="91425" bIns="91425" anchor="ctr" anchorCtr="0">
             <a:noAutofit/>
           </a:bodyPr>
           <a:lstStyle/>
           <a:p>
-            <a:pPr indent="0" lvl="0" marL="0" rtl="0" algn="ctr">
+            <a:pPr marL="0" lvl="0" indent="0" algn="ctr" rtl="0">
+              <a:spcBef>
+                <a:spcPts val="0"/>
+              </a:spcBef>
+              <a:spcAft>
+                <a:spcPts val="0"/>
+              </a:spcAft>
+              <a:buNone/>
+            </a:pPr>
+            <a:r>
+              <a:rPr lang="ko" sz="700" dirty="0">
+                <a:solidFill>
+                  <a:schemeClr val="lt1"/>
+                </a:solidFill>
+              </a:rPr>
+              <a:t>메인 게임 화면</a:t>
+            </a:r>
+            <a:endParaRPr sz="700" dirty="0">
+              <a:solidFill>
+                <a:schemeClr val="lt1"/>
+              </a:solidFill>
+            </a:endParaRPr>
+          </a:p>
+        </p:txBody>
+      </p:sp>
+      <p:sp>
+        <p:nvSpPr>
+          <p:cNvPr id="159" name="Google Shape;159;p15"/>
+          <p:cNvSpPr/>
+          <p:nvPr/>
+        </p:nvSpPr>
+        <p:spPr>
+          <a:xfrm>
+            <a:off x="6598100" y="0"/>
+            <a:ext cx="1271100" cy="516600"/>
+          </a:xfrm>
+          <a:prstGeom prst="ellipse">
+            <a:avLst/>
+          </a:prstGeom>
+          <a:solidFill>
+            <a:srgbClr val="6D9EEB"/>
+          </a:solidFill>
+          <a:ln>
+            <a:noFill/>
+          </a:ln>
+        </p:spPr>
+        <p:txBody>
+          <a:bodyPr spcFirstLastPara="1" wrap="square" lIns="91425" tIns="91425" rIns="91425" bIns="91425" anchor="ctr" anchorCtr="0">
+            <a:noAutofit/>
+          </a:bodyPr>
+          <a:lstStyle/>
+          <a:p>
+            <a:pPr marL="0" lvl="0" indent="0" algn="ctr" rtl="0">
               <a:spcBef>
                 <a:spcPts val="0"/>
               </a:spcBef>
@@ -9820,17 +10536,19 @@
       </p:sp>
       <p:sp>
         <p:nvSpPr>
-          <p:cNvPr id="159" name="Google Shape;159;p15"/>
+          <p:cNvPr id="160" name="Google Shape;160;p15"/>
           <p:cNvSpPr/>
           <p:nvPr/>
         </p:nvSpPr>
         <p:spPr>
           <a:xfrm>
-            <a:off x="6598100" y="0"/>
-            <a:ext cx="1271100" cy="516600"/>
-          </a:xfrm>
-          <a:prstGeom prst="ellipse">
-            <a:avLst/>
+            <a:off x="2150400" y="653775"/>
+            <a:ext cx="672000" cy="246900"/>
+          </a:xfrm>
+          <a:prstGeom prst="roundRect">
+            <a:avLst>
+              <a:gd name="adj" fmla="val 16667"/>
+            </a:avLst>
           </a:prstGeom>
           <a:solidFill>
             <a:srgbClr val="6D9EEB"/>
@@ -9840,12 +10558,12 @@
           </a:ln>
         </p:spPr>
         <p:txBody>
-          <a:bodyPr anchorCtr="0" anchor="ctr" bIns="91425" lIns="91425" spcFirstLastPara="1" rIns="91425" wrap="square" tIns="91425">
+          <a:bodyPr spcFirstLastPara="1" wrap="square" lIns="91425" tIns="91425" rIns="91425" bIns="91425" anchor="ctr" anchorCtr="0">
             <a:noAutofit/>
           </a:bodyPr>
           <a:lstStyle/>
           <a:p>
-            <a:pPr indent="0" lvl="0" marL="0" rtl="0" algn="ctr">
+            <a:pPr marL="0" lvl="0" indent="0" algn="ctr" rtl="0">
               <a:spcBef>
                 <a:spcPts val="0"/>
               </a:spcBef>
@@ -9855,68 +10573,14 @@
               <a:buNone/>
             </a:pPr>
             <a:r>
-              <a:rPr lang="ko" sz="700">
-                <a:solidFill>
-                  <a:schemeClr val="lt1"/>
-                </a:solidFill>
-              </a:rPr>
-              <a:t>메인 게임 화면</a:t>
-            </a:r>
-            <a:endParaRPr sz="700">
-              <a:solidFill>
-                <a:schemeClr val="lt1"/>
-              </a:solidFill>
-            </a:endParaRPr>
-          </a:p>
-        </p:txBody>
-      </p:sp>
-      <p:sp>
-        <p:nvSpPr>
-          <p:cNvPr id="160" name="Google Shape;160;p15"/>
-          <p:cNvSpPr/>
-          <p:nvPr/>
-        </p:nvSpPr>
-        <p:spPr>
-          <a:xfrm>
-            <a:off x="2150400" y="653775"/>
-            <a:ext cx="672000" cy="246900"/>
-          </a:xfrm>
-          <a:prstGeom prst="roundRect">
-            <a:avLst>
-              <a:gd fmla="val 16667" name="adj"/>
-            </a:avLst>
-          </a:prstGeom>
-          <a:solidFill>
-            <a:srgbClr val="6D9EEB"/>
-          </a:solidFill>
-          <a:ln>
-            <a:noFill/>
-          </a:ln>
-        </p:spPr>
-        <p:txBody>
-          <a:bodyPr anchorCtr="0" anchor="ctr" bIns="91425" lIns="91425" spcFirstLastPara="1" rIns="91425" wrap="square" tIns="91425">
-            <a:noAutofit/>
-          </a:bodyPr>
-          <a:lstStyle/>
-          <a:p>
-            <a:pPr indent="0" lvl="0" marL="0" rtl="0" algn="ctr">
-              <a:spcBef>
-                <a:spcPts val="0"/>
-              </a:spcBef>
-              <a:spcAft>
-                <a:spcPts val="0"/>
-              </a:spcAft>
-              <a:buNone/>
-            </a:pPr>
-            <a:r>
-              <a:rPr lang="ko" sz="700">
+              <a:rPr lang="ko" sz="700" dirty="0">
                 <a:solidFill>
                   <a:schemeClr val="lt1"/>
                 </a:solidFill>
               </a:rPr>
               <a:t>초기 위치 send</a:t>
             </a:r>
-            <a:endParaRPr sz="700">
+            <a:endParaRPr sz="700" dirty="0">
               <a:solidFill>
                 <a:schemeClr val="lt1"/>
               </a:solidFill>
@@ -9937,7 +10601,7 @@
           </a:xfrm>
           <a:prstGeom prst="roundRect">
             <a:avLst>
-              <a:gd fmla="val 16667" name="adj"/>
+              <a:gd name="adj" fmla="val 16667"/>
             </a:avLst>
           </a:prstGeom>
           <a:solidFill>
@@ -9948,12 +10612,12 @@
           </a:ln>
         </p:spPr>
         <p:txBody>
-          <a:bodyPr anchorCtr="0" anchor="ctr" bIns="91425" lIns="91425" spcFirstLastPara="1" rIns="91425" wrap="square" tIns="91425">
+          <a:bodyPr spcFirstLastPara="1" wrap="square" lIns="91425" tIns="91425" rIns="91425" bIns="91425" anchor="ctr" anchorCtr="0">
             <a:noAutofit/>
           </a:bodyPr>
           <a:lstStyle/>
           <a:p>
-            <a:pPr indent="0" lvl="0" marL="0" rtl="0" algn="ctr">
+            <a:pPr marL="0" lvl="0" indent="0" algn="ctr" rtl="0">
               <a:spcBef>
                 <a:spcPts val="0"/>
               </a:spcBef>
@@ -9996,14 +10660,14 @@
             <a:avLst/>
           </a:prstGeom>
           <a:noFill/>
-          <a:ln cap="flat" cmpd="sng" w="9525">
+          <a:ln w="9525" cap="flat" cmpd="sng">
             <a:solidFill>
               <a:schemeClr val="dk2"/>
             </a:solidFill>
             <a:prstDash val="solid"/>
             <a:round/>
-            <a:headEnd len="med" w="med" type="none"/>
-            <a:tailEnd len="med" w="med" type="triangle"/>
+            <a:headEnd type="none" w="med" len="med"/>
+            <a:tailEnd type="triangle" w="med" len="med"/>
           </a:ln>
         </p:spPr>
       </p:cxnSp>
@@ -10025,14 +10689,14 @@
             <a:avLst/>
           </a:prstGeom>
           <a:noFill/>
-          <a:ln cap="flat" cmpd="sng" w="9525">
+          <a:ln w="9525" cap="flat" cmpd="sng">
             <a:solidFill>
               <a:schemeClr val="dk2"/>
             </a:solidFill>
             <a:prstDash val="solid"/>
             <a:round/>
-            <a:headEnd len="med" w="med" type="none"/>
-            <a:tailEnd len="med" w="med" type="triangle"/>
+            <a:headEnd type="none" w="med" len="med"/>
+            <a:tailEnd type="triangle" w="med" len="med"/>
           </a:ln>
         </p:spPr>
       </p:cxnSp>
@@ -10049,7 +10713,7 @@
           </a:xfrm>
           <a:prstGeom prst="roundRect">
             <a:avLst>
-              <a:gd fmla="val 16667" name="adj"/>
+              <a:gd name="adj" fmla="val 16667"/>
             </a:avLst>
           </a:prstGeom>
           <a:solidFill>
@@ -10060,12 +10724,12 @@
           </a:ln>
         </p:spPr>
         <p:txBody>
-          <a:bodyPr anchorCtr="0" anchor="ctr" bIns="91425" lIns="91425" spcFirstLastPara="1" rIns="91425" wrap="square" tIns="91425">
+          <a:bodyPr spcFirstLastPara="1" wrap="square" lIns="91425" tIns="91425" rIns="91425" bIns="91425" anchor="ctr" anchorCtr="0">
             <a:noAutofit/>
           </a:bodyPr>
           <a:lstStyle/>
           <a:p>
-            <a:pPr indent="0" lvl="0" marL="0" rtl="0" algn="ctr">
+            <a:pPr marL="0" lvl="0" indent="0" algn="ctr" rtl="0">
               <a:spcBef>
                 <a:spcPts val="0"/>
               </a:spcBef>
@@ -10108,14 +10772,14 @@
             <a:avLst/>
           </a:prstGeom>
           <a:noFill/>
-          <a:ln cap="flat" cmpd="sng" w="9525">
+          <a:ln w="9525" cap="flat" cmpd="sng">
             <a:solidFill>
               <a:schemeClr val="dk2"/>
             </a:solidFill>
             <a:prstDash val="solid"/>
             <a:round/>
-            <a:headEnd len="med" w="med" type="none"/>
-            <a:tailEnd len="med" w="med" type="triangle"/>
+            <a:headEnd type="none" w="med" len="med"/>
+            <a:tailEnd type="triangle" w="med" len="med"/>
           </a:ln>
         </p:spPr>
       </p:cxnSp>
@@ -10137,14 +10801,14 @@
             <a:avLst/>
           </a:prstGeom>
           <a:noFill/>
-          <a:ln cap="flat" cmpd="sng" w="9525">
+          <a:ln w="9525" cap="flat" cmpd="sng">
             <a:solidFill>
               <a:schemeClr val="dk2"/>
             </a:solidFill>
             <a:prstDash val="solid"/>
             <a:round/>
-            <a:headEnd len="med" w="med" type="none"/>
-            <a:tailEnd len="med" w="med" type="triangle"/>
+            <a:headEnd type="none" w="med" len="med"/>
+            <a:tailEnd type="triangle" w="med" len="med"/>
           </a:ln>
         </p:spPr>
       </p:cxnSp>
@@ -10161,7 +10825,7 @@
           </a:xfrm>
           <a:prstGeom prst="roundRect">
             <a:avLst>
-              <a:gd fmla="val 16667" name="adj"/>
+              <a:gd name="adj" fmla="val 16667"/>
             </a:avLst>
           </a:prstGeom>
           <a:solidFill>
@@ -10172,12 +10836,12 @@
           </a:ln>
         </p:spPr>
         <p:txBody>
-          <a:bodyPr anchorCtr="0" anchor="ctr" bIns="91425" lIns="91425" spcFirstLastPara="1" rIns="91425" wrap="square" tIns="91425">
+          <a:bodyPr spcFirstLastPara="1" wrap="square" lIns="91425" tIns="91425" rIns="91425" bIns="91425" anchor="ctr" anchorCtr="0">
             <a:noAutofit/>
           </a:bodyPr>
           <a:lstStyle/>
           <a:p>
-            <a:pPr indent="0" lvl="0" marL="0" rtl="0" algn="ctr">
+            <a:pPr marL="0" lvl="0" indent="0" algn="ctr" rtl="0">
               <a:spcBef>
                 <a:spcPts val="0"/>
               </a:spcBef>
@@ -10187,14 +10851,46 @@
               <a:buNone/>
             </a:pPr>
             <a:r>
-              <a:rPr lang="ko" sz="700">
+              <a:rPr lang="ko" sz="600" dirty="0">
                 <a:solidFill>
                   <a:schemeClr val="dk1"/>
                 </a:solidFill>
               </a:rPr>
-              <a:t>타이머 생성</a:t>
+              <a:t>타이머 </a:t>
             </a:r>
-            <a:endParaRPr sz="700">
+            <a:r>
+              <a:rPr lang="ko-KR" altLang="en-US" sz="600" dirty="0">
+                <a:solidFill>
+                  <a:schemeClr val="dk1"/>
+                </a:solidFill>
+              </a:rPr>
+              <a:t>세팅</a:t>
+            </a:r>
+            <a:r>
+              <a:rPr lang="en-US" altLang="ko-KR" sz="600" dirty="0">
+                <a:solidFill>
+                  <a:schemeClr val="dk1"/>
+                </a:solidFill>
+              </a:rPr>
+              <a:t>(</a:t>
+            </a:r>
+            <a:r>
+              <a:rPr lang="ko-KR" altLang="en-US" sz="600" dirty="0">
+                <a:solidFill>
+                  <a:schemeClr val="dk1"/>
+                </a:solidFill>
+              </a:rPr>
+              <a:t>초기화</a:t>
+            </a:r>
+            <a:r>
+              <a:rPr lang="en-US" altLang="ko-KR" sz="600" dirty="0">
+                <a:solidFill>
+                  <a:schemeClr val="dk1"/>
+                </a:solidFill>
+              </a:rPr>
+              <a:t>)</a:t>
+            </a:r>
+            <a:endParaRPr sz="600" dirty="0">
               <a:solidFill>
                 <a:schemeClr val="dk1"/>
               </a:solidFill>
@@ -10206,28 +10902,29 @@
         <p:nvCxnSpPr>
           <p:cNvPr id="168" name="Google Shape;168;p15"/>
           <p:cNvCxnSpPr>
-            <a:stCxn id="167" idx="3"/>
-            <a:endCxn id="160" idx="1"/>
+            <a:cxnSpLocks/>
+            <a:stCxn id="160" idx="1"/>
+            <a:endCxn id="167" idx="3"/>
           </p:cNvCxnSpPr>
           <p:nvPr/>
         </p:nvCxnSpPr>
         <p:spPr>
-          <a:xfrm>
+          <a:xfrm flipH="1">
             <a:off x="1394375" y="777225"/>
-            <a:ext cx="756000" cy="0"/>
+            <a:ext cx="756025" cy="0"/>
           </a:xfrm>
           <a:prstGeom prst="straightConnector1">
             <a:avLst/>
           </a:prstGeom>
           <a:noFill/>
-          <a:ln cap="flat" cmpd="sng" w="9525">
+          <a:ln w="9525" cap="flat" cmpd="sng">
             <a:solidFill>
               <a:schemeClr val="dk2"/>
             </a:solidFill>
             <a:prstDash val="solid"/>
             <a:round/>
-            <a:headEnd len="med" w="med" type="none"/>
-            <a:tailEnd len="med" w="med" type="triangle"/>
+            <a:headEnd type="none" w="med" len="med"/>
+            <a:tailEnd type="triangle" w="med" len="med"/>
           </a:ln>
         </p:spPr>
       </p:cxnSp>
@@ -10253,12 +10950,12 @@
           </a:ln>
         </p:spPr>
         <p:txBody>
-          <a:bodyPr anchorCtr="0" anchor="ctr" bIns="91425" lIns="91425" spcFirstLastPara="1" rIns="91425" wrap="square" tIns="91425">
+          <a:bodyPr spcFirstLastPara="1" wrap="square" lIns="91425" tIns="91425" rIns="91425" bIns="91425" anchor="ctr" anchorCtr="0">
             <a:noAutofit/>
           </a:bodyPr>
           <a:lstStyle/>
           <a:p>
-            <a:pPr indent="0" lvl="0" marL="0" rtl="0" algn="ctr">
+            <a:pPr marL="0" lvl="0" indent="0" algn="ctr" rtl="0">
               <a:spcBef>
                 <a:spcPts val="0"/>
               </a:spcBef>
@@ -10301,14 +10998,14 @@
             <a:avLst/>
           </a:prstGeom>
           <a:noFill/>
-          <a:ln cap="flat" cmpd="sng" w="9525">
+          <a:ln w="9525" cap="flat" cmpd="sng">
             <a:solidFill>
               <a:schemeClr val="dk2"/>
             </a:solidFill>
             <a:prstDash val="solid"/>
             <a:round/>
-            <a:headEnd len="med" w="med" type="none"/>
-            <a:tailEnd len="med" w="med" type="triangle"/>
+            <a:headEnd type="none" w="med" len="med"/>
+            <a:tailEnd type="triangle" w="med" len="med"/>
           </a:ln>
         </p:spPr>
       </p:cxnSp>
@@ -10329,14 +11026,14 @@
             <a:avLst/>
           </a:prstGeom>
           <a:noFill/>
-          <a:ln cap="flat" cmpd="sng" w="9525">
+          <a:ln w="9525" cap="flat" cmpd="sng">
             <a:solidFill>
               <a:schemeClr val="dk2"/>
             </a:solidFill>
             <a:prstDash val="solid"/>
             <a:round/>
-            <a:headEnd len="med" w="med" type="none"/>
-            <a:tailEnd len="med" w="med" type="none"/>
+            <a:headEnd type="none" w="med" len="med"/>
+            <a:tailEnd type="none" w="med" len="med"/>
           </a:ln>
         </p:spPr>
       </p:cxnSp>
@@ -10355,14 +11052,14 @@
             <a:avLst/>
           </a:prstGeom>
           <a:noFill/>
-          <a:ln cap="flat" cmpd="sng" w="9525">
+          <a:ln w="9525" cap="flat" cmpd="sng">
             <a:solidFill>
               <a:schemeClr val="dk2"/>
             </a:solidFill>
             <a:prstDash val="solid"/>
             <a:round/>
-            <a:headEnd len="med" w="med" type="none"/>
-            <a:tailEnd len="med" w="med" type="none"/>
+            <a:headEnd type="none" w="med" len="med"/>
+            <a:tailEnd type="none" w="med" len="med"/>
           </a:ln>
         </p:spPr>
       </p:cxnSp>
@@ -10379,7 +11076,7 @@
           </a:xfrm>
           <a:prstGeom prst="roundRect">
             <a:avLst>
-              <a:gd fmla="val 16667" name="adj"/>
+              <a:gd name="adj" fmla="val 16667"/>
             </a:avLst>
           </a:prstGeom>
           <a:solidFill>
@@ -10390,12 +11087,12 @@
           </a:ln>
         </p:spPr>
         <p:txBody>
-          <a:bodyPr anchorCtr="0" anchor="ctr" bIns="91425" lIns="91425" spcFirstLastPara="1" rIns="91425" wrap="square" tIns="91425">
+          <a:bodyPr spcFirstLastPara="1" wrap="square" lIns="91425" tIns="91425" rIns="91425" bIns="91425" anchor="ctr" anchorCtr="0">
             <a:noAutofit/>
           </a:bodyPr>
           <a:lstStyle/>
           <a:p>
-            <a:pPr indent="0" lvl="0" marL="0" rtl="0" algn="ctr">
+            <a:pPr marL="0" lvl="0" indent="0" algn="ctr" rtl="0">
               <a:spcBef>
                 <a:spcPts val="0"/>
               </a:spcBef>
@@ -10433,7 +11130,7 @@
           </a:xfrm>
           <a:prstGeom prst="roundRect">
             <a:avLst>
-              <a:gd fmla="val 16667" name="adj"/>
+              <a:gd name="adj" fmla="val 16667"/>
             </a:avLst>
           </a:prstGeom>
           <a:solidFill>
@@ -10444,12 +11141,12 @@
           </a:ln>
         </p:spPr>
         <p:txBody>
-          <a:bodyPr anchorCtr="0" anchor="ctr" bIns="91425" lIns="91425" spcFirstLastPara="1" rIns="91425" wrap="square" tIns="91425">
+          <a:bodyPr spcFirstLastPara="1" wrap="square" lIns="91425" tIns="91425" rIns="91425" bIns="91425" anchor="ctr" anchorCtr="0">
             <a:noAutofit/>
           </a:bodyPr>
           <a:lstStyle/>
           <a:p>
-            <a:pPr indent="0" lvl="0" marL="0" rtl="0" algn="ctr">
+            <a:pPr marL="0" lvl="0" indent="0" algn="ctr" rtl="0">
               <a:spcBef>
                 <a:spcPts val="0"/>
               </a:spcBef>
@@ -10464,15 +11161,7 @@
                   <a:schemeClr val="lt1"/>
                 </a:solidFill>
               </a:rPr>
-              <a:t>공격키</a:t>
-            </a:r>
-            <a:r>
-              <a:rPr lang="ko" sz="700">
-                <a:solidFill>
-                  <a:schemeClr val="lt1"/>
-                </a:solidFill>
-              </a:rPr>
-              <a:t> send</a:t>
+              <a:t>공격키 send</a:t>
             </a:r>
             <a:endParaRPr sz="700">
               <a:solidFill>
@@ -10495,7 +11184,7 @@
           </a:xfrm>
           <a:prstGeom prst="roundRect">
             <a:avLst>
-              <a:gd fmla="val 16667" name="adj"/>
+              <a:gd name="adj" fmla="val 16667"/>
             </a:avLst>
           </a:prstGeom>
           <a:solidFill>
@@ -10506,12 +11195,12 @@
           </a:ln>
         </p:spPr>
         <p:txBody>
-          <a:bodyPr anchorCtr="0" anchor="ctr" bIns="91425" lIns="91425" spcFirstLastPara="1" rIns="91425" wrap="square" tIns="91425">
+          <a:bodyPr spcFirstLastPara="1" wrap="square" lIns="91425" tIns="91425" rIns="91425" bIns="91425" anchor="ctr" anchorCtr="0">
             <a:noAutofit/>
           </a:bodyPr>
           <a:lstStyle/>
           <a:p>
-            <a:pPr indent="0" lvl="0" marL="0" rtl="0" algn="ctr">
+            <a:pPr marL="0" lvl="0" indent="0" algn="ctr" rtl="0">
               <a:spcBef>
                 <a:spcPts val="0"/>
               </a:spcBef>
@@ -10526,15 +11215,7 @@
                   <a:schemeClr val="lt1"/>
                 </a:solidFill>
               </a:rPr>
-              <a:t>키 입력</a:t>
-            </a:r>
-            <a:r>
-              <a:rPr lang="ko" sz="700">
-                <a:solidFill>
-                  <a:schemeClr val="lt1"/>
-                </a:solidFill>
-              </a:rPr>
-              <a:t> recv</a:t>
+              <a:t>키 입력 recv</a:t>
             </a:r>
             <a:endParaRPr sz="700">
               <a:solidFill>
@@ -10562,14 +11243,14 @@
             <a:avLst/>
           </a:prstGeom>
           <a:noFill/>
-          <a:ln cap="flat" cmpd="sng" w="9525">
+          <a:ln w="9525" cap="flat" cmpd="sng">
             <a:solidFill>
               <a:schemeClr val="dk2"/>
             </a:solidFill>
             <a:prstDash val="solid"/>
             <a:round/>
-            <a:headEnd len="med" w="med" type="none"/>
-            <a:tailEnd len="med" w="med" type="triangle"/>
+            <a:headEnd type="none" w="med" len="med"/>
+            <a:tailEnd type="triangle" w="med" len="med"/>
           </a:ln>
         </p:spPr>
       </p:cxnSp>
@@ -10586,7 +11267,7 @@
           </a:xfrm>
           <a:prstGeom prst="roundRect">
             <a:avLst>
-              <a:gd fmla="val 16667" name="adj"/>
+              <a:gd name="adj" fmla="val 16667"/>
             </a:avLst>
           </a:prstGeom>
           <a:solidFill>
@@ -10597,12 +11278,12 @@
           </a:ln>
         </p:spPr>
         <p:txBody>
-          <a:bodyPr anchorCtr="0" anchor="ctr" bIns="91425" lIns="91425" spcFirstLastPara="1" rIns="91425" wrap="square" tIns="91425">
+          <a:bodyPr spcFirstLastPara="1" wrap="square" lIns="91425" tIns="91425" rIns="91425" bIns="91425" anchor="ctr" anchorCtr="0">
             <a:noAutofit/>
           </a:bodyPr>
           <a:lstStyle/>
           <a:p>
-            <a:pPr indent="0" lvl="0" marL="0" rtl="0" algn="ctr">
+            <a:pPr marL="0" lvl="0" indent="0" algn="ctr" rtl="0">
               <a:spcBef>
                 <a:spcPts val="0"/>
               </a:spcBef>
@@ -10645,14 +11326,14 @@
             <a:avLst/>
           </a:prstGeom>
           <a:noFill/>
-          <a:ln cap="flat" cmpd="sng" w="9525">
+          <a:ln w="9525" cap="flat" cmpd="sng">
             <a:solidFill>
               <a:schemeClr val="dk2"/>
             </a:solidFill>
             <a:prstDash val="solid"/>
             <a:round/>
-            <a:headEnd len="med" w="med" type="none"/>
-            <a:tailEnd len="med" w="med" type="triangle"/>
+            <a:headEnd type="none" w="med" len="med"/>
+            <a:tailEnd type="triangle" w="med" len="med"/>
           </a:ln>
         </p:spPr>
       </p:cxnSp>
@@ -10669,7 +11350,7 @@
           </a:xfrm>
           <a:prstGeom prst="roundRect">
             <a:avLst>
-              <a:gd fmla="val 16667" name="adj"/>
+              <a:gd name="adj" fmla="val 16667"/>
             </a:avLst>
           </a:prstGeom>
           <a:solidFill>
@@ -10680,12 +11361,12 @@
           </a:ln>
         </p:spPr>
         <p:txBody>
-          <a:bodyPr anchorCtr="0" anchor="ctr" bIns="91425" lIns="91425" spcFirstLastPara="1" rIns="91425" wrap="square" tIns="91425">
+          <a:bodyPr spcFirstLastPara="1" wrap="square" lIns="91425" tIns="91425" rIns="91425" bIns="91425" anchor="ctr" anchorCtr="0">
             <a:noAutofit/>
           </a:bodyPr>
           <a:lstStyle/>
           <a:p>
-            <a:pPr indent="0" lvl="0" marL="0" rtl="0" algn="ctr">
+            <a:pPr marL="0" lvl="0" indent="0" algn="ctr" rtl="0">
               <a:spcBef>
                 <a:spcPts val="0"/>
               </a:spcBef>
@@ -10727,14 +11408,14 @@
             <a:avLst/>
           </a:prstGeom>
           <a:noFill/>
-          <a:ln cap="flat" cmpd="sng" w="9525">
+          <a:ln w="9525" cap="flat" cmpd="sng">
             <a:solidFill>
               <a:schemeClr val="dk2"/>
             </a:solidFill>
             <a:prstDash val="solid"/>
             <a:round/>
-            <a:headEnd len="med" w="med" type="none"/>
-            <a:tailEnd len="med" w="med" type="triangle"/>
+            <a:headEnd type="none" w="med" len="med"/>
+            <a:tailEnd type="triangle" w="med" len="med"/>
           </a:ln>
         </p:spPr>
       </p:cxnSp>
@@ -10751,7 +11432,7 @@
           </a:xfrm>
           <a:prstGeom prst="roundRect">
             <a:avLst>
-              <a:gd fmla="val 16667" name="adj"/>
+              <a:gd name="adj" fmla="val 16667"/>
             </a:avLst>
           </a:prstGeom>
           <a:solidFill>
@@ -10762,12 +11443,12 @@
           </a:ln>
         </p:spPr>
         <p:txBody>
-          <a:bodyPr anchorCtr="0" anchor="ctr" bIns="91425" lIns="91425" spcFirstLastPara="1" rIns="91425" wrap="square" tIns="91425">
+          <a:bodyPr spcFirstLastPara="1" wrap="square" lIns="91425" tIns="91425" rIns="91425" bIns="91425" anchor="ctr" anchorCtr="0">
             <a:noAutofit/>
           </a:bodyPr>
           <a:lstStyle/>
           <a:p>
-            <a:pPr indent="0" lvl="0" marL="0" rtl="0" algn="ctr">
+            <a:pPr marL="0" lvl="0" indent="0" algn="ctr" rtl="0">
               <a:spcBef>
                 <a:spcPts val="0"/>
               </a:spcBef>
@@ -10810,14 +11491,14 @@
             <a:avLst/>
           </a:prstGeom>
           <a:noFill/>
-          <a:ln cap="flat" cmpd="sng" w="9525">
+          <a:ln w="9525" cap="flat" cmpd="sng">
             <a:solidFill>
               <a:schemeClr val="dk2"/>
             </a:solidFill>
             <a:prstDash val="solid"/>
             <a:round/>
-            <a:headEnd len="med" w="med" type="none"/>
-            <a:tailEnd len="med" w="med" type="triangle"/>
+            <a:headEnd type="none" w="med" len="med"/>
+            <a:tailEnd type="triangle" w="med" len="med"/>
           </a:ln>
         </p:spPr>
       </p:cxnSp>
@@ -10843,12 +11524,12 @@
           </a:ln>
         </p:spPr>
         <p:txBody>
-          <a:bodyPr anchorCtr="0" anchor="ctr" bIns="91425" lIns="91425" spcFirstLastPara="1" rIns="91425" wrap="square" tIns="91425">
+          <a:bodyPr spcFirstLastPara="1" wrap="square" lIns="91425" tIns="91425" rIns="91425" bIns="91425" anchor="ctr" anchorCtr="0">
             <a:noAutofit/>
           </a:bodyPr>
           <a:lstStyle/>
           <a:p>
-            <a:pPr indent="0" lvl="0" marL="0" rtl="0" algn="ctr">
+            <a:pPr marL="0" lvl="0" indent="0" algn="ctr" rtl="0">
               <a:spcBef>
                 <a:spcPts val="0"/>
               </a:spcBef>
@@ -10891,14 +11572,14 @@
             <a:avLst/>
           </a:prstGeom>
           <a:noFill/>
-          <a:ln cap="flat" cmpd="sng" w="9525">
+          <a:ln w="9525" cap="flat" cmpd="sng">
             <a:solidFill>
               <a:schemeClr val="dk2"/>
             </a:solidFill>
             <a:prstDash val="solid"/>
             <a:round/>
-            <a:headEnd len="med" w="med" type="none"/>
-            <a:tailEnd len="med" w="med" type="triangle"/>
+            <a:headEnd type="none" w="med" len="med"/>
+            <a:tailEnd type="triangle" w="med" len="med"/>
           </a:ln>
         </p:spPr>
       </p:cxnSp>
@@ -10915,7 +11596,7 @@
           </a:xfrm>
           <a:prstGeom prst="roundRect">
             <a:avLst>
-              <a:gd fmla="val 16667" name="adj"/>
+              <a:gd name="adj" fmla="val 16667"/>
             </a:avLst>
           </a:prstGeom>
           <a:solidFill>
@@ -10926,12 +11607,12 @@
           </a:ln>
         </p:spPr>
         <p:txBody>
-          <a:bodyPr anchorCtr="0" anchor="ctr" bIns="91425" lIns="91425" spcFirstLastPara="1" rIns="91425" wrap="square" tIns="91425">
+          <a:bodyPr spcFirstLastPara="1" wrap="square" lIns="91425" tIns="91425" rIns="91425" bIns="91425" anchor="ctr" anchorCtr="0">
             <a:noAutofit/>
           </a:bodyPr>
           <a:lstStyle/>
           <a:p>
-            <a:pPr indent="0" lvl="0" marL="0" rtl="0" algn="ctr">
+            <a:pPr marL="0" lvl="0" indent="0" algn="ctr" rtl="0">
               <a:spcBef>
                 <a:spcPts val="0"/>
               </a:spcBef>
@@ -10941,14 +11622,14 @@
               <a:buNone/>
             </a:pPr>
             <a:r>
-              <a:rPr lang="ko" sz="700">
+              <a:rPr lang="ko" sz="700" dirty="0">
                 <a:solidFill>
                   <a:schemeClr val="lt1"/>
                 </a:solidFill>
               </a:rPr>
               <a:t>상태 변화 send</a:t>
             </a:r>
-            <a:endParaRPr sz="700">
+            <a:endParaRPr sz="700" dirty="0">
               <a:solidFill>
                 <a:schemeClr val="lt1"/>
               </a:solidFill>
@@ -10969,7 +11650,7 @@
           </a:xfrm>
           <a:prstGeom prst="roundRect">
             <a:avLst>
-              <a:gd fmla="val 16667" name="adj"/>
+              <a:gd name="adj" fmla="val 16667"/>
             </a:avLst>
           </a:prstGeom>
           <a:solidFill>
@@ -10980,12 +11661,12 @@
           </a:ln>
         </p:spPr>
         <p:txBody>
-          <a:bodyPr anchorCtr="0" anchor="ctr" bIns="91425" lIns="91425" spcFirstLastPara="1" rIns="91425" wrap="square" tIns="91425">
+          <a:bodyPr spcFirstLastPara="1" wrap="square" lIns="91425" tIns="91425" rIns="91425" bIns="91425" anchor="ctr" anchorCtr="0">
             <a:noAutofit/>
           </a:bodyPr>
           <a:lstStyle/>
           <a:p>
-            <a:pPr indent="0" lvl="0" marL="0" rtl="0" algn="ctr">
+            <a:pPr marL="0" lvl="0" indent="0" algn="ctr" rtl="0">
               <a:spcBef>
                 <a:spcPts val="0"/>
               </a:spcBef>
@@ -10995,22 +11676,14 @@
               <a:buNone/>
             </a:pPr>
             <a:r>
-              <a:rPr lang="ko" sz="700">
+              <a:rPr lang="ko" sz="700" dirty="0">
                 <a:solidFill>
                   <a:schemeClr val="lt1"/>
                 </a:solidFill>
               </a:rPr>
-              <a:t>상태</a:t>
+              <a:t>상태 결과 recv</a:t>
             </a:r>
-            <a:r>
-              <a:rPr lang="ko" sz="700">
-                <a:solidFill>
-                  <a:schemeClr val="lt1"/>
-                </a:solidFill>
-              </a:rPr>
-              <a:t> 결과 recv</a:t>
-            </a:r>
-            <a:endParaRPr sz="700">
+            <a:endParaRPr sz="700" dirty="0">
               <a:solidFill>
                 <a:schemeClr val="lt1"/>
               </a:solidFill>
@@ -11035,14 +11708,14 @@
             <a:avLst/>
           </a:prstGeom>
           <a:noFill/>
-          <a:ln cap="flat" cmpd="sng" w="9525">
+          <a:ln w="9525" cap="flat" cmpd="sng">
             <a:solidFill>
               <a:schemeClr val="dk2"/>
             </a:solidFill>
             <a:prstDash val="solid"/>
             <a:round/>
-            <a:headEnd len="med" w="med" type="none"/>
-            <a:tailEnd len="med" w="med" type="triangle"/>
+            <a:headEnd type="none" w="med" len="med"/>
+            <a:tailEnd type="triangle" w="med" len="med"/>
           </a:ln>
         </p:spPr>
       </p:cxnSp>
@@ -11055,7 +11728,7 @@
           <p:nvPr/>
         </p:nvCxnSpPr>
         <p:spPr>
-          <a:xfrm flipH="1" rot="10800000">
+          <a:xfrm rot="10800000" flipH="1">
             <a:off x="6598050" y="2641125"/>
             <a:ext cx="294600" cy="2700"/>
           </a:xfrm>
@@ -11063,14 +11736,14 @@
             <a:avLst/>
           </a:prstGeom>
           <a:noFill/>
-          <a:ln cap="flat" cmpd="sng" w="9525">
+          <a:ln w="9525" cap="flat" cmpd="sng">
             <a:solidFill>
               <a:schemeClr val="dk2"/>
             </a:solidFill>
             <a:prstDash val="solid"/>
             <a:round/>
-            <a:headEnd len="med" w="med" type="none"/>
-            <a:tailEnd len="med" w="med" type="triangle"/>
+            <a:headEnd type="none" w="med" len="med"/>
+            <a:tailEnd type="triangle" w="med" len="med"/>
           </a:ln>
         </p:spPr>
       </p:cxnSp>
@@ -11084,7 +11757,7 @@
           <p:nvPr/>
         </p:nvCxnSpPr>
         <p:spPr>
-          <a:xfrm flipH="1" rot="-5400000">
+          <a:xfrm rot="-5400000" flipH="1">
             <a:off x="1707962" y="2201463"/>
             <a:ext cx="96600" cy="788400"/>
           </a:xfrm>
@@ -11092,14 +11765,14 @@
             <a:avLst/>
           </a:prstGeom>
           <a:noFill/>
-          <a:ln cap="flat" cmpd="sng" w="9525">
+          <a:ln w="9525" cap="flat" cmpd="sng">
             <a:solidFill>
               <a:schemeClr val="dk2"/>
             </a:solidFill>
             <a:prstDash val="solid"/>
             <a:round/>
-            <a:headEnd len="med" w="med" type="none"/>
-            <a:tailEnd len="med" w="med" type="none"/>
+            <a:headEnd type="none" w="med" len="med"/>
+            <a:tailEnd type="none" w="med" len="med"/>
           </a:ln>
         </p:spPr>
       </p:cxnSp>
@@ -11123,12 +11796,12 @@
           </a:ln>
         </p:spPr>
         <p:txBody>
-          <a:bodyPr anchorCtr="0" anchor="t" bIns="91425" lIns="91425" spcFirstLastPara="1" rIns="91425" wrap="square" tIns="91425">
+          <a:bodyPr spcFirstLastPara="1" wrap="square" lIns="91425" tIns="91425" rIns="91425" bIns="91425" anchor="t" anchorCtr="0">
             <a:spAutoFit/>
           </a:bodyPr>
           <a:lstStyle/>
           <a:p>
-            <a:pPr indent="0" lvl="0" marL="0" rtl="0" algn="l">
+            <a:pPr marL="0" lvl="0" indent="0" algn="l" rtl="0">
               <a:spcBef>
                 <a:spcPts val="0"/>
               </a:spcBef>
@@ -11158,7 +11831,7 @@
           </a:xfrm>
           <a:prstGeom prst="roundRect">
             <a:avLst>
-              <a:gd fmla="val 16667" name="adj"/>
+              <a:gd name="adj" fmla="val 16667"/>
             </a:avLst>
           </a:prstGeom>
           <a:solidFill>
@@ -11169,12 +11842,12 @@
           </a:ln>
         </p:spPr>
         <p:txBody>
-          <a:bodyPr anchorCtr="0" anchor="ctr" bIns="91425" lIns="91425" spcFirstLastPara="1" rIns="91425" wrap="square" tIns="91425">
+          <a:bodyPr spcFirstLastPara="1" wrap="square" lIns="91425" tIns="91425" rIns="91425" bIns="91425" anchor="ctr" anchorCtr="0">
             <a:noAutofit/>
           </a:bodyPr>
           <a:lstStyle/>
           <a:p>
-            <a:pPr indent="0" lvl="0" marL="0" rtl="0" algn="ctr">
+            <a:pPr marL="0" lvl="0" indent="0" algn="ctr" rtl="0">
               <a:spcBef>
                 <a:spcPts val="0"/>
               </a:spcBef>
@@ -11189,15 +11862,7 @@
                   <a:schemeClr val="lt1"/>
                 </a:solidFill>
               </a:rPr>
-              <a:t>캐릭터</a:t>
-            </a:r>
-            <a:r>
-              <a:rPr lang="ko" sz="700">
-                <a:solidFill>
-                  <a:schemeClr val="lt1"/>
-                </a:solidFill>
-              </a:rPr>
-              <a:t> 업데이트</a:t>
+              <a:t>캐릭터 업데이트</a:t>
             </a:r>
             <a:endParaRPr sz="700">
               <a:solidFill>
@@ -11227,12 +11892,12 @@
           </a:ln>
         </p:spPr>
         <p:txBody>
-          <a:bodyPr anchorCtr="0" anchor="t" bIns="91425" lIns="91425" spcFirstLastPara="1" rIns="91425" wrap="square" tIns="91425">
+          <a:bodyPr spcFirstLastPara="1" wrap="square" lIns="91425" tIns="91425" rIns="91425" bIns="91425" anchor="t" anchorCtr="0">
             <a:spAutoFit/>
           </a:bodyPr>
           <a:lstStyle/>
           <a:p>
-            <a:pPr indent="0" lvl="0" marL="0" rtl="0" algn="l">
+            <a:pPr marL="0" lvl="0" indent="0" algn="l" rtl="0">
               <a:spcBef>
                 <a:spcPts val="0"/>
               </a:spcBef>
@@ -11262,7 +11927,7 @@
           </a:xfrm>
           <a:prstGeom prst="roundRect">
             <a:avLst>
-              <a:gd fmla="val 16667" name="adj"/>
+              <a:gd name="adj" fmla="val 16667"/>
             </a:avLst>
           </a:prstGeom>
           <a:solidFill>
@@ -11273,12 +11938,12 @@
           </a:ln>
         </p:spPr>
         <p:txBody>
-          <a:bodyPr anchorCtr="0" anchor="ctr" bIns="91425" lIns="91425" spcFirstLastPara="1" rIns="91425" wrap="square" tIns="91425">
+          <a:bodyPr spcFirstLastPara="1" wrap="square" lIns="91425" tIns="91425" rIns="91425" bIns="91425" anchor="ctr" anchorCtr="0">
             <a:noAutofit/>
           </a:bodyPr>
           <a:lstStyle/>
           <a:p>
-            <a:pPr indent="0" lvl="0" marL="0" rtl="0" algn="ctr">
+            <a:pPr marL="0" lvl="0" indent="0" algn="ctr" rtl="0">
               <a:spcBef>
                 <a:spcPts val="0"/>
               </a:spcBef>
@@ -11288,14 +11953,14 @@
               <a:buNone/>
             </a:pPr>
             <a:r>
-              <a:rPr lang="ko" sz="700">
+              <a:rPr lang="ko" sz="700" dirty="0">
                 <a:solidFill>
                   <a:schemeClr val="lt1"/>
                 </a:solidFill>
               </a:rPr>
               <a:t>상태 결과 업데이트</a:t>
             </a:r>
-            <a:endParaRPr sz="700">
+            <a:endParaRPr sz="700" dirty="0">
               <a:solidFill>
                 <a:schemeClr val="lt1"/>
               </a:solidFill>
@@ -11320,14 +11985,14 @@
             <a:avLst/>
           </a:prstGeom>
           <a:noFill/>
-          <a:ln cap="flat" cmpd="sng" w="9525">
+          <a:ln w="9525" cap="flat" cmpd="sng">
             <a:solidFill>
               <a:schemeClr val="dk2"/>
             </a:solidFill>
             <a:prstDash val="solid"/>
             <a:round/>
-            <a:headEnd len="med" w="med" type="none"/>
-            <a:tailEnd len="med" w="med" type="triangle"/>
+            <a:headEnd type="none" w="med" len="med"/>
+            <a:tailEnd type="triangle" w="med" len="med"/>
           </a:ln>
         </p:spPr>
       </p:cxnSp>
@@ -11348,14 +12013,14 @@
             <a:avLst/>
           </a:prstGeom>
           <a:noFill/>
-          <a:ln cap="flat" cmpd="sng" w="9525">
+          <a:ln w="9525" cap="flat" cmpd="sng">
             <a:solidFill>
               <a:schemeClr val="dk2"/>
             </a:solidFill>
             <a:prstDash val="solid"/>
             <a:round/>
-            <a:headEnd len="med" w="med" type="none"/>
-            <a:tailEnd len="med" w="med" type="none"/>
+            <a:headEnd type="none" w="med" len="med"/>
+            <a:tailEnd type="none" w="med" len="med"/>
           </a:ln>
         </p:spPr>
       </p:cxnSp>
@@ -11376,14 +12041,14 @@
             <a:avLst/>
           </a:prstGeom>
           <a:noFill/>
-          <a:ln cap="flat" cmpd="sng" w="9525">
+          <a:ln w="9525" cap="flat" cmpd="sng">
             <a:solidFill>
               <a:schemeClr val="dk2"/>
             </a:solidFill>
             <a:prstDash val="solid"/>
             <a:round/>
-            <a:headEnd len="med" w="med" type="none"/>
-            <a:tailEnd len="med" w="med" type="triangle"/>
+            <a:headEnd type="none" w="med" len="med"/>
+            <a:tailEnd type="triangle" w="med" len="med"/>
           </a:ln>
         </p:spPr>
       </p:cxnSp>
@@ -11404,14 +12069,14 @@
             <a:avLst/>
           </a:prstGeom>
           <a:noFill/>
-          <a:ln cap="flat" cmpd="sng" w="9525">
+          <a:ln w="9525" cap="flat" cmpd="sng">
             <a:solidFill>
               <a:schemeClr val="dk2"/>
             </a:solidFill>
             <a:prstDash val="solid"/>
             <a:round/>
-            <a:headEnd len="med" w="med" type="none"/>
-            <a:tailEnd len="med" w="med" type="triangle"/>
+            <a:headEnd type="none" w="med" len="med"/>
+            <a:tailEnd type="triangle" w="med" len="med"/>
           </a:ln>
         </p:spPr>
       </p:cxnSp>
@@ -11432,14 +12097,14 @@
             <a:avLst/>
           </a:prstGeom>
           <a:noFill/>
-          <a:ln cap="flat" cmpd="sng" w="9525">
+          <a:ln w="9525" cap="flat" cmpd="sng">
             <a:solidFill>
               <a:schemeClr val="dk2"/>
             </a:solidFill>
             <a:prstDash val="solid"/>
             <a:round/>
-            <a:headEnd len="med" w="med" type="none"/>
-            <a:tailEnd len="med" w="med" type="none"/>
+            <a:headEnd type="none" w="med" len="med"/>
+            <a:tailEnd type="none" w="med" len="med"/>
           </a:ln>
         </p:spPr>
       </p:cxnSp>
@@ -11460,14 +12125,14 @@
             <a:avLst/>
           </a:prstGeom>
           <a:noFill/>
-          <a:ln cap="flat" cmpd="sng" w="9525">
+          <a:ln w="9525" cap="flat" cmpd="sng">
             <a:solidFill>
               <a:schemeClr val="dk2"/>
             </a:solidFill>
             <a:prstDash val="solid"/>
             <a:round/>
-            <a:headEnd len="med" w="med" type="none"/>
-            <a:tailEnd len="med" w="med" type="triangle"/>
+            <a:headEnd type="none" w="med" len="med"/>
+            <a:tailEnd type="triangle" w="med" len="med"/>
           </a:ln>
         </p:spPr>
       </p:cxnSp>
@@ -11488,14 +12153,14 @@
             <a:avLst/>
           </a:prstGeom>
           <a:noFill/>
-          <a:ln cap="flat" cmpd="sng" w="9525">
+          <a:ln w="9525" cap="flat" cmpd="sng">
             <a:solidFill>
               <a:schemeClr val="dk2"/>
             </a:solidFill>
             <a:prstDash val="solid"/>
             <a:round/>
-            <a:headEnd len="med" w="med" type="none"/>
-            <a:tailEnd len="med" w="med" type="none"/>
+            <a:headEnd type="none" w="med" len="med"/>
+            <a:tailEnd type="none" w="med" len="med"/>
           </a:ln>
         </p:spPr>
       </p:cxnSp>
@@ -11516,14 +12181,14 @@
             <a:avLst/>
           </a:prstGeom>
           <a:noFill/>
-          <a:ln cap="flat" cmpd="sng" w="9525">
+          <a:ln w="9525" cap="flat" cmpd="sng">
             <a:solidFill>
               <a:schemeClr val="dk2"/>
             </a:solidFill>
             <a:prstDash val="solid"/>
             <a:round/>
-            <a:headEnd len="med" w="med" type="none"/>
-            <a:tailEnd len="med" w="med" type="triangle"/>
+            <a:headEnd type="none" w="med" len="med"/>
+            <a:tailEnd type="triangle" w="med" len="med"/>
           </a:ln>
         </p:spPr>
       </p:cxnSp>
@@ -11544,23 +12209,23 @@
           <a:solidFill>
             <a:schemeClr val="lt2"/>
           </a:solidFill>
-          <a:ln cap="flat" cmpd="sng" w="9525">
+          <a:ln w="9525" cap="flat" cmpd="sng">
             <a:solidFill>
               <a:schemeClr val="dk2"/>
             </a:solidFill>
             <a:prstDash val="solid"/>
             <a:round/>
-            <a:headEnd len="sm" w="sm" type="none"/>
-            <a:tailEnd len="sm" w="sm" type="none"/>
+            <a:headEnd type="none" w="sm" len="sm"/>
+            <a:tailEnd type="none" w="sm" len="sm"/>
           </a:ln>
         </p:spPr>
         <p:txBody>
-          <a:bodyPr anchorCtr="0" anchor="ctr" bIns="91425" lIns="91425" spcFirstLastPara="1" rIns="91425" wrap="square" tIns="91425">
+          <a:bodyPr spcFirstLastPara="1" wrap="square" lIns="91425" tIns="91425" rIns="91425" bIns="91425" anchor="ctr" anchorCtr="0">
             <a:noAutofit/>
           </a:bodyPr>
           <a:lstStyle/>
           <a:p>
-            <a:pPr indent="0" lvl="0" marL="0" rtl="0" algn="l">
+            <a:pPr marL="0" lvl="0" indent="0" algn="l" rtl="0">
               <a:spcBef>
                 <a:spcPts val="0"/>
               </a:spcBef>
@@ -11569,9 +12234,6 @@
               </a:spcAft>
               <a:buNone/>
             </a:pPr>
-            <a:r>
-              <a:t/>
-            </a:r>
             <a:endParaRPr/>
           </a:p>
         </p:txBody>
@@ -11593,23 +12255,23 @@
           <a:solidFill>
             <a:schemeClr val="lt2"/>
           </a:solidFill>
-          <a:ln cap="flat" cmpd="sng" w="9525">
+          <a:ln w="9525" cap="flat" cmpd="sng">
             <a:solidFill>
               <a:schemeClr val="dk2"/>
             </a:solidFill>
             <a:prstDash val="solid"/>
             <a:round/>
-            <a:headEnd len="sm" w="sm" type="none"/>
-            <a:tailEnd len="sm" w="sm" type="none"/>
+            <a:headEnd type="none" w="sm" len="sm"/>
+            <a:tailEnd type="none" w="sm" len="sm"/>
           </a:ln>
         </p:spPr>
         <p:txBody>
-          <a:bodyPr anchorCtr="0" anchor="ctr" bIns="91425" lIns="91425" spcFirstLastPara="1" rIns="91425" wrap="square" tIns="91425">
+          <a:bodyPr spcFirstLastPara="1" wrap="square" lIns="91425" tIns="91425" rIns="91425" bIns="91425" anchor="ctr" anchorCtr="0">
             <a:noAutofit/>
           </a:bodyPr>
           <a:lstStyle/>
           <a:p>
-            <a:pPr indent="0" lvl="0" marL="0" rtl="0" algn="l">
+            <a:pPr marL="0" lvl="0" indent="0" algn="l" rtl="0">
               <a:spcBef>
                 <a:spcPts val="0"/>
               </a:spcBef>
@@ -11618,9 +12280,6 @@
               </a:spcAft>
               <a:buNone/>
             </a:pPr>
-            <a:r>
-              <a:t/>
-            </a:r>
             <a:endParaRPr/>
           </a:p>
         </p:txBody>
@@ -11643,14 +12302,14 @@
             <a:avLst/>
           </a:prstGeom>
           <a:noFill/>
-          <a:ln cap="flat" cmpd="sng" w="9525">
+          <a:ln w="9525" cap="flat" cmpd="sng">
             <a:solidFill>
               <a:schemeClr val="dk2"/>
             </a:solidFill>
             <a:prstDash val="solid"/>
             <a:round/>
-            <a:headEnd len="med" w="med" type="none"/>
-            <a:tailEnd len="med" w="med" type="triangle"/>
+            <a:headEnd type="none" w="med" len="med"/>
+            <a:tailEnd type="triangle" w="med" len="med"/>
           </a:ln>
         </p:spPr>
       </p:cxnSp>
@@ -11667,7 +12326,7 @@
           </a:xfrm>
           <a:prstGeom prst="roundRect">
             <a:avLst>
-              <a:gd fmla="val 16667" name="adj"/>
+              <a:gd name="adj" fmla="val 16667"/>
             </a:avLst>
           </a:prstGeom>
           <a:solidFill>
@@ -11678,12 +12337,12 @@
           </a:ln>
         </p:spPr>
         <p:txBody>
-          <a:bodyPr anchorCtr="0" anchor="ctr" bIns="91425" lIns="91425" spcFirstLastPara="1" rIns="91425" wrap="square" tIns="91425">
+          <a:bodyPr spcFirstLastPara="1" wrap="square" lIns="91425" tIns="91425" rIns="91425" bIns="91425" anchor="ctr" anchorCtr="0">
             <a:noAutofit/>
           </a:bodyPr>
           <a:lstStyle/>
           <a:p>
-            <a:pPr indent="0" lvl="0" marL="0" rtl="0" algn="ctr">
+            <a:pPr marL="0" lvl="0" indent="0" algn="ctr" rtl="0">
               <a:spcBef>
                 <a:spcPts val="0"/>
               </a:spcBef>
@@ -11718,7 +12377,7 @@
           <p:nvPr/>
         </p:nvCxnSpPr>
         <p:spPr>
-          <a:xfrm flipH="1" rot="10800000">
+          <a:xfrm rot="10800000" flipH="1">
             <a:off x="543875" y="3704975"/>
             <a:ext cx="482100" cy="8700"/>
           </a:xfrm>
@@ -11726,14 +12385,14 @@
             <a:avLst/>
           </a:prstGeom>
           <a:noFill/>
-          <a:ln cap="flat" cmpd="sng" w="9525">
+          <a:ln w="9525" cap="flat" cmpd="sng">
             <a:solidFill>
               <a:schemeClr val="dk2"/>
             </a:solidFill>
             <a:prstDash val="solid"/>
             <a:round/>
-            <a:headEnd len="med" w="med" type="none"/>
-            <a:tailEnd len="med" w="med" type="triangle"/>
+            <a:headEnd type="none" w="med" len="med"/>
+            <a:tailEnd type="triangle" w="med" len="med"/>
           </a:ln>
         </p:spPr>
       </p:cxnSp>
@@ -11750,7 +12409,7 @@
           </a:xfrm>
           <a:prstGeom prst="roundRect">
             <a:avLst>
-              <a:gd fmla="val 16667" name="adj"/>
+              <a:gd name="adj" fmla="val 16667"/>
             </a:avLst>
           </a:prstGeom>
           <a:solidFill>
@@ -11761,12 +12420,12 @@
           </a:ln>
         </p:spPr>
         <p:txBody>
-          <a:bodyPr anchorCtr="0" anchor="ctr" bIns="91425" lIns="91425" spcFirstLastPara="1" rIns="91425" wrap="square" tIns="91425">
+          <a:bodyPr spcFirstLastPara="1" wrap="square" lIns="91425" tIns="91425" rIns="91425" bIns="91425" anchor="ctr" anchorCtr="0">
             <a:noAutofit/>
           </a:bodyPr>
           <a:lstStyle/>
           <a:p>
-            <a:pPr indent="0" lvl="0" marL="0" rtl="0" algn="ctr">
+            <a:pPr marL="0" lvl="0" indent="0" algn="ctr" rtl="0">
               <a:spcBef>
                 <a:spcPts val="0"/>
               </a:spcBef>
@@ -11809,14 +12468,14 @@
             <a:avLst/>
           </a:prstGeom>
           <a:noFill/>
-          <a:ln cap="flat" cmpd="sng" w="9525">
+          <a:ln w="9525" cap="flat" cmpd="sng">
             <a:solidFill>
               <a:schemeClr val="dk2"/>
             </a:solidFill>
             <a:prstDash val="solid"/>
             <a:round/>
-            <a:headEnd len="med" w="med" type="none"/>
-            <a:tailEnd len="med" w="med" type="triangle"/>
+            <a:headEnd type="none" w="med" len="med"/>
+            <a:tailEnd type="triangle" w="med" len="med"/>
           </a:ln>
         </p:spPr>
       </p:cxnSp>
@@ -11833,7 +12492,7 @@
           </a:xfrm>
           <a:prstGeom prst="roundRect">
             <a:avLst>
-              <a:gd fmla="val 16667" name="adj"/>
+              <a:gd name="adj" fmla="val 16667"/>
             </a:avLst>
           </a:prstGeom>
           <a:solidFill>
@@ -11844,12 +12503,12 @@
           </a:ln>
         </p:spPr>
         <p:txBody>
-          <a:bodyPr anchorCtr="0" anchor="ctr" bIns="91425" lIns="91425" spcFirstLastPara="1" rIns="91425" wrap="square" tIns="91425">
+          <a:bodyPr spcFirstLastPara="1" wrap="square" lIns="91425" tIns="91425" rIns="91425" bIns="91425" anchor="ctr" anchorCtr="0">
             <a:noAutofit/>
           </a:bodyPr>
           <a:lstStyle/>
           <a:p>
-            <a:pPr indent="0" lvl="0" marL="0" rtl="0" algn="ctr">
+            <a:pPr marL="0" lvl="0" indent="0" algn="ctr" rtl="0">
               <a:spcBef>
                 <a:spcPts val="0"/>
               </a:spcBef>
@@ -11864,15 +12523,7 @@
                   <a:schemeClr val="lt1"/>
                 </a:solidFill>
               </a:rPr>
-              <a:t>타이머</a:t>
-            </a:r>
-            <a:r>
-              <a:rPr lang="ko" sz="700">
-                <a:solidFill>
-                  <a:schemeClr val="lt1"/>
-                </a:solidFill>
-              </a:rPr>
-              <a:t> recv</a:t>
+              <a:t>타이머 recv</a:t>
             </a:r>
             <a:endParaRPr sz="700">
               <a:solidFill>
@@ -11899,14 +12550,14 @@
             <a:avLst/>
           </a:prstGeom>
           <a:noFill/>
-          <a:ln cap="flat" cmpd="sng" w="9525">
+          <a:ln w="9525" cap="flat" cmpd="sng">
             <a:solidFill>
               <a:schemeClr val="dk2"/>
             </a:solidFill>
             <a:prstDash val="solid"/>
             <a:round/>
-            <a:headEnd len="med" w="med" type="none"/>
-            <a:tailEnd len="med" w="med" type="triangle"/>
+            <a:headEnd type="none" w="med" len="med"/>
+            <a:tailEnd type="triangle" w="med" len="med"/>
           </a:ln>
         </p:spPr>
       </p:cxnSp>
@@ -11919,7 +12570,7 @@
           <p:nvPr/>
         </p:nvCxnSpPr>
         <p:spPr>
-          <a:xfrm flipH="1" rot="10800000">
+          <a:xfrm rot="10800000" flipH="1">
             <a:off x="6598375" y="3693313"/>
             <a:ext cx="294600" cy="2700"/>
           </a:xfrm>
@@ -11927,14 +12578,14 @@
             <a:avLst/>
           </a:prstGeom>
           <a:noFill/>
-          <a:ln cap="flat" cmpd="sng" w="9525">
+          <a:ln w="9525" cap="flat" cmpd="sng">
             <a:solidFill>
               <a:schemeClr val="dk2"/>
             </a:solidFill>
             <a:prstDash val="solid"/>
             <a:round/>
-            <a:headEnd len="med" w="med" type="none"/>
-            <a:tailEnd len="med" w="med" type="triangle"/>
+            <a:headEnd type="none" w="med" len="med"/>
+            <a:tailEnd type="triangle" w="med" len="med"/>
           </a:ln>
         </p:spPr>
       </p:cxnSp>
@@ -11951,7 +12602,7 @@
           </a:xfrm>
           <a:prstGeom prst="roundRect">
             <a:avLst>
-              <a:gd fmla="val 16667" name="adj"/>
+              <a:gd name="adj" fmla="val 16667"/>
             </a:avLst>
           </a:prstGeom>
           <a:solidFill>
@@ -11962,12 +12613,66 @@
           </a:ln>
         </p:spPr>
         <p:txBody>
-          <a:bodyPr anchorCtr="0" anchor="ctr" bIns="91425" lIns="91425" spcFirstLastPara="1" rIns="91425" wrap="square" tIns="91425">
+          <a:bodyPr spcFirstLastPara="1" wrap="square" lIns="91425" tIns="91425" rIns="91425" bIns="91425" anchor="ctr" anchorCtr="0">
             <a:noAutofit/>
           </a:bodyPr>
           <a:lstStyle/>
           <a:p>
-            <a:pPr indent="0" lvl="0" marL="0" rtl="0" algn="ctr">
+            <a:pPr marL="0" lvl="0" indent="0" algn="ctr" rtl="0">
+              <a:spcBef>
+                <a:spcPts val="0"/>
+              </a:spcBef>
+              <a:spcAft>
+                <a:spcPts val="0"/>
+              </a:spcAft>
+              <a:buNone/>
+            </a:pPr>
+            <a:r>
+              <a:rPr lang="ko" sz="700" dirty="0">
+                <a:solidFill>
+                  <a:schemeClr val="lt1"/>
+                </a:solidFill>
+              </a:rPr>
+              <a:t>타이머 업데이트</a:t>
+            </a:r>
+            <a:endParaRPr sz="700" dirty="0">
+              <a:solidFill>
+                <a:schemeClr val="lt1"/>
+              </a:solidFill>
+            </a:endParaRPr>
+          </a:p>
+        </p:txBody>
+      </p:sp>
+      <p:sp>
+        <p:nvSpPr>
+          <p:cNvPr id="213" name="Google Shape;213;p15"/>
+          <p:cNvSpPr/>
+          <p:nvPr/>
+        </p:nvSpPr>
+        <p:spPr>
+          <a:xfrm>
+            <a:off x="2150238" y="4444125"/>
+            <a:ext cx="672000" cy="246900"/>
+          </a:xfrm>
+          <a:prstGeom prst="roundRect">
+            <a:avLst>
+              <a:gd name="adj" fmla="val 16667"/>
+            </a:avLst>
+          </a:prstGeom>
+          <a:solidFill>
+            <a:srgbClr val="6D9EEB"/>
+          </a:solidFill>
+          <a:ln>
+            <a:noFill/>
+          </a:ln>
+        </p:spPr>
+        <p:txBody>
+          <a:bodyPr spcFirstLastPara="1" wrap="square" lIns="91425" tIns="91425" rIns="91425" bIns="91425" anchor="ctr" anchorCtr="0">
+            <a:noAutofit/>
+          </a:bodyPr>
+          <a:lstStyle/>
+          <a:p>
+            <a:pPr marL="0" lvl="0" indent="0" algn="ctr" rtl="0">
               <a:spcBef>
                 <a:spcPts val="0"/>
               </a:spcBef>
@@ -11982,15 +12687,7 @@
                   <a:schemeClr val="lt1"/>
                 </a:solidFill>
               </a:rPr>
-              <a:t>타이머</a:t>
-            </a:r>
-            <a:r>
-              <a:rPr lang="ko" sz="700">
-                <a:solidFill>
-                  <a:schemeClr val="lt1"/>
-                </a:solidFill>
-              </a:rPr>
-              <a:t> 업데이트</a:t>
+              <a:t>게임 결과 send</a:t>
             </a:r>
             <a:endParaRPr sz="700">
               <a:solidFill>
@@ -12002,18 +12699,18 @@
       </p:sp>
       <p:sp>
         <p:nvSpPr>
-          <p:cNvPr id="213" name="Google Shape;213;p15"/>
+          <p:cNvPr id="214" name="Google Shape;214;p15"/>
           <p:cNvSpPr/>
           <p:nvPr/>
         </p:nvSpPr>
         <p:spPr>
           <a:xfrm>
-            <a:off x="2150238" y="4444125"/>
+            <a:off x="1026038" y="4444125"/>
             <a:ext cx="672000" cy="246900"/>
           </a:xfrm>
           <a:prstGeom prst="roundRect">
             <a:avLst>
-              <a:gd fmla="val 16667" name="adj"/>
+              <a:gd name="adj" fmla="val 16667"/>
             </a:avLst>
           </a:prstGeom>
           <a:solidFill>
@@ -12024,74 +12721,12 @@
           </a:ln>
         </p:spPr>
         <p:txBody>
-          <a:bodyPr anchorCtr="0" anchor="ctr" bIns="91425" lIns="91425" spcFirstLastPara="1" rIns="91425" wrap="square" tIns="91425">
+          <a:bodyPr spcFirstLastPara="1" wrap="square" lIns="91425" tIns="91425" rIns="91425" bIns="91425" anchor="ctr" anchorCtr="0">
             <a:noAutofit/>
           </a:bodyPr>
           <a:lstStyle/>
           <a:p>
-            <a:pPr indent="0" lvl="0" marL="0" rtl="0" algn="ctr">
-              <a:spcBef>
-                <a:spcPts val="0"/>
-              </a:spcBef>
-              <a:spcAft>
-                <a:spcPts val="0"/>
-              </a:spcAft>
-              <a:buNone/>
-            </a:pPr>
-            <a:r>
-              <a:rPr lang="ko" sz="700">
-                <a:solidFill>
-                  <a:schemeClr val="lt1"/>
-                </a:solidFill>
-              </a:rPr>
-              <a:t>게임 결과</a:t>
-            </a:r>
-            <a:r>
-              <a:rPr lang="ko" sz="700">
-                <a:solidFill>
-                  <a:schemeClr val="lt1"/>
-                </a:solidFill>
-              </a:rPr>
-              <a:t> send</a:t>
-            </a:r>
-            <a:endParaRPr sz="700">
-              <a:solidFill>
-                <a:schemeClr val="lt1"/>
-              </a:solidFill>
-            </a:endParaRPr>
-          </a:p>
-        </p:txBody>
-      </p:sp>
-      <p:sp>
-        <p:nvSpPr>
-          <p:cNvPr id="214" name="Google Shape;214;p15"/>
-          <p:cNvSpPr/>
-          <p:nvPr/>
-        </p:nvSpPr>
-        <p:spPr>
-          <a:xfrm>
-            <a:off x="1026038" y="4444125"/>
-            <a:ext cx="672000" cy="246900"/>
-          </a:xfrm>
-          <a:prstGeom prst="roundRect">
-            <a:avLst>
-              <a:gd fmla="val 16667" name="adj"/>
-            </a:avLst>
-          </a:prstGeom>
-          <a:solidFill>
-            <a:srgbClr val="6D9EEB"/>
-          </a:solidFill>
-          <a:ln>
-            <a:noFill/>
-          </a:ln>
-        </p:spPr>
-        <p:txBody>
-          <a:bodyPr anchorCtr="0" anchor="ctr" bIns="91425" lIns="91425" spcFirstLastPara="1" rIns="91425" wrap="square" tIns="91425">
-            <a:noAutofit/>
-          </a:bodyPr>
-          <a:lstStyle/>
-          <a:p>
-            <a:pPr indent="0" lvl="0" marL="0" rtl="0" algn="ctr">
+            <a:pPr marL="0" lvl="0" indent="0" algn="ctr" rtl="0">
               <a:spcBef>
                 <a:spcPts val="0"/>
               </a:spcBef>
@@ -12134,14 +12769,14 @@
             <a:avLst/>
           </a:prstGeom>
           <a:noFill/>
-          <a:ln cap="flat" cmpd="sng" w="9525">
+          <a:ln w="9525" cap="flat" cmpd="sng">
             <a:solidFill>
               <a:schemeClr val="dk2"/>
             </a:solidFill>
             <a:prstDash val="solid"/>
             <a:round/>
-            <a:headEnd len="med" w="med" type="none"/>
-            <a:tailEnd len="med" w="med" type="triangle"/>
+            <a:headEnd type="none" w="med" len="med"/>
+            <a:tailEnd type="triangle" w="med" len="med"/>
           </a:ln>
         </p:spPr>
       </p:cxnSp>
@@ -12153,8 +12788,8 @@
         </p:nvSpPr>
         <p:spPr>
           <a:xfrm>
-            <a:off x="888328" y="3958525"/>
-            <a:ext cx="947500" cy="301200"/>
+            <a:off x="750574" y="3958525"/>
+            <a:ext cx="1223008" cy="301200"/>
           </a:xfrm>
           <a:prstGeom prst="flowChartDecision">
             <a:avLst/>
@@ -12167,12 +12802,12 @@
           </a:ln>
         </p:spPr>
         <p:txBody>
-          <a:bodyPr anchorCtr="0" anchor="ctr" bIns="91425" lIns="91425" spcFirstLastPara="1" rIns="91425" wrap="square" tIns="91425">
+          <a:bodyPr spcFirstLastPara="1" wrap="square" lIns="91425" tIns="91425" rIns="91425" bIns="91425" anchor="ctr" anchorCtr="0">
             <a:noAutofit/>
           </a:bodyPr>
           <a:lstStyle/>
           <a:p>
-            <a:pPr indent="0" lvl="0" marL="0" rtl="0" algn="ctr">
+            <a:pPr marL="0" lvl="0" indent="0" algn="ctr" rtl="0">
               <a:spcBef>
                 <a:spcPts val="0"/>
               </a:spcBef>
@@ -12182,14 +12817,30 @@
               <a:buNone/>
             </a:pPr>
             <a:r>
-              <a:rPr lang="ko" sz="700">
+              <a:rPr lang="ko-KR" altLang="en-US" sz="500" dirty="0">
                 <a:solidFill>
                   <a:schemeClr val="dk1"/>
                 </a:solidFill>
               </a:rPr>
-              <a:t>타이머 체크</a:t>
+              <a:t>진행시간 </a:t>
             </a:r>
-            <a:endParaRPr sz="700">
+            <a:r>
+              <a:rPr lang="en-US" altLang="ko-KR" sz="500" dirty="0">
+                <a:solidFill>
+                  <a:schemeClr val="dk1"/>
+                </a:solidFill>
+              </a:rPr>
+              <a:t>&gt;= </a:t>
+            </a:r>
+            <a:r>
+              <a:rPr lang="ko-KR" altLang="en-US" sz="500" dirty="0">
+                <a:solidFill>
+                  <a:schemeClr val="dk1"/>
+                </a:solidFill>
+              </a:rPr>
+              <a:t> 지정시간</a:t>
+            </a:r>
+            <a:endParaRPr sz="500" dirty="0">
               <a:solidFill>
                 <a:schemeClr val="dk1"/>
               </a:solidFill>
@@ -12201,6 +12852,7 @@
         <p:nvCxnSpPr>
           <p:cNvPr id="217" name="Google Shape;217;p15"/>
           <p:cNvCxnSpPr>
+            <a:cxnSpLocks/>
             <a:stCxn id="205" idx="2"/>
             <a:endCxn id="216" idx="0"/>
           </p:cNvCxnSpPr>
@@ -12209,20 +12861,20 @@
         <p:spPr>
           <a:xfrm>
             <a:off x="1362063" y="3828425"/>
-            <a:ext cx="0" cy="130200"/>
+            <a:ext cx="15" cy="130100"/>
           </a:xfrm>
           <a:prstGeom prst="straightConnector1">
             <a:avLst/>
           </a:prstGeom>
           <a:noFill/>
-          <a:ln cap="flat" cmpd="sng" w="9525">
+          <a:ln w="9525" cap="flat" cmpd="sng">
             <a:solidFill>
               <a:schemeClr val="dk2"/>
             </a:solidFill>
             <a:prstDash val="solid"/>
             <a:round/>
-            <a:headEnd len="med" w="med" type="none"/>
-            <a:tailEnd len="med" w="med" type="triangle"/>
+            <a:headEnd type="none" w="med" len="med"/>
+            <a:tailEnd type="triangle" w="med" len="med"/>
           </a:ln>
         </p:spPr>
       </p:cxnSp>
@@ -12230,28 +12882,29 @@
         <p:nvCxnSpPr>
           <p:cNvPr id="218" name="Google Shape;218;p15"/>
           <p:cNvCxnSpPr>
+            <a:cxnSpLocks/>
             <a:stCxn id="216" idx="2"/>
             <a:endCxn id="214" idx="0"/>
           </p:cNvCxnSpPr>
           <p:nvPr/>
         </p:nvCxnSpPr>
         <p:spPr>
-          <a:xfrm>
-            <a:off x="1362078" y="4259725"/>
-            <a:ext cx="0" cy="184500"/>
+          <a:xfrm flipH="1">
+            <a:off x="1362038" y="4259725"/>
+            <a:ext cx="40" cy="184400"/>
           </a:xfrm>
           <a:prstGeom prst="straightConnector1">
             <a:avLst/>
           </a:prstGeom>
           <a:noFill/>
-          <a:ln cap="flat" cmpd="sng" w="9525">
+          <a:ln w="9525" cap="flat" cmpd="sng">
             <a:solidFill>
               <a:schemeClr val="dk2"/>
             </a:solidFill>
             <a:prstDash val="solid"/>
             <a:round/>
-            <a:headEnd len="med" w="med" type="none"/>
-            <a:tailEnd len="med" w="med" type="triangle"/>
+            <a:headEnd type="none" w="med" len="med"/>
+            <a:tailEnd type="triangle" w="med" len="med"/>
           </a:ln>
         </p:spPr>
       </p:cxnSp>
@@ -12275,12 +12928,12 @@
           </a:ln>
         </p:spPr>
         <p:txBody>
-          <a:bodyPr anchorCtr="0" anchor="t" bIns="91425" lIns="91425" spcFirstLastPara="1" rIns="91425" wrap="square" tIns="91425">
+          <a:bodyPr spcFirstLastPara="1" wrap="square" lIns="91425" tIns="91425" rIns="91425" bIns="91425" anchor="t" anchorCtr="0">
             <a:spAutoFit/>
           </a:bodyPr>
           <a:lstStyle/>
           <a:p>
-            <a:pPr indent="0" lvl="0" marL="0" rtl="0" algn="l">
+            <a:pPr marL="0" lvl="0" indent="0" algn="l" rtl="0">
               <a:spcBef>
                 <a:spcPts val="0"/>
               </a:spcBef>
@@ -12301,27 +12954,28 @@
         <p:nvCxnSpPr>
           <p:cNvPr id="220" name="Google Shape;220;p15"/>
           <p:cNvCxnSpPr>
+            <a:cxnSpLocks/>
             <a:stCxn id="216" idx="1"/>
           </p:cNvCxnSpPr>
           <p:nvPr/>
         </p:nvCxnSpPr>
         <p:spPr>
-          <a:xfrm rot="10800000">
+          <a:xfrm flipH="1">
             <a:off x="722428" y="4109125"/>
-            <a:ext cx="165900" cy="0"/>
+            <a:ext cx="28146" cy="0"/>
           </a:xfrm>
           <a:prstGeom prst="straightConnector1">
             <a:avLst/>
           </a:prstGeom>
           <a:noFill/>
-          <a:ln cap="flat" cmpd="sng" w="9525">
+          <a:ln w="9525" cap="flat" cmpd="sng">
             <a:solidFill>
               <a:schemeClr val="dk2"/>
             </a:solidFill>
             <a:prstDash val="solid"/>
             <a:round/>
-            <a:headEnd len="med" w="med" type="none"/>
-            <a:tailEnd len="med" w="med" type="none"/>
+            <a:headEnd type="none" w="med" len="med"/>
+            <a:tailEnd type="none" w="med" len="med"/>
           </a:ln>
         </p:spPr>
       </p:cxnSp>
@@ -12340,14 +12994,14 @@
             <a:avLst/>
           </a:prstGeom>
           <a:noFill/>
-          <a:ln cap="flat" cmpd="sng" w="9525">
+          <a:ln w="9525" cap="flat" cmpd="sng">
             <a:solidFill>
               <a:schemeClr val="dk2"/>
             </a:solidFill>
             <a:prstDash val="solid"/>
             <a:round/>
-            <a:headEnd len="med" w="med" type="none"/>
-            <a:tailEnd len="med" w="med" type="triangle"/>
+            <a:headEnd type="none" w="med" len="med"/>
+            <a:tailEnd type="triangle" w="med" len="med"/>
           </a:ln>
         </p:spPr>
       </p:cxnSp>
@@ -12371,12 +13025,12 @@
           </a:ln>
         </p:spPr>
         <p:txBody>
-          <a:bodyPr anchorCtr="0" anchor="t" bIns="91425" lIns="91425" spcFirstLastPara="1" rIns="91425" wrap="square" tIns="91425">
+          <a:bodyPr spcFirstLastPara="1" wrap="square" lIns="91425" tIns="91425" rIns="91425" bIns="91425" anchor="t" anchorCtr="0">
             <a:spAutoFit/>
           </a:bodyPr>
           <a:lstStyle/>
           <a:p>
-            <a:pPr indent="0" lvl="0" marL="0" rtl="0" algn="l">
+            <a:pPr marL="0" lvl="0" indent="0" algn="l" rtl="0">
               <a:spcBef>
                 <a:spcPts val="0"/>
               </a:spcBef>
@@ -12406,7 +13060,7 @@
           </a:xfrm>
           <a:prstGeom prst="roundRect">
             <a:avLst>
-              <a:gd fmla="val 16667" name="adj"/>
+              <a:gd name="adj" fmla="val 16667"/>
             </a:avLst>
           </a:prstGeom>
           <a:solidFill>
@@ -12417,12 +13071,12 @@
           </a:ln>
         </p:spPr>
         <p:txBody>
-          <a:bodyPr anchorCtr="0" anchor="ctr" bIns="91425" lIns="91425" spcFirstLastPara="1" rIns="91425" wrap="square" tIns="91425">
+          <a:bodyPr spcFirstLastPara="1" wrap="square" lIns="91425" tIns="91425" rIns="91425" bIns="91425" anchor="ctr" anchorCtr="0">
             <a:noAutofit/>
           </a:bodyPr>
           <a:lstStyle/>
           <a:p>
-            <a:pPr indent="0" lvl="0" marL="0" rtl="0" algn="ctr">
+            <a:pPr marL="0" lvl="0" indent="0" algn="ctr" rtl="0">
               <a:spcBef>
                 <a:spcPts val="0"/>
               </a:spcBef>
@@ -12437,15 +13091,7 @@
                   <a:schemeClr val="lt1"/>
                 </a:solidFill>
               </a:rPr>
-              <a:t>결과</a:t>
-            </a:r>
-            <a:r>
-              <a:rPr lang="ko" sz="700">
-                <a:solidFill>
-                  <a:schemeClr val="lt1"/>
-                </a:solidFill>
-              </a:rPr>
-              <a:t> recv</a:t>
+              <a:t>결과 recv</a:t>
             </a:r>
             <a:endParaRPr sz="700">
               <a:solidFill>
@@ -12472,14 +13118,14 @@
             <a:avLst/>
           </a:prstGeom>
           <a:noFill/>
-          <a:ln cap="flat" cmpd="sng" w="9525">
+          <a:ln w="9525" cap="flat" cmpd="sng">
             <a:solidFill>
               <a:schemeClr val="dk2"/>
             </a:solidFill>
             <a:prstDash val="solid"/>
             <a:round/>
-            <a:headEnd len="med" w="med" type="none"/>
-            <a:tailEnd len="med" w="med" type="triangle"/>
+            <a:headEnd type="none" w="med" len="med"/>
+            <a:tailEnd type="triangle" w="med" len="med"/>
           </a:ln>
         </p:spPr>
       </p:cxnSp>
@@ -12492,7 +13138,7 @@
           <p:nvPr/>
         </p:nvCxnSpPr>
         <p:spPr>
-          <a:xfrm flipH="1" rot="10800000">
+          <a:xfrm rot="10800000" flipH="1">
             <a:off x="6598050" y="4543563"/>
             <a:ext cx="294600" cy="2700"/>
           </a:xfrm>
@@ -12500,14 +13146,14 @@
             <a:avLst/>
           </a:prstGeom>
           <a:noFill/>
-          <a:ln cap="flat" cmpd="sng" w="9525">
+          <a:ln w="9525" cap="flat" cmpd="sng">
             <a:solidFill>
               <a:schemeClr val="dk2"/>
             </a:solidFill>
             <a:prstDash val="solid"/>
             <a:round/>
-            <a:headEnd len="med" w="med" type="none"/>
-            <a:tailEnd len="med" w="med" type="triangle"/>
+            <a:headEnd type="none" w="med" len="med"/>
+            <a:tailEnd type="triangle" w="med" len="med"/>
           </a:ln>
         </p:spPr>
       </p:cxnSp>
@@ -12524,7 +13170,7 @@
           </a:xfrm>
           <a:prstGeom prst="roundRect">
             <a:avLst>
-              <a:gd fmla="val 16667" name="adj"/>
+              <a:gd name="adj" fmla="val 16667"/>
             </a:avLst>
           </a:prstGeom>
           <a:solidFill>
@@ -12535,12 +13181,12 @@
           </a:ln>
         </p:spPr>
         <p:txBody>
-          <a:bodyPr anchorCtr="0" anchor="ctr" bIns="91425" lIns="91425" spcFirstLastPara="1" rIns="91425" wrap="square" tIns="91425">
+          <a:bodyPr spcFirstLastPara="1" wrap="square" lIns="91425" tIns="91425" rIns="91425" bIns="91425" anchor="ctr" anchorCtr="0">
             <a:noAutofit/>
           </a:bodyPr>
           <a:lstStyle/>
           <a:p>
-            <a:pPr indent="0" lvl="0" marL="0" rtl="0" algn="ctr">
+            <a:pPr marL="0" lvl="0" indent="0" algn="ctr" rtl="0">
               <a:spcBef>
                 <a:spcPts val="0"/>
               </a:spcBef>
@@ -12565,6 +13211,185 @@
           </a:p>
         </p:txBody>
       </p:sp>
+      <p:sp>
+        <p:nvSpPr>
+          <p:cNvPr id="9" name="Google Shape;160;p15">
+            <a:extLst>
+              <a:ext uri="{FF2B5EF4-FFF2-40B4-BE49-F238E27FC236}">
+                <a16:creationId xmlns:a16="http://schemas.microsoft.com/office/drawing/2014/main" id="{5DC37872-D104-8C9B-8D95-C442C41D3C53}"/>
+              </a:ext>
+            </a:extLst>
+          </p:cNvPr>
+          <p:cNvSpPr/>
+          <p:nvPr/>
+        </p:nvSpPr>
+        <p:spPr>
+          <a:xfrm>
+            <a:off x="6892650" y="2938437"/>
+            <a:ext cx="672000" cy="246900"/>
+          </a:xfrm>
+          <a:prstGeom prst="roundRect">
+            <a:avLst>
+              <a:gd name="adj" fmla="val 16667"/>
+            </a:avLst>
+          </a:prstGeom>
+          <a:solidFill>
+            <a:srgbClr val="6D9EEB"/>
+          </a:solidFill>
+          <a:ln>
+            <a:noFill/>
+          </a:ln>
+        </p:spPr>
+        <p:txBody>
+          <a:bodyPr spcFirstLastPara="1" wrap="square" lIns="91425" tIns="91425" rIns="91425" bIns="91425" anchor="ctr" anchorCtr="0">
+            <a:noAutofit/>
+          </a:bodyPr>
+          <a:lstStyle/>
+          <a:p>
+            <a:pPr marL="0" lvl="0" indent="0" algn="ctr" rtl="0">
+              <a:spcBef>
+                <a:spcPts val="0"/>
+              </a:spcBef>
+              <a:spcAft>
+                <a:spcPts val="0"/>
+              </a:spcAft>
+              <a:buNone/>
+            </a:pPr>
+            <a:r>
+              <a:rPr lang="en-US" altLang="ko" sz="700" dirty="0">
+                <a:solidFill>
+                  <a:schemeClr val="lt1"/>
+                </a:solidFill>
+              </a:rPr>
+              <a:t>Render</a:t>
+            </a:r>
+          </a:p>
+          <a:p>
+            <a:pPr marL="0" lvl="0" indent="0" algn="ctr" rtl="0">
+              <a:spcBef>
+                <a:spcPts val="0"/>
+              </a:spcBef>
+              <a:spcAft>
+                <a:spcPts val="0"/>
+              </a:spcAft>
+              <a:buNone/>
+            </a:pPr>
+            <a:r>
+              <a:rPr lang="en-US" sz="700" dirty="0">
+                <a:solidFill>
+                  <a:schemeClr val="lt1"/>
+                </a:solidFill>
+              </a:rPr>
+              <a:t>(draw)</a:t>
+            </a:r>
+            <a:endParaRPr sz="700" dirty="0">
+              <a:solidFill>
+                <a:schemeClr val="lt1"/>
+              </a:solidFill>
+            </a:endParaRPr>
+          </a:p>
+        </p:txBody>
+      </p:sp>
+      <p:cxnSp>
+        <p:nvCxnSpPr>
+          <p:cNvPr id="10" name="Google Shape;182;p15">
+            <a:extLst>
+              <a:ext uri="{FF2B5EF4-FFF2-40B4-BE49-F238E27FC236}">
+                <a16:creationId xmlns:a16="http://schemas.microsoft.com/office/drawing/2014/main" id="{4CE71F1D-10A7-311E-BC2F-1BAACD797171}"/>
+              </a:ext>
+            </a:extLst>
+          </p:cNvPr>
+          <p:cNvCxnSpPr/>
+          <p:nvPr/>
+        </p:nvCxnSpPr>
+        <p:spPr>
+          <a:xfrm rot="10800000">
+            <a:off x="2974650" y="2430075"/>
+            <a:ext cx="299700" cy="0"/>
+          </a:xfrm>
+          <a:prstGeom prst="straightConnector1">
+            <a:avLst/>
+          </a:prstGeom>
+          <a:noFill/>
+          <a:ln w="9525" cap="flat" cmpd="sng">
+            <a:solidFill>
+              <a:schemeClr val="dk2"/>
+            </a:solidFill>
+            <a:prstDash val="solid"/>
+            <a:round/>
+            <a:headEnd type="none" w="med" len="med"/>
+            <a:tailEnd type="triangle" w="med" len="med"/>
+          </a:ln>
+        </p:spPr>
+      </p:cxnSp>
+      <p:sp>
+        <p:nvSpPr>
+          <p:cNvPr id="11" name="TextBox 10">
+            <a:extLst>
+              <a:ext uri="{FF2B5EF4-FFF2-40B4-BE49-F238E27FC236}">
+                <a16:creationId xmlns:a16="http://schemas.microsoft.com/office/drawing/2014/main" id="{9331BE2C-A2DA-4EE0-F716-23361E4318C8}"/>
+              </a:ext>
+            </a:extLst>
+          </p:cNvPr>
+          <p:cNvSpPr txBox="1"/>
+          <p:nvPr/>
+        </p:nvSpPr>
+        <p:spPr>
+          <a:xfrm>
+            <a:off x="852292" y="3403344"/>
+            <a:ext cx="1600118" cy="184666"/>
+          </a:xfrm>
+          <a:prstGeom prst="rect">
+            <a:avLst/>
+          </a:prstGeom>
+          <a:noFill/>
+        </p:spPr>
+        <p:txBody>
+          <a:bodyPr wrap="none" rtlCol="0">
+            <a:spAutoFit/>
+          </a:bodyPr>
+          <a:lstStyle/>
+          <a:p>
+            <a:r>
+              <a:rPr lang="en-US" altLang="ko-KR" sz="600" dirty="0"/>
+              <a:t>Timer Update </a:t>
+            </a:r>
+            <a:r>
+              <a:rPr lang="ko-KR" altLang="en-US" sz="600" dirty="0"/>
+              <a:t>주기 </a:t>
+            </a:r>
+            <a:r>
+              <a:rPr lang="en-US" altLang="ko-KR" sz="600" dirty="0"/>
+              <a:t>: 5fps </a:t>
+            </a:r>
+            <a:r>
+              <a:rPr lang="ko-KR" altLang="en-US" sz="600" dirty="0"/>
+              <a:t>정도</a:t>
+            </a:r>
+            <a:r>
+              <a:rPr lang="en-US" altLang="ko-KR" sz="600" dirty="0"/>
+              <a:t>(1</a:t>
+            </a:r>
+            <a:r>
+              <a:rPr lang="ko-KR" altLang="en-US" sz="600" dirty="0"/>
+              <a:t>초당 </a:t>
+            </a:r>
+            <a:r>
+              <a:rPr lang="en-US" altLang="ko-KR" sz="600" dirty="0"/>
+              <a:t>5</a:t>
+            </a:r>
+            <a:r>
+              <a:rPr lang="ko-KR" altLang="en-US" sz="600" dirty="0"/>
+              <a:t>번</a:t>
+            </a:r>
+            <a:r>
+              <a:rPr lang="en-US" altLang="ko-KR" sz="600" dirty="0"/>
+              <a:t>)</a:t>
+            </a:r>
+            <a:endParaRPr lang="ko-KR" altLang="en-US" sz="600" dirty="0"/>
+          </a:p>
+        </p:txBody>
+      </p:sp>
     </p:spTree>
   </p:cSld>
   <p:clrMapOvr>
@@ -12574,11 +13399,11 @@
 </file>
 
 <file path=ppt/slides/slide4.xml><?xml version="1.0" encoding="utf-8"?>
-<p:sld xmlns:a="http://schemas.openxmlformats.org/drawingml/2006/main" xmlns:r="http://schemas.openxmlformats.org/officeDocument/2006/relationships" xmlns:mc="http://schemas.openxmlformats.org/markup-compatibility/2006" xmlns:mv="urn:schemas-microsoft-com:mac:vml" xmlns:p="http://schemas.openxmlformats.org/presentationml/2006/main" xmlns:c="http://schemas.openxmlformats.org/drawingml/2006/chart" xmlns:dgm="http://schemas.openxmlformats.org/drawingml/2006/diagram" xmlns:o="urn:schemas-microsoft-com:office:office" xmlns:v="urn:schemas-microsoft-com:vml" xmlns:pvml="urn:schemas-microsoft-com:office:powerpoint" xmlns:com="http://schemas.openxmlformats.org/drawingml/2006/compatibility" xmlns:p14="http://schemas.microsoft.com/office/powerpoint/2010/main" xmlns:p15="http://schemas.microsoft.com/office/powerpoint/2012/main" xmlns:ahyp="http://schemas.microsoft.com/office/drawing/2018/hyperlinkcolor">
+<p:sld xmlns:a="http://schemas.openxmlformats.org/drawingml/2006/main" xmlns:r="http://schemas.openxmlformats.org/officeDocument/2006/relationships" xmlns:p="http://schemas.openxmlformats.org/presentationml/2006/main">
   <p:cSld>
     <p:spTree>
       <p:nvGrpSpPr>
-        <p:cNvPr id="230" name="Shape 230"/>
+        <p:cNvPr id="1" name="Shape 230"/>
         <p:cNvGrpSpPr/>
         <p:nvPr/>
       </p:nvGrpSpPr>
@@ -12610,12 +13435,12 @@
           </a:ln>
         </p:spPr>
         <p:txBody>
-          <a:bodyPr anchorCtr="0" anchor="ctr" bIns="91425" lIns="91425" spcFirstLastPara="1" rIns="91425" wrap="square" tIns="91425">
+          <a:bodyPr spcFirstLastPara="1" wrap="square" lIns="91425" tIns="91425" rIns="91425" bIns="91425" anchor="ctr" anchorCtr="0">
             <a:noAutofit/>
           </a:bodyPr>
           <a:lstStyle/>
           <a:p>
-            <a:pPr indent="0" lvl="0" marL="0" rtl="0" algn="ctr">
+            <a:pPr marL="0" lvl="0" indent="0" algn="ctr" rtl="0">
               <a:spcBef>
                 <a:spcPts val="0"/>
               </a:spcBef>
@@ -12654,12 +13479,12 @@
           </a:ln>
         </p:spPr>
         <p:txBody>
-          <a:bodyPr anchorCtr="0" anchor="ctr" bIns="91425" lIns="91425" spcFirstLastPara="1" rIns="91425" wrap="square" tIns="91425">
+          <a:bodyPr spcFirstLastPara="1" wrap="square" lIns="91425" tIns="91425" rIns="91425" bIns="91425" anchor="ctr" anchorCtr="0">
             <a:noAutofit/>
           </a:bodyPr>
           <a:lstStyle/>
           <a:p>
-            <a:pPr indent="0" lvl="0" marL="0" rtl="0" algn="l">
+            <a:pPr marL="0" lvl="0" indent="0" algn="l" rtl="0">
               <a:spcBef>
                 <a:spcPts val="0"/>
               </a:spcBef>
@@ -12668,9 +13493,6 @@
               </a:spcAft>
               <a:buNone/>
             </a:pPr>
-            <a:r>
-              <a:t/>
-            </a:r>
             <a:endParaRPr/>
           </a:p>
         </p:txBody>
@@ -12697,12 +13519,12 @@
           </a:ln>
         </p:spPr>
         <p:txBody>
-          <a:bodyPr anchorCtr="0" anchor="ctr" bIns="91425" lIns="91425" spcFirstLastPara="1" rIns="91425" wrap="square" tIns="91425">
+          <a:bodyPr spcFirstLastPara="1" wrap="square" lIns="91425" tIns="91425" rIns="91425" bIns="91425" anchor="ctr" anchorCtr="0">
             <a:noAutofit/>
           </a:bodyPr>
           <a:lstStyle/>
           <a:p>
-            <a:pPr indent="0" lvl="0" marL="0" rtl="0" algn="ctr">
+            <a:pPr marL="0" lvl="0" indent="0" algn="ctr" rtl="0">
               <a:spcBef>
                 <a:spcPts val="0"/>
               </a:spcBef>
@@ -12741,12 +13563,12 @@
           </a:ln>
         </p:spPr>
         <p:txBody>
-          <a:bodyPr anchorCtr="0" anchor="ctr" bIns="91425" lIns="91425" spcFirstLastPara="1" rIns="91425" wrap="square" tIns="91425">
+          <a:bodyPr spcFirstLastPara="1" wrap="square" lIns="91425" tIns="91425" rIns="91425" bIns="91425" anchor="ctr" anchorCtr="0">
             <a:noAutofit/>
           </a:bodyPr>
           <a:lstStyle/>
           <a:p>
-            <a:pPr indent="0" lvl="0" marL="0" rtl="0" algn="l">
+            <a:pPr marL="0" lvl="0" indent="0" algn="l" rtl="0">
               <a:spcBef>
                 <a:spcPts val="0"/>
               </a:spcBef>
@@ -12755,9 +13577,6 @@
               </a:spcAft>
               <a:buNone/>
             </a:pPr>
-            <a:r>
-              <a:t/>
-            </a:r>
             <a:endParaRPr/>
           </a:p>
         </p:txBody>
@@ -12784,12 +13603,12 @@
           </a:ln>
         </p:spPr>
         <p:txBody>
-          <a:bodyPr anchorCtr="0" anchor="ctr" bIns="91425" lIns="91425" spcFirstLastPara="1" rIns="91425" wrap="square" tIns="91425">
+          <a:bodyPr spcFirstLastPara="1" wrap="square" lIns="91425" tIns="91425" rIns="91425" bIns="91425" anchor="ctr" anchorCtr="0">
             <a:noAutofit/>
           </a:bodyPr>
           <a:lstStyle/>
           <a:p>
-            <a:pPr indent="0" lvl="0" marL="0" rtl="0" algn="l">
+            <a:pPr marL="0" lvl="0" indent="0" algn="l" rtl="0">
               <a:spcBef>
                 <a:spcPts val="0"/>
               </a:spcBef>
@@ -12798,9 +13617,6 @@
               </a:spcAft>
               <a:buNone/>
             </a:pPr>
-            <a:r>
-              <a:t/>
-            </a:r>
             <a:endParaRPr/>
           </a:p>
         </p:txBody>
@@ -12827,12 +13643,12 @@
           </a:ln>
         </p:spPr>
         <p:txBody>
-          <a:bodyPr anchorCtr="0" anchor="ctr" bIns="91425" lIns="91425" spcFirstLastPara="1" rIns="91425" wrap="square" tIns="91425">
+          <a:bodyPr spcFirstLastPara="1" wrap="square" lIns="91425" tIns="91425" rIns="91425" bIns="91425" anchor="ctr" anchorCtr="0">
             <a:noAutofit/>
           </a:bodyPr>
           <a:lstStyle/>
           <a:p>
-            <a:pPr indent="0" lvl="0" marL="0" rtl="0" algn="l">
+            <a:pPr marL="0" lvl="0" indent="0" algn="l" rtl="0">
               <a:spcBef>
                 <a:spcPts val="0"/>
               </a:spcBef>
@@ -12841,9 +13657,6 @@
               </a:spcAft>
               <a:buNone/>
             </a:pPr>
-            <a:r>
-              <a:t/>
-            </a:r>
             <a:endParaRPr/>
           </a:p>
         </p:txBody>
@@ -12870,12 +13683,12 @@
           </a:ln>
         </p:spPr>
         <p:txBody>
-          <a:bodyPr anchorCtr="0" anchor="ctr" bIns="91425" lIns="91425" spcFirstLastPara="1" rIns="91425" wrap="square" tIns="91425">
+          <a:bodyPr spcFirstLastPara="1" wrap="square" lIns="91425" tIns="91425" rIns="91425" bIns="91425" anchor="ctr" anchorCtr="0">
             <a:noAutofit/>
           </a:bodyPr>
           <a:lstStyle/>
           <a:p>
-            <a:pPr indent="0" lvl="0" marL="0" rtl="0" algn="l">
+            <a:pPr marL="0" lvl="0" indent="0" algn="l" rtl="0">
               <a:spcBef>
                 <a:spcPts val="0"/>
               </a:spcBef>
@@ -12884,9 +13697,6 @@
               </a:spcAft>
               <a:buNone/>
             </a:pPr>
-            <a:r>
-              <a:t/>
-            </a:r>
             <a:endParaRPr/>
           </a:p>
         </p:txBody>
@@ -12913,12 +13723,12 @@
           </a:ln>
         </p:spPr>
         <p:txBody>
-          <a:bodyPr anchorCtr="0" anchor="ctr" bIns="91425" lIns="91425" spcFirstLastPara="1" rIns="91425" wrap="square" tIns="91425">
+          <a:bodyPr spcFirstLastPara="1" wrap="square" lIns="91425" tIns="91425" rIns="91425" bIns="91425" anchor="ctr" anchorCtr="0">
             <a:noAutofit/>
           </a:bodyPr>
           <a:lstStyle/>
           <a:p>
-            <a:pPr indent="0" lvl="0" marL="0" rtl="0" algn="ctr">
+            <a:pPr marL="0" lvl="0" indent="0" algn="ctr" rtl="0">
               <a:spcBef>
                 <a:spcPts val="0"/>
               </a:spcBef>
@@ -12929,11 +13739,7 @@
             </a:pPr>
             <a:r>
               <a:rPr lang="ko" sz="900"/>
-              <a:t>Recv</a:t>
-            </a:r>
-            <a:r>
-              <a:rPr lang="ko" sz="900"/>
-              <a:t> Thread</a:t>
+              <a:t>Recv Thread</a:t>
             </a:r>
             <a:endParaRPr sz="900"/>
           </a:p>
@@ -12959,12 +13765,12 @@
           </a:ln>
         </p:spPr>
         <p:txBody>
-          <a:bodyPr anchorCtr="0" anchor="ctr" bIns="91425" lIns="91425" spcFirstLastPara="1" rIns="91425" wrap="square" tIns="91425">
+          <a:bodyPr spcFirstLastPara="1" wrap="square" lIns="91425" tIns="91425" rIns="91425" bIns="91425" anchor="ctr" anchorCtr="0">
             <a:noAutofit/>
           </a:bodyPr>
           <a:lstStyle/>
           <a:p>
-            <a:pPr indent="0" lvl="0" marL="0" rtl="0" algn="ctr">
+            <a:pPr marL="0" lvl="0" indent="0" algn="ctr" rtl="0">
               <a:spcBef>
                 <a:spcPts val="0"/>
               </a:spcBef>
@@ -13003,12 +13809,12 @@
           </a:ln>
         </p:spPr>
         <p:txBody>
-          <a:bodyPr anchorCtr="0" anchor="ctr" bIns="91425" lIns="91425" spcFirstLastPara="1" rIns="91425" wrap="square" tIns="91425">
+          <a:bodyPr spcFirstLastPara="1" wrap="square" lIns="91425" tIns="91425" rIns="91425" bIns="91425" anchor="ctr" anchorCtr="0">
             <a:noAutofit/>
           </a:bodyPr>
           <a:lstStyle/>
           <a:p>
-            <a:pPr indent="0" lvl="0" marL="0" rtl="0" algn="l">
+            <a:pPr marL="0" lvl="0" indent="0" algn="l" rtl="0">
               <a:spcBef>
                 <a:spcPts val="0"/>
               </a:spcBef>
@@ -13017,9 +13823,6 @@
               </a:spcAft>
               <a:buNone/>
             </a:pPr>
-            <a:r>
-              <a:t/>
-            </a:r>
             <a:endParaRPr/>
           </a:p>
         </p:txBody>
@@ -13046,12 +13849,12 @@
           </a:ln>
         </p:spPr>
         <p:txBody>
-          <a:bodyPr anchorCtr="0" anchor="ctr" bIns="91425" lIns="91425" spcFirstLastPara="1" rIns="91425" wrap="square" tIns="91425">
+          <a:bodyPr spcFirstLastPara="1" wrap="square" lIns="91425" tIns="91425" rIns="91425" bIns="91425" anchor="ctr" anchorCtr="0">
             <a:noAutofit/>
           </a:bodyPr>
           <a:lstStyle/>
           <a:p>
-            <a:pPr indent="0" lvl="0" marL="0" rtl="0" algn="ctr">
+            <a:pPr marL="0" lvl="0" indent="0" algn="ctr" rtl="0">
               <a:spcBef>
                 <a:spcPts val="0"/>
               </a:spcBef>
@@ -13090,12 +13893,12 @@
           </a:ln>
         </p:spPr>
         <p:txBody>
-          <a:bodyPr anchorCtr="0" anchor="ctr" bIns="91425" lIns="91425" spcFirstLastPara="1" rIns="91425" wrap="square" tIns="91425">
+          <a:bodyPr spcFirstLastPara="1" wrap="square" lIns="91425" tIns="91425" rIns="91425" bIns="91425" anchor="ctr" anchorCtr="0">
             <a:noAutofit/>
           </a:bodyPr>
           <a:lstStyle/>
           <a:p>
-            <a:pPr indent="0" lvl="0" marL="0" rtl="0" algn="l">
+            <a:pPr marL="0" lvl="0" indent="0" algn="l" rtl="0">
               <a:spcBef>
                 <a:spcPts val="0"/>
               </a:spcBef>
@@ -13104,9 +13907,6 @@
               </a:spcAft>
               <a:buNone/>
             </a:pPr>
-            <a:r>
-              <a:t/>
-            </a:r>
             <a:endParaRPr/>
           </a:p>
         </p:txBody>
@@ -13133,12 +13933,12 @@
           </a:ln>
         </p:spPr>
         <p:txBody>
-          <a:bodyPr anchorCtr="0" anchor="ctr" bIns="91425" lIns="91425" spcFirstLastPara="1" rIns="91425" wrap="square" tIns="91425">
+          <a:bodyPr spcFirstLastPara="1" wrap="square" lIns="91425" tIns="91425" rIns="91425" bIns="91425" anchor="ctr" anchorCtr="0">
             <a:noAutofit/>
           </a:bodyPr>
           <a:lstStyle/>
           <a:p>
-            <a:pPr indent="0" lvl="0" marL="0" rtl="0" algn="l">
+            <a:pPr marL="0" lvl="0" indent="0" algn="l" rtl="0">
               <a:spcBef>
                 <a:spcPts val="0"/>
               </a:spcBef>
@@ -13147,9 +13947,6 @@
               </a:spcAft>
               <a:buNone/>
             </a:pPr>
-            <a:r>
-              <a:t/>
-            </a:r>
             <a:endParaRPr/>
           </a:p>
         </p:txBody>
@@ -13176,12 +13973,12 @@
           </a:ln>
         </p:spPr>
         <p:txBody>
-          <a:bodyPr anchorCtr="0" anchor="ctr" bIns="91425" lIns="91425" spcFirstLastPara="1" rIns="91425" wrap="square" tIns="91425">
+          <a:bodyPr spcFirstLastPara="1" wrap="square" lIns="91425" tIns="91425" rIns="91425" bIns="91425" anchor="ctr" anchorCtr="0">
             <a:noAutofit/>
           </a:bodyPr>
           <a:lstStyle/>
           <a:p>
-            <a:pPr indent="0" lvl="0" marL="0" rtl="0" algn="l">
+            <a:pPr marL="0" lvl="0" indent="0" algn="l" rtl="0">
               <a:spcBef>
                 <a:spcPts val="0"/>
               </a:spcBef>
@@ -13190,9 +13987,6 @@
               </a:spcAft>
               <a:buNone/>
             </a:pPr>
-            <a:r>
-              <a:t/>
-            </a:r>
             <a:endParaRPr/>
           </a:p>
         </p:txBody>
@@ -13219,12 +14013,12 @@
           </a:ln>
         </p:spPr>
         <p:txBody>
-          <a:bodyPr anchorCtr="0" anchor="ctr" bIns="91425" lIns="91425" spcFirstLastPara="1" rIns="91425" wrap="square" tIns="91425">
+          <a:bodyPr spcFirstLastPara="1" wrap="square" lIns="91425" tIns="91425" rIns="91425" bIns="91425" anchor="ctr" anchorCtr="0">
             <a:noAutofit/>
           </a:bodyPr>
           <a:lstStyle/>
           <a:p>
-            <a:pPr indent="0" lvl="0" marL="0" rtl="0" algn="l">
+            <a:pPr marL="0" lvl="0" indent="0" algn="l" rtl="0">
               <a:spcBef>
                 <a:spcPts val="0"/>
               </a:spcBef>
@@ -13233,9 +14027,6 @@
               </a:spcAft>
               <a:buNone/>
             </a:pPr>
-            <a:r>
-              <a:t/>
-            </a:r>
             <a:endParaRPr/>
           </a:p>
         </p:txBody>
@@ -13262,12 +14053,12 @@
           </a:ln>
         </p:spPr>
         <p:txBody>
-          <a:bodyPr anchorCtr="0" anchor="ctr" bIns="91425" lIns="91425" spcFirstLastPara="1" rIns="91425" wrap="square" tIns="91425">
+          <a:bodyPr spcFirstLastPara="1" wrap="square" lIns="91425" tIns="91425" rIns="91425" bIns="91425" anchor="ctr" anchorCtr="0">
             <a:noAutofit/>
           </a:bodyPr>
           <a:lstStyle/>
           <a:p>
-            <a:pPr indent="0" lvl="0" marL="0" rtl="0" algn="ctr">
+            <a:pPr marL="0" lvl="0" indent="0" algn="ctr" rtl="0">
               <a:spcBef>
                 <a:spcPts val="0"/>
               </a:spcBef>
@@ -13306,12 +14097,12 @@
           </a:ln>
         </p:spPr>
         <p:txBody>
-          <a:bodyPr anchorCtr="0" anchor="ctr" bIns="91425" lIns="91425" spcFirstLastPara="1" rIns="91425" wrap="square" tIns="91425">
+          <a:bodyPr spcFirstLastPara="1" wrap="square" lIns="91425" tIns="91425" rIns="91425" bIns="91425" anchor="ctr" anchorCtr="0">
             <a:noAutofit/>
           </a:bodyPr>
           <a:lstStyle/>
           <a:p>
-            <a:pPr indent="0" lvl="0" marL="0" rtl="0" algn="l">
+            <a:pPr marL="0" lvl="0" indent="0" algn="l" rtl="0">
               <a:spcBef>
                 <a:spcPts val="0"/>
               </a:spcBef>
@@ -13320,9 +14111,6 @@
               </a:spcAft>
               <a:buNone/>
             </a:pPr>
-            <a:r>
-              <a:t/>
-            </a:r>
             <a:endParaRPr/>
           </a:p>
         </p:txBody>
@@ -13349,12 +14137,12 @@
           </a:ln>
         </p:spPr>
         <p:txBody>
-          <a:bodyPr anchorCtr="0" anchor="ctr" bIns="91425" lIns="91425" spcFirstLastPara="1" rIns="91425" wrap="square" tIns="91425">
+          <a:bodyPr spcFirstLastPara="1" wrap="square" lIns="91425" tIns="91425" rIns="91425" bIns="91425" anchor="ctr" anchorCtr="0">
             <a:noAutofit/>
           </a:bodyPr>
           <a:lstStyle/>
           <a:p>
-            <a:pPr indent="0" lvl="0" marL="0" rtl="0" algn="ctr">
+            <a:pPr marL="0" lvl="0" indent="0" algn="ctr" rtl="0">
               <a:spcBef>
                 <a:spcPts val="0"/>
               </a:spcBef>
@@ -13393,12 +14181,12 @@
           </a:ln>
         </p:spPr>
         <p:txBody>
-          <a:bodyPr anchorCtr="0" anchor="ctr" bIns="91425" lIns="91425" spcFirstLastPara="1" rIns="91425" wrap="square" tIns="91425">
+          <a:bodyPr spcFirstLastPara="1" wrap="square" lIns="91425" tIns="91425" rIns="91425" bIns="91425" anchor="ctr" anchorCtr="0">
             <a:noAutofit/>
           </a:bodyPr>
           <a:lstStyle/>
           <a:p>
-            <a:pPr indent="0" lvl="0" marL="0" rtl="0" algn="l">
+            <a:pPr marL="0" lvl="0" indent="0" algn="l" rtl="0">
               <a:spcBef>
                 <a:spcPts val="0"/>
               </a:spcBef>
@@ -13407,9 +14195,6 @@
               </a:spcAft>
               <a:buNone/>
             </a:pPr>
-            <a:r>
-              <a:t/>
-            </a:r>
             <a:endParaRPr/>
           </a:p>
         </p:txBody>
@@ -13436,12 +14221,12 @@
           </a:ln>
         </p:spPr>
         <p:txBody>
-          <a:bodyPr anchorCtr="0" anchor="ctr" bIns="91425" lIns="91425" spcFirstLastPara="1" rIns="91425" wrap="square" tIns="91425">
+          <a:bodyPr spcFirstLastPara="1" wrap="square" lIns="91425" tIns="91425" rIns="91425" bIns="91425" anchor="ctr" anchorCtr="0">
             <a:noAutofit/>
           </a:bodyPr>
           <a:lstStyle/>
           <a:p>
-            <a:pPr indent="0" lvl="0" marL="0" rtl="0" algn="ctr">
+            <a:pPr marL="0" lvl="0" indent="0" algn="ctr" rtl="0">
               <a:spcBef>
                 <a:spcPts val="0"/>
               </a:spcBef>
@@ -13480,12 +14265,12 @@
           </a:ln>
         </p:spPr>
         <p:txBody>
-          <a:bodyPr anchorCtr="0" anchor="ctr" bIns="91425" lIns="91425" spcFirstLastPara="1" rIns="91425" wrap="square" tIns="91425">
+          <a:bodyPr spcFirstLastPara="1" wrap="square" lIns="91425" tIns="91425" rIns="91425" bIns="91425" anchor="ctr" anchorCtr="0">
             <a:noAutofit/>
           </a:bodyPr>
           <a:lstStyle/>
           <a:p>
-            <a:pPr indent="0" lvl="0" marL="0" rtl="0" algn="l">
+            <a:pPr marL="0" lvl="0" indent="0" algn="l" rtl="0">
               <a:spcBef>
                 <a:spcPts val="0"/>
               </a:spcBef>
@@ -13494,9 +14279,6 @@
               </a:spcAft>
               <a:buNone/>
             </a:pPr>
-            <a:r>
-              <a:t/>
-            </a:r>
             <a:endParaRPr/>
           </a:p>
         </p:txBody>
@@ -13523,12 +14305,12 @@
           </a:ln>
         </p:spPr>
         <p:txBody>
-          <a:bodyPr anchorCtr="0" anchor="ctr" bIns="91425" lIns="91425" spcFirstLastPara="1" rIns="91425" wrap="square" tIns="91425">
+          <a:bodyPr spcFirstLastPara="1" wrap="square" lIns="91425" tIns="91425" rIns="91425" bIns="91425" anchor="ctr" anchorCtr="0">
             <a:noAutofit/>
           </a:bodyPr>
           <a:lstStyle/>
           <a:p>
-            <a:pPr indent="0" lvl="0" marL="0" rtl="0" algn="ctr">
+            <a:pPr marL="0" lvl="0" indent="0" algn="ctr" rtl="0">
               <a:spcBef>
                 <a:spcPts val="0"/>
               </a:spcBef>
@@ -13539,11 +14321,7 @@
             </a:pPr>
             <a:r>
               <a:rPr lang="ko" sz="900"/>
-              <a:t>Timer</a:t>
-            </a:r>
-            <a:r>
-              <a:rPr lang="ko" sz="900"/>
-              <a:t> Thread</a:t>
+              <a:t>Timer Thread</a:t>
             </a:r>
             <a:endParaRPr sz="900"/>
           </a:p>
@@ -13558,7 +14336,7 @@
 </file>
 
 <file path=ppt/theme/theme1.xml><?xml version="1.0" encoding="utf-8"?>
-<a:theme xmlns:a="http://schemas.openxmlformats.org/drawingml/2006/main" xmlns:r="http://schemas.openxmlformats.org/officeDocument/2006/relationships" name="Simple Light">
+<a:theme xmlns:a="http://schemas.openxmlformats.org/drawingml/2006/main" name="Simple Light">
   <a:themeElements>
     <a:clrScheme name="Simple Light">
       <a:dk1>
@@ -13833,11 +14611,13 @@
       </a:bgFillStyleLst>
     </a:fmtScheme>
   </a:themeElements>
+  <a:objectDefaults/>
+  <a:extraClrSchemeLst/>
 </a:theme>
 </file>
 
 <file path=ppt/theme/theme2.xml><?xml version="1.0" encoding="utf-8"?>
-<a:theme xmlns:a="http://schemas.openxmlformats.org/drawingml/2006/main" xmlns:r="http://schemas.openxmlformats.org/officeDocument/2006/relationships">
+<a:theme xmlns:a="http://schemas.openxmlformats.org/drawingml/2006/main">
   <a:themeElements>
     <a:clrScheme name="Default">
       <a:dk1>
@@ -14112,5 +14892,7 @@
       </a:bgFillStyleLst>
     </a:fmtScheme>
   </a:themeElements>
+  <a:objectDefaults/>
+  <a:extraClrSchemeLst/>
 </a:theme>
 </file>
--- a/Document/하이레벨 + 스레드.pptx
+++ b/Document/하이레벨 + 스레드.pptx
@@ -14185,338 +14185,19 @@
       </p:grpSpPr>
       <p:sp>
         <p:nvSpPr>
-          <p:cNvPr id="159" name="Google Shape;159;p3"/>
+          <p:cNvPr id="3" name="Google Shape;218;p3">
+            <a:extLst>
+              <a:ext uri="{FF2B5EF4-FFF2-40B4-BE49-F238E27FC236}">
+                <a16:creationId xmlns:a16="http://schemas.microsoft.com/office/drawing/2014/main" id="{2554AB48-DDAE-1801-B412-8C864BEBEC91}"/>
+              </a:ext>
+            </a:extLst>
+          </p:cNvPr>
           <p:cNvSpPr/>
           <p:nvPr/>
         </p:nvSpPr>
         <p:spPr>
           <a:xfrm>
-            <a:off x="12363" y="3074715"/>
-            <a:ext cx="11738433" cy="2799440"/>
-          </a:xfrm>
-          <a:prstGeom prst="roundRect">
-            <a:avLst>
-              <a:gd name="adj" fmla="val 16667"/>
-            </a:avLst>
-          </a:prstGeom>
-          <a:solidFill>
-            <a:srgbClr val="BCBCBC"/>
-          </a:solidFill>
-          <a:ln>
-            <a:noFill/>
-          </a:ln>
-        </p:spPr>
-        <p:txBody>
-          <a:bodyPr spcFirstLastPara="1" wrap="square" lIns="127975" tIns="63975" rIns="127975" bIns="63975" anchor="ctr" anchorCtr="0">
-            <a:noAutofit/>
-          </a:bodyPr>
-          <a:lstStyle/>
-          <a:p>
-            <a:pPr marL="0" marR="0" lvl="0" indent="0" algn="ctr" rtl="0">
-              <a:lnSpc>
-                <a:spcPct val="100000"/>
-              </a:lnSpc>
-              <a:spcBef>
-                <a:spcPts val="0"/>
-              </a:spcBef>
-              <a:spcAft>
-                <a:spcPts val="0"/>
-              </a:spcAft>
-              <a:buNone/>
-            </a:pPr>
-            <a:endParaRPr sz="1960" b="0" i="0" u="none" strike="noStrike" cap="none">
-              <a:solidFill>
-                <a:schemeClr val="lt1"/>
-              </a:solidFill>
-              <a:latin typeface="Arial"/>
-              <a:ea typeface="Arial"/>
-              <a:cs typeface="Arial"/>
-              <a:sym typeface="Arial"/>
-            </a:endParaRPr>
-          </a:p>
-        </p:txBody>
-      </p:sp>
-      <p:sp>
-        <p:nvSpPr>
-          <p:cNvPr id="160" name="Google Shape;160;p3"/>
-          <p:cNvSpPr/>
-          <p:nvPr/>
-        </p:nvSpPr>
-        <p:spPr>
-          <a:xfrm>
-            <a:off x="2591190" y="1200150"/>
-            <a:ext cx="1779540" cy="723240"/>
-          </a:xfrm>
-          <a:prstGeom prst="ellipse">
-            <a:avLst/>
-          </a:prstGeom>
-          <a:solidFill>
-            <a:srgbClr val="6D9EEB"/>
-          </a:solidFill>
-          <a:ln>
-            <a:noFill/>
-          </a:ln>
-        </p:spPr>
-        <p:txBody>
-          <a:bodyPr spcFirstLastPara="1" wrap="square" lIns="127975" tIns="127975" rIns="127975" bIns="127975" anchor="ctr" anchorCtr="0">
-            <a:noAutofit/>
-          </a:bodyPr>
-          <a:lstStyle/>
-          <a:p>
-            <a:pPr marL="0" marR="0" lvl="0" indent="0" algn="ctr" rtl="0">
-              <a:lnSpc>
-                <a:spcPct val="100000"/>
-              </a:lnSpc>
-              <a:spcBef>
-                <a:spcPts val="0"/>
-              </a:spcBef>
-              <a:spcAft>
-                <a:spcPts val="0"/>
-              </a:spcAft>
-              <a:buNone/>
-            </a:pPr>
-            <a:r>
-              <a:rPr lang="ko" sz="980" b="0" i="0" u="none" strike="noStrike" cap="none">
-                <a:solidFill>
-                  <a:schemeClr val="lt1"/>
-                </a:solidFill>
-                <a:latin typeface="Arial"/>
-                <a:ea typeface="Arial"/>
-                <a:cs typeface="Arial"/>
-                <a:sym typeface="Arial"/>
-              </a:rPr>
-              <a:t>메인 게임 화면</a:t>
-            </a:r>
-            <a:endParaRPr sz="980" b="0" i="0" u="none" strike="noStrike" cap="none">
-              <a:solidFill>
-                <a:schemeClr val="lt1"/>
-              </a:solidFill>
-              <a:latin typeface="Arial"/>
-              <a:ea typeface="Arial"/>
-              <a:cs typeface="Arial"/>
-              <a:sym typeface="Arial"/>
-            </a:endParaRPr>
-          </a:p>
-        </p:txBody>
-      </p:sp>
-      <p:sp>
-        <p:nvSpPr>
-          <p:cNvPr id="161" name="Google Shape;161;p3"/>
-          <p:cNvSpPr/>
-          <p:nvPr/>
-        </p:nvSpPr>
-        <p:spPr>
-          <a:xfrm>
-            <a:off x="9237340" y="1200150"/>
-            <a:ext cx="1779540" cy="723240"/>
-          </a:xfrm>
-          <a:prstGeom prst="ellipse">
-            <a:avLst/>
-          </a:prstGeom>
-          <a:solidFill>
-            <a:srgbClr val="6D9EEB"/>
-          </a:solidFill>
-          <a:ln>
-            <a:noFill/>
-          </a:ln>
-        </p:spPr>
-        <p:txBody>
-          <a:bodyPr spcFirstLastPara="1" wrap="square" lIns="127975" tIns="127975" rIns="127975" bIns="127975" anchor="ctr" anchorCtr="0">
-            <a:noAutofit/>
-          </a:bodyPr>
-          <a:lstStyle/>
-          <a:p>
-            <a:pPr marL="0" marR="0" lvl="0" indent="0" algn="ctr" rtl="0">
-              <a:lnSpc>
-                <a:spcPct val="100000"/>
-              </a:lnSpc>
-              <a:spcBef>
-                <a:spcPts val="0"/>
-              </a:spcBef>
-              <a:spcAft>
-                <a:spcPts val="0"/>
-              </a:spcAft>
-              <a:buNone/>
-            </a:pPr>
-            <a:r>
-              <a:rPr lang="ko" sz="980" b="0" i="0" u="none" strike="noStrike" cap="none">
-                <a:solidFill>
-                  <a:schemeClr val="lt1"/>
-                </a:solidFill>
-                <a:latin typeface="Arial"/>
-                <a:ea typeface="Arial"/>
-                <a:cs typeface="Arial"/>
-                <a:sym typeface="Arial"/>
-              </a:rPr>
-              <a:t>메인 게임 화면</a:t>
-            </a:r>
-            <a:endParaRPr sz="980" b="0" i="0" u="none" strike="noStrike" cap="none">
-              <a:solidFill>
-                <a:schemeClr val="lt1"/>
-              </a:solidFill>
-              <a:latin typeface="Arial"/>
-              <a:ea typeface="Arial"/>
-              <a:cs typeface="Arial"/>
-              <a:sym typeface="Arial"/>
-            </a:endParaRPr>
-          </a:p>
-        </p:txBody>
-      </p:sp>
-      <p:cxnSp>
-        <p:nvCxnSpPr>
-          <p:cNvPr id="162" name="Google Shape;162;p3"/>
-          <p:cNvCxnSpPr>
-            <a:stCxn id="161" idx="4"/>
-            <a:endCxn id="163" idx="1"/>
-          </p:cNvCxnSpPr>
-          <p:nvPr/>
-        </p:nvCxnSpPr>
-        <p:spPr>
-          <a:xfrm>
-            <a:off x="10127110" y="1923390"/>
-            <a:ext cx="0" cy="729900"/>
-          </a:xfrm>
-          <a:prstGeom prst="straightConnector1">
-            <a:avLst/>
-          </a:prstGeom>
-          <a:noFill/>
-          <a:ln w="9525" cap="flat" cmpd="sng">
-            <a:solidFill>
-              <a:schemeClr val="dk2"/>
-            </a:solidFill>
-            <a:prstDash val="solid"/>
-            <a:round/>
-            <a:headEnd type="none" w="sm" len="sm"/>
-            <a:tailEnd type="triangle" w="med" len="med"/>
-          </a:ln>
-        </p:spPr>
-      </p:cxnSp>
-      <p:sp>
-        <p:nvSpPr>
-          <p:cNvPr id="163" name="Google Shape;163;p3"/>
-          <p:cNvSpPr/>
-          <p:nvPr/>
-        </p:nvSpPr>
-        <p:spPr>
-          <a:xfrm>
-            <a:off x="9547825" y="2653140"/>
-            <a:ext cx="1158570" cy="345660"/>
-          </a:xfrm>
-          <a:prstGeom prst="flowChartInputOutput">
-            <a:avLst/>
-          </a:prstGeom>
-          <a:solidFill>
-            <a:srgbClr val="6D9EEB"/>
-          </a:solidFill>
-          <a:ln>
-            <a:noFill/>
-          </a:ln>
-        </p:spPr>
-        <p:txBody>
-          <a:bodyPr spcFirstLastPara="1" wrap="square" lIns="127975" tIns="127975" rIns="127975" bIns="127975" anchor="ctr" anchorCtr="0">
-            <a:noAutofit/>
-          </a:bodyPr>
-          <a:lstStyle/>
-          <a:p>
-            <a:pPr marL="0" marR="0" lvl="0" indent="0" algn="ctr" rtl="0">
-              <a:lnSpc>
-                <a:spcPct val="100000"/>
-              </a:lnSpc>
-              <a:spcBef>
-                <a:spcPts val="0"/>
-              </a:spcBef>
-              <a:spcAft>
-                <a:spcPts val="0"/>
-              </a:spcAft>
-              <a:buNone/>
-            </a:pPr>
-            <a:r>
-              <a:rPr lang="ko" sz="980" b="0" i="0" u="none" strike="noStrike" cap="none">
-                <a:solidFill>
-                  <a:schemeClr val="lt1"/>
-                </a:solidFill>
-                <a:latin typeface="Arial"/>
-                <a:ea typeface="Arial"/>
-                <a:cs typeface="Arial"/>
-                <a:sym typeface="Arial"/>
-              </a:rPr>
-              <a:t>게임 실행</a:t>
-            </a:r>
-            <a:endParaRPr sz="980" b="0" i="0" u="none" strike="noStrike" cap="none">
-              <a:solidFill>
-                <a:schemeClr val="lt1"/>
-              </a:solidFill>
-              <a:latin typeface="Arial"/>
-              <a:ea typeface="Arial"/>
-              <a:cs typeface="Arial"/>
-              <a:sym typeface="Arial"/>
-            </a:endParaRPr>
-          </a:p>
-        </p:txBody>
-      </p:sp>
-      <p:cxnSp>
-        <p:nvCxnSpPr>
-          <p:cNvPr id="164" name="Google Shape;164;p3"/>
-          <p:cNvCxnSpPr>
-            <a:stCxn id="163" idx="5"/>
-          </p:cNvCxnSpPr>
-          <p:nvPr/>
-        </p:nvCxnSpPr>
-        <p:spPr>
-          <a:xfrm>
-            <a:off x="10590538" y="2825970"/>
-            <a:ext cx="777300" cy="0"/>
-          </a:xfrm>
-          <a:prstGeom prst="straightConnector1">
-            <a:avLst/>
-          </a:prstGeom>
-          <a:noFill/>
-          <a:ln w="9525" cap="flat" cmpd="sng">
-            <a:solidFill>
-              <a:schemeClr val="dk2"/>
-            </a:solidFill>
-            <a:prstDash val="solid"/>
-            <a:round/>
-            <a:headEnd type="none" w="sm" len="sm"/>
-            <a:tailEnd type="none" w="sm" len="sm"/>
-          </a:ln>
-        </p:spPr>
-      </p:cxnSp>
-      <p:cxnSp>
-        <p:nvCxnSpPr>
-          <p:cNvPr id="165" name="Google Shape;165;p3"/>
-          <p:cNvCxnSpPr/>
-          <p:nvPr/>
-        </p:nvCxnSpPr>
-        <p:spPr>
-          <a:xfrm>
-            <a:off x="11361420" y="2833390"/>
-            <a:ext cx="0" cy="1548960"/>
-          </a:xfrm>
-          <a:prstGeom prst="straightConnector1">
-            <a:avLst/>
-          </a:prstGeom>
-          <a:noFill/>
-          <a:ln w="9525" cap="flat" cmpd="sng">
-            <a:solidFill>
-              <a:schemeClr val="dk2"/>
-            </a:solidFill>
-            <a:prstDash val="solid"/>
-            <a:round/>
-            <a:headEnd type="none" w="sm" len="sm"/>
-            <a:tailEnd type="none" w="sm" len="sm"/>
-          </a:ln>
-        </p:spPr>
-      </p:cxnSp>
-      <p:sp>
-        <p:nvSpPr>
-          <p:cNvPr id="166" name="Google Shape;166;p3"/>
-          <p:cNvSpPr/>
-          <p:nvPr/>
-        </p:nvSpPr>
-        <p:spPr>
-          <a:xfrm>
-            <a:off x="9649745" y="3190845"/>
+            <a:off x="12587295" y="8266712"/>
             <a:ext cx="940800" cy="345660"/>
           </a:xfrm>
           <a:prstGeom prst="roundRect">
@@ -14550,7 +14231,7 @@
               <a:buNone/>
             </a:pPr>
             <a:r>
-              <a:rPr lang="ko" sz="980" b="0" i="0" u="none" strike="noStrike" cap="none">
+              <a:rPr lang="ko" sz="980" b="0" i="0" u="none" strike="noStrike" cap="none" dirty="0">
                 <a:solidFill>
                   <a:schemeClr val="lt1"/>
                 </a:solidFill>
@@ -14559,11 +14240,11 @@
                 <a:cs typeface="Arial"/>
                 <a:sym typeface="Arial"/>
               </a:rPr>
-              <a:t>방향키 및 점멸 send</a:t>
+              <a:t>Render</a:t>
             </a:r>
-            <a:endParaRPr sz="980" b="0" i="0" u="none" strike="noStrike" cap="none">
+            <a:endParaRPr sz="3073" b="0" i="0" u="none" strike="noStrike" cap="none" dirty="0">
               <a:solidFill>
-                <a:schemeClr val="lt1"/>
+                <a:srgbClr val="000000"/>
               </a:solidFill>
               <a:latin typeface="Arial"/>
               <a:ea typeface="Arial"/>
@@ -14571,36 +14252,6 @@
               <a:sym typeface="Arial"/>
             </a:endParaRPr>
           </a:p>
-        </p:txBody>
-      </p:sp>
-      <p:sp>
-        <p:nvSpPr>
-          <p:cNvPr id="167" name="Google Shape;167;p3"/>
-          <p:cNvSpPr/>
-          <p:nvPr/>
-        </p:nvSpPr>
-        <p:spPr>
-          <a:xfrm>
-            <a:off x="9656710" y="4208645"/>
-            <a:ext cx="940800" cy="345660"/>
-          </a:xfrm>
-          <a:prstGeom prst="roundRect">
-            <a:avLst>
-              <a:gd name="adj" fmla="val 16667"/>
-            </a:avLst>
-          </a:prstGeom>
-          <a:solidFill>
-            <a:srgbClr val="6D9EEB"/>
-          </a:solidFill>
-          <a:ln>
-            <a:noFill/>
-          </a:ln>
-        </p:spPr>
-        <p:txBody>
-          <a:bodyPr spcFirstLastPara="1" wrap="square" lIns="127975" tIns="127975" rIns="127975" bIns="127975" anchor="ctr" anchorCtr="0">
-            <a:noAutofit/>
-          </a:bodyPr>
-          <a:lstStyle/>
           <a:p>
             <a:pPr marL="0" marR="0" lvl="0" indent="0" algn="ctr" rtl="0">
               <a:lnSpc>
@@ -14615,7 +14266,7 @@
               <a:buNone/>
             </a:pPr>
             <a:r>
-              <a:rPr lang="ko" sz="980" b="0" i="0" u="none" strike="noStrike" cap="none">
+              <a:rPr lang="ko" sz="980" b="0" i="0" u="none" strike="noStrike" cap="none" dirty="0">
                 <a:solidFill>
                   <a:schemeClr val="lt1"/>
                 </a:solidFill>
@@ -14624,74 +14275,9 @@
                 <a:cs typeface="Arial"/>
                 <a:sym typeface="Arial"/>
               </a:rPr>
-              <a:t>공격키 send</a:t>
+              <a:t>(draw)</a:t>
             </a:r>
-            <a:endParaRPr sz="980" b="0" i="0" u="none" strike="noStrike" cap="none">
-              <a:solidFill>
-                <a:schemeClr val="lt1"/>
-              </a:solidFill>
-              <a:latin typeface="Arial"/>
-              <a:ea typeface="Arial"/>
-              <a:cs typeface="Arial"/>
-              <a:sym typeface="Arial"/>
-            </a:endParaRPr>
-          </a:p>
-        </p:txBody>
-      </p:sp>
-      <p:sp>
-        <p:nvSpPr>
-          <p:cNvPr id="168" name="Google Shape;168;p3"/>
-          <p:cNvSpPr/>
-          <p:nvPr/>
-        </p:nvSpPr>
-        <p:spPr>
-          <a:xfrm>
-            <a:off x="4370730" y="3190845"/>
-            <a:ext cx="940800" cy="345660"/>
-          </a:xfrm>
-          <a:prstGeom prst="roundRect">
-            <a:avLst>
-              <a:gd name="adj" fmla="val 16667"/>
-            </a:avLst>
-          </a:prstGeom>
-          <a:solidFill>
-            <a:srgbClr val="E06666"/>
-          </a:solidFill>
-          <a:ln>
-            <a:noFill/>
-          </a:ln>
-        </p:spPr>
-        <p:txBody>
-          <a:bodyPr spcFirstLastPara="1" wrap="square" lIns="127975" tIns="127975" rIns="127975" bIns="127975" anchor="ctr" anchorCtr="0">
-            <a:noAutofit/>
-          </a:bodyPr>
-          <a:lstStyle/>
-          <a:p>
-            <a:pPr marL="0" marR="0" lvl="0" indent="0" algn="ctr" rtl="0">
-              <a:lnSpc>
-                <a:spcPct val="100000"/>
-              </a:lnSpc>
-              <a:spcBef>
-                <a:spcPts val="0"/>
-              </a:spcBef>
-              <a:spcAft>
-                <a:spcPts val="0"/>
-              </a:spcAft>
-              <a:buNone/>
-            </a:pPr>
-            <a:r>
-              <a:rPr lang="ko" sz="980" b="0" i="0" u="none" strike="noStrike" cap="none">
-                <a:solidFill>
-                  <a:schemeClr val="lt1"/>
-                </a:solidFill>
-                <a:latin typeface="Arial"/>
-                <a:ea typeface="Arial"/>
-                <a:cs typeface="Arial"/>
-                <a:sym typeface="Arial"/>
-              </a:rPr>
-              <a:t>키 입력 recv</a:t>
-            </a:r>
-            <a:endParaRPr sz="980" b="0" i="0" u="none" strike="noStrike" cap="none">
+            <a:endParaRPr sz="980" b="0" i="0" u="none" strike="noStrike" cap="none" dirty="0">
               <a:solidFill>
                 <a:schemeClr val="lt1"/>
               </a:solidFill>
@@ -14705,2821 +14291,3314 @@
       </p:sp>
       <p:cxnSp>
         <p:nvCxnSpPr>
-          <p:cNvPr id="169" name="Google Shape;169;p3"/>
-          <p:cNvCxnSpPr>
-            <a:stCxn id="166" idx="1"/>
-            <a:endCxn id="168" idx="3"/>
-          </p:cNvCxnSpPr>
-          <p:nvPr/>
-        </p:nvCxnSpPr>
-        <p:spPr>
-          <a:xfrm rot="10800000">
-            <a:off x="5311445" y="3363675"/>
-            <a:ext cx="4338300" cy="0"/>
-          </a:xfrm>
-          <a:prstGeom prst="straightConnector1">
-            <a:avLst/>
-          </a:prstGeom>
-          <a:noFill/>
-          <a:ln w="9525" cap="flat" cmpd="sng">
-            <a:solidFill>
-              <a:schemeClr val="dk2"/>
-            </a:solidFill>
-            <a:prstDash val="solid"/>
-            <a:round/>
-            <a:headEnd type="none" w="sm" len="sm"/>
-            <a:tailEnd type="triangle" w="med" len="med"/>
-          </a:ln>
-        </p:spPr>
-      </p:cxnSp>
-      <p:sp>
-        <p:nvSpPr>
-          <p:cNvPr id="170" name="Google Shape;170;p3"/>
-          <p:cNvSpPr/>
-          <p:nvPr/>
-        </p:nvSpPr>
-        <p:spPr>
-          <a:xfrm>
-            <a:off x="3010560" y="3190845"/>
-            <a:ext cx="940800" cy="345660"/>
-          </a:xfrm>
-          <a:prstGeom prst="roundRect">
-            <a:avLst>
-              <a:gd name="adj" fmla="val 16667"/>
-            </a:avLst>
-          </a:prstGeom>
-          <a:solidFill>
-            <a:srgbClr val="6D9EEB"/>
-          </a:solidFill>
-          <a:ln>
-            <a:noFill/>
-          </a:ln>
-        </p:spPr>
-        <p:txBody>
-          <a:bodyPr spcFirstLastPara="1" wrap="square" lIns="127975" tIns="127975" rIns="127975" bIns="127975" anchor="ctr" anchorCtr="0">
-            <a:noAutofit/>
-          </a:bodyPr>
-          <a:lstStyle/>
-          <a:p>
-            <a:pPr marL="0" marR="0" lvl="0" indent="0" algn="ctr" rtl="0">
-              <a:lnSpc>
-                <a:spcPct val="100000"/>
-              </a:lnSpc>
-              <a:spcBef>
-                <a:spcPts val="0"/>
-              </a:spcBef>
-              <a:spcAft>
-                <a:spcPts val="0"/>
-              </a:spcAft>
-              <a:buNone/>
-            </a:pPr>
-            <a:r>
-              <a:rPr lang="ko" sz="980" b="0" i="0" u="none" strike="noStrike" cap="none">
-                <a:solidFill>
-                  <a:schemeClr val="lt1"/>
-                </a:solidFill>
-                <a:latin typeface="Arial"/>
-                <a:ea typeface="Arial"/>
-                <a:cs typeface="Arial"/>
-                <a:sym typeface="Arial"/>
-              </a:rPr>
-              <a:t>키 입력 업데이트</a:t>
-            </a:r>
-            <a:endParaRPr sz="980" b="0" i="0" u="none" strike="noStrike" cap="none">
-              <a:solidFill>
-                <a:schemeClr val="lt1"/>
-              </a:solidFill>
-              <a:latin typeface="Arial"/>
-              <a:ea typeface="Arial"/>
-              <a:cs typeface="Arial"/>
-              <a:sym typeface="Arial"/>
-            </a:endParaRPr>
-          </a:p>
-        </p:txBody>
-      </p:sp>
-      <p:cxnSp>
-        <p:nvCxnSpPr>
-          <p:cNvPr id="171" name="Google Shape;171;p3"/>
-          <p:cNvCxnSpPr>
-            <a:stCxn id="168" idx="1"/>
-            <a:endCxn id="170" idx="3"/>
-          </p:cNvCxnSpPr>
-          <p:nvPr/>
-        </p:nvCxnSpPr>
-        <p:spPr>
-          <a:xfrm rot="10800000">
-            <a:off x="3951330" y="3363675"/>
-            <a:ext cx="419400" cy="0"/>
-          </a:xfrm>
-          <a:prstGeom prst="straightConnector1">
-            <a:avLst/>
-          </a:prstGeom>
-          <a:noFill/>
-          <a:ln w="9525" cap="flat" cmpd="sng">
-            <a:solidFill>
-              <a:schemeClr val="dk2"/>
-            </a:solidFill>
-            <a:prstDash val="solid"/>
-            <a:round/>
-            <a:headEnd type="none" w="sm" len="sm"/>
-            <a:tailEnd type="triangle" w="med" len="med"/>
-          </a:ln>
-        </p:spPr>
-      </p:cxnSp>
-      <p:sp>
-        <p:nvSpPr>
-          <p:cNvPr id="172" name="Google Shape;172;p3"/>
-          <p:cNvSpPr/>
-          <p:nvPr/>
-        </p:nvSpPr>
-        <p:spPr>
-          <a:xfrm>
-            <a:off x="4370730" y="4216065"/>
-            <a:ext cx="940800" cy="345660"/>
-          </a:xfrm>
-          <a:prstGeom prst="roundRect">
-            <a:avLst>
-              <a:gd name="adj" fmla="val 16667"/>
-            </a:avLst>
-          </a:prstGeom>
-          <a:solidFill>
-            <a:srgbClr val="E06666"/>
-          </a:solidFill>
-          <a:ln>
-            <a:noFill/>
-          </a:ln>
-        </p:spPr>
-        <p:txBody>
-          <a:bodyPr spcFirstLastPara="1" wrap="square" lIns="127975" tIns="127975" rIns="127975" bIns="127975" anchor="ctr" anchorCtr="0">
-            <a:noAutofit/>
-          </a:bodyPr>
-          <a:lstStyle/>
-          <a:p>
-            <a:pPr marL="0" marR="0" lvl="0" indent="0" algn="ctr" rtl="0">
-              <a:lnSpc>
-                <a:spcPct val="100000"/>
-              </a:lnSpc>
-              <a:spcBef>
-                <a:spcPts val="0"/>
-              </a:spcBef>
-              <a:spcAft>
-                <a:spcPts val="0"/>
-              </a:spcAft>
-              <a:buNone/>
-            </a:pPr>
-            <a:r>
-              <a:rPr lang="ko" sz="980" b="0" i="0" u="none" strike="noStrike" cap="none">
-                <a:solidFill>
-                  <a:schemeClr val="lt1"/>
-                </a:solidFill>
-                <a:latin typeface="Arial"/>
-                <a:ea typeface="Arial"/>
-                <a:cs typeface="Arial"/>
-                <a:sym typeface="Arial"/>
-              </a:rPr>
-              <a:t>키 입력 recv</a:t>
-            </a:r>
-            <a:endParaRPr sz="980" b="0" i="0" u="none" strike="noStrike" cap="none">
-              <a:solidFill>
-                <a:schemeClr val="lt1"/>
-              </a:solidFill>
-              <a:latin typeface="Arial"/>
-              <a:ea typeface="Arial"/>
-              <a:cs typeface="Arial"/>
-              <a:sym typeface="Arial"/>
-            </a:endParaRPr>
-          </a:p>
-        </p:txBody>
-      </p:sp>
-      <p:cxnSp>
-        <p:nvCxnSpPr>
-          <p:cNvPr id="173" name="Google Shape;173;p3"/>
-          <p:cNvCxnSpPr>
-            <a:endCxn id="172" idx="3"/>
-          </p:cNvCxnSpPr>
-          <p:nvPr/>
-        </p:nvCxnSpPr>
-        <p:spPr>
-          <a:xfrm rot="10800000">
-            <a:off x="5311530" y="4388895"/>
-            <a:ext cx="4338300" cy="0"/>
-          </a:xfrm>
-          <a:prstGeom prst="straightConnector1">
-            <a:avLst/>
-          </a:prstGeom>
-          <a:noFill/>
-          <a:ln w="9525" cap="flat" cmpd="sng">
-            <a:solidFill>
-              <a:schemeClr val="dk2"/>
-            </a:solidFill>
-            <a:prstDash val="solid"/>
-            <a:round/>
-            <a:headEnd type="none" w="sm" len="sm"/>
-            <a:tailEnd type="triangle" w="med" len="med"/>
-          </a:ln>
-        </p:spPr>
-      </p:cxnSp>
-      <p:sp>
-        <p:nvSpPr>
-          <p:cNvPr id="174" name="Google Shape;174;p3"/>
-          <p:cNvSpPr/>
-          <p:nvPr/>
-        </p:nvSpPr>
-        <p:spPr>
-          <a:xfrm>
-            <a:off x="3010560" y="4216065"/>
-            <a:ext cx="940800" cy="345660"/>
-          </a:xfrm>
-          <a:prstGeom prst="roundRect">
-            <a:avLst>
-              <a:gd name="adj" fmla="val 16667"/>
-            </a:avLst>
-          </a:prstGeom>
-          <a:solidFill>
-            <a:srgbClr val="6D9EEB"/>
-          </a:solidFill>
-          <a:ln>
-            <a:noFill/>
-          </a:ln>
-        </p:spPr>
-        <p:txBody>
-          <a:bodyPr spcFirstLastPara="1" wrap="square" lIns="127975" tIns="127975" rIns="127975" bIns="127975" anchor="ctr" anchorCtr="0">
-            <a:noAutofit/>
-          </a:bodyPr>
-          <a:lstStyle/>
-          <a:p>
-            <a:pPr marL="0" marR="0" lvl="0" indent="0" algn="ctr" rtl="0">
-              <a:lnSpc>
-                <a:spcPct val="100000"/>
-              </a:lnSpc>
-              <a:spcBef>
-                <a:spcPts val="0"/>
-              </a:spcBef>
-              <a:spcAft>
-                <a:spcPts val="0"/>
-              </a:spcAft>
-              <a:buNone/>
-            </a:pPr>
-            <a:r>
-              <a:rPr lang="ko" sz="980" b="0" i="0" u="none" strike="noStrike" cap="none">
-                <a:solidFill>
-                  <a:schemeClr val="lt1"/>
-                </a:solidFill>
-                <a:latin typeface="Arial"/>
-                <a:ea typeface="Arial"/>
-                <a:cs typeface="Arial"/>
-                <a:sym typeface="Arial"/>
-              </a:rPr>
-              <a:t>공격 범위 업데이트</a:t>
-            </a:r>
-            <a:endParaRPr sz="980" b="0" i="0" u="none" strike="noStrike" cap="none">
-              <a:solidFill>
-                <a:schemeClr val="lt1"/>
-              </a:solidFill>
-              <a:latin typeface="Arial"/>
-              <a:ea typeface="Arial"/>
-              <a:cs typeface="Arial"/>
-              <a:sym typeface="Arial"/>
-            </a:endParaRPr>
-          </a:p>
-        </p:txBody>
-      </p:sp>
-      <p:cxnSp>
-        <p:nvCxnSpPr>
-          <p:cNvPr id="175" name="Google Shape;175;p3"/>
-          <p:cNvCxnSpPr>
-            <a:stCxn id="172" idx="1"/>
-            <a:endCxn id="174" idx="3"/>
-          </p:cNvCxnSpPr>
-          <p:nvPr/>
-        </p:nvCxnSpPr>
-        <p:spPr>
-          <a:xfrm rot="10800000">
-            <a:off x="3951330" y="4388895"/>
-            <a:ext cx="419400" cy="0"/>
-          </a:xfrm>
-          <a:prstGeom prst="straightConnector1">
-            <a:avLst/>
-          </a:prstGeom>
-          <a:noFill/>
-          <a:ln w="9525" cap="flat" cmpd="sng">
-            <a:solidFill>
-              <a:schemeClr val="dk2"/>
-            </a:solidFill>
-            <a:prstDash val="solid"/>
-            <a:round/>
-            <a:headEnd type="none" w="sm" len="sm"/>
-            <a:tailEnd type="triangle" w="med" len="med"/>
-          </a:ln>
-        </p:spPr>
-      </p:cxnSp>
-      <p:sp>
-        <p:nvSpPr>
-          <p:cNvPr id="176" name="Google Shape;176;p3"/>
-          <p:cNvSpPr/>
-          <p:nvPr/>
-        </p:nvSpPr>
-        <p:spPr>
-          <a:xfrm>
-            <a:off x="1050804" y="4011334"/>
-            <a:ext cx="1712165" cy="755125"/>
-          </a:xfrm>
-          <a:prstGeom prst="flowChartDecision">
-            <a:avLst/>
-          </a:prstGeom>
-          <a:solidFill>
-            <a:srgbClr val="6D9EEB"/>
-          </a:solidFill>
-          <a:ln>
-            <a:noFill/>
-          </a:ln>
-        </p:spPr>
-        <p:txBody>
-          <a:bodyPr spcFirstLastPara="1" wrap="square" lIns="127975" tIns="127975" rIns="127975" bIns="127975" anchor="ctr" anchorCtr="0">
-            <a:noAutofit/>
-          </a:bodyPr>
-          <a:lstStyle/>
-          <a:p>
-            <a:pPr marL="0" marR="0" lvl="0" indent="0" algn="ctr" rtl="0">
-              <a:lnSpc>
-                <a:spcPct val="100000"/>
-              </a:lnSpc>
-              <a:spcBef>
-                <a:spcPts val="0"/>
-              </a:spcBef>
-              <a:spcAft>
-                <a:spcPts val="0"/>
-              </a:spcAft>
-              <a:buNone/>
-            </a:pPr>
-            <a:r>
-              <a:rPr lang="ko" sz="980" b="0" i="0" u="none" strike="noStrike" cap="none">
-                <a:solidFill>
-                  <a:schemeClr val="lt1"/>
-                </a:solidFill>
-                <a:latin typeface="Arial"/>
-                <a:ea typeface="Arial"/>
-                <a:cs typeface="Arial"/>
-                <a:sym typeface="Arial"/>
-              </a:rPr>
-              <a:t>충돌 체크</a:t>
-            </a:r>
-            <a:endParaRPr sz="980" b="0" i="0" u="none" strike="noStrike" cap="none">
-              <a:solidFill>
-                <a:schemeClr val="lt1"/>
-              </a:solidFill>
-              <a:latin typeface="Arial"/>
-              <a:ea typeface="Arial"/>
-              <a:cs typeface="Arial"/>
-              <a:sym typeface="Arial"/>
-            </a:endParaRPr>
-          </a:p>
-        </p:txBody>
-      </p:sp>
-      <p:cxnSp>
-        <p:nvCxnSpPr>
-          <p:cNvPr id="177" name="Google Shape;177;p3"/>
-          <p:cNvCxnSpPr>
-            <a:stCxn id="174" idx="1"/>
-            <a:endCxn id="176" idx="3"/>
-          </p:cNvCxnSpPr>
-          <p:nvPr/>
-        </p:nvCxnSpPr>
-        <p:spPr>
-          <a:xfrm rot="10800000">
-            <a:off x="2763060" y="4388895"/>
-            <a:ext cx="247500" cy="0"/>
-          </a:xfrm>
-          <a:prstGeom prst="straightConnector1">
-            <a:avLst/>
-          </a:prstGeom>
-          <a:noFill/>
-          <a:ln w="9525" cap="flat" cmpd="sng">
-            <a:solidFill>
-              <a:schemeClr val="dk2"/>
-            </a:solidFill>
-            <a:prstDash val="solid"/>
-            <a:round/>
-            <a:headEnd type="none" w="sm" len="sm"/>
-            <a:tailEnd type="triangle" w="med" len="med"/>
-          </a:ln>
-        </p:spPr>
-      </p:cxnSp>
-      <p:sp>
-        <p:nvSpPr>
-          <p:cNvPr id="178" name="Google Shape;178;p3"/>
-          <p:cNvSpPr/>
-          <p:nvPr/>
-        </p:nvSpPr>
-        <p:spPr>
-          <a:xfrm>
-            <a:off x="3010560" y="4728675"/>
-            <a:ext cx="940800" cy="345660"/>
-          </a:xfrm>
-          <a:prstGeom prst="roundRect">
-            <a:avLst>
-              <a:gd name="adj" fmla="val 16667"/>
-            </a:avLst>
-          </a:prstGeom>
-          <a:solidFill>
-            <a:srgbClr val="6D9EEB"/>
-          </a:solidFill>
-          <a:ln>
-            <a:noFill/>
-          </a:ln>
-        </p:spPr>
-        <p:txBody>
-          <a:bodyPr spcFirstLastPara="1" wrap="square" lIns="127975" tIns="127975" rIns="127975" bIns="127975" anchor="ctr" anchorCtr="0">
-            <a:noAutofit/>
-          </a:bodyPr>
-          <a:lstStyle/>
-          <a:p>
-            <a:pPr marL="0" marR="0" lvl="0" indent="0" algn="ctr" rtl="0">
-              <a:lnSpc>
-                <a:spcPct val="100000"/>
-              </a:lnSpc>
-              <a:spcBef>
-                <a:spcPts val="0"/>
-              </a:spcBef>
-              <a:spcAft>
-                <a:spcPts val="0"/>
-              </a:spcAft>
-              <a:buNone/>
-            </a:pPr>
-            <a:r>
-              <a:rPr lang="ko" sz="980" b="0" i="0" u="none" strike="noStrike" cap="none">
-                <a:solidFill>
-                  <a:schemeClr val="lt1"/>
-                </a:solidFill>
-                <a:latin typeface="Arial"/>
-                <a:ea typeface="Arial"/>
-                <a:cs typeface="Arial"/>
-                <a:sym typeface="Arial"/>
-              </a:rPr>
-              <a:t>상태 변화 send</a:t>
-            </a:r>
-            <a:endParaRPr sz="980" b="0" i="0" u="none" strike="noStrike" cap="none">
-              <a:solidFill>
-                <a:schemeClr val="lt1"/>
-              </a:solidFill>
-              <a:latin typeface="Arial"/>
-              <a:ea typeface="Arial"/>
-              <a:cs typeface="Arial"/>
-              <a:sym typeface="Arial"/>
-            </a:endParaRPr>
-          </a:p>
-        </p:txBody>
-      </p:sp>
-      <p:sp>
-        <p:nvSpPr>
-          <p:cNvPr id="179" name="Google Shape;179;p3"/>
-          <p:cNvSpPr/>
-          <p:nvPr/>
-        </p:nvSpPr>
-        <p:spPr>
-          <a:xfrm>
-            <a:off x="8296470" y="4728675"/>
-            <a:ext cx="940800" cy="345660"/>
-          </a:xfrm>
-          <a:prstGeom prst="roundRect">
-            <a:avLst>
-              <a:gd name="adj" fmla="val 16667"/>
-            </a:avLst>
-          </a:prstGeom>
-          <a:solidFill>
-            <a:srgbClr val="E06666"/>
-          </a:solidFill>
-          <a:ln>
-            <a:noFill/>
-          </a:ln>
-        </p:spPr>
-        <p:txBody>
-          <a:bodyPr spcFirstLastPara="1" wrap="square" lIns="127975" tIns="127975" rIns="127975" bIns="127975" anchor="ctr" anchorCtr="0">
-            <a:noAutofit/>
-          </a:bodyPr>
-          <a:lstStyle/>
-          <a:p>
-            <a:pPr marL="0" marR="0" lvl="0" indent="0" algn="ctr" rtl="0">
-              <a:lnSpc>
-                <a:spcPct val="100000"/>
-              </a:lnSpc>
-              <a:spcBef>
-                <a:spcPts val="0"/>
-              </a:spcBef>
-              <a:spcAft>
-                <a:spcPts val="0"/>
-              </a:spcAft>
-              <a:buNone/>
-            </a:pPr>
-            <a:r>
-              <a:rPr lang="ko" sz="980" b="0" i="0" u="none" strike="noStrike" cap="none">
-                <a:solidFill>
-                  <a:schemeClr val="lt1"/>
-                </a:solidFill>
-                <a:latin typeface="Arial"/>
-                <a:ea typeface="Arial"/>
-                <a:cs typeface="Arial"/>
-                <a:sym typeface="Arial"/>
-              </a:rPr>
-              <a:t>상태 결과 recv</a:t>
-            </a:r>
-            <a:endParaRPr sz="980" b="0" i="0" u="none" strike="noStrike" cap="none">
-              <a:solidFill>
-                <a:schemeClr val="lt1"/>
-              </a:solidFill>
-              <a:latin typeface="Arial"/>
-              <a:ea typeface="Arial"/>
-              <a:cs typeface="Arial"/>
-              <a:sym typeface="Arial"/>
-            </a:endParaRPr>
-          </a:p>
-        </p:txBody>
-      </p:sp>
-      <p:cxnSp>
-        <p:nvCxnSpPr>
-          <p:cNvPr id="180" name="Google Shape;180;p3"/>
-          <p:cNvCxnSpPr>
-            <a:endCxn id="179" idx="1"/>
-          </p:cNvCxnSpPr>
+          <p:cNvPr id="14" name="연결선: 꺾임 13">
+            <a:extLst>
+              <a:ext uri="{FF2B5EF4-FFF2-40B4-BE49-F238E27FC236}">
+                <a16:creationId xmlns:a16="http://schemas.microsoft.com/office/drawing/2014/main" id="{B8926B36-BD49-58FC-F065-C55C212180FF}"/>
+              </a:ext>
+            </a:extLst>
+          </p:cNvPr>
+          <p:cNvCxnSpPr/>
           <p:nvPr/>
         </p:nvCxnSpPr>
         <p:spPr>
           <a:xfrm>
-            <a:off x="3951270" y="4901505"/>
-            <a:ext cx="4345200" cy="0"/>
+            <a:off x="-2082811" y="3326273"/>
+            <a:ext cx="914400" cy="914400"/>
           </a:xfrm>
-          <a:prstGeom prst="straightConnector1">
+          <a:prstGeom prst="bentConnector3">
             <a:avLst/>
           </a:prstGeom>
-          <a:noFill/>
-          <a:ln w="9525" cap="flat" cmpd="sng">
-            <a:solidFill>
-              <a:schemeClr val="dk2"/>
-            </a:solidFill>
-            <a:prstDash val="solid"/>
-            <a:round/>
-            <a:headEnd type="none" w="sm" len="sm"/>
-            <a:tailEnd type="triangle" w="med" len="med"/>
+          <a:ln>
+            <a:tailEnd type="triangle"/>
           </a:ln>
         </p:spPr>
+        <p:style>
+          <a:lnRef idx="1">
+            <a:schemeClr val="dk1"/>
+          </a:lnRef>
+          <a:fillRef idx="0">
+            <a:schemeClr val="dk1"/>
+          </a:fillRef>
+          <a:effectRef idx="0">
+            <a:schemeClr val="dk1"/>
+          </a:effectRef>
+          <a:fontRef idx="minor">
+            <a:schemeClr val="tx1"/>
+          </a:fontRef>
+        </p:style>
       </p:cxnSp>
-      <p:cxnSp>
-        <p:nvCxnSpPr>
-          <p:cNvPr id="181" name="Google Shape;181;p3"/>
-          <p:cNvCxnSpPr>
-            <a:stCxn id="179" idx="3"/>
-          </p:cNvCxnSpPr>
+      <p:grpSp>
+        <p:nvGrpSpPr>
+          <p:cNvPr id="30" name="그룹 29">
+            <a:extLst>
+              <a:ext uri="{FF2B5EF4-FFF2-40B4-BE49-F238E27FC236}">
+                <a16:creationId xmlns:a16="http://schemas.microsoft.com/office/drawing/2014/main" id="{EC2BAE22-F2EF-4664-1277-90CC65011F1A}"/>
+              </a:ext>
+            </a:extLst>
+          </p:cNvPr>
+          <p:cNvGrpSpPr/>
           <p:nvPr/>
-        </p:nvCxnSpPr>
-        <p:spPr>
-          <a:xfrm rot="10800000" flipH="1">
-            <a:off x="9237270" y="4897605"/>
-            <a:ext cx="412500" cy="3900"/>
+        </p:nvGrpSpPr>
+        <p:grpSpPr>
+          <a:xfrm>
+            <a:off x="393364" y="266700"/>
+            <a:ext cx="11374069" cy="7658100"/>
+            <a:chOff x="393364" y="266700"/>
+            <a:chExt cx="11374069" cy="7658100"/>
           </a:xfrm>
-          <a:prstGeom prst="straightConnector1">
-            <a:avLst/>
-          </a:prstGeom>
-          <a:noFill/>
-          <a:ln w="9525" cap="flat" cmpd="sng">
+        </p:grpSpPr>
+        <p:sp>
+          <p:nvSpPr>
+            <p:cNvPr id="159" name="Google Shape;159;p3"/>
+            <p:cNvSpPr/>
+            <p:nvPr/>
+          </p:nvSpPr>
+          <p:spPr>
+            <a:xfrm>
+              <a:off x="393364" y="2452577"/>
+              <a:ext cx="11374069" cy="3264348"/>
+            </a:xfrm>
+            <a:prstGeom prst="roundRect">
+              <a:avLst>
+                <a:gd name="adj" fmla="val 16667"/>
+              </a:avLst>
+            </a:prstGeom>
             <a:solidFill>
-              <a:schemeClr val="dk2"/>
+              <a:srgbClr val="BCBCBC"/>
             </a:solidFill>
-            <a:prstDash val="solid"/>
-            <a:round/>
-            <a:headEnd type="none" w="sm" len="sm"/>
-            <a:tailEnd type="triangle" w="med" len="med"/>
-          </a:ln>
-        </p:spPr>
-      </p:cxnSp>
-      <p:cxnSp>
-        <p:nvCxnSpPr>
-          <p:cNvPr id="182" name="Google Shape;182;p3"/>
-          <p:cNvCxnSpPr>
-            <a:stCxn id="176" idx="2"/>
-            <a:endCxn id="178" idx="1"/>
-          </p:cNvCxnSpPr>
-          <p:nvPr/>
-        </p:nvCxnSpPr>
-        <p:spPr>
-          <a:xfrm rot="-5400000" flipH="1">
-            <a:off x="2391237" y="4282109"/>
-            <a:ext cx="135000" cy="1103700"/>
-          </a:xfrm>
-          <a:prstGeom prst="bentConnector2">
-            <a:avLst/>
-          </a:prstGeom>
-          <a:noFill/>
-          <a:ln w="9525" cap="flat" cmpd="sng">
+            <a:ln>
+              <a:noFill/>
+            </a:ln>
+          </p:spPr>
+          <p:txBody>
+            <a:bodyPr spcFirstLastPara="1" wrap="square" lIns="127975" tIns="63975" rIns="127975" bIns="63975" anchor="ctr" anchorCtr="0">
+              <a:noAutofit/>
+            </a:bodyPr>
+            <a:lstStyle/>
+            <a:p>
+              <a:pPr marL="0" marR="0" lvl="0" indent="0" algn="ctr" rtl="0">
+                <a:lnSpc>
+                  <a:spcPct val="100000"/>
+                </a:lnSpc>
+                <a:spcBef>
+                  <a:spcPts val="0"/>
+                </a:spcBef>
+                <a:spcAft>
+                  <a:spcPts val="0"/>
+                </a:spcAft>
+                <a:buNone/>
+              </a:pPr>
+              <a:endParaRPr sz="2800" b="0" i="0" u="none" strike="noStrike" cap="none">
+                <a:solidFill>
+                  <a:schemeClr val="lt1"/>
+                </a:solidFill>
+                <a:latin typeface="Microsoft GothicNeo Light" panose="020B0300000101010101" pitchFamily="50" charset="-127"/>
+                <a:ea typeface="Microsoft GothicNeo Light" panose="020B0300000101010101" pitchFamily="50" charset="-127"/>
+                <a:cs typeface="Microsoft GothicNeo Light" panose="020B0300000101010101" pitchFamily="50" charset="-127"/>
+                <a:sym typeface="Arial"/>
+              </a:endParaRPr>
+            </a:p>
+          </p:txBody>
+        </p:sp>
+        <p:sp>
+          <p:nvSpPr>
+            <p:cNvPr id="160" name="Google Shape;160;p3"/>
+            <p:cNvSpPr/>
+            <p:nvPr/>
+          </p:nvSpPr>
+          <p:spPr>
+            <a:xfrm>
+              <a:off x="3400460" y="266700"/>
+              <a:ext cx="2075071" cy="843350"/>
+            </a:xfrm>
+            <a:prstGeom prst="ellipse">
+              <a:avLst/>
+            </a:prstGeom>
             <a:solidFill>
-              <a:schemeClr val="dk2"/>
+              <a:srgbClr val="6D9EEB"/>
             </a:solidFill>
-            <a:prstDash val="solid"/>
-            <a:round/>
-            <a:headEnd type="none" w="sm" len="sm"/>
-            <a:tailEnd type="none" w="sm" len="sm"/>
-          </a:ln>
-        </p:spPr>
-      </p:cxnSp>
-      <p:sp>
-        <p:nvSpPr>
-          <p:cNvPr id="183" name="Google Shape;183;p3"/>
-          <p:cNvSpPr txBox="1"/>
-          <p:nvPr/>
-        </p:nvSpPr>
-        <p:spPr>
-          <a:xfrm>
-            <a:off x="2239405" y="4561726"/>
-            <a:ext cx="620760" cy="430845"/>
-          </a:xfrm>
-          <a:prstGeom prst="rect">
-            <a:avLst/>
-          </a:prstGeom>
-          <a:noFill/>
-          <a:ln>
+            <a:ln>
+              <a:noFill/>
+            </a:ln>
+          </p:spPr>
+          <p:txBody>
+            <a:bodyPr spcFirstLastPara="1" wrap="square" lIns="127975" tIns="127975" rIns="127975" bIns="127975" anchor="ctr" anchorCtr="0">
+              <a:noAutofit/>
+            </a:bodyPr>
+            <a:lstStyle/>
+            <a:p>
+              <a:pPr marL="0" marR="0" lvl="0" indent="0" algn="ctr" rtl="0">
+                <a:lnSpc>
+                  <a:spcPct val="100000"/>
+                </a:lnSpc>
+                <a:spcBef>
+                  <a:spcPts val="0"/>
+                </a:spcBef>
+                <a:spcAft>
+                  <a:spcPts val="0"/>
+                </a:spcAft>
+                <a:buNone/>
+              </a:pPr>
+              <a:r>
+                <a:rPr lang="ko" sz="1100" b="0" i="0" u="none" strike="noStrike" cap="none" dirty="0">
+                  <a:solidFill>
+                    <a:schemeClr val="lt1"/>
+                  </a:solidFill>
+                  <a:latin typeface="Microsoft GothicNeo Light" panose="020B0300000101010101" pitchFamily="50" charset="-127"/>
+                  <a:ea typeface="Microsoft GothicNeo Light" panose="020B0300000101010101" pitchFamily="50" charset="-127"/>
+                  <a:cs typeface="Microsoft GothicNeo Light" panose="020B0300000101010101" pitchFamily="50" charset="-127"/>
+                  <a:sym typeface="Arial"/>
+                </a:rPr>
+                <a:t>메인 게임 화면</a:t>
+              </a:r>
+              <a:endParaRPr sz="1100" b="0" i="0" u="none" strike="noStrike" cap="none" dirty="0">
+                <a:solidFill>
+                  <a:schemeClr val="lt1"/>
+                </a:solidFill>
+                <a:latin typeface="Microsoft GothicNeo Light" panose="020B0300000101010101" pitchFamily="50" charset="-127"/>
+                <a:ea typeface="Microsoft GothicNeo Light" panose="020B0300000101010101" pitchFamily="50" charset="-127"/>
+                <a:cs typeface="Microsoft GothicNeo Light" panose="020B0300000101010101" pitchFamily="50" charset="-127"/>
+                <a:sym typeface="Arial"/>
+              </a:endParaRPr>
+            </a:p>
+          </p:txBody>
+        </p:sp>
+        <p:sp>
+          <p:nvSpPr>
+            <p:cNvPr id="161" name="Google Shape;161;p3"/>
+            <p:cNvSpPr/>
+            <p:nvPr/>
+          </p:nvSpPr>
+          <p:spPr>
+            <a:xfrm>
+              <a:off x="8723408" y="266700"/>
+              <a:ext cx="2075071" cy="843350"/>
+            </a:xfrm>
+            <a:prstGeom prst="ellipse">
+              <a:avLst/>
+            </a:prstGeom>
+            <a:solidFill>
+              <a:srgbClr val="6D9EEB"/>
+            </a:solidFill>
+            <a:ln>
+              <a:noFill/>
+            </a:ln>
+          </p:spPr>
+          <p:txBody>
+            <a:bodyPr spcFirstLastPara="1" wrap="square" lIns="127975" tIns="127975" rIns="127975" bIns="127975" anchor="ctr" anchorCtr="0">
+              <a:noAutofit/>
+            </a:bodyPr>
+            <a:lstStyle/>
+            <a:p>
+              <a:pPr marL="0" marR="0" lvl="0" indent="0" algn="ctr" rtl="0">
+                <a:lnSpc>
+                  <a:spcPct val="100000"/>
+                </a:lnSpc>
+                <a:spcBef>
+                  <a:spcPts val="0"/>
+                </a:spcBef>
+                <a:spcAft>
+                  <a:spcPts val="0"/>
+                </a:spcAft>
+                <a:buNone/>
+              </a:pPr>
+              <a:r>
+                <a:rPr lang="ko" sz="1100" b="0" i="0" u="none" strike="noStrike" cap="none">
+                  <a:solidFill>
+                    <a:schemeClr val="lt1"/>
+                  </a:solidFill>
+                  <a:latin typeface="Microsoft GothicNeo Light" panose="020B0300000101010101" pitchFamily="50" charset="-127"/>
+                  <a:ea typeface="Microsoft GothicNeo Light" panose="020B0300000101010101" pitchFamily="50" charset="-127"/>
+                  <a:cs typeface="Microsoft GothicNeo Light" panose="020B0300000101010101" pitchFamily="50" charset="-127"/>
+                  <a:sym typeface="Arial"/>
+                </a:rPr>
+                <a:t>메인 게임 화면</a:t>
+              </a:r>
+              <a:endParaRPr sz="1100" b="0" i="0" u="none" strike="noStrike" cap="none">
+                <a:solidFill>
+                  <a:schemeClr val="lt1"/>
+                </a:solidFill>
+                <a:latin typeface="Microsoft GothicNeo Light" panose="020B0300000101010101" pitchFamily="50" charset="-127"/>
+                <a:ea typeface="Microsoft GothicNeo Light" panose="020B0300000101010101" pitchFamily="50" charset="-127"/>
+                <a:cs typeface="Microsoft GothicNeo Light" panose="020B0300000101010101" pitchFamily="50" charset="-127"/>
+                <a:sym typeface="Arial"/>
+              </a:endParaRPr>
+            </a:p>
+          </p:txBody>
+        </p:sp>
+        <p:cxnSp>
+          <p:nvCxnSpPr>
+            <p:cNvPr id="162" name="Google Shape;162;p3"/>
+            <p:cNvCxnSpPr>
+              <a:stCxn id="161" idx="4"/>
+              <a:endCxn id="163" idx="1"/>
+            </p:cNvCxnSpPr>
+            <p:nvPr/>
+          </p:nvCxnSpPr>
+          <p:spPr>
+            <a:xfrm>
+              <a:off x="9760943" y="1110050"/>
+              <a:ext cx="0" cy="851116"/>
+            </a:xfrm>
+            <a:prstGeom prst="straightConnector1">
+              <a:avLst/>
+            </a:prstGeom>
             <a:noFill/>
-          </a:ln>
-        </p:spPr>
-        <p:txBody>
-          <a:bodyPr spcFirstLastPara="1" wrap="square" lIns="127975" tIns="127975" rIns="127975" bIns="127975" anchor="t" anchorCtr="0">
-            <a:spAutoFit/>
-          </a:bodyPr>
-          <a:lstStyle/>
-          <a:p>
-            <a:pPr marL="0" marR="0" lvl="0" indent="0" algn="l" rtl="0">
-              <a:lnSpc>
-                <a:spcPct val="100000"/>
-              </a:lnSpc>
-              <a:spcBef>
-                <a:spcPts val="0"/>
-              </a:spcBef>
-              <a:spcAft>
-                <a:spcPts val="0"/>
-              </a:spcAft>
-              <a:buNone/>
-            </a:pPr>
-            <a:r>
-              <a:rPr lang="ko" sz="1120" b="0" i="0" u="none" strike="noStrike" cap="none">
+            <a:ln w="9525" cap="flat" cmpd="sng">
+              <a:solidFill>
+                <a:schemeClr val="dk2"/>
+              </a:solidFill>
+              <a:prstDash val="solid"/>
+              <a:round/>
+              <a:headEnd type="none" w="sm" len="sm"/>
+              <a:tailEnd type="triangle" w="med" len="med"/>
+            </a:ln>
+          </p:spPr>
+        </p:cxnSp>
+        <p:sp>
+          <p:nvSpPr>
+            <p:cNvPr id="163" name="Google Shape;163;p3"/>
+            <p:cNvSpPr/>
+            <p:nvPr/>
+          </p:nvSpPr>
+          <p:spPr>
+            <a:xfrm>
+              <a:off x="9085456" y="1960990"/>
+              <a:ext cx="1350976" cy="403064"/>
+            </a:xfrm>
+            <a:prstGeom prst="flowChartInputOutput">
+              <a:avLst/>
+            </a:prstGeom>
+            <a:solidFill>
+              <a:srgbClr val="6D9EEB"/>
+            </a:solidFill>
+            <a:ln>
+              <a:noFill/>
+            </a:ln>
+          </p:spPr>
+          <p:txBody>
+            <a:bodyPr spcFirstLastPara="1" wrap="square" lIns="127975" tIns="127975" rIns="127975" bIns="127975" anchor="ctr" anchorCtr="0">
+              <a:noAutofit/>
+            </a:bodyPr>
+            <a:lstStyle/>
+            <a:p>
+              <a:pPr marL="0" marR="0" lvl="0" indent="0" algn="ctr" rtl="0">
+                <a:lnSpc>
+                  <a:spcPct val="100000"/>
+                </a:lnSpc>
+                <a:spcBef>
+                  <a:spcPts val="0"/>
+                </a:spcBef>
+                <a:spcAft>
+                  <a:spcPts val="0"/>
+                </a:spcAft>
+                <a:buNone/>
+              </a:pPr>
+              <a:r>
+                <a:rPr lang="ko" sz="1100" b="0" i="0" u="none" strike="noStrike" cap="none">
+                  <a:solidFill>
+                    <a:schemeClr val="lt1"/>
+                  </a:solidFill>
+                  <a:latin typeface="Microsoft GothicNeo Light" panose="020B0300000101010101" pitchFamily="50" charset="-127"/>
+                  <a:ea typeface="Microsoft GothicNeo Light" panose="020B0300000101010101" pitchFamily="50" charset="-127"/>
+                  <a:cs typeface="Microsoft GothicNeo Light" panose="020B0300000101010101" pitchFamily="50" charset="-127"/>
+                  <a:sym typeface="Arial"/>
+                </a:rPr>
+                <a:t>게임 실행</a:t>
+              </a:r>
+              <a:endParaRPr sz="1100" b="0" i="0" u="none" strike="noStrike" cap="none">
+                <a:solidFill>
+                  <a:schemeClr val="lt1"/>
+                </a:solidFill>
+                <a:latin typeface="Microsoft GothicNeo Light" panose="020B0300000101010101" pitchFamily="50" charset="-127"/>
+                <a:ea typeface="Microsoft GothicNeo Light" panose="020B0300000101010101" pitchFamily="50" charset="-127"/>
+                <a:cs typeface="Microsoft GothicNeo Light" panose="020B0300000101010101" pitchFamily="50" charset="-127"/>
+                <a:sym typeface="Arial"/>
+              </a:endParaRPr>
+            </a:p>
+          </p:txBody>
+        </p:sp>
+        <p:sp>
+          <p:nvSpPr>
+            <p:cNvPr id="166" name="Google Shape;166;p3"/>
+            <p:cNvSpPr/>
+            <p:nvPr/>
+          </p:nvSpPr>
+          <p:spPr>
+            <a:xfrm>
+              <a:off x="9069212" y="2587993"/>
+              <a:ext cx="1367220" cy="403064"/>
+            </a:xfrm>
+            <a:prstGeom prst="roundRect">
+              <a:avLst>
+                <a:gd name="adj" fmla="val 16667"/>
+              </a:avLst>
+            </a:prstGeom>
+            <a:solidFill>
+              <a:srgbClr val="6D9EEB"/>
+            </a:solidFill>
+            <a:ln>
+              <a:noFill/>
+            </a:ln>
+          </p:spPr>
+          <p:txBody>
+            <a:bodyPr spcFirstLastPara="1" wrap="square" lIns="127975" tIns="127975" rIns="127975" bIns="127975" anchor="ctr" anchorCtr="0">
+              <a:noAutofit/>
+            </a:bodyPr>
+            <a:lstStyle/>
+            <a:p>
+              <a:pPr marL="0" marR="0" lvl="0" indent="0" algn="ctr" rtl="0">
+                <a:lnSpc>
+                  <a:spcPct val="100000"/>
+                </a:lnSpc>
+                <a:spcBef>
+                  <a:spcPts val="0"/>
+                </a:spcBef>
+                <a:spcAft>
+                  <a:spcPts val="0"/>
+                </a:spcAft>
+                <a:buNone/>
+              </a:pPr>
+              <a:r>
+                <a:rPr lang="ko" sz="1100" b="0" i="0" u="none" strike="noStrike" cap="none">
+                  <a:solidFill>
+                    <a:schemeClr val="lt1"/>
+                  </a:solidFill>
+                  <a:latin typeface="Microsoft GothicNeo Light" panose="020B0300000101010101" pitchFamily="50" charset="-127"/>
+                  <a:ea typeface="Microsoft GothicNeo Light" panose="020B0300000101010101" pitchFamily="50" charset="-127"/>
+                  <a:cs typeface="Microsoft GothicNeo Light" panose="020B0300000101010101" pitchFamily="50" charset="-127"/>
+                  <a:sym typeface="Arial"/>
+                </a:rPr>
+                <a:t>방향키 및 점멸 send</a:t>
+              </a:r>
+              <a:endParaRPr sz="1100" b="0" i="0" u="none" strike="noStrike" cap="none">
+                <a:solidFill>
+                  <a:schemeClr val="lt1"/>
+                </a:solidFill>
+                <a:latin typeface="Microsoft GothicNeo Light" panose="020B0300000101010101" pitchFamily="50" charset="-127"/>
+                <a:ea typeface="Microsoft GothicNeo Light" panose="020B0300000101010101" pitchFamily="50" charset="-127"/>
+                <a:cs typeface="Microsoft GothicNeo Light" panose="020B0300000101010101" pitchFamily="50" charset="-127"/>
+                <a:sym typeface="Arial"/>
+              </a:endParaRPr>
+            </a:p>
+          </p:txBody>
+        </p:sp>
+        <p:sp>
+          <p:nvSpPr>
+            <p:cNvPr id="167" name="Google Shape;167;p3"/>
+            <p:cNvSpPr/>
+            <p:nvPr/>
+          </p:nvSpPr>
+          <p:spPr>
+            <a:xfrm>
+              <a:off x="9212423" y="3774821"/>
+              <a:ext cx="1097040" cy="403064"/>
+            </a:xfrm>
+            <a:prstGeom prst="roundRect">
+              <a:avLst>
+                <a:gd name="adj" fmla="val 16667"/>
+              </a:avLst>
+            </a:prstGeom>
+            <a:solidFill>
+              <a:srgbClr val="6D9EEB"/>
+            </a:solidFill>
+            <a:ln>
+              <a:noFill/>
+            </a:ln>
+          </p:spPr>
+          <p:txBody>
+            <a:bodyPr spcFirstLastPara="1" wrap="square" lIns="127975" tIns="127975" rIns="127975" bIns="127975" anchor="ctr" anchorCtr="0">
+              <a:noAutofit/>
+            </a:bodyPr>
+            <a:lstStyle/>
+            <a:p>
+              <a:pPr marL="0" marR="0" lvl="0" indent="0" algn="ctr" rtl="0">
+                <a:lnSpc>
+                  <a:spcPct val="100000"/>
+                </a:lnSpc>
+                <a:spcBef>
+                  <a:spcPts val="0"/>
+                </a:spcBef>
+                <a:spcAft>
+                  <a:spcPts val="0"/>
+                </a:spcAft>
+                <a:buNone/>
+              </a:pPr>
+              <a:r>
+                <a:rPr lang="ko" sz="1100" b="0" i="0" u="none" strike="noStrike" cap="none">
+                  <a:solidFill>
+                    <a:schemeClr val="lt1"/>
+                  </a:solidFill>
+                  <a:latin typeface="Microsoft GothicNeo Light" panose="020B0300000101010101" pitchFamily="50" charset="-127"/>
+                  <a:ea typeface="Microsoft GothicNeo Light" panose="020B0300000101010101" pitchFamily="50" charset="-127"/>
+                  <a:cs typeface="Microsoft GothicNeo Light" panose="020B0300000101010101" pitchFamily="50" charset="-127"/>
+                  <a:sym typeface="Arial"/>
+                </a:rPr>
+                <a:t>공격키 send</a:t>
+              </a:r>
+              <a:endParaRPr sz="1100" b="0" i="0" u="none" strike="noStrike" cap="none">
+                <a:solidFill>
+                  <a:schemeClr val="lt1"/>
+                </a:solidFill>
+                <a:latin typeface="Microsoft GothicNeo Light" panose="020B0300000101010101" pitchFamily="50" charset="-127"/>
+                <a:ea typeface="Microsoft GothicNeo Light" panose="020B0300000101010101" pitchFamily="50" charset="-127"/>
+                <a:cs typeface="Microsoft GothicNeo Light" panose="020B0300000101010101" pitchFamily="50" charset="-127"/>
+                <a:sym typeface="Arial"/>
+              </a:endParaRPr>
+            </a:p>
+          </p:txBody>
+        </p:sp>
+        <p:sp>
+          <p:nvSpPr>
+            <p:cNvPr id="168" name="Google Shape;168;p3"/>
+            <p:cNvSpPr/>
+            <p:nvPr/>
+          </p:nvSpPr>
+          <p:spPr>
+            <a:xfrm>
+              <a:off x="5475531" y="2587993"/>
+              <a:ext cx="1097040" cy="403064"/>
+            </a:xfrm>
+            <a:prstGeom prst="roundRect">
+              <a:avLst>
+                <a:gd name="adj" fmla="val 16667"/>
+              </a:avLst>
+            </a:prstGeom>
+            <a:solidFill>
+              <a:srgbClr val="E06666"/>
+            </a:solidFill>
+            <a:ln>
+              <a:noFill/>
+            </a:ln>
+          </p:spPr>
+          <p:txBody>
+            <a:bodyPr spcFirstLastPara="1" wrap="square" lIns="127975" tIns="127975" rIns="127975" bIns="127975" anchor="ctr" anchorCtr="0">
+              <a:noAutofit/>
+            </a:bodyPr>
+            <a:lstStyle/>
+            <a:p>
+              <a:pPr marL="0" marR="0" lvl="0" indent="0" algn="ctr" rtl="0">
+                <a:lnSpc>
+                  <a:spcPct val="100000"/>
+                </a:lnSpc>
+                <a:spcBef>
+                  <a:spcPts val="0"/>
+                </a:spcBef>
+                <a:spcAft>
+                  <a:spcPts val="0"/>
+                </a:spcAft>
+                <a:buNone/>
+              </a:pPr>
+              <a:r>
+                <a:rPr lang="ko" sz="1100" b="0" i="0" u="none" strike="noStrike" cap="none">
+                  <a:solidFill>
+                    <a:schemeClr val="lt1"/>
+                  </a:solidFill>
+                  <a:latin typeface="Microsoft GothicNeo Light" panose="020B0300000101010101" pitchFamily="50" charset="-127"/>
+                  <a:ea typeface="Microsoft GothicNeo Light" panose="020B0300000101010101" pitchFamily="50" charset="-127"/>
+                  <a:cs typeface="Microsoft GothicNeo Light" panose="020B0300000101010101" pitchFamily="50" charset="-127"/>
+                  <a:sym typeface="Arial"/>
+                </a:rPr>
+                <a:t>키 입력 recv</a:t>
+              </a:r>
+              <a:endParaRPr sz="1100" b="0" i="0" u="none" strike="noStrike" cap="none">
+                <a:solidFill>
+                  <a:schemeClr val="lt1"/>
+                </a:solidFill>
+                <a:latin typeface="Microsoft GothicNeo Light" panose="020B0300000101010101" pitchFamily="50" charset="-127"/>
+                <a:ea typeface="Microsoft GothicNeo Light" panose="020B0300000101010101" pitchFamily="50" charset="-127"/>
+                <a:cs typeface="Microsoft GothicNeo Light" panose="020B0300000101010101" pitchFamily="50" charset="-127"/>
+                <a:sym typeface="Arial"/>
+              </a:endParaRPr>
+            </a:p>
+          </p:txBody>
+        </p:sp>
+        <p:cxnSp>
+          <p:nvCxnSpPr>
+            <p:cNvPr id="169" name="Google Shape;169;p3"/>
+            <p:cNvCxnSpPr>
+              <a:cxnSpLocks/>
+              <a:stCxn id="166" idx="1"/>
+              <a:endCxn id="168" idx="3"/>
+            </p:cNvCxnSpPr>
+            <p:nvPr/>
+          </p:nvCxnSpPr>
+          <p:spPr>
+            <a:xfrm flipH="1">
+              <a:off x="6572571" y="2789525"/>
+              <a:ext cx="2496641" cy="0"/>
+            </a:xfrm>
+            <a:prstGeom prst="straightConnector1">
+              <a:avLst/>
+            </a:prstGeom>
+            <a:noFill/>
+            <a:ln w="9525" cap="flat" cmpd="sng">
+              <a:solidFill>
+                <a:schemeClr val="dk2"/>
+              </a:solidFill>
+              <a:prstDash val="solid"/>
+              <a:round/>
+              <a:headEnd type="none" w="sm" len="sm"/>
+              <a:tailEnd type="triangle" w="med" len="med"/>
+            </a:ln>
+          </p:spPr>
+        </p:cxnSp>
+        <p:sp>
+          <p:nvSpPr>
+            <p:cNvPr id="170" name="Google Shape;170;p3"/>
+            <p:cNvSpPr/>
+            <p:nvPr/>
+          </p:nvSpPr>
+          <p:spPr>
+            <a:xfrm>
+              <a:off x="3737914" y="2587993"/>
+              <a:ext cx="1400162" cy="403064"/>
+            </a:xfrm>
+            <a:prstGeom prst="roundRect">
+              <a:avLst>
+                <a:gd name="adj" fmla="val 16667"/>
+              </a:avLst>
+            </a:prstGeom>
+            <a:solidFill>
+              <a:srgbClr val="6D9EEB"/>
+            </a:solidFill>
+            <a:ln>
+              <a:noFill/>
+            </a:ln>
+          </p:spPr>
+          <p:txBody>
+            <a:bodyPr spcFirstLastPara="1" wrap="square" lIns="127975" tIns="127975" rIns="127975" bIns="127975" anchor="ctr" anchorCtr="0">
+              <a:noAutofit/>
+            </a:bodyPr>
+            <a:lstStyle/>
+            <a:p>
+              <a:pPr marL="0" marR="0" lvl="0" indent="0" algn="ctr" rtl="0">
+                <a:lnSpc>
+                  <a:spcPct val="100000"/>
+                </a:lnSpc>
+                <a:spcBef>
+                  <a:spcPts val="0"/>
+                </a:spcBef>
+                <a:spcAft>
+                  <a:spcPts val="0"/>
+                </a:spcAft>
+                <a:buNone/>
+              </a:pPr>
+              <a:r>
+                <a:rPr lang="ko" sz="1100" b="0" i="0" u="none" strike="noStrike" cap="none" dirty="0">
+                  <a:solidFill>
+                    <a:schemeClr val="lt1"/>
+                  </a:solidFill>
+                  <a:latin typeface="Microsoft GothicNeo Light" panose="020B0300000101010101" pitchFamily="50" charset="-127"/>
+                  <a:ea typeface="Microsoft GothicNeo Light" panose="020B0300000101010101" pitchFamily="50" charset="-127"/>
+                  <a:cs typeface="Microsoft GothicNeo Light" panose="020B0300000101010101" pitchFamily="50" charset="-127"/>
+                  <a:sym typeface="Arial"/>
+                </a:rPr>
+                <a:t>키 입력 업데이트</a:t>
+              </a:r>
+              <a:endParaRPr sz="1100" b="0" i="0" u="none" strike="noStrike" cap="none" dirty="0">
+                <a:solidFill>
+                  <a:schemeClr val="lt1"/>
+                </a:solidFill>
+                <a:latin typeface="Microsoft GothicNeo Light" panose="020B0300000101010101" pitchFamily="50" charset="-127"/>
+                <a:ea typeface="Microsoft GothicNeo Light" panose="020B0300000101010101" pitchFamily="50" charset="-127"/>
+                <a:cs typeface="Microsoft GothicNeo Light" panose="020B0300000101010101" pitchFamily="50" charset="-127"/>
+                <a:sym typeface="Arial"/>
+              </a:endParaRPr>
+            </a:p>
+          </p:txBody>
+        </p:sp>
+        <p:cxnSp>
+          <p:nvCxnSpPr>
+            <p:cNvPr id="171" name="Google Shape;171;p3"/>
+            <p:cNvCxnSpPr>
+              <a:cxnSpLocks/>
+              <a:stCxn id="168" idx="1"/>
+              <a:endCxn id="170" idx="3"/>
+            </p:cNvCxnSpPr>
+            <p:nvPr/>
+          </p:nvCxnSpPr>
+          <p:spPr>
+            <a:xfrm flipH="1">
+              <a:off x="5138076" y="2789525"/>
+              <a:ext cx="337455" cy="0"/>
+            </a:xfrm>
+            <a:prstGeom prst="straightConnector1">
+              <a:avLst/>
+            </a:prstGeom>
+            <a:noFill/>
+            <a:ln w="9525" cap="flat" cmpd="sng">
+              <a:solidFill>
+                <a:schemeClr val="dk2"/>
+              </a:solidFill>
+              <a:prstDash val="solid"/>
+              <a:round/>
+              <a:headEnd type="none" w="sm" len="sm"/>
+              <a:tailEnd type="triangle" w="med" len="med"/>
+            </a:ln>
+          </p:spPr>
+        </p:cxnSp>
+        <p:sp>
+          <p:nvSpPr>
+            <p:cNvPr id="172" name="Google Shape;172;p3"/>
+            <p:cNvSpPr/>
+            <p:nvPr/>
+          </p:nvSpPr>
+          <p:spPr>
+            <a:xfrm>
+              <a:off x="5475531" y="3783473"/>
+              <a:ext cx="1097040" cy="403064"/>
+            </a:xfrm>
+            <a:prstGeom prst="roundRect">
+              <a:avLst>
+                <a:gd name="adj" fmla="val 16667"/>
+              </a:avLst>
+            </a:prstGeom>
+            <a:solidFill>
+              <a:srgbClr val="E06666"/>
+            </a:solidFill>
+            <a:ln>
+              <a:noFill/>
+            </a:ln>
+          </p:spPr>
+          <p:txBody>
+            <a:bodyPr spcFirstLastPara="1" wrap="square" lIns="127975" tIns="127975" rIns="127975" bIns="127975" anchor="ctr" anchorCtr="0">
+              <a:noAutofit/>
+            </a:bodyPr>
+            <a:lstStyle/>
+            <a:p>
+              <a:pPr marL="0" marR="0" lvl="0" indent="0" algn="ctr" rtl="0">
+                <a:lnSpc>
+                  <a:spcPct val="100000"/>
+                </a:lnSpc>
+                <a:spcBef>
+                  <a:spcPts val="0"/>
+                </a:spcBef>
+                <a:spcAft>
+                  <a:spcPts val="0"/>
+                </a:spcAft>
+                <a:buNone/>
+              </a:pPr>
+              <a:r>
+                <a:rPr lang="ko" sz="1100" b="0" i="0" u="none" strike="noStrike" cap="none">
+                  <a:solidFill>
+                    <a:schemeClr val="lt1"/>
+                  </a:solidFill>
+                  <a:latin typeface="Microsoft GothicNeo Light" panose="020B0300000101010101" pitchFamily="50" charset="-127"/>
+                  <a:ea typeface="Microsoft GothicNeo Light" panose="020B0300000101010101" pitchFamily="50" charset="-127"/>
+                  <a:cs typeface="Microsoft GothicNeo Light" panose="020B0300000101010101" pitchFamily="50" charset="-127"/>
+                  <a:sym typeface="Arial"/>
+                </a:rPr>
+                <a:t>키 입력 recv</a:t>
+              </a:r>
+              <a:endParaRPr sz="1100" b="0" i="0" u="none" strike="noStrike" cap="none">
+                <a:solidFill>
+                  <a:schemeClr val="lt1"/>
+                </a:solidFill>
+                <a:latin typeface="Microsoft GothicNeo Light" panose="020B0300000101010101" pitchFamily="50" charset="-127"/>
+                <a:ea typeface="Microsoft GothicNeo Light" panose="020B0300000101010101" pitchFamily="50" charset="-127"/>
+                <a:cs typeface="Microsoft GothicNeo Light" panose="020B0300000101010101" pitchFamily="50" charset="-127"/>
+                <a:sym typeface="Arial"/>
+              </a:endParaRPr>
+            </a:p>
+          </p:txBody>
+        </p:sp>
+        <p:cxnSp>
+          <p:nvCxnSpPr>
+            <p:cNvPr id="173" name="Google Shape;173;p3"/>
+            <p:cNvCxnSpPr>
+              <a:cxnSpLocks/>
+              <a:stCxn id="167" idx="1"/>
+              <a:endCxn id="172" idx="3"/>
+            </p:cNvCxnSpPr>
+            <p:nvPr/>
+          </p:nvCxnSpPr>
+          <p:spPr>
+            <a:xfrm flipH="1">
+              <a:off x="6572571" y="3976353"/>
+              <a:ext cx="2639852" cy="8652"/>
+            </a:xfrm>
+            <a:prstGeom prst="straightConnector1">
+              <a:avLst/>
+            </a:prstGeom>
+            <a:noFill/>
+            <a:ln w="9525" cap="flat" cmpd="sng">
+              <a:solidFill>
+                <a:schemeClr val="dk2"/>
+              </a:solidFill>
+              <a:prstDash val="solid"/>
+              <a:round/>
+              <a:headEnd type="none" w="sm" len="sm"/>
+              <a:tailEnd type="triangle" w="med" len="med"/>
+            </a:ln>
+          </p:spPr>
+        </p:cxnSp>
+        <p:sp>
+          <p:nvSpPr>
+            <p:cNvPr id="174" name="Google Shape;174;p3"/>
+            <p:cNvSpPr/>
+            <p:nvPr/>
+          </p:nvSpPr>
+          <p:spPr>
+            <a:xfrm>
+              <a:off x="3889475" y="3783473"/>
+              <a:ext cx="1097040" cy="403064"/>
+            </a:xfrm>
+            <a:prstGeom prst="roundRect">
+              <a:avLst>
+                <a:gd name="adj" fmla="val 16667"/>
+              </a:avLst>
+            </a:prstGeom>
+            <a:solidFill>
+              <a:srgbClr val="6D9EEB"/>
+            </a:solidFill>
+            <a:ln>
+              <a:noFill/>
+            </a:ln>
+          </p:spPr>
+          <p:txBody>
+            <a:bodyPr spcFirstLastPara="1" wrap="square" lIns="127975" tIns="127975" rIns="127975" bIns="127975" anchor="ctr" anchorCtr="0">
+              <a:noAutofit/>
+            </a:bodyPr>
+            <a:lstStyle/>
+            <a:p>
+              <a:pPr marL="0" marR="0" lvl="0" indent="0" algn="ctr" rtl="0">
+                <a:lnSpc>
+                  <a:spcPct val="100000"/>
+                </a:lnSpc>
+                <a:spcBef>
+                  <a:spcPts val="0"/>
+                </a:spcBef>
+                <a:spcAft>
+                  <a:spcPts val="0"/>
+                </a:spcAft>
+                <a:buNone/>
+              </a:pPr>
+              <a:r>
+                <a:rPr lang="ko" sz="1100" b="0" i="0" u="none" strike="noStrike" cap="none">
+                  <a:solidFill>
+                    <a:schemeClr val="lt1"/>
+                  </a:solidFill>
+                  <a:latin typeface="Microsoft GothicNeo Light" panose="020B0300000101010101" pitchFamily="50" charset="-127"/>
+                  <a:ea typeface="Microsoft GothicNeo Light" panose="020B0300000101010101" pitchFamily="50" charset="-127"/>
+                  <a:cs typeface="Microsoft GothicNeo Light" panose="020B0300000101010101" pitchFamily="50" charset="-127"/>
+                  <a:sym typeface="Arial"/>
+                </a:rPr>
+                <a:t>공격 범위 업데이트</a:t>
+              </a:r>
+              <a:endParaRPr sz="1100" b="0" i="0" u="none" strike="noStrike" cap="none">
+                <a:solidFill>
+                  <a:schemeClr val="lt1"/>
+                </a:solidFill>
+                <a:latin typeface="Microsoft GothicNeo Light" panose="020B0300000101010101" pitchFamily="50" charset="-127"/>
+                <a:ea typeface="Microsoft GothicNeo Light" panose="020B0300000101010101" pitchFamily="50" charset="-127"/>
+                <a:cs typeface="Microsoft GothicNeo Light" panose="020B0300000101010101" pitchFamily="50" charset="-127"/>
+                <a:sym typeface="Arial"/>
+              </a:endParaRPr>
+            </a:p>
+          </p:txBody>
+        </p:sp>
+        <p:cxnSp>
+          <p:nvCxnSpPr>
+            <p:cNvPr id="175" name="Google Shape;175;p3"/>
+            <p:cNvCxnSpPr>
+              <a:stCxn id="172" idx="1"/>
+              <a:endCxn id="174" idx="3"/>
+            </p:cNvCxnSpPr>
+            <p:nvPr/>
+          </p:nvCxnSpPr>
+          <p:spPr>
+            <a:xfrm rot="10800000">
+              <a:off x="4986481" y="3985005"/>
+              <a:ext cx="489050" cy="0"/>
+            </a:xfrm>
+            <a:prstGeom prst="straightConnector1">
+              <a:avLst/>
+            </a:prstGeom>
+            <a:noFill/>
+            <a:ln w="9525" cap="flat" cmpd="sng">
+              <a:solidFill>
+                <a:schemeClr val="dk2"/>
+              </a:solidFill>
+              <a:prstDash val="solid"/>
+              <a:round/>
+              <a:headEnd type="none" w="sm" len="sm"/>
+              <a:tailEnd type="triangle" w="med" len="med"/>
+            </a:ln>
+          </p:spPr>
+        </p:cxnSp>
+        <p:sp>
+          <p:nvSpPr>
+            <p:cNvPr id="176" name="Google Shape;176;p3"/>
+            <p:cNvSpPr/>
+            <p:nvPr/>
+          </p:nvSpPr>
+          <p:spPr>
+            <a:xfrm>
+              <a:off x="1604259" y="3544742"/>
+              <a:ext cx="1996507" cy="880530"/>
+            </a:xfrm>
+            <a:prstGeom prst="flowChartDecision">
+              <a:avLst/>
+            </a:prstGeom>
+            <a:solidFill>
+              <a:srgbClr val="6D9EEB"/>
+            </a:solidFill>
+            <a:ln>
+              <a:noFill/>
+            </a:ln>
+          </p:spPr>
+          <p:txBody>
+            <a:bodyPr spcFirstLastPara="1" wrap="square" lIns="127975" tIns="127975" rIns="127975" bIns="127975" anchor="ctr" anchorCtr="0">
+              <a:noAutofit/>
+            </a:bodyPr>
+            <a:lstStyle/>
+            <a:p>
+              <a:pPr marL="0" marR="0" lvl="0" indent="0" algn="ctr" rtl="0">
+                <a:lnSpc>
+                  <a:spcPct val="100000"/>
+                </a:lnSpc>
+                <a:spcBef>
+                  <a:spcPts val="0"/>
+                </a:spcBef>
+                <a:spcAft>
+                  <a:spcPts val="0"/>
+                </a:spcAft>
+                <a:buNone/>
+              </a:pPr>
+              <a:r>
+                <a:rPr lang="ko" sz="1100" b="0" i="0" u="none" strike="noStrike" cap="none">
+                  <a:solidFill>
+                    <a:schemeClr val="lt1"/>
+                  </a:solidFill>
+                  <a:latin typeface="Microsoft GothicNeo Light" panose="020B0300000101010101" pitchFamily="50" charset="-127"/>
+                  <a:ea typeface="Microsoft GothicNeo Light" panose="020B0300000101010101" pitchFamily="50" charset="-127"/>
+                  <a:cs typeface="Microsoft GothicNeo Light" panose="020B0300000101010101" pitchFamily="50" charset="-127"/>
+                  <a:sym typeface="Arial"/>
+                </a:rPr>
+                <a:t>충돌 체크</a:t>
+              </a:r>
+              <a:endParaRPr sz="1100" b="0" i="0" u="none" strike="noStrike" cap="none">
+                <a:solidFill>
+                  <a:schemeClr val="lt1"/>
+                </a:solidFill>
+                <a:latin typeface="Microsoft GothicNeo Light" panose="020B0300000101010101" pitchFamily="50" charset="-127"/>
+                <a:ea typeface="Microsoft GothicNeo Light" panose="020B0300000101010101" pitchFamily="50" charset="-127"/>
+                <a:cs typeface="Microsoft GothicNeo Light" panose="020B0300000101010101" pitchFamily="50" charset="-127"/>
+                <a:sym typeface="Arial"/>
+              </a:endParaRPr>
+            </a:p>
+          </p:txBody>
+        </p:sp>
+        <p:cxnSp>
+          <p:nvCxnSpPr>
+            <p:cNvPr id="177" name="Google Shape;177;p3"/>
+            <p:cNvCxnSpPr>
+              <a:stCxn id="174" idx="1"/>
+              <a:endCxn id="176" idx="3"/>
+            </p:cNvCxnSpPr>
+            <p:nvPr/>
+          </p:nvCxnSpPr>
+          <p:spPr>
+            <a:xfrm rot="10800000">
+              <a:off x="3600873" y="3985005"/>
+              <a:ext cx="288603" cy="0"/>
+            </a:xfrm>
+            <a:prstGeom prst="straightConnector1">
+              <a:avLst/>
+            </a:prstGeom>
+            <a:noFill/>
+            <a:ln w="9525" cap="flat" cmpd="sng">
+              <a:solidFill>
+                <a:schemeClr val="dk2"/>
+              </a:solidFill>
+              <a:prstDash val="solid"/>
+              <a:round/>
+              <a:headEnd type="none" w="sm" len="sm"/>
+              <a:tailEnd type="triangle" w="med" len="med"/>
+            </a:ln>
+          </p:spPr>
+        </p:cxnSp>
+        <p:sp>
+          <p:nvSpPr>
+            <p:cNvPr id="178" name="Google Shape;178;p3"/>
+            <p:cNvSpPr/>
+            <p:nvPr/>
+          </p:nvSpPr>
+          <p:spPr>
+            <a:xfrm>
+              <a:off x="3889475" y="4381213"/>
+              <a:ext cx="1097040" cy="403064"/>
+            </a:xfrm>
+            <a:prstGeom prst="roundRect">
+              <a:avLst>
+                <a:gd name="adj" fmla="val 16667"/>
+              </a:avLst>
+            </a:prstGeom>
+            <a:solidFill>
+              <a:srgbClr val="6D9EEB"/>
+            </a:solidFill>
+            <a:ln>
+              <a:noFill/>
+            </a:ln>
+          </p:spPr>
+          <p:txBody>
+            <a:bodyPr spcFirstLastPara="1" wrap="square" lIns="127975" tIns="127975" rIns="127975" bIns="127975" anchor="ctr" anchorCtr="0">
+              <a:noAutofit/>
+            </a:bodyPr>
+            <a:lstStyle/>
+            <a:p>
+              <a:pPr marL="0" marR="0" lvl="0" indent="0" algn="ctr" rtl="0">
+                <a:lnSpc>
+                  <a:spcPct val="100000"/>
+                </a:lnSpc>
+                <a:spcBef>
+                  <a:spcPts val="0"/>
+                </a:spcBef>
+                <a:spcAft>
+                  <a:spcPts val="0"/>
+                </a:spcAft>
+                <a:buNone/>
+              </a:pPr>
+              <a:r>
+                <a:rPr lang="ko" sz="1100" b="0" i="0" u="none" strike="noStrike" cap="none">
+                  <a:solidFill>
+                    <a:schemeClr val="lt1"/>
+                  </a:solidFill>
+                  <a:latin typeface="Microsoft GothicNeo Light" panose="020B0300000101010101" pitchFamily="50" charset="-127"/>
+                  <a:ea typeface="Microsoft GothicNeo Light" panose="020B0300000101010101" pitchFamily="50" charset="-127"/>
+                  <a:cs typeface="Microsoft GothicNeo Light" panose="020B0300000101010101" pitchFamily="50" charset="-127"/>
+                  <a:sym typeface="Arial"/>
+                </a:rPr>
+                <a:t>상태 변화 send</a:t>
+              </a:r>
+              <a:endParaRPr sz="1100" b="0" i="0" u="none" strike="noStrike" cap="none">
+                <a:solidFill>
+                  <a:schemeClr val="lt1"/>
+                </a:solidFill>
+                <a:latin typeface="Microsoft GothicNeo Light" panose="020B0300000101010101" pitchFamily="50" charset="-127"/>
+                <a:ea typeface="Microsoft GothicNeo Light" panose="020B0300000101010101" pitchFamily="50" charset="-127"/>
+                <a:cs typeface="Microsoft GothicNeo Light" panose="020B0300000101010101" pitchFamily="50" charset="-127"/>
+                <a:sym typeface="Arial"/>
+              </a:endParaRPr>
+            </a:p>
+          </p:txBody>
+        </p:sp>
+        <p:sp>
+          <p:nvSpPr>
+            <p:cNvPr id="179" name="Google Shape;179;p3"/>
+            <p:cNvSpPr/>
+            <p:nvPr/>
+          </p:nvSpPr>
+          <p:spPr>
+            <a:xfrm>
+              <a:off x="7626286" y="4381213"/>
+              <a:ext cx="1097040" cy="403064"/>
+            </a:xfrm>
+            <a:prstGeom prst="roundRect">
+              <a:avLst>
+                <a:gd name="adj" fmla="val 16667"/>
+              </a:avLst>
+            </a:prstGeom>
+            <a:solidFill>
+              <a:srgbClr val="E06666"/>
+            </a:solidFill>
+            <a:ln>
+              <a:noFill/>
+            </a:ln>
+          </p:spPr>
+          <p:txBody>
+            <a:bodyPr spcFirstLastPara="1" wrap="square" lIns="127975" tIns="127975" rIns="127975" bIns="127975" anchor="ctr" anchorCtr="0">
+              <a:noAutofit/>
+            </a:bodyPr>
+            <a:lstStyle/>
+            <a:p>
+              <a:pPr marL="0" marR="0" lvl="0" indent="0" algn="ctr" rtl="0">
+                <a:lnSpc>
+                  <a:spcPct val="100000"/>
+                </a:lnSpc>
+                <a:spcBef>
+                  <a:spcPts val="0"/>
+                </a:spcBef>
+                <a:spcAft>
+                  <a:spcPts val="0"/>
+                </a:spcAft>
+                <a:buNone/>
+              </a:pPr>
+              <a:r>
+                <a:rPr lang="ko" sz="1100" b="0" i="0" u="none" strike="noStrike" cap="none">
+                  <a:solidFill>
+                    <a:schemeClr val="lt1"/>
+                  </a:solidFill>
+                  <a:latin typeface="Microsoft GothicNeo Light" panose="020B0300000101010101" pitchFamily="50" charset="-127"/>
+                  <a:ea typeface="Microsoft GothicNeo Light" panose="020B0300000101010101" pitchFamily="50" charset="-127"/>
+                  <a:cs typeface="Microsoft GothicNeo Light" panose="020B0300000101010101" pitchFamily="50" charset="-127"/>
+                  <a:sym typeface="Arial"/>
+                </a:rPr>
+                <a:t>상태 결과 recv</a:t>
+              </a:r>
+              <a:endParaRPr sz="1100" b="0" i="0" u="none" strike="noStrike" cap="none">
+                <a:solidFill>
+                  <a:schemeClr val="lt1"/>
+                </a:solidFill>
+                <a:latin typeface="Microsoft GothicNeo Light" panose="020B0300000101010101" pitchFamily="50" charset="-127"/>
+                <a:ea typeface="Microsoft GothicNeo Light" panose="020B0300000101010101" pitchFamily="50" charset="-127"/>
+                <a:cs typeface="Microsoft GothicNeo Light" panose="020B0300000101010101" pitchFamily="50" charset="-127"/>
+                <a:sym typeface="Arial"/>
+              </a:endParaRPr>
+            </a:p>
+          </p:txBody>
+        </p:sp>
+        <p:cxnSp>
+          <p:nvCxnSpPr>
+            <p:cNvPr id="180" name="Google Shape;180;p3"/>
+            <p:cNvCxnSpPr>
+              <a:cxnSpLocks/>
+              <a:stCxn id="178" idx="3"/>
+              <a:endCxn id="179" idx="1"/>
+            </p:cNvCxnSpPr>
+            <p:nvPr/>
+          </p:nvCxnSpPr>
+          <p:spPr>
+            <a:xfrm>
+              <a:off x="4986515" y="4582745"/>
+              <a:ext cx="2639771" cy="0"/>
+            </a:xfrm>
+            <a:prstGeom prst="straightConnector1">
+              <a:avLst/>
+            </a:prstGeom>
+            <a:noFill/>
+            <a:ln w="9525" cap="flat" cmpd="sng">
+              <a:solidFill>
+                <a:schemeClr val="dk2"/>
+              </a:solidFill>
+              <a:prstDash val="solid"/>
+              <a:round/>
+              <a:headEnd type="none" w="sm" len="sm"/>
+              <a:tailEnd type="triangle" w="med" len="med"/>
+            </a:ln>
+          </p:spPr>
+        </p:cxnSp>
+        <p:cxnSp>
+          <p:nvCxnSpPr>
+            <p:cNvPr id="181" name="Google Shape;181;p3"/>
+            <p:cNvCxnSpPr>
+              <a:stCxn id="179" idx="3"/>
+            </p:cNvCxnSpPr>
+            <p:nvPr/>
+          </p:nvCxnSpPr>
+          <p:spPr>
+            <a:xfrm rot="10800000" flipH="1">
+              <a:off x="8723326" y="4578198"/>
+              <a:ext cx="481005" cy="4548"/>
+            </a:xfrm>
+            <a:prstGeom prst="straightConnector1">
+              <a:avLst/>
+            </a:prstGeom>
+            <a:noFill/>
+            <a:ln w="9525" cap="flat" cmpd="sng">
+              <a:solidFill>
+                <a:schemeClr val="dk2"/>
+              </a:solidFill>
+              <a:prstDash val="solid"/>
+              <a:round/>
+              <a:headEnd type="none" w="sm" len="sm"/>
+              <a:tailEnd type="triangle" w="med" len="med"/>
+            </a:ln>
+          </p:spPr>
+        </p:cxnSp>
+        <p:sp>
+          <p:nvSpPr>
+            <p:cNvPr id="183" name="Google Shape;183;p3"/>
+            <p:cNvSpPr txBox="1"/>
+            <p:nvPr/>
+          </p:nvSpPr>
+          <p:spPr>
+            <a:xfrm>
+              <a:off x="2610878" y="4242985"/>
+              <a:ext cx="1286994" cy="504671"/>
+            </a:xfrm>
+            <a:prstGeom prst="rect">
+              <a:avLst/>
+            </a:prstGeom>
+            <a:noFill/>
+            <a:ln>
+              <a:noFill/>
+            </a:ln>
+          </p:spPr>
+          <p:txBody>
+            <a:bodyPr spcFirstLastPara="1" wrap="square" lIns="127975" tIns="127975" rIns="127975" bIns="127975" anchor="t" anchorCtr="0">
+              <a:spAutoFit/>
+            </a:bodyPr>
+            <a:lstStyle/>
+            <a:p>
+              <a:pPr marL="0" marR="0" lvl="0" indent="0" algn="l" rtl="0">
+                <a:lnSpc>
+                  <a:spcPct val="100000"/>
+                </a:lnSpc>
+                <a:spcBef>
+                  <a:spcPts val="0"/>
+                </a:spcBef>
+                <a:spcAft>
+                  <a:spcPts val="0"/>
+                </a:spcAft>
+                <a:buNone/>
+              </a:pPr>
+              <a:r>
+                <a:rPr lang="ko" sz="1600" b="0" i="0" u="none" strike="noStrike" cap="none" dirty="0">
+                  <a:solidFill>
+                    <a:srgbClr val="000000"/>
+                  </a:solidFill>
+                  <a:latin typeface="Microsoft GothicNeo Light" panose="020B0300000101010101" pitchFamily="50" charset="-127"/>
+                  <a:ea typeface="Microsoft GothicNeo Light" panose="020B0300000101010101" pitchFamily="50" charset="-127"/>
+                  <a:cs typeface="Microsoft GothicNeo Light" panose="020B0300000101010101" pitchFamily="50" charset="-127"/>
+                  <a:sym typeface="Arial"/>
+                </a:rPr>
+                <a:t>NO</a:t>
+              </a:r>
+              <a:endParaRPr sz="1600" b="0" i="0" u="none" strike="noStrike" cap="none" dirty="0">
                 <a:solidFill>
                   <a:srgbClr val="000000"/>
                 </a:solidFill>
-                <a:latin typeface="Arial"/>
-                <a:ea typeface="Arial"/>
-                <a:cs typeface="Arial"/>
-                <a:sym typeface="Arial"/>
-              </a:rPr>
-              <a:t>NO</a:t>
-            </a:r>
-            <a:endParaRPr sz="1120" b="0" i="0" u="none" strike="noStrike" cap="none">
+                <a:latin typeface="Microsoft GothicNeo Light" panose="020B0300000101010101" pitchFamily="50" charset="-127"/>
+                <a:ea typeface="Microsoft GothicNeo Light" panose="020B0300000101010101" pitchFamily="50" charset="-127"/>
+                <a:cs typeface="Microsoft GothicNeo Light" panose="020B0300000101010101" pitchFamily="50" charset="-127"/>
+                <a:sym typeface="Arial"/>
+              </a:endParaRPr>
+            </a:p>
+          </p:txBody>
+        </p:sp>
+        <p:sp>
+          <p:nvSpPr>
+            <p:cNvPr id="184" name="Google Shape;184;p3"/>
+            <p:cNvSpPr/>
+            <p:nvPr/>
+          </p:nvSpPr>
+          <p:spPr>
+            <a:xfrm>
+              <a:off x="507220" y="5067884"/>
+              <a:ext cx="1097040" cy="403064"/>
+            </a:xfrm>
+            <a:prstGeom prst="roundRect">
+              <a:avLst>
+                <a:gd name="adj" fmla="val 16667"/>
+              </a:avLst>
+            </a:prstGeom>
+            <a:solidFill>
+              <a:srgbClr val="6D9EEB"/>
+            </a:solidFill>
+            <a:ln>
+              <a:noFill/>
+            </a:ln>
+          </p:spPr>
+          <p:txBody>
+            <a:bodyPr spcFirstLastPara="1" wrap="square" lIns="127975" tIns="127975" rIns="127975" bIns="127975" anchor="ctr" anchorCtr="0">
+              <a:noAutofit/>
+            </a:bodyPr>
+            <a:lstStyle/>
+            <a:p>
+              <a:pPr marL="0" marR="0" lvl="0" indent="0" algn="ctr" rtl="0">
+                <a:lnSpc>
+                  <a:spcPct val="100000"/>
+                </a:lnSpc>
+                <a:spcBef>
+                  <a:spcPts val="0"/>
+                </a:spcBef>
+                <a:spcAft>
+                  <a:spcPts val="0"/>
+                </a:spcAft>
+                <a:buNone/>
+              </a:pPr>
+              <a:r>
+                <a:rPr lang="ko" sz="1100" b="0" i="0" u="none" strike="noStrike" cap="none">
+                  <a:solidFill>
+                    <a:schemeClr val="lt1"/>
+                  </a:solidFill>
+                  <a:latin typeface="Microsoft GothicNeo Light" panose="020B0300000101010101" pitchFamily="50" charset="-127"/>
+                  <a:ea typeface="Microsoft GothicNeo Light" panose="020B0300000101010101" pitchFamily="50" charset="-127"/>
+                  <a:cs typeface="Microsoft GothicNeo Light" panose="020B0300000101010101" pitchFamily="50" charset="-127"/>
+                  <a:sym typeface="Arial"/>
+                </a:rPr>
+                <a:t>캐릭터 업데이트</a:t>
+              </a:r>
+              <a:endParaRPr sz="1100" b="0" i="0" u="none" strike="noStrike" cap="none">
+                <a:solidFill>
+                  <a:schemeClr val="lt1"/>
+                </a:solidFill>
+                <a:latin typeface="Microsoft GothicNeo Light" panose="020B0300000101010101" pitchFamily="50" charset="-127"/>
+                <a:ea typeface="Microsoft GothicNeo Light" panose="020B0300000101010101" pitchFamily="50" charset="-127"/>
+                <a:cs typeface="Microsoft GothicNeo Light" panose="020B0300000101010101" pitchFamily="50" charset="-127"/>
+                <a:sym typeface="Arial"/>
+              </a:endParaRPr>
+            </a:p>
+          </p:txBody>
+        </p:sp>
+        <p:sp>
+          <p:nvSpPr>
+            <p:cNvPr id="185" name="Google Shape;185;p3"/>
+            <p:cNvSpPr txBox="1"/>
+            <p:nvPr/>
+          </p:nvSpPr>
+          <p:spPr>
+            <a:xfrm>
+              <a:off x="1034167" y="3629070"/>
+              <a:ext cx="723851" cy="504671"/>
+            </a:xfrm>
+            <a:prstGeom prst="rect">
+              <a:avLst/>
+            </a:prstGeom>
+            <a:noFill/>
+            <a:ln>
+              <a:noFill/>
+            </a:ln>
+          </p:spPr>
+          <p:txBody>
+            <a:bodyPr spcFirstLastPara="1" wrap="square" lIns="127975" tIns="127975" rIns="127975" bIns="127975" anchor="t" anchorCtr="0">
+              <a:spAutoFit/>
+            </a:bodyPr>
+            <a:lstStyle/>
+            <a:p>
+              <a:pPr marL="0" marR="0" lvl="0" indent="0" algn="l" rtl="0">
+                <a:lnSpc>
+                  <a:spcPct val="100000"/>
+                </a:lnSpc>
+                <a:spcBef>
+                  <a:spcPts val="0"/>
+                </a:spcBef>
+                <a:spcAft>
+                  <a:spcPts val="0"/>
+                </a:spcAft>
+                <a:buNone/>
+              </a:pPr>
+              <a:r>
+                <a:rPr lang="ko" sz="1600" b="0" i="0" u="none" strike="noStrike" cap="none">
+                  <a:solidFill>
+                    <a:srgbClr val="000000"/>
+                  </a:solidFill>
+                  <a:latin typeface="Microsoft GothicNeo Light" panose="020B0300000101010101" pitchFamily="50" charset="-127"/>
+                  <a:ea typeface="Microsoft GothicNeo Light" panose="020B0300000101010101" pitchFamily="50" charset="-127"/>
+                  <a:cs typeface="Microsoft GothicNeo Light" panose="020B0300000101010101" pitchFamily="50" charset="-127"/>
+                  <a:sym typeface="Arial"/>
+                </a:rPr>
+                <a:t>YES</a:t>
+              </a:r>
+              <a:endParaRPr sz="1600" b="0" i="0" u="none" strike="noStrike" cap="none">
+                <a:solidFill>
+                  <a:srgbClr val="000000"/>
+                </a:solidFill>
+                <a:latin typeface="Microsoft GothicNeo Light" panose="020B0300000101010101" pitchFamily="50" charset="-127"/>
+                <a:ea typeface="Microsoft GothicNeo Light" panose="020B0300000101010101" pitchFamily="50" charset="-127"/>
+                <a:cs typeface="Microsoft GothicNeo Light" panose="020B0300000101010101" pitchFamily="50" charset="-127"/>
+                <a:sym typeface="Arial"/>
+              </a:endParaRPr>
+            </a:p>
+          </p:txBody>
+        </p:sp>
+        <p:sp>
+          <p:nvSpPr>
+            <p:cNvPr id="186" name="Google Shape;186;p3"/>
+            <p:cNvSpPr/>
+            <p:nvPr/>
+          </p:nvSpPr>
+          <p:spPr>
+            <a:xfrm>
+              <a:off x="9212422" y="4410476"/>
+              <a:ext cx="2237920" cy="1060472"/>
+            </a:xfrm>
+            <a:prstGeom prst="roundRect">
+              <a:avLst>
+                <a:gd name="adj" fmla="val 16667"/>
+              </a:avLst>
+            </a:prstGeom>
+            <a:solidFill>
+              <a:srgbClr val="6D9EEB"/>
+            </a:solidFill>
+            <a:ln>
+              <a:noFill/>
+            </a:ln>
+          </p:spPr>
+          <p:txBody>
+            <a:bodyPr spcFirstLastPara="1" wrap="square" lIns="127975" tIns="127975" rIns="127975" bIns="127975" anchor="ctr" anchorCtr="0">
+              <a:noAutofit/>
+            </a:bodyPr>
+            <a:lstStyle/>
+            <a:p>
+              <a:pPr marL="0" marR="0" lvl="0" indent="0" algn="ctr" rtl="0">
+                <a:lnSpc>
+                  <a:spcPct val="100000"/>
+                </a:lnSpc>
+                <a:spcBef>
+                  <a:spcPts val="0"/>
+                </a:spcBef>
+                <a:spcAft>
+                  <a:spcPts val="0"/>
+                </a:spcAft>
+                <a:buNone/>
+              </a:pPr>
+              <a:r>
+                <a:rPr lang="ko" sz="1100" b="1" i="0" u="none" strike="noStrike" cap="none" dirty="0">
+                  <a:solidFill>
+                    <a:schemeClr val="lt1"/>
+                  </a:solidFill>
+                  <a:latin typeface="Microsoft GothicNeo Light" panose="020B0300000101010101" pitchFamily="50" charset="-127"/>
+                  <a:ea typeface="Microsoft GothicNeo Light" panose="020B0300000101010101" pitchFamily="50" charset="-127"/>
+                  <a:cs typeface="Microsoft GothicNeo Light" panose="020B0300000101010101" pitchFamily="50" charset="-127"/>
+                  <a:sym typeface="Arial"/>
+                </a:rPr>
+                <a:t>상태 결과 업데이트</a:t>
+              </a:r>
+              <a:endParaRPr lang="en-US" altLang="ko" sz="1100" b="1" i="0" u="none" strike="noStrike" cap="none" dirty="0">
+                <a:solidFill>
+                  <a:schemeClr val="lt1"/>
+                </a:solidFill>
+                <a:latin typeface="Microsoft GothicNeo Light" panose="020B0300000101010101" pitchFamily="50" charset="-127"/>
+                <a:ea typeface="Microsoft GothicNeo Light" panose="020B0300000101010101" pitchFamily="50" charset="-127"/>
+                <a:cs typeface="Microsoft GothicNeo Light" panose="020B0300000101010101" pitchFamily="50" charset="-127"/>
+                <a:sym typeface="Arial"/>
+              </a:endParaRPr>
+            </a:p>
+            <a:p>
+              <a:pPr marL="0" marR="0" lvl="0" indent="0" algn="ctr" rtl="0">
+                <a:lnSpc>
+                  <a:spcPct val="100000"/>
+                </a:lnSpc>
+                <a:spcBef>
+                  <a:spcPts val="0"/>
+                </a:spcBef>
+                <a:spcAft>
+                  <a:spcPts val="0"/>
+                </a:spcAft>
+                <a:buNone/>
+              </a:pPr>
+              <a:endParaRPr lang="en-US" altLang="ko" sz="1100" b="1" i="0" u="none" strike="noStrike" cap="none" dirty="0">
+                <a:solidFill>
+                  <a:schemeClr val="lt1"/>
+                </a:solidFill>
+                <a:latin typeface="Microsoft GothicNeo Light" panose="020B0300000101010101" pitchFamily="50" charset="-127"/>
+                <a:ea typeface="Microsoft GothicNeo Light" panose="020B0300000101010101" pitchFamily="50" charset="-127"/>
+                <a:cs typeface="Microsoft GothicNeo Light" panose="020B0300000101010101" pitchFamily="50" charset="-127"/>
+                <a:sym typeface="Arial"/>
+              </a:endParaRPr>
+            </a:p>
+            <a:p>
+              <a:pPr marL="171450" marR="0" lvl="0" indent="-171450" rtl="0">
+                <a:lnSpc>
+                  <a:spcPct val="100000"/>
+                </a:lnSpc>
+                <a:spcBef>
+                  <a:spcPts val="0"/>
+                </a:spcBef>
+                <a:spcAft>
+                  <a:spcPts val="0"/>
+                </a:spcAft>
+                <a:buFont typeface="Arial" panose="020B0604020202020204" pitchFamily="34" charset="0"/>
+                <a:buChar char="•"/>
+              </a:pPr>
+              <a:r>
+                <a:rPr lang="ko-KR" altLang="en-US" sz="1100" dirty="0">
+                  <a:solidFill>
+                    <a:schemeClr val="lt1"/>
+                  </a:solidFill>
+                  <a:latin typeface="Microsoft GothicNeo Light" panose="020B0300000101010101" pitchFamily="50" charset="-127"/>
+                  <a:ea typeface="Microsoft GothicNeo Light" panose="020B0300000101010101" pitchFamily="50" charset="-127"/>
+                  <a:cs typeface="Microsoft GothicNeo Light" panose="020B0300000101010101" pitchFamily="50" charset="-127"/>
+                </a:rPr>
+                <a:t>캐릭터</a:t>
+              </a:r>
+              <a:r>
+                <a:rPr lang="en-US" sz="1100" dirty="0">
+                  <a:solidFill>
+                    <a:schemeClr val="lt1"/>
+                  </a:solidFill>
+                  <a:latin typeface="Microsoft GothicNeo Light" panose="020B0300000101010101" pitchFamily="50" charset="-127"/>
+                  <a:ea typeface="Microsoft GothicNeo Light" panose="020B0300000101010101" pitchFamily="50" charset="-127"/>
+                  <a:cs typeface="Microsoft GothicNeo Light" panose="020B0300000101010101" pitchFamily="50" charset="-127"/>
+                </a:rPr>
+                <a:t> </a:t>
+              </a:r>
+              <a:r>
+                <a:rPr lang="ko-KR" altLang="en-US" sz="1100" dirty="0">
+                  <a:solidFill>
+                    <a:schemeClr val="lt1"/>
+                  </a:solidFill>
+                  <a:latin typeface="Microsoft GothicNeo Light" panose="020B0300000101010101" pitchFamily="50" charset="-127"/>
+                  <a:ea typeface="Microsoft GothicNeo Light" panose="020B0300000101010101" pitchFamily="50" charset="-127"/>
+                  <a:cs typeface="Microsoft GothicNeo Light" panose="020B0300000101010101" pitchFamily="50" charset="-127"/>
+                </a:rPr>
+                <a:t>데이터</a:t>
+              </a:r>
+              <a:endParaRPr lang="en-US" altLang="ko-KR" sz="1100" dirty="0">
+                <a:solidFill>
+                  <a:schemeClr val="lt1"/>
+                </a:solidFill>
+                <a:latin typeface="Microsoft GothicNeo Light" panose="020B0300000101010101" pitchFamily="50" charset="-127"/>
+                <a:ea typeface="Microsoft GothicNeo Light" panose="020B0300000101010101" pitchFamily="50" charset="-127"/>
+                <a:cs typeface="Microsoft GothicNeo Light" panose="020B0300000101010101" pitchFamily="50" charset="-127"/>
+              </a:endParaRPr>
+            </a:p>
+            <a:p>
+              <a:pPr lvl="1"/>
+              <a:r>
+                <a:rPr lang="en-US" sz="1100" b="0" i="0" u="none" strike="noStrike" cap="none" dirty="0">
+                  <a:solidFill>
+                    <a:schemeClr val="lt1"/>
+                  </a:solidFill>
+                  <a:latin typeface="Microsoft GothicNeo Light" panose="020B0300000101010101" pitchFamily="50" charset="-127"/>
+                  <a:ea typeface="Microsoft GothicNeo Light" panose="020B0300000101010101" pitchFamily="50" charset="-127"/>
+                  <a:cs typeface="Microsoft GothicNeo Light" panose="020B0300000101010101" pitchFamily="50" charset="-127"/>
+                  <a:sym typeface="Arial"/>
+                </a:rPr>
+                <a:t>     (</a:t>
+              </a:r>
+              <a:r>
+                <a:rPr lang="ko-KR" altLang="en-US" sz="1100" b="0" i="0" u="none" strike="noStrike" cap="none" dirty="0">
+                  <a:solidFill>
+                    <a:schemeClr val="lt1"/>
+                  </a:solidFill>
+                  <a:latin typeface="Microsoft GothicNeo Light" panose="020B0300000101010101" pitchFamily="50" charset="-127"/>
+                  <a:ea typeface="Microsoft GothicNeo Light" panose="020B0300000101010101" pitchFamily="50" charset="-127"/>
+                  <a:cs typeface="Microsoft GothicNeo Light" panose="020B0300000101010101" pitchFamily="50" charset="-127"/>
+                  <a:sym typeface="Arial"/>
+                </a:rPr>
+                <a:t>위치</a:t>
+              </a:r>
+              <a:r>
+                <a:rPr lang="en-US" altLang="ko-KR" sz="1100" b="0" i="0" u="none" strike="noStrike" cap="none" dirty="0">
+                  <a:solidFill>
+                    <a:schemeClr val="lt1"/>
+                  </a:solidFill>
+                  <a:latin typeface="Microsoft GothicNeo Light" panose="020B0300000101010101" pitchFamily="50" charset="-127"/>
+                  <a:ea typeface="Microsoft GothicNeo Light" panose="020B0300000101010101" pitchFamily="50" charset="-127"/>
+                  <a:cs typeface="Microsoft GothicNeo Light" panose="020B0300000101010101" pitchFamily="50" charset="-127"/>
+                  <a:sym typeface="Arial"/>
+                </a:rPr>
+                <a:t>, </a:t>
+              </a:r>
+              <a:r>
+                <a:rPr lang="ko-KR" altLang="en-US" sz="1100" b="0" i="0" u="none" strike="noStrike" cap="none" dirty="0">
+                  <a:solidFill>
+                    <a:schemeClr val="lt1"/>
+                  </a:solidFill>
+                  <a:latin typeface="Microsoft GothicNeo Light" panose="020B0300000101010101" pitchFamily="50" charset="-127"/>
+                  <a:ea typeface="Microsoft GothicNeo Light" panose="020B0300000101010101" pitchFamily="50" charset="-127"/>
+                  <a:cs typeface="Microsoft GothicNeo Light" panose="020B0300000101010101" pitchFamily="50" charset="-127"/>
+                  <a:sym typeface="Arial"/>
+                </a:rPr>
+                <a:t>상태</a:t>
+              </a:r>
+              <a:r>
+                <a:rPr lang="en-US" altLang="ko-KR" sz="1100" b="0" i="0" u="none" strike="noStrike" cap="none" dirty="0">
+                  <a:solidFill>
+                    <a:schemeClr val="lt1"/>
+                  </a:solidFill>
+                  <a:latin typeface="Microsoft GothicNeo Light" panose="020B0300000101010101" pitchFamily="50" charset="-127"/>
+                  <a:ea typeface="Microsoft GothicNeo Light" panose="020B0300000101010101" pitchFamily="50" charset="-127"/>
+                  <a:cs typeface="Microsoft GothicNeo Light" panose="020B0300000101010101" pitchFamily="50" charset="-127"/>
+                  <a:sym typeface="Arial"/>
+                </a:rPr>
+                <a:t>, </a:t>
+              </a:r>
+              <a:r>
+                <a:rPr lang="ko-KR" altLang="en-US" sz="1100" b="0" i="0" u="none" strike="noStrike" cap="none" dirty="0">
+                  <a:solidFill>
+                    <a:schemeClr val="lt1"/>
+                  </a:solidFill>
+                  <a:latin typeface="Microsoft GothicNeo Light" panose="020B0300000101010101" pitchFamily="50" charset="-127"/>
+                  <a:ea typeface="Microsoft GothicNeo Light" panose="020B0300000101010101" pitchFamily="50" charset="-127"/>
+                  <a:cs typeface="Microsoft GothicNeo Light" panose="020B0300000101010101" pitchFamily="50" charset="-127"/>
+                  <a:sym typeface="Arial"/>
+                </a:rPr>
+                <a:t>코인 등</a:t>
+              </a:r>
+              <a:r>
+                <a:rPr lang="en-US" altLang="ko-KR" sz="1100" b="0" i="0" u="none" strike="noStrike" cap="none" dirty="0">
+                  <a:solidFill>
+                    <a:schemeClr val="lt1"/>
+                  </a:solidFill>
+                  <a:latin typeface="Microsoft GothicNeo Light" panose="020B0300000101010101" pitchFamily="50" charset="-127"/>
+                  <a:ea typeface="Microsoft GothicNeo Light" panose="020B0300000101010101" pitchFamily="50" charset="-127"/>
+                  <a:cs typeface="Microsoft GothicNeo Light" panose="020B0300000101010101" pitchFamily="50" charset="-127"/>
+                  <a:sym typeface="Arial"/>
+                </a:rPr>
+                <a:t>)</a:t>
+              </a:r>
+              <a:endParaRPr sz="1100" b="0" i="0" u="none" strike="noStrike" cap="none" dirty="0">
+                <a:solidFill>
+                  <a:schemeClr val="lt1"/>
+                </a:solidFill>
+                <a:latin typeface="Microsoft GothicNeo Light" panose="020B0300000101010101" pitchFamily="50" charset="-127"/>
+                <a:ea typeface="Microsoft GothicNeo Light" panose="020B0300000101010101" pitchFamily="50" charset="-127"/>
+                <a:cs typeface="Microsoft GothicNeo Light" panose="020B0300000101010101" pitchFamily="50" charset="-127"/>
+                <a:sym typeface="Arial"/>
+              </a:endParaRPr>
+            </a:p>
+          </p:txBody>
+        </p:sp>
+        <p:cxnSp>
+          <p:nvCxnSpPr>
+            <p:cNvPr id="187" name="Google Shape;187;p3"/>
+            <p:cNvCxnSpPr>
+              <a:endCxn id="176" idx="0"/>
+            </p:cNvCxnSpPr>
+            <p:nvPr/>
+          </p:nvCxnSpPr>
+          <p:spPr>
+            <a:xfrm>
+              <a:off x="2602514" y="2790527"/>
+              <a:ext cx="0" cy="754215"/>
+            </a:xfrm>
+            <a:prstGeom prst="straightConnector1">
+              <a:avLst/>
+            </a:prstGeom>
+            <a:noFill/>
+            <a:ln w="9525" cap="flat" cmpd="sng">
               <a:solidFill>
-                <a:srgbClr val="000000"/>
+                <a:schemeClr val="dk2"/>
               </a:solidFill>
-              <a:latin typeface="Arial"/>
-              <a:ea typeface="Arial"/>
-              <a:cs typeface="Arial"/>
-              <a:sym typeface="Arial"/>
-            </a:endParaRPr>
-          </a:p>
-        </p:txBody>
-      </p:sp>
-      <p:sp>
-        <p:nvSpPr>
-          <p:cNvPr id="184" name="Google Shape;184;p3"/>
-          <p:cNvSpPr/>
-          <p:nvPr/>
-        </p:nvSpPr>
-        <p:spPr>
-          <a:xfrm>
-            <a:off x="110005" y="5317550"/>
-            <a:ext cx="940800" cy="345660"/>
-          </a:xfrm>
-          <a:prstGeom prst="roundRect">
-            <a:avLst>
-              <a:gd name="adj" fmla="val 16667"/>
-            </a:avLst>
-          </a:prstGeom>
-          <a:solidFill>
-            <a:srgbClr val="6D9EEB"/>
-          </a:solidFill>
-          <a:ln>
+              <a:prstDash val="solid"/>
+              <a:round/>
+              <a:headEnd type="none" w="sm" len="sm"/>
+              <a:tailEnd type="triangle" w="med" len="med"/>
+            </a:ln>
+          </p:spPr>
+        </p:cxnSp>
+        <p:cxnSp>
+          <p:nvCxnSpPr>
+            <p:cNvPr id="188" name="Google Shape;188;p3"/>
+            <p:cNvCxnSpPr>
+              <a:cxnSpLocks/>
+              <a:stCxn id="170" idx="1"/>
+            </p:cNvCxnSpPr>
+            <p:nvPr/>
+          </p:nvCxnSpPr>
+          <p:spPr>
+            <a:xfrm flipH="1">
+              <a:off x="2610878" y="2789525"/>
+              <a:ext cx="1127036" cy="0"/>
+            </a:xfrm>
+            <a:prstGeom prst="straightConnector1">
+              <a:avLst/>
+            </a:prstGeom>
             <a:noFill/>
-          </a:ln>
-        </p:spPr>
-        <p:txBody>
-          <a:bodyPr spcFirstLastPara="1" wrap="square" lIns="127975" tIns="127975" rIns="127975" bIns="127975" anchor="ctr" anchorCtr="0">
-            <a:noAutofit/>
-          </a:bodyPr>
-          <a:lstStyle/>
-          <a:p>
-            <a:pPr marL="0" marR="0" lvl="0" indent="0" algn="ctr" rtl="0">
-              <a:lnSpc>
-                <a:spcPct val="100000"/>
-              </a:lnSpc>
-              <a:spcBef>
-                <a:spcPts val="0"/>
-              </a:spcBef>
-              <a:spcAft>
-                <a:spcPts val="0"/>
-              </a:spcAft>
-              <a:buNone/>
-            </a:pPr>
-            <a:r>
-              <a:rPr lang="ko" sz="980" b="0" i="0" u="none" strike="noStrike" cap="none">
+            <a:ln w="9525" cap="flat" cmpd="sng">
+              <a:solidFill>
+                <a:schemeClr val="dk2"/>
+              </a:solidFill>
+              <a:prstDash val="solid"/>
+              <a:round/>
+              <a:headEnd type="none" w="sm" len="sm"/>
+              <a:tailEnd type="none" w="sm" len="sm"/>
+            </a:ln>
+          </p:spPr>
+        </p:cxnSp>
+        <p:cxnSp>
+          <p:nvCxnSpPr>
+            <p:cNvPr id="191" name="Google Shape;191;p3"/>
+            <p:cNvCxnSpPr>
+              <a:stCxn id="176" idx="1"/>
+            </p:cNvCxnSpPr>
+            <p:nvPr/>
+          </p:nvCxnSpPr>
+          <p:spPr>
+            <a:xfrm rot="10800000">
+              <a:off x="1043146" y="3985008"/>
+              <a:ext cx="561114" cy="0"/>
+            </a:xfrm>
+            <a:prstGeom prst="straightConnector1">
+              <a:avLst/>
+            </a:prstGeom>
+            <a:noFill/>
+            <a:ln w="9525" cap="flat" cmpd="sng">
+              <a:solidFill>
+                <a:schemeClr val="dk2"/>
+              </a:solidFill>
+              <a:prstDash val="solid"/>
+              <a:round/>
+              <a:headEnd type="none" w="sm" len="sm"/>
+              <a:tailEnd type="none" w="sm" len="sm"/>
+            </a:ln>
+          </p:spPr>
+        </p:cxnSp>
+        <p:cxnSp>
+          <p:nvCxnSpPr>
+            <p:cNvPr id="192" name="Google Shape;192;p3"/>
+            <p:cNvCxnSpPr>
+              <a:endCxn id="184" idx="0"/>
+            </p:cNvCxnSpPr>
+            <p:nvPr/>
+          </p:nvCxnSpPr>
+          <p:spPr>
+            <a:xfrm>
+              <a:off x="1055741" y="3969794"/>
+              <a:ext cx="0" cy="1098090"/>
+            </a:xfrm>
+            <a:prstGeom prst="straightConnector1">
+              <a:avLst/>
+            </a:prstGeom>
+            <a:noFill/>
+            <a:ln w="9525" cap="flat" cmpd="sng">
+              <a:solidFill>
+                <a:schemeClr val="dk2"/>
+              </a:solidFill>
+              <a:prstDash val="solid"/>
+              <a:round/>
+              <a:headEnd type="none" w="sm" len="sm"/>
+              <a:tailEnd type="triangle" w="med" len="med"/>
+            </a:ln>
+          </p:spPr>
+        </p:cxnSp>
+        <p:cxnSp>
+          <p:nvCxnSpPr>
+            <p:cNvPr id="193" name="Google Shape;193;p3"/>
+            <p:cNvCxnSpPr>
+              <a:stCxn id="184" idx="3"/>
+            </p:cNvCxnSpPr>
+            <p:nvPr/>
+          </p:nvCxnSpPr>
+          <p:spPr>
+            <a:xfrm>
+              <a:off x="1604261" y="5269416"/>
+              <a:ext cx="2827257" cy="0"/>
+            </a:xfrm>
+            <a:prstGeom prst="straightConnector1">
+              <a:avLst/>
+            </a:prstGeom>
+            <a:noFill/>
+            <a:ln w="9525" cap="flat" cmpd="sng">
+              <a:solidFill>
+                <a:schemeClr val="dk2"/>
+              </a:solidFill>
+              <a:prstDash val="solid"/>
+              <a:round/>
+              <a:headEnd type="none" w="sm" len="sm"/>
+              <a:tailEnd type="none" w="sm" len="sm"/>
+            </a:ln>
+          </p:spPr>
+        </p:cxnSp>
+        <p:cxnSp>
+          <p:nvCxnSpPr>
+            <p:cNvPr id="194" name="Google Shape;194;p3"/>
+            <p:cNvCxnSpPr>
+              <a:endCxn id="178" idx="2"/>
+            </p:cNvCxnSpPr>
+            <p:nvPr/>
+          </p:nvCxnSpPr>
+          <p:spPr>
+            <a:xfrm rot="10800000">
+              <a:off x="4437995" y="4784277"/>
+              <a:ext cx="0" cy="491849"/>
+            </a:xfrm>
+            <a:prstGeom prst="straightConnector1">
+              <a:avLst/>
+            </a:prstGeom>
+            <a:noFill/>
+            <a:ln w="9525" cap="flat" cmpd="sng">
+              <a:solidFill>
+                <a:schemeClr val="dk2"/>
+              </a:solidFill>
+              <a:prstDash val="solid"/>
+              <a:round/>
+              <a:headEnd type="none" w="sm" len="sm"/>
+              <a:tailEnd type="triangle" w="med" len="med"/>
+            </a:ln>
+          </p:spPr>
+        </p:cxnSp>
+        <p:sp>
+          <p:nvSpPr>
+            <p:cNvPr id="195" name="Google Shape;195;p3"/>
+            <p:cNvSpPr/>
+            <p:nvPr/>
+          </p:nvSpPr>
+          <p:spPr>
+            <a:xfrm>
+              <a:off x="1043007" y="1423612"/>
+              <a:ext cx="223816" cy="223816"/>
+            </a:xfrm>
+            <a:prstGeom prst="flowChartConnector">
+              <a:avLst/>
+            </a:prstGeom>
+            <a:solidFill>
+              <a:schemeClr val="lt2"/>
+            </a:solidFill>
+            <a:ln w="9525" cap="flat" cmpd="sng">
+              <a:solidFill>
+                <a:schemeClr val="dk2"/>
+              </a:solidFill>
+              <a:prstDash val="solid"/>
+              <a:round/>
+              <a:headEnd type="none" w="sm" len="sm"/>
+              <a:tailEnd type="none" w="sm" len="sm"/>
+            </a:ln>
+          </p:spPr>
+          <p:txBody>
+            <a:bodyPr spcFirstLastPara="1" wrap="square" lIns="127975" tIns="127975" rIns="127975" bIns="127975" anchor="ctr" anchorCtr="0">
+              <a:noAutofit/>
+            </a:bodyPr>
+            <a:lstStyle/>
+            <a:p>
+              <a:pPr marL="0" marR="0" lvl="0" indent="0" algn="l" rtl="0">
+                <a:lnSpc>
+                  <a:spcPct val="100000"/>
+                </a:lnSpc>
+                <a:spcBef>
+                  <a:spcPts val="0"/>
+                </a:spcBef>
+                <a:spcAft>
+                  <a:spcPts val="0"/>
+                </a:spcAft>
+                <a:buNone/>
+              </a:pPr>
+              <a:endParaRPr sz="2800" b="0" i="0" u="none" strike="noStrike" cap="none">
+                <a:solidFill>
+                  <a:srgbClr val="000000"/>
+                </a:solidFill>
+                <a:latin typeface="Microsoft GothicNeo Light" panose="020B0300000101010101" pitchFamily="50" charset="-127"/>
+                <a:ea typeface="Microsoft GothicNeo Light" panose="020B0300000101010101" pitchFamily="50" charset="-127"/>
+                <a:cs typeface="Microsoft GothicNeo Light" panose="020B0300000101010101" pitchFamily="50" charset="-127"/>
+                <a:sym typeface="Arial"/>
+              </a:endParaRPr>
+            </a:p>
+          </p:txBody>
+        </p:sp>
+        <p:sp>
+          <p:nvSpPr>
+            <p:cNvPr id="196" name="Google Shape;196;p3"/>
+            <p:cNvSpPr/>
+            <p:nvPr/>
+          </p:nvSpPr>
+          <p:spPr>
+            <a:xfrm>
+              <a:off x="1043007" y="6217368"/>
+              <a:ext cx="223816" cy="223816"/>
+            </a:xfrm>
+            <a:prstGeom prst="flowChartConnector">
+              <a:avLst/>
+            </a:prstGeom>
+            <a:solidFill>
+              <a:schemeClr val="lt2"/>
+            </a:solidFill>
+            <a:ln w="9525" cap="flat" cmpd="sng">
+              <a:solidFill>
+                <a:schemeClr val="dk2"/>
+              </a:solidFill>
+              <a:prstDash val="solid"/>
+              <a:round/>
+              <a:headEnd type="none" w="sm" len="sm"/>
+              <a:tailEnd type="none" w="sm" len="sm"/>
+            </a:ln>
+          </p:spPr>
+          <p:txBody>
+            <a:bodyPr spcFirstLastPara="1" wrap="square" lIns="127975" tIns="127975" rIns="127975" bIns="127975" anchor="ctr" anchorCtr="0">
+              <a:noAutofit/>
+            </a:bodyPr>
+            <a:lstStyle/>
+            <a:p>
+              <a:pPr marL="0" marR="0" lvl="0" indent="0" algn="l" rtl="0">
+                <a:lnSpc>
+                  <a:spcPct val="100000"/>
+                </a:lnSpc>
+                <a:spcBef>
+                  <a:spcPts val="0"/>
+                </a:spcBef>
+                <a:spcAft>
+                  <a:spcPts val="0"/>
+                </a:spcAft>
+                <a:buNone/>
+              </a:pPr>
+              <a:endParaRPr sz="2800" b="0" i="0" u="none" strike="noStrike" cap="none">
+                <a:solidFill>
+                  <a:srgbClr val="000000"/>
+                </a:solidFill>
+                <a:latin typeface="Microsoft GothicNeo Light" panose="020B0300000101010101" pitchFamily="50" charset="-127"/>
+                <a:ea typeface="Microsoft GothicNeo Light" panose="020B0300000101010101" pitchFamily="50" charset="-127"/>
+                <a:cs typeface="Microsoft GothicNeo Light" panose="020B0300000101010101" pitchFamily="50" charset="-127"/>
+                <a:sym typeface="Arial"/>
+              </a:endParaRPr>
+            </a:p>
+          </p:txBody>
+        </p:sp>
+        <p:cxnSp>
+          <p:nvCxnSpPr>
+            <p:cNvPr id="197" name="Google Shape;197;p3"/>
+            <p:cNvCxnSpPr>
+              <a:endCxn id="195" idx="6"/>
+            </p:cNvCxnSpPr>
+            <p:nvPr/>
+          </p:nvCxnSpPr>
+          <p:spPr>
+            <a:xfrm rot="10800000">
+              <a:off x="1266823" y="1535520"/>
+              <a:ext cx="2622612" cy="0"/>
+            </a:xfrm>
+            <a:prstGeom prst="straightConnector1">
+              <a:avLst/>
+            </a:prstGeom>
+            <a:noFill/>
+            <a:ln w="9525" cap="flat" cmpd="sng">
+              <a:solidFill>
+                <a:schemeClr val="dk2"/>
+              </a:solidFill>
+              <a:prstDash val="solid"/>
+              <a:round/>
+              <a:headEnd type="none" w="sm" len="sm"/>
+              <a:tailEnd type="triangle" w="med" len="med"/>
+            </a:ln>
+          </p:spPr>
+        </p:cxnSp>
+        <p:sp>
+          <p:nvSpPr>
+            <p:cNvPr id="198" name="Google Shape;198;p3"/>
+            <p:cNvSpPr/>
+            <p:nvPr/>
+          </p:nvSpPr>
+          <p:spPr>
+            <a:xfrm>
+              <a:off x="2053995" y="6113541"/>
+              <a:ext cx="1097040" cy="403064"/>
+            </a:xfrm>
+            <a:prstGeom prst="roundRect">
+              <a:avLst>
+                <a:gd name="adj" fmla="val 16667"/>
+              </a:avLst>
+            </a:prstGeom>
+            <a:solidFill>
+              <a:srgbClr val="FFE599"/>
+            </a:solidFill>
+            <a:ln>
+              <a:noFill/>
+            </a:ln>
+          </p:spPr>
+          <p:txBody>
+            <a:bodyPr spcFirstLastPara="1" wrap="square" lIns="127975" tIns="127975" rIns="127975" bIns="127975" anchor="ctr" anchorCtr="0">
+              <a:noAutofit/>
+            </a:bodyPr>
+            <a:lstStyle/>
+            <a:p>
+              <a:pPr marL="0" marR="0" lvl="0" indent="0" algn="ctr" rtl="0">
+                <a:lnSpc>
+                  <a:spcPct val="100000"/>
+                </a:lnSpc>
+                <a:spcBef>
+                  <a:spcPts val="0"/>
+                </a:spcBef>
+                <a:spcAft>
+                  <a:spcPts val="0"/>
+                </a:spcAft>
+                <a:buNone/>
+              </a:pPr>
+              <a:r>
+                <a:rPr lang="ko" sz="1100" b="0" i="0" u="none" strike="noStrike" cap="none">
+                  <a:solidFill>
+                    <a:schemeClr val="dk1"/>
+                  </a:solidFill>
+                  <a:latin typeface="Microsoft GothicNeo Light" panose="020B0300000101010101" pitchFamily="50" charset="-127"/>
+                  <a:ea typeface="Microsoft GothicNeo Light" panose="020B0300000101010101" pitchFamily="50" charset="-127"/>
+                  <a:cs typeface="Microsoft GothicNeo Light" panose="020B0300000101010101" pitchFamily="50" charset="-127"/>
+                  <a:sym typeface="Arial"/>
+                </a:rPr>
+                <a:t>타이머 업데이트</a:t>
+              </a:r>
+              <a:endParaRPr sz="1100" b="0" i="0" u="none" strike="noStrike" cap="none">
+                <a:solidFill>
+                  <a:schemeClr val="dk1"/>
+                </a:solidFill>
+                <a:latin typeface="Microsoft GothicNeo Light" panose="020B0300000101010101" pitchFamily="50" charset="-127"/>
+                <a:ea typeface="Microsoft GothicNeo Light" panose="020B0300000101010101" pitchFamily="50" charset="-127"/>
+                <a:cs typeface="Microsoft GothicNeo Light" panose="020B0300000101010101" pitchFamily="50" charset="-127"/>
+                <a:sym typeface="Arial"/>
+              </a:endParaRPr>
+            </a:p>
+          </p:txBody>
+        </p:sp>
+        <p:cxnSp>
+          <p:nvCxnSpPr>
+            <p:cNvPr id="199" name="Google Shape;199;p3"/>
+            <p:cNvCxnSpPr>
+              <a:stCxn id="196" idx="6"/>
+              <a:endCxn id="198" idx="1"/>
+            </p:cNvCxnSpPr>
+            <p:nvPr/>
+          </p:nvCxnSpPr>
+          <p:spPr>
+            <a:xfrm rot="10800000" flipH="1">
+              <a:off x="1266823" y="6314933"/>
+              <a:ext cx="787098" cy="14343"/>
+            </a:xfrm>
+            <a:prstGeom prst="straightConnector1">
+              <a:avLst/>
+            </a:prstGeom>
+            <a:noFill/>
+            <a:ln w="9525" cap="flat" cmpd="sng">
+              <a:solidFill>
+                <a:schemeClr val="dk2"/>
+              </a:solidFill>
+              <a:prstDash val="solid"/>
+              <a:round/>
+              <a:headEnd type="none" w="sm" len="sm"/>
+              <a:tailEnd type="triangle" w="med" len="med"/>
+            </a:ln>
+          </p:spPr>
+        </p:cxnSp>
+        <p:sp>
+          <p:nvSpPr>
+            <p:cNvPr id="200" name="Google Shape;200;p3"/>
+            <p:cNvSpPr/>
+            <p:nvPr/>
+          </p:nvSpPr>
+          <p:spPr>
+            <a:xfrm>
+              <a:off x="3889456" y="6113541"/>
+              <a:ext cx="1097040" cy="403064"/>
+            </a:xfrm>
+            <a:prstGeom prst="roundRect">
+              <a:avLst>
+                <a:gd name="adj" fmla="val 16667"/>
+              </a:avLst>
+            </a:prstGeom>
+            <a:solidFill>
+              <a:srgbClr val="6D9EEB"/>
+            </a:solidFill>
+            <a:ln>
+              <a:noFill/>
+            </a:ln>
+          </p:spPr>
+          <p:txBody>
+            <a:bodyPr spcFirstLastPara="1" wrap="square" lIns="127975" tIns="127975" rIns="127975" bIns="127975" anchor="ctr" anchorCtr="0">
+              <a:noAutofit/>
+            </a:bodyPr>
+            <a:lstStyle/>
+            <a:p>
+              <a:pPr marL="0" marR="0" lvl="0" indent="0" algn="ctr" rtl="0">
+                <a:lnSpc>
+                  <a:spcPct val="100000"/>
+                </a:lnSpc>
+                <a:spcBef>
+                  <a:spcPts val="0"/>
+                </a:spcBef>
+                <a:spcAft>
+                  <a:spcPts val="0"/>
+                </a:spcAft>
+                <a:buNone/>
+              </a:pPr>
+              <a:r>
+                <a:rPr lang="ko" sz="1100" b="0" i="0" u="none" strike="noStrike" cap="none">
+                  <a:solidFill>
+                    <a:schemeClr val="lt1"/>
+                  </a:solidFill>
+                  <a:latin typeface="Microsoft GothicNeo Light" panose="020B0300000101010101" pitchFamily="50" charset="-127"/>
+                  <a:ea typeface="Microsoft GothicNeo Light" panose="020B0300000101010101" pitchFamily="50" charset="-127"/>
+                  <a:cs typeface="Microsoft GothicNeo Light" panose="020B0300000101010101" pitchFamily="50" charset="-127"/>
+                  <a:sym typeface="Arial"/>
+                </a:rPr>
+                <a:t>타이머 send</a:t>
+              </a:r>
+              <a:endParaRPr sz="1100" b="0" i="0" u="none" strike="noStrike" cap="none">
                 <a:solidFill>
                   <a:schemeClr val="lt1"/>
                 </a:solidFill>
-                <a:latin typeface="Arial"/>
-                <a:ea typeface="Arial"/>
-                <a:cs typeface="Arial"/>
-                <a:sym typeface="Arial"/>
-              </a:rPr>
-              <a:t>캐릭터 업데이트</a:t>
-            </a:r>
-            <a:endParaRPr sz="980" b="0" i="0" u="none" strike="noStrike" cap="none">
+                <a:latin typeface="Microsoft GothicNeo Light" panose="020B0300000101010101" pitchFamily="50" charset="-127"/>
+                <a:ea typeface="Microsoft GothicNeo Light" panose="020B0300000101010101" pitchFamily="50" charset="-127"/>
+                <a:cs typeface="Microsoft GothicNeo Light" panose="020B0300000101010101" pitchFamily="50" charset="-127"/>
+                <a:sym typeface="Arial"/>
+              </a:endParaRPr>
+            </a:p>
+          </p:txBody>
+        </p:sp>
+        <p:cxnSp>
+          <p:nvCxnSpPr>
+            <p:cNvPr id="201" name="Google Shape;201;p3"/>
+            <p:cNvCxnSpPr>
+              <a:cxnSpLocks/>
+              <a:stCxn id="198" idx="3"/>
+              <a:endCxn id="200" idx="1"/>
+            </p:cNvCxnSpPr>
+            <p:nvPr/>
+          </p:nvCxnSpPr>
+          <p:spPr>
+            <a:xfrm>
+              <a:off x="3151035" y="6315073"/>
+              <a:ext cx="738421" cy="0"/>
+            </a:xfrm>
+            <a:prstGeom prst="straightConnector1">
+              <a:avLst/>
+            </a:prstGeom>
+            <a:noFill/>
+            <a:ln w="9525" cap="flat" cmpd="sng">
               <a:solidFill>
-                <a:schemeClr val="lt1"/>
+                <a:schemeClr val="dk2"/>
               </a:solidFill>
-              <a:latin typeface="Arial"/>
-              <a:ea typeface="Arial"/>
-              <a:cs typeface="Arial"/>
-              <a:sym typeface="Arial"/>
-            </a:endParaRPr>
-          </a:p>
-        </p:txBody>
-      </p:sp>
-      <p:sp>
-        <p:nvSpPr>
-          <p:cNvPr id="185" name="Google Shape;185;p3"/>
-          <p:cNvSpPr txBox="1"/>
-          <p:nvPr/>
-        </p:nvSpPr>
-        <p:spPr>
-          <a:xfrm>
-            <a:off x="430045" y="4040891"/>
-            <a:ext cx="620760" cy="430845"/>
-          </a:xfrm>
-          <a:prstGeom prst="rect">
-            <a:avLst/>
-          </a:prstGeom>
-          <a:noFill/>
-          <a:ln>
+              <a:prstDash val="solid"/>
+              <a:round/>
+              <a:headEnd type="none" w="sm" len="sm"/>
+              <a:tailEnd type="triangle" w="med" len="med"/>
+            </a:ln>
+          </p:spPr>
+        </p:cxnSp>
+        <p:sp>
+          <p:nvSpPr>
+            <p:cNvPr id="202" name="Google Shape;202;p3"/>
+            <p:cNvSpPr/>
+            <p:nvPr/>
+          </p:nvSpPr>
+          <p:spPr>
+            <a:xfrm>
+              <a:off x="7626817" y="6098910"/>
+              <a:ext cx="1097040" cy="403064"/>
+            </a:xfrm>
+            <a:prstGeom prst="roundRect">
+              <a:avLst>
+                <a:gd name="adj" fmla="val 16667"/>
+              </a:avLst>
+            </a:prstGeom>
+            <a:solidFill>
+              <a:srgbClr val="E06666"/>
+            </a:solidFill>
+            <a:ln>
+              <a:noFill/>
+            </a:ln>
+          </p:spPr>
+          <p:txBody>
+            <a:bodyPr spcFirstLastPara="1" wrap="square" lIns="127975" tIns="127975" rIns="127975" bIns="127975" anchor="ctr" anchorCtr="0">
+              <a:noAutofit/>
+            </a:bodyPr>
+            <a:lstStyle/>
+            <a:p>
+              <a:pPr marL="0" marR="0" lvl="0" indent="0" algn="ctr" rtl="0">
+                <a:lnSpc>
+                  <a:spcPct val="100000"/>
+                </a:lnSpc>
+                <a:spcBef>
+                  <a:spcPts val="0"/>
+                </a:spcBef>
+                <a:spcAft>
+                  <a:spcPts val="0"/>
+                </a:spcAft>
+                <a:buNone/>
+              </a:pPr>
+              <a:r>
+                <a:rPr lang="ko" sz="1100" b="0" i="0" u="none" strike="noStrike" cap="none">
+                  <a:solidFill>
+                    <a:schemeClr val="lt1"/>
+                  </a:solidFill>
+                  <a:latin typeface="Microsoft GothicNeo Light" panose="020B0300000101010101" pitchFamily="50" charset="-127"/>
+                  <a:ea typeface="Microsoft GothicNeo Light" panose="020B0300000101010101" pitchFamily="50" charset="-127"/>
+                  <a:cs typeface="Microsoft GothicNeo Light" panose="020B0300000101010101" pitchFamily="50" charset="-127"/>
+                  <a:sym typeface="Arial"/>
+                </a:rPr>
+                <a:t>타이머 recv</a:t>
+              </a:r>
+              <a:endParaRPr sz="1100" b="0" i="0" u="none" strike="noStrike" cap="none">
+                <a:solidFill>
+                  <a:schemeClr val="lt1"/>
+                </a:solidFill>
+                <a:latin typeface="Microsoft GothicNeo Light" panose="020B0300000101010101" pitchFamily="50" charset="-127"/>
+                <a:ea typeface="Microsoft GothicNeo Light" panose="020B0300000101010101" pitchFamily="50" charset="-127"/>
+                <a:cs typeface="Microsoft GothicNeo Light" panose="020B0300000101010101" pitchFamily="50" charset="-127"/>
+                <a:sym typeface="Arial"/>
+              </a:endParaRPr>
+            </a:p>
+          </p:txBody>
+        </p:sp>
+        <p:cxnSp>
+          <p:nvCxnSpPr>
+            <p:cNvPr id="203" name="Google Shape;203;p3"/>
+            <p:cNvCxnSpPr>
+              <a:cxnSpLocks/>
+              <a:stCxn id="200" idx="3"/>
+              <a:endCxn id="202" idx="1"/>
+            </p:cNvCxnSpPr>
+            <p:nvPr/>
+          </p:nvCxnSpPr>
+          <p:spPr>
+            <a:xfrm flipV="1">
+              <a:off x="4986496" y="6300442"/>
+              <a:ext cx="2640321" cy="14631"/>
+            </a:xfrm>
+            <a:prstGeom prst="straightConnector1">
+              <a:avLst/>
+            </a:prstGeom>
             <a:noFill/>
-          </a:ln>
-        </p:spPr>
-        <p:txBody>
-          <a:bodyPr spcFirstLastPara="1" wrap="square" lIns="127975" tIns="127975" rIns="127975" bIns="127975" anchor="t" anchorCtr="0">
-            <a:spAutoFit/>
-          </a:bodyPr>
-          <a:lstStyle/>
-          <a:p>
-            <a:pPr marL="0" marR="0" lvl="0" indent="0" algn="l" rtl="0">
-              <a:lnSpc>
-                <a:spcPct val="100000"/>
-              </a:lnSpc>
-              <a:spcBef>
-                <a:spcPts val="0"/>
-              </a:spcBef>
-              <a:spcAft>
-                <a:spcPts val="0"/>
-              </a:spcAft>
-              <a:buNone/>
-            </a:pPr>
-            <a:r>
-              <a:rPr lang="ko" sz="1120" b="0" i="0" u="none" strike="noStrike" cap="none">
+            <a:ln w="9525" cap="flat" cmpd="sng">
+              <a:solidFill>
+                <a:schemeClr val="dk2"/>
+              </a:solidFill>
+              <a:prstDash val="solid"/>
+              <a:round/>
+              <a:headEnd type="none" w="sm" len="sm"/>
+              <a:tailEnd type="triangle" w="med" len="med"/>
+            </a:ln>
+          </p:spPr>
+        </p:cxnSp>
+        <p:cxnSp>
+          <p:nvCxnSpPr>
+            <p:cNvPr id="204" name="Google Shape;204;p3"/>
+            <p:cNvCxnSpPr>
+              <a:stCxn id="202" idx="3"/>
+            </p:cNvCxnSpPr>
+            <p:nvPr/>
+          </p:nvCxnSpPr>
+          <p:spPr>
+            <a:xfrm rot="10800000" flipH="1">
+              <a:off x="8723857" y="6295895"/>
+              <a:ext cx="481005" cy="4548"/>
+            </a:xfrm>
+            <a:prstGeom prst="straightConnector1">
+              <a:avLst/>
+            </a:prstGeom>
+            <a:noFill/>
+            <a:ln w="9525" cap="flat" cmpd="sng">
+              <a:solidFill>
+                <a:schemeClr val="dk2"/>
+              </a:solidFill>
+              <a:prstDash val="solid"/>
+              <a:round/>
+              <a:headEnd type="none" w="sm" len="sm"/>
+              <a:tailEnd type="triangle" w="med" len="med"/>
+            </a:ln>
+          </p:spPr>
+        </p:cxnSp>
+        <p:sp>
+          <p:nvSpPr>
+            <p:cNvPr id="205" name="Google Shape;205;p3"/>
+            <p:cNvSpPr/>
+            <p:nvPr/>
+          </p:nvSpPr>
+          <p:spPr>
+            <a:xfrm>
+              <a:off x="9212953" y="6027371"/>
+              <a:ext cx="1983139" cy="947477"/>
+            </a:xfrm>
+            <a:prstGeom prst="roundRect">
+              <a:avLst>
+                <a:gd name="adj" fmla="val 16667"/>
+              </a:avLst>
+            </a:prstGeom>
+            <a:solidFill>
+              <a:srgbClr val="6D9EEB"/>
+            </a:solidFill>
+            <a:ln>
+              <a:noFill/>
+            </a:ln>
+          </p:spPr>
+          <p:txBody>
+            <a:bodyPr spcFirstLastPara="1" wrap="square" lIns="127975" tIns="127975" rIns="127975" bIns="127975" anchor="ctr" anchorCtr="0">
+              <a:noAutofit/>
+            </a:bodyPr>
+            <a:lstStyle/>
+            <a:p>
+              <a:pPr marL="0" marR="0" lvl="0" indent="0" algn="ctr" rtl="0">
+                <a:lnSpc>
+                  <a:spcPct val="100000"/>
+                </a:lnSpc>
+                <a:spcBef>
+                  <a:spcPts val="0"/>
+                </a:spcBef>
+                <a:spcAft>
+                  <a:spcPts val="0"/>
+                </a:spcAft>
+                <a:buNone/>
+              </a:pPr>
+              <a:r>
+                <a:rPr lang="ko" sz="1100" b="1" i="0" u="none" strike="noStrike" cap="none" dirty="0">
+                  <a:solidFill>
+                    <a:schemeClr val="lt1"/>
+                  </a:solidFill>
+                  <a:latin typeface="Microsoft GothicNeo Light" panose="020B0300000101010101" pitchFamily="50" charset="-127"/>
+                  <a:ea typeface="Microsoft GothicNeo Light" panose="020B0300000101010101" pitchFamily="50" charset="-127"/>
+                  <a:cs typeface="Microsoft GothicNeo Light" panose="020B0300000101010101" pitchFamily="50" charset="-127"/>
+                  <a:sym typeface="Arial"/>
+                </a:rPr>
+                <a:t>타이머 업데이트</a:t>
+              </a:r>
+              <a:endParaRPr lang="en-US" altLang="ko" sz="1100" b="1" i="0" u="none" strike="noStrike" cap="none" dirty="0">
+                <a:solidFill>
+                  <a:schemeClr val="lt1"/>
+                </a:solidFill>
+                <a:latin typeface="Microsoft GothicNeo Light" panose="020B0300000101010101" pitchFamily="50" charset="-127"/>
+                <a:ea typeface="Microsoft GothicNeo Light" panose="020B0300000101010101" pitchFamily="50" charset="-127"/>
+                <a:cs typeface="Microsoft GothicNeo Light" panose="020B0300000101010101" pitchFamily="50" charset="-127"/>
+                <a:sym typeface="Arial"/>
+              </a:endParaRPr>
+            </a:p>
+            <a:p>
+              <a:pPr marL="0" marR="0" lvl="0" indent="0" algn="ctr" rtl="0">
+                <a:lnSpc>
+                  <a:spcPct val="100000"/>
+                </a:lnSpc>
+                <a:spcBef>
+                  <a:spcPts val="0"/>
+                </a:spcBef>
+                <a:spcAft>
+                  <a:spcPts val="0"/>
+                </a:spcAft>
+                <a:buNone/>
+              </a:pPr>
+              <a:endParaRPr lang="en-US" altLang="ko" sz="1100" b="1" i="0" u="none" strike="noStrike" cap="none" dirty="0">
+                <a:solidFill>
+                  <a:schemeClr val="lt1"/>
+                </a:solidFill>
+                <a:latin typeface="Microsoft GothicNeo Light" panose="020B0300000101010101" pitchFamily="50" charset="-127"/>
+                <a:ea typeface="Microsoft GothicNeo Light" panose="020B0300000101010101" pitchFamily="50" charset="-127"/>
+                <a:cs typeface="Microsoft GothicNeo Light" panose="020B0300000101010101" pitchFamily="50" charset="-127"/>
+                <a:sym typeface="Arial"/>
+              </a:endParaRPr>
+            </a:p>
+            <a:p>
+              <a:pPr marL="171450" marR="0" lvl="0" indent="-171450" rtl="0">
+                <a:lnSpc>
+                  <a:spcPct val="100000"/>
+                </a:lnSpc>
+                <a:spcBef>
+                  <a:spcPts val="0"/>
+                </a:spcBef>
+                <a:spcAft>
+                  <a:spcPts val="0"/>
+                </a:spcAft>
+                <a:buFont typeface="Arial" panose="020B0604020202020204" pitchFamily="34" charset="0"/>
+                <a:buChar char="•"/>
+              </a:pPr>
+              <a:r>
+                <a:rPr lang="ko-KR" altLang="en-US" sz="1100" dirty="0">
+                  <a:solidFill>
+                    <a:schemeClr val="lt1"/>
+                  </a:solidFill>
+                  <a:latin typeface="Microsoft GothicNeo Light" panose="020B0300000101010101" pitchFamily="50" charset="-127"/>
+                  <a:ea typeface="Microsoft GothicNeo Light" panose="020B0300000101010101" pitchFamily="50" charset="-127"/>
+                  <a:cs typeface="Microsoft GothicNeo Light" panose="020B0300000101010101" pitchFamily="50" charset="-127"/>
+                </a:rPr>
+                <a:t>타이머</a:t>
+              </a:r>
+              <a:endParaRPr lang="en-US" altLang="ko-KR" sz="1100" dirty="0">
+                <a:solidFill>
+                  <a:schemeClr val="lt1"/>
+                </a:solidFill>
+                <a:latin typeface="Microsoft GothicNeo Light" panose="020B0300000101010101" pitchFamily="50" charset="-127"/>
+                <a:ea typeface="Microsoft GothicNeo Light" panose="020B0300000101010101" pitchFamily="50" charset="-127"/>
+                <a:cs typeface="Microsoft GothicNeo Light" panose="020B0300000101010101" pitchFamily="50" charset="-127"/>
+              </a:endParaRPr>
+            </a:p>
+            <a:p>
+              <a:pPr marL="171450" marR="0" lvl="0" indent="-171450" rtl="0">
+                <a:lnSpc>
+                  <a:spcPct val="100000"/>
+                </a:lnSpc>
+                <a:spcBef>
+                  <a:spcPts val="0"/>
+                </a:spcBef>
+                <a:spcAft>
+                  <a:spcPts val="0"/>
+                </a:spcAft>
+                <a:buFont typeface="Arial" panose="020B0604020202020204" pitchFamily="34" charset="0"/>
+                <a:buChar char="•"/>
+              </a:pPr>
+              <a:r>
+                <a:rPr lang="ko-KR" altLang="en-US" sz="1100" b="0" i="0" u="none" strike="noStrike" cap="none" dirty="0">
+                  <a:solidFill>
+                    <a:schemeClr val="lt1"/>
+                  </a:solidFill>
+                  <a:latin typeface="Microsoft GothicNeo Light" panose="020B0300000101010101" pitchFamily="50" charset="-127"/>
+                  <a:ea typeface="Microsoft GothicNeo Light" panose="020B0300000101010101" pitchFamily="50" charset="-127"/>
+                  <a:cs typeface="Microsoft GothicNeo Light" panose="020B0300000101010101" pitchFamily="50" charset="-127"/>
+                  <a:sym typeface="Arial"/>
+                </a:rPr>
+                <a:t>스킬 </a:t>
+              </a:r>
+              <a:r>
+                <a:rPr lang="ko-KR" altLang="en-US" sz="1100" b="0" i="0" u="none" strike="noStrike" cap="none" dirty="0" err="1">
+                  <a:solidFill>
+                    <a:schemeClr val="lt1"/>
+                  </a:solidFill>
+                  <a:latin typeface="Microsoft GothicNeo Light" panose="020B0300000101010101" pitchFamily="50" charset="-127"/>
+                  <a:ea typeface="Microsoft GothicNeo Light" panose="020B0300000101010101" pitchFamily="50" charset="-127"/>
+                  <a:cs typeface="Microsoft GothicNeo Light" panose="020B0300000101010101" pitchFamily="50" charset="-127"/>
+                  <a:sym typeface="Arial"/>
+                </a:rPr>
+                <a:t>쿨타임</a:t>
+              </a:r>
+              <a:endParaRPr sz="1100" b="0" i="0" u="none" strike="noStrike" cap="none" dirty="0">
+                <a:solidFill>
+                  <a:schemeClr val="lt1"/>
+                </a:solidFill>
+                <a:latin typeface="Microsoft GothicNeo Light" panose="020B0300000101010101" pitchFamily="50" charset="-127"/>
+                <a:ea typeface="Microsoft GothicNeo Light" panose="020B0300000101010101" pitchFamily="50" charset="-127"/>
+                <a:cs typeface="Microsoft GothicNeo Light" panose="020B0300000101010101" pitchFamily="50" charset="-127"/>
+                <a:sym typeface="Arial"/>
+              </a:endParaRPr>
+            </a:p>
+          </p:txBody>
+        </p:sp>
+        <p:sp>
+          <p:nvSpPr>
+            <p:cNvPr id="206" name="Google Shape;206;p3"/>
+            <p:cNvSpPr/>
+            <p:nvPr/>
+          </p:nvSpPr>
+          <p:spPr>
+            <a:xfrm>
+              <a:off x="3889211" y="7521736"/>
+              <a:ext cx="1097040" cy="403064"/>
+            </a:xfrm>
+            <a:prstGeom prst="roundRect">
+              <a:avLst>
+                <a:gd name="adj" fmla="val 16667"/>
+              </a:avLst>
+            </a:prstGeom>
+            <a:solidFill>
+              <a:srgbClr val="6D9EEB"/>
+            </a:solidFill>
+            <a:ln>
+              <a:noFill/>
+            </a:ln>
+          </p:spPr>
+          <p:txBody>
+            <a:bodyPr spcFirstLastPara="1" wrap="square" lIns="127975" tIns="127975" rIns="127975" bIns="127975" anchor="ctr" anchorCtr="0">
+              <a:noAutofit/>
+            </a:bodyPr>
+            <a:lstStyle/>
+            <a:p>
+              <a:pPr marL="0" marR="0" lvl="0" indent="0" algn="ctr" rtl="0">
+                <a:lnSpc>
+                  <a:spcPct val="100000"/>
+                </a:lnSpc>
+                <a:spcBef>
+                  <a:spcPts val="0"/>
+                </a:spcBef>
+                <a:spcAft>
+                  <a:spcPts val="0"/>
+                </a:spcAft>
+                <a:buNone/>
+              </a:pPr>
+              <a:r>
+                <a:rPr lang="ko" sz="1100" b="0" i="0" u="none" strike="noStrike" cap="none">
+                  <a:solidFill>
+                    <a:schemeClr val="lt1"/>
+                  </a:solidFill>
+                  <a:latin typeface="Microsoft GothicNeo Light" panose="020B0300000101010101" pitchFamily="50" charset="-127"/>
+                  <a:ea typeface="Microsoft GothicNeo Light" panose="020B0300000101010101" pitchFamily="50" charset="-127"/>
+                  <a:cs typeface="Microsoft GothicNeo Light" panose="020B0300000101010101" pitchFamily="50" charset="-127"/>
+                  <a:sym typeface="Arial"/>
+                </a:rPr>
+                <a:t>게임 결과 send</a:t>
+              </a:r>
+              <a:endParaRPr sz="1100" b="0" i="0" u="none" strike="noStrike" cap="none">
+                <a:solidFill>
+                  <a:schemeClr val="lt1"/>
+                </a:solidFill>
+                <a:latin typeface="Microsoft GothicNeo Light" panose="020B0300000101010101" pitchFamily="50" charset="-127"/>
+                <a:ea typeface="Microsoft GothicNeo Light" panose="020B0300000101010101" pitchFamily="50" charset="-127"/>
+                <a:cs typeface="Microsoft GothicNeo Light" panose="020B0300000101010101" pitchFamily="50" charset="-127"/>
+                <a:sym typeface="Arial"/>
+              </a:endParaRPr>
+            </a:p>
+          </p:txBody>
+        </p:sp>
+        <p:sp>
+          <p:nvSpPr>
+            <p:cNvPr id="207" name="Google Shape;207;p3"/>
+            <p:cNvSpPr/>
+            <p:nvPr/>
+          </p:nvSpPr>
+          <p:spPr>
+            <a:xfrm>
+              <a:off x="2053954" y="7521736"/>
+              <a:ext cx="1097040" cy="403064"/>
+            </a:xfrm>
+            <a:prstGeom prst="roundRect">
+              <a:avLst>
+                <a:gd name="adj" fmla="val 16667"/>
+              </a:avLst>
+            </a:prstGeom>
+            <a:solidFill>
+              <a:srgbClr val="6D9EEB"/>
+            </a:solidFill>
+            <a:ln>
+              <a:noFill/>
+            </a:ln>
+          </p:spPr>
+          <p:txBody>
+            <a:bodyPr spcFirstLastPara="1" wrap="square" lIns="127975" tIns="127975" rIns="127975" bIns="127975" anchor="ctr" anchorCtr="0">
+              <a:noAutofit/>
+            </a:bodyPr>
+            <a:lstStyle/>
+            <a:p>
+              <a:pPr marL="0" marR="0" lvl="0" indent="0" algn="ctr" rtl="0">
+                <a:lnSpc>
+                  <a:spcPct val="100000"/>
+                </a:lnSpc>
+                <a:spcBef>
+                  <a:spcPts val="0"/>
+                </a:spcBef>
+                <a:spcAft>
+                  <a:spcPts val="0"/>
+                </a:spcAft>
+                <a:buNone/>
+              </a:pPr>
+              <a:r>
+                <a:rPr lang="ko" sz="1100" b="0" i="0" u="none" strike="noStrike" cap="none">
+                  <a:solidFill>
+                    <a:schemeClr val="lt1"/>
+                  </a:solidFill>
+                  <a:latin typeface="Microsoft GothicNeo Light" panose="020B0300000101010101" pitchFamily="50" charset="-127"/>
+                  <a:ea typeface="Microsoft GothicNeo Light" panose="020B0300000101010101" pitchFamily="50" charset="-127"/>
+                  <a:cs typeface="Microsoft GothicNeo Light" panose="020B0300000101010101" pitchFamily="50" charset="-127"/>
+                  <a:sym typeface="Arial"/>
+                </a:rPr>
+                <a:t>게임 결과 업데이트</a:t>
+              </a:r>
+              <a:endParaRPr sz="1100" b="0" i="0" u="none" strike="noStrike" cap="none">
+                <a:solidFill>
+                  <a:schemeClr val="lt1"/>
+                </a:solidFill>
+                <a:latin typeface="Microsoft GothicNeo Light" panose="020B0300000101010101" pitchFamily="50" charset="-127"/>
+                <a:ea typeface="Microsoft GothicNeo Light" panose="020B0300000101010101" pitchFamily="50" charset="-127"/>
+                <a:cs typeface="Microsoft GothicNeo Light" panose="020B0300000101010101" pitchFamily="50" charset="-127"/>
+                <a:sym typeface="Arial"/>
+              </a:endParaRPr>
+            </a:p>
+          </p:txBody>
+        </p:sp>
+        <p:cxnSp>
+          <p:nvCxnSpPr>
+            <p:cNvPr id="208" name="Google Shape;208;p3"/>
+            <p:cNvCxnSpPr>
+              <a:stCxn id="207" idx="3"/>
+              <a:endCxn id="206" idx="1"/>
+            </p:cNvCxnSpPr>
+            <p:nvPr/>
+          </p:nvCxnSpPr>
+          <p:spPr>
+            <a:xfrm>
+              <a:off x="3150994" y="7723268"/>
+              <a:ext cx="738123" cy="0"/>
+            </a:xfrm>
+            <a:prstGeom prst="straightConnector1">
+              <a:avLst/>
+            </a:prstGeom>
+            <a:noFill/>
+            <a:ln w="9525" cap="flat" cmpd="sng">
+              <a:solidFill>
+                <a:schemeClr val="dk2"/>
+              </a:solidFill>
+              <a:prstDash val="solid"/>
+              <a:round/>
+              <a:headEnd type="none" w="sm" len="sm"/>
+              <a:tailEnd type="triangle" w="med" len="med"/>
+            </a:ln>
+          </p:spPr>
+        </p:cxnSp>
+        <p:sp>
+          <p:nvSpPr>
+            <p:cNvPr id="209" name="Google Shape;209;p3"/>
+            <p:cNvSpPr/>
+            <p:nvPr/>
+          </p:nvSpPr>
+          <p:spPr>
+            <a:xfrm>
+              <a:off x="1604259" y="6728993"/>
+              <a:ext cx="1996561" cy="491709"/>
+            </a:xfrm>
+            <a:prstGeom prst="flowChartDecision">
+              <a:avLst/>
+            </a:prstGeom>
+            <a:solidFill>
+              <a:srgbClr val="FFE599"/>
+            </a:solidFill>
+            <a:ln>
+              <a:noFill/>
+            </a:ln>
+          </p:spPr>
+          <p:txBody>
+            <a:bodyPr spcFirstLastPara="1" wrap="square" lIns="127975" tIns="127975" rIns="127975" bIns="127975" anchor="ctr" anchorCtr="0">
+              <a:noAutofit/>
+            </a:bodyPr>
+            <a:lstStyle/>
+            <a:p>
+              <a:pPr marL="0" marR="0" lvl="0" indent="0" algn="ctr" rtl="0">
+                <a:lnSpc>
+                  <a:spcPct val="100000"/>
+                </a:lnSpc>
+                <a:spcBef>
+                  <a:spcPts val="0"/>
+                </a:spcBef>
+                <a:spcAft>
+                  <a:spcPts val="0"/>
+                </a:spcAft>
+                <a:buNone/>
+              </a:pPr>
+              <a:r>
+                <a:rPr lang="ko" sz="1000" b="0" i="0" u="none" strike="noStrike" cap="none">
+                  <a:solidFill>
+                    <a:schemeClr val="dk1"/>
+                  </a:solidFill>
+                  <a:latin typeface="Microsoft GothicNeo Light" panose="020B0300000101010101" pitchFamily="50" charset="-127"/>
+                  <a:ea typeface="Microsoft GothicNeo Light" panose="020B0300000101010101" pitchFamily="50" charset="-127"/>
+                  <a:cs typeface="Microsoft GothicNeo Light" panose="020B0300000101010101" pitchFamily="50" charset="-127"/>
+                  <a:sym typeface="Arial"/>
+                </a:rPr>
+                <a:t>진행시간 &gt;=  지정시간</a:t>
+              </a:r>
+              <a:endParaRPr sz="1000" b="0" i="0" u="none" strike="noStrike" cap="none">
+                <a:solidFill>
+                  <a:schemeClr val="dk1"/>
+                </a:solidFill>
+                <a:latin typeface="Microsoft GothicNeo Light" panose="020B0300000101010101" pitchFamily="50" charset="-127"/>
+                <a:ea typeface="Microsoft GothicNeo Light" panose="020B0300000101010101" pitchFamily="50" charset="-127"/>
+                <a:cs typeface="Microsoft GothicNeo Light" panose="020B0300000101010101" pitchFamily="50" charset="-127"/>
+                <a:sym typeface="Arial"/>
+              </a:endParaRPr>
+            </a:p>
+          </p:txBody>
+        </p:sp>
+        <p:cxnSp>
+          <p:nvCxnSpPr>
+            <p:cNvPr id="210" name="Google Shape;210;p3"/>
+            <p:cNvCxnSpPr>
+              <a:stCxn id="198" idx="2"/>
+              <a:endCxn id="209" idx="0"/>
+            </p:cNvCxnSpPr>
+            <p:nvPr/>
+          </p:nvCxnSpPr>
+          <p:spPr>
+            <a:xfrm>
+              <a:off x="2602515" y="6516605"/>
+              <a:ext cx="0" cy="212342"/>
+            </a:xfrm>
+            <a:prstGeom prst="straightConnector1">
+              <a:avLst/>
+            </a:prstGeom>
+            <a:noFill/>
+            <a:ln w="9525" cap="flat" cmpd="sng">
+              <a:solidFill>
+                <a:schemeClr val="dk2"/>
+              </a:solidFill>
+              <a:prstDash val="solid"/>
+              <a:round/>
+              <a:headEnd type="none" w="sm" len="sm"/>
+              <a:tailEnd type="triangle" w="med" len="med"/>
+            </a:ln>
+          </p:spPr>
+        </p:cxnSp>
+        <p:cxnSp>
+          <p:nvCxnSpPr>
+            <p:cNvPr id="211" name="Google Shape;211;p3"/>
+            <p:cNvCxnSpPr>
+              <a:stCxn id="209" idx="2"/>
+              <a:endCxn id="207" idx="0"/>
+            </p:cNvCxnSpPr>
+            <p:nvPr/>
+          </p:nvCxnSpPr>
+          <p:spPr>
+            <a:xfrm>
+              <a:off x="2602540" y="7220703"/>
+              <a:ext cx="0" cy="301196"/>
+            </a:xfrm>
+            <a:prstGeom prst="straightConnector1">
+              <a:avLst/>
+            </a:prstGeom>
+            <a:noFill/>
+            <a:ln w="9525" cap="flat" cmpd="sng">
+              <a:solidFill>
+                <a:schemeClr val="dk2"/>
+              </a:solidFill>
+              <a:prstDash val="solid"/>
+              <a:round/>
+              <a:headEnd type="none" w="sm" len="sm"/>
+              <a:tailEnd type="triangle" w="med" len="med"/>
+            </a:ln>
+          </p:spPr>
+        </p:cxnSp>
+        <p:sp>
+          <p:nvSpPr>
+            <p:cNvPr id="212" name="Google Shape;212;p3"/>
+            <p:cNvSpPr txBox="1"/>
+            <p:nvPr/>
+          </p:nvSpPr>
+          <p:spPr>
+            <a:xfrm>
+              <a:off x="2602494" y="7066351"/>
+              <a:ext cx="723851" cy="504671"/>
+            </a:xfrm>
+            <a:prstGeom prst="rect">
+              <a:avLst/>
+            </a:prstGeom>
+            <a:noFill/>
+            <a:ln>
+              <a:noFill/>
+            </a:ln>
+          </p:spPr>
+          <p:txBody>
+            <a:bodyPr spcFirstLastPara="1" wrap="square" lIns="127975" tIns="127975" rIns="127975" bIns="127975" anchor="t" anchorCtr="0">
+              <a:spAutoFit/>
+            </a:bodyPr>
+            <a:lstStyle/>
+            <a:p>
+              <a:pPr marL="0" marR="0" lvl="0" indent="0" algn="l" rtl="0">
+                <a:lnSpc>
+                  <a:spcPct val="100000"/>
+                </a:lnSpc>
+                <a:spcBef>
+                  <a:spcPts val="0"/>
+                </a:spcBef>
+                <a:spcAft>
+                  <a:spcPts val="0"/>
+                </a:spcAft>
+                <a:buNone/>
+              </a:pPr>
+              <a:r>
+                <a:rPr lang="ko" sz="1600" b="0" i="0" u="none" strike="noStrike" cap="none">
+                  <a:solidFill>
+                    <a:srgbClr val="000000"/>
+                  </a:solidFill>
+                  <a:latin typeface="Microsoft GothicNeo Light" panose="020B0300000101010101" pitchFamily="50" charset="-127"/>
+                  <a:ea typeface="Microsoft GothicNeo Light" panose="020B0300000101010101" pitchFamily="50" charset="-127"/>
+                  <a:cs typeface="Microsoft GothicNeo Light" panose="020B0300000101010101" pitchFamily="50" charset="-127"/>
+                  <a:sym typeface="Arial"/>
+                </a:rPr>
+                <a:t>YES</a:t>
+              </a:r>
+              <a:endParaRPr sz="1600" b="0" i="0" u="none" strike="noStrike" cap="none">
                 <a:solidFill>
                   <a:srgbClr val="000000"/>
                 </a:solidFill>
-                <a:latin typeface="Arial"/>
-                <a:ea typeface="Arial"/>
-                <a:cs typeface="Arial"/>
-                <a:sym typeface="Arial"/>
-              </a:rPr>
-              <a:t>YES</a:t>
-            </a:r>
-            <a:endParaRPr sz="1120" b="0" i="0" u="none" strike="noStrike" cap="none">
+                <a:latin typeface="Microsoft GothicNeo Light" panose="020B0300000101010101" pitchFamily="50" charset="-127"/>
+                <a:ea typeface="Microsoft GothicNeo Light" panose="020B0300000101010101" pitchFamily="50" charset="-127"/>
+                <a:cs typeface="Microsoft GothicNeo Light" panose="020B0300000101010101" pitchFamily="50" charset="-127"/>
+                <a:sym typeface="Arial"/>
+              </a:endParaRPr>
+            </a:p>
+          </p:txBody>
+        </p:sp>
+        <p:sp>
+          <p:nvSpPr>
+            <p:cNvPr id="213" name="Google Shape;213;p3"/>
+            <p:cNvSpPr txBox="1"/>
+            <p:nvPr/>
+          </p:nvSpPr>
+          <p:spPr>
+            <a:xfrm>
+              <a:off x="1086105" y="6457143"/>
+              <a:ext cx="723851" cy="504671"/>
+            </a:xfrm>
+            <a:prstGeom prst="rect">
+              <a:avLst/>
+            </a:prstGeom>
+            <a:noFill/>
+            <a:ln>
+              <a:noFill/>
+            </a:ln>
+          </p:spPr>
+          <p:txBody>
+            <a:bodyPr spcFirstLastPara="1" wrap="square" lIns="127975" tIns="127975" rIns="127975" bIns="127975" anchor="t" anchorCtr="0">
+              <a:spAutoFit/>
+            </a:bodyPr>
+            <a:lstStyle/>
+            <a:p>
+              <a:pPr marL="0" marR="0" lvl="0" indent="0" algn="l" rtl="0">
+                <a:lnSpc>
+                  <a:spcPct val="100000"/>
+                </a:lnSpc>
+                <a:spcBef>
+                  <a:spcPts val="0"/>
+                </a:spcBef>
+                <a:spcAft>
+                  <a:spcPts val="0"/>
+                </a:spcAft>
+                <a:buNone/>
+              </a:pPr>
+              <a:r>
+                <a:rPr lang="ko" sz="1600" b="0" i="0" u="none" strike="noStrike" cap="none">
+                  <a:solidFill>
+                    <a:srgbClr val="000000"/>
+                  </a:solidFill>
+                  <a:latin typeface="Microsoft GothicNeo Light" panose="020B0300000101010101" pitchFamily="50" charset="-127"/>
+                  <a:ea typeface="Microsoft GothicNeo Light" panose="020B0300000101010101" pitchFamily="50" charset="-127"/>
+                  <a:cs typeface="Microsoft GothicNeo Light" panose="020B0300000101010101" pitchFamily="50" charset="-127"/>
+                  <a:sym typeface="Arial"/>
+                </a:rPr>
+                <a:t>NO</a:t>
+              </a:r>
+              <a:endParaRPr sz="1600" b="0" i="0" u="none" strike="noStrike" cap="none">
+                <a:solidFill>
+                  <a:srgbClr val="000000"/>
+                </a:solidFill>
+                <a:latin typeface="Microsoft GothicNeo Light" panose="020B0300000101010101" pitchFamily="50" charset="-127"/>
+                <a:ea typeface="Microsoft GothicNeo Light" panose="020B0300000101010101" pitchFamily="50" charset="-127"/>
+                <a:cs typeface="Microsoft GothicNeo Light" panose="020B0300000101010101" pitchFamily="50" charset="-127"/>
+                <a:sym typeface="Arial"/>
+              </a:endParaRPr>
+            </a:p>
+          </p:txBody>
+        </p:sp>
+        <p:sp>
+          <p:nvSpPr>
+            <p:cNvPr id="214" name="Google Shape;214;p3"/>
+            <p:cNvSpPr/>
+            <p:nvPr/>
+          </p:nvSpPr>
+          <p:spPr>
+            <a:xfrm>
+              <a:off x="7626286" y="7486944"/>
+              <a:ext cx="1097040" cy="403064"/>
+            </a:xfrm>
+            <a:prstGeom prst="roundRect">
+              <a:avLst>
+                <a:gd name="adj" fmla="val 16667"/>
+              </a:avLst>
+            </a:prstGeom>
+            <a:solidFill>
+              <a:srgbClr val="E06666"/>
+            </a:solidFill>
+            <a:ln>
+              <a:noFill/>
+            </a:ln>
+          </p:spPr>
+          <p:txBody>
+            <a:bodyPr spcFirstLastPara="1" wrap="square" lIns="127975" tIns="127975" rIns="127975" bIns="127975" anchor="ctr" anchorCtr="0">
+              <a:noAutofit/>
+            </a:bodyPr>
+            <a:lstStyle/>
+            <a:p>
+              <a:pPr marL="0" marR="0" lvl="0" indent="0" algn="ctr" rtl="0">
+                <a:lnSpc>
+                  <a:spcPct val="100000"/>
+                </a:lnSpc>
+                <a:spcBef>
+                  <a:spcPts val="0"/>
+                </a:spcBef>
+                <a:spcAft>
+                  <a:spcPts val="0"/>
+                </a:spcAft>
+                <a:buNone/>
+              </a:pPr>
+              <a:r>
+                <a:rPr lang="ko" sz="1100" b="0" i="0" u="none" strike="noStrike" cap="none">
+                  <a:solidFill>
+                    <a:schemeClr val="lt1"/>
+                  </a:solidFill>
+                  <a:latin typeface="Microsoft GothicNeo Light" panose="020B0300000101010101" pitchFamily="50" charset="-127"/>
+                  <a:ea typeface="Microsoft GothicNeo Light" panose="020B0300000101010101" pitchFamily="50" charset="-127"/>
+                  <a:cs typeface="Microsoft GothicNeo Light" panose="020B0300000101010101" pitchFamily="50" charset="-127"/>
+                  <a:sym typeface="Arial"/>
+                </a:rPr>
+                <a:t>결과 recv</a:t>
+              </a:r>
+              <a:endParaRPr sz="1100" b="0" i="0" u="none" strike="noStrike" cap="none">
+                <a:solidFill>
+                  <a:schemeClr val="lt1"/>
+                </a:solidFill>
+                <a:latin typeface="Microsoft GothicNeo Light" panose="020B0300000101010101" pitchFamily="50" charset="-127"/>
+                <a:ea typeface="Microsoft GothicNeo Light" panose="020B0300000101010101" pitchFamily="50" charset="-127"/>
+                <a:cs typeface="Microsoft GothicNeo Light" panose="020B0300000101010101" pitchFamily="50" charset="-127"/>
+                <a:sym typeface="Arial"/>
+              </a:endParaRPr>
+            </a:p>
+          </p:txBody>
+        </p:sp>
+        <p:cxnSp>
+          <p:nvCxnSpPr>
+            <p:cNvPr id="215" name="Google Shape;215;p3"/>
+            <p:cNvCxnSpPr>
+              <a:cxnSpLocks/>
+              <a:stCxn id="206" idx="3"/>
+              <a:endCxn id="214" idx="1"/>
+            </p:cNvCxnSpPr>
+            <p:nvPr/>
+          </p:nvCxnSpPr>
+          <p:spPr>
+            <a:xfrm flipV="1">
+              <a:off x="4986251" y="7688476"/>
+              <a:ext cx="2640035" cy="34792"/>
+            </a:xfrm>
+            <a:prstGeom prst="straightConnector1">
+              <a:avLst/>
+            </a:prstGeom>
+            <a:noFill/>
+            <a:ln w="9525" cap="flat" cmpd="sng">
               <a:solidFill>
-                <a:srgbClr val="000000"/>
+                <a:schemeClr val="dk2"/>
               </a:solidFill>
-              <a:latin typeface="Arial"/>
-              <a:ea typeface="Arial"/>
-              <a:cs typeface="Arial"/>
-              <a:sym typeface="Arial"/>
-            </a:endParaRPr>
-          </a:p>
-        </p:txBody>
-      </p:sp>
-      <p:sp>
-        <p:nvSpPr>
-          <p:cNvPr id="186" name="Google Shape;186;p3"/>
-          <p:cNvSpPr/>
-          <p:nvPr/>
-        </p:nvSpPr>
-        <p:spPr>
-          <a:xfrm>
-            <a:off x="9656710" y="4753770"/>
-            <a:ext cx="940800" cy="345660"/>
-          </a:xfrm>
-          <a:prstGeom prst="roundRect">
-            <a:avLst>
-              <a:gd name="adj" fmla="val 16667"/>
-            </a:avLst>
-          </a:prstGeom>
-          <a:solidFill>
-            <a:srgbClr val="6D9EEB"/>
-          </a:solidFill>
-          <a:ln>
+              <a:prstDash val="solid"/>
+              <a:round/>
+              <a:headEnd type="none" w="sm" len="sm"/>
+              <a:tailEnd type="triangle" w="med" len="med"/>
+            </a:ln>
+          </p:spPr>
+        </p:cxnSp>
+        <p:cxnSp>
+          <p:nvCxnSpPr>
+            <p:cNvPr id="216" name="Google Shape;216;p3"/>
+            <p:cNvCxnSpPr>
+              <a:stCxn id="214" idx="3"/>
+            </p:cNvCxnSpPr>
+            <p:nvPr/>
+          </p:nvCxnSpPr>
+          <p:spPr>
+            <a:xfrm rot="10800000" flipH="1">
+              <a:off x="8723326" y="7683928"/>
+              <a:ext cx="481005" cy="4548"/>
+            </a:xfrm>
+            <a:prstGeom prst="straightConnector1">
+              <a:avLst/>
+            </a:prstGeom>
             <a:noFill/>
-          </a:ln>
-        </p:spPr>
-        <p:txBody>
-          <a:bodyPr spcFirstLastPara="1" wrap="square" lIns="127975" tIns="127975" rIns="127975" bIns="127975" anchor="ctr" anchorCtr="0">
-            <a:noAutofit/>
-          </a:bodyPr>
-          <a:lstStyle/>
-          <a:p>
-            <a:pPr marL="0" marR="0" lvl="0" indent="0" algn="ctr" rtl="0">
-              <a:lnSpc>
-                <a:spcPct val="100000"/>
-              </a:lnSpc>
-              <a:spcBef>
-                <a:spcPts val="0"/>
-              </a:spcBef>
-              <a:spcAft>
-                <a:spcPts val="0"/>
-              </a:spcAft>
-              <a:buNone/>
-            </a:pPr>
-            <a:r>
-              <a:rPr lang="ko" sz="980" b="0" i="0" u="none" strike="noStrike" cap="none">
+            <a:ln w="9525" cap="flat" cmpd="sng">
+              <a:solidFill>
+                <a:schemeClr val="dk2"/>
+              </a:solidFill>
+              <a:prstDash val="solid"/>
+              <a:round/>
+              <a:headEnd type="none" w="sm" len="sm"/>
+              <a:tailEnd type="triangle" w="med" len="med"/>
+            </a:ln>
+          </p:spPr>
+        </p:cxnSp>
+        <p:sp>
+          <p:nvSpPr>
+            <p:cNvPr id="217" name="Google Shape;217;p3"/>
+            <p:cNvSpPr/>
+            <p:nvPr/>
+          </p:nvSpPr>
+          <p:spPr>
+            <a:xfrm>
+              <a:off x="9212423" y="7516206"/>
+              <a:ext cx="1097040" cy="403064"/>
+            </a:xfrm>
+            <a:prstGeom prst="roundRect">
+              <a:avLst>
+                <a:gd name="adj" fmla="val 16667"/>
+              </a:avLst>
+            </a:prstGeom>
+            <a:solidFill>
+              <a:srgbClr val="6D9EEB"/>
+            </a:solidFill>
+            <a:ln>
+              <a:noFill/>
+            </a:ln>
+          </p:spPr>
+          <p:txBody>
+            <a:bodyPr spcFirstLastPara="1" wrap="square" lIns="127975" tIns="127975" rIns="127975" bIns="127975" anchor="ctr" anchorCtr="0">
+              <a:noAutofit/>
+            </a:bodyPr>
+            <a:lstStyle/>
+            <a:p>
+              <a:pPr marL="0" marR="0" lvl="0" indent="0" algn="ctr" rtl="0">
+                <a:lnSpc>
+                  <a:spcPct val="100000"/>
+                </a:lnSpc>
+                <a:spcBef>
+                  <a:spcPts val="0"/>
+                </a:spcBef>
+                <a:spcAft>
+                  <a:spcPts val="0"/>
+                </a:spcAft>
+                <a:buNone/>
+              </a:pPr>
+              <a:r>
+                <a:rPr lang="ko" sz="1100" b="0" i="0" u="none" strike="noStrike" cap="none">
+                  <a:solidFill>
+                    <a:schemeClr val="lt1"/>
+                  </a:solidFill>
+                  <a:latin typeface="Microsoft GothicNeo Light" panose="020B0300000101010101" pitchFamily="50" charset="-127"/>
+                  <a:ea typeface="Microsoft GothicNeo Light" panose="020B0300000101010101" pitchFamily="50" charset="-127"/>
+                  <a:cs typeface="Microsoft GothicNeo Light" panose="020B0300000101010101" pitchFamily="50" charset="-127"/>
+                  <a:sym typeface="Arial"/>
+                </a:rPr>
+                <a:t>게임 종료</a:t>
+              </a:r>
+              <a:endParaRPr sz="1100" b="0" i="0" u="none" strike="noStrike" cap="none">
                 <a:solidFill>
                   <a:schemeClr val="lt1"/>
                 </a:solidFill>
-                <a:latin typeface="Arial"/>
-                <a:ea typeface="Arial"/>
-                <a:cs typeface="Arial"/>
-                <a:sym typeface="Arial"/>
-              </a:rPr>
-              <a:t>상태 결과 업데이트</a:t>
-            </a:r>
-            <a:endParaRPr sz="980" b="0" i="0" u="none" strike="noStrike" cap="none">
+                <a:latin typeface="Microsoft GothicNeo Light" panose="020B0300000101010101" pitchFamily="50" charset="-127"/>
+                <a:ea typeface="Microsoft GothicNeo Light" panose="020B0300000101010101" pitchFamily="50" charset="-127"/>
+                <a:cs typeface="Microsoft GothicNeo Light" panose="020B0300000101010101" pitchFamily="50" charset="-127"/>
+                <a:sym typeface="Arial"/>
+              </a:endParaRPr>
+            </a:p>
+          </p:txBody>
+        </p:sp>
+        <p:sp>
+          <p:nvSpPr>
+            <p:cNvPr id="219" name="Google Shape;219;p3"/>
+            <p:cNvSpPr txBox="1"/>
+            <p:nvPr/>
+          </p:nvSpPr>
+          <p:spPr>
+            <a:xfrm>
+              <a:off x="1770314" y="5822661"/>
+              <a:ext cx="2612193" cy="290782"/>
+            </a:xfrm>
+            <a:prstGeom prst="rect">
+              <a:avLst/>
+            </a:prstGeom>
+            <a:noFill/>
+            <a:ln>
+              <a:noFill/>
+            </a:ln>
+          </p:spPr>
+          <p:txBody>
+            <a:bodyPr spcFirstLastPara="1" wrap="square" lIns="127975" tIns="63975" rIns="127975" bIns="63975" anchor="t" anchorCtr="0">
+              <a:spAutoFit/>
+            </a:bodyPr>
+            <a:lstStyle/>
+            <a:p>
+              <a:pPr marL="0" marR="0" lvl="0" indent="0" algn="l" rtl="0">
+                <a:lnSpc>
+                  <a:spcPct val="100000"/>
+                </a:lnSpc>
+                <a:spcBef>
+                  <a:spcPts val="0"/>
+                </a:spcBef>
+                <a:spcAft>
+                  <a:spcPts val="0"/>
+                </a:spcAft>
+                <a:buNone/>
+              </a:pPr>
+              <a:r>
+                <a:rPr lang="ko" sz="1050" b="0" i="0" u="none" strike="noStrike" cap="none">
+                  <a:solidFill>
+                    <a:srgbClr val="000000"/>
+                  </a:solidFill>
+                  <a:latin typeface="Microsoft GothicNeo Light" panose="020B0300000101010101" pitchFamily="50" charset="-127"/>
+                  <a:ea typeface="Microsoft GothicNeo Light" panose="020B0300000101010101" pitchFamily="50" charset="-127"/>
+                  <a:cs typeface="Microsoft GothicNeo Light" panose="020B0300000101010101" pitchFamily="50" charset="-127"/>
+                  <a:sym typeface="Arial"/>
+                </a:rPr>
+                <a:t>Timer Update 주기 : 5fps 정도(1초당 5번)</a:t>
+              </a:r>
+              <a:endParaRPr sz="1050" b="0" i="0" u="none" strike="noStrike" cap="none">
+                <a:solidFill>
+                  <a:srgbClr val="000000"/>
+                </a:solidFill>
+                <a:latin typeface="Microsoft GothicNeo Light" panose="020B0300000101010101" pitchFamily="50" charset="-127"/>
+                <a:ea typeface="Microsoft GothicNeo Light" panose="020B0300000101010101" pitchFamily="50" charset="-127"/>
+                <a:cs typeface="Microsoft GothicNeo Light" panose="020B0300000101010101" pitchFamily="50" charset="-127"/>
+                <a:sym typeface="Arial"/>
+              </a:endParaRPr>
+            </a:p>
+          </p:txBody>
+        </p:sp>
+        <p:cxnSp>
+          <p:nvCxnSpPr>
+            <p:cNvPr id="220" name="Google Shape;220;p3"/>
+            <p:cNvCxnSpPr>
+              <a:stCxn id="160" idx="4"/>
+            </p:cNvCxnSpPr>
+            <p:nvPr/>
+          </p:nvCxnSpPr>
+          <p:spPr>
+            <a:xfrm>
+              <a:off x="4437995" y="1110050"/>
+              <a:ext cx="0" cy="223886"/>
+            </a:xfrm>
+            <a:prstGeom prst="straightConnector1">
+              <a:avLst/>
+            </a:prstGeom>
+            <a:noFill/>
+            <a:ln w="9525" cap="flat" cmpd="sng">
               <a:solidFill>
-                <a:schemeClr val="lt1"/>
+                <a:schemeClr val="dk2"/>
               </a:solidFill>
-              <a:latin typeface="Arial"/>
-              <a:ea typeface="Arial"/>
-              <a:cs typeface="Arial"/>
-              <a:sym typeface="Arial"/>
-            </a:endParaRPr>
-          </a:p>
-        </p:txBody>
-      </p:sp>
-      <p:cxnSp>
-        <p:nvCxnSpPr>
-          <p:cNvPr id="187" name="Google Shape;187;p3"/>
-          <p:cNvCxnSpPr>
-            <a:endCxn id="176" idx="0"/>
-          </p:cNvCxnSpPr>
-          <p:nvPr/>
-        </p:nvCxnSpPr>
-        <p:spPr>
-          <a:xfrm>
-            <a:off x="1906887" y="3364534"/>
-            <a:ext cx="0" cy="646800"/>
-          </a:xfrm>
-          <a:prstGeom prst="straightConnector1">
-            <a:avLst/>
-          </a:prstGeom>
-          <a:noFill/>
-          <a:ln w="9525" cap="flat" cmpd="sng">
+              <a:prstDash val="solid"/>
+              <a:round/>
+              <a:headEnd type="none" w="sm" len="sm"/>
+              <a:tailEnd type="triangle" w="med" len="med"/>
+            </a:ln>
+          </p:spPr>
+        </p:cxnSp>
+        <p:cxnSp>
+          <p:nvCxnSpPr>
+            <p:cNvPr id="221" name="Google Shape;221;p3"/>
+            <p:cNvCxnSpPr>
+              <a:stCxn id="209" idx="1"/>
+            </p:cNvCxnSpPr>
+            <p:nvPr/>
+          </p:nvCxnSpPr>
+          <p:spPr>
+            <a:xfrm rot="10800000">
+              <a:off x="1604259" y="6364759"/>
+              <a:ext cx="0" cy="610089"/>
+            </a:xfrm>
+            <a:prstGeom prst="straightConnector1">
+              <a:avLst/>
+            </a:prstGeom>
+            <a:noFill/>
+            <a:ln w="9525" cap="flat" cmpd="sng">
+              <a:solidFill>
+                <a:schemeClr val="dk2"/>
+              </a:solidFill>
+              <a:prstDash val="solid"/>
+              <a:round/>
+              <a:headEnd type="none" w="sm" len="sm"/>
+              <a:tailEnd type="triangle" w="med" len="med"/>
+            </a:ln>
+          </p:spPr>
+        </p:cxnSp>
+        <p:sp>
+          <p:nvSpPr>
+            <p:cNvPr id="224" name="Google Shape;224;p3"/>
+            <p:cNvSpPr/>
+            <p:nvPr/>
+          </p:nvSpPr>
+          <p:spPr>
+            <a:xfrm>
+              <a:off x="2149003" y="1333865"/>
+              <a:ext cx="1097040" cy="403064"/>
+            </a:xfrm>
+            <a:prstGeom prst="roundRect">
+              <a:avLst>
+                <a:gd name="adj" fmla="val 16667"/>
+              </a:avLst>
+            </a:prstGeom>
             <a:solidFill>
-              <a:schemeClr val="dk2"/>
+              <a:srgbClr val="FFE599"/>
             </a:solidFill>
-            <a:prstDash val="solid"/>
-            <a:round/>
-            <a:headEnd type="none" w="sm" len="sm"/>
-            <a:tailEnd type="triangle" w="med" len="med"/>
-          </a:ln>
-        </p:spPr>
-      </p:cxnSp>
-      <p:cxnSp>
-        <p:nvCxnSpPr>
-          <p:cNvPr id="188" name="Google Shape;188;p3"/>
-          <p:cNvCxnSpPr>
-            <a:stCxn id="170" idx="1"/>
-          </p:cNvCxnSpPr>
-          <p:nvPr/>
-        </p:nvCxnSpPr>
-        <p:spPr>
-          <a:xfrm rot="10800000">
-            <a:off x="1914060" y="3363675"/>
-            <a:ext cx="1096500" cy="0"/>
-          </a:xfrm>
-          <a:prstGeom prst="straightConnector1">
-            <a:avLst/>
-          </a:prstGeom>
-          <a:noFill/>
-          <a:ln w="9525" cap="flat" cmpd="sng">
+            <a:ln>
+              <a:noFill/>
+            </a:ln>
+          </p:spPr>
+          <p:txBody>
+            <a:bodyPr spcFirstLastPara="1" wrap="square" lIns="127975" tIns="127975" rIns="127975" bIns="127975" anchor="ctr" anchorCtr="0">
+              <a:noAutofit/>
+            </a:bodyPr>
+            <a:lstStyle/>
+            <a:p>
+              <a:pPr marL="0" marR="0" lvl="0" indent="0" algn="ctr" rtl="0">
+                <a:lnSpc>
+                  <a:spcPct val="100000"/>
+                </a:lnSpc>
+                <a:spcBef>
+                  <a:spcPts val="0"/>
+                </a:spcBef>
+                <a:spcAft>
+                  <a:spcPts val="0"/>
+                </a:spcAft>
+                <a:buNone/>
+              </a:pPr>
+              <a:r>
+                <a:rPr lang="ko" sz="1050" b="0" i="0" u="none" strike="noStrike" cap="none">
+                  <a:solidFill>
+                    <a:schemeClr val="dk1"/>
+                  </a:solidFill>
+                  <a:latin typeface="Microsoft GothicNeo Light" panose="020B0300000101010101" pitchFamily="50" charset="-127"/>
+                  <a:ea typeface="Microsoft GothicNeo Light" panose="020B0300000101010101" pitchFamily="50" charset="-127"/>
+                  <a:cs typeface="Microsoft GothicNeo Light" panose="020B0300000101010101" pitchFamily="50" charset="-127"/>
+                  <a:sym typeface="Arial"/>
+                </a:rPr>
+                <a:t>타이머 세팅(초기화)</a:t>
+              </a:r>
+              <a:endParaRPr sz="1050" b="0" i="0" u="none" strike="noStrike" cap="none">
+                <a:solidFill>
+                  <a:schemeClr val="dk1"/>
+                </a:solidFill>
+                <a:latin typeface="Microsoft GothicNeo Light" panose="020B0300000101010101" pitchFamily="50" charset="-127"/>
+                <a:ea typeface="Microsoft GothicNeo Light" panose="020B0300000101010101" pitchFamily="50" charset="-127"/>
+                <a:cs typeface="Microsoft GothicNeo Light" panose="020B0300000101010101" pitchFamily="50" charset="-127"/>
+                <a:sym typeface="Arial"/>
+              </a:endParaRPr>
+            </a:p>
+          </p:txBody>
+        </p:sp>
+        <p:sp>
+          <p:nvSpPr>
+            <p:cNvPr id="225" name="Google Shape;225;p3"/>
+            <p:cNvSpPr/>
+            <p:nvPr/>
+          </p:nvSpPr>
+          <p:spPr>
+            <a:xfrm>
+              <a:off x="3859478" y="1345417"/>
+              <a:ext cx="1097040" cy="403064"/>
+            </a:xfrm>
+            <a:prstGeom prst="roundRect">
+              <a:avLst>
+                <a:gd name="adj" fmla="val 16667"/>
+              </a:avLst>
+            </a:prstGeom>
             <a:solidFill>
-              <a:schemeClr val="dk2"/>
+              <a:srgbClr val="6D9EEB"/>
             </a:solidFill>
-            <a:prstDash val="solid"/>
-            <a:round/>
-            <a:headEnd type="none" w="sm" len="sm"/>
-            <a:tailEnd type="none" w="sm" len="sm"/>
-          </a:ln>
-        </p:spPr>
-      </p:cxnSp>
-      <p:cxnSp>
-        <p:nvCxnSpPr>
-          <p:cNvPr id="189" name="Google Shape;189;p3"/>
-          <p:cNvCxnSpPr>
-            <a:endCxn id="167" idx="3"/>
-          </p:cNvCxnSpPr>
-          <p:nvPr/>
-        </p:nvCxnSpPr>
-        <p:spPr>
-          <a:xfrm rot="10800000">
-            <a:off x="10597510" y="4381475"/>
-            <a:ext cx="770400" cy="0"/>
-          </a:xfrm>
-          <a:prstGeom prst="straightConnector1">
-            <a:avLst/>
-          </a:prstGeom>
-          <a:noFill/>
-          <a:ln w="9525" cap="flat" cmpd="sng">
-            <a:solidFill>
-              <a:schemeClr val="dk2"/>
-            </a:solidFill>
-            <a:prstDash val="solid"/>
-            <a:round/>
-            <a:headEnd type="none" w="sm" len="sm"/>
-            <a:tailEnd type="triangle" w="med" len="med"/>
-          </a:ln>
-        </p:spPr>
-      </p:cxnSp>
-      <p:cxnSp>
-        <p:nvCxnSpPr>
-          <p:cNvPr id="190" name="Google Shape;190;p3"/>
-          <p:cNvCxnSpPr>
-            <a:endCxn id="166" idx="3"/>
-          </p:cNvCxnSpPr>
-          <p:nvPr/>
-        </p:nvCxnSpPr>
-        <p:spPr>
-          <a:xfrm rot="10800000">
-            <a:off x="10590545" y="3363675"/>
-            <a:ext cx="764400" cy="0"/>
-          </a:xfrm>
-          <a:prstGeom prst="straightConnector1">
-            <a:avLst/>
-          </a:prstGeom>
-          <a:noFill/>
-          <a:ln w="9525" cap="flat" cmpd="sng">
-            <a:solidFill>
-              <a:schemeClr val="dk2"/>
-            </a:solidFill>
-            <a:prstDash val="solid"/>
-            <a:round/>
-            <a:headEnd type="none" w="sm" len="sm"/>
-            <a:tailEnd type="triangle" w="med" len="med"/>
-          </a:ln>
-        </p:spPr>
-      </p:cxnSp>
-      <p:cxnSp>
-        <p:nvCxnSpPr>
-          <p:cNvPr id="191" name="Google Shape;191;p3"/>
-          <p:cNvCxnSpPr>
-            <a:stCxn id="176" idx="1"/>
-          </p:cNvCxnSpPr>
-          <p:nvPr/>
-        </p:nvCxnSpPr>
-        <p:spPr>
-          <a:xfrm rot="10800000">
-            <a:off x="569604" y="4388897"/>
-            <a:ext cx="481200" cy="0"/>
-          </a:xfrm>
-          <a:prstGeom prst="straightConnector1">
-            <a:avLst/>
-          </a:prstGeom>
-          <a:noFill/>
-          <a:ln w="9525" cap="flat" cmpd="sng">
-            <a:solidFill>
-              <a:schemeClr val="dk2"/>
-            </a:solidFill>
-            <a:prstDash val="solid"/>
-            <a:round/>
-            <a:headEnd type="none" w="sm" len="sm"/>
-            <a:tailEnd type="none" w="sm" len="sm"/>
-          </a:ln>
-        </p:spPr>
-      </p:cxnSp>
-      <p:cxnSp>
-        <p:nvCxnSpPr>
-          <p:cNvPr id="192" name="Google Shape;192;p3"/>
-          <p:cNvCxnSpPr>
-            <a:endCxn id="184" idx="0"/>
-          </p:cNvCxnSpPr>
-          <p:nvPr/>
-        </p:nvCxnSpPr>
-        <p:spPr>
-          <a:xfrm>
-            <a:off x="580405" y="4375850"/>
-            <a:ext cx="0" cy="941700"/>
-          </a:xfrm>
-          <a:prstGeom prst="straightConnector1">
-            <a:avLst/>
-          </a:prstGeom>
-          <a:noFill/>
-          <a:ln w="9525" cap="flat" cmpd="sng">
-            <a:solidFill>
-              <a:schemeClr val="dk2"/>
-            </a:solidFill>
-            <a:prstDash val="solid"/>
-            <a:round/>
-            <a:headEnd type="none" w="sm" len="sm"/>
-            <a:tailEnd type="triangle" w="med" len="med"/>
-          </a:ln>
-        </p:spPr>
-      </p:cxnSp>
-      <p:cxnSp>
-        <p:nvCxnSpPr>
-          <p:cNvPr id="193" name="Google Shape;193;p3"/>
-          <p:cNvCxnSpPr>
-            <a:stCxn id="184" idx="3"/>
-          </p:cNvCxnSpPr>
-          <p:nvPr/>
-        </p:nvCxnSpPr>
-        <p:spPr>
-          <a:xfrm>
-            <a:off x="1050805" y="5490380"/>
-            <a:ext cx="2424600" cy="0"/>
-          </a:xfrm>
-          <a:prstGeom prst="straightConnector1">
-            <a:avLst/>
-          </a:prstGeom>
-          <a:noFill/>
-          <a:ln w="9525" cap="flat" cmpd="sng">
-            <a:solidFill>
-              <a:schemeClr val="dk2"/>
-            </a:solidFill>
-            <a:prstDash val="solid"/>
-            <a:round/>
-            <a:headEnd type="none" w="sm" len="sm"/>
-            <a:tailEnd type="none" w="sm" len="sm"/>
-          </a:ln>
-        </p:spPr>
-      </p:cxnSp>
-      <p:cxnSp>
-        <p:nvCxnSpPr>
-          <p:cNvPr id="194" name="Google Shape;194;p3"/>
-          <p:cNvCxnSpPr>
-            <a:endCxn id="178" idx="2"/>
-          </p:cNvCxnSpPr>
-          <p:nvPr/>
-        </p:nvCxnSpPr>
-        <p:spPr>
-          <a:xfrm rot="10800000">
-            <a:off x="3480960" y="5074335"/>
-            <a:ext cx="0" cy="421800"/>
-          </a:xfrm>
-          <a:prstGeom prst="straightConnector1">
-            <a:avLst/>
-          </a:prstGeom>
-          <a:noFill/>
-          <a:ln w="9525" cap="flat" cmpd="sng">
-            <a:solidFill>
-              <a:schemeClr val="dk2"/>
-            </a:solidFill>
-            <a:prstDash val="solid"/>
-            <a:round/>
-            <a:headEnd type="none" w="sm" len="sm"/>
-            <a:tailEnd type="triangle" w="med" len="med"/>
-          </a:ln>
-        </p:spPr>
-      </p:cxnSp>
-      <p:sp>
-        <p:nvSpPr>
-          <p:cNvPr id="195" name="Google Shape;195;p3"/>
-          <p:cNvSpPr/>
-          <p:nvPr/>
-        </p:nvSpPr>
-        <p:spPr>
-          <a:xfrm>
-            <a:off x="569485" y="2192295"/>
-            <a:ext cx="191940" cy="191940"/>
-          </a:xfrm>
-          <a:prstGeom prst="flowChartConnector">
-            <a:avLst/>
-          </a:prstGeom>
-          <a:solidFill>
-            <a:schemeClr val="lt2"/>
-          </a:solidFill>
-          <a:ln w="9525" cap="flat" cmpd="sng">
-            <a:solidFill>
-              <a:schemeClr val="dk2"/>
-            </a:solidFill>
-            <a:prstDash val="solid"/>
-            <a:round/>
-            <a:headEnd type="none" w="sm" len="sm"/>
-            <a:tailEnd type="none" w="sm" len="sm"/>
-          </a:ln>
-        </p:spPr>
-        <p:txBody>
-          <a:bodyPr spcFirstLastPara="1" wrap="square" lIns="127975" tIns="127975" rIns="127975" bIns="127975" anchor="ctr" anchorCtr="0">
-            <a:noAutofit/>
-          </a:bodyPr>
-          <a:lstStyle/>
-          <a:p>
-            <a:pPr marL="0" marR="0" lvl="0" indent="0" algn="l" rtl="0">
-              <a:lnSpc>
-                <a:spcPct val="100000"/>
-              </a:lnSpc>
-              <a:spcBef>
-                <a:spcPts val="0"/>
-              </a:spcBef>
-              <a:spcAft>
-                <a:spcPts val="0"/>
-              </a:spcAft>
-              <a:buNone/>
-            </a:pPr>
-            <a:endParaRPr sz="1960" b="0" i="0" u="none" strike="noStrike" cap="none">
-              <a:solidFill>
-                <a:srgbClr val="000000"/>
-              </a:solidFill>
-              <a:latin typeface="Arial"/>
-              <a:ea typeface="Arial"/>
-              <a:cs typeface="Arial"/>
-              <a:sym typeface="Arial"/>
-            </a:endParaRPr>
-          </a:p>
-        </p:txBody>
-      </p:sp>
-      <p:sp>
-        <p:nvSpPr>
-          <p:cNvPr id="196" name="Google Shape;196;p3"/>
-          <p:cNvSpPr/>
-          <p:nvPr/>
-        </p:nvSpPr>
-        <p:spPr>
-          <a:xfrm>
-            <a:off x="569485" y="6303325"/>
-            <a:ext cx="191940" cy="191940"/>
-          </a:xfrm>
-          <a:prstGeom prst="flowChartConnector">
-            <a:avLst/>
-          </a:prstGeom>
-          <a:solidFill>
-            <a:schemeClr val="lt2"/>
-          </a:solidFill>
-          <a:ln w="9525" cap="flat" cmpd="sng">
-            <a:solidFill>
-              <a:schemeClr val="dk2"/>
-            </a:solidFill>
-            <a:prstDash val="solid"/>
-            <a:round/>
-            <a:headEnd type="none" w="sm" len="sm"/>
-            <a:tailEnd type="none" w="sm" len="sm"/>
-          </a:ln>
-        </p:spPr>
-        <p:txBody>
-          <a:bodyPr spcFirstLastPara="1" wrap="square" lIns="127975" tIns="127975" rIns="127975" bIns="127975" anchor="ctr" anchorCtr="0">
-            <a:noAutofit/>
-          </a:bodyPr>
-          <a:lstStyle/>
-          <a:p>
-            <a:pPr marL="0" marR="0" lvl="0" indent="0" algn="l" rtl="0">
-              <a:lnSpc>
-                <a:spcPct val="100000"/>
-              </a:lnSpc>
-              <a:spcBef>
-                <a:spcPts val="0"/>
-              </a:spcBef>
-              <a:spcAft>
-                <a:spcPts val="0"/>
-              </a:spcAft>
-              <a:buNone/>
-            </a:pPr>
-            <a:endParaRPr sz="1960" b="0" i="0" u="none" strike="noStrike" cap="none">
-              <a:solidFill>
-                <a:srgbClr val="000000"/>
-              </a:solidFill>
-              <a:latin typeface="Arial"/>
-              <a:ea typeface="Arial"/>
-              <a:cs typeface="Arial"/>
-              <a:sym typeface="Arial"/>
-            </a:endParaRPr>
-          </a:p>
-        </p:txBody>
-      </p:sp>
-      <p:cxnSp>
-        <p:nvCxnSpPr>
-          <p:cNvPr id="197" name="Google Shape;197;p3"/>
-          <p:cNvCxnSpPr>
-            <a:endCxn id="195" idx="6"/>
-          </p:cNvCxnSpPr>
-          <p:nvPr/>
-        </p:nvCxnSpPr>
-        <p:spPr>
-          <a:xfrm rot="10800000">
-            <a:off x="761425" y="2288265"/>
-            <a:ext cx="2249100" cy="0"/>
-          </a:xfrm>
-          <a:prstGeom prst="straightConnector1">
-            <a:avLst/>
-          </a:prstGeom>
-          <a:noFill/>
-          <a:ln w="9525" cap="flat" cmpd="sng">
-            <a:solidFill>
-              <a:schemeClr val="dk2"/>
-            </a:solidFill>
-            <a:prstDash val="solid"/>
-            <a:round/>
-            <a:headEnd type="none" w="sm" len="sm"/>
-            <a:tailEnd type="triangle" w="med" len="med"/>
-          </a:ln>
-        </p:spPr>
-      </p:cxnSp>
-      <p:sp>
-        <p:nvSpPr>
-          <p:cNvPr id="198" name="Google Shape;198;p3"/>
-          <p:cNvSpPr/>
-          <p:nvPr/>
-        </p:nvSpPr>
-        <p:spPr>
-          <a:xfrm>
-            <a:off x="1436488" y="6214285"/>
-            <a:ext cx="940800" cy="345660"/>
-          </a:xfrm>
-          <a:prstGeom prst="roundRect">
-            <a:avLst>
-              <a:gd name="adj" fmla="val 16667"/>
-            </a:avLst>
-          </a:prstGeom>
-          <a:solidFill>
-            <a:srgbClr val="FFE599"/>
-          </a:solidFill>
-          <a:ln>
-            <a:noFill/>
-          </a:ln>
-        </p:spPr>
-        <p:txBody>
-          <a:bodyPr spcFirstLastPara="1" wrap="square" lIns="127975" tIns="127975" rIns="127975" bIns="127975" anchor="ctr" anchorCtr="0">
-            <a:noAutofit/>
-          </a:bodyPr>
-          <a:lstStyle/>
-          <a:p>
-            <a:pPr marL="0" marR="0" lvl="0" indent="0" algn="ctr" rtl="0">
-              <a:lnSpc>
-                <a:spcPct val="100000"/>
-              </a:lnSpc>
-              <a:spcBef>
-                <a:spcPts val="0"/>
-              </a:spcBef>
-              <a:spcAft>
-                <a:spcPts val="0"/>
-              </a:spcAft>
-              <a:buNone/>
-            </a:pPr>
-            <a:r>
-              <a:rPr lang="ko" sz="980" b="0" i="0" u="none" strike="noStrike" cap="none">
-                <a:solidFill>
-                  <a:schemeClr val="dk1"/>
-                </a:solidFill>
-                <a:latin typeface="Arial"/>
-                <a:ea typeface="Arial"/>
-                <a:cs typeface="Arial"/>
-                <a:sym typeface="Arial"/>
-              </a:rPr>
-              <a:t>타이머 업데이트</a:t>
-            </a:r>
-            <a:endParaRPr sz="980" b="0" i="0" u="none" strike="noStrike" cap="none">
-              <a:solidFill>
-                <a:schemeClr val="dk1"/>
-              </a:solidFill>
-              <a:latin typeface="Arial"/>
-              <a:ea typeface="Arial"/>
-              <a:cs typeface="Arial"/>
-              <a:sym typeface="Arial"/>
-            </a:endParaRPr>
-          </a:p>
-        </p:txBody>
-      </p:sp>
-      <p:cxnSp>
-        <p:nvCxnSpPr>
-          <p:cNvPr id="199" name="Google Shape;199;p3"/>
-          <p:cNvCxnSpPr>
-            <a:stCxn id="196" idx="6"/>
-            <a:endCxn id="198" idx="1"/>
-          </p:cNvCxnSpPr>
-          <p:nvPr/>
-        </p:nvCxnSpPr>
-        <p:spPr>
-          <a:xfrm rot="10800000" flipH="1">
-            <a:off x="761425" y="6386995"/>
-            <a:ext cx="675000" cy="12300"/>
-          </a:xfrm>
-          <a:prstGeom prst="straightConnector1">
-            <a:avLst/>
-          </a:prstGeom>
-          <a:noFill/>
-          <a:ln w="9525" cap="flat" cmpd="sng">
-            <a:solidFill>
-              <a:schemeClr val="dk2"/>
-            </a:solidFill>
-            <a:prstDash val="solid"/>
-            <a:round/>
-            <a:headEnd type="none" w="sm" len="sm"/>
-            <a:tailEnd type="triangle" w="med" len="med"/>
-          </a:ln>
-        </p:spPr>
-      </p:cxnSp>
-      <p:sp>
-        <p:nvSpPr>
-          <p:cNvPr id="200" name="Google Shape;200;p3"/>
-          <p:cNvSpPr/>
-          <p:nvPr/>
-        </p:nvSpPr>
-        <p:spPr>
-          <a:xfrm>
-            <a:off x="3010543" y="6214285"/>
-            <a:ext cx="940800" cy="345660"/>
-          </a:xfrm>
-          <a:prstGeom prst="roundRect">
-            <a:avLst>
-              <a:gd name="adj" fmla="val 16667"/>
-            </a:avLst>
-          </a:prstGeom>
-          <a:solidFill>
-            <a:srgbClr val="6D9EEB"/>
-          </a:solidFill>
-          <a:ln>
-            <a:noFill/>
-          </a:ln>
-        </p:spPr>
-        <p:txBody>
-          <a:bodyPr spcFirstLastPara="1" wrap="square" lIns="127975" tIns="127975" rIns="127975" bIns="127975" anchor="ctr" anchorCtr="0">
-            <a:noAutofit/>
-          </a:bodyPr>
-          <a:lstStyle/>
-          <a:p>
-            <a:pPr marL="0" marR="0" lvl="0" indent="0" algn="ctr" rtl="0">
-              <a:lnSpc>
-                <a:spcPct val="100000"/>
-              </a:lnSpc>
-              <a:spcBef>
-                <a:spcPts val="0"/>
-              </a:spcBef>
-              <a:spcAft>
-                <a:spcPts val="0"/>
-              </a:spcAft>
-              <a:buNone/>
-            </a:pPr>
-            <a:r>
-              <a:rPr lang="ko" sz="980" b="0" i="0" u="none" strike="noStrike" cap="none">
+            <a:ln>
+              <a:noFill/>
+            </a:ln>
+          </p:spPr>
+          <p:txBody>
+            <a:bodyPr spcFirstLastPara="1" wrap="square" lIns="127975" tIns="127975" rIns="127975" bIns="127975" anchor="ctr" anchorCtr="0">
+              <a:noAutofit/>
+            </a:bodyPr>
+            <a:lstStyle/>
+            <a:p>
+              <a:pPr marL="0" marR="0" lvl="0" indent="0" algn="ctr" rtl="0">
+                <a:lnSpc>
+                  <a:spcPct val="100000"/>
+                </a:lnSpc>
+                <a:spcBef>
+                  <a:spcPts val="0"/>
+                </a:spcBef>
+                <a:spcAft>
+                  <a:spcPts val="0"/>
+                </a:spcAft>
+                <a:buNone/>
+              </a:pPr>
+              <a:r>
+                <a:rPr lang="ko" sz="1100" b="0" i="0" u="none" strike="noStrike" cap="none">
+                  <a:solidFill>
+                    <a:schemeClr val="lt1"/>
+                  </a:solidFill>
+                  <a:latin typeface="Microsoft GothicNeo Light" panose="020B0300000101010101" pitchFamily="50" charset="-127"/>
+                  <a:ea typeface="Microsoft GothicNeo Light" panose="020B0300000101010101" pitchFamily="50" charset="-127"/>
+                  <a:cs typeface="Microsoft GothicNeo Light" panose="020B0300000101010101" pitchFamily="50" charset="-127"/>
+                  <a:sym typeface="Arial"/>
+                </a:rPr>
+                <a:t>키 입력 업데이트</a:t>
+              </a:r>
+              <a:endParaRPr sz="1100" b="0" i="0" u="none" strike="noStrike" cap="none">
                 <a:solidFill>
                   <a:schemeClr val="lt1"/>
                 </a:solidFill>
-                <a:latin typeface="Arial"/>
-                <a:ea typeface="Arial"/>
-                <a:cs typeface="Arial"/>
-                <a:sym typeface="Arial"/>
-              </a:rPr>
-              <a:t>타이머 send</a:t>
-            </a:r>
-            <a:endParaRPr sz="980" b="0" i="0" u="none" strike="noStrike" cap="none">
-              <a:solidFill>
-                <a:schemeClr val="lt1"/>
-              </a:solidFill>
-              <a:latin typeface="Arial"/>
-              <a:ea typeface="Arial"/>
-              <a:cs typeface="Arial"/>
-              <a:sym typeface="Arial"/>
-            </a:endParaRPr>
-          </a:p>
-        </p:txBody>
-      </p:sp>
-      <p:cxnSp>
-        <p:nvCxnSpPr>
-          <p:cNvPr id="201" name="Google Shape;201;p3"/>
-          <p:cNvCxnSpPr>
-            <a:stCxn id="198" idx="3"/>
-            <a:endCxn id="200" idx="1"/>
-          </p:cNvCxnSpPr>
-          <p:nvPr/>
-        </p:nvCxnSpPr>
-        <p:spPr>
-          <a:xfrm>
-            <a:off x="2377288" y="6387115"/>
-            <a:ext cx="633300" cy="0"/>
-          </a:xfrm>
-          <a:prstGeom prst="straightConnector1">
-            <a:avLst/>
-          </a:prstGeom>
-          <a:noFill/>
-          <a:ln w="9525" cap="flat" cmpd="sng">
-            <a:solidFill>
-              <a:schemeClr val="dk2"/>
-            </a:solidFill>
-            <a:prstDash val="solid"/>
-            <a:round/>
-            <a:headEnd type="none" w="sm" len="sm"/>
-            <a:tailEnd type="triangle" w="med" len="med"/>
-          </a:ln>
-        </p:spPr>
-      </p:cxnSp>
-      <p:sp>
-        <p:nvSpPr>
-          <p:cNvPr id="202" name="Google Shape;202;p3"/>
-          <p:cNvSpPr/>
-          <p:nvPr/>
-        </p:nvSpPr>
-        <p:spPr>
-          <a:xfrm>
-            <a:off x="8296925" y="6201738"/>
-            <a:ext cx="940800" cy="345660"/>
-          </a:xfrm>
-          <a:prstGeom prst="roundRect">
-            <a:avLst>
-              <a:gd name="adj" fmla="val 16667"/>
-            </a:avLst>
-          </a:prstGeom>
-          <a:solidFill>
-            <a:srgbClr val="E06666"/>
-          </a:solidFill>
-          <a:ln>
-            <a:noFill/>
-          </a:ln>
-        </p:spPr>
-        <p:txBody>
-          <a:bodyPr spcFirstLastPara="1" wrap="square" lIns="127975" tIns="127975" rIns="127975" bIns="127975" anchor="ctr" anchorCtr="0">
-            <a:noAutofit/>
-          </a:bodyPr>
-          <a:lstStyle/>
-          <a:p>
-            <a:pPr marL="0" marR="0" lvl="0" indent="0" algn="ctr" rtl="0">
-              <a:lnSpc>
-                <a:spcPct val="100000"/>
-              </a:lnSpc>
-              <a:spcBef>
-                <a:spcPts val="0"/>
-              </a:spcBef>
-              <a:spcAft>
-                <a:spcPts val="0"/>
-              </a:spcAft>
-              <a:buNone/>
-            </a:pPr>
-            <a:r>
-              <a:rPr lang="ko" sz="980" b="0" i="0" u="none" strike="noStrike" cap="none">
-                <a:solidFill>
-                  <a:schemeClr val="lt1"/>
-                </a:solidFill>
-                <a:latin typeface="Arial"/>
-                <a:ea typeface="Arial"/>
-                <a:cs typeface="Arial"/>
-                <a:sym typeface="Arial"/>
-              </a:rPr>
-              <a:t>타이머 recv</a:t>
-            </a:r>
-            <a:endParaRPr sz="980" b="0" i="0" u="none" strike="noStrike" cap="none">
-              <a:solidFill>
-                <a:schemeClr val="lt1"/>
-              </a:solidFill>
-              <a:latin typeface="Arial"/>
-              <a:ea typeface="Arial"/>
-              <a:cs typeface="Arial"/>
-              <a:sym typeface="Arial"/>
-            </a:endParaRPr>
-          </a:p>
-        </p:txBody>
-      </p:sp>
-      <p:cxnSp>
-        <p:nvCxnSpPr>
-          <p:cNvPr id="203" name="Google Shape;203;p3"/>
-          <p:cNvCxnSpPr>
-            <a:endCxn id="202" idx="1"/>
-          </p:cNvCxnSpPr>
-          <p:nvPr/>
-        </p:nvCxnSpPr>
-        <p:spPr>
-          <a:xfrm>
-            <a:off x="3951725" y="6374568"/>
-            <a:ext cx="4345200" cy="0"/>
-          </a:xfrm>
-          <a:prstGeom prst="straightConnector1">
-            <a:avLst/>
-          </a:prstGeom>
-          <a:noFill/>
-          <a:ln w="9525" cap="flat" cmpd="sng">
-            <a:solidFill>
-              <a:schemeClr val="dk2"/>
-            </a:solidFill>
-            <a:prstDash val="solid"/>
-            <a:round/>
-            <a:headEnd type="none" w="sm" len="sm"/>
-            <a:tailEnd type="triangle" w="med" len="med"/>
-          </a:ln>
-        </p:spPr>
-      </p:cxnSp>
-      <p:cxnSp>
-        <p:nvCxnSpPr>
-          <p:cNvPr id="204" name="Google Shape;204;p3"/>
-          <p:cNvCxnSpPr>
-            <a:stCxn id="202" idx="3"/>
-          </p:cNvCxnSpPr>
-          <p:nvPr/>
-        </p:nvCxnSpPr>
-        <p:spPr>
-          <a:xfrm rot="10800000" flipH="1">
-            <a:off x="9237725" y="6370668"/>
-            <a:ext cx="412500" cy="3900"/>
-          </a:xfrm>
-          <a:prstGeom prst="straightConnector1">
-            <a:avLst/>
-          </a:prstGeom>
-          <a:noFill/>
-          <a:ln w="9525" cap="flat" cmpd="sng">
-            <a:solidFill>
-              <a:schemeClr val="dk2"/>
-            </a:solidFill>
-            <a:prstDash val="solid"/>
-            <a:round/>
-            <a:headEnd type="none" w="sm" len="sm"/>
-            <a:tailEnd type="triangle" w="med" len="med"/>
-          </a:ln>
-        </p:spPr>
-      </p:cxnSp>
-      <p:sp>
-        <p:nvSpPr>
-          <p:cNvPr id="205" name="Google Shape;205;p3"/>
-          <p:cNvSpPr/>
-          <p:nvPr/>
-        </p:nvSpPr>
-        <p:spPr>
-          <a:xfrm>
-            <a:off x="9657165" y="6226833"/>
-            <a:ext cx="940800" cy="345660"/>
-          </a:xfrm>
-          <a:prstGeom prst="roundRect">
-            <a:avLst>
-              <a:gd name="adj" fmla="val 16667"/>
-            </a:avLst>
-          </a:prstGeom>
-          <a:solidFill>
-            <a:srgbClr val="6D9EEB"/>
-          </a:solidFill>
-          <a:ln>
-            <a:noFill/>
-          </a:ln>
-        </p:spPr>
-        <p:txBody>
-          <a:bodyPr spcFirstLastPara="1" wrap="square" lIns="127975" tIns="127975" rIns="127975" bIns="127975" anchor="ctr" anchorCtr="0">
-            <a:noAutofit/>
-          </a:bodyPr>
-          <a:lstStyle/>
-          <a:p>
-            <a:pPr marL="0" marR="0" lvl="0" indent="0" algn="ctr" rtl="0">
-              <a:lnSpc>
-                <a:spcPct val="100000"/>
-              </a:lnSpc>
-              <a:spcBef>
-                <a:spcPts val="0"/>
-              </a:spcBef>
-              <a:spcAft>
-                <a:spcPts val="0"/>
-              </a:spcAft>
-              <a:buNone/>
-            </a:pPr>
-            <a:r>
-              <a:rPr lang="ko" sz="980" b="0" i="0" u="none" strike="noStrike" cap="none">
-                <a:solidFill>
-                  <a:schemeClr val="lt1"/>
-                </a:solidFill>
-                <a:latin typeface="Arial"/>
-                <a:ea typeface="Arial"/>
-                <a:cs typeface="Arial"/>
-                <a:sym typeface="Arial"/>
-              </a:rPr>
-              <a:t>타이머 업데이트</a:t>
-            </a:r>
-            <a:endParaRPr sz="980" b="0" i="0" u="none" strike="noStrike" cap="none">
-              <a:solidFill>
-                <a:schemeClr val="lt1"/>
-              </a:solidFill>
-              <a:latin typeface="Arial"/>
-              <a:ea typeface="Arial"/>
-              <a:cs typeface="Arial"/>
-              <a:sym typeface="Arial"/>
-            </a:endParaRPr>
-          </a:p>
-        </p:txBody>
-      </p:sp>
-      <p:sp>
-        <p:nvSpPr>
-          <p:cNvPr id="206" name="Google Shape;206;p3"/>
-          <p:cNvSpPr/>
-          <p:nvPr/>
-        </p:nvSpPr>
-        <p:spPr>
-          <a:xfrm>
-            <a:off x="3010333" y="7421925"/>
-            <a:ext cx="940800" cy="345660"/>
-          </a:xfrm>
-          <a:prstGeom prst="roundRect">
-            <a:avLst>
-              <a:gd name="adj" fmla="val 16667"/>
-            </a:avLst>
-          </a:prstGeom>
-          <a:solidFill>
-            <a:srgbClr val="6D9EEB"/>
-          </a:solidFill>
-          <a:ln>
-            <a:noFill/>
-          </a:ln>
-        </p:spPr>
-        <p:txBody>
-          <a:bodyPr spcFirstLastPara="1" wrap="square" lIns="127975" tIns="127975" rIns="127975" bIns="127975" anchor="ctr" anchorCtr="0">
-            <a:noAutofit/>
-          </a:bodyPr>
-          <a:lstStyle/>
-          <a:p>
-            <a:pPr marL="0" marR="0" lvl="0" indent="0" algn="ctr" rtl="0">
-              <a:lnSpc>
-                <a:spcPct val="100000"/>
-              </a:lnSpc>
-              <a:spcBef>
-                <a:spcPts val="0"/>
-              </a:spcBef>
-              <a:spcAft>
-                <a:spcPts val="0"/>
-              </a:spcAft>
-              <a:buNone/>
-            </a:pPr>
-            <a:r>
-              <a:rPr lang="ko" sz="980" b="0" i="0" u="none" strike="noStrike" cap="none">
-                <a:solidFill>
-                  <a:schemeClr val="lt1"/>
-                </a:solidFill>
-                <a:latin typeface="Arial"/>
-                <a:ea typeface="Arial"/>
-                <a:cs typeface="Arial"/>
-                <a:sym typeface="Arial"/>
-              </a:rPr>
-              <a:t>게임 결과 send</a:t>
-            </a:r>
-            <a:endParaRPr sz="980" b="0" i="0" u="none" strike="noStrike" cap="none">
-              <a:solidFill>
-                <a:schemeClr val="lt1"/>
-              </a:solidFill>
-              <a:latin typeface="Arial"/>
-              <a:ea typeface="Arial"/>
-              <a:cs typeface="Arial"/>
-              <a:sym typeface="Arial"/>
-            </a:endParaRPr>
-          </a:p>
-        </p:txBody>
-      </p:sp>
-      <p:sp>
-        <p:nvSpPr>
-          <p:cNvPr id="207" name="Google Shape;207;p3"/>
-          <p:cNvSpPr/>
-          <p:nvPr/>
-        </p:nvSpPr>
-        <p:spPr>
-          <a:xfrm>
-            <a:off x="1436453" y="7421925"/>
-            <a:ext cx="940800" cy="345660"/>
-          </a:xfrm>
-          <a:prstGeom prst="roundRect">
-            <a:avLst>
-              <a:gd name="adj" fmla="val 16667"/>
-            </a:avLst>
-          </a:prstGeom>
-          <a:solidFill>
-            <a:srgbClr val="6D9EEB"/>
-          </a:solidFill>
-          <a:ln>
-            <a:noFill/>
-          </a:ln>
-        </p:spPr>
-        <p:txBody>
-          <a:bodyPr spcFirstLastPara="1" wrap="square" lIns="127975" tIns="127975" rIns="127975" bIns="127975" anchor="ctr" anchorCtr="0">
-            <a:noAutofit/>
-          </a:bodyPr>
-          <a:lstStyle/>
-          <a:p>
-            <a:pPr marL="0" marR="0" lvl="0" indent="0" algn="ctr" rtl="0">
-              <a:lnSpc>
-                <a:spcPct val="100000"/>
-              </a:lnSpc>
-              <a:spcBef>
-                <a:spcPts val="0"/>
-              </a:spcBef>
-              <a:spcAft>
-                <a:spcPts val="0"/>
-              </a:spcAft>
-              <a:buNone/>
-            </a:pPr>
-            <a:r>
-              <a:rPr lang="ko" sz="980" b="0" i="0" u="none" strike="noStrike" cap="none">
-                <a:solidFill>
-                  <a:schemeClr val="lt1"/>
-                </a:solidFill>
-                <a:latin typeface="Arial"/>
-                <a:ea typeface="Arial"/>
-                <a:cs typeface="Arial"/>
-                <a:sym typeface="Arial"/>
-              </a:rPr>
-              <a:t>게임 결과 업데이트</a:t>
-            </a:r>
-            <a:endParaRPr sz="980" b="0" i="0" u="none" strike="noStrike" cap="none">
-              <a:solidFill>
-                <a:schemeClr val="lt1"/>
-              </a:solidFill>
-              <a:latin typeface="Arial"/>
-              <a:ea typeface="Arial"/>
-              <a:cs typeface="Arial"/>
-              <a:sym typeface="Arial"/>
-            </a:endParaRPr>
-          </a:p>
-        </p:txBody>
-      </p:sp>
-      <p:cxnSp>
-        <p:nvCxnSpPr>
-          <p:cNvPr id="208" name="Google Shape;208;p3"/>
-          <p:cNvCxnSpPr>
-            <a:stCxn id="207" idx="3"/>
-            <a:endCxn id="206" idx="1"/>
-          </p:cNvCxnSpPr>
-          <p:nvPr/>
-        </p:nvCxnSpPr>
-        <p:spPr>
-          <a:xfrm>
-            <a:off x="2377253" y="7594755"/>
-            <a:ext cx="633000" cy="0"/>
-          </a:xfrm>
-          <a:prstGeom prst="straightConnector1">
-            <a:avLst/>
-          </a:prstGeom>
-          <a:noFill/>
-          <a:ln w="9525" cap="flat" cmpd="sng">
-            <a:solidFill>
-              <a:schemeClr val="dk2"/>
-            </a:solidFill>
-            <a:prstDash val="solid"/>
-            <a:round/>
-            <a:headEnd type="none" w="sm" len="sm"/>
-            <a:tailEnd type="triangle" w="med" len="med"/>
-          </a:ln>
-        </p:spPr>
-      </p:cxnSp>
-      <p:sp>
-        <p:nvSpPr>
-          <p:cNvPr id="209" name="Google Shape;209;p3"/>
-          <p:cNvSpPr/>
-          <p:nvPr/>
-        </p:nvSpPr>
-        <p:spPr>
-          <a:xfrm>
-            <a:off x="1050804" y="6742085"/>
-            <a:ext cx="1712211" cy="421680"/>
-          </a:xfrm>
-          <a:prstGeom prst="flowChartDecision">
-            <a:avLst/>
-          </a:prstGeom>
-          <a:solidFill>
-            <a:srgbClr val="FFE599"/>
-          </a:solidFill>
-          <a:ln>
-            <a:noFill/>
-          </a:ln>
-        </p:spPr>
-        <p:txBody>
-          <a:bodyPr spcFirstLastPara="1" wrap="square" lIns="127975" tIns="127975" rIns="127975" bIns="127975" anchor="ctr" anchorCtr="0">
-            <a:noAutofit/>
-          </a:bodyPr>
-          <a:lstStyle/>
-          <a:p>
-            <a:pPr marL="0" marR="0" lvl="0" indent="0" algn="ctr" rtl="0">
-              <a:lnSpc>
-                <a:spcPct val="100000"/>
-              </a:lnSpc>
-              <a:spcBef>
-                <a:spcPts val="0"/>
-              </a:spcBef>
-              <a:spcAft>
-                <a:spcPts val="0"/>
-              </a:spcAft>
-              <a:buNone/>
-            </a:pPr>
-            <a:r>
-              <a:rPr lang="ko" sz="700" b="0" i="0" u="none" strike="noStrike" cap="none">
-                <a:solidFill>
-                  <a:schemeClr val="dk1"/>
-                </a:solidFill>
-                <a:latin typeface="Arial"/>
-                <a:ea typeface="Arial"/>
-                <a:cs typeface="Arial"/>
-                <a:sym typeface="Arial"/>
-              </a:rPr>
-              <a:t>진행시간 &gt;=  지정시간</a:t>
-            </a:r>
-            <a:endParaRPr sz="700" b="0" i="0" u="none" strike="noStrike" cap="none">
-              <a:solidFill>
-                <a:schemeClr val="dk1"/>
-              </a:solidFill>
-              <a:latin typeface="Arial"/>
-              <a:ea typeface="Arial"/>
-              <a:cs typeface="Arial"/>
-              <a:sym typeface="Arial"/>
-            </a:endParaRPr>
-          </a:p>
-        </p:txBody>
-      </p:sp>
-      <p:cxnSp>
-        <p:nvCxnSpPr>
-          <p:cNvPr id="210" name="Google Shape;210;p3"/>
-          <p:cNvCxnSpPr>
-            <a:stCxn id="198" idx="2"/>
-            <a:endCxn id="209" idx="0"/>
-          </p:cNvCxnSpPr>
-          <p:nvPr/>
-        </p:nvCxnSpPr>
-        <p:spPr>
-          <a:xfrm>
-            <a:off x="1906888" y="6559945"/>
-            <a:ext cx="0" cy="182100"/>
-          </a:xfrm>
-          <a:prstGeom prst="straightConnector1">
-            <a:avLst/>
-          </a:prstGeom>
-          <a:noFill/>
-          <a:ln w="9525" cap="flat" cmpd="sng">
-            <a:solidFill>
-              <a:schemeClr val="dk2"/>
-            </a:solidFill>
-            <a:prstDash val="solid"/>
-            <a:round/>
-            <a:headEnd type="none" w="sm" len="sm"/>
-            <a:tailEnd type="triangle" w="med" len="med"/>
-          </a:ln>
-        </p:spPr>
-      </p:cxnSp>
-      <p:cxnSp>
-        <p:nvCxnSpPr>
-          <p:cNvPr id="211" name="Google Shape;211;p3"/>
-          <p:cNvCxnSpPr>
-            <a:stCxn id="209" idx="2"/>
-            <a:endCxn id="207" idx="0"/>
-          </p:cNvCxnSpPr>
-          <p:nvPr/>
-        </p:nvCxnSpPr>
-        <p:spPr>
-          <a:xfrm>
-            <a:off x="1906910" y="7163765"/>
-            <a:ext cx="0" cy="258300"/>
-          </a:xfrm>
-          <a:prstGeom prst="straightConnector1">
-            <a:avLst/>
-          </a:prstGeom>
-          <a:noFill/>
-          <a:ln w="9525" cap="flat" cmpd="sng">
-            <a:solidFill>
-              <a:schemeClr val="dk2"/>
-            </a:solidFill>
-            <a:prstDash val="solid"/>
-            <a:round/>
-            <a:headEnd type="none" w="sm" len="sm"/>
-            <a:tailEnd type="triangle" w="med" len="med"/>
-          </a:ln>
-        </p:spPr>
-      </p:cxnSp>
-      <p:sp>
-        <p:nvSpPr>
-          <p:cNvPr id="212" name="Google Shape;212;p3"/>
-          <p:cNvSpPr txBox="1"/>
-          <p:nvPr/>
-        </p:nvSpPr>
-        <p:spPr>
-          <a:xfrm>
-            <a:off x="1906870" y="7031396"/>
-            <a:ext cx="620760" cy="430845"/>
-          </a:xfrm>
-          <a:prstGeom prst="rect">
-            <a:avLst/>
-          </a:prstGeom>
-          <a:noFill/>
-          <a:ln>
-            <a:noFill/>
-          </a:ln>
-        </p:spPr>
-        <p:txBody>
-          <a:bodyPr spcFirstLastPara="1" wrap="square" lIns="127975" tIns="127975" rIns="127975" bIns="127975" anchor="t" anchorCtr="0">
-            <a:spAutoFit/>
-          </a:bodyPr>
-          <a:lstStyle/>
-          <a:p>
-            <a:pPr marL="0" marR="0" lvl="0" indent="0" algn="l" rtl="0">
-              <a:lnSpc>
-                <a:spcPct val="100000"/>
-              </a:lnSpc>
-              <a:spcBef>
-                <a:spcPts val="0"/>
-              </a:spcBef>
-              <a:spcAft>
-                <a:spcPts val="0"/>
-              </a:spcAft>
-              <a:buNone/>
-            </a:pPr>
-            <a:r>
-              <a:rPr lang="ko" sz="1120" b="0" i="0" u="none" strike="noStrike" cap="none">
-                <a:solidFill>
-                  <a:srgbClr val="000000"/>
-                </a:solidFill>
-                <a:latin typeface="Arial"/>
-                <a:ea typeface="Arial"/>
-                <a:cs typeface="Arial"/>
-                <a:sym typeface="Arial"/>
-              </a:rPr>
-              <a:t>YES</a:t>
-            </a:r>
-            <a:endParaRPr sz="1120" b="0" i="0" u="none" strike="noStrike" cap="none">
-              <a:solidFill>
-                <a:srgbClr val="000000"/>
-              </a:solidFill>
-              <a:latin typeface="Arial"/>
-              <a:ea typeface="Arial"/>
-              <a:cs typeface="Arial"/>
-              <a:sym typeface="Arial"/>
-            </a:endParaRPr>
-          </a:p>
-        </p:txBody>
-      </p:sp>
-      <p:sp>
-        <p:nvSpPr>
-          <p:cNvPr id="213" name="Google Shape;213;p3"/>
-          <p:cNvSpPr txBox="1"/>
-          <p:nvPr/>
-        </p:nvSpPr>
-        <p:spPr>
-          <a:xfrm>
-            <a:off x="606445" y="6508951"/>
-            <a:ext cx="620760" cy="430845"/>
-          </a:xfrm>
-          <a:prstGeom prst="rect">
-            <a:avLst/>
-          </a:prstGeom>
-          <a:noFill/>
-          <a:ln>
-            <a:noFill/>
-          </a:ln>
-        </p:spPr>
-        <p:txBody>
-          <a:bodyPr spcFirstLastPara="1" wrap="square" lIns="127975" tIns="127975" rIns="127975" bIns="127975" anchor="t" anchorCtr="0">
-            <a:spAutoFit/>
-          </a:bodyPr>
-          <a:lstStyle/>
-          <a:p>
-            <a:pPr marL="0" marR="0" lvl="0" indent="0" algn="l" rtl="0">
-              <a:lnSpc>
-                <a:spcPct val="100000"/>
-              </a:lnSpc>
-              <a:spcBef>
-                <a:spcPts val="0"/>
-              </a:spcBef>
-              <a:spcAft>
-                <a:spcPts val="0"/>
-              </a:spcAft>
-              <a:buNone/>
-            </a:pPr>
-            <a:r>
-              <a:rPr lang="ko" sz="1120" b="0" i="0" u="none" strike="noStrike" cap="none">
-                <a:solidFill>
-                  <a:srgbClr val="000000"/>
-                </a:solidFill>
-                <a:latin typeface="Arial"/>
-                <a:ea typeface="Arial"/>
-                <a:cs typeface="Arial"/>
-                <a:sym typeface="Arial"/>
-              </a:rPr>
-              <a:t>NO</a:t>
-            </a:r>
-            <a:endParaRPr sz="1120" b="0" i="0" u="none" strike="noStrike" cap="none">
-              <a:solidFill>
-                <a:srgbClr val="000000"/>
-              </a:solidFill>
-              <a:latin typeface="Arial"/>
-              <a:ea typeface="Arial"/>
-              <a:cs typeface="Arial"/>
-              <a:sym typeface="Arial"/>
-            </a:endParaRPr>
-          </a:p>
-        </p:txBody>
-      </p:sp>
-      <p:sp>
-        <p:nvSpPr>
-          <p:cNvPr id="214" name="Google Shape;214;p3"/>
-          <p:cNvSpPr/>
-          <p:nvPr/>
-        </p:nvSpPr>
-        <p:spPr>
-          <a:xfrm>
-            <a:off x="8296470" y="7392088"/>
-            <a:ext cx="940800" cy="345660"/>
-          </a:xfrm>
-          <a:prstGeom prst="roundRect">
-            <a:avLst>
-              <a:gd name="adj" fmla="val 16667"/>
-            </a:avLst>
-          </a:prstGeom>
-          <a:solidFill>
-            <a:srgbClr val="E06666"/>
-          </a:solidFill>
-          <a:ln>
-            <a:noFill/>
-          </a:ln>
-        </p:spPr>
-        <p:txBody>
-          <a:bodyPr spcFirstLastPara="1" wrap="square" lIns="127975" tIns="127975" rIns="127975" bIns="127975" anchor="ctr" anchorCtr="0">
-            <a:noAutofit/>
-          </a:bodyPr>
-          <a:lstStyle/>
-          <a:p>
-            <a:pPr marL="0" marR="0" lvl="0" indent="0" algn="ctr" rtl="0">
-              <a:lnSpc>
-                <a:spcPct val="100000"/>
-              </a:lnSpc>
-              <a:spcBef>
-                <a:spcPts val="0"/>
-              </a:spcBef>
-              <a:spcAft>
-                <a:spcPts val="0"/>
-              </a:spcAft>
-              <a:buNone/>
-            </a:pPr>
-            <a:r>
-              <a:rPr lang="ko" sz="980" b="0" i="0" u="none" strike="noStrike" cap="none">
-                <a:solidFill>
-                  <a:schemeClr val="lt1"/>
-                </a:solidFill>
-                <a:latin typeface="Arial"/>
-                <a:ea typeface="Arial"/>
-                <a:cs typeface="Arial"/>
-                <a:sym typeface="Arial"/>
-              </a:rPr>
-              <a:t>결과 recv</a:t>
-            </a:r>
-            <a:endParaRPr sz="980" b="0" i="0" u="none" strike="noStrike" cap="none">
-              <a:solidFill>
-                <a:schemeClr val="lt1"/>
-              </a:solidFill>
-              <a:latin typeface="Arial"/>
-              <a:ea typeface="Arial"/>
-              <a:cs typeface="Arial"/>
-              <a:sym typeface="Arial"/>
-            </a:endParaRPr>
-          </a:p>
-        </p:txBody>
-      </p:sp>
-      <p:cxnSp>
-        <p:nvCxnSpPr>
-          <p:cNvPr id="215" name="Google Shape;215;p3"/>
-          <p:cNvCxnSpPr>
-            <a:endCxn id="214" idx="1"/>
-          </p:cNvCxnSpPr>
-          <p:nvPr/>
-        </p:nvCxnSpPr>
-        <p:spPr>
-          <a:xfrm>
-            <a:off x="3951270" y="7564918"/>
-            <a:ext cx="4345200" cy="0"/>
-          </a:xfrm>
-          <a:prstGeom prst="straightConnector1">
-            <a:avLst/>
-          </a:prstGeom>
-          <a:noFill/>
-          <a:ln w="9525" cap="flat" cmpd="sng">
-            <a:solidFill>
-              <a:schemeClr val="dk2"/>
-            </a:solidFill>
-            <a:prstDash val="solid"/>
-            <a:round/>
-            <a:headEnd type="none" w="sm" len="sm"/>
-            <a:tailEnd type="triangle" w="med" len="med"/>
-          </a:ln>
-        </p:spPr>
-      </p:cxnSp>
-      <p:cxnSp>
-        <p:nvCxnSpPr>
-          <p:cNvPr id="216" name="Google Shape;216;p3"/>
-          <p:cNvCxnSpPr>
-            <a:stCxn id="214" idx="3"/>
-          </p:cNvCxnSpPr>
-          <p:nvPr/>
-        </p:nvCxnSpPr>
-        <p:spPr>
-          <a:xfrm rot="10800000" flipH="1">
-            <a:off x="9237270" y="7561018"/>
-            <a:ext cx="412500" cy="3900"/>
-          </a:xfrm>
-          <a:prstGeom prst="straightConnector1">
-            <a:avLst/>
-          </a:prstGeom>
-          <a:noFill/>
-          <a:ln w="9525" cap="flat" cmpd="sng">
-            <a:solidFill>
-              <a:schemeClr val="dk2"/>
-            </a:solidFill>
-            <a:prstDash val="solid"/>
-            <a:round/>
-            <a:headEnd type="none" w="sm" len="sm"/>
-            <a:tailEnd type="triangle" w="med" len="med"/>
-          </a:ln>
-        </p:spPr>
-      </p:cxnSp>
-      <p:sp>
-        <p:nvSpPr>
-          <p:cNvPr id="217" name="Google Shape;217;p3"/>
-          <p:cNvSpPr/>
-          <p:nvPr/>
-        </p:nvSpPr>
-        <p:spPr>
-          <a:xfrm>
-            <a:off x="9656710" y="7417183"/>
-            <a:ext cx="940800" cy="345660"/>
-          </a:xfrm>
-          <a:prstGeom prst="roundRect">
-            <a:avLst>
-              <a:gd name="adj" fmla="val 16667"/>
-            </a:avLst>
-          </a:prstGeom>
-          <a:solidFill>
-            <a:srgbClr val="6D9EEB"/>
-          </a:solidFill>
-          <a:ln>
-            <a:noFill/>
-          </a:ln>
-        </p:spPr>
-        <p:txBody>
-          <a:bodyPr spcFirstLastPara="1" wrap="square" lIns="127975" tIns="127975" rIns="127975" bIns="127975" anchor="ctr" anchorCtr="0">
-            <a:noAutofit/>
-          </a:bodyPr>
-          <a:lstStyle/>
-          <a:p>
-            <a:pPr marL="0" marR="0" lvl="0" indent="0" algn="ctr" rtl="0">
-              <a:lnSpc>
-                <a:spcPct val="100000"/>
-              </a:lnSpc>
-              <a:spcBef>
-                <a:spcPts val="0"/>
-              </a:spcBef>
-              <a:spcAft>
-                <a:spcPts val="0"/>
-              </a:spcAft>
-              <a:buNone/>
-            </a:pPr>
-            <a:r>
-              <a:rPr lang="ko" sz="980" b="0" i="0" u="none" strike="noStrike" cap="none">
-                <a:solidFill>
-                  <a:schemeClr val="lt1"/>
-                </a:solidFill>
-                <a:latin typeface="Arial"/>
-                <a:ea typeface="Arial"/>
-                <a:cs typeface="Arial"/>
-                <a:sym typeface="Arial"/>
-              </a:rPr>
-              <a:t>게임 종료</a:t>
-            </a:r>
-            <a:endParaRPr sz="980" b="0" i="0" u="none" strike="noStrike" cap="none">
-              <a:solidFill>
-                <a:schemeClr val="lt1"/>
-              </a:solidFill>
-              <a:latin typeface="Arial"/>
-              <a:ea typeface="Arial"/>
-              <a:cs typeface="Arial"/>
-              <a:sym typeface="Arial"/>
-            </a:endParaRPr>
-          </a:p>
-        </p:txBody>
-      </p:sp>
-      <p:sp>
-        <p:nvSpPr>
-          <p:cNvPr id="218" name="Google Shape;218;p3"/>
-          <p:cNvSpPr/>
-          <p:nvPr/>
-        </p:nvSpPr>
-        <p:spPr>
-          <a:xfrm>
-            <a:off x="9649710" y="5313962"/>
-            <a:ext cx="940800" cy="345660"/>
-          </a:xfrm>
-          <a:prstGeom prst="roundRect">
-            <a:avLst>
-              <a:gd name="adj" fmla="val 16667"/>
-            </a:avLst>
-          </a:prstGeom>
-          <a:solidFill>
-            <a:srgbClr val="6D9EEB"/>
-          </a:solidFill>
-          <a:ln>
-            <a:noFill/>
-          </a:ln>
-        </p:spPr>
-        <p:txBody>
-          <a:bodyPr spcFirstLastPara="1" wrap="square" lIns="127975" tIns="127975" rIns="127975" bIns="127975" anchor="ctr" anchorCtr="0">
-            <a:noAutofit/>
-          </a:bodyPr>
-          <a:lstStyle/>
-          <a:p>
-            <a:pPr marL="0" marR="0" lvl="0" indent="0" algn="ctr" rtl="0">
-              <a:lnSpc>
-                <a:spcPct val="100000"/>
-              </a:lnSpc>
-              <a:spcBef>
-                <a:spcPts val="0"/>
-              </a:spcBef>
-              <a:spcAft>
-                <a:spcPts val="0"/>
-              </a:spcAft>
-              <a:buNone/>
-            </a:pPr>
-            <a:r>
-              <a:rPr lang="ko" sz="980" b="0" i="0" u="none" strike="noStrike" cap="none">
-                <a:solidFill>
-                  <a:schemeClr val="lt1"/>
-                </a:solidFill>
-                <a:latin typeface="Arial"/>
-                <a:ea typeface="Arial"/>
-                <a:cs typeface="Arial"/>
-                <a:sym typeface="Arial"/>
-              </a:rPr>
-              <a:t>Render</a:t>
-            </a:r>
-            <a:endParaRPr sz="3073" b="0" i="0" u="none" strike="noStrike" cap="none">
-              <a:solidFill>
-                <a:srgbClr val="000000"/>
-              </a:solidFill>
-              <a:latin typeface="Arial"/>
-              <a:ea typeface="Arial"/>
-              <a:cs typeface="Arial"/>
-              <a:sym typeface="Arial"/>
-            </a:endParaRPr>
-          </a:p>
-          <a:p>
-            <a:pPr marL="0" marR="0" lvl="0" indent="0" algn="ctr" rtl="0">
-              <a:lnSpc>
-                <a:spcPct val="100000"/>
-              </a:lnSpc>
-              <a:spcBef>
-                <a:spcPts val="0"/>
-              </a:spcBef>
-              <a:spcAft>
-                <a:spcPts val="0"/>
-              </a:spcAft>
-              <a:buNone/>
-            </a:pPr>
-            <a:r>
-              <a:rPr lang="ko" sz="980" b="0" i="0" u="none" strike="noStrike" cap="none">
-                <a:solidFill>
-                  <a:schemeClr val="lt1"/>
-                </a:solidFill>
-                <a:latin typeface="Arial"/>
-                <a:ea typeface="Arial"/>
-                <a:cs typeface="Arial"/>
-                <a:sym typeface="Arial"/>
-              </a:rPr>
-              <a:t>(draw)</a:t>
-            </a:r>
-            <a:endParaRPr sz="980" b="0" i="0" u="none" strike="noStrike" cap="none">
-              <a:solidFill>
-                <a:schemeClr val="lt1"/>
-              </a:solidFill>
-              <a:latin typeface="Arial"/>
-              <a:ea typeface="Arial"/>
-              <a:cs typeface="Arial"/>
-              <a:sym typeface="Arial"/>
-            </a:endParaRPr>
-          </a:p>
-        </p:txBody>
-      </p:sp>
-      <p:sp>
-        <p:nvSpPr>
-          <p:cNvPr id="219" name="Google Shape;219;p3"/>
-          <p:cNvSpPr txBox="1"/>
-          <p:nvPr/>
-        </p:nvSpPr>
-        <p:spPr>
-          <a:xfrm>
-            <a:off x="1193209" y="5964832"/>
-            <a:ext cx="2240165" cy="258476"/>
-          </a:xfrm>
-          <a:prstGeom prst="rect">
-            <a:avLst/>
-          </a:prstGeom>
-          <a:noFill/>
-          <a:ln>
-            <a:noFill/>
-          </a:ln>
-        </p:spPr>
-        <p:txBody>
-          <a:bodyPr spcFirstLastPara="1" wrap="square" lIns="127975" tIns="63975" rIns="127975" bIns="63975" anchor="t" anchorCtr="0">
-            <a:spAutoFit/>
-          </a:bodyPr>
-          <a:lstStyle/>
-          <a:p>
-            <a:pPr marL="0" marR="0" lvl="0" indent="0" algn="l" rtl="0">
-              <a:lnSpc>
-                <a:spcPct val="100000"/>
-              </a:lnSpc>
-              <a:spcBef>
-                <a:spcPts val="0"/>
-              </a:spcBef>
-              <a:spcAft>
-                <a:spcPts val="0"/>
-              </a:spcAft>
-              <a:buNone/>
-            </a:pPr>
-            <a:r>
-              <a:rPr lang="ko" sz="839" b="0" i="0" u="none" strike="noStrike" cap="none">
-                <a:solidFill>
-                  <a:srgbClr val="000000"/>
-                </a:solidFill>
-                <a:latin typeface="Arial"/>
-                <a:ea typeface="Arial"/>
-                <a:cs typeface="Arial"/>
-                <a:sym typeface="Arial"/>
-              </a:rPr>
-              <a:t>Timer Update 주기 : 5fps 정도(1초당 5번)</a:t>
-            </a:r>
-            <a:endParaRPr sz="839" b="0" i="0" u="none" strike="noStrike" cap="none">
-              <a:solidFill>
-                <a:srgbClr val="000000"/>
-              </a:solidFill>
-              <a:latin typeface="Arial"/>
-              <a:ea typeface="Arial"/>
-              <a:cs typeface="Arial"/>
-              <a:sym typeface="Arial"/>
-            </a:endParaRPr>
-          </a:p>
-        </p:txBody>
-      </p:sp>
-      <p:cxnSp>
-        <p:nvCxnSpPr>
-          <p:cNvPr id="220" name="Google Shape;220;p3"/>
-          <p:cNvCxnSpPr>
-            <a:stCxn id="160" idx="4"/>
-          </p:cNvCxnSpPr>
-          <p:nvPr/>
-        </p:nvCxnSpPr>
-        <p:spPr>
-          <a:xfrm>
-            <a:off x="3480960" y="1923390"/>
-            <a:ext cx="0" cy="192000"/>
-          </a:xfrm>
-          <a:prstGeom prst="straightConnector1">
-            <a:avLst/>
-          </a:prstGeom>
-          <a:noFill/>
-          <a:ln w="9525" cap="flat" cmpd="sng">
-            <a:solidFill>
-              <a:schemeClr val="dk2"/>
-            </a:solidFill>
-            <a:prstDash val="solid"/>
-            <a:round/>
-            <a:headEnd type="none" w="sm" len="sm"/>
-            <a:tailEnd type="triangle" w="med" len="med"/>
-          </a:ln>
-        </p:spPr>
-      </p:cxnSp>
-      <p:cxnSp>
-        <p:nvCxnSpPr>
-          <p:cNvPr id="221" name="Google Shape;221;p3"/>
-          <p:cNvCxnSpPr>
-            <a:stCxn id="209" idx="1"/>
-          </p:cNvCxnSpPr>
-          <p:nvPr/>
-        </p:nvCxnSpPr>
-        <p:spPr>
-          <a:xfrm rot="10800000">
-            <a:off x="1050804" y="6429725"/>
-            <a:ext cx="0" cy="523200"/>
-          </a:xfrm>
-          <a:prstGeom prst="straightConnector1">
-            <a:avLst/>
-          </a:prstGeom>
-          <a:noFill/>
-          <a:ln w="9525" cap="flat" cmpd="sng">
-            <a:solidFill>
-              <a:schemeClr val="dk2"/>
-            </a:solidFill>
-            <a:prstDash val="solid"/>
-            <a:round/>
-            <a:headEnd type="none" w="sm" len="sm"/>
-            <a:tailEnd type="triangle" w="med" len="med"/>
-          </a:ln>
-        </p:spPr>
-      </p:cxnSp>
-      <p:sp>
-        <p:nvSpPr>
-          <p:cNvPr id="222" name="Google Shape;222;p3"/>
-          <p:cNvSpPr txBox="1"/>
-          <p:nvPr/>
-        </p:nvSpPr>
-        <p:spPr>
-          <a:xfrm>
-            <a:off x="10874955" y="6201756"/>
-            <a:ext cx="1712340" cy="1034087"/>
-          </a:xfrm>
-          <a:prstGeom prst="rect">
-            <a:avLst/>
-          </a:prstGeom>
-          <a:noFill/>
-          <a:ln>
-            <a:noFill/>
-          </a:ln>
-        </p:spPr>
-        <p:txBody>
-          <a:bodyPr spcFirstLastPara="1" wrap="square" lIns="127975" tIns="127975" rIns="127975" bIns="127975" anchor="t" anchorCtr="0">
-            <a:spAutoFit/>
-          </a:bodyPr>
-          <a:lstStyle/>
-          <a:p>
-            <a:pPr marL="0" marR="0" lvl="0" indent="0" algn="l" rtl="0">
-              <a:lnSpc>
-                <a:spcPct val="100000"/>
-              </a:lnSpc>
-              <a:spcBef>
-                <a:spcPts val="0"/>
-              </a:spcBef>
-              <a:spcAft>
-                <a:spcPts val="0"/>
-              </a:spcAft>
-              <a:buNone/>
-            </a:pPr>
-            <a:r>
-              <a:rPr lang="ko" sz="1260" b="0" i="0" u="none" strike="noStrike" cap="none">
-                <a:solidFill>
-                  <a:srgbClr val="000000"/>
-                </a:solidFill>
-                <a:latin typeface="Arial"/>
-                <a:ea typeface="Arial"/>
-                <a:cs typeface="Arial"/>
-                <a:sym typeface="Arial"/>
-              </a:rPr>
-              <a:t>업데이트 내역</a:t>
-            </a:r>
-            <a:endParaRPr sz="1260" b="0" i="0" u="none" strike="noStrike" cap="none">
-              <a:solidFill>
-                <a:srgbClr val="000000"/>
-              </a:solidFill>
-              <a:latin typeface="Arial"/>
-              <a:ea typeface="Arial"/>
-              <a:cs typeface="Arial"/>
-              <a:sym typeface="Arial"/>
-            </a:endParaRPr>
-          </a:p>
-          <a:p>
-            <a:pPr marL="0" marR="0" lvl="0" indent="0" algn="l" rtl="0">
-              <a:lnSpc>
-                <a:spcPct val="100000"/>
-              </a:lnSpc>
-              <a:spcBef>
-                <a:spcPts val="0"/>
-              </a:spcBef>
-              <a:spcAft>
-                <a:spcPts val="0"/>
-              </a:spcAft>
-              <a:buNone/>
-            </a:pPr>
-            <a:endParaRPr sz="1260" b="0" i="0" u="none" strike="noStrike" cap="none">
-              <a:solidFill>
-                <a:srgbClr val="000000"/>
-              </a:solidFill>
-              <a:latin typeface="Arial"/>
-              <a:ea typeface="Arial"/>
-              <a:cs typeface="Arial"/>
-              <a:sym typeface="Arial"/>
-            </a:endParaRPr>
-          </a:p>
-          <a:p>
-            <a:pPr marL="0" marR="0" lvl="0" indent="0" algn="l" rtl="0">
-              <a:lnSpc>
-                <a:spcPct val="100000"/>
-              </a:lnSpc>
-              <a:spcBef>
-                <a:spcPts val="0"/>
-              </a:spcBef>
-              <a:spcAft>
-                <a:spcPts val="0"/>
-              </a:spcAft>
-              <a:buNone/>
-            </a:pPr>
-            <a:r>
-              <a:rPr lang="ko" sz="1260" b="0" i="0" u="none" strike="noStrike" cap="none">
-                <a:solidFill>
-                  <a:srgbClr val="000000"/>
-                </a:solidFill>
-                <a:latin typeface="Arial"/>
-                <a:ea typeface="Arial"/>
-                <a:cs typeface="Arial"/>
-                <a:sym typeface="Arial"/>
-              </a:rPr>
-              <a:t>타이머</a:t>
-            </a:r>
-            <a:endParaRPr sz="1260" b="0" i="0" u="none" strike="noStrike" cap="none">
-              <a:solidFill>
-                <a:srgbClr val="000000"/>
-              </a:solidFill>
-              <a:latin typeface="Arial"/>
-              <a:ea typeface="Arial"/>
-              <a:cs typeface="Arial"/>
-              <a:sym typeface="Arial"/>
-            </a:endParaRPr>
-          </a:p>
-          <a:p>
-            <a:pPr marL="0" marR="0" lvl="0" indent="0" algn="l" rtl="0">
-              <a:lnSpc>
-                <a:spcPct val="100000"/>
-              </a:lnSpc>
-              <a:spcBef>
-                <a:spcPts val="0"/>
-              </a:spcBef>
-              <a:spcAft>
-                <a:spcPts val="0"/>
-              </a:spcAft>
-              <a:buNone/>
-            </a:pPr>
-            <a:r>
-              <a:rPr lang="ko" sz="1260" b="0" i="0" u="none" strike="noStrike" cap="none">
-                <a:solidFill>
-                  <a:srgbClr val="000000"/>
-                </a:solidFill>
-                <a:latin typeface="Arial"/>
-                <a:ea typeface="Arial"/>
-                <a:cs typeface="Arial"/>
-                <a:sym typeface="Arial"/>
-              </a:rPr>
-              <a:t>스킬 쿨타임</a:t>
-            </a:r>
-            <a:endParaRPr sz="1260" b="0" i="0" u="none" strike="noStrike" cap="none">
-              <a:solidFill>
-                <a:srgbClr val="000000"/>
-              </a:solidFill>
-              <a:latin typeface="Arial"/>
-              <a:ea typeface="Arial"/>
-              <a:cs typeface="Arial"/>
-              <a:sym typeface="Arial"/>
-            </a:endParaRPr>
-          </a:p>
-        </p:txBody>
-      </p:sp>
-      <p:sp>
-        <p:nvSpPr>
-          <p:cNvPr id="223" name="Google Shape;223;p3"/>
-          <p:cNvSpPr txBox="1"/>
-          <p:nvPr/>
-        </p:nvSpPr>
-        <p:spPr>
-          <a:xfrm>
-            <a:off x="10874955" y="4728676"/>
-            <a:ext cx="1712340" cy="840188"/>
-          </a:xfrm>
-          <a:prstGeom prst="rect">
-            <a:avLst/>
-          </a:prstGeom>
-          <a:noFill/>
-          <a:ln>
-            <a:noFill/>
-          </a:ln>
-        </p:spPr>
-        <p:txBody>
-          <a:bodyPr spcFirstLastPara="1" wrap="square" lIns="127975" tIns="127975" rIns="127975" bIns="127975" anchor="t" anchorCtr="0">
-            <a:spAutoFit/>
-          </a:bodyPr>
-          <a:lstStyle/>
-          <a:p>
-            <a:pPr marL="0" marR="0" lvl="0" indent="0" algn="l" rtl="0">
-              <a:lnSpc>
-                <a:spcPct val="100000"/>
-              </a:lnSpc>
-              <a:spcBef>
-                <a:spcPts val="0"/>
-              </a:spcBef>
-              <a:spcAft>
-                <a:spcPts val="0"/>
-              </a:spcAft>
-              <a:buNone/>
-            </a:pPr>
-            <a:r>
-              <a:rPr lang="ko" sz="1260" b="0" i="0" u="none" strike="noStrike" cap="none">
-                <a:solidFill>
-                  <a:srgbClr val="000000"/>
-                </a:solidFill>
-                <a:latin typeface="Arial"/>
-                <a:ea typeface="Arial"/>
-                <a:cs typeface="Arial"/>
-                <a:sym typeface="Arial"/>
-              </a:rPr>
-              <a:t>업데이트 내역</a:t>
-            </a:r>
-            <a:endParaRPr sz="1260" b="0" i="0" u="none" strike="noStrike" cap="none">
-              <a:solidFill>
-                <a:srgbClr val="000000"/>
-              </a:solidFill>
-              <a:latin typeface="Arial"/>
-              <a:ea typeface="Arial"/>
-              <a:cs typeface="Arial"/>
-              <a:sym typeface="Arial"/>
-            </a:endParaRPr>
-          </a:p>
-          <a:p>
-            <a:pPr marL="0" marR="0" lvl="0" indent="0" algn="l" rtl="0">
-              <a:lnSpc>
-                <a:spcPct val="100000"/>
-              </a:lnSpc>
-              <a:spcBef>
-                <a:spcPts val="0"/>
-              </a:spcBef>
-              <a:spcAft>
-                <a:spcPts val="0"/>
-              </a:spcAft>
-              <a:buNone/>
-            </a:pPr>
-            <a:endParaRPr sz="1260" b="0" i="0" u="none" strike="noStrike" cap="none">
-              <a:solidFill>
-                <a:srgbClr val="000000"/>
-              </a:solidFill>
-              <a:latin typeface="Arial"/>
-              <a:ea typeface="Arial"/>
-              <a:cs typeface="Arial"/>
-              <a:sym typeface="Arial"/>
-            </a:endParaRPr>
-          </a:p>
-          <a:p>
-            <a:pPr marL="0" marR="0" lvl="0" indent="0" algn="l" rtl="0">
-              <a:lnSpc>
-                <a:spcPct val="100000"/>
-              </a:lnSpc>
-              <a:spcBef>
-                <a:spcPts val="0"/>
-              </a:spcBef>
-              <a:spcAft>
-                <a:spcPts val="0"/>
-              </a:spcAft>
-              <a:buNone/>
-            </a:pPr>
-            <a:r>
-              <a:rPr lang="ko" sz="1260" b="0" i="0" u="none" strike="noStrike" cap="none">
-                <a:solidFill>
-                  <a:srgbClr val="000000"/>
-                </a:solidFill>
-                <a:latin typeface="Arial"/>
-                <a:ea typeface="Arial"/>
-                <a:cs typeface="Arial"/>
-                <a:sym typeface="Arial"/>
-              </a:rPr>
-              <a:t>캐릭터 데이터</a:t>
-            </a:r>
-            <a:endParaRPr sz="1260" b="0" i="0" u="none" strike="noStrike" cap="none">
-              <a:solidFill>
-                <a:srgbClr val="000000"/>
-              </a:solidFill>
-              <a:latin typeface="Arial"/>
-              <a:ea typeface="Arial"/>
-              <a:cs typeface="Arial"/>
-              <a:sym typeface="Arial"/>
-            </a:endParaRPr>
-          </a:p>
-        </p:txBody>
-      </p:sp>
-      <p:sp>
-        <p:nvSpPr>
-          <p:cNvPr id="224" name="Google Shape;224;p3"/>
-          <p:cNvSpPr/>
-          <p:nvPr/>
-        </p:nvSpPr>
-        <p:spPr>
-          <a:xfrm>
-            <a:off x="1517965" y="2115330"/>
-            <a:ext cx="940800" cy="345660"/>
-          </a:xfrm>
-          <a:prstGeom prst="roundRect">
-            <a:avLst>
-              <a:gd name="adj" fmla="val 16667"/>
-            </a:avLst>
-          </a:prstGeom>
-          <a:solidFill>
-            <a:srgbClr val="FFE599"/>
-          </a:solidFill>
-          <a:ln>
-            <a:noFill/>
-          </a:ln>
-        </p:spPr>
-        <p:txBody>
-          <a:bodyPr spcFirstLastPara="1" wrap="square" lIns="127975" tIns="127975" rIns="127975" bIns="127975" anchor="ctr" anchorCtr="0">
-            <a:noAutofit/>
-          </a:bodyPr>
-          <a:lstStyle/>
-          <a:p>
-            <a:pPr marL="0" marR="0" lvl="0" indent="0" algn="ctr" rtl="0">
-              <a:lnSpc>
-                <a:spcPct val="100000"/>
-              </a:lnSpc>
-              <a:spcBef>
-                <a:spcPts val="0"/>
-              </a:spcBef>
-              <a:spcAft>
-                <a:spcPts val="0"/>
-              </a:spcAft>
-              <a:buNone/>
-            </a:pPr>
-            <a:r>
-              <a:rPr lang="ko" sz="839" b="0" i="0" u="none" strike="noStrike" cap="none">
-                <a:solidFill>
-                  <a:schemeClr val="dk1"/>
-                </a:solidFill>
-                <a:latin typeface="Arial"/>
-                <a:ea typeface="Arial"/>
-                <a:cs typeface="Arial"/>
-                <a:sym typeface="Arial"/>
-              </a:rPr>
-              <a:t>타이머 세팅(초기화)</a:t>
-            </a:r>
-            <a:endParaRPr sz="839" b="0" i="0" u="none" strike="noStrike" cap="none">
-              <a:solidFill>
-                <a:schemeClr val="dk1"/>
-              </a:solidFill>
-              <a:latin typeface="Arial"/>
-              <a:ea typeface="Arial"/>
-              <a:cs typeface="Arial"/>
-              <a:sym typeface="Arial"/>
-            </a:endParaRPr>
-          </a:p>
-        </p:txBody>
-      </p:sp>
-      <p:sp>
-        <p:nvSpPr>
-          <p:cNvPr id="225" name="Google Shape;225;p3"/>
-          <p:cNvSpPr/>
-          <p:nvPr/>
-        </p:nvSpPr>
-        <p:spPr>
-          <a:xfrm>
-            <a:off x="2984835" y="2125236"/>
-            <a:ext cx="940800" cy="345660"/>
-          </a:xfrm>
-          <a:prstGeom prst="roundRect">
-            <a:avLst>
-              <a:gd name="adj" fmla="val 16667"/>
-            </a:avLst>
-          </a:prstGeom>
-          <a:solidFill>
-            <a:srgbClr val="6D9EEB"/>
-          </a:solidFill>
-          <a:ln>
-            <a:noFill/>
-          </a:ln>
-        </p:spPr>
-        <p:txBody>
-          <a:bodyPr spcFirstLastPara="1" wrap="square" lIns="127975" tIns="127975" rIns="127975" bIns="127975" anchor="ctr" anchorCtr="0">
-            <a:noAutofit/>
-          </a:bodyPr>
-          <a:lstStyle/>
-          <a:p>
-            <a:pPr marL="0" marR="0" lvl="0" indent="0" algn="ctr" rtl="0">
-              <a:lnSpc>
-                <a:spcPct val="100000"/>
-              </a:lnSpc>
-              <a:spcBef>
-                <a:spcPts val="0"/>
-              </a:spcBef>
-              <a:spcAft>
-                <a:spcPts val="0"/>
-              </a:spcAft>
-              <a:buNone/>
-            </a:pPr>
-            <a:r>
-              <a:rPr lang="ko" sz="980" b="0" i="0" u="none" strike="noStrike" cap="none">
-                <a:solidFill>
-                  <a:schemeClr val="lt1"/>
-                </a:solidFill>
-                <a:latin typeface="Arial"/>
-                <a:ea typeface="Arial"/>
-                <a:cs typeface="Arial"/>
-                <a:sym typeface="Arial"/>
-              </a:rPr>
-              <a:t>키 입력 업데이트</a:t>
-            </a:r>
-            <a:endParaRPr sz="980" b="0" i="0" u="none" strike="noStrike" cap="none">
-              <a:solidFill>
-                <a:schemeClr val="lt1"/>
-              </a:solidFill>
-              <a:latin typeface="Arial"/>
-              <a:ea typeface="Arial"/>
-              <a:cs typeface="Arial"/>
-              <a:sym typeface="Arial"/>
-            </a:endParaRPr>
-          </a:p>
-        </p:txBody>
-      </p:sp>
+                <a:latin typeface="Microsoft GothicNeo Light" panose="020B0300000101010101" pitchFamily="50" charset="-127"/>
+                <a:ea typeface="Microsoft GothicNeo Light" panose="020B0300000101010101" pitchFamily="50" charset="-127"/>
+                <a:cs typeface="Microsoft GothicNeo Light" panose="020B0300000101010101" pitchFamily="50" charset="-127"/>
+                <a:sym typeface="Arial"/>
+              </a:endParaRPr>
+            </a:p>
+          </p:txBody>
+        </p:sp>
+        <p:cxnSp>
+          <p:nvCxnSpPr>
+            <p:cNvPr id="15" name="연결선: 꺾임 14">
+              <a:extLst>
+                <a:ext uri="{FF2B5EF4-FFF2-40B4-BE49-F238E27FC236}">
+                  <a16:creationId xmlns:a16="http://schemas.microsoft.com/office/drawing/2014/main" id="{6F5E46A0-53A0-6F9F-BC69-6101542C4EBA}"/>
+                </a:ext>
+              </a:extLst>
+            </p:cNvPr>
+            <p:cNvCxnSpPr>
+              <a:cxnSpLocks/>
+              <a:stCxn id="176" idx="2"/>
+              <a:endCxn id="178" idx="1"/>
+            </p:cNvCxnSpPr>
+            <p:nvPr/>
+          </p:nvCxnSpPr>
+          <p:spPr>
+            <a:xfrm rot="16200000" flipH="1">
+              <a:off x="3167258" y="3860527"/>
+              <a:ext cx="157473" cy="1286962"/>
+            </a:xfrm>
+            <a:prstGeom prst="bentConnector2">
+              <a:avLst/>
+            </a:prstGeom>
+            <a:ln>
+              <a:tailEnd type="triangle"/>
+            </a:ln>
+          </p:spPr>
+          <p:style>
+            <a:lnRef idx="1">
+              <a:schemeClr val="dk1"/>
+            </a:lnRef>
+            <a:fillRef idx="0">
+              <a:schemeClr val="dk1"/>
+            </a:fillRef>
+            <a:effectRef idx="0">
+              <a:schemeClr val="dk1"/>
+            </a:effectRef>
+            <a:fontRef idx="minor">
+              <a:schemeClr val="tx1"/>
+            </a:fontRef>
+          </p:style>
+        </p:cxnSp>
+        <p:cxnSp>
+          <p:nvCxnSpPr>
+            <p:cNvPr id="18" name="연결선: 꺾임 17">
+              <a:extLst>
+                <a:ext uri="{FF2B5EF4-FFF2-40B4-BE49-F238E27FC236}">
+                  <a16:creationId xmlns:a16="http://schemas.microsoft.com/office/drawing/2014/main" id="{C5CA534D-ED87-83B7-4F0D-7AEF92A8BAEA}"/>
+                </a:ext>
+              </a:extLst>
+            </p:cNvPr>
+            <p:cNvCxnSpPr>
+              <a:cxnSpLocks/>
+              <a:stCxn id="166" idx="3"/>
+              <a:endCxn id="167" idx="3"/>
+            </p:cNvCxnSpPr>
+            <p:nvPr/>
+          </p:nvCxnSpPr>
+          <p:spPr>
+            <a:xfrm flipH="1">
+              <a:off x="10309463" y="2789525"/>
+              <a:ext cx="126969" cy="1186828"/>
+            </a:xfrm>
+            <a:prstGeom prst="bentConnector3">
+              <a:avLst>
+                <a:gd name="adj1" fmla="val -180044"/>
+              </a:avLst>
+            </a:prstGeom>
+            <a:ln>
+              <a:tailEnd type="triangle"/>
+            </a:ln>
+          </p:spPr>
+          <p:style>
+            <a:lnRef idx="1">
+              <a:schemeClr val="dk1"/>
+            </a:lnRef>
+            <a:fillRef idx="0">
+              <a:schemeClr val="dk1"/>
+            </a:fillRef>
+            <a:effectRef idx="0">
+              <a:schemeClr val="dk1"/>
+            </a:effectRef>
+            <a:fontRef idx="minor">
+              <a:schemeClr val="tx1"/>
+            </a:fontRef>
+          </p:style>
+        </p:cxnSp>
+        <p:cxnSp>
+          <p:nvCxnSpPr>
+            <p:cNvPr id="21" name="연결선: 꺾임 20">
+              <a:extLst>
+                <a:ext uri="{FF2B5EF4-FFF2-40B4-BE49-F238E27FC236}">
+                  <a16:creationId xmlns:a16="http://schemas.microsoft.com/office/drawing/2014/main" id="{50897556-A8A1-0D61-4067-5BFB1F9CDB85}"/>
+                </a:ext>
+              </a:extLst>
+            </p:cNvPr>
+            <p:cNvCxnSpPr>
+              <a:cxnSpLocks/>
+              <a:stCxn id="163" idx="5"/>
+              <a:endCxn id="166" idx="3"/>
+            </p:cNvCxnSpPr>
+            <p:nvPr/>
+          </p:nvCxnSpPr>
+          <p:spPr>
+            <a:xfrm>
+              <a:off x="10301334" y="2162522"/>
+              <a:ext cx="135098" cy="627003"/>
+            </a:xfrm>
+            <a:prstGeom prst="bentConnector3">
+              <a:avLst>
+                <a:gd name="adj1" fmla="val 269210"/>
+              </a:avLst>
+            </a:prstGeom>
+            <a:ln>
+              <a:tailEnd type="triangle"/>
+            </a:ln>
+          </p:spPr>
+          <p:style>
+            <a:lnRef idx="1">
+              <a:schemeClr val="dk1"/>
+            </a:lnRef>
+            <a:fillRef idx="0">
+              <a:schemeClr val="dk1"/>
+            </a:fillRef>
+            <a:effectRef idx="0">
+              <a:schemeClr val="dk1"/>
+            </a:effectRef>
+            <a:fontRef idx="minor">
+              <a:schemeClr val="tx1"/>
+            </a:fontRef>
+          </p:style>
+        </p:cxnSp>
+      </p:grpSp>
     </p:spTree>
   </p:cSld>
   <p:clrMapOvr>

--- a/Document/하이레벨 + 스레드.pptx
+++ b/Document/하이레벨 + 스레드.pptx
@@ -260,7 +260,7 @@
       </p15:sldGuideLst>
     </p:ext>
     <p:ext uri="http://customooxmlschemas.google.com/">
-      <go:slidesCustomData xmlns:go="http://customooxmlschemas.google.com/" xmlns:ahyp="http://schemas.microsoft.com/office/drawing/2018/hyperlinkcolor" xmlns:p15="http://schemas.microsoft.com/office/powerpoint/2012/main" xmlns:p14="http://schemas.microsoft.com/office/powerpoint/2010/main" xmlns:com="http://schemas.openxmlformats.org/drawingml/2006/compatibility" xmlns:pvml="urn:schemas-microsoft-com:office:powerpoint" xmlns:v="urn:schemas-microsoft-com:vml" xmlns:o="urn:schemas-microsoft-com:office:office" xmlns:dgm="http://schemas.openxmlformats.org/drawingml/2006/diagram" xmlns:c="http://schemas.openxmlformats.org/drawingml/2006/chart" xmlns:mv="urn:schemas-microsoft-com:mac:vml" xmlns:mc="http://schemas.openxmlformats.org/markup-compatibility/2006" xmlns="" r:id="rId10" roundtripDataSignature="AMtx7mhWvF19jUqzQu0tH54U2TaSRWn9gA=="/>
+      <go:slidesCustomData xmlns="" xmlns:mc="http://schemas.openxmlformats.org/markup-compatibility/2006" xmlns:mv="urn:schemas-microsoft-com:mac:vml" xmlns:c="http://schemas.openxmlformats.org/drawingml/2006/chart" xmlns:dgm="http://schemas.openxmlformats.org/drawingml/2006/diagram" xmlns:o="urn:schemas-microsoft-com:office:office" xmlns:v="urn:schemas-microsoft-com:vml" xmlns:pvml="urn:schemas-microsoft-com:office:powerpoint" xmlns:com="http://schemas.openxmlformats.org/drawingml/2006/compatibility" xmlns:p14="http://schemas.microsoft.com/office/powerpoint/2010/main" xmlns:p15="http://schemas.microsoft.com/office/powerpoint/2012/main" xmlns:ahyp="http://schemas.microsoft.com/office/drawing/2018/hyperlinkcolor" xmlns:go="http://customooxmlschemas.google.com/" r:id="rId10" roundtripDataSignature="AMtx7mhWvF19jUqzQu0tH54U2TaSRWn9gA=="/>
     </p:ext>
   </p:extLst>
 </p:presentation>
@@ -10607,7 +10607,7 @@
                 </a:rPr>
                 <a:t>유저 접속 정보</a:t>
               </a:r>
-              <a:endParaRPr sz="1200" b="0" i="0" u="none" strike="noStrike" cap="none">
+              <a:endParaRPr sz="1200" b="0" i="0" u="none" strike="noStrike" cap="none" dirty="0">
                 <a:solidFill>
                   <a:schemeClr val="lt1"/>
                 </a:solidFill>
@@ -10642,7 +10642,7 @@
                 </a:rPr>
                 <a:t> recv</a:t>
               </a:r>
-              <a:endParaRPr sz="1200" b="0" i="0" u="none" strike="noStrike" cap="none">
+              <a:endParaRPr sz="1200" b="0" i="0" u="none" strike="noStrike" cap="none" dirty="0">
                 <a:solidFill>
                   <a:schemeClr val="lt1"/>
                 </a:solidFill>
@@ -10723,6 +10723,7 @@
           <p:nvCxnSpPr>
             <p:cNvPr id="84" name="Google Shape;84;p1"/>
             <p:cNvCxnSpPr>
+              <a:cxnSpLocks/>
               <a:stCxn id="82" idx="3"/>
               <a:endCxn id="83" idx="1"/>
             </p:cNvCxnSpPr>
@@ -10752,6 +10753,7 @@
           <p:nvCxnSpPr>
             <p:cNvPr id="85" name="Google Shape;85;p1"/>
             <p:cNvCxnSpPr>
+              <a:cxnSpLocks/>
               <a:stCxn id="81" idx="3"/>
               <a:endCxn id="82" idx="1"/>
             </p:cNvCxnSpPr>
@@ -11366,6 +11368,7 @@
           <p:nvCxnSpPr>
             <p:cNvPr id="100" name="Google Shape;100;p1"/>
             <p:cNvCxnSpPr>
+              <a:cxnSpLocks/>
               <a:stCxn id="87" idx="1"/>
               <a:endCxn id="82" idx="0"/>
             </p:cNvCxnSpPr>
@@ -11400,7 +11403,7 @@
           <p:spPr>
             <a:xfrm>
               <a:off x="3517590" y="4187247"/>
-              <a:ext cx="1830712" cy="313876"/>
+              <a:ext cx="1830712" cy="498531"/>
             </a:xfrm>
             <a:prstGeom prst="rect">
               <a:avLst/>
@@ -11429,7 +11432,7 @@
                 <a:buNone/>
               </a:pPr>
               <a:r>
-                <a:rPr lang="ko" sz="1200" b="0" i="0" u="none" strike="noStrike" cap="none">
+                <a:rPr lang="ko" sz="1200" b="0" i="0" u="none" strike="noStrike" cap="none" dirty="0">
                   <a:solidFill>
                     <a:srgbClr val="000000"/>
                   </a:solidFill>
@@ -11440,7 +11443,7 @@
                 </a:rPr>
                 <a:t>recv THREAD 생성시점</a:t>
               </a:r>
-              <a:endParaRPr sz="1200" b="0" i="0" u="none" strike="noStrike" cap="none">
+              <a:endParaRPr sz="1200" b="0" i="0" u="none" strike="noStrike" cap="none" dirty="0">
                 <a:solidFill>
                   <a:srgbClr val="000000"/>
                 </a:solidFill>
@@ -11461,7 +11464,7 @@
           <p:spPr>
             <a:xfrm>
               <a:off x="7080450" y="4200109"/>
-              <a:ext cx="1830712" cy="313876"/>
+              <a:ext cx="1830712" cy="498531"/>
             </a:xfrm>
             <a:prstGeom prst="rect">
               <a:avLst/>
@@ -11490,7 +11493,7 @@
                 <a:buNone/>
               </a:pPr>
               <a:r>
-                <a:rPr lang="ko" sz="1200" b="0" i="0" u="none" strike="noStrike" cap="none">
+                <a:rPr lang="ko" sz="1200" b="0" i="0" u="none" strike="noStrike" cap="none" dirty="0">
                   <a:solidFill>
                     <a:srgbClr val="000000"/>
                   </a:solidFill>
@@ -11501,7 +11504,7 @@
                 </a:rPr>
                 <a:t>recv THREAD 생성시점</a:t>
               </a:r>
-              <a:endParaRPr sz="1200" b="0" i="0" u="none" strike="noStrike" cap="none">
+              <a:endParaRPr sz="1200" b="0" i="0" u="none" strike="noStrike" cap="none" dirty="0">
                 <a:solidFill>
                   <a:srgbClr val="000000"/>
                 </a:solidFill>
@@ -15327,7 +15330,7 @@
                 <a:buNone/>
               </a:pPr>
               <a:r>
-                <a:rPr lang="ko" sz="1100" b="0" i="0" u="none" strike="noStrike" cap="none">
+                <a:rPr lang="ko" sz="1100" b="0" i="0" u="none" strike="noStrike" cap="none" dirty="0">
                   <a:solidFill>
                     <a:schemeClr val="lt1"/>
                   </a:solidFill>
@@ -15338,7 +15341,7 @@
                 </a:rPr>
                 <a:t>상태 결과 recv</a:t>
               </a:r>
-              <a:endParaRPr sz="1100" b="0" i="0" u="none" strike="noStrike" cap="none">
+              <a:endParaRPr sz="1100" b="0" i="0" u="none" strike="noStrike" cap="none" dirty="0">
                 <a:solidFill>
                   <a:schemeClr val="lt1"/>
                 </a:solidFill>
@@ -16377,7 +16380,7 @@
                 <a:buNone/>
               </a:pPr>
               <a:r>
-                <a:rPr lang="ko" sz="1100" b="0" i="0" u="none" strike="noStrike" cap="none">
+                <a:rPr lang="ko" sz="1100" b="0" i="0" u="none" strike="noStrike" cap="none" dirty="0">
                   <a:solidFill>
                     <a:schemeClr val="lt1"/>
                   </a:solidFill>
@@ -16388,7 +16391,7 @@
                 </a:rPr>
                 <a:t>타이머 recv</a:t>
               </a:r>
-              <a:endParaRPr sz="1100" b="0" i="0" u="none" strike="noStrike" cap="none">
+              <a:endParaRPr sz="1100" b="0" i="0" u="none" strike="noStrike" cap="none" dirty="0">
                 <a:solidFill>
                   <a:schemeClr val="lt1"/>
                 </a:solidFill>
@@ -17624,45 +17627,76 @@
           <a:chExt cx="0" cy="0"/>
         </a:xfrm>
       </p:grpSpPr>
-      <p:sp>
-        <p:nvSpPr>
-          <p:cNvPr id="231" name="Google Shape;231;p4"/>
-          <p:cNvSpPr txBox="1"/>
+      <p:grpSp>
+        <p:nvGrpSpPr>
+          <p:cNvPr id="7" name="그룹 6">
+            <a:extLst>
+              <a:ext uri="{FF2B5EF4-FFF2-40B4-BE49-F238E27FC236}">
+                <a16:creationId xmlns:a16="http://schemas.microsoft.com/office/drawing/2014/main" id="{6AAED915-6580-178E-AB08-3058B87F9A17}"/>
+              </a:ext>
+            </a:extLst>
+          </p:cNvPr>
+          <p:cNvGrpSpPr/>
           <p:nvPr/>
-        </p:nvSpPr>
-        <p:spPr>
+        </p:nvGrpSpPr>
+        <p:grpSpPr>
           <a:xfrm>
-            <a:off x="2764300" y="1587215"/>
-            <a:ext cx="737520" cy="323400"/>
+            <a:off x="307225" y="1587215"/>
+            <a:ext cx="12138125" cy="5240357"/>
+            <a:chOff x="307225" y="1587215"/>
+            <a:chExt cx="12138125" cy="5240357"/>
           </a:xfrm>
-          <a:prstGeom prst="rect">
-            <a:avLst/>
-          </a:prstGeom>
-          <a:noFill/>
-          <a:ln>
+        </p:grpSpPr>
+        <p:sp>
+          <p:nvSpPr>
+            <p:cNvPr id="231" name="Google Shape;231;p4"/>
+            <p:cNvSpPr txBox="1"/>
+            <p:nvPr/>
+          </p:nvSpPr>
+          <p:spPr>
+            <a:xfrm>
+              <a:off x="2764300" y="1587215"/>
+              <a:ext cx="737520" cy="323400"/>
+            </a:xfrm>
+            <a:prstGeom prst="rect">
+              <a:avLst/>
+            </a:prstGeom>
             <a:noFill/>
-          </a:ln>
-        </p:spPr>
-        <p:txBody>
-          <a:bodyPr spcFirstLastPara="1" wrap="square" lIns="127975" tIns="127975" rIns="127975" bIns="127975" anchor="ctr" anchorCtr="0">
-            <a:noAutofit/>
-          </a:bodyPr>
-          <a:lstStyle/>
-          <a:p>
-            <a:pPr marL="0" marR="0" lvl="0" indent="0" algn="ctr" rtl="0">
-              <a:lnSpc>
-                <a:spcPct val="100000"/>
-              </a:lnSpc>
-              <a:spcBef>
-                <a:spcPts val="0"/>
-              </a:spcBef>
-              <a:spcAft>
-                <a:spcPts val="0"/>
-              </a:spcAft>
-              <a:buNone/>
-            </a:pPr>
-            <a:r>
-              <a:rPr lang="ko" sz="1400" b="1" i="0" u="none" strike="noStrike" cap="none">
+            <a:ln>
+              <a:noFill/>
+            </a:ln>
+          </p:spPr>
+          <p:txBody>
+            <a:bodyPr spcFirstLastPara="1" wrap="square" lIns="127975" tIns="127975" rIns="127975" bIns="127975" anchor="ctr" anchorCtr="0">
+              <a:noAutofit/>
+            </a:bodyPr>
+            <a:lstStyle/>
+            <a:p>
+              <a:pPr marL="0" marR="0" lvl="0" indent="0" algn="ctr" rtl="0">
+                <a:lnSpc>
+                  <a:spcPct val="100000"/>
+                </a:lnSpc>
+                <a:spcBef>
+                  <a:spcPts val="0"/>
+                </a:spcBef>
+                <a:spcAft>
+                  <a:spcPts val="0"/>
+                </a:spcAft>
+                <a:buNone/>
+              </a:pPr>
+              <a:r>
+                <a:rPr lang="ko" sz="1400" b="1" i="0" u="none" strike="noStrike" cap="none">
+                  <a:solidFill>
+                    <a:srgbClr val="000000"/>
+                  </a:solidFill>
+                  <a:latin typeface="Microsoft GothicNeo" panose="020B0500000101010101" pitchFamily="50" charset="-127"/>
+                  <a:ea typeface="Microsoft GothicNeo" panose="020B0500000101010101" pitchFamily="50" charset="-127"/>
+                  <a:cs typeface="Microsoft GothicNeo" panose="020B0500000101010101" pitchFamily="50" charset="-127"/>
+                  <a:sym typeface="Arial"/>
+                </a:rPr>
+                <a:t>서버</a:t>
+              </a:r>
+              <a:endParaRPr sz="1400" b="1" i="0" u="none" strike="noStrike" cap="none">
                 <a:solidFill>
                   <a:srgbClr val="000000"/>
                 </a:solidFill>
@@ -17670,113 +17704,50 @@
                 <a:ea typeface="Microsoft GothicNeo" panose="020B0500000101010101" pitchFamily="50" charset="-127"/>
                 <a:cs typeface="Microsoft GothicNeo" panose="020B0500000101010101" pitchFamily="50" charset="-127"/>
                 <a:sym typeface="Arial"/>
-              </a:rPr>
-              <a:t>서버</a:t>
-            </a:r>
-            <a:endParaRPr sz="1400" b="1" i="0" u="none" strike="noStrike" cap="none">
-              <a:solidFill>
-                <a:srgbClr val="000000"/>
-              </a:solidFill>
-              <a:latin typeface="Microsoft GothicNeo" panose="020B0500000101010101" pitchFamily="50" charset="-127"/>
-              <a:ea typeface="Microsoft GothicNeo" panose="020B0500000101010101" pitchFamily="50" charset="-127"/>
-              <a:cs typeface="Microsoft GothicNeo" panose="020B0500000101010101" pitchFamily="50" charset="-127"/>
-              <a:sym typeface="Arial"/>
-            </a:endParaRPr>
-          </a:p>
-        </p:txBody>
-      </p:sp>
-      <p:sp>
-        <p:nvSpPr>
-          <p:cNvPr id="232" name="Google Shape;232;p4"/>
-          <p:cNvSpPr/>
-          <p:nvPr/>
-        </p:nvSpPr>
-        <p:spPr>
-          <a:xfrm>
-            <a:off x="307230" y="1974630"/>
-            <a:ext cx="5651940" cy="3424260"/>
-          </a:xfrm>
-          <a:prstGeom prst="rect">
-            <a:avLst/>
-          </a:prstGeom>
-          <a:solidFill>
-            <a:srgbClr val="6D9EEB"/>
-          </a:solidFill>
-          <a:ln>
-            <a:noFill/>
-          </a:ln>
-        </p:spPr>
-        <p:txBody>
-          <a:bodyPr spcFirstLastPara="1" wrap="square" lIns="127975" tIns="127975" rIns="127975" bIns="127975" anchor="ctr" anchorCtr="0">
-            <a:noAutofit/>
-          </a:bodyPr>
-          <a:lstStyle/>
-          <a:p>
-            <a:pPr marL="0" marR="0" lvl="0" indent="0" algn="l" rtl="0">
-              <a:lnSpc>
-                <a:spcPct val="100000"/>
-              </a:lnSpc>
-              <a:spcBef>
-                <a:spcPts val="0"/>
-              </a:spcBef>
-              <a:spcAft>
-                <a:spcPts val="0"/>
-              </a:spcAft>
-              <a:buNone/>
-            </a:pPr>
-            <a:endParaRPr sz="1960" b="0" i="0" u="none" strike="noStrike" cap="none">
-              <a:solidFill>
-                <a:srgbClr val="000000"/>
-              </a:solidFill>
-              <a:latin typeface="Microsoft GothicNeo Light" panose="020B0300000101010101" pitchFamily="50" charset="-127"/>
-              <a:ea typeface="Microsoft GothicNeo Light" panose="020B0300000101010101" pitchFamily="50" charset="-127"/>
-              <a:cs typeface="Microsoft GothicNeo Light" panose="020B0300000101010101" pitchFamily="50" charset="-127"/>
-              <a:sym typeface="Arial"/>
-            </a:endParaRPr>
-          </a:p>
-        </p:txBody>
-      </p:sp>
-      <p:sp>
-        <p:nvSpPr>
-          <p:cNvPr id="233" name="Google Shape;233;p4"/>
-          <p:cNvSpPr/>
-          <p:nvPr/>
-        </p:nvSpPr>
-        <p:spPr>
-          <a:xfrm>
-            <a:off x="307230" y="1974630"/>
-            <a:ext cx="5651940" cy="377580"/>
-          </a:xfrm>
-          <a:prstGeom prst="rect">
-            <a:avLst/>
-          </a:prstGeom>
-          <a:solidFill>
-            <a:schemeClr val="lt2"/>
-          </a:solidFill>
-          <a:ln>
-            <a:noFill/>
-          </a:ln>
-        </p:spPr>
-        <p:txBody>
-          <a:bodyPr spcFirstLastPara="1" wrap="square" lIns="127975" tIns="127975" rIns="127975" bIns="127975" anchor="ctr" anchorCtr="0">
-            <a:noAutofit/>
-          </a:bodyPr>
-          <a:lstStyle/>
-          <a:p>
-            <a:pPr marL="0" marR="0" lvl="0" indent="0" algn="ctr" rtl="0">
-              <a:lnSpc>
-                <a:spcPct val="100000"/>
-              </a:lnSpc>
-              <a:spcBef>
-                <a:spcPts val="0"/>
-              </a:spcBef>
-              <a:spcAft>
-                <a:spcPts val="0"/>
-              </a:spcAft>
-              <a:buNone/>
-            </a:pPr>
-            <a:r>
-              <a:rPr lang="ko" sz="1260" b="0" i="0" u="none" strike="noStrike" cap="none">
+              </a:endParaRPr>
+            </a:p>
+          </p:txBody>
+        </p:sp>
+        <p:sp>
+          <p:nvSpPr>
+            <p:cNvPr id="232" name="Google Shape;232;p4"/>
+            <p:cNvSpPr/>
+            <p:nvPr/>
+          </p:nvSpPr>
+          <p:spPr>
+            <a:xfrm>
+              <a:off x="307230" y="1974630"/>
+              <a:ext cx="5651940" cy="3424260"/>
+            </a:xfrm>
+            <a:prstGeom prst="rect">
+              <a:avLst/>
+            </a:prstGeom>
+            <a:solidFill>
+              <a:srgbClr val="6D9EEB"/>
+            </a:solidFill>
+            <a:ln>
+              <a:noFill/>
+            </a:ln>
+          </p:spPr>
+          <p:txBody>
+            <a:bodyPr spcFirstLastPara="1" wrap="square" lIns="127975" tIns="127975" rIns="127975" bIns="127975" anchor="ctr" anchorCtr="0">
+              <a:noAutofit/>
+            </a:bodyPr>
+            <a:lstStyle/>
+            <a:p>
+              <a:pPr marL="0" marR="0" lvl="0" indent="0" algn="l" rtl="0">
+                <a:lnSpc>
+                  <a:spcPct val="100000"/>
+                </a:lnSpc>
+                <a:spcBef>
+                  <a:spcPts val="0"/>
+                </a:spcBef>
+                <a:spcAft>
+                  <a:spcPts val="0"/>
+                </a:spcAft>
+                <a:buNone/>
+              </a:pPr>
+              <a:endParaRPr sz="1960" b="0" i="0" u="none" strike="noStrike" cap="none">
                 <a:solidFill>
                   <a:srgbClr val="000000"/>
                 </a:solidFill>
@@ -17784,266 +17755,62 @@
                 <a:ea typeface="Microsoft GothicNeo Light" panose="020B0300000101010101" pitchFamily="50" charset="-127"/>
                 <a:cs typeface="Microsoft GothicNeo Light" panose="020B0300000101010101" pitchFamily="50" charset="-127"/>
                 <a:sym typeface="Arial"/>
-              </a:rPr>
-              <a:t>Main Thread</a:t>
-            </a:r>
-            <a:endParaRPr sz="1260" b="0" i="0" u="none" strike="noStrike" cap="none">
-              <a:solidFill>
-                <a:srgbClr val="000000"/>
-              </a:solidFill>
-              <a:latin typeface="Microsoft GothicNeo Light" panose="020B0300000101010101" pitchFamily="50" charset="-127"/>
-              <a:ea typeface="Microsoft GothicNeo Light" panose="020B0300000101010101" pitchFamily="50" charset="-127"/>
-              <a:cs typeface="Microsoft GothicNeo Light" panose="020B0300000101010101" pitchFamily="50" charset="-127"/>
-              <a:sym typeface="Arial"/>
-            </a:endParaRPr>
-          </a:p>
-        </p:txBody>
-      </p:sp>
-      <p:sp>
-        <p:nvSpPr>
-          <p:cNvPr id="234" name="Google Shape;234;p4"/>
-          <p:cNvSpPr/>
-          <p:nvPr/>
-        </p:nvSpPr>
-        <p:spPr>
-          <a:xfrm>
-            <a:off x="408152" y="2470545"/>
-            <a:ext cx="1566900" cy="2826300"/>
-          </a:xfrm>
-          <a:prstGeom prst="rect">
-            <a:avLst/>
-          </a:prstGeom>
-          <a:solidFill>
-            <a:schemeClr val="lt2"/>
-          </a:solidFill>
-          <a:ln>
-            <a:noFill/>
-          </a:ln>
-        </p:spPr>
-        <p:txBody>
-          <a:bodyPr spcFirstLastPara="1" wrap="square" lIns="127975" tIns="127975" rIns="127975" bIns="127975" anchor="ctr" anchorCtr="0">
-            <a:noAutofit/>
-          </a:bodyPr>
-          <a:lstStyle/>
-          <a:p>
-            <a:pPr marL="0" marR="0" lvl="0" indent="0" algn="l" rtl="0">
-              <a:lnSpc>
-                <a:spcPct val="100000"/>
-              </a:lnSpc>
-              <a:spcBef>
-                <a:spcPts val="0"/>
-              </a:spcBef>
-              <a:spcAft>
-                <a:spcPts val="0"/>
-              </a:spcAft>
-              <a:buNone/>
-            </a:pPr>
-            <a:endParaRPr sz="1960" b="0" i="0" u="none" strike="noStrike" cap="none">
-              <a:solidFill>
-                <a:srgbClr val="000000"/>
-              </a:solidFill>
-              <a:latin typeface="Microsoft GothicNeo Light" panose="020B0300000101010101" pitchFamily="50" charset="-127"/>
-              <a:ea typeface="Microsoft GothicNeo Light" panose="020B0300000101010101" pitchFamily="50" charset="-127"/>
-              <a:cs typeface="Microsoft GothicNeo Light" panose="020B0300000101010101" pitchFamily="50" charset="-127"/>
-              <a:sym typeface="Arial"/>
-            </a:endParaRPr>
-          </a:p>
-        </p:txBody>
-      </p:sp>
-      <p:sp>
-        <p:nvSpPr>
-          <p:cNvPr id="235" name="Google Shape;235;p4"/>
-          <p:cNvSpPr/>
-          <p:nvPr/>
-        </p:nvSpPr>
-        <p:spPr>
-          <a:xfrm>
-            <a:off x="2349564" y="2470545"/>
-            <a:ext cx="1567020" cy="2826180"/>
-          </a:xfrm>
-          <a:prstGeom prst="rect">
-            <a:avLst/>
-          </a:prstGeom>
-          <a:solidFill>
-            <a:schemeClr val="lt2"/>
-          </a:solidFill>
-          <a:ln>
-            <a:noFill/>
-          </a:ln>
-        </p:spPr>
-        <p:txBody>
-          <a:bodyPr spcFirstLastPara="1" wrap="square" lIns="127975" tIns="127975" rIns="127975" bIns="127975" anchor="ctr" anchorCtr="0">
-            <a:noAutofit/>
-          </a:bodyPr>
-          <a:lstStyle/>
-          <a:p>
-            <a:pPr marL="0" marR="0" lvl="0" indent="0" algn="l" rtl="0">
-              <a:lnSpc>
-                <a:spcPct val="100000"/>
-              </a:lnSpc>
-              <a:spcBef>
-                <a:spcPts val="0"/>
-              </a:spcBef>
-              <a:spcAft>
-                <a:spcPts val="0"/>
-              </a:spcAft>
-              <a:buNone/>
-            </a:pPr>
-            <a:endParaRPr sz="1960" b="0" i="0" u="none" strike="noStrike" cap="none">
-              <a:solidFill>
-                <a:srgbClr val="000000"/>
-              </a:solidFill>
-              <a:latin typeface="Microsoft GothicNeo Light" panose="020B0300000101010101" pitchFamily="50" charset="-127"/>
-              <a:ea typeface="Microsoft GothicNeo Light" panose="020B0300000101010101" pitchFamily="50" charset="-127"/>
-              <a:cs typeface="Microsoft GothicNeo Light" panose="020B0300000101010101" pitchFamily="50" charset="-127"/>
-              <a:sym typeface="Arial"/>
-            </a:endParaRPr>
-          </a:p>
-        </p:txBody>
-      </p:sp>
-      <p:sp>
-        <p:nvSpPr>
-          <p:cNvPr id="236" name="Google Shape;236;p4"/>
-          <p:cNvSpPr/>
-          <p:nvPr/>
-        </p:nvSpPr>
-        <p:spPr>
-          <a:xfrm>
-            <a:off x="4290976" y="2470545"/>
-            <a:ext cx="1567020" cy="2826180"/>
-          </a:xfrm>
-          <a:prstGeom prst="rect">
-            <a:avLst/>
-          </a:prstGeom>
-          <a:solidFill>
-            <a:schemeClr val="lt2"/>
-          </a:solidFill>
-          <a:ln>
-            <a:noFill/>
-          </a:ln>
-        </p:spPr>
-        <p:txBody>
-          <a:bodyPr spcFirstLastPara="1" wrap="square" lIns="127975" tIns="127975" rIns="127975" bIns="127975" anchor="ctr" anchorCtr="0">
-            <a:noAutofit/>
-          </a:bodyPr>
-          <a:lstStyle/>
-          <a:p>
-            <a:pPr marL="0" marR="0" lvl="0" indent="0" algn="l" rtl="0">
-              <a:lnSpc>
-                <a:spcPct val="100000"/>
-              </a:lnSpc>
-              <a:spcBef>
-                <a:spcPts val="0"/>
-              </a:spcBef>
-              <a:spcAft>
-                <a:spcPts val="0"/>
-              </a:spcAft>
-              <a:buNone/>
-            </a:pPr>
-            <a:endParaRPr sz="1960" b="0" i="0" u="none" strike="noStrike" cap="none">
-              <a:solidFill>
-                <a:srgbClr val="000000"/>
-              </a:solidFill>
-              <a:latin typeface="Microsoft GothicNeo Light" panose="020B0300000101010101" pitchFamily="50" charset="-127"/>
-              <a:ea typeface="Microsoft GothicNeo Light" panose="020B0300000101010101" pitchFamily="50" charset="-127"/>
-              <a:cs typeface="Microsoft GothicNeo Light" panose="020B0300000101010101" pitchFamily="50" charset="-127"/>
-              <a:sym typeface="Arial"/>
-            </a:endParaRPr>
-          </a:p>
-        </p:txBody>
-      </p:sp>
-      <p:sp>
-        <p:nvSpPr>
-          <p:cNvPr id="237" name="Google Shape;237;p4"/>
-          <p:cNvSpPr/>
-          <p:nvPr/>
-        </p:nvSpPr>
-        <p:spPr>
-          <a:xfrm>
-            <a:off x="307225" y="5525872"/>
-            <a:ext cx="1326300" cy="1301700"/>
-          </a:xfrm>
-          <a:prstGeom prst="rect">
-            <a:avLst/>
-          </a:prstGeom>
-          <a:solidFill>
-            <a:srgbClr val="E06666"/>
-          </a:solidFill>
-          <a:ln>
-            <a:noFill/>
-          </a:ln>
-        </p:spPr>
-        <p:txBody>
-          <a:bodyPr spcFirstLastPara="1" wrap="square" lIns="127975" tIns="127975" rIns="127975" bIns="127975" anchor="ctr" anchorCtr="0">
-            <a:noAutofit/>
-          </a:bodyPr>
-          <a:lstStyle/>
-          <a:p>
-            <a:pPr marL="0" marR="0" lvl="0" indent="0" algn="l" rtl="0">
-              <a:lnSpc>
-                <a:spcPct val="100000"/>
-              </a:lnSpc>
-              <a:spcBef>
-                <a:spcPts val="0"/>
-              </a:spcBef>
-              <a:spcAft>
-                <a:spcPts val="0"/>
-              </a:spcAft>
-              <a:buNone/>
-            </a:pPr>
-            <a:endParaRPr sz="1960" b="0" i="0" u="none" strike="noStrike" cap="none">
-              <a:solidFill>
-                <a:srgbClr val="000000"/>
-              </a:solidFill>
-              <a:latin typeface="Microsoft GothicNeo Light" panose="020B0300000101010101" pitchFamily="50" charset="-127"/>
-              <a:ea typeface="Microsoft GothicNeo Light" panose="020B0300000101010101" pitchFamily="50" charset="-127"/>
-              <a:cs typeface="Microsoft GothicNeo Light" panose="020B0300000101010101" pitchFamily="50" charset="-127"/>
-              <a:sym typeface="Arial"/>
-            </a:endParaRPr>
-          </a:p>
-        </p:txBody>
-      </p:sp>
-      <p:sp>
-        <p:nvSpPr>
-          <p:cNvPr id="238" name="Google Shape;238;p4"/>
-          <p:cNvSpPr/>
-          <p:nvPr/>
-        </p:nvSpPr>
-        <p:spPr>
-          <a:xfrm>
-            <a:off x="307230" y="5525870"/>
-            <a:ext cx="1326360" cy="377580"/>
-          </a:xfrm>
-          <a:prstGeom prst="rect">
-            <a:avLst/>
-          </a:prstGeom>
-          <a:solidFill>
-            <a:schemeClr val="lt2"/>
-          </a:solidFill>
-          <a:ln>
-            <a:noFill/>
-          </a:ln>
-        </p:spPr>
-        <p:txBody>
-          <a:bodyPr spcFirstLastPara="1" wrap="square" lIns="127975" tIns="127975" rIns="127975" bIns="127975" anchor="ctr" anchorCtr="0">
-            <a:noAutofit/>
-          </a:bodyPr>
-          <a:lstStyle/>
-          <a:p>
-            <a:pPr marL="0" marR="0" lvl="0" indent="0" algn="ctr" rtl="0">
-              <a:lnSpc>
-                <a:spcPct val="100000"/>
-              </a:lnSpc>
-              <a:spcBef>
-                <a:spcPts val="0"/>
-              </a:spcBef>
-              <a:spcAft>
-                <a:spcPts val="0"/>
-              </a:spcAft>
-              <a:buNone/>
-            </a:pPr>
-            <a:r>
-              <a:rPr lang="ko" sz="1260" b="0" i="0" u="none" strike="noStrike" cap="none">
+              </a:endParaRPr>
+            </a:p>
+          </p:txBody>
+        </p:sp>
+        <p:sp>
+          <p:nvSpPr>
+            <p:cNvPr id="233" name="Google Shape;233;p4"/>
+            <p:cNvSpPr/>
+            <p:nvPr/>
+          </p:nvSpPr>
+          <p:spPr>
+            <a:xfrm>
+              <a:off x="307230" y="1974630"/>
+              <a:ext cx="5651940" cy="377580"/>
+            </a:xfrm>
+            <a:prstGeom prst="rect">
+              <a:avLst/>
+            </a:prstGeom>
+            <a:solidFill>
+              <a:schemeClr val="lt2"/>
+            </a:solidFill>
+            <a:ln>
+              <a:noFill/>
+            </a:ln>
+          </p:spPr>
+          <p:txBody>
+            <a:bodyPr spcFirstLastPara="1" wrap="square" lIns="127975" tIns="127975" rIns="127975" bIns="127975" anchor="ctr" anchorCtr="0">
+              <a:noAutofit/>
+            </a:bodyPr>
+            <a:lstStyle/>
+            <a:p>
+              <a:pPr marL="0" marR="0" lvl="0" indent="0" algn="ctr" rtl="0">
+                <a:lnSpc>
+                  <a:spcPct val="100000"/>
+                </a:lnSpc>
+                <a:spcBef>
+                  <a:spcPts val="0"/>
+                </a:spcBef>
+                <a:spcAft>
+                  <a:spcPts val="0"/>
+                </a:spcAft>
+                <a:buNone/>
+              </a:pPr>
+              <a:r>
+                <a:rPr lang="ko" sz="1260" b="0" i="0" u="none" strike="noStrike" cap="none">
+                  <a:solidFill>
+                    <a:srgbClr val="000000"/>
+                  </a:solidFill>
+                  <a:latin typeface="Microsoft GothicNeo Light" panose="020B0300000101010101" pitchFamily="50" charset="-127"/>
+                  <a:ea typeface="Microsoft GothicNeo Light" panose="020B0300000101010101" pitchFamily="50" charset="-127"/>
+                  <a:cs typeface="Microsoft GothicNeo Light" panose="020B0300000101010101" pitchFamily="50" charset="-127"/>
+                  <a:sym typeface="Arial"/>
+                </a:rPr>
+                <a:t>Main Thread</a:t>
+              </a:r>
+              <a:endParaRPr sz="1260" b="0" i="0" u="none" strike="noStrike" cap="none">
                 <a:solidFill>
                   <a:srgbClr val="000000"/>
                 </a:solidFill>
@@ -18051,60 +17818,327 @@
                 <a:ea typeface="Microsoft GothicNeo Light" panose="020B0300000101010101" pitchFamily="50" charset="-127"/>
                 <a:cs typeface="Microsoft GothicNeo Light" panose="020B0300000101010101" pitchFamily="50" charset="-127"/>
                 <a:sym typeface="Arial"/>
-              </a:rPr>
-              <a:t>Recv Thread</a:t>
-            </a:r>
-            <a:endParaRPr sz="1260" b="0" i="0" u="none" strike="noStrike" cap="none">
-              <a:solidFill>
-                <a:srgbClr val="000000"/>
-              </a:solidFill>
-              <a:latin typeface="Microsoft GothicNeo Light" panose="020B0300000101010101" pitchFamily="50" charset="-127"/>
-              <a:ea typeface="Microsoft GothicNeo Light" panose="020B0300000101010101" pitchFamily="50" charset="-127"/>
-              <a:cs typeface="Microsoft GothicNeo Light" panose="020B0300000101010101" pitchFamily="50" charset="-127"/>
-              <a:sym typeface="Arial"/>
-            </a:endParaRPr>
-          </a:p>
-        </p:txBody>
-      </p:sp>
-      <p:sp>
-        <p:nvSpPr>
-          <p:cNvPr id="239" name="Google Shape;239;p4"/>
-          <p:cNvSpPr txBox="1"/>
-          <p:nvPr/>
-        </p:nvSpPr>
-        <p:spPr>
-          <a:xfrm>
-            <a:off x="9250430" y="1587215"/>
-            <a:ext cx="737520" cy="323400"/>
-          </a:xfrm>
-          <a:prstGeom prst="rect">
-            <a:avLst/>
-          </a:prstGeom>
-          <a:noFill/>
-          <a:ln>
+              </a:endParaRPr>
+            </a:p>
+          </p:txBody>
+        </p:sp>
+        <p:sp>
+          <p:nvSpPr>
+            <p:cNvPr id="234" name="Google Shape;234;p4"/>
+            <p:cNvSpPr/>
+            <p:nvPr/>
+          </p:nvSpPr>
+          <p:spPr>
+            <a:xfrm>
+              <a:off x="408152" y="2470545"/>
+              <a:ext cx="1566900" cy="2826300"/>
+            </a:xfrm>
+            <a:prstGeom prst="rect">
+              <a:avLst/>
+            </a:prstGeom>
+            <a:solidFill>
+              <a:schemeClr val="lt2"/>
+            </a:solidFill>
+            <a:ln>
+              <a:noFill/>
+            </a:ln>
+          </p:spPr>
+          <p:txBody>
+            <a:bodyPr spcFirstLastPara="1" wrap="square" lIns="127975" tIns="127975" rIns="127975" bIns="127975" anchor="ctr" anchorCtr="0">
+              <a:noAutofit/>
+            </a:bodyPr>
+            <a:lstStyle/>
+            <a:p>
+              <a:pPr marL="0" marR="0" lvl="0" indent="0" algn="l" rtl="0">
+                <a:lnSpc>
+                  <a:spcPct val="100000"/>
+                </a:lnSpc>
+                <a:spcBef>
+                  <a:spcPts val="0"/>
+                </a:spcBef>
+                <a:spcAft>
+                  <a:spcPts val="0"/>
+                </a:spcAft>
+                <a:buNone/>
+              </a:pPr>
+              <a:endParaRPr sz="1960" b="0" i="0" u="none" strike="noStrike" cap="none">
+                <a:solidFill>
+                  <a:srgbClr val="000000"/>
+                </a:solidFill>
+                <a:latin typeface="Microsoft GothicNeo Light" panose="020B0300000101010101" pitchFamily="50" charset="-127"/>
+                <a:ea typeface="Microsoft GothicNeo Light" panose="020B0300000101010101" pitchFamily="50" charset="-127"/>
+                <a:cs typeface="Microsoft GothicNeo Light" panose="020B0300000101010101" pitchFamily="50" charset="-127"/>
+                <a:sym typeface="Arial"/>
+              </a:endParaRPr>
+            </a:p>
+          </p:txBody>
+        </p:sp>
+        <p:sp>
+          <p:nvSpPr>
+            <p:cNvPr id="235" name="Google Shape;235;p4"/>
+            <p:cNvSpPr/>
+            <p:nvPr/>
+          </p:nvSpPr>
+          <p:spPr>
+            <a:xfrm>
+              <a:off x="2349564" y="2470545"/>
+              <a:ext cx="1567020" cy="2826180"/>
+            </a:xfrm>
+            <a:prstGeom prst="rect">
+              <a:avLst/>
+            </a:prstGeom>
+            <a:solidFill>
+              <a:schemeClr val="lt2"/>
+            </a:solidFill>
+            <a:ln>
+              <a:noFill/>
+            </a:ln>
+          </p:spPr>
+          <p:txBody>
+            <a:bodyPr spcFirstLastPara="1" wrap="square" lIns="127975" tIns="127975" rIns="127975" bIns="127975" anchor="ctr" anchorCtr="0">
+              <a:noAutofit/>
+            </a:bodyPr>
+            <a:lstStyle/>
+            <a:p>
+              <a:pPr marL="0" marR="0" lvl="0" indent="0" algn="l" rtl="0">
+                <a:lnSpc>
+                  <a:spcPct val="100000"/>
+                </a:lnSpc>
+                <a:spcBef>
+                  <a:spcPts val="0"/>
+                </a:spcBef>
+                <a:spcAft>
+                  <a:spcPts val="0"/>
+                </a:spcAft>
+                <a:buNone/>
+              </a:pPr>
+              <a:endParaRPr sz="1960" b="0" i="0" u="none" strike="noStrike" cap="none">
+                <a:solidFill>
+                  <a:srgbClr val="000000"/>
+                </a:solidFill>
+                <a:latin typeface="Microsoft GothicNeo Light" panose="020B0300000101010101" pitchFamily="50" charset="-127"/>
+                <a:ea typeface="Microsoft GothicNeo Light" panose="020B0300000101010101" pitchFamily="50" charset="-127"/>
+                <a:cs typeface="Microsoft GothicNeo Light" panose="020B0300000101010101" pitchFamily="50" charset="-127"/>
+                <a:sym typeface="Arial"/>
+              </a:endParaRPr>
+            </a:p>
+          </p:txBody>
+        </p:sp>
+        <p:sp>
+          <p:nvSpPr>
+            <p:cNvPr id="236" name="Google Shape;236;p4"/>
+            <p:cNvSpPr/>
+            <p:nvPr/>
+          </p:nvSpPr>
+          <p:spPr>
+            <a:xfrm>
+              <a:off x="4290976" y="2470545"/>
+              <a:ext cx="1567020" cy="2826180"/>
+            </a:xfrm>
+            <a:prstGeom prst="rect">
+              <a:avLst/>
+            </a:prstGeom>
+            <a:solidFill>
+              <a:schemeClr val="lt2"/>
+            </a:solidFill>
+            <a:ln>
+              <a:noFill/>
+            </a:ln>
+          </p:spPr>
+          <p:txBody>
+            <a:bodyPr spcFirstLastPara="1" wrap="square" lIns="127975" tIns="127975" rIns="127975" bIns="127975" anchor="ctr" anchorCtr="0">
+              <a:noAutofit/>
+            </a:bodyPr>
+            <a:lstStyle/>
+            <a:p>
+              <a:pPr marL="0" marR="0" lvl="0" indent="0" algn="l" rtl="0">
+                <a:lnSpc>
+                  <a:spcPct val="100000"/>
+                </a:lnSpc>
+                <a:spcBef>
+                  <a:spcPts val="0"/>
+                </a:spcBef>
+                <a:spcAft>
+                  <a:spcPts val="0"/>
+                </a:spcAft>
+                <a:buNone/>
+              </a:pPr>
+              <a:endParaRPr sz="1960" b="0" i="0" u="none" strike="noStrike" cap="none">
+                <a:solidFill>
+                  <a:srgbClr val="000000"/>
+                </a:solidFill>
+                <a:latin typeface="Microsoft GothicNeo Light" panose="020B0300000101010101" pitchFamily="50" charset="-127"/>
+                <a:ea typeface="Microsoft GothicNeo Light" panose="020B0300000101010101" pitchFamily="50" charset="-127"/>
+                <a:cs typeface="Microsoft GothicNeo Light" panose="020B0300000101010101" pitchFamily="50" charset="-127"/>
+                <a:sym typeface="Arial"/>
+              </a:endParaRPr>
+            </a:p>
+          </p:txBody>
+        </p:sp>
+        <p:sp>
+          <p:nvSpPr>
+            <p:cNvPr id="237" name="Google Shape;237;p4"/>
+            <p:cNvSpPr/>
+            <p:nvPr/>
+          </p:nvSpPr>
+          <p:spPr>
+            <a:xfrm>
+              <a:off x="307225" y="5525872"/>
+              <a:ext cx="1326300" cy="1301700"/>
+            </a:xfrm>
+            <a:prstGeom prst="rect">
+              <a:avLst/>
+            </a:prstGeom>
+            <a:solidFill>
+              <a:srgbClr val="E06666"/>
+            </a:solidFill>
+            <a:ln>
+              <a:noFill/>
+            </a:ln>
+          </p:spPr>
+          <p:txBody>
+            <a:bodyPr spcFirstLastPara="1" wrap="square" lIns="127975" tIns="127975" rIns="127975" bIns="127975" anchor="ctr" anchorCtr="0">
+              <a:noAutofit/>
+            </a:bodyPr>
+            <a:lstStyle/>
+            <a:p>
+              <a:pPr marL="0" marR="0" lvl="0" indent="0" algn="l" rtl="0">
+                <a:lnSpc>
+                  <a:spcPct val="100000"/>
+                </a:lnSpc>
+                <a:spcBef>
+                  <a:spcPts val="0"/>
+                </a:spcBef>
+                <a:spcAft>
+                  <a:spcPts val="0"/>
+                </a:spcAft>
+                <a:buNone/>
+              </a:pPr>
+              <a:endParaRPr sz="1960" b="0" i="0" u="none" strike="noStrike" cap="none">
+                <a:solidFill>
+                  <a:srgbClr val="000000"/>
+                </a:solidFill>
+                <a:latin typeface="Microsoft GothicNeo Light" panose="020B0300000101010101" pitchFamily="50" charset="-127"/>
+                <a:ea typeface="Microsoft GothicNeo Light" panose="020B0300000101010101" pitchFamily="50" charset="-127"/>
+                <a:cs typeface="Microsoft GothicNeo Light" panose="020B0300000101010101" pitchFamily="50" charset="-127"/>
+                <a:sym typeface="Arial"/>
+              </a:endParaRPr>
+            </a:p>
+          </p:txBody>
+        </p:sp>
+        <p:sp>
+          <p:nvSpPr>
+            <p:cNvPr id="238" name="Google Shape;238;p4"/>
+            <p:cNvSpPr/>
+            <p:nvPr/>
+          </p:nvSpPr>
+          <p:spPr>
+            <a:xfrm>
+              <a:off x="307230" y="5525870"/>
+              <a:ext cx="1326360" cy="377580"/>
+            </a:xfrm>
+            <a:prstGeom prst="rect">
+              <a:avLst/>
+            </a:prstGeom>
+            <a:solidFill>
+              <a:schemeClr val="lt2"/>
+            </a:solidFill>
+            <a:ln>
+              <a:noFill/>
+            </a:ln>
+          </p:spPr>
+          <p:txBody>
+            <a:bodyPr spcFirstLastPara="1" wrap="square" lIns="127975" tIns="127975" rIns="127975" bIns="127975" anchor="ctr" anchorCtr="0">
+              <a:noAutofit/>
+            </a:bodyPr>
+            <a:lstStyle/>
+            <a:p>
+              <a:pPr marL="0" marR="0" lvl="0" indent="0" algn="ctr" rtl="0">
+                <a:lnSpc>
+                  <a:spcPct val="100000"/>
+                </a:lnSpc>
+                <a:spcBef>
+                  <a:spcPts val="0"/>
+                </a:spcBef>
+                <a:spcAft>
+                  <a:spcPts val="0"/>
+                </a:spcAft>
+                <a:buNone/>
+              </a:pPr>
+              <a:r>
+                <a:rPr lang="ko" sz="1260" b="0" i="0" u="none" strike="noStrike" cap="none">
+                  <a:solidFill>
+                    <a:srgbClr val="000000"/>
+                  </a:solidFill>
+                  <a:latin typeface="Microsoft GothicNeo Light" panose="020B0300000101010101" pitchFamily="50" charset="-127"/>
+                  <a:ea typeface="Microsoft GothicNeo Light" panose="020B0300000101010101" pitchFamily="50" charset="-127"/>
+                  <a:cs typeface="Microsoft GothicNeo Light" panose="020B0300000101010101" pitchFamily="50" charset="-127"/>
+                  <a:sym typeface="Arial"/>
+                </a:rPr>
+                <a:t>Recv Thread</a:t>
+              </a:r>
+              <a:endParaRPr sz="1260" b="0" i="0" u="none" strike="noStrike" cap="none">
+                <a:solidFill>
+                  <a:srgbClr val="000000"/>
+                </a:solidFill>
+                <a:latin typeface="Microsoft GothicNeo Light" panose="020B0300000101010101" pitchFamily="50" charset="-127"/>
+                <a:ea typeface="Microsoft GothicNeo Light" panose="020B0300000101010101" pitchFamily="50" charset="-127"/>
+                <a:cs typeface="Microsoft GothicNeo Light" panose="020B0300000101010101" pitchFamily="50" charset="-127"/>
+                <a:sym typeface="Arial"/>
+              </a:endParaRPr>
+            </a:p>
+          </p:txBody>
+        </p:sp>
+        <p:sp>
+          <p:nvSpPr>
+            <p:cNvPr id="239" name="Google Shape;239;p4"/>
+            <p:cNvSpPr txBox="1"/>
+            <p:nvPr/>
+          </p:nvSpPr>
+          <p:spPr>
+            <a:xfrm>
+              <a:off x="9250430" y="1587215"/>
+              <a:ext cx="737520" cy="323400"/>
+            </a:xfrm>
+            <a:prstGeom prst="rect">
+              <a:avLst/>
+            </a:prstGeom>
             <a:noFill/>
-          </a:ln>
-        </p:spPr>
-        <p:txBody>
-          <a:bodyPr spcFirstLastPara="1" wrap="square" lIns="127975" tIns="127975" rIns="127975" bIns="127975" anchor="ctr" anchorCtr="0">
-            <a:noAutofit/>
-          </a:bodyPr>
-          <a:lstStyle/>
-          <a:p>
-            <a:pPr marL="0" marR="0" lvl="0" indent="0" algn="ctr" rtl="0">
-              <a:lnSpc>
-                <a:spcPct val="100000"/>
-              </a:lnSpc>
-              <a:spcBef>
-                <a:spcPts val="0"/>
-              </a:spcBef>
-              <a:spcAft>
-                <a:spcPts val="0"/>
-              </a:spcAft>
-              <a:buNone/>
-            </a:pPr>
-            <a:r>
-              <a:rPr lang="ko" sz="1400" b="1" i="0" u="none" strike="noStrike" cap="none">
+            <a:ln>
+              <a:noFill/>
+            </a:ln>
+          </p:spPr>
+          <p:txBody>
+            <a:bodyPr spcFirstLastPara="1" wrap="square" lIns="127975" tIns="127975" rIns="127975" bIns="127975" anchor="ctr" anchorCtr="0">
+              <a:noAutofit/>
+            </a:bodyPr>
+            <a:lstStyle/>
+            <a:p>
+              <a:pPr marL="0" marR="0" lvl="0" indent="0" algn="ctr" rtl="0">
+                <a:lnSpc>
+                  <a:spcPct val="100000"/>
+                </a:lnSpc>
+                <a:spcBef>
+                  <a:spcPts val="0"/>
+                </a:spcBef>
+                <a:spcAft>
+                  <a:spcPts val="0"/>
+                </a:spcAft>
+                <a:buNone/>
+              </a:pPr>
+              <a:r>
+                <a:rPr lang="ko" sz="1400" b="1" i="0" u="none" strike="noStrike" cap="none">
+                  <a:solidFill>
+                    <a:srgbClr val="000000"/>
+                  </a:solidFill>
+                  <a:latin typeface="Microsoft GothicNeo" panose="020B0500000101010101" pitchFamily="50" charset="-127"/>
+                  <a:ea typeface="Microsoft GothicNeo" panose="020B0500000101010101" pitchFamily="50" charset="-127"/>
+                  <a:cs typeface="Microsoft GothicNeo" panose="020B0500000101010101" pitchFamily="50" charset="-127"/>
+                  <a:sym typeface="Arial"/>
+                </a:rPr>
+                <a:t>클라</a:t>
+              </a:r>
+              <a:endParaRPr sz="1400" b="1" i="0" u="none" strike="noStrike" cap="none">
                 <a:solidFill>
                   <a:srgbClr val="000000"/>
                 </a:solidFill>
@@ -18112,113 +18146,50 @@
                 <a:ea typeface="Microsoft GothicNeo" panose="020B0500000101010101" pitchFamily="50" charset="-127"/>
                 <a:cs typeface="Microsoft GothicNeo" panose="020B0500000101010101" pitchFamily="50" charset="-127"/>
                 <a:sym typeface="Arial"/>
-              </a:rPr>
-              <a:t>클라</a:t>
-            </a:r>
-            <a:endParaRPr sz="1400" b="1" i="0" u="none" strike="noStrike" cap="none">
-              <a:solidFill>
-                <a:srgbClr val="000000"/>
-              </a:solidFill>
-              <a:latin typeface="Microsoft GothicNeo" panose="020B0500000101010101" pitchFamily="50" charset="-127"/>
-              <a:ea typeface="Microsoft GothicNeo" panose="020B0500000101010101" pitchFamily="50" charset="-127"/>
-              <a:cs typeface="Microsoft GothicNeo" panose="020B0500000101010101" pitchFamily="50" charset="-127"/>
-              <a:sym typeface="Arial"/>
-            </a:endParaRPr>
-          </a:p>
-        </p:txBody>
-      </p:sp>
-      <p:sp>
-        <p:nvSpPr>
-          <p:cNvPr id="240" name="Google Shape;240;p4"/>
-          <p:cNvSpPr/>
-          <p:nvPr/>
-        </p:nvSpPr>
-        <p:spPr>
-          <a:xfrm>
-            <a:off x="6793360" y="1974630"/>
-            <a:ext cx="5651940" cy="3424260"/>
-          </a:xfrm>
-          <a:prstGeom prst="rect">
-            <a:avLst/>
-          </a:prstGeom>
-          <a:solidFill>
-            <a:srgbClr val="6D9EEB"/>
-          </a:solidFill>
-          <a:ln>
-            <a:noFill/>
-          </a:ln>
-        </p:spPr>
-        <p:txBody>
-          <a:bodyPr spcFirstLastPara="1" wrap="square" lIns="127975" tIns="127975" rIns="127975" bIns="127975" anchor="ctr" anchorCtr="0">
-            <a:noAutofit/>
-          </a:bodyPr>
-          <a:lstStyle/>
-          <a:p>
-            <a:pPr marL="0" marR="0" lvl="0" indent="0" algn="l" rtl="0">
-              <a:lnSpc>
-                <a:spcPct val="100000"/>
-              </a:lnSpc>
-              <a:spcBef>
-                <a:spcPts val="0"/>
-              </a:spcBef>
-              <a:spcAft>
-                <a:spcPts val="0"/>
-              </a:spcAft>
-              <a:buNone/>
-            </a:pPr>
-            <a:endParaRPr sz="1960" b="0" i="0" u="none" strike="noStrike" cap="none">
-              <a:solidFill>
-                <a:srgbClr val="000000"/>
-              </a:solidFill>
-              <a:latin typeface="Microsoft GothicNeo Light" panose="020B0300000101010101" pitchFamily="50" charset="-127"/>
-              <a:ea typeface="Microsoft GothicNeo Light" panose="020B0300000101010101" pitchFamily="50" charset="-127"/>
-              <a:cs typeface="Microsoft GothicNeo Light" panose="020B0300000101010101" pitchFamily="50" charset="-127"/>
-              <a:sym typeface="Arial"/>
-            </a:endParaRPr>
-          </a:p>
-        </p:txBody>
-      </p:sp>
-      <p:sp>
-        <p:nvSpPr>
-          <p:cNvPr id="241" name="Google Shape;241;p4"/>
-          <p:cNvSpPr/>
-          <p:nvPr/>
-        </p:nvSpPr>
-        <p:spPr>
-          <a:xfrm>
-            <a:off x="6793360" y="1974630"/>
-            <a:ext cx="5651940" cy="377580"/>
-          </a:xfrm>
-          <a:prstGeom prst="rect">
-            <a:avLst/>
-          </a:prstGeom>
-          <a:solidFill>
-            <a:schemeClr val="lt2"/>
-          </a:solidFill>
-          <a:ln>
-            <a:noFill/>
-          </a:ln>
-        </p:spPr>
-        <p:txBody>
-          <a:bodyPr spcFirstLastPara="1" wrap="square" lIns="127975" tIns="127975" rIns="127975" bIns="127975" anchor="ctr" anchorCtr="0">
-            <a:noAutofit/>
-          </a:bodyPr>
-          <a:lstStyle/>
-          <a:p>
-            <a:pPr marL="0" marR="0" lvl="0" indent="0" algn="ctr" rtl="0">
-              <a:lnSpc>
-                <a:spcPct val="100000"/>
-              </a:lnSpc>
-              <a:spcBef>
-                <a:spcPts val="0"/>
-              </a:spcBef>
-              <a:spcAft>
-                <a:spcPts val="0"/>
-              </a:spcAft>
-              <a:buNone/>
-            </a:pPr>
-            <a:r>
-              <a:rPr lang="ko" sz="1260" b="0" i="0" u="none" strike="noStrike" cap="none">
+              </a:endParaRPr>
+            </a:p>
+          </p:txBody>
+        </p:sp>
+        <p:sp>
+          <p:nvSpPr>
+            <p:cNvPr id="240" name="Google Shape;240;p4"/>
+            <p:cNvSpPr/>
+            <p:nvPr/>
+          </p:nvSpPr>
+          <p:spPr>
+            <a:xfrm>
+              <a:off x="6793360" y="1974630"/>
+              <a:ext cx="5651940" cy="3424260"/>
+            </a:xfrm>
+            <a:prstGeom prst="rect">
+              <a:avLst/>
+            </a:prstGeom>
+            <a:solidFill>
+              <a:srgbClr val="6D9EEB"/>
+            </a:solidFill>
+            <a:ln>
+              <a:noFill/>
+            </a:ln>
+          </p:spPr>
+          <p:txBody>
+            <a:bodyPr spcFirstLastPara="1" wrap="square" lIns="127975" tIns="127975" rIns="127975" bIns="127975" anchor="ctr" anchorCtr="0">
+              <a:noAutofit/>
+            </a:bodyPr>
+            <a:lstStyle/>
+            <a:p>
+              <a:pPr marL="0" marR="0" lvl="0" indent="0" algn="l" rtl="0">
+                <a:lnSpc>
+                  <a:spcPct val="100000"/>
+                </a:lnSpc>
+                <a:spcBef>
+                  <a:spcPts val="0"/>
+                </a:spcBef>
+                <a:spcAft>
+                  <a:spcPts val="0"/>
+                </a:spcAft>
+                <a:buNone/>
+              </a:pPr>
+              <a:endParaRPr sz="1960" b="0" i="0" u="none" strike="noStrike" cap="none">
                 <a:solidFill>
                   <a:srgbClr val="000000"/>
                 </a:solidFill>
@@ -18226,266 +18197,62 @@
                 <a:ea typeface="Microsoft GothicNeo Light" panose="020B0300000101010101" pitchFamily="50" charset="-127"/>
                 <a:cs typeface="Microsoft GothicNeo Light" panose="020B0300000101010101" pitchFamily="50" charset="-127"/>
                 <a:sym typeface="Arial"/>
-              </a:rPr>
-              <a:t>Main Thread</a:t>
-            </a:r>
-            <a:endParaRPr sz="1260" b="0" i="0" u="none" strike="noStrike" cap="none">
-              <a:solidFill>
-                <a:srgbClr val="000000"/>
-              </a:solidFill>
-              <a:latin typeface="Microsoft GothicNeo Light" panose="020B0300000101010101" pitchFamily="50" charset="-127"/>
-              <a:ea typeface="Microsoft GothicNeo Light" panose="020B0300000101010101" pitchFamily="50" charset="-127"/>
-              <a:cs typeface="Microsoft GothicNeo Light" panose="020B0300000101010101" pitchFamily="50" charset="-127"/>
-              <a:sym typeface="Arial"/>
-            </a:endParaRPr>
-          </a:p>
-        </p:txBody>
-      </p:sp>
-      <p:sp>
-        <p:nvSpPr>
-          <p:cNvPr id="242" name="Google Shape;242;p4"/>
-          <p:cNvSpPr/>
-          <p:nvPr/>
-        </p:nvSpPr>
-        <p:spPr>
-          <a:xfrm>
-            <a:off x="6894282" y="2470545"/>
-            <a:ext cx="1567020" cy="2826180"/>
-          </a:xfrm>
-          <a:prstGeom prst="rect">
-            <a:avLst/>
-          </a:prstGeom>
-          <a:solidFill>
-            <a:schemeClr val="lt2"/>
-          </a:solidFill>
-          <a:ln>
-            <a:noFill/>
-          </a:ln>
-        </p:spPr>
-        <p:txBody>
-          <a:bodyPr spcFirstLastPara="1" wrap="square" lIns="127975" tIns="127975" rIns="127975" bIns="127975" anchor="ctr" anchorCtr="0">
-            <a:noAutofit/>
-          </a:bodyPr>
-          <a:lstStyle/>
-          <a:p>
-            <a:pPr marL="0" marR="0" lvl="0" indent="0" algn="l" rtl="0">
-              <a:lnSpc>
-                <a:spcPct val="100000"/>
-              </a:lnSpc>
-              <a:spcBef>
-                <a:spcPts val="0"/>
-              </a:spcBef>
-              <a:spcAft>
-                <a:spcPts val="0"/>
-              </a:spcAft>
-              <a:buNone/>
-            </a:pPr>
-            <a:endParaRPr sz="1960" b="0" i="0" u="none" strike="noStrike" cap="none">
-              <a:solidFill>
-                <a:srgbClr val="000000"/>
-              </a:solidFill>
-              <a:latin typeface="Microsoft GothicNeo Light" panose="020B0300000101010101" pitchFamily="50" charset="-127"/>
-              <a:ea typeface="Microsoft GothicNeo Light" panose="020B0300000101010101" pitchFamily="50" charset="-127"/>
-              <a:cs typeface="Microsoft GothicNeo Light" panose="020B0300000101010101" pitchFamily="50" charset="-127"/>
-              <a:sym typeface="Arial"/>
-            </a:endParaRPr>
-          </a:p>
-        </p:txBody>
-      </p:sp>
-      <p:sp>
-        <p:nvSpPr>
-          <p:cNvPr id="243" name="Google Shape;243;p4"/>
-          <p:cNvSpPr/>
-          <p:nvPr/>
-        </p:nvSpPr>
-        <p:spPr>
-          <a:xfrm>
-            <a:off x="8835694" y="2470545"/>
-            <a:ext cx="1567020" cy="2826180"/>
-          </a:xfrm>
-          <a:prstGeom prst="rect">
-            <a:avLst/>
-          </a:prstGeom>
-          <a:solidFill>
-            <a:schemeClr val="lt2"/>
-          </a:solidFill>
-          <a:ln>
-            <a:noFill/>
-          </a:ln>
-        </p:spPr>
-        <p:txBody>
-          <a:bodyPr spcFirstLastPara="1" wrap="square" lIns="127975" tIns="127975" rIns="127975" bIns="127975" anchor="ctr" anchorCtr="0">
-            <a:noAutofit/>
-          </a:bodyPr>
-          <a:lstStyle/>
-          <a:p>
-            <a:pPr marL="0" marR="0" lvl="0" indent="0" algn="l" rtl="0">
-              <a:lnSpc>
-                <a:spcPct val="100000"/>
-              </a:lnSpc>
-              <a:spcBef>
-                <a:spcPts val="0"/>
-              </a:spcBef>
-              <a:spcAft>
-                <a:spcPts val="0"/>
-              </a:spcAft>
-              <a:buNone/>
-            </a:pPr>
-            <a:endParaRPr sz="1960" b="0" i="0" u="none" strike="noStrike" cap="none">
-              <a:solidFill>
-                <a:srgbClr val="000000"/>
-              </a:solidFill>
-              <a:latin typeface="Microsoft GothicNeo Light" panose="020B0300000101010101" pitchFamily="50" charset="-127"/>
-              <a:ea typeface="Microsoft GothicNeo Light" panose="020B0300000101010101" pitchFamily="50" charset="-127"/>
-              <a:cs typeface="Microsoft GothicNeo Light" panose="020B0300000101010101" pitchFamily="50" charset="-127"/>
-              <a:sym typeface="Arial"/>
-            </a:endParaRPr>
-          </a:p>
-        </p:txBody>
-      </p:sp>
-      <p:sp>
-        <p:nvSpPr>
-          <p:cNvPr id="244" name="Google Shape;244;p4"/>
-          <p:cNvSpPr/>
-          <p:nvPr/>
-        </p:nvSpPr>
-        <p:spPr>
-          <a:xfrm>
-            <a:off x="10777106" y="2470545"/>
-            <a:ext cx="1567020" cy="2826180"/>
-          </a:xfrm>
-          <a:prstGeom prst="rect">
-            <a:avLst/>
-          </a:prstGeom>
-          <a:solidFill>
-            <a:schemeClr val="lt2"/>
-          </a:solidFill>
-          <a:ln>
-            <a:noFill/>
-          </a:ln>
-        </p:spPr>
-        <p:txBody>
-          <a:bodyPr spcFirstLastPara="1" wrap="square" lIns="127975" tIns="127975" rIns="127975" bIns="127975" anchor="ctr" anchorCtr="0">
-            <a:noAutofit/>
-          </a:bodyPr>
-          <a:lstStyle/>
-          <a:p>
-            <a:pPr marL="0" marR="0" lvl="0" indent="0" algn="l" rtl="0">
-              <a:lnSpc>
-                <a:spcPct val="100000"/>
-              </a:lnSpc>
-              <a:spcBef>
-                <a:spcPts val="0"/>
-              </a:spcBef>
-              <a:spcAft>
-                <a:spcPts val="0"/>
-              </a:spcAft>
-              <a:buNone/>
-            </a:pPr>
-            <a:endParaRPr sz="1960" b="0" i="0" u="none" strike="noStrike" cap="none">
-              <a:solidFill>
-                <a:srgbClr val="000000"/>
-              </a:solidFill>
-              <a:latin typeface="Microsoft GothicNeo Light" panose="020B0300000101010101" pitchFamily="50" charset="-127"/>
-              <a:ea typeface="Microsoft GothicNeo Light" panose="020B0300000101010101" pitchFamily="50" charset="-127"/>
-              <a:cs typeface="Microsoft GothicNeo Light" panose="020B0300000101010101" pitchFamily="50" charset="-127"/>
-              <a:sym typeface="Arial"/>
-            </a:endParaRPr>
-          </a:p>
-        </p:txBody>
-      </p:sp>
-      <p:sp>
-        <p:nvSpPr>
-          <p:cNvPr id="245" name="Google Shape;245;p4"/>
-          <p:cNvSpPr/>
-          <p:nvPr/>
-        </p:nvSpPr>
-        <p:spPr>
-          <a:xfrm>
-            <a:off x="6793350" y="5525872"/>
-            <a:ext cx="5652000" cy="1301700"/>
-          </a:xfrm>
-          <a:prstGeom prst="rect">
-            <a:avLst/>
-          </a:prstGeom>
-          <a:solidFill>
-            <a:srgbClr val="E06666"/>
-          </a:solidFill>
-          <a:ln>
-            <a:noFill/>
-          </a:ln>
-        </p:spPr>
-        <p:txBody>
-          <a:bodyPr spcFirstLastPara="1" wrap="square" lIns="127975" tIns="127975" rIns="127975" bIns="127975" anchor="ctr" anchorCtr="0">
-            <a:noAutofit/>
-          </a:bodyPr>
-          <a:lstStyle/>
-          <a:p>
-            <a:pPr marL="0" marR="0" lvl="0" indent="0" algn="l" rtl="0">
-              <a:lnSpc>
-                <a:spcPct val="100000"/>
-              </a:lnSpc>
-              <a:spcBef>
-                <a:spcPts val="0"/>
-              </a:spcBef>
-              <a:spcAft>
-                <a:spcPts val="0"/>
-              </a:spcAft>
-              <a:buNone/>
-            </a:pPr>
-            <a:endParaRPr sz="1960" b="0" i="0" u="none" strike="noStrike" cap="none">
-              <a:solidFill>
-                <a:srgbClr val="000000"/>
-              </a:solidFill>
-              <a:latin typeface="Microsoft GothicNeo Light" panose="020B0300000101010101" pitchFamily="50" charset="-127"/>
-              <a:ea typeface="Microsoft GothicNeo Light" panose="020B0300000101010101" pitchFamily="50" charset="-127"/>
-              <a:cs typeface="Microsoft GothicNeo Light" panose="020B0300000101010101" pitchFamily="50" charset="-127"/>
-              <a:sym typeface="Arial"/>
-            </a:endParaRPr>
-          </a:p>
-        </p:txBody>
-      </p:sp>
-      <p:sp>
-        <p:nvSpPr>
-          <p:cNvPr id="246" name="Google Shape;246;p4"/>
-          <p:cNvSpPr/>
-          <p:nvPr/>
-        </p:nvSpPr>
-        <p:spPr>
-          <a:xfrm>
-            <a:off x="6793360" y="5525870"/>
-            <a:ext cx="5651940" cy="377580"/>
-          </a:xfrm>
-          <a:prstGeom prst="rect">
-            <a:avLst/>
-          </a:prstGeom>
-          <a:solidFill>
-            <a:schemeClr val="lt2"/>
-          </a:solidFill>
-          <a:ln>
-            <a:noFill/>
-          </a:ln>
-        </p:spPr>
-        <p:txBody>
-          <a:bodyPr spcFirstLastPara="1" wrap="square" lIns="127975" tIns="127975" rIns="127975" bIns="127975" anchor="ctr" anchorCtr="0">
-            <a:noAutofit/>
-          </a:bodyPr>
-          <a:lstStyle/>
-          <a:p>
-            <a:pPr marL="0" marR="0" lvl="0" indent="0" algn="ctr" rtl="0">
-              <a:lnSpc>
-                <a:spcPct val="100000"/>
-              </a:lnSpc>
-              <a:spcBef>
-                <a:spcPts val="0"/>
-              </a:spcBef>
-              <a:spcAft>
-                <a:spcPts val="0"/>
-              </a:spcAft>
-              <a:buNone/>
-            </a:pPr>
-            <a:r>
-              <a:rPr lang="ko" sz="1260" b="0" i="0" u="none" strike="noStrike" cap="none">
+              </a:endParaRPr>
+            </a:p>
+          </p:txBody>
+        </p:sp>
+        <p:sp>
+          <p:nvSpPr>
+            <p:cNvPr id="241" name="Google Shape;241;p4"/>
+            <p:cNvSpPr/>
+            <p:nvPr/>
+          </p:nvSpPr>
+          <p:spPr>
+            <a:xfrm>
+              <a:off x="6793360" y="1974630"/>
+              <a:ext cx="5651940" cy="377580"/>
+            </a:xfrm>
+            <a:prstGeom prst="rect">
+              <a:avLst/>
+            </a:prstGeom>
+            <a:solidFill>
+              <a:schemeClr val="lt2"/>
+            </a:solidFill>
+            <a:ln>
+              <a:noFill/>
+            </a:ln>
+          </p:spPr>
+          <p:txBody>
+            <a:bodyPr spcFirstLastPara="1" wrap="square" lIns="127975" tIns="127975" rIns="127975" bIns="127975" anchor="ctr" anchorCtr="0">
+              <a:noAutofit/>
+            </a:bodyPr>
+            <a:lstStyle/>
+            <a:p>
+              <a:pPr marL="0" marR="0" lvl="0" indent="0" algn="ctr" rtl="0">
+                <a:lnSpc>
+                  <a:spcPct val="100000"/>
+                </a:lnSpc>
+                <a:spcBef>
+                  <a:spcPts val="0"/>
+                </a:spcBef>
+                <a:spcAft>
+                  <a:spcPts val="0"/>
+                </a:spcAft>
+                <a:buNone/>
+              </a:pPr>
+              <a:r>
+                <a:rPr lang="ko" sz="1260" b="0" i="0" u="none" strike="noStrike" cap="none">
+                  <a:solidFill>
+                    <a:srgbClr val="000000"/>
+                  </a:solidFill>
+                  <a:latin typeface="Microsoft GothicNeo Light" panose="020B0300000101010101" pitchFamily="50" charset="-127"/>
+                  <a:ea typeface="Microsoft GothicNeo Light" panose="020B0300000101010101" pitchFamily="50" charset="-127"/>
+                  <a:cs typeface="Microsoft GothicNeo Light" panose="020B0300000101010101" pitchFamily="50" charset="-127"/>
+                  <a:sym typeface="Arial"/>
+                </a:rPr>
+                <a:t>Main Thread</a:t>
+              </a:r>
+              <a:endParaRPr sz="1260" b="0" i="0" u="none" strike="noStrike" cap="none">
                 <a:solidFill>
                   <a:srgbClr val="000000"/>
                 </a:solidFill>
@@ -18493,113 +18260,50 @@
                 <a:ea typeface="Microsoft GothicNeo Light" panose="020B0300000101010101" pitchFamily="50" charset="-127"/>
                 <a:cs typeface="Microsoft GothicNeo Light" panose="020B0300000101010101" pitchFamily="50" charset="-127"/>
                 <a:sym typeface="Arial"/>
-              </a:rPr>
-              <a:t>Recv Thread</a:t>
-            </a:r>
-            <a:endParaRPr sz="1260" b="0" i="0" u="none" strike="noStrike" cap="none">
-              <a:solidFill>
-                <a:srgbClr val="000000"/>
-              </a:solidFill>
-              <a:latin typeface="Microsoft GothicNeo Light" panose="020B0300000101010101" pitchFamily="50" charset="-127"/>
-              <a:ea typeface="Microsoft GothicNeo Light" panose="020B0300000101010101" pitchFamily="50" charset="-127"/>
-              <a:cs typeface="Microsoft GothicNeo Light" panose="020B0300000101010101" pitchFamily="50" charset="-127"/>
-              <a:sym typeface="Arial"/>
-            </a:endParaRPr>
-          </a:p>
-        </p:txBody>
-      </p:sp>
-      <p:sp>
-        <p:nvSpPr>
-          <p:cNvPr id="247" name="Google Shape;247;p4"/>
-          <p:cNvSpPr/>
-          <p:nvPr/>
-        </p:nvSpPr>
-        <p:spPr>
-          <a:xfrm>
-            <a:off x="1749038" y="5525872"/>
-            <a:ext cx="1326300" cy="1301700"/>
-          </a:xfrm>
-          <a:prstGeom prst="rect">
-            <a:avLst/>
-          </a:prstGeom>
-          <a:solidFill>
-            <a:srgbClr val="E06666"/>
-          </a:solidFill>
-          <a:ln>
-            <a:noFill/>
-          </a:ln>
-        </p:spPr>
-        <p:txBody>
-          <a:bodyPr spcFirstLastPara="1" wrap="square" lIns="127975" tIns="127975" rIns="127975" bIns="127975" anchor="ctr" anchorCtr="0">
-            <a:noAutofit/>
-          </a:bodyPr>
-          <a:lstStyle/>
-          <a:p>
-            <a:pPr marL="0" marR="0" lvl="0" indent="0" algn="l" rtl="0">
-              <a:lnSpc>
-                <a:spcPct val="100000"/>
-              </a:lnSpc>
-              <a:spcBef>
-                <a:spcPts val="0"/>
-              </a:spcBef>
-              <a:spcAft>
-                <a:spcPts val="0"/>
-              </a:spcAft>
-              <a:buNone/>
-            </a:pPr>
-            <a:endParaRPr sz="1960" b="0" i="0" u="none" strike="noStrike" cap="none">
-              <a:solidFill>
-                <a:srgbClr val="000000"/>
-              </a:solidFill>
-              <a:latin typeface="Microsoft GothicNeo Light" panose="020B0300000101010101" pitchFamily="50" charset="-127"/>
-              <a:ea typeface="Microsoft GothicNeo Light" panose="020B0300000101010101" pitchFamily="50" charset="-127"/>
-              <a:cs typeface="Microsoft GothicNeo Light" panose="020B0300000101010101" pitchFamily="50" charset="-127"/>
-              <a:sym typeface="Arial"/>
-            </a:endParaRPr>
-          </a:p>
-        </p:txBody>
-      </p:sp>
-      <p:sp>
-        <p:nvSpPr>
-          <p:cNvPr id="248" name="Google Shape;248;p4"/>
-          <p:cNvSpPr/>
-          <p:nvPr/>
-        </p:nvSpPr>
-        <p:spPr>
-          <a:xfrm>
-            <a:off x="1749041" y="5525870"/>
-            <a:ext cx="1326360" cy="377580"/>
-          </a:xfrm>
-          <a:prstGeom prst="rect">
-            <a:avLst/>
-          </a:prstGeom>
-          <a:solidFill>
-            <a:schemeClr val="lt2"/>
-          </a:solidFill>
-          <a:ln>
-            <a:noFill/>
-          </a:ln>
-        </p:spPr>
-        <p:txBody>
-          <a:bodyPr spcFirstLastPara="1" wrap="square" lIns="127975" tIns="127975" rIns="127975" bIns="127975" anchor="ctr" anchorCtr="0">
-            <a:noAutofit/>
-          </a:bodyPr>
-          <a:lstStyle/>
-          <a:p>
-            <a:pPr marL="0" marR="0" lvl="0" indent="0" algn="ctr" rtl="0">
-              <a:lnSpc>
-                <a:spcPct val="100000"/>
-              </a:lnSpc>
-              <a:spcBef>
-                <a:spcPts val="0"/>
-              </a:spcBef>
-              <a:spcAft>
-                <a:spcPts val="0"/>
-              </a:spcAft>
-              <a:buNone/>
-            </a:pPr>
-            <a:r>
-              <a:rPr lang="ko" sz="1260" b="0" i="0" u="none" strike="noStrike" cap="none">
+              </a:endParaRPr>
+            </a:p>
+          </p:txBody>
+        </p:sp>
+        <p:sp>
+          <p:nvSpPr>
+            <p:cNvPr id="242" name="Google Shape;242;p4"/>
+            <p:cNvSpPr/>
+            <p:nvPr/>
+          </p:nvSpPr>
+          <p:spPr>
+            <a:xfrm>
+              <a:off x="6894282" y="2470545"/>
+              <a:ext cx="1567020" cy="2826180"/>
+            </a:xfrm>
+            <a:prstGeom prst="rect">
+              <a:avLst/>
+            </a:prstGeom>
+            <a:solidFill>
+              <a:schemeClr val="lt2"/>
+            </a:solidFill>
+            <a:ln>
+              <a:noFill/>
+            </a:ln>
+          </p:spPr>
+          <p:txBody>
+            <a:bodyPr spcFirstLastPara="1" wrap="square" lIns="127975" tIns="127975" rIns="127975" bIns="127975" anchor="ctr" anchorCtr="0">
+              <a:noAutofit/>
+            </a:bodyPr>
+            <a:lstStyle/>
+            <a:p>
+              <a:pPr marL="0" marR="0" lvl="0" indent="0" algn="l" rtl="0">
+                <a:lnSpc>
+                  <a:spcPct val="100000"/>
+                </a:lnSpc>
+                <a:spcBef>
+                  <a:spcPts val="0"/>
+                </a:spcBef>
+                <a:spcAft>
+                  <a:spcPts val="0"/>
+                </a:spcAft>
+                <a:buNone/>
+              </a:pPr>
+              <a:endParaRPr sz="1960" b="0" i="0" u="none" strike="noStrike" cap="none">
                 <a:solidFill>
                   <a:srgbClr val="000000"/>
                 </a:solidFill>
@@ -18607,113 +18311,50 @@
                 <a:ea typeface="Microsoft GothicNeo Light" panose="020B0300000101010101" pitchFamily="50" charset="-127"/>
                 <a:cs typeface="Microsoft GothicNeo Light" panose="020B0300000101010101" pitchFamily="50" charset="-127"/>
                 <a:sym typeface="Arial"/>
-              </a:rPr>
-              <a:t>Recv Thread</a:t>
-            </a:r>
-            <a:endParaRPr sz="1260" b="0" i="0" u="none" strike="noStrike" cap="none">
-              <a:solidFill>
-                <a:srgbClr val="000000"/>
-              </a:solidFill>
-              <a:latin typeface="Microsoft GothicNeo Light" panose="020B0300000101010101" pitchFamily="50" charset="-127"/>
-              <a:ea typeface="Microsoft GothicNeo Light" panose="020B0300000101010101" pitchFamily="50" charset="-127"/>
-              <a:cs typeface="Microsoft GothicNeo Light" panose="020B0300000101010101" pitchFamily="50" charset="-127"/>
-              <a:sym typeface="Arial"/>
-            </a:endParaRPr>
-          </a:p>
-        </p:txBody>
-      </p:sp>
-      <p:sp>
-        <p:nvSpPr>
-          <p:cNvPr id="249" name="Google Shape;249;p4"/>
-          <p:cNvSpPr/>
-          <p:nvPr/>
-        </p:nvSpPr>
-        <p:spPr>
-          <a:xfrm>
-            <a:off x="3190851" y="5525872"/>
-            <a:ext cx="1326300" cy="1301700"/>
-          </a:xfrm>
-          <a:prstGeom prst="rect">
-            <a:avLst/>
-          </a:prstGeom>
-          <a:solidFill>
-            <a:srgbClr val="E06666"/>
-          </a:solidFill>
-          <a:ln>
-            <a:noFill/>
-          </a:ln>
-        </p:spPr>
-        <p:txBody>
-          <a:bodyPr spcFirstLastPara="1" wrap="square" lIns="127975" tIns="127975" rIns="127975" bIns="127975" anchor="ctr" anchorCtr="0">
-            <a:noAutofit/>
-          </a:bodyPr>
-          <a:lstStyle/>
-          <a:p>
-            <a:pPr marL="0" marR="0" lvl="0" indent="0" algn="l" rtl="0">
-              <a:lnSpc>
-                <a:spcPct val="100000"/>
-              </a:lnSpc>
-              <a:spcBef>
-                <a:spcPts val="0"/>
-              </a:spcBef>
-              <a:spcAft>
-                <a:spcPts val="0"/>
-              </a:spcAft>
-              <a:buNone/>
-            </a:pPr>
-            <a:endParaRPr sz="1960" b="0" i="0" u="none" strike="noStrike" cap="none">
-              <a:solidFill>
-                <a:srgbClr val="000000"/>
-              </a:solidFill>
-              <a:latin typeface="Microsoft GothicNeo Light" panose="020B0300000101010101" pitchFamily="50" charset="-127"/>
-              <a:ea typeface="Microsoft GothicNeo Light" panose="020B0300000101010101" pitchFamily="50" charset="-127"/>
-              <a:cs typeface="Microsoft GothicNeo Light" panose="020B0300000101010101" pitchFamily="50" charset="-127"/>
-              <a:sym typeface="Arial"/>
-            </a:endParaRPr>
-          </a:p>
-        </p:txBody>
-      </p:sp>
-      <p:sp>
-        <p:nvSpPr>
-          <p:cNvPr id="250" name="Google Shape;250;p4"/>
-          <p:cNvSpPr/>
-          <p:nvPr/>
-        </p:nvSpPr>
-        <p:spPr>
-          <a:xfrm>
-            <a:off x="3190853" y="5525870"/>
-            <a:ext cx="1326360" cy="377580"/>
-          </a:xfrm>
-          <a:prstGeom prst="rect">
-            <a:avLst/>
-          </a:prstGeom>
-          <a:solidFill>
-            <a:schemeClr val="lt2"/>
-          </a:solidFill>
-          <a:ln>
-            <a:noFill/>
-          </a:ln>
-        </p:spPr>
-        <p:txBody>
-          <a:bodyPr spcFirstLastPara="1" wrap="square" lIns="127975" tIns="127975" rIns="127975" bIns="127975" anchor="ctr" anchorCtr="0">
-            <a:noAutofit/>
-          </a:bodyPr>
-          <a:lstStyle/>
-          <a:p>
-            <a:pPr marL="0" marR="0" lvl="0" indent="0" algn="ctr" rtl="0">
-              <a:lnSpc>
-                <a:spcPct val="100000"/>
-              </a:lnSpc>
-              <a:spcBef>
-                <a:spcPts val="0"/>
-              </a:spcBef>
-              <a:spcAft>
-                <a:spcPts val="0"/>
-              </a:spcAft>
-              <a:buNone/>
-            </a:pPr>
-            <a:r>
-              <a:rPr lang="ko" sz="1260" b="0" i="0" u="none" strike="noStrike" cap="none">
+              </a:endParaRPr>
+            </a:p>
+          </p:txBody>
+        </p:sp>
+        <p:sp>
+          <p:nvSpPr>
+            <p:cNvPr id="243" name="Google Shape;243;p4"/>
+            <p:cNvSpPr/>
+            <p:nvPr/>
+          </p:nvSpPr>
+          <p:spPr>
+            <a:xfrm>
+              <a:off x="8835694" y="2470545"/>
+              <a:ext cx="1567020" cy="2826180"/>
+            </a:xfrm>
+            <a:prstGeom prst="rect">
+              <a:avLst/>
+            </a:prstGeom>
+            <a:solidFill>
+              <a:schemeClr val="lt2"/>
+            </a:solidFill>
+            <a:ln>
+              <a:noFill/>
+            </a:ln>
+          </p:spPr>
+          <p:txBody>
+            <a:bodyPr spcFirstLastPara="1" wrap="square" lIns="127975" tIns="127975" rIns="127975" bIns="127975" anchor="ctr" anchorCtr="0">
+              <a:noAutofit/>
+            </a:bodyPr>
+            <a:lstStyle/>
+            <a:p>
+              <a:pPr marL="0" marR="0" lvl="0" indent="0" algn="l" rtl="0">
+                <a:lnSpc>
+                  <a:spcPct val="100000"/>
+                </a:lnSpc>
+                <a:spcBef>
+                  <a:spcPts val="0"/>
+                </a:spcBef>
+                <a:spcAft>
+                  <a:spcPts val="0"/>
+                </a:spcAft>
+                <a:buNone/>
+              </a:pPr>
+              <a:endParaRPr sz="1960" b="0" i="0" u="none" strike="noStrike" cap="none">
                 <a:solidFill>
                   <a:srgbClr val="000000"/>
                 </a:solidFill>
@@ -18721,113 +18362,50 @@
                 <a:ea typeface="Microsoft GothicNeo Light" panose="020B0300000101010101" pitchFamily="50" charset="-127"/>
                 <a:cs typeface="Microsoft GothicNeo Light" panose="020B0300000101010101" pitchFamily="50" charset="-127"/>
                 <a:sym typeface="Arial"/>
-              </a:rPr>
-              <a:t>Recv Thread</a:t>
-            </a:r>
-            <a:endParaRPr sz="1260" b="0" i="0" u="none" strike="noStrike" cap="none">
-              <a:solidFill>
-                <a:srgbClr val="000000"/>
-              </a:solidFill>
-              <a:latin typeface="Microsoft GothicNeo Light" panose="020B0300000101010101" pitchFamily="50" charset="-127"/>
-              <a:ea typeface="Microsoft GothicNeo Light" panose="020B0300000101010101" pitchFamily="50" charset="-127"/>
-              <a:cs typeface="Microsoft GothicNeo Light" panose="020B0300000101010101" pitchFamily="50" charset="-127"/>
-              <a:sym typeface="Arial"/>
-            </a:endParaRPr>
-          </a:p>
-        </p:txBody>
-      </p:sp>
-      <p:sp>
-        <p:nvSpPr>
-          <p:cNvPr id="251" name="Google Shape;251;p4"/>
-          <p:cNvSpPr/>
-          <p:nvPr/>
-        </p:nvSpPr>
-        <p:spPr>
-          <a:xfrm>
-            <a:off x="4632664" y="5525872"/>
-            <a:ext cx="1326300" cy="1301700"/>
-          </a:xfrm>
-          <a:prstGeom prst="rect">
-            <a:avLst/>
-          </a:prstGeom>
-          <a:solidFill>
-            <a:srgbClr val="FFE599"/>
-          </a:solidFill>
-          <a:ln>
-            <a:noFill/>
-          </a:ln>
-        </p:spPr>
-        <p:txBody>
-          <a:bodyPr spcFirstLastPara="1" wrap="square" lIns="127975" tIns="127975" rIns="127975" bIns="127975" anchor="ctr" anchorCtr="0">
-            <a:noAutofit/>
-          </a:bodyPr>
-          <a:lstStyle/>
-          <a:p>
-            <a:pPr marL="0" marR="0" lvl="0" indent="0" algn="l" rtl="0">
-              <a:lnSpc>
-                <a:spcPct val="100000"/>
-              </a:lnSpc>
-              <a:spcBef>
-                <a:spcPts val="0"/>
-              </a:spcBef>
-              <a:spcAft>
-                <a:spcPts val="0"/>
-              </a:spcAft>
-              <a:buNone/>
-            </a:pPr>
-            <a:endParaRPr sz="1960" b="0" i="0" u="none" strike="noStrike" cap="none">
-              <a:solidFill>
-                <a:srgbClr val="000000"/>
-              </a:solidFill>
-              <a:latin typeface="Microsoft GothicNeo Light" panose="020B0300000101010101" pitchFamily="50" charset="-127"/>
-              <a:ea typeface="Microsoft GothicNeo Light" panose="020B0300000101010101" pitchFamily="50" charset="-127"/>
-              <a:cs typeface="Microsoft GothicNeo Light" panose="020B0300000101010101" pitchFamily="50" charset="-127"/>
-              <a:sym typeface="Arial"/>
-            </a:endParaRPr>
-          </a:p>
-        </p:txBody>
-      </p:sp>
-      <p:sp>
-        <p:nvSpPr>
-          <p:cNvPr id="252" name="Google Shape;252;p4"/>
-          <p:cNvSpPr/>
-          <p:nvPr/>
-        </p:nvSpPr>
-        <p:spPr>
-          <a:xfrm>
-            <a:off x="4632664" y="5525870"/>
-            <a:ext cx="1326360" cy="377580"/>
-          </a:xfrm>
-          <a:prstGeom prst="rect">
-            <a:avLst/>
-          </a:prstGeom>
-          <a:solidFill>
-            <a:schemeClr val="lt2"/>
-          </a:solidFill>
-          <a:ln>
-            <a:noFill/>
-          </a:ln>
-        </p:spPr>
-        <p:txBody>
-          <a:bodyPr spcFirstLastPara="1" wrap="square" lIns="127975" tIns="127975" rIns="127975" bIns="127975" anchor="ctr" anchorCtr="0">
-            <a:noAutofit/>
-          </a:bodyPr>
-          <a:lstStyle/>
-          <a:p>
-            <a:pPr marL="0" marR="0" lvl="0" indent="0" algn="ctr" rtl="0">
-              <a:lnSpc>
-                <a:spcPct val="100000"/>
-              </a:lnSpc>
-              <a:spcBef>
-                <a:spcPts val="0"/>
-              </a:spcBef>
-              <a:spcAft>
-                <a:spcPts val="0"/>
-              </a:spcAft>
-              <a:buNone/>
-            </a:pPr>
-            <a:r>
-              <a:rPr lang="ko" sz="1260" b="0" i="0" u="none" strike="noStrike" cap="none">
+              </a:endParaRPr>
+            </a:p>
+          </p:txBody>
+        </p:sp>
+        <p:sp>
+          <p:nvSpPr>
+            <p:cNvPr id="244" name="Google Shape;244;p4"/>
+            <p:cNvSpPr/>
+            <p:nvPr/>
+          </p:nvSpPr>
+          <p:spPr>
+            <a:xfrm>
+              <a:off x="10777106" y="2470545"/>
+              <a:ext cx="1567020" cy="2826180"/>
+            </a:xfrm>
+            <a:prstGeom prst="rect">
+              <a:avLst/>
+            </a:prstGeom>
+            <a:solidFill>
+              <a:schemeClr val="lt2"/>
+            </a:solidFill>
+            <a:ln>
+              <a:noFill/>
+            </a:ln>
+          </p:spPr>
+          <p:txBody>
+            <a:bodyPr spcFirstLastPara="1" wrap="square" lIns="127975" tIns="127975" rIns="127975" bIns="127975" anchor="ctr" anchorCtr="0">
+              <a:noAutofit/>
+            </a:bodyPr>
+            <a:lstStyle/>
+            <a:p>
+              <a:pPr marL="0" marR="0" lvl="0" indent="0" algn="l" rtl="0">
+                <a:lnSpc>
+                  <a:spcPct val="100000"/>
+                </a:lnSpc>
+                <a:spcBef>
+                  <a:spcPts val="0"/>
+                </a:spcBef>
+                <a:spcAft>
+                  <a:spcPts val="0"/>
+                </a:spcAft>
+                <a:buNone/>
+              </a:pPr>
+              <a:endParaRPr sz="1960" b="0" i="0" u="none" strike="noStrike" cap="none">
                 <a:solidFill>
                   <a:srgbClr val="000000"/>
                 </a:solidFill>
@@ -18835,2047 +18413,2493 @@
                 <a:ea typeface="Microsoft GothicNeo Light" panose="020B0300000101010101" pitchFamily="50" charset="-127"/>
                 <a:cs typeface="Microsoft GothicNeo Light" panose="020B0300000101010101" pitchFamily="50" charset="-127"/>
                 <a:sym typeface="Arial"/>
-              </a:rPr>
-              <a:t>Timer Thread</a:t>
-            </a:r>
-            <a:endParaRPr sz="1260" b="0" i="0" u="none" strike="noStrike" cap="none">
-              <a:solidFill>
-                <a:srgbClr val="000000"/>
-              </a:solidFill>
-              <a:latin typeface="Microsoft GothicNeo Light" panose="020B0300000101010101" pitchFamily="50" charset="-127"/>
-              <a:ea typeface="Microsoft GothicNeo Light" panose="020B0300000101010101" pitchFamily="50" charset="-127"/>
-              <a:cs typeface="Microsoft GothicNeo Light" panose="020B0300000101010101" pitchFamily="50" charset="-127"/>
-              <a:sym typeface="Arial"/>
-            </a:endParaRPr>
-          </a:p>
-        </p:txBody>
-      </p:sp>
-      <p:sp>
-        <p:nvSpPr>
-          <p:cNvPr id="253" name="Google Shape;253;p4"/>
-          <p:cNvSpPr/>
-          <p:nvPr/>
-        </p:nvSpPr>
-        <p:spPr>
-          <a:xfrm>
-            <a:off x="2395725" y="2756850"/>
-            <a:ext cx="1476600" cy="349800"/>
-          </a:xfrm>
-          <a:prstGeom prst="rect">
-            <a:avLst/>
-          </a:prstGeom>
-          <a:solidFill>
-            <a:srgbClr val="6D9EEB"/>
-          </a:solidFill>
-          <a:ln w="9525" cap="flat" cmpd="sng">
-            <a:noFill/>
-            <a:prstDash val="solid"/>
-            <a:round/>
-            <a:headEnd type="none" w="sm" len="sm"/>
-            <a:tailEnd type="none" w="sm" len="sm"/>
-          </a:ln>
-        </p:spPr>
-        <p:txBody>
-          <a:bodyPr spcFirstLastPara="1" wrap="square" lIns="91425" tIns="91425" rIns="91425" bIns="91425" anchor="ctr" anchorCtr="0">
-            <a:noAutofit/>
-          </a:bodyPr>
-          <a:lstStyle/>
-          <a:p>
-            <a:pPr marL="0" lvl="0" indent="0" algn="ctr" rtl="0">
-              <a:spcBef>
-                <a:spcPts val="0"/>
-              </a:spcBef>
-              <a:spcAft>
-                <a:spcPts val="0"/>
-              </a:spcAft>
-              <a:buNone/>
-            </a:pPr>
-            <a:r>
-              <a:rPr lang="ko" sz="1000" dirty="0">
-                <a:solidFill>
-                  <a:schemeClr val="lt1"/>
+              </a:endParaRPr>
+            </a:p>
+          </p:txBody>
+        </p:sp>
+        <p:sp>
+          <p:nvSpPr>
+            <p:cNvPr id="245" name="Google Shape;245;p4"/>
+            <p:cNvSpPr/>
+            <p:nvPr/>
+          </p:nvSpPr>
+          <p:spPr>
+            <a:xfrm>
+              <a:off x="6793350" y="5525872"/>
+              <a:ext cx="5652000" cy="1301700"/>
+            </a:xfrm>
+            <a:prstGeom prst="rect">
+              <a:avLst/>
+            </a:prstGeom>
+            <a:solidFill>
+              <a:srgbClr val="E06666"/>
+            </a:solidFill>
+            <a:ln>
+              <a:noFill/>
+            </a:ln>
+          </p:spPr>
+          <p:txBody>
+            <a:bodyPr spcFirstLastPara="1" wrap="square" lIns="127975" tIns="127975" rIns="127975" bIns="127975" anchor="ctr" anchorCtr="0">
+              <a:noAutofit/>
+            </a:bodyPr>
+            <a:lstStyle/>
+            <a:p>
+              <a:pPr marL="0" marR="0" lvl="0" indent="0" algn="l" rtl="0">
+                <a:lnSpc>
+                  <a:spcPct val="100000"/>
+                </a:lnSpc>
+                <a:spcBef>
+                  <a:spcPts val="0"/>
+                </a:spcBef>
+                <a:spcAft>
+                  <a:spcPts val="0"/>
+                </a:spcAft>
+                <a:buNone/>
+              </a:pPr>
+              <a:endParaRPr sz="1960" b="0" i="0" u="none" strike="noStrike" cap="none">
+                <a:solidFill>
+                  <a:srgbClr val="000000"/>
                 </a:solidFill>
                 <a:latin typeface="Microsoft GothicNeo Light" panose="020B0300000101010101" pitchFamily="50" charset="-127"/>
                 <a:ea typeface="Microsoft GothicNeo Light" panose="020B0300000101010101" pitchFamily="50" charset="-127"/>
                 <a:cs typeface="Microsoft GothicNeo Light" panose="020B0300000101010101" pitchFamily="50" charset="-127"/>
-              </a:rPr>
-              <a:t>void SendData</a:t>
-            </a:r>
-            <a:endParaRPr sz="1000" dirty="0">
-              <a:solidFill>
-                <a:schemeClr val="lt1"/>
-              </a:solidFill>
-              <a:latin typeface="Microsoft GothicNeo Light" panose="020B0300000101010101" pitchFamily="50" charset="-127"/>
-              <a:ea typeface="Microsoft GothicNeo Light" panose="020B0300000101010101" pitchFamily="50" charset="-127"/>
-              <a:cs typeface="Microsoft GothicNeo Light" panose="020B0300000101010101" pitchFamily="50" charset="-127"/>
-            </a:endParaRPr>
-          </a:p>
-        </p:txBody>
-      </p:sp>
-      <p:sp>
-        <p:nvSpPr>
-          <p:cNvPr id="254" name="Google Shape;254;p4"/>
-          <p:cNvSpPr/>
-          <p:nvPr/>
-        </p:nvSpPr>
-        <p:spPr>
-          <a:xfrm>
-            <a:off x="452325" y="3607850"/>
-            <a:ext cx="1476600" cy="349800"/>
-          </a:xfrm>
-          <a:prstGeom prst="rect">
-            <a:avLst/>
-          </a:prstGeom>
-          <a:solidFill>
-            <a:srgbClr val="6D9EEB"/>
-          </a:solidFill>
-          <a:ln w="9525" cap="flat" cmpd="sng">
-            <a:noFill/>
-            <a:prstDash val="solid"/>
-            <a:round/>
-            <a:headEnd type="none" w="sm" len="sm"/>
-            <a:tailEnd type="none" w="sm" len="sm"/>
-          </a:ln>
-        </p:spPr>
-        <p:txBody>
-          <a:bodyPr spcFirstLastPara="1" wrap="square" lIns="91425" tIns="91425" rIns="91425" bIns="91425" anchor="ctr" anchorCtr="0">
-            <a:noAutofit/>
-          </a:bodyPr>
-          <a:lstStyle/>
-          <a:p>
-            <a:pPr marL="0" lvl="0" indent="0" algn="ctr" rtl="0">
-              <a:spcBef>
-                <a:spcPts val="0"/>
-              </a:spcBef>
-              <a:spcAft>
-                <a:spcPts val="0"/>
-              </a:spcAft>
-              <a:buNone/>
-            </a:pPr>
-            <a:r>
-              <a:rPr lang="ko" sz="1000">
-                <a:solidFill>
-                  <a:schemeClr val="lt1"/>
+                <a:sym typeface="Arial"/>
+              </a:endParaRPr>
+            </a:p>
+          </p:txBody>
+        </p:sp>
+        <p:sp>
+          <p:nvSpPr>
+            <p:cNvPr id="246" name="Google Shape;246;p4"/>
+            <p:cNvSpPr/>
+            <p:nvPr/>
+          </p:nvSpPr>
+          <p:spPr>
+            <a:xfrm>
+              <a:off x="6793360" y="5525870"/>
+              <a:ext cx="5651940" cy="377580"/>
+            </a:xfrm>
+            <a:prstGeom prst="rect">
+              <a:avLst/>
+            </a:prstGeom>
+            <a:solidFill>
+              <a:schemeClr val="lt2"/>
+            </a:solidFill>
+            <a:ln>
+              <a:noFill/>
+            </a:ln>
+          </p:spPr>
+          <p:txBody>
+            <a:bodyPr spcFirstLastPara="1" wrap="square" lIns="127975" tIns="127975" rIns="127975" bIns="127975" anchor="ctr" anchorCtr="0">
+              <a:noAutofit/>
+            </a:bodyPr>
+            <a:lstStyle/>
+            <a:p>
+              <a:pPr marL="0" marR="0" lvl="0" indent="0" algn="ctr" rtl="0">
+                <a:lnSpc>
+                  <a:spcPct val="100000"/>
+                </a:lnSpc>
+                <a:spcBef>
+                  <a:spcPts val="0"/>
+                </a:spcBef>
+                <a:spcAft>
+                  <a:spcPts val="0"/>
+                </a:spcAft>
+                <a:buNone/>
+              </a:pPr>
+              <a:r>
+                <a:rPr lang="ko" sz="1260" b="0" i="0" u="none" strike="noStrike" cap="none">
+                  <a:solidFill>
+                    <a:srgbClr val="000000"/>
+                  </a:solidFill>
+                  <a:latin typeface="Microsoft GothicNeo Light" panose="020B0300000101010101" pitchFamily="50" charset="-127"/>
+                  <a:ea typeface="Microsoft GothicNeo Light" panose="020B0300000101010101" pitchFamily="50" charset="-127"/>
+                  <a:cs typeface="Microsoft GothicNeo Light" panose="020B0300000101010101" pitchFamily="50" charset="-127"/>
+                  <a:sym typeface="Arial"/>
+                </a:rPr>
+                <a:t>Recv Thread</a:t>
+              </a:r>
+              <a:endParaRPr sz="1260" b="0" i="0" u="none" strike="noStrike" cap="none">
+                <a:solidFill>
+                  <a:srgbClr val="000000"/>
                 </a:solidFill>
                 <a:latin typeface="Microsoft GothicNeo Light" panose="020B0300000101010101" pitchFamily="50" charset="-127"/>
                 <a:ea typeface="Microsoft GothicNeo Light" panose="020B0300000101010101" pitchFamily="50" charset="-127"/>
                 <a:cs typeface="Microsoft GothicNeo Light" panose="020B0300000101010101" pitchFamily="50" charset="-127"/>
-              </a:rPr>
-              <a:t>int InitServer</a:t>
-            </a:r>
-            <a:endParaRPr sz="1000">
-              <a:solidFill>
-                <a:schemeClr val="lt1"/>
-              </a:solidFill>
-              <a:latin typeface="Microsoft GothicNeo Light" panose="020B0300000101010101" pitchFamily="50" charset="-127"/>
-              <a:ea typeface="Microsoft GothicNeo Light" panose="020B0300000101010101" pitchFamily="50" charset="-127"/>
-              <a:cs typeface="Microsoft GothicNeo Light" panose="020B0300000101010101" pitchFamily="50" charset="-127"/>
-            </a:endParaRPr>
-          </a:p>
-        </p:txBody>
-      </p:sp>
-      <p:sp>
-        <p:nvSpPr>
-          <p:cNvPr id="255" name="Google Shape;255;p4"/>
-          <p:cNvSpPr/>
-          <p:nvPr/>
-        </p:nvSpPr>
-        <p:spPr>
-          <a:xfrm>
-            <a:off x="452325" y="4033350"/>
-            <a:ext cx="1476600" cy="349800"/>
-          </a:xfrm>
-          <a:prstGeom prst="rect">
-            <a:avLst/>
-          </a:prstGeom>
-          <a:solidFill>
-            <a:srgbClr val="6D9EEB"/>
-          </a:solidFill>
-          <a:ln w="9525" cap="flat" cmpd="sng">
-            <a:noFill/>
-            <a:prstDash val="solid"/>
-            <a:round/>
-            <a:headEnd type="none" w="sm" len="sm"/>
-            <a:tailEnd type="none" w="sm" len="sm"/>
-          </a:ln>
-        </p:spPr>
-        <p:txBody>
-          <a:bodyPr spcFirstLastPara="1" wrap="square" lIns="91425" tIns="91425" rIns="91425" bIns="91425" anchor="ctr" anchorCtr="0">
-            <a:noAutofit/>
-          </a:bodyPr>
-          <a:lstStyle/>
-          <a:p>
-            <a:pPr marL="0" lvl="0" indent="0" algn="ctr" rtl="0">
-              <a:spcBef>
-                <a:spcPts val="0"/>
-              </a:spcBef>
-              <a:spcAft>
-                <a:spcPts val="0"/>
-              </a:spcAft>
-              <a:buNone/>
-            </a:pPr>
-            <a:r>
-              <a:rPr lang="ko" sz="1000">
-                <a:solidFill>
-                  <a:schemeClr val="lt1"/>
+                <a:sym typeface="Arial"/>
+              </a:endParaRPr>
+            </a:p>
+          </p:txBody>
+        </p:sp>
+        <p:sp>
+          <p:nvSpPr>
+            <p:cNvPr id="247" name="Google Shape;247;p4"/>
+            <p:cNvSpPr/>
+            <p:nvPr/>
+          </p:nvSpPr>
+          <p:spPr>
+            <a:xfrm>
+              <a:off x="1749038" y="5525872"/>
+              <a:ext cx="1326300" cy="1301700"/>
+            </a:xfrm>
+            <a:prstGeom prst="rect">
+              <a:avLst/>
+            </a:prstGeom>
+            <a:solidFill>
+              <a:srgbClr val="E06666"/>
+            </a:solidFill>
+            <a:ln>
+              <a:noFill/>
+            </a:ln>
+          </p:spPr>
+          <p:txBody>
+            <a:bodyPr spcFirstLastPara="1" wrap="square" lIns="127975" tIns="127975" rIns="127975" bIns="127975" anchor="ctr" anchorCtr="0">
+              <a:noAutofit/>
+            </a:bodyPr>
+            <a:lstStyle/>
+            <a:p>
+              <a:pPr marL="0" marR="0" lvl="0" indent="0" algn="l" rtl="0">
+                <a:lnSpc>
+                  <a:spcPct val="100000"/>
+                </a:lnSpc>
+                <a:spcBef>
+                  <a:spcPts val="0"/>
+                </a:spcBef>
+                <a:spcAft>
+                  <a:spcPts val="0"/>
+                </a:spcAft>
+                <a:buNone/>
+              </a:pPr>
+              <a:endParaRPr sz="1960" b="0" i="0" u="none" strike="noStrike" cap="none">
+                <a:solidFill>
+                  <a:srgbClr val="000000"/>
                 </a:solidFill>
                 <a:latin typeface="Microsoft GothicNeo Light" panose="020B0300000101010101" pitchFamily="50" charset="-127"/>
                 <a:ea typeface="Microsoft GothicNeo Light" panose="020B0300000101010101" pitchFamily="50" charset="-127"/>
                 <a:cs typeface="Microsoft GothicNeo Light" panose="020B0300000101010101" pitchFamily="50" charset="-127"/>
-              </a:rPr>
-              <a:t>void WaitForClientConnect</a:t>
-            </a:r>
-            <a:endParaRPr sz="1000">
-              <a:solidFill>
-                <a:schemeClr val="lt1"/>
-              </a:solidFill>
-              <a:latin typeface="Microsoft GothicNeo Light" panose="020B0300000101010101" pitchFamily="50" charset="-127"/>
-              <a:ea typeface="Microsoft GothicNeo Light" panose="020B0300000101010101" pitchFamily="50" charset="-127"/>
-              <a:cs typeface="Microsoft GothicNeo Light" panose="020B0300000101010101" pitchFamily="50" charset="-127"/>
-            </a:endParaRPr>
-          </a:p>
-        </p:txBody>
-      </p:sp>
-      <p:sp>
-        <p:nvSpPr>
-          <p:cNvPr id="256" name="Google Shape;256;p4"/>
-          <p:cNvSpPr/>
-          <p:nvPr/>
-        </p:nvSpPr>
-        <p:spPr>
-          <a:xfrm>
-            <a:off x="452325" y="3182350"/>
-            <a:ext cx="1476600" cy="349800"/>
-          </a:xfrm>
-          <a:prstGeom prst="rect">
-            <a:avLst/>
-          </a:prstGeom>
-          <a:solidFill>
-            <a:srgbClr val="6D9EEB"/>
-          </a:solidFill>
-          <a:ln w="9525" cap="flat" cmpd="sng">
-            <a:noFill/>
-            <a:prstDash val="solid"/>
-            <a:round/>
-            <a:headEnd type="none" w="sm" len="sm"/>
-            <a:tailEnd type="none" w="sm" len="sm"/>
-          </a:ln>
-        </p:spPr>
-        <p:txBody>
-          <a:bodyPr spcFirstLastPara="1" wrap="square" lIns="91425" tIns="91425" rIns="91425" bIns="91425" anchor="ctr" anchorCtr="0">
-            <a:noAutofit/>
-          </a:bodyPr>
-          <a:lstStyle/>
-          <a:p>
-            <a:pPr marL="0" lvl="0" indent="0" algn="ctr" rtl="0">
-              <a:spcBef>
-                <a:spcPts val="0"/>
-              </a:spcBef>
-              <a:spcAft>
-                <a:spcPts val="0"/>
-              </a:spcAft>
-              <a:buNone/>
-            </a:pPr>
-            <a:r>
-              <a:rPr lang="ko" sz="1000" dirty="0">
-                <a:solidFill>
-                  <a:schemeClr val="lt1"/>
+                <a:sym typeface="Arial"/>
+              </a:endParaRPr>
+            </a:p>
+          </p:txBody>
+        </p:sp>
+        <p:sp>
+          <p:nvSpPr>
+            <p:cNvPr id="248" name="Google Shape;248;p4"/>
+            <p:cNvSpPr/>
+            <p:nvPr/>
+          </p:nvSpPr>
+          <p:spPr>
+            <a:xfrm>
+              <a:off x="1749041" y="5525870"/>
+              <a:ext cx="1326360" cy="377580"/>
+            </a:xfrm>
+            <a:prstGeom prst="rect">
+              <a:avLst/>
+            </a:prstGeom>
+            <a:solidFill>
+              <a:schemeClr val="lt2"/>
+            </a:solidFill>
+            <a:ln>
+              <a:noFill/>
+            </a:ln>
+          </p:spPr>
+          <p:txBody>
+            <a:bodyPr spcFirstLastPara="1" wrap="square" lIns="127975" tIns="127975" rIns="127975" bIns="127975" anchor="ctr" anchorCtr="0">
+              <a:noAutofit/>
+            </a:bodyPr>
+            <a:lstStyle/>
+            <a:p>
+              <a:pPr marL="0" marR="0" lvl="0" indent="0" algn="ctr" rtl="0">
+                <a:lnSpc>
+                  <a:spcPct val="100000"/>
+                </a:lnSpc>
+                <a:spcBef>
+                  <a:spcPts val="0"/>
+                </a:spcBef>
+                <a:spcAft>
+                  <a:spcPts val="0"/>
+                </a:spcAft>
+                <a:buNone/>
+              </a:pPr>
+              <a:r>
+                <a:rPr lang="ko" sz="1260" b="0" i="0" u="none" strike="noStrike" cap="none">
+                  <a:solidFill>
+                    <a:srgbClr val="000000"/>
+                  </a:solidFill>
+                  <a:latin typeface="Microsoft GothicNeo Light" panose="020B0300000101010101" pitchFamily="50" charset="-127"/>
+                  <a:ea typeface="Microsoft GothicNeo Light" panose="020B0300000101010101" pitchFamily="50" charset="-127"/>
+                  <a:cs typeface="Microsoft GothicNeo Light" panose="020B0300000101010101" pitchFamily="50" charset="-127"/>
+                  <a:sym typeface="Arial"/>
+                </a:rPr>
+                <a:t>Recv Thread</a:t>
+              </a:r>
+              <a:endParaRPr sz="1260" b="0" i="0" u="none" strike="noStrike" cap="none">
+                <a:solidFill>
+                  <a:srgbClr val="000000"/>
                 </a:solidFill>
                 <a:latin typeface="Microsoft GothicNeo Light" panose="020B0300000101010101" pitchFamily="50" charset="-127"/>
                 <a:ea typeface="Microsoft GothicNeo Light" panose="020B0300000101010101" pitchFamily="50" charset="-127"/>
                 <a:cs typeface="Microsoft GothicNeo Light" panose="020B0300000101010101" pitchFamily="50" charset="-127"/>
-              </a:rPr>
-              <a:t>static DWORD WINAPI RecvCLData</a:t>
-            </a:r>
-            <a:endParaRPr sz="1000" dirty="0">
-              <a:solidFill>
-                <a:schemeClr val="lt1"/>
-              </a:solidFill>
-              <a:latin typeface="Microsoft GothicNeo Light" panose="020B0300000101010101" pitchFamily="50" charset="-127"/>
-              <a:ea typeface="Microsoft GothicNeo Light" panose="020B0300000101010101" pitchFamily="50" charset="-127"/>
-              <a:cs typeface="Microsoft GothicNeo Light" panose="020B0300000101010101" pitchFamily="50" charset="-127"/>
-            </a:endParaRPr>
-          </a:p>
-        </p:txBody>
-      </p:sp>
-      <p:sp>
-        <p:nvSpPr>
-          <p:cNvPr id="257" name="Google Shape;257;p4"/>
-          <p:cNvSpPr/>
-          <p:nvPr/>
-        </p:nvSpPr>
-        <p:spPr>
-          <a:xfrm>
-            <a:off x="2395725" y="3182350"/>
-            <a:ext cx="1476600" cy="349800"/>
-          </a:xfrm>
-          <a:prstGeom prst="rect">
-            <a:avLst/>
-          </a:prstGeom>
-          <a:solidFill>
-            <a:srgbClr val="6D9EEB"/>
-          </a:solidFill>
-          <a:ln w="9525" cap="flat" cmpd="sng">
-            <a:noFill/>
-            <a:prstDash val="solid"/>
-            <a:round/>
-            <a:headEnd type="none" w="sm" len="sm"/>
-            <a:tailEnd type="none" w="sm" len="sm"/>
-          </a:ln>
-        </p:spPr>
-        <p:txBody>
-          <a:bodyPr spcFirstLastPara="1" wrap="square" lIns="91425" tIns="91425" rIns="91425" bIns="91425" anchor="ctr" anchorCtr="0">
-            <a:noAutofit/>
-          </a:bodyPr>
-          <a:lstStyle/>
-          <a:p>
-            <a:pPr marL="0" lvl="0" indent="0" algn="ctr" rtl="0">
-              <a:spcBef>
-                <a:spcPts val="0"/>
-              </a:spcBef>
-              <a:spcAft>
-                <a:spcPts val="0"/>
-              </a:spcAft>
-              <a:buNone/>
-            </a:pPr>
-            <a:r>
-              <a:rPr lang="ko" sz="1000">
-                <a:solidFill>
-                  <a:schemeClr val="lt1"/>
+                <a:sym typeface="Arial"/>
+              </a:endParaRPr>
+            </a:p>
+          </p:txBody>
+        </p:sp>
+        <p:sp>
+          <p:nvSpPr>
+            <p:cNvPr id="249" name="Google Shape;249;p4"/>
+            <p:cNvSpPr/>
+            <p:nvPr/>
+          </p:nvSpPr>
+          <p:spPr>
+            <a:xfrm>
+              <a:off x="3190851" y="5525872"/>
+              <a:ext cx="1326300" cy="1301700"/>
+            </a:xfrm>
+            <a:prstGeom prst="rect">
+              <a:avLst/>
+            </a:prstGeom>
+            <a:solidFill>
+              <a:srgbClr val="E06666"/>
+            </a:solidFill>
+            <a:ln>
+              <a:noFill/>
+            </a:ln>
+          </p:spPr>
+          <p:txBody>
+            <a:bodyPr spcFirstLastPara="1" wrap="square" lIns="127975" tIns="127975" rIns="127975" bIns="127975" anchor="ctr" anchorCtr="0">
+              <a:noAutofit/>
+            </a:bodyPr>
+            <a:lstStyle/>
+            <a:p>
+              <a:pPr marL="0" marR="0" lvl="0" indent="0" algn="l" rtl="0">
+                <a:lnSpc>
+                  <a:spcPct val="100000"/>
+                </a:lnSpc>
+                <a:spcBef>
+                  <a:spcPts val="0"/>
+                </a:spcBef>
+                <a:spcAft>
+                  <a:spcPts val="0"/>
+                </a:spcAft>
+                <a:buNone/>
+              </a:pPr>
+              <a:endParaRPr sz="1960" b="0" i="0" u="none" strike="noStrike" cap="none">
+                <a:solidFill>
+                  <a:srgbClr val="000000"/>
                 </a:solidFill>
                 <a:latin typeface="Microsoft GothicNeo Light" panose="020B0300000101010101" pitchFamily="50" charset="-127"/>
                 <a:ea typeface="Microsoft GothicNeo Light" panose="020B0300000101010101" pitchFamily="50" charset="-127"/>
                 <a:cs typeface="Microsoft GothicNeo Light" panose="020B0300000101010101" pitchFamily="50" charset="-127"/>
-              </a:rPr>
-              <a:t>void SVSendTimer</a:t>
-            </a:r>
-            <a:endParaRPr sz="1000">
-              <a:solidFill>
-                <a:schemeClr val="lt1"/>
-              </a:solidFill>
-              <a:latin typeface="Microsoft GothicNeo Light" panose="020B0300000101010101" pitchFamily="50" charset="-127"/>
-              <a:ea typeface="Microsoft GothicNeo Light" panose="020B0300000101010101" pitchFamily="50" charset="-127"/>
-              <a:cs typeface="Microsoft GothicNeo Light" panose="020B0300000101010101" pitchFamily="50" charset="-127"/>
-            </a:endParaRPr>
-          </a:p>
-        </p:txBody>
-      </p:sp>
-      <p:sp>
-        <p:nvSpPr>
-          <p:cNvPr id="258" name="Google Shape;258;p4"/>
-          <p:cNvSpPr/>
-          <p:nvPr/>
-        </p:nvSpPr>
-        <p:spPr>
-          <a:xfrm>
-            <a:off x="452325" y="4458850"/>
-            <a:ext cx="1476600" cy="349800"/>
-          </a:xfrm>
-          <a:prstGeom prst="rect">
-            <a:avLst/>
-          </a:prstGeom>
-          <a:solidFill>
-            <a:srgbClr val="6D9EEB"/>
-          </a:solidFill>
-          <a:ln w="9525" cap="flat" cmpd="sng">
-            <a:noFill/>
-            <a:prstDash val="solid"/>
-            <a:round/>
-            <a:headEnd type="none" w="sm" len="sm"/>
-            <a:tailEnd type="none" w="sm" len="sm"/>
-          </a:ln>
-        </p:spPr>
-        <p:txBody>
-          <a:bodyPr spcFirstLastPara="1" wrap="square" lIns="91425" tIns="91425" rIns="91425" bIns="91425" anchor="ctr" anchorCtr="0">
-            <a:noAutofit/>
-          </a:bodyPr>
-          <a:lstStyle/>
-          <a:p>
-            <a:pPr marL="0" lvl="0" indent="0" algn="ctr" rtl="0">
-              <a:spcBef>
-                <a:spcPts val="0"/>
-              </a:spcBef>
-              <a:spcAft>
-                <a:spcPts val="0"/>
-              </a:spcAft>
-              <a:buNone/>
-            </a:pPr>
-            <a:r>
-              <a:rPr lang="ko" sz="1000">
-                <a:solidFill>
-                  <a:schemeClr val="lt1"/>
+                <a:sym typeface="Arial"/>
+              </a:endParaRPr>
+            </a:p>
+          </p:txBody>
+        </p:sp>
+        <p:sp>
+          <p:nvSpPr>
+            <p:cNvPr id="250" name="Google Shape;250;p4"/>
+            <p:cNvSpPr/>
+            <p:nvPr/>
+          </p:nvSpPr>
+          <p:spPr>
+            <a:xfrm>
+              <a:off x="3190853" y="5525870"/>
+              <a:ext cx="1326360" cy="377580"/>
+            </a:xfrm>
+            <a:prstGeom prst="rect">
+              <a:avLst/>
+            </a:prstGeom>
+            <a:solidFill>
+              <a:schemeClr val="lt2"/>
+            </a:solidFill>
+            <a:ln>
+              <a:noFill/>
+            </a:ln>
+          </p:spPr>
+          <p:txBody>
+            <a:bodyPr spcFirstLastPara="1" wrap="square" lIns="127975" tIns="127975" rIns="127975" bIns="127975" anchor="ctr" anchorCtr="0">
+              <a:noAutofit/>
+            </a:bodyPr>
+            <a:lstStyle/>
+            <a:p>
+              <a:pPr marL="0" marR="0" lvl="0" indent="0" algn="ctr" rtl="0">
+                <a:lnSpc>
+                  <a:spcPct val="100000"/>
+                </a:lnSpc>
+                <a:spcBef>
+                  <a:spcPts val="0"/>
+                </a:spcBef>
+                <a:spcAft>
+                  <a:spcPts val="0"/>
+                </a:spcAft>
+                <a:buNone/>
+              </a:pPr>
+              <a:r>
+                <a:rPr lang="ko" sz="1260" b="0" i="0" u="none" strike="noStrike" cap="none">
+                  <a:solidFill>
+                    <a:srgbClr val="000000"/>
+                  </a:solidFill>
+                  <a:latin typeface="Microsoft GothicNeo Light" panose="020B0300000101010101" pitchFamily="50" charset="-127"/>
+                  <a:ea typeface="Microsoft GothicNeo Light" panose="020B0300000101010101" pitchFamily="50" charset="-127"/>
+                  <a:cs typeface="Microsoft GothicNeo Light" panose="020B0300000101010101" pitchFamily="50" charset="-127"/>
+                  <a:sym typeface="Arial"/>
+                </a:rPr>
+                <a:t>Recv Thread</a:t>
+              </a:r>
+              <a:endParaRPr sz="1260" b="0" i="0" u="none" strike="noStrike" cap="none">
+                <a:solidFill>
+                  <a:srgbClr val="000000"/>
                 </a:solidFill>
                 <a:latin typeface="Microsoft GothicNeo Light" panose="020B0300000101010101" pitchFamily="50" charset="-127"/>
                 <a:ea typeface="Microsoft GothicNeo Light" panose="020B0300000101010101" pitchFamily="50" charset="-127"/>
                 <a:cs typeface="Microsoft GothicNeo Light" panose="020B0300000101010101" pitchFamily="50" charset="-127"/>
-              </a:rPr>
-              <a:t>DWORD UpdateTimer</a:t>
-            </a:r>
-            <a:endParaRPr sz="1000">
-              <a:solidFill>
-                <a:schemeClr val="lt1"/>
-              </a:solidFill>
-              <a:latin typeface="Microsoft GothicNeo Light" panose="020B0300000101010101" pitchFamily="50" charset="-127"/>
-              <a:ea typeface="Microsoft GothicNeo Light" panose="020B0300000101010101" pitchFamily="50" charset="-127"/>
-              <a:cs typeface="Microsoft GothicNeo Light" panose="020B0300000101010101" pitchFamily="50" charset="-127"/>
-            </a:endParaRPr>
-          </a:p>
-        </p:txBody>
-      </p:sp>
-      <p:sp>
-        <p:nvSpPr>
-          <p:cNvPr id="259" name="Google Shape;259;p4"/>
-          <p:cNvSpPr/>
-          <p:nvPr/>
-        </p:nvSpPr>
-        <p:spPr>
-          <a:xfrm>
-            <a:off x="2395725" y="4033350"/>
-            <a:ext cx="1476600" cy="349800"/>
-          </a:xfrm>
-          <a:prstGeom prst="rect">
-            <a:avLst/>
-          </a:prstGeom>
-          <a:solidFill>
-            <a:srgbClr val="6D9EEB"/>
-          </a:solidFill>
-          <a:ln w="9525" cap="flat" cmpd="sng">
-            <a:noFill/>
-            <a:prstDash val="solid"/>
-            <a:round/>
-            <a:headEnd type="none" w="sm" len="sm"/>
-            <a:tailEnd type="none" w="sm" len="sm"/>
-          </a:ln>
-        </p:spPr>
-        <p:txBody>
-          <a:bodyPr spcFirstLastPara="1" wrap="square" lIns="91425" tIns="91425" rIns="91425" bIns="91425" anchor="ctr" anchorCtr="0">
-            <a:noAutofit/>
-          </a:bodyPr>
-          <a:lstStyle/>
-          <a:p>
-            <a:pPr marL="0" lvl="0" indent="0" algn="ctr" rtl="0">
-              <a:spcBef>
-                <a:spcPts val="0"/>
-              </a:spcBef>
-              <a:spcAft>
-                <a:spcPts val="0"/>
-              </a:spcAft>
-              <a:buNone/>
-            </a:pPr>
-            <a:r>
-              <a:rPr lang="ko" sz="1000">
-                <a:solidFill>
-                  <a:schemeClr val="lt1"/>
+                <a:sym typeface="Arial"/>
+              </a:endParaRPr>
+            </a:p>
+          </p:txBody>
+        </p:sp>
+        <p:sp>
+          <p:nvSpPr>
+            <p:cNvPr id="251" name="Google Shape;251;p4"/>
+            <p:cNvSpPr/>
+            <p:nvPr/>
+          </p:nvSpPr>
+          <p:spPr>
+            <a:xfrm>
+              <a:off x="4632664" y="5525872"/>
+              <a:ext cx="1326300" cy="1301700"/>
+            </a:xfrm>
+            <a:prstGeom prst="rect">
+              <a:avLst/>
+            </a:prstGeom>
+            <a:solidFill>
+              <a:srgbClr val="FFE599"/>
+            </a:solidFill>
+            <a:ln>
+              <a:noFill/>
+            </a:ln>
+          </p:spPr>
+          <p:txBody>
+            <a:bodyPr spcFirstLastPara="1" wrap="square" lIns="127975" tIns="127975" rIns="127975" bIns="127975" anchor="ctr" anchorCtr="0">
+              <a:noAutofit/>
+            </a:bodyPr>
+            <a:lstStyle/>
+            <a:p>
+              <a:pPr marL="0" marR="0" lvl="0" indent="0" algn="l" rtl="0">
+                <a:lnSpc>
+                  <a:spcPct val="100000"/>
+                </a:lnSpc>
+                <a:spcBef>
+                  <a:spcPts val="0"/>
+                </a:spcBef>
+                <a:spcAft>
+                  <a:spcPts val="0"/>
+                </a:spcAft>
+                <a:buNone/>
+              </a:pPr>
+              <a:endParaRPr sz="1960" b="0" i="0" u="none" strike="noStrike" cap="none">
+                <a:solidFill>
+                  <a:srgbClr val="000000"/>
                 </a:solidFill>
                 <a:latin typeface="Microsoft GothicNeo Light" panose="020B0300000101010101" pitchFamily="50" charset="-127"/>
                 <a:ea typeface="Microsoft GothicNeo Light" panose="020B0300000101010101" pitchFamily="50" charset="-127"/>
                 <a:cs typeface="Microsoft GothicNeo Light" panose="020B0300000101010101" pitchFamily="50" charset="-127"/>
-              </a:rPr>
-              <a:t>void SVSendTotal</a:t>
-            </a:r>
-            <a:endParaRPr sz="1000">
-              <a:solidFill>
-                <a:schemeClr val="lt1"/>
-              </a:solidFill>
-              <a:latin typeface="Microsoft GothicNeo Light" panose="020B0300000101010101" pitchFamily="50" charset="-127"/>
-              <a:ea typeface="Microsoft GothicNeo Light" panose="020B0300000101010101" pitchFamily="50" charset="-127"/>
-              <a:cs typeface="Microsoft GothicNeo Light" panose="020B0300000101010101" pitchFamily="50" charset="-127"/>
-            </a:endParaRPr>
-          </a:p>
-        </p:txBody>
-      </p:sp>
-      <p:sp>
-        <p:nvSpPr>
-          <p:cNvPr id="260" name="Google Shape;260;p4"/>
-          <p:cNvSpPr/>
-          <p:nvPr/>
-        </p:nvSpPr>
-        <p:spPr>
-          <a:xfrm>
-            <a:off x="2395725" y="4458850"/>
-            <a:ext cx="1476600" cy="349800"/>
-          </a:xfrm>
-          <a:prstGeom prst="rect">
-            <a:avLst/>
-          </a:prstGeom>
-          <a:solidFill>
-            <a:srgbClr val="6D9EEB"/>
-          </a:solidFill>
-          <a:ln w="9525" cap="flat" cmpd="sng">
-            <a:noFill/>
-            <a:prstDash val="solid"/>
-            <a:round/>
-            <a:headEnd type="none" w="sm" len="sm"/>
-            <a:tailEnd type="none" w="sm" len="sm"/>
-          </a:ln>
-        </p:spPr>
-        <p:txBody>
-          <a:bodyPr spcFirstLastPara="1" wrap="square" lIns="91425" tIns="91425" rIns="91425" bIns="91425" anchor="ctr" anchorCtr="0">
-            <a:noAutofit/>
-          </a:bodyPr>
-          <a:lstStyle/>
-          <a:p>
-            <a:pPr marL="0" lvl="0" indent="0" algn="ctr" rtl="0">
-              <a:spcBef>
-                <a:spcPts val="0"/>
-              </a:spcBef>
-              <a:spcAft>
-                <a:spcPts val="0"/>
-              </a:spcAft>
-              <a:buNone/>
-            </a:pPr>
-            <a:r>
-              <a:rPr lang="ko" sz="1000">
-                <a:solidFill>
-                  <a:schemeClr val="lt1"/>
+                <a:sym typeface="Arial"/>
+              </a:endParaRPr>
+            </a:p>
+          </p:txBody>
+        </p:sp>
+        <p:sp>
+          <p:nvSpPr>
+            <p:cNvPr id="252" name="Google Shape;252;p4"/>
+            <p:cNvSpPr/>
+            <p:nvPr/>
+          </p:nvSpPr>
+          <p:spPr>
+            <a:xfrm>
+              <a:off x="4632664" y="5525870"/>
+              <a:ext cx="1326360" cy="377580"/>
+            </a:xfrm>
+            <a:prstGeom prst="rect">
+              <a:avLst/>
+            </a:prstGeom>
+            <a:solidFill>
+              <a:schemeClr val="lt2"/>
+            </a:solidFill>
+            <a:ln>
+              <a:noFill/>
+            </a:ln>
+          </p:spPr>
+          <p:txBody>
+            <a:bodyPr spcFirstLastPara="1" wrap="square" lIns="127975" tIns="127975" rIns="127975" bIns="127975" anchor="ctr" anchorCtr="0">
+              <a:noAutofit/>
+            </a:bodyPr>
+            <a:lstStyle/>
+            <a:p>
+              <a:pPr marL="0" marR="0" lvl="0" indent="0" algn="ctr" rtl="0">
+                <a:lnSpc>
+                  <a:spcPct val="100000"/>
+                </a:lnSpc>
+                <a:spcBef>
+                  <a:spcPts val="0"/>
+                </a:spcBef>
+                <a:spcAft>
+                  <a:spcPts val="0"/>
+                </a:spcAft>
+                <a:buNone/>
+              </a:pPr>
+              <a:r>
+                <a:rPr lang="ko" sz="1260" b="0" i="0" u="none" strike="noStrike" cap="none">
+                  <a:solidFill>
+                    <a:srgbClr val="000000"/>
+                  </a:solidFill>
+                  <a:latin typeface="Microsoft GothicNeo Light" panose="020B0300000101010101" pitchFamily="50" charset="-127"/>
+                  <a:ea typeface="Microsoft GothicNeo Light" panose="020B0300000101010101" pitchFamily="50" charset="-127"/>
+                  <a:cs typeface="Microsoft GothicNeo Light" panose="020B0300000101010101" pitchFamily="50" charset="-127"/>
+                  <a:sym typeface="Arial"/>
+                </a:rPr>
+                <a:t>Timer Thread</a:t>
+              </a:r>
+              <a:endParaRPr sz="1260" b="0" i="0" u="none" strike="noStrike" cap="none">
+                <a:solidFill>
+                  <a:srgbClr val="000000"/>
                 </a:solidFill>
                 <a:latin typeface="Microsoft GothicNeo Light" panose="020B0300000101010101" pitchFamily="50" charset="-127"/>
                 <a:ea typeface="Microsoft GothicNeo Light" panose="020B0300000101010101" pitchFamily="50" charset="-127"/>
                 <a:cs typeface="Microsoft GothicNeo Light" panose="020B0300000101010101" pitchFamily="50" charset="-127"/>
-              </a:rPr>
-              <a:t>void SVSendScene</a:t>
-            </a:r>
-            <a:endParaRPr sz="1000">
-              <a:solidFill>
-                <a:schemeClr val="lt1"/>
-              </a:solidFill>
-              <a:latin typeface="Microsoft GothicNeo Light" panose="020B0300000101010101" pitchFamily="50" charset="-127"/>
-              <a:ea typeface="Microsoft GothicNeo Light" panose="020B0300000101010101" pitchFamily="50" charset="-127"/>
-              <a:cs typeface="Microsoft GothicNeo Light" panose="020B0300000101010101" pitchFamily="50" charset="-127"/>
-            </a:endParaRPr>
-          </a:p>
-        </p:txBody>
-      </p:sp>
-      <p:sp>
-        <p:nvSpPr>
-          <p:cNvPr id="261" name="Google Shape;261;p4"/>
-          <p:cNvSpPr/>
-          <p:nvPr/>
-        </p:nvSpPr>
-        <p:spPr>
-          <a:xfrm>
-            <a:off x="2395725" y="4884350"/>
-            <a:ext cx="1476600" cy="349800"/>
-          </a:xfrm>
-          <a:prstGeom prst="rect">
-            <a:avLst/>
-          </a:prstGeom>
-          <a:solidFill>
-            <a:srgbClr val="6D9EEB"/>
-          </a:solidFill>
-          <a:ln w="9525" cap="flat" cmpd="sng">
-            <a:noFill/>
-            <a:prstDash val="solid"/>
-            <a:round/>
-            <a:headEnd type="none" w="sm" len="sm"/>
-            <a:tailEnd type="none" w="sm" len="sm"/>
-          </a:ln>
-        </p:spPr>
-        <p:txBody>
-          <a:bodyPr spcFirstLastPara="1" wrap="square" lIns="91425" tIns="91425" rIns="91425" bIns="91425" anchor="ctr" anchorCtr="0">
-            <a:noAutofit/>
-          </a:bodyPr>
-          <a:lstStyle/>
-          <a:p>
-            <a:pPr marL="0" lvl="0" indent="0" algn="ctr" rtl="0">
-              <a:spcBef>
-                <a:spcPts val="0"/>
-              </a:spcBef>
-              <a:spcAft>
-                <a:spcPts val="0"/>
-              </a:spcAft>
-              <a:buNone/>
-            </a:pPr>
-            <a:r>
-              <a:rPr lang="ko" sz="1000">
+                <a:sym typeface="Arial"/>
+              </a:endParaRPr>
+            </a:p>
+          </p:txBody>
+        </p:sp>
+        <p:sp>
+          <p:nvSpPr>
+            <p:cNvPr id="253" name="Google Shape;253;p4"/>
+            <p:cNvSpPr/>
+            <p:nvPr/>
+          </p:nvSpPr>
+          <p:spPr>
+            <a:xfrm>
+              <a:off x="2395725" y="2756850"/>
+              <a:ext cx="1476600" cy="349800"/>
+            </a:xfrm>
+            <a:prstGeom prst="rect">
+              <a:avLst/>
+            </a:prstGeom>
+            <a:solidFill>
+              <a:srgbClr val="6D9EEB"/>
+            </a:solidFill>
+            <a:ln w="9525" cap="flat" cmpd="sng">
+              <a:noFill/>
+              <a:prstDash val="solid"/>
+              <a:round/>
+              <a:headEnd type="none" w="sm" len="sm"/>
+              <a:tailEnd type="none" w="sm" len="sm"/>
+            </a:ln>
+          </p:spPr>
+          <p:txBody>
+            <a:bodyPr spcFirstLastPara="1" wrap="square" lIns="91425" tIns="91425" rIns="91425" bIns="91425" anchor="ctr" anchorCtr="0">
+              <a:noAutofit/>
+            </a:bodyPr>
+            <a:lstStyle/>
+            <a:p>
+              <a:pPr marL="0" lvl="0" indent="0" algn="ctr" rtl="0">
+                <a:spcBef>
+                  <a:spcPts val="0"/>
+                </a:spcBef>
+                <a:spcAft>
+                  <a:spcPts val="0"/>
+                </a:spcAft>
+                <a:buNone/>
+              </a:pPr>
+              <a:r>
+                <a:rPr lang="ko" sz="1000" dirty="0">
+                  <a:solidFill>
+                    <a:schemeClr val="lt1"/>
+                  </a:solidFill>
+                  <a:latin typeface="Microsoft GothicNeo Light" panose="020B0300000101010101" pitchFamily="50" charset="-127"/>
+                  <a:ea typeface="Microsoft GothicNeo Light" panose="020B0300000101010101" pitchFamily="50" charset="-127"/>
+                  <a:cs typeface="Microsoft GothicNeo Light" panose="020B0300000101010101" pitchFamily="50" charset="-127"/>
+                </a:rPr>
+                <a:t>void SendData</a:t>
+              </a:r>
+              <a:endParaRPr sz="1000" dirty="0">
                 <a:solidFill>
                   <a:schemeClr val="lt1"/>
                 </a:solidFill>
                 <a:latin typeface="Microsoft GothicNeo Light" panose="020B0300000101010101" pitchFamily="50" charset="-127"/>
                 <a:ea typeface="Microsoft GothicNeo Light" panose="020B0300000101010101" pitchFamily="50" charset="-127"/>
                 <a:cs typeface="Microsoft GothicNeo Light" panose="020B0300000101010101" pitchFamily="50" charset="-127"/>
-              </a:rPr>
-              <a:t>void SVSendCharSel</a:t>
-            </a:r>
-            <a:endParaRPr sz="1000">
-              <a:solidFill>
-                <a:schemeClr val="lt1"/>
-              </a:solidFill>
-              <a:latin typeface="Microsoft GothicNeo Light" panose="020B0300000101010101" pitchFamily="50" charset="-127"/>
-              <a:ea typeface="Microsoft GothicNeo Light" panose="020B0300000101010101" pitchFamily="50" charset="-127"/>
-              <a:cs typeface="Microsoft GothicNeo Light" panose="020B0300000101010101" pitchFamily="50" charset="-127"/>
-            </a:endParaRPr>
-          </a:p>
-        </p:txBody>
-      </p:sp>
-      <p:sp>
-        <p:nvSpPr>
-          <p:cNvPr id="262" name="Google Shape;262;p4"/>
-          <p:cNvSpPr/>
-          <p:nvPr/>
-        </p:nvSpPr>
-        <p:spPr>
-          <a:xfrm>
-            <a:off x="2395725" y="3607850"/>
-            <a:ext cx="1476600" cy="349800"/>
-          </a:xfrm>
-          <a:prstGeom prst="rect">
-            <a:avLst/>
-          </a:prstGeom>
-          <a:solidFill>
-            <a:srgbClr val="6D9EEB"/>
-          </a:solidFill>
-          <a:ln w="9525" cap="flat" cmpd="sng">
-            <a:noFill/>
-            <a:prstDash val="solid"/>
-            <a:round/>
-            <a:headEnd type="none" w="sm" len="sm"/>
-            <a:tailEnd type="none" w="sm" len="sm"/>
-          </a:ln>
-        </p:spPr>
-        <p:txBody>
-          <a:bodyPr spcFirstLastPara="1" wrap="square" lIns="91425" tIns="91425" rIns="91425" bIns="91425" anchor="ctr" anchorCtr="0">
-            <a:noAutofit/>
-          </a:bodyPr>
-          <a:lstStyle/>
-          <a:p>
-            <a:pPr marL="0" lvl="0" indent="0" algn="ctr" rtl="0">
-              <a:spcBef>
-                <a:spcPts val="0"/>
-              </a:spcBef>
-              <a:spcAft>
-                <a:spcPts val="0"/>
-              </a:spcAft>
-              <a:buNone/>
-            </a:pPr>
-            <a:r>
-              <a:rPr lang="ko" sz="1000">
+              </a:endParaRPr>
+            </a:p>
+          </p:txBody>
+        </p:sp>
+        <p:sp>
+          <p:nvSpPr>
+            <p:cNvPr id="254" name="Google Shape;254;p4"/>
+            <p:cNvSpPr/>
+            <p:nvPr/>
+          </p:nvSpPr>
+          <p:spPr>
+            <a:xfrm>
+              <a:off x="452325" y="3607850"/>
+              <a:ext cx="1476600" cy="349800"/>
+            </a:xfrm>
+            <a:prstGeom prst="rect">
+              <a:avLst/>
+            </a:prstGeom>
+            <a:solidFill>
+              <a:srgbClr val="6D9EEB"/>
+            </a:solidFill>
+            <a:ln w="9525" cap="flat" cmpd="sng">
+              <a:noFill/>
+              <a:prstDash val="solid"/>
+              <a:round/>
+              <a:headEnd type="none" w="sm" len="sm"/>
+              <a:tailEnd type="none" w="sm" len="sm"/>
+            </a:ln>
+          </p:spPr>
+          <p:txBody>
+            <a:bodyPr spcFirstLastPara="1" wrap="square" lIns="91425" tIns="91425" rIns="91425" bIns="91425" anchor="ctr" anchorCtr="0">
+              <a:noAutofit/>
+            </a:bodyPr>
+            <a:lstStyle/>
+            <a:p>
+              <a:pPr marL="0" lvl="0" indent="0" algn="ctr" rtl="0">
+                <a:spcBef>
+                  <a:spcPts val="0"/>
+                </a:spcBef>
+                <a:spcAft>
+                  <a:spcPts val="0"/>
+                </a:spcAft>
+                <a:buNone/>
+              </a:pPr>
+              <a:r>
+                <a:rPr lang="ko" sz="1000">
+                  <a:solidFill>
+                    <a:schemeClr val="lt1"/>
+                  </a:solidFill>
+                  <a:latin typeface="Microsoft GothicNeo Light" panose="020B0300000101010101" pitchFamily="50" charset="-127"/>
+                  <a:ea typeface="Microsoft GothicNeo Light" panose="020B0300000101010101" pitchFamily="50" charset="-127"/>
+                  <a:cs typeface="Microsoft GothicNeo Light" panose="020B0300000101010101" pitchFamily="50" charset="-127"/>
+                </a:rPr>
+                <a:t>int InitServer</a:t>
+              </a:r>
+              <a:endParaRPr sz="1000">
                 <a:solidFill>
                   <a:schemeClr val="lt1"/>
                 </a:solidFill>
                 <a:latin typeface="Microsoft GothicNeo Light" panose="020B0300000101010101" pitchFamily="50" charset="-127"/>
                 <a:ea typeface="Microsoft GothicNeo Light" panose="020B0300000101010101" pitchFamily="50" charset="-127"/>
                 <a:cs typeface="Microsoft GothicNeo Light" panose="020B0300000101010101" pitchFamily="50" charset="-127"/>
-              </a:rPr>
-              <a:t>void SVSendMainGm</a:t>
-            </a:r>
-            <a:endParaRPr sz="1000">
-              <a:solidFill>
-                <a:schemeClr val="lt1"/>
-              </a:solidFill>
-              <a:latin typeface="Microsoft GothicNeo Light" panose="020B0300000101010101" pitchFamily="50" charset="-127"/>
-              <a:ea typeface="Microsoft GothicNeo Light" panose="020B0300000101010101" pitchFamily="50" charset="-127"/>
-              <a:cs typeface="Microsoft GothicNeo Light" panose="020B0300000101010101" pitchFamily="50" charset="-127"/>
-            </a:endParaRPr>
-          </a:p>
-        </p:txBody>
-      </p:sp>
-      <p:sp>
-        <p:nvSpPr>
-          <p:cNvPr id="263" name="Google Shape;263;p4"/>
-          <p:cNvSpPr/>
-          <p:nvPr/>
-        </p:nvSpPr>
-        <p:spPr>
-          <a:xfrm>
-            <a:off x="4339125" y="3182350"/>
-            <a:ext cx="1476600" cy="349800"/>
-          </a:xfrm>
-          <a:prstGeom prst="rect">
-            <a:avLst/>
-          </a:prstGeom>
-          <a:solidFill>
-            <a:srgbClr val="6D9EEB"/>
-          </a:solidFill>
-          <a:ln w="9525" cap="flat" cmpd="sng">
-            <a:noFill/>
-            <a:prstDash val="solid"/>
-            <a:round/>
-            <a:headEnd type="none" w="sm" len="sm"/>
-            <a:tailEnd type="none" w="sm" len="sm"/>
-          </a:ln>
-        </p:spPr>
-        <p:txBody>
-          <a:bodyPr spcFirstLastPara="1" wrap="square" lIns="91425" tIns="91425" rIns="91425" bIns="91425" anchor="ctr" anchorCtr="0">
-            <a:noAutofit/>
-          </a:bodyPr>
-          <a:lstStyle/>
-          <a:p>
-            <a:pPr marL="0" lvl="0" indent="0" algn="ctr" rtl="0">
-              <a:spcBef>
-                <a:spcPts val="0"/>
-              </a:spcBef>
-              <a:spcAft>
-                <a:spcPts val="0"/>
-              </a:spcAft>
-              <a:buNone/>
-            </a:pPr>
-            <a:r>
-              <a:rPr lang="ko" sz="1000">
+              </a:endParaRPr>
+            </a:p>
+          </p:txBody>
+        </p:sp>
+        <p:sp>
+          <p:nvSpPr>
+            <p:cNvPr id="255" name="Google Shape;255;p4"/>
+            <p:cNvSpPr/>
+            <p:nvPr/>
+          </p:nvSpPr>
+          <p:spPr>
+            <a:xfrm>
+              <a:off x="452325" y="4033350"/>
+              <a:ext cx="1476600" cy="349800"/>
+            </a:xfrm>
+            <a:prstGeom prst="rect">
+              <a:avLst/>
+            </a:prstGeom>
+            <a:solidFill>
+              <a:srgbClr val="6D9EEB"/>
+            </a:solidFill>
+            <a:ln w="9525" cap="flat" cmpd="sng">
+              <a:noFill/>
+              <a:prstDash val="solid"/>
+              <a:round/>
+              <a:headEnd type="none" w="sm" len="sm"/>
+              <a:tailEnd type="none" w="sm" len="sm"/>
+            </a:ln>
+          </p:spPr>
+          <p:txBody>
+            <a:bodyPr spcFirstLastPara="1" wrap="square" lIns="91425" tIns="91425" rIns="91425" bIns="91425" anchor="ctr" anchorCtr="0">
+              <a:noAutofit/>
+            </a:bodyPr>
+            <a:lstStyle/>
+            <a:p>
+              <a:pPr marL="0" lvl="0" indent="0" algn="ctr" rtl="0">
+                <a:spcBef>
+                  <a:spcPts val="0"/>
+                </a:spcBef>
+                <a:spcAft>
+                  <a:spcPts val="0"/>
+                </a:spcAft>
+                <a:buNone/>
+              </a:pPr>
+              <a:r>
+                <a:rPr lang="ko" sz="1000">
+                  <a:solidFill>
+                    <a:schemeClr val="lt1"/>
+                  </a:solidFill>
+                  <a:latin typeface="Microsoft GothicNeo Light" panose="020B0300000101010101" pitchFamily="50" charset="-127"/>
+                  <a:ea typeface="Microsoft GothicNeo Light" panose="020B0300000101010101" pitchFamily="50" charset="-127"/>
+                  <a:cs typeface="Microsoft GothicNeo Light" panose="020B0300000101010101" pitchFamily="50" charset="-127"/>
+                </a:rPr>
+                <a:t>void WaitForClientConnect</a:t>
+              </a:r>
+              <a:endParaRPr sz="1000">
                 <a:solidFill>
                   <a:schemeClr val="lt1"/>
                 </a:solidFill>
                 <a:latin typeface="Microsoft GothicNeo Light" panose="020B0300000101010101" pitchFamily="50" charset="-127"/>
                 <a:ea typeface="Microsoft GothicNeo Light" panose="020B0300000101010101" pitchFamily="50" charset="-127"/>
                 <a:cs typeface="Microsoft GothicNeo Light" panose="020B0300000101010101" pitchFamily="50" charset="-127"/>
-              </a:rPr>
-              <a:t>void UpdatePLInfo</a:t>
-            </a:r>
-            <a:endParaRPr sz="1000">
-              <a:solidFill>
-                <a:schemeClr val="lt1"/>
-              </a:solidFill>
-              <a:latin typeface="Microsoft GothicNeo Light" panose="020B0300000101010101" pitchFamily="50" charset="-127"/>
-              <a:ea typeface="Microsoft GothicNeo Light" panose="020B0300000101010101" pitchFamily="50" charset="-127"/>
-              <a:cs typeface="Microsoft GothicNeo Light" panose="020B0300000101010101" pitchFamily="50" charset="-127"/>
-            </a:endParaRPr>
-          </a:p>
-        </p:txBody>
-      </p:sp>
-      <p:sp>
-        <p:nvSpPr>
-          <p:cNvPr id="264" name="Google Shape;264;p4"/>
-          <p:cNvSpPr/>
-          <p:nvPr/>
-        </p:nvSpPr>
-        <p:spPr>
-          <a:xfrm>
-            <a:off x="4339125" y="3607850"/>
-            <a:ext cx="1476600" cy="349800"/>
-          </a:xfrm>
-          <a:prstGeom prst="rect">
-            <a:avLst/>
-          </a:prstGeom>
-          <a:solidFill>
-            <a:srgbClr val="6D9EEB"/>
-          </a:solidFill>
-          <a:ln w="9525" cap="flat" cmpd="sng">
-            <a:noFill/>
-            <a:prstDash val="solid"/>
-            <a:round/>
-            <a:headEnd type="none" w="sm" len="sm"/>
-            <a:tailEnd type="none" w="sm" len="sm"/>
-          </a:ln>
-        </p:spPr>
-        <p:txBody>
-          <a:bodyPr spcFirstLastPara="1" wrap="square" lIns="91425" tIns="91425" rIns="91425" bIns="91425" anchor="ctr" anchorCtr="0">
-            <a:noAutofit/>
-          </a:bodyPr>
-          <a:lstStyle/>
-          <a:p>
-            <a:pPr marL="0" lvl="0" indent="0" algn="ctr" rtl="0">
-              <a:spcBef>
-                <a:spcPts val="0"/>
-              </a:spcBef>
-              <a:spcAft>
-                <a:spcPts val="0"/>
-              </a:spcAft>
-              <a:buNone/>
-            </a:pPr>
-            <a:r>
-              <a:rPr lang="ko" sz="1000">
+              </a:endParaRPr>
+            </a:p>
+          </p:txBody>
+        </p:sp>
+        <p:sp>
+          <p:nvSpPr>
+            <p:cNvPr id="256" name="Google Shape;256;p4"/>
+            <p:cNvSpPr/>
+            <p:nvPr/>
+          </p:nvSpPr>
+          <p:spPr>
+            <a:xfrm>
+              <a:off x="452325" y="3182350"/>
+              <a:ext cx="1476600" cy="349800"/>
+            </a:xfrm>
+            <a:prstGeom prst="rect">
+              <a:avLst/>
+            </a:prstGeom>
+            <a:solidFill>
+              <a:srgbClr val="6D9EEB"/>
+            </a:solidFill>
+            <a:ln w="9525" cap="flat" cmpd="sng">
+              <a:noFill/>
+              <a:prstDash val="solid"/>
+              <a:round/>
+              <a:headEnd type="none" w="sm" len="sm"/>
+              <a:tailEnd type="none" w="sm" len="sm"/>
+            </a:ln>
+          </p:spPr>
+          <p:txBody>
+            <a:bodyPr spcFirstLastPara="1" wrap="square" lIns="91425" tIns="91425" rIns="91425" bIns="91425" anchor="ctr" anchorCtr="0">
+              <a:noAutofit/>
+            </a:bodyPr>
+            <a:lstStyle/>
+            <a:p>
+              <a:pPr marL="0" lvl="0" indent="0" algn="ctr" rtl="0">
+                <a:spcBef>
+                  <a:spcPts val="0"/>
+                </a:spcBef>
+                <a:spcAft>
+                  <a:spcPts val="0"/>
+                </a:spcAft>
+                <a:buNone/>
+              </a:pPr>
+              <a:r>
+                <a:rPr lang="ko" sz="1000" dirty="0">
+                  <a:solidFill>
+                    <a:schemeClr val="lt1"/>
+                  </a:solidFill>
+                  <a:latin typeface="Microsoft GothicNeo Light" panose="020B0300000101010101" pitchFamily="50" charset="-127"/>
+                  <a:ea typeface="Microsoft GothicNeo Light" panose="020B0300000101010101" pitchFamily="50" charset="-127"/>
+                  <a:cs typeface="Microsoft GothicNeo Light" panose="020B0300000101010101" pitchFamily="50" charset="-127"/>
+                </a:rPr>
+                <a:t>static DWORD WINAPI RecvCLData</a:t>
+              </a:r>
+              <a:endParaRPr sz="1000" dirty="0">
                 <a:solidFill>
                   <a:schemeClr val="lt1"/>
                 </a:solidFill>
                 <a:latin typeface="Microsoft GothicNeo Light" panose="020B0300000101010101" pitchFamily="50" charset="-127"/>
                 <a:ea typeface="Microsoft GothicNeo Light" panose="020B0300000101010101" pitchFamily="50" charset="-127"/>
                 <a:cs typeface="Microsoft GothicNeo Light" panose="020B0300000101010101" pitchFamily="50" charset="-127"/>
-              </a:rPr>
-              <a:t>void UpdateScene</a:t>
-            </a:r>
-            <a:endParaRPr sz="1000">
-              <a:solidFill>
-                <a:schemeClr val="lt1"/>
-              </a:solidFill>
-              <a:latin typeface="Microsoft GothicNeo Light" panose="020B0300000101010101" pitchFamily="50" charset="-127"/>
-              <a:ea typeface="Microsoft GothicNeo Light" panose="020B0300000101010101" pitchFamily="50" charset="-127"/>
-              <a:cs typeface="Microsoft GothicNeo Light" panose="020B0300000101010101" pitchFamily="50" charset="-127"/>
-            </a:endParaRPr>
-          </a:p>
-        </p:txBody>
-      </p:sp>
-      <p:sp>
-        <p:nvSpPr>
-          <p:cNvPr id="265" name="Google Shape;265;p4"/>
-          <p:cNvSpPr/>
-          <p:nvPr/>
-        </p:nvSpPr>
-        <p:spPr>
-          <a:xfrm>
-            <a:off x="4339125" y="4033350"/>
-            <a:ext cx="1476600" cy="349800"/>
-          </a:xfrm>
-          <a:prstGeom prst="rect">
-            <a:avLst/>
-          </a:prstGeom>
-          <a:solidFill>
-            <a:srgbClr val="6D9EEB"/>
-          </a:solidFill>
-          <a:ln w="9525" cap="flat" cmpd="sng">
-            <a:noFill/>
-            <a:prstDash val="solid"/>
-            <a:round/>
-            <a:headEnd type="none" w="sm" len="sm"/>
-            <a:tailEnd type="none" w="sm" len="sm"/>
-          </a:ln>
-        </p:spPr>
-        <p:txBody>
-          <a:bodyPr spcFirstLastPara="1" wrap="square" lIns="91425" tIns="91425" rIns="91425" bIns="91425" anchor="ctr" anchorCtr="0">
-            <a:noAutofit/>
-          </a:bodyPr>
-          <a:lstStyle/>
-          <a:p>
-            <a:pPr marL="0" lvl="0" indent="0" algn="ctr" rtl="0">
-              <a:spcBef>
-                <a:spcPts val="0"/>
-              </a:spcBef>
-              <a:spcAft>
-                <a:spcPts val="0"/>
-              </a:spcAft>
-              <a:buNone/>
-            </a:pPr>
-            <a:r>
-              <a:rPr lang="ko" sz="1000">
+              </a:endParaRPr>
+            </a:p>
+          </p:txBody>
+        </p:sp>
+        <p:sp>
+          <p:nvSpPr>
+            <p:cNvPr id="257" name="Google Shape;257;p4"/>
+            <p:cNvSpPr/>
+            <p:nvPr/>
+          </p:nvSpPr>
+          <p:spPr>
+            <a:xfrm>
+              <a:off x="2395725" y="3182350"/>
+              <a:ext cx="1476600" cy="349800"/>
+            </a:xfrm>
+            <a:prstGeom prst="rect">
+              <a:avLst/>
+            </a:prstGeom>
+            <a:solidFill>
+              <a:srgbClr val="6D9EEB"/>
+            </a:solidFill>
+            <a:ln w="9525" cap="flat" cmpd="sng">
+              <a:noFill/>
+              <a:prstDash val="solid"/>
+              <a:round/>
+              <a:headEnd type="none" w="sm" len="sm"/>
+              <a:tailEnd type="none" w="sm" len="sm"/>
+            </a:ln>
+          </p:spPr>
+          <p:txBody>
+            <a:bodyPr spcFirstLastPara="1" wrap="square" lIns="91425" tIns="91425" rIns="91425" bIns="91425" anchor="ctr" anchorCtr="0">
+              <a:noAutofit/>
+            </a:bodyPr>
+            <a:lstStyle/>
+            <a:p>
+              <a:pPr marL="0" lvl="0" indent="0" algn="ctr" rtl="0">
+                <a:spcBef>
+                  <a:spcPts val="0"/>
+                </a:spcBef>
+                <a:spcAft>
+                  <a:spcPts val="0"/>
+                </a:spcAft>
+                <a:buNone/>
+              </a:pPr>
+              <a:r>
+                <a:rPr lang="ko" sz="1000">
+                  <a:solidFill>
+                    <a:schemeClr val="lt1"/>
+                  </a:solidFill>
+                  <a:latin typeface="Microsoft GothicNeo Light" panose="020B0300000101010101" pitchFamily="50" charset="-127"/>
+                  <a:ea typeface="Microsoft GothicNeo Light" panose="020B0300000101010101" pitchFamily="50" charset="-127"/>
+                  <a:cs typeface="Microsoft GothicNeo Light" panose="020B0300000101010101" pitchFamily="50" charset="-127"/>
+                </a:rPr>
+                <a:t>void SVSendTimer</a:t>
+              </a:r>
+              <a:endParaRPr sz="1000">
                 <a:solidFill>
                   <a:schemeClr val="lt1"/>
                 </a:solidFill>
                 <a:latin typeface="Microsoft GothicNeo Light" panose="020B0300000101010101" pitchFamily="50" charset="-127"/>
                 <a:ea typeface="Microsoft GothicNeo Light" panose="020B0300000101010101" pitchFamily="50" charset="-127"/>
                 <a:cs typeface="Microsoft GothicNeo Light" panose="020B0300000101010101" pitchFamily="50" charset="-127"/>
-              </a:rPr>
-              <a:t>void PLCollision</a:t>
-            </a:r>
-            <a:endParaRPr sz="1000">
-              <a:solidFill>
-                <a:schemeClr val="lt1"/>
-              </a:solidFill>
-              <a:latin typeface="Microsoft GothicNeo Light" panose="020B0300000101010101" pitchFamily="50" charset="-127"/>
-              <a:ea typeface="Microsoft GothicNeo Light" panose="020B0300000101010101" pitchFamily="50" charset="-127"/>
-              <a:cs typeface="Microsoft GothicNeo Light" panose="020B0300000101010101" pitchFamily="50" charset="-127"/>
-            </a:endParaRPr>
-          </a:p>
-        </p:txBody>
-      </p:sp>
-      <p:sp>
-        <p:nvSpPr>
-          <p:cNvPr id="266" name="Google Shape;266;p4"/>
-          <p:cNvSpPr/>
-          <p:nvPr/>
-        </p:nvSpPr>
-        <p:spPr>
-          <a:xfrm>
-            <a:off x="4339125" y="4458850"/>
-            <a:ext cx="1476600" cy="349800"/>
-          </a:xfrm>
-          <a:prstGeom prst="rect">
-            <a:avLst/>
-          </a:prstGeom>
-          <a:solidFill>
-            <a:srgbClr val="6D9EEB"/>
-          </a:solidFill>
-          <a:ln w="9525" cap="flat" cmpd="sng">
-            <a:noFill/>
-            <a:prstDash val="solid"/>
-            <a:round/>
-            <a:headEnd type="none" w="sm" len="sm"/>
-            <a:tailEnd type="none" w="sm" len="sm"/>
-          </a:ln>
-        </p:spPr>
-        <p:txBody>
-          <a:bodyPr spcFirstLastPara="1" wrap="square" lIns="91425" tIns="91425" rIns="91425" bIns="91425" anchor="ctr" anchorCtr="0">
-            <a:noAutofit/>
-          </a:bodyPr>
-          <a:lstStyle/>
-          <a:p>
-            <a:pPr marL="0" lvl="0" indent="0" algn="ctr" rtl="0">
-              <a:spcBef>
-                <a:spcPts val="0"/>
-              </a:spcBef>
-              <a:spcAft>
-                <a:spcPts val="0"/>
-              </a:spcAft>
-              <a:buNone/>
-            </a:pPr>
-            <a:r>
-              <a:rPr lang="ko" sz="1000">
+              </a:endParaRPr>
+            </a:p>
+          </p:txBody>
+        </p:sp>
+        <p:sp>
+          <p:nvSpPr>
+            <p:cNvPr id="258" name="Google Shape;258;p4"/>
+            <p:cNvSpPr/>
+            <p:nvPr/>
+          </p:nvSpPr>
+          <p:spPr>
+            <a:xfrm>
+              <a:off x="452325" y="4458850"/>
+              <a:ext cx="1476600" cy="349800"/>
+            </a:xfrm>
+            <a:prstGeom prst="rect">
+              <a:avLst/>
+            </a:prstGeom>
+            <a:solidFill>
+              <a:srgbClr val="6D9EEB"/>
+            </a:solidFill>
+            <a:ln w="9525" cap="flat" cmpd="sng">
+              <a:noFill/>
+              <a:prstDash val="solid"/>
+              <a:round/>
+              <a:headEnd type="none" w="sm" len="sm"/>
+              <a:tailEnd type="none" w="sm" len="sm"/>
+            </a:ln>
+          </p:spPr>
+          <p:txBody>
+            <a:bodyPr spcFirstLastPara="1" wrap="square" lIns="91425" tIns="91425" rIns="91425" bIns="91425" anchor="ctr" anchorCtr="0">
+              <a:noAutofit/>
+            </a:bodyPr>
+            <a:lstStyle/>
+            <a:p>
+              <a:pPr marL="0" lvl="0" indent="0" algn="ctr" rtl="0">
+                <a:spcBef>
+                  <a:spcPts val="0"/>
+                </a:spcBef>
+                <a:spcAft>
+                  <a:spcPts val="0"/>
+                </a:spcAft>
+                <a:buNone/>
+              </a:pPr>
+              <a:r>
+                <a:rPr lang="ko" sz="1000">
+                  <a:solidFill>
+                    <a:schemeClr val="lt1"/>
+                  </a:solidFill>
+                  <a:latin typeface="Microsoft GothicNeo Light" panose="020B0300000101010101" pitchFamily="50" charset="-127"/>
+                  <a:ea typeface="Microsoft GothicNeo Light" panose="020B0300000101010101" pitchFamily="50" charset="-127"/>
+                  <a:cs typeface="Microsoft GothicNeo Light" panose="020B0300000101010101" pitchFamily="50" charset="-127"/>
+                </a:rPr>
+                <a:t>DWORD UpdateTimer</a:t>
+              </a:r>
+              <a:endParaRPr sz="1000">
                 <a:solidFill>
                   <a:schemeClr val="lt1"/>
                 </a:solidFill>
                 <a:latin typeface="Microsoft GothicNeo Light" panose="020B0300000101010101" pitchFamily="50" charset="-127"/>
                 <a:ea typeface="Microsoft GothicNeo Light" panose="020B0300000101010101" pitchFamily="50" charset="-127"/>
                 <a:cs typeface="Microsoft GothicNeo Light" panose="020B0300000101010101" pitchFamily="50" charset="-127"/>
-              </a:rPr>
-              <a:t>void PLDamaged</a:t>
-            </a:r>
-            <a:endParaRPr sz="1000">
-              <a:solidFill>
-                <a:schemeClr val="lt1"/>
-              </a:solidFill>
-              <a:latin typeface="Microsoft GothicNeo Light" panose="020B0300000101010101" pitchFamily="50" charset="-127"/>
-              <a:ea typeface="Microsoft GothicNeo Light" panose="020B0300000101010101" pitchFamily="50" charset="-127"/>
-              <a:cs typeface="Microsoft GothicNeo Light" panose="020B0300000101010101" pitchFamily="50" charset="-127"/>
-            </a:endParaRPr>
-          </a:p>
-        </p:txBody>
-      </p:sp>
-      <p:sp>
-        <p:nvSpPr>
-          <p:cNvPr id="267" name="Google Shape;267;p4"/>
-          <p:cNvSpPr/>
-          <p:nvPr/>
-        </p:nvSpPr>
-        <p:spPr>
-          <a:xfrm>
-            <a:off x="6937250" y="3182350"/>
-            <a:ext cx="1476600" cy="349800"/>
-          </a:xfrm>
-          <a:prstGeom prst="rect">
-            <a:avLst/>
-          </a:prstGeom>
-          <a:solidFill>
-            <a:srgbClr val="6D9EEB"/>
-          </a:solidFill>
-          <a:ln w="9525" cap="flat" cmpd="sng">
-            <a:noFill/>
-            <a:prstDash val="solid"/>
-            <a:round/>
-            <a:headEnd type="none" w="sm" len="sm"/>
-            <a:tailEnd type="none" w="sm" len="sm"/>
-          </a:ln>
-        </p:spPr>
-        <p:txBody>
-          <a:bodyPr spcFirstLastPara="1" wrap="square" lIns="91425" tIns="91425" rIns="91425" bIns="91425" anchor="ctr" anchorCtr="0">
-            <a:noAutofit/>
-          </a:bodyPr>
-          <a:lstStyle/>
-          <a:p>
-            <a:pPr marL="0" lvl="0" indent="0" algn="ctr" rtl="0">
-              <a:spcBef>
-                <a:spcPts val="0"/>
-              </a:spcBef>
-              <a:spcAft>
-                <a:spcPts val="0"/>
-              </a:spcAft>
-              <a:buNone/>
-            </a:pPr>
-            <a:r>
-              <a:rPr lang="ko" sz="1000">
+              </a:endParaRPr>
+            </a:p>
+          </p:txBody>
+        </p:sp>
+        <p:sp>
+          <p:nvSpPr>
+            <p:cNvPr id="259" name="Google Shape;259;p4"/>
+            <p:cNvSpPr/>
+            <p:nvPr/>
+          </p:nvSpPr>
+          <p:spPr>
+            <a:xfrm>
+              <a:off x="2395725" y="4033350"/>
+              <a:ext cx="1476600" cy="349800"/>
+            </a:xfrm>
+            <a:prstGeom prst="rect">
+              <a:avLst/>
+            </a:prstGeom>
+            <a:solidFill>
+              <a:srgbClr val="6D9EEB"/>
+            </a:solidFill>
+            <a:ln w="9525" cap="flat" cmpd="sng">
+              <a:noFill/>
+              <a:prstDash val="solid"/>
+              <a:round/>
+              <a:headEnd type="none" w="sm" len="sm"/>
+              <a:tailEnd type="none" w="sm" len="sm"/>
+            </a:ln>
+          </p:spPr>
+          <p:txBody>
+            <a:bodyPr spcFirstLastPara="1" wrap="square" lIns="91425" tIns="91425" rIns="91425" bIns="91425" anchor="ctr" anchorCtr="0">
+              <a:noAutofit/>
+            </a:bodyPr>
+            <a:lstStyle/>
+            <a:p>
+              <a:pPr marL="0" lvl="0" indent="0" algn="ctr" rtl="0">
+                <a:spcBef>
+                  <a:spcPts val="0"/>
+                </a:spcBef>
+                <a:spcAft>
+                  <a:spcPts val="0"/>
+                </a:spcAft>
+                <a:buNone/>
+              </a:pPr>
+              <a:r>
+                <a:rPr lang="ko" sz="1000">
+                  <a:solidFill>
+                    <a:schemeClr val="lt1"/>
+                  </a:solidFill>
+                  <a:latin typeface="Microsoft GothicNeo Light" panose="020B0300000101010101" pitchFamily="50" charset="-127"/>
+                  <a:ea typeface="Microsoft GothicNeo Light" panose="020B0300000101010101" pitchFamily="50" charset="-127"/>
+                  <a:cs typeface="Microsoft GothicNeo Light" panose="020B0300000101010101" pitchFamily="50" charset="-127"/>
+                </a:rPr>
+                <a:t>void SVSendTotal</a:t>
+              </a:r>
+              <a:endParaRPr sz="1000">
                 <a:solidFill>
                   <a:schemeClr val="lt1"/>
                 </a:solidFill>
                 <a:latin typeface="Microsoft GothicNeo Light" panose="020B0300000101010101" pitchFamily="50" charset="-127"/>
                 <a:ea typeface="Microsoft GothicNeo Light" panose="020B0300000101010101" pitchFamily="50" charset="-127"/>
                 <a:cs typeface="Microsoft GothicNeo Light" panose="020B0300000101010101" pitchFamily="50" charset="-127"/>
-              </a:rPr>
-              <a:t>void CreateSocket</a:t>
-            </a:r>
-            <a:endParaRPr sz="1000">
-              <a:solidFill>
-                <a:schemeClr val="lt1"/>
-              </a:solidFill>
-              <a:latin typeface="Microsoft GothicNeo Light" panose="020B0300000101010101" pitchFamily="50" charset="-127"/>
-              <a:ea typeface="Microsoft GothicNeo Light" panose="020B0300000101010101" pitchFamily="50" charset="-127"/>
-              <a:cs typeface="Microsoft GothicNeo Light" panose="020B0300000101010101" pitchFamily="50" charset="-127"/>
-            </a:endParaRPr>
-          </a:p>
-        </p:txBody>
-      </p:sp>
-      <p:sp>
-        <p:nvSpPr>
-          <p:cNvPr id="268" name="Google Shape;268;p4"/>
-          <p:cNvSpPr/>
-          <p:nvPr/>
-        </p:nvSpPr>
-        <p:spPr>
-          <a:xfrm>
-            <a:off x="6937250" y="3607850"/>
-            <a:ext cx="1476600" cy="349800"/>
-          </a:xfrm>
-          <a:prstGeom prst="rect">
-            <a:avLst/>
-          </a:prstGeom>
-          <a:solidFill>
-            <a:srgbClr val="6D9EEB"/>
-          </a:solidFill>
-          <a:ln w="9525" cap="flat" cmpd="sng">
-            <a:noFill/>
-            <a:prstDash val="solid"/>
-            <a:round/>
-            <a:headEnd type="none" w="sm" len="sm"/>
-            <a:tailEnd type="none" w="sm" len="sm"/>
-          </a:ln>
-        </p:spPr>
-        <p:txBody>
-          <a:bodyPr spcFirstLastPara="1" wrap="square" lIns="91425" tIns="91425" rIns="91425" bIns="91425" anchor="ctr" anchorCtr="0">
-            <a:noAutofit/>
-          </a:bodyPr>
-          <a:lstStyle/>
-          <a:p>
-            <a:pPr marL="0" lvl="0" indent="0" algn="ctr" rtl="0">
-              <a:spcBef>
-                <a:spcPts val="0"/>
-              </a:spcBef>
-              <a:spcAft>
-                <a:spcPts val="0"/>
-              </a:spcAft>
-              <a:buNone/>
-            </a:pPr>
-            <a:r>
-              <a:rPr lang="ko" sz="1000">
+              </a:endParaRPr>
+            </a:p>
+          </p:txBody>
+        </p:sp>
+        <p:sp>
+          <p:nvSpPr>
+            <p:cNvPr id="260" name="Google Shape;260;p4"/>
+            <p:cNvSpPr/>
+            <p:nvPr/>
+          </p:nvSpPr>
+          <p:spPr>
+            <a:xfrm>
+              <a:off x="2395725" y="4458850"/>
+              <a:ext cx="1476600" cy="349800"/>
+            </a:xfrm>
+            <a:prstGeom prst="rect">
+              <a:avLst/>
+            </a:prstGeom>
+            <a:solidFill>
+              <a:srgbClr val="6D9EEB"/>
+            </a:solidFill>
+            <a:ln w="9525" cap="flat" cmpd="sng">
+              <a:noFill/>
+              <a:prstDash val="solid"/>
+              <a:round/>
+              <a:headEnd type="none" w="sm" len="sm"/>
+              <a:tailEnd type="none" w="sm" len="sm"/>
+            </a:ln>
+          </p:spPr>
+          <p:txBody>
+            <a:bodyPr spcFirstLastPara="1" wrap="square" lIns="91425" tIns="91425" rIns="91425" bIns="91425" anchor="ctr" anchorCtr="0">
+              <a:noAutofit/>
+            </a:bodyPr>
+            <a:lstStyle/>
+            <a:p>
+              <a:pPr marL="0" lvl="0" indent="0" algn="ctr" rtl="0">
+                <a:spcBef>
+                  <a:spcPts val="0"/>
+                </a:spcBef>
+                <a:spcAft>
+                  <a:spcPts val="0"/>
+                </a:spcAft>
+                <a:buNone/>
+              </a:pPr>
+              <a:r>
+                <a:rPr lang="ko" sz="1000">
+                  <a:solidFill>
+                    <a:schemeClr val="lt1"/>
+                  </a:solidFill>
+                  <a:latin typeface="Microsoft GothicNeo Light" panose="020B0300000101010101" pitchFamily="50" charset="-127"/>
+                  <a:ea typeface="Microsoft GothicNeo Light" panose="020B0300000101010101" pitchFamily="50" charset="-127"/>
+                  <a:cs typeface="Microsoft GothicNeo Light" panose="020B0300000101010101" pitchFamily="50" charset="-127"/>
+                </a:rPr>
+                <a:t>void SVSendScene</a:t>
+              </a:r>
+              <a:endParaRPr sz="1000">
                 <a:solidFill>
                   <a:schemeClr val="lt1"/>
                 </a:solidFill>
                 <a:latin typeface="Microsoft GothicNeo Light" panose="020B0300000101010101" pitchFamily="50" charset="-127"/>
                 <a:ea typeface="Microsoft GothicNeo Light" panose="020B0300000101010101" pitchFamily="50" charset="-127"/>
                 <a:cs typeface="Microsoft GothicNeo Light" panose="020B0300000101010101" pitchFamily="50" charset="-127"/>
-              </a:rPr>
-              <a:t>bool CLconnect</a:t>
-            </a:r>
-            <a:endParaRPr sz="1000">
-              <a:solidFill>
-                <a:schemeClr val="lt1"/>
-              </a:solidFill>
-              <a:latin typeface="Microsoft GothicNeo Light" panose="020B0300000101010101" pitchFamily="50" charset="-127"/>
-              <a:ea typeface="Microsoft GothicNeo Light" panose="020B0300000101010101" pitchFamily="50" charset="-127"/>
-              <a:cs typeface="Microsoft GothicNeo Light" panose="020B0300000101010101" pitchFamily="50" charset="-127"/>
-            </a:endParaRPr>
-          </a:p>
-        </p:txBody>
-      </p:sp>
-      <p:sp>
-        <p:nvSpPr>
-          <p:cNvPr id="269" name="Google Shape;269;p4"/>
-          <p:cNvSpPr/>
-          <p:nvPr/>
-        </p:nvSpPr>
-        <p:spPr>
-          <a:xfrm>
-            <a:off x="8890400" y="3607850"/>
-            <a:ext cx="1476600" cy="349800"/>
-          </a:xfrm>
-          <a:prstGeom prst="rect">
-            <a:avLst/>
-          </a:prstGeom>
-          <a:solidFill>
-            <a:srgbClr val="6D9EEB"/>
-          </a:solidFill>
-          <a:ln w="9525" cap="flat" cmpd="sng">
-            <a:noFill/>
-            <a:prstDash val="solid"/>
-            <a:round/>
-            <a:headEnd type="none" w="sm" len="sm"/>
-            <a:tailEnd type="none" w="sm" len="sm"/>
-          </a:ln>
-        </p:spPr>
-        <p:txBody>
-          <a:bodyPr spcFirstLastPara="1" wrap="square" lIns="91425" tIns="91425" rIns="91425" bIns="91425" anchor="ctr" anchorCtr="0">
-            <a:noAutofit/>
-          </a:bodyPr>
-          <a:lstStyle/>
-          <a:p>
-            <a:pPr marL="0" lvl="0" indent="0" algn="ctr" rtl="0">
-              <a:spcBef>
-                <a:spcPts val="0"/>
-              </a:spcBef>
-              <a:spcAft>
-                <a:spcPts val="0"/>
-              </a:spcAft>
-              <a:buNone/>
-            </a:pPr>
-            <a:r>
-              <a:rPr lang="ko" sz="1000">
+              </a:endParaRPr>
+            </a:p>
+          </p:txBody>
+        </p:sp>
+        <p:sp>
+          <p:nvSpPr>
+            <p:cNvPr id="261" name="Google Shape;261;p4"/>
+            <p:cNvSpPr/>
+            <p:nvPr/>
+          </p:nvSpPr>
+          <p:spPr>
+            <a:xfrm>
+              <a:off x="2395725" y="4884350"/>
+              <a:ext cx="1476600" cy="349800"/>
+            </a:xfrm>
+            <a:prstGeom prst="rect">
+              <a:avLst/>
+            </a:prstGeom>
+            <a:solidFill>
+              <a:srgbClr val="6D9EEB"/>
+            </a:solidFill>
+            <a:ln w="9525" cap="flat" cmpd="sng">
+              <a:noFill/>
+              <a:prstDash val="solid"/>
+              <a:round/>
+              <a:headEnd type="none" w="sm" len="sm"/>
+              <a:tailEnd type="none" w="sm" len="sm"/>
+            </a:ln>
+          </p:spPr>
+          <p:txBody>
+            <a:bodyPr spcFirstLastPara="1" wrap="square" lIns="91425" tIns="91425" rIns="91425" bIns="91425" anchor="ctr" anchorCtr="0">
+              <a:noAutofit/>
+            </a:bodyPr>
+            <a:lstStyle/>
+            <a:p>
+              <a:pPr marL="0" lvl="0" indent="0" algn="ctr" rtl="0">
+                <a:spcBef>
+                  <a:spcPts val="0"/>
+                </a:spcBef>
+                <a:spcAft>
+                  <a:spcPts val="0"/>
+                </a:spcAft>
+                <a:buNone/>
+              </a:pPr>
+              <a:r>
+                <a:rPr lang="ko" sz="1000">
+                  <a:solidFill>
+                    <a:schemeClr val="lt1"/>
+                  </a:solidFill>
+                  <a:latin typeface="Microsoft GothicNeo Light" panose="020B0300000101010101" pitchFamily="50" charset="-127"/>
+                  <a:ea typeface="Microsoft GothicNeo Light" panose="020B0300000101010101" pitchFamily="50" charset="-127"/>
+                  <a:cs typeface="Microsoft GothicNeo Light" panose="020B0300000101010101" pitchFamily="50" charset="-127"/>
+                </a:rPr>
+                <a:t>void SVSendCharSel</a:t>
+              </a:r>
+              <a:endParaRPr sz="1000">
                 <a:solidFill>
                   <a:schemeClr val="lt1"/>
                 </a:solidFill>
                 <a:latin typeface="Microsoft GothicNeo Light" panose="020B0300000101010101" pitchFamily="50" charset="-127"/>
                 <a:ea typeface="Microsoft GothicNeo Light" panose="020B0300000101010101" pitchFamily="50" charset="-127"/>
                 <a:cs typeface="Microsoft GothicNeo Light" panose="020B0300000101010101" pitchFamily="50" charset="-127"/>
-              </a:rPr>
-              <a:t>void CLSendData</a:t>
-            </a:r>
-            <a:endParaRPr sz="1000">
-              <a:solidFill>
-                <a:schemeClr val="lt1"/>
-              </a:solidFill>
-              <a:latin typeface="Microsoft GothicNeo Light" panose="020B0300000101010101" pitchFamily="50" charset="-127"/>
-              <a:ea typeface="Microsoft GothicNeo Light" panose="020B0300000101010101" pitchFamily="50" charset="-127"/>
-              <a:cs typeface="Microsoft GothicNeo Light" panose="020B0300000101010101" pitchFamily="50" charset="-127"/>
-            </a:endParaRPr>
-          </a:p>
-        </p:txBody>
-      </p:sp>
-      <p:sp>
-        <p:nvSpPr>
-          <p:cNvPr id="270" name="Google Shape;270;p4"/>
-          <p:cNvSpPr/>
-          <p:nvPr/>
-        </p:nvSpPr>
-        <p:spPr>
-          <a:xfrm>
-            <a:off x="8890400" y="4033350"/>
-            <a:ext cx="1476600" cy="349800"/>
-          </a:xfrm>
-          <a:prstGeom prst="rect">
-            <a:avLst/>
-          </a:prstGeom>
-          <a:solidFill>
-            <a:srgbClr val="6D9EEB"/>
-          </a:solidFill>
-          <a:ln w="9525" cap="flat" cmpd="sng">
-            <a:noFill/>
-            <a:prstDash val="solid"/>
-            <a:round/>
-            <a:headEnd type="none" w="sm" len="sm"/>
-            <a:tailEnd type="none" w="sm" len="sm"/>
-          </a:ln>
-        </p:spPr>
-        <p:txBody>
-          <a:bodyPr spcFirstLastPara="1" wrap="square" lIns="91425" tIns="91425" rIns="91425" bIns="91425" anchor="ctr" anchorCtr="0">
-            <a:noAutofit/>
-          </a:bodyPr>
-          <a:lstStyle/>
-          <a:p>
-            <a:pPr marL="0" lvl="0" indent="0" algn="ctr" rtl="0">
-              <a:spcBef>
-                <a:spcPts val="0"/>
-              </a:spcBef>
-              <a:spcAft>
-                <a:spcPts val="0"/>
-              </a:spcAft>
-              <a:buNone/>
-            </a:pPr>
-            <a:r>
-              <a:rPr lang="ko" sz="1000">
+              </a:endParaRPr>
+            </a:p>
+          </p:txBody>
+        </p:sp>
+        <p:sp>
+          <p:nvSpPr>
+            <p:cNvPr id="262" name="Google Shape;262;p4"/>
+            <p:cNvSpPr/>
+            <p:nvPr/>
+          </p:nvSpPr>
+          <p:spPr>
+            <a:xfrm>
+              <a:off x="2395725" y="3607850"/>
+              <a:ext cx="1476600" cy="349800"/>
+            </a:xfrm>
+            <a:prstGeom prst="rect">
+              <a:avLst/>
+            </a:prstGeom>
+            <a:solidFill>
+              <a:srgbClr val="6D9EEB"/>
+            </a:solidFill>
+            <a:ln w="9525" cap="flat" cmpd="sng">
+              <a:noFill/>
+              <a:prstDash val="solid"/>
+              <a:round/>
+              <a:headEnd type="none" w="sm" len="sm"/>
+              <a:tailEnd type="none" w="sm" len="sm"/>
+            </a:ln>
+          </p:spPr>
+          <p:txBody>
+            <a:bodyPr spcFirstLastPara="1" wrap="square" lIns="91425" tIns="91425" rIns="91425" bIns="91425" anchor="ctr" anchorCtr="0">
+              <a:noAutofit/>
+            </a:bodyPr>
+            <a:lstStyle/>
+            <a:p>
+              <a:pPr marL="0" lvl="0" indent="0" algn="ctr" rtl="0">
+                <a:spcBef>
+                  <a:spcPts val="0"/>
+                </a:spcBef>
+                <a:spcAft>
+                  <a:spcPts val="0"/>
+                </a:spcAft>
+                <a:buNone/>
+              </a:pPr>
+              <a:r>
+                <a:rPr lang="ko" sz="1000">
+                  <a:solidFill>
+                    <a:schemeClr val="lt1"/>
+                  </a:solidFill>
+                  <a:latin typeface="Microsoft GothicNeo Light" panose="020B0300000101010101" pitchFamily="50" charset="-127"/>
+                  <a:ea typeface="Microsoft GothicNeo Light" panose="020B0300000101010101" pitchFamily="50" charset="-127"/>
+                  <a:cs typeface="Microsoft GothicNeo Light" panose="020B0300000101010101" pitchFamily="50" charset="-127"/>
+                </a:rPr>
+                <a:t>void SVSendMainGm</a:t>
+              </a:r>
+              <a:endParaRPr sz="1000">
                 <a:solidFill>
                   <a:schemeClr val="lt1"/>
                 </a:solidFill>
                 <a:latin typeface="Microsoft GothicNeo Light" panose="020B0300000101010101" pitchFamily="50" charset="-127"/>
                 <a:ea typeface="Microsoft GothicNeo Light" panose="020B0300000101010101" pitchFamily="50" charset="-127"/>
                 <a:cs typeface="Microsoft GothicNeo Light" panose="020B0300000101010101" pitchFamily="50" charset="-127"/>
-              </a:rPr>
-              <a:t>void CLLobbySend</a:t>
-            </a:r>
-            <a:endParaRPr sz="1000">
-              <a:solidFill>
-                <a:schemeClr val="lt1"/>
-              </a:solidFill>
-              <a:latin typeface="Microsoft GothicNeo Light" panose="020B0300000101010101" pitchFamily="50" charset="-127"/>
-              <a:ea typeface="Microsoft GothicNeo Light" panose="020B0300000101010101" pitchFamily="50" charset="-127"/>
-              <a:cs typeface="Microsoft GothicNeo Light" panose="020B0300000101010101" pitchFamily="50" charset="-127"/>
-            </a:endParaRPr>
-          </a:p>
-        </p:txBody>
-      </p:sp>
-      <p:sp>
-        <p:nvSpPr>
-          <p:cNvPr id="271" name="Google Shape;271;p4"/>
-          <p:cNvSpPr/>
-          <p:nvPr/>
-        </p:nvSpPr>
-        <p:spPr>
-          <a:xfrm>
-            <a:off x="8890400" y="3182350"/>
-            <a:ext cx="1476600" cy="349800"/>
-          </a:xfrm>
-          <a:prstGeom prst="rect">
-            <a:avLst/>
-          </a:prstGeom>
-          <a:solidFill>
-            <a:srgbClr val="6D9EEB"/>
-          </a:solidFill>
-          <a:ln w="9525" cap="flat" cmpd="sng">
-            <a:noFill/>
-            <a:prstDash val="solid"/>
-            <a:round/>
-            <a:headEnd type="none" w="sm" len="sm"/>
-            <a:tailEnd type="none" w="sm" len="sm"/>
-          </a:ln>
-        </p:spPr>
-        <p:txBody>
-          <a:bodyPr spcFirstLastPara="1" wrap="square" lIns="91425" tIns="91425" rIns="91425" bIns="91425" anchor="ctr" anchorCtr="0">
-            <a:noAutofit/>
-          </a:bodyPr>
-          <a:lstStyle/>
-          <a:p>
-            <a:pPr marL="0" lvl="0" indent="0" algn="ctr" rtl="0">
-              <a:spcBef>
-                <a:spcPts val="0"/>
-              </a:spcBef>
-              <a:spcAft>
-                <a:spcPts val="0"/>
-              </a:spcAft>
-              <a:buNone/>
-            </a:pPr>
-            <a:r>
-              <a:rPr lang="ko" sz="1000">
+              </a:endParaRPr>
+            </a:p>
+          </p:txBody>
+        </p:sp>
+        <p:sp>
+          <p:nvSpPr>
+            <p:cNvPr id="263" name="Google Shape;263;p4"/>
+            <p:cNvSpPr/>
+            <p:nvPr/>
+          </p:nvSpPr>
+          <p:spPr>
+            <a:xfrm>
+              <a:off x="4339125" y="3182350"/>
+              <a:ext cx="1476600" cy="349800"/>
+            </a:xfrm>
+            <a:prstGeom prst="rect">
+              <a:avLst/>
+            </a:prstGeom>
+            <a:solidFill>
+              <a:srgbClr val="6D9EEB"/>
+            </a:solidFill>
+            <a:ln w="9525" cap="flat" cmpd="sng">
+              <a:noFill/>
+              <a:prstDash val="solid"/>
+              <a:round/>
+              <a:headEnd type="none" w="sm" len="sm"/>
+              <a:tailEnd type="none" w="sm" len="sm"/>
+            </a:ln>
+          </p:spPr>
+          <p:txBody>
+            <a:bodyPr spcFirstLastPara="1" wrap="square" lIns="91425" tIns="91425" rIns="91425" bIns="91425" anchor="ctr" anchorCtr="0">
+              <a:noAutofit/>
+            </a:bodyPr>
+            <a:lstStyle/>
+            <a:p>
+              <a:pPr marL="0" lvl="0" indent="0" algn="ctr" rtl="0">
+                <a:spcBef>
+                  <a:spcPts val="0"/>
+                </a:spcBef>
+                <a:spcAft>
+                  <a:spcPts val="0"/>
+                </a:spcAft>
+                <a:buNone/>
+              </a:pPr>
+              <a:r>
+                <a:rPr lang="ko" sz="1000">
+                  <a:solidFill>
+                    <a:schemeClr val="lt1"/>
+                  </a:solidFill>
+                  <a:latin typeface="Microsoft GothicNeo Light" panose="020B0300000101010101" pitchFamily="50" charset="-127"/>
+                  <a:ea typeface="Microsoft GothicNeo Light" panose="020B0300000101010101" pitchFamily="50" charset="-127"/>
+                  <a:cs typeface="Microsoft GothicNeo Light" panose="020B0300000101010101" pitchFamily="50" charset="-127"/>
+                </a:rPr>
+                <a:t>void UpdatePLInfo</a:t>
+              </a:r>
+              <a:endParaRPr sz="1000">
                 <a:solidFill>
                   <a:schemeClr val="lt1"/>
                 </a:solidFill>
                 <a:latin typeface="Microsoft GothicNeo Light" panose="020B0300000101010101" pitchFamily="50" charset="-127"/>
                 <a:ea typeface="Microsoft GothicNeo Light" panose="020B0300000101010101" pitchFamily="50" charset="-127"/>
                 <a:cs typeface="Microsoft GothicNeo Light" panose="020B0300000101010101" pitchFamily="50" charset="-127"/>
-              </a:rPr>
-              <a:t>void SendKeyInfo</a:t>
-            </a:r>
-            <a:endParaRPr sz="1000">
-              <a:solidFill>
-                <a:schemeClr val="lt1"/>
-              </a:solidFill>
-              <a:latin typeface="Microsoft GothicNeo Light" panose="020B0300000101010101" pitchFamily="50" charset="-127"/>
-              <a:ea typeface="Microsoft GothicNeo Light" panose="020B0300000101010101" pitchFamily="50" charset="-127"/>
-              <a:cs typeface="Microsoft GothicNeo Light" panose="020B0300000101010101" pitchFamily="50" charset="-127"/>
-            </a:endParaRPr>
-          </a:p>
-        </p:txBody>
-      </p:sp>
-      <p:sp>
-        <p:nvSpPr>
-          <p:cNvPr id="272" name="Google Shape;272;p4"/>
-          <p:cNvSpPr/>
-          <p:nvPr/>
-        </p:nvSpPr>
-        <p:spPr>
-          <a:xfrm>
-            <a:off x="8890400" y="6176722"/>
-            <a:ext cx="1476600" cy="349800"/>
-          </a:xfrm>
-          <a:prstGeom prst="rect">
-            <a:avLst/>
-          </a:prstGeom>
-          <a:solidFill>
-            <a:srgbClr val="6D9EEB"/>
-          </a:solidFill>
-          <a:ln w="9525" cap="flat" cmpd="sng">
-            <a:noFill/>
-            <a:prstDash val="solid"/>
-            <a:round/>
-            <a:headEnd type="none" w="sm" len="sm"/>
-            <a:tailEnd type="none" w="sm" len="sm"/>
-          </a:ln>
-        </p:spPr>
-        <p:txBody>
-          <a:bodyPr spcFirstLastPara="1" wrap="square" lIns="91425" tIns="91425" rIns="91425" bIns="91425" anchor="ctr" anchorCtr="0">
-            <a:noAutofit/>
-          </a:bodyPr>
-          <a:lstStyle/>
-          <a:p>
-            <a:pPr marL="0" lvl="0" indent="0" algn="ctr" rtl="0">
-              <a:spcBef>
-                <a:spcPts val="0"/>
-              </a:spcBef>
-              <a:spcAft>
-                <a:spcPts val="0"/>
-              </a:spcAft>
-              <a:buNone/>
-            </a:pPr>
-            <a:r>
-              <a:rPr lang="ko" sz="1000" dirty="0">
+              </a:endParaRPr>
+            </a:p>
+          </p:txBody>
+        </p:sp>
+        <p:sp>
+          <p:nvSpPr>
+            <p:cNvPr id="264" name="Google Shape;264;p4"/>
+            <p:cNvSpPr/>
+            <p:nvPr/>
+          </p:nvSpPr>
+          <p:spPr>
+            <a:xfrm>
+              <a:off x="4339125" y="3607850"/>
+              <a:ext cx="1476600" cy="349800"/>
+            </a:xfrm>
+            <a:prstGeom prst="rect">
+              <a:avLst/>
+            </a:prstGeom>
+            <a:solidFill>
+              <a:srgbClr val="6D9EEB"/>
+            </a:solidFill>
+            <a:ln w="9525" cap="flat" cmpd="sng">
+              <a:noFill/>
+              <a:prstDash val="solid"/>
+              <a:round/>
+              <a:headEnd type="none" w="sm" len="sm"/>
+              <a:tailEnd type="none" w="sm" len="sm"/>
+            </a:ln>
+          </p:spPr>
+          <p:txBody>
+            <a:bodyPr spcFirstLastPara="1" wrap="square" lIns="91425" tIns="91425" rIns="91425" bIns="91425" anchor="ctr" anchorCtr="0">
+              <a:noAutofit/>
+            </a:bodyPr>
+            <a:lstStyle/>
+            <a:p>
+              <a:pPr marL="0" lvl="0" indent="0" algn="ctr" rtl="0">
+                <a:spcBef>
+                  <a:spcPts val="0"/>
+                </a:spcBef>
+                <a:spcAft>
+                  <a:spcPts val="0"/>
+                </a:spcAft>
+                <a:buNone/>
+              </a:pPr>
+              <a:r>
+                <a:rPr lang="ko" sz="1000">
+                  <a:solidFill>
+                    <a:schemeClr val="lt1"/>
+                  </a:solidFill>
+                  <a:latin typeface="Microsoft GothicNeo Light" panose="020B0300000101010101" pitchFamily="50" charset="-127"/>
+                  <a:ea typeface="Microsoft GothicNeo Light" panose="020B0300000101010101" pitchFamily="50" charset="-127"/>
+                  <a:cs typeface="Microsoft GothicNeo Light" panose="020B0300000101010101" pitchFamily="50" charset="-127"/>
+                </a:rPr>
+                <a:t>void UpdateScene</a:t>
+              </a:r>
+              <a:endParaRPr sz="1000">
                 <a:solidFill>
                   <a:schemeClr val="lt1"/>
                 </a:solidFill>
                 <a:latin typeface="Microsoft GothicNeo Light" panose="020B0300000101010101" pitchFamily="50" charset="-127"/>
                 <a:ea typeface="Microsoft GothicNeo Light" panose="020B0300000101010101" pitchFamily="50" charset="-127"/>
                 <a:cs typeface="Microsoft GothicNeo Light" panose="020B0300000101010101" pitchFamily="50" charset="-127"/>
-              </a:rPr>
-              <a:t>void RecvTimer</a:t>
-            </a:r>
-            <a:endParaRPr sz="1000" dirty="0">
-              <a:solidFill>
-                <a:schemeClr val="lt1"/>
-              </a:solidFill>
-              <a:latin typeface="Microsoft GothicNeo Light" panose="020B0300000101010101" pitchFamily="50" charset="-127"/>
-              <a:ea typeface="Microsoft GothicNeo Light" panose="020B0300000101010101" pitchFamily="50" charset="-127"/>
-              <a:cs typeface="Microsoft GothicNeo Light" panose="020B0300000101010101" pitchFamily="50" charset="-127"/>
-            </a:endParaRPr>
-          </a:p>
-        </p:txBody>
-      </p:sp>
-      <p:sp>
-        <p:nvSpPr>
-          <p:cNvPr id="273" name="Google Shape;273;p4"/>
-          <p:cNvSpPr/>
-          <p:nvPr/>
-        </p:nvSpPr>
-        <p:spPr>
-          <a:xfrm>
-            <a:off x="10843550" y="3182350"/>
-            <a:ext cx="1476600" cy="349800"/>
-          </a:xfrm>
-          <a:prstGeom prst="rect">
-            <a:avLst/>
-          </a:prstGeom>
-          <a:solidFill>
-            <a:srgbClr val="6D9EEB"/>
-          </a:solidFill>
-          <a:ln w="9525" cap="flat" cmpd="sng">
-            <a:noFill/>
-            <a:prstDash val="solid"/>
-            <a:round/>
-            <a:headEnd type="none" w="sm" len="sm"/>
-            <a:tailEnd type="none" w="sm" len="sm"/>
-          </a:ln>
-        </p:spPr>
-        <p:txBody>
-          <a:bodyPr spcFirstLastPara="1" wrap="square" lIns="91425" tIns="91425" rIns="91425" bIns="91425" anchor="ctr" anchorCtr="0">
-            <a:noAutofit/>
-          </a:bodyPr>
-          <a:lstStyle/>
-          <a:p>
-            <a:pPr marL="0" lvl="0" indent="0" algn="ctr" rtl="0">
-              <a:spcBef>
-                <a:spcPts val="0"/>
-              </a:spcBef>
-              <a:spcAft>
-                <a:spcPts val="0"/>
-              </a:spcAft>
-              <a:buNone/>
-            </a:pPr>
-            <a:r>
-              <a:rPr lang="ko" sz="1000">
+              </a:endParaRPr>
+            </a:p>
+          </p:txBody>
+        </p:sp>
+        <p:sp>
+          <p:nvSpPr>
+            <p:cNvPr id="265" name="Google Shape;265;p4"/>
+            <p:cNvSpPr/>
+            <p:nvPr/>
+          </p:nvSpPr>
+          <p:spPr>
+            <a:xfrm>
+              <a:off x="4339125" y="4033350"/>
+              <a:ext cx="1476600" cy="349800"/>
+            </a:xfrm>
+            <a:prstGeom prst="rect">
+              <a:avLst/>
+            </a:prstGeom>
+            <a:solidFill>
+              <a:srgbClr val="6D9EEB"/>
+            </a:solidFill>
+            <a:ln w="9525" cap="flat" cmpd="sng">
+              <a:noFill/>
+              <a:prstDash val="solid"/>
+              <a:round/>
+              <a:headEnd type="none" w="sm" len="sm"/>
+              <a:tailEnd type="none" w="sm" len="sm"/>
+            </a:ln>
+          </p:spPr>
+          <p:txBody>
+            <a:bodyPr spcFirstLastPara="1" wrap="square" lIns="91425" tIns="91425" rIns="91425" bIns="91425" anchor="ctr" anchorCtr="0">
+              <a:noAutofit/>
+            </a:bodyPr>
+            <a:lstStyle/>
+            <a:p>
+              <a:pPr marL="0" lvl="0" indent="0" algn="ctr" rtl="0">
+                <a:spcBef>
+                  <a:spcPts val="0"/>
+                </a:spcBef>
+                <a:spcAft>
+                  <a:spcPts val="0"/>
+                </a:spcAft>
+                <a:buNone/>
+              </a:pPr>
+              <a:r>
+                <a:rPr lang="ko" sz="1000">
+                  <a:solidFill>
+                    <a:schemeClr val="lt1"/>
+                  </a:solidFill>
+                  <a:latin typeface="Microsoft GothicNeo Light" panose="020B0300000101010101" pitchFamily="50" charset="-127"/>
+                  <a:ea typeface="Microsoft GothicNeo Light" panose="020B0300000101010101" pitchFamily="50" charset="-127"/>
+                  <a:cs typeface="Microsoft GothicNeo Light" panose="020B0300000101010101" pitchFamily="50" charset="-127"/>
+                </a:rPr>
+                <a:t>void PLCollision</a:t>
+              </a:r>
+              <a:endParaRPr sz="1000">
                 <a:solidFill>
                   <a:schemeClr val="lt1"/>
                 </a:solidFill>
                 <a:latin typeface="Microsoft GothicNeo Light" panose="020B0300000101010101" pitchFamily="50" charset="-127"/>
                 <a:ea typeface="Microsoft GothicNeo Light" panose="020B0300000101010101" pitchFamily="50" charset="-127"/>
                 <a:cs typeface="Microsoft GothicNeo Light" panose="020B0300000101010101" pitchFamily="50" charset="-127"/>
-              </a:rPr>
-              <a:t>void UpdatePL</a:t>
-            </a:r>
-            <a:endParaRPr sz="1000">
-              <a:solidFill>
-                <a:schemeClr val="lt1"/>
-              </a:solidFill>
-              <a:latin typeface="Microsoft GothicNeo Light" panose="020B0300000101010101" pitchFamily="50" charset="-127"/>
-              <a:ea typeface="Microsoft GothicNeo Light" panose="020B0300000101010101" pitchFamily="50" charset="-127"/>
-              <a:cs typeface="Microsoft GothicNeo Light" panose="020B0300000101010101" pitchFamily="50" charset="-127"/>
-            </a:endParaRPr>
-          </a:p>
-        </p:txBody>
-      </p:sp>
-      <p:sp>
-        <p:nvSpPr>
-          <p:cNvPr id="274" name="Google Shape;274;p4"/>
-          <p:cNvSpPr/>
-          <p:nvPr/>
-        </p:nvSpPr>
-        <p:spPr>
-          <a:xfrm>
-            <a:off x="10843550" y="3607850"/>
-            <a:ext cx="1476600" cy="349800"/>
-          </a:xfrm>
-          <a:prstGeom prst="rect">
-            <a:avLst/>
-          </a:prstGeom>
-          <a:solidFill>
-            <a:srgbClr val="6D9EEB"/>
-          </a:solidFill>
-          <a:ln w="9525" cap="flat" cmpd="sng">
-            <a:noFill/>
-            <a:prstDash val="solid"/>
-            <a:round/>
-            <a:headEnd type="none" w="sm" len="sm"/>
-            <a:tailEnd type="none" w="sm" len="sm"/>
-          </a:ln>
-        </p:spPr>
-        <p:txBody>
-          <a:bodyPr spcFirstLastPara="1" wrap="square" lIns="91425" tIns="91425" rIns="91425" bIns="91425" anchor="ctr" anchorCtr="0">
-            <a:noAutofit/>
-          </a:bodyPr>
-          <a:lstStyle/>
-          <a:p>
-            <a:pPr marL="0" lvl="0" indent="0" algn="ctr" rtl="0">
-              <a:spcBef>
-                <a:spcPts val="0"/>
-              </a:spcBef>
-              <a:spcAft>
-                <a:spcPts val="0"/>
-              </a:spcAft>
-              <a:buNone/>
-            </a:pPr>
-            <a:r>
-              <a:rPr lang="ko" sz="1000">
+              </a:endParaRPr>
+            </a:p>
+          </p:txBody>
+        </p:sp>
+        <p:sp>
+          <p:nvSpPr>
+            <p:cNvPr id="266" name="Google Shape;266;p4"/>
+            <p:cNvSpPr/>
+            <p:nvPr/>
+          </p:nvSpPr>
+          <p:spPr>
+            <a:xfrm>
+              <a:off x="4339125" y="4458850"/>
+              <a:ext cx="1476600" cy="349800"/>
+            </a:xfrm>
+            <a:prstGeom prst="rect">
+              <a:avLst/>
+            </a:prstGeom>
+            <a:solidFill>
+              <a:srgbClr val="6D9EEB"/>
+            </a:solidFill>
+            <a:ln w="9525" cap="flat" cmpd="sng">
+              <a:noFill/>
+              <a:prstDash val="solid"/>
+              <a:round/>
+              <a:headEnd type="none" w="sm" len="sm"/>
+              <a:tailEnd type="none" w="sm" len="sm"/>
+            </a:ln>
+          </p:spPr>
+          <p:txBody>
+            <a:bodyPr spcFirstLastPara="1" wrap="square" lIns="91425" tIns="91425" rIns="91425" bIns="91425" anchor="ctr" anchorCtr="0">
+              <a:noAutofit/>
+            </a:bodyPr>
+            <a:lstStyle/>
+            <a:p>
+              <a:pPr marL="0" lvl="0" indent="0" algn="ctr" rtl="0">
+                <a:spcBef>
+                  <a:spcPts val="0"/>
+                </a:spcBef>
+                <a:spcAft>
+                  <a:spcPts val="0"/>
+                </a:spcAft>
+                <a:buNone/>
+              </a:pPr>
+              <a:r>
+                <a:rPr lang="ko" sz="1000">
+                  <a:solidFill>
+                    <a:schemeClr val="lt1"/>
+                  </a:solidFill>
+                  <a:latin typeface="Microsoft GothicNeo Light" panose="020B0300000101010101" pitchFamily="50" charset="-127"/>
+                  <a:ea typeface="Microsoft GothicNeo Light" panose="020B0300000101010101" pitchFamily="50" charset="-127"/>
+                  <a:cs typeface="Microsoft GothicNeo Light" panose="020B0300000101010101" pitchFamily="50" charset="-127"/>
+                </a:rPr>
+                <a:t>void PLDamaged</a:t>
+              </a:r>
+              <a:endParaRPr sz="1000">
                 <a:solidFill>
                   <a:schemeClr val="lt1"/>
                 </a:solidFill>
                 <a:latin typeface="Microsoft GothicNeo Light" panose="020B0300000101010101" pitchFamily="50" charset="-127"/>
                 <a:ea typeface="Microsoft GothicNeo Light" panose="020B0300000101010101" pitchFamily="50" charset="-127"/>
                 <a:cs typeface="Microsoft GothicNeo Light" panose="020B0300000101010101" pitchFamily="50" charset="-127"/>
-              </a:rPr>
-              <a:t>void UpdateScene</a:t>
-            </a:r>
-            <a:endParaRPr sz="1000">
-              <a:solidFill>
-                <a:schemeClr val="lt1"/>
-              </a:solidFill>
-              <a:latin typeface="Microsoft GothicNeo Light" panose="020B0300000101010101" pitchFamily="50" charset="-127"/>
-              <a:ea typeface="Microsoft GothicNeo Light" panose="020B0300000101010101" pitchFamily="50" charset="-127"/>
-              <a:cs typeface="Microsoft GothicNeo Light" panose="020B0300000101010101" pitchFamily="50" charset="-127"/>
-            </a:endParaRPr>
-          </a:p>
-        </p:txBody>
-      </p:sp>
-      <p:sp>
-        <p:nvSpPr>
-          <p:cNvPr id="275" name="Google Shape;275;p4"/>
-          <p:cNvSpPr txBox="1"/>
-          <p:nvPr/>
-        </p:nvSpPr>
-        <p:spPr>
-          <a:xfrm>
-            <a:off x="704175" y="2466425"/>
-            <a:ext cx="972900" cy="369300"/>
-          </a:xfrm>
-          <a:prstGeom prst="rect">
-            <a:avLst/>
-          </a:prstGeom>
-          <a:noFill/>
-          <a:ln>
-            <a:noFill/>
-          </a:ln>
-        </p:spPr>
-        <p:txBody>
-          <a:bodyPr spcFirstLastPara="1" wrap="square" lIns="91425" tIns="91425" rIns="91425" bIns="91425" anchor="ctr" anchorCtr="0">
-            <a:noAutofit/>
-          </a:bodyPr>
-          <a:lstStyle/>
-          <a:p>
-            <a:pPr marL="0" lvl="0" indent="0" algn="ctr" rtl="0">
-              <a:spcBef>
-                <a:spcPts val="0"/>
-              </a:spcBef>
-              <a:spcAft>
-                <a:spcPts val="0"/>
-              </a:spcAft>
-              <a:buNone/>
-            </a:pPr>
-            <a:r>
-              <a:rPr lang="ko" sz="1000">
+              </a:endParaRPr>
+            </a:p>
+          </p:txBody>
+        </p:sp>
+        <p:sp>
+          <p:nvSpPr>
+            <p:cNvPr id="267" name="Google Shape;267;p4"/>
+            <p:cNvSpPr/>
+            <p:nvPr/>
+          </p:nvSpPr>
+          <p:spPr>
+            <a:xfrm>
+              <a:off x="6937250" y="3182350"/>
+              <a:ext cx="1476600" cy="349800"/>
+            </a:xfrm>
+            <a:prstGeom prst="rect">
+              <a:avLst/>
+            </a:prstGeom>
+            <a:solidFill>
+              <a:srgbClr val="6D9EEB"/>
+            </a:solidFill>
+            <a:ln w="9525" cap="flat" cmpd="sng">
+              <a:noFill/>
+              <a:prstDash val="solid"/>
+              <a:round/>
+              <a:headEnd type="none" w="sm" len="sm"/>
+              <a:tailEnd type="none" w="sm" len="sm"/>
+            </a:ln>
+          </p:spPr>
+          <p:txBody>
+            <a:bodyPr spcFirstLastPara="1" wrap="square" lIns="91425" tIns="91425" rIns="91425" bIns="91425" anchor="ctr" anchorCtr="0">
+              <a:noAutofit/>
+            </a:bodyPr>
+            <a:lstStyle/>
+            <a:p>
+              <a:pPr marL="0" lvl="0" indent="0" algn="ctr" rtl="0">
+                <a:spcBef>
+                  <a:spcPts val="0"/>
+                </a:spcBef>
+                <a:spcAft>
+                  <a:spcPts val="0"/>
+                </a:spcAft>
+                <a:buNone/>
+              </a:pPr>
+              <a:r>
+                <a:rPr lang="ko" sz="1000">
+                  <a:solidFill>
+                    <a:schemeClr val="lt1"/>
+                  </a:solidFill>
+                  <a:latin typeface="Microsoft GothicNeo Light" panose="020B0300000101010101" pitchFamily="50" charset="-127"/>
+                  <a:ea typeface="Microsoft GothicNeo Light" panose="020B0300000101010101" pitchFamily="50" charset="-127"/>
+                  <a:cs typeface="Microsoft GothicNeo Light" panose="020B0300000101010101" pitchFamily="50" charset="-127"/>
+                </a:rPr>
+                <a:t>void CreateSocket</a:t>
+              </a:r>
+              <a:endParaRPr sz="1000">
+                <a:solidFill>
+                  <a:schemeClr val="lt1"/>
+                </a:solidFill>
                 <a:latin typeface="Microsoft GothicNeo Light" panose="020B0300000101010101" pitchFamily="50" charset="-127"/>
                 <a:ea typeface="Microsoft GothicNeo Light" panose="020B0300000101010101" pitchFamily="50" charset="-127"/>
                 <a:cs typeface="Microsoft GothicNeo Light" panose="020B0300000101010101" pitchFamily="50" charset="-127"/>
-              </a:rPr>
-              <a:t>Game Setting</a:t>
-            </a:r>
-            <a:endParaRPr sz="1000">
-              <a:latin typeface="Microsoft GothicNeo Light" panose="020B0300000101010101" pitchFamily="50" charset="-127"/>
-              <a:ea typeface="Microsoft GothicNeo Light" panose="020B0300000101010101" pitchFamily="50" charset="-127"/>
-              <a:cs typeface="Microsoft GothicNeo Light" panose="020B0300000101010101" pitchFamily="50" charset="-127"/>
-            </a:endParaRPr>
-          </a:p>
-        </p:txBody>
-      </p:sp>
-      <p:sp>
-        <p:nvSpPr>
-          <p:cNvPr id="276" name="Google Shape;276;p4"/>
-          <p:cNvSpPr txBox="1"/>
-          <p:nvPr/>
-        </p:nvSpPr>
-        <p:spPr>
-          <a:xfrm>
-            <a:off x="4509675" y="2466425"/>
-            <a:ext cx="1135500" cy="369300"/>
-          </a:xfrm>
-          <a:prstGeom prst="rect">
-            <a:avLst/>
-          </a:prstGeom>
-          <a:noFill/>
-          <a:ln>
-            <a:noFill/>
-          </a:ln>
-        </p:spPr>
-        <p:txBody>
-          <a:bodyPr spcFirstLastPara="1" wrap="square" lIns="91425" tIns="91425" rIns="91425" bIns="91425" anchor="ctr" anchorCtr="0">
-            <a:noAutofit/>
-          </a:bodyPr>
-          <a:lstStyle/>
-          <a:p>
-            <a:pPr marL="0" lvl="0" indent="0" algn="ctr" rtl="0">
-              <a:spcBef>
-                <a:spcPts val="0"/>
-              </a:spcBef>
-              <a:spcAft>
-                <a:spcPts val="0"/>
-              </a:spcAft>
-              <a:buNone/>
-            </a:pPr>
-            <a:r>
-              <a:rPr lang="ko" sz="1000" dirty="0">
+              </a:endParaRPr>
+            </a:p>
+          </p:txBody>
+        </p:sp>
+        <p:sp>
+          <p:nvSpPr>
+            <p:cNvPr id="268" name="Google Shape;268;p4"/>
+            <p:cNvSpPr/>
+            <p:nvPr/>
+          </p:nvSpPr>
+          <p:spPr>
+            <a:xfrm>
+              <a:off x="6937250" y="3607850"/>
+              <a:ext cx="1476600" cy="349800"/>
+            </a:xfrm>
+            <a:prstGeom prst="rect">
+              <a:avLst/>
+            </a:prstGeom>
+            <a:solidFill>
+              <a:srgbClr val="6D9EEB"/>
+            </a:solidFill>
+            <a:ln w="9525" cap="flat" cmpd="sng">
+              <a:noFill/>
+              <a:prstDash val="solid"/>
+              <a:round/>
+              <a:headEnd type="none" w="sm" len="sm"/>
+              <a:tailEnd type="none" w="sm" len="sm"/>
+            </a:ln>
+          </p:spPr>
+          <p:txBody>
+            <a:bodyPr spcFirstLastPara="1" wrap="square" lIns="91425" tIns="91425" rIns="91425" bIns="91425" anchor="ctr" anchorCtr="0">
+              <a:noAutofit/>
+            </a:bodyPr>
+            <a:lstStyle/>
+            <a:p>
+              <a:pPr marL="0" lvl="0" indent="0" algn="ctr" rtl="0">
+                <a:spcBef>
+                  <a:spcPts val="0"/>
+                </a:spcBef>
+                <a:spcAft>
+                  <a:spcPts val="0"/>
+                </a:spcAft>
+                <a:buNone/>
+              </a:pPr>
+              <a:r>
+                <a:rPr lang="ko" sz="1000">
+                  <a:solidFill>
+                    <a:schemeClr val="lt1"/>
+                  </a:solidFill>
+                  <a:latin typeface="Microsoft GothicNeo Light" panose="020B0300000101010101" pitchFamily="50" charset="-127"/>
+                  <a:ea typeface="Microsoft GothicNeo Light" panose="020B0300000101010101" pitchFamily="50" charset="-127"/>
+                  <a:cs typeface="Microsoft GothicNeo Light" panose="020B0300000101010101" pitchFamily="50" charset="-127"/>
+                </a:rPr>
+                <a:t>bool CLconnect</a:t>
+              </a:r>
+              <a:endParaRPr sz="1000">
+                <a:solidFill>
+                  <a:schemeClr val="lt1"/>
+                </a:solidFill>
                 <a:latin typeface="Microsoft GothicNeo Light" panose="020B0300000101010101" pitchFamily="50" charset="-127"/>
                 <a:ea typeface="Microsoft GothicNeo Light" panose="020B0300000101010101" pitchFamily="50" charset="-127"/>
                 <a:cs typeface="Microsoft GothicNeo Light" panose="020B0300000101010101" pitchFamily="50" charset="-127"/>
-              </a:rPr>
-              <a:t>Game Update</a:t>
-            </a:r>
-            <a:endParaRPr sz="1000" dirty="0">
-              <a:latin typeface="Microsoft GothicNeo Light" panose="020B0300000101010101" pitchFamily="50" charset="-127"/>
-              <a:ea typeface="Microsoft GothicNeo Light" panose="020B0300000101010101" pitchFamily="50" charset="-127"/>
-              <a:cs typeface="Microsoft GothicNeo Light" panose="020B0300000101010101" pitchFamily="50" charset="-127"/>
-            </a:endParaRPr>
-          </a:p>
-        </p:txBody>
-      </p:sp>
-      <p:sp>
-        <p:nvSpPr>
-          <p:cNvPr id="277" name="Google Shape;277;p4"/>
-          <p:cNvSpPr txBox="1"/>
-          <p:nvPr/>
-        </p:nvSpPr>
-        <p:spPr>
-          <a:xfrm>
-            <a:off x="2566275" y="2466425"/>
-            <a:ext cx="1135500" cy="369300"/>
-          </a:xfrm>
-          <a:prstGeom prst="rect">
-            <a:avLst/>
-          </a:prstGeom>
-          <a:noFill/>
-          <a:ln>
-            <a:noFill/>
-          </a:ln>
-        </p:spPr>
-        <p:txBody>
-          <a:bodyPr spcFirstLastPara="1" wrap="square" lIns="91425" tIns="91425" rIns="91425" bIns="91425" anchor="ctr" anchorCtr="0">
-            <a:noAutofit/>
-          </a:bodyPr>
-          <a:lstStyle/>
-          <a:p>
-            <a:pPr marL="0" lvl="0" indent="0" algn="ctr" rtl="0">
-              <a:spcBef>
-                <a:spcPts val="0"/>
-              </a:spcBef>
-              <a:spcAft>
-                <a:spcPts val="0"/>
-              </a:spcAft>
-              <a:buNone/>
-            </a:pPr>
-            <a:r>
-              <a:rPr lang="ko" sz="1000">
+              </a:endParaRPr>
+            </a:p>
+          </p:txBody>
+        </p:sp>
+        <p:sp>
+          <p:nvSpPr>
+            <p:cNvPr id="269" name="Google Shape;269;p4"/>
+            <p:cNvSpPr/>
+            <p:nvPr/>
+          </p:nvSpPr>
+          <p:spPr>
+            <a:xfrm>
+              <a:off x="8890400" y="3607850"/>
+              <a:ext cx="1476600" cy="349800"/>
+            </a:xfrm>
+            <a:prstGeom prst="rect">
+              <a:avLst/>
+            </a:prstGeom>
+            <a:solidFill>
+              <a:srgbClr val="6D9EEB"/>
+            </a:solidFill>
+            <a:ln w="9525" cap="flat" cmpd="sng">
+              <a:noFill/>
+              <a:prstDash val="solid"/>
+              <a:round/>
+              <a:headEnd type="none" w="sm" len="sm"/>
+              <a:tailEnd type="none" w="sm" len="sm"/>
+            </a:ln>
+          </p:spPr>
+          <p:txBody>
+            <a:bodyPr spcFirstLastPara="1" wrap="square" lIns="91425" tIns="91425" rIns="91425" bIns="91425" anchor="ctr" anchorCtr="0">
+              <a:noAutofit/>
+            </a:bodyPr>
+            <a:lstStyle/>
+            <a:p>
+              <a:pPr marL="0" lvl="0" indent="0" algn="ctr" rtl="0">
+                <a:spcBef>
+                  <a:spcPts val="0"/>
+                </a:spcBef>
+                <a:spcAft>
+                  <a:spcPts val="0"/>
+                </a:spcAft>
+                <a:buNone/>
+              </a:pPr>
+              <a:r>
+                <a:rPr lang="ko" sz="1000">
+                  <a:solidFill>
+                    <a:schemeClr val="lt1"/>
+                  </a:solidFill>
+                  <a:latin typeface="Microsoft GothicNeo Light" panose="020B0300000101010101" pitchFamily="50" charset="-127"/>
+                  <a:ea typeface="Microsoft GothicNeo Light" panose="020B0300000101010101" pitchFamily="50" charset="-127"/>
+                  <a:cs typeface="Microsoft GothicNeo Light" panose="020B0300000101010101" pitchFamily="50" charset="-127"/>
+                </a:rPr>
+                <a:t>void CLSendData</a:t>
+              </a:r>
+              <a:endParaRPr sz="1000">
+                <a:solidFill>
+                  <a:schemeClr val="lt1"/>
+                </a:solidFill>
                 <a:latin typeface="Microsoft GothicNeo Light" panose="020B0300000101010101" pitchFamily="50" charset="-127"/>
                 <a:ea typeface="Microsoft GothicNeo Light" panose="020B0300000101010101" pitchFamily="50" charset="-127"/>
                 <a:cs typeface="Microsoft GothicNeo Light" panose="020B0300000101010101" pitchFamily="50" charset="-127"/>
-              </a:rPr>
-              <a:t>Send Data</a:t>
-            </a:r>
-            <a:endParaRPr sz="1000">
-              <a:latin typeface="Microsoft GothicNeo Light" panose="020B0300000101010101" pitchFamily="50" charset="-127"/>
-              <a:ea typeface="Microsoft GothicNeo Light" panose="020B0300000101010101" pitchFamily="50" charset="-127"/>
-              <a:cs typeface="Microsoft GothicNeo Light" panose="020B0300000101010101" pitchFamily="50" charset="-127"/>
-            </a:endParaRPr>
-          </a:p>
-        </p:txBody>
-      </p:sp>
-      <p:sp>
-        <p:nvSpPr>
-          <p:cNvPr id="278" name="Google Shape;278;p4"/>
-          <p:cNvSpPr txBox="1"/>
-          <p:nvPr/>
-        </p:nvSpPr>
-        <p:spPr>
-          <a:xfrm>
-            <a:off x="7189100" y="2466425"/>
-            <a:ext cx="972900" cy="369300"/>
-          </a:xfrm>
-          <a:prstGeom prst="rect">
-            <a:avLst/>
-          </a:prstGeom>
-          <a:noFill/>
-          <a:ln>
-            <a:noFill/>
-          </a:ln>
-        </p:spPr>
-        <p:txBody>
-          <a:bodyPr spcFirstLastPara="1" wrap="square" lIns="91425" tIns="91425" rIns="91425" bIns="91425" anchor="ctr" anchorCtr="0">
-            <a:noAutofit/>
-          </a:bodyPr>
-          <a:lstStyle/>
-          <a:p>
-            <a:pPr marL="0" lvl="0" indent="0" algn="ctr" rtl="0">
-              <a:spcBef>
-                <a:spcPts val="0"/>
-              </a:spcBef>
-              <a:spcAft>
-                <a:spcPts val="0"/>
-              </a:spcAft>
-              <a:buNone/>
-            </a:pPr>
-            <a:r>
-              <a:rPr lang="ko" sz="1000">
+              </a:endParaRPr>
+            </a:p>
+          </p:txBody>
+        </p:sp>
+        <p:sp>
+          <p:nvSpPr>
+            <p:cNvPr id="270" name="Google Shape;270;p4"/>
+            <p:cNvSpPr/>
+            <p:nvPr/>
+          </p:nvSpPr>
+          <p:spPr>
+            <a:xfrm>
+              <a:off x="8890400" y="4033350"/>
+              <a:ext cx="1476600" cy="349800"/>
+            </a:xfrm>
+            <a:prstGeom prst="rect">
+              <a:avLst/>
+            </a:prstGeom>
+            <a:solidFill>
+              <a:srgbClr val="6D9EEB"/>
+            </a:solidFill>
+            <a:ln w="9525" cap="flat" cmpd="sng">
+              <a:noFill/>
+              <a:prstDash val="solid"/>
+              <a:round/>
+              <a:headEnd type="none" w="sm" len="sm"/>
+              <a:tailEnd type="none" w="sm" len="sm"/>
+            </a:ln>
+          </p:spPr>
+          <p:txBody>
+            <a:bodyPr spcFirstLastPara="1" wrap="square" lIns="91425" tIns="91425" rIns="91425" bIns="91425" anchor="ctr" anchorCtr="0">
+              <a:noAutofit/>
+            </a:bodyPr>
+            <a:lstStyle/>
+            <a:p>
+              <a:pPr marL="0" lvl="0" indent="0" algn="ctr" rtl="0">
+                <a:spcBef>
+                  <a:spcPts val="0"/>
+                </a:spcBef>
+                <a:spcAft>
+                  <a:spcPts val="0"/>
+                </a:spcAft>
+                <a:buNone/>
+              </a:pPr>
+              <a:r>
+                <a:rPr lang="ko" sz="1000">
+                  <a:solidFill>
+                    <a:schemeClr val="lt1"/>
+                  </a:solidFill>
+                  <a:latin typeface="Microsoft GothicNeo Light" panose="020B0300000101010101" pitchFamily="50" charset="-127"/>
+                  <a:ea typeface="Microsoft GothicNeo Light" panose="020B0300000101010101" pitchFamily="50" charset="-127"/>
+                  <a:cs typeface="Microsoft GothicNeo Light" panose="020B0300000101010101" pitchFamily="50" charset="-127"/>
+                </a:rPr>
+                <a:t>void CLLobbySend</a:t>
+              </a:r>
+              <a:endParaRPr sz="1000">
+                <a:solidFill>
+                  <a:schemeClr val="lt1"/>
+                </a:solidFill>
                 <a:latin typeface="Microsoft GothicNeo Light" panose="020B0300000101010101" pitchFamily="50" charset="-127"/>
                 <a:ea typeface="Microsoft GothicNeo Light" panose="020B0300000101010101" pitchFamily="50" charset="-127"/>
                 <a:cs typeface="Microsoft GothicNeo Light" panose="020B0300000101010101" pitchFamily="50" charset="-127"/>
-              </a:rPr>
-              <a:t>Game Setting</a:t>
-            </a:r>
-            <a:endParaRPr sz="1000">
-              <a:latin typeface="Microsoft GothicNeo Light" panose="020B0300000101010101" pitchFamily="50" charset="-127"/>
-              <a:ea typeface="Microsoft GothicNeo Light" panose="020B0300000101010101" pitchFamily="50" charset="-127"/>
-              <a:cs typeface="Microsoft GothicNeo Light" panose="020B0300000101010101" pitchFamily="50" charset="-127"/>
-            </a:endParaRPr>
-          </a:p>
-        </p:txBody>
-      </p:sp>
-      <p:sp>
-        <p:nvSpPr>
-          <p:cNvPr id="279" name="Google Shape;279;p4"/>
-          <p:cNvSpPr txBox="1"/>
-          <p:nvPr/>
-        </p:nvSpPr>
-        <p:spPr>
-          <a:xfrm>
-            <a:off x="9142250" y="2466425"/>
-            <a:ext cx="972900" cy="369300"/>
-          </a:xfrm>
-          <a:prstGeom prst="rect">
-            <a:avLst/>
-          </a:prstGeom>
-          <a:noFill/>
-          <a:ln>
-            <a:noFill/>
-          </a:ln>
-        </p:spPr>
-        <p:txBody>
-          <a:bodyPr spcFirstLastPara="1" wrap="square" lIns="91425" tIns="91425" rIns="91425" bIns="91425" anchor="ctr" anchorCtr="0">
-            <a:noAutofit/>
-          </a:bodyPr>
-          <a:lstStyle/>
-          <a:p>
-            <a:pPr marL="0" lvl="0" indent="0" algn="ctr" rtl="0">
-              <a:spcBef>
-                <a:spcPts val="0"/>
-              </a:spcBef>
-              <a:spcAft>
-                <a:spcPts val="0"/>
-              </a:spcAft>
-              <a:buNone/>
-            </a:pPr>
-            <a:r>
-              <a:rPr lang="ko" sz="1000">
+              </a:endParaRPr>
+            </a:p>
+          </p:txBody>
+        </p:sp>
+        <p:sp>
+          <p:nvSpPr>
+            <p:cNvPr id="271" name="Google Shape;271;p4"/>
+            <p:cNvSpPr/>
+            <p:nvPr/>
+          </p:nvSpPr>
+          <p:spPr>
+            <a:xfrm>
+              <a:off x="8890400" y="3182350"/>
+              <a:ext cx="1476600" cy="349800"/>
+            </a:xfrm>
+            <a:prstGeom prst="rect">
+              <a:avLst/>
+            </a:prstGeom>
+            <a:solidFill>
+              <a:srgbClr val="6D9EEB"/>
+            </a:solidFill>
+            <a:ln w="9525" cap="flat" cmpd="sng">
+              <a:noFill/>
+              <a:prstDash val="solid"/>
+              <a:round/>
+              <a:headEnd type="none" w="sm" len="sm"/>
+              <a:tailEnd type="none" w="sm" len="sm"/>
+            </a:ln>
+          </p:spPr>
+          <p:txBody>
+            <a:bodyPr spcFirstLastPara="1" wrap="square" lIns="91425" tIns="91425" rIns="91425" bIns="91425" anchor="ctr" anchorCtr="0">
+              <a:noAutofit/>
+            </a:bodyPr>
+            <a:lstStyle/>
+            <a:p>
+              <a:pPr marL="0" lvl="0" indent="0" algn="ctr" rtl="0">
+                <a:spcBef>
+                  <a:spcPts val="0"/>
+                </a:spcBef>
+                <a:spcAft>
+                  <a:spcPts val="0"/>
+                </a:spcAft>
+                <a:buNone/>
+              </a:pPr>
+              <a:r>
+                <a:rPr lang="ko" sz="1000">
+                  <a:solidFill>
+                    <a:schemeClr val="lt1"/>
+                  </a:solidFill>
+                  <a:latin typeface="Microsoft GothicNeo Light" panose="020B0300000101010101" pitchFamily="50" charset="-127"/>
+                  <a:ea typeface="Microsoft GothicNeo Light" panose="020B0300000101010101" pitchFamily="50" charset="-127"/>
+                  <a:cs typeface="Microsoft GothicNeo Light" panose="020B0300000101010101" pitchFamily="50" charset="-127"/>
+                </a:rPr>
+                <a:t>void SendKeyInfo</a:t>
+              </a:r>
+              <a:endParaRPr sz="1000">
+                <a:solidFill>
+                  <a:schemeClr val="lt1"/>
+                </a:solidFill>
                 <a:latin typeface="Microsoft GothicNeo Light" panose="020B0300000101010101" pitchFamily="50" charset="-127"/>
                 <a:ea typeface="Microsoft GothicNeo Light" panose="020B0300000101010101" pitchFamily="50" charset="-127"/>
                 <a:cs typeface="Microsoft GothicNeo Light" panose="020B0300000101010101" pitchFamily="50" charset="-127"/>
-              </a:rPr>
-              <a:t>Send Data</a:t>
-            </a:r>
-            <a:endParaRPr sz="1000">
-              <a:latin typeface="Microsoft GothicNeo Light" panose="020B0300000101010101" pitchFamily="50" charset="-127"/>
-              <a:ea typeface="Microsoft GothicNeo Light" panose="020B0300000101010101" pitchFamily="50" charset="-127"/>
-              <a:cs typeface="Microsoft GothicNeo Light" panose="020B0300000101010101" pitchFamily="50" charset="-127"/>
-            </a:endParaRPr>
-          </a:p>
-        </p:txBody>
-      </p:sp>
-      <p:sp>
-        <p:nvSpPr>
-          <p:cNvPr id="280" name="Google Shape;280;p4"/>
-          <p:cNvSpPr txBox="1"/>
-          <p:nvPr/>
-        </p:nvSpPr>
-        <p:spPr>
-          <a:xfrm>
-            <a:off x="11014100" y="2466425"/>
-            <a:ext cx="1135500" cy="369300"/>
-          </a:xfrm>
-          <a:prstGeom prst="rect">
-            <a:avLst/>
-          </a:prstGeom>
-          <a:noFill/>
-          <a:ln>
-            <a:noFill/>
-          </a:ln>
-        </p:spPr>
-        <p:txBody>
-          <a:bodyPr spcFirstLastPara="1" wrap="square" lIns="91425" tIns="91425" rIns="91425" bIns="91425" anchor="ctr" anchorCtr="0">
-            <a:noAutofit/>
-          </a:bodyPr>
-          <a:lstStyle/>
-          <a:p>
-            <a:pPr marL="0" lvl="0" indent="0" algn="ctr" rtl="0">
-              <a:spcBef>
-                <a:spcPts val="0"/>
-              </a:spcBef>
-              <a:spcAft>
-                <a:spcPts val="0"/>
-              </a:spcAft>
-              <a:buNone/>
-            </a:pPr>
-            <a:r>
-              <a:rPr lang="ko" sz="1000">
+              </a:endParaRPr>
+            </a:p>
+          </p:txBody>
+        </p:sp>
+        <p:sp>
+          <p:nvSpPr>
+            <p:cNvPr id="272" name="Google Shape;272;p4"/>
+            <p:cNvSpPr/>
+            <p:nvPr/>
+          </p:nvSpPr>
+          <p:spPr>
+            <a:xfrm>
+              <a:off x="8890400" y="6176722"/>
+              <a:ext cx="1476600" cy="349800"/>
+            </a:xfrm>
+            <a:prstGeom prst="rect">
+              <a:avLst/>
+            </a:prstGeom>
+            <a:solidFill>
+              <a:srgbClr val="6D9EEB"/>
+            </a:solidFill>
+            <a:ln w="9525" cap="flat" cmpd="sng">
+              <a:noFill/>
+              <a:prstDash val="solid"/>
+              <a:round/>
+              <a:headEnd type="none" w="sm" len="sm"/>
+              <a:tailEnd type="none" w="sm" len="sm"/>
+            </a:ln>
+          </p:spPr>
+          <p:txBody>
+            <a:bodyPr spcFirstLastPara="1" wrap="square" lIns="91425" tIns="91425" rIns="91425" bIns="91425" anchor="ctr" anchorCtr="0">
+              <a:noAutofit/>
+            </a:bodyPr>
+            <a:lstStyle/>
+            <a:p>
+              <a:pPr marL="0" lvl="0" indent="0" algn="ctr" rtl="0">
+                <a:spcBef>
+                  <a:spcPts val="0"/>
+                </a:spcBef>
+                <a:spcAft>
+                  <a:spcPts val="0"/>
+                </a:spcAft>
+                <a:buNone/>
+              </a:pPr>
+              <a:r>
+                <a:rPr lang="ko" sz="1000" dirty="0">
+                  <a:solidFill>
+                    <a:schemeClr val="lt1"/>
+                  </a:solidFill>
+                  <a:latin typeface="Microsoft GothicNeo Light" panose="020B0300000101010101" pitchFamily="50" charset="-127"/>
+                  <a:ea typeface="Microsoft GothicNeo Light" panose="020B0300000101010101" pitchFamily="50" charset="-127"/>
+                  <a:cs typeface="Microsoft GothicNeo Light" panose="020B0300000101010101" pitchFamily="50" charset="-127"/>
+                </a:rPr>
+                <a:t>void Recv</a:t>
+              </a:r>
+              <a:endParaRPr sz="1000" dirty="0">
+                <a:solidFill>
+                  <a:schemeClr val="lt1"/>
+                </a:solidFill>
                 <a:latin typeface="Microsoft GothicNeo Light" panose="020B0300000101010101" pitchFamily="50" charset="-127"/>
                 <a:ea typeface="Microsoft GothicNeo Light" panose="020B0300000101010101" pitchFamily="50" charset="-127"/>
                 <a:cs typeface="Microsoft GothicNeo Light" panose="020B0300000101010101" pitchFamily="50" charset="-127"/>
-              </a:rPr>
-              <a:t>Game Update</a:t>
-            </a:r>
-            <a:endParaRPr sz="1000">
-              <a:latin typeface="Microsoft GothicNeo Light" panose="020B0300000101010101" pitchFamily="50" charset="-127"/>
-              <a:ea typeface="Microsoft GothicNeo Light" panose="020B0300000101010101" pitchFamily="50" charset="-127"/>
-              <a:cs typeface="Microsoft GothicNeo Light" panose="020B0300000101010101" pitchFamily="50" charset="-127"/>
-            </a:endParaRPr>
-          </a:p>
-        </p:txBody>
-      </p:sp>
-      <p:sp>
-        <p:nvSpPr>
-          <p:cNvPr id="2" name="Google Shape;272;p4">
-            <a:extLst>
-              <a:ext uri="{FF2B5EF4-FFF2-40B4-BE49-F238E27FC236}">
-                <a16:creationId xmlns:a16="http://schemas.microsoft.com/office/drawing/2014/main" id="{9D6DDFDF-190A-91D2-5315-17CAA6B763F5}"/>
-              </a:ext>
-            </a:extLst>
-          </p:cNvPr>
-          <p:cNvSpPr/>
-          <p:nvPr/>
-        </p:nvSpPr>
-        <p:spPr>
-          <a:xfrm>
-            <a:off x="495701" y="6176722"/>
-            <a:ext cx="949348" cy="349800"/>
-          </a:xfrm>
-          <a:prstGeom prst="rect">
-            <a:avLst/>
-          </a:prstGeom>
-          <a:solidFill>
-            <a:srgbClr val="6D9EEB"/>
-          </a:solidFill>
-          <a:ln w="9525" cap="flat" cmpd="sng">
-            <a:noFill/>
-            <a:prstDash val="solid"/>
-            <a:round/>
-            <a:headEnd type="none" w="sm" len="sm"/>
-            <a:tailEnd type="none" w="sm" len="sm"/>
-          </a:ln>
-        </p:spPr>
-        <p:txBody>
-          <a:bodyPr spcFirstLastPara="1" wrap="square" lIns="91425" tIns="91425" rIns="91425" bIns="91425" anchor="ctr" anchorCtr="0">
-            <a:noAutofit/>
-          </a:bodyPr>
-          <a:lstStyle/>
-          <a:p>
-            <a:pPr marL="0" lvl="0" indent="0" algn="ctr" rtl="0">
-              <a:spcBef>
-                <a:spcPts val="0"/>
-              </a:spcBef>
-              <a:spcAft>
-                <a:spcPts val="0"/>
-              </a:spcAft>
-              <a:buNone/>
-            </a:pPr>
-            <a:r>
-              <a:rPr lang="ko" sz="1000" dirty="0">
+              </a:endParaRPr>
+            </a:p>
+          </p:txBody>
+        </p:sp>
+        <p:sp>
+          <p:nvSpPr>
+            <p:cNvPr id="273" name="Google Shape;273;p4"/>
+            <p:cNvSpPr/>
+            <p:nvPr/>
+          </p:nvSpPr>
+          <p:spPr>
+            <a:xfrm>
+              <a:off x="10843550" y="3182350"/>
+              <a:ext cx="1476600" cy="349800"/>
+            </a:xfrm>
+            <a:prstGeom prst="rect">
+              <a:avLst/>
+            </a:prstGeom>
+            <a:solidFill>
+              <a:srgbClr val="6D9EEB"/>
+            </a:solidFill>
+            <a:ln w="9525" cap="flat" cmpd="sng">
+              <a:noFill/>
+              <a:prstDash val="solid"/>
+              <a:round/>
+              <a:headEnd type="none" w="sm" len="sm"/>
+              <a:tailEnd type="none" w="sm" len="sm"/>
+            </a:ln>
+          </p:spPr>
+          <p:txBody>
+            <a:bodyPr spcFirstLastPara="1" wrap="square" lIns="91425" tIns="91425" rIns="91425" bIns="91425" anchor="ctr" anchorCtr="0">
+              <a:noAutofit/>
+            </a:bodyPr>
+            <a:lstStyle/>
+            <a:p>
+              <a:pPr marL="0" lvl="0" indent="0" algn="ctr" rtl="0">
+                <a:spcBef>
+                  <a:spcPts val="0"/>
+                </a:spcBef>
+                <a:spcAft>
+                  <a:spcPts val="0"/>
+                </a:spcAft>
+                <a:buNone/>
+              </a:pPr>
+              <a:r>
+                <a:rPr lang="ko" sz="1000">
+                  <a:solidFill>
+                    <a:schemeClr val="lt1"/>
+                  </a:solidFill>
+                  <a:latin typeface="Microsoft GothicNeo Light" panose="020B0300000101010101" pitchFamily="50" charset="-127"/>
+                  <a:ea typeface="Microsoft GothicNeo Light" panose="020B0300000101010101" pitchFamily="50" charset="-127"/>
+                  <a:cs typeface="Microsoft GothicNeo Light" panose="020B0300000101010101" pitchFamily="50" charset="-127"/>
+                </a:rPr>
+                <a:t>void UpdatePL</a:t>
+              </a:r>
+              <a:endParaRPr sz="1000">
                 <a:solidFill>
                   <a:schemeClr val="lt1"/>
                 </a:solidFill>
                 <a:latin typeface="Microsoft GothicNeo Light" panose="020B0300000101010101" pitchFamily="50" charset="-127"/>
                 <a:ea typeface="Microsoft GothicNeo Light" panose="020B0300000101010101" pitchFamily="50" charset="-127"/>
                 <a:cs typeface="Microsoft GothicNeo Light" panose="020B0300000101010101" pitchFamily="50" charset="-127"/>
-              </a:rPr>
-              <a:t>void Recv</a:t>
-            </a:r>
-            <a:endParaRPr sz="1000" dirty="0">
-              <a:solidFill>
-                <a:schemeClr val="lt1"/>
-              </a:solidFill>
-              <a:latin typeface="Microsoft GothicNeo Light" panose="020B0300000101010101" pitchFamily="50" charset="-127"/>
-              <a:ea typeface="Microsoft GothicNeo Light" panose="020B0300000101010101" pitchFamily="50" charset="-127"/>
-              <a:cs typeface="Microsoft GothicNeo Light" panose="020B0300000101010101" pitchFamily="50" charset="-127"/>
-            </a:endParaRPr>
-          </a:p>
-        </p:txBody>
-      </p:sp>
-      <p:sp>
-        <p:nvSpPr>
-          <p:cNvPr id="3" name="Google Shape;272;p4">
-            <a:extLst>
-              <a:ext uri="{FF2B5EF4-FFF2-40B4-BE49-F238E27FC236}">
-                <a16:creationId xmlns:a16="http://schemas.microsoft.com/office/drawing/2014/main" id="{5BB5CB8E-4B0B-7048-2CB8-C2316B99DB05}"/>
-              </a:ext>
-            </a:extLst>
-          </p:cNvPr>
-          <p:cNvSpPr/>
-          <p:nvPr/>
-        </p:nvSpPr>
-        <p:spPr>
-          <a:xfrm>
-            <a:off x="1921051" y="6176722"/>
-            <a:ext cx="949348" cy="349800"/>
-          </a:xfrm>
-          <a:prstGeom prst="rect">
-            <a:avLst/>
-          </a:prstGeom>
-          <a:solidFill>
-            <a:srgbClr val="6D9EEB"/>
-          </a:solidFill>
-          <a:ln w="9525" cap="flat" cmpd="sng">
-            <a:noFill/>
-            <a:prstDash val="solid"/>
-            <a:round/>
-            <a:headEnd type="none" w="sm" len="sm"/>
-            <a:tailEnd type="none" w="sm" len="sm"/>
-          </a:ln>
-        </p:spPr>
-        <p:txBody>
-          <a:bodyPr spcFirstLastPara="1" wrap="square" lIns="91425" tIns="91425" rIns="91425" bIns="91425" anchor="ctr" anchorCtr="0">
-            <a:noAutofit/>
-          </a:bodyPr>
-          <a:lstStyle/>
-          <a:p>
-            <a:pPr marL="0" lvl="0" indent="0" algn="ctr" rtl="0">
-              <a:spcBef>
-                <a:spcPts val="0"/>
-              </a:spcBef>
-              <a:spcAft>
-                <a:spcPts val="0"/>
-              </a:spcAft>
-              <a:buNone/>
-            </a:pPr>
-            <a:r>
-              <a:rPr lang="ko" sz="1000" dirty="0">
+              </a:endParaRPr>
+            </a:p>
+          </p:txBody>
+        </p:sp>
+        <p:sp>
+          <p:nvSpPr>
+            <p:cNvPr id="274" name="Google Shape;274;p4"/>
+            <p:cNvSpPr/>
+            <p:nvPr/>
+          </p:nvSpPr>
+          <p:spPr>
+            <a:xfrm>
+              <a:off x="10843550" y="3607850"/>
+              <a:ext cx="1476600" cy="349800"/>
+            </a:xfrm>
+            <a:prstGeom prst="rect">
+              <a:avLst/>
+            </a:prstGeom>
+            <a:solidFill>
+              <a:srgbClr val="6D9EEB"/>
+            </a:solidFill>
+            <a:ln w="9525" cap="flat" cmpd="sng">
+              <a:noFill/>
+              <a:prstDash val="solid"/>
+              <a:round/>
+              <a:headEnd type="none" w="sm" len="sm"/>
+              <a:tailEnd type="none" w="sm" len="sm"/>
+            </a:ln>
+          </p:spPr>
+          <p:txBody>
+            <a:bodyPr spcFirstLastPara="1" wrap="square" lIns="91425" tIns="91425" rIns="91425" bIns="91425" anchor="ctr" anchorCtr="0">
+              <a:noAutofit/>
+            </a:bodyPr>
+            <a:lstStyle/>
+            <a:p>
+              <a:pPr marL="0" lvl="0" indent="0" algn="ctr" rtl="0">
+                <a:spcBef>
+                  <a:spcPts val="0"/>
+                </a:spcBef>
+                <a:spcAft>
+                  <a:spcPts val="0"/>
+                </a:spcAft>
+                <a:buNone/>
+              </a:pPr>
+              <a:r>
+                <a:rPr lang="ko" sz="1000">
+                  <a:solidFill>
+                    <a:schemeClr val="lt1"/>
+                  </a:solidFill>
+                  <a:latin typeface="Microsoft GothicNeo Light" panose="020B0300000101010101" pitchFamily="50" charset="-127"/>
+                  <a:ea typeface="Microsoft GothicNeo Light" panose="020B0300000101010101" pitchFamily="50" charset="-127"/>
+                  <a:cs typeface="Microsoft GothicNeo Light" panose="020B0300000101010101" pitchFamily="50" charset="-127"/>
+                </a:rPr>
+                <a:t>void UpdateScene</a:t>
+              </a:r>
+              <a:endParaRPr sz="1000">
                 <a:solidFill>
                   <a:schemeClr val="lt1"/>
                 </a:solidFill>
                 <a:latin typeface="Microsoft GothicNeo Light" panose="020B0300000101010101" pitchFamily="50" charset="-127"/>
                 <a:ea typeface="Microsoft GothicNeo Light" panose="020B0300000101010101" pitchFamily="50" charset="-127"/>
                 <a:cs typeface="Microsoft GothicNeo Light" panose="020B0300000101010101" pitchFamily="50" charset="-127"/>
-              </a:rPr>
-              <a:t>void Recv</a:t>
-            </a:r>
-            <a:endParaRPr sz="1000" dirty="0">
-              <a:solidFill>
-                <a:schemeClr val="lt1"/>
-              </a:solidFill>
-              <a:latin typeface="Microsoft GothicNeo Light" panose="020B0300000101010101" pitchFamily="50" charset="-127"/>
-              <a:ea typeface="Microsoft GothicNeo Light" panose="020B0300000101010101" pitchFamily="50" charset="-127"/>
-              <a:cs typeface="Microsoft GothicNeo Light" panose="020B0300000101010101" pitchFamily="50" charset="-127"/>
-            </a:endParaRPr>
-          </a:p>
-        </p:txBody>
-      </p:sp>
-      <p:sp>
-        <p:nvSpPr>
-          <p:cNvPr id="4" name="Google Shape;272;p4">
-            <a:extLst>
-              <a:ext uri="{FF2B5EF4-FFF2-40B4-BE49-F238E27FC236}">
-                <a16:creationId xmlns:a16="http://schemas.microsoft.com/office/drawing/2014/main" id="{8A17655E-2E3E-27A4-830D-91731608E320}"/>
-              </a:ext>
-            </a:extLst>
-          </p:cNvPr>
-          <p:cNvSpPr/>
-          <p:nvPr/>
-        </p:nvSpPr>
-        <p:spPr>
-          <a:xfrm>
-            <a:off x="3397336" y="6190611"/>
-            <a:ext cx="949348" cy="349800"/>
-          </a:xfrm>
-          <a:prstGeom prst="rect">
-            <a:avLst/>
-          </a:prstGeom>
-          <a:solidFill>
-            <a:srgbClr val="6D9EEB"/>
-          </a:solidFill>
-          <a:ln w="9525" cap="flat" cmpd="sng">
+              </a:endParaRPr>
+            </a:p>
+          </p:txBody>
+        </p:sp>
+        <p:sp>
+          <p:nvSpPr>
+            <p:cNvPr id="275" name="Google Shape;275;p4"/>
+            <p:cNvSpPr txBox="1"/>
+            <p:nvPr/>
+          </p:nvSpPr>
+          <p:spPr>
+            <a:xfrm>
+              <a:off x="704175" y="2466425"/>
+              <a:ext cx="972900" cy="369300"/>
+            </a:xfrm>
+            <a:prstGeom prst="rect">
+              <a:avLst/>
+            </a:prstGeom>
             <a:noFill/>
-            <a:prstDash val="solid"/>
-            <a:round/>
-            <a:headEnd type="none" w="sm" len="sm"/>
-            <a:tailEnd type="none" w="sm" len="sm"/>
-          </a:ln>
-        </p:spPr>
-        <p:txBody>
-          <a:bodyPr spcFirstLastPara="1" wrap="square" lIns="91425" tIns="91425" rIns="91425" bIns="91425" anchor="ctr" anchorCtr="0">
-            <a:noAutofit/>
-          </a:bodyPr>
-          <a:lstStyle/>
-          <a:p>
-            <a:pPr marL="0" lvl="0" indent="0" algn="ctr" rtl="0">
-              <a:spcBef>
-                <a:spcPts val="0"/>
-              </a:spcBef>
-              <a:spcAft>
-                <a:spcPts val="0"/>
-              </a:spcAft>
-              <a:buNone/>
-            </a:pPr>
-            <a:r>
-              <a:rPr lang="ko" sz="1000" dirty="0">
-                <a:solidFill>
-                  <a:schemeClr val="lt1"/>
-                </a:solidFill>
+            <a:ln>
+              <a:noFill/>
+            </a:ln>
+          </p:spPr>
+          <p:txBody>
+            <a:bodyPr spcFirstLastPara="1" wrap="square" lIns="91425" tIns="91425" rIns="91425" bIns="91425" anchor="ctr" anchorCtr="0">
+              <a:noAutofit/>
+            </a:bodyPr>
+            <a:lstStyle/>
+            <a:p>
+              <a:pPr marL="0" lvl="0" indent="0" algn="ctr" rtl="0">
+                <a:spcBef>
+                  <a:spcPts val="0"/>
+                </a:spcBef>
+                <a:spcAft>
+                  <a:spcPts val="0"/>
+                </a:spcAft>
+                <a:buNone/>
+              </a:pPr>
+              <a:r>
+                <a:rPr lang="ko" sz="1000">
+                  <a:latin typeface="Microsoft GothicNeo Light" panose="020B0300000101010101" pitchFamily="50" charset="-127"/>
+                  <a:ea typeface="Microsoft GothicNeo Light" panose="020B0300000101010101" pitchFamily="50" charset="-127"/>
+                  <a:cs typeface="Microsoft GothicNeo Light" panose="020B0300000101010101" pitchFamily="50" charset="-127"/>
+                </a:rPr>
+                <a:t>Game Setting</a:t>
+              </a:r>
+              <a:endParaRPr sz="1000">
                 <a:latin typeface="Microsoft GothicNeo Light" panose="020B0300000101010101" pitchFamily="50" charset="-127"/>
                 <a:ea typeface="Microsoft GothicNeo Light" panose="020B0300000101010101" pitchFamily="50" charset="-127"/>
                 <a:cs typeface="Microsoft GothicNeo Light" panose="020B0300000101010101" pitchFamily="50" charset="-127"/>
-              </a:rPr>
-              <a:t>void Recv</a:t>
-            </a:r>
-            <a:endParaRPr sz="1000" dirty="0">
-              <a:solidFill>
-                <a:schemeClr val="lt1"/>
-              </a:solidFill>
-              <a:latin typeface="Microsoft GothicNeo Light" panose="020B0300000101010101" pitchFamily="50" charset="-127"/>
-              <a:ea typeface="Microsoft GothicNeo Light" panose="020B0300000101010101" pitchFamily="50" charset="-127"/>
-              <a:cs typeface="Microsoft GothicNeo Light" panose="020B0300000101010101" pitchFamily="50" charset="-127"/>
-            </a:endParaRPr>
-          </a:p>
-        </p:txBody>
-      </p:sp>
-      <p:sp>
-        <p:nvSpPr>
-          <p:cNvPr id="5" name="Google Shape;272;p4">
-            <a:extLst>
-              <a:ext uri="{FF2B5EF4-FFF2-40B4-BE49-F238E27FC236}">
-                <a16:creationId xmlns:a16="http://schemas.microsoft.com/office/drawing/2014/main" id="{6D53D29D-364B-6ABD-4931-C5CC885CAD29}"/>
-              </a:ext>
-            </a:extLst>
-          </p:cNvPr>
-          <p:cNvSpPr/>
-          <p:nvPr/>
-        </p:nvSpPr>
-        <p:spPr>
-          <a:xfrm>
-            <a:off x="4733632" y="6006876"/>
-            <a:ext cx="1124364" cy="349800"/>
-          </a:xfrm>
-          <a:prstGeom prst="rect">
-            <a:avLst/>
-          </a:prstGeom>
-          <a:solidFill>
-            <a:srgbClr val="6D9EEB"/>
-          </a:solidFill>
-          <a:ln w="9525" cap="flat" cmpd="sng">
+              </a:endParaRPr>
+            </a:p>
+          </p:txBody>
+        </p:sp>
+        <p:sp>
+          <p:nvSpPr>
+            <p:cNvPr id="276" name="Google Shape;276;p4"/>
+            <p:cNvSpPr txBox="1"/>
+            <p:nvPr/>
+          </p:nvSpPr>
+          <p:spPr>
+            <a:xfrm>
+              <a:off x="4509675" y="2466425"/>
+              <a:ext cx="1135500" cy="369300"/>
+            </a:xfrm>
+            <a:prstGeom prst="rect">
+              <a:avLst/>
+            </a:prstGeom>
             <a:noFill/>
-            <a:prstDash val="solid"/>
-            <a:round/>
-            <a:headEnd type="none" w="sm" len="sm"/>
-            <a:tailEnd type="none" w="sm" len="sm"/>
-          </a:ln>
-        </p:spPr>
-        <p:txBody>
-          <a:bodyPr spcFirstLastPara="1" wrap="square" lIns="91425" tIns="91425" rIns="91425" bIns="91425" anchor="ctr" anchorCtr="0">
-            <a:noAutofit/>
-          </a:bodyPr>
-          <a:lstStyle/>
-          <a:p>
-            <a:pPr marL="0" lvl="0" indent="0" algn="ctr" rtl="0">
-              <a:spcBef>
-                <a:spcPts val="0"/>
-              </a:spcBef>
-              <a:spcAft>
-                <a:spcPts val="0"/>
-              </a:spcAft>
-              <a:buNone/>
-            </a:pPr>
-            <a:r>
-              <a:rPr lang="en-US" sz="1000" dirty="0">
-                <a:solidFill>
-                  <a:schemeClr val="lt1"/>
-                </a:solidFill>
+            <a:ln>
+              <a:noFill/>
+            </a:ln>
+          </p:spPr>
+          <p:txBody>
+            <a:bodyPr spcFirstLastPara="1" wrap="square" lIns="91425" tIns="91425" rIns="91425" bIns="91425" anchor="ctr" anchorCtr="0">
+              <a:noAutofit/>
+            </a:bodyPr>
+            <a:lstStyle/>
+            <a:p>
+              <a:pPr marL="0" lvl="0" indent="0" algn="ctr" rtl="0">
+                <a:spcBef>
+                  <a:spcPts val="0"/>
+                </a:spcBef>
+                <a:spcAft>
+                  <a:spcPts val="0"/>
+                </a:spcAft>
+                <a:buNone/>
+              </a:pPr>
+              <a:r>
+                <a:rPr lang="ko" sz="1000" dirty="0">
+                  <a:latin typeface="Microsoft GothicNeo Light" panose="020B0300000101010101" pitchFamily="50" charset="-127"/>
+                  <a:ea typeface="Microsoft GothicNeo Light" panose="020B0300000101010101" pitchFamily="50" charset="-127"/>
+                  <a:cs typeface="Microsoft GothicNeo Light" panose="020B0300000101010101" pitchFamily="50" charset="-127"/>
+                </a:rPr>
+                <a:t>Game Update</a:t>
+              </a:r>
+              <a:endParaRPr sz="1000" dirty="0">
                 <a:latin typeface="Microsoft GothicNeo Light" panose="020B0300000101010101" pitchFamily="50" charset="-127"/>
                 <a:ea typeface="Microsoft GothicNeo Light" panose="020B0300000101010101" pitchFamily="50" charset="-127"/>
                 <a:cs typeface="Microsoft GothicNeo Light" panose="020B0300000101010101" pitchFamily="50" charset="-127"/>
-              </a:rPr>
-              <a:t>Void </a:t>
-            </a:r>
-            <a:r>
-              <a:rPr lang="en-US" sz="1000" dirty="0" err="1">
-                <a:solidFill>
-                  <a:schemeClr val="lt1"/>
-                </a:solidFill>
+              </a:endParaRPr>
+            </a:p>
+          </p:txBody>
+        </p:sp>
+        <p:sp>
+          <p:nvSpPr>
+            <p:cNvPr id="277" name="Google Shape;277;p4"/>
+            <p:cNvSpPr txBox="1"/>
+            <p:nvPr/>
+          </p:nvSpPr>
+          <p:spPr>
+            <a:xfrm>
+              <a:off x="2566275" y="2466425"/>
+              <a:ext cx="1135500" cy="369300"/>
+            </a:xfrm>
+            <a:prstGeom prst="rect">
+              <a:avLst/>
+            </a:prstGeom>
+            <a:noFill/>
+            <a:ln>
+              <a:noFill/>
+            </a:ln>
+          </p:spPr>
+          <p:txBody>
+            <a:bodyPr spcFirstLastPara="1" wrap="square" lIns="91425" tIns="91425" rIns="91425" bIns="91425" anchor="ctr" anchorCtr="0">
+              <a:noAutofit/>
+            </a:bodyPr>
+            <a:lstStyle/>
+            <a:p>
+              <a:pPr marL="0" lvl="0" indent="0" algn="ctr" rtl="0">
+                <a:spcBef>
+                  <a:spcPts val="0"/>
+                </a:spcBef>
+                <a:spcAft>
+                  <a:spcPts val="0"/>
+                </a:spcAft>
+                <a:buNone/>
+              </a:pPr>
+              <a:r>
+                <a:rPr lang="ko" sz="1000">
+                  <a:latin typeface="Microsoft GothicNeo Light" panose="020B0300000101010101" pitchFamily="50" charset="-127"/>
+                  <a:ea typeface="Microsoft GothicNeo Light" panose="020B0300000101010101" pitchFamily="50" charset="-127"/>
+                  <a:cs typeface="Microsoft GothicNeo Light" panose="020B0300000101010101" pitchFamily="50" charset="-127"/>
+                </a:rPr>
+                <a:t>Send Data</a:t>
+              </a:r>
+              <a:endParaRPr sz="1000">
                 <a:latin typeface="Microsoft GothicNeo Light" panose="020B0300000101010101" pitchFamily="50" charset="-127"/>
                 <a:ea typeface="Microsoft GothicNeo Light" panose="020B0300000101010101" pitchFamily="50" charset="-127"/>
                 <a:cs typeface="Microsoft GothicNeo Light" panose="020B0300000101010101" pitchFamily="50" charset="-127"/>
-              </a:rPr>
-              <a:t>SetTimer</a:t>
-            </a:r>
-            <a:endParaRPr sz="1000" dirty="0">
-              <a:solidFill>
-                <a:schemeClr val="lt1"/>
-              </a:solidFill>
-              <a:latin typeface="Microsoft GothicNeo Light" panose="020B0300000101010101" pitchFamily="50" charset="-127"/>
-              <a:ea typeface="Microsoft GothicNeo Light" panose="020B0300000101010101" pitchFamily="50" charset="-127"/>
-              <a:cs typeface="Microsoft GothicNeo Light" panose="020B0300000101010101" pitchFamily="50" charset="-127"/>
-            </a:endParaRPr>
-          </a:p>
-        </p:txBody>
-      </p:sp>
-      <p:sp>
-        <p:nvSpPr>
-          <p:cNvPr id="6" name="Google Shape;272;p4">
-            <a:extLst>
-              <a:ext uri="{FF2B5EF4-FFF2-40B4-BE49-F238E27FC236}">
-                <a16:creationId xmlns:a16="http://schemas.microsoft.com/office/drawing/2014/main" id="{F289AB5D-AF58-4E63-B633-AF0D6500EC86}"/>
-              </a:ext>
-            </a:extLst>
-          </p:cNvPr>
-          <p:cNvSpPr/>
-          <p:nvPr/>
-        </p:nvSpPr>
-        <p:spPr>
-          <a:xfrm>
-            <a:off x="4734086" y="6417224"/>
-            <a:ext cx="1124364" cy="349800"/>
-          </a:xfrm>
-          <a:prstGeom prst="rect">
-            <a:avLst/>
-          </a:prstGeom>
-          <a:solidFill>
-            <a:srgbClr val="6D9EEB"/>
-          </a:solidFill>
-          <a:ln w="9525" cap="flat" cmpd="sng">
+              </a:endParaRPr>
+            </a:p>
+          </p:txBody>
+        </p:sp>
+        <p:sp>
+          <p:nvSpPr>
+            <p:cNvPr id="278" name="Google Shape;278;p4"/>
+            <p:cNvSpPr txBox="1"/>
+            <p:nvPr/>
+          </p:nvSpPr>
+          <p:spPr>
+            <a:xfrm>
+              <a:off x="7189100" y="2466425"/>
+              <a:ext cx="972900" cy="369300"/>
+            </a:xfrm>
+            <a:prstGeom prst="rect">
+              <a:avLst/>
+            </a:prstGeom>
             <a:noFill/>
-            <a:prstDash val="solid"/>
-            <a:round/>
-            <a:headEnd type="none" w="sm" len="sm"/>
-            <a:tailEnd type="none" w="sm" len="sm"/>
-          </a:ln>
-        </p:spPr>
-        <p:txBody>
-          <a:bodyPr spcFirstLastPara="1" wrap="square" lIns="91425" tIns="91425" rIns="91425" bIns="91425" anchor="ctr" anchorCtr="0">
-            <a:noAutofit/>
-          </a:bodyPr>
-          <a:lstStyle/>
-          <a:p>
-            <a:pPr marL="0" lvl="0" indent="0" algn="ctr" rtl="0">
-              <a:spcBef>
-                <a:spcPts val="0"/>
-              </a:spcBef>
-              <a:spcAft>
-                <a:spcPts val="0"/>
-              </a:spcAft>
-              <a:buNone/>
-            </a:pPr>
-            <a:r>
-              <a:rPr lang="en-US" sz="1000" dirty="0">
-                <a:solidFill>
-                  <a:schemeClr val="lt1"/>
-                </a:solidFill>
+            <a:ln>
+              <a:noFill/>
+            </a:ln>
+          </p:spPr>
+          <p:txBody>
+            <a:bodyPr spcFirstLastPara="1" wrap="square" lIns="91425" tIns="91425" rIns="91425" bIns="91425" anchor="ctr" anchorCtr="0">
+              <a:noAutofit/>
+            </a:bodyPr>
+            <a:lstStyle/>
+            <a:p>
+              <a:pPr marL="0" lvl="0" indent="0" algn="ctr" rtl="0">
+                <a:spcBef>
+                  <a:spcPts val="0"/>
+                </a:spcBef>
+                <a:spcAft>
+                  <a:spcPts val="0"/>
+                </a:spcAft>
+                <a:buNone/>
+              </a:pPr>
+              <a:r>
+                <a:rPr lang="ko" sz="1000">
+                  <a:latin typeface="Microsoft GothicNeo Light" panose="020B0300000101010101" pitchFamily="50" charset="-127"/>
+                  <a:ea typeface="Microsoft GothicNeo Light" panose="020B0300000101010101" pitchFamily="50" charset="-127"/>
+                  <a:cs typeface="Microsoft GothicNeo Light" panose="020B0300000101010101" pitchFamily="50" charset="-127"/>
+                </a:rPr>
+                <a:t>Game Setting</a:t>
+              </a:r>
+              <a:endParaRPr sz="1000">
                 <a:latin typeface="Microsoft GothicNeo Light" panose="020B0300000101010101" pitchFamily="50" charset="-127"/>
                 <a:ea typeface="Microsoft GothicNeo Light" panose="020B0300000101010101" pitchFamily="50" charset="-127"/>
                 <a:cs typeface="Microsoft GothicNeo Light" panose="020B0300000101010101" pitchFamily="50" charset="-127"/>
-              </a:rPr>
-              <a:t>Void </a:t>
-            </a:r>
-            <a:r>
-              <a:rPr lang="en-US" sz="1000" dirty="0" err="1">
-                <a:solidFill>
-                  <a:schemeClr val="lt1"/>
-                </a:solidFill>
+              </a:endParaRPr>
+            </a:p>
+          </p:txBody>
+        </p:sp>
+        <p:sp>
+          <p:nvSpPr>
+            <p:cNvPr id="279" name="Google Shape;279;p4"/>
+            <p:cNvSpPr txBox="1"/>
+            <p:nvPr/>
+          </p:nvSpPr>
+          <p:spPr>
+            <a:xfrm>
+              <a:off x="9142250" y="2466425"/>
+              <a:ext cx="972900" cy="369300"/>
+            </a:xfrm>
+            <a:prstGeom prst="rect">
+              <a:avLst/>
+            </a:prstGeom>
+            <a:noFill/>
+            <a:ln>
+              <a:noFill/>
+            </a:ln>
+          </p:spPr>
+          <p:txBody>
+            <a:bodyPr spcFirstLastPara="1" wrap="square" lIns="91425" tIns="91425" rIns="91425" bIns="91425" anchor="ctr" anchorCtr="0">
+              <a:noAutofit/>
+            </a:bodyPr>
+            <a:lstStyle/>
+            <a:p>
+              <a:pPr marL="0" lvl="0" indent="0" algn="ctr" rtl="0">
+                <a:spcBef>
+                  <a:spcPts val="0"/>
+                </a:spcBef>
+                <a:spcAft>
+                  <a:spcPts val="0"/>
+                </a:spcAft>
+                <a:buNone/>
+              </a:pPr>
+              <a:r>
+                <a:rPr lang="ko" sz="1000">
+                  <a:latin typeface="Microsoft GothicNeo Light" panose="020B0300000101010101" pitchFamily="50" charset="-127"/>
+                  <a:ea typeface="Microsoft GothicNeo Light" panose="020B0300000101010101" pitchFamily="50" charset="-127"/>
+                  <a:cs typeface="Microsoft GothicNeo Light" panose="020B0300000101010101" pitchFamily="50" charset="-127"/>
+                </a:rPr>
+                <a:t>Send Data</a:t>
+              </a:r>
+              <a:endParaRPr sz="1000">
                 <a:latin typeface="Microsoft GothicNeo Light" panose="020B0300000101010101" pitchFamily="50" charset="-127"/>
                 <a:ea typeface="Microsoft GothicNeo Light" panose="020B0300000101010101" pitchFamily="50" charset="-127"/>
                 <a:cs typeface="Microsoft GothicNeo Light" panose="020B0300000101010101" pitchFamily="50" charset="-127"/>
-              </a:rPr>
-              <a:t>Timer_update</a:t>
-            </a:r>
-            <a:endParaRPr sz="1000" dirty="0">
-              <a:solidFill>
-                <a:schemeClr val="lt1"/>
-              </a:solidFill>
-              <a:latin typeface="Microsoft GothicNeo Light" panose="020B0300000101010101" pitchFamily="50" charset="-127"/>
-              <a:ea typeface="Microsoft GothicNeo Light" panose="020B0300000101010101" pitchFamily="50" charset="-127"/>
-              <a:cs typeface="Microsoft GothicNeo Light" panose="020B0300000101010101" pitchFamily="50" charset="-127"/>
-            </a:endParaRPr>
-          </a:p>
-        </p:txBody>
-      </p:sp>
+              </a:endParaRPr>
+            </a:p>
+          </p:txBody>
+        </p:sp>
+        <p:sp>
+          <p:nvSpPr>
+            <p:cNvPr id="280" name="Google Shape;280;p4"/>
+            <p:cNvSpPr txBox="1"/>
+            <p:nvPr/>
+          </p:nvSpPr>
+          <p:spPr>
+            <a:xfrm>
+              <a:off x="11014100" y="2466425"/>
+              <a:ext cx="1135500" cy="369300"/>
+            </a:xfrm>
+            <a:prstGeom prst="rect">
+              <a:avLst/>
+            </a:prstGeom>
+            <a:noFill/>
+            <a:ln>
+              <a:noFill/>
+            </a:ln>
+          </p:spPr>
+          <p:txBody>
+            <a:bodyPr spcFirstLastPara="1" wrap="square" lIns="91425" tIns="91425" rIns="91425" bIns="91425" anchor="ctr" anchorCtr="0">
+              <a:noAutofit/>
+            </a:bodyPr>
+            <a:lstStyle/>
+            <a:p>
+              <a:pPr marL="0" lvl="0" indent="0" algn="ctr" rtl="0">
+                <a:spcBef>
+                  <a:spcPts val="0"/>
+                </a:spcBef>
+                <a:spcAft>
+                  <a:spcPts val="0"/>
+                </a:spcAft>
+                <a:buNone/>
+              </a:pPr>
+              <a:r>
+                <a:rPr lang="ko" sz="1000">
+                  <a:latin typeface="Microsoft GothicNeo Light" panose="020B0300000101010101" pitchFamily="50" charset="-127"/>
+                  <a:ea typeface="Microsoft GothicNeo Light" panose="020B0300000101010101" pitchFamily="50" charset="-127"/>
+                  <a:cs typeface="Microsoft GothicNeo Light" panose="020B0300000101010101" pitchFamily="50" charset="-127"/>
+                </a:rPr>
+                <a:t>Game Update</a:t>
+              </a:r>
+              <a:endParaRPr sz="1000">
+                <a:latin typeface="Microsoft GothicNeo Light" panose="020B0300000101010101" pitchFamily="50" charset="-127"/>
+                <a:ea typeface="Microsoft GothicNeo Light" panose="020B0300000101010101" pitchFamily="50" charset="-127"/>
+                <a:cs typeface="Microsoft GothicNeo Light" panose="020B0300000101010101" pitchFamily="50" charset="-127"/>
+              </a:endParaRPr>
+            </a:p>
+          </p:txBody>
+        </p:sp>
+        <p:sp>
+          <p:nvSpPr>
+            <p:cNvPr id="2" name="Google Shape;272;p4">
+              <a:extLst>
+                <a:ext uri="{FF2B5EF4-FFF2-40B4-BE49-F238E27FC236}">
+                  <a16:creationId xmlns:a16="http://schemas.microsoft.com/office/drawing/2014/main" id="{9D6DDFDF-190A-91D2-5315-17CAA6B763F5}"/>
+                </a:ext>
+              </a:extLst>
+            </p:cNvPr>
+            <p:cNvSpPr/>
+            <p:nvPr/>
+          </p:nvSpPr>
+          <p:spPr>
+            <a:xfrm>
+              <a:off x="495701" y="6176722"/>
+              <a:ext cx="949348" cy="349800"/>
+            </a:xfrm>
+            <a:prstGeom prst="rect">
+              <a:avLst/>
+            </a:prstGeom>
+            <a:solidFill>
+              <a:srgbClr val="6D9EEB"/>
+            </a:solidFill>
+            <a:ln w="9525" cap="flat" cmpd="sng">
+              <a:noFill/>
+              <a:prstDash val="solid"/>
+              <a:round/>
+              <a:headEnd type="none" w="sm" len="sm"/>
+              <a:tailEnd type="none" w="sm" len="sm"/>
+            </a:ln>
+          </p:spPr>
+          <p:txBody>
+            <a:bodyPr spcFirstLastPara="1" wrap="square" lIns="91425" tIns="91425" rIns="91425" bIns="91425" anchor="ctr" anchorCtr="0">
+              <a:noAutofit/>
+            </a:bodyPr>
+            <a:lstStyle/>
+            <a:p>
+              <a:pPr marL="0" lvl="0" indent="0" algn="ctr" rtl="0">
+                <a:spcBef>
+                  <a:spcPts val="0"/>
+                </a:spcBef>
+                <a:spcAft>
+                  <a:spcPts val="0"/>
+                </a:spcAft>
+                <a:buNone/>
+              </a:pPr>
+              <a:r>
+                <a:rPr lang="ko" sz="1000" dirty="0">
+                  <a:solidFill>
+                    <a:schemeClr val="lt1"/>
+                  </a:solidFill>
+                  <a:latin typeface="Microsoft GothicNeo Light" panose="020B0300000101010101" pitchFamily="50" charset="-127"/>
+                  <a:ea typeface="Microsoft GothicNeo Light" panose="020B0300000101010101" pitchFamily="50" charset="-127"/>
+                  <a:cs typeface="Microsoft GothicNeo Light" panose="020B0300000101010101" pitchFamily="50" charset="-127"/>
+                </a:rPr>
+                <a:t>void Recv</a:t>
+              </a:r>
+              <a:endParaRPr sz="1000" dirty="0">
+                <a:solidFill>
+                  <a:schemeClr val="lt1"/>
+                </a:solidFill>
+                <a:latin typeface="Microsoft GothicNeo Light" panose="020B0300000101010101" pitchFamily="50" charset="-127"/>
+                <a:ea typeface="Microsoft GothicNeo Light" panose="020B0300000101010101" pitchFamily="50" charset="-127"/>
+                <a:cs typeface="Microsoft GothicNeo Light" panose="020B0300000101010101" pitchFamily="50" charset="-127"/>
+              </a:endParaRPr>
+            </a:p>
+          </p:txBody>
+        </p:sp>
+        <p:sp>
+          <p:nvSpPr>
+            <p:cNvPr id="3" name="Google Shape;272;p4">
+              <a:extLst>
+                <a:ext uri="{FF2B5EF4-FFF2-40B4-BE49-F238E27FC236}">
+                  <a16:creationId xmlns:a16="http://schemas.microsoft.com/office/drawing/2014/main" id="{5BB5CB8E-4B0B-7048-2CB8-C2316B99DB05}"/>
+                </a:ext>
+              </a:extLst>
+            </p:cNvPr>
+            <p:cNvSpPr/>
+            <p:nvPr/>
+          </p:nvSpPr>
+          <p:spPr>
+            <a:xfrm>
+              <a:off x="1921051" y="6176722"/>
+              <a:ext cx="949348" cy="349800"/>
+            </a:xfrm>
+            <a:prstGeom prst="rect">
+              <a:avLst/>
+            </a:prstGeom>
+            <a:solidFill>
+              <a:srgbClr val="6D9EEB"/>
+            </a:solidFill>
+            <a:ln w="9525" cap="flat" cmpd="sng">
+              <a:noFill/>
+              <a:prstDash val="solid"/>
+              <a:round/>
+              <a:headEnd type="none" w="sm" len="sm"/>
+              <a:tailEnd type="none" w="sm" len="sm"/>
+            </a:ln>
+          </p:spPr>
+          <p:txBody>
+            <a:bodyPr spcFirstLastPara="1" wrap="square" lIns="91425" tIns="91425" rIns="91425" bIns="91425" anchor="ctr" anchorCtr="0">
+              <a:noAutofit/>
+            </a:bodyPr>
+            <a:lstStyle/>
+            <a:p>
+              <a:pPr marL="0" lvl="0" indent="0" algn="ctr" rtl="0">
+                <a:spcBef>
+                  <a:spcPts val="0"/>
+                </a:spcBef>
+                <a:spcAft>
+                  <a:spcPts val="0"/>
+                </a:spcAft>
+                <a:buNone/>
+              </a:pPr>
+              <a:r>
+                <a:rPr lang="ko" sz="1000" dirty="0">
+                  <a:solidFill>
+                    <a:schemeClr val="lt1"/>
+                  </a:solidFill>
+                  <a:latin typeface="Microsoft GothicNeo Light" panose="020B0300000101010101" pitchFamily="50" charset="-127"/>
+                  <a:ea typeface="Microsoft GothicNeo Light" panose="020B0300000101010101" pitchFamily="50" charset="-127"/>
+                  <a:cs typeface="Microsoft GothicNeo Light" panose="020B0300000101010101" pitchFamily="50" charset="-127"/>
+                </a:rPr>
+                <a:t>void Recv</a:t>
+              </a:r>
+              <a:endParaRPr sz="1000" dirty="0">
+                <a:solidFill>
+                  <a:schemeClr val="lt1"/>
+                </a:solidFill>
+                <a:latin typeface="Microsoft GothicNeo Light" panose="020B0300000101010101" pitchFamily="50" charset="-127"/>
+                <a:ea typeface="Microsoft GothicNeo Light" panose="020B0300000101010101" pitchFamily="50" charset="-127"/>
+                <a:cs typeface="Microsoft GothicNeo Light" panose="020B0300000101010101" pitchFamily="50" charset="-127"/>
+              </a:endParaRPr>
+            </a:p>
+          </p:txBody>
+        </p:sp>
+        <p:sp>
+          <p:nvSpPr>
+            <p:cNvPr id="4" name="Google Shape;272;p4">
+              <a:extLst>
+                <a:ext uri="{FF2B5EF4-FFF2-40B4-BE49-F238E27FC236}">
+                  <a16:creationId xmlns:a16="http://schemas.microsoft.com/office/drawing/2014/main" id="{8A17655E-2E3E-27A4-830D-91731608E320}"/>
+                </a:ext>
+              </a:extLst>
+            </p:cNvPr>
+            <p:cNvSpPr/>
+            <p:nvPr/>
+          </p:nvSpPr>
+          <p:spPr>
+            <a:xfrm>
+              <a:off x="3397336" y="6190611"/>
+              <a:ext cx="949348" cy="349800"/>
+            </a:xfrm>
+            <a:prstGeom prst="rect">
+              <a:avLst/>
+            </a:prstGeom>
+            <a:solidFill>
+              <a:srgbClr val="6D9EEB"/>
+            </a:solidFill>
+            <a:ln w="9525" cap="flat" cmpd="sng">
+              <a:noFill/>
+              <a:prstDash val="solid"/>
+              <a:round/>
+              <a:headEnd type="none" w="sm" len="sm"/>
+              <a:tailEnd type="none" w="sm" len="sm"/>
+            </a:ln>
+          </p:spPr>
+          <p:txBody>
+            <a:bodyPr spcFirstLastPara="1" wrap="square" lIns="91425" tIns="91425" rIns="91425" bIns="91425" anchor="ctr" anchorCtr="0">
+              <a:noAutofit/>
+            </a:bodyPr>
+            <a:lstStyle/>
+            <a:p>
+              <a:pPr marL="0" lvl="0" indent="0" algn="ctr" rtl="0">
+                <a:spcBef>
+                  <a:spcPts val="0"/>
+                </a:spcBef>
+                <a:spcAft>
+                  <a:spcPts val="0"/>
+                </a:spcAft>
+                <a:buNone/>
+              </a:pPr>
+              <a:r>
+                <a:rPr lang="ko" sz="1000" dirty="0">
+                  <a:solidFill>
+                    <a:schemeClr val="lt1"/>
+                  </a:solidFill>
+                  <a:latin typeface="Microsoft GothicNeo Light" panose="020B0300000101010101" pitchFamily="50" charset="-127"/>
+                  <a:ea typeface="Microsoft GothicNeo Light" panose="020B0300000101010101" pitchFamily="50" charset="-127"/>
+                  <a:cs typeface="Microsoft GothicNeo Light" panose="020B0300000101010101" pitchFamily="50" charset="-127"/>
+                </a:rPr>
+                <a:t>void Recv</a:t>
+              </a:r>
+              <a:endParaRPr sz="1000" dirty="0">
+                <a:solidFill>
+                  <a:schemeClr val="lt1"/>
+                </a:solidFill>
+                <a:latin typeface="Microsoft GothicNeo Light" panose="020B0300000101010101" pitchFamily="50" charset="-127"/>
+                <a:ea typeface="Microsoft GothicNeo Light" panose="020B0300000101010101" pitchFamily="50" charset="-127"/>
+                <a:cs typeface="Microsoft GothicNeo Light" panose="020B0300000101010101" pitchFamily="50" charset="-127"/>
+              </a:endParaRPr>
+            </a:p>
+          </p:txBody>
+        </p:sp>
+        <p:sp>
+          <p:nvSpPr>
+            <p:cNvPr id="5" name="Google Shape;272;p4">
+              <a:extLst>
+                <a:ext uri="{FF2B5EF4-FFF2-40B4-BE49-F238E27FC236}">
+                  <a16:creationId xmlns:a16="http://schemas.microsoft.com/office/drawing/2014/main" id="{6D53D29D-364B-6ABD-4931-C5CC885CAD29}"/>
+                </a:ext>
+              </a:extLst>
+            </p:cNvPr>
+            <p:cNvSpPr/>
+            <p:nvPr/>
+          </p:nvSpPr>
+          <p:spPr>
+            <a:xfrm>
+              <a:off x="4733632" y="6006876"/>
+              <a:ext cx="1124364" cy="349800"/>
+            </a:xfrm>
+            <a:prstGeom prst="rect">
+              <a:avLst/>
+            </a:prstGeom>
+            <a:solidFill>
+              <a:srgbClr val="6D9EEB"/>
+            </a:solidFill>
+            <a:ln w="9525" cap="flat" cmpd="sng">
+              <a:noFill/>
+              <a:prstDash val="solid"/>
+              <a:round/>
+              <a:headEnd type="none" w="sm" len="sm"/>
+              <a:tailEnd type="none" w="sm" len="sm"/>
+            </a:ln>
+          </p:spPr>
+          <p:txBody>
+            <a:bodyPr spcFirstLastPara="1" wrap="square" lIns="91425" tIns="91425" rIns="91425" bIns="91425" anchor="ctr" anchorCtr="0">
+              <a:noAutofit/>
+            </a:bodyPr>
+            <a:lstStyle/>
+            <a:p>
+              <a:pPr marL="0" lvl="0" indent="0" algn="ctr" rtl="0">
+                <a:spcBef>
+                  <a:spcPts val="0"/>
+                </a:spcBef>
+                <a:spcAft>
+                  <a:spcPts val="0"/>
+                </a:spcAft>
+                <a:buNone/>
+              </a:pPr>
+              <a:r>
+                <a:rPr lang="en-US" sz="1000" dirty="0">
+                  <a:solidFill>
+                    <a:schemeClr val="lt1"/>
+                  </a:solidFill>
+                  <a:latin typeface="Microsoft GothicNeo Light" panose="020B0300000101010101" pitchFamily="50" charset="-127"/>
+                  <a:ea typeface="Microsoft GothicNeo Light" panose="020B0300000101010101" pitchFamily="50" charset="-127"/>
+                  <a:cs typeface="Microsoft GothicNeo Light" panose="020B0300000101010101" pitchFamily="50" charset="-127"/>
+                </a:rPr>
+                <a:t>Void </a:t>
+              </a:r>
+              <a:r>
+                <a:rPr lang="en-US" sz="1000" dirty="0" err="1">
+                  <a:solidFill>
+                    <a:schemeClr val="lt1"/>
+                  </a:solidFill>
+                  <a:latin typeface="Microsoft GothicNeo Light" panose="020B0300000101010101" pitchFamily="50" charset="-127"/>
+                  <a:ea typeface="Microsoft GothicNeo Light" panose="020B0300000101010101" pitchFamily="50" charset="-127"/>
+                  <a:cs typeface="Microsoft GothicNeo Light" panose="020B0300000101010101" pitchFamily="50" charset="-127"/>
+                </a:rPr>
+                <a:t>SetTimer</a:t>
+              </a:r>
+              <a:endParaRPr sz="1000" dirty="0">
+                <a:solidFill>
+                  <a:schemeClr val="lt1"/>
+                </a:solidFill>
+                <a:latin typeface="Microsoft GothicNeo Light" panose="020B0300000101010101" pitchFamily="50" charset="-127"/>
+                <a:ea typeface="Microsoft GothicNeo Light" panose="020B0300000101010101" pitchFamily="50" charset="-127"/>
+                <a:cs typeface="Microsoft GothicNeo Light" panose="020B0300000101010101" pitchFamily="50" charset="-127"/>
+              </a:endParaRPr>
+            </a:p>
+          </p:txBody>
+        </p:sp>
+        <p:sp>
+          <p:nvSpPr>
+            <p:cNvPr id="6" name="Google Shape;272;p4">
+              <a:extLst>
+                <a:ext uri="{FF2B5EF4-FFF2-40B4-BE49-F238E27FC236}">
+                  <a16:creationId xmlns:a16="http://schemas.microsoft.com/office/drawing/2014/main" id="{F289AB5D-AF58-4E63-B633-AF0D6500EC86}"/>
+                </a:ext>
+              </a:extLst>
+            </p:cNvPr>
+            <p:cNvSpPr/>
+            <p:nvPr/>
+          </p:nvSpPr>
+          <p:spPr>
+            <a:xfrm>
+              <a:off x="4734086" y="6417224"/>
+              <a:ext cx="1124364" cy="349800"/>
+            </a:xfrm>
+            <a:prstGeom prst="rect">
+              <a:avLst/>
+            </a:prstGeom>
+            <a:solidFill>
+              <a:srgbClr val="6D9EEB"/>
+            </a:solidFill>
+            <a:ln w="9525" cap="flat" cmpd="sng">
+              <a:noFill/>
+              <a:prstDash val="solid"/>
+              <a:round/>
+              <a:headEnd type="none" w="sm" len="sm"/>
+              <a:tailEnd type="none" w="sm" len="sm"/>
+            </a:ln>
+          </p:spPr>
+          <p:txBody>
+            <a:bodyPr spcFirstLastPara="1" wrap="square" lIns="91425" tIns="91425" rIns="91425" bIns="91425" anchor="ctr" anchorCtr="0">
+              <a:noAutofit/>
+            </a:bodyPr>
+            <a:lstStyle/>
+            <a:p>
+              <a:pPr marL="0" lvl="0" indent="0" algn="ctr" rtl="0">
+                <a:spcBef>
+                  <a:spcPts val="0"/>
+                </a:spcBef>
+                <a:spcAft>
+                  <a:spcPts val="0"/>
+                </a:spcAft>
+                <a:buNone/>
+              </a:pPr>
+              <a:r>
+                <a:rPr lang="en-US" sz="1000" dirty="0">
+                  <a:solidFill>
+                    <a:schemeClr val="lt1"/>
+                  </a:solidFill>
+                  <a:latin typeface="Microsoft GothicNeo Light" panose="020B0300000101010101" pitchFamily="50" charset="-127"/>
+                  <a:ea typeface="Microsoft GothicNeo Light" panose="020B0300000101010101" pitchFamily="50" charset="-127"/>
+                  <a:cs typeface="Microsoft GothicNeo Light" panose="020B0300000101010101" pitchFamily="50" charset="-127"/>
+                </a:rPr>
+                <a:t>Void </a:t>
+              </a:r>
+              <a:r>
+                <a:rPr lang="en-US" sz="1000" dirty="0" err="1">
+                  <a:solidFill>
+                    <a:schemeClr val="lt1"/>
+                  </a:solidFill>
+                  <a:latin typeface="Microsoft GothicNeo Light" panose="020B0300000101010101" pitchFamily="50" charset="-127"/>
+                  <a:ea typeface="Microsoft GothicNeo Light" panose="020B0300000101010101" pitchFamily="50" charset="-127"/>
+                  <a:cs typeface="Microsoft GothicNeo Light" panose="020B0300000101010101" pitchFamily="50" charset="-127"/>
+                </a:rPr>
+                <a:t>Timer_update</a:t>
+              </a:r>
+              <a:endParaRPr sz="1000" dirty="0">
+                <a:solidFill>
+                  <a:schemeClr val="lt1"/>
+                </a:solidFill>
+                <a:latin typeface="Microsoft GothicNeo Light" panose="020B0300000101010101" pitchFamily="50" charset="-127"/>
+                <a:ea typeface="Microsoft GothicNeo Light" panose="020B0300000101010101" pitchFamily="50" charset="-127"/>
+                <a:cs typeface="Microsoft GothicNeo Light" panose="020B0300000101010101" pitchFamily="50" charset="-127"/>
+              </a:endParaRPr>
+            </a:p>
+          </p:txBody>
+        </p:sp>
+      </p:grpSp>
     </p:spTree>
   </p:cSld>
   <p:clrMapOvr>

--- a/Document/하이레벨 + 스레드.pptx
+++ b/Document/하이레벨 + 스레드.pptx
@@ -260,7 +260,7 @@
       </p15:sldGuideLst>
     </p:ext>
     <p:ext uri="http://customooxmlschemas.google.com/">
-      <go:slidesCustomData xmlns="" xmlns:mc="http://schemas.openxmlformats.org/markup-compatibility/2006" xmlns:mv="urn:schemas-microsoft-com:mac:vml" xmlns:c="http://schemas.openxmlformats.org/drawingml/2006/chart" xmlns:dgm="http://schemas.openxmlformats.org/drawingml/2006/diagram" xmlns:o="urn:schemas-microsoft-com:office:office" xmlns:v="urn:schemas-microsoft-com:vml" xmlns:pvml="urn:schemas-microsoft-com:office:powerpoint" xmlns:com="http://schemas.openxmlformats.org/drawingml/2006/compatibility" xmlns:p14="http://schemas.microsoft.com/office/powerpoint/2010/main" xmlns:p15="http://schemas.microsoft.com/office/powerpoint/2012/main" xmlns:ahyp="http://schemas.microsoft.com/office/drawing/2018/hyperlinkcolor" xmlns:go="http://customooxmlschemas.google.com/" r:id="rId10" roundtripDataSignature="AMtx7mhWvF19jUqzQu0tH54U2TaSRWn9gA=="/>
+      <go:slidesCustomData xmlns:go="http://customooxmlschemas.google.com/" xmlns:ahyp="http://schemas.microsoft.com/office/drawing/2018/hyperlinkcolor" xmlns:p15="http://schemas.microsoft.com/office/powerpoint/2012/main" xmlns:p14="http://schemas.microsoft.com/office/powerpoint/2010/main" xmlns:com="http://schemas.openxmlformats.org/drawingml/2006/compatibility" xmlns:pvml="urn:schemas-microsoft-com:office:powerpoint" xmlns:v="urn:schemas-microsoft-com:vml" xmlns:o="urn:schemas-microsoft-com:office:office" xmlns:dgm="http://schemas.openxmlformats.org/drawingml/2006/diagram" xmlns:c="http://schemas.openxmlformats.org/drawingml/2006/chart" xmlns:mv="urn:schemas-microsoft-com:mac:vml" xmlns:mc="http://schemas.openxmlformats.org/markup-compatibility/2006" xmlns="" r:id="rId10" roundtripDataSignature="AMtx7mhWvF19jUqzQu0tH54U2TaSRWn9gA=="/>
     </p:ext>
   </p:extLst>
 </p:presentation>
@@ -14331,3277 +14331,3064 @@
           </a:fontRef>
         </p:style>
       </p:cxnSp>
-      <p:grpSp>
-        <p:nvGrpSpPr>
-          <p:cNvPr id="30" name="그룹 29">
+      <p:sp>
+        <p:nvSpPr>
+          <p:cNvPr id="159" name="Google Shape;159;p3"/>
+          <p:cNvSpPr/>
+          <p:nvPr/>
+        </p:nvSpPr>
+        <p:spPr>
+          <a:xfrm>
+            <a:off x="393364" y="2452577"/>
+            <a:ext cx="11374069" cy="3264348"/>
+          </a:xfrm>
+          <a:prstGeom prst="roundRect">
+            <a:avLst>
+              <a:gd name="adj" fmla="val 16667"/>
+            </a:avLst>
+          </a:prstGeom>
+          <a:solidFill>
+            <a:srgbClr val="BCBCBC"/>
+          </a:solidFill>
+          <a:ln>
+            <a:noFill/>
+          </a:ln>
+        </p:spPr>
+        <p:txBody>
+          <a:bodyPr spcFirstLastPara="1" wrap="square" lIns="127975" tIns="63975" rIns="127975" bIns="63975" anchor="ctr" anchorCtr="0">
+            <a:noAutofit/>
+          </a:bodyPr>
+          <a:lstStyle/>
+          <a:p>
+            <a:pPr marL="0" marR="0" lvl="0" indent="0" algn="ctr" rtl="0">
+              <a:lnSpc>
+                <a:spcPct val="100000"/>
+              </a:lnSpc>
+              <a:spcBef>
+                <a:spcPts val="0"/>
+              </a:spcBef>
+              <a:spcAft>
+                <a:spcPts val="0"/>
+              </a:spcAft>
+              <a:buNone/>
+            </a:pPr>
+            <a:endParaRPr sz="2800" b="0" i="0" u="none" strike="noStrike" cap="none">
+              <a:solidFill>
+                <a:schemeClr val="lt1"/>
+              </a:solidFill>
+              <a:latin typeface="Microsoft GothicNeo Light" panose="020B0300000101010101" pitchFamily="50" charset="-127"/>
+              <a:ea typeface="Microsoft GothicNeo Light" panose="020B0300000101010101" pitchFamily="50" charset="-127"/>
+              <a:cs typeface="Microsoft GothicNeo Light" panose="020B0300000101010101" pitchFamily="50" charset="-127"/>
+              <a:sym typeface="Arial"/>
+            </a:endParaRPr>
+          </a:p>
+        </p:txBody>
+      </p:sp>
+      <p:sp>
+        <p:nvSpPr>
+          <p:cNvPr id="160" name="Google Shape;160;p3"/>
+          <p:cNvSpPr/>
+          <p:nvPr/>
+        </p:nvSpPr>
+        <p:spPr>
+          <a:xfrm>
+            <a:off x="3400460" y="266700"/>
+            <a:ext cx="2075071" cy="843350"/>
+          </a:xfrm>
+          <a:prstGeom prst="ellipse">
+            <a:avLst/>
+          </a:prstGeom>
+          <a:solidFill>
+            <a:srgbClr val="6D9EEB"/>
+          </a:solidFill>
+          <a:ln>
+            <a:noFill/>
+          </a:ln>
+        </p:spPr>
+        <p:txBody>
+          <a:bodyPr spcFirstLastPara="1" wrap="square" lIns="127975" tIns="127975" rIns="127975" bIns="127975" anchor="ctr" anchorCtr="0">
+            <a:noAutofit/>
+          </a:bodyPr>
+          <a:lstStyle/>
+          <a:p>
+            <a:pPr marL="0" marR="0" lvl="0" indent="0" algn="ctr" rtl="0">
+              <a:lnSpc>
+                <a:spcPct val="100000"/>
+              </a:lnSpc>
+              <a:spcBef>
+                <a:spcPts val="0"/>
+              </a:spcBef>
+              <a:spcAft>
+                <a:spcPts val="0"/>
+              </a:spcAft>
+              <a:buNone/>
+            </a:pPr>
+            <a:r>
+              <a:rPr lang="ko" sz="1100" b="0" i="0" u="none" strike="noStrike" cap="none" dirty="0">
+                <a:solidFill>
+                  <a:schemeClr val="lt1"/>
+                </a:solidFill>
+                <a:latin typeface="Microsoft GothicNeo Light" panose="020B0300000101010101" pitchFamily="50" charset="-127"/>
+                <a:ea typeface="Microsoft GothicNeo Light" panose="020B0300000101010101" pitchFamily="50" charset="-127"/>
+                <a:cs typeface="Microsoft GothicNeo Light" panose="020B0300000101010101" pitchFamily="50" charset="-127"/>
+                <a:sym typeface="Arial"/>
+              </a:rPr>
+              <a:t>메인 게임 화면</a:t>
+            </a:r>
+            <a:endParaRPr sz="1100" b="0" i="0" u="none" strike="noStrike" cap="none" dirty="0">
+              <a:solidFill>
+                <a:schemeClr val="lt1"/>
+              </a:solidFill>
+              <a:latin typeface="Microsoft GothicNeo Light" panose="020B0300000101010101" pitchFamily="50" charset="-127"/>
+              <a:ea typeface="Microsoft GothicNeo Light" panose="020B0300000101010101" pitchFamily="50" charset="-127"/>
+              <a:cs typeface="Microsoft GothicNeo Light" panose="020B0300000101010101" pitchFamily="50" charset="-127"/>
+              <a:sym typeface="Arial"/>
+            </a:endParaRPr>
+          </a:p>
+        </p:txBody>
+      </p:sp>
+      <p:sp>
+        <p:nvSpPr>
+          <p:cNvPr id="161" name="Google Shape;161;p3"/>
+          <p:cNvSpPr/>
+          <p:nvPr/>
+        </p:nvSpPr>
+        <p:spPr>
+          <a:xfrm>
+            <a:off x="8723408" y="266700"/>
+            <a:ext cx="2075071" cy="843350"/>
+          </a:xfrm>
+          <a:prstGeom prst="ellipse">
+            <a:avLst/>
+          </a:prstGeom>
+          <a:solidFill>
+            <a:srgbClr val="6D9EEB"/>
+          </a:solidFill>
+          <a:ln>
+            <a:noFill/>
+          </a:ln>
+        </p:spPr>
+        <p:txBody>
+          <a:bodyPr spcFirstLastPara="1" wrap="square" lIns="127975" tIns="127975" rIns="127975" bIns="127975" anchor="ctr" anchorCtr="0">
+            <a:noAutofit/>
+          </a:bodyPr>
+          <a:lstStyle/>
+          <a:p>
+            <a:pPr marL="0" marR="0" lvl="0" indent="0" algn="ctr" rtl="0">
+              <a:lnSpc>
+                <a:spcPct val="100000"/>
+              </a:lnSpc>
+              <a:spcBef>
+                <a:spcPts val="0"/>
+              </a:spcBef>
+              <a:spcAft>
+                <a:spcPts val="0"/>
+              </a:spcAft>
+              <a:buNone/>
+            </a:pPr>
+            <a:r>
+              <a:rPr lang="ko" sz="1100" b="0" i="0" u="none" strike="noStrike" cap="none">
+                <a:solidFill>
+                  <a:schemeClr val="lt1"/>
+                </a:solidFill>
+                <a:latin typeface="Microsoft GothicNeo Light" panose="020B0300000101010101" pitchFamily="50" charset="-127"/>
+                <a:ea typeface="Microsoft GothicNeo Light" panose="020B0300000101010101" pitchFamily="50" charset="-127"/>
+                <a:cs typeface="Microsoft GothicNeo Light" panose="020B0300000101010101" pitchFamily="50" charset="-127"/>
+                <a:sym typeface="Arial"/>
+              </a:rPr>
+              <a:t>메인 게임 화면</a:t>
+            </a:r>
+            <a:endParaRPr sz="1100" b="0" i="0" u="none" strike="noStrike" cap="none">
+              <a:solidFill>
+                <a:schemeClr val="lt1"/>
+              </a:solidFill>
+              <a:latin typeface="Microsoft GothicNeo Light" panose="020B0300000101010101" pitchFamily="50" charset="-127"/>
+              <a:ea typeface="Microsoft GothicNeo Light" panose="020B0300000101010101" pitchFamily="50" charset="-127"/>
+              <a:cs typeface="Microsoft GothicNeo Light" panose="020B0300000101010101" pitchFamily="50" charset="-127"/>
+              <a:sym typeface="Arial"/>
+            </a:endParaRPr>
+          </a:p>
+        </p:txBody>
+      </p:sp>
+      <p:cxnSp>
+        <p:nvCxnSpPr>
+          <p:cNvPr id="162" name="Google Shape;162;p3"/>
+          <p:cNvCxnSpPr>
+            <a:stCxn id="161" idx="4"/>
+            <a:endCxn id="163" idx="1"/>
+          </p:cNvCxnSpPr>
+          <p:nvPr/>
+        </p:nvCxnSpPr>
+        <p:spPr>
+          <a:xfrm>
+            <a:off x="9760943" y="1110050"/>
+            <a:ext cx="0" cy="851116"/>
+          </a:xfrm>
+          <a:prstGeom prst="straightConnector1">
+            <a:avLst/>
+          </a:prstGeom>
+          <a:noFill/>
+          <a:ln w="9525" cap="flat" cmpd="sng">
+            <a:solidFill>
+              <a:schemeClr val="dk2"/>
+            </a:solidFill>
+            <a:prstDash val="solid"/>
+            <a:round/>
+            <a:headEnd type="none" w="sm" len="sm"/>
+            <a:tailEnd type="triangle" w="med" len="med"/>
+          </a:ln>
+        </p:spPr>
+      </p:cxnSp>
+      <p:sp>
+        <p:nvSpPr>
+          <p:cNvPr id="163" name="Google Shape;163;p3"/>
+          <p:cNvSpPr/>
+          <p:nvPr/>
+        </p:nvSpPr>
+        <p:spPr>
+          <a:xfrm>
+            <a:off x="9085456" y="1960990"/>
+            <a:ext cx="1350976" cy="403064"/>
+          </a:xfrm>
+          <a:prstGeom prst="flowChartInputOutput">
+            <a:avLst/>
+          </a:prstGeom>
+          <a:solidFill>
+            <a:srgbClr val="6D9EEB"/>
+          </a:solidFill>
+          <a:ln>
+            <a:noFill/>
+          </a:ln>
+        </p:spPr>
+        <p:txBody>
+          <a:bodyPr spcFirstLastPara="1" wrap="square" lIns="127975" tIns="127975" rIns="127975" bIns="127975" anchor="ctr" anchorCtr="0">
+            <a:noAutofit/>
+          </a:bodyPr>
+          <a:lstStyle/>
+          <a:p>
+            <a:pPr marL="0" marR="0" lvl="0" indent="0" algn="ctr" rtl="0">
+              <a:lnSpc>
+                <a:spcPct val="100000"/>
+              </a:lnSpc>
+              <a:spcBef>
+                <a:spcPts val="0"/>
+              </a:spcBef>
+              <a:spcAft>
+                <a:spcPts val="0"/>
+              </a:spcAft>
+              <a:buNone/>
+            </a:pPr>
+            <a:r>
+              <a:rPr lang="ko" sz="1100" b="0" i="0" u="none" strike="noStrike" cap="none">
+                <a:solidFill>
+                  <a:schemeClr val="lt1"/>
+                </a:solidFill>
+                <a:latin typeface="Microsoft GothicNeo Light" panose="020B0300000101010101" pitchFamily="50" charset="-127"/>
+                <a:ea typeface="Microsoft GothicNeo Light" panose="020B0300000101010101" pitchFamily="50" charset="-127"/>
+                <a:cs typeface="Microsoft GothicNeo Light" panose="020B0300000101010101" pitchFamily="50" charset="-127"/>
+                <a:sym typeface="Arial"/>
+              </a:rPr>
+              <a:t>게임 실행</a:t>
+            </a:r>
+            <a:endParaRPr sz="1100" b="0" i="0" u="none" strike="noStrike" cap="none">
+              <a:solidFill>
+                <a:schemeClr val="lt1"/>
+              </a:solidFill>
+              <a:latin typeface="Microsoft GothicNeo Light" panose="020B0300000101010101" pitchFamily="50" charset="-127"/>
+              <a:ea typeface="Microsoft GothicNeo Light" panose="020B0300000101010101" pitchFamily="50" charset="-127"/>
+              <a:cs typeface="Microsoft GothicNeo Light" panose="020B0300000101010101" pitchFamily="50" charset="-127"/>
+              <a:sym typeface="Arial"/>
+            </a:endParaRPr>
+          </a:p>
+        </p:txBody>
+      </p:sp>
+      <p:sp>
+        <p:nvSpPr>
+          <p:cNvPr id="166" name="Google Shape;166;p3"/>
+          <p:cNvSpPr/>
+          <p:nvPr/>
+        </p:nvSpPr>
+        <p:spPr>
+          <a:xfrm>
+            <a:off x="9069212" y="3007810"/>
+            <a:ext cx="1367220" cy="403064"/>
+          </a:xfrm>
+          <a:prstGeom prst="roundRect">
+            <a:avLst>
+              <a:gd name="adj" fmla="val 16667"/>
+            </a:avLst>
+          </a:prstGeom>
+          <a:solidFill>
+            <a:srgbClr val="6D9EEB"/>
+          </a:solidFill>
+          <a:ln>
+            <a:noFill/>
+          </a:ln>
+        </p:spPr>
+        <p:txBody>
+          <a:bodyPr spcFirstLastPara="1" wrap="square" lIns="127975" tIns="127975" rIns="127975" bIns="127975" anchor="ctr" anchorCtr="0">
+            <a:noAutofit/>
+          </a:bodyPr>
+          <a:lstStyle/>
+          <a:p>
+            <a:pPr marL="0" marR="0" lvl="0" indent="0" algn="ctr" rtl="0">
+              <a:lnSpc>
+                <a:spcPct val="100000"/>
+              </a:lnSpc>
+              <a:spcBef>
+                <a:spcPts val="0"/>
+              </a:spcBef>
+              <a:spcAft>
+                <a:spcPts val="0"/>
+              </a:spcAft>
+              <a:buNone/>
+            </a:pPr>
+            <a:r>
+              <a:rPr lang="ko-KR" altLang="en-US" sz="1100" dirty="0" err="1">
+                <a:solidFill>
+                  <a:schemeClr val="lt1"/>
+                </a:solidFill>
+                <a:latin typeface="Microsoft GothicNeo Light" panose="020B0300000101010101" pitchFamily="50" charset="-127"/>
+                <a:ea typeface="Microsoft GothicNeo Light" panose="020B0300000101010101" pitchFamily="50" charset="-127"/>
+                <a:cs typeface="Microsoft GothicNeo Light" panose="020B0300000101010101" pitchFamily="50" charset="-127"/>
+              </a:rPr>
+              <a:t>키입력</a:t>
+            </a:r>
+            <a:r>
+              <a:rPr lang="ko-KR" altLang="en-US" sz="1100" dirty="0">
+                <a:solidFill>
+                  <a:schemeClr val="lt1"/>
+                </a:solidFill>
+                <a:latin typeface="Microsoft GothicNeo Light" panose="020B0300000101010101" pitchFamily="50" charset="-127"/>
+                <a:ea typeface="Microsoft GothicNeo Light" panose="020B0300000101010101" pitchFamily="50" charset="-127"/>
+                <a:cs typeface="Microsoft GothicNeo Light" panose="020B0300000101010101" pitchFamily="50" charset="-127"/>
+              </a:rPr>
+              <a:t> </a:t>
+            </a:r>
+            <a:r>
+              <a:rPr lang="ko" sz="1100" b="0" i="0" u="none" strike="noStrike" cap="none" dirty="0">
+                <a:solidFill>
+                  <a:schemeClr val="lt1"/>
+                </a:solidFill>
+                <a:latin typeface="Microsoft GothicNeo Light" panose="020B0300000101010101" pitchFamily="50" charset="-127"/>
+                <a:ea typeface="Microsoft GothicNeo Light" panose="020B0300000101010101" pitchFamily="50" charset="-127"/>
+                <a:cs typeface="Microsoft GothicNeo Light" panose="020B0300000101010101" pitchFamily="50" charset="-127"/>
+                <a:sym typeface="Arial"/>
+              </a:rPr>
+              <a:t>send</a:t>
+            </a:r>
+            <a:endParaRPr sz="1100" b="0" i="0" u="none" strike="noStrike" cap="none" dirty="0">
+              <a:solidFill>
+                <a:schemeClr val="lt1"/>
+              </a:solidFill>
+              <a:latin typeface="Microsoft GothicNeo Light" panose="020B0300000101010101" pitchFamily="50" charset="-127"/>
+              <a:ea typeface="Microsoft GothicNeo Light" panose="020B0300000101010101" pitchFamily="50" charset="-127"/>
+              <a:cs typeface="Microsoft GothicNeo Light" panose="020B0300000101010101" pitchFamily="50" charset="-127"/>
+              <a:sym typeface="Arial"/>
+            </a:endParaRPr>
+          </a:p>
+        </p:txBody>
+      </p:sp>
+      <p:sp>
+        <p:nvSpPr>
+          <p:cNvPr id="168" name="Google Shape;168;p3"/>
+          <p:cNvSpPr/>
+          <p:nvPr/>
+        </p:nvSpPr>
+        <p:spPr>
+          <a:xfrm>
+            <a:off x="5475531" y="3007810"/>
+            <a:ext cx="1097040" cy="403064"/>
+          </a:xfrm>
+          <a:prstGeom prst="roundRect">
+            <a:avLst>
+              <a:gd name="adj" fmla="val 16667"/>
+            </a:avLst>
+          </a:prstGeom>
+          <a:solidFill>
+            <a:srgbClr val="E06666"/>
+          </a:solidFill>
+          <a:ln>
+            <a:noFill/>
+          </a:ln>
+        </p:spPr>
+        <p:txBody>
+          <a:bodyPr spcFirstLastPara="1" wrap="square" lIns="127975" tIns="127975" rIns="127975" bIns="127975" anchor="ctr" anchorCtr="0">
+            <a:noAutofit/>
+          </a:bodyPr>
+          <a:lstStyle/>
+          <a:p>
+            <a:pPr marL="0" marR="0" lvl="0" indent="0" algn="ctr" rtl="0">
+              <a:lnSpc>
+                <a:spcPct val="100000"/>
+              </a:lnSpc>
+              <a:spcBef>
+                <a:spcPts val="0"/>
+              </a:spcBef>
+              <a:spcAft>
+                <a:spcPts val="0"/>
+              </a:spcAft>
+              <a:buNone/>
+            </a:pPr>
+            <a:r>
+              <a:rPr lang="ko" sz="1100" b="0" i="0" u="none" strike="noStrike" cap="none">
+                <a:solidFill>
+                  <a:schemeClr val="lt1"/>
+                </a:solidFill>
+                <a:latin typeface="Microsoft GothicNeo Light" panose="020B0300000101010101" pitchFamily="50" charset="-127"/>
+                <a:ea typeface="Microsoft GothicNeo Light" panose="020B0300000101010101" pitchFamily="50" charset="-127"/>
+                <a:cs typeface="Microsoft GothicNeo Light" panose="020B0300000101010101" pitchFamily="50" charset="-127"/>
+                <a:sym typeface="Arial"/>
+              </a:rPr>
+              <a:t>키 입력 recv</a:t>
+            </a:r>
+            <a:endParaRPr sz="1100" b="0" i="0" u="none" strike="noStrike" cap="none">
+              <a:solidFill>
+                <a:schemeClr val="lt1"/>
+              </a:solidFill>
+              <a:latin typeface="Microsoft GothicNeo Light" panose="020B0300000101010101" pitchFamily="50" charset="-127"/>
+              <a:ea typeface="Microsoft GothicNeo Light" panose="020B0300000101010101" pitchFamily="50" charset="-127"/>
+              <a:cs typeface="Microsoft GothicNeo Light" panose="020B0300000101010101" pitchFamily="50" charset="-127"/>
+              <a:sym typeface="Arial"/>
+            </a:endParaRPr>
+          </a:p>
+        </p:txBody>
+      </p:sp>
+      <p:cxnSp>
+        <p:nvCxnSpPr>
+          <p:cNvPr id="169" name="Google Shape;169;p3"/>
+          <p:cNvCxnSpPr>
+            <a:cxnSpLocks/>
+            <a:stCxn id="166" idx="1"/>
+            <a:endCxn id="168" idx="3"/>
+          </p:cNvCxnSpPr>
+          <p:nvPr/>
+        </p:nvCxnSpPr>
+        <p:spPr>
+          <a:xfrm flipH="1">
+            <a:off x="6572571" y="3209342"/>
+            <a:ext cx="2496641" cy="0"/>
+          </a:xfrm>
+          <a:prstGeom prst="straightConnector1">
+            <a:avLst/>
+          </a:prstGeom>
+          <a:noFill/>
+          <a:ln w="9525" cap="flat" cmpd="sng">
+            <a:solidFill>
+              <a:schemeClr val="dk2"/>
+            </a:solidFill>
+            <a:prstDash val="solid"/>
+            <a:round/>
+            <a:headEnd type="none" w="sm" len="sm"/>
+            <a:tailEnd type="triangle" w="med" len="med"/>
+          </a:ln>
+        </p:spPr>
+      </p:cxnSp>
+      <p:sp>
+        <p:nvSpPr>
+          <p:cNvPr id="170" name="Google Shape;170;p3"/>
+          <p:cNvSpPr/>
+          <p:nvPr/>
+        </p:nvSpPr>
+        <p:spPr>
+          <a:xfrm>
+            <a:off x="3737914" y="2587992"/>
+            <a:ext cx="1400162" cy="1253761"/>
+          </a:xfrm>
+          <a:prstGeom prst="roundRect">
+            <a:avLst>
+              <a:gd name="adj" fmla="val 16667"/>
+            </a:avLst>
+          </a:prstGeom>
+          <a:solidFill>
+            <a:srgbClr val="6D9EEB"/>
+          </a:solidFill>
+          <a:ln>
+            <a:noFill/>
+          </a:ln>
+        </p:spPr>
+        <p:txBody>
+          <a:bodyPr spcFirstLastPara="1" wrap="square" lIns="127975" tIns="127975" rIns="127975" bIns="127975" anchor="ctr" anchorCtr="0">
+            <a:noAutofit/>
+          </a:bodyPr>
+          <a:lstStyle/>
+          <a:p>
+            <a:pPr marL="0" marR="0" lvl="0" indent="0" algn="ctr" rtl="0">
+              <a:lnSpc>
+                <a:spcPct val="100000"/>
+              </a:lnSpc>
+              <a:spcBef>
+                <a:spcPts val="0"/>
+              </a:spcBef>
+              <a:spcAft>
+                <a:spcPts val="0"/>
+              </a:spcAft>
+              <a:buNone/>
+            </a:pPr>
+            <a:r>
+              <a:rPr lang="ko" sz="1100" b="0" i="0" u="none" strike="noStrike" cap="none" dirty="0">
+                <a:solidFill>
+                  <a:schemeClr val="lt1"/>
+                </a:solidFill>
+                <a:latin typeface="Microsoft GothicNeo Light" panose="020B0300000101010101" pitchFamily="50" charset="-127"/>
+                <a:ea typeface="Microsoft GothicNeo Light" panose="020B0300000101010101" pitchFamily="50" charset="-127"/>
+                <a:cs typeface="Microsoft GothicNeo Light" panose="020B0300000101010101" pitchFamily="50" charset="-127"/>
+                <a:sym typeface="Arial"/>
+              </a:rPr>
+              <a:t>키 입력 업데이트</a:t>
+            </a:r>
+            <a:endParaRPr lang="en-US" altLang="ko" sz="1100" b="0" i="0" u="none" strike="noStrike" cap="none" dirty="0">
+              <a:solidFill>
+                <a:schemeClr val="lt1"/>
+              </a:solidFill>
+              <a:latin typeface="Microsoft GothicNeo Light" panose="020B0300000101010101" pitchFamily="50" charset="-127"/>
+              <a:ea typeface="Microsoft GothicNeo Light" panose="020B0300000101010101" pitchFamily="50" charset="-127"/>
+              <a:cs typeface="Microsoft GothicNeo Light" panose="020B0300000101010101" pitchFamily="50" charset="-127"/>
+              <a:sym typeface="Arial"/>
+            </a:endParaRPr>
+          </a:p>
+          <a:p>
+            <a:pPr marL="0" marR="0" lvl="0" indent="0" algn="ctr" rtl="0">
+              <a:lnSpc>
+                <a:spcPct val="100000"/>
+              </a:lnSpc>
+              <a:spcBef>
+                <a:spcPts val="0"/>
+              </a:spcBef>
+              <a:spcAft>
+                <a:spcPts val="0"/>
+              </a:spcAft>
+              <a:buNone/>
+            </a:pPr>
+            <a:endParaRPr lang="en-US" altLang="ko" sz="1100" b="0" i="0" u="none" strike="noStrike" cap="none" dirty="0">
+              <a:solidFill>
+                <a:schemeClr val="lt1"/>
+              </a:solidFill>
+              <a:latin typeface="Microsoft GothicNeo Light" panose="020B0300000101010101" pitchFamily="50" charset="-127"/>
+              <a:ea typeface="Microsoft GothicNeo Light" panose="020B0300000101010101" pitchFamily="50" charset="-127"/>
+              <a:cs typeface="Microsoft GothicNeo Light" panose="020B0300000101010101" pitchFamily="50" charset="-127"/>
+              <a:sym typeface="Arial"/>
+            </a:endParaRPr>
+          </a:p>
+          <a:p>
+            <a:pPr marL="171450" marR="0" lvl="0" indent="-171450" rtl="0">
+              <a:lnSpc>
+                <a:spcPct val="100000"/>
+              </a:lnSpc>
+              <a:spcBef>
+                <a:spcPts val="0"/>
+              </a:spcBef>
+              <a:spcAft>
+                <a:spcPts val="0"/>
+              </a:spcAft>
+              <a:buFont typeface="Arial" panose="020B0604020202020204" pitchFamily="34" charset="0"/>
+              <a:buChar char="•"/>
+            </a:pPr>
+            <a:r>
+              <a:rPr lang="ko-KR" altLang="en-US" sz="1100" b="0" i="0" u="none" strike="noStrike" cap="none" dirty="0">
+                <a:solidFill>
+                  <a:schemeClr val="lt1"/>
+                </a:solidFill>
+                <a:latin typeface="Microsoft GothicNeo Light" panose="020B0300000101010101" pitchFamily="50" charset="-127"/>
+                <a:ea typeface="Microsoft GothicNeo Light" panose="020B0300000101010101" pitchFamily="50" charset="-127"/>
+                <a:cs typeface="Microsoft GothicNeo Light" panose="020B0300000101010101" pitchFamily="50" charset="-127"/>
+                <a:sym typeface="Arial"/>
+              </a:rPr>
+              <a:t>이동</a:t>
+            </a:r>
+            <a:endParaRPr lang="en-US" altLang="ko-KR" sz="1100" b="0" i="0" u="none" strike="noStrike" cap="none" dirty="0">
+              <a:solidFill>
+                <a:schemeClr val="lt1"/>
+              </a:solidFill>
+              <a:latin typeface="Microsoft GothicNeo Light" panose="020B0300000101010101" pitchFamily="50" charset="-127"/>
+              <a:ea typeface="Microsoft GothicNeo Light" panose="020B0300000101010101" pitchFamily="50" charset="-127"/>
+              <a:cs typeface="Microsoft GothicNeo Light" panose="020B0300000101010101" pitchFamily="50" charset="-127"/>
+              <a:sym typeface="Arial"/>
+            </a:endParaRPr>
+          </a:p>
+          <a:p>
+            <a:pPr marL="171450" marR="0" lvl="0" indent="-171450" rtl="0">
+              <a:lnSpc>
+                <a:spcPct val="100000"/>
+              </a:lnSpc>
+              <a:spcBef>
+                <a:spcPts val="0"/>
+              </a:spcBef>
+              <a:spcAft>
+                <a:spcPts val="0"/>
+              </a:spcAft>
+              <a:buFont typeface="Arial" panose="020B0604020202020204" pitchFamily="34" charset="0"/>
+              <a:buChar char="•"/>
+            </a:pPr>
+            <a:r>
+              <a:rPr lang="ko-KR" altLang="en-US" sz="1100" dirty="0">
+                <a:solidFill>
+                  <a:schemeClr val="lt1"/>
+                </a:solidFill>
+                <a:latin typeface="Microsoft GothicNeo Light" panose="020B0300000101010101" pitchFamily="50" charset="-127"/>
+                <a:ea typeface="Microsoft GothicNeo Light" panose="020B0300000101010101" pitchFamily="50" charset="-127"/>
+                <a:cs typeface="Microsoft GothicNeo Light" panose="020B0300000101010101" pitchFamily="50" charset="-127"/>
+              </a:rPr>
+              <a:t>공격</a:t>
+            </a:r>
+            <a:endParaRPr lang="en-US" altLang="ko-KR" sz="1100" dirty="0">
+              <a:solidFill>
+                <a:schemeClr val="lt1"/>
+              </a:solidFill>
+              <a:latin typeface="Microsoft GothicNeo Light" panose="020B0300000101010101" pitchFamily="50" charset="-127"/>
+              <a:ea typeface="Microsoft GothicNeo Light" panose="020B0300000101010101" pitchFamily="50" charset="-127"/>
+              <a:cs typeface="Microsoft GothicNeo Light" panose="020B0300000101010101" pitchFamily="50" charset="-127"/>
+            </a:endParaRPr>
+          </a:p>
+          <a:p>
+            <a:pPr marL="171450" marR="0" lvl="0" indent="-171450" rtl="0">
+              <a:lnSpc>
+                <a:spcPct val="100000"/>
+              </a:lnSpc>
+              <a:spcBef>
+                <a:spcPts val="0"/>
+              </a:spcBef>
+              <a:spcAft>
+                <a:spcPts val="0"/>
+              </a:spcAft>
+              <a:buFont typeface="Arial" panose="020B0604020202020204" pitchFamily="34" charset="0"/>
+              <a:buChar char="•"/>
+            </a:pPr>
+            <a:r>
+              <a:rPr lang="ko-KR" altLang="en-US" sz="1100" b="0" i="0" u="none" strike="noStrike" cap="none" dirty="0" err="1">
+                <a:solidFill>
+                  <a:schemeClr val="lt1"/>
+                </a:solidFill>
+                <a:latin typeface="Microsoft GothicNeo Light" panose="020B0300000101010101" pitchFamily="50" charset="-127"/>
+                <a:ea typeface="Microsoft GothicNeo Light" panose="020B0300000101010101" pitchFamily="50" charset="-127"/>
+                <a:cs typeface="Microsoft GothicNeo Light" panose="020B0300000101010101" pitchFamily="50" charset="-127"/>
+                <a:sym typeface="Arial"/>
+              </a:rPr>
+              <a:t>데쉬</a:t>
+            </a:r>
+            <a:endParaRPr lang="en-US" altLang="ko-KR" sz="1100" b="0" i="0" u="none" strike="noStrike" cap="none" dirty="0">
+              <a:solidFill>
+                <a:schemeClr val="lt1"/>
+              </a:solidFill>
+              <a:latin typeface="Microsoft GothicNeo Light" panose="020B0300000101010101" pitchFamily="50" charset="-127"/>
+              <a:ea typeface="Microsoft GothicNeo Light" panose="020B0300000101010101" pitchFamily="50" charset="-127"/>
+              <a:cs typeface="Microsoft GothicNeo Light" panose="020B0300000101010101" pitchFamily="50" charset="-127"/>
+              <a:sym typeface="Arial"/>
+            </a:endParaRPr>
+          </a:p>
+        </p:txBody>
+      </p:sp>
+      <p:cxnSp>
+        <p:nvCxnSpPr>
+          <p:cNvPr id="171" name="Google Shape;171;p3"/>
+          <p:cNvCxnSpPr>
+            <a:cxnSpLocks/>
+            <a:stCxn id="168" idx="1"/>
+          </p:cNvCxnSpPr>
+          <p:nvPr/>
+        </p:nvCxnSpPr>
+        <p:spPr>
+          <a:xfrm flipH="1">
+            <a:off x="5138076" y="3209342"/>
+            <a:ext cx="337455" cy="0"/>
+          </a:xfrm>
+          <a:prstGeom prst="straightConnector1">
+            <a:avLst/>
+          </a:prstGeom>
+          <a:noFill/>
+          <a:ln w="9525" cap="flat" cmpd="sng">
+            <a:solidFill>
+              <a:schemeClr val="dk2"/>
+            </a:solidFill>
+            <a:prstDash val="solid"/>
+            <a:round/>
+            <a:headEnd type="none" w="sm" len="sm"/>
+            <a:tailEnd type="triangle" w="med" len="med"/>
+          </a:ln>
+        </p:spPr>
+      </p:cxnSp>
+      <p:sp>
+        <p:nvSpPr>
+          <p:cNvPr id="176" name="Google Shape;176;p3"/>
+          <p:cNvSpPr/>
+          <p:nvPr/>
+        </p:nvSpPr>
+        <p:spPr>
+          <a:xfrm>
+            <a:off x="1604259" y="3544742"/>
+            <a:ext cx="1996507" cy="880530"/>
+          </a:xfrm>
+          <a:prstGeom prst="flowChartDecision">
+            <a:avLst/>
+          </a:prstGeom>
+          <a:solidFill>
+            <a:srgbClr val="6D9EEB"/>
+          </a:solidFill>
+          <a:ln>
+            <a:noFill/>
+          </a:ln>
+        </p:spPr>
+        <p:txBody>
+          <a:bodyPr spcFirstLastPara="1" wrap="square" lIns="127975" tIns="127975" rIns="127975" bIns="127975" anchor="ctr" anchorCtr="0">
+            <a:noAutofit/>
+          </a:bodyPr>
+          <a:lstStyle/>
+          <a:p>
+            <a:pPr marL="0" marR="0" lvl="0" indent="0" algn="ctr" rtl="0">
+              <a:lnSpc>
+                <a:spcPct val="100000"/>
+              </a:lnSpc>
+              <a:spcBef>
+                <a:spcPts val="0"/>
+              </a:spcBef>
+              <a:spcAft>
+                <a:spcPts val="0"/>
+              </a:spcAft>
+              <a:buNone/>
+            </a:pPr>
+            <a:r>
+              <a:rPr lang="ko" sz="1100" b="0" i="0" u="none" strike="noStrike" cap="none">
+                <a:solidFill>
+                  <a:schemeClr val="lt1"/>
+                </a:solidFill>
+                <a:latin typeface="Microsoft GothicNeo Light" panose="020B0300000101010101" pitchFamily="50" charset="-127"/>
+                <a:ea typeface="Microsoft GothicNeo Light" panose="020B0300000101010101" pitchFamily="50" charset="-127"/>
+                <a:cs typeface="Microsoft GothicNeo Light" panose="020B0300000101010101" pitchFamily="50" charset="-127"/>
+                <a:sym typeface="Arial"/>
+              </a:rPr>
+              <a:t>충돌 체크</a:t>
+            </a:r>
+            <a:endParaRPr sz="1100" b="0" i="0" u="none" strike="noStrike" cap="none">
+              <a:solidFill>
+                <a:schemeClr val="lt1"/>
+              </a:solidFill>
+              <a:latin typeface="Microsoft GothicNeo Light" panose="020B0300000101010101" pitchFamily="50" charset="-127"/>
+              <a:ea typeface="Microsoft GothicNeo Light" panose="020B0300000101010101" pitchFamily="50" charset="-127"/>
+              <a:cs typeface="Microsoft GothicNeo Light" panose="020B0300000101010101" pitchFamily="50" charset="-127"/>
+              <a:sym typeface="Arial"/>
+            </a:endParaRPr>
+          </a:p>
+        </p:txBody>
+      </p:sp>
+      <p:sp>
+        <p:nvSpPr>
+          <p:cNvPr id="178" name="Google Shape;178;p3"/>
+          <p:cNvSpPr/>
+          <p:nvPr/>
+        </p:nvSpPr>
+        <p:spPr>
+          <a:xfrm>
+            <a:off x="3889475" y="4381213"/>
+            <a:ext cx="1097040" cy="403064"/>
+          </a:xfrm>
+          <a:prstGeom prst="roundRect">
+            <a:avLst>
+              <a:gd name="adj" fmla="val 16667"/>
+            </a:avLst>
+          </a:prstGeom>
+          <a:solidFill>
+            <a:srgbClr val="6D9EEB"/>
+          </a:solidFill>
+          <a:ln>
+            <a:noFill/>
+          </a:ln>
+        </p:spPr>
+        <p:txBody>
+          <a:bodyPr spcFirstLastPara="1" wrap="square" lIns="127975" tIns="127975" rIns="127975" bIns="127975" anchor="ctr" anchorCtr="0">
+            <a:noAutofit/>
+          </a:bodyPr>
+          <a:lstStyle/>
+          <a:p>
+            <a:pPr marL="0" marR="0" lvl="0" indent="0" algn="ctr" rtl="0">
+              <a:lnSpc>
+                <a:spcPct val="100000"/>
+              </a:lnSpc>
+              <a:spcBef>
+                <a:spcPts val="0"/>
+              </a:spcBef>
+              <a:spcAft>
+                <a:spcPts val="0"/>
+              </a:spcAft>
+              <a:buNone/>
+            </a:pPr>
+            <a:r>
+              <a:rPr lang="ko" sz="1100" b="0" i="0" u="none" strike="noStrike" cap="none">
+                <a:solidFill>
+                  <a:schemeClr val="lt1"/>
+                </a:solidFill>
+                <a:latin typeface="Microsoft GothicNeo Light" panose="020B0300000101010101" pitchFamily="50" charset="-127"/>
+                <a:ea typeface="Microsoft GothicNeo Light" panose="020B0300000101010101" pitchFamily="50" charset="-127"/>
+                <a:cs typeface="Microsoft GothicNeo Light" panose="020B0300000101010101" pitchFamily="50" charset="-127"/>
+                <a:sym typeface="Arial"/>
+              </a:rPr>
+              <a:t>상태 변화 send</a:t>
+            </a:r>
+            <a:endParaRPr sz="1100" b="0" i="0" u="none" strike="noStrike" cap="none">
+              <a:solidFill>
+                <a:schemeClr val="lt1"/>
+              </a:solidFill>
+              <a:latin typeface="Microsoft GothicNeo Light" panose="020B0300000101010101" pitchFamily="50" charset="-127"/>
+              <a:ea typeface="Microsoft GothicNeo Light" panose="020B0300000101010101" pitchFamily="50" charset="-127"/>
+              <a:cs typeface="Microsoft GothicNeo Light" panose="020B0300000101010101" pitchFamily="50" charset="-127"/>
+              <a:sym typeface="Arial"/>
+            </a:endParaRPr>
+          </a:p>
+        </p:txBody>
+      </p:sp>
+      <p:sp>
+        <p:nvSpPr>
+          <p:cNvPr id="179" name="Google Shape;179;p3"/>
+          <p:cNvSpPr/>
+          <p:nvPr/>
+        </p:nvSpPr>
+        <p:spPr>
+          <a:xfrm>
+            <a:off x="7626286" y="4381213"/>
+            <a:ext cx="1097040" cy="403064"/>
+          </a:xfrm>
+          <a:prstGeom prst="roundRect">
+            <a:avLst>
+              <a:gd name="adj" fmla="val 16667"/>
+            </a:avLst>
+          </a:prstGeom>
+          <a:solidFill>
+            <a:srgbClr val="E06666"/>
+          </a:solidFill>
+          <a:ln>
+            <a:noFill/>
+          </a:ln>
+        </p:spPr>
+        <p:txBody>
+          <a:bodyPr spcFirstLastPara="1" wrap="square" lIns="127975" tIns="127975" rIns="127975" bIns="127975" anchor="ctr" anchorCtr="0">
+            <a:noAutofit/>
+          </a:bodyPr>
+          <a:lstStyle/>
+          <a:p>
+            <a:pPr marL="0" marR="0" lvl="0" indent="0" algn="ctr" rtl="0">
+              <a:lnSpc>
+                <a:spcPct val="100000"/>
+              </a:lnSpc>
+              <a:spcBef>
+                <a:spcPts val="0"/>
+              </a:spcBef>
+              <a:spcAft>
+                <a:spcPts val="0"/>
+              </a:spcAft>
+              <a:buNone/>
+            </a:pPr>
+            <a:r>
+              <a:rPr lang="ko" sz="1100" b="0" i="0" u="none" strike="noStrike" cap="none" dirty="0">
+                <a:solidFill>
+                  <a:schemeClr val="lt1"/>
+                </a:solidFill>
+                <a:latin typeface="Microsoft GothicNeo Light" panose="020B0300000101010101" pitchFamily="50" charset="-127"/>
+                <a:ea typeface="Microsoft GothicNeo Light" panose="020B0300000101010101" pitchFamily="50" charset="-127"/>
+                <a:cs typeface="Microsoft GothicNeo Light" panose="020B0300000101010101" pitchFamily="50" charset="-127"/>
+                <a:sym typeface="Arial"/>
+              </a:rPr>
+              <a:t>상태 결과 recv</a:t>
+            </a:r>
+            <a:endParaRPr sz="1100" b="0" i="0" u="none" strike="noStrike" cap="none" dirty="0">
+              <a:solidFill>
+                <a:schemeClr val="lt1"/>
+              </a:solidFill>
+              <a:latin typeface="Microsoft GothicNeo Light" panose="020B0300000101010101" pitchFamily="50" charset="-127"/>
+              <a:ea typeface="Microsoft GothicNeo Light" panose="020B0300000101010101" pitchFamily="50" charset="-127"/>
+              <a:cs typeface="Microsoft GothicNeo Light" panose="020B0300000101010101" pitchFamily="50" charset="-127"/>
+              <a:sym typeface="Arial"/>
+            </a:endParaRPr>
+          </a:p>
+        </p:txBody>
+      </p:sp>
+      <p:cxnSp>
+        <p:nvCxnSpPr>
+          <p:cNvPr id="180" name="Google Shape;180;p3"/>
+          <p:cNvCxnSpPr>
+            <a:cxnSpLocks/>
+            <a:stCxn id="178" idx="3"/>
+            <a:endCxn id="179" idx="1"/>
+          </p:cNvCxnSpPr>
+          <p:nvPr/>
+        </p:nvCxnSpPr>
+        <p:spPr>
+          <a:xfrm>
+            <a:off x="4986515" y="4582745"/>
+            <a:ext cx="2639771" cy="0"/>
+          </a:xfrm>
+          <a:prstGeom prst="straightConnector1">
+            <a:avLst/>
+          </a:prstGeom>
+          <a:noFill/>
+          <a:ln w="9525" cap="flat" cmpd="sng">
+            <a:solidFill>
+              <a:schemeClr val="dk2"/>
+            </a:solidFill>
+            <a:prstDash val="solid"/>
+            <a:round/>
+            <a:headEnd type="none" w="sm" len="sm"/>
+            <a:tailEnd type="triangle" w="med" len="med"/>
+          </a:ln>
+        </p:spPr>
+      </p:cxnSp>
+      <p:cxnSp>
+        <p:nvCxnSpPr>
+          <p:cNvPr id="181" name="Google Shape;181;p3"/>
+          <p:cNvCxnSpPr>
+            <a:stCxn id="179" idx="3"/>
+          </p:cNvCxnSpPr>
+          <p:nvPr/>
+        </p:nvCxnSpPr>
+        <p:spPr>
+          <a:xfrm rot="10800000" flipH="1">
+            <a:off x="8723326" y="4578198"/>
+            <a:ext cx="481005" cy="4548"/>
+          </a:xfrm>
+          <a:prstGeom prst="straightConnector1">
+            <a:avLst/>
+          </a:prstGeom>
+          <a:noFill/>
+          <a:ln w="9525" cap="flat" cmpd="sng">
+            <a:solidFill>
+              <a:schemeClr val="dk2"/>
+            </a:solidFill>
+            <a:prstDash val="solid"/>
+            <a:round/>
+            <a:headEnd type="none" w="sm" len="sm"/>
+            <a:tailEnd type="triangle" w="med" len="med"/>
+          </a:ln>
+        </p:spPr>
+      </p:cxnSp>
+      <p:sp>
+        <p:nvSpPr>
+          <p:cNvPr id="183" name="Google Shape;183;p3"/>
+          <p:cNvSpPr txBox="1"/>
+          <p:nvPr/>
+        </p:nvSpPr>
+        <p:spPr>
+          <a:xfrm>
+            <a:off x="2610878" y="4242985"/>
+            <a:ext cx="1286994" cy="504671"/>
+          </a:xfrm>
+          <a:prstGeom prst="rect">
+            <a:avLst/>
+          </a:prstGeom>
+          <a:noFill/>
+          <a:ln>
+            <a:noFill/>
+          </a:ln>
+        </p:spPr>
+        <p:txBody>
+          <a:bodyPr spcFirstLastPara="1" wrap="square" lIns="127975" tIns="127975" rIns="127975" bIns="127975" anchor="t" anchorCtr="0">
+            <a:spAutoFit/>
+          </a:bodyPr>
+          <a:lstStyle/>
+          <a:p>
+            <a:pPr marL="0" marR="0" lvl="0" indent="0" algn="l" rtl="0">
+              <a:lnSpc>
+                <a:spcPct val="100000"/>
+              </a:lnSpc>
+              <a:spcBef>
+                <a:spcPts val="0"/>
+              </a:spcBef>
+              <a:spcAft>
+                <a:spcPts val="0"/>
+              </a:spcAft>
+              <a:buNone/>
+            </a:pPr>
+            <a:r>
+              <a:rPr lang="ko" sz="1600" b="0" i="0" u="none" strike="noStrike" cap="none" dirty="0">
+                <a:solidFill>
+                  <a:srgbClr val="000000"/>
+                </a:solidFill>
+                <a:latin typeface="Microsoft GothicNeo Light" panose="020B0300000101010101" pitchFamily="50" charset="-127"/>
+                <a:ea typeface="Microsoft GothicNeo Light" panose="020B0300000101010101" pitchFamily="50" charset="-127"/>
+                <a:cs typeface="Microsoft GothicNeo Light" panose="020B0300000101010101" pitchFamily="50" charset="-127"/>
+                <a:sym typeface="Arial"/>
+              </a:rPr>
+              <a:t>NO</a:t>
+            </a:r>
+            <a:endParaRPr sz="1600" b="0" i="0" u="none" strike="noStrike" cap="none" dirty="0">
+              <a:solidFill>
+                <a:srgbClr val="000000"/>
+              </a:solidFill>
+              <a:latin typeface="Microsoft GothicNeo Light" panose="020B0300000101010101" pitchFamily="50" charset="-127"/>
+              <a:ea typeface="Microsoft GothicNeo Light" panose="020B0300000101010101" pitchFamily="50" charset="-127"/>
+              <a:cs typeface="Microsoft GothicNeo Light" panose="020B0300000101010101" pitchFamily="50" charset="-127"/>
+              <a:sym typeface="Arial"/>
+            </a:endParaRPr>
+          </a:p>
+        </p:txBody>
+      </p:sp>
+      <p:sp>
+        <p:nvSpPr>
+          <p:cNvPr id="184" name="Google Shape;184;p3"/>
+          <p:cNvSpPr/>
+          <p:nvPr/>
+        </p:nvSpPr>
+        <p:spPr>
+          <a:xfrm>
+            <a:off x="507220" y="5067884"/>
+            <a:ext cx="1097040" cy="403064"/>
+          </a:xfrm>
+          <a:prstGeom prst="roundRect">
+            <a:avLst>
+              <a:gd name="adj" fmla="val 16667"/>
+            </a:avLst>
+          </a:prstGeom>
+          <a:solidFill>
+            <a:srgbClr val="6D9EEB"/>
+          </a:solidFill>
+          <a:ln>
+            <a:noFill/>
+          </a:ln>
+        </p:spPr>
+        <p:txBody>
+          <a:bodyPr spcFirstLastPara="1" wrap="square" lIns="127975" tIns="127975" rIns="127975" bIns="127975" anchor="ctr" anchorCtr="0">
+            <a:noAutofit/>
+          </a:bodyPr>
+          <a:lstStyle/>
+          <a:p>
+            <a:pPr marL="0" marR="0" lvl="0" indent="0" algn="ctr" rtl="0">
+              <a:lnSpc>
+                <a:spcPct val="100000"/>
+              </a:lnSpc>
+              <a:spcBef>
+                <a:spcPts val="0"/>
+              </a:spcBef>
+              <a:spcAft>
+                <a:spcPts val="0"/>
+              </a:spcAft>
+              <a:buNone/>
+            </a:pPr>
+            <a:r>
+              <a:rPr lang="ko" sz="1100" b="0" i="0" u="none" strike="noStrike" cap="none">
+                <a:solidFill>
+                  <a:schemeClr val="lt1"/>
+                </a:solidFill>
+                <a:latin typeface="Microsoft GothicNeo Light" panose="020B0300000101010101" pitchFamily="50" charset="-127"/>
+                <a:ea typeface="Microsoft GothicNeo Light" panose="020B0300000101010101" pitchFamily="50" charset="-127"/>
+                <a:cs typeface="Microsoft GothicNeo Light" panose="020B0300000101010101" pitchFamily="50" charset="-127"/>
+                <a:sym typeface="Arial"/>
+              </a:rPr>
+              <a:t>캐릭터 업데이트</a:t>
+            </a:r>
+            <a:endParaRPr sz="1100" b="0" i="0" u="none" strike="noStrike" cap="none">
+              <a:solidFill>
+                <a:schemeClr val="lt1"/>
+              </a:solidFill>
+              <a:latin typeface="Microsoft GothicNeo Light" panose="020B0300000101010101" pitchFamily="50" charset="-127"/>
+              <a:ea typeface="Microsoft GothicNeo Light" panose="020B0300000101010101" pitchFamily="50" charset="-127"/>
+              <a:cs typeface="Microsoft GothicNeo Light" panose="020B0300000101010101" pitchFamily="50" charset="-127"/>
+              <a:sym typeface="Arial"/>
+            </a:endParaRPr>
+          </a:p>
+        </p:txBody>
+      </p:sp>
+      <p:sp>
+        <p:nvSpPr>
+          <p:cNvPr id="185" name="Google Shape;185;p3"/>
+          <p:cNvSpPr txBox="1"/>
+          <p:nvPr/>
+        </p:nvSpPr>
+        <p:spPr>
+          <a:xfrm>
+            <a:off x="1034167" y="3629070"/>
+            <a:ext cx="723851" cy="504671"/>
+          </a:xfrm>
+          <a:prstGeom prst="rect">
+            <a:avLst/>
+          </a:prstGeom>
+          <a:noFill/>
+          <a:ln>
+            <a:noFill/>
+          </a:ln>
+        </p:spPr>
+        <p:txBody>
+          <a:bodyPr spcFirstLastPara="1" wrap="square" lIns="127975" tIns="127975" rIns="127975" bIns="127975" anchor="t" anchorCtr="0">
+            <a:spAutoFit/>
+          </a:bodyPr>
+          <a:lstStyle/>
+          <a:p>
+            <a:pPr marL="0" marR="0" lvl="0" indent="0" algn="l" rtl="0">
+              <a:lnSpc>
+                <a:spcPct val="100000"/>
+              </a:lnSpc>
+              <a:spcBef>
+                <a:spcPts val="0"/>
+              </a:spcBef>
+              <a:spcAft>
+                <a:spcPts val="0"/>
+              </a:spcAft>
+              <a:buNone/>
+            </a:pPr>
+            <a:r>
+              <a:rPr lang="ko" sz="1600" b="0" i="0" u="none" strike="noStrike" cap="none">
+                <a:solidFill>
+                  <a:srgbClr val="000000"/>
+                </a:solidFill>
+                <a:latin typeface="Microsoft GothicNeo Light" panose="020B0300000101010101" pitchFamily="50" charset="-127"/>
+                <a:ea typeface="Microsoft GothicNeo Light" panose="020B0300000101010101" pitchFamily="50" charset="-127"/>
+                <a:cs typeface="Microsoft GothicNeo Light" panose="020B0300000101010101" pitchFamily="50" charset="-127"/>
+                <a:sym typeface="Arial"/>
+              </a:rPr>
+              <a:t>YES</a:t>
+            </a:r>
+            <a:endParaRPr sz="1600" b="0" i="0" u="none" strike="noStrike" cap="none">
+              <a:solidFill>
+                <a:srgbClr val="000000"/>
+              </a:solidFill>
+              <a:latin typeface="Microsoft GothicNeo Light" panose="020B0300000101010101" pitchFamily="50" charset="-127"/>
+              <a:ea typeface="Microsoft GothicNeo Light" panose="020B0300000101010101" pitchFamily="50" charset="-127"/>
+              <a:cs typeface="Microsoft GothicNeo Light" panose="020B0300000101010101" pitchFamily="50" charset="-127"/>
+              <a:sym typeface="Arial"/>
+            </a:endParaRPr>
+          </a:p>
+        </p:txBody>
+      </p:sp>
+      <p:sp>
+        <p:nvSpPr>
+          <p:cNvPr id="186" name="Google Shape;186;p3"/>
+          <p:cNvSpPr/>
+          <p:nvPr/>
+        </p:nvSpPr>
+        <p:spPr>
+          <a:xfrm>
+            <a:off x="9212422" y="4410476"/>
+            <a:ext cx="2237920" cy="1060472"/>
+          </a:xfrm>
+          <a:prstGeom prst="roundRect">
+            <a:avLst>
+              <a:gd name="adj" fmla="val 16667"/>
+            </a:avLst>
+          </a:prstGeom>
+          <a:solidFill>
+            <a:srgbClr val="6D9EEB"/>
+          </a:solidFill>
+          <a:ln>
+            <a:noFill/>
+          </a:ln>
+        </p:spPr>
+        <p:txBody>
+          <a:bodyPr spcFirstLastPara="1" wrap="square" lIns="127975" tIns="127975" rIns="127975" bIns="127975" anchor="ctr" anchorCtr="0">
+            <a:noAutofit/>
+          </a:bodyPr>
+          <a:lstStyle/>
+          <a:p>
+            <a:pPr marL="0" marR="0" lvl="0" indent="0" algn="ctr" rtl="0">
+              <a:lnSpc>
+                <a:spcPct val="100000"/>
+              </a:lnSpc>
+              <a:spcBef>
+                <a:spcPts val="0"/>
+              </a:spcBef>
+              <a:spcAft>
+                <a:spcPts val="0"/>
+              </a:spcAft>
+              <a:buNone/>
+            </a:pPr>
+            <a:r>
+              <a:rPr lang="ko" sz="1100" b="1" i="0" u="none" strike="noStrike" cap="none" dirty="0">
+                <a:solidFill>
+                  <a:schemeClr val="lt1"/>
+                </a:solidFill>
+                <a:latin typeface="Microsoft GothicNeo Light" panose="020B0300000101010101" pitchFamily="50" charset="-127"/>
+                <a:ea typeface="Microsoft GothicNeo Light" panose="020B0300000101010101" pitchFamily="50" charset="-127"/>
+                <a:cs typeface="Microsoft GothicNeo Light" panose="020B0300000101010101" pitchFamily="50" charset="-127"/>
+                <a:sym typeface="Arial"/>
+              </a:rPr>
+              <a:t>상태 결과 업데이트</a:t>
+            </a:r>
+            <a:endParaRPr lang="en-US" altLang="ko" sz="1100" b="1" i="0" u="none" strike="noStrike" cap="none" dirty="0">
+              <a:solidFill>
+                <a:schemeClr val="lt1"/>
+              </a:solidFill>
+              <a:latin typeface="Microsoft GothicNeo Light" panose="020B0300000101010101" pitchFamily="50" charset="-127"/>
+              <a:ea typeface="Microsoft GothicNeo Light" panose="020B0300000101010101" pitchFamily="50" charset="-127"/>
+              <a:cs typeface="Microsoft GothicNeo Light" panose="020B0300000101010101" pitchFamily="50" charset="-127"/>
+              <a:sym typeface="Arial"/>
+            </a:endParaRPr>
+          </a:p>
+          <a:p>
+            <a:pPr marL="0" marR="0" lvl="0" indent="0" algn="ctr" rtl="0">
+              <a:lnSpc>
+                <a:spcPct val="100000"/>
+              </a:lnSpc>
+              <a:spcBef>
+                <a:spcPts val="0"/>
+              </a:spcBef>
+              <a:spcAft>
+                <a:spcPts val="0"/>
+              </a:spcAft>
+              <a:buNone/>
+            </a:pPr>
+            <a:endParaRPr lang="en-US" altLang="ko" sz="1100" b="1" i="0" u="none" strike="noStrike" cap="none" dirty="0">
+              <a:solidFill>
+                <a:schemeClr val="lt1"/>
+              </a:solidFill>
+              <a:latin typeface="Microsoft GothicNeo Light" panose="020B0300000101010101" pitchFamily="50" charset="-127"/>
+              <a:ea typeface="Microsoft GothicNeo Light" panose="020B0300000101010101" pitchFamily="50" charset="-127"/>
+              <a:cs typeface="Microsoft GothicNeo Light" panose="020B0300000101010101" pitchFamily="50" charset="-127"/>
+              <a:sym typeface="Arial"/>
+            </a:endParaRPr>
+          </a:p>
+          <a:p>
+            <a:pPr marL="171450" marR="0" lvl="0" indent="-171450" rtl="0">
+              <a:lnSpc>
+                <a:spcPct val="100000"/>
+              </a:lnSpc>
+              <a:spcBef>
+                <a:spcPts val="0"/>
+              </a:spcBef>
+              <a:spcAft>
+                <a:spcPts val="0"/>
+              </a:spcAft>
+              <a:buFont typeface="Arial" panose="020B0604020202020204" pitchFamily="34" charset="0"/>
+              <a:buChar char="•"/>
+            </a:pPr>
+            <a:r>
+              <a:rPr lang="ko-KR" altLang="en-US" sz="1100" dirty="0">
+                <a:solidFill>
+                  <a:schemeClr val="lt1"/>
+                </a:solidFill>
+                <a:latin typeface="Microsoft GothicNeo Light" panose="020B0300000101010101" pitchFamily="50" charset="-127"/>
+                <a:ea typeface="Microsoft GothicNeo Light" panose="020B0300000101010101" pitchFamily="50" charset="-127"/>
+                <a:cs typeface="Microsoft GothicNeo Light" panose="020B0300000101010101" pitchFamily="50" charset="-127"/>
+              </a:rPr>
+              <a:t>캐릭터</a:t>
+            </a:r>
+            <a:r>
+              <a:rPr lang="en-US" sz="1100" dirty="0">
+                <a:solidFill>
+                  <a:schemeClr val="lt1"/>
+                </a:solidFill>
+                <a:latin typeface="Microsoft GothicNeo Light" panose="020B0300000101010101" pitchFamily="50" charset="-127"/>
+                <a:ea typeface="Microsoft GothicNeo Light" panose="020B0300000101010101" pitchFamily="50" charset="-127"/>
+                <a:cs typeface="Microsoft GothicNeo Light" panose="020B0300000101010101" pitchFamily="50" charset="-127"/>
+              </a:rPr>
+              <a:t> </a:t>
+            </a:r>
+            <a:r>
+              <a:rPr lang="ko-KR" altLang="en-US" sz="1100" dirty="0">
+                <a:solidFill>
+                  <a:schemeClr val="lt1"/>
+                </a:solidFill>
+                <a:latin typeface="Microsoft GothicNeo Light" panose="020B0300000101010101" pitchFamily="50" charset="-127"/>
+                <a:ea typeface="Microsoft GothicNeo Light" panose="020B0300000101010101" pitchFamily="50" charset="-127"/>
+                <a:cs typeface="Microsoft GothicNeo Light" panose="020B0300000101010101" pitchFamily="50" charset="-127"/>
+              </a:rPr>
+              <a:t>데이터</a:t>
+            </a:r>
+            <a:endParaRPr lang="en-US" altLang="ko-KR" sz="1100" dirty="0">
+              <a:solidFill>
+                <a:schemeClr val="lt1"/>
+              </a:solidFill>
+              <a:latin typeface="Microsoft GothicNeo Light" panose="020B0300000101010101" pitchFamily="50" charset="-127"/>
+              <a:ea typeface="Microsoft GothicNeo Light" panose="020B0300000101010101" pitchFamily="50" charset="-127"/>
+              <a:cs typeface="Microsoft GothicNeo Light" panose="020B0300000101010101" pitchFamily="50" charset="-127"/>
+            </a:endParaRPr>
+          </a:p>
+          <a:p>
+            <a:pPr lvl="1"/>
+            <a:r>
+              <a:rPr lang="en-US" sz="1100" b="0" i="0" u="none" strike="noStrike" cap="none" dirty="0">
+                <a:solidFill>
+                  <a:schemeClr val="lt1"/>
+                </a:solidFill>
+                <a:latin typeface="Microsoft GothicNeo Light" panose="020B0300000101010101" pitchFamily="50" charset="-127"/>
+                <a:ea typeface="Microsoft GothicNeo Light" panose="020B0300000101010101" pitchFamily="50" charset="-127"/>
+                <a:cs typeface="Microsoft GothicNeo Light" panose="020B0300000101010101" pitchFamily="50" charset="-127"/>
+                <a:sym typeface="Arial"/>
+              </a:rPr>
+              <a:t>     (</a:t>
+            </a:r>
+            <a:r>
+              <a:rPr lang="ko-KR" altLang="en-US" sz="1100" b="0" i="0" u="none" strike="noStrike" cap="none" dirty="0">
+                <a:solidFill>
+                  <a:schemeClr val="lt1"/>
+                </a:solidFill>
+                <a:latin typeface="Microsoft GothicNeo Light" panose="020B0300000101010101" pitchFamily="50" charset="-127"/>
+                <a:ea typeface="Microsoft GothicNeo Light" panose="020B0300000101010101" pitchFamily="50" charset="-127"/>
+                <a:cs typeface="Microsoft GothicNeo Light" panose="020B0300000101010101" pitchFamily="50" charset="-127"/>
+                <a:sym typeface="Arial"/>
+              </a:rPr>
+              <a:t>위치</a:t>
+            </a:r>
+            <a:r>
+              <a:rPr lang="en-US" altLang="ko-KR" sz="1100" b="0" i="0" u="none" strike="noStrike" cap="none" dirty="0">
+                <a:solidFill>
+                  <a:schemeClr val="lt1"/>
+                </a:solidFill>
+                <a:latin typeface="Microsoft GothicNeo Light" panose="020B0300000101010101" pitchFamily="50" charset="-127"/>
+                <a:ea typeface="Microsoft GothicNeo Light" panose="020B0300000101010101" pitchFamily="50" charset="-127"/>
+                <a:cs typeface="Microsoft GothicNeo Light" panose="020B0300000101010101" pitchFamily="50" charset="-127"/>
+                <a:sym typeface="Arial"/>
+              </a:rPr>
+              <a:t>, </a:t>
+            </a:r>
+            <a:r>
+              <a:rPr lang="ko-KR" altLang="en-US" sz="1100" b="0" i="0" u="none" strike="noStrike" cap="none" dirty="0">
+                <a:solidFill>
+                  <a:schemeClr val="lt1"/>
+                </a:solidFill>
+                <a:latin typeface="Microsoft GothicNeo Light" panose="020B0300000101010101" pitchFamily="50" charset="-127"/>
+                <a:ea typeface="Microsoft GothicNeo Light" panose="020B0300000101010101" pitchFamily="50" charset="-127"/>
+                <a:cs typeface="Microsoft GothicNeo Light" panose="020B0300000101010101" pitchFamily="50" charset="-127"/>
+                <a:sym typeface="Arial"/>
+              </a:rPr>
+              <a:t>상태</a:t>
+            </a:r>
+            <a:r>
+              <a:rPr lang="en-US" altLang="ko-KR" sz="1100" b="0" i="0" u="none" strike="noStrike" cap="none" dirty="0">
+                <a:solidFill>
+                  <a:schemeClr val="lt1"/>
+                </a:solidFill>
+                <a:latin typeface="Microsoft GothicNeo Light" panose="020B0300000101010101" pitchFamily="50" charset="-127"/>
+                <a:ea typeface="Microsoft GothicNeo Light" panose="020B0300000101010101" pitchFamily="50" charset="-127"/>
+                <a:cs typeface="Microsoft GothicNeo Light" panose="020B0300000101010101" pitchFamily="50" charset="-127"/>
+                <a:sym typeface="Arial"/>
+              </a:rPr>
+              <a:t>, </a:t>
+            </a:r>
+            <a:r>
+              <a:rPr lang="ko-KR" altLang="en-US" sz="1100" b="0" i="0" u="none" strike="noStrike" cap="none" dirty="0">
+                <a:solidFill>
+                  <a:schemeClr val="lt1"/>
+                </a:solidFill>
+                <a:latin typeface="Microsoft GothicNeo Light" panose="020B0300000101010101" pitchFamily="50" charset="-127"/>
+                <a:ea typeface="Microsoft GothicNeo Light" panose="020B0300000101010101" pitchFamily="50" charset="-127"/>
+                <a:cs typeface="Microsoft GothicNeo Light" panose="020B0300000101010101" pitchFamily="50" charset="-127"/>
+                <a:sym typeface="Arial"/>
+              </a:rPr>
+              <a:t>코인 등</a:t>
+            </a:r>
+            <a:r>
+              <a:rPr lang="en-US" altLang="ko-KR" sz="1100" b="0" i="0" u="none" strike="noStrike" cap="none" dirty="0">
+                <a:solidFill>
+                  <a:schemeClr val="lt1"/>
+                </a:solidFill>
+                <a:latin typeface="Microsoft GothicNeo Light" panose="020B0300000101010101" pitchFamily="50" charset="-127"/>
+                <a:ea typeface="Microsoft GothicNeo Light" panose="020B0300000101010101" pitchFamily="50" charset="-127"/>
+                <a:cs typeface="Microsoft GothicNeo Light" panose="020B0300000101010101" pitchFamily="50" charset="-127"/>
+                <a:sym typeface="Arial"/>
+              </a:rPr>
+              <a:t>)</a:t>
+            </a:r>
+            <a:endParaRPr sz="1100" b="0" i="0" u="none" strike="noStrike" cap="none" dirty="0">
+              <a:solidFill>
+                <a:schemeClr val="lt1"/>
+              </a:solidFill>
+              <a:latin typeface="Microsoft GothicNeo Light" panose="020B0300000101010101" pitchFamily="50" charset="-127"/>
+              <a:ea typeface="Microsoft GothicNeo Light" panose="020B0300000101010101" pitchFamily="50" charset="-127"/>
+              <a:cs typeface="Microsoft GothicNeo Light" panose="020B0300000101010101" pitchFamily="50" charset="-127"/>
+              <a:sym typeface="Arial"/>
+            </a:endParaRPr>
+          </a:p>
+        </p:txBody>
+      </p:sp>
+      <p:cxnSp>
+        <p:nvCxnSpPr>
+          <p:cNvPr id="191" name="Google Shape;191;p3"/>
+          <p:cNvCxnSpPr>
+            <a:stCxn id="176" idx="1"/>
+          </p:cNvCxnSpPr>
+          <p:nvPr/>
+        </p:nvCxnSpPr>
+        <p:spPr>
+          <a:xfrm rot="10800000">
+            <a:off x="1043146" y="3985008"/>
+            <a:ext cx="561114" cy="0"/>
+          </a:xfrm>
+          <a:prstGeom prst="straightConnector1">
+            <a:avLst/>
+          </a:prstGeom>
+          <a:noFill/>
+          <a:ln w="9525" cap="flat" cmpd="sng">
+            <a:solidFill>
+              <a:schemeClr val="dk2"/>
+            </a:solidFill>
+            <a:prstDash val="solid"/>
+            <a:round/>
+            <a:headEnd type="none" w="sm" len="sm"/>
+            <a:tailEnd type="none" w="sm" len="sm"/>
+          </a:ln>
+        </p:spPr>
+      </p:cxnSp>
+      <p:cxnSp>
+        <p:nvCxnSpPr>
+          <p:cNvPr id="192" name="Google Shape;192;p3"/>
+          <p:cNvCxnSpPr>
+            <a:endCxn id="184" idx="0"/>
+          </p:cNvCxnSpPr>
+          <p:nvPr/>
+        </p:nvCxnSpPr>
+        <p:spPr>
+          <a:xfrm>
+            <a:off x="1055741" y="3969794"/>
+            <a:ext cx="0" cy="1098090"/>
+          </a:xfrm>
+          <a:prstGeom prst="straightConnector1">
+            <a:avLst/>
+          </a:prstGeom>
+          <a:noFill/>
+          <a:ln w="9525" cap="flat" cmpd="sng">
+            <a:solidFill>
+              <a:schemeClr val="dk2"/>
+            </a:solidFill>
+            <a:prstDash val="solid"/>
+            <a:round/>
+            <a:headEnd type="none" w="sm" len="sm"/>
+            <a:tailEnd type="triangle" w="med" len="med"/>
+          </a:ln>
+        </p:spPr>
+      </p:cxnSp>
+      <p:cxnSp>
+        <p:nvCxnSpPr>
+          <p:cNvPr id="193" name="Google Shape;193;p3"/>
+          <p:cNvCxnSpPr>
+            <a:stCxn id="184" idx="3"/>
+          </p:cNvCxnSpPr>
+          <p:nvPr/>
+        </p:nvCxnSpPr>
+        <p:spPr>
+          <a:xfrm>
+            <a:off x="1604261" y="5269416"/>
+            <a:ext cx="2827257" cy="0"/>
+          </a:xfrm>
+          <a:prstGeom prst="straightConnector1">
+            <a:avLst/>
+          </a:prstGeom>
+          <a:noFill/>
+          <a:ln w="9525" cap="flat" cmpd="sng">
+            <a:solidFill>
+              <a:schemeClr val="dk2"/>
+            </a:solidFill>
+            <a:prstDash val="solid"/>
+            <a:round/>
+            <a:headEnd type="none" w="sm" len="sm"/>
+            <a:tailEnd type="none" w="sm" len="sm"/>
+          </a:ln>
+        </p:spPr>
+      </p:cxnSp>
+      <p:cxnSp>
+        <p:nvCxnSpPr>
+          <p:cNvPr id="194" name="Google Shape;194;p3"/>
+          <p:cNvCxnSpPr>
+            <a:endCxn id="178" idx="2"/>
+          </p:cNvCxnSpPr>
+          <p:nvPr/>
+        </p:nvCxnSpPr>
+        <p:spPr>
+          <a:xfrm rot="10800000">
+            <a:off x="4437995" y="4784277"/>
+            <a:ext cx="0" cy="491849"/>
+          </a:xfrm>
+          <a:prstGeom prst="straightConnector1">
+            <a:avLst/>
+          </a:prstGeom>
+          <a:noFill/>
+          <a:ln w="9525" cap="flat" cmpd="sng">
+            <a:solidFill>
+              <a:schemeClr val="dk2"/>
+            </a:solidFill>
+            <a:prstDash val="solid"/>
+            <a:round/>
+            <a:headEnd type="none" w="sm" len="sm"/>
+            <a:tailEnd type="triangle" w="med" len="med"/>
+          </a:ln>
+        </p:spPr>
+      </p:cxnSp>
+      <p:sp>
+        <p:nvSpPr>
+          <p:cNvPr id="195" name="Google Shape;195;p3"/>
+          <p:cNvSpPr/>
+          <p:nvPr/>
+        </p:nvSpPr>
+        <p:spPr>
+          <a:xfrm>
+            <a:off x="1043007" y="1423612"/>
+            <a:ext cx="223816" cy="223816"/>
+          </a:xfrm>
+          <a:prstGeom prst="flowChartConnector">
+            <a:avLst/>
+          </a:prstGeom>
+          <a:solidFill>
+            <a:schemeClr val="lt2"/>
+          </a:solidFill>
+          <a:ln w="9525" cap="flat" cmpd="sng">
+            <a:solidFill>
+              <a:schemeClr val="dk2"/>
+            </a:solidFill>
+            <a:prstDash val="solid"/>
+            <a:round/>
+            <a:headEnd type="none" w="sm" len="sm"/>
+            <a:tailEnd type="none" w="sm" len="sm"/>
+          </a:ln>
+        </p:spPr>
+        <p:txBody>
+          <a:bodyPr spcFirstLastPara="1" wrap="square" lIns="127975" tIns="127975" rIns="127975" bIns="127975" anchor="ctr" anchorCtr="0">
+            <a:noAutofit/>
+          </a:bodyPr>
+          <a:lstStyle/>
+          <a:p>
+            <a:pPr marL="0" marR="0" lvl="0" indent="0" algn="l" rtl="0">
+              <a:lnSpc>
+                <a:spcPct val="100000"/>
+              </a:lnSpc>
+              <a:spcBef>
+                <a:spcPts val="0"/>
+              </a:spcBef>
+              <a:spcAft>
+                <a:spcPts val="0"/>
+              </a:spcAft>
+              <a:buNone/>
+            </a:pPr>
+            <a:endParaRPr sz="2800" b="0" i="0" u="none" strike="noStrike" cap="none">
+              <a:solidFill>
+                <a:srgbClr val="000000"/>
+              </a:solidFill>
+              <a:latin typeface="Microsoft GothicNeo Light" panose="020B0300000101010101" pitchFamily="50" charset="-127"/>
+              <a:ea typeface="Microsoft GothicNeo Light" panose="020B0300000101010101" pitchFamily="50" charset="-127"/>
+              <a:cs typeface="Microsoft GothicNeo Light" panose="020B0300000101010101" pitchFamily="50" charset="-127"/>
+              <a:sym typeface="Arial"/>
+            </a:endParaRPr>
+          </a:p>
+        </p:txBody>
+      </p:sp>
+      <p:sp>
+        <p:nvSpPr>
+          <p:cNvPr id="196" name="Google Shape;196;p3"/>
+          <p:cNvSpPr/>
+          <p:nvPr/>
+        </p:nvSpPr>
+        <p:spPr>
+          <a:xfrm>
+            <a:off x="1043007" y="6217368"/>
+            <a:ext cx="223816" cy="223816"/>
+          </a:xfrm>
+          <a:prstGeom prst="flowChartConnector">
+            <a:avLst/>
+          </a:prstGeom>
+          <a:solidFill>
+            <a:schemeClr val="lt2"/>
+          </a:solidFill>
+          <a:ln w="9525" cap="flat" cmpd="sng">
+            <a:solidFill>
+              <a:schemeClr val="dk2"/>
+            </a:solidFill>
+            <a:prstDash val="solid"/>
+            <a:round/>
+            <a:headEnd type="none" w="sm" len="sm"/>
+            <a:tailEnd type="none" w="sm" len="sm"/>
+          </a:ln>
+        </p:spPr>
+        <p:txBody>
+          <a:bodyPr spcFirstLastPara="1" wrap="square" lIns="127975" tIns="127975" rIns="127975" bIns="127975" anchor="ctr" anchorCtr="0">
+            <a:noAutofit/>
+          </a:bodyPr>
+          <a:lstStyle/>
+          <a:p>
+            <a:pPr marL="0" marR="0" lvl="0" indent="0" algn="l" rtl="0">
+              <a:lnSpc>
+                <a:spcPct val="100000"/>
+              </a:lnSpc>
+              <a:spcBef>
+                <a:spcPts val="0"/>
+              </a:spcBef>
+              <a:spcAft>
+                <a:spcPts val="0"/>
+              </a:spcAft>
+              <a:buNone/>
+            </a:pPr>
+            <a:endParaRPr sz="2800" b="0" i="0" u="none" strike="noStrike" cap="none">
+              <a:solidFill>
+                <a:srgbClr val="000000"/>
+              </a:solidFill>
+              <a:latin typeface="Microsoft GothicNeo Light" panose="020B0300000101010101" pitchFamily="50" charset="-127"/>
+              <a:ea typeface="Microsoft GothicNeo Light" panose="020B0300000101010101" pitchFamily="50" charset="-127"/>
+              <a:cs typeface="Microsoft GothicNeo Light" panose="020B0300000101010101" pitchFamily="50" charset="-127"/>
+              <a:sym typeface="Arial"/>
+            </a:endParaRPr>
+          </a:p>
+        </p:txBody>
+      </p:sp>
+      <p:cxnSp>
+        <p:nvCxnSpPr>
+          <p:cNvPr id="197" name="Google Shape;197;p3"/>
+          <p:cNvCxnSpPr>
+            <a:cxnSpLocks/>
+            <a:endCxn id="195" idx="6"/>
+          </p:cNvCxnSpPr>
+          <p:nvPr/>
+        </p:nvCxnSpPr>
+        <p:spPr>
+          <a:xfrm rot="10800000">
+            <a:off x="1266823" y="1535520"/>
+            <a:ext cx="2622612" cy="0"/>
+          </a:xfrm>
+          <a:prstGeom prst="straightConnector1">
+            <a:avLst/>
+          </a:prstGeom>
+          <a:noFill/>
+          <a:ln w="9525" cap="flat" cmpd="sng">
+            <a:solidFill>
+              <a:schemeClr val="dk2"/>
+            </a:solidFill>
+            <a:prstDash val="solid"/>
+            <a:round/>
+            <a:headEnd type="none" w="sm" len="sm"/>
+            <a:tailEnd type="triangle" w="med" len="med"/>
+          </a:ln>
+        </p:spPr>
+      </p:cxnSp>
+      <p:sp>
+        <p:nvSpPr>
+          <p:cNvPr id="198" name="Google Shape;198;p3"/>
+          <p:cNvSpPr/>
+          <p:nvPr/>
+        </p:nvSpPr>
+        <p:spPr>
+          <a:xfrm>
+            <a:off x="2053995" y="6113541"/>
+            <a:ext cx="1097040" cy="403064"/>
+          </a:xfrm>
+          <a:prstGeom prst="roundRect">
+            <a:avLst>
+              <a:gd name="adj" fmla="val 16667"/>
+            </a:avLst>
+          </a:prstGeom>
+          <a:solidFill>
+            <a:srgbClr val="FFE599"/>
+          </a:solidFill>
+          <a:ln>
+            <a:noFill/>
+          </a:ln>
+        </p:spPr>
+        <p:txBody>
+          <a:bodyPr spcFirstLastPara="1" wrap="square" lIns="127975" tIns="127975" rIns="127975" bIns="127975" anchor="ctr" anchorCtr="0">
+            <a:noAutofit/>
+          </a:bodyPr>
+          <a:lstStyle/>
+          <a:p>
+            <a:pPr marL="0" marR="0" lvl="0" indent="0" algn="ctr" rtl="0">
+              <a:lnSpc>
+                <a:spcPct val="100000"/>
+              </a:lnSpc>
+              <a:spcBef>
+                <a:spcPts val="0"/>
+              </a:spcBef>
+              <a:spcAft>
+                <a:spcPts val="0"/>
+              </a:spcAft>
+              <a:buNone/>
+            </a:pPr>
+            <a:r>
+              <a:rPr lang="ko" sz="1100" b="0" i="0" u="none" strike="noStrike" cap="none">
+                <a:solidFill>
+                  <a:schemeClr val="dk1"/>
+                </a:solidFill>
+                <a:latin typeface="Microsoft GothicNeo Light" panose="020B0300000101010101" pitchFamily="50" charset="-127"/>
+                <a:ea typeface="Microsoft GothicNeo Light" panose="020B0300000101010101" pitchFamily="50" charset="-127"/>
+                <a:cs typeface="Microsoft GothicNeo Light" panose="020B0300000101010101" pitchFamily="50" charset="-127"/>
+                <a:sym typeface="Arial"/>
+              </a:rPr>
+              <a:t>타이머 업데이트</a:t>
+            </a:r>
+            <a:endParaRPr sz="1100" b="0" i="0" u="none" strike="noStrike" cap="none">
+              <a:solidFill>
+                <a:schemeClr val="dk1"/>
+              </a:solidFill>
+              <a:latin typeface="Microsoft GothicNeo Light" panose="020B0300000101010101" pitchFamily="50" charset="-127"/>
+              <a:ea typeface="Microsoft GothicNeo Light" panose="020B0300000101010101" pitchFamily="50" charset="-127"/>
+              <a:cs typeface="Microsoft GothicNeo Light" panose="020B0300000101010101" pitchFamily="50" charset="-127"/>
+              <a:sym typeface="Arial"/>
+            </a:endParaRPr>
+          </a:p>
+        </p:txBody>
+      </p:sp>
+      <p:cxnSp>
+        <p:nvCxnSpPr>
+          <p:cNvPr id="199" name="Google Shape;199;p3"/>
+          <p:cNvCxnSpPr>
+            <a:stCxn id="196" idx="6"/>
+            <a:endCxn id="198" idx="1"/>
+          </p:cNvCxnSpPr>
+          <p:nvPr/>
+        </p:nvCxnSpPr>
+        <p:spPr>
+          <a:xfrm rot="10800000" flipH="1">
+            <a:off x="1266823" y="6314933"/>
+            <a:ext cx="787098" cy="14343"/>
+          </a:xfrm>
+          <a:prstGeom prst="straightConnector1">
+            <a:avLst/>
+          </a:prstGeom>
+          <a:noFill/>
+          <a:ln w="9525" cap="flat" cmpd="sng">
+            <a:solidFill>
+              <a:schemeClr val="dk2"/>
+            </a:solidFill>
+            <a:prstDash val="solid"/>
+            <a:round/>
+            <a:headEnd type="none" w="sm" len="sm"/>
+            <a:tailEnd type="triangle" w="med" len="med"/>
+          </a:ln>
+        </p:spPr>
+      </p:cxnSp>
+      <p:sp>
+        <p:nvSpPr>
+          <p:cNvPr id="200" name="Google Shape;200;p3"/>
+          <p:cNvSpPr/>
+          <p:nvPr/>
+        </p:nvSpPr>
+        <p:spPr>
+          <a:xfrm>
+            <a:off x="3889456" y="6113541"/>
+            <a:ext cx="1097040" cy="403064"/>
+          </a:xfrm>
+          <a:prstGeom prst="roundRect">
+            <a:avLst>
+              <a:gd name="adj" fmla="val 16667"/>
+            </a:avLst>
+          </a:prstGeom>
+          <a:solidFill>
+            <a:srgbClr val="6D9EEB"/>
+          </a:solidFill>
+          <a:ln>
+            <a:noFill/>
+          </a:ln>
+        </p:spPr>
+        <p:txBody>
+          <a:bodyPr spcFirstLastPara="1" wrap="square" lIns="127975" tIns="127975" rIns="127975" bIns="127975" anchor="ctr" anchorCtr="0">
+            <a:noAutofit/>
+          </a:bodyPr>
+          <a:lstStyle/>
+          <a:p>
+            <a:pPr marL="0" marR="0" lvl="0" indent="0" algn="ctr" rtl="0">
+              <a:lnSpc>
+                <a:spcPct val="100000"/>
+              </a:lnSpc>
+              <a:spcBef>
+                <a:spcPts val="0"/>
+              </a:spcBef>
+              <a:spcAft>
+                <a:spcPts val="0"/>
+              </a:spcAft>
+              <a:buNone/>
+            </a:pPr>
+            <a:r>
+              <a:rPr lang="ko" sz="1100" b="0" i="0" u="none" strike="noStrike" cap="none">
+                <a:solidFill>
+                  <a:schemeClr val="lt1"/>
+                </a:solidFill>
+                <a:latin typeface="Microsoft GothicNeo Light" panose="020B0300000101010101" pitchFamily="50" charset="-127"/>
+                <a:ea typeface="Microsoft GothicNeo Light" panose="020B0300000101010101" pitchFamily="50" charset="-127"/>
+                <a:cs typeface="Microsoft GothicNeo Light" panose="020B0300000101010101" pitchFamily="50" charset="-127"/>
+                <a:sym typeface="Arial"/>
+              </a:rPr>
+              <a:t>타이머 send</a:t>
+            </a:r>
+            <a:endParaRPr sz="1100" b="0" i="0" u="none" strike="noStrike" cap="none">
+              <a:solidFill>
+                <a:schemeClr val="lt1"/>
+              </a:solidFill>
+              <a:latin typeface="Microsoft GothicNeo Light" panose="020B0300000101010101" pitchFamily="50" charset="-127"/>
+              <a:ea typeface="Microsoft GothicNeo Light" panose="020B0300000101010101" pitchFamily="50" charset="-127"/>
+              <a:cs typeface="Microsoft GothicNeo Light" panose="020B0300000101010101" pitchFamily="50" charset="-127"/>
+              <a:sym typeface="Arial"/>
+            </a:endParaRPr>
+          </a:p>
+        </p:txBody>
+      </p:sp>
+      <p:cxnSp>
+        <p:nvCxnSpPr>
+          <p:cNvPr id="201" name="Google Shape;201;p3"/>
+          <p:cNvCxnSpPr>
+            <a:cxnSpLocks/>
+            <a:stCxn id="198" idx="3"/>
+            <a:endCxn id="200" idx="1"/>
+          </p:cNvCxnSpPr>
+          <p:nvPr/>
+        </p:nvCxnSpPr>
+        <p:spPr>
+          <a:xfrm>
+            <a:off x="3151035" y="6315073"/>
+            <a:ext cx="738421" cy="0"/>
+          </a:xfrm>
+          <a:prstGeom prst="straightConnector1">
+            <a:avLst/>
+          </a:prstGeom>
+          <a:noFill/>
+          <a:ln w="9525" cap="flat" cmpd="sng">
+            <a:solidFill>
+              <a:schemeClr val="dk2"/>
+            </a:solidFill>
+            <a:prstDash val="solid"/>
+            <a:round/>
+            <a:headEnd type="none" w="sm" len="sm"/>
+            <a:tailEnd type="triangle" w="med" len="med"/>
+          </a:ln>
+        </p:spPr>
+      </p:cxnSp>
+      <p:sp>
+        <p:nvSpPr>
+          <p:cNvPr id="202" name="Google Shape;202;p3"/>
+          <p:cNvSpPr/>
+          <p:nvPr/>
+        </p:nvSpPr>
+        <p:spPr>
+          <a:xfrm>
+            <a:off x="7626817" y="6098910"/>
+            <a:ext cx="1097040" cy="403064"/>
+          </a:xfrm>
+          <a:prstGeom prst="roundRect">
+            <a:avLst>
+              <a:gd name="adj" fmla="val 16667"/>
+            </a:avLst>
+          </a:prstGeom>
+          <a:solidFill>
+            <a:srgbClr val="E06666"/>
+          </a:solidFill>
+          <a:ln>
+            <a:noFill/>
+          </a:ln>
+        </p:spPr>
+        <p:txBody>
+          <a:bodyPr spcFirstLastPara="1" wrap="square" lIns="127975" tIns="127975" rIns="127975" bIns="127975" anchor="ctr" anchorCtr="0">
+            <a:noAutofit/>
+          </a:bodyPr>
+          <a:lstStyle/>
+          <a:p>
+            <a:pPr marL="0" marR="0" lvl="0" indent="0" algn="ctr" rtl="0">
+              <a:lnSpc>
+                <a:spcPct val="100000"/>
+              </a:lnSpc>
+              <a:spcBef>
+                <a:spcPts val="0"/>
+              </a:spcBef>
+              <a:spcAft>
+                <a:spcPts val="0"/>
+              </a:spcAft>
+              <a:buNone/>
+            </a:pPr>
+            <a:r>
+              <a:rPr lang="ko" sz="1100" b="0" i="0" u="none" strike="noStrike" cap="none" dirty="0">
+                <a:solidFill>
+                  <a:schemeClr val="lt1"/>
+                </a:solidFill>
+                <a:latin typeface="Microsoft GothicNeo Light" panose="020B0300000101010101" pitchFamily="50" charset="-127"/>
+                <a:ea typeface="Microsoft GothicNeo Light" panose="020B0300000101010101" pitchFamily="50" charset="-127"/>
+                <a:cs typeface="Microsoft GothicNeo Light" panose="020B0300000101010101" pitchFamily="50" charset="-127"/>
+                <a:sym typeface="Arial"/>
+              </a:rPr>
+              <a:t>타이머 recv</a:t>
+            </a:r>
+            <a:endParaRPr sz="1100" b="0" i="0" u="none" strike="noStrike" cap="none" dirty="0">
+              <a:solidFill>
+                <a:schemeClr val="lt1"/>
+              </a:solidFill>
+              <a:latin typeface="Microsoft GothicNeo Light" panose="020B0300000101010101" pitchFamily="50" charset="-127"/>
+              <a:ea typeface="Microsoft GothicNeo Light" panose="020B0300000101010101" pitchFamily="50" charset="-127"/>
+              <a:cs typeface="Microsoft GothicNeo Light" panose="020B0300000101010101" pitchFamily="50" charset="-127"/>
+              <a:sym typeface="Arial"/>
+            </a:endParaRPr>
+          </a:p>
+        </p:txBody>
+      </p:sp>
+      <p:cxnSp>
+        <p:nvCxnSpPr>
+          <p:cNvPr id="203" name="Google Shape;203;p3"/>
+          <p:cNvCxnSpPr>
+            <a:cxnSpLocks/>
+            <a:stCxn id="200" idx="3"/>
+            <a:endCxn id="202" idx="1"/>
+          </p:cNvCxnSpPr>
+          <p:nvPr/>
+        </p:nvCxnSpPr>
+        <p:spPr>
+          <a:xfrm flipV="1">
+            <a:off x="4986496" y="6300442"/>
+            <a:ext cx="2640321" cy="14631"/>
+          </a:xfrm>
+          <a:prstGeom prst="straightConnector1">
+            <a:avLst/>
+          </a:prstGeom>
+          <a:noFill/>
+          <a:ln w="9525" cap="flat" cmpd="sng">
+            <a:solidFill>
+              <a:schemeClr val="dk2"/>
+            </a:solidFill>
+            <a:prstDash val="solid"/>
+            <a:round/>
+            <a:headEnd type="none" w="sm" len="sm"/>
+            <a:tailEnd type="triangle" w="med" len="med"/>
+          </a:ln>
+        </p:spPr>
+      </p:cxnSp>
+      <p:cxnSp>
+        <p:nvCxnSpPr>
+          <p:cNvPr id="204" name="Google Shape;204;p3"/>
+          <p:cNvCxnSpPr>
+            <a:stCxn id="202" idx="3"/>
+          </p:cNvCxnSpPr>
+          <p:nvPr/>
+        </p:nvCxnSpPr>
+        <p:spPr>
+          <a:xfrm rot="10800000" flipH="1">
+            <a:off x="8723857" y="6295895"/>
+            <a:ext cx="481005" cy="4548"/>
+          </a:xfrm>
+          <a:prstGeom prst="straightConnector1">
+            <a:avLst/>
+          </a:prstGeom>
+          <a:noFill/>
+          <a:ln w="9525" cap="flat" cmpd="sng">
+            <a:solidFill>
+              <a:schemeClr val="dk2"/>
+            </a:solidFill>
+            <a:prstDash val="solid"/>
+            <a:round/>
+            <a:headEnd type="none" w="sm" len="sm"/>
+            <a:tailEnd type="triangle" w="med" len="med"/>
+          </a:ln>
+        </p:spPr>
+      </p:cxnSp>
+      <p:sp>
+        <p:nvSpPr>
+          <p:cNvPr id="205" name="Google Shape;205;p3"/>
+          <p:cNvSpPr/>
+          <p:nvPr/>
+        </p:nvSpPr>
+        <p:spPr>
+          <a:xfrm>
+            <a:off x="9212953" y="6027371"/>
+            <a:ext cx="1983139" cy="947477"/>
+          </a:xfrm>
+          <a:prstGeom prst="roundRect">
+            <a:avLst>
+              <a:gd name="adj" fmla="val 16667"/>
+            </a:avLst>
+          </a:prstGeom>
+          <a:solidFill>
+            <a:srgbClr val="6D9EEB"/>
+          </a:solidFill>
+          <a:ln>
+            <a:noFill/>
+          </a:ln>
+        </p:spPr>
+        <p:txBody>
+          <a:bodyPr spcFirstLastPara="1" wrap="square" lIns="127975" tIns="127975" rIns="127975" bIns="127975" anchor="ctr" anchorCtr="0">
+            <a:noAutofit/>
+          </a:bodyPr>
+          <a:lstStyle/>
+          <a:p>
+            <a:pPr marL="0" marR="0" lvl="0" indent="0" algn="ctr" rtl="0">
+              <a:lnSpc>
+                <a:spcPct val="100000"/>
+              </a:lnSpc>
+              <a:spcBef>
+                <a:spcPts val="0"/>
+              </a:spcBef>
+              <a:spcAft>
+                <a:spcPts val="0"/>
+              </a:spcAft>
+              <a:buNone/>
+            </a:pPr>
+            <a:r>
+              <a:rPr lang="ko" sz="1100" b="1" i="0" u="none" strike="noStrike" cap="none" dirty="0">
+                <a:solidFill>
+                  <a:schemeClr val="lt1"/>
+                </a:solidFill>
+                <a:latin typeface="Microsoft GothicNeo Light" panose="020B0300000101010101" pitchFamily="50" charset="-127"/>
+                <a:ea typeface="Microsoft GothicNeo Light" panose="020B0300000101010101" pitchFamily="50" charset="-127"/>
+                <a:cs typeface="Microsoft GothicNeo Light" panose="020B0300000101010101" pitchFamily="50" charset="-127"/>
+                <a:sym typeface="Arial"/>
+              </a:rPr>
+              <a:t>타이머 업데이트</a:t>
+            </a:r>
+            <a:endParaRPr lang="en-US" altLang="ko" sz="1100" b="1" i="0" u="none" strike="noStrike" cap="none" dirty="0">
+              <a:solidFill>
+                <a:schemeClr val="lt1"/>
+              </a:solidFill>
+              <a:latin typeface="Microsoft GothicNeo Light" panose="020B0300000101010101" pitchFamily="50" charset="-127"/>
+              <a:ea typeface="Microsoft GothicNeo Light" panose="020B0300000101010101" pitchFamily="50" charset="-127"/>
+              <a:cs typeface="Microsoft GothicNeo Light" panose="020B0300000101010101" pitchFamily="50" charset="-127"/>
+              <a:sym typeface="Arial"/>
+            </a:endParaRPr>
+          </a:p>
+          <a:p>
+            <a:pPr marL="0" marR="0" lvl="0" indent="0" algn="ctr" rtl="0">
+              <a:lnSpc>
+                <a:spcPct val="100000"/>
+              </a:lnSpc>
+              <a:spcBef>
+                <a:spcPts val="0"/>
+              </a:spcBef>
+              <a:spcAft>
+                <a:spcPts val="0"/>
+              </a:spcAft>
+              <a:buNone/>
+            </a:pPr>
+            <a:endParaRPr lang="en-US" altLang="ko" sz="1100" b="1" i="0" u="none" strike="noStrike" cap="none" dirty="0">
+              <a:solidFill>
+                <a:schemeClr val="lt1"/>
+              </a:solidFill>
+              <a:latin typeface="Microsoft GothicNeo Light" panose="020B0300000101010101" pitchFamily="50" charset="-127"/>
+              <a:ea typeface="Microsoft GothicNeo Light" panose="020B0300000101010101" pitchFamily="50" charset="-127"/>
+              <a:cs typeface="Microsoft GothicNeo Light" panose="020B0300000101010101" pitchFamily="50" charset="-127"/>
+              <a:sym typeface="Arial"/>
+            </a:endParaRPr>
+          </a:p>
+          <a:p>
+            <a:pPr marL="171450" marR="0" lvl="0" indent="-171450" rtl="0">
+              <a:lnSpc>
+                <a:spcPct val="100000"/>
+              </a:lnSpc>
+              <a:spcBef>
+                <a:spcPts val="0"/>
+              </a:spcBef>
+              <a:spcAft>
+                <a:spcPts val="0"/>
+              </a:spcAft>
+              <a:buFont typeface="Arial" panose="020B0604020202020204" pitchFamily="34" charset="0"/>
+              <a:buChar char="•"/>
+            </a:pPr>
+            <a:r>
+              <a:rPr lang="ko-KR" altLang="en-US" sz="1100" dirty="0">
+                <a:solidFill>
+                  <a:schemeClr val="lt1"/>
+                </a:solidFill>
+                <a:latin typeface="Microsoft GothicNeo Light" panose="020B0300000101010101" pitchFamily="50" charset="-127"/>
+                <a:ea typeface="Microsoft GothicNeo Light" panose="020B0300000101010101" pitchFamily="50" charset="-127"/>
+                <a:cs typeface="Microsoft GothicNeo Light" panose="020B0300000101010101" pitchFamily="50" charset="-127"/>
+              </a:rPr>
+              <a:t>타이머</a:t>
+            </a:r>
+            <a:endParaRPr lang="en-US" altLang="ko-KR" sz="1100" dirty="0">
+              <a:solidFill>
+                <a:schemeClr val="lt1"/>
+              </a:solidFill>
+              <a:latin typeface="Microsoft GothicNeo Light" panose="020B0300000101010101" pitchFamily="50" charset="-127"/>
+              <a:ea typeface="Microsoft GothicNeo Light" panose="020B0300000101010101" pitchFamily="50" charset="-127"/>
+              <a:cs typeface="Microsoft GothicNeo Light" panose="020B0300000101010101" pitchFamily="50" charset="-127"/>
+            </a:endParaRPr>
+          </a:p>
+          <a:p>
+            <a:pPr marL="171450" marR="0" lvl="0" indent="-171450" rtl="0">
+              <a:lnSpc>
+                <a:spcPct val="100000"/>
+              </a:lnSpc>
+              <a:spcBef>
+                <a:spcPts val="0"/>
+              </a:spcBef>
+              <a:spcAft>
+                <a:spcPts val="0"/>
+              </a:spcAft>
+              <a:buFont typeface="Arial" panose="020B0604020202020204" pitchFamily="34" charset="0"/>
+              <a:buChar char="•"/>
+            </a:pPr>
+            <a:r>
+              <a:rPr lang="ko-KR" altLang="en-US" sz="1100" b="0" i="0" u="none" strike="noStrike" cap="none" dirty="0">
+                <a:solidFill>
+                  <a:schemeClr val="lt1"/>
+                </a:solidFill>
+                <a:latin typeface="Microsoft GothicNeo Light" panose="020B0300000101010101" pitchFamily="50" charset="-127"/>
+                <a:ea typeface="Microsoft GothicNeo Light" panose="020B0300000101010101" pitchFamily="50" charset="-127"/>
+                <a:cs typeface="Microsoft GothicNeo Light" panose="020B0300000101010101" pitchFamily="50" charset="-127"/>
+                <a:sym typeface="Arial"/>
+              </a:rPr>
+              <a:t>스킬 </a:t>
+            </a:r>
+            <a:r>
+              <a:rPr lang="ko-KR" altLang="en-US" sz="1100" b="0" i="0" u="none" strike="noStrike" cap="none" dirty="0" err="1">
+                <a:solidFill>
+                  <a:schemeClr val="lt1"/>
+                </a:solidFill>
+                <a:latin typeface="Microsoft GothicNeo Light" panose="020B0300000101010101" pitchFamily="50" charset="-127"/>
+                <a:ea typeface="Microsoft GothicNeo Light" panose="020B0300000101010101" pitchFamily="50" charset="-127"/>
+                <a:cs typeface="Microsoft GothicNeo Light" panose="020B0300000101010101" pitchFamily="50" charset="-127"/>
+                <a:sym typeface="Arial"/>
+              </a:rPr>
+              <a:t>쿨타임</a:t>
+            </a:r>
+            <a:endParaRPr sz="1100" b="0" i="0" u="none" strike="noStrike" cap="none" dirty="0">
+              <a:solidFill>
+                <a:schemeClr val="lt1"/>
+              </a:solidFill>
+              <a:latin typeface="Microsoft GothicNeo Light" panose="020B0300000101010101" pitchFamily="50" charset="-127"/>
+              <a:ea typeface="Microsoft GothicNeo Light" panose="020B0300000101010101" pitchFamily="50" charset="-127"/>
+              <a:cs typeface="Microsoft GothicNeo Light" panose="020B0300000101010101" pitchFamily="50" charset="-127"/>
+              <a:sym typeface="Arial"/>
+            </a:endParaRPr>
+          </a:p>
+        </p:txBody>
+      </p:sp>
+      <p:sp>
+        <p:nvSpPr>
+          <p:cNvPr id="206" name="Google Shape;206;p3"/>
+          <p:cNvSpPr/>
+          <p:nvPr/>
+        </p:nvSpPr>
+        <p:spPr>
+          <a:xfrm>
+            <a:off x="3889211" y="7521736"/>
+            <a:ext cx="1097040" cy="403064"/>
+          </a:xfrm>
+          <a:prstGeom prst="roundRect">
+            <a:avLst>
+              <a:gd name="adj" fmla="val 16667"/>
+            </a:avLst>
+          </a:prstGeom>
+          <a:solidFill>
+            <a:srgbClr val="6D9EEB"/>
+          </a:solidFill>
+          <a:ln>
+            <a:noFill/>
+          </a:ln>
+        </p:spPr>
+        <p:txBody>
+          <a:bodyPr spcFirstLastPara="1" wrap="square" lIns="127975" tIns="127975" rIns="127975" bIns="127975" anchor="ctr" anchorCtr="0">
+            <a:noAutofit/>
+          </a:bodyPr>
+          <a:lstStyle/>
+          <a:p>
+            <a:pPr marL="0" marR="0" lvl="0" indent="0" algn="ctr" rtl="0">
+              <a:lnSpc>
+                <a:spcPct val="100000"/>
+              </a:lnSpc>
+              <a:spcBef>
+                <a:spcPts val="0"/>
+              </a:spcBef>
+              <a:spcAft>
+                <a:spcPts val="0"/>
+              </a:spcAft>
+              <a:buNone/>
+            </a:pPr>
+            <a:r>
+              <a:rPr lang="ko" sz="1100" b="0" i="0" u="none" strike="noStrike" cap="none">
+                <a:solidFill>
+                  <a:schemeClr val="lt1"/>
+                </a:solidFill>
+                <a:latin typeface="Microsoft GothicNeo Light" panose="020B0300000101010101" pitchFamily="50" charset="-127"/>
+                <a:ea typeface="Microsoft GothicNeo Light" panose="020B0300000101010101" pitchFamily="50" charset="-127"/>
+                <a:cs typeface="Microsoft GothicNeo Light" panose="020B0300000101010101" pitchFamily="50" charset="-127"/>
+                <a:sym typeface="Arial"/>
+              </a:rPr>
+              <a:t>게임 결과 send</a:t>
+            </a:r>
+            <a:endParaRPr sz="1100" b="0" i="0" u="none" strike="noStrike" cap="none">
+              <a:solidFill>
+                <a:schemeClr val="lt1"/>
+              </a:solidFill>
+              <a:latin typeface="Microsoft GothicNeo Light" panose="020B0300000101010101" pitchFamily="50" charset="-127"/>
+              <a:ea typeface="Microsoft GothicNeo Light" panose="020B0300000101010101" pitchFamily="50" charset="-127"/>
+              <a:cs typeface="Microsoft GothicNeo Light" panose="020B0300000101010101" pitchFamily="50" charset="-127"/>
+              <a:sym typeface="Arial"/>
+            </a:endParaRPr>
+          </a:p>
+        </p:txBody>
+      </p:sp>
+      <p:sp>
+        <p:nvSpPr>
+          <p:cNvPr id="207" name="Google Shape;207;p3"/>
+          <p:cNvSpPr/>
+          <p:nvPr/>
+        </p:nvSpPr>
+        <p:spPr>
+          <a:xfrm>
+            <a:off x="2053954" y="7521736"/>
+            <a:ext cx="1097040" cy="403064"/>
+          </a:xfrm>
+          <a:prstGeom prst="roundRect">
+            <a:avLst>
+              <a:gd name="adj" fmla="val 16667"/>
+            </a:avLst>
+          </a:prstGeom>
+          <a:solidFill>
+            <a:srgbClr val="6D9EEB"/>
+          </a:solidFill>
+          <a:ln>
+            <a:noFill/>
+          </a:ln>
+        </p:spPr>
+        <p:txBody>
+          <a:bodyPr spcFirstLastPara="1" wrap="square" lIns="127975" tIns="127975" rIns="127975" bIns="127975" anchor="ctr" anchorCtr="0">
+            <a:noAutofit/>
+          </a:bodyPr>
+          <a:lstStyle/>
+          <a:p>
+            <a:pPr marL="0" marR="0" lvl="0" indent="0" algn="ctr" rtl="0">
+              <a:lnSpc>
+                <a:spcPct val="100000"/>
+              </a:lnSpc>
+              <a:spcBef>
+                <a:spcPts val="0"/>
+              </a:spcBef>
+              <a:spcAft>
+                <a:spcPts val="0"/>
+              </a:spcAft>
+              <a:buNone/>
+            </a:pPr>
+            <a:r>
+              <a:rPr lang="ko" sz="1100" b="0" i="0" u="none" strike="noStrike" cap="none">
+                <a:solidFill>
+                  <a:schemeClr val="lt1"/>
+                </a:solidFill>
+                <a:latin typeface="Microsoft GothicNeo Light" panose="020B0300000101010101" pitchFamily="50" charset="-127"/>
+                <a:ea typeface="Microsoft GothicNeo Light" panose="020B0300000101010101" pitchFamily="50" charset="-127"/>
+                <a:cs typeface="Microsoft GothicNeo Light" panose="020B0300000101010101" pitchFamily="50" charset="-127"/>
+                <a:sym typeface="Arial"/>
+              </a:rPr>
+              <a:t>게임 결과 업데이트</a:t>
+            </a:r>
+            <a:endParaRPr sz="1100" b="0" i="0" u="none" strike="noStrike" cap="none">
+              <a:solidFill>
+                <a:schemeClr val="lt1"/>
+              </a:solidFill>
+              <a:latin typeface="Microsoft GothicNeo Light" panose="020B0300000101010101" pitchFamily="50" charset="-127"/>
+              <a:ea typeface="Microsoft GothicNeo Light" panose="020B0300000101010101" pitchFamily="50" charset="-127"/>
+              <a:cs typeface="Microsoft GothicNeo Light" panose="020B0300000101010101" pitchFamily="50" charset="-127"/>
+              <a:sym typeface="Arial"/>
+            </a:endParaRPr>
+          </a:p>
+        </p:txBody>
+      </p:sp>
+      <p:cxnSp>
+        <p:nvCxnSpPr>
+          <p:cNvPr id="208" name="Google Shape;208;p3"/>
+          <p:cNvCxnSpPr>
+            <a:stCxn id="207" idx="3"/>
+            <a:endCxn id="206" idx="1"/>
+          </p:cNvCxnSpPr>
+          <p:nvPr/>
+        </p:nvCxnSpPr>
+        <p:spPr>
+          <a:xfrm>
+            <a:off x="3150994" y="7723268"/>
+            <a:ext cx="738123" cy="0"/>
+          </a:xfrm>
+          <a:prstGeom prst="straightConnector1">
+            <a:avLst/>
+          </a:prstGeom>
+          <a:noFill/>
+          <a:ln w="9525" cap="flat" cmpd="sng">
+            <a:solidFill>
+              <a:schemeClr val="dk2"/>
+            </a:solidFill>
+            <a:prstDash val="solid"/>
+            <a:round/>
+            <a:headEnd type="none" w="sm" len="sm"/>
+            <a:tailEnd type="triangle" w="med" len="med"/>
+          </a:ln>
+        </p:spPr>
+      </p:cxnSp>
+      <p:sp>
+        <p:nvSpPr>
+          <p:cNvPr id="209" name="Google Shape;209;p3"/>
+          <p:cNvSpPr/>
+          <p:nvPr/>
+        </p:nvSpPr>
+        <p:spPr>
+          <a:xfrm>
+            <a:off x="1604259" y="6728993"/>
+            <a:ext cx="1996561" cy="491709"/>
+          </a:xfrm>
+          <a:prstGeom prst="flowChartDecision">
+            <a:avLst/>
+          </a:prstGeom>
+          <a:solidFill>
+            <a:srgbClr val="FFE599"/>
+          </a:solidFill>
+          <a:ln>
+            <a:noFill/>
+          </a:ln>
+        </p:spPr>
+        <p:txBody>
+          <a:bodyPr spcFirstLastPara="1" wrap="square" lIns="127975" tIns="127975" rIns="127975" bIns="127975" anchor="ctr" anchorCtr="0">
+            <a:noAutofit/>
+          </a:bodyPr>
+          <a:lstStyle/>
+          <a:p>
+            <a:pPr marL="0" marR="0" lvl="0" indent="0" algn="ctr" rtl="0">
+              <a:lnSpc>
+                <a:spcPct val="100000"/>
+              </a:lnSpc>
+              <a:spcBef>
+                <a:spcPts val="0"/>
+              </a:spcBef>
+              <a:spcAft>
+                <a:spcPts val="0"/>
+              </a:spcAft>
+              <a:buNone/>
+            </a:pPr>
+            <a:r>
+              <a:rPr lang="ko" sz="1000" b="0" i="0" u="none" strike="noStrike" cap="none">
+                <a:solidFill>
+                  <a:schemeClr val="dk1"/>
+                </a:solidFill>
+                <a:latin typeface="Microsoft GothicNeo Light" panose="020B0300000101010101" pitchFamily="50" charset="-127"/>
+                <a:ea typeface="Microsoft GothicNeo Light" panose="020B0300000101010101" pitchFamily="50" charset="-127"/>
+                <a:cs typeface="Microsoft GothicNeo Light" panose="020B0300000101010101" pitchFamily="50" charset="-127"/>
+                <a:sym typeface="Arial"/>
+              </a:rPr>
+              <a:t>진행시간 &gt;=  지정시간</a:t>
+            </a:r>
+            <a:endParaRPr sz="1000" b="0" i="0" u="none" strike="noStrike" cap="none">
+              <a:solidFill>
+                <a:schemeClr val="dk1"/>
+              </a:solidFill>
+              <a:latin typeface="Microsoft GothicNeo Light" panose="020B0300000101010101" pitchFamily="50" charset="-127"/>
+              <a:ea typeface="Microsoft GothicNeo Light" panose="020B0300000101010101" pitchFamily="50" charset="-127"/>
+              <a:cs typeface="Microsoft GothicNeo Light" panose="020B0300000101010101" pitchFamily="50" charset="-127"/>
+              <a:sym typeface="Arial"/>
+            </a:endParaRPr>
+          </a:p>
+        </p:txBody>
+      </p:sp>
+      <p:cxnSp>
+        <p:nvCxnSpPr>
+          <p:cNvPr id="210" name="Google Shape;210;p3"/>
+          <p:cNvCxnSpPr>
+            <a:stCxn id="198" idx="2"/>
+            <a:endCxn id="209" idx="0"/>
+          </p:cNvCxnSpPr>
+          <p:nvPr/>
+        </p:nvCxnSpPr>
+        <p:spPr>
+          <a:xfrm>
+            <a:off x="2602515" y="6516605"/>
+            <a:ext cx="0" cy="212342"/>
+          </a:xfrm>
+          <a:prstGeom prst="straightConnector1">
+            <a:avLst/>
+          </a:prstGeom>
+          <a:noFill/>
+          <a:ln w="9525" cap="flat" cmpd="sng">
+            <a:solidFill>
+              <a:schemeClr val="dk2"/>
+            </a:solidFill>
+            <a:prstDash val="solid"/>
+            <a:round/>
+            <a:headEnd type="none" w="sm" len="sm"/>
+            <a:tailEnd type="triangle" w="med" len="med"/>
+          </a:ln>
+        </p:spPr>
+      </p:cxnSp>
+      <p:cxnSp>
+        <p:nvCxnSpPr>
+          <p:cNvPr id="211" name="Google Shape;211;p3"/>
+          <p:cNvCxnSpPr>
+            <a:stCxn id="209" idx="2"/>
+            <a:endCxn id="207" idx="0"/>
+          </p:cNvCxnSpPr>
+          <p:nvPr/>
+        </p:nvCxnSpPr>
+        <p:spPr>
+          <a:xfrm>
+            <a:off x="2602540" y="7220703"/>
+            <a:ext cx="0" cy="301196"/>
+          </a:xfrm>
+          <a:prstGeom prst="straightConnector1">
+            <a:avLst/>
+          </a:prstGeom>
+          <a:noFill/>
+          <a:ln w="9525" cap="flat" cmpd="sng">
+            <a:solidFill>
+              <a:schemeClr val="dk2"/>
+            </a:solidFill>
+            <a:prstDash val="solid"/>
+            <a:round/>
+            <a:headEnd type="none" w="sm" len="sm"/>
+            <a:tailEnd type="triangle" w="med" len="med"/>
+          </a:ln>
+        </p:spPr>
+      </p:cxnSp>
+      <p:sp>
+        <p:nvSpPr>
+          <p:cNvPr id="212" name="Google Shape;212;p3"/>
+          <p:cNvSpPr txBox="1"/>
+          <p:nvPr/>
+        </p:nvSpPr>
+        <p:spPr>
+          <a:xfrm>
+            <a:off x="2602494" y="7066351"/>
+            <a:ext cx="723851" cy="504671"/>
+          </a:xfrm>
+          <a:prstGeom prst="rect">
+            <a:avLst/>
+          </a:prstGeom>
+          <a:noFill/>
+          <a:ln>
+            <a:noFill/>
+          </a:ln>
+        </p:spPr>
+        <p:txBody>
+          <a:bodyPr spcFirstLastPara="1" wrap="square" lIns="127975" tIns="127975" rIns="127975" bIns="127975" anchor="t" anchorCtr="0">
+            <a:spAutoFit/>
+          </a:bodyPr>
+          <a:lstStyle/>
+          <a:p>
+            <a:pPr marL="0" marR="0" lvl="0" indent="0" algn="l" rtl="0">
+              <a:lnSpc>
+                <a:spcPct val="100000"/>
+              </a:lnSpc>
+              <a:spcBef>
+                <a:spcPts val="0"/>
+              </a:spcBef>
+              <a:spcAft>
+                <a:spcPts val="0"/>
+              </a:spcAft>
+              <a:buNone/>
+            </a:pPr>
+            <a:r>
+              <a:rPr lang="ko" sz="1600" b="0" i="0" u="none" strike="noStrike" cap="none">
+                <a:solidFill>
+                  <a:srgbClr val="000000"/>
+                </a:solidFill>
+                <a:latin typeface="Microsoft GothicNeo Light" panose="020B0300000101010101" pitchFamily="50" charset="-127"/>
+                <a:ea typeface="Microsoft GothicNeo Light" panose="020B0300000101010101" pitchFamily="50" charset="-127"/>
+                <a:cs typeface="Microsoft GothicNeo Light" panose="020B0300000101010101" pitchFamily="50" charset="-127"/>
+                <a:sym typeface="Arial"/>
+              </a:rPr>
+              <a:t>YES</a:t>
+            </a:r>
+            <a:endParaRPr sz="1600" b="0" i="0" u="none" strike="noStrike" cap="none">
+              <a:solidFill>
+                <a:srgbClr val="000000"/>
+              </a:solidFill>
+              <a:latin typeface="Microsoft GothicNeo Light" panose="020B0300000101010101" pitchFamily="50" charset="-127"/>
+              <a:ea typeface="Microsoft GothicNeo Light" panose="020B0300000101010101" pitchFamily="50" charset="-127"/>
+              <a:cs typeface="Microsoft GothicNeo Light" panose="020B0300000101010101" pitchFamily="50" charset="-127"/>
+              <a:sym typeface="Arial"/>
+            </a:endParaRPr>
+          </a:p>
+        </p:txBody>
+      </p:sp>
+      <p:sp>
+        <p:nvSpPr>
+          <p:cNvPr id="213" name="Google Shape;213;p3"/>
+          <p:cNvSpPr txBox="1"/>
+          <p:nvPr/>
+        </p:nvSpPr>
+        <p:spPr>
+          <a:xfrm>
+            <a:off x="1086105" y="6457143"/>
+            <a:ext cx="723851" cy="504671"/>
+          </a:xfrm>
+          <a:prstGeom prst="rect">
+            <a:avLst/>
+          </a:prstGeom>
+          <a:noFill/>
+          <a:ln>
+            <a:noFill/>
+          </a:ln>
+        </p:spPr>
+        <p:txBody>
+          <a:bodyPr spcFirstLastPara="1" wrap="square" lIns="127975" tIns="127975" rIns="127975" bIns="127975" anchor="t" anchorCtr="0">
+            <a:spAutoFit/>
+          </a:bodyPr>
+          <a:lstStyle/>
+          <a:p>
+            <a:pPr marL="0" marR="0" lvl="0" indent="0" algn="l" rtl="0">
+              <a:lnSpc>
+                <a:spcPct val="100000"/>
+              </a:lnSpc>
+              <a:spcBef>
+                <a:spcPts val="0"/>
+              </a:spcBef>
+              <a:spcAft>
+                <a:spcPts val="0"/>
+              </a:spcAft>
+              <a:buNone/>
+            </a:pPr>
+            <a:r>
+              <a:rPr lang="ko" sz="1600" b="0" i="0" u="none" strike="noStrike" cap="none">
+                <a:solidFill>
+                  <a:srgbClr val="000000"/>
+                </a:solidFill>
+                <a:latin typeface="Microsoft GothicNeo Light" panose="020B0300000101010101" pitchFamily="50" charset="-127"/>
+                <a:ea typeface="Microsoft GothicNeo Light" panose="020B0300000101010101" pitchFamily="50" charset="-127"/>
+                <a:cs typeface="Microsoft GothicNeo Light" panose="020B0300000101010101" pitchFamily="50" charset="-127"/>
+                <a:sym typeface="Arial"/>
+              </a:rPr>
+              <a:t>NO</a:t>
+            </a:r>
+            <a:endParaRPr sz="1600" b="0" i="0" u="none" strike="noStrike" cap="none">
+              <a:solidFill>
+                <a:srgbClr val="000000"/>
+              </a:solidFill>
+              <a:latin typeface="Microsoft GothicNeo Light" panose="020B0300000101010101" pitchFamily="50" charset="-127"/>
+              <a:ea typeface="Microsoft GothicNeo Light" panose="020B0300000101010101" pitchFamily="50" charset="-127"/>
+              <a:cs typeface="Microsoft GothicNeo Light" panose="020B0300000101010101" pitchFamily="50" charset="-127"/>
+              <a:sym typeface="Arial"/>
+            </a:endParaRPr>
+          </a:p>
+        </p:txBody>
+      </p:sp>
+      <p:sp>
+        <p:nvSpPr>
+          <p:cNvPr id="214" name="Google Shape;214;p3"/>
+          <p:cNvSpPr/>
+          <p:nvPr/>
+        </p:nvSpPr>
+        <p:spPr>
+          <a:xfrm>
+            <a:off x="7626286" y="7486944"/>
+            <a:ext cx="1097040" cy="403064"/>
+          </a:xfrm>
+          <a:prstGeom prst="roundRect">
+            <a:avLst>
+              <a:gd name="adj" fmla="val 16667"/>
+            </a:avLst>
+          </a:prstGeom>
+          <a:solidFill>
+            <a:srgbClr val="E06666"/>
+          </a:solidFill>
+          <a:ln>
+            <a:noFill/>
+          </a:ln>
+        </p:spPr>
+        <p:txBody>
+          <a:bodyPr spcFirstLastPara="1" wrap="square" lIns="127975" tIns="127975" rIns="127975" bIns="127975" anchor="ctr" anchorCtr="0">
+            <a:noAutofit/>
+          </a:bodyPr>
+          <a:lstStyle/>
+          <a:p>
+            <a:pPr marL="0" marR="0" lvl="0" indent="0" algn="ctr" rtl="0">
+              <a:lnSpc>
+                <a:spcPct val="100000"/>
+              </a:lnSpc>
+              <a:spcBef>
+                <a:spcPts val="0"/>
+              </a:spcBef>
+              <a:spcAft>
+                <a:spcPts val="0"/>
+              </a:spcAft>
+              <a:buNone/>
+            </a:pPr>
+            <a:r>
+              <a:rPr lang="ko" sz="1100" b="0" i="0" u="none" strike="noStrike" cap="none">
+                <a:solidFill>
+                  <a:schemeClr val="lt1"/>
+                </a:solidFill>
+                <a:latin typeface="Microsoft GothicNeo Light" panose="020B0300000101010101" pitchFamily="50" charset="-127"/>
+                <a:ea typeface="Microsoft GothicNeo Light" panose="020B0300000101010101" pitchFamily="50" charset="-127"/>
+                <a:cs typeface="Microsoft GothicNeo Light" panose="020B0300000101010101" pitchFamily="50" charset="-127"/>
+                <a:sym typeface="Arial"/>
+              </a:rPr>
+              <a:t>결과 recv</a:t>
+            </a:r>
+            <a:endParaRPr sz="1100" b="0" i="0" u="none" strike="noStrike" cap="none">
+              <a:solidFill>
+                <a:schemeClr val="lt1"/>
+              </a:solidFill>
+              <a:latin typeface="Microsoft GothicNeo Light" panose="020B0300000101010101" pitchFamily="50" charset="-127"/>
+              <a:ea typeface="Microsoft GothicNeo Light" panose="020B0300000101010101" pitchFamily="50" charset="-127"/>
+              <a:cs typeface="Microsoft GothicNeo Light" panose="020B0300000101010101" pitchFamily="50" charset="-127"/>
+              <a:sym typeface="Arial"/>
+            </a:endParaRPr>
+          </a:p>
+        </p:txBody>
+      </p:sp>
+      <p:cxnSp>
+        <p:nvCxnSpPr>
+          <p:cNvPr id="215" name="Google Shape;215;p3"/>
+          <p:cNvCxnSpPr>
+            <a:cxnSpLocks/>
+            <a:stCxn id="206" idx="3"/>
+            <a:endCxn id="214" idx="1"/>
+          </p:cNvCxnSpPr>
+          <p:nvPr/>
+        </p:nvCxnSpPr>
+        <p:spPr>
+          <a:xfrm flipV="1">
+            <a:off x="4986251" y="7688476"/>
+            <a:ext cx="2640035" cy="34792"/>
+          </a:xfrm>
+          <a:prstGeom prst="straightConnector1">
+            <a:avLst/>
+          </a:prstGeom>
+          <a:noFill/>
+          <a:ln w="9525" cap="flat" cmpd="sng">
+            <a:solidFill>
+              <a:schemeClr val="dk2"/>
+            </a:solidFill>
+            <a:prstDash val="solid"/>
+            <a:round/>
+            <a:headEnd type="none" w="sm" len="sm"/>
+            <a:tailEnd type="triangle" w="med" len="med"/>
+          </a:ln>
+        </p:spPr>
+      </p:cxnSp>
+      <p:cxnSp>
+        <p:nvCxnSpPr>
+          <p:cNvPr id="216" name="Google Shape;216;p3"/>
+          <p:cNvCxnSpPr>
+            <a:stCxn id="214" idx="3"/>
+          </p:cNvCxnSpPr>
+          <p:nvPr/>
+        </p:nvCxnSpPr>
+        <p:spPr>
+          <a:xfrm rot="10800000" flipH="1">
+            <a:off x="8723326" y="7683928"/>
+            <a:ext cx="481005" cy="4548"/>
+          </a:xfrm>
+          <a:prstGeom prst="straightConnector1">
+            <a:avLst/>
+          </a:prstGeom>
+          <a:noFill/>
+          <a:ln w="9525" cap="flat" cmpd="sng">
+            <a:solidFill>
+              <a:schemeClr val="dk2"/>
+            </a:solidFill>
+            <a:prstDash val="solid"/>
+            <a:round/>
+            <a:headEnd type="none" w="sm" len="sm"/>
+            <a:tailEnd type="triangle" w="med" len="med"/>
+          </a:ln>
+        </p:spPr>
+      </p:cxnSp>
+      <p:sp>
+        <p:nvSpPr>
+          <p:cNvPr id="217" name="Google Shape;217;p3"/>
+          <p:cNvSpPr/>
+          <p:nvPr/>
+        </p:nvSpPr>
+        <p:spPr>
+          <a:xfrm>
+            <a:off x="9212423" y="7516206"/>
+            <a:ext cx="1097040" cy="403064"/>
+          </a:xfrm>
+          <a:prstGeom prst="roundRect">
+            <a:avLst>
+              <a:gd name="adj" fmla="val 16667"/>
+            </a:avLst>
+          </a:prstGeom>
+          <a:solidFill>
+            <a:srgbClr val="6D9EEB"/>
+          </a:solidFill>
+          <a:ln>
+            <a:noFill/>
+          </a:ln>
+        </p:spPr>
+        <p:txBody>
+          <a:bodyPr spcFirstLastPara="1" wrap="square" lIns="127975" tIns="127975" rIns="127975" bIns="127975" anchor="ctr" anchorCtr="0">
+            <a:noAutofit/>
+          </a:bodyPr>
+          <a:lstStyle/>
+          <a:p>
+            <a:pPr marL="0" marR="0" lvl="0" indent="0" algn="ctr" rtl="0">
+              <a:lnSpc>
+                <a:spcPct val="100000"/>
+              </a:lnSpc>
+              <a:spcBef>
+                <a:spcPts val="0"/>
+              </a:spcBef>
+              <a:spcAft>
+                <a:spcPts val="0"/>
+              </a:spcAft>
+              <a:buNone/>
+            </a:pPr>
+            <a:r>
+              <a:rPr lang="ko" sz="1100" b="0" i="0" u="none" strike="noStrike" cap="none">
+                <a:solidFill>
+                  <a:schemeClr val="lt1"/>
+                </a:solidFill>
+                <a:latin typeface="Microsoft GothicNeo Light" panose="020B0300000101010101" pitchFamily="50" charset="-127"/>
+                <a:ea typeface="Microsoft GothicNeo Light" panose="020B0300000101010101" pitchFamily="50" charset="-127"/>
+                <a:cs typeface="Microsoft GothicNeo Light" panose="020B0300000101010101" pitchFamily="50" charset="-127"/>
+                <a:sym typeface="Arial"/>
+              </a:rPr>
+              <a:t>게임 종료</a:t>
+            </a:r>
+            <a:endParaRPr sz="1100" b="0" i="0" u="none" strike="noStrike" cap="none">
+              <a:solidFill>
+                <a:schemeClr val="lt1"/>
+              </a:solidFill>
+              <a:latin typeface="Microsoft GothicNeo Light" panose="020B0300000101010101" pitchFamily="50" charset="-127"/>
+              <a:ea typeface="Microsoft GothicNeo Light" panose="020B0300000101010101" pitchFamily="50" charset="-127"/>
+              <a:cs typeface="Microsoft GothicNeo Light" panose="020B0300000101010101" pitchFamily="50" charset="-127"/>
+              <a:sym typeface="Arial"/>
+            </a:endParaRPr>
+          </a:p>
+        </p:txBody>
+      </p:sp>
+      <p:sp>
+        <p:nvSpPr>
+          <p:cNvPr id="219" name="Google Shape;219;p3"/>
+          <p:cNvSpPr txBox="1"/>
+          <p:nvPr/>
+        </p:nvSpPr>
+        <p:spPr>
+          <a:xfrm>
+            <a:off x="1770314" y="5822661"/>
+            <a:ext cx="2612193" cy="290782"/>
+          </a:xfrm>
+          <a:prstGeom prst="rect">
+            <a:avLst/>
+          </a:prstGeom>
+          <a:noFill/>
+          <a:ln>
+            <a:noFill/>
+          </a:ln>
+        </p:spPr>
+        <p:txBody>
+          <a:bodyPr spcFirstLastPara="1" wrap="square" lIns="127975" tIns="63975" rIns="127975" bIns="63975" anchor="t" anchorCtr="0">
+            <a:spAutoFit/>
+          </a:bodyPr>
+          <a:lstStyle/>
+          <a:p>
+            <a:pPr marL="0" marR="0" lvl="0" indent="0" algn="l" rtl="0">
+              <a:lnSpc>
+                <a:spcPct val="100000"/>
+              </a:lnSpc>
+              <a:spcBef>
+                <a:spcPts val="0"/>
+              </a:spcBef>
+              <a:spcAft>
+                <a:spcPts val="0"/>
+              </a:spcAft>
+              <a:buNone/>
+            </a:pPr>
+            <a:r>
+              <a:rPr lang="ko" sz="1050" b="0" i="0" u="none" strike="noStrike" cap="none">
+                <a:solidFill>
+                  <a:srgbClr val="000000"/>
+                </a:solidFill>
+                <a:latin typeface="Microsoft GothicNeo Light" panose="020B0300000101010101" pitchFamily="50" charset="-127"/>
+                <a:ea typeface="Microsoft GothicNeo Light" panose="020B0300000101010101" pitchFamily="50" charset="-127"/>
+                <a:cs typeface="Microsoft GothicNeo Light" panose="020B0300000101010101" pitchFamily="50" charset="-127"/>
+                <a:sym typeface="Arial"/>
+              </a:rPr>
+              <a:t>Timer Update 주기 : 5fps 정도(1초당 5번)</a:t>
+            </a:r>
+            <a:endParaRPr sz="1050" b="0" i="0" u="none" strike="noStrike" cap="none">
+              <a:solidFill>
+                <a:srgbClr val="000000"/>
+              </a:solidFill>
+              <a:latin typeface="Microsoft GothicNeo Light" panose="020B0300000101010101" pitchFamily="50" charset="-127"/>
+              <a:ea typeface="Microsoft GothicNeo Light" panose="020B0300000101010101" pitchFamily="50" charset="-127"/>
+              <a:cs typeface="Microsoft GothicNeo Light" panose="020B0300000101010101" pitchFamily="50" charset="-127"/>
+              <a:sym typeface="Arial"/>
+            </a:endParaRPr>
+          </a:p>
+        </p:txBody>
+      </p:sp>
+      <p:cxnSp>
+        <p:nvCxnSpPr>
+          <p:cNvPr id="220" name="Google Shape;220;p3"/>
+          <p:cNvCxnSpPr>
+            <a:stCxn id="160" idx="4"/>
+          </p:cNvCxnSpPr>
+          <p:nvPr/>
+        </p:nvCxnSpPr>
+        <p:spPr>
+          <a:xfrm>
+            <a:off x="4437995" y="1110050"/>
+            <a:ext cx="0" cy="223886"/>
+          </a:xfrm>
+          <a:prstGeom prst="straightConnector1">
+            <a:avLst/>
+          </a:prstGeom>
+          <a:noFill/>
+          <a:ln w="9525" cap="flat" cmpd="sng">
+            <a:solidFill>
+              <a:schemeClr val="dk2"/>
+            </a:solidFill>
+            <a:prstDash val="solid"/>
+            <a:round/>
+            <a:headEnd type="none" w="sm" len="sm"/>
+            <a:tailEnd type="triangle" w="med" len="med"/>
+          </a:ln>
+        </p:spPr>
+      </p:cxnSp>
+      <p:cxnSp>
+        <p:nvCxnSpPr>
+          <p:cNvPr id="221" name="Google Shape;221;p3"/>
+          <p:cNvCxnSpPr>
+            <a:stCxn id="209" idx="1"/>
+          </p:cNvCxnSpPr>
+          <p:nvPr/>
+        </p:nvCxnSpPr>
+        <p:spPr>
+          <a:xfrm rot="10800000">
+            <a:off x="1604259" y="6364759"/>
+            <a:ext cx="0" cy="610089"/>
+          </a:xfrm>
+          <a:prstGeom prst="straightConnector1">
+            <a:avLst/>
+          </a:prstGeom>
+          <a:noFill/>
+          <a:ln w="9525" cap="flat" cmpd="sng">
+            <a:solidFill>
+              <a:schemeClr val="dk2"/>
+            </a:solidFill>
+            <a:prstDash val="solid"/>
+            <a:round/>
+            <a:headEnd type="none" w="sm" len="sm"/>
+            <a:tailEnd type="triangle" w="med" len="med"/>
+          </a:ln>
+        </p:spPr>
+      </p:cxnSp>
+      <p:sp>
+        <p:nvSpPr>
+          <p:cNvPr id="224" name="Google Shape;224;p3"/>
+          <p:cNvSpPr/>
+          <p:nvPr/>
+        </p:nvSpPr>
+        <p:spPr>
+          <a:xfrm>
+            <a:off x="2149003" y="1333865"/>
+            <a:ext cx="1097040" cy="403064"/>
+          </a:xfrm>
+          <a:prstGeom prst="roundRect">
+            <a:avLst>
+              <a:gd name="adj" fmla="val 16667"/>
+            </a:avLst>
+          </a:prstGeom>
+          <a:solidFill>
+            <a:srgbClr val="FFE599"/>
+          </a:solidFill>
+          <a:ln>
+            <a:noFill/>
+          </a:ln>
+        </p:spPr>
+        <p:txBody>
+          <a:bodyPr spcFirstLastPara="1" wrap="square" lIns="127975" tIns="127975" rIns="127975" bIns="127975" anchor="ctr" anchorCtr="0">
+            <a:noAutofit/>
+          </a:bodyPr>
+          <a:lstStyle/>
+          <a:p>
+            <a:pPr marL="0" marR="0" lvl="0" indent="0" algn="ctr" rtl="0">
+              <a:lnSpc>
+                <a:spcPct val="100000"/>
+              </a:lnSpc>
+              <a:spcBef>
+                <a:spcPts val="0"/>
+              </a:spcBef>
+              <a:spcAft>
+                <a:spcPts val="0"/>
+              </a:spcAft>
+              <a:buNone/>
+            </a:pPr>
+            <a:r>
+              <a:rPr lang="ko" sz="1050" b="0" i="0" u="none" strike="noStrike" cap="none">
+                <a:solidFill>
+                  <a:schemeClr val="dk1"/>
+                </a:solidFill>
+                <a:latin typeface="Microsoft GothicNeo Light" panose="020B0300000101010101" pitchFamily="50" charset="-127"/>
+                <a:ea typeface="Microsoft GothicNeo Light" panose="020B0300000101010101" pitchFamily="50" charset="-127"/>
+                <a:cs typeface="Microsoft GothicNeo Light" panose="020B0300000101010101" pitchFamily="50" charset="-127"/>
+                <a:sym typeface="Arial"/>
+              </a:rPr>
+              <a:t>타이머 세팅(초기화)</a:t>
+            </a:r>
+            <a:endParaRPr sz="1050" b="0" i="0" u="none" strike="noStrike" cap="none">
+              <a:solidFill>
+                <a:schemeClr val="dk1"/>
+              </a:solidFill>
+              <a:latin typeface="Microsoft GothicNeo Light" panose="020B0300000101010101" pitchFamily="50" charset="-127"/>
+              <a:ea typeface="Microsoft GothicNeo Light" panose="020B0300000101010101" pitchFamily="50" charset="-127"/>
+              <a:cs typeface="Microsoft GothicNeo Light" panose="020B0300000101010101" pitchFamily="50" charset="-127"/>
+              <a:sym typeface="Arial"/>
+            </a:endParaRPr>
+          </a:p>
+        </p:txBody>
+      </p:sp>
+      <p:sp>
+        <p:nvSpPr>
+          <p:cNvPr id="225" name="Google Shape;225;p3"/>
+          <p:cNvSpPr/>
+          <p:nvPr/>
+        </p:nvSpPr>
+        <p:spPr>
+          <a:xfrm>
+            <a:off x="3859478" y="1345417"/>
+            <a:ext cx="1097040" cy="403064"/>
+          </a:xfrm>
+          <a:prstGeom prst="roundRect">
+            <a:avLst>
+              <a:gd name="adj" fmla="val 16667"/>
+            </a:avLst>
+          </a:prstGeom>
+          <a:solidFill>
+            <a:srgbClr val="6D9EEB"/>
+          </a:solidFill>
+          <a:ln>
+            <a:noFill/>
+          </a:ln>
+        </p:spPr>
+        <p:txBody>
+          <a:bodyPr spcFirstLastPara="1" wrap="square" lIns="127975" tIns="127975" rIns="127975" bIns="127975" anchor="ctr" anchorCtr="0">
+            <a:noAutofit/>
+          </a:bodyPr>
+          <a:lstStyle/>
+          <a:p>
+            <a:pPr marL="0" marR="0" lvl="0" indent="0" algn="ctr" rtl="0">
+              <a:lnSpc>
+                <a:spcPct val="100000"/>
+              </a:lnSpc>
+              <a:spcBef>
+                <a:spcPts val="0"/>
+              </a:spcBef>
+              <a:spcAft>
+                <a:spcPts val="0"/>
+              </a:spcAft>
+              <a:buNone/>
+            </a:pPr>
+            <a:r>
+              <a:rPr lang="ko-KR" altLang="en-US" sz="1100" dirty="0">
+                <a:solidFill>
+                  <a:schemeClr val="lt1"/>
+                </a:solidFill>
+                <a:latin typeface="Microsoft GothicNeo Light" panose="020B0300000101010101" pitchFamily="50" charset="-127"/>
+                <a:ea typeface="Microsoft GothicNeo Light" panose="020B0300000101010101" pitchFamily="50" charset="-127"/>
+                <a:cs typeface="Microsoft GothicNeo Light" panose="020B0300000101010101" pitchFamily="50" charset="-127"/>
+              </a:rPr>
+              <a:t>타이머 초기화</a:t>
+            </a:r>
+            <a:endParaRPr sz="1100" b="0" i="0" u="none" strike="noStrike" cap="none" dirty="0">
+              <a:solidFill>
+                <a:schemeClr val="lt1"/>
+              </a:solidFill>
+              <a:latin typeface="Microsoft GothicNeo Light" panose="020B0300000101010101" pitchFamily="50" charset="-127"/>
+              <a:ea typeface="Microsoft GothicNeo Light" panose="020B0300000101010101" pitchFamily="50" charset="-127"/>
+              <a:cs typeface="Microsoft GothicNeo Light" panose="020B0300000101010101" pitchFamily="50" charset="-127"/>
+              <a:sym typeface="Arial"/>
+            </a:endParaRPr>
+          </a:p>
+        </p:txBody>
+      </p:sp>
+      <p:cxnSp>
+        <p:nvCxnSpPr>
+          <p:cNvPr id="15" name="연결선: 꺾임 14">
             <a:extLst>
               <a:ext uri="{FF2B5EF4-FFF2-40B4-BE49-F238E27FC236}">
-                <a16:creationId xmlns:a16="http://schemas.microsoft.com/office/drawing/2014/main" id="{EC2BAE22-F2EF-4664-1277-90CC65011F1A}"/>
+                <a16:creationId xmlns:a16="http://schemas.microsoft.com/office/drawing/2014/main" id="{6F5E46A0-53A0-6F9F-BC69-6101542C4EBA}"/>
               </a:ext>
             </a:extLst>
           </p:cNvPr>
-          <p:cNvGrpSpPr/>
+          <p:cNvCxnSpPr>
+            <a:cxnSpLocks/>
+            <a:stCxn id="176" idx="2"/>
+            <a:endCxn id="178" idx="1"/>
+          </p:cNvCxnSpPr>
           <p:nvPr/>
-        </p:nvGrpSpPr>
-        <p:grpSpPr>
+        </p:nvCxnSpPr>
+        <p:spPr>
+          <a:xfrm rot="16200000" flipH="1">
+            <a:off x="3167258" y="3860527"/>
+            <a:ext cx="157473" cy="1286962"/>
+          </a:xfrm>
+          <a:prstGeom prst="bentConnector2">
+            <a:avLst/>
+          </a:prstGeom>
+          <a:ln>
+            <a:tailEnd type="triangle"/>
+          </a:ln>
+        </p:spPr>
+        <p:style>
+          <a:lnRef idx="1">
+            <a:schemeClr val="dk1"/>
+          </a:lnRef>
+          <a:fillRef idx="0">
+            <a:schemeClr val="dk1"/>
+          </a:fillRef>
+          <a:effectRef idx="0">
+            <a:schemeClr val="dk1"/>
+          </a:effectRef>
+          <a:fontRef idx="minor">
+            <a:schemeClr val="tx1"/>
+          </a:fontRef>
+        </p:style>
+      </p:cxnSp>
+      <p:cxnSp>
+        <p:nvCxnSpPr>
+          <p:cNvPr id="21" name="연결선: 꺾임 20">
+            <a:extLst>
+              <a:ext uri="{FF2B5EF4-FFF2-40B4-BE49-F238E27FC236}">
+                <a16:creationId xmlns:a16="http://schemas.microsoft.com/office/drawing/2014/main" id="{50897556-A8A1-0D61-4067-5BFB1F9CDB85}"/>
+              </a:ext>
+            </a:extLst>
+          </p:cNvPr>
+          <p:cNvCxnSpPr>
+            <a:cxnSpLocks/>
+            <a:stCxn id="163" idx="5"/>
+            <a:endCxn id="166" idx="3"/>
+          </p:cNvCxnSpPr>
+          <p:nvPr/>
+        </p:nvCxnSpPr>
+        <p:spPr>
           <a:xfrm>
-            <a:off x="393364" y="266700"/>
-            <a:ext cx="11374069" cy="7658100"/>
-            <a:chOff x="393364" y="266700"/>
-            <a:chExt cx="11374069" cy="7658100"/>
+            <a:off x="10301334" y="2162522"/>
+            <a:ext cx="135098" cy="1046820"/>
           </a:xfrm>
-        </p:grpSpPr>
-        <p:sp>
-          <p:nvSpPr>
-            <p:cNvPr id="159" name="Google Shape;159;p3"/>
-            <p:cNvSpPr/>
-            <p:nvPr/>
-          </p:nvSpPr>
-          <p:spPr>
-            <a:xfrm>
-              <a:off x="393364" y="2452577"/>
-              <a:ext cx="11374069" cy="3264348"/>
-            </a:xfrm>
-            <a:prstGeom prst="roundRect">
-              <a:avLst>
-                <a:gd name="adj" fmla="val 16667"/>
-              </a:avLst>
-            </a:prstGeom>
-            <a:solidFill>
-              <a:srgbClr val="BCBCBC"/>
-            </a:solidFill>
-            <a:ln>
-              <a:noFill/>
-            </a:ln>
-          </p:spPr>
-          <p:txBody>
-            <a:bodyPr spcFirstLastPara="1" wrap="square" lIns="127975" tIns="63975" rIns="127975" bIns="63975" anchor="ctr" anchorCtr="0">
-              <a:noAutofit/>
-            </a:bodyPr>
-            <a:lstStyle/>
-            <a:p>
-              <a:pPr marL="0" marR="0" lvl="0" indent="0" algn="ctr" rtl="0">
-                <a:lnSpc>
-                  <a:spcPct val="100000"/>
-                </a:lnSpc>
-                <a:spcBef>
-                  <a:spcPts val="0"/>
-                </a:spcBef>
-                <a:spcAft>
-                  <a:spcPts val="0"/>
-                </a:spcAft>
-                <a:buNone/>
-              </a:pPr>
-              <a:endParaRPr sz="2800" b="0" i="0" u="none" strike="noStrike" cap="none">
-                <a:solidFill>
-                  <a:schemeClr val="lt1"/>
-                </a:solidFill>
-                <a:latin typeface="Microsoft GothicNeo Light" panose="020B0300000101010101" pitchFamily="50" charset="-127"/>
-                <a:ea typeface="Microsoft GothicNeo Light" panose="020B0300000101010101" pitchFamily="50" charset="-127"/>
-                <a:cs typeface="Microsoft GothicNeo Light" panose="020B0300000101010101" pitchFamily="50" charset="-127"/>
-                <a:sym typeface="Arial"/>
-              </a:endParaRPr>
-            </a:p>
-          </p:txBody>
-        </p:sp>
-        <p:sp>
-          <p:nvSpPr>
-            <p:cNvPr id="160" name="Google Shape;160;p3"/>
-            <p:cNvSpPr/>
-            <p:nvPr/>
-          </p:nvSpPr>
-          <p:spPr>
-            <a:xfrm>
-              <a:off x="3400460" y="266700"/>
-              <a:ext cx="2075071" cy="843350"/>
-            </a:xfrm>
-            <a:prstGeom prst="ellipse">
-              <a:avLst/>
-            </a:prstGeom>
-            <a:solidFill>
-              <a:srgbClr val="6D9EEB"/>
-            </a:solidFill>
-            <a:ln>
-              <a:noFill/>
-            </a:ln>
-          </p:spPr>
-          <p:txBody>
-            <a:bodyPr spcFirstLastPara="1" wrap="square" lIns="127975" tIns="127975" rIns="127975" bIns="127975" anchor="ctr" anchorCtr="0">
-              <a:noAutofit/>
-            </a:bodyPr>
-            <a:lstStyle/>
-            <a:p>
-              <a:pPr marL="0" marR="0" lvl="0" indent="0" algn="ctr" rtl="0">
-                <a:lnSpc>
-                  <a:spcPct val="100000"/>
-                </a:lnSpc>
-                <a:spcBef>
-                  <a:spcPts val="0"/>
-                </a:spcBef>
-                <a:spcAft>
-                  <a:spcPts val="0"/>
-                </a:spcAft>
-                <a:buNone/>
-              </a:pPr>
-              <a:r>
-                <a:rPr lang="ko" sz="1100" b="0" i="0" u="none" strike="noStrike" cap="none" dirty="0">
-                  <a:solidFill>
-                    <a:schemeClr val="lt1"/>
-                  </a:solidFill>
-                  <a:latin typeface="Microsoft GothicNeo Light" panose="020B0300000101010101" pitchFamily="50" charset="-127"/>
-                  <a:ea typeface="Microsoft GothicNeo Light" panose="020B0300000101010101" pitchFamily="50" charset="-127"/>
-                  <a:cs typeface="Microsoft GothicNeo Light" panose="020B0300000101010101" pitchFamily="50" charset="-127"/>
-                  <a:sym typeface="Arial"/>
-                </a:rPr>
-                <a:t>메인 게임 화면</a:t>
-              </a:r>
-              <a:endParaRPr sz="1100" b="0" i="0" u="none" strike="noStrike" cap="none" dirty="0">
-                <a:solidFill>
-                  <a:schemeClr val="lt1"/>
-                </a:solidFill>
-                <a:latin typeface="Microsoft GothicNeo Light" panose="020B0300000101010101" pitchFamily="50" charset="-127"/>
-                <a:ea typeface="Microsoft GothicNeo Light" panose="020B0300000101010101" pitchFamily="50" charset="-127"/>
-                <a:cs typeface="Microsoft GothicNeo Light" panose="020B0300000101010101" pitchFamily="50" charset="-127"/>
-                <a:sym typeface="Arial"/>
-              </a:endParaRPr>
-            </a:p>
-          </p:txBody>
-        </p:sp>
-        <p:sp>
-          <p:nvSpPr>
-            <p:cNvPr id="161" name="Google Shape;161;p3"/>
-            <p:cNvSpPr/>
-            <p:nvPr/>
-          </p:nvSpPr>
-          <p:spPr>
-            <a:xfrm>
-              <a:off x="8723408" y="266700"/>
-              <a:ext cx="2075071" cy="843350"/>
-            </a:xfrm>
-            <a:prstGeom prst="ellipse">
-              <a:avLst/>
-            </a:prstGeom>
-            <a:solidFill>
-              <a:srgbClr val="6D9EEB"/>
-            </a:solidFill>
-            <a:ln>
-              <a:noFill/>
-            </a:ln>
-          </p:spPr>
-          <p:txBody>
-            <a:bodyPr spcFirstLastPara="1" wrap="square" lIns="127975" tIns="127975" rIns="127975" bIns="127975" anchor="ctr" anchorCtr="0">
-              <a:noAutofit/>
-            </a:bodyPr>
-            <a:lstStyle/>
-            <a:p>
-              <a:pPr marL="0" marR="0" lvl="0" indent="0" algn="ctr" rtl="0">
-                <a:lnSpc>
-                  <a:spcPct val="100000"/>
-                </a:lnSpc>
-                <a:spcBef>
-                  <a:spcPts val="0"/>
-                </a:spcBef>
-                <a:spcAft>
-                  <a:spcPts val="0"/>
-                </a:spcAft>
-                <a:buNone/>
-              </a:pPr>
-              <a:r>
-                <a:rPr lang="ko" sz="1100" b="0" i="0" u="none" strike="noStrike" cap="none">
-                  <a:solidFill>
-                    <a:schemeClr val="lt1"/>
-                  </a:solidFill>
-                  <a:latin typeface="Microsoft GothicNeo Light" panose="020B0300000101010101" pitchFamily="50" charset="-127"/>
-                  <a:ea typeface="Microsoft GothicNeo Light" panose="020B0300000101010101" pitchFamily="50" charset="-127"/>
-                  <a:cs typeface="Microsoft GothicNeo Light" panose="020B0300000101010101" pitchFamily="50" charset="-127"/>
-                  <a:sym typeface="Arial"/>
-                </a:rPr>
-                <a:t>메인 게임 화면</a:t>
-              </a:r>
-              <a:endParaRPr sz="1100" b="0" i="0" u="none" strike="noStrike" cap="none">
-                <a:solidFill>
-                  <a:schemeClr val="lt1"/>
-                </a:solidFill>
-                <a:latin typeface="Microsoft GothicNeo Light" panose="020B0300000101010101" pitchFamily="50" charset="-127"/>
-                <a:ea typeface="Microsoft GothicNeo Light" panose="020B0300000101010101" pitchFamily="50" charset="-127"/>
-                <a:cs typeface="Microsoft GothicNeo Light" panose="020B0300000101010101" pitchFamily="50" charset="-127"/>
-                <a:sym typeface="Arial"/>
-              </a:endParaRPr>
-            </a:p>
-          </p:txBody>
-        </p:sp>
-        <p:cxnSp>
-          <p:nvCxnSpPr>
-            <p:cNvPr id="162" name="Google Shape;162;p3"/>
-            <p:cNvCxnSpPr>
-              <a:stCxn id="161" idx="4"/>
-              <a:endCxn id="163" idx="1"/>
-            </p:cNvCxnSpPr>
-            <p:nvPr/>
-          </p:nvCxnSpPr>
-          <p:spPr>
-            <a:xfrm>
-              <a:off x="9760943" y="1110050"/>
-              <a:ext cx="0" cy="851116"/>
-            </a:xfrm>
-            <a:prstGeom prst="straightConnector1">
-              <a:avLst/>
-            </a:prstGeom>
-            <a:noFill/>
-            <a:ln w="9525" cap="flat" cmpd="sng">
-              <a:solidFill>
-                <a:schemeClr val="dk2"/>
-              </a:solidFill>
-              <a:prstDash val="solid"/>
-              <a:round/>
-              <a:headEnd type="none" w="sm" len="sm"/>
-              <a:tailEnd type="triangle" w="med" len="med"/>
-            </a:ln>
-          </p:spPr>
-        </p:cxnSp>
-        <p:sp>
-          <p:nvSpPr>
-            <p:cNvPr id="163" name="Google Shape;163;p3"/>
-            <p:cNvSpPr/>
-            <p:nvPr/>
-          </p:nvSpPr>
-          <p:spPr>
-            <a:xfrm>
-              <a:off x="9085456" y="1960990"/>
-              <a:ext cx="1350976" cy="403064"/>
-            </a:xfrm>
-            <a:prstGeom prst="flowChartInputOutput">
-              <a:avLst/>
-            </a:prstGeom>
-            <a:solidFill>
-              <a:srgbClr val="6D9EEB"/>
-            </a:solidFill>
-            <a:ln>
-              <a:noFill/>
-            </a:ln>
-          </p:spPr>
-          <p:txBody>
-            <a:bodyPr spcFirstLastPara="1" wrap="square" lIns="127975" tIns="127975" rIns="127975" bIns="127975" anchor="ctr" anchorCtr="0">
-              <a:noAutofit/>
-            </a:bodyPr>
-            <a:lstStyle/>
-            <a:p>
-              <a:pPr marL="0" marR="0" lvl="0" indent="0" algn="ctr" rtl="0">
-                <a:lnSpc>
-                  <a:spcPct val="100000"/>
-                </a:lnSpc>
-                <a:spcBef>
-                  <a:spcPts val="0"/>
-                </a:spcBef>
-                <a:spcAft>
-                  <a:spcPts val="0"/>
-                </a:spcAft>
-                <a:buNone/>
-              </a:pPr>
-              <a:r>
-                <a:rPr lang="ko" sz="1100" b="0" i="0" u="none" strike="noStrike" cap="none">
-                  <a:solidFill>
-                    <a:schemeClr val="lt1"/>
-                  </a:solidFill>
-                  <a:latin typeface="Microsoft GothicNeo Light" panose="020B0300000101010101" pitchFamily="50" charset="-127"/>
-                  <a:ea typeface="Microsoft GothicNeo Light" panose="020B0300000101010101" pitchFamily="50" charset="-127"/>
-                  <a:cs typeface="Microsoft GothicNeo Light" panose="020B0300000101010101" pitchFamily="50" charset="-127"/>
-                  <a:sym typeface="Arial"/>
-                </a:rPr>
-                <a:t>게임 실행</a:t>
-              </a:r>
-              <a:endParaRPr sz="1100" b="0" i="0" u="none" strike="noStrike" cap="none">
-                <a:solidFill>
-                  <a:schemeClr val="lt1"/>
-                </a:solidFill>
-                <a:latin typeface="Microsoft GothicNeo Light" panose="020B0300000101010101" pitchFamily="50" charset="-127"/>
-                <a:ea typeface="Microsoft GothicNeo Light" panose="020B0300000101010101" pitchFamily="50" charset="-127"/>
-                <a:cs typeface="Microsoft GothicNeo Light" panose="020B0300000101010101" pitchFamily="50" charset="-127"/>
-                <a:sym typeface="Arial"/>
-              </a:endParaRPr>
-            </a:p>
-          </p:txBody>
-        </p:sp>
-        <p:sp>
-          <p:nvSpPr>
-            <p:cNvPr id="166" name="Google Shape;166;p3"/>
-            <p:cNvSpPr/>
-            <p:nvPr/>
-          </p:nvSpPr>
-          <p:spPr>
-            <a:xfrm>
-              <a:off x="9069212" y="2587993"/>
-              <a:ext cx="1367220" cy="403064"/>
-            </a:xfrm>
-            <a:prstGeom prst="roundRect">
-              <a:avLst>
-                <a:gd name="adj" fmla="val 16667"/>
-              </a:avLst>
-            </a:prstGeom>
-            <a:solidFill>
-              <a:srgbClr val="6D9EEB"/>
-            </a:solidFill>
-            <a:ln>
-              <a:noFill/>
-            </a:ln>
-          </p:spPr>
-          <p:txBody>
-            <a:bodyPr spcFirstLastPara="1" wrap="square" lIns="127975" tIns="127975" rIns="127975" bIns="127975" anchor="ctr" anchorCtr="0">
-              <a:noAutofit/>
-            </a:bodyPr>
-            <a:lstStyle/>
-            <a:p>
-              <a:pPr marL="0" marR="0" lvl="0" indent="0" algn="ctr" rtl="0">
-                <a:lnSpc>
-                  <a:spcPct val="100000"/>
-                </a:lnSpc>
-                <a:spcBef>
-                  <a:spcPts val="0"/>
-                </a:spcBef>
-                <a:spcAft>
-                  <a:spcPts val="0"/>
-                </a:spcAft>
-                <a:buNone/>
-              </a:pPr>
-              <a:r>
-                <a:rPr lang="ko" sz="1100" b="0" i="0" u="none" strike="noStrike" cap="none">
-                  <a:solidFill>
-                    <a:schemeClr val="lt1"/>
-                  </a:solidFill>
-                  <a:latin typeface="Microsoft GothicNeo Light" panose="020B0300000101010101" pitchFamily="50" charset="-127"/>
-                  <a:ea typeface="Microsoft GothicNeo Light" panose="020B0300000101010101" pitchFamily="50" charset="-127"/>
-                  <a:cs typeface="Microsoft GothicNeo Light" panose="020B0300000101010101" pitchFamily="50" charset="-127"/>
-                  <a:sym typeface="Arial"/>
-                </a:rPr>
-                <a:t>방향키 및 점멸 send</a:t>
-              </a:r>
-              <a:endParaRPr sz="1100" b="0" i="0" u="none" strike="noStrike" cap="none">
-                <a:solidFill>
-                  <a:schemeClr val="lt1"/>
-                </a:solidFill>
-                <a:latin typeface="Microsoft GothicNeo Light" panose="020B0300000101010101" pitchFamily="50" charset="-127"/>
-                <a:ea typeface="Microsoft GothicNeo Light" panose="020B0300000101010101" pitchFamily="50" charset="-127"/>
-                <a:cs typeface="Microsoft GothicNeo Light" panose="020B0300000101010101" pitchFamily="50" charset="-127"/>
-                <a:sym typeface="Arial"/>
-              </a:endParaRPr>
-            </a:p>
-          </p:txBody>
-        </p:sp>
-        <p:sp>
-          <p:nvSpPr>
-            <p:cNvPr id="167" name="Google Shape;167;p3"/>
-            <p:cNvSpPr/>
-            <p:nvPr/>
-          </p:nvSpPr>
-          <p:spPr>
-            <a:xfrm>
-              <a:off x="9212423" y="3774821"/>
-              <a:ext cx="1097040" cy="403064"/>
-            </a:xfrm>
-            <a:prstGeom prst="roundRect">
-              <a:avLst>
-                <a:gd name="adj" fmla="val 16667"/>
-              </a:avLst>
-            </a:prstGeom>
-            <a:solidFill>
-              <a:srgbClr val="6D9EEB"/>
-            </a:solidFill>
-            <a:ln>
-              <a:noFill/>
-            </a:ln>
-          </p:spPr>
-          <p:txBody>
-            <a:bodyPr spcFirstLastPara="1" wrap="square" lIns="127975" tIns="127975" rIns="127975" bIns="127975" anchor="ctr" anchorCtr="0">
-              <a:noAutofit/>
-            </a:bodyPr>
-            <a:lstStyle/>
-            <a:p>
-              <a:pPr marL="0" marR="0" lvl="0" indent="0" algn="ctr" rtl="0">
-                <a:lnSpc>
-                  <a:spcPct val="100000"/>
-                </a:lnSpc>
-                <a:spcBef>
-                  <a:spcPts val="0"/>
-                </a:spcBef>
-                <a:spcAft>
-                  <a:spcPts val="0"/>
-                </a:spcAft>
-                <a:buNone/>
-              </a:pPr>
-              <a:r>
-                <a:rPr lang="ko" sz="1100" b="0" i="0" u="none" strike="noStrike" cap="none">
-                  <a:solidFill>
-                    <a:schemeClr val="lt1"/>
-                  </a:solidFill>
-                  <a:latin typeface="Microsoft GothicNeo Light" panose="020B0300000101010101" pitchFamily="50" charset="-127"/>
-                  <a:ea typeface="Microsoft GothicNeo Light" panose="020B0300000101010101" pitchFamily="50" charset="-127"/>
-                  <a:cs typeface="Microsoft GothicNeo Light" panose="020B0300000101010101" pitchFamily="50" charset="-127"/>
-                  <a:sym typeface="Arial"/>
-                </a:rPr>
-                <a:t>공격키 send</a:t>
-              </a:r>
-              <a:endParaRPr sz="1100" b="0" i="0" u="none" strike="noStrike" cap="none">
-                <a:solidFill>
-                  <a:schemeClr val="lt1"/>
-                </a:solidFill>
-                <a:latin typeface="Microsoft GothicNeo Light" panose="020B0300000101010101" pitchFamily="50" charset="-127"/>
-                <a:ea typeface="Microsoft GothicNeo Light" panose="020B0300000101010101" pitchFamily="50" charset="-127"/>
-                <a:cs typeface="Microsoft GothicNeo Light" panose="020B0300000101010101" pitchFamily="50" charset="-127"/>
-                <a:sym typeface="Arial"/>
-              </a:endParaRPr>
-            </a:p>
-          </p:txBody>
-        </p:sp>
-        <p:sp>
-          <p:nvSpPr>
-            <p:cNvPr id="168" name="Google Shape;168;p3"/>
-            <p:cNvSpPr/>
-            <p:nvPr/>
-          </p:nvSpPr>
-          <p:spPr>
-            <a:xfrm>
-              <a:off x="5475531" y="2587993"/>
-              <a:ext cx="1097040" cy="403064"/>
-            </a:xfrm>
-            <a:prstGeom prst="roundRect">
-              <a:avLst>
-                <a:gd name="adj" fmla="val 16667"/>
-              </a:avLst>
-            </a:prstGeom>
-            <a:solidFill>
-              <a:srgbClr val="E06666"/>
-            </a:solidFill>
-            <a:ln>
-              <a:noFill/>
-            </a:ln>
-          </p:spPr>
-          <p:txBody>
-            <a:bodyPr spcFirstLastPara="1" wrap="square" lIns="127975" tIns="127975" rIns="127975" bIns="127975" anchor="ctr" anchorCtr="0">
-              <a:noAutofit/>
-            </a:bodyPr>
-            <a:lstStyle/>
-            <a:p>
-              <a:pPr marL="0" marR="0" lvl="0" indent="0" algn="ctr" rtl="0">
-                <a:lnSpc>
-                  <a:spcPct val="100000"/>
-                </a:lnSpc>
-                <a:spcBef>
-                  <a:spcPts val="0"/>
-                </a:spcBef>
-                <a:spcAft>
-                  <a:spcPts val="0"/>
-                </a:spcAft>
-                <a:buNone/>
-              </a:pPr>
-              <a:r>
-                <a:rPr lang="ko" sz="1100" b="0" i="0" u="none" strike="noStrike" cap="none">
-                  <a:solidFill>
-                    <a:schemeClr val="lt1"/>
-                  </a:solidFill>
-                  <a:latin typeface="Microsoft GothicNeo Light" panose="020B0300000101010101" pitchFamily="50" charset="-127"/>
-                  <a:ea typeface="Microsoft GothicNeo Light" panose="020B0300000101010101" pitchFamily="50" charset="-127"/>
-                  <a:cs typeface="Microsoft GothicNeo Light" panose="020B0300000101010101" pitchFamily="50" charset="-127"/>
-                  <a:sym typeface="Arial"/>
-                </a:rPr>
-                <a:t>키 입력 recv</a:t>
-              </a:r>
-              <a:endParaRPr sz="1100" b="0" i="0" u="none" strike="noStrike" cap="none">
-                <a:solidFill>
-                  <a:schemeClr val="lt1"/>
-                </a:solidFill>
-                <a:latin typeface="Microsoft GothicNeo Light" panose="020B0300000101010101" pitchFamily="50" charset="-127"/>
-                <a:ea typeface="Microsoft GothicNeo Light" panose="020B0300000101010101" pitchFamily="50" charset="-127"/>
-                <a:cs typeface="Microsoft GothicNeo Light" panose="020B0300000101010101" pitchFamily="50" charset="-127"/>
-                <a:sym typeface="Arial"/>
-              </a:endParaRPr>
-            </a:p>
-          </p:txBody>
-        </p:sp>
-        <p:cxnSp>
-          <p:nvCxnSpPr>
-            <p:cNvPr id="169" name="Google Shape;169;p3"/>
-            <p:cNvCxnSpPr>
-              <a:cxnSpLocks/>
-              <a:stCxn id="166" idx="1"/>
-              <a:endCxn id="168" idx="3"/>
-            </p:cNvCxnSpPr>
-            <p:nvPr/>
-          </p:nvCxnSpPr>
-          <p:spPr>
-            <a:xfrm flipH="1">
-              <a:off x="6572571" y="2789525"/>
-              <a:ext cx="2496641" cy="0"/>
-            </a:xfrm>
-            <a:prstGeom prst="straightConnector1">
-              <a:avLst/>
-            </a:prstGeom>
-            <a:noFill/>
-            <a:ln w="9525" cap="flat" cmpd="sng">
-              <a:solidFill>
-                <a:schemeClr val="dk2"/>
-              </a:solidFill>
-              <a:prstDash val="solid"/>
-              <a:round/>
-              <a:headEnd type="none" w="sm" len="sm"/>
-              <a:tailEnd type="triangle" w="med" len="med"/>
-            </a:ln>
-          </p:spPr>
-        </p:cxnSp>
-        <p:sp>
-          <p:nvSpPr>
-            <p:cNvPr id="170" name="Google Shape;170;p3"/>
-            <p:cNvSpPr/>
-            <p:nvPr/>
-          </p:nvSpPr>
-          <p:spPr>
-            <a:xfrm>
-              <a:off x="3737914" y="2587993"/>
-              <a:ext cx="1400162" cy="403064"/>
-            </a:xfrm>
-            <a:prstGeom prst="roundRect">
-              <a:avLst>
-                <a:gd name="adj" fmla="val 16667"/>
-              </a:avLst>
-            </a:prstGeom>
-            <a:solidFill>
-              <a:srgbClr val="6D9EEB"/>
-            </a:solidFill>
-            <a:ln>
-              <a:noFill/>
-            </a:ln>
-          </p:spPr>
-          <p:txBody>
-            <a:bodyPr spcFirstLastPara="1" wrap="square" lIns="127975" tIns="127975" rIns="127975" bIns="127975" anchor="ctr" anchorCtr="0">
-              <a:noAutofit/>
-            </a:bodyPr>
-            <a:lstStyle/>
-            <a:p>
-              <a:pPr marL="0" marR="0" lvl="0" indent="0" algn="ctr" rtl="0">
-                <a:lnSpc>
-                  <a:spcPct val="100000"/>
-                </a:lnSpc>
-                <a:spcBef>
-                  <a:spcPts val="0"/>
-                </a:spcBef>
-                <a:spcAft>
-                  <a:spcPts val="0"/>
-                </a:spcAft>
-                <a:buNone/>
-              </a:pPr>
-              <a:r>
-                <a:rPr lang="ko" sz="1100" b="0" i="0" u="none" strike="noStrike" cap="none" dirty="0">
-                  <a:solidFill>
-                    <a:schemeClr val="lt1"/>
-                  </a:solidFill>
-                  <a:latin typeface="Microsoft GothicNeo Light" panose="020B0300000101010101" pitchFamily="50" charset="-127"/>
-                  <a:ea typeface="Microsoft GothicNeo Light" panose="020B0300000101010101" pitchFamily="50" charset="-127"/>
-                  <a:cs typeface="Microsoft GothicNeo Light" panose="020B0300000101010101" pitchFamily="50" charset="-127"/>
-                  <a:sym typeface="Arial"/>
-                </a:rPr>
-                <a:t>키 입력 업데이트</a:t>
-              </a:r>
-              <a:endParaRPr sz="1100" b="0" i="0" u="none" strike="noStrike" cap="none" dirty="0">
-                <a:solidFill>
-                  <a:schemeClr val="lt1"/>
-                </a:solidFill>
-                <a:latin typeface="Microsoft GothicNeo Light" panose="020B0300000101010101" pitchFamily="50" charset="-127"/>
-                <a:ea typeface="Microsoft GothicNeo Light" panose="020B0300000101010101" pitchFamily="50" charset="-127"/>
-                <a:cs typeface="Microsoft GothicNeo Light" panose="020B0300000101010101" pitchFamily="50" charset="-127"/>
-                <a:sym typeface="Arial"/>
-              </a:endParaRPr>
-            </a:p>
-          </p:txBody>
-        </p:sp>
-        <p:cxnSp>
-          <p:nvCxnSpPr>
-            <p:cNvPr id="171" name="Google Shape;171;p3"/>
-            <p:cNvCxnSpPr>
-              <a:cxnSpLocks/>
-              <a:stCxn id="168" idx="1"/>
-              <a:endCxn id="170" idx="3"/>
-            </p:cNvCxnSpPr>
-            <p:nvPr/>
-          </p:nvCxnSpPr>
-          <p:spPr>
-            <a:xfrm flipH="1">
-              <a:off x="5138076" y="2789525"/>
-              <a:ext cx="337455" cy="0"/>
-            </a:xfrm>
-            <a:prstGeom prst="straightConnector1">
-              <a:avLst/>
-            </a:prstGeom>
-            <a:noFill/>
-            <a:ln w="9525" cap="flat" cmpd="sng">
-              <a:solidFill>
-                <a:schemeClr val="dk2"/>
-              </a:solidFill>
-              <a:prstDash val="solid"/>
-              <a:round/>
-              <a:headEnd type="none" w="sm" len="sm"/>
-              <a:tailEnd type="triangle" w="med" len="med"/>
-            </a:ln>
-          </p:spPr>
-        </p:cxnSp>
-        <p:sp>
-          <p:nvSpPr>
-            <p:cNvPr id="172" name="Google Shape;172;p3"/>
-            <p:cNvSpPr/>
-            <p:nvPr/>
-          </p:nvSpPr>
-          <p:spPr>
-            <a:xfrm>
-              <a:off x="5475531" y="3783473"/>
-              <a:ext cx="1097040" cy="403064"/>
-            </a:xfrm>
-            <a:prstGeom prst="roundRect">
-              <a:avLst>
-                <a:gd name="adj" fmla="val 16667"/>
-              </a:avLst>
-            </a:prstGeom>
-            <a:solidFill>
-              <a:srgbClr val="E06666"/>
-            </a:solidFill>
-            <a:ln>
-              <a:noFill/>
-            </a:ln>
-          </p:spPr>
-          <p:txBody>
-            <a:bodyPr spcFirstLastPara="1" wrap="square" lIns="127975" tIns="127975" rIns="127975" bIns="127975" anchor="ctr" anchorCtr="0">
-              <a:noAutofit/>
-            </a:bodyPr>
-            <a:lstStyle/>
-            <a:p>
-              <a:pPr marL="0" marR="0" lvl="0" indent="0" algn="ctr" rtl="0">
-                <a:lnSpc>
-                  <a:spcPct val="100000"/>
-                </a:lnSpc>
-                <a:spcBef>
-                  <a:spcPts val="0"/>
-                </a:spcBef>
-                <a:spcAft>
-                  <a:spcPts val="0"/>
-                </a:spcAft>
-                <a:buNone/>
-              </a:pPr>
-              <a:r>
-                <a:rPr lang="ko" sz="1100" b="0" i="0" u="none" strike="noStrike" cap="none">
-                  <a:solidFill>
-                    <a:schemeClr val="lt1"/>
-                  </a:solidFill>
-                  <a:latin typeface="Microsoft GothicNeo Light" panose="020B0300000101010101" pitchFamily="50" charset="-127"/>
-                  <a:ea typeface="Microsoft GothicNeo Light" panose="020B0300000101010101" pitchFamily="50" charset="-127"/>
-                  <a:cs typeface="Microsoft GothicNeo Light" panose="020B0300000101010101" pitchFamily="50" charset="-127"/>
-                  <a:sym typeface="Arial"/>
-                </a:rPr>
-                <a:t>키 입력 recv</a:t>
-              </a:r>
-              <a:endParaRPr sz="1100" b="0" i="0" u="none" strike="noStrike" cap="none">
-                <a:solidFill>
-                  <a:schemeClr val="lt1"/>
-                </a:solidFill>
-                <a:latin typeface="Microsoft GothicNeo Light" panose="020B0300000101010101" pitchFamily="50" charset="-127"/>
-                <a:ea typeface="Microsoft GothicNeo Light" panose="020B0300000101010101" pitchFamily="50" charset="-127"/>
-                <a:cs typeface="Microsoft GothicNeo Light" panose="020B0300000101010101" pitchFamily="50" charset="-127"/>
-                <a:sym typeface="Arial"/>
-              </a:endParaRPr>
-            </a:p>
-          </p:txBody>
-        </p:sp>
-        <p:cxnSp>
-          <p:nvCxnSpPr>
-            <p:cNvPr id="173" name="Google Shape;173;p3"/>
-            <p:cNvCxnSpPr>
-              <a:cxnSpLocks/>
-              <a:stCxn id="167" idx="1"/>
-              <a:endCxn id="172" idx="3"/>
-            </p:cNvCxnSpPr>
-            <p:nvPr/>
-          </p:nvCxnSpPr>
-          <p:spPr>
-            <a:xfrm flipH="1">
-              <a:off x="6572571" y="3976353"/>
-              <a:ext cx="2639852" cy="8652"/>
-            </a:xfrm>
-            <a:prstGeom prst="straightConnector1">
-              <a:avLst/>
-            </a:prstGeom>
-            <a:noFill/>
-            <a:ln w="9525" cap="flat" cmpd="sng">
-              <a:solidFill>
-                <a:schemeClr val="dk2"/>
-              </a:solidFill>
-              <a:prstDash val="solid"/>
-              <a:round/>
-              <a:headEnd type="none" w="sm" len="sm"/>
-              <a:tailEnd type="triangle" w="med" len="med"/>
-            </a:ln>
-          </p:spPr>
-        </p:cxnSp>
-        <p:sp>
-          <p:nvSpPr>
-            <p:cNvPr id="174" name="Google Shape;174;p3"/>
-            <p:cNvSpPr/>
-            <p:nvPr/>
-          </p:nvSpPr>
-          <p:spPr>
-            <a:xfrm>
-              <a:off x="3889475" y="3783473"/>
-              <a:ext cx="1097040" cy="403064"/>
-            </a:xfrm>
-            <a:prstGeom prst="roundRect">
-              <a:avLst>
-                <a:gd name="adj" fmla="val 16667"/>
-              </a:avLst>
-            </a:prstGeom>
-            <a:solidFill>
-              <a:srgbClr val="6D9EEB"/>
-            </a:solidFill>
-            <a:ln>
-              <a:noFill/>
-            </a:ln>
-          </p:spPr>
-          <p:txBody>
-            <a:bodyPr spcFirstLastPara="1" wrap="square" lIns="127975" tIns="127975" rIns="127975" bIns="127975" anchor="ctr" anchorCtr="0">
-              <a:noAutofit/>
-            </a:bodyPr>
-            <a:lstStyle/>
-            <a:p>
-              <a:pPr marL="0" marR="0" lvl="0" indent="0" algn="ctr" rtl="0">
-                <a:lnSpc>
-                  <a:spcPct val="100000"/>
-                </a:lnSpc>
-                <a:spcBef>
-                  <a:spcPts val="0"/>
-                </a:spcBef>
-                <a:spcAft>
-                  <a:spcPts val="0"/>
-                </a:spcAft>
-                <a:buNone/>
-              </a:pPr>
-              <a:r>
-                <a:rPr lang="ko" sz="1100" b="0" i="0" u="none" strike="noStrike" cap="none">
-                  <a:solidFill>
-                    <a:schemeClr val="lt1"/>
-                  </a:solidFill>
-                  <a:latin typeface="Microsoft GothicNeo Light" panose="020B0300000101010101" pitchFamily="50" charset="-127"/>
-                  <a:ea typeface="Microsoft GothicNeo Light" panose="020B0300000101010101" pitchFamily="50" charset="-127"/>
-                  <a:cs typeface="Microsoft GothicNeo Light" panose="020B0300000101010101" pitchFamily="50" charset="-127"/>
-                  <a:sym typeface="Arial"/>
-                </a:rPr>
-                <a:t>공격 범위 업데이트</a:t>
-              </a:r>
-              <a:endParaRPr sz="1100" b="0" i="0" u="none" strike="noStrike" cap="none">
-                <a:solidFill>
-                  <a:schemeClr val="lt1"/>
-                </a:solidFill>
-                <a:latin typeface="Microsoft GothicNeo Light" panose="020B0300000101010101" pitchFamily="50" charset="-127"/>
-                <a:ea typeface="Microsoft GothicNeo Light" panose="020B0300000101010101" pitchFamily="50" charset="-127"/>
-                <a:cs typeface="Microsoft GothicNeo Light" panose="020B0300000101010101" pitchFamily="50" charset="-127"/>
-                <a:sym typeface="Arial"/>
-              </a:endParaRPr>
-            </a:p>
-          </p:txBody>
-        </p:sp>
-        <p:cxnSp>
-          <p:nvCxnSpPr>
-            <p:cNvPr id="175" name="Google Shape;175;p3"/>
-            <p:cNvCxnSpPr>
-              <a:stCxn id="172" idx="1"/>
-              <a:endCxn id="174" idx="3"/>
-            </p:cNvCxnSpPr>
-            <p:nvPr/>
-          </p:nvCxnSpPr>
-          <p:spPr>
-            <a:xfrm rot="10800000">
-              <a:off x="4986481" y="3985005"/>
-              <a:ext cx="489050" cy="0"/>
-            </a:xfrm>
-            <a:prstGeom prst="straightConnector1">
-              <a:avLst/>
-            </a:prstGeom>
-            <a:noFill/>
-            <a:ln w="9525" cap="flat" cmpd="sng">
-              <a:solidFill>
-                <a:schemeClr val="dk2"/>
-              </a:solidFill>
-              <a:prstDash val="solid"/>
-              <a:round/>
-              <a:headEnd type="none" w="sm" len="sm"/>
-              <a:tailEnd type="triangle" w="med" len="med"/>
-            </a:ln>
-          </p:spPr>
-        </p:cxnSp>
-        <p:sp>
-          <p:nvSpPr>
-            <p:cNvPr id="176" name="Google Shape;176;p3"/>
-            <p:cNvSpPr/>
-            <p:nvPr/>
-          </p:nvSpPr>
-          <p:spPr>
-            <a:xfrm>
-              <a:off x="1604259" y="3544742"/>
-              <a:ext cx="1996507" cy="880530"/>
-            </a:xfrm>
-            <a:prstGeom prst="flowChartDecision">
-              <a:avLst/>
-            </a:prstGeom>
-            <a:solidFill>
-              <a:srgbClr val="6D9EEB"/>
-            </a:solidFill>
-            <a:ln>
-              <a:noFill/>
-            </a:ln>
-          </p:spPr>
-          <p:txBody>
-            <a:bodyPr spcFirstLastPara="1" wrap="square" lIns="127975" tIns="127975" rIns="127975" bIns="127975" anchor="ctr" anchorCtr="0">
-              <a:noAutofit/>
-            </a:bodyPr>
-            <a:lstStyle/>
-            <a:p>
-              <a:pPr marL="0" marR="0" lvl="0" indent="0" algn="ctr" rtl="0">
-                <a:lnSpc>
-                  <a:spcPct val="100000"/>
-                </a:lnSpc>
-                <a:spcBef>
-                  <a:spcPts val="0"/>
-                </a:spcBef>
-                <a:spcAft>
-                  <a:spcPts val="0"/>
-                </a:spcAft>
-                <a:buNone/>
-              </a:pPr>
-              <a:r>
-                <a:rPr lang="ko" sz="1100" b="0" i="0" u="none" strike="noStrike" cap="none">
-                  <a:solidFill>
-                    <a:schemeClr val="lt1"/>
-                  </a:solidFill>
-                  <a:latin typeface="Microsoft GothicNeo Light" panose="020B0300000101010101" pitchFamily="50" charset="-127"/>
-                  <a:ea typeface="Microsoft GothicNeo Light" panose="020B0300000101010101" pitchFamily="50" charset="-127"/>
-                  <a:cs typeface="Microsoft GothicNeo Light" panose="020B0300000101010101" pitchFamily="50" charset="-127"/>
-                  <a:sym typeface="Arial"/>
-                </a:rPr>
-                <a:t>충돌 체크</a:t>
-              </a:r>
-              <a:endParaRPr sz="1100" b="0" i="0" u="none" strike="noStrike" cap="none">
-                <a:solidFill>
-                  <a:schemeClr val="lt1"/>
-                </a:solidFill>
-                <a:latin typeface="Microsoft GothicNeo Light" panose="020B0300000101010101" pitchFamily="50" charset="-127"/>
-                <a:ea typeface="Microsoft GothicNeo Light" panose="020B0300000101010101" pitchFamily="50" charset="-127"/>
-                <a:cs typeface="Microsoft GothicNeo Light" panose="020B0300000101010101" pitchFamily="50" charset="-127"/>
-                <a:sym typeface="Arial"/>
-              </a:endParaRPr>
-            </a:p>
-          </p:txBody>
-        </p:sp>
-        <p:cxnSp>
-          <p:nvCxnSpPr>
-            <p:cNvPr id="177" name="Google Shape;177;p3"/>
-            <p:cNvCxnSpPr>
-              <a:stCxn id="174" idx="1"/>
-              <a:endCxn id="176" idx="3"/>
-            </p:cNvCxnSpPr>
-            <p:nvPr/>
-          </p:nvCxnSpPr>
-          <p:spPr>
-            <a:xfrm rot="10800000">
-              <a:off x="3600873" y="3985005"/>
-              <a:ext cx="288603" cy="0"/>
-            </a:xfrm>
-            <a:prstGeom prst="straightConnector1">
-              <a:avLst/>
-            </a:prstGeom>
-            <a:noFill/>
-            <a:ln w="9525" cap="flat" cmpd="sng">
-              <a:solidFill>
-                <a:schemeClr val="dk2"/>
-              </a:solidFill>
-              <a:prstDash val="solid"/>
-              <a:round/>
-              <a:headEnd type="none" w="sm" len="sm"/>
-              <a:tailEnd type="triangle" w="med" len="med"/>
-            </a:ln>
-          </p:spPr>
-        </p:cxnSp>
-        <p:sp>
-          <p:nvSpPr>
-            <p:cNvPr id="178" name="Google Shape;178;p3"/>
-            <p:cNvSpPr/>
-            <p:nvPr/>
-          </p:nvSpPr>
-          <p:spPr>
-            <a:xfrm>
-              <a:off x="3889475" y="4381213"/>
-              <a:ext cx="1097040" cy="403064"/>
-            </a:xfrm>
-            <a:prstGeom prst="roundRect">
-              <a:avLst>
-                <a:gd name="adj" fmla="val 16667"/>
-              </a:avLst>
-            </a:prstGeom>
-            <a:solidFill>
-              <a:srgbClr val="6D9EEB"/>
-            </a:solidFill>
-            <a:ln>
-              <a:noFill/>
-            </a:ln>
-          </p:spPr>
-          <p:txBody>
-            <a:bodyPr spcFirstLastPara="1" wrap="square" lIns="127975" tIns="127975" rIns="127975" bIns="127975" anchor="ctr" anchorCtr="0">
-              <a:noAutofit/>
-            </a:bodyPr>
-            <a:lstStyle/>
-            <a:p>
-              <a:pPr marL="0" marR="0" lvl="0" indent="0" algn="ctr" rtl="0">
-                <a:lnSpc>
-                  <a:spcPct val="100000"/>
-                </a:lnSpc>
-                <a:spcBef>
-                  <a:spcPts val="0"/>
-                </a:spcBef>
-                <a:spcAft>
-                  <a:spcPts val="0"/>
-                </a:spcAft>
-                <a:buNone/>
-              </a:pPr>
-              <a:r>
-                <a:rPr lang="ko" sz="1100" b="0" i="0" u="none" strike="noStrike" cap="none">
-                  <a:solidFill>
-                    <a:schemeClr val="lt1"/>
-                  </a:solidFill>
-                  <a:latin typeface="Microsoft GothicNeo Light" panose="020B0300000101010101" pitchFamily="50" charset="-127"/>
-                  <a:ea typeface="Microsoft GothicNeo Light" panose="020B0300000101010101" pitchFamily="50" charset="-127"/>
-                  <a:cs typeface="Microsoft GothicNeo Light" panose="020B0300000101010101" pitchFamily="50" charset="-127"/>
-                  <a:sym typeface="Arial"/>
-                </a:rPr>
-                <a:t>상태 변화 send</a:t>
-              </a:r>
-              <a:endParaRPr sz="1100" b="0" i="0" u="none" strike="noStrike" cap="none">
-                <a:solidFill>
-                  <a:schemeClr val="lt1"/>
-                </a:solidFill>
-                <a:latin typeface="Microsoft GothicNeo Light" panose="020B0300000101010101" pitchFamily="50" charset="-127"/>
-                <a:ea typeface="Microsoft GothicNeo Light" panose="020B0300000101010101" pitchFamily="50" charset="-127"/>
-                <a:cs typeface="Microsoft GothicNeo Light" panose="020B0300000101010101" pitchFamily="50" charset="-127"/>
-                <a:sym typeface="Arial"/>
-              </a:endParaRPr>
-            </a:p>
-          </p:txBody>
-        </p:sp>
-        <p:sp>
-          <p:nvSpPr>
-            <p:cNvPr id="179" name="Google Shape;179;p3"/>
-            <p:cNvSpPr/>
-            <p:nvPr/>
-          </p:nvSpPr>
-          <p:spPr>
-            <a:xfrm>
-              <a:off x="7626286" y="4381213"/>
-              <a:ext cx="1097040" cy="403064"/>
-            </a:xfrm>
-            <a:prstGeom prst="roundRect">
-              <a:avLst>
-                <a:gd name="adj" fmla="val 16667"/>
-              </a:avLst>
-            </a:prstGeom>
-            <a:solidFill>
-              <a:srgbClr val="E06666"/>
-            </a:solidFill>
-            <a:ln>
-              <a:noFill/>
-            </a:ln>
-          </p:spPr>
-          <p:txBody>
-            <a:bodyPr spcFirstLastPara="1" wrap="square" lIns="127975" tIns="127975" rIns="127975" bIns="127975" anchor="ctr" anchorCtr="0">
-              <a:noAutofit/>
-            </a:bodyPr>
-            <a:lstStyle/>
-            <a:p>
-              <a:pPr marL="0" marR="0" lvl="0" indent="0" algn="ctr" rtl="0">
-                <a:lnSpc>
-                  <a:spcPct val="100000"/>
-                </a:lnSpc>
-                <a:spcBef>
-                  <a:spcPts val="0"/>
-                </a:spcBef>
-                <a:spcAft>
-                  <a:spcPts val="0"/>
-                </a:spcAft>
-                <a:buNone/>
-              </a:pPr>
-              <a:r>
-                <a:rPr lang="ko" sz="1100" b="0" i="0" u="none" strike="noStrike" cap="none" dirty="0">
-                  <a:solidFill>
-                    <a:schemeClr val="lt1"/>
-                  </a:solidFill>
-                  <a:latin typeface="Microsoft GothicNeo Light" panose="020B0300000101010101" pitchFamily="50" charset="-127"/>
-                  <a:ea typeface="Microsoft GothicNeo Light" panose="020B0300000101010101" pitchFamily="50" charset="-127"/>
-                  <a:cs typeface="Microsoft GothicNeo Light" panose="020B0300000101010101" pitchFamily="50" charset="-127"/>
-                  <a:sym typeface="Arial"/>
-                </a:rPr>
-                <a:t>상태 결과 recv</a:t>
-              </a:r>
-              <a:endParaRPr sz="1100" b="0" i="0" u="none" strike="noStrike" cap="none" dirty="0">
-                <a:solidFill>
-                  <a:schemeClr val="lt1"/>
-                </a:solidFill>
-                <a:latin typeface="Microsoft GothicNeo Light" panose="020B0300000101010101" pitchFamily="50" charset="-127"/>
-                <a:ea typeface="Microsoft GothicNeo Light" panose="020B0300000101010101" pitchFamily="50" charset="-127"/>
-                <a:cs typeface="Microsoft GothicNeo Light" panose="020B0300000101010101" pitchFamily="50" charset="-127"/>
-                <a:sym typeface="Arial"/>
-              </a:endParaRPr>
-            </a:p>
-          </p:txBody>
-        </p:sp>
-        <p:cxnSp>
-          <p:nvCxnSpPr>
-            <p:cNvPr id="180" name="Google Shape;180;p3"/>
-            <p:cNvCxnSpPr>
-              <a:cxnSpLocks/>
-              <a:stCxn id="178" idx="3"/>
-              <a:endCxn id="179" idx="1"/>
-            </p:cNvCxnSpPr>
-            <p:nvPr/>
-          </p:nvCxnSpPr>
-          <p:spPr>
-            <a:xfrm>
-              <a:off x="4986515" y="4582745"/>
-              <a:ext cx="2639771" cy="0"/>
-            </a:xfrm>
-            <a:prstGeom prst="straightConnector1">
-              <a:avLst/>
-            </a:prstGeom>
-            <a:noFill/>
-            <a:ln w="9525" cap="flat" cmpd="sng">
-              <a:solidFill>
-                <a:schemeClr val="dk2"/>
-              </a:solidFill>
-              <a:prstDash val="solid"/>
-              <a:round/>
-              <a:headEnd type="none" w="sm" len="sm"/>
-              <a:tailEnd type="triangle" w="med" len="med"/>
-            </a:ln>
-          </p:spPr>
-        </p:cxnSp>
-        <p:cxnSp>
-          <p:nvCxnSpPr>
-            <p:cNvPr id="181" name="Google Shape;181;p3"/>
-            <p:cNvCxnSpPr>
-              <a:stCxn id="179" idx="3"/>
-            </p:cNvCxnSpPr>
-            <p:nvPr/>
-          </p:nvCxnSpPr>
-          <p:spPr>
-            <a:xfrm rot="10800000" flipH="1">
-              <a:off x="8723326" y="4578198"/>
-              <a:ext cx="481005" cy="4548"/>
-            </a:xfrm>
-            <a:prstGeom prst="straightConnector1">
-              <a:avLst/>
-            </a:prstGeom>
-            <a:noFill/>
-            <a:ln w="9525" cap="flat" cmpd="sng">
-              <a:solidFill>
-                <a:schemeClr val="dk2"/>
-              </a:solidFill>
-              <a:prstDash val="solid"/>
-              <a:round/>
-              <a:headEnd type="none" w="sm" len="sm"/>
-              <a:tailEnd type="triangle" w="med" len="med"/>
-            </a:ln>
-          </p:spPr>
-        </p:cxnSp>
-        <p:sp>
-          <p:nvSpPr>
-            <p:cNvPr id="183" name="Google Shape;183;p3"/>
-            <p:cNvSpPr txBox="1"/>
-            <p:nvPr/>
-          </p:nvSpPr>
-          <p:spPr>
-            <a:xfrm>
-              <a:off x="2610878" y="4242985"/>
-              <a:ext cx="1286994" cy="504671"/>
-            </a:xfrm>
-            <a:prstGeom prst="rect">
-              <a:avLst/>
-            </a:prstGeom>
-            <a:noFill/>
-            <a:ln>
-              <a:noFill/>
-            </a:ln>
-          </p:spPr>
-          <p:txBody>
-            <a:bodyPr spcFirstLastPara="1" wrap="square" lIns="127975" tIns="127975" rIns="127975" bIns="127975" anchor="t" anchorCtr="0">
-              <a:spAutoFit/>
-            </a:bodyPr>
-            <a:lstStyle/>
-            <a:p>
-              <a:pPr marL="0" marR="0" lvl="0" indent="0" algn="l" rtl="0">
-                <a:lnSpc>
-                  <a:spcPct val="100000"/>
-                </a:lnSpc>
-                <a:spcBef>
-                  <a:spcPts val="0"/>
-                </a:spcBef>
-                <a:spcAft>
-                  <a:spcPts val="0"/>
-                </a:spcAft>
-                <a:buNone/>
-              </a:pPr>
-              <a:r>
-                <a:rPr lang="ko" sz="1600" b="0" i="0" u="none" strike="noStrike" cap="none" dirty="0">
-                  <a:solidFill>
-                    <a:srgbClr val="000000"/>
-                  </a:solidFill>
-                  <a:latin typeface="Microsoft GothicNeo Light" panose="020B0300000101010101" pitchFamily="50" charset="-127"/>
-                  <a:ea typeface="Microsoft GothicNeo Light" panose="020B0300000101010101" pitchFamily="50" charset="-127"/>
-                  <a:cs typeface="Microsoft GothicNeo Light" panose="020B0300000101010101" pitchFamily="50" charset="-127"/>
-                  <a:sym typeface="Arial"/>
-                </a:rPr>
-                <a:t>NO</a:t>
-              </a:r>
-              <a:endParaRPr sz="1600" b="0" i="0" u="none" strike="noStrike" cap="none" dirty="0">
-                <a:solidFill>
-                  <a:srgbClr val="000000"/>
-                </a:solidFill>
-                <a:latin typeface="Microsoft GothicNeo Light" panose="020B0300000101010101" pitchFamily="50" charset="-127"/>
-                <a:ea typeface="Microsoft GothicNeo Light" panose="020B0300000101010101" pitchFamily="50" charset="-127"/>
-                <a:cs typeface="Microsoft GothicNeo Light" panose="020B0300000101010101" pitchFamily="50" charset="-127"/>
-                <a:sym typeface="Arial"/>
-              </a:endParaRPr>
-            </a:p>
-          </p:txBody>
-        </p:sp>
-        <p:sp>
-          <p:nvSpPr>
-            <p:cNvPr id="184" name="Google Shape;184;p3"/>
-            <p:cNvSpPr/>
-            <p:nvPr/>
-          </p:nvSpPr>
-          <p:spPr>
-            <a:xfrm>
-              <a:off x="507220" y="5067884"/>
-              <a:ext cx="1097040" cy="403064"/>
-            </a:xfrm>
-            <a:prstGeom prst="roundRect">
-              <a:avLst>
-                <a:gd name="adj" fmla="val 16667"/>
-              </a:avLst>
-            </a:prstGeom>
-            <a:solidFill>
-              <a:srgbClr val="6D9EEB"/>
-            </a:solidFill>
-            <a:ln>
-              <a:noFill/>
-            </a:ln>
-          </p:spPr>
-          <p:txBody>
-            <a:bodyPr spcFirstLastPara="1" wrap="square" lIns="127975" tIns="127975" rIns="127975" bIns="127975" anchor="ctr" anchorCtr="0">
-              <a:noAutofit/>
-            </a:bodyPr>
-            <a:lstStyle/>
-            <a:p>
-              <a:pPr marL="0" marR="0" lvl="0" indent="0" algn="ctr" rtl="0">
-                <a:lnSpc>
-                  <a:spcPct val="100000"/>
-                </a:lnSpc>
-                <a:spcBef>
-                  <a:spcPts val="0"/>
-                </a:spcBef>
-                <a:spcAft>
-                  <a:spcPts val="0"/>
-                </a:spcAft>
-                <a:buNone/>
-              </a:pPr>
-              <a:r>
-                <a:rPr lang="ko" sz="1100" b="0" i="0" u="none" strike="noStrike" cap="none">
-                  <a:solidFill>
-                    <a:schemeClr val="lt1"/>
-                  </a:solidFill>
-                  <a:latin typeface="Microsoft GothicNeo Light" panose="020B0300000101010101" pitchFamily="50" charset="-127"/>
-                  <a:ea typeface="Microsoft GothicNeo Light" panose="020B0300000101010101" pitchFamily="50" charset="-127"/>
-                  <a:cs typeface="Microsoft GothicNeo Light" panose="020B0300000101010101" pitchFamily="50" charset="-127"/>
-                  <a:sym typeface="Arial"/>
-                </a:rPr>
-                <a:t>캐릭터 업데이트</a:t>
-              </a:r>
-              <a:endParaRPr sz="1100" b="0" i="0" u="none" strike="noStrike" cap="none">
-                <a:solidFill>
-                  <a:schemeClr val="lt1"/>
-                </a:solidFill>
-                <a:latin typeface="Microsoft GothicNeo Light" panose="020B0300000101010101" pitchFamily="50" charset="-127"/>
-                <a:ea typeface="Microsoft GothicNeo Light" panose="020B0300000101010101" pitchFamily="50" charset="-127"/>
-                <a:cs typeface="Microsoft GothicNeo Light" panose="020B0300000101010101" pitchFamily="50" charset="-127"/>
-                <a:sym typeface="Arial"/>
-              </a:endParaRPr>
-            </a:p>
-          </p:txBody>
-        </p:sp>
-        <p:sp>
-          <p:nvSpPr>
-            <p:cNvPr id="185" name="Google Shape;185;p3"/>
-            <p:cNvSpPr txBox="1"/>
-            <p:nvPr/>
-          </p:nvSpPr>
-          <p:spPr>
-            <a:xfrm>
-              <a:off x="1034167" y="3629070"/>
-              <a:ext cx="723851" cy="504671"/>
-            </a:xfrm>
-            <a:prstGeom prst="rect">
-              <a:avLst/>
-            </a:prstGeom>
-            <a:noFill/>
-            <a:ln>
-              <a:noFill/>
-            </a:ln>
-          </p:spPr>
-          <p:txBody>
-            <a:bodyPr spcFirstLastPara="1" wrap="square" lIns="127975" tIns="127975" rIns="127975" bIns="127975" anchor="t" anchorCtr="0">
-              <a:spAutoFit/>
-            </a:bodyPr>
-            <a:lstStyle/>
-            <a:p>
-              <a:pPr marL="0" marR="0" lvl="0" indent="0" algn="l" rtl="0">
-                <a:lnSpc>
-                  <a:spcPct val="100000"/>
-                </a:lnSpc>
-                <a:spcBef>
-                  <a:spcPts val="0"/>
-                </a:spcBef>
-                <a:spcAft>
-                  <a:spcPts val="0"/>
-                </a:spcAft>
-                <a:buNone/>
-              </a:pPr>
-              <a:r>
-                <a:rPr lang="ko" sz="1600" b="0" i="0" u="none" strike="noStrike" cap="none">
-                  <a:solidFill>
-                    <a:srgbClr val="000000"/>
-                  </a:solidFill>
-                  <a:latin typeface="Microsoft GothicNeo Light" panose="020B0300000101010101" pitchFamily="50" charset="-127"/>
-                  <a:ea typeface="Microsoft GothicNeo Light" panose="020B0300000101010101" pitchFamily="50" charset="-127"/>
-                  <a:cs typeface="Microsoft GothicNeo Light" panose="020B0300000101010101" pitchFamily="50" charset="-127"/>
-                  <a:sym typeface="Arial"/>
-                </a:rPr>
-                <a:t>YES</a:t>
-              </a:r>
-              <a:endParaRPr sz="1600" b="0" i="0" u="none" strike="noStrike" cap="none">
-                <a:solidFill>
-                  <a:srgbClr val="000000"/>
-                </a:solidFill>
-                <a:latin typeface="Microsoft GothicNeo Light" panose="020B0300000101010101" pitchFamily="50" charset="-127"/>
-                <a:ea typeface="Microsoft GothicNeo Light" panose="020B0300000101010101" pitchFamily="50" charset="-127"/>
-                <a:cs typeface="Microsoft GothicNeo Light" panose="020B0300000101010101" pitchFamily="50" charset="-127"/>
-                <a:sym typeface="Arial"/>
-              </a:endParaRPr>
-            </a:p>
-          </p:txBody>
-        </p:sp>
-        <p:sp>
-          <p:nvSpPr>
-            <p:cNvPr id="186" name="Google Shape;186;p3"/>
-            <p:cNvSpPr/>
-            <p:nvPr/>
-          </p:nvSpPr>
-          <p:spPr>
-            <a:xfrm>
-              <a:off x="9212422" y="4410476"/>
-              <a:ext cx="2237920" cy="1060472"/>
-            </a:xfrm>
-            <a:prstGeom prst="roundRect">
-              <a:avLst>
-                <a:gd name="adj" fmla="val 16667"/>
-              </a:avLst>
-            </a:prstGeom>
-            <a:solidFill>
-              <a:srgbClr val="6D9EEB"/>
-            </a:solidFill>
-            <a:ln>
-              <a:noFill/>
-            </a:ln>
-          </p:spPr>
-          <p:txBody>
-            <a:bodyPr spcFirstLastPara="1" wrap="square" lIns="127975" tIns="127975" rIns="127975" bIns="127975" anchor="ctr" anchorCtr="0">
-              <a:noAutofit/>
-            </a:bodyPr>
-            <a:lstStyle/>
-            <a:p>
-              <a:pPr marL="0" marR="0" lvl="0" indent="0" algn="ctr" rtl="0">
-                <a:lnSpc>
-                  <a:spcPct val="100000"/>
-                </a:lnSpc>
-                <a:spcBef>
-                  <a:spcPts val="0"/>
-                </a:spcBef>
-                <a:spcAft>
-                  <a:spcPts val="0"/>
-                </a:spcAft>
-                <a:buNone/>
-              </a:pPr>
-              <a:r>
-                <a:rPr lang="ko" sz="1100" b="1" i="0" u="none" strike="noStrike" cap="none" dirty="0">
-                  <a:solidFill>
-                    <a:schemeClr val="lt1"/>
-                  </a:solidFill>
-                  <a:latin typeface="Microsoft GothicNeo Light" panose="020B0300000101010101" pitchFamily="50" charset="-127"/>
-                  <a:ea typeface="Microsoft GothicNeo Light" panose="020B0300000101010101" pitchFamily="50" charset="-127"/>
-                  <a:cs typeface="Microsoft GothicNeo Light" panose="020B0300000101010101" pitchFamily="50" charset="-127"/>
-                  <a:sym typeface="Arial"/>
-                </a:rPr>
-                <a:t>상태 결과 업데이트</a:t>
-              </a:r>
-              <a:endParaRPr lang="en-US" altLang="ko" sz="1100" b="1" i="0" u="none" strike="noStrike" cap="none" dirty="0">
-                <a:solidFill>
-                  <a:schemeClr val="lt1"/>
-                </a:solidFill>
-                <a:latin typeface="Microsoft GothicNeo Light" panose="020B0300000101010101" pitchFamily="50" charset="-127"/>
-                <a:ea typeface="Microsoft GothicNeo Light" panose="020B0300000101010101" pitchFamily="50" charset="-127"/>
-                <a:cs typeface="Microsoft GothicNeo Light" panose="020B0300000101010101" pitchFamily="50" charset="-127"/>
-                <a:sym typeface="Arial"/>
-              </a:endParaRPr>
-            </a:p>
-            <a:p>
-              <a:pPr marL="0" marR="0" lvl="0" indent="0" algn="ctr" rtl="0">
-                <a:lnSpc>
-                  <a:spcPct val="100000"/>
-                </a:lnSpc>
-                <a:spcBef>
-                  <a:spcPts val="0"/>
-                </a:spcBef>
-                <a:spcAft>
-                  <a:spcPts val="0"/>
-                </a:spcAft>
-                <a:buNone/>
-              </a:pPr>
-              <a:endParaRPr lang="en-US" altLang="ko" sz="1100" b="1" i="0" u="none" strike="noStrike" cap="none" dirty="0">
-                <a:solidFill>
-                  <a:schemeClr val="lt1"/>
-                </a:solidFill>
-                <a:latin typeface="Microsoft GothicNeo Light" panose="020B0300000101010101" pitchFamily="50" charset="-127"/>
-                <a:ea typeface="Microsoft GothicNeo Light" panose="020B0300000101010101" pitchFamily="50" charset="-127"/>
-                <a:cs typeface="Microsoft GothicNeo Light" panose="020B0300000101010101" pitchFamily="50" charset="-127"/>
-                <a:sym typeface="Arial"/>
-              </a:endParaRPr>
-            </a:p>
-            <a:p>
-              <a:pPr marL="171450" marR="0" lvl="0" indent="-171450" rtl="0">
-                <a:lnSpc>
-                  <a:spcPct val="100000"/>
-                </a:lnSpc>
-                <a:spcBef>
-                  <a:spcPts val="0"/>
-                </a:spcBef>
-                <a:spcAft>
-                  <a:spcPts val="0"/>
-                </a:spcAft>
-                <a:buFont typeface="Arial" panose="020B0604020202020204" pitchFamily="34" charset="0"/>
-                <a:buChar char="•"/>
-              </a:pPr>
-              <a:r>
-                <a:rPr lang="ko-KR" altLang="en-US" sz="1100" dirty="0">
-                  <a:solidFill>
-                    <a:schemeClr val="lt1"/>
-                  </a:solidFill>
-                  <a:latin typeface="Microsoft GothicNeo Light" panose="020B0300000101010101" pitchFamily="50" charset="-127"/>
-                  <a:ea typeface="Microsoft GothicNeo Light" panose="020B0300000101010101" pitchFamily="50" charset="-127"/>
-                  <a:cs typeface="Microsoft GothicNeo Light" panose="020B0300000101010101" pitchFamily="50" charset="-127"/>
-                </a:rPr>
-                <a:t>캐릭터</a:t>
-              </a:r>
-              <a:r>
-                <a:rPr lang="en-US" sz="1100" dirty="0">
-                  <a:solidFill>
-                    <a:schemeClr val="lt1"/>
-                  </a:solidFill>
-                  <a:latin typeface="Microsoft GothicNeo Light" panose="020B0300000101010101" pitchFamily="50" charset="-127"/>
-                  <a:ea typeface="Microsoft GothicNeo Light" panose="020B0300000101010101" pitchFamily="50" charset="-127"/>
-                  <a:cs typeface="Microsoft GothicNeo Light" panose="020B0300000101010101" pitchFamily="50" charset="-127"/>
-                </a:rPr>
-                <a:t> </a:t>
-              </a:r>
-              <a:r>
-                <a:rPr lang="ko-KR" altLang="en-US" sz="1100" dirty="0">
-                  <a:solidFill>
-                    <a:schemeClr val="lt1"/>
-                  </a:solidFill>
-                  <a:latin typeface="Microsoft GothicNeo Light" panose="020B0300000101010101" pitchFamily="50" charset="-127"/>
-                  <a:ea typeface="Microsoft GothicNeo Light" panose="020B0300000101010101" pitchFamily="50" charset="-127"/>
-                  <a:cs typeface="Microsoft GothicNeo Light" panose="020B0300000101010101" pitchFamily="50" charset="-127"/>
-                </a:rPr>
-                <a:t>데이터</a:t>
-              </a:r>
-              <a:endParaRPr lang="en-US" altLang="ko-KR" sz="1100" dirty="0">
-                <a:solidFill>
-                  <a:schemeClr val="lt1"/>
-                </a:solidFill>
-                <a:latin typeface="Microsoft GothicNeo Light" panose="020B0300000101010101" pitchFamily="50" charset="-127"/>
-                <a:ea typeface="Microsoft GothicNeo Light" panose="020B0300000101010101" pitchFamily="50" charset="-127"/>
-                <a:cs typeface="Microsoft GothicNeo Light" panose="020B0300000101010101" pitchFamily="50" charset="-127"/>
-              </a:endParaRPr>
-            </a:p>
-            <a:p>
-              <a:pPr lvl="1"/>
-              <a:r>
-                <a:rPr lang="en-US" sz="1100" b="0" i="0" u="none" strike="noStrike" cap="none" dirty="0">
-                  <a:solidFill>
-                    <a:schemeClr val="lt1"/>
-                  </a:solidFill>
-                  <a:latin typeface="Microsoft GothicNeo Light" panose="020B0300000101010101" pitchFamily="50" charset="-127"/>
-                  <a:ea typeface="Microsoft GothicNeo Light" panose="020B0300000101010101" pitchFamily="50" charset="-127"/>
-                  <a:cs typeface="Microsoft GothicNeo Light" panose="020B0300000101010101" pitchFamily="50" charset="-127"/>
-                  <a:sym typeface="Arial"/>
-                </a:rPr>
-                <a:t>     (</a:t>
-              </a:r>
-              <a:r>
-                <a:rPr lang="ko-KR" altLang="en-US" sz="1100" b="0" i="0" u="none" strike="noStrike" cap="none" dirty="0">
-                  <a:solidFill>
-                    <a:schemeClr val="lt1"/>
-                  </a:solidFill>
-                  <a:latin typeface="Microsoft GothicNeo Light" panose="020B0300000101010101" pitchFamily="50" charset="-127"/>
-                  <a:ea typeface="Microsoft GothicNeo Light" panose="020B0300000101010101" pitchFamily="50" charset="-127"/>
-                  <a:cs typeface="Microsoft GothicNeo Light" panose="020B0300000101010101" pitchFamily="50" charset="-127"/>
-                  <a:sym typeface="Arial"/>
-                </a:rPr>
-                <a:t>위치</a:t>
-              </a:r>
-              <a:r>
-                <a:rPr lang="en-US" altLang="ko-KR" sz="1100" b="0" i="0" u="none" strike="noStrike" cap="none" dirty="0">
-                  <a:solidFill>
-                    <a:schemeClr val="lt1"/>
-                  </a:solidFill>
-                  <a:latin typeface="Microsoft GothicNeo Light" panose="020B0300000101010101" pitchFamily="50" charset="-127"/>
-                  <a:ea typeface="Microsoft GothicNeo Light" panose="020B0300000101010101" pitchFamily="50" charset="-127"/>
-                  <a:cs typeface="Microsoft GothicNeo Light" panose="020B0300000101010101" pitchFamily="50" charset="-127"/>
-                  <a:sym typeface="Arial"/>
-                </a:rPr>
-                <a:t>, </a:t>
-              </a:r>
-              <a:r>
-                <a:rPr lang="ko-KR" altLang="en-US" sz="1100" b="0" i="0" u="none" strike="noStrike" cap="none" dirty="0">
-                  <a:solidFill>
-                    <a:schemeClr val="lt1"/>
-                  </a:solidFill>
-                  <a:latin typeface="Microsoft GothicNeo Light" panose="020B0300000101010101" pitchFamily="50" charset="-127"/>
-                  <a:ea typeface="Microsoft GothicNeo Light" panose="020B0300000101010101" pitchFamily="50" charset="-127"/>
-                  <a:cs typeface="Microsoft GothicNeo Light" panose="020B0300000101010101" pitchFamily="50" charset="-127"/>
-                  <a:sym typeface="Arial"/>
-                </a:rPr>
-                <a:t>상태</a:t>
-              </a:r>
-              <a:r>
-                <a:rPr lang="en-US" altLang="ko-KR" sz="1100" b="0" i="0" u="none" strike="noStrike" cap="none" dirty="0">
-                  <a:solidFill>
-                    <a:schemeClr val="lt1"/>
-                  </a:solidFill>
-                  <a:latin typeface="Microsoft GothicNeo Light" panose="020B0300000101010101" pitchFamily="50" charset="-127"/>
-                  <a:ea typeface="Microsoft GothicNeo Light" panose="020B0300000101010101" pitchFamily="50" charset="-127"/>
-                  <a:cs typeface="Microsoft GothicNeo Light" panose="020B0300000101010101" pitchFamily="50" charset="-127"/>
-                  <a:sym typeface="Arial"/>
-                </a:rPr>
-                <a:t>, </a:t>
-              </a:r>
-              <a:r>
-                <a:rPr lang="ko-KR" altLang="en-US" sz="1100" b="0" i="0" u="none" strike="noStrike" cap="none" dirty="0">
-                  <a:solidFill>
-                    <a:schemeClr val="lt1"/>
-                  </a:solidFill>
-                  <a:latin typeface="Microsoft GothicNeo Light" panose="020B0300000101010101" pitchFamily="50" charset="-127"/>
-                  <a:ea typeface="Microsoft GothicNeo Light" panose="020B0300000101010101" pitchFamily="50" charset="-127"/>
-                  <a:cs typeface="Microsoft GothicNeo Light" panose="020B0300000101010101" pitchFamily="50" charset="-127"/>
-                  <a:sym typeface="Arial"/>
-                </a:rPr>
-                <a:t>코인 등</a:t>
-              </a:r>
-              <a:r>
-                <a:rPr lang="en-US" altLang="ko-KR" sz="1100" b="0" i="0" u="none" strike="noStrike" cap="none" dirty="0">
-                  <a:solidFill>
-                    <a:schemeClr val="lt1"/>
-                  </a:solidFill>
-                  <a:latin typeface="Microsoft GothicNeo Light" panose="020B0300000101010101" pitchFamily="50" charset="-127"/>
-                  <a:ea typeface="Microsoft GothicNeo Light" panose="020B0300000101010101" pitchFamily="50" charset="-127"/>
-                  <a:cs typeface="Microsoft GothicNeo Light" panose="020B0300000101010101" pitchFamily="50" charset="-127"/>
-                  <a:sym typeface="Arial"/>
-                </a:rPr>
-                <a:t>)</a:t>
-              </a:r>
-              <a:endParaRPr sz="1100" b="0" i="0" u="none" strike="noStrike" cap="none" dirty="0">
-                <a:solidFill>
-                  <a:schemeClr val="lt1"/>
-                </a:solidFill>
-                <a:latin typeface="Microsoft GothicNeo Light" panose="020B0300000101010101" pitchFamily="50" charset="-127"/>
-                <a:ea typeface="Microsoft GothicNeo Light" panose="020B0300000101010101" pitchFamily="50" charset="-127"/>
-                <a:cs typeface="Microsoft GothicNeo Light" panose="020B0300000101010101" pitchFamily="50" charset="-127"/>
-                <a:sym typeface="Arial"/>
-              </a:endParaRPr>
-            </a:p>
-          </p:txBody>
-        </p:sp>
-        <p:cxnSp>
-          <p:nvCxnSpPr>
-            <p:cNvPr id="187" name="Google Shape;187;p3"/>
-            <p:cNvCxnSpPr>
-              <a:endCxn id="176" idx="0"/>
-            </p:cNvCxnSpPr>
-            <p:nvPr/>
-          </p:nvCxnSpPr>
-          <p:spPr>
-            <a:xfrm>
-              <a:off x="2602514" y="2790527"/>
-              <a:ext cx="0" cy="754215"/>
-            </a:xfrm>
-            <a:prstGeom prst="straightConnector1">
-              <a:avLst/>
-            </a:prstGeom>
-            <a:noFill/>
-            <a:ln w="9525" cap="flat" cmpd="sng">
-              <a:solidFill>
-                <a:schemeClr val="dk2"/>
-              </a:solidFill>
-              <a:prstDash val="solid"/>
-              <a:round/>
-              <a:headEnd type="none" w="sm" len="sm"/>
-              <a:tailEnd type="triangle" w="med" len="med"/>
-            </a:ln>
-          </p:spPr>
-        </p:cxnSp>
-        <p:cxnSp>
-          <p:nvCxnSpPr>
-            <p:cNvPr id="188" name="Google Shape;188;p3"/>
-            <p:cNvCxnSpPr>
-              <a:cxnSpLocks/>
-              <a:stCxn id="170" idx="1"/>
-            </p:cNvCxnSpPr>
-            <p:nvPr/>
-          </p:nvCxnSpPr>
-          <p:spPr>
-            <a:xfrm flipH="1">
-              <a:off x="2610878" y="2789525"/>
-              <a:ext cx="1127036" cy="0"/>
-            </a:xfrm>
-            <a:prstGeom prst="straightConnector1">
-              <a:avLst/>
-            </a:prstGeom>
-            <a:noFill/>
-            <a:ln w="9525" cap="flat" cmpd="sng">
-              <a:solidFill>
-                <a:schemeClr val="dk2"/>
-              </a:solidFill>
-              <a:prstDash val="solid"/>
-              <a:round/>
-              <a:headEnd type="none" w="sm" len="sm"/>
-              <a:tailEnd type="none" w="sm" len="sm"/>
-            </a:ln>
-          </p:spPr>
-        </p:cxnSp>
-        <p:cxnSp>
-          <p:nvCxnSpPr>
-            <p:cNvPr id="191" name="Google Shape;191;p3"/>
-            <p:cNvCxnSpPr>
-              <a:stCxn id="176" idx="1"/>
-            </p:cNvCxnSpPr>
-            <p:nvPr/>
-          </p:nvCxnSpPr>
-          <p:spPr>
-            <a:xfrm rot="10800000">
-              <a:off x="1043146" y="3985008"/>
-              <a:ext cx="561114" cy="0"/>
-            </a:xfrm>
-            <a:prstGeom prst="straightConnector1">
-              <a:avLst/>
-            </a:prstGeom>
-            <a:noFill/>
-            <a:ln w="9525" cap="flat" cmpd="sng">
-              <a:solidFill>
-                <a:schemeClr val="dk2"/>
-              </a:solidFill>
-              <a:prstDash val="solid"/>
-              <a:round/>
-              <a:headEnd type="none" w="sm" len="sm"/>
-              <a:tailEnd type="none" w="sm" len="sm"/>
-            </a:ln>
-          </p:spPr>
-        </p:cxnSp>
-        <p:cxnSp>
-          <p:nvCxnSpPr>
-            <p:cNvPr id="192" name="Google Shape;192;p3"/>
-            <p:cNvCxnSpPr>
-              <a:endCxn id="184" idx="0"/>
-            </p:cNvCxnSpPr>
-            <p:nvPr/>
-          </p:nvCxnSpPr>
-          <p:spPr>
-            <a:xfrm>
-              <a:off x="1055741" y="3969794"/>
-              <a:ext cx="0" cy="1098090"/>
-            </a:xfrm>
-            <a:prstGeom prst="straightConnector1">
-              <a:avLst/>
-            </a:prstGeom>
-            <a:noFill/>
-            <a:ln w="9525" cap="flat" cmpd="sng">
-              <a:solidFill>
-                <a:schemeClr val="dk2"/>
-              </a:solidFill>
-              <a:prstDash val="solid"/>
-              <a:round/>
-              <a:headEnd type="none" w="sm" len="sm"/>
-              <a:tailEnd type="triangle" w="med" len="med"/>
-            </a:ln>
-          </p:spPr>
-        </p:cxnSp>
-        <p:cxnSp>
-          <p:nvCxnSpPr>
-            <p:cNvPr id="193" name="Google Shape;193;p3"/>
-            <p:cNvCxnSpPr>
-              <a:stCxn id="184" idx="3"/>
-            </p:cNvCxnSpPr>
-            <p:nvPr/>
-          </p:nvCxnSpPr>
-          <p:spPr>
-            <a:xfrm>
-              <a:off x="1604261" y="5269416"/>
-              <a:ext cx="2827257" cy="0"/>
-            </a:xfrm>
-            <a:prstGeom prst="straightConnector1">
-              <a:avLst/>
-            </a:prstGeom>
-            <a:noFill/>
-            <a:ln w="9525" cap="flat" cmpd="sng">
-              <a:solidFill>
-                <a:schemeClr val="dk2"/>
-              </a:solidFill>
-              <a:prstDash val="solid"/>
-              <a:round/>
-              <a:headEnd type="none" w="sm" len="sm"/>
-              <a:tailEnd type="none" w="sm" len="sm"/>
-            </a:ln>
-          </p:spPr>
-        </p:cxnSp>
-        <p:cxnSp>
-          <p:nvCxnSpPr>
-            <p:cNvPr id="194" name="Google Shape;194;p3"/>
-            <p:cNvCxnSpPr>
-              <a:endCxn id="178" idx="2"/>
-            </p:cNvCxnSpPr>
-            <p:nvPr/>
-          </p:nvCxnSpPr>
-          <p:spPr>
-            <a:xfrm rot="10800000">
-              <a:off x="4437995" y="4784277"/>
-              <a:ext cx="0" cy="491849"/>
-            </a:xfrm>
-            <a:prstGeom prst="straightConnector1">
-              <a:avLst/>
-            </a:prstGeom>
-            <a:noFill/>
-            <a:ln w="9525" cap="flat" cmpd="sng">
-              <a:solidFill>
-                <a:schemeClr val="dk2"/>
-              </a:solidFill>
-              <a:prstDash val="solid"/>
-              <a:round/>
-              <a:headEnd type="none" w="sm" len="sm"/>
-              <a:tailEnd type="triangle" w="med" len="med"/>
-            </a:ln>
-          </p:spPr>
-        </p:cxnSp>
-        <p:sp>
-          <p:nvSpPr>
-            <p:cNvPr id="195" name="Google Shape;195;p3"/>
-            <p:cNvSpPr/>
-            <p:nvPr/>
-          </p:nvSpPr>
-          <p:spPr>
-            <a:xfrm>
-              <a:off x="1043007" y="1423612"/>
-              <a:ext cx="223816" cy="223816"/>
-            </a:xfrm>
-            <a:prstGeom prst="flowChartConnector">
-              <a:avLst/>
-            </a:prstGeom>
-            <a:solidFill>
-              <a:schemeClr val="lt2"/>
-            </a:solidFill>
-            <a:ln w="9525" cap="flat" cmpd="sng">
-              <a:solidFill>
-                <a:schemeClr val="dk2"/>
-              </a:solidFill>
-              <a:prstDash val="solid"/>
-              <a:round/>
-              <a:headEnd type="none" w="sm" len="sm"/>
-              <a:tailEnd type="none" w="sm" len="sm"/>
-            </a:ln>
-          </p:spPr>
-          <p:txBody>
-            <a:bodyPr spcFirstLastPara="1" wrap="square" lIns="127975" tIns="127975" rIns="127975" bIns="127975" anchor="ctr" anchorCtr="0">
-              <a:noAutofit/>
-            </a:bodyPr>
-            <a:lstStyle/>
-            <a:p>
-              <a:pPr marL="0" marR="0" lvl="0" indent="0" algn="l" rtl="0">
-                <a:lnSpc>
-                  <a:spcPct val="100000"/>
-                </a:lnSpc>
-                <a:spcBef>
-                  <a:spcPts val="0"/>
-                </a:spcBef>
-                <a:spcAft>
-                  <a:spcPts val="0"/>
-                </a:spcAft>
-                <a:buNone/>
-              </a:pPr>
-              <a:endParaRPr sz="2800" b="0" i="0" u="none" strike="noStrike" cap="none">
-                <a:solidFill>
-                  <a:srgbClr val="000000"/>
-                </a:solidFill>
-                <a:latin typeface="Microsoft GothicNeo Light" panose="020B0300000101010101" pitchFamily="50" charset="-127"/>
-                <a:ea typeface="Microsoft GothicNeo Light" panose="020B0300000101010101" pitchFamily="50" charset="-127"/>
-                <a:cs typeface="Microsoft GothicNeo Light" panose="020B0300000101010101" pitchFamily="50" charset="-127"/>
-                <a:sym typeface="Arial"/>
-              </a:endParaRPr>
-            </a:p>
-          </p:txBody>
-        </p:sp>
-        <p:sp>
-          <p:nvSpPr>
-            <p:cNvPr id="196" name="Google Shape;196;p3"/>
-            <p:cNvSpPr/>
-            <p:nvPr/>
-          </p:nvSpPr>
-          <p:spPr>
-            <a:xfrm>
-              <a:off x="1043007" y="6217368"/>
-              <a:ext cx="223816" cy="223816"/>
-            </a:xfrm>
-            <a:prstGeom prst="flowChartConnector">
-              <a:avLst/>
-            </a:prstGeom>
-            <a:solidFill>
-              <a:schemeClr val="lt2"/>
-            </a:solidFill>
-            <a:ln w="9525" cap="flat" cmpd="sng">
-              <a:solidFill>
-                <a:schemeClr val="dk2"/>
-              </a:solidFill>
-              <a:prstDash val="solid"/>
-              <a:round/>
-              <a:headEnd type="none" w="sm" len="sm"/>
-              <a:tailEnd type="none" w="sm" len="sm"/>
-            </a:ln>
-          </p:spPr>
-          <p:txBody>
-            <a:bodyPr spcFirstLastPara="1" wrap="square" lIns="127975" tIns="127975" rIns="127975" bIns="127975" anchor="ctr" anchorCtr="0">
-              <a:noAutofit/>
-            </a:bodyPr>
-            <a:lstStyle/>
-            <a:p>
-              <a:pPr marL="0" marR="0" lvl="0" indent="0" algn="l" rtl="0">
-                <a:lnSpc>
-                  <a:spcPct val="100000"/>
-                </a:lnSpc>
-                <a:spcBef>
-                  <a:spcPts val="0"/>
-                </a:spcBef>
-                <a:spcAft>
-                  <a:spcPts val="0"/>
-                </a:spcAft>
-                <a:buNone/>
-              </a:pPr>
-              <a:endParaRPr sz="2800" b="0" i="0" u="none" strike="noStrike" cap="none">
-                <a:solidFill>
-                  <a:srgbClr val="000000"/>
-                </a:solidFill>
-                <a:latin typeface="Microsoft GothicNeo Light" panose="020B0300000101010101" pitchFamily="50" charset="-127"/>
-                <a:ea typeface="Microsoft GothicNeo Light" panose="020B0300000101010101" pitchFamily="50" charset="-127"/>
-                <a:cs typeface="Microsoft GothicNeo Light" panose="020B0300000101010101" pitchFamily="50" charset="-127"/>
-                <a:sym typeface="Arial"/>
-              </a:endParaRPr>
-            </a:p>
-          </p:txBody>
-        </p:sp>
-        <p:cxnSp>
-          <p:nvCxnSpPr>
-            <p:cNvPr id="197" name="Google Shape;197;p3"/>
-            <p:cNvCxnSpPr>
-              <a:endCxn id="195" idx="6"/>
-            </p:cNvCxnSpPr>
-            <p:nvPr/>
-          </p:nvCxnSpPr>
-          <p:spPr>
-            <a:xfrm rot="10800000">
-              <a:off x="1266823" y="1535520"/>
-              <a:ext cx="2622612" cy="0"/>
-            </a:xfrm>
-            <a:prstGeom prst="straightConnector1">
-              <a:avLst/>
-            </a:prstGeom>
-            <a:noFill/>
-            <a:ln w="9525" cap="flat" cmpd="sng">
-              <a:solidFill>
-                <a:schemeClr val="dk2"/>
-              </a:solidFill>
-              <a:prstDash val="solid"/>
-              <a:round/>
-              <a:headEnd type="none" w="sm" len="sm"/>
-              <a:tailEnd type="triangle" w="med" len="med"/>
-            </a:ln>
-          </p:spPr>
-        </p:cxnSp>
-        <p:sp>
-          <p:nvSpPr>
-            <p:cNvPr id="198" name="Google Shape;198;p3"/>
-            <p:cNvSpPr/>
-            <p:nvPr/>
-          </p:nvSpPr>
-          <p:spPr>
-            <a:xfrm>
-              <a:off x="2053995" y="6113541"/>
-              <a:ext cx="1097040" cy="403064"/>
-            </a:xfrm>
-            <a:prstGeom prst="roundRect">
-              <a:avLst>
-                <a:gd name="adj" fmla="val 16667"/>
-              </a:avLst>
-            </a:prstGeom>
-            <a:solidFill>
-              <a:srgbClr val="FFE599"/>
-            </a:solidFill>
-            <a:ln>
-              <a:noFill/>
-            </a:ln>
-          </p:spPr>
-          <p:txBody>
-            <a:bodyPr spcFirstLastPara="1" wrap="square" lIns="127975" tIns="127975" rIns="127975" bIns="127975" anchor="ctr" anchorCtr="0">
-              <a:noAutofit/>
-            </a:bodyPr>
-            <a:lstStyle/>
-            <a:p>
-              <a:pPr marL="0" marR="0" lvl="0" indent="0" algn="ctr" rtl="0">
-                <a:lnSpc>
-                  <a:spcPct val="100000"/>
-                </a:lnSpc>
-                <a:spcBef>
-                  <a:spcPts val="0"/>
-                </a:spcBef>
-                <a:spcAft>
-                  <a:spcPts val="0"/>
-                </a:spcAft>
-                <a:buNone/>
-              </a:pPr>
-              <a:r>
-                <a:rPr lang="ko" sz="1100" b="0" i="0" u="none" strike="noStrike" cap="none">
-                  <a:solidFill>
-                    <a:schemeClr val="dk1"/>
-                  </a:solidFill>
-                  <a:latin typeface="Microsoft GothicNeo Light" panose="020B0300000101010101" pitchFamily="50" charset="-127"/>
-                  <a:ea typeface="Microsoft GothicNeo Light" panose="020B0300000101010101" pitchFamily="50" charset="-127"/>
-                  <a:cs typeface="Microsoft GothicNeo Light" panose="020B0300000101010101" pitchFamily="50" charset="-127"/>
-                  <a:sym typeface="Arial"/>
-                </a:rPr>
-                <a:t>타이머 업데이트</a:t>
-              </a:r>
-              <a:endParaRPr sz="1100" b="0" i="0" u="none" strike="noStrike" cap="none">
-                <a:solidFill>
-                  <a:schemeClr val="dk1"/>
-                </a:solidFill>
-                <a:latin typeface="Microsoft GothicNeo Light" panose="020B0300000101010101" pitchFamily="50" charset="-127"/>
-                <a:ea typeface="Microsoft GothicNeo Light" panose="020B0300000101010101" pitchFamily="50" charset="-127"/>
-                <a:cs typeface="Microsoft GothicNeo Light" panose="020B0300000101010101" pitchFamily="50" charset="-127"/>
-                <a:sym typeface="Arial"/>
-              </a:endParaRPr>
-            </a:p>
-          </p:txBody>
-        </p:sp>
-        <p:cxnSp>
-          <p:nvCxnSpPr>
-            <p:cNvPr id="199" name="Google Shape;199;p3"/>
-            <p:cNvCxnSpPr>
-              <a:stCxn id="196" idx="6"/>
-              <a:endCxn id="198" idx="1"/>
-            </p:cNvCxnSpPr>
-            <p:nvPr/>
-          </p:nvCxnSpPr>
-          <p:spPr>
-            <a:xfrm rot="10800000" flipH="1">
-              <a:off x="1266823" y="6314933"/>
-              <a:ext cx="787098" cy="14343"/>
-            </a:xfrm>
-            <a:prstGeom prst="straightConnector1">
-              <a:avLst/>
-            </a:prstGeom>
-            <a:noFill/>
-            <a:ln w="9525" cap="flat" cmpd="sng">
-              <a:solidFill>
-                <a:schemeClr val="dk2"/>
-              </a:solidFill>
-              <a:prstDash val="solid"/>
-              <a:round/>
-              <a:headEnd type="none" w="sm" len="sm"/>
-              <a:tailEnd type="triangle" w="med" len="med"/>
-            </a:ln>
-          </p:spPr>
-        </p:cxnSp>
-        <p:sp>
-          <p:nvSpPr>
-            <p:cNvPr id="200" name="Google Shape;200;p3"/>
-            <p:cNvSpPr/>
-            <p:nvPr/>
-          </p:nvSpPr>
-          <p:spPr>
-            <a:xfrm>
-              <a:off x="3889456" y="6113541"/>
-              <a:ext cx="1097040" cy="403064"/>
-            </a:xfrm>
-            <a:prstGeom prst="roundRect">
-              <a:avLst>
-                <a:gd name="adj" fmla="val 16667"/>
-              </a:avLst>
-            </a:prstGeom>
-            <a:solidFill>
-              <a:srgbClr val="6D9EEB"/>
-            </a:solidFill>
-            <a:ln>
-              <a:noFill/>
-            </a:ln>
-          </p:spPr>
-          <p:txBody>
-            <a:bodyPr spcFirstLastPara="1" wrap="square" lIns="127975" tIns="127975" rIns="127975" bIns="127975" anchor="ctr" anchorCtr="0">
-              <a:noAutofit/>
-            </a:bodyPr>
-            <a:lstStyle/>
-            <a:p>
-              <a:pPr marL="0" marR="0" lvl="0" indent="0" algn="ctr" rtl="0">
-                <a:lnSpc>
-                  <a:spcPct val="100000"/>
-                </a:lnSpc>
-                <a:spcBef>
-                  <a:spcPts val="0"/>
-                </a:spcBef>
-                <a:spcAft>
-                  <a:spcPts val="0"/>
-                </a:spcAft>
-                <a:buNone/>
-              </a:pPr>
-              <a:r>
-                <a:rPr lang="ko" sz="1100" b="0" i="0" u="none" strike="noStrike" cap="none">
-                  <a:solidFill>
-                    <a:schemeClr val="lt1"/>
-                  </a:solidFill>
-                  <a:latin typeface="Microsoft GothicNeo Light" panose="020B0300000101010101" pitchFamily="50" charset="-127"/>
-                  <a:ea typeface="Microsoft GothicNeo Light" panose="020B0300000101010101" pitchFamily="50" charset="-127"/>
-                  <a:cs typeface="Microsoft GothicNeo Light" panose="020B0300000101010101" pitchFamily="50" charset="-127"/>
-                  <a:sym typeface="Arial"/>
-                </a:rPr>
-                <a:t>타이머 send</a:t>
-              </a:r>
-              <a:endParaRPr sz="1100" b="0" i="0" u="none" strike="noStrike" cap="none">
-                <a:solidFill>
-                  <a:schemeClr val="lt1"/>
-                </a:solidFill>
-                <a:latin typeface="Microsoft GothicNeo Light" panose="020B0300000101010101" pitchFamily="50" charset="-127"/>
-                <a:ea typeface="Microsoft GothicNeo Light" panose="020B0300000101010101" pitchFamily="50" charset="-127"/>
-                <a:cs typeface="Microsoft GothicNeo Light" panose="020B0300000101010101" pitchFamily="50" charset="-127"/>
-                <a:sym typeface="Arial"/>
-              </a:endParaRPr>
-            </a:p>
-          </p:txBody>
-        </p:sp>
-        <p:cxnSp>
-          <p:nvCxnSpPr>
-            <p:cNvPr id="201" name="Google Shape;201;p3"/>
-            <p:cNvCxnSpPr>
-              <a:cxnSpLocks/>
-              <a:stCxn id="198" idx="3"/>
-              <a:endCxn id="200" idx="1"/>
-            </p:cNvCxnSpPr>
-            <p:nvPr/>
-          </p:nvCxnSpPr>
-          <p:spPr>
-            <a:xfrm>
-              <a:off x="3151035" y="6315073"/>
-              <a:ext cx="738421" cy="0"/>
-            </a:xfrm>
-            <a:prstGeom prst="straightConnector1">
-              <a:avLst/>
-            </a:prstGeom>
-            <a:noFill/>
-            <a:ln w="9525" cap="flat" cmpd="sng">
-              <a:solidFill>
-                <a:schemeClr val="dk2"/>
-              </a:solidFill>
-              <a:prstDash val="solid"/>
-              <a:round/>
-              <a:headEnd type="none" w="sm" len="sm"/>
-              <a:tailEnd type="triangle" w="med" len="med"/>
-            </a:ln>
-          </p:spPr>
-        </p:cxnSp>
-        <p:sp>
-          <p:nvSpPr>
-            <p:cNvPr id="202" name="Google Shape;202;p3"/>
-            <p:cNvSpPr/>
-            <p:nvPr/>
-          </p:nvSpPr>
-          <p:spPr>
-            <a:xfrm>
-              <a:off x="7626817" y="6098910"/>
-              <a:ext cx="1097040" cy="403064"/>
-            </a:xfrm>
-            <a:prstGeom prst="roundRect">
-              <a:avLst>
-                <a:gd name="adj" fmla="val 16667"/>
-              </a:avLst>
-            </a:prstGeom>
-            <a:solidFill>
-              <a:srgbClr val="E06666"/>
-            </a:solidFill>
-            <a:ln>
-              <a:noFill/>
-            </a:ln>
-          </p:spPr>
-          <p:txBody>
-            <a:bodyPr spcFirstLastPara="1" wrap="square" lIns="127975" tIns="127975" rIns="127975" bIns="127975" anchor="ctr" anchorCtr="0">
-              <a:noAutofit/>
-            </a:bodyPr>
-            <a:lstStyle/>
-            <a:p>
-              <a:pPr marL="0" marR="0" lvl="0" indent="0" algn="ctr" rtl="0">
-                <a:lnSpc>
-                  <a:spcPct val="100000"/>
-                </a:lnSpc>
-                <a:spcBef>
-                  <a:spcPts val="0"/>
-                </a:spcBef>
-                <a:spcAft>
-                  <a:spcPts val="0"/>
-                </a:spcAft>
-                <a:buNone/>
-              </a:pPr>
-              <a:r>
-                <a:rPr lang="ko" sz="1100" b="0" i="0" u="none" strike="noStrike" cap="none" dirty="0">
-                  <a:solidFill>
-                    <a:schemeClr val="lt1"/>
-                  </a:solidFill>
-                  <a:latin typeface="Microsoft GothicNeo Light" panose="020B0300000101010101" pitchFamily="50" charset="-127"/>
-                  <a:ea typeface="Microsoft GothicNeo Light" panose="020B0300000101010101" pitchFamily="50" charset="-127"/>
-                  <a:cs typeface="Microsoft GothicNeo Light" panose="020B0300000101010101" pitchFamily="50" charset="-127"/>
-                  <a:sym typeface="Arial"/>
-                </a:rPr>
-                <a:t>타이머 recv</a:t>
-              </a:r>
-              <a:endParaRPr sz="1100" b="0" i="0" u="none" strike="noStrike" cap="none" dirty="0">
-                <a:solidFill>
-                  <a:schemeClr val="lt1"/>
-                </a:solidFill>
-                <a:latin typeface="Microsoft GothicNeo Light" panose="020B0300000101010101" pitchFamily="50" charset="-127"/>
-                <a:ea typeface="Microsoft GothicNeo Light" panose="020B0300000101010101" pitchFamily="50" charset="-127"/>
-                <a:cs typeface="Microsoft GothicNeo Light" panose="020B0300000101010101" pitchFamily="50" charset="-127"/>
-                <a:sym typeface="Arial"/>
-              </a:endParaRPr>
-            </a:p>
-          </p:txBody>
-        </p:sp>
-        <p:cxnSp>
-          <p:nvCxnSpPr>
-            <p:cNvPr id="203" name="Google Shape;203;p3"/>
-            <p:cNvCxnSpPr>
-              <a:cxnSpLocks/>
-              <a:stCxn id="200" idx="3"/>
-              <a:endCxn id="202" idx="1"/>
-            </p:cNvCxnSpPr>
-            <p:nvPr/>
-          </p:nvCxnSpPr>
-          <p:spPr>
-            <a:xfrm flipV="1">
-              <a:off x="4986496" y="6300442"/>
-              <a:ext cx="2640321" cy="14631"/>
-            </a:xfrm>
-            <a:prstGeom prst="straightConnector1">
-              <a:avLst/>
-            </a:prstGeom>
-            <a:noFill/>
-            <a:ln w="9525" cap="flat" cmpd="sng">
-              <a:solidFill>
-                <a:schemeClr val="dk2"/>
-              </a:solidFill>
-              <a:prstDash val="solid"/>
-              <a:round/>
-              <a:headEnd type="none" w="sm" len="sm"/>
-              <a:tailEnd type="triangle" w="med" len="med"/>
-            </a:ln>
-          </p:spPr>
-        </p:cxnSp>
-        <p:cxnSp>
-          <p:nvCxnSpPr>
-            <p:cNvPr id="204" name="Google Shape;204;p3"/>
-            <p:cNvCxnSpPr>
-              <a:stCxn id="202" idx="3"/>
-            </p:cNvCxnSpPr>
-            <p:nvPr/>
-          </p:nvCxnSpPr>
-          <p:spPr>
-            <a:xfrm rot="10800000" flipH="1">
-              <a:off x="8723857" y="6295895"/>
-              <a:ext cx="481005" cy="4548"/>
-            </a:xfrm>
-            <a:prstGeom prst="straightConnector1">
-              <a:avLst/>
-            </a:prstGeom>
-            <a:noFill/>
-            <a:ln w="9525" cap="flat" cmpd="sng">
-              <a:solidFill>
-                <a:schemeClr val="dk2"/>
-              </a:solidFill>
-              <a:prstDash val="solid"/>
-              <a:round/>
-              <a:headEnd type="none" w="sm" len="sm"/>
-              <a:tailEnd type="triangle" w="med" len="med"/>
-            </a:ln>
-          </p:spPr>
-        </p:cxnSp>
-        <p:sp>
-          <p:nvSpPr>
-            <p:cNvPr id="205" name="Google Shape;205;p3"/>
-            <p:cNvSpPr/>
-            <p:nvPr/>
-          </p:nvSpPr>
-          <p:spPr>
-            <a:xfrm>
-              <a:off x="9212953" y="6027371"/>
-              <a:ext cx="1983139" cy="947477"/>
-            </a:xfrm>
-            <a:prstGeom prst="roundRect">
-              <a:avLst>
-                <a:gd name="adj" fmla="val 16667"/>
-              </a:avLst>
-            </a:prstGeom>
-            <a:solidFill>
-              <a:srgbClr val="6D9EEB"/>
-            </a:solidFill>
-            <a:ln>
-              <a:noFill/>
-            </a:ln>
-          </p:spPr>
-          <p:txBody>
-            <a:bodyPr spcFirstLastPara="1" wrap="square" lIns="127975" tIns="127975" rIns="127975" bIns="127975" anchor="ctr" anchorCtr="0">
-              <a:noAutofit/>
-            </a:bodyPr>
-            <a:lstStyle/>
-            <a:p>
-              <a:pPr marL="0" marR="0" lvl="0" indent="0" algn="ctr" rtl="0">
-                <a:lnSpc>
-                  <a:spcPct val="100000"/>
-                </a:lnSpc>
-                <a:spcBef>
-                  <a:spcPts val="0"/>
-                </a:spcBef>
-                <a:spcAft>
-                  <a:spcPts val="0"/>
-                </a:spcAft>
-                <a:buNone/>
-              </a:pPr>
-              <a:r>
-                <a:rPr lang="ko" sz="1100" b="1" i="0" u="none" strike="noStrike" cap="none" dirty="0">
-                  <a:solidFill>
-                    <a:schemeClr val="lt1"/>
-                  </a:solidFill>
-                  <a:latin typeface="Microsoft GothicNeo Light" panose="020B0300000101010101" pitchFamily="50" charset="-127"/>
-                  <a:ea typeface="Microsoft GothicNeo Light" panose="020B0300000101010101" pitchFamily="50" charset="-127"/>
-                  <a:cs typeface="Microsoft GothicNeo Light" panose="020B0300000101010101" pitchFamily="50" charset="-127"/>
-                  <a:sym typeface="Arial"/>
-                </a:rPr>
-                <a:t>타이머 업데이트</a:t>
-              </a:r>
-              <a:endParaRPr lang="en-US" altLang="ko" sz="1100" b="1" i="0" u="none" strike="noStrike" cap="none" dirty="0">
-                <a:solidFill>
-                  <a:schemeClr val="lt1"/>
-                </a:solidFill>
-                <a:latin typeface="Microsoft GothicNeo Light" panose="020B0300000101010101" pitchFamily="50" charset="-127"/>
-                <a:ea typeface="Microsoft GothicNeo Light" panose="020B0300000101010101" pitchFamily="50" charset="-127"/>
-                <a:cs typeface="Microsoft GothicNeo Light" panose="020B0300000101010101" pitchFamily="50" charset="-127"/>
-                <a:sym typeface="Arial"/>
-              </a:endParaRPr>
-            </a:p>
-            <a:p>
-              <a:pPr marL="0" marR="0" lvl="0" indent="0" algn="ctr" rtl="0">
-                <a:lnSpc>
-                  <a:spcPct val="100000"/>
-                </a:lnSpc>
-                <a:spcBef>
-                  <a:spcPts val="0"/>
-                </a:spcBef>
-                <a:spcAft>
-                  <a:spcPts val="0"/>
-                </a:spcAft>
-                <a:buNone/>
-              </a:pPr>
-              <a:endParaRPr lang="en-US" altLang="ko" sz="1100" b="1" i="0" u="none" strike="noStrike" cap="none" dirty="0">
-                <a:solidFill>
-                  <a:schemeClr val="lt1"/>
-                </a:solidFill>
-                <a:latin typeface="Microsoft GothicNeo Light" panose="020B0300000101010101" pitchFamily="50" charset="-127"/>
-                <a:ea typeface="Microsoft GothicNeo Light" panose="020B0300000101010101" pitchFamily="50" charset="-127"/>
-                <a:cs typeface="Microsoft GothicNeo Light" panose="020B0300000101010101" pitchFamily="50" charset="-127"/>
-                <a:sym typeface="Arial"/>
-              </a:endParaRPr>
-            </a:p>
-            <a:p>
-              <a:pPr marL="171450" marR="0" lvl="0" indent="-171450" rtl="0">
-                <a:lnSpc>
-                  <a:spcPct val="100000"/>
-                </a:lnSpc>
-                <a:spcBef>
-                  <a:spcPts val="0"/>
-                </a:spcBef>
-                <a:spcAft>
-                  <a:spcPts val="0"/>
-                </a:spcAft>
-                <a:buFont typeface="Arial" panose="020B0604020202020204" pitchFamily="34" charset="0"/>
-                <a:buChar char="•"/>
-              </a:pPr>
-              <a:r>
-                <a:rPr lang="ko-KR" altLang="en-US" sz="1100" dirty="0">
-                  <a:solidFill>
-                    <a:schemeClr val="lt1"/>
-                  </a:solidFill>
-                  <a:latin typeface="Microsoft GothicNeo Light" panose="020B0300000101010101" pitchFamily="50" charset="-127"/>
-                  <a:ea typeface="Microsoft GothicNeo Light" panose="020B0300000101010101" pitchFamily="50" charset="-127"/>
-                  <a:cs typeface="Microsoft GothicNeo Light" panose="020B0300000101010101" pitchFamily="50" charset="-127"/>
-                </a:rPr>
-                <a:t>타이머</a:t>
-              </a:r>
-              <a:endParaRPr lang="en-US" altLang="ko-KR" sz="1100" dirty="0">
-                <a:solidFill>
-                  <a:schemeClr val="lt1"/>
-                </a:solidFill>
-                <a:latin typeface="Microsoft GothicNeo Light" panose="020B0300000101010101" pitchFamily="50" charset="-127"/>
-                <a:ea typeface="Microsoft GothicNeo Light" panose="020B0300000101010101" pitchFamily="50" charset="-127"/>
-                <a:cs typeface="Microsoft GothicNeo Light" panose="020B0300000101010101" pitchFamily="50" charset="-127"/>
-              </a:endParaRPr>
-            </a:p>
-            <a:p>
-              <a:pPr marL="171450" marR="0" lvl="0" indent="-171450" rtl="0">
-                <a:lnSpc>
-                  <a:spcPct val="100000"/>
-                </a:lnSpc>
-                <a:spcBef>
-                  <a:spcPts val="0"/>
-                </a:spcBef>
-                <a:spcAft>
-                  <a:spcPts val="0"/>
-                </a:spcAft>
-                <a:buFont typeface="Arial" panose="020B0604020202020204" pitchFamily="34" charset="0"/>
-                <a:buChar char="•"/>
-              </a:pPr>
-              <a:r>
-                <a:rPr lang="ko-KR" altLang="en-US" sz="1100" b="0" i="0" u="none" strike="noStrike" cap="none" dirty="0">
-                  <a:solidFill>
-                    <a:schemeClr val="lt1"/>
-                  </a:solidFill>
-                  <a:latin typeface="Microsoft GothicNeo Light" panose="020B0300000101010101" pitchFamily="50" charset="-127"/>
-                  <a:ea typeface="Microsoft GothicNeo Light" panose="020B0300000101010101" pitchFamily="50" charset="-127"/>
-                  <a:cs typeface="Microsoft GothicNeo Light" panose="020B0300000101010101" pitchFamily="50" charset="-127"/>
-                  <a:sym typeface="Arial"/>
-                </a:rPr>
-                <a:t>스킬 </a:t>
-              </a:r>
-              <a:r>
-                <a:rPr lang="ko-KR" altLang="en-US" sz="1100" b="0" i="0" u="none" strike="noStrike" cap="none" dirty="0" err="1">
-                  <a:solidFill>
-                    <a:schemeClr val="lt1"/>
-                  </a:solidFill>
-                  <a:latin typeface="Microsoft GothicNeo Light" panose="020B0300000101010101" pitchFamily="50" charset="-127"/>
-                  <a:ea typeface="Microsoft GothicNeo Light" panose="020B0300000101010101" pitchFamily="50" charset="-127"/>
-                  <a:cs typeface="Microsoft GothicNeo Light" panose="020B0300000101010101" pitchFamily="50" charset="-127"/>
-                  <a:sym typeface="Arial"/>
-                </a:rPr>
-                <a:t>쿨타임</a:t>
-              </a:r>
-              <a:endParaRPr sz="1100" b="0" i="0" u="none" strike="noStrike" cap="none" dirty="0">
-                <a:solidFill>
-                  <a:schemeClr val="lt1"/>
-                </a:solidFill>
-                <a:latin typeface="Microsoft GothicNeo Light" panose="020B0300000101010101" pitchFamily="50" charset="-127"/>
-                <a:ea typeface="Microsoft GothicNeo Light" panose="020B0300000101010101" pitchFamily="50" charset="-127"/>
-                <a:cs typeface="Microsoft GothicNeo Light" panose="020B0300000101010101" pitchFamily="50" charset="-127"/>
-                <a:sym typeface="Arial"/>
-              </a:endParaRPr>
-            </a:p>
-          </p:txBody>
-        </p:sp>
-        <p:sp>
-          <p:nvSpPr>
-            <p:cNvPr id="206" name="Google Shape;206;p3"/>
-            <p:cNvSpPr/>
-            <p:nvPr/>
-          </p:nvSpPr>
-          <p:spPr>
-            <a:xfrm>
-              <a:off x="3889211" y="7521736"/>
-              <a:ext cx="1097040" cy="403064"/>
-            </a:xfrm>
-            <a:prstGeom prst="roundRect">
-              <a:avLst>
-                <a:gd name="adj" fmla="val 16667"/>
-              </a:avLst>
-            </a:prstGeom>
-            <a:solidFill>
-              <a:srgbClr val="6D9EEB"/>
-            </a:solidFill>
-            <a:ln>
-              <a:noFill/>
-            </a:ln>
-          </p:spPr>
-          <p:txBody>
-            <a:bodyPr spcFirstLastPara="1" wrap="square" lIns="127975" tIns="127975" rIns="127975" bIns="127975" anchor="ctr" anchorCtr="0">
-              <a:noAutofit/>
-            </a:bodyPr>
-            <a:lstStyle/>
-            <a:p>
-              <a:pPr marL="0" marR="0" lvl="0" indent="0" algn="ctr" rtl="0">
-                <a:lnSpc>
-                  <a:spcPct val="100000"/>
-                </a:lnSpc>
-                <a:spcBef>
-                  <a:spcPts val="0"/>
-                </a:spcBef>
-                <a:spcAft>
-                  <a:spcPts val="0"/>
-                </a:spcAft>
-                <a:buNone/>
-              </a:pPr>
-              <a:r>
-                <a:rPr lang="ko" sz="1100" b="0" i="0" u="none" strike="noStrike" cap="none">
-                  <a:solidFill>
-                    <a:schemeClr val="lt1"/>
-                  </a:solidFill>
-                  <a:latin typeface="Microsoft GothicNeo Light" panose="020B0300000101010101" pitchFamily="50" charset="-127"/>
-                  <a:ea typeface="Microsoft GothicNeo Light" panose="020B0300000101010101" pitchFamily="50" charset="-127"/>
-                  <a:cs typeface="Microsoft GothicNeo Light" panose="020B0300000101010101" pitchFamily="50" charset="-127"/>
-                  <a:sym typeface="Arial"/>
-                </a:rPr>
-                <a:t>게임 결과 send</a:t>
-              </a:r>
-              <a:endParaRPr sz="1100" b="0" i="0" u="none" strike="noStrike" cap="none">
-                <a:solidFill>
-                  <a:schemeClr val="lt1"/>
-                </a:solidFill>
-                <a:latin typeface="Microsoft GothicNeo Light" panose="020B0300000101010101" pitchFamily="50" charset="-127"/>
-                <a:ea typeface="Microsoft GothicNeo Light" panose="020B0300000101010101" pitchFamily="50" charset="-127"/>
-                <a:cs typeface="Microsoft GothicNeo Light" panose="020B0300000101010101" pitchFamily="50" charset="-127"/>
-                <a:sym typeface="Arial"/>
-              </a:endParaRPr>
-            </a:p>
-          </p:txBody>
-        </p:sp>
-        <p:sp>
-          <p:nvSpPr>
-            <p:cNvPr id="207" name="Google Shape;207;p3"/>
-            <p:cNvSpPr/>
-            <p:nvPr/>
-          </p:nvSpPr>
-          <p:spPr>
-            <a:xfrm>
-              <a:off x="2053954" y="7521736"/>
-              <a:ext cx="1097040" cy="403064"/>
-            </a:xfrm>
-            <a:prstGeom prst="roundRect">
-              <a:avLst>
-                <a:gd name="adj" fmla="val 16667"/>
-              </a:avLst>
-            </a:prstGeom>
-            <a:solidFill>
-              <a:srgbClr val="6D9EEB"/>
-            </a:solidFill>
-            <a:ln>
-              <a:noFill/>
-            </a:ln>
-          </p:spPr>
-          <p:txBody>
-            <a:bodyPr spcFirstLastPara="1" wrap="square" lIns="127975" tIns="127975" rIns="127975" bIns="127975" anchor="ctr" anchorCtr="0">
-              <a:noAutofit/>
-            </a:bodyPr>
-            <a:lstStyle/>
-            <a:p>
-              <a:pPr marL="0" marR="0" lvl="0" indent="0" algn="ctr" rtl="0">
-                <a:lnSpc>
-                  <a:spcPct val="100000"/>
-                </a:lnSpc>
-                <a:spcBef>
-                  <a:spcPts val="0"/>
-                </a:spcBef>
-                <a:spcAft>
-                  <a:spcPts val="0"/>
-                </a:spcAft>
-                <a:buNone/>
-              </a:pPr>
-              <a:r>
-                <a:rPr lang="ko" sz="1100" b="0" i="0" u="none" strike="noStrike" cap="none">
-                  <a:solidFill>
-                    <a:schemeClr val="lt1"/>
-                  </a:solidFill>
-                  <a:latin typeface="Microsoft GothicNeo Light" panose="020B0300000101010101" pitchFamily="50" charset="-127"/>
-                  <a:ea typeface="Microsoft GothicNeo Light" panose="020B0300000101010101" pitchFamily="50" charset="-127"/>
-                  <a:cs typeface="Microsoft GothicNeo Light" panose="020B0300000101010101" pitchFamily="50" charset="-127"/>
-                  <a:sym typeface="Arial"/>
-                </a:rPr>
-                <a:t>게임 결과 업데이트</a:t>
-              </a:r>
-              <a:endParaRPr sz="1100" b="0" i="0" u="none" strike="noStrike" cap="none">
-                <a:solidFill>
-                  <a:schemeClr val="lt1"/>
-                </a:solidFill>
-                <a:latin typeface="Microsoft GothicNeo Light" panose="020B0300000101010101" pitchFamily="50" charset="-127"/>
-                <a:ea typeface="Microsoft GothicNeo Light" panose="020B0300000101010101" pitchFamily="50" charset="-127"/>
-                <a:cs typeface="Microsoft GothicNeo Light" panose="020B0300000101010101" pitchFamily="50" charset="-127"/>
-                <a:sym typeface="Arial"/>
-              </a:endParaRPr>
-            </a:p>
-          </p:txBody>
-        </p:sp>
-        <p:cxnSp>
-          <p:nvCxnSpPr>
-            <p:cNvPr id="208" name="Google Shape;208;p3"/>
-            <p:cNvCxnSpPr>
-              <a:stCxn id="207" idx="3"/>
-              <a:endCxn id="206" idx="1"/>
-            </p:cNvCxnSpPr>
-            <p:nvPr/>
-          </p:nvCxnSpPr>
-          <p:spPr>
-            <a:xfrm>
-              <a:off x="3150994" y="7723268"/>
-              <a:ext cx="738123" cy="0"/>
-            </a:xfrm>
-            <a:prstGeom prst="straightConnector1">
-              <a:avLst/>
-            </a:prstGeom>
-            <a:noFill/>
-            <a:ln w="9525" cap="flat" cmpd="sng">
-              <a:solidFill>
-                <a:schemeClr val="dk2"/>
-              </a:solidFill>
-              <a:prstDash val="solid"/>
-              <a:round/>
-              <a:headEnd type="none" w="sm" len="sm"/>
-              <a:tailEnd type="triangle" w="med" len="med"/>
-            </a:ln>
-          </p:spPr>
-        </p:cxnSp>
-        <p:sp>
-          <p:nvSpPr>
-            <p:cNvPr id="209" name="Google Shape;209;p3"/>
-            <p:cNvSpPr/>
-            <p:nvPr/>
-          </p:nvSpPr>
-          <p:spPr>
-            <a:xfrm>
-              <a:off x="1604259" y="6728993"/>
-              <a:ext cx="1996561" cy="491709"/>
-            </a:xfrm>
-            <a:prstGeom prst="flowChartDecision">
-              <a:avLst/>
-            </a:prstGeom>
-            <a:solidFill>
-              <a:srgbClr val="FFE599"/>
-            </a:solidFill>
-            <a:ln>
-              <a:noFill/>
-            </a:ln>
-          </p:spPr>
-          <p:txBody>
-            <a:bodyPr spcFirstLastPara="1" wrap="square" lIns="127975" tIns="127975" rIns="127975" bIns="127975" anchor="ctr" anchorCtr="0">
-              <a:noAutofit/>
-            </a:bodyPr>
-            <a:lstStyle/>
-            <a:p>
-              <a:pPr marL="0" marR="0" lvl="0" indent="0" algn="ctr" rtl="0">
-                <a:lnSpc>
-                  <a:spcPct val="100000"/>
-                </a:lnSpc>
-                <a:spcBef>
-                  <a:spcPts val="0"/>
-                </a:spcBef>
-                <a:spcAft>
-                  <a:spcPts val="0"/>
-                </a:spcAft>
-                <a:buNone/>
-              </a:pPr>
-              <a:r>
-                <a:rPr lang="ko" sz="1000" b="0" i="0" u="none" strike="noStrike" cap="none">
-                  <a:solidFill>
-                    <a:schemeClr val="dk1"/>
-                  </a:solidFill>
-                  <a:latin typeface="Microsoft GothicNeo Light" panose="020B0300000101010101" pitchFamily="50" charset="-127"/>
-                  <a:ea typeface="Microsoft GothicNeo Light" panose="020B0300000101010101" pitchFamily="50" charset="-127"/>
-                  <a:cs typeface="Microsoft GothicNeo Light" panose="020B0300000101010101" pitchFamily="50" charset="-127"/>
-                  <a:sym typeface="Arial"/>
-                </a:rPr>
-                <a:t>진행시간 &gt;=  지정시간</a:t>
-              </a:r>
-              <a:endParaRPr sz="1000" b="0" i="0" u="none" strike="noStrike" cap="none">
-                <a:solidFill>
-                  <a:schemeClr val="dk1"/>
-                </a:solidFill>
-                <a:latin typeface="Microsoft GothicNeo Light" panose="020B0300000101010101" pitchFamily="50" charset="-127"/>
-                <a:ea typeface="Microsoft GothicNeo Light" panose="020B0300000101010101" pitchFamily="50" charset="-127"/>
-                <a:cs typeface="Microsoft GothicNeo Light" panose="020B0300000101010101" pitchFamily="50" charset="-127"/>
-                <a:sym typeface="Arial"/>
-              </a:endParaRPr>
-            </a:p>
-          </p:txBody>
-        </p:sp>
-        <p:cxnSp>
-          <p:nvCxnSpPr>
-            <p:cNvPr id="210" name="Google Shape;210;p3"/>
-            <p:cNvCxnSpPr>
-              <a:stCxn id="198" idx="2"/>
-              <a:endCxn id="209" idx="0"/>
-            </p:cNvCxnSpPr>
-            <p:nvPr/>
-          </p:nvCxnSpPr>
-          <p:spPr>
-            <a:xfrm>
-              <a:off x="2602515" y="6516605"/>
-              <a:ext cx="0" cy="212342"/>
-            </a:xfrm>
-            <a:prstGeom prst="straightConnector1">
-              <a:avLst/>
-            </a:prstGeom>
-            <a:noFill/>
-            <a:ln w="9525" cap="flat" cmpd="sng">
-              <a:solidFill>
-                <a:schemeClr val="dk2"/>
-              </a:solidFill>
-              <a:prstDash val="solid"/>
-              <a:round/>
-              <a:headEnd type="none" w="sm" len="sm"/>
-              <a:tailEnd type="triangle" w="med" len="med"/>
-            </a:ln>
-          </p:spPr>
-        </p:cxnSp>
-        <p:cxnSp>
-          <p:nvCxnSpPr>
-            <p:cNvPr id="211" name="Google Shape;211;p3"/>
-            <p:cNvCxnSpPr>
-              <a:stCxn id="209" idx="2"/>
-              <a:endCxn id="207" idx="0"/>
-            </p:cNvCxnSpPr>
-            <p:nvPr/>
-          </p:nvCxnSpPr>
-          <p:spPr>
-            <a:xfrm>
-              <a:off x="2602540" y="7220703"/>
-              <a:ext cx="0" cy="301196"/>
-            </a:xfrm>
-            <a:prstGeom prst="straightConnector1">
-              <a:avLst/>
-            </a:prstGeom>
-            <a:noFill/>
-            <a:ln w="9525" cap="flat" cmpd="sng">
-              <a:solidFill>
-                <a:schemeClr val="dk2"/>
-              </a:solidFill>
-              <a:prstDash val="solid"/>
-              <a:round/>
-              <a:headEnd type="none" w="sm" len="sm"/>
-              <a:tailEnd type="triangle" w="med" len="med"/>
-            </a:ln>
-          </p:spPr>
-        </p:cxnSp>
-        <p:sp>
-          <p:nvSpPr>
-            <p:cNvPr id="212" name="Google Shape;212;p3"/>
-            <p:cNvSpPr txBox="1"/>
-            <p:nvPr/>
-          </p:nvSpPr>
-          <p:spPr>
-            <a:xfrm>
-              <a:off x="2602494" y="7066351"/>
-              <a:ext cx="723851" cy="504671"/>
-            </a:xfrm>
-            <a:prstGeom prst="rect">
-              <a:avLst/>
-            </a:prstGeom>
-            <a:noFill/>
-            <a:ln>
-              <a:noFill/>
-            </a:ln>
-          </p:spPr>
-          <p:txBody>
-            <a:bodyPr spcFirstLastPara="1" wrap="square" lIns="127975" tIns="127975" rIns="127975" bIns="127975" anchor="t" anchorCtr="0">
-              <a:spAutoFit/>
-            </a:bodyPr>
-            <a:lstStyle/>
-            <a:p>
-              <a:pPr marL="0" marR="0" lvl="0" indent="0" algn="l" rtl="0">
-                <a:lnSpc>
-                  <a:spcPct val="100000"/>
-                </a:lnSpc>
-                <a:spcBef>
-                  <a:spcPts val="0"/>
-                </a:spcBef>
-                <a:spcAft>
-                  <a:spcPts val="0"/>
-                </a:spcAft>
-                <a:buNone/>
-              </a:pPr>
-              <a:r>
-                <a:rPr lang="ko" sz="1600" b="0" i="0" u="none" strike="noStrike" cap="none">
-                  <a:solidFill>
-                    <a:srgbClr val="000000"/>
-                  </a:solidFill>
-                  <a:latin typeface="Microsoft GothicNeo Light" panose="020B0300000101010101" pitchFamily="50" charset="-127"/>
-                  <a:ea typeface="Microsoft GothicNeo Light" panose="020B0300000101010101" pitchFamily="50" charset="-127"/>
-                  <a:cs typeface="Microsoft GothicNeo Light" panose="020B0300000101010101" pitchFamily="50" charset="-127"/>
-                  <a:sym typeface="Arial"/>
-                </a:rPr>
-                <a:t>YES</a:t>
-              </a:r>
-              <a:endParaRPr sz="1600" b="0" i="0" u="none" strike="noStrike" cap="none">
-                <a:solidFill>
-                  <a:srgbClr val="000000"/>
-                </a:solidFill>
-                <a:latin typeface="Microsoft GothicNeo Light" panose="020B0300000101010101" pitchFamily="50" charset="-127"/>
-                <a:ea typeface="Microsoft GothicNeo Light" panose="020B0300000101010101" pitchFamily="50" charset="-127"/>
-                <a:cs typeface="Microsoft GothicNeo Light" panose="020B0300000101010101" pitchFamily="50" charset="-127"/>
-                <a:sym typeface="Arial"/>
-              </a:endParaRPr>
-            </a:p>
-          </p:txBody>
-        </p:sp>
-        <p:sp>
-          <p:nvSpPr>
-            <p:cNvPr id="213" name="Google Shape;213;p3"/>
-            <p:cNvSpPr txBox="1"/>
-            <p:nvPr/>
-          </p:nvSpPr>
-          <p:spPr>
-            <a:xfrm>
-              <a:off x="1086105" y="6457143"/>
-              <a:ext cx="723851" cy="504671"/>
-            </a:xfrm>
-            <a:prstGeom prst="rect">
-              <a:avLst/>
-            </a:prstGeom>
-            <a:noFill/>
-            <a:ln>
-              <a:noFill/>
-            </a:ln>
-          </p:spPr>
-          <p:txBody>
-            <a:bodyPr spcFirstLastPara="1" wrap="square" lIns="127975" tIns="127975" rIns="127975" bIns="127975" anchor="t" anchorCtr="0">
-              <a:spAutoFit/>
-            </a:bodyPr>
-            <a:lstStyle/>
-            <a:p>
-              <a:pPr marL="0" marR="0" lvl="0" indent="0" algn="l" rtl="0">
-                <a:lnSpc>
-                  <a:spcPct val="100000"/>
-                </a:lnSpc>
-                <a:spcBef>
-                  <a:spcPts val="0"/>
-                </a:spcBef>
-                <a:spcAft>
-                  <a:spcPts val="0"/>
-                </a:spcAft>
-                <a:buNone/>
-              </a:pPr>
-              <a:r>
-                <a:rPr lang="ko" sz="1600" b="0" i="0" u="none" strike="noStrike" cap="none">
-                  <a:solidFill>
-                    <a:srgbClr val="000000"/>
-                  </a:solidFill>
-                  <a:latin typeface="Microsoft GothicNeo Light" panose="020B0300000101010101" pitchFamily="50" charset="-127"/>
-                  <a:ea typeface="Microsoft GothicNeo Light" panose="020B0300000101010101" pitchFamily="50" charset="-127"/>
-                  <a:cs typeface="Microsoft GothicNeo Light" panose="020B0300000101010101" pitchFamily="50" charset="-127"/>
-                  <a:sym typeface="Arial"/>
-                </a:rPr>
-                <a:t>NO</a:t>
-              </a:r>
-              <a:endParaRPr sz="1600" b="0" i="0" u="none" strike="noStrike" cap="none">
-                <a:solidFill>
-                  <a:srgbClr val="000000"/>
-                </a:solidFill>
-                <a:latin typeface="Microsoft GothicNeo Light" panose="020B0300000101010101" pitchFamily="50" charset="-127"/>
-                <a:ea typeface="Microsoft GothicNeo Light" panose="020B0300000101010101" pitchFamily="50" charset="-127"/>
-                <a:cs typeface="Microsoft GothicNeo Light" panose="020B0300000101010101" pitchFamily="50" charset="-127"/>
-                <a:sym typeface="Arial"/>
-              </a:endParaRPr>
-            </a:p>
-          </p:txBody>
-        </p:sp>
-        <p:sp>
-          <p:nvSpPr>
-            <p:cNvPr id="214" name="Google Shape;214;p3"/>
-            <p:cNvSpPr/>
-            <p:nvPr/>
-          </p:nvSpPr>
-          <p:spPr>
-            <a:xfrm>
-              <a:off x="7626286" y="7486944"/>
-              <a:ext cx="1097040" cy="403064"/>
-            </a:xfrm>
-            <a:prstGeom prst="roundRect">
-              <a:avLst>
-                <a:gd name="adj" fmla="val 16667"/>
-              </a:avLst>
-            </a:prstGeom>
-            <a:solidFill>
-              <a:srgbClr val="E06666"/>
-            </a:solidFill>
-            <a:ln>
-              <a:noFill/>
-            </a:ln>
-          </p:spPr>
-          <p:txBody>
-            <a:bodyPr spcFirstLastPara="1" wrap="square" lIns="127975" tIns="127975" rIns="127975" bIns="127975" anchor="ctr" anchorCtr="0">
-              <a:noAutofit/>
-            </a:bodyPr>
-            <a:lstStyle/>
-            <a:p>
-              <a:pPr marL="0" marR="0" lvl="0" indent="0" algn="ctr" rtl="0">
-                <a:lnSpc>
-                  <a:spcPct val="100000"/>
-                </a:lnSpc>
-                <a:spcBef>
-                  <a:spcPts val="0"/>
-                </a:spcBef>
-                <a:spcAft>
-                  <a:spcPts val="0"/>
-                </a:spcAft>
-                <a:buNone/>
-              </a:pPr>
-              <a:r>
-                <a:rPr lang="ko" sz="1100" b="0" i="0" u="none" strike="noStrike" cap="none">
-                  <a:solidFill>
-                    <a:schemeClr val="lt1"/>
-                  </a:solidFill>
-                  <a:latin typeface="Microsoft GothicNeo Light" panose="020B0300000101010101" pitchFamily="50" charset="-127"/>
-                  <a:ea typeface="Microsoft GothicNeo Light" panose="020B0300000101010101" pitchFamily="50" charset="-127"/>
-                  <a:cs typeface="Microsoft GothicNeo Light" panose="020B0300000101010101" pitchFamily="50" charset="-127"/>
-                  <a:sym typeface="Arial"/>
-                </a:rPr>
-                <a:t>결과 recv</a:t>
-              </a:r>
-              <a:endParaRPr sz="1100" b="0" i="0" u="none" strike="noStrike" cap="none">
-                <a:solidFill>
-                  <a:schemeClr val="lt1"/>
-                </a:solidFill>
-                <a:latin typeface="Microsoft GothicNeo Light" panose="020B0300000101010101" pitchFamily="50" charset="-127"/>
-                <a:ea typeface="Microsoft GothicNeo Light" panose="020B0300000101010101" pitchFamily="50" charset="-127"/>
-                <a:cs typeface="Microsoft GothicNeo Light" panose="020B0300000101010101" pitchFamily="50" charset="-127"/>
-                <a:sym typeface="Arial"/>
-              </a:endParaRPr>
-            </a:p>
-          </p:txBody>
-        </p:sp>
-        <p:cxnSp>
-          <p:nvCxnSpPr>
-            <p:cNvPr id="215" name="Google Shape;215;p3"/>
-            <p:cNvCxnSpPr>
-              <a:cxnSpLocks/>
-              <a:stCxn id="206" idx="3"/>
-              <a:endCxn id="214" idx="1"/>
-            </p:cNvCxnSpPr>
-            <p:nvPr/>
-          </p:nvCxnSpPr>
-          <p:spPr>
-            <a:xfrm flipV="1">
-              <a:off x="4986251" y="7688476"/>
-              <a:ext cx="2640035" cy="34792"/>
-            </a:xfrm>
-            <a:prstGeom prst="straightConnector1">
-              <a:avLst/>
-            </a:prstGeom>
-            <a:noFill/>
-            <a:ln w="9525" cap="flat" cmpd="sng">
-              <a:solidFill>
-                <a:schemeClr val="dk2"/>
-              </a:solidFill>
-              <a:prstDash val="solid"/>
-              <a:round/>
-              <a:headEnd type="none" w="sm" len="sm"/>
-              <a:tailEnd type="triangle" w="med" len="med"/>
-            </a:ln>
-          </p:spPr>
-        </p:cxnSp>
-        <p:cxnSp>
-          <p:nvCxnSpPr>
-            <p:cNvPr id="216" name="Google Shape;216;p3"/>
-            <p:cNvCxnSpPr>
-              <a:stCxn id="214" idx="3"/>
-            </p:cNvCxnSpPr>
-            <p:nvPr/>
-          </p:nvCxnSpPr>
-          <p:spPr>
-            <a:xfrm rot="10800000" flipH="1">
-              <a:off x="8723326" y="7683928"/>
-              <a:ext cx="481005" cy="4548"/>
-            </a:xfrm>
-            <a:prstGeom prst="straightConnector1">
-              <a:avLst/>
-            </a:prstGeom>
-            <a:noFill/>
-            <a:ln w="9525" cap="flat" cmpd="sng">
-              <a:solidFill>
-                <a:schemeClr val="dk2"/>
-              </a:solidFill>
-              <a:prstDash val="solid"/>
-              <a:round/>
-              <a:headEnd type="none" w="sm" len="sm"/>
-              <a:tailEnd type="triangle" w="med" len="med"/>
-            </a:ln>
-          </p:spPr>
-        </p:cxnSp>
-        <p:sp>
-          <p:nvSpPr>
-            <p:cNvPr id="217" name="Google Shape;217;p3"/>
-            <p:cNvSpPr/>
-            <p:nvPr/>
-          </p:nvSpPr>
-          <p:spPr>
-            <a:xfrm>
-              <a:off x="9212423" y="7516206"/>
-              <a:ext cx="1097040" cy="403064"/>
-            </a:xfrm>
-            <a:prstGeom prst="roundRect">
-              <a:avLst>
-                <a:gd name="adj" fmla="val 16667"/>
-              </a:avLst>
-            </a:prstGeom>
-            <a:solidFill>
-              <a:srgbClr val="6D9EEB"/>
-            </a:solidFill>
-            <a:ln>
-              <a:noFill/>
-            </a:ln>
-          </p:spPr>
-          <p:txBody>
-            <a:bodyPr spcFirstLastPara="1" wrap="square" lIns="127975" tIns="127975" rIns="127975" bIns="127975" anchor="ctr" anchorCtr="0">
-              <a:noAutofit/>
-            </a:bodyPr>
-            <a:lstStyle/>
-            <a:p>
-              <a:pPr marL="0" marR="0" lvl="0" indent="0" algn="ctr" rtl="0">
-                <a:lnSpc>
-                  <a:spcPct val="100000"/>
-                </a:lnSpc>
-                <a:spcBef>
-                  <a:spcPts val="0"/>
-                </a:spcBef>
-                <a:spcAft>
-                  <a:spcPts val="0"/>
-                </a:spcAft>
-                <a:buNone/>
-              </a:pPr>
-              <a:r>
-                <a:rPr lang="ko" sz="1100" b="0" i="0" u="none" strike="noStrike" cap="none">
-                  <a:solidFill>
-                    <a:schemeClr val="lt1"/>
-                  </a:solidFill>
-                  <a:latin typeface="Microsoft GothicNeo Light" panose="020B0300000101010101" pitchFamily="50" charset="-127"/>
-                  <a:ea typeface="Microsoft GothicNeo Light" panose="020B0300000101010101" pitchFamily="50" charset="-127"/>
-                  <a:cs typeface="Microsoft GothicNeo Light" panose="020B0300000101010101" pitchFamily="50" charset="-127"/>
-                  <a:sym typeface="Arial"/>
-                </a:rPr>
-                <a:t>게임 종료</a:t>
-              </a:r>
-              <a:endParaRPr sz="1100" b="0" i="0" u="none" strike="noStrike" cap="none">
-                <a:solidFill>
-                  <a:schemeClr val="lt1"/>
-                </a:solidFill>
-                <a:latin typeface="Microsoft GothicNeo Light" panose="020B0300000101010101" pitchFamily="50" charset="-127"/>
-                <a:ea typeface="Microsoft GothicNeo Light" panose="020B0300000101010101" pitchFamily="50" charset="-127"/>
-                <a:cs typeface="Microsoft GothicNeo Light" panose="020B0300000101010101" pitchFamily="50" charset="-127"/>
-                <a:sym typeface="Arial"/>
-              </a:endParaRPr>
-            </a:p>
-          </p:txBody>
-        </p:sp>
-        <p:sp>
-          <p:nvSpPr>
-            <p:cNvPr id="219" name="Google Shape;219;p3"/>
-            <p:cNvSpPr txBox="1"/>
-            <p:nvPr/>
-          </p:nvSpPr>
-          <p:spPr>
-            <a:xfrm>
-              <a:off x="1770314" y="5822661"/>
-              <a:ext cx="2612193" cy="290782"/>
-            </a:xfrm>
-            <a:prstGeom prst="rect">
-              <a:avLst/>
-            </a:prstGeom>
-            <a:noFill/>
-            <a:ln>
-              <a:noFill/>
-            </a:ln>
-          </p:spPr>
-          <p:txBody>
-            <a:bodyPr spcFirstLastPara="1" wrap="square" lIns="127975" tIns="63975" rIns="127975" bIns="63975" anchor="t" anchorCtr="0">
-              <a:spAutoFit/>
-            </a:bodyPr>
-            <a:lstStyle/>
-            <a:p>
-              <a:pPr marL="0" marR="0" lvl="0" indent="0" algn="l" rtl="0">
-                <a:lnSpc>
-                  <a:spcPct val="100000"/>
-                </a:lnSpc>
-                <a:spcBef>
-                  <a:spcPts val="0"/>
-                </a:spcBef>
-                <a:spcAft>
-                  <a:spcPts val="0"/>
-                </a:spcAft>
-                <a:buNone/>
-              </a:pPr>
-              <a:r>
-                <a:rPr lang="ko" sz="1050" b="0" i="0" u="none" strike="noStrike" cap="none">
-                  <a:solidFill>
-                    <a:srgbClr val="000000"/>
-                  </a:solidFill>
-                  <a:latin typeface="Microsoft GothicNeo Light" panose="020B0300000101010101" pitchFamily="50" charset="-127"/>
-                  <a:ea typeface="Microsoft GothicNeo Light" panose="020B0300000101010101" pitchFamily="50" charset="-127"/>
-                  <a:cs typeface="Microsoft GothicNeo Light" panose="020B0300000101010101" pitchFamily="50" charset="-127"/>
-                  <a:sym typeface="Arial"/>
-                </a:rPr>
-                <a:t>Timer Update 주기 : 5fps 정도(1초당 5번)</a:t>
-              </a:r>
-              <a:endParaRPr sz="1050" b="0" i="0" u="none" strike="noStrike" cap="none">
-                <a:solidFill>
-                  <a:srgbClr val="000000"/>
-                </a:solidFill>
-                <a:latin typeface="Microsoft GothicNeo Light" panose="020B0300000101010101" pitchFamily="50" charset="-127"/>
-                <a:ea typeface="Microsoft GothicNeo Light" panose="020B0300000101010101" pitchFamily="50" charset="-127"/>
-                <a:cs typeface="Microsoft GothicNeo Light" panose="020B0300000101010101" pitchFamily="50" charset="-127"/>
-                <a:sym typeface="Arial"/>
-              </a:endParaRPr>
-            </a:p>
-          </p:txBody>
-        </p:sp>
-        <p:cxnSp>
-          <p:nvCxnSpPr>
-            <p:cNvPr id="220" name="Google Shape;220;p3"/>
-            <p:cNvCxnSpPr>
-              <a:stCxn id="160" idx="4"/>
-            </p:cNvCxnSpPr>
-            <p:nvPr/>
-          </p:nvCxnSpPr>
-          <p:spPr>
-            <a:xfrm>
-              <a:off x="4437995" y="1110050"/>
-              <a:ext cx="0" cy="223886"/>
-            </a:xfrm>
-            <a:prstGeom prst="straightConnector1">
-              <a:avLst/>
-            </a:prstGeom>
-            <a:noFill/>
-            <a:ln w="9525" cap="flat" cmpd="sng">
-              <a:solidFill>
-                <a:schemeClr val="dk2"/>
-              </a:solidFill>
-              <a:prstDash val="solid"/>
-              <a:round/>
-              <a:headEnd type="none" w="sm" len="sm"/>
-              <a:tailEnd type="triangle" w="med" len="med"/>
-            </a:ln>
-          </p:spPr>
-        </p:cxnSp>
-        <p:cxnSp>
-          <p:nvCxnSpPr>
-            <p:cNvPr id="221" name="Google Shape;221;p3"/>
-            <p:cNvCxnSpPr>
-              <a:stCxn id="209" idx="1"/>
-            </p:cNvCxnSpPr>
-            <p:nvPr/>
-          </p:nvCxnSpPr>
-          <p:spPr>
-            <a:xfrm rot="10800000">
-              <a:off x="1604259" y="6364759"/>
-              <a:ext cx="0" cy="610089"/>
-            </a:xfrm>
-            <a:prstGeom prst="straightConnector1">
-              <a:avLst/>
-            </a:prstGeom>
-            <a:noFill/>
-            <a:ln w="9525" cap="flat" cmpd="sng">
-              <a:solidFill>
-                <a:schemeClr val="dk2"/>
-              </a:solidFill>
-              <a:prstDash val="solid"/>
-              <a:round/>
-              <a:headEnd type="none" w="sm" len="sm"/>
-              <a:tailEnd type="triangle" w="med" len="med"/>
-            </a:ln>
-          </p:spPr>
-        </p:cxnSp>
-        <p:sp>
-          <p:nvSpPr>
-            <p:cNvPr id="224" name="Google Shape;224;p3"/>
-            <p:cNvSpPr/>
-            <p:nvPr/>
-          </p:nvSpPr>
-          <p:spPr>
-            <a:xfrm>
-              <a:off x="2149003" y="1333865"/>
-              <a:ext cx="1097040" cy="403064"/>
-            </a:xfrm>
-            <a:prstGeom prst="roundRect">
-              <a:avLst>
-                <a:gd name="adj" fmla="val 16667"/>
-              </a:avLst>
-            </a:prstGeom>
-            <a:solidFill>
-              <a:srgbClr val="FFE599"/>
-            </a:solidFill>
-            <a:ln>
-              <a:noFill/>
-            </a:ln>
-          </p:spPr>
-          <p:txBody>
-            <a:bodyPr spcFirstLastPara="1" wrap="square" lIns="127975" tIns="127975" rIns="127975" bIns="127975" anchor="ctr" anchorCtr="0">
-              <a:noAutofit/>
-            </a:bodyPr>
-            <a:lstStyle/>
-            <a:p>
-              <a:pPr marL="0" marR="0" lvl="0" indent="0" algn="ctr" rtl="0">
-                <a:lnSpc>
-                  <a:spcPct val="100000"/>
-                </a:lnSpc>
-                <a:spcBef>
-                  <a:spcPts val="0"/>
-                </a:spcBef>
-                <a:spcAft>
-                  <a:spcPts val="0"/>
-                </a:spcAft>
-                <a:buNone/>
-              </a:pPr>
-              <a:r>
-                <a:rPr lang="ko" sz="1050" b="0" i="0" u="none" strike="noStrike" cap="none">
-                  <a:solidFill>
-                    <a:schemeClr val="dk1"/>
-                  </a:solidFill>
-                  <a:latin typeface="Microsoft GothicNeo Light" panose="020B0300000101010101" pitchFamily="50" charset="-127"/>
-                  <a:ea typeface="Microsoft GothicNeo Light" panose="020B0300000101010101" pitchFamily="50" charset="-127"/>
-                  <a:cs typeface="Microsoft GothicNeo Light" panose="020B0300000101010101" pitchFamily="50" charset="-127"/>
-                  <a:sym typeface="Arial"/>
-                </a:rPr>
-                <a:t>타이머 세팅(초기화)</a:t>
-              </a:r>
-              <a:endParaRPr sz="1050" b="0" i="0" u="none" strike="noStrike" cap="none">
-                <a:solidFill>
-                  <a:schemeClr val="dk1"/>
-                </a:solidFill>
-                <a:latin typeface="Microsoft GothicNeo Light" panose="020B0300000101010101" pitchFamily="50" charset="-127"/>
-                <a:ea typeface="Microsoft GothicNeo Light" panose="020B0300000101010101" pitchFamily="50" charset="-127"/>
-                <a:cs typeface="Microsoft GothicNeo Light" panose="020B0300000101010101" pitchFamily="50" charset="-127"/>
-                <a:sym typeface="Arial"/>
-              </a:endParaRPr>
-            </a:p>
-          </p:txBody>
-        </p:sp>
-        <p:sp>
-          <p:nvSpPr>
-            <p:cNvPr id="225" name="Google Shape;225;p3"/>
-            <p:cNvSpPr/>
-            <p:nvPr/>
-          </p:nvSpPr>
-          <p:spPr>
-            <a:xfrm>
-              <a:off x="3859478" y="1345417"/>
-              <a:ext cx="1097040" cy="403064"/>
-            </a:xfrm>
-            <a:prstGeom prst="roundRect">
-              <a:avLst>
-                <a:gd name="adj" fmla="val 16667"/>
-              </a:avLst>
-            </a:prstGeom>
-            <a:solidFill>
-              <a:srgbClr val="6D9EEB"/>
-            </a:solidFill>
-            <a:ln>
-              <a:noFill/>
-            </a:ln>
-          </p:spPr>
-          <p:txBody>
-            <a:bodyPr spcFirstLastPara="1" wrap="square" lIns="127975" tIns="127975" rIns="127975" bIns="127975" anchor="ctr" anchorCtr="0">
-              <a:noAutofit/>
-            </a:bodyPr>
-            <a:lstStyle/>
-            <a:p>
-              <a:pPr marL="0" marR="0" lvl="0" indent="0" algn="ctr" rtl="0">
-                <a:lnSpc>
-                  <a:spcPct val="100000"/>
-                </a:lnSpc>
-                <a:spcBef>
-                  <a:spcPts val="0"/>
-                </a:spcBef>
-                <a:spcAft>
-                  <a:spcPts val="0"/>
-                </a:spcAft>
-                <a:buNone/>
-              </a:pPr>
-              <a:r>
-                <a:rPr lang="ko" sz="1100" b="0" i="0" u="none" strike="noStrike" cap="none">
-                  <a:solidFill>
-                    <a:schemeClr val="lt1"/>
-                  </a:solidFill>
-                  <a:latin typeface="Microsoft GothicNeo Light" panose="020B0300000101010101" pitchFamily="50" charset="-127"/>
-                  <a:ea typeface="Microsoft GothicNeo Light" panose="020B0300000101010101" pitchFamily="50" charset="-127"/>
-                  <a:cs typeface="Microsoft GothicNeo Light" panose="020B0300000101010101" pitchFamily="50" charset="-127"/>
-                  <a:sym typeface="Arial"/>
-                </a:rPr>
-                <a:t>키 입력 업데이트</a:t>
-              </a:r>
-              <a:endParaRPr sz="1100" b="0" i="0" u="none" strike="noStrike" cap="none">
-                <a:solidFill>
-                  <a:schemeClr val="lt1"/>
-                </a:solidFill>
-                <a:latin typeface="Microsoft GothicNeo Light" panose="020B0300000101010101" pitchFamily="50" charset="-127"/>
-                <a:ea typeface="Microsoft GothicNeo Light" panose="020B0300000101010101" pitchFamily="50" charset="-127"/>
-                <a:cs typeface="Microsoft GothicNeo Light" panose="020B0300000101010101" pitchFamily="50" charset="-127"/>
-                <a:sym typeface="Arial"/>
-              </a:endParaRPr>
-            </a:p>
-          </p:txBody>
-        </p:sp>
-        <p:cxnSp>
-          <p:nvCxnSpPr>
-            <p:cNvPr id="15" name="연결선: 꺾임 14">
-              <a:extLst>
-                <a:ext uri="{FF2B5EF4-FFF2-40B4-BE49-F238E27FC236}">
-                  <a16:creationId xmlns:a16="http://schemas.microsoft.com/office/drawing/2014/main" id="{6F5E46A0-53A0-6F9F-BC69-6101542C4EBA}"/>
-                </a:ext>
-              </a:extLst>
-            </p:cNvPr>
-            <p:cNvCxnSpPr>
-              <a:cxnSpLocks/>
-              <a:stCxn id="176" idx="2"/>
-              <a:endCxn id="178" idx="1"/>
-            </p:cNvCxnSpPr>
-            <p:nvPr/>
-          </p:nvCxnSpPr>
-          <p:spPr>
-            <a:xfrm rot="16200000" flipH="1">
-              <a:off x="3167258" y="3860527"/>
-              <a:ext cx="157473" cy="1286962"/>
-            </a:xfrm>
-            <a:prstGeom prst="bentConnector2">
-              <a:avLst/>
-            </a:prstGeom>
-            <a:ln>
-              <a:tailEnd type="triangle"/>
-            </a:ln>
-          </p:spPr>
-          <p:style>
-            <a:lnRef idx="1">
-              <a:schemeClr val="dk1"/>
-            </a:lnRef>
-            <a:fillRef idx="0">
-              <a:schemeClr val="dk1"/>
-            </a:fillRef>
-            <a:effectRef idx="0">
-              <a:schemeClr val="dk1"/>
-            </a:effectRef>
-            <a:fontRef idx="minor">
-              <a:schemeClr val="tx1"/>
-            </a:fontRef>
-          </p:style>
-        </p:cxnSp>
-        <p:cxnSp>
-          <p:nvCxnSpPr>
-            <p:cNvPr id="18" name="연결선: 꺾임 17">
-              <a:extLst>
-                <a:ext uri="{FF2B5EF4-FFF2-40B4-BE49-F238E27FC236}">
-                  <a16:creationId xmlns:a16="http://schemas.microsoft.com/office/drawing/2014/main" id="{C5CA534D-ED87-83B7-4F0D-7AEF92A8BAEA}"/>
-                </a:ext>
-              </a:extLst>
-            </p:cNvPr>
-            <p:cNvCxnSpPr>
-              <a:cxnSpLocks/>
-              <a:stCxn id="166" idx="3"/>
-              <a:endCxn id="167" idx="3"/>
-            </p:cNvCxnSpPr>
-            <p:nvPr/>
-          </p:nvCxnSpPr>
-          <p:spPr>
-            <a:xfrm flipH="1">
-              <a:off x="10309463" y="2789525"/>
-              <a:ext cx="126969" cy="1186828"/>
-            </a:xfrm>
-            <a:prstGeom prst="bentConnector3">
-              <a:avLst>
-                <a:gd name="adj1" fmla="val -180044"/>
-              </a:avLst>
-            </a:prstGeom>
-            <a:ln>
-              <a:tailEnd type="triangle"/>
-            </a:ln>
-          </p:spPr>
-          <p:style>
-            <a:lnRef idx="1">
-              <a:schemeClr val="dk1"/>
-            </a:lnRef>
-            <a:fillRef idx="0">
-              <a:schemeClr val="dk1"/>
-            </a:fillRef>
-            <a:effectRef idx="0">
-              <a:schemeClr val="dk1"/>
-            </a:effectRef>
-            <a:fontRef idx="minor">
-              <a:schemeClr val="tx1"/>
-            </a:fontRef>
-          </p:style>
-        </p:cxnSp>
-        <p:cxnSp>
-          <p:nvCxnSpPr>
-            <p:cNvPr id="21" name="연결선: 꺾임 20">
-              <a:extLst>
-                <a:ext uri="{FF2B5EF4-FFF2-40B4-BE49-F238E27FC236}">
-                  <a16:creationId xmlns:a16="http://schemas.microsoft.com/office/drawing/2014/main" id="{50897556-A8A1-0D61-4067-5BFB1F9CDB85}"/>
-                </a:ext>
-              </a:extLst>
-            </p:cNvPr>
-            <p:cNvCxnSpPr>
-              <a:cxnSpLocks/>
-              <a:stCxn id="163" idx="5"/>
-              <a:endCxn id="166" idx="3"/>
-            </p:cNvCxnSpPr>
-            <p:nvPr/>
-          </p:nvCxnSpPr>
-          <p:spPr>
-            <a:xfrm>
-              <a:off x="10301334" y="2162522"/>
-              <a:ext cx="135098" cy="627003"/>
-            </a:xfrm>
-            <a:prstGeom prst="bentConnector3">
-              <a:avLst>
-                <a:gd name="adj1" fmla="val 269210"/>
-              </a:avLst>
-            </a:prstGeom>
-            <a:ln>
-              <a:tailEnd type="triangle"/>
-            </a:ln>
-          </p:spPr>
-          <p:style>
-            <a:lnRef idx="1">
-              <a:schemeClr val="dk1"/>
-            </a:lnRef>
-            <a:fillRef idx="0">
-              <a:schemeClr val="dk1"/>
-            </a:fillRef>
-            <a:effectRef idx="0">
-              <a:schemeClr val="dk1"/>
-            </a:effectRef>
-            <a:fontRef idx="minor">
-              <a:schemeClr val="tx1"/>
-            </a:fontRef>
-          </p:style>
-        </p:cxnSp>
-      </p:grpSp>
+          <a:prstGeom prst="bentConnector3">
+            <a:avLst>
+              <a:gd name="adj1" fmla="val 269210"/>
+            </a:avLst>
+          </a:prstGeom>
+          <a:ln>
+            <a:tailEnd type="triangle"/>
+          </a:ln>
+        </p:spPr>
+        <p:style>
+          <a:lnRef idx="1">
+            <a:schemeClr val="dk1"/>
+          </a:lnRef>
+          <a:fillRef idx="0">
+            <a:schemeClr val="dk1"/>
+          </a:fillRef>
+          <a:effectRef idx="0">
+            <a:schemeClr val="dk1"/>
+          </a:effectRef>
+          <a:fontRef idx="minor">
+            <a:schemeClr val="tx1"/>
+          </a:fontRef>
+        </p:style>
+      </p:cxnSp>
+      <p:cxnSp>
+        <p:nvCxnSpPr>
+          <p:cNvPr id="5" name="연결선: 꺾임 4">
+            <a:extLst>
+              <a:ext uri="{FF2B5EF4-FFF2-40B4-BE49-F238E27FC236}">
+                <a16:creationId xmlns:a16="http://schemas.microsoft.com/office/drawing/2014/main" id="{4AAADE0F-BA76-36BE-A3F4-033DE2C34CD7}"/>
+              </a:ext>
+            </a:extLst>
+          </p:cNvPr>
+          <p:cNvCxnSpPr>
+            <a:cxnSpLocks/>
+            <a:stCxn id="170" idx="1"/>
+            <a:endCxn id="176" idx="0"/>
+          </p:cNvCxnSpPr>
+          <p:nvPr/>
+        </p:nvCxnSpPr>
+        <p:spPr>
+          <a:xfrm rot="10800000" flipV="1">
+            <a:off x="2602514" y="3214872"/>
+            <a:ext cx="1135401" cy="329869"/>
+          </a:xfrm>
+          <a:prstGeom prst="bentConnector2">
+            <a:avLst/>
+          </a:prstGeom>
+          <a:ln>
+            <a:tailEnd type="triangle"/>
+          </a:ln>
+        </p:spPr>
+        <p:style>
+          <a:lnRef idx="1">
+            <a:schemeClr val="dk1"/>
+          </a:lnRef>
+          <a:fillRef idx="0">
+            <a:schemeClr val="dk1"/>
+          </a:fillRef>
+          <a:effectRef idx="0">
+            <a:schemeClr val="dk1"/>
+          </a:effectRef>
+          <a:fontRef idx="minor">
+            <a:schemeClr val="tx1"/>
+          </a:fontRef>
+        </p:style>
+      </p:cxnSp>
     </p:spTree>
   </p:cSld>
   <p:clrMapOvr>

--- a/Document/하이레벨 + 스레드.pptx
+++ b/Document/하이레벨 + 스레드.pptx
@@ -14331,100 +14331,68 @@
           </a:fontRef>
         </p:style>
       </p:cxnSp>
-      <p:sp>
-        <p:nvSpPr>
-          <p:cNvPr id="159" name="Google Shape;159;p3"/>
-          <p:cNvSpPr/>
+      <p:grpSp>
+        <p:nvGrpSpPr>
+          <p:cNvPr id="23" name="그룹 22">
+            <a:extLst>
+              <a:ext uri="{FF2B5EF4-FFF2-40B4-BE49-F238E27FC236}">
+                <a16:creationId xmlns:a16="http://schemas.microsoft.com/office/drawing/2014/main" id="{C73D8D50-D431-582D-3C09-80BEF3E2A67A}"/>
+              </a:ext>
+            </a:extLst>
+          </p:cNvPr>
+          <p:cNvGrpSpPr/>
           <p:nvPr/>
-        </p:nvSpPr>
-        <p:spPr>
+        </p:nvGrpSpPr>
+        <p:grpSpPr>
           <a:xfrm>
-            <a:off x="393364" y="2452577"/>
-            <a:ext cx="11374069" cy="3264348"/>
+            <a:off x="393364" y="266700"/>
+            <a:ext cx="11374069" cy="7658100"/>
+            <a:chOff x="393364" y="266700"/>
+            <a:chExt cx="11374069" cy="7658100"/>
           </a:xfrm>
-          <a:prstGeom prst="roundRect">
-            <a:avLst>
-              <a:gd name="adj" fmla="val 16667"/>
-            </a:avLst>
-          </a:prstGeom>
-          <a:solidFill>
-            <a:srgbClr val="BCBCBC"/>
-          </a:solidFill>
-          <a:ln>
-            <a:noFill/>
-          </a:ln>
-        </p:spPr>
-        <p:txBody>
-          <a:bodyPr spcFirstLastPara="1" wrap="square" lIns="127975" tIns="63975" rIns="127975" bIns="63975" anchor="ctr" anchorCtr="0">
-            <a:noAutofit/>
-          </a:bodyPr>
-          <a:lstStyle/>
-          <a:p>
-            <a:pPr marL="0" marR="0" lvl="0" indent="0" algn="ctr" rtl="0">
-              <a:lnSpc>
-                <a:spcPct val="100000"/>
-              </a:lnSpc>
-              <a:spcBef>
-                <a:spcPts val="0"/>
-              </a:spcBef>
-              <a:spcAft>
-                <a:spcPts val="0"/>
-              </a:spcAft>
-              <a:buNone/>
-            </a:pPr>
-            <a:endParaRPr sz="2800" b="0" i="0" u="none" strike="noStrike" cap="none">
-              <a:solidFill>
-                <a:schemeClr val="lt1"/>
-              </a:solidFill>
-              <a:latin typeface="Microsoft GothicNeo Light" panose="020B0300000101010101" pitchFamily="50" charset="-127"/>
-              <a:ea typeface="Microsoft GothicNeo Light" panose="020B0300000101010101" pitchFamily="50" charset="-127"/>
-              <a:cs typeface="Microsoft GothicNeo Light" panose="020B0300000101010101" pitchFamily="50" charset="-127"/>
-              <a:sym typeface="Arial"/>
-            </a:endParaRPr>
-          </a:p>
-        </p:txBody>
-      </p:sp>
-      <p:sp>
-        <p:nvSpPr>
-          <p:cNvPr id="160" name="Google Shape;160;p3"/>
-          <p:cNvSpPr/>
-          <p:nvPr/>
-        </p:nvSpPr>
-        <p:spPr>
-          <a:xfrm>
-            <a:off x="3400460" y="266700"/>
-            <a:ext cx="2075071" cy="843350"/>
-          </a:xfrm>
-          <a:prstGeom prst="ellipse">
-            <a:avLst/>
-          </a:prstGeom>
-          <a:solidFill>
-            <a:srgbClr val="6D9EEB"/>
-          </a:solidFill>
-          <a:ln>
-            <a:noFill/>
-          </a:ln>
-        </p:spPr>
-        <p:txBody>
-          <a:bodyPr spcFirstLastPara="1" wrap="square" lIns="127975" tIns="127975" rIns="127975" bIns="127975" anchor="ctr" anchorCtr="0">
-            <a:noAutofit/>
-          </a:bodyPr>
-          <a:lstStyle/>
-          <a:p>
-            <a:pPr marL="0" marR="0" lvl="0" indent="0" algn="ctr" rtl="0">
-              <a:lnSpc>
-                <a:spcPct val="100000"/>
-              </a:lnSpc>
-              <a:spcBef>
-                <a:spcPts val="0"/>
-              </a:spcBef>
-              <a:spcAft>
-                <a:spcPts val="0"/>
-              </a:spcAft>
-              <a:buNone/>
-            </a:pPr>
-            <a:r>
-              <a:rPr lang="ko" sz="1100" b="0" i="0" u="none" strike="noStrike" cap="none" dirty="0">
+        </p:grpSpPr>
+        <p:sp>
+          <p:nvSpPr>
+            <p:cNvPr id="159" name="Google Shape;159;p3"/>
+            <p:cNvSpPr/>
+            <p:nvPr/>
+          </p:nvSpPr>
+          <p:spPr>
+            <a:xfrm>
+              <a:off x="393364" y="2452577"/>
+              <a:ext cx="11374069" cy="3264348"/>
+            </a:xfrm>
+            <a:prstGeom prst="roundRect">
+              <a:avLst>
+                <a:gd name="adj" fmla="val 16667"/>
+              </a:avLst>
+            </a:prstGeom>
+            <a:solidFill>
+              <a:srgbClr val="BCBCBC"/>
+            </a:solidFill>
+            <a:ln>
+              <a:noFill/>
+            </a:ln>
+          </p:spPr>
+          <p:txBody>
+            <a:bodyPr spcFirstLastPara="1" wrap="square" lIns="127975" tIns="63975" rIns="127975" bIns="63975" anchor="ctr" anchorCtr="0">
+              <a:noAutofit/>
+            </a:bodyPr>
+            <a:lstStyle/>
+            <a:p>
+              <a:pPr marL="0" marR="0" lvl="0" indent="0" algn="ctr" rtl="0">
+                <a:lnSpc>
+                  <a:spcPct val="100000"/>
+                </a:lnSpc>
+                <a:spcBef>
+                  <a:spcPts val="0"/>
+                </a:spcBef>
+                <a:spcAft>
+                  <a:spcPts val="0"/>
+                </a:spcAft>
+                <a:buNone/>
+              </a:pPr>
+              <a:endParaRPr sz="2800" b="0" i="0" u="none" strike="noStrike" cap="none">
                 <a:solidFill>
                   <a:schemeClr val="lt1"/>
                 </a:solidFill>
@@ -14432,62 +14400,62 @@
                 <a:ea typeface="Microsoft GothicNeo Light" panose="020B0300000101010101" pitchFamily="50" charset="-127"/>
                 <a:cs typeface="Microsoft GothicNeo Light" panose="020B0300000101010101" pitchFamily="50" charset="-127"/>
                 <a:sym typeface="Arial"/>
-              </a:rPr>
-              <a:t>메인 게임 화면</a:t>
-            </a:r>
-            <a:endParaRPr sz="1100" b="0" i="0" u="none" strike="noStrike" cap="none" dirty="0">
-              <a:solidFill>
-                <a:schemeClr val="lt1"/>
-              </a:solidFill>
-              <a:latin typeface="Microsoft GothicNeo Light" panose="020B0300000101010101" pitchFamily="50" charset="-127"/>
-              <a:ea typeface="Microsoft GothicNeo Light" panose="020B0300000101010101" pitchFamily="50" charset="-127"/>
-              <a:cs typeface="Microsoft GothicNeo Light" panose="020B0300000101010101" pitchFamily="50" charset="-127"/>
-              <a:sym typeface="Arial"/>
-            </a:endParaRPr>
-          </a:p>
-        </p:txBody>
-      </p:sp>
-      <p:sp>
-        <p:nvSpPr>
-          <p:cNvPr id="161" name="Google Shape;161;p3"/>
-          <p:cNvSpPr/>
-          <p:nvPr/>
-        </p:nvSpPr>
-        <p:spPr>
-          <a:xfrm>
-            <a:off x="8723408" y="266700"/>
-            <a:ext cx="2075071" cy="843350"/>
-          </a:xfrm>
-          <a:prstGeom prst="ellipse">
-            <a:avLst/>
-          </a:prstGeom>
-          <a:solidFill>
-            <a:srgbClr val="6D9EEB"/>
-          </a:solidFill>
-          <a:ln>
-            <a:noFill/>
-          </a:ln>
-        </p:spPr>
-        <p:txBody>
-          <a:bodyPr spcFirstLastPara="1" wrap="square" lIns="127975" tIns="127975" rIns="127975" bIns="127975" anchor="ctr" anchorCtr="0">
-            <a:noAutofit/>
-          </a:bodyPr>
-          <a:lstStyle/>
-          <a:p>
-            <a:pPr marL="0" marR="0" lvl="0" indent="0" algn="ctr" rtl="0">
-              <a:lnSpc>
-                <a:spcPct val="100000"/>
-              </a:lnSpc>
-              <a:spcBef>
-                <a:spcPts val="0"/>
-              </a:spcBef>
-              <a:spcAft>
-                <a:spcPts val="0"/>
-              </a:spcAft>
-              <a:buNone/>
-            </a:pPr>
-            <a:r>
-              <a:rPr lang="ko" sz="1100" b="0" i="0" u="none" strike="noStrike" cap="none">
+              </a:endParaRPr>
+            </a:p>
+          </p:txBody>
+        </p:sp>
+        <p:sp>
+          <p:nvSpPr>
+            <p:cNvPr id="160" name="Google Shape;160;p3"/>
+            <p:cNvSpPr/>
+            <p:nvPr/>
+          </p:nvSpPr>
+          <p:spPr>
+            <a:xfrm>
+              <a:off x="3400460" y="266700"/>
+              <a:ext cx="2075071" cy="843350"/>
+            </a:xfrm>
+            <a:prstGeom prst="ellipse">
+              <a:avLst/>
+            </a:prstGeom>
+            <a:solidFill>
+              <a:srgbClr val="6D9EEB"/>
+            </a:solidFill>
+            <a:ln>
+              <a:noFill/>
+            </a:ln>
+          </p:spPr>
+          <p:txBody>
+            <a:bodyPr spcFirstLastPara="1" wrap="square" lIns="127975" tIns="127975" rIns="127975" bIns="127975" anchor="ctr" anchorCtr="0">
+              <a:noAutofit/>
+            </a:bodyPr>
+            <a:lstStyle/>
+            <a:p>
+              <a:pPr marL="0" marR="0" lvl="0" indent="0" algn="ctr" rtl="0">
+                <a:lnSpc>
+                  <a:spcPct val="100000"/>
+                </a:lnSpc>
+                <a:spcBef>
+                  <a:spcPts val="0"/>
+                </a:spcBef>
+                <a:spcAft>
+                  <a:spcPts val="0"/>
+                </a:spcAft>
+                <a:buNone/>
+              </a:pPr>
+              <a:r>
+                <a:rPr lang="ko" sz="1100" b="0" i="0" u="none" strike="noStrike" cap="none" dirty="0">
+                  <a:solidFill>
+                    <a:schemeClr val="lt1"/>
+                  </a:solidFill>
+                  <a:latin typeface="Microsoft GothicNeo Light" panose="020B0300000101010101" pitchFamily="50" charset="-127"/>
+                  <a:ea typeface="Microsoft GothicNeo Light" panose="020B0300000101010101" pitchFamily="50" charset="-127"/>
+                  <a:cs typeface="Microsoft GothicNeo Light" panose="020B0300000101010101" pitchFamily="50" charset="-127"/>
+                  <a:sym typeface="Arial"/>
+                </a:rPr>
+                <a:t>메인 게임 화면</a:t>
+              </a:r>
+              <a:endParaRPr sz="1100" b="0" i="0" u="none" strike="noStrike" cap="none" dirty="0">
                 <a:solidFill>
                   <a:schemeClr val="lt1"/>
                 </a:solidFill>
@@ -14495,91 +14463,62 @@
                 <a:ea typeface="Microsoft GothicNeo Light" panose="020B0300000101010101" pitchFamily="50" charset="-127"/>
                 <a:cs typeface="Microsoft GothicNeo Light" panose="020B0300000101010101" pitchFamily="50" charset="-127"/>
                 <a:sym typeface="Arial"/>
-              </a:rPr>
-              <a:t>메인 게임 화면</a:t>
-            </a:r>
-            <a:endParaRPr sz="1100" b="0" i="0" u="none" strike="noStrike" cap="none">
-              <a:solidFill>
-                <a:schemeClr val="lt1"/>
-              </a:solidFill>
-              <a:latin typeface="Microsoft GothicNeo Light" panose="020B0300000101010101" pitchFamily="50" charset="-127"/>
-              <a:ea typeface="Microsoft GothicNeo Light" panose="020B0300000101010101" pitchFamily="50" charset="-127"/>
-              <a:cs typeface="Microsoft GothicNeo Light" panose="020B0300000101010101" pitchFamily="50" charset="-127"/>
-              <a:sym typeface="Arial"/>
-            </a:endParaRPr>
-          </a:p>
-        </p:txBody>
-      </p:sp>
-      <p:cxnSp>
-        <p:nvCxnSpPr>
-          <p:cNvPr id="162" name="Google Shape;162;p3"/>
-          <p:cNvCxnSpPr>
-            <a:stCxn id="161" idx="4"/>
-            <a:endCxn id="163" idx="1"/>
-          </p:cNvCxnSpPr>
-          <p:nvPr/>
-        </p:nvCxnSpPr>
-        <p:spPr>
-          <a:xfrm>
-            <a:off x="9760943" y="1110050"/>
-            <a:ext cx="0" cy="851116"/>
-          </a:xfrm>
-          <a:prstGeom prst="straightConnector1">
-            <a:avLst/>
-          </a:prstGeom>
-          <a:noFill/>
-          <a:ln w="9525" cap="flat" cmpd="sng">
+              </a:endParaRPr>
+            </a:p>
+          </p:txBody>
+        </p:sp>
+        <p:sp>
+          <p:nvSpPr>
+            <p:cNvPr id="161" name="Google Shape;161;p3"/>
+            <p:cNvSpPr/>
+            <p:nvPr/>
+          </p:nvSpPr>
+          <p:spPr>
+            <a:xfrm>
+              <a:off x="8723408" y="266700"/>
+              <a:ext cx="2075071" cy="843350"/>
+            </a:xfrm>
+            <a:prstGeom prst="ellipse">
+              <a:avLst/>
+            </a:prstGeom>
             <a:solidFill>
-              <a:schemeClr val="dk2"/>
+              <a:srgbClr val="6D9EEB"/>
             </a:solidFill>
-            <a:prstDash val="solid"/>
-            <a:round/>
-            <a:headEnd type="none" w="sm" len="sm"/>
-            <a:tailEnd type="triangle" w="med" len="med"/>
-          </a:ln>
-        </p:spPr>
-      </p:cxnSp>
-      <p:sp>
-        <p:nvSpPr>
-          <p:cNvPr id="163" name="Google Shape;163;p3"/>
-          <p:cNvSpPr/>
-          <p:nvPr/>
-        </p:nvSpPr>
-        <p:spPr>
-          <a:xfrm>
-            <a:off x="9085456" y="1960990"/>
-            <a:ext cx="1350976" cy="403064"/>
-          </a:xfrm>
-          <a:prstGeom prst="flowChartInputOutput">
-            <a:avLst/>
-          </a:prstGeom>
-          <a:solidFill>
-            <a:srgbClr val="6D9EEB"/>
-          </a:solidFill>
-          <a:ln>
-            <a:noFill/>
-          </a:ln>
-        </p:spPr>
-        <p:txBody>
-          <a:bodyPr spcFirstLastPara="1" wrap="square" lIns="127975" tIns="127975" rIns="127975" bIns="127975" anchor="ctr" anchorCtr="0">
-            <a:noAutofit/>
-          </a:bodyPr>
-          <a:lstStyle/>
-          <a:p>
-            <a:pPr marL="0" marR="0" lvl="0" indent="0" algn="ctr" rtl="0">
-              <a:lnSpc>
-                <a:spcPct val="100000"/>
-              </a:lnSpc>
-              <a:spcBef>
-                <a:spcPts val="0"/>
-              </a:spcBef>
-              <a:spcAft>
-                <a:spcPts val="0"/>
-              </a:spcAft>
-              <a:buNone/>
-            </a:pPr>
-            <a:r>
-              <a:rPr lang="ko" sz="1100" b="0" i="0" u="none" strike="noStrike" cap="none">
+            <a:ln>
+              <a:noFill/>
+            </a:ln>
+          </p:spPr>
+          <p:txBody>
+            <a:bodyPr spcFirstLastPara="1" wrap="square" lIns="127975" tIns="127975" rIns="127975" bIns="127975" anchor="ctr" anchorCtr="0">
+              <a:noAutofit/>
+            </a:bodyPr>
+            <a:lstStyle/>
+            <a:p>
+              <a:pPr marL="0" marR="0" lvl="0" indent="0" algn="ctr" rtl="0">
+                <a:lnSpc>
+                  <a:spcPct val="100000"/>
+                </a:lnSpc>
+                <a:spcBef>
+                  <a:spcPts val="0"/>
+                </a:spcBef>
+                <a:spcAft>
+                  <a:spcPts val="0"/>
+                </a:spcAft>
+                <a:buNone/>
+              </a:pPr>
+              <a:r>
+                <a:rPr lang="ko" sz="1100" b="0" i="0" u="none" strike="noStrike" cap="none">
+                  <a:solidFill>
+                    <a:schemeClr val="lt1"/>
+                  </a:solidFill>
+                  <a:latin typeface="Microsoft GothicNeo Light" panose="020B0300000101010101" pitchFamily="50" charset="-127"/>
+                  <a:ea typeface="Microsoft GothicNeo Light" panose="020B0300000101010101" pitchFamily="50" charset="-127"/>
+                  <a:cs typeface="Microsoft GothicNeo Light" panose="020B0300000101010101" pitchFamily="50" charset="-127"/>
+                  <a:sym typeface="Arial"/>
+                </a:rPr>
+                <a:t>메인 게임 화면</a:t>
+              </a:r>
+              <a:endParaRPr sz="1100" b="0" i="0" u="none" strike="noStrike" cap="none">
                 <a:solidFill>
                   <a:schemeClr val="lt1"/>
                 </a:solidFill>
@@ -14587,86 +14526,243 @@
                 <a:ea typeface="Microsoft GothicNeo Light" panose="020B0300000101010101" pitchFamily="50" charset="-127"/>
                 <a:cs typeface="Microsoft GothicNeo Light" panose="020B0300000101010101" pitchFamily="50" charset="-127"/>
                 <a:sym typeface="Arial"/>
-              </a:rPr>
-              <a:t>게임 실행</a:t>
-            </a:r>
-            <a:endParaRPr sz="1100" b="0" i="0" u="none" strike="noStrike" cap="none">
+              </a:endParaRPr>
+            </a:p>
+          </p:txBody>
+        </p:sp>
+        <p:cxnSp>
+          <p:nvCxnSpPr>
+            <p:cNvPr id="162" name="Google Shape;162;p3"/>
+            <p:cNvCxnSpPr>
+              <a:stCxn id="161" idx="4"/>
+              <a:endCxn id="163" idx="1"/>
+            </p:cNvCxnSpPr>
+            <p:nvPr/>
+          </p:nvCxnSpPr>
+          <p:spPr>
+            <a:xfrm>
+              <a:off x="9760943" y="1110050"/>
+              <a:ext cx="0" cy="851116"/>
+            </a:xfrm>
+            <a:prstGeom prst="straightConnector1">
+              <a:avLst/>
+            </a:prstGeom>
+            <a:noFill/>
+            <a:ln w="9525" cap="flat" cmpd="sng">
               <a:solidFill>
-                <a:schemeClr val="lt1"/>
+                <a:schemeClr val="dk2"/>
               </a:solidFill>
-              <a:latin typeface="Microsoft GothicNeo Light" panose="020B0300000101010101" pitchFamily="50" charset="-127"/>
-              <a:ea typeface="Microsoft GothicNeo Light" panose="020B0300000101010101" pitchFamily="50" charset="-127"/>
-              <a:cs typeface="Microsoft GothicNeo Light" panose="020B0300000101010101" pitchFamily="50" charset="-127"/>
-              <a:sym typeface="Arial"/>
-            </a:endParaRPr>
-          </a:p>
-        </p:txBody>
-      </p:sp>
-      <p:sp>
-        <p:nvSpPr>
-          <p:cNvPr id="166" name="Google Shape;166;p3"/>
-          <p:cNvSpPr/>
-          <p:nvPr/>
-        </p:nvSpPr>
-        <p:spPr>
-          <a:xfrm>
-            <a:off x="9069212" y="3007810"/>
-            <a:ext cx="1367220" cy="403064"/>
-          </a:xfrm>
-          <a:prstGeom prst="roundRect">
-            <a:avLst>
-              <a:gd name="adj" fmla="val 16667"/>
-            </a:avLst>
-          </a:prstGeom>
-          <a:solidFill>
-            <a:srgbClr val="6D9EEB"/>
-          </a:solidFill>
-          <a:ln>
-            <a:noFill/>
-          </a:ln>
-        </p:spPr>
-        <p:txBody>
-          <a:bodyPr spcFirstLastPara="1" wrap="square" lIns="127975" tIns="127975" rIns="127975" bIns="127975" anchor="ctr" anchorCtr="0">
-            <a:noAutofit/>
-          </a:bodyPr>
-          <a:lstStyle/>
-          <a:p>
-            <a:pPr marL="0" marR="0" lvl="0" indent="0" algn="ctr" rtl="0">
-              <a:lnSpc>
-                <a:spcPct val="100000"/>
-              </a:lnSpc>
-              <a:spcBef>
-                <a:spcPts val="0"/>
-              </a:spcBef>
-              <a:spcAft>
-                <a:spcPts val="0"/>
-              </a:spcAft>
-              <a:buNone/>
-            </a:pPr>
-            <a:r>
-              <a:rPr lang="ko-KR" altLang="en-US" sz="1100" dirty="0" err="1">
+              <a:prstDash val="solid"/>
+              <a:round/>
+              <a:headEnd type="none" w="sm" len="sm"/>
+              <a:tailEnd type="triangle" w="med" len="med"/>
+            </a:ln>
+          </p:spPr>
+        </p:cxnSp>
+        <p:sp>
+          <p:nvSpPr>
+            <p:cNvPr id="163" name="Google Shape;163;p3"/>
+            <p:cNvSpPr/>
+            <p:nvPr/>
+          </p:nvSpPr>
+          <p:spPr>
+            <a:xfrm>
+              <a:off x="9085456" y="1960990"/>
+              <a:ext cx="1350976" cy="403064"/>
+            </a:xfrm>
+            <a:prstGeom prst="flowChartInputOutput">
+              <a:avLst/>
+            </a:prstGeom>
+            <a:solidFill>
+              <a:srgbClr val="6D9EEB"/>
+            </a:solidFill>
+            <a:ln>
+              <a:noFill/>
+            </a:ln>
+          </p:spPr>
+          <p:txBody>
+            <a:bodyPr spcFirstLastPara="1" wrap="square" lIns="127975" tIns="127975" rIns="127975" bIns="127975" anchor="ctr" anchorCtr="0">
+              <a:noAutofit/>
+            </a:bodyPr>
+            <a:lstStyle/>
+            <a:p>
+              <a:pPr marL="0" marR="0" lvl="0" indent="0" algn="ctr" rtl="0">
+                <a:lnSpc>
+                  <a:spcPct val="100000"/>
+                </a:lnSpc>
+                <a:spcBef>
+                  <a:spcPts val="0"/>
+                </a:spcBef>
+                <a:spcAft>
+                  <a:spcPts val="0"/>
+                </a:spcAft>
+                <a:buNone/>
+              </a:pPr>
+              <a:r>
+                <a:rPr lang="ko" sz="1100" b="0" i="0" u="none" strike="noStrike" cap="none">
+                  <a:solidFill>
+                    <a:schemeClr val="lt1"/>
+                  </a:solidFill>
+                  <a:latin typeface="Microsoft GothicNeo Light" panose="020B0300000101010101" pitchFamily="50" charset="-127"/>
+                  <a:ea typeface="Microsoft GothicNeo Light" panose="020B0300000101010101" pitchFamily="50" charset="-127"/>
+                  <a:cs typeface="Microsoft GothicNeo Light" panose="020B0300000101010101" pitchFamily="50" charset="-127"/>
+                  <a:sym typeface="Arial"/>
+                </a:rPr>
+                <a:t>게임 실행</a:t>
+              </a:r>
+              <a:endParaRPr sz="1100" b="0" i="0" u="none" strike="noStrike" cap="none">
                 <a:solidFill>
                   <a:schemeClr val="lt1"/>
                 </a:solidFill>
                 <a:latin typeface="Microsoft GothicNeo Light" panose="020B0300000101010101" pitchFamily="50" charset="-127"/>
                 <a:ea typeface="Microsoft GothicNeo Light" panose="020B0300000101010101" pitchFamily="50" charset="-127"/>
                 <a:cs typeface="Microsoft GothicNeo Light" panose="020B0300000101010101" pitchFamily="50" charset="-127"/>
-              </a:rPr>
-              <a:t>키입력</a:t>
-            </a:r>
-            <a:r>
-              <a:rPr lang="ko-KR" altLang="en-US" sz="1100" dirty="0">
+                <a:sym typeface="Arial"/>
+              </a:endParaRPr>
+            </a:p>
+          </p:txBody>
+        </p:sp>
+        <p:sp>
+          <p:nvSpPr>
+            <p:cNvPr id="166" name="Google Shape;166;p3"/>
+            <p:cNvSpPr/>
+            <p:nvPr/>
+          </p:nvSpPr>
+          <p:spPr>
+            <a:xfrm>
+              <a:off x="9069212" y="3007810"/>
+              <a:ext cx="1367220" cy="403064"/>
+            </a:xfrm>
+            <a:prstGeom prst="roundRect">
+              <a:avLst>
+                <a:gd name="adj" fmla="val 16667"/>
+              </a:avLst>
+            </a:prstGeom>
+            <a:solidFill>
+              <a:srgbClr val="6D9EEB"/>
+            </a:solidFill>
+            <a:ln>
+              <a:noFill/>
+            </a:ln>
+          </p:spPr>
+          <p:txBody>
+            <a:bodyPr spcFirstLastPara="1" wrap="square" lIns="127975" tIns="127975" rIns="127975" bIns="127975" anchor="ctr" anchorCtr="0">
+              <a:noAutofit/>
+            </a:bodyPr>
+            <a:lstStyle/>
+            <a:p>
+              <a:pPr marL="0" marR="0" lvl="0" indent="0" algn="ctr" rtl="0">
+                <a:lnSpc>
+                  <a:spcPct val="100000"/>
+                </a:lnSpc>
+                <a:spcBef>
+                  <a:spcPts val="0"/>
+                </a:spcBef>
+                <a:spcAft>
+                  <a:spcPts val="0"/>
+                </a:spcAft>
+                <a:buNone/>
+              </a:pPr>
+              <a:r>
+                <a:rPr lang="ko-KR" altLang="en-US" sz="1100" dirty="0" err="1">
+                  <a:solidFill>
+                    <a:schemeClr val="lt1"/>
+                  </a:solidFill>
+                  <a:latin typeface="Microsoft GothicNeo Light" panose="020B0300000101010101" pitchFamily="50" charset="-127"/>
+                  <a:ea typeface="Microsoft GothicNeo Light" panose="020B0300000101010101" pitchFamily="50" charset="-127"/>
+                  <a:cs typeface="Microsoft GothicNeo Light" panose="020B0300000101010101" pitchFamily="50" charset="-127"/>
+                </a:rPr>
+                <a:t>키입력</a:t>
+              </a:r>
+              <a:r>
+                <a:rPr lang="ko-KR" altLang="en-US" sz="1100" dirty="0">
+                  <a:solidFill>
+                    <a:schemeClr val="lt1"/>
+                  </a:solidFill>
+                  <a:latin typeface="Microsoft GothicNeo Light" panose="020B0300000101010101" pitchFamily="50" charset="-127"/>
+                  <a:ea typeface="Microsoft GothicNeo Light" panose="020B0300000101010101" pitchFamily="50" charset="-127"/>
+                  <a:cs typeface="Microsoft GothicNeo Light" panose="020B0300000101010101" pitchFamily="50" charset="-127"/>
+                </a:rPr>
+                <a:t> </a:t>
+              </a:r>
+              <a:r>
+                <a:rPr lang="ko" sz="1100" b="0" i="0" u="none" strike="noStrike" cap="none" dirty="0">
+                  <a:solidFill>
+                    <a:schemeClr val="lt1"/>
+                  </a:solidFill>
+                  <a:latin typeface="Microsoft GothicNeo Light" panose="020B0300000101010101" pitchFamily="50" charset="-127"/>
+                  <a:ea typeface="Microsoft GothicNeo Light" panose="020B0300000101010101" pitchFamily="50" charset="-127"/>
+                  <a:cs typeface="Microsoft GothicNeo Light" panose="020B0300000101010101" pitchFamily="50" charset="-127"/>
+                  <a:sym typeface="Arial"/>
+                </a:rPr>
+                <a:t>send</a:t>
+              </a:r>
+              <a:endParaRPr sz="1100" b="0" i="0" u="none" strike="noStrike" cap="none" dirty="0">
                 <a:solidFill>
                   <a:schemeClr val="lt1"/>
                 </a:solidFill>
                 <a:latin typeface="Microsoft GothicNeo Light" panose="020B0300000101010101" pitchFamily="50" charset="-127"/>
                 <a:ea typeface="Microsoft GothicNeo Light" panose="020B0300000101010101" pitchFamily="50" charset="-127"/>
                 <a:cs typeface="Microsoft GothicNeo Light" panose="020B0300000101010101" pitchFamily="50" charset="-127"/>
-              </a:rPr>
-              <a:t> </a:t>
-            </a:r>
-            <a:r>
-              <a:rPr lang="ko" sz="1100" b="0" i="0" u="none" strike="noStrike" cap="none" dirty="0">
+                <a:sym typeface="Arial"/>
+              </a:endParaRPr>
+            </a:p>
+          </p:txBody>
+        </p:sp>
+        <p:sp>
+          <p:nvSpPr>
+            <p:cNvPr id="168" name="Google Shape;168;p3"/>
+            <p:cNvSpPr/>
+            <p:nvPr/>
+          </p:nvSpPr>
+          <p:spPr>
+            <a:xfrm>
+              <a:off x="5475531" y="3007810"/>
+              <a:ext cx="1097040" cy="403064"/>
+            </a:xfrm>
+            <a:prstGeom prst="roundRect">
+              <a:avLst>
+                <a:gd name="adj" fmla="val 16667"/>
+              </a:avLst>
+            </a:prstGeom>
+            <a:solidFill>
+              <a:srgbClr val="E06666"/>
+            </a:solidFill>
+            <a:ln>
+              <a:noFill/>
+            </a:ln>
+          </p:spPr>
+          <p:txBody>
+            <a:bodyPr spcFirstLastPara="1" wrap="square" lIns="127975" tIns="127975" rIns="127975" bIns="127975" anchor="ctr" anchorCtr="0">
+              <a:noAutofit/>
+            </a:bodyPr>
+            <a:lstStyle/>
+            <a:p>
+              <a:pPr marL="0" marR="0" lvl="0" indent="0" algn="ctr" rtl="0">
+                <a:lnSpc>
+                  <a:spcPct val="100000"/>
+                </a:lnSpc>
+                <a:spcBef>
+                  <a:spcPts val="0"/>
+                </a:spcBef>
+                <a:spcAft>
+                  <a:spcPts val="0"/>
+                </a:spcAft>
+                <a:buNone/>
+              </a:pPr>
+              <a:r>
+                <a:rPr lang="ko" sz="1100" b="0" i="0" u="none" strike="noStrike" cap="none">
+                  <a:solidFill>
+                    <a:schemeClr val="lt1"/>
+                  </a:solidFill>
+                  <a:latin typeface="Microsoft GothicNeo Light" panose="020B0300000101010101" pitchFamily="50" charset="-127"/>
+                  <a:ea typeface="Microsoft GothicNeo Light" panose="020B0300000101010101" pitchFamily="50" charset="-127"/>
+                  <a:cs typeface="Microsoft GothicNeo Light" panose="020B0300000101010101" pitchFamily="50" charset="-127"/>
+                  <a:sym typeface="Arial"/>
+                </a:rPr>
+                <a:t>키 입력 recv</a:t>
+              </a:r>
+              <a:endParaRPr sz="1100" b="0" i="0" u="none" strike="noStrike" cap="none">
                 <a:solidFill>
                   <a:schemeClr val="lt1"/>
                 </a:solidFill>
@@ -14674,64 +14770,94 @@
                 <a:ea typeface="Microsoft GothicNeo Light" panose="020B0300000101010101" pitchFamily="50" charset="-127"/>
                 <a:cs typeface="Microsoft GothicNeo Light" panose="020B0300000101010101" pitchFamily="50" charset="-127"/>
                 <a:sym typeface="Arial"/>
-              </a:rPr>
-              <a:t>send</a:t>
-            </a:r>
-            <a:endParaRPr sz="1100" b="0" i="0" u="none" strike="noStrike" cap="none" dirty="0">
+              </a:endParaRPr>
+            </a:p>
+          </p:txBody>
+        </p:sp>
+        <p:cxnSp>
+          <p:nvCxnSpPr>
+            <p:cNvPr id="169" name="Google Shape;169;p3"/>
+            <p:cNvCxnSpPr>
+              <a:cxnSpLocks/>
+              <a:stCxn id="166" idx="1"/>
+              <a:endCxn id="168" idx="3"/>
+            </p:cNvCxnSpPr>
+            <p:nvPr/>
+          </p:nvCxnSpPr>
+          <p:spPr>
+            <a:xfrm flipH="1">
+              <a:off x="6572571" y="3209342"/>
+              <a:ext cx="2496641" cy="0"/>
+            </a:xfrm>
+            <a:prstGeom prst="straightConnector1">
+              <a:avLst/>
+            </a:prstGeom>
+            <a:noFill/>
+            <a:ln w="9525" cap="flat" cmpd="sng">
               <a:solidFill>
-                <a:schemeClr val="lt1"/>
+                <a:schemeClr val="dk2"/>
               </a:solidFill>
-              <a:latin typeface="Microsoft GothicNeo Light" panose="020B0300000101010101" pitchFamily="50" charset="-127"/>
-              <a:ea typeface="Microsoft GothicNeo Light" panose="020B0300000101010101" pitchFamily="50" charset="-127"/>
-              <a:cs typeface="Microsoft GothicNeo Light" panose="020B0300000101010101" pitchFamily="50" charset="-127"/>
-              <a:sym typeface="Arial"/>
-            </a:endParaRPr>
-          </a:p>
-        </p:txBody>
-      </p:sp>
-      <p:sp>
-        <p:nvSpPr>
-          <p:cNvPr id="168" name="Google Shape;168;p3"/>
-          <p:cNvSpPr/>
-          <p:nvPr/>
-        </p:nvSpPr>
-        <p:spPr>
-          <a:xfrm>
-            <a:off x="5475531" y="3007810"/>
-            <a:ext cx="1097040" cy="403064"/>
-          </a:xfrm>
-          <a:prstGeom prst="roundRect">
-            <a:avLst>
-              <a:gd name="adj" fmla="val 16667"/>
-            </a:avLst>
-          </a:prstGeom>
-          <a:solidFill>
-            <a:srgbClr val="E06666"/>
-          </a:solidFill>
-          <a:ln>
-            <a:noFill/>
-          </a:ln>
-        </p:spPr>
-        <p:txBody>
-          <a:bodyPr spcFirstLastPara="1" wrap="square" lIns="127975" tIns="127975" rIns="127975" bIns="127975" anchor="ctr" anchorCtr="0">
-            <a:noAutofit/>
-          </a:bodyPr>
-          <a:lstStyle/>
-          <a:p>
-            <a:pPr marL="0" marR="0" lvl="0" indent="0" algn="ctr" rtl="0">
-              <a:lnSpc>
-                <a:spcPct val="100000"/>
-              </a:lnSpc>
-              <a:spcBef>
-                <a:spcPts val="0"/>
-              </a:spcBef>
-              <a:spcAft>
-                <a:spcPts val="0"/>
-              </a:spcAft>
-              <a:buNone/>
-            </a:pPr>
-            <a:r>
-              <a:rPr lang="ko" sz="1100" b="0" i="0" u="none" strike="noStrike" cap="none">
+              <a:prstDash val="solid"/>
+              <a:round/>
+              <a:headEnd type="none" w="sm" len="sm"/>
+              <a:tailEnd type="triangle" w="med" len="med"/>
+            </a:ln>
+          </p:spPr>
+        </p:cxnSp>
+        <p:sp>
+          <p:nvSpPr>
+            <p:cNvPr id="170" name="Google Shape;170;p3"/>
+            <p:cNvSpPr/>
+            <p:nvPr/>
+          </p:nvSpPr>
+          <p:spPr>
+            <a:xfrm>
+              <a:off x="3737914" y="2587992"/>
+              <a:ext cx="1400162" cy="1253761"/>
+            </a:xfrm>
+            <a:prstGeom prst="roundRect">
+              <a:avLst>
+                <a:gd name="adj" fmla="val 16667"/>
+              </a:avLst>
+            </a:prstGeom>
+            <a:solidFill>
+              <a:srgbClr val="6D9EEB"/>
+            </a:solidFill>
+            <a:ln>
+              <a:noFill/>
+            </a:ln>
+          </p:spPr>
+          <p:txBody>
+            <a:bodyPr spcFirstLastPara="1" wrap="square" lIns="127975" tIns="127975" rIns="127975" bIns="127975" anchor="ctr" anchorCtr="0">
+              <a:noAutofit/>
+            </a:bodyPr>
+            <a:lstStyle/>
+            <a:p>
+              <a:pPr marL="0" marR="0" lvl="0" indent="0" algn="ctr" rtl="0">
+                <a:lnSpc>
+                  <a:spcPct val="100000"/>
+                </a:lnSpc>
+                <a:spcBef>
+                  <a:spcPts val="0"/>
+                </a:spcBef>
+                <a:spcAft>
+                  <a:spcPts val="0"/>
+                </a:spcAft>
+                <a:buNone/>
+              </a:pPr>
+              <a:r>
+                <a:rPr lang="ko" sz="1100" b="0" i="0" u="none" strike="noStrike" cap="none" dirty="0">
+                  <a:solidFill>
+                    <a:schemeClr val="lt1"/>
+                  </a:solidFill>
+                  <a:latin typeface="Microsoft GothicNeo Light" panose="020B0300000101010101" pitchFamily="50" charset="-127"/>
+                  <a:ea typeface="Microsoft GothicNeo Light" panose="020B0300000101010101" pitchFamily="50" charset="-127"/>
+                  <a:cs typeface="Microsoft GothicNeo Light" panose="020B0300000101010101" pitchFamily="50" charset="-127"/>
+                  <a:sym typeface="Arial"/>
+                </a:rPr>
+                <a:t>키 입력 업데이트</a:t>
+              </a:r>
+              <a:endParaRPr lang="en-US" altLang="ko" sz="1100" b="0" i="0" u="none" strike="noStrike" cap="none" dirty="0">
                 <a:solidFill>
                   <a:schemeClr val="lt1"/>
                 </a:solidFill>
@@ -14739,94 +14865,22 @@
                 <a:ea typeface="Microsoft GothicNeo Light" panose="020B0300000101010101" pitchFamily="50" charset="-127"/>
                 <a:cs typeface="Microsoft GothicNeo Light" panose="020B0300000101010101" pitchFamily="50" charset="-127"/>
                 <a:sym typeface="Arial"/>
-              </a:rPr>
-              <a:t>키 입력 recv</a:t>
-            </a:r>
-            <a:endParaRPr sz="1100" b="0" i="0" u="none" strike="noStrike" cap="none">
-              <a:solidFill>
-                <a:schemeClr val="lt1"/>
-              </a:solidFill>
-              <a:latin typeface="Microsoft GothicNeo Light" panose="020B0300000101010101" pitchFamily="50" charset="-127"/>
-              <a:ea typeface="Microsoft GothicNeo Light" panose="020B0300000101010101" pitchFamily="50" charset="-127"/>
-              <a:cs typeface="Microsoft GothicNeo Light" panose="020B0300000101010101" pitchFamily="50" charset="-127"/>
-              <a:sym typeface="Arial"/>
-            </a:endParaRPr>
-          </a:p>
-        </p:txBody>
-      </p:sp>
-      <p:cxnSp>
-        <p:nvCxnSpPr>
-          <p:cNvPr id="169" name="Google Shape;169;p3"/>
-          <p:cNvCxnSpPr>
-            <a:cxnSpLocks/>
-            <a:stCxn id="166" idx="1"/>
-            <a:endCxn id="168" idx="3"/>
-          </p:cNvCxnSpPr>
-          <p:nvPr/>
-        </p:nvCxnSpPr>
-        <p:spPr>
-          <a:xfrm flipH="1">
-            <a:off x="6572571" y="3209342"/>
-            <a:ext cx="2496641" cy="0"/>
-          </a:xfrm>
-          <a:prstGeom prst="straightConnector1">
-            <a:avLst/>
-          </a:prstGeom>
-          <a:noFill/>
-          <a:ln w="9525" cap="flat" cmpd="sng">
-            <a:solidFill>
-              <a:schemeClr val="dk2"/>
-            </a:solidFill>
-            <a:prstDash val="solid"/>
-            <a:round/>
-            <a:headEnd type="none" w="sm" len="sm"/>
-            <a:tailEnd type="triangle" w="med" len="med"/>
-          </a:ln>
-        </p:spPr>
-      </p:cxnSp>
-      <p:sp>
-        <p:nvSpPr>
-          <p:cNvPr id="170" name="Google Shape;170;p3"/>
-          <p:cNvSpPr/>
-          <p:nvPr/>
-        </p:nvSpPr>
-        <p:spPr>
-          <a:xfrm>
-            <a:off x="3737914" y="2587992"/>
-            <a:ext cx="1400162" cy="1253761"/>
-          </a:xfrm>
-          <a:prstGeom prst="roundRect">
-            <a:avLst>
-              <a:gd name="adj" fmla="val 16667"/>
-            </a:avLst>
-          </a:prstGeom>
-          <a:solidFill>
-            <a:srgbClr val="6D9EEB"/>
-          </a:solidFill>
-          <a:ln>
-            <a:noFill/>
-          </a:ln>
-        </p:spPr>
-        <p:txBody>
-          <a:bodyPr spcFirstLastPara="1" wrap="square" lIns="127975" tIns="127975" rIns="127975" bIns="127975" anchor="ctr" anchorCtr="0">
-            <a:noAutofit/>
-          </a:bodyPr>
-          <a:lstStyle/>
-          <a:p>
-            <a:pPr marL="0" marR="0" lvl="0" indent="0" algn="ctr" rtl="0">
-              <a:lnSpc>
-                <a:spcPct val="100000"/>
-              </a:lnSpc>
-              <a:spcBef>
-                <a:spcPts val="0"/>
-              </a:spcBef>
-              <a:spcAft>
-                <a:spcPts val="0"/>
-              </a:spcAft>
-              <a:buNone/>
-            </a:pPr>
-            <a:r>
-              <a:rPr lang="ko" sz="1100" b="0" i="0" u="none" strike="noStrike" cap="none" dirty="0">
+              </a:endParaRPr>
+            </a:p>
+            <a:p>
+              <a:pPr marL="0" marR="0" lvl="0" indent="0" algn="ctr" rtl="0">
+                <a:lnSpc>
+                  <a:spcPct val="100000"/>
+                </a:lnSpc>
+                <a:spcBef>
+                  <a:spcPts val="0"/>
+                </a:spcBef>
+                <a:spcAft>
+                  <a:spcPts val="0"/>
+                </a:spcAft>
+                <a:buNone/>
+              </a:pPr>
+              <a:endParaRPr lang="en-US" altLang="ko" sz="1100" b="0" i="0" u="none" strike="noStrike" cap="none" dirty="0">
                 <a:solidFill>
                   <a:schemeClr val="lt1"/>
                 </a:solidFill>
@@ -14834,58 +14888,35 @@
                 <a:ea typeface="Microsoft GothicNeo Light" panose="020B0300000101010101" pitchFamily="50" charset="-127"/>
                 <a:cs typeface="Microsoft GothicNeo Light" panose="020B0300000101010101" pitchFamily="50" charset="-127"/>
                 <a:sym typeface="Arial"/>
-              </a:rPr>
-              <a:t>키 입력 업데이트</a:t>
-            </a:r>
-            <a:endParaRPr lang="en-US" altLang="ko" sz="1100" b="0" i="0" u="none" strike="noStrike" cap="none" dirty="0">
-              <a:solidFill>
-                <a:schemeClr val="lt1"/>
-              </a:solidFill>
-              <a:latin typeface="Microsoft GothicNeo Light" panose="020B0300000101010101" pitchFamily="50" charset="-127"/>
-              <a:ea typeface="Microsoft GothicNeo Light" panose="020B0300000101010101" pitchFamily="50" charset="-127"/>
-              <a:cs typeface="Microsoft GothicNeo Light" panose="020B0300000101010101" pitchFamily="50" charset="-127"/>
-              <a:sym typeface="Arial"/>
-            </a:endParaRPr>
-          </a:p>
-          <a:p>
-            <a:pPr marL="0" marR="0" lvl="0" indent="0" algn="ctr" rtl="0">
-              <a:lnSpc>
-                <a:spcPct val="100000"/>
-              </a:lnSpc>
-              <a:spcBef>
-                <a:spcPts val="0"/>
-              </a:spcBef>
-              <a:spcAft>
-                <a:spcPts val="0"/>
-              </a:spcAft>
-              <a:buNone/>
-            </a:pPr>
-            <a:endParaRPr lang="en-US" altLang="ko" sz="1100" b="0" i="0" u="none" strike="noStrike" cap="none" dirty="0">
-              <a:solidFill>
-                <a:schemeClr val="lt1"/>
-              </a:solidFill>
-              <a:latin typeface="Microsoft GothicNeo Light" panose="020B0300000101010101" pitchFamily="50" charset="-127"/>
-              <a:ea typeface="Microsoft GothicNeo Light" panose="020B0300000101010101" pitchFamily="50" charset="-127"/>
-              <a:cs typeface="Microsoft GothicNeo Light" panose="020B0300000101010101" pitchFamily="50" charset="-127"/>
-              <a:sym typeface="Arial"/>
-            </a:endParaRPr>
-          </a:p>
-          <a:p>
-            <a:pPr marL="171450" marR="0" lvl="0" indent="-171450" rtl="0">
-              <a:lnSpc>
-                <a:spcPct val="100000"/>
-              </a:lnSpc>
-              <a:spcBef>
-                <a:spcPts val="0"/>
-              </a:spcBef>
-              <a:spcAft>
-                <a:spcPts val="0"/>
-              </a:spcAft>
-              <a:buFont typeface="Arial" panose="020B0604020202020204" pitchFamily="34" charset="0"/>
-              <a:buChar char="•"/>
-            </a:pPr>
-            <a:r>
-              <a:rPr lang="ko-KR" altLang="en-US" sz="1100" b="0" i="0" u="none" strike="noStrike" cap="none" dirty="0">
+              </a:endParaRPr>
+            </a:p>
+            <a:p>
+              <a:pPr marL="171450" marR="0" lvl="0" indent="-171450" rtl="0">
+                <a:lnSpc>
+                  <a:spcPct val="100000"/>
+                </a:lnSpc>
+                <a:spcBef>
+                  <a:spcPts val="0"/>
+                </a:spcBef>
+                <a:spcAft>
+                  <a:spcPts val="0"/>
+                </a:spcAft>
+                <a:buFont typeface="Arial" panose="020B0604020202020204" pitchFamily="34" charset="0"/>
+                <a:buChar char="•"/>
+              </a:pPr>
+              <a:r>
+                <a:rPr lang="ko-KR" altLang="en-US" sz="1100" b="0" i="0" u="none" strike="noStrike" cap="none" dirty="0">
+                  <a:solidFill>
+                    <a:schemeClr val="lt1"/>
+                  </a:solidFill>
+                  <a:latin typeface="Microsoft GothicNeo Light" panose="020B0300000101010101" pitchFamily="50" charset="-127"/>
+                  <a:ea typeface="Microsoft GothicNeo Light" panose="020B0300000101010101" pitchFamily="50" charset="-127"/>
+                  <a:cs typeface="Microsoft GothicNeo Light" panose="020B0300000101010101" pitchFamily="50" charset="-127"/>
+                  <a:sym typeface="Arial"/>
+                </a:rPr>
+                <a:t>이동</a:t>
+              </a:r>
+              <a:endParaRPr lang="en-US" altLang="ko-KR" sz="1100" b="0" i="0" u="none" strike="noStrike" cap="none" dirty="0">
                 <a:solidFill>
                   <a:schemeClr val="lt1"/>
                 </a:solidFill>
@@ -14893,69 +14924,69 @@
                 <a:ea typeface="Microsoft GothicNeo Light" panose="020B0300000101010101" pitchFamily="50" charset="-127"/>
                 <a:cs typeface="Microsoft GothicNeo Light" panose="020B0300000101010101" pitchFamily="50" charset="-127"/>
                 <a:sym typeface="Arial"/>
-              </a:rPr>
-              <a:t>이동</a:t>
-            </a:r>
-            <a:endParaRPr lang="en-US" altLang="ko-KR" sz="1100" b="0" i="0" u="none" strike="noStrike" cap="none" dirty="0">
-              <a:solidFill>
-                <a:schemeClr val="lt1"/>
-              </a:solidFill>
-              <a:latin typeface="Microsoft GothicNeo Light" panose="020B0300000101010101" pitchFamily="50" charset="-127"/>
-              <a:ea typeface="Microsoft GothicNeo Light" panose="020B0300000101010101" pitchFamily="50" charset="-127"/>
-              <a:cs typeface="Microsoft GothicNeo Light" panose="020B0300000101010101" pitchFamily="50" charset="-127"/>
-              <a:sym typeface="Arial"/>
-            </a:endParaRPr>
-          </a:p>
-          <a:p>
-            <a:pPr marL="171450" marR="0" lvl="0" indent="-171450" rtl="0">
-              <a:lnSpc>
-                <a:spcPct val="100000"/>
-              </a:lnSpc>
-              <a:spcBef>
-                <a:spcPts val="0"/>
-              </a:spcBef>
-              <a:spcAft>
-                <a:spcPts val="0"/>
-              </a:spcAft>
-              <a:buFont typeface="Arial" panose="020B0604020202020204" pitchFamily="34" charset="0"/>
-              <a:buChar char="•"/>
-            </a:pPr>
-            <a:r>
-              <a:rPr lang="ko-KR" altLang="en-US" sz="1100" dirty="0">
+              </a:endParaRPr>
+            </a:p>
+            <a:p>
+              <a:pPr marL="171450" marR="0" lvl="0" indent="-171450" rtl="0">
+                <a:lnSpc>
+                  <a:spcPct val="100000"/>
+                </a:lnSpc>
+                <a:spcBef>
+                  <a:spcPts val="0"/>
+                </a:spcBef>
+                <a:spcAft>
+                  <a:spcPts val="0"/>
+                </a:spcAft>
+                <a:buFont typeface="Arial" panose="020B0604020202020204" pitchFamily="34" charset="0"/>
+                <a:buChar char="•"/>
+              </a:pPr>
+              <a:r>
+                <a:rPr lang="ko-KR" altLang="en-US" sz="1100" dirty="0">
+                  <a:solidFill>
+                    <a:schemeClr val="lt1"/>
+                  </a:solidFill>
+                  <a:latin typeface="Microsoft GothicNeo Light" panose="020B0300000101010101" pitchFamily="50" charset="-127"/>
+                  <a:ea typeface="Microsoft GothicNeo Light" panose="020B0300000101010101" pitchFamily="50" charset="-127"/>
+                  <a:cs typeface="Microsoft GothicNeo Light" panose="020B0300000101010101" pitchFamily="50" charset="-127"/>
+                </a:rPr>
+                <a:t>공격</a:t>
+              </a:r>
+              <a:endParaRPr lang="en-US" altLang="ko-KR" sz="1100" dirty="0">
                 <a:solidFill>
                   <a:schemeClr val="lt1"/>
                 </a:solidFill>
                 <a:latin typeface="Microsoft GothicNeo Light" panose="020B0300000101010101" pitchFamily="50" charset="-127"/>
                 <a:ea typeface="Microsoft GothicNeo Light" panose="020B0300000101010101" pitchFamily="50" charset="-127"/>
                 <a:cs typeface="Microsoft GothicNeo Light" panose="020B0300000101010101" pitchFamily="50" charset="-127"/>
-              </a:rPr>
-              <a:t>공격</a:t>
-            </a:r>
-            <a:endParaRPr lang="en-US" altLang="ko-KR" sz="1100" dirty="0">
-              <a:solidFill>
-                <a:schemeClr val="lt1"/>
-              </a:solidFill>
-              <a:latin typeface="Microsoft GothicNeo Light" panose="020B0300000101010101" pitchFamily="50" charset="-127"/>
-              <a:ea typeface="Microsoft GothicNeo Light" panose="020B0300000101010101" pitchFamily="50" charset="-127"/>
-              <a:cs typeface="Microsoft GothicNeo Light" panose="020B0300000101010101" pitchFamily="50" charset="-127"/>
-            </a:endParaRPr>
-          </a:p>
-          <a:p>
-            <a:pPr marL="171450" marR="0" lvl="0" indent="-171450" rtl="0">
-              <a:lnSpc>
-                <a:spcPct val="100000"/>
-              </a:lnSpc>
-              <a:spcBef>
-                <a:spcPts val="0"/>
-              </a:spcBef>
-              <a:spcAft>
-                <a:spcPts val="0"/>
-              </a:spcAft>
-              <a:buFont typeface="Arial" panose="020B0604020202020204" pitchFamily="34" charset="0"/>
-              <a:buChar char="•"/>
-            </a:pPr>
-            <a:r>
-              <a:rPr lang="ko-KR" altLang="en-US" sz="1100" b="0" i="0" u="none" strike="noStrike" cap="none" dirty="0" err="1">
+              </a:endParaRPr>
+            </a:p>
+            <a:p>
+              <a:pPr marL="171450" marR="0" lvl="0" indent="-171450" rtl="0">
+                <a:lnSpc>
+                  <a:spcPct val="100000"/>
+                </a:lnSpc>
+                <a:spcBef>
+                  <a:spcPts val="0"/>
+                </a:spcBef>
+                <a:spcAft>
+                  <a:spcPts val="0"/>
+                </a:spcAft>
+                <a:buFont typeface="Arial" panose="020B0604020202020204" pitchFamily="34" charset="0"/>
+                <a:buChar char="•"/>
+              </a:pPr>
+              <a:r>
+                <a:rPr lang="ko-KR" altLang="en-US" sz="1100" b="0" i="0" u="none" strike="noStrike" cap="none" dirty="0" err="1">
+                  <a:solidFill>
+                    <a:schemeClr val="lt1"/>
+                  </a:solidFill>
+                  <a:latin typeface="Microsoft GothicNeo Light" panose="020B0300000101010101" pitchFamily="50" charset="-127"/>
+                  <a:ea typeface="Microsoft GothicNeo Light" panose="020B0300000101010101" pitchFamily="50" charset="-127"/>
+                  <a:cs typeface="Microsoft GothicNeo Light" panose="020B0300000101010101" pitchFamily="50" charset="-127"/>
+                  <a:sym typeface="Arial"/>
+                </a:rPr>
+                <a:t>데쉬</a:t>
+              </a:r>
+              <a:endParaRPr lang="en-US" altLang="ko-KR" sz="1100" b="0" i="0" u="none" strike="noStrike" cap="none" dirty="0">
                 <a:solidFill>
                   <a:schemeClr val="lt1"/>
                 </a:solidFill>
@@ -14963,91 +14994,91 @@
                 <a:ea typeface="Microsoft GothicNeo Light" panose="020B0300000101010101" pitchFamily="50" charset="-127"/>
                 <a:cs typeface="Microsoft GothicNeo Light" panose="020B0300000101010101" pitchFamily="50" charset="-127"/>
                 <a:sym typeface="Arial"/>
-              </a:rPr>
-              <a:t>데쉬</a:t>
-            </a:r>
-            <a:endParaRPr lang="en-US" altLang="ko-KR" sz="1100" b="0" i="0" u="none" strike="noStrike" cap="none" dirty="0">
+              </a:endParaRPr>
+            </a:p>
+          </p:txBody>
+        </p:sp>
+        <p:cxnSp>
+          <p:nvCxnSpPr>
+            <p:cNvPr id="171" name="Google Shape;171;p3"/>
+            <p:cNvCxnSpPr>
+              <a:cxnSpLocks/>
+              <a:stCxn id="168" idx="1"/>
+            </p:cNvCxnSpPr>
+            <p:nvPr/>
+          </p:nvCxnSpPr>
+          <p:spPr>
+            <a:xfrm flipH="1">
+              <a:off x="5138076" y="3209342"/>
+              <a:ext cx="337455" cy="0"/>
+            </a:xfrm>
+            <a:prstGeom prst="straightConnector1">
+              <a:avLst/>
+            </a:prstGeom>
+            <a:noFill/>
+            <a:ln w="9525" cap="flat" cmpd="sng">
               <a:solidFill>
-                <a:schemeClr val="lt1"/>
+                <a:schemeClr val="dk2"/>
               </a:solidFill>
-              <a:latin typeface="Microsoft GothicNeo Light" panose="020B0300000101010101" pitchFamily="50" charset="-127"/>
-              <a:ea typeface="Microsoft GothicNeo Light" panose="020B0300000101010101" pitchFamily="50" charset="-127"/>
-              <a:cs typeface="Microsoft GothicNeo Light" panose="020B0300000101010101" pitchFamily="50" charset="-127"/>
-              <a:sym typeface="Arial"/>
-            </a:endParaRPr>
-          </a:p>
-        </p:txBody>
-      </p:sp>
-      <p:cxnSp>
-        <p:nvCxnSpPr>
-          <p:cNvPr id="171" name="Google Shape;171;p3"/>
-          <p:cNvCxnSpPr>
-            <a:cxnSpLocks/>
-            <a:stCxn id="168" idx="1"/>
-          </p:cNvCxnSpPr>
-          <p:nvPr/>
-        </p:nvCxnSpPr>
-        <p:spPr>
-          <a:xfrm flipH="1">
-            <a:off x="5138076" y="3209342"/>
-            <a:ext cx="337455" cy="0"/>
-          </a:xfrm>
-          <a:prstGeom prst="straightConnector1">
-            <a:avLst/>
-          </a:prstGeom>
-          <a:noFill/>
-          <a:ln w="9525" cap="flat" cmpd="sng">
+              <a:prstDash val="solid"/>
+              <a:round/>
+              <a:headEnd type="none" w="sm" len="sm"/>
+              <a:tailEnd type="triangle" w="med" len="med"/>
+            </a:ln>
+          </p:spPr>
+        </p:cxnSp>
+        <p:sp>
+          <p:nvSpPr>
+            <p:cNvPr id="176" name="Google Shape;176;p3"/>
+            <p:cNvSpPr/>
+            <p:nvPr/>
+          </p:nvSpPr>
+          <p:spPr>
+            <a:xfrm>
+              <a:off x="1604259" y="3544742"/>
+              <a:ext cx="1996507" cy="880530"/>
+            </a:xfrm>
+            <a:prstGeom prst="flowChartDecision">
+              <a:avLst/>
+            </a:prstGeom>
             <a:solidFill>
-              <a:schemeClr val="dk2"/>
+              <a:srgbClr val="6D9EEB"/>
             </a:solidFill>
-            <a:prstDash val="solid"/>
-            <a:round/>
-            <a:headEnd type="none" w="sm" len="sm"/>
-            <a:tailEnd type="triangle" w="med" len="med"/>
-          </a:ln>
-        </p:spPr>
-      </p:cxnSp>
-      <p:sp>
-        <p:nvSpPr>
-          <p:cNvPr id="176" name="Google Shape;176;p3"/>
-          <p:cNvSpPr/>
-          <p:nvPr/>
-        </p:nvSpPr>
-        <p:spPr>
-          <a:xfrm>
-            <a:off x="1604259" y="3544742"/>
-            <a:ext cx="1996507" cy="880530"/>
-          </a:xfrm>
-          <a:prstGeom prst="flowChartDecision">
-            <a:avLst/>
-          </a:prstGeom>
-          <a:solidFill>
-            <a:srgbClr val="6D9EEB"/>
-          </a:solidFill>
-          <a:ln>
-            <a:noFill/>
-          </a:ln>
-        </p:spPr>
-        <p:txBody>
-          <a:bodyPr spcFirstLastPara="1" wrap="square" lIns="127975" tIns="127975" rIns="127975" bIns="127975" anchor="ctr" anchorCtr="0">
-            <a:noAutofit/>
-          </a:bodyPr>
-          <a:lstStyle/>
-          <a:p>
-            <a:pPr marL="0" marR="0" lvl="0" indent="0" algn="ctr" rtl="0">
-              <a:lnSpc>
-                <a:spcPct val="100000"/>
-              </a:lnSpc>
-              <a:spcBef>
-                <a:spcPts val="0"/>
-              </a:spcBef>
-              <a:spcAft>
-                <a:spcPts val="0"/>
-              </a:spcAft>
-              <a:buNone/>
-            </a:pPr>
-            <a:r>
-              <a:rPr lang="ko" sz="1100" b="0" i="0" u="none" strike="noStrike" cap="none">
+            <a:ln>
+              <a:noFill/>
+            </a:ln>
+          </p:spPr>
+          <p:txBody>
+            <a:bodyPr spcFirstLastPara="1" wrap="square" lIns="127975" tIns="127975" rIns="127975" bIns="127975" anchor="ctr" anchorCtr="0">
+              <a:noAutofit/>
+            </a:bodyPr>
+            <a:lstStyle/>
+            <a:p>
+              <a:pPr marL="0" marR="0" lvl="0" indent="0" algn="ctr" rtl="0">
+                <a:lnSpc>
+                  <a:spcPct val="100000"/>
+                </a:lnSpc>
+                <a:spcBef>
+                  <a:spcPts val="0"/>
+                </a:spcBef>
+                <a:spcAft>
+                  <a:spcPts val="0"/>
+                </a:spcAft>
+                <a:buNone/>
+              </a:pPr>
+              <a:r>
+                <a:rPr lang="ko" sz="1100" b="0" i="0" u="none" strike="noStrike" cap="none">
+                  <a:solidFill>
+                    <a:schemeClr val="lt1"/>
+                  </a:solidFill>
+                  <a:latin typeface="Microsoft GothicNeo Light" panose="020B0300000101010101" pitchFamily="50" charset="-127"/>
+                  <a:ea typeface="Microsoft GothicNeo Light" panose="020B0300000101010101" pitchFamily="50" charset="-127"/>
+                  <a:cs typeface="Microsoft GothicNeo Light" panose="020B0300000101010101" pitchFamily="50" charset="-127"/>
+                  <a:sym typeface="Arial"/>
+                </a:rPr>
+                <a:t>충돌 체크</a:t>
+              </a:r>
+              <a:endParaRPr sz="1100" b="0" i="0" u="none" strike="noStrike" cap="none">
                 <a:solidFill>
                   <a:schemeClr val="lt1"/>
                 </a:solidFill>
@@ -15055,64 +15086,64 @@
                 <a:ea typeface="Microsoft GothicNeo Light" panose="020B0300000101010101" pitchFamily="50" charset="-127"/>
                 <a:cs typeface="Microsoft GothicNeo Light" panose="020B0300000101010101" pitchFamily="50" charset="-127"/>
                 <a:sym typeface="Arial"/>
-              </a:rPr>
-              <a:t>충돌 체크</a:t>
-            </a:r>
-            <a:endParaRPr sz="1100" b="0" i="0" u="none" strike="noStrike" cap="none">
-              <a:solidFill>
-                <a:schemeClr val="lt1"/>
-              </a:solidFill>
-              <a:latin typeface="Microsoft GothicNeo Light" panose="020B0300000101010101" pitchFamily="50" charset="-127"/>
-              <a:ea typeface="Microsoft GothicNeo Light" panose="020B0300000101010101" pitchFamily="50" charset="-127"/>
-              <a:cs typeface="Microsoft GothicNeo Light" panose="020B0300000101010101" pitchFamily="50" charset="-127"/>
-              <a:sym typeface="Arial"/>
-            </a:endParaRPr>
-          </a:p>
-        </p:txBody>
-      </p:sp>
-      <p:sp>
-        <p:nvSpPr>
-          <p:cNvPr id="178" name="Google Shape;178;p3"/>
-          <p:cNvSpPr/>
-          <p:nvPr/>
-        </p:nvSpPr>
-        <p:spPr>
-          <a:xfrm>
-            <a:off x="3889475" y="4381213"/>
-            <a:ext cx="1097040" cy="403064"/>
-          </a:xfrm>
-          <a:prstGeom prst="roundRect">
-            <a:avLst>
-              <a:gd name="adj" fmla="val 16667"/>
-            </a:avLst>
-          </a:prstGeom>
-          <a:solidFill>
-            <a:srgbClr val="6D9EEB"/>
-          </a:solidFill>
-          <a:ln>
-            <a:noFill/>
-          </a:ln>
-        </p:spPr>
-        <p:txBody>
-          <a:bodyPr spcFirstLastPara="1" wrap="square" lIns="127975" tIns="127975" rIns="127975" bIns="127975" anchor="ctr" anchorCtr="0">
-            <a:noAutofit/>
-          </a:bodyPr>
-          <a:lstStyle/>
-          <a:p>
-            <a:pPr marL="0" marR="0" lvl="0" indent="0" algn="ctr" rtl="0">
-              <a:lnSpc>
-                <a:spcPct val="100000"/>
-              </a:lnSpc>
-              <a:spcBef>
-                <a:spcPts val="0"/>
-              </a:spcBef>
-              <a:spcAft>
-                <a:spcPts val="0"/>
-              </a:spcAft>
-              <a:buNone/>
-            </a:pPr>
-            <a:r>
-              <a:rPr lang="ko" sz="1100" b="0" i="0" u="none" strike="noStrike" cap="none">
+              </a:endParaRPr>
+            </a:p>
+          </p:txBody>
+        </p:sp>
+        <p:sp>
+          <p:nvSpPr>
+            <p:cNvPr id="178" name="Google Shape;178;p3"/>
+            <p:cNvSpPr/>
+            <p:nvPr/>
+          </p:nvSpPr>
+          <p:spPr>
+            <a:xfrm>
+              <a:off x="3889475" y="4381213"/>
+              <a:ext cx="1097040" cy="403064"/>
+            </a:xfrm>
+            <a:prstGeom prst="roundRect">
+              <a:avLst>
+                <a:gd name="adj" fmla="val 16667"/>
+              </a:avLst>
+            </a:prstGeom>
+            <a:solidFill>
+              <a:srgbClr val="6D9EEB"/>
+            </a:solidFill>
+            <a:ln>
+              <a:noFill/>
+            </a:ln>
+          </p:spPr>
+          <p:txBody>
+            <a:bodyPr spcFirstLastPara="1" wrap="square" lIns="127975" tIns="127975" rIns="127975" bIns="127975" anchor="ctr" anchorCtr="0">
+              <a:noAutofit/>
+            </a:bodyPr>
+            <a:lstStyle/>
+            <a:p>
+              <a:pPr marL="0" marR="0" lvl="0" indent="0" algn="ctr" rtl="0">
+                <a:lnSpc>
+                  <a:spcPct val="100000"/>
+                </a:lnSpc>
+                <a:spcBef>
+                  <a:spcPts val="0"/>
+                </a:spcBef>
+                <a:spcAft>
+                  <a:spcPts val="0"/>
+                </a:spcAft>
+                <a:buNone/>
+              </a:pPr>
+              <a:r>
+                <a:rPr lang="ko" sz="1100" b="0" i="0" u="none" strike="noStrike" cap="none">
+                  <a:solidFill>
+                    <a:schemeClr val="lt1"/>
+                  </a:solidFill>
+                  <a:latin typeface="Microsoft GothicNeo Light" panose="020B0300000101010101" pitchFamily="50" charset="-127"/>
+                  <a:ea typeface="Microsoft GothicNeo Light" panose="020B0300000101010101" pitchFamily="50" charset="-127"/>
+                  <a:cs typeface="Microsoft GothicNeo Light" panose="020B0300000101010101" pitchFamily="50" charset="-127"/>
+                  <a:sym typeface="Arial"/>
+                </a:rPr>
+                <a:t>상태 변화 send</a:t>
+              </a:r>
+              <a:endParaRPr sz="1100" b="0" i="0" u="none" strike="noStrike" cap="none">
                 <a:solidFill>
                   <a:schemeClr val="lt1"/>
                 </a:solidFill>
@@ -15120,64 +15151,64 @@
                 <a:ea typeface="Microsoft GothicNeo Light" panose="020B0300000101010101" pitchFamily="50" charset="-127"/>
                 <a:cs typeface="Microsoft GothicNeo Light" panose="020B0300000101010101" pitchFamily="50" charset="-127"/>
                 <a:sym typeface="Arial"/>
-              </a:rPr>
-              <a:t>상태 변화 send</a:t>
-            </a:r>
-            <a:endParaRPr sz="1100" b="0" i="0" u="none" strike="noStrike" cap="none">
-              <a:solidFill>
-                <a:schemeClr val="lt1"/>
-              </a:solidFill>
-              <a:latin typeface="Microsoft GothicNeo Light" panose="020B0300000101010101" pitchFamily="50" charset="-127"/>
-              <a:ea typeface="Microsoft GothicNeo Light" panose="020B0300000101010101" pitchFamily="50" charset="-127"/>
-              <a:cs typeface="Microsoft GothicNeo Light" panose="020B0300000101010101" pitchFamily="50" charset="-127"/>
-              <a:sym typeface="Arial"/>
-            </a:endParaRPr>
-          </a:p>
-        </p:txBody>
-      </p:sp>
-      <p:sp>
-        <p:nvSpPr>
-          <p:cNvPr id="179" name="Google Shape;179;p3"/>
-          <p:cNvSpPr/>
-          <p:nvPr/>
-        </p:nvSpPr>
-        <p:spPr>
-          <a:xfrm>
-            <a:off x="7626286" y="4381213"/>
-            <a:ext cx="1097040" cy="403064"/>
-          </a:xfrm>
-          <a:prstGeom prst="roundRect">
-            <a:avLst>
-              <a:gd name="adj" fmla="val 16667"/>
-            </a:avLst>
-          </a:prstGeom>
-          <a:solidFill>
-            <a:srgbClr val="E06666"/>
-          </a:solidFill>
-          <a:ln>
-            <a:noFill/>
-          </a:ln>
-        </p:spPr>
-        <p:txBody>
-          <a:bodyPr spcFirstLastPara="1" wrap="square" lIns="127975" tIns="127975" rIns="127975" bIns="127975" anchor="ctr" anchorCtr="0">
-            <a:noAutofit/>
-          </a:bodyPr>
-          <a:lstStyle/>
-          <a:p>
-            <a:pPr marL="0" marR="0" lvl="0" indent="0" algn="ctr" rtl="0">
-              <a:lnSpc>
-                <a:spcPct val="100000"/>
-              </a:lnSpc>
-              <a:spcBef>
-                <a:spcPts val="0"/>
-              </a:spcBef>
-              <a:spcAft>
-                <a:spcPts val="0"/>
-              </a:spcAft>
-              <a:buNone/>
-            </a:pPr>
-            <a:r>
-              <a:rPr lang="ko" sz="1100" b="0" i="0" u="none" strike="noStrike" cap="none" dirty="0">
+              </a:endParaRPr>
+            </a:p>
+          </p:txBody>
+        </p:sp>
+        <p:sp>
+          <p:nvSpPr>
+            <p:cNvPr id="179" name="Google Shape;179;p3"/>
+            <p:cNvSpPr/>
+            <p:nvPr/>
+          </p:nvSpPr>
+          <p:spPr>
+            <a:xfrm>
+              <a:off x="7626286" y="4381213"/>
+              <a:ext cx="1097040" cy="403064"/>
+            </a:xfrm>
+            <a:prstGeom prst="roundRect">
+              <a:avLst>
+                <a:gd name="adj" fmla="val 16667"/>
+              </a:avLst>
+            </a:prstGeom>
+            <a:solidFill>
+              <a:srgbClr val="E06666"/>
+            </a:solidFill>
+            <a:ln>
+              <a:noFill/>
+            </a:ln>
+          </p:spPr>
+          <p:txBody>
+            <a:bodyPr spcFirstLastPara="1" wrap="square" lIns="127975" tIns="127975" rIns="127975" bIns="127975" anchor="ctr" anchorCtr="0">
+              <a:noAutofit/>
+            </a:bodyPr>
+            <a:lstStyle/>
+            <a:p>
+              <a:pPr marL="0" marR="0" lvl="0" indent="0" algn="ctr" rtl="0">
+                <a:lnSpc>
+                  <a:spcPct val="100000"/>
+                </a:lnSpc>
+                <a:spcBef>
+                  <a:spcPts val="0"/>
+                </a:spcBef>
+                <a:spcAft>
+                  <a:spcPts val="0"/>
+                </a:spcAft>
+                <a:buNone/>
+              </a:pPr>
+              <a:r>
+                <a:rPr lang="ko" sz="1100" b="0" i="0" u="none" strike="noStrike" cap="none" dirty="0">
+                  <a:solidFill>
+                    <a:schemeClr val="lt1"/>
+                  </a:solidFill>
+                  <a:latin typeface="Microsoft GothicNeo Light" panose="020B0300000101010101" pitchFamily="50" charset="-127"/>
+                  <a:ea typeface="Microsoft GothicNeo Light" panose="020B0300000101010101" pitchFamily="50" charset="-127"/>
+                  <a:cs typeface="Microsoft GothicNeo Light" panose="020B0300000101010101" pitchFamily="50" charset="-127"/>
+                  <a:sym typeface="Arial"/>
+                </a:rPr>
+                <a:t>상태 결과 recv</a:t>
+              </a:r>
+              <a:endParaRPr sz="1100" b="0" i="0" u="none" strike="noStrike" cap="none" dirty="0">
                 <a:solidFill>
                   <a:schemeClr val="lt1"/>
                 </a:solidFill>
@@ -15185,118 +15216,118 @@
                 <a:ea typeface="Microsoft GothicNeo Light" panose="020B0300000101010101" pitchFamily="50" charset="-127"/>
                 <a:cs typeface="Microsoft GothicNeo Light" panose="020B0300000101010101" pitchFamily="50" charset="-127"/>
                 <a:sym typeface="Arial"/>
-              </a:rPr>
-              <a:t>상태 결과 recv</a:t>
-            </a:r>
-            <a:endParaRPr sz="1100" b="0" i="0" u="none" strike="noStrike" cap="none" dirty="0">
+              </a:endParaRPr>
+            </a:p>
+          </p:txBody>
+        </p:sp>
+        <p:cxnSp>
+          <p:nvCxnSpPr>
+            <p:cNvPr id="180" name="Google Shape;180;p3"/>
+            <p:cNvCxnSpPr>
+              <a:cxnSpLocks/>
+              <a:stCxn id="178" idx="3"/>
+              <a:endCxn id="179" idx="1"/>
+            </p:cNvCxnSpPr>
+            <p:nvPr/>
+          </p:nvCxnSpPr>
+          <p:spPr>
+            <a:xfrm>
+              <a:off x="4986515" y="4582745"/>
+              <a:ext cx="2639771" cy="0"/>
+            </a:xfrm>
+            <a:prstGeom prst="straightConnector1">
+              <a:avLst/>
+            </a:prstGeom>
+            <a:noFill/>
+            <a:ln w="9525" cap="flat" cmpd="sng">
               <a:solidFill>
-                <a:schemeClr val="lt1"/>
+                <a:schemeClr val="dk2"/>
               </a:solidFill>
-              <a:latin typeface="Microsoft GothicNeo Light" panose="020B0300000101010101" pitchFamily="50" charset="-127"/>
-              <a:ea typeface="Microsoft GothicNeo Light" panose="020B0300000101010101" pitchFamily="50" charset="-127"/>
-              <a:cs typeface="Microsoft GothicNeo Light" panose="020B0300000101010101" pitchFamily="50" charset="-127"/>
-              <a:sym typeface="Arial"/>
-            </a:endParaRPr>
-          </a:p>
-        </p:txBody>
-      </p:sp>
-      <p:cxnSp>
-        <p:nvCxnSpPr>
-          <p:cNvPr id="180" name="Google Shape;180;p3"/>
-          <p:cNvCxnSpPr>
-            <a:cxnSpLocks/>
-            <a:stCxn id="178" idx="3"/>
-            <a:endCxn id="179" idx="1"/>
-          </p:cNvCxnSpPr>
-          <p:nvPr/>
-        </p:nvCxnSpPr>
-        <p:spPr>
-          <a:xfrm>
-            <a:off x="4986515" y="4582745"/>
-            <a:ext cx="2639771" cy="0"/>
-          </a:xfrm>
-          <a:prstGeom prst="straightConnector1">
-            <a:avLst/>
-          </a:prstGeom>
-          <a:noFill/>
-          <a:ln w="9525" cap="flat" cmpd="sng">
-            <a:solidFill>
-              <a:schemeClr val="dk2"/>
-            </a:solidFill>
-            <a:prstDash val="solid"/>
-            <a:round/>
-            <a:headEnd type="none" w="sm" len="sm"/>
-            <a:tailEnd type="triangle" w="med" len="med"/>
-          </a:ln>
-        </p:spPr>
-      </p:cxnSp>
-      <p:cxnSp>
-        <p:nvCxnSpPr>
-          <p:cNvPr id="181" name="Google Shape;181;p3"/>
-          <p:cNvCxnSpPr>
-            <a:stCxn id="179" idx="3"/>
-          </p:cNvCxnSpPr>
-          <p:nvPr/>
-        </p:nvCxnSpPr>
-        <p:spPr>
-          <a:xfrm rot="10800000" flipH="1">
-            <a:off x="8723326" y="4578198"/>
-            <a:ext cx="481005" cy="4548"/>
-          </a:xfrm>
-          <a:prstGeom prst="straightConnector1">
-            <a:avLst/>
-          </a:prstGeom>
-          <a:noFill/>
-          <a:ln w="9525" cap="flat" cmpd="sng">
-            <a:solidFill>
-              <a:schemeClr val="dk2"/>
-            </a:solidFill>
-            <a:prstDash val="solid"/>
-            <a:round/>
-            <a:headEnd type="none" w="sm" len="sm"/>
-            <a:tailEnd type="triangle" w="med" len="med"/>
-          </a:ln>
-        </p:spPr>
-      </p:cxnSp>
-      <p:sp>
-        <p:nvSpPr>
-          <p:cNvPr id="183" name="Google Shape;183;p3"/>
-          <p:cNvSpPr txBox="1"/>
-          <p:nvPr/>
-        </p:nvSpPr>
-        <p:spPr>
-          <a:xfrm>
-            <a:off x="2610878" y="4242985"/>
-            <a:ext cx="1286994" cy="504671"/>
-          </a:xfrm>
-          <a:prstGeom prst="rect">
-            <a:avLst/>
-          </a:prstGeom>
-          <a:noFill/>
-          <a:ln>
+              <a:prstDash val="solid"/>
+              <a:round/>
+              <a:headEnd type="none" w="sm" len="sm"/>
+              <a:tailEnd type="triangle" w="med" len="med"/>
+            </a:ln>
+          </p:spPr>
+        </p:cxnSp>
+        <p:cxnSp>
+          <p:nvCxnSpPr>
+            <p:cNvPr id="181" name="Google Shape;181;p3"/>
+            <p:cNvCxnSpPr>
+              <a:stCxn id="179" idx="3"/>
+            </p:cNvCxnSpPr>
+            <p:nvPr/>
+          </p:nvCxnSpPr>
+          <p:spPr>
+            <a:xfrm rot="10800000" flipH="1">
+              <a:off x="8723326" y="4578198"/>
+              <a:ext cx="481005" cy="4548"/>
+            </a:xfrm>
+            <a:prstGeom prst="straightConnector1">
+              <a:avLst/>
+            </a:prstGeom>
             <a:noFill/>
-          </a:ln>
-        </p:spPr>
-        <p:txBody>
-          <a:bodyPr spcFirstLastPara="1" wrap="square" lIns="127975" tIns="127975" rIns="127975" bIns="127975" anchor="t" anchorCtr="0">
-            <a:spAutoFit/>
-          </a:bodyPr>
-          <a:lstStyle/>
-          <a:p>
-            <a:pPr marL="0" marR="0" lvl="0" indent="0" algn="l" rtl="0">
-              <a:lnSpc>
-                <a:spcPct val="100000"/>
-              </a:lnSpc>
-              <a:spcBef>
-                <a:spcPts val="0"/>
-              </a:spcBef>
-              <a:spcAft>
-                <a:spcPts val="0"/>
-              </a:spcAft>
-              <a:buNone/>
-            </a:pPr>
-            <a:r>
-              <a:rPr lang="ko" sz="1600" b="0" i="0" u="none" strike="noStrike" cap="none" dirty="0">
+            <a:ln w="9525" cap="flat" cmpd="sng">
+              <a:solidFill>
+                <a:schemeClr val="dk2"/>
+              </a:solidFill>
+              <a:prstDash val="solid"/>
+              <a:round/>
+              <a:headEnd type="none" w="sm" len="sm"/>
+              <a:tailEnd type="triangle" w="med" len="med"/>
+            </a:ln>
+          </p:spPr>
+        </p:cxnSp>
+        <p:sp>
+          <p:nvSpPr>
+            <p:cNvPr id="183" name="Google Shape;183;p3"/>
+            <p:cNvSpPr txBox="1"/>
+            <p:nvPr/>
+          </p:nvSpPr>
+          <p:spPr>
+            <a:xfrm>
+              <a:off x="2610878" y="4242985"/>
+              <a:ext cx="1286994" cy="504671"/>
+            </a:xfrm>
+            <a:prstGeom prst="rect">
+              <a:avLst/>
+            </a:prstGeom>
+            <a:noFill/>
+            <a:ln>
+              <a:noFill/>
+            </a:ln>
+          </p:spPr>
+          <p:txBody>
+            <a:bodyPr spcFirstLastPara="1" wrap="square" lIns="127975" tIns="127975" rIns="127975" bIns="127975" anchor="t" anchorCtr="0">
+              <a:spAutoFit/>
+            </a:bodyPr>
+            <a:lstStyle/>
+            <a:p>
+              <a:pPr marL="0" marR="0" lvl="0" indent="0" algn="l" rtl="0">
+                <a:lnSpc>
+                  <a:spcPct val="100000"/>
+                </a:lnSpc>
+                <a:spcBef>
+                  <a:spcPts val="0"/>
+                </a:spcBef>
+                <a:spcAft>
+                  <a:spcPts val="0"/>
+                </a:spcAft>
+                <a:buNone/>
+              </a:pPr>
+              <a:r>
+                <a:rPr lang="ko" sz="1600" b="0" i="0" u="none" strike="noStrike" cap="none" dirty="0">
+                  <a:solidFill>
+                    <a:srgbClr val="000000"/>
+                  </a:solidFill>
+                  <a:latin typeface="Microsoft GothicNeo Light" panose="020B0300000101010101" pitchFamily="50" charset="-127"/>
+                  <a:ea typeface="Microsoft GothicNeo Light" panose="020B0300000101010101" pitchFamily="50" charset="-127"/>
+                  <a:cs typeface="Microsoft GothicNeo Light" panose="020B0300000101010101" pitchFamily="50" charset="-127"/>
+                  <a:sym typeface="Arial"/>
+                </a:rPr>
+                <a:t>NO</a:t>
+              </a:r>
+              <a:endParaRPr sz="1600" b="0" i="0" u="none" strike="noStrike" cap="none" dirty="0">
                 <a:solidFill>
                   <a:srgbClr val="000000"/>
                 </a:solidFill>
@@ -15304,64 +15335,64 @@
                 <a:ea typeface="Microsoft GothicNeo Light" panose="020B0300000101010101" pitchFamily="50" charset="-127"/>
                 <a:cs typeface="Microsoft GothicNeo Light" panose="020B0300000101010101" pitchFamily="50" charset="-127"/>
                 <a:sym typeface="Arial"/>
-              </a:rPr>
-              <a:t>NO</a:t>
-            </a:r>
-            <a:endParaRPr sz="1600" b="0" i="0" u="none" strike="noStrike" cap="none" dirty="0">
-              <a:solidFill>
-                <a:srgbClr val="000000"/>
-              </a:solidFill>
-              <a:latin typeface="Microsoft GothicNeo Light" panose="020B0300000101010101" pitchFamily="50" charset="-127"/>
-              <a:ea typeface="Microsoft GothicNeo Light" panose="020B0300000101010101" pitchFamily="50" charset="-127"/>
-              <a:cs typeface="Microsoft GothicNeo Light" panose="020B0300000101010101" pitchFamily="50" charset="-127"/>
-              <a:sym typeface="Arial"/>
-            </a:endParaRPr>
-          </a:p>
-        </p:txBody>
-      </p:sp>
-      <p:sp>
-        <p:nvSpPr>
-          <p:cNvPr id="184" name="Google Shape;184;p3"/>
-          <p:cNvSpPr/>
-          <p:nvPr/>
-        </p:nvSpPr>
-        <p:spPr>
-          <a:xfrm>
-            <a:off x="507220" y="5067884"/>
-            <a:ext cx="1097040" cy="403064"/>
-          </a:xfrm>
-          <a:prstGeom prst="roundRect">
-            <a:avLst>
-              <a:gd name="adj" fmla="val 16667"/>
-            </a:avLst>
-          </a:prstGeom>
-          <a:solidFill>
-            <a:srgbClr val="6D9EEB"/>
-          </a:solidFill>
-          <a:ln>
-            <a:noFill/>
-          </a:ln>
-        </p:spPr>
-        <p:txBody>
-          <a:bodyPr spcFirstLastPara="1" wrap="square" lIns="127975" tIns="127975" rIns="127975" bIns="127975" anchor="ctr" anchorCtr="0">
-            <a:noAutofit/>
-          </a:bodyPr>
-          <a:lstStyle/>
-          <a:p>
-            <a:pPr marL="0" marR="0" lvl="0" indent="0" algn="ctr" rtl="0">
-              <a:lnSpc>
-                <a:spcPct val="100000"/>
-              </a:lnSpc>
-              <a:spcBef>
-                <a:spcPts val="0"/>
-              </a:spcBef>
-              <a:spcAft>
-                <a:spcPts val="0"/>
-              </a:spcAft>
-              <a:buNone/>
-            </a:pPr>
-            <a:r>
-              <a:rPr lang="ko" sz="1100" b="0" i="0" u="none" strike="noStrike" cap="none">
+              </a:endParaRPr>
+            </a:p>
+          </p:txBody>
+        </p:sp>
+        <p:sp>
+          <p:nvSpPr>
+            <p:cNvPr id="184" name="Google Shape;184;p3"/>
+            <p:cNvSpPr/>
+            <p:nvPr/>
+          </p:nvSpPr>
+          <p:spPr>
+            <a:xfrm>
+              <a:off x="507220" y="5067884"/>
+              <a:ext cx="1097040" cy="403064"/>
+            </a:xfrm>
+            <a:prstGeom prst="roundRect">
+              <a:avLst>
+                <a:gd name="adj" fmla="val 16667"/>
+              </a:avLst>
+            </a:prstGeom>
+            <a:solidFill>
+              <a:srgbClr val="6D9EEB"/>
+            </a:solidFill>
+            <a:ln>
+              <a:noFill/>
+            </a:ln>
+          </p:spPr>
+          <p:txBody>
+            <a:bodyPr spcFirstLastPara="1" wrap="square" lIns="127975" tIns="127975" rIns="127975" bIns="127975" anchor="ctr" anchorCtr="0">
+              <a:noAutofit/>
+            </a:bodyPr>
+            <a:lstStyle/>
+            <a:p>
+              <a:pPr marL="0" marR="0" lvl="0" indent="0" algn="ctr" rtl="0">
+                <a:lnSpc>
+                  <a:spcPct val="100000"/>
+                </a:lnSpc>
+                <a:spcBef>
+                  <a:spcPts val="0"/>
+                </a:spcBef>
+                <a:spcAft>
+                  <a:spcPts val="0"/>
+                </a:spcAft>
+                <a:buNone/>
+              </a:pPr>
+              <a:r>
+                <a:rPr lang="ko" sz="1100" b="0" i="0" u="none" strike="noStrike" cap="none">
+                  <a:solidFill>
+                    <a:schemeClr val="lt1"/>
+                  </a:solidFill>
+                  <a:latin typeface="Microsoft GothicNeo Light" panose="020B0300000101010101" pitchFamily="50" charset="-127"/>
+                  <a:ea typeface="Microsoft GothicNeo Light" panose="020B0300000101010101" pitchFamily="50" charset="-127"/>
+                  <a:cs typeface="Microsoft GothicNeo Light" panose="020B0300000101010101" pitchFamily="50" charset="-127"/>
+                  <a:sym typeface="Arial"/>
+                </a:rPr>
+                <a:t>캐릭터 업데이트</a:t>
+              </a:r>
+              <a:endParaRPr sz="1100" b="0" i="0" u="none" strike="noStrike" cap="none">
                 <a:solidFill>
                   <a:schemeClr val="lt1"/>
                 </a:solidFill>
@@ -15369,60 +15400,60 @@
                 <a:ea typeface="Microsoft GothicNeo Light" panose="020B0300000101010101" pitchFamily="50" charset="-127"/>
                 <a:cs typeface="Microsoft GothicNeo Light" panose="020B0300000101010101" pitchFamily="50" charset="-127"/>
                 <a:sym typeface="Arial"/>
-              </a:rPr>
-              <a:t>캐릭터 업데이트</a:t>
-            </a:r>
-            <a:endParaRPr sz="1100" b="0" i="0" u="none" strike="noStrike" cap="none">
-              <a:solidFill>
-                <a:schemeClr val="lt1"/>
-              </a:solidFill>
-              <a:latin typeface="Microsoft GothicNeo Light" panose="020B0300000101010101" pitchFamily="50" charset="-127"/>
-              <a:ea typeface="Microsoft GothicNeo Light" panose="020B0300000101010101" pitchFamily="50" charset="-127"/>
-              <a:cs typeface="Microsoft GothicNeo Light" panose="020B0300000101010101" pitchFamily="50" charset="-127"/>
-              <a:sym typeface="Arial"/>
-            </a:endParaRPr>
-          </a:p>
-        </p:txBody>
-      </p:sp>
-      <p:sp>
-        <p:nvSpPr>
-          <p:cNvPr id="185" name="Google Shape;185;p3"/>
-          <p:cNvSpPr txBox="1"/>
-          <p:nvPr/>
-        </p:nvSpPr>
-        <p:spPr>
-          <a:xfrm>
-            <a:off x="1034167" y="3629070"/>
-            <a:ext cx="723851" cy="504671"/>
-          </a:xfrm>
-          <a:prstGeom prst="rect">
-            <a:avLst/>
-          </a:prstGeom>
-          <a:noFill/>
-          <a:ln>
+              </a:endParaRPr>
+            </a:p>
+          </p:txBody>
+        </p:sp>
+        <p:sp>
+          <p:nvSpPr>
+            <p:cNvPr id="185" name="Google Shape;185;p3"/>
+            <p:cNvSpPr txBox="1"/>
+            <p:nvPr/>
+          </p:nvSpPr>
+          <p:spPr>
+            <a:xfrm>
+              <a:off x="1034167" y="3629070"/>
+              <a:ext cx="723851" cy="504671"/>
+            </a:xfrm>
+            <a:prstGeom prst="rect">
+              <a:avLst/>
+            </a:prstGeom>
             <a:noFill/>
-          </a:ln>
-        </p:spPr>
-        <p:txBody>
-          <a:bodyPr spcFirstLastPara="1" wrap="square" lIns="127975" tIns="127975" rIns="127975" bIns="127975" anchor="t" anchorCtr="0">
-            <a:spAutoFit/>
-          </a:bodyPr>
-          <a:lstStyle/>
-          <a:p>
-            <a:pPr marL="0" marR="0" lvl="0" indent="0" algn="l" rtl="0">
-              <a:lnSpc>
-                <a:spcPct val="100000"/>
-              </a:lnSpc>
-              <a:spcBef>
-                <a:spcPts val="0"/>
-              </a:spcBef>
-              <a:spcAft>
-                <a:spcPts val="0"/>
-              </a:spcAft>
-              <a:buNone/>
-            </a:pPr>
-            <a:r>
-              <a:rPr lang="ko" sz="1600" b="0" i="0" u="none" strike="noStrike" cap="none">
+            <a:ln>
+              <a:noFill/>
+            </a:ln>
+          </p:spPr>
+          <p:txBody>
+            <a:bodyPr spcFirstLastPara="1" wrap="square" lIns="127975" tIns="127975" rIns="127975" bIns="127975" anchor="t" anchorCtr="0">
+              <a:spAutoFit/>
+            </a:bodyPr>
+            <a:lstStyle/>
+            <a:p>
+              <a:pPr marL="0" marR="0" lvl="0" indent="0" algn="l" rtl="0">
+                <a:lnSpc>
+                  <a:spcPct val="100000"/>
+                </a:lnSpc>
+                <a:spcBef>
+                  <a:spcPts val="0"/>
+                </a:spcBef>
+                <a:spcAft>
+                  <a:spcPts val="0"/>
+                </a:spcAft>
+                <a:buNone/>
+              </a:pPr>
+              <a:r>
+                <a:rPr lang="ko" sz="1600" b="0" i="0" u="none" strike="noStrike" cap="none">
+                  <a:solidFill>
+                    <a:srgbClr val="000000"/>
+                  </a:solidFill>
+                  <a:latin typeface="Microsoft GothicNeo Light" panose="020B0300000101010101" pitchFamily="50" charset="-127"/>
+                  <a:ea typeface="Microsoft GothicNeo Light" panose="020B0300000101010101" pitchFamily="50" charset="-127"/>
+                  <a:cs typeface="Microsoft GothicNeo Light" panose="020B0300000101010101" pitchFamily="50" charset="-127"/>
+                  <a:sym typeface="Arial"/>
+                </a:rPr>
+                <a:t>YES</a:t>
+              </a:r>
+              <a:endParaRPr sz="1600" b="0" i="0" u="none" strike="noStrike" cap="none">
                 <a:solidFill>
                   <a:srgbClr val="000000"/>
                 </a:solidFill>
@@ -15430,64 +15461,64 @@
                 <a:ea typeface="Microsoft GothicNeo Light" panose="020B0300000101010101" pitchFamily="50" charset="-127"/>
                 <a:cs typeface="Microsoft GothicNeo Light" panose="020B0300000101010101" pitchFamily="50" charset="-127"/>
                 <a:sym typeface="Arial"/>
-              </a:rPr>
-              <a:t>YES</a:t>
-            </a:r>
-            <a:endParaRPr sz="1600" b="0" i="0" u="none" strike="noStrike" cap="none">
-              <a:solidFill>
-                <a:srgbClr val="000000"/>
-              </a:solidFill>
-              <a:latin typeface="Microsoft GothicNeo Light" panose="020B0300000101010101" pitchFamily="50" charset="-127"/>
-              <a:ea typeface="Microsoft GothicNeo Light" panose="020B0300000101010101" pitchFamily="50" charset="-127"/>
-              <a:cs typeface="Microsoft GothicNeo Light" panose="020B0300000101010101" pitchFamily="50" charset="-127"/>
-              <a:sym typeface="Arial"/>
-            </a:endParaRPr>
-          </a:p>
-        </p:txBody>
-      </p:sp>
-      <p:sp>
-        <p:nvSpPr>
-          <p:cNvPr id="186" name="Google Shape;186;p3"/>
-          <p:cNvSpPr/>
-          <p:nvPr/>
-        </p:nvSpPr>
-        <p:spPr>
-          <a:xfrm>
-            <a:off x="9212422" y="4410476"/>
-            <a:ext cx="2237920" cy="1060472"/>
-          </a:xfrm>
-          <a:prstGeom prst="roundRect">
-            <a:avLst>
-              <a:gd name="adj" fmla="val 16667"/>
-            </a:avLst>
-          </a:prstGeom>
-          <a:solidFill>
-            <a:srgbClr val="6D9EEB"/>
-          </a:solidFill>
-          <a:ln>
-            <a:noFill/>
-          </a:ln>
-        </p:spPr>
-        <p:txBody>
-          <a:bodyPr spcFirstLastPara="1" wrap="square" lIns="127975" tIns="127975" rIns="127975" bIns="127975" anchor="ctr" anchorCtr="0">
-            <a:noAutofit/>
-          </a:bodyPr>
-          <a:lstStyle/>
-          <a:p>
-            <a:pPr marL="0" marR="0" lvl="0" indent="0" algn="ctr" rtl="0">
-              <a:lnSpc>
-                <a:spcPct val="100000"/>
-              </a:lnSpc>
-              <a:spcBef>
-                <a:spcPts val="0"/>
-              </a:spcBef>
-              <a:spcAft>
-                <a:spcPts val="0"/>
-              </a:spcAft>
-              <a:buNone/>
-            </a:pPr>
-            <a:r>
-              <a:rPr lang="ko" sz="1100" b="1" i="0" u="none" strike="noStrike" cap="none" dirty="0">
+              </a:endParaRPr>
+            </a:p>
+          </p:txBody>
+        </p:sp>
+        <p:sp>
+          <p:nvSpPr>
+            <p:cNvPr id="186" name="Google Shape;186;p3"/>
+            <p:cNvSpPr/>
+            <p:nvPr/>
+          </p:nvSpPr>
+          <p:spPr>
+            <a:xfrm>
+              <a:off x="9212422" y="4410476"/>
+              <a:ext cx="2237920" cy="1060472"/>
+            </a:xfrm>
+            <a:prstGeom prst="roundRect">
+              <a:avLst>
+                <a:gd name="adj" fmla="val 16667"/>
+              </a:avLst>
+            </a:prstGeom>
+            <a:solidFill>
+              <a:srgbClr val="6D9EEB"/>
+            </a:solidFill>
+            <a:ln>
+              <a:noFill/>
+            </a:ln>
+          </p:spPr>
+          <p:txBody>
+            <a:bodyPr spcFirstLastPara="1" wrap="square" lIns="127975" tIns="127975" rIns="127975" bIns="127975" anchor="ctr" anchorCtr="0">
+              <a:noAutofit/>
+            </a:bodyPr>
+            <a:lstStyle/>
+            <a:p>
+              <a:pPr marL="0" marR="0" lvl="0" indent="0" algn="ctr" rtl="0">
+                <a:lnSpc>
+                  <a:spcPct val="100000"/>
+                </a:lnSpc>
+                <a:spcBef>
+                  <a:spcPts val="0"/>
+                </a:spcBef>
+                <a:spcAft>
+                  <a:spcPts val="0"/>
+                </a:spcAft>
+                <a:buNone/>
+              </a:pPr>
+              <a:r>
+                <a:rPr lang="ko" sz="1100" b="1" i="0" u="none" strike="noStrike" cap="none" dirty="0">
+                  <a:solidFill>
+                    <a:schemeClr val="lt1"/>
+                  </a:solidFill>
+                  <a:latin typeface="Microsoft GothicNeo Light" panose="020B0300000101010101" pitchFamily="50" charset="-127"/>
+                  <a:ea typeface="Microsoft GothicNeo Light" panose="020B0300000101010101" pitchFamily="50" charset="-127"/>
+                  <a:cs typeface="Microsoft GothicNeo Light" panose="020B0300000101010101" pitchFamily="50" charset="-127"/>
+                  <a:sym typeface="Arial"/>
+                </a:rPr>
+                <a:t>상태 결과 업데이트</a:t>
+              </a:r>
+              <a:endParaRPr lang="en-US" altLang="ko" sz="1100" b="1" i="0" u="none" strike="noStrike" cap="none" dirty="0">
                 <a:solidFill>
                   <a:schemeClr val="lt1"/>
                 </a:solidFill>
@@ -15495,138 +15526,588 @@
                 <a:ea typeface="Microsoft GothicNeo Light" panose="020B0300000101010101" pitchFamily="50" charset="-127"/>
                 <a:cs typeface="Microsoft GothicNeo Light" panose="020B0300000101010101" pitchFamily="50" charset="-127"/>
                 <a:sym typeface="Arial"/>
-              </a:rPr>
-              <a:t>상태 결과 업데이트</a:t>
-            </a:r>
-            <a:endParaRPr lang="en-US" altLang="ko" sz="1100" b="1" i="0" u="none" strike="noStrike" cap="none" dirty="0">
-              <a:solidFill>
-                <a:schemeClr val="lt1"/>
-              </a:solidFill>
-              <a:latin typeface="Microsoft GothicNeo Light" panose="020B0300000101010101" pitchFamily="50" charset="-127"/>
-              <a:ea typeface="Microsoft GothicNeo Light" panose="020B0300000101010101" pitchFamily="50" charset="-127"/>
-              <a:cs typeface="Microsoft GothicNeo Light" panose="020B0300000101010101" pitchFamily="50" charset="-127"/>
-              <a:sym typeface="Arial"/>
-            </a:endParaRPr>
-          </a:p>
-          <a:p>
-            <a:pPr marL="0" marR="0" lvl="0" indent="0" algn="ctr" rtl="0">
-              <a:lnSpc>
-                <a:spcPct val="100000"/>
-              </a:lnSpc>
-              <a:spcBef>
-                <a:spcPts val="0"/>
-              </a:spcBef>
-              <a:spcAft>
-                <a:spcPts val="0"/>
-              </a:spcAft>
-              <a:buNone/>
-            </a:pPr>
-            <a:endParaRPr lang="en-US" altLang="ko" sz="1100" b="1" i="0" u="none" strike="noStrike" cap="none" dirty="0">
-              <a:solidFill>
-                <a:schemeClr val="lt1"/>
-              </a:solidFill>
-              <a:latin typeface="Microsoft GothicNeo Light" panose="020B0300000101010101" pitchFamily="50" charset="-127"/>
-              <a:ea typeface="Microsoft GothicNeo Light" panose="020B0300000101010101" pitchFamily="50" charset="-127"/>
-              <a:cs typeface="Microsoft GothicNeo Light" panose="020B0300000101010101" pitchFamily="50" charset="-127"/>
-              <a:sym typeface="Arial"/>
-            </a:endParaRPr>
-          </a:p>
-          <a:p>
-            <a:pPr marL="171450" marR="0" lvl="0" indent="-171450" rtl="0">
-              <a:lnSpc>
-                <a:spcPct val="100000"/>
-              </a:lnSpc>
-              <a:spcBef>
-                <a:spcPts val="0"/>
-              </a:spcBef>
-              <a:spcAft>
-                <a:spcPts val="0"/>
-              </a:spcAft>
-              <a:buFont typeface="Arial" panose="020B0604020202020204" pitchFamily="34" charset="0"/>
-              <a:buChar char="•"/>
-            </a:pPr>
-            <a:r>
-              <a:rPr lang="ko-KR" altLang="en-US" sz="1100" dirty="0">
+              </a:endParaRPr>
+            </a:p>
+            <a:p>
+              <a:pPr marL="0" marR="0" lvl="0" indent="0" algn="ctr" rtl="0">
+                <a:lnSpc>
+                  <a:spcPct val="100000"/>
+                </a:lnSpc>
+                <a:spcBef>
+                  <a:spcPts val="0"/>
+                </a:spcBef>
+                <a:spcAft>
+                  <a:spcPts val="0"/>
+                </a:spcAft>
+                <a:buNone/>
+              </a:pPr>
+              <a:endParaRPr lang="en-US" altLang="ko" sz="1100" b="1" i="0" u="none" strike="noStrike" cap="none" dirty="0">
                 <a:solidFill>
                   <a:schemeClr val="lt1"/>
                 </a:solidFill>
                 <a:latin typeface="Microsoft GothicNeo Light" panose="020B0300000101010101" pitchFamily="50" charset="-127"/>
                 <a:ea typeface="Microsoft GothicNeo Light" panose="020B0300000101010101" pitchFamily="50" charset="-127"/>
                 <a:cs typeface="Microsoft GothicNeo Light" panose="020B0300000101010101" pitchFamily="50" charset="-127"/>
-              </a:rPr>
-              <a:t>캐릭터</a:t>
-            </a:r>
-            <a:r>
-              <a:rPr lang="en-US" sz="1100" dirty="0">
+                <a:sym typeface="Arial"/>
+              </a:endParaRPr>
+            </a:p>
+            <a:p>
+              <a:pPr marL="171450" marR="0" lvl="0" indent="-171450" rtl="0">
+                <a:lnSpc>
+                  <a:spcPct val="100000"/>
+                </a:lnSpc>
+                <a:spcBef>
+                  <a:spcPts val="0"/>
+                </a:spcBef>
+                <a:spcAft>
+                  <a:spcPts val="0"/>
+                </a:spcAft>
+                <a:buFont typeface="Arial" panose="020B0604020202020204" pitchFamily="34" charset="0"/>
+                <a:buChar char="•"/>
+              </a:pPr>
+              <a:r>
+                <a:rPr lang="ko-KR" altLang="en-US" sz="1100" dirty="0">
+                  <a:solidFill>
+                    <a:schemeClr val="lt1"/>
+                  </a:solidFill>
+                  <a:latin typeface="Microsoft GothicNeo Light" panose="020B0300000101010101" pitchFamily="50" charset="-127"/>
+                  <a:ea typeface="Microsoft GothicNeo Light" panose="020B0300000101010101" pitchFamily="50" charset="-127"/>
+                  <a:cs typeface="Microsoft GothicNeo Light" panose="020B0300000101010101" pitchFamily="50" charset="-127"/>
+                </a:rPr>
+                <a:t>캐릭터</a:t>
+              </a:r>
+              <a:r>
+                <a:rPr lang="en-US" sz="1100" dirty="0">
+                  <a:solidFill>
+                    <a:schemeClr val="lt1"/>
+                  </a:solidFill>
+                  <a:latin typeface="Microsoft GothicNeo Light" panose="020B0300000101010101" pitchFamily="50" charset="-127"/>
+                  <a:ea typeface="Microsoft GothicNeo Light" panose="020B0300000101010101" pitchFamily="50" charset="-127"/>
+                  <a:cs typeface="Microsoft GothicNeo Light" panose="020B0300000101010101" pitchFamily="50" charset="-127"/>
+                </a:rPr>
+                <a:t> </a:t>
+              </a:r>
+              <a:r>
+                <a:rPr lang="ko-KR" altLang="en-US" sz="1100" dirty="0">
+                  <a:solidFill>
+                    <a:schemeClr val="lt1"/>
+                  </a:solidFill>
+                  <a:latin typeface="Microsoft GothicNeo Light" panose="020B0300000101010101" pitchFamily="50" charset="-127"/>
+                  <a:ea typeface="Microsoft GothicNeo Light" panose="020B0300000101010101" pitchFamily="50" charset="-127"/>
+                  <a:cs typeface="Microsoft GothicNeo Light" panose="020B0300000101010101" pitchFamily="50" charset="-127"/>
+                </a:rPr>
+                <a:t>데이터</a:t>
+              </a:r>
+              <a:endParaRPr lang="en-US" altLang="ko-KR" sz="1100" dirty="0">
                 <a:solidFill>
                   <a:schemeClr val="lt1"/>
                 </a:solidFill>
                 <a:latin typeface="Microsoft GothicNeo Light" panose="020B0300000101010101" pitchFamily="50" charset="-127"/>
                 <a:ea typeface="Microsoft GothicNeo Light" panose="020B0300000101010101" pitchFamily="50" charset="-127"/>
                 <a:cs typeface="Microsoft GothicNeo Light" panose="020B0300000101010101" pitchFamily="50" charset="-127"/>
-              </a:rPr>
-              <a:t> </a:t>
-            </a:r>
-            <a:r>
-              <a:rPr lang="ko-KR" altLang="en-US" sz="1100" dirty="0">
+              </a:endParaRPr>
+            </a:p>
+            <a:p>
+              <a:pPr lvl="1"/>
+              <a:r>
+                <a:rPr lang="en-US" sz="1100" b="0" i="0" u="none" strike="noStrike" cap="none" dirty="0">
+                  <a:solidFill>
+                    <a:schemeClr val="lt1"/>
+                  </a:solidFill>
+                  <a:latin typeface="Microsoft GothicNeo Light" panose="020B0300000101010101" pitchFamily="50" charset="-127"/>
+                  <a:ea typeface="Microsoft GothicNeo Light" panose="020B0300000101010101" pitchFamily="50" charset="-127"/>
+                  <a:cs typeface="Microsoft GothicNeo Light" panose="020B0300000101010101" pitchFamily="50" charset="-127"/>
+                  <a:sym typeface="Arial"/>
+                </a:rPr>
+                <a:t>     (</a:t>
+              </a:r>
+              <a:r>
+                <a:rPr lang="ko-KR" altLang="en-US" sz="1100" b="0" i="0" u="none" strike="noStrike" cap="none" dirty="0">
+                  <a:solidFill>
+                    <a:schemeClr val="lt1"/>
+                  </a:solidFill>
+                  <a:latin typeface="Microsoft GothicNeo Light" panose="020B0300000101010101" pitchFamily="50" charset="-127"/>
+                  <a:ea typeface="Microsoft GothicNeo Light" panose="020B0300000101010101" pitchFamily="50" charset="-127"/>
+                  <a:cs typeface="Microsoft GothicNeo Light" panose="020B0300000101010101" pitchFamily="50" charset="-127"/>
+                  <a:sym typeface="Arial"/>
+                </a:rPr>
+                <a:t>위치</a:t>
+              </a:r>
+              <a:r>
+                <a:rPr lang="en-US" altLang="ko-KR" sz="1100" b="0" i="0" u="none" strike="noStrike" cap="none" dirty="0">
+                  <a:solidFill>
+                    <a:schemeClr val="lt1"/>
+                  </a:solidFill>
+                  <a:latin typeface="Microsoft GothicNeo Light" panose="020B0300000101010101" pitchFamily="50" charset="-127"/>
+                  <a:ea typeface="Microsoft GothicNeo Light" panose="020B0300000101010101" pitchFamily="50" charset="-127"/>
+                  <a:cs typeface="Microsoft GothicNeo Light" panose="020B0300000101010101" pitchFamily="50" charset="-127"/>
+                  <a:sym typeface="Arial"/>
+                </a:rPr>
+                <a:t>, </a:t>
+              </a:r>
+              <a:r>
+                <a:rPr lang="ko-KR" altLang="en-US" sz="1100" b="0" i="0" u="none" strike="noStrike" cap="none" dirty="0">
+                  <a:solidFill>
+                    <a:schemeClr val="lt1"/>
+                  </a:solidFill>
+                  <a:latin typeface="Microsoft GothicNeo Light" panose="020B0300000101010101" pitchFamily="50" charset="-127"/>
+                  <a:ea typeface="Microsoft GothicNeo Light" panose="020B0300000101010101" pitchFamily="50" charset="-127"/>
+                  <a:cs typeface="Microsoft GothicNeo Light" panose="020B0300000101010101" pitchFamily="50" charset="-127"/>
+                  <a:sym typeface="Arial"/>
+                </a:rPr>
+                <a:t>상태</a:t>
+              </a:r>
+              <a:r>
+                <a:rPr lang="en-US" altLang="ko-KR" sz="1100" b="0" i="0" u="none" strike="noStrike" cap="none" dirty="0">
+                  <a:solidFill>
+                    <a:schemeClr val="lt1"/>
+                  </a:solidFill>
+                  <a:latin typeface="Microsoft GothicNeo Light" panose="020B0300000101010101" pitchFamily="50" charset="-127"/>
+                  <a:ea typeface="Microsoft GothicNeo Light" panose="020B0300000101010101" pitchFamily="50" charset="-127"/>
+                  <a:cs typeface="Microsoft GothicNeo Light" panose="020B0300000101010101" pitchFamily="50" charset="-127"/>
+                  <a:sym typeface="Arial"/>
+                </a:rPr>
+                <a:t>, </a:t>
+              </a:r>
+              <a:r>
+                <a:rPr lang="ko-KR" altLang="en-US" sz="1100" b="0" i="0" u="none" strike="noStrike" cap="none" dirty="0">
+                  <a:solidFill>
+                    <a:schemeClr val="lt1"/>
+                  </a:solidFill>
+                  <a:latin typeface="Microsoft GothicNeo Light" panose="020B0300000101010101" pitchFamily="50" charset="-127"/>
+                  <a:ea typeface="Microsoft GothicNeo Light" panose="020B0300000101010101" pitchFamily="50" charset="-127"/>
+                  <a:cs typeface="Microsoft GothicNeo Light" panose="020B0300000101010101" pitchFamily="50" charset="-127"/>
+                  <a:sym typeface="Arial"/>
+                </a:rPr>
+                <a:t>코인 등</a:t>
+              </a:r>
+              <a:r>
+                <a:rPr lang="en-US" altLang="ko-KR" sz="1100" b="0" i="0" u="none" strike="noStrike" cap="none" dirty="0">
+                  <a:solidFill>
+                    <a:schemeClr val="lt1"/>
+                  </a:solidFill>
+                  <a:latin typeface="Microsoft GothicNeo Light" panose="020B0300000101010101" pitchFamily="50" charset="-127"/>
+                  <a:ea typeface="Microsoft GothicNeo Light" panose="020B0300000101010101" pitchFamily="50" charset="-127"/>
+                  <a:cs typeface="Microsoft GothicNeo Light" panose="020B0300000101010101" pitchFamily="50" charset="-127"/>
+                  <a:sym typeface="Arial"/>
+                </a:rPr>
+                <a:t>)</a:t>
+              </a:r>
+              <a:endParaRPr sz="1100" b="0" i="0" u="none" strike="noStrike" cap="none" dirty="0">
                 <a:solidFill>
                   <a:schemeClr val="lt1"/>
                 </a:solidFill>
                 <a:latin typeface="Microsoft GothicNeo Light" panose="020B0300000101010101" pitchFamily="50" charset="-127"/>
                 <a:ea typeface="Microsoft GothicNeo Light" panose="020B0300000101010101" pitchFamily="50" charset="-127"/>
                 <a:cs typeface="Microsoft GothicNeo Light" panose="020B0300000101010101" pitchFamily="50" charset="-127"/>
-              </a:rPr>
-              <a:t>데이터</a:t>
-            </a:r>
-            <a:endParaRPr lang="en-US" altLang="ko-KR" sz="1100" dirty="0">
+                <a:sym typeface="Arial"/>
+              </a:endParaRPr>
+            </a:p>
+          </p:txBody>
+        </p:sp>
+        <p:cxnSp>
+          <p:nvCxnSpPr>
+            <p:cNvPr id="191" name="Google Shape;191;p3"/>
+            <p:cNvCxnSpPr>
+              <a:stCxn id="176" idx="1"/>
+            </p:cNvCxnSpPr>
+            <p:nvPr/>
+          </p:nvCxnSpPr>
+          <p:spPr>
+            <a:xfrm rot="10800000">
+              <a:off x="1043146" y="3985008"/>
+              <a:ext cx="561114" cy="0"/>
+            </a:xfrm>
+            <a:prstGeom prst="straightConnector1">
+              <a:avLst/>
+            </a:prstGeom>
+            <a:noFill/>
+            <a:ln w="9525" cap="flat" cmpd="sng">
               <a:solidFill>
-                <a:schemeClr val="lt1"/>
+                <a:schemeClr val="dk2"/>
               </a:solidFill>
-              <a:latin typeface="Microsoft GothicNeo Light" panose="020B0300000101010101" pitchFamily="50" charset="-127"/>
-              <a:ea typeface="Microsoft GothicNeo Light" panose="020B0300000101010101" pitchFamily="50" charset="-127"/>
-              <a:cs typeface="Microsoft GothicNeo Light" panose="020B0300000101010101" pitchFamily="50" charset="-127"/>
-            </a:endParaRPr>
-          </a:p>
-          <a:p>
-            <a:pPr lvl="1"/>
-            <a:r>
-              <a:rPr lang="en-US" sz="1100" b="0" i="0" u="none" strike="noStrike" cap="none" dirty="0">
-                <a:solidFill>
-                  <a:schemeClr val="lt1"/>
+              <a:prstDash val="solid"/>
+              <a:round/>
+              <a:headEnd type="none" w="sm" len="sm"/>
+              <a:tailEnd type="none" w="sm" len="sm"/>
+            </a:ln>
+          </p:spPr>
+        </p:cxnSp>
+        <p:cxnSp>
+          <p:nvCxnSpPr>
+            <p:cNvPr id="192" name="Google Shape;192;p3"/>
+            <p:cNvCxnSpPr>
+              <a:endCxn id="184" idx="0"/>
+            </p:cNvCxnSpPr>
+            <p:nvPr/>
+          </p:nvCxnSpPr>
+          <p:spPr>
+            <a:xfrm>
+              <a:off x="1055741" y="3969794"/>
+              <a:ext cx="0" cy="1098090"/>
+            </a:xfrm>
+            <a:prstGeom prst="straightConnector1">
+              <a:avLst/>
+            </a:prstGeom>
+            <a:noFill/>
+            <a:ln w="9525" cap="flat" cmpd="sng">
+              <a:solidFill>
+                <a:schemeClr val="dk2"/>
+              </a:solidFill>
+              <a:prstDash val="solid"/>
+              <a:round/>
+              <a:headEnd type="none" w="sm" len="sm"/>
+              <a:tailEnd type="triangle" w="med" len="med"/>
+            </a:ln>
+          </p:spPr>
+        </p:cxnSp>
+        <p:cxnSp>
+          <p:nvCxnSpPr>
+            <p:cNvPr id="193" name="Google Shape;193;p3"/>
+            <p:cNvCxnSpPr>
+              <a:stCxn id="184" idx="3"/>
+            </p:cNvCxnSpPr>
+            <p:nvPr/>
+          </p:nvCxnSpPr>
+          <p:spPr>
+            <a:xfrm>
+              <a:off x="1604261" y="5269416"/>
+              <a:ext cx="2827257" cy="0"/>
+            </a:xfrm>
+            <a:prstGeom prst="straightConnector1">
+              <a:avLst/>
+            </a:prstGeom>
+            <a:noFill/>
+            <a:ln w="9525" cap="flat" cmpd="sng">
+              <a:solidFill>
+                <a:schemeClr val="dk2"/>
+              </a:solidFill>
+              <a:prstDash val="solid"/>
+              <a:round/>
+              <a:headEnd type="none" w="sm" len="sm"/>
+              <a:tailEnd type="none" w="sm" len="sm"/>
+            </a:ln>
+          </p:spPr>
+        </p:cxnSp>
+        <p:cxnSp>
+          <p:nvCxnSpPr>
+            <p:cNvPr id="194" name="Google Shape;194;p3"/>
+            <p:cNvCxnSpPr>
+              <a:endCxn id="178" idx="2"/>
+            </p:cNvCxnSpPr>
+            <p:nvPr/>
+          </p:nvCxnSpPr>
+          <p:spPr>
+            <a:xfrm rot="10800000">
+              <a:off x="4437995" y="4784277"/>
+              <a:ext cx="0" cy="491849"/>
+            </a:xfrm>
+            <a:prstGeom prst="straightConnector1">
+              <a:avLst/>
+            </a:prstGeom>
+            <a:noFill/>
+            <a:ln w="9525" cap="flat" cmpd="sng">
+              <a:solidFill>
+                <a:schemeClr val="dk2"/>
+              </a:solidFill>
+              <a:prstDash val="solid"/>
+              <a:round/>
+              <a:headEnd type="none" w="sm" len="sm"/>
+              <a:tailEnd type="triangle" w="med" len="med"/>
+            </a:ln>
+          </p:spPr>
+        </p:cxnSp>
+        <p:sp>
+          <p:nvSpPr>
+            <p:cNvPr id="195" name="Google Shape;195;p3"/>
+            <p:cNvSpPr/>
+            <p:nvPr/>
+          </p:nvSpPr>
+          <p:spPr>
+            <a:xfrm>
+              <a:off x="1043007" y="1423612"/>
+              <a:ext cx="223816" cy="223816"/>
+            </a:xfrm>
+            <a:prstGeom prst="flowChartConnector">
+              <a:avLst/>
+            </a:prstGeom>
+            <a:solidFill>
+              <a:schemeClr val="lt2"/>
+            </a:solidFill>
+            <a:ln w="9525" cap="flat" cmpd="sng">
+              <a:solidFill>
+                <a:schemeClr val="dk2"/>
+              </a:solidFill>
+              <a:prstDash val="solid"/>
+              <a:round/>
+              <a:headEnd type="none" w="sm" len="sm"/>
+              <a:tailEnd type="none" w="sm" len="sm"/>
+            </a:ln>
+          </p:spPr>
+          <p:txBody>
+            <a:bodyPr spcFirstLastPara="1" wrap="square" lIns="127975" tIns="127975" rIns="127975" bIns="127975" anchor="ctr" anchorCtr="0">
+              <a:noAutofit/>
+            </a:bodyPr>
+            <a:lstStyle/>
+            <a:p>
+              <a:pPr marL="0" marR="0" lvl="0" indent="0" algn="l" rtl="0">
+                <a:lnSpc>
+                  <a:spcPct val="100000"/>
+                </a:lnSpc>
+                <a:spcBef>
+                  <a:spcPts val="0"/>
+                </a:spcBef>
+                <a:spcAft>
+                  <a:spcPts val="0"/>
+                </a:spcAft>
+                <a:buNone/>
+              </a:pPr>
+              <a:endParaRPr sz="2800" b="0" i="0" u="none" strike="noStrike" cap="none">
+                <a:solidFill>
+                  <a:srgbClr val="000000"/>
                 </a:solidFill>
                 <a:latin typeface="Microsoft GothicNeo Light" panose="020B0300000101010101" pitchFamily="50" charset="-127"/>
                 <a:ea typeface="Microsoft GothicNeo Light" panose="020B0300000101010101" pitchFamily="50" charset="-127"/>
                 <a:cs typeface="Microsoft GothicNeo Light" panose="020B0300000101010101" pitchFamily="50" charset="-127"/>
                 <a:sym typeface="Arial"/>
-              </a:rPr>
-              <a:t>     (</a:t>
-            </a:r>
-            <a:r>
-              <a:rPr lang="ko-KR" altLang="en-US" sz="1100" b="0" i="0" u="none" strike="noStrike" cap="none" dirty="0">
-                <a:solidFill>
-                  <a:schemeClr val="lt1"/>
+              </a:endParaRPr>
+            </a:p>
+          </p:txBody>
+        </p:sp>
+        <p:sp>
+          <p:nvSpPr>
+            <p:cNvPr id="196" name="Google Shape;196;p3"/>
+            <p:cNvSpPr/>
+            <p:nvPr/>
+          </p:nvSpPr>
+          <p:spPr>
+            <a:xfrm>
+              <a:off x="1043007" y="6217368"/>
+              <a:ext cx="223816" cy="223816"/>
+            </a:xfrm>
+            <a:prstGeom prst="flowChartConnector">
+              <a:avLst/>
+            </a:prstGeom>
+            <a:solidFill>
+              <a:schemeClr val="lt2"/>
+            </a:solidFill>
+            <a:ln w="9525" cap="flat" cmpd="sng">
+              <a:solidFill>
+                <a:schemeClr val="dk2"/>
+              </a:solidFill>
+              <a:prstDash val="solid"/>
+              <a:round/>
+              <a:headEnd type="none" w="sm" len="sm"/>
+              <a:tailEnd type="none" w="sm" len="sm"/>
+            </a:ln>
+          </p:spPr>
+          <p:txBody>
+            <a:bodyPr spcFirstLastPara="1" wrap="square" lIns="127975" tIns="127975" rIns="127975" bIns="127975" anchor="ctr" anchorCtr="0">
+              <a:noAutofit/>
+            </a:bodyPr>
+            <a:lstStyle/>
+            <a:p>
+              <a:pPr marL="0" marR="0" lvl="0" indent="0" algn="l" rtl="0">
+                <a:lnSpc>
+                  <a:spcPct val="100000"/>
+                </a:lnSpc>
+                <a:spcBef>
+                  <a:spcPts val="0"/>
+                </a:spcBef>
+                <a:spcAft>
+                  <a:spcPts val="0"/>
+                </a:spcAft>
+                <a:buNone/>
+              </a:pPr>
+              <a:endParaRPr sz="2800" b="0" i="0" u="none" strike="noStrike" cap="none">
+                <a:solidFill>
+                  <a:srgbClr val="000000"/>
                 </a:solidFill>
                 <a:latin typeface="Microsoft GothicNeo Light" panose="020B0300000101010101" pitchFamily="50" charset="-127"/>
                 <a:ea typeface="Microsoft GothicNeo Light" panose="020B0300000101010101" pitchFamily="50" charset="-127"/>
                 <a:cs typeface="Microsoft GothicNeo Light" panose="020B0300000101010101" pitchFamily="50" charset="-127"/>
                 <a:sym typeface="Arial"/>
-              </a:rPr>
-              <a:t>위치</a:t>
-            </a:r>
-            <a:r>
-              <a:rPr lang="en-US" altLang="ko-KR" sz="1100" b="0" i="0" u="none" strike="noStrike" cap="none" dirty="0">
-                <a:solidFill>
-                  <a:schemeClr val="lt1"/>
+              </a:endParaRPr>
+            </a:p>
+          </p:txBody>
+        </p:sp>
+        <p:cxnSp>
+          <p:nvCxnSpPr>
+            <p:cNvPr id="197" name="Google Shape;197;p3"/>
+            <p:cNvCxnSpPr>
+              <a:cxnSpLocks/>
+              <a:endCxn id="195" idx="6"/>
+            </p:cNvCxnSpPr>
+            <p:nvPr/>
+          </p:nvCxnSpPr>
+          <p:spPr>
+            <a:xfrm rot="10800000">
+              <a:off x="1266823" y="1535520"/>
+              <a:ext cx="2622612" cy="0"/>
+            </a:xfrm>
+            <a:prstGeom prst="straightConnector1">
+              <a:avLst/>
+            </a:prstGeom>
+            <a:noFill/>
+            <a:ln w="9525" cap="flat" cmpd="sng">
+              <a:solidFill>
+                <a:schemeClr val="dk2"/>
+              </a:solidFill>
+              <a:prstDash val="solid"/>
+              <a:round/>
+              <a:headEnd type="none" w="sm" len="sm"/>
+              <a:tailEnd type="triangle" w="med" len="med"/>
+            </a:ln>
+          </p:spPr>
+        </p:cxnSp>
+        <p:sp>
+          <p:nvSpPr>
+            <p:cNvPr id="198" name="Google Shape;198;p3"/>
+            <p:cNvSpPr/>
+            <p:nvPr/>
+          </p:nvSpPr>
+          <p:spPr>
+            <a:xfrm>
+              <a:off x="2053995" y="6113541"/>
+              <a:ext cx="1097040" cy="403064"/>
+            </a:xfrm>
+            <a:prstGeom prst="roundRect">
+              <a:avLst>
+                <a:gd name="adj" fmla="val 16667"/>
+              </a:avLst>
+            </a:prstGeom>
+            <a:solidFill>
+              <a:srgbClr val="FFE599"/>
+            </a:solidFill>
+            <a:ln>
+              <a:noFill/>
+            </a:ln>
+          </p:spPr>
+          <p:txBody>
+            <a:bodyPr spcFirstLastPara="1" wrap="square" lIns="127975" tIns="127975" rIns="127975" bIns="127975" anchor="ctr" anchorCtr="0">
+              <a:noAutofit/>
+            </a:bodyPr>
+            <a:lstStyle/>
+            <a:p>
+              <a:pPr marL="0" marR="0" lvl="0" indent="0" algn="ctr" rtl="0">
+                <a:lnSpc>
+                  <a:spcPct val="100000"/>
+                </a:lnSpc>
+                <a:spcBef>
+                  <a:spcPts val="0"/>
+                </a:spcBef>
+                <a:spcAft>
+                  <a:spcPts val="0"/>
+                </a:spcAft>
+                <a:buNone/>
+              </a:pPr>
+              <a:r>
+                <a:rPr lang="ko" sz="1100" b="0" i="0" u="none" strike="noStrike" cap="none">
+                  <a:solidFill>
+                    <a:schemeClr val="dk1"/>
+                  </a:solidFill>
+                  <a:latin typeface="Microsoft GothicNeo Light" panose="020B0300000101010101" pitchFamily="50" charset="-127"/>
+                  <a:ea typeface="Microsoft GothicNeo Light" panose="020B0300000101010101" pitchFamily="50" charset="-127"/>
+                  <a:cs typeface="Microsoft GothicNeo Light" panose="020B0300000101010101" pitchFamily="50" charset="-127"/>
+                  <a:sym typeface="Arial"/>
+                </a:rPr>
+                <a:t>타이머 업데이트</a:t>
+              </a:r>
+              <a:endParaRPr sz="1100" b="0" i="0" u="none" strike="noStrike" cap="none">
+                <a:solidFill>
+                  <a:schemeClr val="dk1"/>
                 </a:solidFill>
                 <a:latin typeface="Microsoft GothicNeo Light" panose="020B0300000101010101" pitchFamily="50" charset="-127"/>
                 <a:ea typeface="Microsoft GothicNeo Light" panose="020B0300000101010101" pitchFamily="50" charset="-127"/>
                 <a:cs typeface="Microsoft GothicNeo Light" panose="020B0300000101010101" pitchFamily="50" charset="-127"/>
                 <a:sym typeface="Arial"/>
-              </a:rPr>
-              <a:t>, </a:t>
-            </a:r>
-            <a:r>
-              <a:rPr lang="ko-KR" altLang="en-US" sz="1100" b="0" i="0" u="none" strike="noStrike" cap="none" dirty="0">
+              </a:endParaRPr>
+            </a:p>
+          </p:txBody>
+        </p:sp>
+        <p:cxnSp>
+          <p:nvCxnSpPr>
+            <p:cNvPr id="199" name="Google Shape;199;p3"/>
+            <p:cNvCxnSpPr>
+              <a:stCxn id="196" idx="6"/>
+              <a:endCxn id="198" idx="1"/>
+            </p:cNvCxnSpPr>
+            <p:nvPr/>
+          </p:nvCxnSpPr>
+          <p:spPr>
+            <a:xfrm rot="10800000" flipH="1">
+              <a:off x="1266823" y="6314933"/>
+              <a:ext cx="787098" cy="14343"/>
+            </a:xfrm>
+            <a:prstGeom prst="straightConnector1">
+              <a:avLst/>
+            </a:prstGeom>
+            <a:noFill/>
+            <a:ln w="9525" cap="flat" cmpd="sng">
+              <a:solidFill>
+                <a:schemeClr val="dk2"/>
+              </a:solidFill>
+              <a:prstDash val="solid"/>
+              <a:round/>
+              <a:headEnd type="none" w="sm" len="sm"/>
+              <a:tailEnd type="triangle" w="med" len="med"/>
+            </a:ln>
+          </p:spPr>
+        </p:cxnSp>
+        <p:sp>
+          <p:nvSpPr>
+            <p:cNvPr id="200" name="Google Shape;200;p3"/>
+            <p:cNvSpPr/>
+            <p:nvPr/>
+          </p:nvSpPr>
+          <p:spPr>
+            <a:xfrm>
+              <a:off x="3889456" y="6113541"/>
+              <a:ext cx="1097040" cy="403064"/>
+            </a:xfrm>
+            <a:prstGeom prst="roundRect">
+              <a:avLst>
+                <a:gd name="adj" fmla="val 16667"/>
+              </a:avLst>
+            </a:prstGeom>
+            <a:solidFill>
+              <a:srgbClr val="6D9EEB"/>
+            </a:solidFill>
+            <a:ln>
+              <a:noFill/>
+            </a:ln>
+          </p:spPr>
+          <p:txBody>
+            <a:bodyPr spcFirstLastPara="1" wrap="square" lIns="127975" tIns="127975" rIns="127975" bIns="127975" anchor="ctr" anchorCtr="0">
+              <a:noAutofit/>
+            </a:bodyPr>
+            <a:lstStyle/>
+            <a:p>
+              <a:pPr marL="0" marR="0" lvl="0" indent="0" algn="ctr" rtl="0">
+                <a:lnSpc>
+                  <a:spcPct val="100000"/>
+                </a:lnSpc>
+                <a:spcBef>
+                  <a:spcPts val="0"/>
+                </a:spcBef>
+                <a:spcAft>
+                  <a:spcPts val="0"/>
+                </a:spcAft>
+                <a:buNone/>
+              </a:pPr>
+              <a:r>
+                <a:rPr lang="ko" sz="1100" b="0" i="0" u="none" strike="noStrike" cap="none">
+                  <a:solidFill>
+                    <a:schemeClr val="lt1"/>
+                  </a:solidFill>
+                  <a:latin typeface="Microsoft GothicNeo Light" panose="020B0300000101010101" pitchFamily="50" charset="-127"/>
+                  <a:ea typeface="Microsoft GothicNeo Light" panose="020B0300000101010101" pitchFamily="50" charset="-127"/>
+                  <a:cs typeface="Microsoft GothicNeo Light" panose="020B0300000101010101" pitchFamily="50" charset="-127"/>
+                  <a:sym typeface="Arial"/>
+                </a:rPr>
+                <a:t>타이머 send</a:t>
+              </a:r>
+              <a:endParaRPr sz="1100" b="0" i="0" u="none" strike="noStrike" cap="none">
                 <a:solidFill>
                   <a:schemeClr val="lt1"/>
                 </a:solidFill>
@@ -15634,11 +16115,94 @@
                 <a:ea typeface="Microsoft GothicNeo Light" panose="020B0300000101010101" pitchFamily="50" charset="-127"/>
                 <a:cs typeface="Microsoft GothicNeo Light" panose="020B0300000101010101" pitchFamily="50" charset="-127"/>
                 <a:sym typeface="Arial"/>
-              </a:rPr>
-              <a:t>상태</a:t>
-            </a:r>
-            <a:r>
-              <a:rPr lang="en-US" altLang="ko-KR" sz="1100" b="0" i="0" u="none" strike="noStrike" cap="none" dirty="0">
+              </a:endParaRPr>
+            </a:p>
+          </p:txBody>
+        </p:sp>
+        <p:cxnSp>
+          <p:nvCxnSpPr>
+            <p:cNvPr id="201" name="Google Shape;201;p3"/>
+            <p:cNvCxnSpPr>
+              <a:cxnSpLocks/>
+              <a:stCxn id="198" idx="3"/>
+              <a:endCxn id="200" idx="1"/>
+            </p:cNvCxnSpPr>
+            <p:nvPr/>
+          </p:nvCxnSpPr>
+          <p:spPr>
+            <a:xfrm>
+              <a:off x="3151035" y="6315073"/>
+              <a:ext cx="738421" cy="0"/>
+            </a:xfrm>
+            <a:prstGeom prst="straightConnector1">
+              <a:avLst/>
+            </a:prstGeom>
+            <a:noFill/>
+            <a:ln w="9525" cap="flat" cmpd="sng">
+              <a:solidFill>
+                <a:schemeClr val="dk2"/>
+              </a:solidFill>
+              <a:prstDash val="solid"/>
+              <a:round/>
+              <a:headEnd type="none" w="sm" len="sm"/>
+              <a:tailEnd type="triangle" w="med" len="med"/>
+            </a:ln>
+          </p:spPr>
+        </p:cxnSp>
+        <p:sp>
+          <p:nvSpPr>
+            <p:cNvPr id="202" name="Google Shape;202;p3"/>
+            <p:cNvSpPr/>
+            <p:nvPr/>
+          </p:nvSpPr>
+          <p:spPr>
+            <a:xfrm>
+              <a:off x="7626817" y="6098910"/>
+              <a:ext cx="1097040" cy="403064"/>
+            </a:xfrm>
+            <a:prstGeom prst="roundRect">
+              <a:avLst>
+                <a:gd name="adj" fmla="val 16667"/>
+              </a:avLst>
+            </a:prstGeom>
+            <a:solidFill>
+              <a:srgbClr val="E06666"/>
+            </a:solidFill>
+            <a:ln>
+              <a:noFill/>
+            </a:ln>
+          </p:spPr>
+          <p:txBody>
+            <a:bodyPr spcFirstLastPara="1" wrap="square" lIns="127975" tIns="127975" rIns="127975" bIns="127975" anchor="ctr" anchorCtr="0">
+              <a:noAutofit/>
+            </a:bodyPr>
+            <a:lstStyle/>
+            <a:p>
+              <a:pPr marL="0" marR="0" lvl="0" indent="0" algn="ctr" rtl="0">
+                <a:lnSpc>
+                  <a:spcPct val="100000"/>
+                </a:lnSpc>
+                <a:spcBef>
+                  <a:spcPts val="0"/>
+                </a:spcBef>
+                <a:spcAft>
+                  <a:spcPts val="0"/>
+                </a:spcAft>
+                <a:buNone/>
+              </a:pPr>
+              <a:r>
+                <a:rPr lang="ko" sz="1100" b="0" i="0" u="none" strike="noStrike" cap="none" dirty="0">
+                  <a:solidFill>
+                    <a:schemeClr val="lt1"/>
+                  </a:solidFill>
+                  <a:latin typeface="Microsoft GothicNeo Light" panose="020B0300000101010101" pitchFamily="50" charset="-127"/>
+                  <a:ea typeface="Microsoft GothicNeo Light" panose="020B0300000101010101" pitchFamily="50" charset="-127"/>
+                  <a:cs typeface="Microsoft GothicNeo Light" panose="020B0300000101010101" pitchFamily="50" charset="-127"/>
+                  <a:sym typeface="Arial"/>
+                </a:rPr>
+                <a:t>타이머 recv</a:t>
+              </a:r>
+              <a:endParaRPr sz="1100" b="0" i="0" u="none" strike="noStrike" cap="none" dirty="0">
                 <a:solidFill>
                   <a:schemeClr val="lt1"/>
                 </a:solidFill>
@@ -15646,11 +16210,122 @@
                 <a:ea typeface="Microsoft GothicNeo Light" panose="020B0300000101010101" pitchFamily="50" charset="-127"/>
                 <a:cs typeface="Microsoft GothicNeo Light" panose="020B0300000101010101" pitchFamily="50" charset="-127"/>
                 <a:sym typeface="Arial"/>
-              </a:rPr>
-              <a:t>, </a:t>
-            </a:r>
-            <a:r>
-              <a:rPr lang="ko-KR" altLang="en-US" sz="1100" b="0" i="0" u="none" strike="noStrike" cap="none" dirty="0">
+              </a:endParaRPr>
+            </a:p>
+          </p:txBody>
+        </p:sp>
+        <p:cxnSp>
+          <p:nvCxnSpPr>
+            <p:cNvPr id="203" name="Google Shape;203;p3"/>
+            <p:cNvCxnSpPr>
+              <a:cxnSpLocks/>
+              <a:stCxn id="200" idx="3"/>
+              <a:endCxn id="202" idx="1"/>
+            </p:cNvCxnSpPr>
+            <p:nvPr/>
+          </p:nvCxnSpPr>
+          <p:spPr>
+            <a:xfrm flipV="1">
+              <a:off x="4986496" y="6300442"/>
+              <a:ext cx="2640321" cy="14631"/>
+            </a:xfrm>
+            <a:prstGeom prst="straightConnector1">
+              <a:avLst/>
+            </a:prstGeom>
+            <a:noFill/>
+            <a:ln w="9525" cap="flat" cmpd="sng">
+              <a:solidFill>
+                <a:schemeClr val="dk2"/>
+              </a:solidFill>
+              <a:prstDash val="solid"/>
+              <a:round/>
+              <a:headEnd type="none" w="sm" len="sm"/>
+              <a:tailEnd type="triangle" w="med" len="med"/>
+            </a:ln>
+          </p:spPr>
+        </p:cxnSp>
+        <p:cxnSp>
+          <p:nvCxnSpPr>
+            <p:cNvPr id="204" name="Google Shape;204;p3"/>
+            <p:cNvCxnSpPr>
+              <a:stCxn id="202" idx="3"/>
+            </p:cNvCxnSpPr>
+            <p:nvPr/>
+          </p:nvCxnSpPr>
+          <p:spPr>
+            <a:xfrm rot="10800000" flipH="1">
+              <a:off x="8723857" y="6295895"/>
+              <a:ext cx="481005" cy="4548"/>
+            </a:xfrm>
+            <a:prstGeom prst="straightConnector1">
+              <a:avLst/>
+            </a:prstGeom>
+            <a:noFill/>
+            <a:ln w="9525" cap="flat" cmpd="sng">
+              <a:solidFill>
+                <a:schemeClr val="dk2"/>
+              </a:solidFill>
+              <a:prstDash val="solid"/>
+              <a:round/>
+              <a:headEnd type="none" w="sm" len="sm"/>
+              <a:tailEnd type="triangle" w="med" len="med"/>
+            </a:ln>
+          </p:spPr>
+        </p:cxnSp>
+        <p:sp>
+          <p:nvSpPr>
+            <p:cNvPr id="205" name="Google Shape;205;p3"/>
+            <p:cNvSpPr/>
+            <p:nvPr/>
+          </p:nvSpPr>
+          <p:spPr>
+            <a:xfrm>
+              <a:off x="9212953" y="6027371"/>
+              <a:ext cx="1983139" cy="947477"/>
+            </a:xfrm>
+            <a:prstGeom prst="roundRect">
+              <a:avLst>
+                <a:gd name="adj" fmla="val 16667"/>
+              </a:avLst>
+            </a:prstGeom>
+            <a:solidFill>
+              <a:srgbClr val="6D9EEB"/>
+            </a:solidFill>
+            <a:ln>
+              <a:noFill/>
+            </a:ln>
+          </p:spPr>
+          <p:txBody>
+            <a:bodyPr spcFirstLastPara="1" wrap="square" lIns="127975" tIns="127975" rIns="127975" bIns="127975" anchor="ctr" anchorCtr="0">
+              <a:noAutofit/>
+            </a:bodyPr>
+            <a:lstStyle/>
+            <a:p>
+              <a:pPr marL="0" marR="0" lvl="0" indent="0" algn="ctr" rtl="0">
+                <a:lnSpc>
+                  <a:spcPct val="100000"/>
+                </a:lnSpc>
+                <a:spcBef>
+                  <a:spcPts val="0"/>
+                </a:spcBef>
+                <a:spcAft>
+                  <a:spcPts val="0"/>
+                </a:spcAft>
+                <a:buNone/>
+              </a:pPr>
+              <a:r>
+                <a:rPr lang="ko" sz="1100" b="1" i="0" u="none" strike="noStrike" cap="none" dirty="0">
+                  <a:solidFill>
+                    <a:schemeClr val="lt1"/>
+                  </a:solidFill>
+                  <a:latin typeface="Microsoft GothicNeo Light" panose="020B0300000101010101" pitchFamily="50" charset="-127"/>
+                  <a:ea typeface="Microsoft GothicNeo Light" panose="020B0300000101010101" pitchFamily="50" charset="-127"/>
+                  <a:cs typeface="Microsoft GothicNeo Light" panose="020B0300000101010101" pitchFamily="50" charset="-127"/>
+                  <a:sym typeface="Arial"/>
+                </a:rPr>
+                <a:t>타이머 업데이트</a:t>
+              </a:r>
+              <a:endParaRPr lang="en-US" altLang="ko" sz="1100" b="1" i="0" u="none" strike="noStrike" cap="none" dirty="0">
                 <a:solidFill>
                   <a:schemeClr val="lt1"/>
                 </a:solidFill>
@@ -15658,11 +16333,22 @@
                 <a:ea typeface="Microsoft GothicNeo Light" panose="020B0300000101010101" pitchFamily="50" charset="-127"/>
                 <a:cs typeface="Microsoft GothicNeo Light" panose="020B0300000101010101" pitchFamily="50" charset="-127"/>
                 <a:sym typeface="Arial"/>
-              </a:rPr>
-              <a:t>코인 등</a:t>
-            </a:r>
-            <a:r>
-              <a:rPr lang="en-US" altLang="ko-KR" sz="1100" b="0" i="0" u="none" strike="noStrike" cap="none" dirty="0">
+              </a:endParaRPr>
+            </a:p>
+            <a:p>
+              <a:pPr marL="0" marR="0" lvl="0" indent="0" algn="ctr" rtl="0">
+                <a:lnSpc>
+                  <a:spcPct val="100000"/>
+                </a:lnSpc>
+                <a:spcBef>
+                  <a:spcPts val="0"/>
+                </a:spcBef>
+                <a:spcAft>
+                  <a:spcPts val="0"/>
+                </a:spcAft>
+                <a:buNone/>
+              </a:pPr>
+              <a:endParaRPr lang="en-US" altLang="ko" sz="1100" b="1" i="0" u="none" strike="noStrike" cap="none" dirty="0">
                 <a:solidFill>
                   <a:schemeClr val="lt1"/>
                 </a:solidFill>
@@ -15670,413 +16356,81 @@
                 <a:ea typeface="Microsoft GothicNeo Light" panose="020B0300000101010101" pitchFamily="50" charset="-127"/>
                 <a:cs typeface="Microsoft GothicNeo Light" panose="020B0300000101010101" pitchFamily="50" charset="-127"/>
                 <a:sym typeface="Arial"/>
-              </a:rPr>
-              <a:t>)</a:t>
-            </a:r>
-            <a:endParaRPr sz="1100" b="0" i="0" u="none" strike="noStrike" cap="none" dirty="0">
-              <a:solidFill>
-                <a:schemeClr val="lt1"/>
-              </a:solidFill>
-              <a:latin typeface="Microsoft GothicNeo Light" panose="020B0300000101010101" pitchFamily="50" charset="-127"/>
-              <a:ea typeface="Microsoft GothicNeo Light" panose="020B0300000101010101" pitchFamily="50" charset="-127"/>
-              <a:cs typeface="Microsoft GothicNeo Light" panose="020B0300000101010101" pitchFamily="50" charset="-127"/>
-              <a:sym typeface="Arial"/>
-            </a:endParaRPr>
-          </a:p>
-        </p:txBody>
-      </p:sp>
-      <p:cxnSp>
-        <p:nvCxnSpPr>
-          <p:cNvPr id="191" name="Google Shape;191;p3"/>
-          <p:cNvCxnSpPr>
-            <a:stCxn id="176" idx="1"/>
-          </p:cNvCxnSpPr>
-          <p:nvPr/>
-        </p:nvCxnSpPr>
-        <p:spPr>
-          <a:xfrm rot="10800000">
-            <a:off x="1043146" y="3985008"/>
-            <a:ext cx="561114" cy="0"/>
-          </a:xfrm>
-          <a:prstGeom prst="straightConnector1">
-            <a:avLst/>
-          </a:prstGeom>
-          <a:noFill/>
-          <a:ln w="9525" cap="flat" cmpd="sng">
-            <a:solidFill>
-              <a:schemeClr val="dk2"/>
-            </a:solidFill>
-            <a:prstDash val="solid"/>
-            <a:round/>
-            <a:headEnd type="none" w="sm" len="sm"/>
-            <a:tailEnd type="none" w="sm" len="sm"/>
-          </a:ln>
-        </p:spPr>
-      </p:cxnSp>
-      <p:cxnSp>
-        <p:nvCxnSpPr>
-          <p:cNvPr id="192" name="Google Shape;192;p3"/>
-          <p:cNvCxnSpPr>
-            <a:endCxn id="184" idx="0"/>
-          </p:cNvCxnSpPr>
-          <p:nvPr/>
-        </p:nvCxnSpPr>
-        <p:spPr>
-          <a:xfrm>
-            <a:off x="1055741" y="3969794"/>
-            <a:ext cx="0" cy="1098090"/>
-          </a:xfrm>
-          <a:prstGeom prst="straightConnector1">
-            <a:avLst/>
-          </a:prstGeom>
-          <a:noFill/>
-          <a:ln w="9525" cap="flat" cmpd="sng">
-            <a:solidFill>
-              <a:schemeClr val="dk2"/>
-            </a:solidFill>
-            <a:prstDash val="solid"/>
-            <a:round/>
-            <a:headEnd type="none" w="sm" len="sm"/>
-            <a:tailEnd type="triangle" w="med" len="med"/>
-          </a:ln>
-        </p:spPr>
-      </p:cxnSp>
-      <p:cxnSp>
-        <p:nvCxnSpPr>
-          <p:cNvPr id="193" name="Google Shape;193;p3"/>
-          <p:cNvCxnSpPr>
-            <a:stCxn id="184" idx="3"/>
-          </p:cNvCxnSpPr>
-          <p:nvPr/>
-        </p:nvCxnSpPr>
-        <p:spPr>
-          <a:xfrm>
-            <a:off x="1604261" y="5269416"/>
-            <a:ext cx="2827257" cy="0"/>
-          </a:xfrm>
-          <a:prstGeom prst="straightConnector1">
-            <a:avLst/>
-          </a:prstGeom>
-          <a:noFill/>
-          <a:ln w="9525" cap="flat" cmpd="sng">
-            <a:solidFill>
-              <a:schemeClr val="dk2"/>
-            </a:solidFill>
-            <a:prstDash val="solid"/>
-            <a:round/>
-            <a:headEnd type="none" w="sm" len="sm"/>
-            <a:tailEnd type="none" w="sm" len="sm"/>
-          </a:ln>
-        </p:spPr>
-      </p:cxnSp>
-      <p:cxnSp>
-        <p:nvCxnSpPr>
-          <p:cNvPr id="194" name="Google Shape;194;p3"/>
-          <p:cNvCxnSpPr>
-            <a:endCxn id="178" idx="2"/>
-          </p:cNvCxnSpPr>
-          <p:nvPr/>
-        </p:nvCxnSpPr>
-        <p:spPr>
-          <a:xfrm rot="10800000">
-            <a:off x="4437995" y="4784277"/>
-            <a:ext cx="0" cy="491849"/>
-          </a:xfrm>
-          <a:prstGeom prst="straightConnector1">
-            <a:avLst/>
-          </a:prstGeom>
-          <a:noFill/>
-          <a:ln w="9525" cap="flat" cmpd="sng">
-            <a:solidFill>
-              <a:schemeClr val="dk2"/>
-            </a:solidFill>
-            <a:prstDash val="solid"/>
-            <a:round/>
-            <a:headEnd type="none" w="sm" len="sm"/>
-            <a:tailEnd type="triangle" w="med" len="med"/>
-          </a:ln>
-        </p:spPr>
-      </p:cxnSp>
-      <p:sp>
-        <p:nvSpPr>
-          <p:cNvPr id="195" name="Google Shape;195;p3"/>
-          <p:cNvSpPr/>
-          <p:nvPr/>
-        </p:nvSpPr>
-        <p:spPr>
-          <a:xfrm>
-            <a:off x="1043007" y="1423612"/>
-            <a:ext cx="223816" cy="223816"/>
-          </a:xfrm>
-          <a:prstGeom prst="flowChartConnector">
-            <a:avLst/>
-          </a:prstGeom>
-          <a:solidFill>
-            <a:schemeClr val="lt2"/>
-          </a:solidFill>
-          <a:ln w="9525" cap="flat" cmpd="sng">
-            <a:solidFill>
-              <a:schemeClr val="dk2"/>
-            </a:solidFill>
-            <a:prstDash val="solid"/>
-            <a:round/>
-            <a:headEnd type="none" w="sm" len="sm"/>
-            <a:tailEnd type="none" w="sm" len="sm"/>
-          </a:ln>
-        </p:spPr>
-        <p:txBody>
-          <a:bodyPr spcFirstLastPara="1" wrap="square" lIns="127975" tIns="127975" rIns="127975" bIns="127975" anchor="ctr" anchorCtr="0">
-            <a:noAutofit/>
-          </a:bodyPr>
-          <a:lstStyle/>
-          <a:p>
-            <a:pPr marL="0" marR="0" lvl="0" indent="0" algn="l" rtl="0">
-              <a:lnSpc>
-                <a:spcPct val="100000"/>
-              </a:lnSpc>
-              <a:spcBef>
-                <a:spcPts val="0"/>
-              </a:spcBef>
-              <a:spcAft>
-                <a:spcPts val="0"/>
-              </a:spcAft>
-              <a:buNone/>
-            </a:pPr>
-            <a:endParaRPr sz="2800" b="0" i="0" u="none" strike="noStrike" cap="none">
-              <a:solidFill>
-                <a:srgbClr val="000000"/>
-              </a:solidFill>
-              <a:latin typeface="Microsoft GothicNeo Light" panose="020B0300000101010101" pitchFamily="50" charset="-127"/>
-              <a:ea typeface="Microsoft GothicNeo Light" panose="020B0300000101010101" pitchFamily="50" charset="-127"/>
-              <a:cs typeface="Microsoft GothicNeo Light" panose="020B0300000101010101" pitchFamily="50" charset="-127"/>
-              <a:sym typeface="Arial"/>
-            </a:endParaRPr>
-          </a:p>
-        </p:txBody>
-      </p:sp>
-      <p:sp>
-        <p:nvSpPr>
-          <p:cNvPr id="196" name="Google Shape;196;p3"/>
-          <p:cNvSpPr/>
-          <p:nvPr/>
-        </p:nvSpPr>
-        <p:spPr>
-          <a:xfrm>
-            <a:off x="1043007" y="6217368"/>
-            <a:ext cx="223816" cy="223816"/>
-          </a:xfrm>
-          <a:prstGeom prst="flowChartConnector">
-            <a:avLst/>
-          </a:prstGeom>
-          <a:solidFill>
-            <a:schemeClr val="lt2"/>
-          </a:solidFill>
-          <a:ln w="9525" cap="flat" cmpd="sng">
-            <a:solidFill>
-              <a:schemeClr val="dk2"/>
-            </a:solidFill>
-            <a:prstDash val="solid"/>
-            <a:round/>
-            <a:headEnd type="none" w="sm" len="sm"/>
-            <a:tailEnd type="none" w="sm" len="sm"/>
-          </a:ln>
-        </p:spPr>
-        <p:txBody>
-          <a:bodyPr spcFirstLastPara="1" wrap="square" lIns="127975" tIns="127975" rIns="127975" bIns="127975" anchor="ctr" anchorCtr="0">
-            <a:noAutofit/>
-          </a:bodyPr>
-          <a:lstStyle/>
-          <a:p>
-            <a:pPr marL="0" marR="0" lvl="0" indent="0" algn="l" rtl="0">
-              <a:lnSpc>
-                <a:spcPct val="100000"/>
-              </a:lnSpc>
-              <a:spcBef>
-                <a:spcPts val="0"/>
-              </a:spcBef>
-              <a:spcAft>
-                <a:spcPts val="0"/>
-              </a:spcAft>
-              <a:buNone/>
-            </a:pPr>
-            <a:endParaRPr sz="2800" b="0" i="0" u="none" strike="noStrike" cap="none">
-              <a:solidFill>
-                <a:srgbClr val="000000"/>
-              </a:solidFill>
-              <a:latin typeface="Microsoft GothicNeo Light" panose="020B0300000101010101" pitchFamily="50" charset="-127"/>
-              <a:ea typeface="Microsoft GothicNeo Light" panose="020B0300000101010101" pitchFamily="50" charset="-127"/>
-              <a:cs typeface="Microsoft GothicNeo Light" panose="020B0300000101010101" pitchFamily="50" charset="-127"/>
-              <a:sym typeface="Arial"/>
-            </a:endParaRPr>
-          </a:p>
-        </p:txBody>
-      </p:sp>
-      <p:cxnSp>
-        <p:nvCxnSpPr>
-          <p:cNvPr id="197" name="Google Shape;197;p3"/>
-          <p:cNvCxnSpPr>
-            <a:cxnSpLocks/>
-            <a:endCxn id="195" idx="6"/>
-          </p:cNvCxnSpPr>
-          <p:nvPr/>
-        </p:nvCxnSpPr>
-        <p:spPr>
-          <a:xfrm rot="10800000">
-            <a:off x="1266823" y="1535520"/>
-            <a:ext cx="2622612" cy="0"/>
-          </a:xfrm>
-          <a:prstGeom prst="straightConnector1">
-            <a:avLst/>
-          </a:prstGeom>
-          <a:noFill/>
-          <a:ln w="9525" cap="flat" cmpd="sng">
-            <a:solidFill>
-              <a:schemeClr val="dk2"/>
-            </a:solidFill>
-            <a:prstDash val="solid"/>
-            <a:round/>
-            <a:headEnd type="none" w="sm" len="sm"/>
-            <a:tailEnd type="triangle" w="med" len="med"/>
-          </a:ln>
-        </p:spPr>
-      </p:cxnSp>
-      <p:sp>
-        <p:nvSpPr>
-          <p:cNvPr id="198" name="Google Shape;198;p3"/>
-          <p:cNvSpPr/>
-          <p:nvPr/>
-        </p:nvSpPr>
-        <p:spPr>
-          <a:xfrm>
-            <a:off x="2053995" y="6113541"/>
-            <a:ext cx="1097040" cy="403064"/>
-          </a:xfrm>
-          <a:prstGeom prst="roundRect">
-            <a:avLst>
-              <a:gd name="adj" fmla="val 16667"/>
-            </a:avLst>
-          </a:prstGeom>
-          <a:solidFill>
-            <a:srgbClr val="FFE599"/>
-          </a:solidFill>
-          <a:ln>
-            <a:noFill/>
-          </a:ln>
-        </p:spPr>
-        <p:txBody>
-          <a:bodyPr spcFirstLastPara="1" wrap="square" lIns="127975" tIns="127975" rIns="127975" bIns="127975" anchor="ctr" anchorCtr="0">
-            <a:noAutofit/>
-          </a:bodyPr>
-          <a:lstStyle/>
-          <a:p>
-            <a:pPr marL="0" marR="0" lvl="0" indent="0" algn="ctr" rtl="0">
-              <a:lnSpc>
-                <a:spcPct val="100000"/>
-              </a:lnSpc>
-              <a:spcBef>
-                <a:spcPts val="0"/>
-              </a:spcBef>
-              <a:spcAft>
-                <a:spcPts val="0"/>
-              </a:spcAft>
-              <a:buNone/>
-            </a:pPr>
-            <a:r>
-              <a:rPr lang="ko" sz="1100" b="0" i="0" u="none" strike="noStrike" cap="none">
-                <a:solidFill>
-                  <a:schemeClr val="dk1"/>
+              </a:endParaRPr>
+            </a:p>
+            <a:p>
+              <a:pPr marL="171450" marR="0" lvl="0" indent="-171450" rtl="0">
+                <a:lnSpc>
+                  <a:spcPct val="100000"/>
+                </a:lnSpc>
+                <a:spcBef>
+                  <a:spcPts val="0"/>
+                </a:spcBef>
+                <a:spcAft>
+                  <a:spcPts val="0"/>
+                </a:spcAft>
+                <a:buFont typeface="Arial" panose="020B0604020202020204" pitchFamily="34" charset="0"/>
+                <a:buChar char="•"/>
+              </a:pPr>
+              <a:r>
+                <a:rPr lang="ko-KR" altLang="en-US" sz="1100" dirty="0">
+                  <a:solidFill>
+                    <a:schemeClr val="lt1"/>
+                  </a:solidFill>
+                  <a:latin typeface="Microsoft GothicNeo Light" panose="020B0300000101010101" pitchFamily="50" charset="-127"/>
+                  <a:ea typeface="Microsoft GothicNeo Light" panose="020B0300000101010101" pitchFamily="50" charset="-127"/>
+                  <a:cs typeface="Microsoft GothicNeo Light" panose="020B0300000101010101" pitchFamily="50" charset="-127"/>
+                </a:rPr>
+                <a:t>타이머</a:t>
+              </a:r>
+              <a:endParaRPr lang="en-US" altLang="ko-KR" sz="1100" dirty="0">
+                <a:solidFill>
+                  <a:schemeClr val="lt1"/>
                 </a:solidFill>
                 <a:latin typeface="Microsoft GothicNeo Light" panose="020B0300000101010101" pitchFamily="50" charset="-127"/>
                 <a:ea typeface="Microsoft GothicNeo Light" panose="020B0300000101010101" pitchFamily="50" charset="-127"/>
                 <a:cs typeface="Microsoft GothicNeo Light" panose="020B0300000101010101" pitchFamily="50" charset="-127"/>
-                <a:sym typeface="Arial"/>
-              </a:rPr>
-              <a:t>타이머 업데이트</a:t>
-            </a:r>
-            <a:endParaRPr sz="1100" b="0" i="0" u="none" strike="noStrike" cap="none">
-              <a:solidFill>
-                <a:schemeClr val="dk1"/>
-              </a:solidFill>
-              <a:latin typeface="Microsoft GothicNeo Light" panose="020B0300000101010101" pitchFamily="50" charset="-127"/>
-              <a:ea typeface="Microsoft GothicNeo Light" panose="020B0300000101010101" pitchFamily="50" charset="-127"/>
-              <a:cs typeface="Microsoft GothicNeo Light" panose="020B0300000101010101" pitchFamily="50" charset="-127"/>
-              <a:sym typeface="Arial"/>
-            </a:endParaRPr>
-          </a:p>
-        </p:txBody>
-      </p:sp>
-      <p:cxnSp>
-        <p:nvCxnSpPr>
-          <p:cNvPr id="199" name="Google Shape;199;p3"/>
-          <p:cNvCxnSpPr>
-            <a:stCxn id="196" idx="6"/>
-            <a:endCxn id="198" idx="1"/>
-          </p:cNvCxnSpPr>
-          <p:nvPr/>
-        </p:nvCxnSpPr>
-        <p:spPr>
-          <a:xfrm rot="10800000" flipH="1">
-            <a:off x="1266823" y="6314933"/>
-            <a:ext cx="787098" cy="14343"/>
-          </a:xfrm>
-          <a:prstGeom prst="straightConnector1">
-            <a:avLst/>
-          </a:prstGeom>
-          <a:noFill/>
-          <a:ln w="9525" cap="flat" cmpd="sng">
-            <a:solidFill>
-              <a:schemeClr val="dk2"/>
-            </a:solidFill>
-            <a:prstDash val="solid"/>
-            <a:round/>
-            <a:headEnd type="none" w="sm" len="sm"/>
-            <a:tailEnd type="triangle" w="med" len="med"/>
-          </a:ln>
-        </p:spPr>
-      </p:cxnSp>
-      <p:sp>
-        <p:nvSpPr>
-          <p:cNvPr id="200" name="Google Shape;200;p3"/>
-          <p:cNvSpPr/>
-          <p:nvPr/>
-        </p:nvSpPr>
-        <p:spPr>
-          <a:xfrm>
-            <a:off x="3889456" y="6113541"/>
-            <a:ext cx="1097040" cy="403064"/>
-          </a:xfrm>
-          <a:prstGeom prst="roundRect">
-            <a:avLst>
-              <a:gd name="adj" fmla="val 16667"/>
-            </a:avLst>
-          </a:prstGeom>
-          <a:solidFill>
-            <a:srgbClr val="6D9EEB"/>
-          </a:solidFill>
-          <a:ln>
-            <a:noFill/>
-          </a:ln>
-        </p:spPr>
-        <p:txBody>
-          <a:bodyPr spcFirstLastPara="1" wrap="square" lIns="127975" tIns="127975" rIns="127975" bIns="127975" anchor="ctr" anchorCtr="0">
-            <a:noAutofit/>
-          </a:bodyPr>
-          <a:lstStyle/>
-          <a:p>
-            <a:pPr marL="0" marR="0" lvl="0" indent="0" algn="ctr" rtl="0">
-              <a:lnSpc>
-                <a:spcPct val="100000"/>
-              </a:lnSpc>
-              <a:spcBef>
-                <a:spcPts val="0"/>
-              </a:spcBef>
-              <a:spcAft>
-                <a:spcPts val="0"/>
-              </a:spcAft>
-              <a:buNone/>
-            </a:pPr>
-            <a:r>
-              <a:rPr lang="ko" sz="1100" b="0" i="0" u="none" strike="noStrike" cap="none">
+              </a:endParaRPr>
+            </a:p>
+            <a:p>
+              <a:pPr marL="171450" marR="0" lvl="0" indent="-171450" rtl="0">
+                <a:lnSpc>
+                  <a:spcPct val="100000"/>
+                </a:lnSpc>
+                <a:spcBef>
+                  <a:spcPts val="0"/>
+                </a:spcBef>
+                <a:spcAft>
+                  <a:spcPts val="0"/>
+                </a:spcAft>
+                <a:buFont typeface="Arial" panose="020B0604020202020204" pitchFamily="34" charset="0"/>
+                <a:buChar char="•"/>
+              </a:pPr>
+              <a:r>
+                <a:rPr lang="ko-KR" altLang="en-US" sz="1100" b="0" i="0" u="none" strike="noStrike" cap="none" dirty="0">
+                  <a:solidFill>
+                    <a:schemeClr val="lt1"/>
+                  </a:solidFill>
+                  <a:latin typeface="Microsoft GothicNeo Light" panose="020B0300000101010101" pitchFamily="50" charset="-127"/>
+                  <a:ea typeface="Microsoft GothicNeo Light" panose="020B0300000101010101" pitchFamily="50" charset="-127"/>
+                  <a:cs typeface="Microsoft GothicNeo Light" panose="020B0300000101010101" pitchFamily="50" charset="-127"/>
+                  <a:sym typeface="Arial"/>
+                </a:rPr>
+                <a:t>스킬 </a:t>
+              </a:r>
+              <a:r>
+                <a:rPr lang="ko-KR" altLang="en-US" sz="1100" b="0" i="0" u="none" strike="noStrike" cap="none" dirty="0" err="1">
+                  <a:solidFill>
+                    <a:schemeClr val="lt1"/>
+                  </a:solidFill>
+                  <a:latin typeface="Microsoft GothicNeo Light" panose="020B0300000101010101" pitchFamily="50" charset="-127"/>
+                  <a:ea typeface="Microsoft GothicNeo Light" panose="020B0300000101010101" pitchFamily="50" charset="-127"/>
+                  <a:cs typeface="Microsoft GothicNeo Light" panose="020B0300000101010101" pitchFamily="50" charset="-127"/>
+                  <a:sym typeface="Arial"/>
+                </a:rPr>
+                <a:t>쿨타임</a:t>
+              </a:r>
+              <a:endParaRPr sz="1100" b="0" i="0" u="none" strike="noStrike" cap="none" dirty="0">
                 <a:solidFill>
                   <a:schemeClr val="lt1"/>
                 </a:solidFill>
@@ -16084,94 +16438,64 @@
                 <a:ea typeface="Microsoft GothicNeo Light" panose="020B0300000101010101" pitchFamily="50" charset="-127"/>
                 <a:cs typeface="Microsoft GothicNeo Light" panose="020B0300000101010101" pitchFamily="50" charset="-127"/>
                 <a:sym typeface="Arial"/>
-              </a:rPr>
-              <a:t>타이머 send</a:t>
-            </a:r>
-            <a:endParaRPr sz="1100" b="0" i="0" u="none" strike="noStrike" cap="none">
-              <a:solidFill>
-                <a:schemeClr val="lt1"/>
-              </a:solidFill>
-              <a:latin typeface="Microsoft GothicNeo Light" panose="020B0300000101010101" pitchFamily="50" charset="-127"/>
-              <a:ea typeface="Microsoft GothicNeo Light" panose="020B0300000101010101" pitchFamily="50" charset="-127"/>
-              <a:cs typeface="Microsoft GothicNeo Light" panose="020B0300000101010101" pitchFamily="50" charset="-127"/>
-              <a:sym typeface="Arial"/>
-            </a:endParaRPr>
-          </a:p>
-        </p:txBody>
-      </p:sp>
-      <p:cxnSp>
-        <p:nvCxnSpPr>
-          <p:cNvPr id="201" name="Google Shape;201;p3"/>
-          <p:cNvCxnSpPr>
-            <a:cxnSpLocks/>
-            <a:stCxn id="198" idx="3"/>
-            <a:endCxn id="200" idx="1"/>
-          </p:cNvCxnSpPr>
-          <p:nvPr/>
-        </p:nvCxnSpPr>
-        <p:spPr>
-          <a:xfrm>
-            <a:off x="3151035" y="6315073"/>
-            <a:ext cx="738421" cy="0"/>
-          </a:xfrm>
-          <a:prstGeom prst="straightConnector1">
-            <a:avLst/>
-          </a:prstGeom>
-          <a:noFill/>
-          <a:ln w="9525" cap="flat" cmpd="sng">
+              </a:endParaRPr>
+            </a:p>
+          </p:txBody>
+        </p:sp>
+        <p:sp>
+          <p:nvSpPr>
+            <p:cNvPr id="206" name="Google Shape;206;p3"/>
+            <p:cNvSpPr/>
+            <p:nvPr/>
+          </p:nvSpPr>
+          <p:spPr>
+            <a:xfrm>
+              <a:off x="3889211" y="7521736"/>
+              <a:ext cx="1097040" cy="403064"/>
+            </a:xfrm>
+            <a:prstGeom prst="roundRect">
+              <a:avLst>
+                <a:gd name="adj" fmla="val 16667"/>
+              </a:avLst>
+            </a:prstGeom>
             <a:solidFill>
-              <a:schemeClr val="dk2"/>
+              <a:srgbClr val="6D9EEB"/>
             </a:solidFill>
-            <a:prstDash val="solid"/>
-            <a:round/>
-            <a:headEnd type="none" w="sm" len="sm"/>
-            <a:tailEnd type="triangle" w="med" len="med"/>
-          </a:ln>
-        </p:spPr>
-      </p:cxnSp>
-      <p:sp>
-        <p:nvSpPr>
-          <p:cNvPr id="202" name="Google Shape;202;p3"/>
-          <p:cNvSpPr/>
-          <p:nvPr/>
-        </p:nvSpPr>
-        <p:spPr>
-          <a:xfrm>
-            <a:off x="7626817" y="6098910"/>
-            <a:ext cx="1097040" cy="403064"/>
-          </a:xfrm>
-          <a:prstGeom prst="roundRect">
-            <a:avLst>
-              <a:gd name="adj" fmla="val 16667"/>
-            </a:avLst>
-          </a:prstGeom>
-          <a:solidFill>
-            <a:srgbClr val="E06666"/>
-          </a:solidFill>
-          <a:ln>
-            <a:noFill/>
-          </a:ln>
-        </p:spPr>
-        <p:txBody>
-          <a:bodyPr spcFirstLastPara="1" wrap="square" lIns="127975" tIns="127975" rIns="127975" bIns="127975" anchor="ctr" anchorCtr="0">
-            <a:noAutofit/>
-          </a:bodyPr>
-          <a:lstStyle/>
-          <a:p>
-            <a:pPr marL="0" marR="0" lvl="0" indent="0" algn="ctr" rtl="0">
-              <a:lnSpc>
-                <a:spcPct val="100000"/>
-              </a:lnSpc>
-              <a:spcBef>
-                <a:spcPts val="0"/>
-              </a:spcBef>
-              <a:spcAft>
-                <a:spcPts val="0"/>
-              </a:spcAft>
-              <a:buNone/>
-            </a:pPr>
-            <a:r>
-              <a:rPr lang="ko" sz="1100" b="0" i="0" u="none" strike="noStrike" cap="none" dirty="0">
+            <a:ln>
+              <a:noFill/>
+            </a:ln>
+          </p:spPr>
+          <p:txBody>
+            <a:bodyPr spcFirstLastPara="1" wrap="square" lIns="127975" tIns="127975" rIns="127975" bIns="127975" anchor="ctr" anchorCtr="0">
+              <a:noAutofit/>
+            </a:bodyPr>
+            <a:lstStyle/>
+            <a:p>
+              <a:pPr marL="0" marR="0" lvl="0" indent="0" algn="ctr" rtl="0">
+                <a:lnSpc>
+                  <a:spcPct val="100000"/>
+                </a:lnSpc>
+                <a:spcBef>
+                  <a:spcPts val="0"/>
+                </a:spcBef>
+                <a:spcAft>
+                  <a:spcPts val="0"/>
+                </a:spcAft>
+                <a:buNone/>
+              </a:pPr>
+              <a:r>
+                <a:rPr lang="ko" sz="1100" b="0" i="0" u="none" strike="noStrike" cap="none">
+                  <a:solidFill>
+                    <a:schemeClr val="lt1"/>
+                  </a:solidFill>
+                  <a:latin typeface="Microsoft GothicNeo Light" panose="020B0300000101010101" pitchFamily="50" charset="-127"/>
+                  <a:ea typeface="Microsoft GothicNeo Light" panose="020B0300000101010101" pitchFamily="50" charset="-127"/>
+                  <a:cs typeface="Microsoft GothicNeo Light" panose="020B0300000101010101" pitchFamily="50" charset="-127"/>
+                  <a:sym typeface="Arial"/>
+                </a:rPr>
+                <a:t>게임 결과 send</a:t>
+              </a:r>
+              <a:endParaRPr sz="1100" b="0" i="0" u="none" strike="noStrike" cap="none">
                 <a:solidFill>
                   <a:schemeClr val="lt1"/>
                 </a:solidFill>
@@ -16179,122 +16503,64 @@
                 <a:ea typeface="Microsoft GothicNeo Light" panose="020B0300000101010101" pitchFamily="50" charset="-127"/>
                 <a:cs typeface="Microsoft GothicNeo Light" panose="020B0300000101010101" pitchFamily="50" charset="-127"/>
                 <a:sym typeface="Arial"/>
-              </a:rPr>
-              <a:t>타이머 recv</a:t>
-            </a:r>
-            <a:endParaRPr sz="1100" b="0" i="0" u="none" strike="noStrike" cap="none" dirty="0">
-              <a:solidFill>
-                <a:schemeClr val="lt1"/>
-              </a:solidFill>
-              <a:latin typeface="Microsoft GothicNeo Light" panose="020B0300000101010101" pitchFamily="50" charset="-127"/>
-              <a:ea typeface="Microsoft GothicNeo Light" panose="020B0300000101010101" pitchFamily="50" charset="-127"/>
-              <a:cs typeface="Microsoft GothicNeo Light" panose="020B0300000101010101" pitchFamily="50" charset="-127"/>
-              <a:sym typeface="Arial"/>
-            </a:endParaRPr>
-          </a:p>
-        </p:txBody>
-      </p:sp>
-      <p:cxnSp>
-        <p:nvCxnSpPr>
-          <p:cNvPr id="203" name="Google Shape;203;p3"/>
-          <p:cNvCxnSpPr>
-            <a:cxnSpLocks/>
-            <a:stCxn id="200" idx="3"/>
-            <a:endCxn id="202" idx="1"/>
-          </p:cNvCxnSpPr>
-          <p:nvPr/>
-        </p:nvCxnSpPr>
-        <p:spPr>
-          <a:xfrm flipV="1">
-            <a:off x="4986496" y="6300442"/>
-            <a:ext cx="2640321" cy="14631"/>
-          </a:xfrm>
-          <a:prstGeom prst="straightConnector1">
-            <a:avLst/>
-          </a:prstGeom>
-          <a:noFill/>
-          <a:ln w="9525" cap="flat" cmpd="sng">
+              </a:endParaRPr>
+            </a:p>
+          </p:txBody>
+        </p:sp>
+        <p:sp>
+          <p:nvSpPr>
+            <p:cNvPr id="207" name="Google Shape;207;p3"/>
+            <p:cNvSpPr/>
+            <p:nvPr/>
+          </p:nvSpPr>
+          <p:spPr>
+            <a:xfrm>
+              <a:off x="2053954" y="7521736"/>
+              <a:ext cx="1097040" cy="403064"/>
+            </a:xfrm>
+            <a:prstGeom prst="roundRect">
+              <a:avLst>
+                <a:gd name="adj" fmla="val 16667"/>
+              </a:avLst>
+            </a:prstGeom>
             <a:solidFill>
-              <a:schemeClr val="dk2"/>
+              <a:srgbClr val="6D9EEB"/>
             </a:solidFill>
-            <a:prstDash val="solid"/>
-            <a:round/>
-            <a:headEnd type="none" w="sm" len="sm"/>
-            <a:tailEnd type="triangle" w="med" len="med"/>
-          </a:ln>
-        </p:spPr>
-      </p:cxnSp>
-      <p:cxnSp>
-        <p:nvCxnSpPr>
-          <p:cNvPr id="204" name="Google Shape;204;p3"/>
-          <p:cNvCxnSpPr>
-            <a:stCxn id="202" idx="3"/>
-          </p:cNvCxnSpPr>
-          <p:nvPr/>
-        </p:nvCxnSpPr>
-        <p:spPr>
-          <a:xfrm rot="10800000" flipH="1">
-            <a:off x="8723857" y="6295895"/>
-            <a:ext cx="481005" cy="4548"/>
-          </a:xfrm>
-          <a:prstGeom prst="straightConnector1">
-            <a:avLst/>
-          </a:prstGeom>
-          <a:noFill/>
-          <a:ln w="9525" cap="flat" cmpd="sng">
-            <a:solidFill>
-              <a:schemeClr val="dk2"/>
-            </a:solidFill>
-            <a:prstDash val="solid"/>
-            <a:round/>
-            <a:headEnd type="none" w="sm" len="sm"/>
-            <a:tailEnd type="triangle" w="med" len="med"/>
-          </a:ln>
-        </p:spPr>
-      </p:cxnSp>
-      <p:sp>
-        <p:nvSpPr>
-          <p:cNvPr id="205" name="Google Shape;205;p3"/>
-          <p:cNvSpPr/>
-          <p:nvPr/>
-        </p:nvSpPr>
-        <p:spPr>
-          <a:xfrm>
-            <a:off x="9212953" y="6027371"/>
-            <a:ext cx="1983139" cy="947477"/>
-          </a:xfrm>
-          <a:prstGeom prst="roundRect">
-            <a:avLst>
-              <a:gd name="adj" fmla="val 16667"/>
-            </a:avLst>
-          </a:prstGeom>
-          <a:solidFill>
-            <a:srgbClr val="6D9EEB"/>
-          </a:solidFill>
-          <a:ln>
-            <a:noFill/>
-          </a:ln>
-        </p:spPr>
-        <p:txBody>
-          <a:bodyPr spcFirstLastPara="1" wrap="square" lIns="127975" tIns="127975" rIns="127975" bIns="127975" anchor="ctr" anchorCtr="0">
-            <a:noAutofit/>
-          </a:bodyPr>
-          <a:lstStyle/>
-          <a:p>
-            <a:pPr marL="0" marR="0" lvl="0" indent="0" algn="ctr" rtl="0">
-              <a:lnSpc>
-                <a:spcPct val="100000"/>
-              </a:lnSpc>
-              <a:spcBef>
-                <a:spcPts val="0"/>
-              </a:spcBef>
-              <a:spcAft>
-                <a:spcPts val="0"/>
-              </a:spcAft>
-              <a:buNone/>
-            </a:pPr>
-            <a:r>
-              <a:rPr lang="ko" sz="1100" b="1" i="0" u="none" strike="noStrike" cap="none" dirty="0">
+            <a:ln>
+              <a:noFill/>
+            </a:ln>
+          </p:spPr>
+          <p:txBody>
+            <a:bodyPr spcFirstLastPara="1" wrap="square" lIns="127975" tIns="127975" rIns="127975" bIns="127975" anchor="ctr" anchorCtr="0">
+              <a:noAutofit/>
+            </a:bodyPr>
+            <a:lstStyle/>
+            <a:p>
+              <a:pPr marL="0" marR="0" lvl="0" indent="0" algn="ctr" rtl="0">
+                <a:lnSpc>
+                  <a:spcPct val="100000"/>
+                </a:lnSpc>
+                <a:spcBef>
+                  <a:spcPts val="0"/>
+                </a:spcBef>
+                <a:spcAft>
+                  <a:spcPts val="0"/>
+                </a:spcAft>
+                <a:buNone/>
+              </a:pPr>
+              <a:r>
+                <a:rPr lang="ko" sz="1100" b="0" i="0" u="none" strike="noStrike" cap="none">
+                  <a:solidFill>
+                    <a:schemeClr val="lt1"/>
+                  </a:solidFill>
+                  <a:latin typeface="Microsoft GothicNeo Light" panose="020B0300000101010101" pitchFamily="50" charset="-127"/>
+                  <a:ea typeface="Microsoft GothicNeo Light" panose="020B0300000101010101" pitchFamily="50" charset="-127"/>
+                  <a:cs typeface="Microsoft GothicNeo Light" panose="020B0300000101010101" pitchFamily="50" charset="-127"/>
+                  <a:sym typeface="Arial"/>
+                </a:rPr>
+                <a:t>게임 결과 업데이트</a:t>
+              </a:r>
+              <a:endParaRPr sz="1100" b="0" i="0" u="none" strike="noStrike" cap="none">
                 <a:solidFill>
                   <a:schemeClr val="lt1"/>
                 </a:solidFill>
@@ -16302,169 +16568,336 @@
                 <a:ea typeface="Microsoft GothicNeo Light" panose="020B0300000101010101" pitchFamily="50" charset="-127"/>
                 <a:cs typeface="Microsoft GothicNeo Light" panose="020B0300000101010101" pitchFamily="50" charset="-127"/>
                 <a:sym typeface="Arial"/>
-              </a:rPr>
-              <a:t>타이머 업데이트</a:t>
-            </a:r>
-            <a:endParaRPr lang="en-US" altLang="ko" sz="1100" b="1" i="0" u="none" strike="noStrike" cap="none" dirty="0">
+              </a:endParaRPr>
+            </a:p>
+          </p:txBody>
+        </p:sp>
+        <p:cxnSp>
+          <p:nvCxnSpPr>
+            <p:cNvPr id="208" name="Google Shape;208;p3"/>
+            <p:cNvCxnSpPr>
+              <a:stCxn id="207" idx="3"/>
+              <a:endCxn id="206" idx="1"/>
+            </p:cNvCxnSpPr>
+            <p:nvPr/>
+          </p:nvCxnSpPr>
+          <p:spPr>
+            <a:xfrm>
+              <a:off x="3150994" y="7723268"/>
+              <a:ext cx="738123" cy="0"/>
+            </a:xfrm>
+            <a:prstGeom prst="straightConnector1">
+              <a:avLst/>
+            </a:prstGeom>
+            <a:noFill/>
+            <a:ln w="9525" cap="flat" cmpd="sng">
               <a:solidFill>
-                <a:schemeClr val="lt1"/>
+                <a:schemeClr val="dk2"/>
               </a:solidFill>
-              <a:latin typeface="Microsoft GothicNeo Light" panose="020B0300000101010101" pitchFamily="50" charset="-127"/>
-              <a:ea typeface="Microsoft GothicNeo Light" panose="020B0300000101010101" pitchFamily="50" charset="-127"/>
-              <a:cs typeface="Microsoft GothicNeo Light" panose="020B0300000101010101" pitchFamily="50" charset="-127"/>
-              <a:sym typeface="Arial"/>
-            </a:endParaRPr>
-          </a:p>
-          <a:p>
-            <a:pPr marL="0" marR="0" lvl="0" indent="0" algn="ctr" rtl="0">
-              <a:lnSpc>
-                <a:spcPct val="100000"/>
-              </a:lnSpc>
-              <a:spcBef>
-                <a:spcPts val="0"/>
-              </a:spcBef>
-              <a:spcAft>
-                <a:spcPts val="0"/>
-              </a:spcAft>
-              <a:buNone/>
-            </a:pPr>
-            <a:endParaRPr lang="en-US" altLang="ko" sz="1100" b="1" i="0" u="none" strike="noStrike" cap="none" dirty="0">
-              <a:solidFill>
-                <a:schemeClr val="lt1"/>
-              </a:solidFill>
-              <a:latin typeface="Microsoft GothicNeo Light" panose="020B0300000101010101" pitchFamily="50" charset="-127"/>
-              <a:ea typeface="Microsoft GothicNeo Light" panose="020B0300000101010101" pitchFamily="50" charset="-127"/>
-              <a:cs typeface="Microsoft GothicNeo Light" panose="020B0300000101010101" pitchFamily="50" charset="-127"/>
-              <a:sym typeface="Arial"/>
-            </a:endParaRPr>
-          </a:p>
-          <a:p>
-            <a:pPr marL="171450" marR="0" lvl="0" indent="-171450" rtl="0">
-              <a:lnSpc>
-                <a:spcPct val="100000"/>
-              </a:lnSpc>
-              <a:spcBef>
-                <a:spcPts val="0"/>
-              </a:spcBef>
-              <a:spcAft>
-                <a:spcPts val="0"/>
-              </a:spcAft>
-              <a:buFont typeface="Arial" panose="020B0604020202020204" pitchFamily="34" charset="0"/>
-              <a:buChar char="•"/>
-            </a:pPr>
-            <a:r>
-              <a:rPr lang="ko-KR" altLang="en-US" sz="1100" dirty="0">
-                <a:solidFill>
-                  <a:schemeClr val="lt1"/>
+              <a:prstDash val="solid"/>
+              <a:round/>
+              <a:headEnd type="none" w="sm" len="sm"/>
+              <a:tailEnd type="triangle" w="med" len="med"/>
+            </a:ln>
+          </p:spPr>
+        </p:cxnSp>
+        <p:sp>
+          <p:nvSpPr>
+            <p:cNvPr id="209" name="Google Shape;209;p3"/>
+            <p:cNvSpPr/>
+            <p:nvPr/>
+          </p:nvSpPr>
+          <p:spPr>
+            <a:xfrm>
+              <a:off x="1604259" y="6728993"/>
+              <a:ext cx="1996561" cy="491709"/>
+            </a:xfrm>
+            <a:prstGeom prst="flowChartDecision">
+              <a:avLst/>
+            </a:prstGeom>
+            <a:solidFill>
+              <a:srgbClr val="FFE599"/>
+            </a:solidFill>
+            <a:ln>
+              <a:noFill/>
+            </a:ln>
+          </p:spPr>
+          <p:txBody>
+            <a:bodyPr spcFirstLastPara="1" wrap="square" lIns="127975" tIns="127975" rIns="127975" bIns="127975" anchor="ctr" anchorCtr="0">
+              <a:noAutofit/>
+            </a:bodyPr>
+            <a:lstStyle/>
+            <a:p>
+              <a:pPr marL="0" marR="0" lvl="0" indent="0" algn="ctr" rtl="0">
+                <a:lnSpc>
+                  <a:spcPct val="100000"/>
+                </a:lnSpc>
+                <a:spcBef>
+                  <a:spcPts val="0"/>
+                </a:spcBef>
+                <a:spcAft>
+                  <a:spcPts val="0"/>
+                </a:spcAft>
+                <a:buNone/>
+              </a:pPr>
+              <a:r>
+                <a:rPr lang="ko" sz="1000" b="0" i="0" u="none" strike="noStrike" cap="none">
+                  <a:solidFill>
+                    <a:schemeClr val="dk1"/>
+                  </a:solidFill>
+                  <a:latin typeface="Microsoft GothicNeo Light" panose="020B0300000101010101" pitchFamily="50" charset="-127"/>
+                  <a:ea typeface="Microsoft GothicNeo Light" panose="020B0300000101010101" pitchFamily="50" charset="-127"/>
+                  <a:cs typeface="Microsoft GothicNeo Light" panose="020B0300000101010101" pitchFamily="50" charset="-127"/>
+                  <a:sym typeface="Arial"/>
+                </a:rPr>
+                <a:t>진행시간 &gt;=  지정시간</a:t>
+              </a:r>
+              <a:endParaRPr sz="1000" b="0" i="0" u="none" strike="noStrike" cap="none">
+                <a:solidFill>
+                  <a:schemeClr val="dk1"/>
                 </a:solidFill>
                 <a:latin typeface="Microsoft GothicNeo Light" panose="020B0300000101010101" pitchFamily="50" charset="-127"/>
                 <a:ea typeface="Microsoft GothicNeo Light" panose="020B0300000101010101" pitchFamily="50" charset="-127"/>
                 <a:cs typeface="Microsoft GothicNeo Light" panose="020B0300000101010101" pitchFamily="50" charset="-127"/>
-              </a:rPr>
-              <a:t>타이머</a:t>
-            </a:r>
-            <a:endParaRPr lang="en-US" altLang="ko-KR" sz="1100" dirty="0">
+                <a:sym typeface="Arial"/>
+              </a:endParaRPr>
+            </a:p>
+          </p:txBody>
+        </p:sp>
+        <p:cxnSp>
+          <p:nvCxnSpPr>
+            <p:cNvPr id="210" name="Google Shape;210;p3"/>
+            <p:cNvCxnSpPr>
+              <a:stCxn id="198" idx="2"/>
+              <a:endCxn id="209" idx="0"/>
+            </p:cNvCxnSpPr>
+            <p:nvPr/>
+          </p:nvCxnSpPr>
+          <p:spPr>
+            <a:xfrm>
+              <a:off x="2602515" y="6516605"/>
+              <a:ext cx="0" cy="212342"/>
+            </a:xfrm>
+            <a:prstGeom prst="straightConnector1">
+              <a:avLst/>
+            </a:prstGeom>
+            <a:noFill/>
+            <a:ln w="9525" cap="flat" cmpd="sng">
               <a:solidFill>
-                <a:schemeClr val="lt1"/>
+                <a:schemeClr val="dk2"/>
               </a:solidFill>
-              <a:latin typeface="Microsoft GothicNeo Light" panose="020B0300000101010101" pitchFamily="50" charset="-127"/>
-              <a:ea typeface="Microsoft GothicNeo Light" panose="020B0300000101010101" pitchFamily="50" charset="-127"/>
-              <a:cs typeface="Microsoft GothicNeo Light" panose="020B0300000101010101" pitchFamily="50" charset="-127"/>
-            </a:endParaRPr>
-          </a:p>
-          <a:p>
-            <a:pPr marL="171450" marR="0" lvl="0" indent="-171450" rtl="0">
-              <a:lnSpc>
-                <a:spcPct val="100000"/>
-              </a:lnSpc>
-              <a:spcBef>
-                <a:spcPts val="0"/>
-              </a:spcBef>
-              <a:spcAft>
-                <a:spcPts val="0"/>
-              </a:spcAft>
-              <a:buFont typeface="Arial" panose="020B0604020202020204" pitchFamily="34" charset="0"/>
-              <a:buChar char="•"/>
-            </a:pPr>
-            <a:r>
-              <a:rPr lang="ko-KR" altLang="en-US" sz="1100" b="0" i="0" u="none" strike="noStrike" cap="none" dirty="0">
-                <a:solidFill>
-                  <a:schemeClr val="lt1"/>
+              <a:prstDash val="solid"/>
+              <a:round/>
+              <a:headEnd type="none" w="sm" len="sm"/>
+              <a:tailEnd type="triangle" w="med" len="med"/>
+            </a:ln>
+          </p:spPr>
+        </p:cxnSp>
+        <p:cxnSp>
+          <p:nvCxnSpPr>
+            <p:cNvPr id="211" name="Google Shape;211;p3"/>
+            <p:cNvCxnSpPr>
+              <a:stCxn id="209" idx="2"/>
+              <a:endCxn id="207" idx="0"/>
+            </p:cNvCxnSpPr>
+            <p:nvPr/>
+          </p:nvCxnSpPr>
+          <p:spPr>
+            <a:xfrm>
+              <a:off x="2602540" y="7220703"/>
+              <a:ext cx="0" cy="301196"/>
+            </a:xfrm>
+            <a:prstGeom prst="straightConnector1">
+              <a:avLst/>
+            </a:prstGeom>
+            <a:noFill/>
+            <a:ln w="9525" cap="flat" cmpd="sng">
+              <a:solidFill>
+                <a:schemeClr val="dk2"/>
+              </a:solidFill>
+              <a:prstDash val="solid"/>
+              <a:round/>
+              <a:headEnd type="none" w="sm" len="sm"/>
+              <a:tailEnd type="triangle" w="med" len="med"/>
+            </a:ln>
+          </p:spPr>
+        </p:cxnSp>
+        <p:sp>
+          <p:nvSpPr>
+            <p:cNvPr id="212" name="Google Shape;212;p3"/>
+            <p:cNvSpPr txBox="1"/>
+            <p:nvPr/>
+          </p:nvSpPr>
+          <p:spPr>
+            <a:xfrm>
+              <a:off x="2602494" y="7066351"/>
+              <a:ext cx="723851" cy="504671"/>
+            </a:xfrm>
+            <a:prstGeom prst="rect">
+              <a:avLst/>
+            </a:prstGeom>
+            <a:noFill/>
+            <a:ln>
+              <a:noFill/>
+            </a:ln>
+          </p:spPr>
+          <p:txBody>
+            <a:bodyPr spcFirstLastPara="1" wrap="square" lIns="127975" tIns="127975" rIns="127975" bIns="127975" anchor="t" anchorCtr="0">
+              <a:spAutoFit/>
+            </a:bodyPr>
+            <a:lstStyle/>
+            <a:p>
+              <a:pPr marL="0" marR="0" lvl="0" indent="0" algn="l" rtl="0">
+                <a:lnSpc>
+                  <a:spcPct val="100000"/>
+                </a:lnSpc>
+                <a:spcBef>
+                  <a:spcPts val="0"/>
+                </a:spcBef>
+                <a:spcAft>
+                  <a:spcPts val="0"/>
+                </a:spcAft>
+                <a:buNone/>
+              </a:pPr>
+              <a:r>
+                <a:rPr lang="ko" sz="1600" b="0" i="0" u="none" strike="noStrike" cap="none">
+                  <a:solidFill>
+                    <a:srgbClr val="000000"/>
+                  </a:solidFill>
+                  <a:latin typeface="Microsoft GothicNeo Light" panose="020B0300000101010101" pitchFamily="50" charset="-127"/>
+                  <a:ea typeface="Microsoft GothicNeo Light" panose="020B0300000101010101" pitchFamily="50" charset="-127"/>
+                  <a:cs typeface="Microsoft GothicNeo Light" panose="020B0300000101010101" pitchFamily="50" charset="-127"/>
+                  <a:sym typeface="Arial"/>
+                </a:rPr>
+                <a:t>YES</a:t>
+              </a:r>
+              <a:endParaRPr sz="1600" b="0" i="0" u="none" strike="noStrike" cap="none">
+                <a:solidFill>
+                  <a:srgbClr val="000000"/>
                 </a:solidFill>
                 <a:latin typeface="Microsoft GothicNeo Light" panose="020B0300000101010101" pitchFamily="50" charset="-127"/>
                 <a:ea typeface="Microsoft GothicNeo Light" panose="020B0300000101010101" pitchFamily="50" charset="-127"/>
                 <a:cs typeface="Microsoft GothicNeo Light" panose="020B0300000101010101" pitchFamily="50" charset="-127"/>
                 <a:sym typeface="Arial"/>
-              </a:rPr>
-              <a:t>스킬 </a:t>
-            </a:r>
-            <a:r>
-              <a:rPr lang="ko-KR" altLang="en-US" sz="1100" b="0" i="0" u="none" strike="noStrike" cap="none" dirty="0" err="1">
-                <a:solidFill>
-                  <a:schemeClr val="lt1"/>
+              </a:endParaRPr>
+            </a:p>
+          </p:txBody>
+        </p:sp>
+        <p:sp>
+          <p:nvSpPr>
+            <p:cNvPr id="213" name="Google Shape;213;p3"/>
+            <p:cNvSpPr txBox="1"/>
+            <p:nvPr/>
+          </p:nvSpPr>
+          <p:spPr>
+            <a:xfrm>
+              <a:off x="1086105" y="6457143"/>
+              <a:ext cx="723851" cy="504671"/>
+            </a:xfrm>
+            <a:prstGeom prst="rect">
+              <a:avLst/>
+            </a:prstGeom>
+            <a:noFill/>
+            <a:ln>
+              <a:noFill/>
+            </a:ln>
+          </p:spPr>
+          <p:txBody>
+            <a:bodyPr spcFirstLastPara="1" wrap="square" lIns="127975" tIns="127975" rIns="127975" bIns="127975" anchor="t" anchorCtr="0">
+              <a:spAutoFit/>
+            </a:bodyPr>
+            <a:lstStyle/>
+            <a:p>
+              <a:pPr marL="0" marR="0" lvl="0" indent="0" algn="l" rtl="0">
+                <a:lnSpc>
+                  <a:spcPct val="100000"/>
+                </a:lnSpc>
+                <a:spcBef>
+                  <a:spcPts val="0"/>
+                </a:spcBef>
+                <a:spcAft>
+                  <a:spcPts val="0"/>
+                </a:spcAft>
+                <a:buNone/>
+              </a:pPr>
+              <a:r>
+                <a:rPr lang="ko" sz="1600" b="0" i="0" u="none" strike="noStrike" cap="none">
+                  <a:solidFill>
+                    <a:srgbClr val="000000"/>
+                  </a:solidFill>
+                  <a:latin typeface="Microsoft GothicNeo Light" panose="020B0300000101010101" pitchFamily="50" charset="-127"/>
+                  <a:ea typeface="Microsoft GothicNeo Light" panose="020B0300000101010101" pitchFamily="50" charset="-127"/>
+                  <a:cs typeface="Microsoft GothicNeo Light" panose="020B0300000101010101" pitchFamily="50" charset="-127"/>
+                  <a:sym typeface="Arial"/>
+                </a:rPr>
+                <a:t>NO</a:t>
+              </a:r>
+              <a:endParaRPr sz="1600" b="0" i="0" u="none" strike="noStrike" cap="none">
+                <a:solidFill>
+                  <a:srgbClr val="000000"/>
                 </a:solidFill>
                 <a:latin typeface="Microsoft GothicNeo Light" panose="020B0300000101010101" pitchFamily="50" charset="-127"/>
                 <a:ea typeface="Microsoft GothicNeo Light" panose="020B0300000101010101" pitchFamily="50" charset="-127"/>
                 <a:cs typeface="Microsoft GothicNeo Light" panose="020B0300000101010101" pitchFamily="50" charset="-127"/>
                 <a:sym typeface="Arial"/>
-              </a:rPr>
-              <a:t>쿨타임</a:t>
-            </a:r>
-            <a:endParaRPr sz="1100" b="0" i="0" u="none" strike="noStrike" cap="none" dirty="0">
-              <a:solidFill>
-                <a:schemeClr val="lt1"/>
-              </a:solidFill>
-              <a:latin typeface="Microsoft GothicNeo Light" panose="020B0300000101010101" pitchFamily="50" charset="-127"/>
-              <a:ea typeface="Microsoft GothicNeo Light" panose="020B0300000101010101" pitchFamily="50" charset="-127"/>
-              <a:cs typeface="Microsoft GothicNeo Light" panose="020B0300000101010101" pitchFamily="50" charset="-127"/>
-              <a:sym typeface="Arial"/>
-            </a:endParaRPr>
-          </a:p>
-        </p:txBody>
-      </p:sp>
-      <p:sp>
-        <p:nvSpPr>
-          <p:cNvPr id="206" name="Google Shape;206;p3"/>
-          <p:cNvSpPr/>
-          <p:nvPr/>
-        </p:nvSpPr>
-        <p:spPr>
-          <a:xfrm>
-            <a:off x="3889211" y="7521736"/>
-            <a:ext cx="1097040" cy="403064"/>
-          </a:xfrm>
-          <a:prstGeom prst="roundRect">
-            <a:avLst>
-              <a:gd name="adj" fmla="val 16667"/>
-            </a:avLst>
-          </a:prstGeom>
-          <a:solidFill>
-            <a:srgbClr val="6D9EEB"/>
-          </a:solidFill>
-          <a:ln>
-            <a:noFill/>
-          </a:ln>
-        </p:spPr>
-        <p:txBody>
-          <a:bodyPr spcFirstLastPara="1" wrap="square" lIns="127975" tIns="127975" rIns="127975" bIns="127975" anchor="ctr" anchorCtr="0">
-            <a:noAutofit/>
-          </a:bodyPr>
-          <a:lstStyle/>
-          <a:p>
-            <a:pPr marL="0" marR="0" lvl="0" indent="0" algn="ctr" rtl="0">
-              <a:lnSpc>
-                <a:spcPct val="100000"/>
-              </a:lnSpc>
-              <a:spcBef>
-                <a:spcPts val="0"/>
-              </a:spcBef>
-              <a:spcAft>
-                <a:spcPts val="0"/>
-              </a:spcAft>
-              <a:buNone/>
-            </a:pPr>
-            <a:r>
-              <a:rPr lang="ko" sz="1100" b="0" i="0" u="none" strike="noStrike" cap="none">
+              </a:endParaRPr>
+            </a:p>
+          </p:txBody>
+        </p:sp>
+        <p:sp>
+          <p:nvSpPr>
+            <p:cNvPr id="214" name="Google Shape;214;p3"/>
+            <p:cNvSpPr/>
+            <p:nvPr/>
+          </p:nvSpPr>
+          <p:spPr>
+            <a:xfrm>
+              <a:off x="7626286" y="7486944"/>
+              <a:ext cx="1097040" cy="403064"/>
+            </a:xfrm>
+            <a:prstGeom prst="roundRect">
+              <a:avLst>
+                <a:gd name="adj" fmla="val 16667"/>
+              </a:avLst>
+            </a:prstGeom>
+            <a:solidFill>
+              <a:srgbClr val="E06666"/>
+            </a:solidFill>
+            <a:ln>
+              <a:noFill/>
+            </a:ln>
+          </p:spPr>
+          <p:txBody>
+            <a:bodyPr spcFirstLastPara="1" wrap="square" lIns="127975" tIns="127975" rIns="127975" bIns="127975" anchor="ctr" anchorCtr="0">
+              <a:noAutofit/>
+            </a:bodyPr>
+            <a:lstStyle/>
+            <a:p>
+              <a:pPr marL="0" marR="0" lvl="0" indent="0" algn="ctr" rtl="0">
+                <a:lnSpc>
+                  <a:spcPct val="100000"/>
+                </a:lnSpc>
+                <a:spcBef>
+                  <a:spcPts val="0"/>
+                </a:spcBef>
+                <a:spcAft>
+                  <a:spcPts val="0"/>
+                </a:spcAft>
+                <a:buNone/>
+              </a:pPr>
+              <a:r>
+                <a:rPr lang="ko" sz="1100" b="0" i="0" u="none" strike="noStrike" cap="none">
+                  <a:solidFill>
+                    <a:schemeClr val="lt1"/>
+                  </a:solidFill>
+                  <a:latin typeface="Microsoft GothicNeo Light" panose="020B0300000101010101" pitchFamily="50" charset="-127"/>
+                  <a:ea typeface="Microsoft GothicNeo Light" panose="020B0300000101010101" pitchFamily="50" charset="-127"/>
+                  <a:cs typeface="Microsoft GothicNeo Light" panose="020B0300000101010101" pitchFamily="50" charset="-127"/>
+                  <a:sym typeface="Arial"/>
+                </a:rPr>
+                <a:t>결과 recv</a:t>
+              </a:r>
+              <a:endParaRPr sz="1100" b="0" i="0" u="none" strike="noStrike" cap="none">
                 <a:solidFill>
                   <a:schemeClr val="lt1"/>
                 </a:solidFill>
@@ -16472,64 +16905,122 @@
                 <a:ea typeface="Microsoft GothicNeo Light" panose="020B0300000101010101" pitchFamily="50" charset="-127"/>
                 <a:cs typeface="Microsoft GothicNeo Light" panose="020B0300000101010101" pitchFamily="50" charset="-127"/>
                 <a:sym typeface="Arial"/>
-              </a:rPr>
-              <a:t>게임 결과 send</a:t>
-            </a:r>
-            <a:endParaRPr sz="1100" b="0" i="0" u="none" strike="noStrike" cap="none">
+              </a:endParaRPr>
+            </a:p>
+          </p:txBody>
+        </p:sp>
+        <p:cxnSp>
+          <p:nvCxnSpPr>
+            <p:cNvPr id="215" name="Google Shape;215;p3"/>
+            <p:cNvCxnSpPr>
+              <a:cxnSpLocks/>
+              <a:stCxn id="206" idx="3"/>
+              <a:endCxn id="214" idx="1"/>
+            </p:cNvCxnSpPr>
+            <p:nvPr/>
+          </p:nvCxnSpPr>
+          <p:spPr>
+            <a:xfrm flipV="1">
+              <a:off x="4986251" y="7688476"/>
+              <a:ext cx="2640035" cy="34792"/>
+            </a:xfrm>
+            <a:prstGeom prst="straightConnector1">
+              <a:avLst/>
+            </a:prstGeom>
+            <a:noFill/>
+            <a:ln w="9525" cap="flat" cmpd="sng">
               <a:solidFill>
-                <a:schemeClr val="lt1"/>
+                <a:schemeClr val="dk2"/>
               </a:solidFill>
-              <a:latin typeface="Microsoft GothicNeo Light" panose="020B0300000101010101" pitchFamily="50" charset="-127"/>
-              <a:ea typeface="Microsoft GothicNeo Light" panose="020B0300000101010101" pitchFamily="50" charset="-127"/>
-              <a:cs typeface="Microsoft GothicNeo Light" panose="020B0300000101010101" pitchFamily="50" charset="-127"/>
-              <a:sym typeface="Arial"/>
-            </a:endParaRPr>
-          </a:p>
-        </p:txBody>
-      </p:sp>
-      <p:sp>
-        <p:nvSpPr>
-          <p:cNvPr id="207" name="Google Shape;207;p3"/>
-          <p:cNvSpPr/>
-          <p:nvPr/>
-        </p:nvSpPr>
-        <p:spPr>
-          <a:xfrm>
-            <a:off x="2053954" y="7521736"/>
-            <a:ext cx="1097040" cy="403064"/>
-          </a:xfrm>
-          <a:prstGeom prst="roundRect">
-            <a:avLst>
-              <a:gd name="adj" fmla="val 16667"/>
-            </a:avLst>
-          </a:prstGeom>
-          <a:solidFill>
-            <a:srgbClr val="6D9EEB"/>
-          </a:solidFill>
-          <a:ln>
+              <a:prstDash val="solid"/>
+              <a:round/>
+              <a:headEnd type="none" w="sm" len="sm"/>
+              <a:tailEnd type="triangle" w="med" len="med"/>
+            </a:ln>
+          </p:spPr>
+        </p:cxnSp>
+        <p:cxnSp>
+          <p:nvCxnSpPr>
+            <p:cNvPr id="216" name="Google Shape;216;p3"/>
+            <p:cNvCxnSpPr>
+              <a:stCxn id="214" idx="3"/>
+            </p:cNvCxnSpPr>
+            <p:nvPr/>
+          </p:nvCxnSpPr>
+          <p:spPr>
+            <a:xfrm rot="10800000" flipH="1">
+              <a:off x="8723326" y="7683928"/>
+              <a:ext cx="481005" cy="4548"/>
+            </a:xfrm>
+            <a:prstGeom prst="straightConnector1">
+              <a:avLst/>
+            </a:prstGeom>
             <a:noFill/>
-          </a:ln>
-        </p:spPr>
-        <p:txBody>
-          <a:bodyPr spcFirstLastPara="1" wrap="square" lIns="127975" tIns="127975" rIns="127975" bIns="127975" anchor="ctr" anchorCtr="0">
-            <a:noAutofit/>
-          </a:bodyPr>
-          <a:lstStyle/>
-          <a:p>
-            <a:pPr marL="0" marR="0" lvl="0" indent="0" algn="ctr" rtl="0">
-              <a:lnSpc>
-                <a:spcPct val="100000"/>
-              </a:lnSpc>
-              <a:spcBef>
-                <a:spcPts val="0"/>
-              </a:spcBef>
-              <a:spcAft>
-                <a:spcPts val="0"/>
-              </a:spcAft>
-              <a:buNone/>
-            </a:pPr>
-            <a:r>
-              <a:rPr lang="ko" sz="1100" b="0" i="0" u="none" strike="noStrike" cap="none">
+            <a:ln w="9525" cap="flat" cmpd="sng">
+              <a:solidFill>
+                <a:schemeClr val="dk2"/>
+              </a:solidFill>
+              <a:prstDash val="solid"/>
+              <a:round/>
+              <a:headEnd type="none" w="sm" len="sm"/>
+              <a:tailEnd type="triangle" w="med" len="med"/>
+            </a:ln>
+          </p:spPr>
+        </p:cxnSp>
+        <p:sp>
+          <p:nvSpPr>
+            <p:cNvPr id="217" name="Google Shape;217;p3"/>
+            <p:cNvSpPr/>
+            <p:nvPr/>
+          </p:nvSpPr>
+          <p:spPr>
+            <a:xfrm>
+              <a:off x="9212423" y="7516206"/>
+              <a:ext cx="1097040" cy="403064"/>
+            </a:xfrm>
+            <a:prstGeom prst="roundRect">
+              <a:avLst>
+                <a:gd name="adj" fmla="val 16667"/>
+              </a:avLst>
+            </a:prstGeom>
+            <a:solidFill>
+              <a:srgbClr val="6D9EEB"/>
+            </a:solidFill>
+            <a:ln>
+              <a:noFill/>
+            </a:ln>
+          </p:spPr>
+          <p:txBody>
+            <a:bodyPr spcFirstLastPara="1" wrap="square" lIns="127975" tIns="127975" rIns="127975" bIns="127975" anchor="ctr" anchorCtr="0">
+              <a:noAutofit/>
+            </a:bodyPr>
+            <a:lstStyle/>
+            <a:p>
+              <a:pPr marL="0" marR="0" lvl="0" indent="0" algn="ctr" rtl="0">
+                <a:lnSpc>
+                  <a:spcPct val="100000"/>
+                </a:lnSpc>
+                <a:spcBef>
+                  <a:spcPts val="0"/>
+                </a:spcBef>
+                <a:spcAft>
+                  <a:spcPts val="0"/>
+                </a:spcAft>
+                <a:buNone/>
+              </a:pPr>
+              <a:r>
+                <a:rPr lang="ko" sz="1100" b="0" i="0" u="none" strike="noStrike" cap="none">
+                  <a:solidFill>
+                    <a:schemeClr val="lt1"/>
+                  </a:solidFill>
+                  <a:latin typeface="Microsoft GothicNeo Light" panose="020B0300000101010101" pitchFamily="50" charset="-127"/>
+                  <a:ea typeface="Microsoft GothicNeo Light" panose="020B0300000101010101" pitchFamily="50" charset="-127"/>
+                  <a:cs typeface="Microsoft GothicNeo Light" panose="020B0300000101010101" pitchFamily="50" charset="-127"/>
+                  <a:sym typeface="Arial"/>
+                </a:rPr>
+                <a:t>게임 종료</a:t>
+              </a:r>
+              <a:endParaRPr sz="1100" b="0" i="0" u="none" strike="noStrike" cap="none">
                 <a:solidFill>
                   <a:schemeClr val="lt1"/>
                 </a:solidFill>
@@ -16537,858 +17028,388 @@
                 <a:ea typeface="Microsoft GothicNeo Light" panose="020B0300000101010101" pitchFamily="50" charset="-127"/>
                 <a:cs typeface="Microsoft GothicNeo Light" panose="020B0300000101010101" pitchFamily="50" charset="-127"/>
                 <a:sym typeface="Arial"/>
-              </a:rPr>
-              <a:t>게임 결과 업데이트</a:t>
-            </a:r>
-            <a:endParaRPr sz="1100" b="0" i="0" u="none" strike="noStrike" cap="none">
-              <a:solidFill>
-                <a:schemeClr val="lt1"/>
-              </a:solidFill>
-              <a:latin typeface="Microsoft GothicNeo Light" panose="020B0300000101010101" pitchFamily="50" charset="-127"/>
-              <a:ea typeface="Microsoft GothicNeo Light" panose="020B0300000101010101" pitchFamily="50" charset="-127"/>
-              <a:cs typeface="Microsoft GothicNeo Light" panose="020B0300000101010101" pitchFamily="50" charset="-127"/>
-              <a:sym typeface="Arial"/>
-            </a:endParaRPr>
-          </a:p>
-        </p:txBody>
-      </p:sp>
-      <p:cxnSp>
-        <p:nvCxnSpPr>
-          <p:cNvPr id="208" name="Google Shape;208;p3"/>
-          <p:cNvCxnSpPr>
-            <a:stCxn id="207" idx="3"/>
-            <a:endCxn id="206" idx="1"/>
-          </p:cNvCxnSpPr>
-          <p:nvPr/>
-        </p:nvCxnSpPr>
-        <p:spPr>
-          <a:xfrm>
-            <a:off x="3150994" y="7723268"/>
-            <a:ext cx="738123" cy="0"/>
-          </a:xfrm>
-          <a:prstGeom prst="straightConnector1">
-            <a:avLst/>
-          </a:prstGeom>
-          <a:noFill/>
-          <a:ln w="9525" cap="flat" cmpd="sng">
-            <a:solidFill>
-              <a:schemeClr val="dk2"/>
-            </a:solidFill>
-            <a:prstDash val="solid"/>
-            <a:round/>
-            <a:headEnd type="none" w="sm" len="sm"/>
-            <a:tailEnd type="triangle" w="med" len="med"/>
-          </a:ln>
-        </p:spPr>
-      </p:cxnSp>
-      <p:sp>
-        <p:nvSpPr>
-          <p:cNvPr id="209" name="Google Shape;209;p3"/>
-          <p:cNvSpPr/>
-          <p:nvPr/>
-        </p:nvSpPr>
-        <p:spPr>
-          <a:xfrm>
-            <a:off x="1604259" y="6728993"/>
-            <a:ext cx="1996561" cy="491709"/>
-          </a:xfrm>
-          <a:prstGeom prst="flowChartDecision">
-            <a:avLst/>
-          </a:prstGeom>
-          <a:solidFill>
-            <a:srgbClr val="FFE599"/>
-          </a:solidFill>
-          <a:ln>
+              </a:endParaRPr>
+            </a:p>
+          </p:txBody>
+        </p:sp>
+        <p:sp>
+          <p:nvSpPr>
+            <p:cNvPr id="219" name="Google Shape;219;p3"/>
+            <p:cNvSpPr txBox="1"/>
+            <p:nvPr/>
+          </p:nvSpPr>
+          <p:spPr>
+            <a:xfrm>
+              <a:off x="1770314" y="5822661"/>
+              <a:ext cx="2612193" cy="290782"/>
+            </a:xfrm>
+            <a:prstGeom prst="rect">
+              <a:avLst/>
+            </a:prstGeom>
             <a:noFill/>
-          </a:ln>
-        </p:spPr>
-        <p:txBody>
-          <a:bodyPr spcFirstLastPara="1" wrap="square" lIns="127975" tIns="127975" rIns="127975" bIns="127975" anchor="ctr" anchorCtr="0">
-            <a:noAutofit/>
-          </a:bodyPr>
-          <a:lstStyle/>
-          <a:p>
-            <a:pPr marL="0" marR="0" lvl="0" indent="0" algn="ctr" rtl="0">
-              <a:lnSpc>
-                <a:spcPct val="100000"/>
-              </a:lnSpc>
-              <a:spcBef>
-                <a:spcPts val="0"/>
-              </a:spcBef>
-              <a:spcAft>
-                <a:spcPts val="0"/>
-              </a:spcAft>
-              <a:buNone/>
-            </a:pPr>
-            <a:r>
-              <a:rPr lang="ko" sz="1000" b="0" i="0" u="none" strike="noStrike" cap="none">
-                <a:solidFill>
-                  <a:schemeClr val="dk1"/>
+            <a:ln>
+              <a:noFill/>
+            </a:ln>
+          </p:spPr>
+          <p:txBody>
+            <a:bodyPr spcFirstLastPara="1" wrap="square" lIns="127975" tIns="63975" rIns="127975" bIns="63975" anchor="t" anchorCtr="0">
+              <a:spAutoFit/>
+            </a:bodyPr>
+            <a:lstStyle/>
+            <a:p>
+              <a:pPr marL="0" marR="0" lvl="0" indent="0" algn="l" rtl="0">
+                <a:lnSpc>
+                  <a:spcPct val="100000"/>
+                </a:lnSpc>
+                <a:spcBef>
+                  <a:spcPts val="0"/>
+                </a:spcBef>
+                <a:spcAft>
+                  <a:spcPts val="0"/>
+                </a:spcAft>
+                <a:buNone/>
+              </a:pPr>
+              <a:r>
+                <a:rPr lang="ko" sz="1050" b="0" i="0" u="none" strike="noStrike" cap="none">
+                  <a:solidFill>
+                    <a:srgbClr val="000000"/>
+                  </a:solidFill>
+                  <a:latin typeface="Microsoft GothicNeo Light" panose="020B0300000101010101" pitchFamily="50" charset="-127"/>
+                  <a:ea typeface="Microsoft GothicNeo Light" panose="020B0300000101010101" pitchFamily="50" charset="-127"/>
+                  <a:cs typeface="Microsoft GothicNeo Light" panose="020B0300000101010101" pitchFamily="50" charset="-127"/>
+                  <a:sym typeface="Arial"/>
+                </a:rPr>
+                <a:t>Timer Update 주기 : 5fps 정도(1초당 5번)</a:t>
+              </a:r>
+              <a:endParaRPr sz="1050" b="0" i="0" u="none" strike="noStrike" cap="none">
+                <a:solidFill>
+                  <a:srgbClr val="000000"/>
                 </a:solidFill>
                 <a:latin typeface="Microsoft GothicNeo Light" panose="020B0300000101010101" pitchFamily="50" charset="-127"/>
                 <a:ea typeface="Microsoft GothicNeo Light" panose="020B0300000101010101" pitchFamily="50" charset="-127"/>
                 <a:cs typeface="Microsoft GothicNeo Light" panose="020B0300000101010101" pitchFamily="50" charset="-127"/>
                 <a:sym typeface="Arial"/>
-              </a:rPr>
-              <a:t>진행시간 &gt;=  지정시간</a:t>
-            </a:r>
-            <a:endParaRPr sz="1000" b="0" i="0" u="none" strike="noStrike" cap="none">
+              </a:endParaRPr>
+            </a:p>
+          </p:txBody>
+        </p:sp>
+        <p:cxnSp>
+          <p:nvCxnSpPr>
+            <p:cNvPr id="220" name="Google Shape;220;p3"/>
+            <p:cNvCxnSpPr>
+              <a:stCxn id="160" idx="4"/>
+            </p:cNvCxnSpPr>
+            <p:nvPr/>
+          </p:nvCxnSpPr>
+          <p:spPr>
+            <a:xfrm>
+              <a:off x="4437995" y="1110050"/>
+              <a:ext cx="0" cy="223886"/>
+            </a:xfrm>
+            <a:prstGeom prst="straightConnector1">
+              <a:avLst/>
+            </a:prstGeom>
+            <a:noFill/>
+            <a:ln w="9525" cap="flat" cmpd="sng">
               <a:solidFill>
-                <a:schemeClr val="dk1"/>
+                <a:schemeClr val="dk2"/>
               </a:solidFill>
-              <a:latin typeface="Microsoft GothicNeo Light" panose="020B0300000101010101" pitchFamily="50" charset="-127"/>
-              <a:ea typeface="Microsoft GothicNeo Light" panose="020B0300000101010101" pitchFamily="50" charset="-127"/>
-              <a:cs typeface="Microsoft GothicNeo Light" panose="020B0300000101010101" pitchFamily="50" charset="-127"/>
-              <a:sym typeface="Arial"/>
-            </a:endParaRPr>
-          </a:p>
-        </p:txBody>
-      </p:sp>
-      <p:cxnSp>
-        <p:nvCxnSpPr>
-          <p:cNvPr id="210" name="Google Shape;210;p3"/>
-          <p:cNvCxnSpPr>
-            <a:stCxn id="198" idx="2"/>
-            <a:endCxn id="209" idx="0"/>
-          </p:cNvCxnSpPr>
-          <p:nvPr/>
-        </p:nvCxnSpPr>
-        <p:spPr>
-          <a:xfrm>
-            <a:off x="2602515" y="6516605"/>
-            <a:ext cx="0" cy="212342"/>
-          </a:xfrm>
-          <a:prstGeom prst="straightConnector1">
-            <a:avLst/>
-          </a:prstGeom>
-          <a:noFill/>
-          <a:ln w="9525" cap="flat" cmpd="sng">
+              <a:prstDash val="solid"/>
+              <a:round/>
+              <a:headEnd type="none" w="sm" len="sm"/>
+              <a:tailEnd type="triangle" w="med" len="med"/>
+            </a:ln>
+          </p:spPr>
+        </p:cxnSp>
+        <p:cxnSp>
+          <p:nvCxnSpPr>
+            <p:cNvPr id="221" name="Google Shape;221;p3"/>
+            <p:cNvCxnSpPr>
+              <a:stCxn id="209" idx="1"/>
+            </p:cNvCxnSpPr>
+            <p:nvPr/>
+          </p:nvCxnSpPr>
+          <p:spPr>
+            <a:xfrm rot="10800000">
+              <a:off x="1604259" y="6364759"/>
+              <a:ext cx="0" cy="610089"/>
+            </a:xfrm>
+            <a:prstGeom prst="straightConnector1">
+              <a:avLst/>
+            </a:prstGeom>
+            <a:noFill/>
+            <a:ln w="9525" cap="flat" cmpd="sng">
+              <a:solidFill>
+                <a:schemeClr val="dk2"/>
+              </a:solidFill>
+              <a:prstDash val="solid"/>
+              <a:round/>
+              <a:headEnd type="none" w="sm" len="sm"/>
+              <a:tailEnd type="triangle" w="med" len="med"/>
+            </a:ln>
+          </p:spPr>
+        </p:cxnSp>
+        <p:sp>
+          <p:nvSpPr>
+            <p:cNvPr id="224" name="Google Shape;224;p3"/>
+            <p:cNvSpPr/>
+            <p:nvPr/>
+          </p:nvSpPr>
+          <p:spPr>
+            <a:xfrm>
+              <a:off x="2149003" y="1333865"/>
+              <a:ext cx="1097040" cy="403064"/>
+            </a:xfrm>
+            <a:prstGeom prst="roundRect">
+              <a:avLst>
+                <a:gd name="adj" fmla="val 16667"/>
+              </a:avLst>
+            </a:prstGeom>
             <a:solidFill>
-              <a:schemeClr val="dk2"/>
+              <a:srgbClr val="FFE599"/>
             </a:solidFill>
-            <a:prstDash val="solid"/>
-            <a:round/>
-            <a:headEnd type="none" w="sm" len="sm"/>
-            <a:tailEnd type="triangle" w="med" len="med"/>
-          </a:ln>
-        </p:spPr>
-      </p:cxnSp>
-      <p:cxnSp>
-        <p:nvCxnSpPr>
-          <p:cNvPr id="211" name="Google Shape;211;p3"/>
-          <p:cNvCxnSpPr>
-            <a:stCxn id="209" idx="2"/>
-            <a:endCxn id="207" idx="0"/>
-          </p:cNvCxnSpPr>
-          <p:nvPr/>
-        </p:nvCxnSpPr>
-        <p:spPr>
-          <a:xfrm>
-            <a:off x="2602540" y="7220703"/>
-            <a:ext cx="0" cy="301196"/>
-          </a:xfrm>
-          <a:prstGeom prst="straightConnector1">
-            <a:avLst/>
-          </a:prstGeom>
-          <a:noFill/>
-          <a:ln w="9525" cap="flat" cmpd="sng">
-            <a:solidFill>
-              <a:schemeClr val="dk2"/>
-            </a:solidFill>
-            <a:prstDash val="solid"/>
-            <a:round/>
-            <a:headEnd type="none" w="sm" len="sm"/>
-            <a:tailEnd type="triangle" w="med" len="med"/>
-          </a:ln>
-        </p:spPr>
-      </p:cxnSp>
-      <p:sp>
-        <p:nvSpPr>
-          <p:cNvPr id="212" name="Google Shape;212;p3"/>
-          <p:cNvSpPr txBox="1"/>
-          <p:nvPr/>
-        </p:nvSpPr>
-        <p:spPr>
-          <a:xfrm>
-            <a:off x="2602494" y="7066351"/>
-            <a:ext cx="723851" cy="504671"/>
-          </a:xfrm>
-          <a:prstGeom prst="rect">
-            <a:avLst/>
-          </a:prstGeom>
-          <a:noFill/>
-          <a:ln>
-            <a:noFill/>
-          </a:ln>
-        </p:spPr>
-        <p:txBody>
-          <a:bodyPr spcFirstLastPara="1" wrap="square" lIns="127975" tIns="127975" rIns="127975" bIns="127975" anchor="t" anchorCtr="0">
-            <a:spAutoFit/>
-          </a:bodyPr>
-          <a:lstStyle/>
-          <a:p>
-            <a:pPr marL="0" marR="0" lvl="0" indent="0" algn="l" rtl="0">
-              <a:lnSpc>
-                <a:spcPct val="100000"/>
-              </a:lnSpc>
-              <a:spcBef>
-                <a:spcPts val="0"/>
-              </a:spcBef>
-              <a:spcAft>
-                <a:spcPts val="0"/>
-              </a:spcAft>
-              <a:buNone/>
-            </a:pPr>
-            <a:r>
-              <a:rPr lang="ko" sz="1600" b="0" i="0" u="none" strike="noStrike" cap="none">
-                <a:solidFill>
-                  <a:srgbClr val="000000"/>
+            <a:ln>
+              <a:noFill/>
+            </a:ln>
+          </p:spPr>
+          <p:txBody>
+            <a:bodyPr spcFirstLastPara="1" wrap="square" lIns="127975" tIns="127975" rIns="127975" bIns="127975" anchor="ctr" anchorCtr="0">
+              <a:noAutofit/>
+            </a:bodyPr>
+            <a:lstStyle/>
+            <a:p>
+              <a:pPr marL="0" marR="0" lvl="0" indent="0" algn="ctr" rtl="0">
+                <a:lnSpc>
+                  <a:spcPct val="100000"/>
+                </a:lnSpc>
+                <a:spcBef>
+                  <a:spcPts val="0"/>
+                </a:spcBef>
+                <a:spcAft>
+                  <a:spcPts val="0"/>
+                </a:spcAft>
+                <a:buNone/>
+              </a:pPr>
+              <a:r>
+                <a:rPr lang="ko" sz="1050" b="0" i="0" u="none" strike="noStrike" cap="none">
+                  <a:solidFill>
+                    <a:schemeClr val="dk1"/>
+                  </a:solidFill>
+                  <a:latin typeface="Microsoft GothicNeo Light" panose="020B0300000101010101" pitchFamily="50" charset="-127"/>
+                  <a:ea typeface="Microsoft GothicNeo Light" panose="020B0300000101010101" pitchFamily="50" charset="-127"/>
+                  <a:cs typeface="Microsoft GothicNeo Light" panose="020B0300000101010101" pitchFamily="50" charset="-127"/>
+                  <a:sym typeface="Arial"/>
+                </a:rPr>
+                <a:t>타이머 세팅(초기화)</a:t>
+              </a:r>
+              <a:endParaRPr sz="1050" b="0" i="0" u="none" strike="noStrike" cap="none">
+                <a:solidFill>
+                  <a:schemeClr val="dk1"/>
                 </a:solidFill>
                 <a:latin typeface="Microsoft GothicNeo Light" panose="020B0300000101010101" pitchFamily="50" charset="-127"/>
                 <a:ea typeface="Microsoft GothicNeo Light" panose="020B0300000101010101" pitchFamily="50" charset="-127"/>
                 <a:cs typeface="Microsoft GothicNeo Light" panose="020B0300000101010101" pitchFamily="50" charset="-127"/>
                 <a:sym typeface="Arial"/>
-              </a:rPr>
-              <a:t>YES</a:t>
-            </a:r>
-            <a:endParaRPr sz="1600" b="0" i="0" u="none" strike="noStrike" cap="none">
-              <a:solidFill>
-                <a:srgbClr val="000000"/>
-              </a:solidFill>
-              <a:latin typeface="Microsoft GothicNeo Light" panose="020B0300000101010101" pitchFamily="50" charset="-127"/>
-              <a:ea typeface="Microsoft GothicNeo Light" panose="020B0300000101010101" pitchFamily="50" charset="-127"/>
-              <a:cs typeface="Microsoft GothicNeo Light" panose="020B0300000101010101" pitchFamily="50" charset="-127"/>
-              <a:sym typeface="Arial"/>
-            </a:endParaRPr>
-          </a:p>
-        </p:txBody>
-      </p:sp>
-      <p:sp>
-        <p:nvSpPr>
-          <p:cNvPr id="213" name="Google Shape;213;p3"/>
-          <p:cNvSpPr txBox="1"/>
-          <p:nvPr/>
-        </p:nvSpPr>
-        <p:spPr>
-          <a:xfrm>
-            <a:off x="1086105" y="6457143"/>
-            <a:ext cx="723851" cy="504671"/>
-          </a:xfrm>
-          <a:prstGeom prst="rect">
-            <a:avLst/>
-          </a:prstGeom>
-          <a:noFill/>
-          <a:ln>
-            <a:noFill/>
-          </a:ln>
-        </p:spPr>
-        <p:txBody>
-          <a:bodyPr spcFirstLastPara="1" wrap="square" lIns="127975" tIns="127975" rIns="127975" bIns="127975" anchor="t" anchorCtr="0">
-            <a:spAutoFit/>
-          </a:bodyPr>
-          <a:lstStyle/>
-          <a:p>
-            <a:pPr marL="0" marR="0" lvl="0" indent="0" algn="l" rtl="0">
-              <a:lnSpc>
-                <a:spcPct val="100000"/>
-              </a:lnSpc>
-              <a:spcBef>
-                <a:spcPts val="0"/>
-              </a:spcBef>
-              <a:spcAft>
-                <a:spcPts val="0"/>
-              </a:spcAft>
-              <a:buNone/>
-            </a:pPr>
-            <a:r>
-              <a:rPr lang="ko" sz="1600" b="0" i="0" u="none" strike="noStrike" cap="none">
-                <a:solidFill>
-                  <a:srgbClr val="000000"/>
+              </a:endParaRPr>
+            </a:p>
+          </p:txBody>
+        </p:sp>
+        <p:sp>
+          <p:nvSpPr>
+            <p:cNvPr id="225" name="Google Shape;225;p3"/>
+            <p:cNvSpPr/>
+            <p:nvPr/>
+          </p:nvSpPr>
+          <p:spPr>
+            <a:xfrm>
+              <a:off x="3859478" y="1345417"/>
+              <a:ext cx="1097040" cy="403064"/>
+            </a:xfrm>
+            <a:prstGeom prst="roundRect">
+              <a:avLst>
+                <a:gd name="adj" fmla="val 16667"/>
+              </a:avLst>
+            </a:prstGeom>
+            <a:solidFill>
+              <a:srgbClr val="6D9EEB"/>
+            </a:solidFill>
+            <a:ln>
+              <a:noFill/>
+            </a:ln>
+          </p:spPr>
+          <p:txBody>
+            <a:bodyPr spcFirstLastPara="1" wrap="square" lIns="127975" tIns="127975" rIns="127975" bIns="127975" anchor="ctr" anchorCtr="0">
+              <a:noAutofit/>
+            </a:bodyPr>
+            <a:lstStyle/>
+            <a:p>
+              <a:pPr marL="0" marR="0" lvl="0" indent="0" algn="ctr" rtl="0">
+                <a:lnSpc>
+                  <a:spcPct val="100000"/>
+                </a:lnSpc>
+                <a:spcBef>
+                  <a:spcPts val="0"/>
+                </a:spcBef>
+                <a:spcAft>
+                  <a:spcPts val="0"/>
+                </a:spcAft>
+                <a:buNone/>
+              </a:pPr>
+              <a:r>
+                <a:rPr lang="ko-KR" altLang="en-US" sz="1100" dirty="0">
+                  <a:solidFill>
+                    <a:schemeClr val="lt1"/>
+                  </a:solidFill>
+                  <a:latin typeface="Microsoft GothicNeo Light" panose="020B0300000101010101" pitchFamily="50" charset="-127"/>
+                  <a:ea typeface="Microsoft GothicNeo Light" panose="020B0300000101010101" pitchFamily="50" charset="-127"/>
+                  <a:cs typeface="Microsoft GothicNeo Light" panose="020B0300000101010101" pitchFamily="50" charset="-127"/>
+                </a:rPr>
+                <a:t>타이머 초기화</a:t>
+              </a:r>
+              <a:endParaRPr sz="1100" b="0" i="0" u="none" strike="noStrike" cap="none" dirty="0">
+                <a:solidFill>
+                  <a:schemeClr val="lt1"/>
                 </a:solidFill>
                 <a:latin typeface="Microsoft GothicNeo Light" panose="020B0300000101010101" pitchFamily="50" charset="-127"/>
                 <a:ea typeface="Microsoft GothicNeo Light" panose="020B0300000101010101" pitchFamily="50" charset="-127"/>
                 <a:cs typeface="Microsoft GothicNeo Light" panose="020B0300000101010101" pitchFamily="50" charset="-127"/>
                 <a:sym typeface="Arial"/>
-              </a:rPr>
-              <a:t>NO</a:t>
-            </a:r>
-            <a:endParaRPr sz="1600" b="0" i="0" u="none" strike="noStrike" cap="none">
-              <a:solidFill>
-                <a:srgbClr val="000000"/>
-              </a:solidFill>
-              <a:latin typeface="Microsoft GothicNeo Light" panose="020B0300000101010101" pitchFamily="50" charset="-127"/>
-              <a:ea typeface="Microsoft GothicNeo Light" panose="020B0300000101010101" pitchFamily="50" charset="-127"/>
-              <a:cs typeface="Microsoft GothicNeo Light" panose="020B0300000101010101" pitchFamily="50" charset="-127"/>
-              <a:sym typeface="Arial"/>
-            </a:endParaRPr>
-          </a:p>
-        </p:txBody>
-      </p:sp>
-      <p:sp>
-        <p:nvSpPr>
-          <p:cNvPr id="214" name="Google Shape;214;p3"/>
-          <p:cNvSpPr/>
-          <p:nvPr/>
-        </p:nvSpPr>
-        <p:spPr>
-          <a:xfrm>
-            <a:off x="7626286" y="7486944"/>
-            <a:ext cx="1097040" cy="403064"/>
-          </a:xfrm>
-          <a:prstGeom prst="roundRect">
-            <a:avLst>
-              <a:gd name="adj" fmla="val 16667"/>
-            </a:avLst>
-          </a:prstGeom>
-          <a:solidFill>
-            <a:srgbClr val="E06666"/>
-          </a:solidFill>
-          <a:ln>
-            <a:noFill/>
-          </a:ln>
-        </p:spPr>
-        <p:txBody>
-          <a:bodyPr spcFirstLastPara="1" wrap="square" lIns="127975" tIns="127975" rIns="127975" bIns="127975" anchor="ctr" anchorCtr="0">
-            <a:noAutofit/>
-          </a:bodyPr>
-          <a:lstStyle/>
-          <a:p>
-            <a:pPr marL="0" marR="0" lvl="0" indent="0" algn="ctr" rtl="0">
-              <a:lnSpc>
-                <a:spcPct val="100000"/>
-              </a:lnSpc>
-              <a:spcBef>
-                <a:spcPts val="0"/>
-              </a:spcBef>
-              <a:spcAft>
-                <a:spcPts val="0"/>
-              </a:spcAft>
-              <a:buNone/>
-            </a:pPr>
-            <a:r>
-              <a:rPr lang="ko" sz="1100" b="0" i="0" u="none" strike="noStrike" cap="none">
-                <a:solidFill>
-                  <a:schemeClr val="lt1"/>
-                </a:solidFill>
-                <a:latin typeface="Microsoft GothicNeo Light" panose="020B0300000101010101" pitchFamily="50" charset="-127"/>
-                <a:ea typeface="Microsoft GothicNeo Light" panose="020B0300000101010101" pitchFamily="50" charset="-127"/>
-                <a:cs typeface="Microsoft GothicNeo Light" panose="020B0300000101010101" pitchFamily="50" charset="-127"/>
-                <a:sym typeface="Arial"/>
-              </a:rPr>
-              <a:t>결과 recv</a:t>
-            </a:r>
-            <a:endParaRPr sz="1100" b="0" i="0" u="none" strike="noStrike" cap="none">
-              <a:solidFill>
-                <a:schemeClr val="lt1"/>
-              </a:solidFill>
-              <a:latin typeface="Microsoft GothicNeo Light" panose="020B0300000101010101" pitchFamily="50" charset="-127"/>
-              <a:ea typeface="Microsoft GothicNeo Light" panose="020B0300000101010101" pitchFamily="50" charset="-127"/>
-              <a:cs typeface="Microsoft GothicNeo Light" panose="020B0300000101010101" pitchFamily="50" charset="-127"/>
-              <a:sym typeface="Arial"/>
-            </a:endParaRPr>
-          </a:p>
-        </p:txBody>
-      </p:sp>
-      <p:cxnSp>
-        <p:nvCxnSpPr>
-          <p:cNvPr id="215" name="Google Shape;215;p3"/>
-          <p:cNvCxnSpPr>
-            <a:cxnSpLocks/>
-            <a:stCxn id="206" idx="3"/>
-            <a:endCxn id="214" idx="1"/>
-          </p:cNvCxnSpPr>
-          <p:nvPr/>
-        </p:nvCxnSpPr>
-        <p:spPr>
-          <a:xfrm flipV="1">
-            <a:off x="4986251" y="7688476"/>
-            <a:ext cx="2640035" cy="34792"/>
-          </a:xfrm>
-          <a:prstGeom prst="straightConnector1">
-            <a:avLst/>
-          </a:prstGeom>
-          <a:noFill/>
-          <a:ln w="9525" cap="flat" cmpd="sng">
-            <a:solidFill>
-              <a:schemeClr val="dk2"/>
-            </a:solidFill>
-            <a:prstDash val="solid"/>
-            <a:round/>
-            <a:headEnd type="none" w="sm" len="sm"/>
-            <a:tailEnd type="triangle" w="med" len="med"/>
-          </a:ln>
-        </p:spPr>
-      </p:cxnSp>
-      <p:cxnSp>
-        <p:nvCxnSpPr>
-          <p:cNvPr id="216" name="Google Shape;216;p3"/>
-          <p:cNvCxnSpPr>
-            <a:stCxn id="214" idx="3"/>
-          </p:cNvCxnSpPr>
-          <p:nvPr/>
-        </p:nvCxnSpPr>
-        <p:spPr>
-          <a:xfrm rot="10800000" flipH="1">
-            <a:off x="8723326" y="7683928"/>
-            <a:ext cx="481005" cy="4548"/>
-          </a:xfrm>
-          <a:prstGeom prst="straightConnector1">
-            <a:avLst/>
-          </a:prstGeom>
-          <a:noFill/>
-          <a:ln w="9525" cap="flat" cmpd="sng">
-            <a:solidFill>
-              <a:schemeClr val="dk2"/>
-            </a:solidFill>
-            <a:prstDash val="solid"/>
-            <a:round/>
-            <a:headEnd type="none" w="sm" len="sm"/>
-            <a:tailEnd type="triangle" w="med" len="med"/>
-          </a:ln>
-        </p:spPr>
-      </p:cxnSp>
-      <p:sp>
-        <p:nvSpPr>
-          <p:cNvPr id="217" name="Google Shape;217;p3"/>
-          <p:cNvSpPr/>
-          <p:nvPr/>
-        </p:nvSpPr>
-        <p:spPr>
-          <a:xfrm>
-            <a:off x="9212423" y="7516206"/>
-            <a:ext cx="1097040" cy="403064"/>
-          </a:xfrm>
-          <a:prstGeom prst="roundRect">
-            <a:avLst>
-              <a:gd name="adj" fmla="val 16667"/>
-            </a:avLst>
-          </a:prstGeom>
-          <a:solidFill>
-            <a:srgbClr val="6D9EEB"/>
-          </a:solidFill>
-          <a:ln>
-            <a:noFill/>
-          </a:ln>
-        </p:spPr>
-        <p:txBody>
-          <a:bodyPr spcFirstLastPara="1" wrap="square" lIns="127975" tIns="127975" rIns="127975" bIns="127975" anchor="ctr" anchorCtr="0">
-            <a:noAutofit/>
-          </a:bodyPr>
-          <a:lstStyle/>
-          <a:p>
-            <a:pPr marL="0" marR="0" lvl="0" indent="0" algn="ctr" rtl="0">
-              <a:lnSpc>
-                <a:spcPct val="100000"/>
-              </a:lnSpc>
-              <a:spcBef>
-                <a:spcPts val="0"/>
-              </a:spcBef>
-              <a:spcAft>
-                <a:spcPts val="0"/>
-              </a:spcAft>
-              <a:buNone/>
-            </a:pPr>
-            <a:r>
-              <a:rPr lang="ko" sz="1100" b="0" i="0" u="none" strike="noStrike" cap="none">
-                <a:solidFill>
-                  <a:schemeClr val="lt1"/>
-                </a:solidFill>
-                <a:latin typeface="Microsoft GothicNeo Light" panose="020B0300000101010101" pitchFamily="50" charset="-127"/>
-                <a:ea typeface="Microsoft GothicNeo Light" panose="020B0300000101010101" pitchFamily="50" charset="-127"/>
-                <a:cs typeface="Microsoft GothicNeo Light" panose="020B0300000101010101" pitchFamily="50" charset="-127"/>
-                <a:sym typeface="Arial"/>
-              </a:rPr>
-              <a:t>게임 종료</a:t>
-            </a:r>
-            <a:endParaRPr sz="1100" b="0" i="0" u="none" strike="noStrike" cap="none">
-              <a:solidFill>
-                <a:schemeClr val="lt1"/>
-              </a:solidFill>
-              <a:latin typeface="Microsoft GothicNeo Light" panose="020B0300000101010101" pitchFamily="50" charset="-127"/>
-              <a:ea typeface="Microsoft GothicNeo Light" panose="020B0300000101010101" pitchFamily="50" charset="-127"/>
-              <a:cs typeface="Microsoft GothicNeo Light" panose="020B0300000101010101" pitchFamily="50" charset="-127"/>
-              <a:sym typeface="Arial"/>
-            </a:endParaRPr>
-          </a:p>
-        </p:txBody>
-      </p:sp>
-      <p:sp>
-        <p:nvSpPr>
-          <p:cNvPr id="219" name="Google Shape;219;p3"/>
-          <p:cNvSpPr txBox="1"/>
-          <p:nvPr/>
-        </p:nvSpPr>
-        <p:spPr>
-          <a:xfrm>
-            <a:off x="1770314" y="5822661"/>
-            <a:ext cx="2612193" cy="290782"/>
-          </a:xfrm>
-          <a:prstGeom prst="rect">
-            <a:avLst/>
-          </a:prstGeom>
-          <a:noFill/>
-          <a:ln>
-            <a:noFill/>
-          </a:ln>
-        </p:spPr>
-        <p:txBody>
-          <a:bodyPr spcFirstLastPara="1" wrap="square" lIns="127975" tIns="63975" rIns="127975" bIns="63975" anchor="t" anchorCtr="0">
-            <a:spAutoFit/>
-          </a:bodyPr>
-          <a:lstStyle/>
-          <a:p>
-            <a:pPr marL="0" marR="0" lvl="0" indent="0" algn="l" rtl="0">
-              <a:lnSpc>
-                <a:spcPct val="100000"/>
-              </a:lnSpc>
-              <a:spcBef>
-                <a:spcPts val="0"/>
-              </a:spcBef>
-              <a:spcAft>
-                <a:spcPts val="0"/>
-              </a:spcAft>
-              <a:buNone/>
-            </a:pPr>
-            <a:r>
-              <a:rPr lang="ko" sz="1050" b="0" i="0" u="none" strike="noStrike" cap="none">
-                <a:solidFill>
-                  <a:srgbClr val="000000"/>
-                </a:solidFill>
-                <a:latin typeface="Microsoft GothicNeo Light" panose="020B0300000101010101" pitchFamily="50" charset="-127"/>
-                <a:ea typeface="Microsoft GothicNeo Light" panose="020B0300000101010101" pitchFamily="50" charset="-127"/>
-                <a:cs typeface="Microsoft GothicNeo Light" panose="020B0300000101010101" pitchFamily="50" charset="-127"/>
-                <a:sym typeface="Arial"/>
-              </a:rPr>
-              <a:t>Timer Update 주기 : 5fps 정도(1초당 5번)</a:t>
-            </a:r>
-            <a:endParaRPr sz="1050" b="0" i="0" u="none" strike="noStrike" cap="none">
-              <a:solidFill>
-                <a:srgbClr val="000000"/>
-              </a:solidFill>
-              <a:latin typeface="Microsoft GothicNeo Light" panose="020B0300000101010101" pitchFamily="50" charset="-127"/>
-              <a:ea typeface="Microsoft GothicNeo Light" panose="020B0300000101010101" pitchFamily="50" charset="-127"/>
-              <a:cs typeface="Microsoft GothicNeo Light" panose="020B0300000101010101" pitchFamily="50" charset="-127"/>
-              <a:sym typeface="Arial"/>
-            </a:endParaRPr>
-          </a:p>
-        </p:txBody>
-      </p:sp>
-      <p:cxnSp>
-        <p:nvCxnSpPr>
-          <p:cNvPr id="220" name="Google Shape;220;p3"/>
-          <p:cNvCxnSpPr>
-            <a:stCxn id="160" idx="4"/>
-          </p:cNvCxnSpPr>
-          <p:nvPr/>
-        </p:nvCxnSpPr>
-        <p:spPr>
-          <a:xfrm>
-            <a:off x="4437995" y="1110050"/>
-            <a:ext cx="0" cy="223886"/>
-          </a:xfrm>
-          <a:prstGeom prst="straightConnector1">
-            <a:avLst/>
-          </a:prstGeom>
-          <a:noFill/>
-          <a:ln w="9525" cap="flat" cmpd="sng">
-            <a:solidFill>
-              <a:schemeClr val="dk2"/>
-            </a:solidFill>
-            <a:prstDash val="solid"/>
-            <a:round/>
-            <a:headEnd type="none" w="sm" len="sm"/>
-            <a:tailEnd type="triangle" w="med" len="med"/>
-          </a:ln>
-        </p:spPr>
-      </p:cxnSp>
-      <p:cxnSp>
-        <p:nvCxnSpPr>
-          <p:cNvPr id="221" name="Google Shape;221;p3"/>
-          <p:cNvCxnSpPr>
-            <a:stCxn id="209" idx="1"/>
-          </p:cNvCxnSpPr>
-          <p:nvPr/>
-        </p:nvCxnSpPr>
-        <p:spPr>
-          <a:xfrm rot="10800000">
-            <a:off x="1604259" y="6364759"/>
-            <a:ext cx="0" cy="610089"/>
-          </a:xfrm>
-          <a:prstGeom prst="straightConnector1">
-            <a:avLst/>
-          </a:prstGeom>
-          <a:noFill/>
-          <a:ln w="9525" cap="flat" cmpd="sng">
-            <a:solidFill>
-              <a:schemeClr val="dk2"/>
-            </a:solidFill>
-            <a:prstDash val="solid"/>
-            <a:round/>
-            <a:headEnd type="none" w="sm" len="sm"/>
-            <a:tailEnd type="triangle" w="med" len="med"/>
-          </a:ln>
-        </p:spPr>
-      </p:cxnSp>
-      <p:sp>
-        <p:nvSpPr>
-          <p:cNvPr id="224" name="Google Shape;224;p3"/>
-          <p:cNvSpPr/>
-          <p:nvPr/>
-        </p:nvSpPr>
-        <p:spPr>
-          <a:xfrm>
-            <a:off x="2149003" y="1333865"/>
-            <a:ext cx="1097040" cy="403064"/>
-          </a:xfrm>
-          <a:prstGeom prst="roundRect">
-            <a:avLst>
-              <a:gd name="adj" fmla="val 16667"/>
-            </a:avLst>
-          </a:prstGeom>
-          <a:solidFill>
-            <a:srgbClr val="FFE599"/>
-          </a:solidFill>
-          <a:ln>
-            <a:noFill/>
-          </a:ln>
-        </p:spPr>
-        <p:txBody>
-          <a:bodyPr spcFirstLastPara="1" wrap="square" lIns="127975" tIns="127975" rIns="127975" bIns="127975" anchor="ctr" anchorCtr="0">
-            <a:noAutofit/>
-          </a:bodyPr>
-          <a:lstStyle/>
-          <a:p>
-            <a:pPr marL="0" marR="0" lvl="0" indent="0" algn="ctr" rtl="0">
-              <a:lnSpc>
-                <a:spcPct val="100000"/>
-              </a:lnSpc>
-              <a:spcBef>
-                <a:spcPts val="0"/>
-              </a:spcBef>
-              <a:spcAft>
-                <a:spcPts val="0"/>
-              </a:spcAft>
-              <a:buNone/>
-            </a:pPr>
-            <a:r>
-              <a:rPr lang="ko" sz="1050" b="0" i="0" u="none" strike="noStrike" cap="none">
-                <a:solidFill>
-                  <a:schemeClr val="dk1"/>
-                </a:solidFill>
-                <a:latin typeface="Microsoft GothicNeo Light" panose="020B0300000101010101" pitchFamily="50" charset="-127"/>
-                <a:ea typeface="Microsoft GothicNeo Light" panose="020B0300000101010101" pitchFamily="50" charset="-127"/>
-                <a:cs typeface="Microsoft GothicNeo Light" panose="020B0300000101010101" pitchFamily="50" charset="-127"/>
-                <a:sym typeface="Arial"/>
-              </a:rPr>
-              <a:t>타이머 세팅(초기화)</a:t>
-            </a:r>
-            <a:endParaRPr sz="1050" b="0" i="0" u="none" strike="noStrike" cap="none">
-              <a:solidFill>
-                <a:schemeClr val="dk1"/>
-              </a:solidFill>
-              <a:latin typeface="Microsoft GothicNeo Light" panose="020B0300000101010101" pitchFamily="50" charset="-127"/>
-              <a:ea typeface="Microsoft GothicNeo Light" panose="020B0300000101010101" pitchFamily="50" charset="-127"/>
-              <a:cs typeface="Microsoft GothicNeo Light" panose="020B0300000101010101" pitchFamily="50" charset="-127"/>
-              <a:sym typeface="Arial"/>
-            </a:endParaRPr>
-          </a:p>
-        </p:txBody>
-      </p:sp>
-      <p:sp>
-        <p:nvSpPr>
-          <p:cNvPr id="225" name="Google Shape;225;p3"/>
-          <p:cNvSpPr/>
-          <p:nvPr/>
-        </p:nvSpPr>
-        <p:spPr>
-          <a:xfrm>
-            <a:off x="3859478" y="1345417"/>
-            <a:ext cx="1097040" cy="403064"/>
-          </a:xfrm>
-          <a:prstGeom prst="roundRect">
-            <a:avLst>
-              <a:gd name="adj" fmla="val 16667"/>
-            </a:avLst>
-          </a:prstGeom>
-          <a:solidFill>
-            <a:srgbClr val="6D9EEB"/>
-          </a:solidFill>
-          <a:ln>
-            <a:noFill/>
-          </a:ln>
-        </p:spPr>
-        <p:txBody>
-          <a:bodyPr spcFirstLastPara="1" wrap="square" lIns="127975" tIns="127975" rIns="127975" bIns="127975" anchor="ctr" anchorCtr="0">
-            <a:noAutofit/>
-          </a:bodyPr>
-          <a:lstStyle/>
-          <a:p>
-            <a:pPr marL="0" marR="0" lvl="0" indent="0" algn="ctr" rtl="0">
-              <a:lnSpc>
-                <a:spcPct val="100000"/>
-              </a:lnSpc>
-              <a:spcBef>
-                <a:spcPts val="0"/>
-              </a:spcBef>
-              <a:spcAft>
-                <a:spcPts val="0"/>
-              </a:spcAft>
-              <a:buNone/>
-            </a:pPr>
-            <a:r>
-              <a:rPr lang="ko-KR" altLang="en-US" sz="1100" dirty="0">
-                <a:solidFill>
-                  <a:schemeClr val="lt1"/>
-                </a:solidFill>
-                <a:latin typeface="Microsoft GothicNeo Light" panose="020B0300000101010101" pitchFamily="50" charset="-127"/>
-                <a:ea typeface="Microsoft GothicNeo Light" panose="020B0300000101010101" pitchFamily="50" charset="-127"/>
-                <a:cs typeface="Microsoft GothicNeo Light" panose="020B0300000101010101" pitchFamily="50" charset="-127"/>
-              </a:rPr>
-              <a:t>타이머 초기화</a:t>
-            </a:r>
-            <a:endParaRPr sz="1100" b="0" i="0" u="none" strike="noStrike" cap="none" dirty="0">
-              <a:solidFill>
-                <a:schemeClr val="lt1"/>
-              </a:solidFill>
-              <a:latin typeface="Microsoft GothicNeo Light" panose="020B0300000101010101" pitchFamily="50" charset="-127"/>
-              <a:ea typeface="Microsoft GothicNeo Light" panose="020B0300000101010101" pitchFamily="50" charset="-127"/>
-              <a:cs typeface="Microsoft GothicNeo Light" panose="020B0300000101010101" pitchFamily="50" charset="-127"/>
-              <a:sym typeface="Arial"/>
-            </a:endParaRPr>
-          </a:p>
-        </p:txBody>
-      </p:sp>
-      <p:cxnSp>
-        <p:nvCxnSpPr>
-          <p:cNvPr id="15" name="연결선: 꺾임 14">
-            <a:extLst>
-              <a:ext uri="{FF2B5EF4-FFF2-40B4-BE49-F238E27FC236}">
-                <a16:creationId xmlns:a16="http://schemas.microsoft.com/office/drawing/2014/main" id="{6F5E46A0-53A0-6F9F-BC69-6101542C4EBA}"/>
-              </a:ext>
-            </a:extLst>
-          </p:cNvPr>
-          <p:cNvCxnSpPr>
-            <a:cxnSpLocks/>
-            <a:stCxn id="176" idx="2"/>
-            <a:endCxn id="178" idx="1"/>
-          </p:cNvCxnSpPr>
-          <p:nvPr/>
-        </p:nvCxnSpPr>
-        <p:spPr>
-          <a:xfrm rot="16200000" flipH="1">
-            <a:off x="3167258" y="3860527"/>
-            <a:ext cx="157473" cy="1286962"/>
-          </a:xfrm>
-          <a:prstGeom prst="bentConnector2">
-            <a:avLst/>
-          </a:prstGeom>
-          <a:ln>
-            <a:tailEnd type="triangle"/>
-          </a:ln>
-        </p:spPr>
-        <p:style>
-          <a:lnRef idx="1">
-            <a:schemeClr val="dk1"/>
-          </a:lnRef>
-          <a:fillRef idx="0">
-            <a:schemeClr val="dk1"/>
-          </a:fillRef>
-          <a:effectRef idx="0">
-            <a:schemeClr val="dk1"/>
-          </a:effectRef>
-          <a:fontRef idx="minor">
-            <a:schemeClr val="tx1"/>
-          </a:fontRef>
-        </p:style>
-      </p:cxnSp>
-      <p:cxnSp>
-        <p:nvCxnSpPr>
-          <p:cNvPr id="21" name="연결선: 꺾임 20">
-            <a:extLst>
-              <a:ext uri="{FF2B5EF4-FFF2-40B4-BE49-F238E27FC236}">
-                <a16:creationId xmlns:a16="http://schemas.microsoft.com/office/drawing/2014/main" id="{50897556-A8A1-0D61-4067-5BFB1F9CDB85}"/>
-              </a:ext>
-            </a:extLst>
-          </p:cNvPr>
-          <p:cNvCxnSpPr>
-            <a:cxnSpLocks/>
-            <a:stCxn id="163" idx="5"/>
-            <a:endCxn id="166" idx="3"/>
-          </p:cNvCxnSpPr>
-          <p:nvPr/>
-        </p:nvCxnSpPr>
-        <p:spPr>
-          <a:xfrm>
-            <a:off x="10301334" y="2162522"/>
-            <a:ext cx="135098" cy="1046820"/>
-          </a:xfrm>
-          <a:prstGeom prst="bentConnector3">
-            <a:avLst>
-              <a:gd name="adj1" fmla="val 269210"/>
-            </a:avLst>
-          </a:prstGeom>
-          <a:ln>
-            <a:tailEnd type="triangle"/>
-          </a:ln>
-        </p:spPr>
-        <p:style>
-          <a:lnRef idx="1">
-            <a:schemeClr val="dk1"/>
-          </a:lnRef>
-          <a:fillRef idx="0">
-            <a:schemeClr val="dk1"/>
-          </a:fillRef>
-          <a:effectRef idx="0">
-            <a:schemeClr val="dk1"/>
-          </a:effectRef>
-          <a:fontRef idx="minor">
-            <a:schemeClr val="tx1"/>
-          </a:fontRef>
-        </p:style>
-      </p:cxnSp>
-      <p:cxnSp>
-        <p:nvCxnSpPr>
-          <p:cNvPr id="5" name="연결선: 꺾임 4">
-            <a:extLst>
-              <a:ext uri="{FF2B5EF4-FFF2-40B4-BE49-F238E27FC236}">
-                <a16:creationId xmlns:a16="http://schemas.microsoft.com/office/drawing/2014/main" id="{4AAADE0F-BA76-36BE-A3F4-033DE2C34CD7}"/>
-              </a:ext>
-            </a:extLst>
-          </p:cNvPr>
-          <p:cNvCxnSpPr>
-            <a:cxnSpLocks/>
-            <a:stCxn id="170" idx="1"/>
-            <a:endCxn id="176" idx="0"/>
-          </p:cNvCxnSpPr>
-          <p:nvPr/>
-        </p:nvCxnSpPr>
-        <p:spPr>
-          <a:xfrm rot="10800000" flipV="1">
-            <a:off x="2602514" y="3214872"/>
-            <a:ext cx="1135401" cy="329869"/>
-          </a:xfrm>
-          <a:prstGeom prst="bentConnector2">
-            <a:avLst/>
-          </a:prstGeom>
-          <a:ln>
-            <a:tailEnd type="triangle"/>
-          </a:ln>
-        </p:spPr>
-        <p:style>
-          <a:lnRef idx="1">
-            <a:schemeClr val="dk1"/>
-          </a:lnRef>
-          <a:fillRef idx="0">
-            <a:schemeClr val="dk1"/>
-          </a:fillRef>
-          <a:effectRef idx="0">
-            <a:schemeClr val="dk1"/>
-          </a:effectRef>
-          <a:fontRef idx="minor">
-            <a:schemeClr val="tx1"/>
-          </a:fontRef>
-        </p:style>
-      </p:cxnSp>
+              </a:endParaRPr>
+            </a:p>
+          </p:txBody>
+        </p:sp>
+        <p:cxnSp>
+          <p:nvCxnSpPr>
+            <p:cNvPr id="15" name="연결선: 꺾임 14">
+              <a:extLst>
+                <a:ext uri="{FF2B5EF4-FFF2-40B4-BE49-F238E27FC236}">
+                  <a16:creationId xmlns:a16="http://schemas.microsoft.com/office/drawing/2014/main" id="{6F5E46A0-53A0-6F9F-BC69-6101542C4EBA}"/>
+                </a:ext>
+              </a:extLst>
+            </p:cNvPr>
+            <p:cNvCxnSpPr>
+              <a:cxnSpLocks/>
+              <a:stCxn id="176" idx="2"/>
+              <a:endCxn id="178" idx="1"/>
+            </p:cNvCxnSpPr>
+            <p:nvPr/>
+          </p:nvCxnSpPr>
+          <p:spPr>
+            <a:xfrm rot="16200000" flipH="1">
+              <a:off x="3167258" y="3860527"/>
+              <a:ext cx="157473" cy="1286962"/>
+            </a:xfrm>
+            <a:prstGeom prst="bentConnector2">
+              <a:avLst/>
+            </a:prstGeom>
+            <a:ln>
+              <a:tailEnd type="triangle"/>
+            </a:ln>
+          </p:spPr>
+          <p:style>
+            <a:lnRef idx="1">
+              <a:schemeClr val="dk1"/>
+            </a:lnRef>
+            <a:fillRef idx="0">
+              <a:schemeClr val="dk1"/>
+            </a:fillRef>
+            <a:effectRef idx="0">
+              <a:schemeClr val="dk1"/>
+            </a:effectRef>
+            <a:fontRef idx="minor">
+              <a:schemeClr val="tx1"/>
+            </a:fontRef>
+          </p:style>
+        </p:cxnSp>
+        <p:cxnSp>
+          <p:nvCxnSpPr>
+            <p:cNvPr id="21" name="연결선: 꺾임 20">
+              <a:extLst>
+                <a:ext uri="{FF2B5EF4-FFF2-40B4-BE49-F238E27FC236}">
+                  <a16:creationId xmlns:a16="http://schemas.microsoft.com/office/drawing/2014/main" id="{50897556-A8A1-0D61-4067-5BFB1F9CDB85}"/>
+                </a:ext>
+              </a:extLst>
+            </p:cNvPr>
+            <p:cNvCxnSpPr>
+              <a:cxnSpLocks/>
+              <a:stCxn id="163" idx="5"/>
+              <a:endCxn id="166" idx="3"/>
+            </p:cNvCxnSpPr>
+            <p:nvPr/>
+          </p:nvCxnSpPr>
+          <p:spPr>
+            <a:xfrm>
+              <a:off x="10301334" y="2162522"/>
+              <a:ext cx="135098" cy="1046820"/>
+            </a:xfrm>
+            <a:prstGeom prst="bentConnector3">
+              <a:avLst>
+                <a:gd name="adj1" fmla="val 269210"/>
+              </a:avLst>
+            </a:prstGeom>
+            <a:ln>
+              <a:tailEnd type="triangle"/>
+            </a:ln>
+          </p:spPr>
+          <p:style>
+            <a:lnRef idx="1">
+              <a:schemeClr val="dk1"/>
+            </a:lnRef>
+            <a:fillRef idx="0">
+              <a:schemeClr val="dk1"/>
+            </a:fillRef>
+            <a:effectRef idx="0">
+              <a:schemeClr val="dk1"/>
+            </a:effectRef>
+            <a:fontRef idx="minor">
+              <a:schemeClr val="tx1"/>
+            </a:fontRef>
+          </p:style>
+        </p:cxnSp>
+        <p:cxnSp>
+          <p:nvCxnSpPr>
+            <p:cNvPr id="5" name="연결선: 꺾임 4">
+              <a:extLst>
+                <a:ext uri="{FF2B5EF4-FFF2-40B4-BE49-F238E27FC236}">
+                  <a16:creationId xmlns:a16="http://schemas.microsoft.com/office/drawing/2014/main" id="{4AAADE0F-BA76-36BE-A3F4-033DE2C34CD7}"/>
+                </a:ext>
+              </a:extLst>
+            </p:cNvPr>
+            <p:cNvCxnSpPr>
+              <a:cxnSpLocks/>
+              <a:stCxn id="170" idx="1"/>
+              <a:endCxn id="176" idx="0"/>
+            </p:cNvCxnSpPr>
+            <p:nvPr/>
+          </p:nvCxnSpPr>
+          <p:spPr>
+            <a:xfrm rot="10800000" flipV="1">
+              <a:off x="2602514" y="3214872"/>
+              <a:ext cx="1135401" cy="329869"/>
+            </a:xfrm>
+            <a:prstGeom prst="bentConnector2">
+              <a:avLst/>
+            </a:prstGeom>
+            <a:ln>
+              <a:tailEnd type="triangle"/>
+            </a:ln>
+          </p:spPr>
+          <p:style>
+            <a:lnRef idx="1">
+              <a:schemeClr val="dk1"/>
+            </a:lnRef>
+            <a:fillRef idx="0">
+              <a:schemeClr val="dk1"/>
+            </a:fillRef>
+            <a:effectRef idx="0">
+              <a:schemeClr val="dk1"/>
+            </a:effectRef>
+            <a:fontRef idx="minor">
+              <a:schemeClr val="tx1"/>
+            </a:fontRef>
+          </p:style>
+        </p:cxnSp>
+      </p:grpSp>
     </p:spTree>
   </p:cSld>
   <p:clrMapOvr>

--- a/Document/하이레벨 + 스레드.pptx
+++ b/Document/하이레벨 + 스레드.pptx
@@ -260,7 +260,7 @@
       </p15:sldGuideLst>
     </p:ext>
     <p:ext uri="http://customooxmlschemas.google.com/">
-      <go:slidesCustomData xmlns:go="http://customooxmlschemas.google.com/" xmlns:ahyp="http://schemas.microsoft.com/office/drawing/2018/hyperlinkcolor" xmlns:p15="http://schemas.microsoft.com/office/powerpoint/2012/main" xmlns:p14="http://schemas.microsoft.com/office/powerpoint/2010/main" xmlns:com="http://schemas.openxmlformats.org/drawingml/2006/compatibility" xmlns:pvml="urn:schemas-microsoft-com:office:powerpoint" xmlns:v="urn:schemas-microsoft-com:vml" xmlns:o="urn:schemas-microsoft-com:office:office" xmlns:dgm="http://schemas.openxmlformats.org/drawingml/2006/diagram" xmlns:c="http://schemas.openxmlformats.org/drawingml/2006/chart" xmlns:mv="urn:schemas-microsoft-com:mac:vml" xmlns:mc="http://schemas.openxmlformats.org/markup-compatibility/2006" xmlns="" r:id="rId10" roundtripDataSignature="AMtx7mhWvF19jUqzQu0tH54U2TaSRWn9gA=="/>
+      <go:slidesCustomData xmlns="" xmlns:mc="http://schemas.openxmlformats.org/markup-compatibility/2006" xmlns:mv="urn:schemas-microsoft-com:mac:vml" xmlns:c="http://schemas.openxmlformats.org/drawingml/2006/chart" xmlns:dgm="http://schemas.openxmlformats.org/drawingml/2006/diagram" xmlns:o="urn:schemas-microsoft-com:office:office" xmlns:v="urn:schemas-microsoft-com:vml" xmlns:pvml="urn:schemas-microsoft-com:office:powerpoint" xmlns:com="http://schemas.openxmlformats.org/drawingml/2006/compatibility" xmlns:p14="http://schemas.microsoft.com/office/powerpoint/2010/main" xmlns:p15="http://schemas.microsoft.com/office/powerpoint/2012/main" xmlns:ahyp="http://schemas.microsoft.com/office/drawing/2018/hyperlinkcolor" xmlns:go="http://customooxmlschemas.google.com/" r:id="rId10" roundtripDataSignature="AMtx7mhWvF19jUqzQu0tH54U2TaSRWn9gA=="/>
     </p:ext>
   </p:extLst>
 </p:presentation>
@@ -12644,7 +12644,7 @@
           </p:nvSpPr>
           <p:spPr>
             <a:xfrm>
-              <a:off x="1028167" y="2699933"/>
+              <a:off x="3791201" y="1852880"/>
               <a:ext cx="1373850" cy="504768"/>
             </a:xfrm>
             <a:prstGeom prst="roundRect">
@@ -12653,7 +12653,7 @@
               </a:avLst>
             </a:prstGeom>
             <a:solidFill>
-              <a:srgbClr val="FFE599"/>
+              <a:srgbClr val="6D9EEB"/>
             </a:solidFill>
             <a:ln>
               <a:noFill/>
@@ -12678,9 +12678,9 @@
                 <a:buNone/>
               </a:pPr>
               <a:r>
-                <a:rPr lang="ko" sz="1200" b="0" i="0" u="none" strike="noStrike" cap="none">
+                <a:rPr lang="ko" sz="1200" b="0" i="0" u="none" strike="noStrike" cap="none" dirty="0">
                   <a:solidFill>
-                    <a:schemeClr val="dk1"/>
+                    <a:schemeClr val="bg1"/>
                   </a:solidFill>
                   <a:latin typeface="Arial"/>
                   <a:ea typeface="Arial"/>
@@ -12689,9 +12689,9 @@
                 </a:rPr>
                 <a:t>타이머 생성</a:t>
               </a:r>
-              <a:endParaRPr sz="1200" b="0" i="0" u="none" strike="noStrike" cap="none">
-                <a:solidFill>
-                  <a:schemeClr val="dk1"/>
+              <a:endParaRPr sz="1200" b="0" i="0" u="none" strike="noStrike" cap="none" dirty="0">
+                <a:solidFill>
+                  <a:schemeClr val="bg1"/>
                 </a:solidFill>
                 <a:latin typeface="Arial"/>
                 <a:ea typeface="Arial"/>
@@ -12718,10 +12718,12 @@
               </a:avLst>
             </a:prstGeom>
             <a:solidFill>
-              <a:srgbClr val="FFE599"/>
+              <a:srgbClr val="6D9EEB"/>
             </a:solidFill>
             <a:ln>
-              <a:noFill/>
+              <a:solidFill>
+                <a:schemeClr val="accent1"/>
+              </a:solidFill>
             </a:ln>
           </p:spPr>
           <p:txBody>
@@ -12743,9 +12745,9 @@
                 <a:buNone/>
               </a:pPr>
               <a:r>
-                <a:rPr lang="ko" sz="1200" b="0" i="0" u="none" strike="noStrike" cap="none">
+                <a:rPr lang="ko" sz="1200" b="0" i="0" u="none" strike="noStrike" cap="none" dirty="0">
                   <a:solidFill>
-                    <a:schemeClr val="dk1"/>
+                    <a:schemeClr val="bg1"/>
                   </a:solidFill>
                   <a:latin typeface="Arial"/>
                   <a:ea typeface="Arial"/>
@@ -12754,9 +12756,9 @@
                 </a:rPr>
                 <a:t>타이머 </a:t>
               </a:r>
-              <a:endParaRPr sz="1200" b="0" i="0" u="none" strike="noStrike" cap="none">
-                <a:solidFill>
-                  <a:schemeClr val="dk1"/>
+              <a:endParaRPr sz="1200" b="0" i="0" u="none" strike="noStrike" cap="none" dirty="0">
+                <a:solidFill>
+                  <a:schemeClr val="bg1"/>
                 </a:solidFill>
                 <a:latin typeface="Arial"/>
                 <a:ea typeface="Arial"/>
@@ -12778,9 +12780,9 @@
                 <a:buNone/>
               </a:pPr>
               <a:r>
-                <a:rPr lang="ko" sz="1200" b="0" i="0" u="none" strike="noStrike" cap="none">
+                <a:rPr lang="ko" sz="1200" b="0" i="0" u="none" strike="noStrike" cap="none" dirty="0">
                   <a:solidFill>
-                    <a:schemeClr val="dk1"/>
+                    <a:schemeClr val="bg1"/>
                   </a:solidFill>
                   <a:latin typeface="Arial"/>
                   <a:ea typeface="Arial"/>
@@ -12789,9 +12791,9 @@
                 </a:rPr>
                 <a:t>업데이트</a:t>
               </a:r>
-              <a:endParaRPr sz="1200" b="0" i="0" u="none" strike="noStrike" cap="none">
-                <a:solidFill>
-                  <a:schemeClr val="dk1"/>
+              <a:endParaRPr sz="1200" b="0" i="0" u="none" strike="noStrike" cap="none" dirty="0">
+                <a:solidFill>
+                  <a:schemeClr val="bg1"/>
                 </a:solidFill>
                 <a:latin typeface="Arial"/>
                 <a:ea typeface="Arial"/>
@@ -12801,35 +12803,6 @@
             </a:p>
           </p:txBody>
         </p:sp>
-        <p:cxnSp>
-          <p:nvCxnSpPr>
-            <p:cNvPr id="129" name="Google Shape;129;p2"/>
-            <p:cNvCxnSpPr>
-              <a:stCxn id="127" idx="2"/>
-              <a:endCxn id="128" idx="0"/>
-            </p:cNvCxnSpPr>
-            <p:nvPr/>
-          </p:nvCxnSpPr>
-          <p:spPr>
-            <a:xfrm>
-              <a:off x="1715092" y="3204701"/>
-              <a:ext cx="0" cy="1065600"/>
-            </a:xfrm>
-            <a:prstGeom prst="straightConnector1">
-              <a:avLst/>
-            </a:prstGeom>
-            <a:noFill/>
-            <a:ln w="9525" cap="flat" cmpd="sng">
-              <a:solidFill>
-                <a:schemeClr val="dk2"/>
-              </a:solidFill>
-              <a:prstDash val="solid"/>
-              <a:round/>
-              <a:headEnd type="none" w="sm" len="sm"/>
-              <a:tailEnd type="triangle" w="med" len="med"/>
-            </a:ln>
-          </p:spPr>
-        </p:cxnSp>
         <p:cxnSp>
           <p:nvCxnSpPr>
             <p:cNvPr id="130" name="Google Shape;130;p2"/>
@@ -12998,10 +12971,12 @@
               <a:avLst/>
             </a:prstGeom>
             <a:solidFill>
-              <a:srgbClr val="FFE599"/>
+              <a:srgbClr val="6D9EEB"/>
             </a:solidFill>
             <a:ln>
-              <a:noFill/>
+              <a:solidFill>
+                <a:schemeClr val="accent1"/>
+              </a:solidFill>
             </a:ln>
           </p:spPr>
           <p:txBody>
@@ -13023,9 +12998,9 @@
                 <a:buNone/>
               </a:pPr>
               <a:r>
-                <a:rPr lang="ko" sz="1200" b="0" i="0" u="none" strike="noStrike" cap="none">
+                <a:rPr lang="ko" sz="1200" b="0" i="0" u="none" strike="noStrike" cap="none" dirty="0">
                   <a:solidFill>
-                    <a:schemeClr val="dk1"/>
+                    <a:schemeClr val="bg1"/>
                   </a:solidFill>
                   <a:latin typeface="Arial"/>
                   <a:ea typeface="Arial"/>
@@ -13034,9 +13009,9 @@
                 </a:rPr>
                 <a:t>타이머 </a:t>
               </a:r>
-              <a:endParaRPr sz="1200" b="0" i="0" u="none" strike="noStrike" cap="none">
-                <a:solidFill>
-                  <a:schemeClr val="dk1"/>
+              <a:endParaRPr sz="1200" b="0" i="0" u="none" strike="noStrike" cap="none" dirty="0">
+                <a:solidFill>
+                  <a:schemeClr val="bg1"/>
                 </a:solidFill>
                 <a:latin typeface="Arial"/>
                 <a:ea typeface="Arial"/>
@@ -13058,9 +13033,9 @@
                 <a:buNone/>
               </a:pPr>
               <a:r>
-                <a:rPr lang="ko" sz="1200" b="0" i="0" u="none" strike="noStrike" cap="none">
+                <a:rPr lang="ko" sz="1200" b="0" i="0" u="none" strike="noStrike" cap="none" dirty="0">
                   <a:solidFill>
-                    <a:schemeClr val="dk1"/>
+                    <a:schemeClr val="bg1"/>
                   </a:solidFill>
                   <a:latin typeface="Arial"/>
                   <a:ea typeface="Arial"/>
@@ -13069,9 +13044,9 @@
                 </a:rPr>
                 <a:t>완료</a:t>
               </a:r>
-              <a:endParaRPr sz="1200" b="0" i="0" u="none" strike="noStrike" cap="none">
-                <a:solidFill>
-                  <a:schemeClr val="dk1"/>
+              <a:endParaRPr sz="1200" b="0" i="0" u="none" strike="noStrike" cap="none" dirty="0">
+                <a:solidFill>
+                  <a:schemeClr val="bg1"/>
                 </a:solidFill>
                 <a:latin typeface="Arial"/>
                 <a:ea typeface="Arial"/>
@@ -13916,106 +13891,12 @@
             </a:ln>
           </p:spPr>
         </p:cxnSp>
-        <p:sp>
-          <p:nvSpPr>
-            <p:cNvPr id="149" name="Google Shape;149;p2"/>
-            <p:cNvSpPr/>
-            <p:nvPr/>
-          </p:nvSpPr>
-          <p:spPr>
-            <a:xfrm>
-              <a:off x="3791201" y="1854801"/>
-              <a:ext cx="1373850" cy="504768"/>
-            </a:xfrm>
-            <a:prstGeom prst="roundRect">
-              <a:avLst>
-                <a:gd name="adj" fmla="val 16667"/>
-              </a:avLst>
-            </a:prstGeom>
-            <a:solidFill>
-              <a:srgbClr val="6D9EEB"/>
-            </a:solidFill>
-            <a:ln>
-              <a:noFill/>
-            </a:ln>
-          </p:spPr>
-          <p:txBody>
-            <a:bodyPr spcFirstLastPara="1" wrap="square" lIns="127975" tIns="127975" rIns="127975" bIns="127975" anchor="ctr" anchorCtr="0">
-              <a:noAutofit/>
-            </a:bodyPr>
-            <a:lstStyle/>
-            <a:p>
-              <a:pPr marL="0" marR="0" lvl="0" indent="0" algn="ctr" rtl="0">
-                <a:lnSpc>
-                  <a:spcPct val="100000"/>
-                </a:lnSpc>
-                <a:spcBef>
-                  <a:spcPts val="0"/>
-                </a:spcBef>
-                <a:spcAft>
-                  <a:spcPts val="0"/>
-                </a:spcAft>
-                <a:buNone/>
-              </a:pPr>
-              <a:r>
-                <a:rPr lang="ko" sz="1200" b="0" i="0" u="none" strike="noStrike" cap="none">
-                  <a:solidFill>
-                    <a:schemeClr val="lt1"/>
-                  </a:solidFill>
-                  <a:latin typeface="Arial"/>
-                  <a:ea typeface="Arial"/>
-                  <a:cs typeface="Arial"/>
-                  <a:sym typeface="Arial"/>
-                </a:rPr>
-                <a:t>Timer Thread Create</a:t>
-              </a:r>
-              <a:endParaRPr sz="1200" b="0" i="0" u="none" strike="noStrike" cap="none">
-                <a:solidFill>
-                  <a:schemeClr val="lt1"/>
-                </a:solidFill>
-                <a:latin typeface="Arial"/>
-                <a:ea typeface="Arial"/>
-                <a:cs typeface="Arial"/>
-                <a:sym typeface="Arial"/>
-              </a:endParaRPr>
-            </a:p>
-          </p:txBody>
-        </p:sp>
-        <p:cxnSp>
-          <p:nvCxnSpPr>
-            <p:cNvPr id="150" name="Google Shape;150;p2"/>
-            <p:cNvCxnSpPr>
-              <a:stCxn id="149" idx="1"/>
-              <a:endCxn id="127" idx="0"/>
-            </p:cNvCxnSpPr>
-            <p:nvPr/>
-          </p:nvCxnSpPr>
-          <p:spPr>
-            <a:xfrm flipH="1">
-              <a:off x="1715201" y="2107185"/>
-              <a:ext cx="2076000" cy="592800"/>
-            </a:xfrm>
-            <a:prstGeom prst="bentConnector2">
-              <a:avLst/>
-            </a:prstGeom>
-            <a:noFill/>
-            <a:ln w="9525" cap="flat" cmpd="sng">
-              <a:solidFill>
-                <a:srgbClr val="202020"/>
-              </a:solidFill>
-              <a:prstDash val="dash"/>
-              <a:round/>
-              <a:headEnd type="none" w="sm" len="sm"/>
-              <a:tailEnd type="triangle" w="med" len="med"/>
-            </a:ln>
-          </p:spPr>
-        </p:cxnSp>
         <p:cxnSp>
           <p:nvCxnSpPr>
             <p:cNvPr id="151" name="Google Shape;151;p2"/>
             <p:cNvCxnSpPr>
+              <a:cxnSpLocks/>
               <a:stCxn id="112" idx="4"/>
-              <a:endCxn id="149" idx="0"/>
             </p:cNvCxnSpPr>
             <p:nvPr/>
           </p:nvCxnSpPr>
@@ -14039,67 +13920,6 @@
             </a:ln>
           </p:spPr>
         </p:cxnSp>
-        <p:sp>
-          <p:nvSpPr>
-            <p:cNvPr id="152" name="Google Shape;152;p2"/>
-            <p:cNvSpPr txBox="1"/>
-            <p:nvPr/>
-          </p:nvSpPr>
-          <p:spPr>
-            <a:xfrm>
-              <a:off x="1654477" y="1761268"/>
-              <a:ext cx="2229159" cy="313876"/>
-            </a:xfrm>
-            <a:prstGeom prst="rect">
-              <a:avLst/>
-            </a:prstGeom>
-            <a:noFill/>
-            <a:ln>
-              <a:noFill/>
-            </a:ln>
-          </p:spPr>
-          <p:txBody>
-            <a:bodyPr spcFirstLastPara="1" wrap="square" lIns="127975" tIns="63975" rIns="127975" bIns="63975" anchor="t" anchorCtr="0">
-              <a:spAutoFit/>
-            </a:bodyPr>
-            <a:lstStyle/>
-            <a:p>
-              <a:pPr marL="0" marR="0" lvl="0" indent="0" algn="l" rtl="0">
-                <a:lnSpc>
-                  <a:spcPct val="100000"/>
-                </a:lnSpc>
-                <a:spcBef>
-                  <a:spcPts val="0"/>
-                </a:spcBef>
-                <a:spcAft>
-                  <a:spcPts val="0"/>
-                </a:spcAft>
-                <a:buNone/>
-              </a:pPr>
-              <a:r>
-                <a:rPr lang="ko" sz="1200" b="0" i="0" u="none" strike="noStrike" cap="none">
-                  <a:solidFill>
-                    <a:srgbClr val="000000"/>
-                  </a:solidFill>
-                  <a:latin typeface="Arial"/>
-                  <a:ea typeface="Arial"/>
-                  <a:cs typeface="Arial"/>
-                  <a:sym typeface="Arial"/>
-                </a:rPr>
-                <a:t>TIMER THREAD 생성시점</a:t>
-              </a:r>
-              <a:endParaRPr sz="1200" b="0" i="0" u="none" strike="noStrike" cap="none">
-                <a:solidFill>
-                  <a:srgbClr val="000000"/>
-                </a:solidFill>
-                <a:latin typeface="Arial"/>
-                <a:ea typeface="Arial"/>
-                <a:cs typeface="Arial"/>
-                <a:sym typeface="Arial"/>
-              </a:endParaRPr>
-            </a:p>
-          </p:txBody>
-        </p:sp>
         <p:cxnSp>
           <p:nvCxnSpPr>
             <p:cNvPr id="153" name="Google Shape;153;p2"/>
@@ -14161,6 +13981,48 @@
           </p:spPr>
         </p:cxnSp>
       </p:grpSp>
+      <p:cxnSp>
+        <p:nvCxnSpPr>
+          <p:cNvPr id="5" name="연결선: 꺾임 4">
+            <a:extLst>
+              <a:ext uri="{FF2B5EF4-FFF2-40B4-BE49-F238E27FC236}">
+                <a16:creationId xmlns:a16="http://schemas.microsoft.com/office/drawing/2014/main" id="{F6167F5F-C624-3303-B73F-5FAB0B60DC01}"/>
+              </a:ext>
+            </a:extLst>
+          </p:cNvPr>
+          <p:cNvCxnSpPr>
+            <a:stCxn id="127" idx="1"/>
+            <a:endCxn id="128" idx="0"/>
+          </p:cNvCxnSpPr>
+          <p:nvPr/>
+        </p:nvCxnSpPr>
+        <p:spPr>
+          <a:xfrm rot="10800000" flipV="1">
+            <a:off x="1715093" y="2105264"/>
+            <a:ext cx="2076109" cy="2165092"/>
+          </a:xfrm>
+          <a:prstGeom prst="bentConnector2">
+            <a:avLst/>
+          </a:prstGeom>
+          <a:ln>
+            <a:tailEnd type="triangle"/>
+          </a:ln>
+        </p:spPr>
+        <p:style>
+          <a:lnRef idx="1">
+            <a:schemeClr val="dk1"/>
+          </a:lnRef>
+          <a:fillRef idx="0">
+            <a:schemeClr val="dk1"/>
+          </a:fillRef>
+          <a:effectRef idx="0">
+            <a:schemeClr val="dk1"/>
+          </a:effectRef>
+          <a:fontRef idx="minor">
+            <a:schemeClr val="tx1"/>
+          </a:fontRef>
+        </p:style>
+      </p:cxnSp>
     </p:spTree>
   </p:cSld>
   <p:clrMapOvr>
@@ -14186,151 +14048,6 @@
           <a:chExt cx="0" cy="0"/>
         </a:xfrm>
       </p:grpSpPr>
-      <p:sp>
-        <p:nvSpPr>
-          <p:cNvPr id="3" name="Google Shape;218;p3">
-            <a:extLst>
-              <a:ext uri="{FF2B5EF4-FFF2-40B4-BE49-F238E27FC236}">
-                <a16:creationId xmlns:a16="http://schemas.microsoft.com/office/drawing/2014/main" id="{2554AB48-DDAE-1801-B412-8C864BEBEC91}"/>
-              </a:ext>
-            </a:extLst>
-          </p:cNvPr>
-          <p:cNvSpPr/>
-          <p:nvPr/>
-        </p:nvSpPr>
-        <p:spPr>
-          <a:xfrm>
-            <a:off x="12587295" y="8266712"/>
-            <a:ext cx="940800" cy="345660"/>
-          </a:xfrm>
-          <a:prstGeom prst="roundRect">
-            <a:avLst>
-              <a:gd name="adj" fmla="val 16667"/>
-            </a:avLst>
-          </a:prstGeom>
-          <a:solidFill>
-            <a:srgbClr val="6D9EEB"/>
-          </a:solidFill>
-          <a:ln>
-            <a:noFill/>
-          </a:ln>
-        </p:spPr>
-        <p:txBody>
-          <a:bodyPr spcFirstLastPara="1" wrap="square" lIns="127975" tIns="127975" rIns="127975" bIns="127975" anchor="ctr" anchorCtr="0">
-            <a:noAutofit/>
-          </a:bodyPr>
-          <a:lstStyle/>
-          <a:p>
-            <a:pPr marL="0" marR="0" lvl="0" indent="0" algn="ctr" rtl="0">
-              <a:lnSpc>
-                <a:spcPct val="100000"/>
-              </a:lnSpc>
-              <a:spcBef>
-                <a:spcPts val="0"/>
-              </a:spcBef>
-              <a:spcAft>
-                <a:spcPts val="0"/>
-              </a:spcAft>
-              <a:buNone/>
-            </a:pPr>
-            <a:r>
-              <a:rPr lang="ko" sz="980" b="0" i="0" u="none" strike="noStrike" cap="none" dirty="0">
-                <a:solidFill>
-                  <a:schemeClr val="lt1"/>
-                </a:solidFill>
-                <a:latin typeface="Arial"/>
-                <a:ea typeface="Arial"/>
-                <a:cs typeface="Arial"/>
-                <a:sym typeface="Arial"/>
-              </a:rPr>
-              <a:t>Render</a:t>
-            </a:r>
-            <a:endParaRPr sz="3073" b="0" i="0" u="none" strike="noStrike" cap="none" dirty="0">
-              <a:solidFill>
-                <a:srgbClr val="000000"/>
-              </a:solidFill>
-              <a:latin typeface="Arial"/>
-              <a:ea typeface="Arial"/>
-              <a:cs typeface="Arial"/>
-              <a:sym typeface="Arial"/>
-            </a:endParaRPr>
-          </a:p>
-          <a:p>
-            <a:pPr marL="0" marR="0" lvl="0" indent="0" algn="ctr" rtl="0">
-              <a:lnSpc>
-                <a:spcPct val="100000"/>
-              </a:lnSpc>
-              <a:spcBef>
-                <a:spcPts val="0"/>
-              </a:spcBef>
-              <a:spcAft>
-                <a:spcPts val="0"/>
-              </a:spcAft>
-              <a:buNone/>
-            </a:pPr>
-            <a:r>
-              <a:rPr lang="ko" sz="980" b="0" i="0" u="none" strike="noStrike" cap="none" dirty="0">
-                <a:solidFill>
-                  <a:schemeClr val="lt1"/>
-                </a:solidFill>
-                <a:latin typeface="Arial"/>
-                <a:ea typeface="Arial"/>
-                <a:cs typeface="Arial"/>
-                <a:sym typeface="Arial"/>
-              </a:rPr>
-              <a:t>(draw)</a:t>
-            </a:r>
-            <a:endParaRPr sz="980" b="0" i="0" u="none" strike="noStrike" cap="none" dirty="0">
-              <a:solidFill>
-                <a:schemeClr val="lt1"/>
-              </a:solidFill>
-              <a:latin typeface="Arial"/>
-              <a:ea typeface="Arial"/>
-              <a:cs typeface="Arial"/>
-              <a:sym typeface="Arial"/>
-            </a:endParaRPr>
-          </a:p>
-        </p:txBody>
-      </p:sp>
-      <p:cxnSp>
-        <p:nvCxnSpPr>
-          <p:cNvPr id="14" name="연결선: 꺾임 13">
-            <a:extLst>
-              <a:ext uri="{FF2B5EF4-FFF2-40B4-BE49-F238E27FC236}">
-                <a16:creationId xmlns:a16="http://schemas.microsoft.com/office/drawing/2014/main" id="{B8926B36-BD49-58FC-F065-C55C212180FF}"/>
-              </a:ext>
-            </a:extLst>
-          </p:cNvPr>
-          <p:cNvCxnSpPr/>
-          <p:nvPr/>
-        </p:nvCxnSpPr>
-        <p:spPr>
-          <a:xfrm>
-            <a:off x="-2082811" y="3326273"/>
-            <a:ext cx="914400" cy="914400"/>
-          </a:xfrm>
-          <a:prstGeom prst="bentConnector3">
-            <a:avLst/>
-          </a:prstGeom>
-          <a:ln>
-            <a:tailEnd type="triangle"/>
-          </a:ln>
-        </p:spPr>
-        <p:style>
-          <a:lnRef idx="1">
-            <a:schemeClr val="dk1"/>
-          </a:lnRef>
-          <a:fillRef idx="0">
-            <a:schemeClr val="dk1"/>
-          </a:fillRef>
-          <a:effectRef idx="0">
-            <a:schemeClr val="dk1"/>
-          </a:effectRef>
-          <a:fontRef idx="minor">
-            <a:schemeClr val="tx1"/>
-          </a:fontRef>
-        </p:style>
-      </p:cxnSp>
       <p:grpSp>
         <p:nvGrpSpPr>
           <p:cNvPr id="23" name="그룹 22">
@@ -14975,16 +14692,15 @@
                 <a:buChar char="•"/>
               </a:pPr>
               <a:r>
-                <a:rPr lang="ko-KR" altLang="en-US" sz="1100" b="0" i="0" u="none" strike="noStrike" cap="none" dirty="0" err="1">
+                <a:rPr lang="ko-KR" altLang="en-US" sz="1100" dirty="0" err="1">
                   <a:solidFill>
                     <a:schemeClr val="lt1"/>
                   </a:solidFill>
                   <a:latin typeface="Microsoft GothicNeo Light" panose="020B0300000101010101" pitchFamily="50" charset="-127"/>
                   <a:ea typeface="Microsoft GothicNeo Light" panose="020B0300000101010101" pitchFamily="50" charset="-127"/>
                   <a:cs typeface="Microsoft GothicNeo Light" panose="020B0300000101010101" pitchFamily="50" charset="-127"/>
-                  <a:sym typeface="Arial"/>
                 </a:rPr>
-                <a:t>데쉬</a:t>
+                <a:t>대쉬</a:t>
               </a:r>
               <a:endParaRPr lang="en-US" altLang="ko-KR" sz="1100" b="0" i="0" u="none" strike="noStrike" cap="none" dirty="0">
                 <a:solidFill>
@@ -15977,10 +15693,12 @@
               </a:avLst>
             </a:prstGeom>
             <a:solidFill>
-              <a:srgbClr val="FFE599"/>
+              <a:srgbClr val="6D9EEB"/>
             </a:solidFill>
             <a:ln>
-              <a:noFill/>
+              <a:solidFill>
+                <a:schemeClr val="accent1"/>
+              </a:solidFill>
             </a:ln>
           </p:spPr>
           <p:txBody>
@@ -16002,9 +15720,9 @@
                 <a:buNone/>
               </a:pPr>
               <a:r>
-                <a:rPr lang="ko" sz="1100" b="0" i="0" u="none" strike="noStrike" cap="none">
+                <a:rPr lang="ko" sz="1100" b="0" i="0" u="none" strike="noStrike" cap="none" dirty="0">
                   <a:solidFill>
-                    <a:schemeClr val="dk1"/>
+                    <a:schemeClr val="bg1"/>
                   </a:solidFill>
                   <a:latin typeface="Microsoft GothicNeo Light" panose="020B0300000101010101" pitchFamily="50" charset="-127"/>
                   <a:ea typeface="Microsoft GothicNeo Light" panose="020B0300000101010101" pitchFamily="50" charset="-127"/>
@@ -16013,9 +15731,9 @@
                 </a:rPr>
                 <a:t>타이머 업데이트</a:t>
               </a:r>
-              <a:endParaRPr sz="1100" b="0" i="0" u="none" strike="noStrike" cap="none">
-                <a:solidFill>
-                  <a:schemeClr val="dk1"/>
+              <a:endParaRPr sz="1100" b="0" i="0" u="none" strike="noStrike" cap="none" dirty="0">
+                <a:solidFill>
+                  <a:schemeClr val="bg1"/>
                 </a:solidFill>
                 <a:latin typeface="Microsoft GothicNeo Light" panose="020B0300000101010101" pitchFamily="50" charset="-127"/>
                 <a:ea typeface="Microsoft GothicNeo Light" panose="020B0300000101010101" pitchFamily="50" charset="-127"/>
@@ -16616,10 +16334,12 @@
               <a:avLst/>
             </a:prstGeom>
             <a:solidFill>
-              <a:srgbClr val="FFE599"/>
+              <a:srgbClr val="6D9EEB"/>
             </a:solidFill>
             <a:ln>
-              <a:noFill/>
+              <a:solidFill>
+                <a:schemeClr val="accent1"/>
+              </a:solidFill>
             </a:ln>
           </p:spPr>
           <p:txBody>
@@ -16641,9 +16361,9 @@
                 <a:buNone/>
               </a:pPr>
               <a:r>
-                <a:rPr lang="ko" sz="1000" b="0" i="0" u="none" strike="noStrike" cap="none">
+                <a:rPr lang="ko" sz="1000" b="0" i="0" u="none" strike="noStrike" cap="none" dirty="0">
                   <a:solidFill>
-                    <a:schemeClr val="dk1"/>
+                    <a:schemeClr val="bg1"/>
                   </a:solidFill>
                   <a:latin typeface="Microsoft GothicNeo Light" panose="020B0300000101010101" pitchFamily="50" charset="-127"/>
                   <a:ea typeface="Microsoft GothicNeo Light" panose="020B0300000101010101" pitchFamily="50" charset="-127"/>
@@ -16652,9 +16372,9 @@
                 </a:rPr>
                 <a:t>진행시간 &gt;=  지정시간</a:t>
               </a:r>
-              <a:endParaRPr sz="1000" b="0" i="0" u="none" strike="noStrike" cap="none">
-                <a:solidFill>
-                  <a:schemeClr val="dk1"/>
+              <a:endParaRPr sz="1000" b="0" i="0" u="none" strike="noStrike" cap="none" dirty="0">
+                <a:solidFill>
+                  <a:schemeClr val="bg1"/>
                 </a:solidFill>
                 <a:latin typeface="Microsoft GothicNeo Light" panose="020B0300000101010101" pitchFamily="50" charset="-127"/>
                 <a:ea typeface="Microsoft GothicNeo Light" panose="020B0300000101010101" pitchFamily="50" charset="-127"/>
@@ -17149,71 +16869,6 @@
             </a:ln>
           </p:spPr>
         </p:cxnSp>
-        <p:sp>
-          <p:nvSpPr>
-            <p:cNvPr id="224" name="Google Shape;224;p3"/>
-            <p:cNvSpPr/>
-            <p:nvPr/>
-          </p:nvSpPr>
-          <p:spPr>
-            <a:xfrm>
-              <a:off x="2149003" y="1333865"/>
-              <a:ext cx="1097040" cy="403064"/>
-            </a:xfrm>
-            <a:prstGeom prst="roundRect">
-              <a:avLst>
-                <a:gd name="adj" fmla="val 16667"/>
-              </a:avLst>
-            </a:prstGeom>
-            <a:solidFill>
-              <a:srgbClr val="FFE599"/>
-            </a:solidFill>
-            <a:ln>
-              <a:noFill/>
-            </a:ln>
-          </p:spPr>
-          <p:txBody>
-            <a:bodyPr spcFirstLastPara="1" wrap="square" lIns="127975" tIns="127975" rIns="127975" bIns="127975" anchor="ctr" anchorCtr="0">
-              <a:noAutofit/>
-            </a:bodyPr>
-            <a:lstStyle/>
-            <a:p>
-              <a:pPr marL="0" marR="0" lvl="0" indent="0" algn="ctr" rtl="0">
-                <a:lnSpc>
-                  <a:spcPct val="100000"/>
-                </a:lnSpc>
-                <a:spcBef>
-                  <a:spcPts val="0"/>
-                </a:spcBef>
-                <a:spcAft>
-                  <a:spcPts val="0"/>
-                </a:spcAft>
-                <a:buNone/>
-              </a:pPr>
-              <a:r>
-                <a:rPr lang="ko" sz="1050" b="0" i="0" u="none" strike="noStrike" cap="none">
-                  <a:solidFill>
-                    <a:schemeClr val="dk1"/>
-                  </a:solidFill>
-                  <a:latin typeface="Microsoft GothicNeo Light" panose="020B0300000101010101" pitchFamily="50" charset="-127"/>
-                  <a:ea typeface="Microsoft GothicNeo Light" panose="020B0300000101010101" pitchFamily="50" charset="-127"/>
-                  <a:cs typeface="Microsoft GothicNeo Light" panose="020B0300000101010101" pitchFamily="50" charset="-127"/>
-                  <a:sym typeface="Arial"/>
-                </a:rPr>
-                <a:t>타이머 세팅(초기화)</a:t>
-              </a:r>
-              <a:endParaRPr sz="1050" b="0" i="0" u="none" strike="noStrike" cap="none">
-                <a:solidFill>
-                  <a:schemeClr val="dk1"/>
-                </a:solidFill>
-                <a:latin typeface="Microsoft GothicNeo Light" panose="020B0300000101010101" pitchFamily="50" charset="-127"/>
-                <a:ea typeface="Microsoft GothicNeo Light" panose="020B0300000101010101" pitchFamily="50" charset="-127"/>
-                <a:cs typeface="Microsoft GothicNeo Light" panose="020B0300000101010101" pitchFamily="50" charset="-127"/>
-                <a:sym typeface="Arial"/>
-              </a:endParaRPr>
-            </a:p>
-          </p:txBody>
-        </p:sp>
         <p:sp>
           <p:nvSpPr>
             <p:cNvPr id="225" name="Google Shape;225;p3"/>
@@ -17449,7 +17104,7 @@
         </p:nvGrpSpPr>
         <p:grpSpPr>
           <a:xfrm>
-            <a:off x="307225" y="1587215"/>
+            <a:off x="331737" y="2180421"/>
             <a:ext cx="12138125" cy="5240357"/>
             <a:chOff x="307225" y="1587215"/>
             <a:chExt cx="12138125" cy="5240357"/>
@@ -18430,7 +18085,7 @@
                 <a:buNone/>
               </a:pPr>
               <a:r>
-                <a:rPr lang="ko" sz="1260" b="0" i="0" u="none" strike="noStrike" cap="none">
+                <a:rPr lang="ko" sz="1260" b="0" i="0" u="none" strike="noStrike" cap="none" dirty="0">
                   <a:solidFill>
                     <a:srgbClr val="000000"/>
                   </a:solidFill>
@@ -18441,7 +18096,7 @@
                 </a:rPr>
                 <a:t>Recv Thread</a:t>
               </a:r>
-              <a:endParaRPr sz="1260" b="0" i="0" u="none" strike="noStrike" cap="none">
+              <a:endParaRPr sz="1260" b="0" i="0" u="none" strike="noStrike" cap="none" dirty="0">
                 <a:solidFill>
                   <a:srgbClr val="000000"/>
                 </a:solidFill>
@@ -18544,7 +18199,7 @@
                 <a:buNone/>
               </a:pPr>
               <a:r>
-                <a:rPr lang="ko" sz="1260" b="0" i="0" u="none" strike="noStrike" cap="none">
+                <a:rPr lang="ko" sz="1260" b="0" i="0" u="none" strike="noStrike" cap="none" dirty="0">
                   <a:solidFill>
                     <a:srgbClr val="000000"/>
                   </a:solidFill>
@@ -18555,121 +18210,7 @@
                 </a:rPr>
                 <a:t>Recv Thread</a:t>
               </a:r>
-              <a:endParaRPr sz="1260" b="0" i="0" u="none" strike="noStrike" cap="none">
-                <a:solidFill>
-                  <a:srgbClr val="000000"/>
-                </a:solidFill>
-                <a:latin typeface="Microsoft GothicNeo Light" panose="020B0300000101010101" pitchFamily="50" charset="-127"/>
-                <a:ea typeface="Microsoft GothicNeo Light" panose="020B0300000101010101" pitchFamily="50" charset="-127"/>
-                <a:cs typeface="Microsoft GothicNeo Light" panose="020B0300000101010101" pitchFamily="50" charset="-127"/>
-                <a:sym typeface="Arial"/>
-              </a:endParaRPr>
-            </a:p>
-          </p:txBody>
-        </p:sp>
-        <p:sp>
-          <p:nvSpPr>
-            <p:cNvPr id="251" name="Google Shape;251;p4"/>
-            <p:cNvSpPr/>
-            <p:nvPr/>
-          </p:nvSpPr>
-          <p:spPr>
-            <a:xfrm>
-              <a:off x="4632664" y="5525872"/>
-              <a:ext cx="1326300" cy="1301700"/>
-            </a:xfrm>
-            <a:prstGeom prst="rect">
-              <a:avLst/>
-            </a:prstGeom>
-            <a:solidFill>
-              <a:srgbClr val="FFE599"/>
-            </a:solidFill>
-            <a:ln>
-              <a:noFill/>
-            </a:ln>
-          </p:spPr>
-          <p:txBody>
-            <a:bodyPr spcFirstLastPara="1" wrap="square" lIns="127975" tIns="127975" rIns="127975" bIns="127975" anchor="ctr" anchorCtr="0">
-              <a:noAutofit/>
-            </a:bodyPr>
-            <a:lstStyle/>
-            <a:p>
-              <a:pPr marL="0" marR="0" lvl="0" indent="0" algn="l" rtl="0">
-                <a:lnSpc>
-                  <a:spcPct val="100000"/>
-                </a:lnSpc>
-                <a:spcBef>
-                  <a:spcPts val="0"/>
-                </a:spcBef>
-                <a:spcAft>
-                  <a:spcPts val="0"/>
-                </a:spcAft>
-                <a:buNone/>
-              </a:pPr>
-              <a:endParaRPr sz="1960" b="0" i="0" u="none" strike="noStrike" cap="none">
-                <a:solidFill>
-                  <a:srgbClr val="000000"/>
-                </a:solidFill>
-                <a:latin typeface="Microsoft GothicNeo Light" panose="020B0300000101010101" pitchFamily="50" charset="-127"/>
-                <a:ea typeface="Microsoft GothicNeo Light" panose="020B0300000101010101" pitchFamily="50" charset="-127"/>
-                <a:cs typeface="Microsoft GothicNeo Light" panose="020B0300000101010101" pitchFamily="50" charset="-127"/>
-                <a:sym typeface="Arial"/>
-              </a:endParaRPr>
-            </a:p>
-          </p:txBody>
-        </p:sp>
-        <p:sp>
-          <p:nvSpPr>
-            <p:cNvPr id="252" name="Google Shape;252;p4"/>
-            <p:cNvSpPr/>
-            <p:nvPr/>
-          </p:nvSpPr>
-          <p:spPr>
-            <a:xfrm>
-              <a:off x="4632664" y="5525870"/>
-              <a:ext cx="1326360" cy="377580"/>
-            </a:xfrm>
-            <a:prstGeom prst="rect">
-              <a:avLst/>
-            </a:prstGeom>
-            <a:solidFill>
-              <a:schemeClr val="lt2"/>
-            </a:solidFill>
-            <a:ln>
-              <a:noFill/>
-            </a:ln>
-          </p:spPr>
-          <p:txBody>
-            <a:bodyPr spcFirstLastPara="1" wrap="square" lIns="127975" tIns="127975" rIns="127975" bIns="127975" anchor="ctr" anchorCtr="0">
-              <a:noAutofit/>
-            </a:bodyPr>
-            <a:lstStyle/>
-            <a:p>
-              <a:pPr marL="0" marR="0" lvl="0" indent="0" algn="ctr" rtl="0">
-                <a:lnSpc>
-                  <a:spcPct val="100000"/>
-                </a:lnSpc>
-                <a:spcBef>
-                  <a:spcPts val="0"/>
-                </a:spcBef>
-                <a:spcAft>
-                  <a:spcPts val="0"/>
-                </a:spcAft>
-                <a:buNone/>
-              </a:pPr>
-              <a:r>
-                <a:rPr lang="ko" sz="1260" b="0" i="0" u="none" strike="noStrike" cap="none">
-                  <a:solidFill>
-                    <a:srgbClr val="000000"/>
-                  </a:solidFill>
-                  <a:latin typeface="Microsoft GothicNeo Light" panose="020B0300000101010101" pitchFamily="50" charset="-127"/>
-                  <a:ea typeface="Microsoft GothicNeo Light" panose="020B0300000101010101" pitchFamily="50" charset="-127"/>
-                  <a:cs typeface="Microsoft GothicNeo Light" panose="020B0300000101010101" pitchFamily="50" charset="-127"/>
-                  <a:sym typeface="Arial"/>
-                </a:rPr>
-                <a:t>Timer Thread</a:t>
-              </a:r>
-              <a:endParaRPr sz="1260" b="0" i="0" u="none" strike="noStrike" cap="none">
+              <a:endParaRPr sz="1260" b="0" i="0" u="none" strike="noStrike" cap="none" dirty="0">
                 <a:solidFill>
                   <a:srgbClr val="000000"/>
                 </a:solidFill>
@@ -20563,8 +20104,8 @@
           </p:nvSpPr>
           <p:spPr>
             <a:xfrm>
-              <a:off x="4733632" y="6006876"/>
-              <a:ext cx="1124364" cy="349800"/>
+              <a:off x="437171" y="4886030"/>
+              <a:ext cx="1483880" cy="349800"/>
             </a:xfrm>
             <a:prstGeom prst="rect">
               <a:avLst/>
@@ -20642,8 +20183,8 @@
           </p:nvSpPr>
           <p:spPr>
             <a:xfrm>
-              <a:off x="4734086" y="6417224"/>
-              <a:ext cx="1124364" cy="349800"/>
+              <a:off x="4336186" y="4868251"/>
+              <a:ext cx="1476599" cy="349800"/>
             </a:xfrm>
             <a:prstGeom prst="rect">
               <a:avLst/>

--- a/Document/하이레벨 + 스레드.pptx
+++ b/Document/하이레벨 + 스레드.pptx
@@ -260,7 +260,7 @@
       </p15:sldGuideLst>
     </p:ext>
     <p:ext uri="http://customooxmlschemas.google.com/">
-      <go:slidesCustomData xmlns="" xmlns:mc="http://schemas.openxmlformats.org/markup-compatibility/2006" xmlns:mv="urn:schemas-microsoft-com:mac:vml" xmlns:c="http://schemas.openxmlformats.org/drawingml/2006/chart" xmlns:dgm="http://schemas.openxmlformats.org/drawingml/2006/diagram" xmlns:o="urn:schemas-microsoft-com:office:office" xmlns:v="urn:schemas-microsoft-com:vml" xmlns:pvml="urn:schemas-microsoft-com:office:powerpoint" xmlns:com="http://schemas.openxmlformats.org/drawingml/2006/compatibility" xmlns:p14="http://schemas.microsoft.com/office/powerpoint/2010/main" xmlns:p15="http://schemas.microsoft.com/office/powerpoint/2012/main" xmlns:ahyp="http://schemas.microsoft.com/office/drawing/2018/hyperlinkcolor" xmlns:go="http://customooxmlschemas.google.com/" r:id="rId10" roundtripDataSignature="AMtx7mhWvF19jUqzQu0tH54U2TaSRWn9gA=="/>
+      <go:slidesCustomData xmlns:go="http://customooxmlschemas.google.com/" xmlns:ahyp="http://schemas.microsoft.com/office/drawing/2018/hyperlinkcolor" xmlns:p15="http://schemas.microsoft.com/office/powerpoint/2012/main" xmlns:p14="http://schemas.microsoft.com/office/powerpoint/2010/main" xmlns:com="http://schemas.openxmlformats.org/drawingml/2006/compatibility" xmlns:pvml="urn:schemas-microsoft-com:office:powerpoint" xmlns:v="urn:schemas-microsoft-com:vml" xmlns:o="urn:schemas-microsoft-com:office:office" xmlns:dgm="http://schemas.openxmlformats.org/drawingml/2006/diagram" xmlns:c="http://schemas.openxmlformats.org/drawingml/2006/chart" xmlns:mv="urn:schemas-microsoft-com:mac:vml" xmlns:mc="http://schemas.openxmlformats.org/markup-compatibility/2006" xmlns="" r:id="rId10" roundtripDataSignature="AMtx7mhWvF19jUqzQu0tH54U2TaSRWn9gA=="/>
     </p:ext>
   </p:extLst>
 </p:presentation>
@@ -14023,6 +14023,85 @@
           </a:fontRef>
         </p:style>
       </p:cxnSp>
+      <p:sp>
+        <p:nvSpPr>
+          <p:cNvPr id="2" name="Google Shape;102;p1">
+            <a:extLst>
+              <a:ext uri="{FF2B5EF4-FFF2-40B4-BE49-F238E27FC236}">
+                <a16:creationId xmlns:a16="http://schemas.microsoft.com/office/drawing/2014/main" id="{A22CC8ED-1223-D2B7-4134-5A413369396F}"/>
+              </a:ext>
+            </a:extLst>
+          </p:cNvPr>
+          <p:cNvSpPr txBox="1"/>
+          <p:nvPr/>
+        </p:nvSpPr>
+        <p:spPr>
+          <a:xfrm>
+            <a:off x="7519117" y="2602635"/>
+            <a:ext cx="2418285" cy="313865"/>
+          </a:xfrm>
+          <a:prstGeom prst="rect">
+            <a:avLst/>
+          </a:prstGeom>
+          <a:noFill/>
+          <a:ln>
+            <a:noFill/>
+          </a:ln>
+        </p:spPr>
+        <p:txBody>
+          <a:bodyPr spcFirstLastPara="1" wrap="square" lIns="127975" tIns="63975" rIns="127975" bIns="63975" anchor="t" anchorCtr="0">
+            <a:spAutoFit/>
+          </a:bodyPr>
+          <a:lstStyle/>
+          <a:p>
+            <a:pPr marL="0" marR="0" lvl="0" indent="0" algn="l" rtl="0">
+              <a:lnSpc>
+                <a:spcPct val="100000"/>
+              </a:lnSpc>
+              <a:spcBef>
+                <a:spcPts val="0"/>
+              </a:spcBef>
+              <a:spcAft>
+                <a:spcPts val="0"/>
+              </a:spcAft>
+              <a:buNone/>
+            </a:pPr>
+            <a:r>
+              <a:rPr lang="en-US" sz="1200" b="0" i="0" u="none" strike="noStrike" cap="none" dirty="0">
+                <a:solidFill>
+                  <a:srgbClr val="000000"/>
+                </a:solidFill>
+                <a:latin typeface="Microsoft GothicNeo Light" panose="020B0300000101010101" pitchFamily="50" charset="-127"/>
+                <a:ea typeface="Microsoft GothicNeo Light" panose="020B0300000101010101" pitchFamily="50" charset="-127"/>
+                <a:cs typeface="Microsoft GothicNeo Light" panose="020B0300000101010101" pitchFamily="50" charset="-127"/>
+                <a:sym typeface="Arial"/>
+              </a:rPr>
+              <a:t>2 fps </a:t>
+            </a:r>
+            <a:r>
+              <a:rPr lang="ko-KR" altLang="en-US" sz="1200" b="0" i="0" u="none" strike="noStrike" cap="none" dirty="0">
+                <a:solidFill>
+                  <a:srgbClr val="000000"/>
+                </a:solidFill>
+                <a:latin typeface="Microsoft GothicNeo Light" panose="020B0300000101010101" pitchFamily="50" charset="-127"/>
+                <a:ea typeface="Microsoft GothicNeo Light" panose="020B0300000101010101" pitchFamily="50" charset="-127"/>
+                <a:cs typeface="Microsoft GothicNeo Light" panose="020B0300000101010101" pitchFamily="50" charset="-127"/>
+                <a:sym typeface="Arial"/>
+              </a:rPr>
+              <a:t>마다 현재 키 입력 정보 전송</a:t>
+            </a:r>
+            <a:endParaRPr sz="1200" b="0" i="0" u="none" strike="noStrike" cap="none" dirty="0">
+              <a:solidFill>
+                <a:srgbClr val="000000"/>
+              </a:solidFill>
+              <a:latin typeface="Microsoft GothicNeo Light" panose="020B0300000101010101" pitchFamily="50" charset="-127"/>
+              <a:ea typeface="Microsoft GothicNeo Light" panose="020B0300000101010101" pitchFamily="50" charset="-127"/>
+              <a:cs typeface="Microsoft GothicNeo Light" panose="020B0300000101010101" pitchFamily="50" charset="-127"/>
+              <a:sym typeface="Arial"/>
+            </a:endParaRPr>
+          </a:p>
+        </p:txBody>
+      </p:sp>
     </p:spTree>
   </p:cSld>
   <p:clrMapOvr>
@@ -16790,6 +16869,18 @@
                 <a:buNone/>
               </a:pPr>
               <a:r>
+                <a:rPr lang="ko" sz="1050" b="0" i="0" u="none" strike="noStrike" cap="none" dirty="0">
+                  <a:solidFill>
+                    <a:srgbClr val="000000"/>
+                  </a:solidFill>
+                  <a:latin typeface="Microsoft GothicNeo Light" panose="020B0300000101010101" pitchFamily="50" charset="-127"/>
+                  <a:ea typeface="Microsoft GothicNeo Light" panose="020B0300000101010101" pitchFamily="50" charset="-127"/>
+                  <a:cs typeface="Microsoft GothicNeo Light" panose="020B0300000101010101" pitchFamily="50" charset="-127"/>
+                  <a:sym typeface="Arial"/>
+                </a:rPr>
+                <a:t>Timer Update 주기 : 5fps 정도(1초당 5</a:t>
+              </a:r>
+              <a:r>
                 <a:rPr lang="ko" sz="1050" b="0" i="0" u="none" strike="noStrike" cap="none">
                   <a:solidFill>
                     <a:srgbClr val="000000"/>
@@ -16799,9 +16890,9 @@
                   <a:cs typeface="Microsoft GothicNeo Light" panose="020B0300000101010101" pitchFamily="50" charset="-127"/>
                   <a:sym typeface="Arial"/>
                 </a:rPr>
-                <a:t>Timer Update 주기 : 5fps 정도(1초당 5번)</a:t>
+                <a:t>번)</a:t>
               </a:r>
-              <a:endParaRPr sz="1050" b="0" i="0" u="none" strike="noStrike" cap="none">
+              <a:endParaRPr sz="1050" b="0" i="0" u="none" strike="noStrike" cap="none" dirty="0">
                 <a:solidFill>
                   <a:srgbClr val="000000"/>
                 </a:solidFill>
@@ -17065,6 +17156,85 @@
           </p:style>
         </p:cxnSp>
       </p:grpSp>
+      <p:sp>
+        <p:nvSpPr>
+          <p:cNvPr id="2" name="Google Shape;102;p1">
+            <a:extLst>
+              <a:ext uri="{FF2B5EF4-FFF2-40B4-BE49-F238E27FC236}">
+                <a16:creationId xmlns:a16="http://schemas.microsoft.com/office/drawing/2014/main" id="{732CA54C-9FEE-A719-7A63-9F053EC3A26F}"/>
+              </a:ext>
+            </a:extLst>
+          </p:cNvPr>
+          <p:cNvSpPr txBox="1"/>
+          <p:nvPr/>
+        </p:nvSpPr>
+        <p:spPr>
+          <a:xfrm>
+            <a:off x="6691409" y="2948113"/>
+            <a:ext cx="2418285" cy="313865"/>
+          </a:xfrm>
+          <a:prstGeom prst="rect">
+            <a:avLst/>
+          </a:prstGeom>
+          <a:noFill/>
+          <a:ln>
+            <a:noFill/>
+          </a:ln>
+        </p:spPr>
+        <p:txBody>
+          <a:bodyPr spcFirstLastPara="1" wrap="square" lIns="127975" tIns="63975" rIns="127975" bIns="63975" anchor="t" anchorCtr="0">
+            <a:spAutoFit/>
+          </a:bodyPr>
+          <a:lstStyle/>
+          <a:p>
+            <a:pPr marL="0" marR="0" lvl="0" indent="0" algn="l" rtl="0">
+              <a:lnSpc>
+                <a:spcPct val="100000"/>
+              </a:lnSpc>
+              <a:spcBef>
+                <a:spcPts val="0"/>
+              </a:spcBef>
+              <a:spcAft>
+                <a:spcPts val="0"/>
+              </a:spcAft>
+              <a:buNone/>
+            </a:pPr>
+            <a:r>
+              <a:rPr lang="en-US" sz="1200" b="0" i="0" u="none" strike="noStrike" cap="none" dirty="0">
+                <a:solidFill>
+                  <a:srgbClr val="000000"/>
+                </a:solidFill>
+                <a:latin typeface="Microsoft GothicNeo Light" panose="020B0300000101010101" pitchFamily="50" charset="-127"/>
+                <a:ea typeface="Microsoft GothicNeo Light" panose="020B0300000101010101" pitchFamily="50" charset="-127"/>
+                <a:cs typeface="Microsoft GothicNeo Light" panose="020B0300000101010101" pitchFamily="50" charset="-127"/>
+                <a:sym typeface="Arial"/>
+              </a:rPr>
+              <a:t>2 fps </a:t>
+            </a:r>
+            <a:r>
+              <a:rPr lang="ko-KR" altLang="en-US" sz="1200" b="0" i="0" u="none" strike="noStrike" cap="none" dirty="0">
+                <a:solidFill>
+                  <a:srgbClr val="000000"/>
+                </a:solidFill>
+                <a:latin typeface="Microsoft GothicNeo Light" panose="020B0300000101010101" pitchFamily="50" charset="-127"/>
+                <a:ea typeface="Microsoft GothicNeo Light" panose="020B0300000101010101" pitchFamily="50" charset="-127"/>
+                <a:cs typeface="Microsoft GothicNeo Light" panose="020B0300000101010101" pitchFamily="50" charset="-127"/>
+                <a:sym typeface="Arial"/>
+              </a:rPr>
+              <a:t>마다 현재 키 입력 정보 전송</a:t>
+            </a:r>
+            <a:endParaRPr sz="1200" b="0" i="0" u="none" strike="noStrike" cap="none" dirty="0">
+              <a:solidFill>
+                <a:srgbClr val="000000"/>
+              </a:solidFill>
+              <a:latin typeface="Microsoft GothicNeo Light" panose="020B0300000101010101" pitchFamily="50" charset="-127"/>
+              <a:ea typeface="Microsoft GothicNeo Light" panose="020B0300000101010101" pitchFamily="50" charset="-127"/>
+              <a:cs typeface="Microsoft GothicNeo Light" panose="020B0300000101010101" pitchFamily="50" charset="-127"/>
+              <a:sym typeface="Arial"/>
+            </a:endParaRPr>
+          </a:p>
+        </p:txBody>
+      </p:sp>
     </p:spTree>
   </p:cSld>
   <p:clrMapOvr>
@@ -17090,3165 +17260,3180 @@
           <a:chExt cx="0" cy="0"/>
         </a:xfrm>
       </p:grpSpPr>
-      <p:grpSp>
-        <p:nvGrpSpPr>
-          <p:cNvPr id="7" name="그룹 6">
+      <p:sp>
+        <p:nvSpPr>
+          <p:cNvPr id="231" name="Google Shape;231;p4"/>
+          <p:cNvSpPr txBox="1"/>
+          <p:nvPr/>
+        </p:nvSpPr>
+        <p:spPr>
+          <a:xfrm>
+            <a:off x="2788812" y="2180421"/>
+            <a:ext cx="737520" cy="323400"/>
+          </a:xfrm>
+          <a:prstGeom prst="rect">
+            <a:avLst/>
+          </a:prstGeom>
+          <a:noFill/>
+          <a:ln>
+            <a:noFill/>
+          </a:ln>
+        </p:spPr>
+        <p:txBody>
+          <a:bodyPr spcFirstLastPara="1" wrap="square" lIns="127975" tIns="127975" rIns="127975" bIns="127975" anchor="ctr" anchorCtr="0">
+            <a:noAutofit/>
+          </a:bodyPr>
+          <a:lstStyle/>
+          <a:p>
+            <a:pPr marL="0" marR="0" lvl="0" indent="0" algn="ctr" rtl="0">
+              <a:lnSpc>
+                <a:spcPct val="100000"/>
+              </a:lnSpc>
+              <a:spcBef>
+                <a:spcPts val="0"/>
+              </a:spcBef>
+              <a:spcAft>
+                <a:spcPts val="0"/>
+              </a:spcAft>
+              <a:buNone/>
+            </a:pPr>
+            <a:r>
+              <a:rPr lang="ko" sz="1400" b="1" i="0" u="none" strike="noStrike" cap="none">
+                <a:solidFill>
+                  <a:srgbClr val="000000"/>
+                </a:solidFill>
+                <a:latin typeface="Microsoft GothicNeo" panose="020B0500000101010101" pitchFamily="50" charset="-127"/>
+                <a:ea typeface="Microsoft GothicNeo" panose="020B0500000101010101" pitchFamily="50" charset="-127"/>
+                <a:cs typeface="Microsoft GothicNeo" panose="020B0500000101010101" pitchFamily="50" charset="-127"/>
+                <a:sym typeface="Arial"/>
+              </a:rPr>
+              <a:t>서버</a:t>
+            </a:r>
+            <a:endParaRPr sz="1400" b="1" i="0" u="none" strike="noStrike" cap="none">
+              <a:solidFill>
+                <a:srgbClr val="000000"/>
+              </a:solidFill>
+              <a:latin typeface="Microsoft GothicNeo" panose="020B0500000101010101" pitchFamily="50" charset="-127"/>
+              <a:ea typeface="Microsoft GothicNeo" panose="020B0500000101010101" pitchFamily="50" charset="-127"/>
+              <a:cs typeface="Microsoft GothicNeo" panose="020B0500000101010101" pitchFamily="50" charset="-127"/>
+              <a:sym typeface="Arial"/>
+            </a:endParaRPr>
+          </a:p>
+        </p:txBody>
+      </p:sp>
+      <p:sp>
+        <p:nvSpPr>
+          <p:cNvPr id="232" name="Google Shape;232;p4"/>
+          <p:cNvSpPr/>
+          <p:nvPr/>
+        </p:nvSpPr>
+        <p:spPr>
+          <a:xfrm>
+            <a:off x="318505" y="2580243"/>
+            <a:ext cx="5651940" cy="3424260"/>
+          </a:xfrm>
+          <a:prstGeom prst="rect">
+            <a:avLst/>
+          </a:prstGeom>
+          <a:solidFill>
+            <a:srgbClr val="6D9EEB"/>
+          </a:solidFill>
+          <a:ln>
+            <a:noFill/>
+          </a:ln>
+        </p:spPr>
+        <p:txBody>
+          <a:bodyPr spcFirstLastPara="1" wrap="square" lIns="127975" tIns="127975" rIns="127975" bIns="127975" anchor="ctr" anchorCtr="0">
+            <a:noAutofit/>
+          </a:bodyPr>
+          <a:lstStyle/>
+          <a:p>
+            <a:pPr marL="0" marR="0" lvl="0" indent="0" algn="l" rtl="0">
+              <a:lnSpc>
+                <a:spcPct val="100000"/>
+              </a:lnSpc>
+              <a:spcBef>
+                <a:spcPts val="0"/>
+              </a:spcBef>
+              <a:spcAft>
+                <a:spcPts val="0"/>
+              </a:spcAft>
+              <a:buNone/>
+            </a:pPr>
+            <a:endParaRPr sz="1960" b="0" i="0" u="none" strike="noStrike" cap="none">
+              <a:solidFill>
+                <a:srgbClr val="000000"/>
+              </a:solidFill>
+              <a:latin typeface="Microsoft GothicNeo Light" panose="020B0300000101010101" pitchFamily="50" charset="-127"/>
+              <a:ea typeface="Microsoft GothicNeo Light" panose="020B0300000101010101" pitchFamily="50" charset="-127"/>
+              <a:cs typeface="Microsoft GothicNeo Light" panose="020B0300000101010101" pitchFamily="50" charset="-127"/>
+              <a:sym typeface="Arial"/>
+            </a:endParaRPr>
+          </a:p>
+        </p:txBody>
+      </p:sp>
+      <p:sp>
+        <p:nvSpPr>
+          <p:cNvPr id="233" name="Google Shape;233;p4"/>
+          <p:cNvSpPr/>
+          <p:nvPr/>
+        </p:nvSpPr>
+        <p:spPr>
+          <a:xfrm>
+            <a:off x="331742" y="2567836"/>
+            <a:ext cx="5651940" cy="377580"/>
+          </a:xfrm>
+          <a:prstGeom prst="rect">
+            <a:avLst/>
+          </a:prstGeom>
+          <a:solidFill>
+            <a:schemeClr val="lt2"/>
+          </a:solidFill>
+          <a:ln>
+            <a:noFill/>
+          </a:ln>
+        </p:spPr>
+        <p:txBody>
+          <a:bodyPr spcFirstLastPara="1" wrap="square" lIns="127975" tIns="127975" rIns="127975" bIns="127975" anchor="ctr" anchorCtr="0">
+            <a:noAutofit/>
+          </a:bodyPr>
+          <a:lstStyle/>
+          <a:p>
+            <a:pPr marL="0" marR="0" lvl="0" indent="0" algn="ctr" rtl="0">
+              <a:lnSpc>
+                <a:spcPct val="100000"/>
+              </a:lnSpc>
+              <a:spcBef>
+                <a:spcPts val="0"/>
+              </a:spcBef>
+              <a:spcAft>
+                <a:spcPts val="0"/>
+              </a:spcAft>
+              <a:buNone/>
+            </a:pPr>
+            <a:r>
+              <a:rPr lang="ko" sz="1260" b="0" i="0" u="none" strike="noStrike" cap="none">
+                <a:solidFill>
+                  <a:srgbClr val="000000"/>
+                </a:solidFill>
+                <a:latin typeface="Microsoft GothicNeo Light" panose="020B0300000101010101" pitchFamily="50" charset="-127"/>
+                <a:ea typeface="Microsoft GothicNeo Light" panose="020B0300000101010101" pitchFamily="50" charset="-127"/>
+                <a:cs typeface="Microsoft GothicNeo Light" panose="020B0300000101010101" pitchFamily="50" charset="-127"/>
+                <a:sym typeface="Arial"/>
+              </a:rPr>
+              <a:t>Main Thread</a:t>
+            </a:r>
+            <a:endParaRPr sz="1260" b="0" i="0" u="none" strike="noStrike" cap="none">
+              <a:solidFill>
+                <a:srgbClr val="000000"/>
+              </a:solidFill>
+              <a:latin typeface="Microsoft GothicNeo Light" panose="020B0300000101010101" pitchFamily="50" charset="-127"/>
+              <a:ea typeface="Microsoft GothicNeo Light" panose="020B0300000101010101" pitchFamily="50" charset="-127"/>
+              <a:cs typeface="Microsoft GothicNeo Light" panose="020B0300000101010101" pitchFamily="50" charset="-127"/>
+              <a:sym typeface="Arial"/>
+            </a:endParaRPr>
+          </a:p>
+        </p:txBody>
+      </p:sp>
+      <p:sp>
+        <p:nvSpPr>
+          <p:cNvPr id="234" name="Google Shape;234;p4"/>
+          <p:cNvSpPr/>
+          <p:nvPr/>
+        </p:nvSpPr>
+        <p:spPr>
+          <a:xfrm>
+            <a:off x="432664" y="3063751"/>
+            <a:ext cx="1566900" cy="2826300"/>
+          </a:xfrm>
+          <a:prstGeom prst="rect">
+            <a:avLst/>
+          </a:prstGeom>
+          <a:solidFill>
+            <a:schemeClr val="lt2"/>
+          </a:solidFill>
+          <a:ln>
+            <a:noFill/>
+          </a:ln>
+        </p:spPr>
+        <p:txBody>
+          <a:bodyPr spcFirstLastPara="1" wrap="square" lIns="127975" tIns="127975" rIns="127975" bIns="127975" anchor="ctr" anchorCtr="0">
+            <a:noAutofit/>
+          </a:bodyPr>
+          <a:lstStyle/>
+          <a:p>
+            <a:pPr marL="0" marR="0" lvl="0" indent="0" algn="l" rtl="0">
+              <a:lnSpc>
+                <a:spcPct val="100000"/>
+              </a:lnSpc>
+              <a:spcBef>
+                <a:spcPts val="0"/>
+              </a:spcBef>
+              <a:spcAft>
+                <a:spcPts val="0"/>
+              </a:spcAft>
+              <a:buNone/>
+            </a:pPr>
+            <a:endParaRPr sz="1960" b="0" i="0" u="none" strike="noStrike" cap="none">
+              <a:solidFill>
+                <a:srgbClr val="000000"/>
+              </a:solidFill>
+              <a:latin typeface="Microsoft GothicNeo Light" panose="020B0300000101010101" pitchFamily="50" charset="-127"/>
+              <a:ea typeface="Microsoft GothicNeo Light" panose="020B0300000101010101" pitchFamily="50" charset="-127"/>
+              <a:cs typeface="Microsoft GothicNeo Light" panose="020B0300000101010101" pitchFamily="50" charset="-127"/>
+              <a:sym typeface="Arial"/>
+            </a:endParaRPr>
+          </a:p>
+        </p:txBody>
+      </p:sp>
+      <p:sp>
+        <p:nvSpPr>
+          <p:cNvPr id="235" name="Google Shape;235;p4"/>
+          <p:cNvSpPr/>
+          <p:nvPr/>
+        </p:nvSpPr>
+        <p:spPr>
+          <a:xfrm>
+            <a:off x="2374076" y="3063751"/>
+            <a:ext cx="1567020" cy="2826180"/>
+          </a:xfrm>
+          <a:prstGeom prst="rect">
+            <a:avLst/>
+          </a:prstGeom>
+          <a:solidFill>
+            <a:schemeClr val="lt2"/>
+          </a:solidFill>
+          <a:ln>
+            <a:noFill/>
+          </a:ln>
+        </p:spPr>
+        <p:txBody>
+          <a:bodyPr spcFirstLastPara="1" wrap="square" lIns="127975" tIns="127975" rIns="127975" bIns="127975" anchor="ctr" anchorCtr="0">
+            <a:noAutofit/>
+          </a:bodyPr>
+          <a:lstStyle/>
+          <a:p>
+            <a:pPr marL="0" marR="0" lvl="0" indent="0" algn="l" rtl="0">
+              <a:lnSpc>
+                <a:spcPct val="100000"/>
+              </a:lnSpc>
+              <a:spcBef>
+                <a:spcPts val="0"/>
+              </a:spcBef>
+              <a:spcAft>
+                <a:spcPts val="0"/>
+              </a:spcAft>
+              <a:buNone/>
+            </a:pPr>
+            <a:endParaRPr sz="1960" b="0" i="0" u="none" strike="noStrike" cap="none">
+              <a:solidFill>
+                <a:srgbClr val="000000"/>
+              </a:solidFill>
+              <a:latin typeface="Microsoft GothicNeo Light" panose="020B0300000101010101" pitchFamily="50" charset="-127"/>
+              <a:ea typeface="Microsoft GothicNeo Light" panose="020B0300000101010101" pitchFamily="50" charset="-127"/>
+              <a:cs typeface="Microsoft GothicNeo Light" panose="020B0300000101010101" pitchFamily="50" charset="-127"/>
+              <a:sym typeface="Arial"/>
+            </a:endParaRPr>
+          </a:p>
+        </p:txBody>
+      </p:sp>
+      <p:sp>
+        <p:nvSpPr>
+          <p:cNvPr id="236" name="Google Shape;236;p4"/>
+          <p:cNvSpPr/>
+          <p:nvPr/>
+        </p:nvSpPr>
+        <p:spPr>
+          <a:xfrm>
+            <a:off x="4315488" y="3063751"/>
+            <a:ext cx="1567020" cy="2826180"/>
+          </a:xfrm>
+          <a:prstGeom prst="rect">
+            <a:avLst/>
+          </a:prstGeom>
+          <a:solidFill>
+            <a:schemeClr val="lt2"/>
+          </a:solidFill>
+          <a:ln>
+            <a:noFill/>
+          </a:ln>
+        </p:spPr>
+        <p:txBody>
+          <a:bodyPr spcFirstLastPara="1" wrap="square" lIns="127975" tIns="127975" rIns="127975" bIns="127975" anchor="ctr" anchorCtr="0">
+            <a:noAutofit/>
+          </a:bodyPr>
+          <a:lstStyle/>
+          <a:p>
+            <a:pPr marL="0" marR="0" lvl="0" indent="0" algn="l" rtl="0">
+              <a:lnSpc>
+                <a:spcPct val="100000"/>
+              </a:lnSpc>
+              <a:spcBef>
+                <a:spcPts val="0"/>
+              </a:spcBef>
+              <a:spcAft>
+                <a:spcPts val="0"/>
+              </a:spcAft>
+              <a:buNone/>
+            </a:pPr>
+            <a:endParaRPr sz="1960" b="0" i="0" u="none" strike="noStrike" cap="none">
+              <a:solidFill>
+                <a:srgbClr val="000000"/>
+              </a:solidFill>
+              <a:latin typeface="Microsoft GothicNeo Light" panose="020B0300000101010101" pitchFamily="50" charset="-127"/>
+              <a:ea typeface="Microsoft GothicNeo Light" panose="020B0300000101010101" pitchFamily="50" charset="-127"/>
+              <a:cs typeface="Microsoft GothicNeo Light" panose="020B0300000101010101" pitchFamily="50" charset="-127"/>
+              <a:sym typeface="Arial"/>
+            </a:endParaRPr>
+          </a:p>
+        </p:txBody>
+      </p:sp>
+      <p:sp>
+        <p:nvSpPr>
+          <p:cNvPr id="239" name="Google Shape;239;p4"/>
+          <p:cNvSpPr txBox="1"/>
+          <p:nvPr/>
+        </p:nvSpPr>
+        <p:spPr>
+          <a:xfrm>
+            <a:off x="9274942" y="2180421"/>
+            <a:ext cx="737520" cy="323400"/>
+          </a:xfrm>
+          <a:prstGeom prst="rect">
+            <a:avLst/>
+          </a:prstGeom>
+          <a:noFill/>
+          <a:ln>
+            <a:noFill/>
+          </a:ln>
+        </p:spPr>
+        <p:txBody>
+          <a:bodyPr spcFirstLastPara="1" wrap="square" lIns="127975" tIns="127975" rIns="127975" bIns="127975" anchor="ctr" anchorCtr="0">
+            <a:noAutofit/>
+          </a:bodyPr>
+          <a:lstStyle/>
+          <a:p>
+            <a:pPr marL="0" marR="0" lvl="0" indent="0" algn="ctr" rtl="0">
+              <a:lnSpc>
+                <a:spcPct val="100000"/>
+              </a:lnSpc>
+              <a:spcBef>
+                <a:spcPts val="0"/>
+              </a:spcBef>
+              <a:spcAft>
+                <a:spcPts val="0"/>
+              </a:spcAft>
+              <a:buNone/>
+            </a:pPr>
+            <a:r>
+              <a:rPr lang="ko" sz="1400" b="1" i="0" u="none" strike="noStrike" cap="none">
+                <a:solidFill>
+                  <a:srgbClr val="000000"/>
+                </a:solidFill>
+                <a:latin typeface="Microsoft GothicNeo" panose="020B0500000101010101" pitchFamily="50" charset="-127"/>
+                <a:ea typeface="Microsoft GothicNeo" panose="020B0500000101010101" pitchFamily="50" charset="-127"/>
+                <a:cs typeface="Microsoft GothicNeo" panose="020B0500000101010101" pitchFamily="50" charset="-127"/>
+                <a:sym typeface="Arial"/>
+              </a:rPr>
+              <a:t>클라</a:t>
+            </a:r>
+            <a:endParaRPr sz="1400" b="1" i="0" u="none" strike="noStrike" cap="none">
+              <a:solidFill>
+                <a:srgbClr val="000000"/>
+              </a:solidFill>
+              <a:latin typeface="Microsoft GothicNeo" panose="020B0500000101010101" pitchFamily="50" charset="-127"/>
+              <a:ea typeface="Microsoft GothicNeo" panose="020B0500000101010101" pitchFamily="50" charset="-127"/>
+              <a:cs typeface="Microsoft GothicNeo" panose="020B0500000101010101" pitchFamily="50" charset="-127"/>
+              <a:sym typeface="Arial"/>
+            </a:endParaRPr>
+          </a:p>
+        </p:txBody>
+      </p:sp>
+      <p:sp>
+        <p:nvSpPr>
+          <p:cNvPr id="240" name="Google Shape;240;p4"/>
+          <p:cNvSpPr/>
+          <p:nvPr/>
+        </p:nvSpPr>
+        <p:spPr>
+          <a:xfrm>
+            <a:off x="6817872" y="2567836"/>
+            <a:ext cx="5651940" cy="3424260"/>
+          </a:xfrm>
+          <a:prstGeom prst="rect">
+            <a:avLst/>
+          </a:prstGeom>
+          <a:solidFill>
+            <a:srgbClr val="6D9EEB"/>
+          </a:solidFill>
+          <a:ln>
+            <a:noFill/>
+          </a:ln>
+        </p:spPr>
+        <p:txBody>
+          <a:bodyPr spcFirstLastPara="1" wrap="square" lIns="127975" tIns="127975" rIns="127975" bIns="127975" anchor="ctr" anchorCtr="0">
+            <a:noAutofit/>
+          </a:bodyPr>
+          <a:lstStyle/>
+          <a:p>
+            <a:pPr marL="0" marR="0" lvl="0" indent="0" algn="l" rtl="0">
+              <a:lnSpc>
+                <a:spcPct val="100000"/>
+              </a:lnSpc>
+              <a:spcBef>
+                <a:spcPts val="0"/>
+              </a:spcBef>
+              <a:spcAft>
+                <a:spcPts val="0"/>
+              </a:spcAft>
+              <a:buNone/>
+            </a:pPr>
+            <a:endParaRPr sz="1960" b="0" i="0" u="none" strike="noStrike" cap="none">
+              <a:solidFill>
+                <a:srgbClr val="000000"/>
+              </a:solidFill>
+              <a:latin typeface="Microsoft GothicNeo Light" panose="020B0300000101010101" pitchFamily="50" charset="-127"/>
+              <a:ea typeface="Microsoft GothicNeo Light" panose="020B0300000101010101" pitchFamily="50" charset="-127"/>
+              <a:cs typeface="Microsoft GothicNeo Light" panose="020B0300000101010101" pitchFamily="50" charset="-127"/>
+              <a:sym typeface="Arial"/>
+            </a:endParaRPr>
+          </a:p>
+        </p:txBody>
+      </p:sp>
+      <p:sp>
+        <p:nvSpPr>
+          <p:cNvPr id="241" name="Google Shape;241;p4"/>
+          <p:cNvSpPr/>
+          <p:nvPr/>
+        </p:nvSpPr>
+        <p:spPr>
+          <a:xfrm>
+            <a:off x="6817872" y="2567836"/>
+            <a:ext cx="5651940" cy="377580"/>
+          </a:xfrm>
+          <a:prstGeom prst="rect">
+            <a:avLst/>
+          </a:prstGeom>
+          <a:solidFill>
+            <a:schemeClr val="lt2"/>
+          </a:solidFill>
+          <a:ln>
+            <a:noFill/>
+          </a:ln>
+        </p:spPr>
+        <p:txBody>
+          <a:bodyPr spcFirstLastPara="1" wrap="square" lIns="127975" tIns="127975" rIns="127975" bIns="127975" anchor="ctr" anchorCtr="0">
+            <a:noAutofit/>
+          </a:bodyPr>
+          <a:lstStyle/>
+          <a:p>
+            <a:pPr marL="0" marR="0" lvl="0" indent="0" algn="ctr" rtl="0">
+              <a:lnSpc>
+                <a:spcPct val="100000"/>
+              </a:lnSpc>
+              <a:spcBef>
+                <a:spcPts val="0"/>
+              </a:spcBef>
+              <a:spcAft>
+                <a:spcPts val="0"/>
+              </a:spcAft>
+              <a:buNone/>
+            </a:pPr>
+            <a:r>
+              <a:rPr lang="ko" sz="1260" b="0" i="0" u="none" strike="noStrike" cap="none">
+                <a:solidFill>
+                  <a:srgbClr val="000000"/>
+                </a:solidFill>
+                <a:latin typeface="Microsoft GothicNeo Light" panose="020B0300000101010101" pitchFamily="50" charset="-127"/>
+                <a:ea typeface="Microsoft GothicNeo Light" panose="020B0300000101010101" pitchFamily="50" charset="-127"/>
+                <a:cs typeface="Microsoft GothicNeo Light" panose="020B0300000101010101" pitchFamily="50" charset="-127"/>
+                <a:sym typeface="Arial"/>
+              </a:rPr>
+              <a:t>Main Thread</a:t>
+            </a:r>
+            <a:endParaRPr sz="1260" b="0" i="0" u="none" strike="noStrike" cap="none">
+              <a:solidFill>
+                <a:srgbClr val="000000"/>
+              </a:solidFill>
+              <a:latin typeface="Microsoft GothicNeo Light" panose="020B0300000101010101" pitchFamily="50" charset="-127"/>
+              <a:ea typeface="Microsoft GothicNeo Light" panose="020B0300000101010101" pitchFamily="50" charset="-127"/>
+              <a:cs typeface="Microsoft GothicNeo Light" panose="020B0300000101010101" pitchFamily="50" charset="-127"/>
+              <a:sym typeface="Arial"/>
+            </a:endParaRPr>
+          </a:p>
+        </p:txBody>
+      </p:sp>
+      <p:sp>
+        <p:nvSpPr>
+          <p:cNvPr id="242" name="Google Shape;242;p4"/>
+          <p:cNvSpPr/>
+          <p:nvPr/>
+        </p:nvSpPr>
+        <p:spPr>
+          <a:xfrm>
+            <a:off x="6918794" y="3063751"/>
+            <a:ext cx="1567020" cy="2826180"/>
+          </a:xfrm>
+          <a:prstGeom prst="rect">
+            <a:avLst/>
+          </a:prstGeom>
+          <a:solidFill>
+            <a:schemeClr val="lt2"/>
+          </a:solidFill>
+          <a:ln>
+            <a:noFill/>
+          </a:ln>
+        </p:spPr>
+        <p:txBody>
+          <a:bodyPr spcFirstLastPara="1" wrap="square" lIns="127975" tIns="127975" rIns="127975" bIns="127975" anchor="ctr" anchorCtr="0">
+            <a:noAutofit/>
+          </a:bodyPr>
+          <a:lstStyle/>
+          <a:p>
+            <a:pPr marL="0" marR="0" lvl="0" indent="0" algn="l" rtl="0">
+              <a:lnSpc>
+                <a:spcPct val="100000"/>
+              </a:lnSpc>
+              <a:spcBef>
+                <a:spcPts val="0"/>
+              </a:spcBef>
+              <a:spcAft>
+                <a:spcPts val="0"/>
+              </a:spcAft>
+              <a:buNone/>
+            </a:pPr>
+            <a:endParaRPr sz="1960" b="0" i="0" u="none" strike="noStrike" cap="none">
+              <a:solidFill>
+                <a:srgbClr val="000000"/>
+              </a:solidFill>
+              <a:latin typeface="Microsoft GothicNeo Light" panose="020B0300000101010101" pitchFamily="50" charset="-127"/>
+              <a:ea typeface="Microsoft GothicNeo Light" panose="020B0300000101010101" pitchFamily="50" charset="-127"/>
+              <a:cs typeface="Microsoft GothicNeo Light" panose="020B0300000101010101" pitchFamily="50" charset="-127"/>
+              <a:sym typeface="Arial"/>
+            </a:endParaRPr>
+          </a:p>
+        </p:txBody>
+      </p:sp>
+      <p:sp>
+        <p:nvSpPr>
+          <p:cNvPr id="243" name="Google Shape;243;p4"/>
+          <p:cNvSpPr/>
+          <p:nvPr/>
+        </p:nvSpPr>
+        <p:spPr>
+          <a:xfrm>
+            <a:off x="8860206" y="3063751"/>
+            <a:ext cx="1567020" cy="2826180"/>
+          </a:xfrm>
+          <a:prstGeom prst="rect">
+            <a:avLst/>
+          </a:prstGeom>
+          <a:solidFill>
+            <a:schemeClr val="lt2"/>
+          </a:solidFill>
+          <a:ln>
+            <a:noFill/>
+          </a:ln>
+        </p:spPr>
+        <p:txBody>
+          <a:bodyPr spcFirstLastPara="1" wrap="square" lIns="127975" tIns="127975" rIns="127975" bIns="127975" anchor="ctr" anchorCtr="0">
+            <a:noAutofit/>
+          </a:bodyPr>
+          <a:lstStyle/>
+          <a:p>
+            <a:pPr marL="0" marR="0" lvl="0" indent="0" algn="l" rtl="0">
+              <a:lnSpc>
+                <a:spcPct val="100000"/>
+              </a:lnSpc>
+              <a:spcBef>
+                <a:spcPts val="0"/>
+              </a:spcBef>
+              <a:spcAft>
+                <a:spcPts val="0"/>
+              </a:spcAft>
+              <a:buNone/>
+            </a:pPr>
+            <a:endParaRPr sz="1960" b="0" i="0" u="none" strike="noStrike" cap="none">
+              <a:solidFill>
+                <a:srgbClr val="000000"/>
+              </a:solidFill>
+              <a:latin typeface="Microsoft GothicNeo Light" panose="020B0300000101010101" pitchFamily="50" charset="-127"/>
+              <a:ea typeface="Microsoft GothicNeo Light" panose="020B0300000101010101" pitchFamily="50" charset="-127"/>
+              <a:cs typeface="Microsoft GothicNeo Light" panose="020B0300000101010101" pitchFamily="50" charset="-127"/>
+              <a:sym typeface="Arial"/>
+            </a:endParaRPr>
+          </a:p>
+        </p:txBody>
+      </p:sp>
+      <p:sp>
+        <p:nvSpPr>
+          <p:cNvPr id="244" name="Google Shape;244;p4"/>
+          <p:cNvSpPr/>
+          <p:nvPr/>
+        </p:nvSpPr>
+        <p:spPr>
+          <a:xfrm>
+            <a:off x="10801618" y="3063751"/>
+            <a:ext cx="1567020" cy="2826180"/>
+          </a:xfrm>
+          <a:prstGeom prst="rect">
+            <a:avLst/>
+          </a:prstGeom>
+          <a:solidFill>
+            <a:schemeClr val="lt2"/>
+          </a:solidFill>
+          <a:ln>
+            <a:noFill/>
+          </a:ln>
+        </p:spPr>
+        <p:txBody>
+          <a:bodyPr spcFirstLastPara="1" wrap="square" lIns="127975" tIns="127975" rIns="127975" bIns="127975" anchor="ctr" anchorCtr="0">
+            <a:noAutofit/>
+          </a:bodyPr>
+          <a:lstStyle/>
+          <a:p>
+            <a:pPr marL="0" marR="0" lvl="0" indent="0" algn="l" rtl="0">
+              <a:lnSpc>
+                <a:spcPct val="100000"/>
+              </a:lnSpc>
+              <a:spcBef>
+                <a:spcPts val="0"/>
+              </a:spcBef>
+              <a:spcAft>
+                <a:spcPts val="0"/>
+              </a:spcAft>
+              <a:buNone/>
+            </a:pPr>
+            <a:endParaRPr sz="1960" b="0" i="0" u="none" strike="noStrike" cap="none">
+              <a:solidFill>
+                <a:srgbClr val="000000"/>
+              </a:solidFill>
+              <a:latin typeface="Microsoft GothicNeo Light" panose="020B0300000101010101" pitchFamily="50" charset="-127"/>
+              <a:ea typeface="Microsoft GothicNeo Light" panose="020B0300000101010101" pitchFamily="50" charset="-127"/>
+              <a:cs typeface="Microsoft GothicNeo Light" panose="020B0300000101010101" pitchFamily="50" charset="-127"/>
+              <a:sym typeface="Arial"/>
+            </a:endParaRPr>
+          </a:p>
+        </p:txBody>
+      </p:sp>
+      <p:sp>
+        <p:nvSpPr>
+          <p:cNvPr id="245" name="Google Shape;245;p4"/>
+          <p:cNvSpPr/>
+          <p:nvPr/>
+        </p:nvSpPr>
+        <p:spPr>
+          <a:xfrm>
+            <a:off x="6817862" y="6119078"/>
+            <a:ext cx="5652000" cy="1301700"/>
+          </a:xfrm>
+          <a:prstGeom prst="rect">
+            <a:avLst/>
+          </a:prstGeom>
+          <a:solidFill>
+            <a:srgbClr val="E06666"/>
+          </a:solidFill>
+          <a:ln>
+            <a:noFill/>
+          </a:ln>
+        </p:spPr>
+        <p:txBody>
+          <a:bodyPr spcFirstLastPara="1" wrap="square" lIns="127975" tIns="127975" rIns="127975" bIns="127975" anchor="ctr" anchorCtr="0">
+            <a:noAutofit/>
+          </a:bodyPr>
+          <a:lstStyle/>
+          <a:p>
+            <a:pPr marL="0" marR="0" lvl="0" indent="0" algn="l" rtl="0">
+              <a:lnSpc>
+                <a:spcPct val="100000"/>
+              </a:lnSpc>
+              <a:spcBef>
+                <a:spcPts val="0"/>
+              </a:spcBef>
+              <a:spcAft>
+                <a:spcPts val="0"/>
+              </a:spcAft>
+              <a:buNone/>
+            </a:pPr>
+            <a:endParaRPr sz="1960" b="0" i="0" u="none" strike="noStrike" cap="none">
+              <a:solidFill>
+                <a:srgbClr val="000000"/>
+              </a:solidFill>
+              <a:latin typeface="Microsoft GothicNeo Light" panose="020B0300000101010101" pitchFamily="50" charset="-127"/>
+              <a:ea typeface="Microsoft GothicNeo Light" panose="020B0300000101010101" pitchFamily="50" charset="-127"/>
+              <a:cs typeface="Microsoft GothicNeo Light" panose="020B0300000101010101" pitchFamily="50" charset="-127"/>
+              <a:sym typeface="Arial"/>
+            </a:endParaRPr>
+          </a:p>
+        </p:txBody>
+      </p:sp>
+      <p:sp>
+        <p:nvSpPr>
+          <p:cNvPr id="246" name="Google Shape;246;p4"/>
+          <p:cNvSpPr/>
+          <p:nvPr/>
+        </p:nvSpPr>
+        <p:spPr>
+          <a:xfrm>
+            <a:off x="6817872" y="6119076"/>
+            <a:ext cx="5651940" cy="377580"/>
+          </a:xfrm>
+          <a:prstGeom prst="rect">
+            <a:avLst/>
+          </a:prstGeom>
+          <a:solidFill>
+            <a:schemeClr val="lt2"/>
+          </a:solidFill>
+          <a:ln>
+            <a:noFill/>
+          </a:ln>
+        </p:spPr>
+        <p:txBody>
+          <a:bodyPr spcFirstLastPara="1" wrap="square" lIns="127975" tIns="127975" rIns="127975" bIns="127975" anchor="ctr" anchorCtr="0">
+            <a:noAutofit/>
+          </a:bodyPr>
+          <a:lstStyle/>
+          <a:p>
+            <a:pPr marL="0" marR="0" lvl="0" indent="0" algn="ctr" rtl="0">
+              <a:lnSpc>
+                <a:spcPct val="100000"/>
+              </a:lnSpc>
+              <a:spcBef>
+                <a:spcPts val="0"/>
+              </a:spcBef>
+              <a:spcAft>
+                <a:spcPts val="0"/>
+              </a:spcAft>
+              <a:buNone/>
+            </a:pPr>
+            <a:r>
+              <a:rPr lang="ko" sz="1260" b="0" i="0" u="none" strike="noStrike" cap="none">
+                <a:solidFill>
+                  <a:srgbClr val="000000"/>
+                </a:solidFill>
+                <a:latin typeface="Microsoft GothicNeo Light" panose="020B0300000101010101" pitchFamily="50" charset="-127"/>
+                <a:ea typeface="Microsoft GothicNeo Light" panose="020B0300000101010101" pitchFamily="50" charset="-127"/>
+                <a:cs typeface="Microsoft GothicNeo Light" panose="020B0300000101010101" pitchFamily="50" charset="-127"/>
+                <a:sym typeface="Arial"/>
+              </a:rPr>
+              <a:t>Recv Thread</a:t>
+            </a:r>
+            <a:endParaRPr sz="1260" b="0" i="0" u="none" strike="noStrike" cap="none">
+              <a:solidFill>
+                <a:srgbClr val="000000"/>
+              </a:solidFill>
+              <a:latin typeface="Microsoft GothicNeo Light" panose="020B0300000101010101" pitchFamily="50" charset="-127"/>
+              <a:ea typeface="Microsoft GothicNeo Light" panose="020B0300000101010101" pitchFamily="50" charset="-127"/>
+              <a:cs typeface="Microsoft GothicNeo Light" panose="020B0300000101010101" pitchFamily="50" charset="-127"/>
+              <a:sym typeface="Arial"/>
+            </a:endParaRPr>
+          </a:p>
+        </p:txBody>
+      </p:sp>
+      <p:sp>
+        <p:nvSpPr>
+          <p:cNvPr id="253" name="Google Shape;253;p4"/>
+          <p:cNvSpPr/>
+          <p:nvPr/>
+        </p:nvSpPr>
+        <p:spPr>
+          <a:xfrm>
+            <a:off x="2420237" y="3350056"/>
+            <a:ext cx="1476600" cy="349800"/>
+          </a:xfrm>
+          <a:prstGeom prst="rect">
+            <a:avLst/>
+          </a:prstGeom>
+          <a:solidFill>
+            <a:srgbClr val="6D9EEB"/>
+          </a:solidFill>
+          <a:ln w="9525" cap="flat" cmpd="sng">
+            <a:noFill/>
+            <a:prstDash val="solid"/>
+            <a:round/>
+            <a:headEnd type="none" w="sm" len="sm"/>
+            <a:tailEnd type="none" w="sm" len="sm"/>
+          </a:ln>
+        </p:spPr>
+        <p:txBody>
+          <a:bodyPr spcFirstLastPara="1" wrap="square" lIns="91425" tIns="91425" rIns="91425" bIns="91425" anchor="ctr" anchorCtr="0">
+            <a:noAutofit/>
+          </a:bodyPr>
+          <a:lstStyle/>
+          <a:p>
+            <a:pPr marL="0" lvl="0" indent="0" algn="ctr" rtl="0">
+              <a:spcBef>
+                <a:spcPts val="0"/>
+              </a:spcBef>
+              <a:spcAft>
+                <a:spcPts val="0"/>
+              </a:spcAft>
+              <a:buNone/>
+            </a:pPr>
+            <a:r>
+              <a:rPr lang="ko" sz="1000" dirty="0">
+                <a:solidFill>
+                  <a:schemeClr val="lt1"/>
+                </a:solidFill>
+                <a:latin typeface="Microsoft GothicNeo Light" panose="020B0300000101010101" pitchFamily="50" charset="-127"/>
+                <a:ea typeface="Microsoft GothicNeo Light" panose="020B0300000101010101" pitchFamily="50" charset="-127"/>
+                <a:cs typeface="Microsoft GothicNeo Light" panose="020B0300000101010101" pitchFamily="50" charset="-127"/>
+              </a:rPr>
+              <a:t>void SendData</a:t>
+            </a:r>
+            <a:endParaRPr sz="1000" dirty="0">
+              <a:solidFill>
+                <a:schemeClr val="lt1"/>
+              </a:solidFill>
+              <a:latin typeface="Microsoft GothicNeo Light" panose="020B0300000101010101" pitchFamily="50" charset="-127"/>
+              <a:ea typeface="Microsoft GothicNeo Light" panose="020B0300000101010101" pitchFamily="50" charset="-127"/>
+              <a:cs typeface="Microsoft GothicNeo Light" panose="020B0300000101010101" pitchFamily="50" charset="-127"/>
+            </a:endParaRPr>
+          </a:p>
+        </p:txBody>
+      </p:sp>
+      <p:sp>
+        <p:nvSpPr>
+          <p:cNvPr id="254" name="Google Shape;254;p4"/>
+          <p:cNvSpPr/>
+          <p:nvPr/>
+        </p:nvSpPr>
+        <p:spPr>
+          <a:xfrm>
+            <a:off x="476837" y="4201056"/>
+            <a:ext cx="1476600" cy="349800"/>
+          </a:xfrm>
+          <a:prstGeom prst="rect">
+            <a:avLst/>
+          </a:prstGeom>
+          <a:solidFill>
+            <a:srgbClr val="6D9EEB"/>
+          </a:solidFill>
+          <a:ln w="9525" cap="flat" cmpd="sng">
+            <a:noFill/>
+            <a:prstDash val="solid"/>
+            <a:round/>
+            <a:headEnd type="none" w="sm" len="sm"/>
+            <a:tailEnd type="none" w="sm" len="sm"/>
+          </a:ln>
+        </p:spPr>
+        <p:txBody>
+          <a:bodyPr spcFirstLastPara="1" wrap="square" lIns="91425" tIns="91425" rIns="91425" bIns="91425" anchor="ctr" anchorCtr="0">
+            <a:noAutofit/>
+          </a:bodyPr>
+          <a:lstStyle/>
+          <a:p>
+            <a:pPr marL="0" lvl="0" indent="0" algn="ctr" rtl="0">
+              <a:spcBef>
+                <a:spcPts val="0"/>
+              </a:spcBef>
+              <a:spcAft>
+                <a:spcPts val="0"/>
+              </a:spcAft>
+              <a:buNone/>
+            </a:pPr>
+            <a:r>
+              <a:rPr lang="ko" sz="1000">
+                <a:solidFill>
+                  <a:schemeClr val="lt1"/>
+                </a:solidFill>
+                <a:latin typeface="Microsoft GothicNeo Light" panose="020B0300000101010101" pitchFamily="50" charset="-127"/>
+                <a:ea typeface="Microsoft GothicNeo Light" panose="020B0300000101010101" pitchFamily="50" charset="-127"/>
+                <a:cs typeface="Microsoft GothicNeo Light" panose="020B0300000101010101" pitchFamily="50" charset="-127"/>
+              </a:rPr>
+              <a:t>int InitServer</a:t>
+            </a:r>
+            <a:endParaRPr sz="1000">
+              <a:solidFill>
+                <a:schemeClr val="lt1"/>
+              </a:solidFill>
+              <a:latin typeface="Microsoft GothicNeo Light" panose="020B0300000101010101" pitchFamily="50" charset="-127"/>
+              <a:ea typeface="Microsoft GothicNeo Light" panose="020B0300000101010101" pitchFamily="50" charset="-127"/>
+              <a:cs typeface="Microsoft GothicNeo Light" panose="020B0300000101010101" pitchFamily="50" charset="-127"/>
+            </a:endParaRPr>
+          </a:p>
+        </p:txBody>
+      </p:sp>
+      <p:sp>
+        <p:nvSpPr>
+          <p:cNvPr id="255" name="Google Shape;255;p4"/>
+          <p:cNvSpPr/>
+          <p:nvPr/>
+        </p:nvSpPr>
+        <p:spPr>
+          <a:xfrm>
+            <a:off x="476837" y="4626556"/>
+            <a:ext cx="1476600" cy="349800"/>
+          </a:xfrm>
+          <a:prstGeom prst="rect">
+            <a:avLst/>
+          </a:prstGeom>
+          <a:solidFill>
+            <a:srgbClr val="6D9EEB"/>
+          </a:solidFill>
+          <a:ln w="9525" cap="flat" cmpd="sng">
+            <a:noFill/>
+            <a:prstDash val="solid"/>
+            <a:round/>
+            <a:headEnd type="none" w="sm" len="sm"/>
+            <a:tailEnd type="none" w="sm" len="sm"/>
+          </a:ln>
+        </p:spPr>
+        <p:txBody>
+          <a:bodyPr spcFirstLastPara="1" wrap="square" lIns="91425" tIns="91425" rIns="91425" bIns="91425" anchor="ctr" anchorCtr="0">
+            <a:noAutofit/>
+          </a:bodyPr>
+          <a:lstStyle/>
+          <a:p>
+            <a:pPr marL="0" lvl="0" indent="0" algn="ctr" rtl="0">
+              <a:spcBef>
+                <a:spcPts val="0"/>
+              </a:spcBef>
+              <a:spcAft>
+                <a:spcPts val="0"/>
+              </a:spcAft>
+              <a:buNone/>
+            </a:pPr>
+            <a:r>
+              <a:rPr lang="ko" sz="1000">
+                <a:solidFill>
+                  <a:schemeClr val="lt1"/>
+                </a:solidFill>
+                <a:latin typeface="Microsoft GothicNeo Light" panose="020B0300000101010101" pitchFamily="50" charset="-127"/>
+                <a:ea typeface="Microsoft GothicNeo Light" panose="020B0300000101010101" pitchFamily="50" charset="-127"/>
+                <a:cs typeface="Microsoft GothicNeo Light" panose="020B0300000101010101" pitchFamily="50" charset="-127"/>
+              </a:rPr>
+              <a:t>void WaitForClientConnect</a:t>
+            </a:r>
+            <a:endParaRPr sz="1000">
+              <a:solidFill>
+                <a:schemeClr val="lt1"/>
+              </a:solidFill>
+              <a:latin typeface="Microsoft GothicNeo Light" panose="020B0300000101010101" pitchFamily="50" charset="-127"/>
+              <a:ea typeface="Microsoft GothicNeo Light" panose="020B0300000101010101" pitchFamily="50" charset="-127"/>
+              <a:cs typeface="Microsoft GothicNeo Light" panose="020B0300000101010101" pitchFamily="50" charset="-127"/>
+            </a:endParaRPr>
+          </a:p>
+        </p:txBody>
+      </p:sp>
+      <p:sp>
+        <p:nvSpPr>
+          <p:cNvPr id="256" name="Google Shape;256;p4"/>
+          <p:cNvSpPr/>
+          <p:nvPr/>
+        </p:nvSpPr>
+        <p:spPr>
+          <a:xfrm>
+            <a:off x="476837" y="3775556"/>
+            <a:ext cx="1476600" cy="349800"/>
+          </a:xfrm>
+          <a:prstGeom prst="rect">
+            <a:avLst/>
+          </a:prstGeom>
+          <a:solidFill>
+            <a:srgbClr val="6D9EEB"/>
+          </a:solidFill>
+          <a:ln w="9525" cap="flat" cmpd="sng">
+            <a:noFill/>
+            <a:prstDash val="solid"/>
+            <a:round/>
+            <a:headEnd type="none" w="sm" len="sm"/>
+            <a:tailEnd type="none" w="sm" len="sm"/>
+          </a:ln>
+        </p:spPr>
+        <p:txBody>
+          <a:bodyPr spcFirstLastPara="1" wrap="square" lIns="91425" tIns="91425" rIns="91425" bIns="91425" anchor="ctr" anchorCtr="0">
+            <a:noAutofit/>
+          </a:bodyPr>
+          <a:lstStyle/>
+          <a:p>
+            <a:pPr marL="0" lvl="0" indent="0" algn="ctr" rtl="0">
+              <a:spcBef>
+                <a:spcPts val="0"/>
+              </a:spcBef>
+              <a:spcAft>
+                <a:spcPts val="0"/>
+              </a:spcAft>
+              <a:buNone/>
+            </a:pPr>
+            <a:r>
+              <a:rPr lang="ko" sz="1000" dirty="0">
+                <a:solidFill>
+                  <a:schemeClr val="lt1"/>
+                </a:solidFill>
+                <a:latin typeface="Microsoft GothicNeo Light" panose="020B0300000101010101" pitchFamily="50" charset="-127"/>
+                <a:ea typeface="Microsoft GothicNeo Light" panose="020B0300000101010101" pitchFamily="50" charset="-127"/>
+                <a:cs typeface="Microsoft GothicNeo Light" panose="020B0300000101010101" pitchFamily="50" charset="-127"/>
+              </a:rPr>
+              <a:t>static DWORD WINAPI RecvCLData</a:t>
+            </a:r>
+            <a:endParaRPr sz="1000" dirty="0">
+              <a:solidFill>
+                <a:schemeClr val="lt1"/>
+              </a:solidFill>
+              <a:latin typeface="Microsoft GothicNeo Light" panose="020B0300000101010101" pitchFamily="50" charset="-127"/>
+              <a:ea typeface="Microsoft GothicNeo Light" panose="020B0300000101010101" pitchFamily="50" charset="-127"/>
+              <a:cs typeface="Microsoft GothicNeo Light" panose="020B0300000101010101" pitchFamily="50" charset="-127"/>
+            </a:endParaRPr>
+          </a:p>
+        </p:txBody>
+      </p:sp>
+      <p:sp>
+        <p:nvSpPr>
+          <p:cNvPr id="257" name="Google Shape;257;p4"/>
+          <p:cNvSpPr/>
+          <p:nvPr/>
+        </p:nvSpPr>
+        <p:spPr>
+          <a:xfrm>
+            <a:off x="2420237" y="3775556"/>
+            <a:ext cx="1476600" cy="349800"/>
+          </a:xfrm>
+          <a:prstGeom prst="rect">
+            <a:avLst/>
+          </a:prstGeom>
+          <a:solidFill>
+            <a:srgbClr val="6D9EEB"/>
+          </a:solidFill>
+          <a:ln w="9525" cap="flat" cmpd="sng">
+            <a:noFill/>
+            <a:prstDash val="solid"/>
+            <a:round/>
+            <a:headEnd type="none" w="sm" len="sm"/>
+            <a:tailEnd type="none" w="sm" len="sm"/>
+          </a:ln>
+        </p:spPr>
+        <p:txBody>
+          <a:bodyPr spcFirstLastPara="1" wrap="square" lIns="91425" tIns="91425" rIns="91425" bIns="91425" anchor="ctr" anchorCtr="0">
+            <a:noAutofit/>
+          </a:bodyPr>
+          <a:lstStyle/>
+          <a:p>
+            <a:pPr marL="0" lvl="0" indent="0" algn="ctr" rtl="0">
+              <a:spcBef>
+                <a:spcPts val="0"/>
+              </a:spcBef>
+              <a:spcAft>
+                <a:spcPts val="0"/>
+              </a:spcAft>
+              <a:buNone/>
+            </a:pPr>
+            <a:r>
+              <a:rPr lang="ko" sz="1000">
+                <a:solidFill>
+                  <a:schemeClr val="lt1"/>
+                </a:solidFill>
+                <a:latin typeface="Microsoft GothicNeo Light" panose="020B0300000101010101" pitchFamily="50" charset="-127"/>
+                <a:ea typeface="Microsoft GothicNeo Light" panose="020B0300000101010101" pitchFamily="50" charset="-127"/>
+                <a:cs typeface="Microsoft GothicNeo Light" panose="020B0300000101010101" pitchFamily="50" charset="-127"/>
+              </a:rPr>
+              <a:t>void SVSendTimer</a:t>
+            </a:r>
+            <a:endParaRPr sz="1000">
+              <a:solidFill>
+                <a:schemeClr val="lt1"/>
+              </a:solidFill>
+              <a:latin typeface="Microsoft GothicNeo Light" panose="020B0300000101010101" pitchFamily="50" charset="-127"/>
+              <a:ea typeface="Microsoft GothicNeo Light" panose="020B0300000101010101" pitchFamily="50" charset="-127"/>
+              <a:cs typeface="Microsoft GothicNeo Light" panose="020B0300000101010101" pitchFamily="50" charset="-127"/>
+            </a:endParaRPr>
+          </a:p>
+        </p:txBody>
+      </p:sp>
+      <p:sp>
+        <p:nvSpPr>
+          <p:cNvPr id="258" name="Google Shape;258;p4"/>
+          <p:cNvSpPr/>
+          <p:nvPr/>
+        </p:nvSpPr>
+        <p:spPr>
+          <a:xfrm>
+            <a:off x="476837" y="5052056"/>
+            <a:ext cx="1476600" cy="349800"/>
+          </a:xfrm>
+          <a:prstGeom prst="rect">
+            <a:avLst/>
+          </a:prstGeom>
+          <a:solidFill>
+            <a:srgbClr val="6D9EEB"/>
+          </a:solidFill>
+          <a:ln w="9525" cap="flat" cmpd="sng">
+            <a:noFill/>
+            <a:prstDash val="solid"/>
+            <a:round/>
+            <a:headEnd type="none" w="sm" len="sm"/>
+            <a:tailEnd type="none" w="sm" len="sm"/>
+          </a:ln>
+        </p:spPr>
+        <p:txBody>
+          <a:bodyPr spcFirstLastPara="1" wrap="square" lIns="91425" tIns="91425" rIns="91425" bIns="91425" anchor="ctr" anchorCtr="0">
+            <a:noAutofit/>
+          </a:bodyPr>
+          <a:lstStyle/>
+          <a:p>
+            <a:pPr marL="0" lvl="0" indent="0" algn="ctr" rtl="0">
+              <a:spcBef>
+                <a:spcPts val="0"/>
+              </a:spcBef>
+              <a:spcAft>
+                <a:spcPts val="0"/>
+              </a:spcAft>
+              <a:buNone/>
+            </a:pPr>
+            <a:r>
+              <a:rPr lang="ko" sz="1000">
+                <a:solidFill>
+                  <a:schemeClr val="lt1"/>
+                </a:solidFill>
+                <a:latin typeface="Microsoft GothicNeo Light" panose="020B0300000101010101" pitchFamily="50" charset="-127"/>
+                <a:ea typeface="Microsoft GothicNeo Light" panose="020B0300000101010101" pitchFamily="50" charset="-127"/>
+                <a:cs typeface="Microsoft GothicNeo Light" panose="020B0300000101010101" pitchFamily="50" charset="-127"/>
+              </a:rPr>
+              <a:t>DWORD UpdateTimer</a:t>
+            </a:r>
+            <a:endParaRPr sz="1000">
+              <a:solidFill>
+                <a:schemeClr val="lt1"/>
+              </a:solidFill>
+              <a:latin typeface="Microsoft GothicNeo Light" panose="020B0300000101010101" pitchFamily="50" charset="-127"/>
+              <a:ea typeface="Microsoft GothicNeo Light" panose="020B0300000101010101" pitchFamily="50" charset="-127"/>
+              <a:cs typeface="Microsoft GothicNeo Light" panose="020B0300000101010101" pitchFamily="50" charset="-127"/>
+            </a:endParaRPr>
+          </a:p>
+        </p:txBody>
+      </p:sp>
+      <p:sp>
+        <p:nvSpPr>
+          <p:cNvPr id="259" name="Google Shape;259;p4"/>
+          <p:cNvSpPr/>
+          <p:nvPr/>
+        </p:nvSpPr>
+        <p:spPr>
+          <a:xfrm>
+            <a:off x="2420237" y="4626556"/>
+            <a:ext cx="1476600" cy="349800"/>
+          </a:xfrm>
+          <a:prstGeom prst="rect">
+            <a:avLst/>
+          </a:prstGeom>
+          <a:solidFill>
+            <a:srgbClr val="6D9EEB"/>
+          </a:solidFill>
+          <a:ln w="9525" cap="flat" cmpd="sng">
+            <a:noFill/>
+            <a:prstDash val="solid"/>
+            <a:round/>
+            <a:headEnd type="none" w="sm" len="sm"/>
+            <a:tailEnd type="none" w="sm" len="sm"/>
+          </a:ln>
+        </p:spPr>
+        <p:txBody>
+          <a:bodyPr spcFirstLastPara="1" wrap="square" lIns="91425" tIns="91425" rIns="91425" bIns="91425" anchor="ctr" anchorCtr="0">
+            <a:noAutofit/>
+          </a:bodyPr>
+          <a:lstStyle/>
+          <a:p>
+            <a:pPr marL="0" lvl="0" indent="0" algn="ctr" rtl="0">
+              <a:spcBef>
+                <a:spcPts val="0"/>
+              </a:spcBef>
+              <a:spcAft>
+                <a:spcPts val="0"/>
+              </a:spcAft>
+              <a:buNone/>
+            </a:pPr>
+            <a:r>
+              <a:rPr lang="ko" sz="1000">
+                <a:solidFill>
+                  <a:schemeClr val="lt1"/>
+                </a:solidFill>
+                <a:latin typeface="Microsoft GothicNeo Light" panose="020B0300000101010101" pitchFamily="50" charset="-127"/>
+                <a:ea typeface="Microsoft GothicNeo Light" panose="020B0300000101010101" pitchFamily="50" charset="-127"/>
+                <a:cs typeface="Microsoft GothicNeo Light" panose="020B0300000101010101" pitchFamily="50" charset="-127"/>
+              </a:rPr>
+              <a:t>void SVSendTotal</a:t>
+            </a:r>
+            <a:endParaRPr sz="1000">
+              <a:solidFill>
+                <a:schemeClr val="lt1"/>
+              </a:solidFill>
+              <a:latin typeface="Microsoft GothicNeo Light" panose="020B0300000101010101" pitchFamily="50" charset="-127"/>
+              <a:ea typeface="Microsoft GothicNeo Light" panose="020B0300000101010101" pitchFamily="50" charset="-127"/>
+              <a:cs typeface="Microsoft GothicNeo Light" panose="020B0300000101010101" pitchFamily="50" charset="-127"/>
+            </a:endParaRPr>
+          </a:p>
+        </p:txBody>
+      </p:sp>
+      <p:sp>
+        <p:nvSpPr>
+          <p:cNvPr id="260" name="Google Shape;260;p4"/>
+          <p:cNvSpPr/>
+          <p:nvPr/>
+        </p:nvSpPr>
+        <p:spPr>
+          <a:xfrm>
+            <a:off x="2420237" y="5052056"/>
+            <a:ext cx="1476600" cy="349800"/>
+          </a:xfrm>
+          <a:prstGeom prst="rect">
+            <a:avLst/>
+          </a:prstGeom>
+          <a:solidFill>
+            <a:srgbClr val="6D9EEB"/>
+          </a:solidFill>
+          <a:ln w="9525" cap="flat" cmpd="sng">
+            <a:noFill/>
+            <a:prstDash val="solid"/>
+            <a:round/>
+            <a:headEnd type="none" w="sm" len="sm"/>
+            <a:tailEnd type="none" w="sm" len="sm"/>
+          </a:ln>
+        </p:spPr>
+        <p:txBody>
+          <a:bodyPr spcFirstLastPara="1" wrap="square" lIns="91425" tIns="91425" rIns="91425" bIns="91425" anchor="ctr" anchorCtr="0">
+            <a:noAutofit/>
+          </a:bodyPr>
+          <a:lstStyle/>
+          <a:p>
+            <a:pPr marL="0" lvl="0" indent="0" algn="ctr" rtl="0">
+              <a:spcBef>
+                <a:spcPts val="0"/>
+              </a:spcBef>
+              <a:spcAft>
+                <a:spcPts val="0"/>
+              </a:spcAft>
+              <a:buNone/>
+            </a:pPr>
+            <a:r>
+              <a:rPr lang="ko" sz="1000">
+                <a:solidFill>
+                  <a:schemeClr val="lt1"/>
+                </a:solidFill>
+                <a:latin typeface="Microsoft GothicNeo Light" panose="020B0300000101010101" pitchFamily="50" charset="-127"/>
+                <a:ea typeface="Microsoft GothicNeo Light" panose="020B0300000101010101" pitchFamily="50" charset="-127"/>
+                <a:cs typeface="Microsoft GothicNeo Light" panose="020B0300000101010101" pitchFamily="50" charset="-127"/>
+              </a:rPr>
+              <a:t>void SVSendScene</a:t>
+            </a:r>
+            <a:endParaRPr sz="1000">
+              <a:solidFill>
+                <a:schemeClr val="lt1"/>
+              </a:solidFill>
+              <a:latin typeface="Microsoft GothicNeo Light" panose="020B0300000101010101" pitchFamily="50" charset="-127"/>
+              <a:ea typeface="Microsoft GothicNeo Light" panose="020B0300000101010101" pitchFamily="50" charset="-127"/>
+              <a:cs typeface="Microsoft GothicNeo Light" panose="020B0300000101010101" pitchFamily="50" charset="-127"/>
+            </a:endParaRPr>
+          </a:p>
+        </p:txBody>
+      </p:sp>
+      <p:sp>
+        <p:nvSpPr>
+          <p:cNvPr id="261" name="Google Shape;261;p4"/>
+          <p:cNvSpPr/>
+          <p:nvPr/>
+        </p:nvSpPr>
+        <p:spPr>
+          <a:xfrm>
+            <a:off x="2420237" y="5477556"/>
+            <a:ext cx="1476600" cy="349800"/>
+          </a:xfrm>
+          <a:prstGeom prst="rect">
+            <a:avLst/>
+          </a:prstGeom>
+          <a:solidFill>
+            <a:srgbClr val="6D9EEB"/>
+          </a:solidFill>
+          <a:ln w="9525" cap="flat" cmpd="sng">
+            <a:noFill/>
+            <a:prstDash val="solid"/>
+            <a:round/>
+            <a:headEnd type="none" w="sm" len="sm"/>
+            <a:tailEnd type="none" w="sm" len="sm"/>
+          </a:ln>
+        </p:spPr>
+        <p:txBody>
+          <a:bodyPr spcFirstLastPara="1" wrap="square" lIns="91425" tIns="91425" rIns="91425" bIns="91425" anchor="ctr" anchorCtr="0">
+            <a:noAutofit/>
+          </a:bodyPr>
+          <a:lstStyle/>
+          <a:p>
+            <a:pPr marL="0" lvl="0" indent="0" algn="ctr" rtl="0">
+              <a:spcBef>
+                <a:spcPts val="0"/>
+              </a:spcBef>
+              <a:spcAft>
+                <a:spcPts val="0"/>
+              </a:spcAft>
+              <a:buNone/>
+            </a:pPr>
+            <a:r>
+              <a:rPr lang="ko" sz="1000">
+                <a:solidFill>
+                  <a:schemeClr val="lt1"/>
+                </a:solidFill>
+                <a:latin typeface="Microsoft GothicNeo Light" panose="020B0300000101010101" pitchFamily="50" charset="-127"/>
+                <a:ea typeface="Microsoft GothicNeo Light" panose="020B0300000101010101" pitchFamily="50" charset="-127"/>
+                <a:cs typeface="Microsoft GothicNeo Light" panose="020B0300000101010101" pitchFamily="50" charset="-127"/>
+              </a:rPr>
+              <a:t>void SVSendCharSel</a:t>
+            </a:r>
+            <a:endParaRPr sz="1000">
+              <a:solidFill>
+                <a:schemeClr val="lt1"/>
+              </a:solidFill>
+              <a:latin typeface="Microsoft GothicNeo Light" panose="020B0300000101010101" pitchFamily="50" charset="-127"/>
+              <a:ea typeface="Microsoft GothicNeo Light" panose="020B0300000101010101" pitchFamily="50" charset="-127"/>
+              <a:cs typeface="Microsoft GothicNeo Light" panose="020B0300000101010101" pitchFamily="50" charset="-127"/>
+            </a:endParaRPr>
+          </a:p>
+        </p:txBody>
+      </p:sp>
+      <p:sp>
+        <p:nvSpPr>
+          <p:cNvPr id="262" name="Google Shape;262;p4"/>
+          <p:cNvSpPr/>
+          <p:nvPr/>
+        </p:nvSpPr>
+        <p:spPr>
+          <a:xfrm>
+            <a:off x="2420237" y="4201056"/>
+            <a:ext cx="1476600" cy="349800"/>
+          </a:xfrm>
+          <a:prstGeom prst="rect">
+            <a:avLst/>
+          </a:prstGeom>
+          <a:solidFill>
+            <a:srgbClr val="6D9EEB"/>
+          </a:solidFill>
+          <a:ln w="9525" cap="flat" cmpd="sng">
+            <a:noFill/>
+            <a:prstDash val="solid"/>
+            <a:round/>
+            <a:headEnd type="none" w="sm" len="sm"/>
+            <a:tailEnd type="none" w="sm" len="sm"/>
+          </a:ln>
+        </p:spPr>
+        <p:txBody>
+          <a:bodyPr spcFirstLastPara="1" wrap="square" lIns="91425" tIns="91425" rIns="91425" bIns="91425" anchor="ctr" anchorCtr="0">
+            <a:noAutofit/>
+          </a:bodyPr>
+          <a:lstStyle/>
+          <a:p>
+            <a:pPr marL="0" lvl="0" indent="0" algn="ctr" rtl="0">
+              <a:spcBef>
+                <a:spcPts val="0"/>
+              </a:spcBef>
+              <a:spcAft>
+                <a:spcPts val="0"/>
+              </a:spcAft>
+              <a:buNone/>
+            </a:pPr>
+            <a:r>
+              <a:rPr lang="ko" sz="1000">
+                <a:solidFill>
+                  <a:schemeClr val="lt1"/>
+                </a:solidFill>
+                <a:latin typeface="Microsoft GothicNeo Light" panose="020B0300000101010101" pitchFamily="50" charset="-127"/>
+                <a:ea typeface="Microsoft GothicNeo Light" panose="020B0300000101010101" pitchFamily="50" charset="-127"/>
+                <a:cs typeface="Microsoft GothicNeo Light" panose="020B0300000101010101" pitchFamily="50" charset="-127"/>
+              </a:rPr>
+              <a:t>void SVSendMainGm</a:t>
+            </a:r>
+            <a:endParaRPr sz="1000">
+              <a:solidFill>
+                <a:schemeClr val="lt1"/>
+              </a:solidFill>
+              <a:latin typeface="Microsoft GothicNeo Light" panose="020B0300000101010101" pitchFamily="50" charset="-127"/>
+              <a:ea typeface="Microsoft GothicNeo Light" panose="020B0300000101010101" pitchFamily="50" charset="-127"/>
+              <a:cs typeface="Microsoft GothicNeo Light" panose="020B0300000101010101" pitchFamily="50" charset="-127"/>
+            </a:endParaRPr>
+          </a:p>
+        </p:txBody>
+      </p:sp>
+      <p:sp>
+        <p:nvSpPr>
+          <p:cNvPr id="263" name="Google Shape;263;p4"/>
+          <p:cNvSpPr/>
+          <p:nvPr/>
+        </p:nvSpPr>
+        <p:spPr>
+          <a:xfrm>
+            <a:off x="4363637" y="3775556"/>
+            <a:ext cx="1476600" cy="349800"/>
+          </a:xfrm>
+          <a:prstGeom prst="rect">
+            <a:avLst/>
+          </a:prstGeom>
+          <a:solidFill>
+            <a:srgbClr val="6D9EEB"/>
+          </a:solidFill>
+          <a:ln w="9525" cap="flat" cmpd="sng">
+            <a:noFill/>
+            <a:prstDash val="solid"/>
+            <a:round/>
+            <a:headEnd type="none" w="sm" len="sm"/>
+            <a:tailEnd type="none" w="sm" len="sm"/>
+          </a:ln>
+        </p:spPr>
+        <p:txBody>
+          <a:bodyPr spcFirstLastPara="1" wrap="square" lIns="91425" tIns="91425" rIns="91425" bIns="91425" anchor="ctr" anchorCtr="0">
+            <a:noAutofit/>
+          </a:bodyPr>
+          <a:lstStyle/>
+          <a:p>
+            <a:pPr marL="0" lvl="0" indent="0" algn="ctr" rtl="0">
+              <a:spcBef>
+                <a:spcPts val="0"/>
+              </a:spcBef>
+              <a:spcAft>
+                <a:spcPts val="0"/>
+              </a:spcAft>
+              <a:buNone/>
+            </a:pPr>
+            <a:r>
+              <a:rPr lang="ko" sz="1000">
+                <a:solidFill>
+                  <a:schemeClr val="lt1"/>
+                </a:solidFill>
+                <a:latin typeface="Microsoft GothicNeo Light" panose="020B0300000101010101" pitchFamily="50" charset="-127"/>
+                <a:ea typeface="Microsoft GothicNeo Light" panose="020B0300000101010101" pitchFamily="50" charset="-127"/>
+                <a:cs typeface="Microsoft GothicNeo Light" panose="020B0300000101010101" pitchFamily="50" charset="-127"/>
+              </a:rPr>
+              <a:t>void UpdatePLInfo</a:t>
+            </a:r>
+            <a:endParaRPr sz="1000">
+              <a:solidFill>
+                <a:schemeClr val="lt1"/>
+              </a:solidFill>
+              <a:latin typeface="Microsoft GothicNeo Light" panose="020B0300000101010101" pitchFamily="50" charset="-127"/>
+              <a:ea typeface="Microsoft GothicNeo Light" panose="020B0300000101010101" pitchFamily="50" charset="-127"/>
+              <a:cs typeface="Microsoft GothicNeo Light" panose="020B0300000101010101" pitchFamily="50" charset="-127"/>
+            </a:endParaRPr>
+          </a:p>
+        </p:txBody>
+      </p:sp>
+      <p:sp>
+        <p:nvSpPr>
+          <p:cNvPr id="264" name="Google Shape;264;p4"/>
+          <p:cNvSpPr/>
+          <p:nvPr/>
+        </p:nvSpPr>
+        <p:spPr>
+          <a:xfrm>
+            <a:off x="4363637" y="4201056"/>
+            <a:ext cx="1476600" cy="349800"/>
+          </a:xfrm>
+          <a:prstGeom prst="rect">
+            <a:avLst/>
+          </a:prstGeom>
+          <a:solidFill>
+            <a:srgbClr val="6D9EEB"/>
+          </a:solidFill>
+          <a:ln w="9525" cap="flat" cmpd="sng">
+            <a:noFill/>
+            <a:prstDash val="solid"/>
+            <a:round/>
+            <a:headEnd type="none" w="sm" len="sm"/>
+            <a:tailEnd type="none" w="sm" len="sm"/>
+          </a:ln>
+        </p:spPr>
+        <p:txBody>
+          <a:bodyPr spcFirstLastPara="1" wrap="square" lIns="91425" tIns="91425" rIns="91425" bIns="91425" anchor="ctr" anchorCtr="0">
+            <a:noAutofit/>
+          </a:bodyPr>
+          <a:lstStyle/>
+          <a:p>
+            <a:pPr marL="0" lvl="0" indent="0" algn="ctr" rtl="0">
+              <a:spcBef>
+                <a:spcPts val="0"/>
+              </a:spcBef>
+              <a:spcAft>
+                <a:spcPts val="0"/>
+              </a:spcAft>
+              <a:buNone/>
+            </a:pPr>
+            <a:r>
+              <a:rPr lang="ko" sz="1000">
+                <a:solidFill>
+                  <a:schemeClr val="lt1"/>
+                </a:solidFill>
+                <a:latin typeface="Microsoft GothicNeo Light" panose="020B0300000101010101" pitchFamily="50" charset="-127"/>
+                <a:ea typeface="Microsoft GothicNeo Light" panose="020B0300000101010101" pitchFamily="50" charset="-127"/>
+                <a:cs typeface="Microsoft GothicNeo Light" panose="020B0300000101010101" pitchFamily="50" charset="-127"/>
+              </a:rPr>
+              <a:t>void UpdateScene</a:t>
+            </a:r>
+            <a:endParaRPr sz="1000">
+              <a:solidFill>
+                <a:schemeClr val="lt1"/>
+              </a:solidFill>
+              <a:latin typeface="Microsoft GothicNeo Light" panose="020B0300000101010101" pitchFamily="50" charset="-127"/>
+              <a:ea typeface="Microsoft GothicNeo Light" panose="020B0300000101010101" pitchFamily="50" charset="-127"/>
+              <a:cs typeface="Microsoft GothicNeo Light" panose="020B0300000101010101" pitchFamily="50" charset="-127"/>
+            </a:endParaRPr>
+          </a:p>
+        </p:txBody>
+      </p:sp>
+      <p:sp>
+        <p:nvSpPr>
+          <p:cNvPr id="265" name="Google Shape;265;p4"/>
+          <p:cNvSpPr/>
+          <p:nvPr/>
+        </p:nvSpPr>
+        <p:spPr>
+          <a:xfrm>
+            <a:off x="4363637" y="4626556"/>
+            <a:ext cx="1476600" cy="349800"/>
+          </a:xfrm>
+          <a:prstGeom prst="rect">
+            <a:avLst/>
+          </a:prstGeom>
+          <a:solidFill>
+            <a:srgbClr val="6D9EEB"/>
+          </a:solidFill>
+          <a:ln w="9525" cap="flat" cmpd="sng">
+            <a:noFill/>
+            <a:prstDash val="solid"/>
+            <a:round/>
+            <a:headEnd type="none" w="sm" len="sm"/>
+            <a:tailEnd type="none" w="sm" len="sm"/>
+          </a:ln>
+        </p:spPr>
+        <p:txBody>
+          <a:bodyPr spcFirstLastPara="1" wrap="square" lIns="91425" tIns="91425" rIns="91425" bIns="91425" anchor="ctr" anchorCtr="0">
+            <a:noAutofit/>
+          </a:bodyPr>
+          <a:lstStyle/>
+          <a:p>
+            <a:pPr marL="0" lvl="0" indent="0" algn="ctr" rtl="0">
+              <a:spcBef>
+                <a:spcPts val="0"/>
+              </a:spcBef>
+              <a:spcAft>
+                <a:spcPts val="0"/>
+              </a:spcAft>
+              <a:buNone/>
+            </a:pPr>
+            <a:r>
+              <a:rPr lang="ko" sz="1000">
+                <a:solidFill>
+                  <a:schemeClr val="lt1"/>
+                </a:solidFill>
+                <a:latin typeface="Microsoft GothicNeo Light" panose="020B0300000101010101" pitchFamily="50" charset="-127"/>
+                <a:ea typeface="Microsoft GothicNeo Light" panose="020B0300000101010101" pitchFamily="50" charset="-127"/>
+                <a:cs typeface="Microsoft GothicNeo Light" panose="020B0300000101010101" pitchFamily="50" charset="-127"/>
+              </a:rPr>
+              <a:t>void PLCollision</a:t>
+            </a:r>
+            <a:endParaRPr sz="1000">
+              <a:solidFill>
+                <a:schemeClr val="lt1"/>
+              </a:solidFill>
+              <a:latin typeface="Microsoft GothicNeo Light" panose="020B0300000101010101" pitchFamily="50" charset="-127"/>
+              <a:ea typeface="Microsoft GothicNeo Light" panose="020B0300000101010101" pitchFamily="50" charset="-127"/>
+              <a:cs typeface="Microsoft GothicNeo Light" panose="020B0300000101010101" pitchFamily="50" charset="-127"/>
+            </a:endParaRPr>
+          </a:p>
+        </p:txBody>
+      </p:sp>
+      <p:sp>
+        <p:nvSpPr>
+          <p:cNvPr id="266" name="Google Shape;266;p4"/>
+          <p:cNvSpPr/>
+          <p:nvPr/>
+        </p:nvSpPr>
+        <p:spPr>
+          <a:xfrm>
+            <a:off x="4363637" y="5052056"/>
+            <a:ext cx="1476600" cy="349800"/>
+          </a:xfrm>
+          <a:prstGeom prst="rect">
+            <a:avLst/>
+          </a:prstGeom>
+          <a:solidFill>
+            <a:srgbClr val="6D9EEB"/>
+          </a:solidFill>
+          <a:ln w="9525" cap="flat" cmpd="sng">
+            <a:noFill/>
+            <a:prstDash val="solid"/>
+            <a:round/>
+            <a:headEnd type="none" w="sm" len="sm"/>
+            <a:tailEnd type="none" w="sm" len="sm"/>
+          </a:ln>
+        </p:spPr>
+        <p:txBody>
+          <a:bodyPr spcFirstLastPara="1" wrap="square" lIns="91425" tIns="91425" rIns="91425" bIns="91425" anchor="ctr" anchorCtr="0">
+            <a:noAutofit/>
+          </a:bodyPr>
+          <a:lstStyle/>
+          <a:p>
+            <a:pPr marL="0" lvl="0" indent="0" algn="ctr" rtl="0">
+              <a:spcBef>
+                <a:spcPts val="0"/>
+              </a:spcBef>
+              <a:spcAft>
+                <a:spcPts val="0"/>
+              </a:spcAft>
+              <a:buNone/>
+            </a:pPr>
+            <a:r>
+              <a:rPr lang="ko" sz="1000">
+                <a:solidFill>
+                  <a:schemeClr val="lt1"/>
+                </a:solidFill>
+                <a:latin typeface="Microsoft GothicNeo Light" panose="020B0300000101010101" pitchFamily="50" charset="-127"/>
+                <a:ea typeface="Microsoft GothicNeo Light" panose="020B0300000101010101" pitchFamily="50" charset="-127"/>
+                <a:cs typeface="Microsoft GothicNeo Light" panose="020B0300000101010101" pitchFamily="50" charset="-127"/>
+              </a:rPr>
+              <a:t>void PLDamaged</a:t>
+            </a:r>
+            <a:endParaRPr sz="1000">
+              <a:solidFill>
+                <a:schemeClr val="lt1"/>
+              </a:solidFill>
+              <a:latin typeface="Microsoft GothicNeo Light" panose="020B0300000101010101" pitchFamily="50" charset="-127"/>
+              <a:ea typeface="Microsoft GothicNeo Light" panose="020B0300000101010101" pitchFamily="50" charset="-127"/>
+              <a:cs typeface="Microsoft GothicNeo Light" panose="020B0300000101010101" pitchFamily="50" charset="-127"/>
+            </a:endParaRPr>
+          </a:p>
+        </p:txBody>
+      </p:sp>
+      <p:sp>
+        <p:nvSpPr>
+          <p:cNvPr id="267" name="Google Shape;267;p4"/>
+          <p:cNvSpPr/>
+          <p:nvPr/>
+        </p:nvSpPr>
+        <p:spPr>
+          <a:xfrm>
+            <a:off x="6961762" y="3775556"/>
+            <a:ext cx="1476600" cy="349800"/>
+          </a:xfrm>
+          <a:prstGeom prst="rect">
+            <a:avLst/>
+          </a:prstGeom>
+          <a:solidFill>
+            <a:srgbClr val="6D9EEB"/>
+          </a:solidFill>
+          <a:ln w="9525" cap="flat" cmpd="sng">
+            <a:noFill/>
+            <a:prstDash val="solid"/>
+            <a:round/>
+            <a:headEnd type="none" w="sm" len="sm"/>
+            <a:tailEnd type="none" w="sm" len="sm"/>
+          </a:ln>
+        </p:spPr>
+        <p:txBody>
+          <a:bodyPr spcFirstLastPara="1" wrap="square" lIns="91425" tIns="91425" rIns="91425" bIns="91425" anchor="ctr" anchorCtr="0">
+            <a:noAutofit/>
+          </a:bodyPr>
+          <a:lstStyle/>
+          <a:p>
+            <a:pPr marL="0" lvl="0" indent="0" algn="ctr" rtl="0">
+              <a:spcBef>
+                <a:spcPts val="0"/>
+              </a:spcBef>
+              <a:spcAft>
+                <a:spcPts val="0"/>
+              </a:spcAft>
+              <a:buNone/>
+            </a:pPr>
+            <a:r>
+              <a:rPr lang="ko" sz="1000">
+                <a:solidFill>
+                  <a:schemeClr val="lt1"/>
+                </a:solidFill>
+                <a:latin typeface="Microsoft GothicNeo Light" panose="020B0300000101010101" pitchFamily="50" charset="-127"/>
+                <a:ea typeface="Microsoft GothicNeo Light" panose="020B0300000101010101" pitchFamily="50" charset="-127"/>
+                <a:cs typeface="Microsoft GothicNeo Light" panose="020B0300000101010101" pitchFamily="50" charset="-127"/>
+              </a:rPr>
+              <a:t>void CreateSocket</a:t>
+            </a:r>
+            <a:endParaRPr sz="1000">
+              <a:solidFill>
+                <a:schemeClr val="lt1"/>
+              </a:solidFill>
+              <a:latin typeface="Microsoft GothicNeo Light" panose="020B0300000101010101" pitchFamily="50" charset="-127"/>
+              <a:ea typeface="Microsoft GothicNeo Light" panose="020B0300000101010101" pitchFamily="50" charset="-127"/>
+              <a:cs typeface="Microsoft GothicNeo Light" panose="020B0300000101010101" pitchFamily="50" charset="-127"/>
+            </a:endParaRPr>
+          </a:p>
+        </p:txBody>
+      </p:sp>
+      <p:sp>
+        <p:nvSpPr>
+          <p:cNvPr id="268" name="Google Shape;268;p4"/>
+          <p:cNvSpPr/>
+          <p:nvPr/>
+        </p:nvSpPr>
+        <p:spPr>
+          <a:xfrm>
+            <a:off x="6961762" y="4201056"/>
+            <a:ext cx="1476600" cy="349800"/>
+          </a:xfrm>
+          <a:prstGeom prst="rect">
+            <a:avLst/>
+          </a:prstGeom>
+          <a:solidFill>
+            <a:srgbClr val="6D9EEB"/>
+          </a:solidFill>
+          <a:ln w="9525" cap="flat" cmpd="sng">
+            <a:noFill/>
+            <a:prstDash val="solid"/>
+            <a:round/>
+            <a:headEnd type="none" w="sm" len="sm"/>
+            <a:tailEnd type="none" w="sm" len="sm"/>
+          </a:ln>
+        </p:spPr>
+        <p:txBody>
+          <a:bodyPr spcFirstLastPara="1" wrap="square" lIns="91425" tIns="91425" rIns="91425" bIns="91425" anchor="ctr" anchorCtr="0">
+            <a:noAutofit/>
+          </a:bodyPr>
+          <a:lstStyle/>
+          <a:p>
+            <a:pPr marL="0" lvl="0" indent="0" algn="ctr" rtl="0">
+              <a:spcBef>
+                <a:spcPts val="0"/>
+              </a:spcBef>
+              <a:spcAft>
+                <a:spcPts val="0"/>
+              </a:spcAft>
+              <a:buNone/>
+            </a:pPr>
+            <a:r>
+              <a:rPr lang="ko" sz="1000">
+                <a:solidFill>
+                  <a:schemeClr val="lt1"/>
+                </a:solidFill>
+                <a:latin typeface="Microsoft GothicNeo Light" panose="020B0300000101010101" pitchFamily="50" charset="-127"/>
+                <a:ea typeface="Microsoft GothicNeo Light" panose="020B0300000101010101" pitchFamily="50" charset="-127"/>
+                <a:cs typeface="Microsoft GothicNeo Light" panose="020B0300000101010101" pitchFamily="50" charset="-127"/>
+              </a:rPr>
+              <a:t>bool CLconnect</a:t>
+            </a:r>
+            <a:endParaRPr sz="1000">
+              <a:solidFill>
+                <a:schemeClr val="lt1"/>
+              </a:solidFill>
+              <a:latin typeface="Microsoft GothicNeo Light" panose="020B0300000101010101" pitchFamily="50" charset="-127"/>
+              <a:ea typeface="Microsoft GothicNeo Light" panose="020B0300000101010101" pitchFamily="50" charset="-127"/>
+              <a:cs typeface="Microsoft GothicNeo Light" panose="020B0300000101010101" pitchFamily="50" charset="-127"/>
+            </a:endParaRPr>
+          </a:p>
+        </p:txBody>
+      </p:sp>
+      <p:sp>
+        <p:nvSpPr>
+          <p:cNvPr id="269" name="Google Shape;269;p4"/>
+          <p:cNvSpPr/>
+          <p:nvPr/>
+        </p:nvSpPr>
+        <p:spPr>
+          <a:xfrm>
+            <a:off x="8914912" y="4201056"/>
+            <a:ext cx="1476600" cy="349800"/>
+          </a:xfrm>
+          <a:prstGeom prst="rect">
+            <a:avLst/>
+          </a:prstGeom>
+          <a:solidFill>
+            <a:srgbClr val="6D9EEB"/>
+          </a:solidFill>
+          <a:ln w="9525" cap="flat" cmpd="sng">
+            <a:noFill/>
+            <a:prstDash val="solid"/>
+            <a:round/>
+            <a:headEnd type="none" w="sm" len="sm"/>
+            <a:tailEnd type="none" w="sm" len="sm"/>
+          </a:ln>
+        </p:spPr>
+        <p:txBody>
+          <a:bodyPr spcFirstLastPara="1" wrap="square" lIns="91425" tIns="91425" rIns="91425" bIns="91425" anchor="ctr" anchorCtr="0">
+            <a:noAutofit/>
+          </a:bodyPr>
+          <a:lstStyle/>
+          <a:p>
+            <a:pPr marL="0" lvl="0" indent="0" algn="ctr" rtl="0">
+              <a:spcBef>
+                <a:spcPts val="0"/>
+              </a:spcBef>
+              <a:spcAft>
+                <a:spcPts val="0"/>
+              </a:spcAft>
+              <a:buNone/>
+            </a:pPr>
+            <a:r>
+              <a:rPr lang="ko" sz="1000">
+                <a:solidFill>
+                  <a:schemeClr val="lt1"/>
+                </a:solidFill>
+                <a:latin typeface="Microsoft GothicNeo Light" panose="020B0300000101010101" pitchFamily="50" charset="-127"/>
+                <a:ea typeface="Microsoft GothicNeo Light" panose="020B0300000101010101" pitchFamily="50" charset="-127"/>
+                <a:cs typeface="Microsoft GothicNeo Light" panose="020B0300000101010101" pitchFamily="50" charset="-127"/>
+              </a:rPr>
+              <a:t>void CLSendData</a:t>
+            </a:r>
+            <a:endParaRPr sz="1000">
+              <a:solidFill>
+                <a:schemeClr val="lt1"/>
+              </a:solidFill>
+              <a:latin typeface="Microsoft GothicNeo Light" panose="020B0300000101010101" pitchFamily="50" charset="-127"/>
+              <a:ea typeface="Microsoft GothicNeo Light" panose="020B0300000101010101" pitchFamily="50" charset="-127"/>
+              <a:cs typeface="Microsoft GothicNeo Light" panose="020B0300000101010101" pitchFamily="50" charset="-127"/>
+            </a:endParaRPr>
+          </a:p>
+        </p:txBody>
+      </p:sp>
+      <p:sp>
+        <p:nvSpPr>
+          <p:cNvPr id="270" name="Google Shape;270;p4"/>
+          <p:cNvSpPr/>
+          <p:nvPr/>
+        </p:nvSpPr>
+        <p:spPr>
+          <a:xfrm>
+            <a:off x="8914912" y="4626556"/>
+            <a:ext cx="1476600" cy="349800"/>
+          </a:xfrm>
+          <a:prstGeom prst="rect">
+            <a:avLst/>
+          </a:prstGeom>
+          <a:solidFill>
+            <a:srgbClr val="6D9EEB"/>
+          </a:solidFill>
+          <a:ln w="9525" cap="flat" cmpd="sng">
+            <a:noFill/>
+            <a:prstDash val="solid"/>
+            <a:round/>
+            <a:headEnd type="none" w="sm" len="sm"/>
+            <a:tailEnd type="none" w="sm" len="sm"/>
+          </a:ln>
+        </p:spPr>
+        <p:txBody>
+          <a:bodyPr spcFirstLastPara="1" wrap="square" lIns="91425" tIns="91425" rIns="91425" bIns="91425" anchor="ctr" anchorCtr="0">
+            <a:noAutofit/>
+          </a:bodyPr>
+          <a:lstStyle/>
+          <a:p>
+            <a:pPr marL="0" lvl="0" indent="0" algn="ctr" rtl="0">
+              <a:spcBef>
+                <a:spcPts val="0"/>
+              </a:spcBef>
+              <a:spcAft>
+                <a:spcPts val="0"/>
+              </a:spcAft>
+              <a:buNone/>
+            </a:pPr>
+            <a:r>
+              <a:rPr lang="ko" sz="1000">
+                <a:solidFill>
+                  <a:schemeClr val="lt1"/>
+                </a:solidFill>
+                <a:latin typeface="Microsoft GothicNeo Light" panose="020B0300000101010101" pitchFamily="50" charset="-127"/>
+                <a:ea typeface="Microsoft GothicNeo Light" panose="020B0300000101010101" pitchFamily="50" charset="-127"/>
+                <a:cs typeface="Microsoft GothicNeo Light" panose="020B0300000101010101" pitchFamily="50" charset="-127"/>
+              </a:rPr>
+              <a:t>void CLLobbySend</a:t>
+            </a:r>
+            <a:endParaRPr sz="1000">
+              <a:solidFill>
+                <a:schemeClr val="lt1"/>
+              </a:solidFill>
+              <a:latin typeface="Microsoft GothicNeo Light" panose="020B0300000101010101" pitchFamily="50" charset="-127"/>
+              <a:ea typeface="Microsoft GothicNeo Light" panose="020B0300000101010101" pitchFamily="50" charset="-127"/>
+              <a:cs typeface="Microsoft GothicNeo Light" panose="020B0300000101010101" pitchFamily="50" charset="-127"/>
+            </a:endParaRPr>
+          </a:p>
+        </p:txBody>
+      </p:sp>
+      <p:sp>
+        <p:nvSpPr>
+          <p:cNvPr id="271" name="Google Shape;271;p4"/>
+          <p:cNvSpPr/>
+          <p:nvPr/>
+        </p:nvSpPr>
+        <p:spPr>
+          <a:xfrm>
+            <a:off x="8914912" y="3775556"/>
+            <a:ext cx="1476600" cy="349800"/>
+          </a:xfrm>
+          <a:prstGeom prst="rect">
+            <a:avLst/>
+          </a:prstGeom>
+          <a:solidFill>
+            <a:srgbClr val="6D9EEB"/>
+          </a:solidFill>
+          <a:ln w="9525" cap="flat" cmpd="sng">
+            <a:noFill/>
+            <a:prstDash val="solid"/>
+            <a:round/>
+            <a:headEnd type="none" w="sm" len="sm"/>
+            <a:tailEnd type="none" w="sm" len="sm"/>
+          </a:ln>
+        </p:spPr>
+        <p:txBody>
+          <a:bodyPr spcFirstLastPara="1" wrap="square" lIns="91425" tIns="91425" rIns="91425" bIns="91425" anchor="ctr" anchorCtr="0">
+            <a:noAutofit/>
+          </a:bodyPr>
+          <a:lstStyle/>
+          <a:p>
+            <a:pPr marL="0" lvl="0" indent="0" algn="ctr" rtl="0">
+              <a:spcBef>
+                <a:spcPts val="0"/>
+              </a:spcBef>
+              <a:spcAft>
+                <a:spcPts val="0"/>
+              </a:spcAft>
+              <a:buNone/>
+            </a:pPr>
+            <a:r>
+              <a:rPr lang="ko" sz="1000">
+                <a:solidFill>
+                  <a:schemeClr val="lt1"/>
+                </a:solidFill>
+                <a:latin typeface="Microsoft GothicNeo Light" panose="020B0300000101010101" pitchFamily="50" charset="-127"/>
+                <a:ea typeface="Microsoft GothicNeo Light" panose="020B0300000101010101" pitchFamily="50" charset="-127"/>
+                <a:cs typeface="Microsoft GothicNeo Light" panose="020B0300000101010101" pitchFamily="50" charset="-127"/>
+              </a:rPr>
+              <a:t>void SendKeyInfo</a:t>
+            </a:r>
+            <a:endParaRPr sz="1000">
+              <a:solidFill>
+                <a:schemeClr val="lt1"/>
+              </a:solidFill>
+              <a:latin typeface="Microsoft GothicNeo Light" panose="020B0300000101010101" pitchFamily="50" charset="-127"/>
+              <a:ea typeface="Microsoft GothicNeo Light" panose="020B0300000101010101" pitchFamily="50" charset="-127"/>
+              <a:cs typeface="Microsoft GothicNeo Light" panose="020B0300000101010101" pitchFamily="50" charset="-127"/>
+            </a:endParaRPr>
+          </a:p>
+        </p:txBody>
+      </p:sp>
+      <p:sp>
+        <p:nvSpPr>
+          <p:cNvPr id="272" name="Google Shape;272;p4"/>
+          <p:cNvSpPr/>
+          <p:nvPr/>
+        </p:nvSpPr>
+        <p:spPr>
+          <a:xfrm>
+            <a:off x="8914912" y="6769928"/>
+            <a:ext cx="1476600" cy="349800"/>
+          </a:xfrm>
+          <a:prstGeom prst="rect">
+            <a:avLst/>
+          </a:prstGeom>
+          <a:solidFill>
+            <a:srgbClr val="6D9EEB"/>
+          </a:solidFill>
+          <a:ln w="9525" cap="flat" cmpd="sng">
+            <a:noFill/>
+            <a:prstDash val="solid"/>
+            <a:round/>
+            <a:headEnd type="none" w="sm" len="sm"/>
+            <a:tailEnd type="none" w="sm" len="sm"/>
+          </a:ln>
+        </p:spPr>
+        <p:txBody>
+          <a:bodyPr spcFirstLastPara="1" wrap="square" lIns="91425" tIns="91425" rIns="91425" bIns="91425" anchor="ctr" anchorCtr="0">
+            <a:noAutofit/>
+          </a:bodyPr>
+          <a:lstStyle/>
+          <a:p>
+            <a:pPr marL="0" lvl="0" indent="0" algn="ctr" rtl="0">
+              <a:spcBef>
+                <a:spcPts val="0"/>
+              </a:spcBef>
+              <a:spcAft>
+                <a:spcPts val="0"/>
+              </a:spcAft>
+              <a:buNone/>
+            </a:pPr>
+            <a:r>
+              <a:rPr lang="ko" sz="1000" dirty="0">
+                <a:solidFill>
+                  <a:schemeClr val="lt1"/>
+                </a:solidFill>
+                <a:latin typeface="Microsoft GothicNeo Light" panose="020B0300000101010101" pitchFamily="50" charset="-127"/>
+                <a:ea typeface="Microsoft GothicNeo Light" panose="020B0300000101010101" pitchFamily="50" charset="-127"/>
+                <a:cs typeface="Microsoft GothicNeo Light" panose="020B0300000101010101" pitchFamily="50" charset="-127"/>
+              </a:rPr>
+              <a:t>void Recv</a:t>
+            </a:r>
+            <a:endParaRPr sz="1000" dirty="0">
+              <a:solidFill>
+                <a:schemeClr val="lt1"/>
+              </a:solidFill>
+              <a:latin typeface="Microsoft GothicNeo Light" panose="020B0300000101010101" pitchFamily="50" charset="-127"/>
+              <a:ea typeface="Microsoft GothicNeo Light" panose="020B0300000101010101" pitchFamily="50" charset="-127"/>
+              <a:cs typeface="Microsoft GothicNeo Light" panose="020B0300000101010101" pitchFamily="50" charset="-127"/>
+            </a:endParaRPr>
+          </a:p>
+        </p:txBody>
+      </p:sp>
+      <p:sp>
+        <p:nvSpPr>
+          <p:cNvPr id="273" name="Google Shape;273;p4"/>
+          <p:cNvSpPr/>
+          <p:nvPr/>
+        </p:nvSpPr>
+        <p:spPr>
+          <a:xfrm>
+            <a:off x="10868062" y="3775556"/>
+            <a:ext cx="1476600" cy="349800"/>
+          </a:xfrm>
+          <a:prstGeom prst="rect">
+            <a:avLst/>
+          </a:prstGeom>
+          <a:solidFill>
+            <a:srgbClr val="6D9EEB"/>
+          </a:solidFill>
+          <a:ln w="9525" cap="flat" cmpd="sng">
+            <a:noFill/>
+            <a:prstDash val="solid"/>
+            <a:round/>
+            <a:headEnd type="none" w="sm" len="sm"/>
+            <a:tailEnd type="none" w="sm" len="sm"/>
+          </a:ln>
+        </p:spPr>
+        <p:txBody>
+          <a:bodyPr spcFirstLastPara="1" wrap="square" lIns="91425" tIns="91425" rIns="91425" bIns="91425" anchor="ctr" anchorCtr="0">
+            <a:noAutofit/>
+          </a:bodyPr>
+          <a:lstStyle/>
+          <a:p>
+            <a:pPr marL="0" lvl="0" indent="0" algn="ctr" rtl="0">
+              <a:spcBef>
+                <a:spcPts val="0"/>
+              </a:spcBef>
+              <a:spcAft>
+                <a:spcPts val="0"/>
+              </a:spcAft>
+              <a:buNone/>
+            </a:pPr>
+            <a:r>
+              <a:rPr lang="ko" sz="1000">
+                <a:solidFill>
+                  <a:schemeClr val="lt1"/>
+                </a:solidFill>
+                <a:latin typeface="Microsoft GothicNeo Light" panose="020B0300000101010101" pitchFamily="50" charset="-127"/>
+                <a:ea typeface="Microsoft GothicNeo Light" panose="020B0300000101010101" pitchFamily="50" charset="-127"/>
+                <a:cs typeface="Microsoft GothicNeo Light" panose="020B0300000101010101" pitchFamily="50" charset="-127"/>
+              </a:rPr>
+              <a:t>void UpdatePL</a:t>
+            </a:r>
+            <a:endParaRPr sz="1000">
+              <a:solidFill>
+                <a:schemeClr val="lt1"/>
+              </a:solidFill>
+              <a:latin typeface="Microsoft GothicNeo Light" panose="020B0300000101010101" pitchFamily="50" charset="-127"/>
+              <a:ea typeface="Microsoft GothicNeo Light" panose="020B0300000101010101" pitchFamily="50" charset="-127"/>
+              <a:cs typeface="Microsoft GothicNeo Light" panose="020B0300000101010101" pitchFamily="50" charset="-127"/>
+            </a:endParaRPr>
+          </a:p>
+        </p:txBody>
+      </p:sp>
+      <p:sp>
+        <p:nvSpPr>
+          <p:cNvPr id="274" name="Google Shape;274;p4"/>
+          <p:cNvSpPr/>
+          <p:nvPr/>
+        </p:nvSpPr>
+        <p:spPr>
+          <a:xfrm>
+            <a:off x="10868062" y="4201056"/>
+            <a:ext cx="1476600" cy="349800"/>
+          </a:xfrm>
+          <a:prstGeom prst="rect">
+            <a:avLst/>
+          </a:prstGeom>
+          <a:solidFill>
+            <a:srgbClr val="6D9EEB"/>
+          </a:solidFill>
+          <a:ln w="9525" cap="flat" cmpd="sng">
+            <a:noFill/>
+            <a:prstDash val="solid"/>
+            <a:round/>
+            <a:headEnd type="none" w="sm" len="sm"/>
+            <a:tailEnd type="none" w="sm" len="sm"/>
+          </a:ln>
+        </p:spPr>
+        <p:txBody>
+          <a:bodyPr spcFirstLastPara="1" wrap="square" lIns="91425" tIns="91425" rIns="91425" bIns="91425" anchor="ctr" anchorCtr="0">
+            <a:noAutofit/>
+          </a:bodyPr>
+          <a:lstStyle/>
+          <a:p>
+            <a:pPr marL="0" lvl="0" indent="0" algn="ctr" rtl="0">
+              <a:spcBef>
+                <a:spcPts val="0"/>
+              </a:spcBef>
+              <a:spcAft>
+                <a:spcPts val="0"/>
+              </a:spcAft>
+              <a:buNone/>
+            </a:pPr>
+            <a:r>
+              <a:rPr lang="ko" sz="1000">
+                <a:solidFill>
+                  <a:schemeClr val="lt1"/>
+                </a:solidFill>
+                <a:latin typeface="Microsoft GothicNeo Light" panose="020B0300000101010101" pitchFamily="50" charset="-127"/>
+                <a:ea typeface="Microsoft GothicNeo Light" panose="020B0300000101010101" pitchFamily="50" charset="-127"/>
+                <a:cs typeface="Microsoft GothicNeo Light" panose="020B0300000101010101" pitchFamily="50" charset="-127"/>
+              </a:rPr>
+              <a:t>void UpdateScene</a:t>
+            </a:r>
+            <a:endParaRPr sz="1000">
+              <a:solidFill>
+                <a:schemeClr val="lt1"/>
+              </a:solidFill>
+              <a:latin typeface="Microsoft GothicNeo Light" panose="020B0300000101010101" pitchFamily="50" charset="-127"/>
+              <a:ea typeface="Microsoft GothicNeo Light" panose="020B0300000101010101" pitchFamily="50" charset="-127"/>
+              <a:cs typeface="Microsoft GothicNeo Light" panose="020B0300000101010101" pitchFamily="50" charset="-127"/>
+            </a:endParaRPr>
+          </a:p>
+        </p:txBody>
+      </p:sp>
+      <p:sp>
+        <p:nvSpPr>
+          <p:cNvPr id="275" name="Google Shape;275;p4"/>
+          <p:cNvSpPr txBox="1"/>
+          <p:nvPr/>
+        </p:nvSpPr>
+        <p:spPr>
+          <a:xfrm>
+            <a:off x="728687" y="3059631"/>
+            <a:ext cx="972900" cy="369300"/>
+          </a:xfrm>
+          <a:prstGeom prst="rect">
+            <a:avLst/>
+          </a:prstGeom>
+          <a:noFill/>
+          <a:ln>
+            <a:noFill/>
+          </a:ln>
+        </p:spPr>
+        <p:txBody>
+          <a:bodyPr spcFirstLastPara="1" wrap="square" lIns="91425" tIns="91425" rIns="91425" bIns="91425" anchor="ctr" anchorCtr="0">
+            <a:noAutofit/>
+          </a:bodyPr>
+          <a:lstStyle/>
+          <a:p>
+            <a:pPr marL="0" lvl="0" indent="0" algn="ctr" rtl="0">
+              <a:spcBef>
+                <a:spcPts val="0"/>
+              </a:spcBef>
+              <a:spcAft>
+                <a:spcPts val="0"/>
+              </a:spcAft>
+              <a:buNone/>
+            </a:pPr>
+            <a:r>
+              <a:rPr lang="ko" sz="1000">
+                <a:latin typeface="Microsoft GothicNeo Light" panose="020B0300000101010101" pitchFamily="50" charset="-127"/>
+                <a:ea typeface="Microsoft GothicNeo Light" panose="020B0300000101010101" pitchFamily="50" charset="-127"/>
+                <a:cs typeface="Microsoft GothicNeo Light" panose="020B0300000101010101" pitchFamily="50" charset="-127"/>
+              </a:rPr>
+              <a:t>Game Setting</a:t>
+            </a:r>
+            <a:endParaRPr sz="1000">
+              <a:latin typeface="Microsoft GothicNeo Light" panose="020B0300000101010101" pitchFamily="50" charset="-127"/>
+              <a:ea typeface="Microsoft GothicNeo Light" panose="020B0300000101010101" pitchFamily="50" charset="-127"/>
+              <a:cs typeface="Microsoft GothicNeo Light" panose="020B0300000101010101" pitchFamily="50" charset="-127"/>
+            </a:endParaRPr>
+          </a:p>
+        </p:txBody>
+      </p:sp>
+      <p:sp>
+        <p:nvSpPr>
+          <p:cNvPr id="276" name="Google Shape;276;p4"/>
+          <p:cNvSpPr txBox="1"/>
+          <p:nvPr/>
+        </p:nvSpPr>
+        <p:spPr>
+          <a:xfrm>
+            <a:off x="4534187" y="3059631"/>
+            <a:ext cx="1135500" cy="369300"/>
+          </a:xfrm>
+          <a:prstGeom prst="rect">
+            <a:avLst/>
+          </a:prstGeom>
+          <a:noFill/>
+          <a:ln>
+            <a:noFill/>
+          </a:ln>
+        </p:spPr>
+        <p:txBody>
+          <a:bodyPr spcFirstLastPara="1" wrap="square" lIns="91425" tIns="91425" rIns="91425" bIns="91425" anchor="ctr" anchorCtr="0">
+            <a:noAutofit/>
+          </a:bodyPr>
+          <a:lstStyle/>
+          <a:p>
+            <a:pPr marL="0" lvl="0" indent="0" algn="ctr" rtl="0">
+              <a:spcBef>
+                <a:spcPts val="0"/>
+              </a:spcBef>
+              <a:spcAft>
+                <a:spcPts val="0"/>
+              </a:spcAft>
+              <a:buNone/>
+            </a:pPr>
+            <a:r>
+              <a:rPr lang="ko" sz="1000" dirty="0">
+                <a:latin typeface="Microsoft GothicNeo Light" panose="020B0300000101010101" pitchFamily="50" charset="-127"/>
+                <a:ea typeface="Microsoft GothicNeo Light" panose="020B0300000101010101" pitchFamily="50" charset="-127"/>
+                <a:cs typeface="Microsoft GothicNeo Light" panose="020B0300000101010101" pitchFamily="50" charset="-127"/>
+              </a:rPr>
+              <a:t>Game Update</a:t>
+            </a:r>
+            <a:endParaRPr sz="1000" dirty="0">
+              <a:latin typeface="Microsoft GothicNeo Light" panose="020B0300000101010101" pitchFamily="50" charset="-127"/>
+              <a:ea typeface="Microsoft GothicNeo Light" panose="020B0300000101010101" pitchFamily="50" charset="-127"/>
+              <a:cs typeface="Microsoft GothicNeo Light" panose="020B0300000101010101" pitchFamily="50" charset="-127"/>
+            </a:endParaRPr>
+          </a:p>
+        </p:txBody>
+      </p:sp>
+      <p:sp>
+        <p:nvSpPr>
+          <p:cNvPr id="277" name="Google Shape;277;p4"/>
+          <p:cNvSpPr txBox="1"/>
+          <p:nvPr/>
+        </p:nvSpPr>
+        <p:spPr>
+          <a:xfrm>
+            <a:off x="2590787" y="3059631"/>
+            <a:ext cx="1135500" cy="369300"/>
+          </a:xfrm>
+          <a:prstGeom prst="rect">
+            <a:avLst/>
+          </a:prstGeom>
+          <a:noFill/>
+          <a:ln>
+            <a:noFill/>
+          </a:ln>
+        </p:spPr>
+        <p:txBody>
+          <a:bodyPr spcFirstLastPara="1" wrap="square" lIns="91425" tIns="91425" rIns="91425" bIns="91425" anchor="ctr" anchorCtr="0">
+            <a:noAutofit/>
+          </a:bodyPr>
+          <a:lstStyle/>
+          <a:p>
+            <a:pPr marL="0" lvl="0" indent="0" algn="ctr" rtl="0">
+              <a:spcBef>
+                <a:spcPts val="0"/>
+              </a:spcBef>
+              <a:spcAft>
+                <a:spcPts val="0"/>
+              </a:spcAft>
+              <a:buNone/>
+            </a:pPr>
+            <a:r>
+              <a:rPr lang="ko" sz="1000">
+                <a:latin typeface="Microsoft GothicNeo Light" panose="020B0300000101010101" pitchFamily="50" charset="-127"/>
+                <a:ea typeface="Microsoft GothicNeo Light" panose="020B0300000101010101" pitchFamily="50" charset="-127"/>
+                <a:cs typeface="Microsoft GothicNeo Light" panose="020B0300000101010101" pitchFamily="50" charset="-127"/>
+              </a:rPr>
+              <a:t>Send Data</a:t>
+            </a:r>
+            <a:endParaRPr sz="1000">
+              <a:latin typeface="Microsoft GothicNeo Light" panose="020B0300000101010101" pitchFamily="50" charset="-127"/>
+              <a:ea typeface="Microsoft GothicNeo Light" panose="020B0300000101010101" pitchFamily="50" charset="-127"/>
+              <a:cs typeface="Microsoft GothicNeo Light" panose="020B0300000101010101" pitchFamily="50" charset="-127"/>
+            </a:endParaRPr>
+          </a:p>
+        </p:txBody>
+      </p:sp>
+      <p:sp>
+        <p:nvSpPr>
+          <p:cNvPr id="278" name="Google Shape;278;p4"/>
+          <p:cNvSpPr txBox="1"/>
+          <p:nvPr/>
+        </p:nvSpPr>
+        <p:spPr>
+          <a:xfrm>
+            <a:off x="7213612" y="3059631"/>
+            <a:ext cx="972900" cy="369300"/>
+          </a:xfrm>
+          <a:prstGeom prst="rect">
+            <a:avLst/>
+          </a:prstGeom>
+          <a:noFill/>
+          <a:ln>
+            <a:noFill/>
+          </a:ln>
+        </p:spPr>
+        <p:txBody>
+          <a:bodyPr spcFirstLastPara="1" wrap="square" lIns="91425" tIns="91425" rIns="91425" bIns="91425" anchor="ctr" anchorCtr="0">
+            <a:noAutofit/>
+          </a:bodyPr>
+          <a:lstStyle/>
+          <a:p>
+            <a:pPr marL="0" lvl="0" indent="0" algn="ctr" rtl="0">
+              <a:spcBef>
+                <a:spcPts val="0"/>
+              </a:spcBef>
+              <a:spcAft>
+                <a:spcPts val="0"/>
+              </a:spcAft>
+              <a:buNone/>
+            </a:pPr>
+            <a:r>
+              <a:rPr lang="ko" sz="1000">
+                <a:latin typeface="Microsoft GothicNeo Light" panose="020B0300000101010101" pitchFamily="50" charset="-127"/>
+                <a:ea typeface="Microsoft GothicNeo Light" panose="020B0300000101010101" pitchFamily="50" charset="-127"/>
+                <a:cs typeface="Microsoft GothicNeo Light" panose="020B0300000101010101" pitchFamily="50" charset="-127"/>
+              </a:rPr>
+              <a:t>Game Setting</a:t>
+            </a:r>
+            <a:endParaRPr sz="1000">
+              <a:latin typeface="Microsoft GothicNeo Light" panose="020B0300000101010101" pitchFamily="50" charset="-127"/>
+              <a:ea typeface="Microsoft GothicNeo Light" panose="020B0300000101010101" pitchFamily="50" charset="-127"/>
+              <a:cs typeface="Microsoft GothicNeo Light" panose="020B0300000101010101" pitchFamily="50" charset="-127"/>
+            </a:endParaRPr>
+          </a:p>
+        </p:txBody>
+      </p:sp>
+      <p:sp>
+        <p:nvSpPr>
+          <p:cNvPr id="279" name="Google Shape;279;p4"/>
+          <p:cNvSpPr txBox="1"/>
+          <p:nvPr/>
+        </p:nvSpPr>
+        <p:spPr>
+          <a:xfrm>
+            <a:off x="9166762" y="3059631"/>
+            <a:ext cx="972900" cy="369300"/>
+          </a:xfrm>
+          <a:prstGeom prst="rect">
+            <a:avLst/>
+          </a:prstGeom>
+          <a:noFill/>
+          <a:ln>
+            <a:noFill/>
+          </a:ln>
+        </p:spPr>
+        <p:txBody>
+          <a:bodyPr spcFirstLastPara="1" wrap="square" lIns="91425" tIns="91425" rIns="91425" bIns="91425" anchor="ctr" anchorCtr="0">
+            <a:noAutofit/>
+          </a:bodyPr>
+          <a:lstStyle/>
+          <a:p>
+            <a:pPr marL="0" lvl="0" indent="0" algn="ctr" rtl="0">
+              <a:spcBef>
+                <a:spcPts val="0"/>
+              </a:spcBef>
+              <a:spcAft>
+                <a:spcPts val="0"/>
+              </a:spcAft>
+              <a:buNone/>
+            </a:pPr>
+            <a:r>
+              <a:rPr lang="ko" sz="1000">
+                <a:latin typeface="Microsoft GothicNeo Light" panose="020B0300000101010101" pitchFamily="50" charset="-127"/>
+                <a:ea typeface="Microsoft GothicNeo Light" panose="020B0300000101010101" pitchFamily="50" charset="-127"/>
+                <a:cs typeface="Microsoft GothicNeo Light" panose="020B0300000101010101" pitchFamily="50" charset="-127"/>
+              </a:rPr>
+              <a:t>Send Data</a:t>
+            </a:r>
+            <a:endParaRPr sz="1000">
+              <a:latin typeface="Microsoft GothicNeo Light" panose="020B0300000101010101" pitchFamily="50" charset="-127"/>
+              <a:ea typeface="Microsoft GothicNeo Light" panose="020B0300000101010101" pitchFamily="50" charset="-127"/>
+              <a:cs typeface="Microsoft GothicNeo Light" panose="020B0300000101010101" pitchFamily="50" charset="-127"/>
+            </a:endParaRPr>
+          </a:p>
+        </p:txBody>
+      </p:sp>
+      <p:sp>
+        <p:nvSpPr>
+          <p:cNvPr id="280" name="Google Shape;280;p4"/>
+          <p:cNvSpPr txBox="1"/>
+          <p:nvPr/>
+        </p:nvSpPr>
+        <p:spPr>
+          <a:xfrm>
+            <a:off x="11038612" y="3059631"/>
+            <a:ext cx="1135500" cy="369300"/>
+          </a:xfrm>
+          <a:prstGeom prst="rect">
+            <a:avLst/>
+          </a:prstGeom>
+          <a:noFill/>
+          <a:ln>
+            <a:noFill/>
+          </a:ln>
+        </p:spPr>
+        <p:txBody>
+          <a:bodyPr spcFirstLastPara="1" wrap="square" lIns="91425" tIns="91425" rIns="91425" bIns="91425" anchor="ctr" anchorCtr="0">
+            <a:noAutofit/>
+          </a:bodyPr>
+          <a:lstStyle/>
+          <a:p>
+            <a:pPr marL="0" lvl="0" indent="0" algn="ctr" rtl="0">
+              <a:spcBef>
+                <a:spcPts val="0"/>
+              </a:spcBef>
+              <a:spcAft>
+                <a:spcPts val="0"/>
+              </a:spcAft>
+              <a:buNone/>
+            </a:pPr>
+            <a:r>
+              <a:rPr lang="ko" sz="1000">
+                <a:latin typeface="Microsoft GothicNeo Light" panose="020B0300000101010101" pitchFamily="50" charset="-127"/>
+                <a:ea typeface="Microsoft GothicNeo Light" panose="020B0300000101010101" pitchFamily="50" charset="-127"/>
+                <a:cs typeface="Microsoft GothicNeo Light" panose="020B0300000101010101" pitchFamily="50" charset="-127"/>
+              </a:rPr>
+              <a:t>Game Update</a:t>
+            </a:r>
+            <a:endParaRPr sz="1000">
+              <a:latin typeface="Microsoft GothicNeo Light" panose="020B0300000101010101" pitchFamily="50" charset="-127"/>
+              <a:ea typeface="Microsoft GothicNeo Light" panose="020B0300000101010101" pitchFamily="50" charset="-127"/>
+              <a:cs typeface="Microsoft GothicNeo Light" panose="020B0300000101010101" pitchFamily="50" charset="-127"/>
+            </a:endParaRPr>
+          </a:p>
+        </p:txBody>
+      </p:sp>
+      <p:sp>
+        <p:nvSpPr>
+          <p:cNvPr id="237" name="Google Shape;237;p4"/>
+          <p:cNvSpPr/>
+          <p:nvPr/>
+        </p:nvSpPr>
+        <p:spPr>
+          <a:xfrm>
+            <a:off x="331737" y="6119078"/>
+            <a:ext cx="1776399" cy="1301700"/>
+          </a:xfrm>
+          <a:prstGeom prst="rect">
+            <a:avLst/>
+          </a:prstGeom>
+          <a:solidFill>
+            <a:srgbClr val="E06666"/>
+          </a:solidFill>
+          <a:ln>
+            <a:noFill/>
+          </a:ln>
+        </p:spPr>
+        <p:txBody>
+          <a:bodyPr spcFirstLastPara="1" wrap="square" lIns="127975" tIns="127975" rIns="127975" bIns="127975" anchor="ctr" anchorCtr="0">
+            <a:noAutofit/>
+          </a:bodyPr>
+          <a:lstStyle/>
+          <a:p>
+            <a:pPr marL="0" marR="0" lvl="0" indent="0" algn="l" rtl="0">
+              <a:lnSpc>
+                <a:spcPct val="100000"/>
+              </a:lnSpc>
+              <a:spcBef>
+                <a:spcPts val="0"/>
+              </a:spcBef>
+              <a:spcAft>
+                <a:spcPts val="0"/>
+              </a:spcAft>
+              <a:buNone/>
+            </a:pPr>
+            <a:endParaRPr sz="1960" b="0" i="0" u="none" strike="noStrike" cap="none">
+              <a:solidFill>
+                <a:srgbClr val="000000"/>
+              </a:solidFill>
+              <a:latin typeface="Microsoft GothicNeo Light" panose="020B0300000101010101" pitchFamily="50" charset="-127"/>
+              <a:ea typeface="Microsoft GothicNeo Light" panose="020B0300000101010101" pitchFamily="50" charset="-127"/>
+              <a:cs typeface="Microsoft GothicNeo Light" panose="020B0300000101010101" pitchFamily="50" charset="-127"/>
+              <a:sym typeface="Arial"/>
+            </a:endParaRPr>
+          </a:p>
+        </p:txBody>
+      </p:sp>
+      <p:sp>
+        <p:nvSpPr>
+          <p:cNvPr id="238" name="Google Shape;238;p4"/>
+          <p:cNvSpPr/>
+          <p:nvPr/>
+        </p:nvSpPr>
+        <p:spPr>
+          <a:xfrm>
+            <a:off x="331744" y="6119076"/>
+            <a:ext cx="1776479" cy="377580"/>
+          </a:xfrm>
+          <a:prstGeom prst="rect">
+            <a:avLst/>
+          </a:prstGeom>
+          <a:solidFill>
+            <a:schemeClr val="lt2"/>
+          </a:solidFill>
+          <a:ln>
+            <a:noFill/>
+          </a:ln>
+        </p:spPr>
+        <p:txBody>
+          <a:bodyPr spcFirstLastPara="1" wrap="square" lIns="127975" tIns="127975" rIns="127975" bIns="127975" anchor="ctr" anchorCtr="0">
+            <a:noAutofit/>
+          </a:bodyPr>
+          <a:lstStyle/>
+          <a:p>
+            <a:pPr marL="0" marR="0" lvl="0" indent="0" algn="ctr" rtl="0">
+              <a:lnSpc>
+                <a:spcPct val="100000"/>
+              </a:lnSpc>
+              <a:spcBef>
+                <a:spcPts val="0"/>
+              </a:spcBef>
+              <a:spcAft>
+                <a:spcPts val="0"/>
+              </a:spcAft>
+              <a:buNone/>
+            </a:pPr>
+            <a:r>
+              <a:rPr lang="ko" sz="1260" b="0" i="0" u="none" strike="noStrike" cap="none" dirty="0">
+                <a:solidFill>
+                  <a:srgbClr val="000000"/>
+                </a:solidFill>
+                <a:latin typeface="Microsoft GothicNeo Light" panose="020B0300000101010101" pitchFamily="50" charset="-127"/>
+                <a:ea typeface="Microsoft GothicNeo Light" panose="020B0300000101010101" pitchFamily="50" charset="-127"/>
+                <a:cs typeface="Microsoft GothicNeo Light" panose="020B0300000101010101" pitchFamily="50" charset="-127"/>
+                <a:sym typeface="Arial"/>
+              </a:rPr>
+              <a:t>Recv Thread</a:t>
+            </a:r>
+            <a:r>
+              <a:rPr lang="en-US" altLang="ko" sz="1260" b="0" i="0" u="none" strike="noStrike" cap="none" dirty="0">
+                <a:solidFill>
+                  <a:srgbClr val="000000"/>
+                </a:solidFill>
+                <a:latin typeface="Microsoft GothicNeo Light" panose="020B0300000101010101" pitchFamily="50" charset="-127"/>
+                <a:ea typeface="Microsoft GothicNeo Light" panose="020B0300000101010101" pitchFamily="50" charset="-127"/>
+                <a:cs typeface="Microsoft GothicNeo Light" panose="020B0300000101010101" pitchFamily="50" charset="-127"/>
+                <a:sym typeface="Arial"/>
+              </a:rPr>
+              <a:t> 0</a:t>
+            </a:r>
+            <a:endParaRPr sz="1260" b="0" i="0" u="none" strike="noStrike" cap="none" dirty="0">
+              <a:solidFill>
+                <a:srgbClr val="000000"/>
+              </a:solidFill>
+              <a:latin typeface="Microsoft GothicNeo Light" panose="020B0300000101010101" pitchFamily="50" charset="-127"/>
+              <a:ea typeface="Microsoft GothicNeo Light" panose="020B0300000101010101" pitchFamily="50" charset="-127"/>
+              <a:cs typeface="Microsoft GothicNeo Light" panose="020B0300000101010101" pitchFamily="50" charset="-127"/>
+              <a:sym typeface="Arial"/>
+            </a:endParaRPr>
+          </a:p>
+        </p:txBody>
+      </p:sp>
+      <p:sp>
+        <p:nvSpPr>
+          <p:cNvPr id="247" name="Google Shape;247;p4"/>
+          <p:cNvSpPr/>
+          <p:nvPr/>
+        </p:nvSpPr>
+        <p:spPr>
+          <a:xfrm>
+            <a:off x="2262850" y="6119078"/>
+            <a:ext cx="1776399" cy="1301700"/>
+          </a:xfrm>
+          <a:prstGeom prst="rect">
+            <a:avLst/>
+          </a:prstGeom>
+          <a:solidFill>
+            <a:srgbClr val="E06666"/>
+          </a:solidFill>
+          <a:ln>
+            <a:noFill/>
+          </a:ln>
+        </p:spPr>
+        <p:txBody>
+          <a:bodyPr spcFirstLastPara="1" wrap="square" lIns="127975" tIns="127975" rIns="127975" bIns="127975" anchor="ctr" anchorCtr="0">
+            <a:noAutofit/>
+          </a:bodyPr>
+          <a:lstStyle/>
+          <a:p>
+            <a:pPr marL="0" marR="0" lvl="0" indent="0" algn="l" rtl="0">
+              <a:lnSpc>
+                <a:spcPct val="100000"/>
+              </a:lnSpc>
+              <a:spcBef>
+                <a:spcPts val="0"/>
+              </a:spcBef>
+              <a:spcAft>
+                <a:spcPts val="0"/>
+              </a:spcAft>
+              <a:buNone/>
+            </a:pPr>
+            <a:endParaRPr sz="1960" b="0" i="0" u="none" strike="noStrike" cap="none">
+              <a:solidFill>
+                <a:srgbClr val="000000"/>
+              </a:solidFill>
+              <a:latin typeface="Microsoft GothicNeo Light" panose="020B0300000101010101" pitchFamily="50" charset="-127"/>
+              <a:ea typeface="Microsoft GothicNeo Light" panose="020B0300000101010101" pitchFamily="50" charset="-127"/>
+              <a:cs typeface="Microsoft GothicNeo Light" panose="020B0300000101010101" pitchFamily="50" charset="-127"/>
+              <a:sym typeface="Arial"/>
+            </a:endParaRPr>
+          </a:p>
+        </p:txBody>
+      </p:sp>
+      <p:sp>
+        <p:nvSpPr>
+          <p:cNvPr id="248" name="Google Shape;248;p4"/>
+          <p:cNvSpPr/>
+          <p:nvPr/>
+        </p:nvSpPr>
+        <p:spPr>
+          <a:xfrm>
+            <a:off x="2262854" y="6119076"/>
+            <a:ext cx="1776479" cy="377580"/>
+          </a:xfrm>
+          <a:prstGeom prst="rect">
+            <a:avLst/>
+          </a:prstGeom>
+          <a:solidFill>
+            <a:schemeClr val="lt2"/>
+          </a:solidFill>
+          <a:ln>
+            <a:noFill/>
+          </a:ln>
+        </p:spPr>
+        <p:txBody>
+          <a:bodyPr spcFirstLastPara="1" wrap="square" lIns="127975" tIns="127975" rIns="127975" bIns="127975" anchor="ctr" anchorCtr="0">
+            <a:noAutofit/>
+          </a:bodyPr>
+          <a:lstStyle/>
+          <a:p>
+            <a:pPr marL="0" marR="0" lvl="0" indent="0" algn="ctr" rtl="0">
+              <a:lnSpc>
+                <a:spcPct val="100000"/>
+              </a:lnSpc>
+              <a:spcBef>
+                <a:spcPts val="0"/>
+              </a:spcBef>
+              <a:spcAft>
+                <a:spcPts val="0"/>
+              </a:spcAft>
+              <a:buNone/>
+            </a:pPr>
+            <a:r>
+              <a:rPr lang="ko" sz="1260" b="0" i="0" u="none" strike="noStrike" cap="none" dirty="0">
+                <a:solidFill>
+                  <a:srgbClr val="000000"/>
+                </a:solidFill>
+                <a:latin typeface="Microsoft GothicNeo Light" panose="020B0300000101010101" pitchFamily="50" charset="-127"/>
+                <a:ea typeface="Microsoft GothicNeo Light" panose="020B0300000101010101" pitchFamily="50" charset="-127"/>
+                <a:cs typeface="Microsoft GothicNeo Light" panose="020B0300000101010101" pitchFamily="50" charset="-127"/>
+                <a:sym typeface="Arial"/>
+              </a:rPr>
+              <a:t>Recv Thread</a:t>
+            </a:r>
+            <a:r>
+              <a:rPr lang="en-US" altLang="ko" sz="1260" b="0" i="0" u="none" strike="noStrike" cap="none" dirty="0">
+                <a:solidFill>
+                  <a:srgbClr val="000000"/>
+                </a:solidFill>
+                <a:latin typeface="Microsoft GothicNeo Light" panose="020B0300000101010101" pitchFamily="50" charset="-127"/>
+                <a:ea typeface="Microsoft GothicNeo Light" panose="020B0300000101010101" pitchFamily="50" charset="-127"/>
+                <a:cs typeface="Microsoft GothicNeo Light" panose="020B0300000101010101" pitchFamily="50" charset="-127"/>
+                <a:sym typeface="Arial"/>
+              </a:rPr>
+              <a:t> 1</a:t>
+            </a:r>
+            <a:endParaRPr sz="1260" b="0" i="0" u="none" strike="noStrike" cap="none" dirty="0">
+              <a:solidFill>
+                <a:srgbClr val="000000"/>
+              </a:solidFill>
+              <a:latin typeface="Microsoft GothicNeo Light" panose="020B0300000101010101" pitchFamily="50" charset="-127"/>
+              <a:ea typeface="Microsoft GothicNeo Light" panose="020B0300000101010101" pitchFamily="50" charset="-127"/>
+              <a:cs typeface="Microsoft GothicNeo Light" panose="020B0300000101010101" pitchFamily="50" charset="-127"/>
+              <a:sym typeface="Arial"/>
+            </a:endParaRPr>
+          </a:p>
+        </p:txBody>
+      </p:sp>
+      <p:sp>
+        <p:nvSpPr>
+          <p:cNvPr id="249" name="Google Shape;249;p4"/>
+          <p:cNvSpPr/>
+          <p:nvPr/>
+        </p:nvSpPr>
+        <p:spPr>
+          <a:xfrm>
+            <a:off x="4193963" y="6119078"/>
+            <a:ext cx="1776399" cy="1301700"/>
+          </a:xfrm>
+          <a:prstGeom prst="rect">
+            <a:avLst/>
+          </a:prstGeom>
+          <a:solidFill>
+            <a:srgbClr val="E06666"/>
+          </a:solidFill>
+          <a:ln>
+            <a:noFill/>
+          </a:ln>
+        </p:spPr>
+        <p:txBody>
+          <a:bodyPr spcFirstLastPara="1" wrap="square" lIns="127975" tIns="127975" rIns="127975" bIns="127975" anchor="ctr" anchorCtr="0">
+            <a:noAutofit/>
+          </a:bodyPr>
+          <a:lstStyle/>
+          <a:p>
+            <a:pPr marL="0" marR="0" lvl="0" indent="0" algn="l" rtl="0">
+              <a:lnSpc>
+                <a:spcPct val="100000"/>
+              </a:lnSpc>
+              <a:spcBef>
+                <a:spcPts val="0"/>
+              </a:spcBef>
+              <a:spcAft>
+                <a:spcPts val="0"/>
+              </a:spcAft>
+              <a:buNone/>
+            </a:pPr>
+            <a:endParaRPr sz="1960" b="0" i="0" u="none" strike="noStrike" cap="none">
+              <a:solidFill>
+                <a:srgbClr val="000000"/>
+              </a:solidFill>
+              <a:latin typeface="Microsoft GothicNeo Light" panose="020B0300000101010101" pitchFamily="50" charset="-127"/>
+              <a:ea typeface="Microsoft GothicNeo Light" panose="020B0300000101010101" pitchFamily="50" charset="-127"/>
+              <a:cs typeface="Microsoft GothicNeo Light" panose="020B0300000101010101" pitchFamily="50" charset="-127"/>
+              <a:sym typeface="Arial"/>
+            </a:endParaRPr>
+          </a:p>
+        </p:txBody>
+      </p:sp>
+      <p:sp>
+        <p:nvSpPr>
+          <p:cNvPr id="250" name="Google Shape;250;p4"/>
+          <p:cNvSpPr/>
+          <p:nvPr/>
+        </p:nvSpPr>
+        <p:spPr>
+          <a:xfrm>
+            <a:off x="4193966" y="6119076"/>
+            <a:ext cx="1776479" cy="377580"/>
+          </a:xfrm>
+          <a:prstGeom prst="rect">
+            <a:avLst/>
+          </a:prstGeom>
+          <a:solidFill>
+            <a:schemeClr val="lt2"/>
+          </a:solidFill>
+          <a:ln>
+            <a:noFill/>
+          </a:ln>
+        </p:spPr>
+        <p:txBody>
+          <a:bodyPr spcFirstLastPara="1" wrap="square" lIns="127975" tIns="127975" rIns="127975" bIns="127975" anchor="ctr" anchorCtr="0">
+            <a:noAutofit/>
+          </a:bodyPr>
+          <a:lstStyle/>
+          <a:p>
+            <a:pPr marL="0" marR="0" lvl="0" indent="0" algn="ctr" rtl="0">
+              <a:lnSpc>
+                <a:spcPct val="100000"/>
+              </a:lnSpc>
+              <a:spcBef>
+                <a:spcPts val="0"/>
+              </a:spcBef>
+              <a:spcAft>
+                <a:spcPts val="0"/>
+              </a:spcAft>
+              <a:buNone/>
+            </a:pPr>
+            <a:r>
+              <a:rPr lang="ko" sz="1260" b="0" i="0" u="none" strike="noStrike" cap="none" dirty="0">
+                <a:solidFill>
+                  <a:srgbClr val="000000"/>
+                </a:solidFill>
+                <a:latin typeface="Microsoft GothicNeo Light" panose="020B0300000101010101" pitchFamily="50" charset="-127"/>
+                <a:ea typeface="Microsoft GothicNeo Light" panose="020B0300000101010101" pitchFamily="50" charset="-127"/>
+                <a:cs typeface="Microsoft GothicNeo Light" panose="020B0300000101010101" pitchFamily="50" charset="-127"/>
+                <a:sym typeface="Arial"/>
+              </a:rPr>
+              <a:t>Recv Thread</a:t>
+            </a:r>
+            <a:r>
+              <a:rPr lang="en-US" altLang="ko" sz="1260" b="0" i="0" u="none" strike="noStrike" cap="none" dirty="0">
+                <a:solidFill>
+                  <a:srgbClr val="000000"/>
+                </a:solidFill>
+                <a:latin typeface="Microsoft GothicNeo Light" panose="020B0300000101010101" pitchFamily="50" charset="-127"/>
+                <a:ea typeface="Microsoft GothicNeo Light" panose="020B0300000101010101" pitchFamily="50" charset="-127"/>
+                <a:cs typeface="Microsoft GothicNeo Light" panose="020B0300000101010101" pitchFamily="50" charset="-127"/>
+                <a:sym typeface="Arial"/>
+              </a:rPr>
+              <a:t> 2</a:t>
+            </a:r>
+            <a:endParaRPr sz="1260" b="0" i="0" u="none" strike="noStrike" cap="none" dirty="0">
+              <a:solidFill>
+                <a:srgbClr val="000000"/>
+              </a:solidFill>
+              <a:latin typeface="Microsoft GothicNeo Light" panose="020B0300000101010101" pitchFamily="50" charset="-127"/>
+              <a:ea typeface="Microsoft GothicNeo Light" panose="020B0300000101010101" pitchFamily="50" charset="-127"/>
+              <a:cs typeface="Microsoft GothicNeo Light" panose="020B0300000101010101" pitchFamily="50" charset="-127"/>
+              <a:sym typeface="Arial"/>
+            </a:endParaRPr>
+          </a:p>
+        </p:txBody>
+      </p:sp>
+      <p:sp>
+        <p:nvSpPr>
+          <p:cNvPr id="2" name="Google Shape;272;p4">
             <a:extLst>
               <a:ext uri="{FF2B5EF4-FFF2-40B4-BE49-F238E27FC236}">
-                <a16:creationId xmlns:a16="http://schemas.microsoft.com/office/drawing/2014/main" id="{6AAED915-6580-178E-AB08-3058B87F9A17}"/>
+                <a16:creationId xmlns:a16="http://schemas.microsoft.com/office/drawing/2014/main" id="{9D6DDFDF-190A-91D2-5315-17CAA6B763F5}"/>
               </a:ext>
             </a:extLst>
           </p:cNvPr>
-          <p:cNvGrpSpPr/>
+          <p:cNvSpPr/>
           <p:nvPr/>
-        </p:nvGrpSpPr>
-        <p:grpSpPr>
+        </p:nvSpPr>
+        <p:spPr>
           <a:xfrm>
-            <a:off x="331737" y="2180421"/>
-            <a:ext cx="12138125" cy="5240357"/>
-            <a:chOff x="307225" y="1587215"/>
-            <a:chExt cx="12138125" cy="5240357"/>
+            <a:off x="584175" y="6769928"/>
+            <a:ext cx="1271523" cy="349800"/>
           </a:xfrm>
-        </p:grpSpPr>
-        <p:sp>
-          <p:nvSpPr>
-            <p:cNvPr id="231" name="Google Shape;231;p4"/>
-            <p:cNvSpPr txBox="1"/>
-            <p:nvPr/>
-          </p:nvSpPr>
-          <p:spPr>
-            <a:xfrm>
-              <a:off x="2764300" y="1587215"/>
-              <a:ext cx="737520" cy="323400"/>
-            </a:xfrm>
-            <a:prstGeom prst="rect">
-              <a:avLst/>
-            </a:prstGeom>
+          <a:prstGeom prst="rect">
+            <a:avLst/>
+          </a:prstGeom>
+          <a:solidFill>
+            <a:srgbClr val="6D9EEB"/>
+          </a:solidFill>
+          <a:ln w="9525" cap="flat" cmpd="sng">
             <a:noFill/>
-            <a:ln>
-              <a:noFill/>
-            </a:ln>
-          </p:spPr>
-          <p:txBody>
-            <a:bodyPr spcFirstLastPara="1" wrap="square" lIns="127975" tIns="127975" rIns="127975" bIns="127975" anchor="ctr" anchorCtr="0">
-              <a:noAutofit/>
-            </a:bodyPr>
-            <a:lstStyle/>
-            <a:p>
-              <a:pPr marL="0" marR="0" lvl="0" indent="0" algn="ctr" rtl="0">
-                <a:lnSpc>
-                  <a:spcPct val="100000"/>
-                </a:lnSpc>
-                <a:spcBef>
-                  <a:spcPts val="0"/>
-                </a:spcBef>
-                <a:spcAft>
-                  <a:spcPts val="0"/>
-                </a:spcAft>
-                <a:buNone/>
-              </a:pPr>
-              <a:r>
-                <a:rPr lang="ko" sz="1400" b="1" i="0" u="none" strike="noStrike" cap="none">
-                  <a:solidFill>
-                    <a:srgbClr val="000000"/>
-                  </a:solidFill>
-                  <a:latin typeface="Microsoft GothicNeo" panose="020B0500000101010101" pitchFamily="50" charset="-127"/>
-                  <a:ea typeface="Microsoft GothicNeo" panose="020B0500000101010101" pitchFamily="50" charset="-127"/>
-                  <a:cs typeface="Microsoft GothicNeo" panose="020B0500000101010101" pitchFamily="50" charset="-127"/>
-                  <a:sym typeface="Arial"/>
-                </a:rPr>
-                <a:t>서버</a:t>
-              </a:r>
-              <a:endParaRPr sz="1400" b="1" i="0" u="none" strike="noStrike" cap="none">
-                <a:solidFill>
-                  <a:srgbClr val="000000"/>
-                </a:solidFill>
-                <a:latin typeface="Microsoft GothicNeo" panose="020B0500000101010101" pitchFamily="50" charset="-127"/>
-                <a:ea typeface="Microsoft GothicNeo" panose="020B0500000101010101" pitchFamily="50" charset="-127"/>
-                <a:cs typeface="Microsoft GothicNeo" panose="020B0500000101010101" pitchFamily="50" charset="-127"/>
-                <a:sym typeface="Arial"/>
-              </a:endParaRPr>
-            </a:p>
-          </p:txBody>
-        </p:sp>
-        <p:sp>
-          <p:nvSpPr>
-            <p:cNvPr id="232" name="Google Shape;232;p4"/>
-            <p:cNvSpPr/>
-            <p:nvPr/>
-          </p:nvSpPr>
-          <p:spPr>
-            <a:xfrm>
-              <a:off x="307230" y="1974630"/>
-              <a:ext cx="5651940" cy="3424260"/>
-            </a:xfrm>
-            <a:prstGeom prst="rect">
-              <a:avLst/>
-            </a:prstGeom>
-            <a:solidFill>
-              <a:srgbClr val="6D9EEB"/>
-            </a:solidFill>
-            <a:ln>
-              <a:noFill/>
-            </a:ln>
-          </p:spPr>
-          <p:txBody>
-            <a:bodyPr spcFirstLastPara="1" wrap="square" lIns="127975" tIns="127975" rIns="127975" bIns="127975" anchor="ctr" anchorCtr="0">
-              <a:noAutofit/>
-            </a:bodyPr>
-            <a:lstStyle/>
-            <a:p>
-              <a:pPr marL="0" marR="0" lvl="0" indent="0" algn="l" rtl="0">
-                <a:lnSpc>
-                  <a:spcPct val="100000"/>
-                </a:lnSpc>
-                <a:spcBef>
-                  <a:spcPts val="0"/>
-                </a:spcBef>
-                <a:spcAft>
-                  <a:spcPts val="0"/>
-                </a:spcAft>
-                <a:buNone/>
-              </a:pPr>
-              <a:endParaRPr sz="1960" b="0" i="0" u="none" strike="noStrike" cap="none">
-                <a:solidFill>
-                  <a:srgbClr val="000000"/>
+            <a:prstDash val="solid"/>
+            <a:round/>
+            <a:headEnd type="none" w="sm" len="sm"/>
+            <a:tailEnd type="none" w="sm" len="sm"/>
+          </a:ln>
+        </p:spPr>
+        <p:txBody>
+          <a:bodyPr spcFirstLastPara="1" wrap="square" lIns="91425" tIns="91425" rIns="91425" bIns="91425" anchor="ctr" anchorCtr="0">
+            <a:noAutofit/>
+          </a:bodyPr>
+          <a:lstStyle/>
+          <a:p>
+            <a:pPr marL="0" lvl="0" indent="0" algn="ctr" rtl="0">
+              <a:spcBef>
+                <a:spcPts val="0"/>
+              </a:spcBef>
+              <a:spcAft>
+                <a:spcPts val="0"/>
+              </a:spcAft>
+              <a:buNone/>
+            </a:pPr>
+            <a:r>
+              <a:rPr lang="ko" sz="1000" dirty="0">
+                <a:solidFill>
+                  <a:schemeClr val="lt1"/>
                 </a:solidFill>
                 <a:latin typeface="Microsoft GothicNeo Light" panose="020B0300000101010101" pitchFamily="50" charset="-127"/>
                 <a:ea typeface="Microsoft GothicNeo Light" panose="020B0300000101010101" pitchFamily="50" charset="-127"/>
                 <a:cs typeface="Microsoft GothicNeo Light" panose="020B0300000101010101" pitchFamily="50" charset="-127"/>
-                <a:sym typeface="Arial"/>
-              </a:endParaRPr>
-            </a:p>
-          </p:txBody>
-        </p:sp>
-        <p:sp>
-          <p:nvSpPr>
-            <p:cNvPr id="233" name="Google Shape;233;p4"/>
-            <p:cNvSpPr/>
-            <p:nvPr/>
-          </p:nvSpPr>
-          <p:spPr>
-            <a:xfrm>
-              <a:off x="307230" y="1974630"/>
-              <a:ext cx="5651940" cy="377580"/>
-            </a:xfrm>
-            <a:prstGeom prst="rect">
-              <a:avLst/>
-            </a:prstGeom>
-            <a:solidFill>
-              <a:schemeClr val="lt2"/>
-            </a:solidFill>
-            <a:ln>
-              <a:noFill/>
-            </a:ln>
-          </p:spPr>
-          <p:txBody>
-            <a:bodyPr spcFirstLastPara="1" wrap="square" lIns="127975" tIns="127975" rIns="127975" bIns="127975" anchor="ctr" anchorCtr="0">
-              <a:noAutofit/>
-            </a:bodyPr>
-            <a:lstStyle/>
-            <a:p>
-              <a:pPr marL="0" marR="0" lvl="0" indent="0" algn="ctr" rtl="0">
-                <a:lnSpc>
-                  <a:spcPct val="100000"/>
-                </a:lnSpc>
-                <a:spcBef>
-                  <a:spcPts val="0"/>
-                </a:spcBef>
-                <a:spcAft>
-                  <a:spcPts val="0"/>
-                </a:spcAft>
-                <a:buNone/>
-              </a:pPr>
-              <a:r>
-                <a:rPr lang="ko" sz="1260" b="0" i="0" u="none" strike="noStrike" cap="none">
-                  <a:solidFill>
-                    <a:srgbClr val="000000"/>
-                  </a:solidFill>
-                  <a:latin typeface="Microsoft GothicNeo Light" panose="020B0300000101010101" pitchFamily="50" charset="-127"/>
-                  <a:ea typeface="Microsoft GothicNeo Light" panose="020B0300000101010101" pitchFamily="50" charset="-127"/>
-                  <a:cs typeface="Microsoft GothicNeo Light" panose="020B0300000101010101" pitchFamily="50" charset="-127"/>
-                  <a:sym typeface="Arial"/>
-                </a:rPr>
-                <a:t>Main Thread</a:t>
-              </a:r>
-              <a:endParaRPr sz="1260" b="0" i="0" u="none" strike="noStrike" cap="none">
-                <a:solidFill>
-                  <a:srgbClr val="000000"/>
+              </a:rPr>
+              <a:t>void Recv</a:t>
+            </a:r>
+            <a:endParaRPr sz="1000" dirty="0">
+              <a:solidFill>
+                <a:schemeClr val="lt1"/>
+              </a:solidFill>
+              <a:latin typeface="Microsoft GothicNeo Light" panose="020B0300000101010101" pitchFamily="50" charset="-127"/>
+              <a:ea typeface="Microsoft GothicNeo Light" panose="020B0300000101010101" pitchFamily="50" charset="-127"/>
+              <a:cs typeface="Microsoft GothicNeo Light" panose="020B0300000101010101" pitchFamily="50" charset="-127"/>
+            </a:endParaRPr>
+          </a:p>
+        </p:txBody>
+      </p:sp>
+      <p:sp>
+        <p:nvSpPr>
+          <p:cNvPr id="3" name="Google Shape;272;p4">
+            <a:extLst>
+              <a:ext uri="{FF2B5EF4-FFF2-40B4-BE49-F238E27FC236}">
+                <a16:creationId xmlns:a16="http://schemas.microsoft.com/office/drawing/2014/main" id="{5BB5CB8E-4B0B-7048-2CB8-C2316B99DB05}"/>
+              </a:ext>
+            </a:extLst>
+          </p:cNvPr>
+          <p:cNvSpPr/>
+          <p:nvPr/>
+        </p:nvSpPr>
+        <p:spPr>
+          <a:xfrm>
+            <a:off x="2493238" y="6769928"/>
+            <a:ext cx="1271523" cy="349800"/>
+          </a:xfrm>
+          <a:prstGeom prst="rect">
+            <a:avLst/>
+          </a:prstGeom>
+          <a:solidFill>
+            <a:srgbClr val="6D9EEB"/>
+          </a:solidFill>
+          <a:ln w="9525" cap="flat" cmpd="sng">
+            <a:noFill/>
+            <a:prstDash val="solid"/>
+            <a:round/>
+            <a:headEnd type="none" w="sm" len="sm"/>
+            <a:tailEnd type="none" w="sm" len="sm"/>
+          </a:ln>
+        </p:spPr>
+        <p:txBody>
+          <a:bodyPr spcFirstLastPara="1" wrap="square" lIns="91425" tIns="91425" rIns="91425" bIns="91425" anchor="ctr" anchorCtr="0">
+            <a:noAutofit/>
+          </a:bodyPr>
+          <a:lstStyle/>
+          <a:p>
+            <a:pPr marL="0" lvl="0" indent="0" algn="ctr" rtl="0">
+              <a:spcBef>
+                <a:spcPts val="0"/>
+              </a:spcBef>
+              <a:spcAft>
+                <a:spcPts val="0"/>
+              </a:spcAft>
+              <a:buNone/>
+            </a:pPr>
+            <a:r>
+              <a:rPr lang="ko" sz="1000" dirty="0">
+                <a:solidFill>
+                  <a:schemeClr val="lt1"/>
                 </a:solidFill>
                 <a:latin typeface="Microsoft GothicNeo Light" panose="020B0300000101010101" pitchFamily="50" charset="-127"/>
                 <a:ea typeface="Microsoft GothicNeo Light" panose="020B0300000101010101" pitchFamily="50" charset="-127"/>
                 <a:cs typeface="Microsoft GothicNeo Light" panose="020B0300000101010101" pitchFamily="50" charset="-127"/>
-                <a:sym typeface="Arial"/>
-              </a:endParaRPr>
-            </a:p>
-          </p:txBody>
-        </p:sp>
-        <p:sp>
-          <p:nvSpPr>
-            <p:cNvPr id="234" name="Google Shape;234;p4"/>
-            <p:cNvSpPr/>
-            <p:nvPr/>
-          </p:nvSpPr>
-          <p:spPr>
-            <a:xfrm>
-              <a:off x="408152" y="2470545"/>
-              <a:ext cx="1566900" cy="2826300"/>
-            </a:xfrm>
-            <a:prstGeom prst="rect">
-              <a:avLst/>
-            </a:prstGeom>
-            <a:solidFill>
-              <a:schemeClr val="lt2"/>
-            </a:solidFill>
-            <a:ln>
-              <a:noFill/>
-            </a:ln>
-          </p:spPr>
-          <p:txBody>
-            <a:bodyPr spcFirstLastPara="1" wrap="square" lIns="127975" tIns="127975" rIns="127975" bIns="127975" anchor="ctr" anchorCtr="0">
-              <a:noAutofit/>
-            </a:bodyPr>
-            <a:lstStyle/>
-            <a:p>
-              <a:pPr marL="0" marR="0" lvl="0" indent="0" algn="l" rtl="0">
-                <a:lnSpc>
-                  <a:spcPct val="100000"/>
-                </a:lnSpc>
-                <a:spcBef>
-                  <a:spcPts val="0"/>
-                </a:spcBef>
-                <a:spcAft>
-                  <a:spcPts val="0"/>
-                </a:spcAft>
-                <a:buNone/>
-              </a:pPr>
-              <a:endParaRPr sz="1960" b="0" i="0" u="none" strike="noStrike" cap="none">
-                <a:solidFill>
-                  <a:srgbClr val="000000"/>
+              </a:rPr>
+              <a:t>void Recv</a:t>
+            </a:r>
+            <a:endParaRPr sz="1000" dirty="0">
+              <a:solidFill>
+                <a:schemeClr val="lt1"/>
+              </a:solidFill>
+              <a:latin typeface="Microsoft GothicNeo Light" panose="020B0300000101010101" pitchFamily="50" charset="-127"/>
+              <a:ea typeface="Microsoft GothicNeo Light" panose="020B0300000101010101" pitchFamily="50" charset="-127"/>
+              <a:cs typeface="Microsoft GothicNeo Light" panose="020B0300000101010101" pitchFamily="50" charset="-127"/>
+            </a:endParaRPr>
+          </a:p>
+        </p:txBody>
+      </p:sp>
+      <p:sp>
+        <p:nvSpPr>
+          <p:cNvPr id="4" name="Google Shape;272;p4">
+            <a:extLst>
+              <a:ext uri="{FF2B5EF4-FFF2-40B4-BE49-F238E27FC236}">
+                <a16:creationId xmlns:a16="http://schemas.microsoft.com/office/drawing/2014/main" id="{8A17655E-2E3E-27A4-830D-91731608E320}"/>
+              </a:ext>
+            </a:extLst>
+          </p:cNvPr>
+          <p:cNvSpPr/>
+          <p:nvPr/>
+        </p:nvSpPr>
+        <p:spPr>
+          <a:xfrm>
+            <a:off x="4470522" y="6783817"/>
+            <a:ext cx="1271523" cy="349800"/>
+          </a:xfrm>
+          <a:prstGeom prst="rect">
+            <a:avLst/>
+          </a:prstGeom>
+          <a:solidFill>
+            <a:srgbClr val="6D9EEB"/>
+          </a:solidFill>
+          <a:ln w="9525" cap="flat" cmpd="sng">
+            <a:noFill/>
+            <a:prstDash val="solid"/>
+            <a:round/>
+            <a:headEnd type="none" w="sm" len="sm"/>
+            <a:tailEnd type="none" w="sm" len="sm"/>
+          </a:ln>
+        </p:spPr>
+        <p:txBody>
+          <a:bodyPr spcFirstLastPara="1" wrap="square" lIns="91425" tIns="91425" rIns="91425" bIns="91425" anchor="ctr" anchorCtr="0">
+            <a:noAutofit/>
+          </a:bodyPr>
+          <a:lstStyle/>
+          <a:p>
+            <a:pPr marL="0" lvl="0" indent="0" algn="ctr" rtl="0">
+              <a:spcBef>
+                <a:spcPts val="0"/>
+              </a:spcBef>
+              <a:spcAft>
+                <a:spcPts val="0"/>
+              </a:spcAft>
+              <a:buNone/>
+            </a:pPr>
+            <a:r>
+              <a:rPr lang="ko" sz="1000" dirty="0">
+                <a:solidFill>
+                  <a:schemeClr val="lt1"/>
                 </a:solidFill>
                 <a:latin typeface="Microsoft GothicNeo Light" panose="020B0300000101010101" pitchFamily="50" charset="-127"/>
                 <a:ea typeface="Microsoft GothicNeo Light" panose="020B0300000101010101" pitchFamily="50" charset="-127"/>
                 <a:cs typeface="Microsoft GothicNeo Light" panose="020B0300000101010101" pitchFamily="50" charset="-127"/>
-                <a:sym typeface="Arial"/>
-              </a:endParaRPr>
-            </a:p>
-          </p:txBody>
-        </p:sp>
-        <p:sp>
-          <p:nvSpPr>
-            <p:cNvPr id="235" name="Google Shape;235;p4"/>
-            <p:cNvSpPr/>
-            <p:nvPr/>
-          </p:nvSpPr>
-          <p:spPr>
-            <a:xfrm>
-              <a:off x="2349564" y="2470545"/>
-              <a:ext cx="1567020" cy="2826180"/>
-            </a:xfrm>
-            <a:prstGeom prst="rect">
-              <a:avLst/>
-            </a:prstGeom>
-            <a:solidFill>
-              <a:schemeClr val="lt2"/>
-            </a:solidFill>
-            <a:ln>
-              <a:noFill/>
-            </a:ln>
-          </p:spPr>
-          <p:txBody>
-            <a:bodyPr spcFirstLastPara="1" wrap="square" lIns="127975" tIns="127975" rIns="127975" bIns="127975" anchor="ctr" anchorCtr="0">
-              <a:noAutofit/>
-            </a:bodyPr>
-            <a:lstStyle/>
-            <a:p>
-              <a:pPr marL="0" marR="0" lvl="0" indent="0" algn="l" rtl="0">
-                <a:lnSpc>
-                  <a:spcPct val="100000"/>
-                </a:lnSpc>
-                <a:spcBef>
-                  <a:spcPts val="0"/>
-                </a:spcBef>
-                <a:spcAft>
-                  <a:spcPts val="0"/>
-                </a:spcAft>
-                <a:buNone/>
-              </a:pPr>
-              <a:endParaRPr sz="1960" b="0" i="0" u="none" strike="noStrike" cap="none">
-                <a:solidFill>
-                  <a:srgbClr val="000000"/>
+              </a:rPr>
+              <a:t>void Recv</a:t>
+            </a:r>
+            <a:endParaRPr sz="1000" dirty="0">
+              <a:solidFill>
+                <a:schemeClr val="lt1"/>
+              </a:solidFill>
+              <a:latin typeface="Microsoft GothicNeo Light" panose="020B0300000101010101" pitchFamily="50" charset="-127"/>
+              <a:ea typeface="Microsoft GothicNeo Light" panose="020B0300000101010101" pitchFamily="50" charset="-127"/>
+              <a:cs typeface="Microsoft GothicNeo Light" panose="020B0300000101010101" pitchFamily="50" charset="-127"/>
+            </a:endParaRPr>
+          </a:p>
+        </p:txBody>
+      </p:sp>
+      <p:sp>
+        <p:nvSpPr>
+          <p:cNvPr id="5" name="Google Shape;272;p4">
+            <a:extLst>
+              <a:ext uri="{FF2B5EF4-FFF2-40B4-BE49-F238E27FC236}">
+                <a16:creationId xmlns:a16="http://schemas.microsoft.com/office/drawing/2014/main" id="{6D53D29D-364B-6ABD-4931-C5CC885CAD29}"/>
+              </a:ext>
+            </a:extLst>
+          </p:cNvPr>
+          <p:cNvSpPr/>
+          <p:nvPr/>
+        </p:nvSpPr>
+        <p:spPr>
+          <a:xfrm>
+            <a:off x="461683" y="5479236"/>
+            <a:ext cx="1483880" cy="349800"/>
+          </a:xfrm>
+          <a:prstGeom prst="rect">
+            <a:avLst/>
+          </a:prstGeom>
+          <a:solidFill>
+            <a:srgbClr val="6D9EEB"/>
+          </a:solidFill>
+          <a:ln w="9525" cap="flat" cmpd="sng">
+            <a:noFill/>
+            <a:prstDash val="solid"/>
+            <a:round/>
+            <a:headEnd type="none" w="sm" len="sm"/>
+            <a:tailEnd type="none" w="sm" len="sm"/>
+          </a:ln>
+        </p:spPr>
+        <p:txBody>
+          <a:bodyPr spcFirstLastPara="1" wrap="square" lIns="91425" tIns="91425" rIns="91425" bIns="91425" anchor="ctr" anchorCtr="0">
+            <a:noAutofit/>
+          </a:bodyPr>
+          <a:lstStyle/>
+          <a:p>
+            <a:pPr marL="0" lvl="0" indent="0" algn="ctr" rtl="0">
+              <a:spcBef>
+                <a:spcPts val="0"/>
+              </a:spcBef>
+              <a:spcAft>
+                <a:spcPts val="0"/>
+              </a:spcAft>
+              <a:buNone/>
+            </a:pPr>
+            <a:r>
+              <a:rPr lang="en-US" sz="1000" dirty="0">
+                <a:solidFill>
+                  <a:schemeClr val="lt1"/>
                 </a:solidFill>
                 <a:latin typeface="Microsoft GothicNeo Light" panose="020B0300000101010101" pitchFamily="50" charset="-127"/>
                 <a:ea typeface="Microsoft GothicNeo Light" panose="020B0300000101010101" pitchFamily="50" charset="-127"/>
                 <a:cs typeface="Microsoft GothicNeo Light" panose="020B0300000101010101" pitchFamily="50" charset="-127"/>
-                <a:sym typeface="Arial"/>
-              </a:endParaRPr>
-            </a:p>
-          </p:txBody>
-        </p:sp>
-        <p:sp>
-          <p:nvSpPr>
-            <p:cNvPr id="236" name="Google Shape;236;p4"/>
-            <p:cNvSpPr/>
-            <p:nvPr/>
-          </p:nvSpPr>
-          <p:spPr>
-            <a:xfrm>
-              <a:off x="4290976" y="2470545"/>
-              <a:ext cx="1567020" cy="2826180"/>
-            </a:xfrm>
-            <a:prstGeom prst="rect">
-              <a:avLst/>
-            </a:prstGeom>
-            <a:solidFill>
-              <a:schemeClr val="lt2"/>
-            </a:solidFill>
-            <a:ln>
-              <a:noFill/>
-            </a:ln>
-          </p:spPr>
-          <p:txBody>
-            <a:bodyPr spcFirstLastPara="1" wrap="square" lIns="127975" tIns="127975" rIns="127975" bIns="127975" anchor="ctr" anchorCtr="0">
-              <a:noAutofit/>
-            </a:bodyPr>
-            <a:lstStyle/>
-            <a:p>
-              <a:pPr marL="0" marR="0" lvl="0" indent="0" algn="l" rtl="0">
-                <a:lnSpc>
-                  <a:spcPct val="100000"/>
-                </a:lnSpc>
-                <a:spcBef>
-                  <a:spcPts val="0"/>
-                </a:spcBef>
-                <a:spcAft>
-                  <a:spcPts val="0"/>
-                </a:spcAft>
-                <a:buNone/>
-              </a:pPr>
-              <a:endParaRPr sz="1960" b="0" i="0" u="none" strike="noStrike" cap="none">
-                <a:solidFill>
-                  <a:srgbClr val="000000"/>
+              </a:rPr>
+              <a:t>Void </a:t>
+            </a:r>
+            <a:r>
+              <a:rPr lang="en-US" sz="1000" dirty="0" err="1">
+                <a:solidFill>
+                  <a:schemeClr val="lt1"/>
                 </a:solidFill>
                 <a:latin typeface="Microsoft GothicNeo Light" panose="020B0300000101010101" pitchFamily="50" charset="-127"/>
                 <a:ea typeface="Microsoft GothicNeo Light" panose="020B0300000101010101" pitchFamily="50" charset="-127"/>
                 <a:cs typeface="Microsoft GothicNeo Light" panose="020B0300000101010101" pitchFamily="50" charset="-127"/>
-                <a:sym typeface="Arial"/>
-              </a:endParaRPr>
-            </a:p>
-          </p:txBody>
-        </p:sp>
-        <p:sp>
-          <p:nvSpPr>
-            <p:cNvPr id="237" name="Google Shape;237;p4"/>
-            <p:cNvSpPr/>
-            <p:nvPr/>
-          </p:nvSpPr>
-          <p:spPr>
-            <a:xfrm>
-              <a:off x="307225" y="5525872"/>
-              <a:ext cx="1326300" cy="1301700"/>
-            </a:xfrm>
-            <a:prstGeom prst="rect">
-              <a:avLst/>
-            </a:prstGeom>
-            <a:solidFill>
-              <a:srgbClr val="E06666"/>
-            </a:solidFill>
-            <a:ln>
-              <a:noFill/>
-            </a:ln>
-          </p:spPr>
-          <p:txBody>
-            <a:bodyPr spcFirstLastPara="1" wrap="square" lIns="127975" tIns="127975" rIns="127975" bIns="127975" anchor="ctr" anchorCtr="0">
-              <a:noAutofit/>
-            </a:bodyPr>
-            <a:lstStyle/>
-            <a:p>
-              <a:pPr marL="0" marR="0" lvl="0" indent="0" algn="l" rtl="0">
-                <a:lnSpc>
-                  <a:spcPct val="100000"/>
-                </a:lnSpc>
-                <a:spcBef>
-                  <a:spcPts val="0"/>
-                </a:spcBef>
-                <a:spcAft>
-                  <a:spcPts val="0"/>
-                </a:spcAft>
-                <a:buNone/>
-              </a:pPr>
-              <a:endParaRPr sz="1960" b="0" i="0" u="none" strike="noStrike" cap="none">
-                <a:solidFill>
-                  <a:srgbClr val="000000"/>
+              </a:rPr>
+              <a:t>SetTimer</a:t>
+            </a:r>
+            <a:endParaRPr sz="1000" dirty="0">
+              <a:solidFill>
+                <a:schemeClr val="lt1"/>
+              </a:solidFill>
+              <a:latin typeface="Microsoft GothicNeo Light" panose="020B0300000101010101" pitchFamily="50" charset="-127"/>
+              <a:ea typeface="Microsoft GothicNeo Light" panose="020B0300000101010101" pitchFamily="50" charset="-127"/>
+              <a:cs typeface="Microsoft GothicNeo Light" panose="020B0300000101010101" pitchFamily="50" charset="-127"/>
+            </a:endParaRPr>
+          </a:p>
+        </p:txBody>
+      </p:sp>
+      <p:sp>
+        <p:nvSpPr>
+          <p:cNvPr id="6" name="Google Shape;272;p4">
+            <a:extLst>
+              <a:ext uri="{FF2B5EF4-FFF2-40B4-BE49-F238E27FC236}">
+                <a16:creationId xmlns:a16="http://schemas.microsoft.com/office/drawing/2014/main" id="{F289AB5D-AF58-4E63-B633-AF0D6500EC86}"/>
+              </a:ext>
+            </a:extLst>
+          </p:cNvPr>
+          <p:cNvSpPr/>
+          <p:nvPr/>
+        </p:nvSpPr>
+        <p:spPr>
+          <a:xfrm>
+            <a:off x="4360698" y="5461457"/>
+            <a:ext cx="1476599" cy="349800"/>
+          </a:xfrm>
+          <a:prstGeom prst="rect">
+            <a:avLst/>
+          </a:prstGeom>
+          <a:solidFill>
+            <a:srgbClr val="6D9EEB"/>
+          </a:solidFill>
+          <a:ln w="9525" cap="flat" cmpd="sng">
+            <a:noFill/>
+            <a:prstDash val="solid"/>
+            <a:round/>
+            <a:headEnd type="none" w="sm" len="sm"/>
+            <a:tailEnd type="none" w="sm" len="sm"/>
+          </a:ln>
+        </p:spPr>
+        <p:txBody>
+          <a:bodyPr spcFirstLastPara="1" wrap="square" lIns="91425" tIns="91425" rIns="91425" bIns="91425" anchor="ctr" anchorCtr="0">
+            <a:noAutofit/>
+          </a:bodyPr>
+          <a:lstStyle/>
+          <a:p>
+            <a:pPr marL="0" lvl="0" indent="0" algn="ctr" rtl="0">
+              <a:spcBef>
+                <a:spcPts val="0"/>
+              </a:spcBef>
+              <a:spcAft>
+                <a:spcPts val="0"/>
+              </a:spcAft>
+              <a:buNone/>
+            </a:pPr>
+            <a:r>
+              <a:rPr lang="en-US" sz="1000" dirty="0">
+                <a:solidFill>
+                  <a:schemeClr val="lt1"/>
                 </a:solidFill>
                 <a:latin typeface="Microsoft GothicNeo Light" panose="020B0300000101010101" pitchFamily="50" charset="-127"/>
                 <a:ea typeface="Microsoft GothicNeo Light" panose="020B0300000101010101" pitchFamily="50" charset="-127"/>
                 <a:cs typeface="Microsoft GothicNeo Light" panose="020B0300000101010101" pitchFamily="50" charset="-127"/>
-                <a:sym typeface="Arial"/>
-              </a:endParaRPr>
-            </a:p>
-          </p:txBody>
-        </p:sp>
-        <p:sp>
-          <p:nvSpPr>
-            <p:cNvPr id="238" name="Google Shape;238;p4"/>
-            <p:cNvSpPr/>
-            <p:nvPr/>
-          </p:nvSpPr>
-          <p:spPr>
-            <a:xfrm>
-              <a:off x="307230" y="5525870"/>
-              <a:ext cx="1326360" cy="377580"/>
-            </a:xfrm>
-            <a:prstGeom prst="rect">
-              <a:avLst/>
-            </a:prstGeom>
-            <a:solidFill>
-              <a:schemeClr val="lt2"/>
-            </a:solidFill>
-            <a:ln>
-              <a:noFill/>
-            </a:ln>
-          </p:spPr>
-          <p:txBody>
-            <a:bodyPr spcFirstLastPara="1" wrap="square" lIns="127975" tIns="127975" rIns="127975" bIns="127975" anchor="ctr" anchorCtr="0">
-              <a:noAutofit/>
-            </a:bodyPr>
-            <a:lstStyle/>
-            <a:p>
-              <a:pPr marL="0" marR="0" lvl="0" indent="0" algn="ctr" rtl="0">
-                <a:lnSpc>
-                  <a:spcPct val="100000"/>
-                </a:lnSpc>
-                <a:spcBef>
-                  <a:spcPts val="0"/>
-                </a:spcBef>
-                <a:spcAft>
-                  <a:spcPts val="0"/>
-                </a:spcAft>
-                <a:buNone/>
-              </a:pPr>
-              <a:r>
-                <a:rPr lang="ko" sz="1260" b="0" i="0" u="none" strike="noStrike" cap="none">
-                  <a:solidFill>
-                    <a:srgbClr val="000000"/>
-                  </a:solidFill>
-                  <a:latin typeface="Microsoft GothicNeo Light" panose="020B0300000101010101" pitchFamily="50" charset="-127"/>
-                  <a:ea typeface="Microsoft GothicNeo Light" panose="020B0300000101010101" pitchFamily="50" charset="-127"/>
-                  <a:cs typeface="Microsoft GothicNeo Light" panose="020B0300000101010101" pitchFamily="50" charset="-127"/>
-                  <a:sym typeface="Arial"/>
-                </a:rPr>
-                <a:t>Recv Thread</a:t>
-              </a:r>
-              <a:endParaRPr sz="1260" b="0" i="0" u="none" strike="noStrike" cap="none">
-                <a:solidFill>
-                  <a:srgbClr val="000000"/>
+              </a:rPr>
+              <a:t>Void </a:t>
+            </a:r>
+            <a:r>
+              <a:rPr lang="en-US" sz="1000" dirty="0" err="1">
+                <a:solidFill>
+                  <a:schemeClr val="lt1"/>
                 </a:solidFill>
                 <a:latin typeface="Microsoft GothicNeo Light" panose="020B0300000101010101" pitchFamily="50" charset="-127"/>
                 <a:ea typeface="Microsoft GothicNeo Light" panose="020B0300000101010101" pitchFamily="50" charset="-127"/>
                 <a:cs typeface="Microsoft GothicNeo Light" panose="020B0300000101010101" pitchFamily="50" charset="-127"/>
-                <a:sym typeface="Arial"/>
-              </a:endParaRPr>
-            </a:p>
-          </p:txBody>
-        </p:sp>
-        <p:sp>
-          <p:nvSpPr>
-            <p:cNvPr id="239" name="Google Shape;239;p4"/>
-            <p:cNvSpPr txBox="1"/>
-            <p:nvPr/>
-          </p:nvSpPr>
-          <p:spPr>
-            <a:xfrm>
-              <a:off x="9250430" y="1587215"/>
-              <a:ext cx="737520" cy="323400"/>
-            </a:xfrm>
-            <a:prstGeom prst="rect">
-              <a:avLst/>
-            </a:prstGeom>
-            <a:noFill/>
-            <a:ln>
-              <a:noFill/>
-            </a:ln>
-          </p:spPr>
-          <p:txBody>
-            <a:bodyPr spcFirstLastPara="1" wrap="square" lIns="127975" tIns="127975" rIns="127975" bIns="127975" anchor="ctr" anchorCtr="0">
-              <a:noAutofit/>
-            </a:bodyPr>
-            <a:lstStyle/>
-            <a:p>
-              <a:pPr marL="0" marR="0" lvl="0" indent="0" algn="ctr" rtl="0">
-                <a:lnSpc>
-                  <a:spcPct val="100000"/>
-                </a:lnSpc>
-                <a:spcBef>
-                  <a:spcPts val="0"/>
-                </a:spcBef>
-                <a:spcAft>
-                  <a:spcPts val="0"/>
-                </a:spcAft>
-                <a:buNone/>
-              </a:pPr>
-              <a:r>
-                <a:rPr lang="ko" sz="1400" b="1" i="0" u="none" strike="noStrike" cap="none">
-                  <a:solidFill>
-                    <a:srgbClr val="000000"/>
-                  </a:solidFill>
-                  <a:latin typeface="Microsoft GothicNeo" panose="020B0500000101010101" pitchFamily="50" charset="-127"/>
-                  <a:ea typeface="Microsoft GothicNeo" panose="020B0500000101010101" pitchFamily="50" charset="-127"/>
-                  <a:cs typeface="Microsoft GothicNeo" panose="020B0500000101010101" pitchFamily="50" charset="-127"/>
-                  <a:sym typeface="Arial"/>
-                </a:rPr>
-                <a:t>클라</a:t>
-              </a:r>
-              <a:endParaRPr sz="1400" b="1" i="0" u="none" strike="noStrike" cap="none">
-                <a:solidFill>
-                  <a:srgbClr val="000000"/>
-                </a:solidFill>
-                <a:latin typeface="Microsoft GothicNeo" panose="020B0500000101010101" pitchFamily="50" charset="-127"/>
-                <a:ea typeface="Microsoft GothicNeo" panose="020B0500000101010101" pitchFamily="50" charset="-127"/>
-                <a:cs typeface="Microsoft GothicNeo" panose="020B0500000101010101" pitchFamily="50" charset="-127"/>
-                <a:sym typeface="Arial"/>
-              </a:endParaRPr>
-            </a:p>
-          </p:txBody>
-        </p:sp>
-        <p:sp>
-          <p:nvSpPr>
-            <p:cNvPr id="240" name="Google Shape;240;p4"/>
-            <p:cNvSpPr/>
-            <p:nvPr/>
-          </p:nvSpPr>
-          <p:spPr>
-            <a:xfrm>
-              <a:off x="6793360" y="1974630"/>
-              <a:ext cx="5651940" cy="3424260"/>
-            </a:xfrm>
-            <a:prstGeom prst="rect">
-              <a:avLst/>
-            </a:prstGeom>
-            <a:solidFill>
-              <a:srgbClr val="6D9EEB"/>
-            </a:solidFill>
-            <a:ln>
-              <a:noFill/>
-            </a:ln>
-          </p:spPr>
-          <p:txBody>
-            <a:bodyPr spcFirstLastPara="1" wrap="square" lIns="127975" tIns="127975" rIns="127975" bIns="127975" anchor="ctr" anchorCtr="0">
-              <a:noAutofit/>
-            </a:bodyPr>
-            <a:lstStyle/>
-            <a:p>
-              <a:pPr marL="0" marR="0" lvl="0" indent="0" algn="l" rtl="0">
-                <a:lnSpc>
-                  <a:spcPct val="100000"/>
-                </a:lnSpc>
-                <a:spcBef>
-                  <a:spcPts val="0"/>
-                </a:spcBef>
-                <a:spcAft>
-                  <a:spcPts val="0"/>
-                </a:spcAft>
-                <a:buNone/>
-              </a:pPr>
-              <a:endParaRPr sz="1960" b="0" i="0" u="none" strike="noStrike" cap="none">
-                <a:solidFill>
-                  <a:srgbClr val="000000"/>
-                </a:solidFill>
-                <a:latin typeface="Microsoft GothicNeo Light" panose="020B0300000101010101" pitchFamily="50" charset="-127"/>
-                <a:ea typeface="Microsoft GothicNeo Light" panose="020B0300000101010101" pitchFamily="50" charset="-127"/>
-                <a:cs typeface="Microsoft GothicNeo Light" panose="020B0300000101010101" pitchFamily="50" charset="-127"/>
-                <a:sym typeface="Arial"/>
-              </a:endParaRPr>
-            </a:p>
-          </p:txBody>
-        </p:sp>
-        <p:sp>
-          <p:nvSpPr>
-            <p:cNvPr id="241" name="Google Shape;241;p4"/>
-            <p:cNvSpPr/>
-            <p:nvPr/>
-          </p:nvSpPr>
-          <p:spPr>
-            <a:xfrm>
-              <a:off x="6793360" y="1974630"/>
-              <a:ext cx="5651940" cy="377580"/>
-            </a:xfrm>
-            <a:prstGeom prst="rect">
-              <a:avLst/>
-            </a:prstGeom>
-            <a:solidFill>
-              <a:schemeClr val="lt2"/>
-            </a:solidFill>
-            <a:ln>
-              <a:noFill/>
-            </a:ln>
-          </p:spPr>
-          <p:txBody>
-            <a:bodyPr spcFirstLastPara="1" wrap="square" lIns="127975" tIns="127975" rIns="127975" bIns="127975" anchor="ctr" anchorCtr="0">
-              <a:noAutofit/>
-            </a:bodyPr>
-            <a:lstStyle/>
-            <a:p>
-              <a:pPr marL="0" marR="0" lvl="0" indent="0" algn="ctr" rtl="0">
-                <a:lnSpc>
-                  <a:spcPct val="100000"/>
-                </a:lnSpc>
-                <a:spcBef>
-                  <a:spcPts val="0"/>
-                </a:spcBef>
-                <a:spcAft>
-                  <a:spcPts val="0"/>
-                </a:spcAft>
-                <a:buNone/>
-              </a:pPr>
-              <a:r>
-                <a:rPr lang="ko" sz="1260" b="0" i="0" u="none" strike="noStrike" cap="none">
-                  <a:solidFill>
-                    <a:srgbClr val="000000"/>
-                  </a:solidFill>
-                  <a:latin typeface="Microsoft GothicNeo Light" panose="020B0300000101010101" pitchFamily="50" charset="-127"/>
-                  <a:ea typeface="Microsoft GothicNeo Light" panose="020B0300000101010101" pitchFamily="50" charset="-127"/>
-                  <a:cs typeface="Microsoft GothicNeo Light" panose="020B0300000101010101" pitchFamily="50" charset="-127"/>
-                  <a:sym typeface="Arial"/>
-                </a:rPr>
-                <a:t>Main Thread</a:t>
-              </a:r>
-              <a:endParaRPr sz="1260" b="0" i="0" u="none" strike="noStrike" cap="none">
-                <a:solidFill>
-                  <a:srgbClr val="000000"/>
-                </a:solidFill>
-                <a:latin typeface="Microsoft GothicNeo Light" panose="020B0300000101010101" pitchFamily="50" charset="-127"/>
-                <a:ea typeface="Microsoft GothicNeo Light" panose="020B0300000101010101" pitchFamily="50" charset="-127"/>
-                <a:cs typeface="Microsoft GothicNeo Light" panose="020B0300000101010101" pitchFamily="50" charset="-127"/>
-                <a:sym typeface="Arial"/>
-              </a:endParaRPr>
-            </a:p>
-          </p:txBody>
-        </p:sp>
-        <p:sp>
-          <p:nvSpPr>
-            <p:cNvPr id="242" name="Google Shape;242;p4"/>
-            <p:cNvSpPr/>
-            <p:nvPr/>
-          </p:nvSpPr>
-          <p:spPr>
-            <a:xfrm>
-              <a:off x="6894282" y="2470545"/>
-              <a:ext cx="1567020" cy="2826180"/>
-            </a:xfrm>
-            <a:prstGeom prst="rect">
-              <a:avLst/>
-            </a:prstGeom>
-            <a:solidFill>
-              <a:schemeClr val="lt2"/>
-            </a:solidFill>
-            <a:ln>
-              <a:noFill/>
-            </a:ln>
-          </p:spPr>
-          <p:txBody>
-            <a:bodyPr spcFirstLastPara="1" wrap="square" lIns="127975" tIns="127975" rIns="127975" bIns="127975" anchor="ctr" anchorCtr="0">
-              <a:noAutofit/>
-            </a:bodyPr>
-            <a:lstStyle/>
-            <a:p>
-              <a:pPr marL="0" marR="0" lvl="0" indent="0" algn="l" rtl="0">
-                <a:lnSpc>
-                  <a:spcPct val="100000"/>
-                </a:lnSpc>
-                <a:spcBef>
-                  <a:spcPts val="0"/>
-                </a:spcBef>
-                <a:spcAft>
-                  <a:spcPts val="0"/>
-                </a:spcAft>
-                <a:buNone/>
-              </a:pPr>
-              <a:endParaRPr sz="1960" b="0" i="0" u="none" strike="noStrike" cap="none">
-                <a:solidFill>
-                  <a:srgbClr val="000000"/>
-                </a:solidFill>
-                <a:latin typeface="Microsoft GothicNeo Light" panose="020B0300000101010101" pitchFamily="50" charset="-127"/>
-                <a:ea typeface="Microsoft GothicNeo Light" panose="020B0300000101010101" pitchFamily="50" charset="-127"/>
-                <a:cs typeface="Microsoft GothicNeo Light" panose="020B0300000101010101" pitchFamily="50" charset="-127"/>
-                <a:sym typeface="Arial"/>
-              </a:endParaRPr>
-            </a:p>
-          </p:txBody>
-        </p:sp>
-        <p:sp>
-          <p:nvSpPr>
-            <p:cNvPr id="243" name="Google Shape;243;p4"/>
-            <p:cNvSpPr/>
-            <p:nvPr/>
-          </p:nvSpPr>
-          <p:spPr>
-            <a:xfrm>
-              <a:off x="8835694" y="2470545"/>
-              <a:ext cx="1567020" cy="2826180"/>
-            </a:xfrm>
-            <a:prstGeom prst="rect">
-              <a:avLst/>
-            </a:prstGeom>
-            <a:solidFill>
-              <a:schemeClr val="lt2"/>
-            </a:solidFill>
-            <a:ln>
-              <a:noFill/>
-            </a:ln>
-          </p:spPr>
-          <p:txBody>
-            <a:bodyPr spcFirstLastPara="1" wrap="square" lIns="127975" tIns="127975" rIns="127975" bIns="127975" anchor="ctr" anchorCtr="0">
-              <a:noAutofit/>
-            </a:bodyPr>
-            <a:lstStyle/>
-            <a:p>
-              <a:pPr marL="0" marR="0" lvl="0" indent="0" algn="l" rtl="0">
-                <a:lnSpc>
-                  <a:spcPct val="100000"/>
-                </a:lnSpc>
-                <a:spcBef>
-                  <a:spcPts val="0"/>
-                </a:spcBef>
-                <a:spcAft>
-                  <a:spcPts val="0"/>
-                </a:spcAft>
-                <a:buNone/>
-              </a:pPr>
-              <a:endParaRPr sz="1960" b="0" i="0" u="none" strike="noStrike" cap="none">
-                <a:solidFill>
-                  <a:srgbClr val="000000"/>
-                </a:solidFill>
-                <a:latin typeface="Microsoft GothicNeo Light" panose="020B0300000101010101" pitchFamily="50" charset="-127"/>
-                <a:ea typeface="Microsoft GothicNeo Light" panose="020B0300000101010101" pitchFamily="50" charset="-127"/>
-                <a:cs typeface="Microsoft GothicNeo Light" panose="020B0300000101010101" pitchFamily="50" charset="-127"/>
-                <a:sym typeface="Arial"/>
-              </a:endParaRPr>
-            </a:p>
-          </p:txBody>
-        </p:sp>
-        <p:sp>
-          <p:nvSpPr>
-            <p:cNvPr id="244" name="Google Shape;244;p4"/>
-            <p:cNvSpPr/>
-            <p:nvPr/>
-          </p:nvSpPr>
-          <p:spPr>
-            <a:xfrm>
-              <a:off x="10777106" y="2470545"/>
-              <a:ext cx="1567020" cy="2826180"/>
-            </a:xfrm>
-            <a:prstGeom prst="rect">
-              <a:avLst/>
-            </a:prstGeom>
-            <a:solidFill>
-              <a:schemeClr val="lt2"/>
-            </a:solidFill>
-            <a:ln>
-              <a:noFill/>
-            </a:ln>
-          </p:spPr>
-          <p:txBody>
-            <a:bodyPr spcFirstLastPara="1" wrap="square" lIns="127975" tIns="127975" rIns="127975" bIns="127975" anchor="ctr" anchorCtr="0">
-              <a:noAutofit/>
-            </a:bodyPr>
-            <a:lstStyle/>
-            <a:p>
-              <a:pPr marL="0" marR="0" lvl="0" indent="0" algn="l" rtl="0">
-                <a:lnSpc>
-                  <a:spcPct val="100000"/>
-                </a:lnSpc>
-                <a:spcBef>
-                  <a:spcPts val="0"/>
-                </a:spcBef>
-                <a:spcAft>
-                  <a:spcPts val="0"/>
-                </a:spcAft>
-                <a:buNone/>
-              </a:pPr>
-              <a:endParaRPr sz="1960" b="0" i="0" u="none" strike="noStrike" cap="none">
-                <a:solidFill>
-                  <a:srgbClr val="000000"/>
-                </a:solidFill>
-                <a:latin typeface="Microsoft GothicNeo Light" panose="020B0300000101010101" pitchFamily="50" charset="-127"/>
-                <a:ea typeface="Microsoft GothicNeo Light" panose="020B0300000101010101" pitchFamily="50" charset="-127"/>
-                <a:cs typeface="Microsoft GothicNeo Light" panose="020B0300000101010101" pitchFamily="50" charset="-127"/>
-                <a:sym typeface="Arial"/>
-              </a:endParaRPr>
-            </a:p>
-          </p:txBody>
-        </p:sp>
-        <p:sp>
-          <p:nvSpPr>
-            <p:cNvPr id="245" name="Google Shape;245;p4"/>
-            <p:cNvSpPr/>
-            <p:nvPr/>
-          </p:nvSpPr>
-          <p:spPr>
-            <a:xfrm>
-              <a:off x="6793350" y="5525872"/>
-              <a:ext cx="5652000" cy="1301700"/>
-            </a:xfrm>
-            <a:prstGeom prst="rect">
-              <a:avLst/>
-            </a:prstGeom>
-            <a:solidFill>
-              <a:srgbClr val="E06666"/>
-            </a:solidFill>
-            <a:ln>
-              <a:noFill/>
-            </a:ln>
-          </p:spPr>
-          <p:txBody>
-            <a:bodyPr spcFirstLastPara="1" wrap="square" lIns="127975" tIns="127975" rIns="127975" bIns="127975" anchor="ctr" anchorCtr="0">
-              <a:noAutofit/>
-            </a:bodyPr>
-            <a:lstStyle/>
-            <a:p>
-              <a:pPr marL="0" marR="0" lvl="0" indent="0" algn="l" rtl="0">
-                <a:lnSpc>
-                  <a:spcPct val="100000"/>
-                </a:lnSpc>
-                <a:spcBef>
-                  <a:spcPts val="0"/>
-                </a:spcBef>
-                <a:spcAft>
-                  <a:spcPts val="0"/>
-                </a:spcAft>
-                <a:buNone/>
-              </a:pPr>
-              <a:endParaRPr sz="1960" b="0" i="0" u="none" strike="noStrike" cap="none">
-                <a:solidFill>
-                  <a:srgbClr val="000000"/>
-                </a:solidFill>
-                <a:latin typeface="Microsoft GothicNeo Light" panose="020B0300000101010101" pitchFamily="50" charset="-127"/>
-                <a:ea typeface="Microsoft GothicNeo Light" panose="020B0300000101010101" pitchFamily="50" charset="-127"/>
-                <a:cs typeface="Microsoft GothicNeo Light" panose="020B0300000101010101" pitchFamily="50" charset="-127"/>
-                <a:sym typeface="Arial"/>
-              </a:endParaRPr>
-            </a:p>
-          </p:txBody>
-        </p:sp>
-        <p:sp>
-          <p:nvSpPr>
-            <p:cNvPr id="246" name="Google Shape;246;p4"/>
-            <p:cNvSpPr/>
-            <p:nvPr/>
-          </p:nvSpPr>
-          <p:spPr>
-            <a:xfrm>
-              <a:off x="6793360" y="5525870"/>
-              <a:ext cx="5651940" cy="377580"/>
-            </a:xfrm>
-            <a:prstGeom prst="rect">
-              <a:avLst/>
-            </a:prstGeom>
-            <a:solidFill>
-              <a:schemeClr val="lt2"/>
-            </a:solidFill>
-            <a:ln>
-              <a:noFill/>
-            </a:ln>
-          </p:spPr>
-          <p:txBody>
-            <a:bodyPr spcFirstLastPara="1" wrap="square" lIns="127975" tIns="127975" rIns="127975" bIns="127975" anchor="ctr" anchorCtr="0">
-              <a:noAutofit/>
-            </a:bodyPr>
-            <a:lstStyle/>
-            <a:p>
-              <a:pPr marL="0" marR="0" lvl="0" indent="0" algn="ctr" rtl="0">
-                <a:lnSpc>
-                  <a:spcPct val="100000"/>
-                </a:lnSpc>
-                <a:spcBef>
-                  <a:spcPts val="0"/>
-                </a:spcBef>
-                <a:spcAft>
-                  <a:spcPts val="0"/>
-                </a:spcAft>
-                <a:buNone/>
-              </a:pPr>
-              <a:r>
-                <a:rPr lang="ko" sz="1260" b="0" i="0" u="none" strike="noStrike" cap="none">
-                  <a:solidFill>
-                    <a:srgbClr val="000000"/>
-                  </a:solidFill>
-                  <a:latin typeface="Microsoft GothicNeo Light" panose="020B0300000101010101" pitchFamily="50" charset="-127"/>
-                  <a:ea typeface="Microsoft GothicNeo Light" panose="020B0300000101010101" pitchFamily="50" charset="-127"/>
-                  <a:cs typeface="Microsoft GothicNeo Light" panose="020B0300000101010101" pitchFamily="50" charset="-127"/>
-                  <a:sym typeface="Arial"/>
-                </a:rPr>
-                <a:t>Recv Thread</a:t>
-              </a:r>
-              <a:endParaRPr sz="1260" b="0" i="0" u="none" strike="noStrike" cap="none">
-                <a:solidFill>
-                  <a:srgbClr val="000000"/>
-                </a:solidFill>
-                <a:latin typeface="Microsoft GothicNeo Light" panose="020B0300000101010101" pitchFamily="50" charset="-127"/>
-                <a:ea typeface="Microsoft GothicNeo Light" panose="020B0300000101010101" pitchFamily="50" charset="-127"/>
-                <a:cs typeface="Microsoft GothicNeo Light" panose="020B0300000101010101" pitchFamily="50" charset="-127"/>
-                <a:sym typeface="Arial"/>
-              </a:endParaRPr>
-            </a:p>
-          </p:txBody>
-        </p:sp>
-        <p:sp>
-          <p:nvSpPr>
-            <p:cNvPr id="247" name="Google Shape;247;p4"/>
-            <p:cNvSpPr/>
-            <p:nvPr/>
-          </p:nvSpPr>
-          <p:spPr>
-            <a:xfrm>
-              <a:off x="1749038" y="5525872"/>
-              <a:ext cx="1326300" cy="1301700"/>
-            </a:xfrm>
-            <a:prstGeom prst="rect">
-              <a:avLst/>
-            </a:prstGeom>
-            <a:solidFill>
-              <a:srgbClr val="E06666"/>
-            </a:solidFill>
-            <a:ln>
-              <a:noFill/>
-            </a:ln>
-          </p:spPr>
-          <p:txBody>
-            <a:bodyPr spcFirstLastPara="1" wrap="square" lIns="127975" tIns="127975" rIns="127975" bIns="127975" anchor="ctr" anchorCtr="0">
-              <a:noAutofit/>
-            </a:bodyPr>
-            <a:lstStyle/>
-            <a:p>
-              <a:pPr marL="0" marR="0" lvl="0" indent="0" algn="l" rtl="0">
-                <a:lnSpc>
-                  <a:spcPct val="100000"/>
-                </a:lnSpc>
-                <a:spcBef>
-                  <a:spcPts val="0"/>
-                </a:spcBef>
-                <a:spcAft>
-                  <a:spcPts val="0"/>
-                </a:spcAft>
-                <a:buNone/>
-              </a:pPr>
-              <a:endParaRPr sz="1960" b="0" i="0" u="none" strike="noStrike" cap="none">
-                <a:solidFill>
-                  <a:srgbClr val="000000"/>
-                </a:solidFill>
-                <a:latin typeface="Microsoft GothicNeo Light" panose="020B0300000101010101" pitchFamily="50" charset="-127"/>
-                <a:ea typeface="Microsoft GothicNeo Light" panose="020B0300000101010101" pitchFamily="50" charset="-127"/>
-                <a:cs typeface="Microsoft GothicNeo Light" panose="020B0300000101010101" pitchFamily="50" charset="-127"/>
-                <a:sym typeface="Arial"/>
-              </a:endParaRPr>
-            </a:p>
-          </p:txBody>
-        </p:sp>
-        <p:sp>
-          <p:nvSpPr>
-            <p:cNvPr id="248" name="Google Shape;248;p4"/>
-            <p:cNvSpPr/>
-            <p:nvPr/>
-          </p:nvSpPr>
-          <p:spPr>
-            <a:xfrm>
-              <a:off x="1749041" y="5525870"/>
-              <a:ext cx="1326360" cy="377580"/>
-            </a:xfrm>
-            <a:prstGeom prst="rect">
-              <a:avLst/>
-            </a:prstGeom>
-            <a:solidFill>
-              <a:schemeClr val="lt2"/>
-            </a:solidFill>
-            <a:ln>
-              <a:noFill/>
-            </a:ln>
-          </p:spPr>
-          <p:txBody>
-            <a:bodyPr spcFirstLastPara="1" wrap="square" lIns="127975" tIns="127975" rIns="127975" bIns="127975" anchor="ctr" anchorCtr="0">
-              <a:noAutofit/>
-            </a:bodyPr>
-            <a:lstStyle/>
-            <a:p>
-              <a:pPr marL="0" marR="0" lvl="0" indent="0" algn="ctr" rtl="0">
-                <a:lnSpc>
-                  <a:spcPct val="100000"/>
-                </a:lnSpc>
-                <a:spcBef>
-                  <a:spcPts val="0"/>
-                </a:spcBef>
-                <a:spcAft>
-                  <a:spcPts val="0"/>
-                </a:spcAft>
-                <a:buNone/>
-              </a:pPr>
-              <a:r>
-                <a:rPr lang="ko" sz="1260" b="0" i="0" u="none" strike="noStrike" cap="none" dirty="0">
-                  <a:solidFill>
-                    <a:srgbClr val="000000"/>
-                  </a:solidFill>
-                  <a:latin typeface="Microsoft GothicNeo Light" panose="020B0300000101010101" pitchFamily="50" charset="-127"/>
-                  <a:ea typeface="Microsoft GothicNeo Light" panose="020B0300000101010101" pitchFamily="50" charset="-127"/>
-                  <a:cs typeface="Microsoft GothicNeo Light" panose="020B0300000101010101" pitchFamily="50" charset="-127"/>
-                  <a:sym typeface="Arial"/>
-                </a:rPr>
-                <a:t>Recv Thread</a:t>
-              </a:r>
-              <a:endParaRPr sz="1260" b="0" i="0" u="none" strike="noStrike" cap="none" dirty="0">
-                <a:solidFill>
-                  <a:srgbClr val="000000"/>
-                </a:solidFill>
-                <a:latin typeface="Microsoft GothicNeo Light" panose="020B0300000101010101" pitchFamily="50" charset="-127"/>
-                <a:ea typeface="Microsoft GothicNeo Light" panose="020B0300000101010101" pitchFamily="50" charset="-127"/>
-                <a:cs typeface="Microsoft GothicNeo Light" panose="020B0300000101010101" pitchFamily="50" charset="-127"/>
-                <a:sym typeface="Arial"/>
-              </a:endParaRPr>
-            </a:p>
-          </p:txBody>
-        </p:sp>
-        <p:sp>
-          <p:nvSpPr>
-            <p:cNvPr id="249" name="Google Shape;249;p4"/>
-            <p:cNvSpPr/>
-            <p:nvPr/>
-          </p:nvSpPr>
-          <p:spPr>
-            <a:xfrm>
-              <a:off x="3190851" y="5525872"/>
-              <a:ext cx="1326300" cy="1301700"/>
-            </a:xfrm>
-            <a:prstGeom prst="rect">
-              <a:avLst/>
-            </a:prstGeom>
-            <a:solidFill>
-              <a:srgbClr val="E06666"/>
-            </a:solidFill>
-            <a:ln>
-              <a:noFill/>
-            </a:ln>
-          </p:spPr>
-          <p:txBody>
-            <a:bodyPr spcFirstLastPara="1" wrap="square" lIns="127975" tIns="127975" rIns="127975" bIns="127975" anchor="ctr" anchorCtr="0">
-              <a:noAutofit/>
-            </a:bodyPr>
-            <a:lstStyle/>
-            <a:p>
-              <a:pPr marL="0" marR="0" lvl="0" indent="0" algn="l" rtl="0">
-                <a:lnSpc>
-                  <a:spcPct val="100000"/>
-                </a:lnSpc>
-                <a:spcBef>
-                  <a:spcPts val="0"/>
-                </a:spcBef>
-                <a:spcAft>
-                  <a:spcPts val="0"/>
-                </a:spcAft>
-                <a:buNone/>
-              </a:pPr>
-              <a:endParaRPr sz="1960" b="0" i="0" u="none" strike="noStrike" cap="none">
-                <a:solidFill>
-                  <a:srgbClr val="000000"/>
-                </a:solidFill>
-                <a:latin typeface="Microsoft GothicNeo Light" panose="020B0300000101010101" pitchFamily="50" charset="-127"/>
-                <a:ea typeface="Microsoft GothicNeo Light" panose="020B0300000101010101" pitchFamily="50" charset="-127"/>
-                <a:cs typeface="Microsoft GothicNeo Light" panose="020B0300000101010101" pitchFamily="50" charset="-127"/>
-                <a:sym typeface="Arial"/>
-              </a:endParaRPr>
-            </a:p>
-          </p:txBody>
-        </p:sp>
-        <p:sp>
-          <p:nvSpPr>
-            <p:cNvPr id="250" name="Google Shape;250;p4"/>
-            <p:cNvSpPr/>
-            <p:nvPr/>
-          </p:nvSpPr>
-          <p:spPr>
-            <a:xfrm>
-              <a:off x="3190853" y="5525870"/>
-              <a:ext cx="1326360" cy="377580"/>
-            </a:xfrm>
-            <a:prstGeom prst="rect">
-              <a:avLst/>
-            </a:prstGeom>
-            <a:solidFill>
-              <a:schemeClr val="lt2"/>
-            </a:solidFill>
-            <a:ln>
-              <a:noFill/>
-            </a:ln>
-          </p:spPr>
-          <p:txBody>
-            <a:bodyPr spcFirstLastPara="1" wrap="square" lIns="127975" tIns="127975" rIns="127975" bIns="127975" anchor="ctr" anchorCtr="0">
-              <a:noAutofit/>
-            </a:bodyPr>
-            <a:lstStyle/>
-            <a:p>
-              <a:pPr marL="0" marR="0" lvl="0" indent="0" algn="ctr" rtl="0">
-                <a:lnSpc>
-                  <a:spcPct val="100000"/>
-                </a:lnSpc>
-                <a:spcBef>
-                  <a:spcPts val="0"/>
-                </a:spcBef>
-                <a:spcAft>
-                  <a:spcPts val="0"/>
-                </a:spcAft>
-                <a:buNone/>
-              </a:pPr>
-              <a:r>
-                <a:rPr lang="ko" sz="1260" b="0" i="0" u="none" strike="noStrike" cap="none" dirty="0">
-                  <a:solidFill>
-                    <a:srgbClr val="000000"/>
-                  </a:solidFill>
-                  <a:latin typeface="Microsoft GothicNeo Light" panose="020B0300000101010101" pitchFamily="50" charset="-127"/>
-                  <a:ea typeface="Microsoft GothicNeo Light" panose="020B0300000101010101" pitchFamily="50" charset="-127"/>
-                  <a:cs typeface="Microsoft GothicNeo Light" panose="020B0300000101010101" pitchFamily="50" charset="-127"/>
-                  <a:sym typeface="Arial"/>
-                </a:rPr>
-                <a:t>Recv Thread</a:t>
-              </a:r>
-              <a:endParaRPr sz="1260" b="0" i="0" u="none" strike="noStrike" cap="none" dirty="0">
-                <a:solidFill>
-                  <a:srgbClr val="000000"/>
-                </a:solidFill>
-                <a:latin typeface="Microsoft GothicNeo Light" panose="020B0300000101010101" pitchFamily="50" charset="-127"/>
-                <a:ea typeface="Microsoft GothicNeo Light" panose="020B0300000101010101" pitchFamily="50" charset="-127"/>
-                <a:cs typeface="Microsoft GothicNeo Light" panose="020B0300000101010101" pitchFamily="50" charset="-127"/>
-                <a:sym typeface="Arial"/>
-              </a:endParaRPr>
-            </a:p>
-          </p:txBody>
-        </p:sp>
-        <p:sp>
-          <p:nvSpPr>
-            <p:cNvPr id="253" name="Google Shape;253;p4"/>
-            <p:cNvSpPr/>
-            <p:nvPr/>
-          </p:nvSpPr>
-          <p:spPr>
-            <a:xfrm>
-              <a:off x="2395725" y="2756850"/>
-              <a:ext cx="1476600" cy="349800"/>
-            </a:xfrm>
-            <a:prstGeom prst="rect">
-              <a:avLst/>
-            </a:prstGeom>
-            <a:solidFill>
-              <a:srgbClr val="6D9EEB"/>
-            </a:solidFill>
-            <a:ln w="9525" cap="flat" cmpd="sng">
-              <a:noFill/>
-              <a:prstDash val="solid"/>
-              <a:round/>
-              <a:headEnd type="none" w="sm" len="sm"/>
-              <a:tailEnd type="none" w="sm" len="sm"/>
-            </a:ln>
-          </p:spPr>
-          <p:txBody>
-            <a:bodyPr spcFirstLastPara="1" wrap="square" lIns="91425" tIns="91425" rIns="91425" bIns="91425" anchor="ctr" anchorCtr="0">
-              <a:noAutofit/>
-            </a:bodyPr>
-            <a:lstStyle/>
-            <a:p>
-              <a:pPr marL="0" lvl="0" indent="0" algn="ctr" rtl="0">
-                <a:spcBef>
-                  <a:spcPts val="0"/>
-                </a:spcBef>
-                <a:spcAft>
-                  <a:spcPts val="0"/>
-                </a:spcAft>
-                <a:buNone/>
-              </a:pPr>
-              <a:r>
-                <a:rPr lang="ko" sz="1000" dirty="0">
-                  <a:solidFill>
-                    <a:schemeClr val="lt1"/>
-                  </a:solidFill>
-                  <a:latin typeface="Microsoft GothicNeo Light" panose="020B0300000101010101" pitchFamily="50" charset="-127"/>
-                  <a:ea typeface="Microsoft GothicNeo Light" panose="020B0300000101010101" pitchFamily="50" charset="-127"/>
-                  <a:cs typeface="Microsoft GothicNeo Light" panose="020B0300000101010101" pitchFamily="50" charset="-127"/>
-                </a:rPr>
-                <a:t>void SendData</a:t>
-              </a:r>
-              <a:endParaRPr sz="1000" dirty="0">
-                <a:solidFill>
-                  <a:schemeClr val="lt1"/>
-                </a:solidFill>
-                <a:latin typeface="Microsoft GothicNeo Light" panose="020B0300000101010101" pitchFamily="50" charset="-127"/>
-                <a:ea typeface="Microsoft GothicNeo Light" panose="020B0300000101010101" pitchFamily="50" charset="-127"/>
-                <a:cs typeface="Microsoft GothicNeo Light" panose="020B0300000101010101" pitchFamily="50" charset="-127"/>
-              </a:endParaRPr>
-            </a:p>
-          </p:txBody>
-        </p:sp>
-        <p:sp>
-          <p:nvSpPr>
-            <p:cNvPr id="254" name="Google Shape;254;p4"/>
-            <p:cNvSpPr/>
-            <p:nvPr/>
-          </p:nvSpPr>
-          <p:spPr>
-            <a:xfrm>
-              <a:off x="452325" y="3607850"/>
-              <a:ext cx="1476600" cy="349800"/>
-            </a:xfrm>
-            <a:prstGeom prst="rect">
-              <a:avLst/>
-            </a:prstGeom>
-            <a:solidFill>
-              <a:srgbClr val="6D9EEB"/>
-            </a:solidFill>
-            <a:ln w="9525" cap="flat" cmpd="sng">
-              <a:noFill/>
-              <a:prstDash val="solid"/>
-              <a:round/>
-              <a:headEnd type="none" w="sm" len="sm"/>
-              <a:tailEnd type="none" w="sm" len="sm"/>
-            </a:ln>
-          </p:spPr>
-          <p:txBody>
-            <a:bodyPr spcFirstLastPara="1" wrap="square" lIns="91425" tIns="91425" rIns="91425" bIns="91425" anchor="ctr" anchorCtr="0">
-              <a:noAutofit/>
-            </a:bodyPr>
-            <a:lstStyle/>
-            <a:p>
-              <a:pPr marL="0" lvl="0" indent="0" algn="ctr" rtl="0">
-                <a:spcBef>
-                  <a:spcPts val="0"/>
-                </a:spcBef>
-                <a:spcAft>
-                  <a:spcPts val="0"/>
-                </a:spcAft>
-                <a:buNone/>
-              </a:pPr>
-              <a:r>
-                <a:rPr lang="ko" sz="1000">
-                  <a:solidFill>
-                    <a:schemeClr val="lt1"/>
-                  </a:solidFill>
-                  <a:latin typeface="Microsoft GothicNeo Light" panose="020B0300000101010101" pitchFamily="50" charset="-127"/>
-                  <a:ea typeface="Microsoft GothicNeo Light" panose="020B0300000101010101" pitchFamily="50" charset="-127"/>
-                  <a:cs typeface="Microsoft GothicNeo Light" panose="020B0300000101010101" pitchFamily="50" charset="-127"/>
-                </a:rPr>
-                <a:t>int InitServer</a:t>
-              </a:r>
-              <a:endParaRPr sz="1000">
-                <a:solidFill>
-                  <a:schemeClr val="lt1"/>
-                </a:solidFill>
-                <a:latin typeface="Microsoft GothicNeo Light" panose="020B0300000101010101" pitchFamily="50" charset="-127"/>
-                <a:ea typeface="Microsoft GothicNeo Light" panose="020B0300000101010101" pitchFamily="50" charset="-127"/>
-                <a:cs typeface="Microsoft GothicNeo Light" panose="020B0300000101010101" pitchFamily="50" charset="-127"/>
-              </a:endParaRPr>
-            </a:p>
-          </p:txBody>
-        </p:sp>
-        <p:sp>
-          <p:nvSpPr>
-            <p:cNvPr id="255" name="Google Shape;255;p4"/>
-            <p:cNvSpPr/>
-            <p:nvPr/>
-          </p:nvSpPr>
-          <p:spPr>
-            <a:xfrm>
-              <a:off x="452325" y="4033350"/>
-              <a:ext cx="1476600" cy="349800"/>
-            </a:xfrm>
-            <a:prstGeom prst="rect">
-              <a:avLst/>
-            </a:prstGeom>
-            <a:solidFill>
-              <a:srgbClr val="6D9EEB"/>
-            </a:solidFill>
-            <a:ln w="9525" cap="flat" cmpd="sng">
-              <a:noFill/>
-              <a:prstDash val="solid"/>
-              <a:round/>
-              <a:headEnd type="none" w="sm" len="sm"/>
-              <a:tailEnd type="none" w="sm" len="sm"/>
-            </a:ln>
-          </p:spPr>
-          <p:txBody>
-            <a:bodyPr spcFirstLastPara="1" wrap="square" lIns="91425" tIns="91425" rIns="91425" bIns="91425" anchor="ctr" anchorCtr="0">
-              <a:noAutofit/>
-            </a:bodyPr>
-            <a:lstStyle/>
-            <a:p>
-              <a:pPr marL="0" lvl="0" indent="0" algn="ctr" rtl="0">
-                <a:spcBef>
-                  <a:spcPts val="0"/>
-                </a:spcBef>
-                <a:spcAft>
-                  <a:spcPts val="0"/>
-                </a:spcAft>
-                <a:buNone/>
-              </a:pPr>
-              <a:r>
-                <a:rPr lang="ko" sz="1000">
-                  <a:solidFill>
-                    <a:schemeClr val="lt1"/>
-                  </a:solidFill>
-                  <a:latin typeface="Microsoft GothicNeo Light" panose="020B0300000101010101" pitchFamily="50" charset="-127"/>
-                  <a:ea typeface="Microsoft GothicNeo Light" panose="020B0300000101010101" pitchFamily="50" charset="-127"/>
-                  <a:cs typeface="Microsoft GothicNeo Light" panose="020B0300000101010101" pitchFamily="50" charset="-127"/>
-                </a:rPr>
-                <a:t>void WaitForClientConnect</a:t>
-              </a:r>
-              <a:endParaRPr sz="1000">
-                <a:solidFill>
-                  <a:schemeClr val="lt1"/>
-                </a:solidFill>
-                <a:latin typeface="Microsoft GothicNeo Light" panose="020B0300000101010101" pitchFamily="50" charset="-127"/>
-                <a:ea typeface="Microsoft GothicNeo Light" panose="020B0300000101010101" pitchFamily="50" charset="-127"/>
-                <a:cs typeface="Microsoft GothicNeo Light" panose="020B0300000101010101" pitchFamily="50" charset="-127"/>
-              </a:endParaRPr>
-            </a:p>
-          </p:txBody>
-        </p:sp>
-        <p:sp>
-          <p:nvSpPr>
-            <p:cNvPr id="256" name="Google Shape;256;p4"/>
-            <p:cNvSpPr/>
-            <p:nvPr/>
-          </p:nvSpPr>
-          <p:spPr>
-            <a:xfrm>
-              <a:off x="452325" y="3182350"/>
-              <a:ext cx="1476600" cy="349800"/>
-            </a:xfrm>
-            <a:prstGeom prst="rect">
-              <a:avLst/>
-            </a:prstGeom>
-            <a:solidFill>
-              <a:srgbClr val="6D9EEB"/>
-            </a:solidFill>
-            <a:ln w="9525" cap="flat" cmpd="sng">
-              <a:noFill/>
-              <a:prstDash val="solid"/>
-              <a:round/>
-              <a:headEnd type="none" w="sm" len="sm"/>
-              <a:tailEnd type="none" w="sm" len="sm"/>
-            </a:ln>
-          </p:spPr>
-          <p:txBody>
-            <a:bodyPr spcFirstLastPara="1" wrap="square" lIns="91425" tIns="91425" rIns="91425" bIns="91425" anchor="ctr" anchorCtr="0">
-              <a:noAutofit/>
-            </a:bodyPr>
-            <a:lstStyle/>
-            <a:p>
-              <a:pPr marL="0" lvl="0" indent="0" algn="ctr" rtl="0">
-                <a:spcBef>
-                  <a:spcPts val="0"/>
-                </a:spcBef>
-                <a:spcAft>
-                  <a:spcPts val="0"/>
-                </a:spcAft>
-                <a:buNone/>
-              </a:pPr>
-              <a:r>
-                <a:rPr lang="ko" sz="1000" dirty="0">
-                  <a:solidFill>
-                    <a:schemeClr val="lt1"/>
-                  </a:solidFill>
-                  <a:latin typeface="Microsoft GothicNeo Light" panose="020B0300000101010101" pitchFamily="50" charset="-127"/>
-                  <a:ea typeface="Microsoft GothicNeo Light" panose="020B0300000101010101" pitchFamily="50" charset="-127"/>
-                  <a:cs typeface="Microsoft GothicNeo Light" panose="020B0300000101010101" pitchFamily="50" charset="-127"/>
-                </a:rPr>
-                <a:t>static DWORD WINAPI RecvCLData</a:t>
-              </a:r>
-              <a:endParaRPr sz="1000" dirty="0">
-                <a:solidFill>
-                  <a:schemeClr val="lt1"/>
-                </a:solidFill>
-                <a:latin typeface="Microsoft GothicNeo Light" panose="020B0300000101010101" pitchFamily="50" charset="-127"/>
-                <a:ea typeface="Microsoft GothicNeo Light" panose="020B0300000101010101" pitchFamily="50" charset="-127"/>
-                <a:cs typeface="Microsoft GothicNeo Light" panose="020B0300000101010101" pitchFamily="50" charset="-127"/>
-              </a:endParaRPr>
-            </a:p>
-          </p:txBody>
-        </p:sp>
-        <p:sp>
-          <p:nvSpPr>
-            <p:cNvPr id="257" name="Google Shape;257;p4"/>
-            <p:cNvSpPr/>
-            <p:nvPr/>
-          </p:nvSpPr>
-          <p:spPr>
-            <a:xfrm>
-              <a:off x="2395725" y="3182350"/>
-              <a:ext cx="1476600" cy="349800"/>
-            </a:xfrm>
-            <a:prstGeom prst="rect">
-              <a:avLst/>
-            </a:prstGeom>
-            <a:solidFill>
-              <a:srgbClr val="6D9EEB"/>
-            </a:solidFill>
-            <a:ln w="9525" cap="flat" cmpd="sng">
-              <a:noFill/>
-              <a:prstDash val="solid"/>
-              <a:round/>
-              <a:headEnd type="none" w="sm" len="sm"/>
-              <a:tailEnd type="none" w="sm" len="sm"/>
-            </a:ln>
-          </p:spPr>
-          <p:txBody>
-            <a:bodyPr spcFirstLastPara="1" wrap="square" lIns="91425" tIns="91425" rIns="91425" bIns="91425" anchor="ctr" anchorCtr="0">
-              <a:noAutofit/>
-            </a:bodyPr>
-            <a:lstStyle/>
-            <a:p>
-              <a:pPr marL="0" lvl="0" indent="0" algn="ctr" rtl="0">
-                <a:spcBef>
-                  <a:spcPts val="0"/>
-                </a:spcBef>
-                <a:spcAft>
-                  <a:spcPts val="0"/>
-                </a:spcAft>
-                <a:buNone/>
-              </a:pPr>
-              <a:r>
-                <a:rPr lang="ko" sz="1000">
-                  <a:solidFill>
-                    <a:schemeClr val="lt1"/>
-                  </a:solidFill>
-                  <a:latin typeface="Microsoft GothicNeo Light" panose="020B0300000101010101" pitchFamily="50" charset="-127"/>
-                  <a:ea typeface="Microsoft GothicNeo Light" panose="020B0300000101010101" pitchFamily="50" charset="-127"/>
-                  <a:cs typeface="Microsoft GothicNeo Light" panose="020B0300000101010101" pitchFamily="50" charset="-127"/>
-                </a:rPr>
-                <a:t>void SVSendTimer</a:t>
-              </a:r>
-              <a:endParaRPr sz="1000">
-                <a:solidFill>
-                  <a:schemeClr val="lt1"/>
-                </a:solidFill>
-                <a:latin typeface="Microsoft GothicNeo Light" panose="020B0300000101010101" pitchFamily="50" charset="-127"/>
-                <a:ea typeface="Microsoft GothicNeo Light" panose="020B0300000101010101" pitchFamily="50" charset="-127"/>
-                <a:cs typeface="Microsoft GothicNeo Light" panose="020B0300000101010101" pitchFamily="50" charset="-127"/>
-              </a:endParaRPr>
-            </a:p>
-          </p:txBody>
-        </p:sp>
-        <p:sp>
-          <p:nvSpPr>
-            <p:cNvPr id="258" name="Google Shape;258;p4"/>
-            <p:cNvSpPr/>
-            <p:nvPr/>
-          </p:nvSpPr>
-          <p:spPr>
-            <a:xfrm>
-              <a:off x="452325" y="4458850"/>
-              <a:ext cx="1476600" cy="349800"/>
-            </a:xfrm>
-            <a:prstGeom prst="rect">
-              <a:avLst/>
-            </a:prstGeom>
-            <a:solidFill>
-              <a:srgbClr val="6D9EEB"/>
-            </a:solidFill>
-            <a:ln w="9525" cap="flat" cmpd="sng">
-              <a:noFill/>
-              <a:prstDash val="solid"/>
-              <a:round/>
-              <a:headEnd type="none" w="sm" len="sm"/>
-              <a:tailEnd type="none" w="sm" len="sm"/>
-            </a:ln>
-          </p:spPr>
-          <p:txBody>
-            <a:bodyPr spcFirstLastPara="1" wrap="square" lIns="91425" tIns="91425" rIns="91425" bIns="91425" anchor="ctr" anchorCtr="0">
-              <a:noAutofit/>
-            </a:bodyPr>
-            <a:lstStyle/>
-            <a:p>
-              <a:pPr marL="0" lvl="0" indent="0" algn="ctr" rtl="0">
-                <a:spcBef>
-                  <a:spcPts val="0"/>
-                </a:spcBef>
-                <a:spcAft>
-                  <a:spcPts val="0"/>
-                </a:spcAft>
-                <a:buNone/>
-              </a:pPr>
-              <a:r>
-                <a:rPr lang="ko" sz="1000">
-                  <a:solidFill>
-                    <a:schemeClr val="lt1"/>
-                  </a:solidFill>
-                  <a:latin typeface="Microsoft GothicNeo Light" panose="020B0300000101010101" pitchFamily="50" charset="-127"/>
-                  <a:ea typeface="Microsoft GothicNeo Light" panose="020B0300000101010101" pitchFamily="50" charset="-127"/>
-                  <a:cs typeface="Microsoft GothicNeo Light" panose="020B0300000101010101" pitchFamily="50" charset="-127"/>
-                </a:rPr>
-                <a:t>DWORD UpdateTimer</a:t>
-              </a:r>
-              <a:endParaRPr sz="1000">
-                <a:solidFill>
-                  <a:schemeClr val="lt1"/>
-                </a:solidFill>
-                <a:latin typeface="Microsoft GothicNeo Light" panose="020B0300000101010101" pitchFamily="50" charset="-127"/>
-                <a:ea typeface="Microsoft GothicNeo Light" panose="020B0300000101010101" pitchFamily="50" charset="-127"/>
-                <a:cs typeface="Microsoft GothicNeo Light" panose="020B0300000101010101" pitchFamily="50" charset="-127"/>
-              </a:endParaRPr>
-            </a:p>
-          </p:txBody>
-        </p:sp>
-        <p:sp>
-          <p:nvSpPr>
-            <p:cNvPr id="259" name="Google Shape;259;p4"/>
-            <p:cNvSpPr/>
-            <p:nvPr/>
-          </p:nvSpPr>
-          <p:spPr>
-            <a:xfrm>
-              <a:off x="2395725" y="4033350"/>
-              <a:ext cx="1476600" cy="349800"/>
-            </a:xfrm>
-            <a:prstGeom prst="rect">
-              <a:avLst/>
-            </a:prstGeom>
-            <a:solidFill>
-              <a:srgbClr val="6D9EEB"/>
-            </a:solidFill>
-            <a:ln w="9525" cap="flat" cmpd="sng">
-              <a:noFill/>
-              <a:prstDash val="solid"/>
-              <a:round/>
-              <a:headEnd type="none" w="sm" len="sm"/>
-              <a:tailEnd type="none" w="sm" len="sm"/>
-            </a:ln>
-          </p:spPr>
-          <p:txBody>
-            <a:bodyPr spcFirstLastPara="1" wrap="square" lIns="91425" tIns="91425" rIns="91425" bIns="91425" anchor="ctr" anchorCtr="0">
-              <a:noAutofit/>
-            </a:bodyPr>
-            <a:lstStyle/>
-            <a:p>
-              <a:pPr marL="0" lvl="0" indent="0" algn="ctr" rtl="0">
-                <a:spcBef>
-                  <a:spcPts val="0"/>
-                </a:spcBef>
-                <a:spcAft>
-                  <a:spcPts val="0"/>
-                </a:spcAft>
-                <a:buNone/>
-              </a:pPr>
-              <a:r>
-                <a:rPr lang="ko" sz="1000">
-                  <a:solidFill>
-                    <a:schemeClr val="lt1"/>
-                  </a:solidFill>
-                  <a:latin typeface="Microsoft GothicNeo Light" panose="020B0300000101010101" pitchFamily="50" charset="-127"/>
-                  <a:ea typeface="Microsoft GothicNeo Light" panose="020B0300000101010101" pitchFamily="50" charset="-127"/>
-                  <a:cs typeface="Microsoft GothicNeo Light" panose="020B0300000101010101" pitchFamily="50" charset="-127"/>
-                </a:rPr>
-                <a:t>void SVSendTotal</a:t>
-              </a:r>
-              <a:endParaRPr sz="1000">
-                <a:solidFill>
-                  <a:schemeClr val="lt1"/>
-                </a:solidFill>
-                <a:latin typeface="Microsoft GothicNeo Light" panose="020B0300000101010101" pitchFamily="50" charset="-127"/>
-                <a:ea typeface="Microsoft GothicNeo Light" panose="020B0300000101010101" pitchFamily="50" charset="-127"/>
-                <a:cs typeface="Microsoft GothicNeo Light" panose="020B0300000101010101" pitchFamily="50" charset="-127"/>
-              </a:endParaRPr>
-            </a:p>
-          </p:txBody>
-        </p:sp>
-        <p:sp>
-          <p:nvSpPr>
-            <p:cNvPr id="260" name="Google Shape;260;p4"/>
-            <p:cNvSpPr/>
-            <p:nvPr/>
-          </p:nvSpPr>
-          <p:spPr>
-            <a:xfrm>
-              <a:off x="2395725" y="4458850"/>
-              <a:ext cx="1476600" cy="349800"/>
-            </a:xfrm>
-            <a:prstGeom prst="rect">
-              <a:avLst/>
-            </a:prstGeom>
-            <a:solidFill>
-              <a:srgbClr val="6D9EEB"/>
-            </a:solidFill>
-            <a:ln w="9525" cap="flat" cmpd="sng">
-              <a:noFill/>
-              <a:prstDash val="solid"/>
-              <a:round/>
-              <a:headEnd type="none" w="sm" len="sm"/>
-              <a:tailEnd type="none" w="sm" len="sm"/>
-            </a:ln>
-          </p:spPr>
-          <p:txBody>
-            <a:bodyPr spcFirstLastPara="1" wrap="square" lIns="91425" tIns="91425" rIns="91425" bIns="91425" anchor="ctr" anchorCtr="0">
-              <a:noAutofit/>
-            </a:bodyPr>
-            <a:lstStyle/>
-            <a:p>
-              <a:pPr marL="0" lvl="0" indent="0" algn="ctr" rtl="0">
-                <a:spcBef>
-                  <a:spcPts val="0"/>
-                </a:spcBef>
-                <a:spcAft>
-                  <a:spcPts val="0"/>
-                </a:spcAft>
-                <a:buNone/>
-              </a:pPr>
-              <a:r>
-                <a:rPr lang="ko" sz="1000">
-                  <a:solidFill>
-                    <a:schemeClr val="lt1"/>
-                  </a:solidFill>
-                  <a:latin typeface="Microsoft GothicNeo Light" panose="020B0300000101010101" pitchFamily="50" charset="-127"/>
-                  <a:ea typeface="Microsoft GothicNeo Light" panose="020B0300000101010101" pitchFamily="50" charset="-127"/>
-                  <a:cs typeface="Microsoft GothicNeo Light" panose="020B0300000101010101" pitchFamily="50" charset="-127"/>
-                </a:rPr>
-                <a:t>void SVSendScene</a:t>
-              </a:r>
-              <a:endParaRPr sz="1000">
-                <a:solidFill>
-                  <a:schemeClr val="lt1"/>
-                </a:solidFill>
-                <a:latin typeface="Microsoft GothicNeo Light" panose="020B0300000101010101" pitchFamily="50" charset="-127"/>
-                <a:ea typeface="Microsoft GothicNeo Light" panose="020B0300000101010101" pitchFamily="50" charset="-127"/>
-                <a:cs typeface="Microsoft GothicNeo Light" panose="020B0300000101010101" pitchFamily="50" charset="-127"/>
-              </a:endParaRPr>
-            </a:p>
-          </p:txBody>
-        </p:sp>
-        <p:sp>
-          <p:nvSpPr>
-            <p:cNvPr id="261" name="Google Shape;261;p4"/>
-            <p:cNvSpPr/>
-            <p:nvPr/>
-          </p:nvSpPr>
-          <p:spPr>
-            <a:xfrm>
-              <a:off x="2395725" y="4884350"/>
-              <a:ext cx="1476600" cy="349800"/>
-            </a:xfrm>
-            <a:prstGeom prst="rect">
-              <a:avLst/>
-            </a:prstGeom>
-            <a:solidFill>
-              <a:srgbClr val="6D9EEB"/>
-            </a:solidFill>
-            <a:ln w="9525" cap="flat" cmpd="sng">
-              <a:noFill/>
-              <a:prstDash val="solid"/>
-              <a:round/>
-              <a:headEnd type="none" w="sm" len="sm"/>
-              <a:tailEnd type="none" w="sm" len="sm"/>
-            </a:ln>
-          </p:spPr>
-          <p:txBody>
-            <a:bodyPr spcFirstLastPara="1" wrap="square" lIns="91425" tIns="91425" rIns="91425" bIns="91425" anchor="ctr" anchorCtr="0">
-              <a:noAutofit/>
-            </a:bodyPr>
-            <a:lstStyle/>
-            <a:p>
-              <a:pPr marL="0" lvl="0" indent="0" algn="ctr" rtl="0">
-                <a:spcBef>
-                  <a:spcPts val="0"/>
-                </a:spcBef>
-                <a:spcAft>
-                  <a:spcPts val="0"/>
-                </a:spcAft>
-                <a:buNone/>
-              </a:pPr>
-              <a:r>
-                <a:rPr lang="ko" sz="1000">
-                  <a:solidFill>
-                    <a:schemeClr val="lt1"/>
-                  </a:solidFill>
-                  <a:latin typeface="Microsoft GothicNeo Light" panose="020B0300000101010101" pitchFamily="50" charset="-127"/>
-                  <a:ea typeface="Microsoft GothicNeo Light" panose="020B0300000101010101" pitchFamily="50" charset="-127"/>
-                  <a:cs typeface="Microsoft GothicNeo Light" panose="020B0300000101010101" pitchFamily="50" charset="-127"/>
-                </a:rPr>
-                <a:t>void SVSendCharSel</a:t>
-              </a:r>
-              <a:endParaRPr sz="1000">
-                <a:solidFill>
-                  <a:schemeClr val="lt1"/>
-                </a:solidFill>
-                <a:latin typeface="Microsoft GothicNeo Light" panose="020B0300000101010101" pitchFamily="50" charset="-127"/>
-                <a:ea typeface="Microsoft GothicNeo Light" panose="020B0300000101010101" pitchFamily="50" charset="-127"/>
-                <a:cs typeface="Microsoft GothicNeo Light" panose="020B0300000101010101" pitchFamily="50" charset="-127"/>
-              </a:endParaRPr>
-            </a:p>
-          </p:txBody>
-        </p:sp>
-        <p:sp>
-          <p:nvSpPr>
-            <p:cNvPr id="262" name="Google Shape;262;p4"/>
-            <p:cNvSpPr/>
-            <p:nvPr/>
-          </p:nvSpPr>
-          <p:spPr>
-            <a:xfrm>
-              <a:off x="2395725" y="3607850"/>
-              <a:ext cx="1476600" cy="349800"/>
-            </a:xfrm>
-            <a:prstGeom prst="rect">
-              <a:avLst/>
-            </a:prstGeom>
-            <a:solidFill>
-              <a:srgbClr val="6D9EEB"/>
-            </a:solidFill>
-            <a:ln w="9525" cap="flat" cmpd="sng">
-              <a:noFill/>
-              <a:prstDash val="solid"/>
-              <a:round/>
-              <a:headEnd type="none" w="sm" len="sm"/>
-              <a:tailEnd type="none" w="sm" len="sm"/>
-            </a:ln>
-          </p:spPr>
-          <p:txBody>
-            <a:bodyPr spcFirstLastPara="1" wrap="square" lIns="91425" tIns="91425" rIns="91425" bIns="91425" anchor="ctr" anchorCtr="0">
-              <a:noAutofit/>
-            </a:bodyPr>
-            <a:lstStyle/>
-            <a:p>
-              <a:pPr marL="0" lvl="0" indent="0" algn="ctr" rtl="0">
-                <a:spcBef>
-                  <a:spcPts val="0"/>
-                </a:spcBef>
-                <a:spcAft>
-                  <a:spcPts val="0"/>
-                </a:spcAft>
-                <a:buNone/>
-              </a:pPr>
-              <a:r>
-                <a:rPr lang="ko" sz="1000">
-                  <a:solidFill>
-                    <a:schemeClr val="lt1"/>
-                  </a:solidFill>
-                  <a:latin typeface="Microsoft GothicNeo Light" panose="020B0300000101010101" pitchFamily="50" charset="-127"/>
-                  <a:ea typeface="Microsoft GothicNeo Light" panose="020B0300000101010101" pitchFamily="50" charset="-127"/>
-                  <a:cs typeface="Microsoft GothicNeo Light" panose="020B0300000101010101" pitchFamily="50" charset="-127"/>
-                </a:rPr>
-                <a:t>void SVSendMainGm</a:t>
-              </a:r>
-              <a:endParaRPr sz="1000">
-                <a:solidFill>
-                  <a:schemeClr val="lt1"/>
-                </a:solidFill>
-                <a:latin typeface="Microsoft GothicNeo Light" panose="020B0300000101010101" pitchFamily="50" charset="-127"/>
-                <a:ea typeface="Microsoft GothicNeo Light" panose="020B0300000101010101" pitchFamily="50" charset="-127"/>
-                <a:cs typeface="Microsoft GothicNeo Light" panose="020B0300000101010101" pitchFamily="50" charset="-127"/>
-              </a:endParaRPr>
-            </a:p>
-          </p:txBody>
-        </p:sp>
-        <p:sp>
-          <p:nvSpPr>
-            <p:cNvPr id="263" name="Google Shape;263;p4"/>
-            <p:cNvSpPr/>
-            <p:nvPr/>
-          </p:nvSpPr>
-          <p:spPr>
-            <a:xfrm>
-              <a:off x="4339125" y="3182350"/>
-              <a:ext cx="1476600" cy="349800"/>
-            </a:xfrm>
-            <a:prstGeom prst="rect">
-              <a:avLst/>
-            </a:prstGeom>
-            <a:solidFill>
-              <a:srgbClr val="6D9EEB"/>
-            </a:solidFill>
-            <a:ln w="9525" cap="flat" cmpd="sng">
-              <a:noFill/>
-              <a:prstDash val="solid"/>
-              <a:round/>
-              <a:headEnd type="none" w="sm" len="sm"/>
-              <a:tailEnd type="none" w="sm" len="sm"/>
-            </a:ln>
-          </p:spPr>
-          <p:txBody>
-            <a:bodyPr spcFirstLastPara="1" wrap="square" lIns="91425" tIns="91425" rIns="91425" bIns="91425" anchor="ctr" anchorCtr="0">
-              <a:noAutofit/>
-            </a:bodyPr>
-            <a:lstStyle/>
-            <a:p>
-              <a:pPr marL="0" lvl="0" indent="0" algn="ctr" rtl="0">
-                <a:spcBef>
-                  <a:spcPts val="0"/>
-                </a:spcBef>
-                <a:spcAft>
-                  <a:spcPts val="0"/>
-                </a:spcAft>
-                <a:buNone/>
-              </a:pPr>
-              <a:r>
-                <a:rPr lang="ko" sz="1000">
-                  <a:solidFill>
-                    <a:schemeClr val="lt1"/>
-                  </a:solidFill>
-                  <a:latin typeface="Microsoft GothicNeo Light" panose="020B0300000101010101" pitchFamily="50" charset="-127"/>
-                  <a:ea typeface="Microsoft GothicNeo Light" panose="020B0300000101010101" pitchFamily="50" charset="-127"/>
-                  <a:cs typeface="Microsoft GothicNeo Light" panose="020B0300000101010101" pitchFamily="50" charset="-127"/>
-                </a:rPr>
-                <a:t>void UpdatePLInfo</a:t>
-              </a:r>
-              <a:endParaRPr sz="1000">
-                <a:solidFill>
-                  <a:schemeClr val="lt1"/>
-                </a:solidFill>
-                <a:latin typeface="Microsoft GothicNeo Light" panose="020B0300000101010101" pitchFamily="50" charset="-127"/>
-                <a:ea typeface="Microsoft GothicNeo Light" panose="020B0300000101010101" pitchFamily="50" charset="-127"/>
-                <a:cs typeface="Microsoft GothicNeo Light" panose="020B0300000101010101" pitchFamily="50" charset="-127"/>
-              </a:endParaRPr>
-            </a:p>
-          </p:txBody>
-        </p:sp>
-        <p:sp>
-          <p:nvSpPr>
-            <p:cNvPr id="264" name="Google Shape;264;p4"/>
-            <p:cNvSpPr/>
-            <p:nvPr/>
-          </p:nvSpPr>
-          <p:spPr>
-            <a:xfrm>
-              <a:off x="4339125" y="3607850"/>
-              <a:ext cx="1476600" cy="349800"/>
-            </a:xfrm>
-            <a:prstGeom prst="rect">
-              <a:avLst/>
-            </a:prstGeom>
-            <a:solidFill>
-              <a:srgbClr val="6D9EEB"/>
-            </a:solidFill>
-            <a:ln w="9525" cap="flat" cmpd="sng">
-              <a:noFill/>
-              <a:prstDash val="solid"/>
-              <a:round/>
-              <a:headEnd type="none" w="sm" len="sm"/>
-              <a:tailEnd type="none" w="sm" len="sm"/>
-            </a:ln>
-          </p:spPr>
-          <p:txBody>
-            <a:bodyPr spcFirstLastPara="1" wrap="square" lIns="91425" tIns="91425" rIns="91425" bIns="91425" anchor="ctr" anchorCtr="0">
-              <a:noAutofit/>
-            </a:bodyPr>
-            <a:lstStyle/>
-            <a:p>
-              <a:pPr marL="0" lvl="0" indent="0" algn="ctr" rtl="0">
-                <a:spcBef>
-                  <a:spcPts val="0"/>
-                </a:spcBef>
-                <a:spcAft>
-                  <a:spcPts val="0"/>
-                </a:spcAft>
-                <a:buNone/>
-              </a:pPr>
-              <a:r>
-                <a:rPr lang="ko" sz="1000">
-                  <a:solidFill>
-                    <a:schemeClr val="lt1"/>
-                  </a:solidFill>
-                  <a:latin typeface="Microsoft GothicNeo Light" panose="020B0300000101010101" pitchFamily="50" charset="-127"/>
-                  <a:ea typeface="Microsoft GothicNeo Light" panose="020B0300000101010101" pitchFamily="50" charset="-127"/>
-                  <a:cs typeface="Microsoft GothicNeo Light" panose="020B0300000101010101" pitchFamily="50" charset="-127"/>
-                </a:rPr>
-                <a:t>void UpdateScene</a:t>
-              </a:r>
-              <a:endParaRPr sz="1000">
-                <a:solidFill>
-                  <a:schemeClr val="lt1"/>
-                </a:solidFill>
-                <a:latin typeface="Microsoft GothicNeo Light" panose="020B0300000101010101" pitchFamily="50" charset="-127"/>
-                <a:ea typeface="Microsoft GothicNeo Light" panose="020B0300000101010101" pitchFamily="50" charset="-127"/>
-                <a:cs typeface="Microsoft GothicNeo Light" panose="020B0300000101010101" pitchFamily="50" charset="-127"/>
-              </a:endParaRPr>
-            </a:p>
-          </p:txBody>
-        </p:sp>
-        <p:sp>
-          <p:nvSpPr>
-            <p:cNvPr id="265" name="Google Shape;265;p4"/>
-            <p:cNvSpPr/>
-            <p:nvPr/>
-          </p:nvSpPr>
-          <p:spPr>
-            <a:xfrm>
-              <a:off x="4339125" y="4033350"/>
-              <a:ext cx="1476600" cy="349800"/>
-            </a:xfrm>
-            <a:prstGeom prst="rect">
-              <a:avLst/>
-            </a:prstGeom>
-            <a:solidFill>
-              <a:srgbClr val="6D9EEB"/>
-            </a:solidFill>
-            <a:ln w="9525" cap="flat" cmpd="sng">
-              <a:noFill/>
-              <a:prstDash val="solid"/>
-              <a:round/>
-              <a:headEnd type="none" w="sm" len="sm"/>
-              <a:tailEnd type="none" w="sm" len="sm"/>
-            </a:ln>
-          </p:spPr>
-          <p:txBody>
-            <a:bodyPr spcFirstLastPara="1" wrap="square" lIns="91425" tIns="91425" rIns="91425" bIns="91425" anchor="ctr" anchorCtr="0">
-              <a:noAutofit/>
-            </a:bodyPr>
-            <a:lstStyle/>
-            <a:p>
-              <a:pPr marL="0" lvl="0" indent="0" algn="ctr" rtl="0">
-                <a:spcBef>
-                  <a:spcPts val="0"/>
-                </a:spcBef>
-                <a:spcAft>
-                  <a:spcPts val="0"/>
-                </a:spcAft>
-                <a:buNone/>
-              </a:pPr>
-              <a:r>
-                <a:rPr lang="ko" sz="1000">
-                  <a:solidFill>
-                    <a:schemeClr val="lt1"/>
-                  </a:solidFill>
-                  <a:latin typeface="Microsoft GothicNeo Light" panose="020B0300000101010101" pitchFamily="50" charset="-127"/>
-                  <a:ea typeface="Microsoft GothicNeo Light" panose="020B0300000101010101" pitchFamily="50" charset="-127"/>
-                  <a:cs typeface="Microsoft GothicNeo Light" panose="020B0300000101010101" pitchFamily="50" charset="-127"/>
-                </a:rPr>
-                <a:t>void PLCollision</a:t>
-              </a:r>
-              <a:endParaRPr sz="1000">
-                <a:solidFill>
-                  <a:schemeClr val="lt1"/>
-                </a:solidFill>
-                <a:latin typeface="Microsoft GothicNeo Light" panose="020B0300000101010101" pitchFamily="50" charset="-127"/>
-                <a:ea typeface="Microsoft GothicNeo Light" panose="020B0300000101010101" pitchFamily="50" charset="-127"/>
-                <a:cs typeface="Microsoft GothicNeo Light" panose="020B0300000101010101" pitchFamily="50" charset="-127"/>
-              </a:endParaRPr>
-            </a:p>
-          </p:txBody>
-        </p:sp>
-        <p:sp>
-          <p:nvSpPr>
-            <p:cNvPr id="266" name="Google Shape;266;p4"/>
-            <p:cNvSpPr/>
-            <p:nvPr/>
-          </p:nvSpPr>
-          <p:spPr>
-            <a:xfrm>
-              <a:off x="4339125" y="4458850"/>
-              <a:ext cx="1476600" cy="349800"/>
-            </a:xfrm>
-            <a:prstGeom prst="rect">
-              <a:avLst/>
-            </a:prstGeom>
-            <a:solidFill>
-              <a:srgbClr val="6D9EEB"/>
-            </a:solidFill>
-            <a:ln w="9525" cap="flat" cmpd="sng">
-              <a:noFill/>
-              <a:prstDash val="solid"/>
-              <a:round/>
-              <a:headEnd type="none" w="sm" len="sm"/>
-              <a:tailEnd type="none" w="sm" len="sm"/>
-            </a:ln>
-          </p:spPr>
-          <p:txBody>
-            <a:bodyPr spcFirstLastPara="1" wrap="square" lIns="91425" tIns="91425" rIns="91425" bIns="91425" anchor="ctr" anchorCtr="0">
-              <a:noAutofit/>
-            </a:bodyPr>
-            <a:lstStyle/>
-            <a:p>
-              <a:pPr marL="0" lvl="0" indent="0" algn="ctr" rtl="0">
-                <a:spcBef>
-                  <a:spcPts val="0"/>
-                </a:spcBef>
-                <a:spcAft>
-                  <a:spcPts val="0"/>
-                </a:spcAft>
-                <a:buNone/>
-              </a:pPr>
-              <a:r>
-                <a:rPr lang="ko" sz="1000">
-                  <a:solidFill>
-                    <a:schemeClr val="lt1"/>
-                  </a:solidFill>
-                  <a:latin typeface="Microsoft GothicNeo Light" panose="020B0300000101010101" pitchFamily="50" charset="-127"/>
-                  <a:ea typeface="Microsoft GothicNeo Light" panose="020B0300000101010101" pitchFamily="50" charset="-127"/>
-                  <a:cs typeface="Microsoft GothicNeo Light" panose="020B0300000101010101" pitchFamily="50" charset="-127"/>
-                </a:rPr>
-                <a:t>void PLDamaged</a:t>
-              </a:r>
-              <a:endParaRPr sz="1000">
-                <a:solidFill>
-                  <a:schemeClr val="lt1"/>
-                </a:solidFill>
-                <a:latin typeface="Microsoft GothicNeo Light" panose="020B0300000101010101" pitchFamily="50" charset="-127"/>
-                <a:ea typeface="Microsoft GothicNeo Light" panose="020B0300000101010101" pitchFamily="50" charset="-127"/>
-                <a:cs typeface="Microsoft GothicNeo Light" panose="020B0300000101010101" pitchFamily="50" charset="-127"/>
-              </a:endParaRPr>
-            </a:p>
-          </p:txBody>
-        </p:sp>
-        <p:sp>
-          <p:nvSpPr>
-            <p:cNvPr id="267" name="Google Shape;267;p4"/>
-            <p:cNvSpPr/>
-            <p:nvPr/>
-          </p:nvSpPr>
-          <p:spPr>
-            <a:xfrm>
-              <a:off x="6937250" y="3182350"/>
-              <a:ext cx="1476600" cy="349800"/>
-            </a:xfrm>
-            <a:prstGeom prst="rect">
-              <a:avLst/>
-            </a:prstGeom>
-            <a:solidFill>
-              <a:srgbClr val="6D9EEB"/>
-            </a:solidFill>
-            <a:ln w="9525" cap="flat" cmpd="sng">
-              <a:noFill/>
-              <a:prstDash val="solid"/>
-              <a:round/>
-              <a:headEnd type="none" w="sm" len="sm"/>
-              <a:tailEnd type="none" w="sm" len="sm"/>
-            </a:ln>
-          </p:spPr>
-          <p:txBody>
-            <a:bodyPr spcFirstLastPara="1" wrap="square" lIns="91425" tIns="91425" rIns="91425" bIns="91425" anchor="ctr" anchorCtr="0">
-              <a:noAutofit/>
-            </a:bodyPr>
-            <a:lstStyle/>
-            <a:p>
-              <a:pPr marL="0" lvl="0" indent="0" algn="ctr" rtl="0">
-                <a:spcBef>
-                  <a:spcPts val="0"/>
-                </a:spcBef>
-                <a:spcAft>
-                  <a:spcPts val="0"/>
-                </a:spcAft>
-                <a:buNone/>
-              </a:pPr>
-              <a:r>
-                <a:rPr lang="ko" sz="1000">
-                  <a:solidFill>
-                    <a:schemeClr val="lt1"/>
-                  </a:solidFill>
-                  <a:latin typeface="Microsoft GothicNeo Light" panose="020B0300000101010101" pitchFamily="50" charset="-127"/>
-                  <a:ea typeface="Microsoft GothicNeo Light" panose="020B0300000101010101" pitchFamily="50" charset="-127"/>
-                  <a:cs typeface="Microsoft GothicNeo Light" panose="020B0300000101010101" pitchFamily="50" charset="-127"/>
-                </a:rPr>
-                <a:t>void CreateSocket</a:t>
-              </a:r>
-              <a:endParaRPr sz="1000">
-                <a:solidFill>
-                  <a:schemeClr val="lt1"/>
-                </a:solidFill>
-                <a:latin typeface="Microsoft GothicNeo Light" panose="020B0300000101010101" pitchFamily="50" charset="-127"/>
-                <a:ea typeface="Microsoft GothicNeo Light" panose="020B0300000101010101" pitchFamily="50" charset="-127"/>
-                <a:cs typeface="Microsoft GothicNeo Light" panose="020B0300000101010101" pitchFamily="50" charset="-127"/>
-              </a:endParaRPr>
-            </a:p>
-          </p:txBody>
-        </p:sp>
-        <p:sp>
-          <p:nvSpPr>
-            <p:cNvPr id="268" name="Google Shape;268;p4"/>
-            <p:cNvSpPr/>
-            <p:nvPr/>
-          </p:nvSpPr>
-          <p:spPr>
-            <a:xfrm>
-              <a:off x="6937250" y="3607850"/>
-              <a:ext cx="1476600" cy="349800"/>
-            </a:xfrm>
-            <a:prstGeom prst="rect">
-              <a:avLst/>
-            </a:prstGeom>
-            <a:solidFill>
-              <a:srgbClr val="6D9EEB"/>
-            </a:solidFill>
-            <a:ln w="9525" cap="flat" cmpd="sng">
-              <a:noFill/>
-              <a:prstDash val="solid"/>
-              <a:round/>
-              <a:headEnd type="none" w="sm" len="sm"/>
-              <a:tailEnd type="none" w="sm" len="sm"/>
-            </a:ln>
-          </p:spPr>
-          <p:txBody>
-            <a:bodyPr spcFirstLastPara="1" wrap="square" lIns="91425" tIns="91425" rIns="91425" bIns="91425" anchor="ctr" anchorCtr="0">
-              <a:noAutofit/>
-            </a:bodyPr>
-            <a:lstStyle/>
-            <a:p>
-              <a:pPr marL="0" lvl="0" indent="0" algn="ctr" rtl="0">
-                <a:spcBef>
-                  <a:spcPts val="0"/>
-                </a:spcBef>
-                <a:spcAft>
-                  <a:spcPts val="0"/>
-                </a:spcAft>
-                <a:buNone/>
-              </a:pPr>
-              <a:r>
-                <a:rPr lang="ko" sz="1000">
-                  <a:solidFill>
-                    <a:schemeClr val="lt1"/>
-                  </a:solidFill>
-                  <a:latin typeface="Microsoft GothicNeo Light" panose="020B0300000101010101" pitchFamily="50" charset="-127"/>
-                  <a:ea typeface="Microsoft GothicNeo Light" panose="020B0300000101010101" pitchFamily="50" charset="-127"/>
-                  <a:cs typeface="Microsoft GothicNeo Light" panose="020B0300000101010101" pitchFamily="50" charset="-127"/>
-                </a:rPr>
-                <a:t>bool CLconnect</a:t>
-              </a:r>
-              <a:endParaRPr sz="1000">
-                <a:solidFill>
-                  <a:schemeClr val="lt1"/>
-                </a:solidFill>
-                <a:latin typeface="Microsoft GothicNeo Light" panose="020B0300000101010101" pitchFamily="50" charset="-127"/>
-                <a:ea typeface="Microsoft GothicNeo Light" panose="020B0300000101010101" pitchFamily="50" charset="-127"/>
-                <a:cs typeface="Microsoft GothicNeo Light" panose="020B0300000101010101" pitchFamily="50" charset="-127"/>
-              </a:endParaRPr>
-            </a:p>
-          </p:txBody>
-        </p:sp>
-        <p:sp>
-          <p:nvSpPr>
-            <p:cNvPr id="269" name="Google Shape;269;p4"/>
-            <p:cNvSpPr/>
-            <p:nvPr/>
-          </p:nvSpPr>
-          <p:spPr>
-            <a:xfrm>
-              <a:off x="8890400" y="3607850"/>
-              <a:ext cx="1476600" cy="349800"/>
-            </a:xfrm>
-            <a:prstGeom prst="rect">
-              <a:avLst/>
-            </a:prstGeom>
-            <a:solidFill>
-              <a:srgbClr val="6D9EEB"/>
-            </a:solidFill>
-            <a:ln w="9525" cap="flat" cmpd="sng">
-              <a:noFill/>
-              <a:prstDash val="solid"/>
-              <a:round/>
-              <a:headEnd type="none" w="sm" len="sm"/>
-              <a:tailEnd type="none" w="sm" len="sm"/>
-            </a:ln>
-          </p:spPr>
-          <p:txBody>
-            <a:bodyPr spcFirstLastPara="1" wrap="square" lIns="91425" tIns="91425" rIns="91425" bIns="91425" anchor="ctr" anchorCtr="0">
-              <a:noAutofit/>
-            </a:bodyPr>
-            <a:lstStyle/>
-            <a:p>
-              <a:pPr marL="0" lvl="0" indent="0" algn="ctr" rtl="0">
-                <a:spcBef>
-                  <a:spcPts val="0"/>
-                </a:spcBef>
-                <a:spcAft>
-                  <a:spcPts val="0"/>
-                </a:spcAft>
-                <a:buNone/>
-              </a:pPr>
-              <a:r>
-                <a:rPr lang="ko" sz="1000">
-                  <a:solidFill>
-                    <a:schemeClr val="lt1"/>
-                  </a:solidFill>
-                  <a:latin typeface="Microsoft GothicNeo Light" panose="020B0300000101010101" pitchFamily="50" charset="-127"/>
-                  <a:ea typeface="Microsoft GothicNeo Light" panose="020B0300000101010101" pitchFamily="50" charset="-127"/>
-                  <a:cs typeface="Microsoft GothicNeo Light" panose="020B0300000101010101" pitchFamily="50" charset="-127"/>
-                </a:rPr>
-                <a:t>void CLSendData</a:t>
-              </a:r>
-              <a:endParaRPr sz="1000">
-                <a:solidFill>
-                  <a:schemeClr val="lt1"/>
-                </a:solidFill>
-                <a:latin typeface="Microsoft GothicNeo Light" panose="020B0300000101010101" pitchFamily="50" charset="-127"/>
-                <a:ea typeface="Microsoft GothicNeo Light" panose="020B0300000101010101" pitchFamily="50" charset="-127"/>
-                <a:cs typeface="Microsoft GothicNeo Light" panose="020B0300000101010101" pitchFamily="50" charset="-127"/>
-              </a:endParaRPr>
-            </a:p>
-          </p:txBody>
-        </p:sp>
-        <p:sp>
-          <p:nvSpPr>
-            <p:cNvPr id="270" name="Google Shape;270;p4"/>
-            <p:cNvSpPr/>
-            <p:nvPr/>
-          </p:nvSpPr>
-          <p:spPr>
-            <a:xfrm>
-              <a:off x="8890400" y="4033350"/>
-              <a:ext cx="1476600" cy="349800"/>
-            </a:xfrm>
-            <a:prstGeom prst="rect">
-              <a:avLst/>
-            </a:prstGeom>
-            <a:solidFill>
-              <a:srgbClr val="6D9EEB"/>
-            </a:solidFill>
-            <a:ln w="9525" cap="flat" cmpd="sng">
-              <a:noFill/>
-              <a:prstDash val="solid"/>
-              <a:round/>
-              <a:headEnd type="none" w="sm" len="sm"/>
-              <a:tailEnd type="none" w="sm" len="sm"/>
-            </a:ln>
-          </p:spPr>
-          <p:txBody>
-            <a:bodyPr spcFirstLastPara="1" wrap="square" lIns="91425" tIns="91425" rIns="91425" bIns="91425" anchor="ctr" anchorCtr="0">
-              <a:noAutofit/>
-            </a:bodyPr>
-            <a:lstStyle/>
-            <a:p>
-              <a:pPr marL="0" lvl="0" indent="0" algn="ctr" rtl="0">
-                <a:spcBef>
-                  <a:spcPts val="0"/>
-                </a:spcBef>
-                <a:spcAft>
-                  <a:spcPts val="0"/>
-                </a:spcAft>
-                <a:buNone/>
-              </a:pPr>
-              <a:r>
-                <a:rPr lang="ko" sz="1000">
-                  <a:solidFill>
-                    <a:schemeClr val="lt1"/>
-                  </a:solidFill>
-                  <a:latin typeface="Microsoft GothicNeo Light" panose="020B0300000101010101" pitchFamily="50" charset="-127"/>
-                  <a:ea typeface="Microsoft GothicNeo Light" panose="020B0300000101010101" pitchFamily="50" charset="-127"/>
-                  <a:cs typeface="Microsoft GothicNeo Light" panose="020B0300000101010101" pitchFamily="50" charset="-127"/>
-                </a:rPr>
-                <a:t>void CLLobbySend</a:t>
-              </a:r>
-              <a:endParaRPr sz="1000">
-                <a:solidFill>
-                  <a:schemeClr val="lt1"/>
-                </a:solidFill>
-                <a:latin typeface="Microsoft GothicNeo Light" panose="020B0300000101010101" pitchFamily="50" charset="-127"/>
-                <a:ea typeface="Microsoft GothicNeo Light" panose="020B0300000101010101" pitchFamily="50" charset="-127"/>
-                <a:cs typeface="Microsoft GothicNeo Light" panose="020B0300000101010101" pitchFamily="50" charset="-127"/>
-              </a:endParaRPr>
-            </a:p>
-          </p:txBody>
-        </p:sp>
-        <p:sp>
-          <p:nvSpPr>
-            <p:cNvPr id="271" name="Google Shape;271;p4"/>
-            <p:cNvSpPr/>
-            <p:nvPr/>
-          </p:nvSpPr>
-          <p:spPr>
-            <a:xfrm>
-              <a:off x="8890400" y="3182350"/>
-              <a:ext cx="1476600" cy="349800"/>
-            </a:xfrm>
-            <a:prstGeom prst="rect">
-              <a:avLst/>
-            </a:prstGeom>
-            <a:solidFill>
-              <a:srgbClr val="6D9EEB"/>
-            </a:solidFill>
-            <a:ln w="9525" cap="flat" cmpd="sng">
-              <a:noFill/>
-              <a:prstDash val="solid"/>
-              <a:round/>
-              <a:headEnd type="none" w="sm" len="sm"/>
-              <a:tailEnd type="none" w="sm" len="sm"/>
-            </a:ln>
-          </p:spPr>
-          <p:txBody>
-            <a:bodyPr spcFirstLastPara="1" wrap="square" lIns="91425" tIns="91425" rIns="91425" bIns="91425" anchor="ctr" anchorCtr="0">
-              <a:noAutofit/>
-            </a:bodyPr>
-            <a:lstStyle/>
-            <a:p>
-              <a:pPr marL="0" lvl="0" indent="0" algn="ctr" rtl="0">
-                <a:spcBef>
-                  <a:spcPts val="0"/>
-                </a:spcBef>
-                <a:spcAft>
-                  <a:spcPts val="0"/>
-                </a:spcAft>
-                <a:buNone/>
-              </a:pPr>
-              <a:r>
-                <a:rPr lang="ko" sz="1000">
-                  <a:solidFill>
-                    <a:schemeClr val="lt1"/>
-                  </a:solidFill>
-                  <a:latin typeface="Microsoft GothicNeo Light" panose="020B0300000101010101" pitchFamily="50" charset="-127"/>
-                  <a:ea typeface="Microsoft GothicNeo Light" panose="020B0300000101010101" pitchFamily="50" charset="-127"/>
-                  <a:cs typeface="Microsoft GothicNeo Light" panose="020B0300000101010101" pitchFamily="50" charset="-127"/>
-                </a:rPr>
-                <a:t>void SendKeyInfo</a:t>
-              </a:r>
-              <a:endParaRPr sz="1000">
-                <a:solidFill>
-                  <a:schemeClr val="lt1"/>
-                </a:solidFill>
-                <a:latin typeface="Microsoft GothicNeo Light" panose="020B0300000101010101" pitchFamily="50" charset="-127"/>
-                <a:ea typeface="Microsoft GothicNeo Light" panose="020B0300000101010101" pitchFamily="50" charset="-127"/>
-                <a:cs typeface="Microsoft GothicNeo Light" panose="020B0300000101010101" pitchFamily="50" charset="-127"/>
-              </a:endParaRPr>
-            </a:p>
-          </p:txBody>
-        </p:sp>
-        <p:sp>
-          <p:nvSpPr>
-            <p:cNvPr id="272" name="Google Shape;272;p4"/>
-            <p:cNvSpPr/>
-            <p:nvPr/>
-          </p:nvSpPr>
-          <p:spPr>
-            <a:xfrm>
-              <a:off x="8890400" y="6176722"/>
-              <a:ext cx="1476600" cy="349800"/>
-            </a:xfrm>
-            <a:prstGeom prst="rect">
-              <a:avLst/>
-            </a:prstGeom>
-            <a:solidFill>
-              <a:srgbClr val="6D9EEB"/>
-            </a:solidFill>
-            <a:ln w="9525" cap="flat" cmpd="sng">
-              <a:noFill/>
-              <a:prstDash val="solid"/>
-              <a:round/>
-              <a:headEnd type="none" w="sm" len="sm"/>
-              <a:tailEnd type="none" w="sm" len="sm"/>
-            </a:ln>
-          </p:spPr>
-          <p:txBody>
-            <a:bodyPr spcFirstLastPara="1" wrap="square" lIns="91425" tIns="91425" rIns="91425" bIns="91425" anchor="ctr" anchorCtr="0">
-              <a:noAutofit/>
-            </a:bodyPr>
-            <a:lstStyle/>
-            <a:p>
-              <a:pPr marL="0" lvl="0" indent="0" algn="ctr" rtl="0">
-                <a:spcBef>
-                  <a:spcPts val="0"/>
-                </a:spcBef>
-                <a:spcAft>
-                  <a:spcPts val="0"/>
-                </a:spcAft>
-                <a:buNone/>
-              </a:pPr>
-              <a:r>
-                <a:rPr lang="ko" sz="1000" dirty="0">
-                  <a:solidFill>
-                    <a:schemeClr val="lt1"/>
-                  </a:solidFill>
-                  <a:latin typeface="Microsoft GothicNeo Light" panose="020B0300000101010101" pitchFamily="50" charset="-127"/>
-                  <a:ea typeface="Microsoft GothicNeo Light" panose="020B0300000101010101" pitchFamily="50" charset="-127"/>
-                  <a:cs typeface="Microsoft GothicNeo Light" panose="020B0300000101010101" pitchFamily="50" charset="-127"/>
-                </a:rPr>
-                <a:t>void Recv</a:t>
-              </a:r>
-              <a:endParaRPr sz="1000" dirty="0">
-                <a:solidFill>
-                  <a:schemeClr val="lt1"/>
-                </a:solidFill>
-                <a:latin typeface="Microsoft GothicNeo Light" panose="020B0300000101010101" pitchFamily="50" charset="-127"/>
-                <a:ea typeface="Microsoft GothicNeo Light" panose="020B0300000101010101" pitchFamily="50" charset="-127"/>
-                <a:cs typeface="Microsoft GothicNeo Light" panose="020B0300000101010101" pitchFamily="50" charset="-127"/>
-              </a:endParaRPr>
-            </a:p>
-          </p:txBody>
-        </p:sp>
-        <p:sp>
-          <p:nvSpPr>
-            <p:cNvPr id="273" name="Google Shape;273;p4"/>
-            <p:cNvSpPr/>
-            <p:nvPr/>
-          </p:nvSpPr>
-          <p:spPr>
-            <a:xfrm>
-              <a:off x="10843550" y="3182350"/>
-              <a:ext cx="1476600" cy="349800"/>
-            </a:xfrm>
-            <a:prstGeom prst="rect">
-              <a:avLst/>
-            </a:prstGeom>
-            <a:solidFill>
-              <a:srgbClr val="6D9EEB"/>
-            </a:solidFill>
-            <a:ln w="9525" cap="flat" cmpd="sng">
-              <a:noFill/>
-              <a:prstDash val="solid"/>
-              <a:round/>
-              <a:headEnd type="none" w="sm" len="sm"/>
-              <a:tailEnd type="none" w="sm" len="sm"/>
-            </a:ln>
-          </p:spPr>
-          <p:txBody>
-            <a:bodyPr spcFirstLastPara="1" wrap="square" lIns="91425" tIns="91425" rIns="91425" bIns="91425" anchor="ctr" anchorCtr="0">
-              <a:noAutofit/>
-            </a:bodyPr>
-            <a:lstStyle/>
-            <a:p>
-              <a:pPr marL="0" lvl="0" indent="0" algn="ctr" rtl="0">
-                <a:spcBef>
-                  <a:spcPts val="0"/>
-                </a:spcBef>
-                <a:spcAft>
-                  <a:spcPts val="0"/>
-                </a:spcAft>
-                <a:buNone/>
-              </a:pPr>
-              <a:r>
-                <a:rPr lang="ko" sz="1000">
-                  <a:solidFill>
-                    <a:schemeClr val="lt1"/>
-                  </a:solidFill>
-                  <a:latin typeface="Microsoft GothicNeo Light" panose="020B0300000101010101" pitchFamily="50" charset="-127"/>
-                  <a:ea typeface="Microsoft GothicNeo Light" panose="020B0300000101010101" pitchFamily="50" charset="-127"/>
-                  <a:cs typeface="Microsoft GothicNeo Light" panose="020B0300000101010101" pitchFamily="50" charset="-127"/>
-                </a:rPr>
-                <a:t>void UpdatePL</a:t>
-              </a:r>
-              <a:endParaRPr sz="1000">
-                <a:solidFill>
-                  <a:schemeClr val="lt1"/>
-                </a:solidFill>
-                <a:latin typeface="Microsoft GothicNeo Light" panose="020B0300000101010101" pitchFamily="50" charset="-127"/>
-                <a:ea typeface="Microsoft GothicNeo Light" panose="020B0300000101010101" pitchFamily="50" charset="-127"/>
-                <a:cs typeface="Microsoft GothicNeo Light" panose="020B0300000101010101" pitchFamily="50" charset="-127"/>
-              </a:endParaRPr>
-            </a:p>
-          </p:txBody>
-        </p:sp>
-        <p:sp>
-          <p:nvSpPr>
-            <p:cNvPr id="274" name="Google Shape;274;p4"/>
-            <p:cNvSpPr/>
-            <p:nvPr/>
-          </p:nvSpPr>
-          <p:spPr>
-            <a:xfrm>
-              <a:off x="10843550" y="3607850"/>
-              <a:ext cx="1476600" cy="349800"/>
-            </a:xfrm>
-            <a:prstGeom prst="rect">
-              <a:avLst/>
-            </a:prstGeom>
-            <a:solidFill>
-              <a:srgbClr val="6D9EEB"/>
-            </a:solidFill>
-            <a:ln w="9525" cap="flat" cmpd="sng">
-              <a:noFill/>
-              <a:prstDash val="solid"/>
-              <a:round/>
-              <a:headEnd type="none" w="sm" len="sm"/>
-              <a:tailEnd type="none" w="sm" len="sm"/>
-            </a:ln>
-          </p:spPr>
-          <p:txBody>
-            <a:bodyPr spcFirstLastPara="1" wrap="square" lIns="91425" tIns="91425" rIns="91425" bIns="91425" anchor="ctr" anchorCtr="0">
-              <a:noAutofit/>
-            </a:bodyPr>
-            <a:lstStyle/>
-            <a:p>
-              <a:pPr marL="0" lvl="0" indent="0" algn="ctr" rtl="0">
-                <a:spcBef>
-                  <a:spcPts val="0"/>
-                </a:spcBef>
-                <a:spcAft>
-                  <a:spcPts val="0"/>
-                </a:spcAft>
-                <a:buNone/>
-              </a:pPr>
-              <a:r>
-                <a:rPr lang="ko" sz="1000">
-                  <a:solidFill>
-                    <a:schemeClr val="lt1"/>
-                  </a:solidFill>
-                  <a:latin typeface="Microsoft GothicNeo Light" panose="020B0300000101010101" pitchFamily="50" charset="-127"/>
-                  <a:ea typeface="Microsoft GothicNeo Light" panose="020B0300000101010101" pitchFamily="50" charset="-127"/>
-                  <a:cs typeface="Microsoft GothicNeo Light" panose="020B0300000101010101" pitchFamily="50" charset="-127"/>
-                </a:rPr>
-                <a:t>void UpdateScene</a:t>
-              </a:r>
-              <a:endParaRPr sz="1000">
-                <a:solidFill>
-                  <a:schemeClr val="lt1"/>
-                </a:solidFill>
-                <a:latin typeface="Microsoft GothicNeo Light" panose="020B0300000101010101" pitchFamily="50" charset="-127"/>
-                <a:ea typeface="Microsoft GothicNeo Light" panose="020B0300000101010101" pitchFamily="50" charset="-127"/>
-                <a:cs typeface="Microsoft GothicNeo Light" panose="020B0300000101010101" pitchFamily="50" charset="-127"/>
-              </a:endParaRPr>
-            </a:p>
-          </p:txBody>
-        </p:sp>
-        <p:sp>
-          <p:nvSpPr>
-            <p:cNvPr id="275" name="Google Shape;275;p4"/>
-            <p:cNvSpPr txBox="1"/>
-            <p:nvPr/>
-          </p:nvSpPr>
-          <p:spPr>
-            <a:xfrm>
-              <a:off x="704175" y="2466425"/>
-              <a:ext cx="972900" cy="369300"/>
-            </a:xfrm>
-            <a:prstGeom prst="rect">
-              <a:avLst/>
-            </a:prstGeom>
-            <a:noFill/>
-            <a:ln>
-              <a:noFill/>
-            </a:ln>
-          </p:spPr>
-          <p:txBody>
-            <a:bodyPr spcFirstLastPara="1" wrap="square" lIns="91425" tIns="91425" rIns="91425" bIns="91425" anchor="ctr" anchorCtr="0">
-              <a:noAutofit/>
-            </a:bodyPr>
-            <a:lstStyle/>
-            <a:p>
-              <a:pPr marL="0" lvl="0" indent="0" algn="ctr" rtl="0">
-                <a:spcBef>
-                  <a:spcPts val="0"/>
-                </a:spcBef>
-                <a:spcAft>
-                  <a:spcPts val="0"/>
-                </a:spcAft>
-                <a:buNone/>
-              </a:pPr>
-              <a:r>
-                <a:rPr lang="ko" sz="1000">
-                  <a:latin typeface="Microsoft GothicNeo Light" panose="020B0300000101010101" pitchFamily="50" charset="-127"/>
-                  <a:ea typeface="Microsoft GothicNeo Light" panose="020B0300000101010101" pitchFamily="50" charset="-127"/>
-                  <a:cs typeface="Microsoft GothicNeo Light" panose="020B0300000101010101" pitchFamily="50" charset="-127"/>
-                </a:rPr>
-                <a:t>Game Setting</a:t>
-              </a:r>
-              <a:endParaRPr sz="1000">
-                <a:latin typeface="Microsoft GothicNeo Light" panose="020B0300000101010101" pitchFamily="50" charset="-127"/>
-                <a:ea typeface="Microsoft GothicNeo Light" panose="020B0300000101010101" pitchFamily="50" charset="-127"/>
-                <a:cs typeface="Microsoft GothicNeo Light" panose="020B0300000101010101" pitchFamily="50" charset="-127"/>
-              </a:endParaRPr>
-            </a:p>
-          </p:txBody>
-        </p:sp>
-        <p:sp>
-          <p:nvSpPr>
-            <p:cNvPr id="276" name="Google Shape;276;p4"/>
-            <p:cNvSpPr txBox="1"/>
-            <p:nvPr/>
-          </p:nvSpPr>
-          <p:spPr>
-            <a:xfrm>
-              <a:off x="4509675" y="2466425"/>
-              <a:ext cx="1135500" cy="369300"/>
-            </a:xfrm>
-            <a:prstGeom prst="rect">
-              <a:avLst/>
-            </a:prstGeom>
-            <a:noFill/>
-            <a:ln>
-              <a:noFill/>
-            </a:ln>
-          </p:spPr>
-          <p:txBody>
-            <a:bodyPr spcFirstLastPara="1" wrap="square" lIns="91425" tIns="91425" rIns="91425" bIns="91425" anchor="ctr" anchorCtr="0">
-              <a:noAutofit/>
-            </a:bodyPr>
-            <a:lstStyle/>
-            <a:p>
-              <a:pPr marL="0" lvl="0" indent="0" algn="ctr" rtl="0">
-                <a:spcBef>
-                  <a:spcPts val="0"/>
-                </a:spcBef>
-                <a:spcAft>
-                  <a:spcPts val="0"/>
-                </a:spcAft>
-                <a:buNone/>
-              </a:pPr>
-              <a:r>
-                <a:rPr lang="ko" sz="1000" dirty="0">
-                  <a:latin typeface="Microsoft GothicNeo Light" panose="020B0300000101010101" pitchFamily="50" charset="-127"/>
-                  <a:ea typeface="Microsoft GothicNeo Light" panose="020B0300000101010101" pitchFamily="50" charset="-127"/>
-                  <a:cs typeface="Microsoft GothicNeo Light" panose="020B0300000101010101" pitchFamily="50" charset="-127"/>
-                </a:rPr>
-                <a:t>Game Update</a:t>
-              </a:r>
-              <a:endParaRPr sz="1000" dirty="0">
-                <a:latin typeface="Microsoft GothicNeo Light" panose="020B0300000101010101" pitchFamily="50" charset="-127"/>
-                <a:ea typeface="Microsoft GothicNeo Light" panose="020B0300000101010101" pitchFamily="50" charset="-127"/>
-                <a:cs typeface="Microsoft GothicNeo Light" panose="020B0300000101010101" pitchFamily="50" charset="-127"/>
-              </a:endParaRPr>
-            </a:p>
-          </p:txBody>
-        </p:sp>
-        <p:sp>
-          <p:nvSpPr>
-            <p:cNvPr id="277" name="Google Shape;277;p4"/>
-            <p:cNvSpPr txBox="1"/>
-            <p:nvPr/>
-          </p:nvSpPr>
-          <p:spPr>
-            <a:xfrm>
-              <a:off x="2566275" y="2466425"/>
-              <a:ext cx="1135500" cy="369300"/>
-            </a:xfrm>
-            <a:prstGeom prst="rect">
-              <a:avLst/>
-            </a:prstGeom>
-            <a:noFill/>
-            <a:ln>
-              <a:noFill/>
-            </a:ln>
-          </p:spPr>
-          <p:txBody>
-            <a:bodyPr spcFirstLastPara="1" wrap="square" lIns="91425" tIns="91425" rIns="91425" bIns="91425" anchor="ctr" anchorCtr="0">
-              <a:noAutofit/>
-            </a:bodyPr>
-            <a:lstStyle/>
-            <a:p>
-              <a:pPr marL="0" lvl="0" indent="0" algn="ctr" rtl="0">
-                <a:spcBef>
-                  <a:spcPts val="0"/>
-                </a:spcBef>
-                <a:spcAft>
-                  <a:spcPts val="0"/>
-                </a:spcAft>
-                <a:buNone/>
-              </a:pPr>
-              <a:r>
-                <a:rPr lang="ko" sz="1000">
-                  <a:latin typeface="Microsoft GothicNeo Light" panose="020B0300000101010101" pitchFamily="50" charset="-127"/>
-                  <a:ea typeface="Microsoft GothicNeo Light" panose="020B0300000101010101" pitchFamily="50" charset="-127"/>
-                  <a:cs typeface="Microsoft GothicNeo Light" panose="020B0300000101010101" pitchFamily="50" charset="-127"/>
-                </a:rPr>
-                <a:t>Send Data</a:t>
-              </a:r>
-              <a:endParaRPr sz="1000">
-                <a:latin typeface="Microsoft GothicNeo Light" panose="020B0300000101010101" pitchFamily="50" charset="-127"/>
-                <a:ea typeface="Microsoft GothicNeo Light" panose="020B0300000101010101" pitchFamily="50" charset="-127"/>
-                <a:cs typeface="Microsoft GothicNeo Light" panose="020B0300000101010101" pitchFamily="50" charset="-127"/>
-              </a:endParaRPr>
-            </a:p>
-          </p:txBody>
-        </p:sp>
-        <p:sp>
-          <p:nvSpPr>
-            <p:cNvPr id="278" name="Google Shape;278;p4"/>
-            <p:cNvSpPr txBox="1"/>
-            <p:nvPr/>
-          </p:nvSpPr>
-          <p:spPr>
-            <a:xfrm>
-              <a:off x="7189100" y="2466425"/>
-              <a:ext cx="972900" cy="369300"/>
-            </a:xfrm>
-            <a:prstGeom prst="rect">
-              <a:avLst/>
-            </a:prstGeom>
-            <a:noFill/>
-            <a:ln>
-              <a:noFill/>
-            </a:ln>
-          </p:spPr>
-          <p:txBody>
-            <a:bodyPr spcFirstLastPara="1" wrap="square" lIns="91425" tIns="91425" rIns="91425" bIns="91425" anchor="ctr" anchorCtr="0">
-              <a:noAutofit/>
-            </a:bodyPr>
-            <a:lstStyle/>
-            <a:p>
-              <a:pPr marL="0" lvl="0" indent="0" algn="ctr" rtl="0">
-                <a:spcBef>
-                  <a:spcPts val="0"/>
-                </a:spcBef>
-                <a:spcAft>
-                  <a:spcPts val="0"/>
-                </a:spcAft>
-                <a:buNone/>
-              </a:pPr>
-              <a:r>
-                <a:rPr lang="ko" sz="1000">
-                  <a:latin typeface="Microsoft GothicNeo Light" panose="020B0300000101010101" pitchFamily="50" charset="-127"/>
-                  <a:ea typeface="Microsoft GothicNeo Light" panose="020B0300000101010101" pitchFamily="50" charset="-127"/>
-                  <a:cs typeface="Microsoft GothicNeo Light" panose="020B0300000101010101" pitchFamily="50" charset="-127"/>
-                </a:rPr>
-                <a:t>Game Setting</a:t>
-              </a:r>
-              <a:endParaRPr sz="1000">
-                <a:latin typeface="Microsoft GothicNeo Light" panose="020B0300000101010101" pitchFamily="50" charset="-127"/>
-                <a:ea typeface="Microsoft GothicNeo Light" panose="020B0300000101010101" pitchFamily="50" charset="-127"/>
-                <a:cs typeface="Microsoft GothicNeo Light" panose="020B0300000101010101" pitchFamily="50" charset="-127"/>
-              </a:endParaRPr>
-            </a:p>
-          </p:txBody>
-        </p:sp>
-        <p:sp>
-          <p:nvSpPr>
-            <p:cNvPr id="279" name="Google Shape;279;p4"/>
-            <p:cNvSpPr txBox="1"/>
-            <p:nvPr/>
-          </p:nvSpPr>
-          <p:spPr>
-            <a:xfrm>
-              <a:off x="9142250" y="2466425"/>
-              <a:ext cx="972900" cy="369300"/>
-            </a:xfrm>
-            <a:prstGeom prst="rect">
-              <a:avLst/>
-            </a:prstGeom>
-            <a:noFill/>
-            <a:ln>
-              <a:noFill/>
-            </a:ln>
-          </p:spPr>
-          <p:txBody>
-            <a:bodyPr spcFirstLastPara="1" wrap="square" lIns="91425" tIns="91425" rIns="91425" bIns="91425" anchor="ctr" anchorCtr="0">
-              <a:noAutofit/>
-            </a:bodyPr>
-            <a:lstStyle/>
-            <a:p>
-              <a:pPr marL="0" lvl="0" indent="0" algn="ctr" rtl="0">
-                <a:spcBef>
-                  <a:spcPts val="0"/>
-                </a:spcBef>
-                <a:spcAft>
-                  <a:spcPts val="0"/>
-                </a:spcAft>
-                <a:buNone/>
-              </a:pPr>
-              <a:r>
-                <a:rPr lang="ko" sz="1000">
-                  <a:latin typeface="Microsoft GothicNeo Light" panose="020B0300000101010101" pitchFamily="50" charset="-127"/>
-                  <a:ea typeface="Microsoft GothicNeo Light" panose="020B0300000101010101" pitchFamily="50" charset="-127"/>
-                  <a:cs typeface="Microsoft GothicNeo Light" panose="020B0300000101010101" pitchFamily="50" charset="-127"/>
-                </a:rPr>
-                <a:t>Send Data</a:t>
-              </a:r>
-              <a:endParaRPr sz="1000">
-                <a:latin typeface="Microsoft GothicNeo Light" panose="020B0300000101010101" pitchFamily="50" charset="-127"/>
-                <a:ea typeface="Microsoft GothicNeo Light" panose="020B0300000101010101" pitchFamily="50" charset="-127"/>
-                <a:cs typeface="Microsoft GothicNeo Light" panose="020B0300000101010101" pitchFamily="50" charset="-127"/>
-              </a:endParaRPr>
-            </a:p>
-          </p:txBody>
-        </p:sp>
-        <p:sp>
-          <p:nvSpPr>
-            <p:cNvPr id="280" name="Google Shape;280;p4"/>
-            <p:cNvSpPr txBox="1"/>
-            <p:nvPr/>
-          </p:nvSpPr>
-          <p:spPr>
-            <a:xfrm>
-              <a:off x="11014100" y="2466425"/>
-              <a:ext cx="1135500" cy="369300"/>
-            </a:xfrm>
-            <a:prstGeom prst="rect">
-              <a:avLst/>
-            </a:prstGeom>
-            <a:noFill/>
-            <a:ln>
-              <a:noFill/>
-            </a:ln>
-          </p:spPr>
-          <p:txBody>
-            <a:bodyPr spcFirstLastPara="1" wrap="square" lIns="91425" tIns="91425" rIns="91425" bIns="91425" anchor="ctr" anchorCtr="0">
-              <a:noAutofit/>
-            </a:bodyPr>
-            <a:lstStyle/>
-            <a:p>
-              <a:pPr marL="0" lvl="0" indent="0" algn="ctr" rtl="0">
-                <a:spcBef>
-                  <a:spcPts val="0"/>
-                </a:spcBef>
-                <a:spcAft>
-                  <a:spcPts val="0"/>
-                </a:spcAft>
-                <a:buNone/>
-              </a:pPr>
-              <a:r>
-                <a:rPr lang="ko" sz="1000">
-                  <a:latin typeface="Microsoft GothicNeo Light" panose="020B0300000101010101" pitchFamily="50" charset="-127"/>
-                  <a:ea typeface="Microsoft GothicNeo Light" panose="020B0300000101010101" pitchFamily="50" charset="-127"/>
-                  <a:cs typeface="Microsoft GothicNeo Light" panose="020B0300000101010101" pitchFamily="50" charset="-127"/>
-                </a:rPr>
-                <a:t>Game Update</a:t>
-              </a:r>
-              <a:endParaRPr sz="1000">
-                <a:latin typeface="Microsoft GothicNeo Light" panose="020B0300000101010101" pitchFamily="50" charset="-127"/>
-                <a:ea typeface="Microsoft GothicNeo Light" panose="020B0300000101010101" pitchFamily="50" charset="-127"/>
-                <a:cs typeface="Microsoft GothicNeo Light" panose="020B0300000101010101" pitchFamily="50" charset="-127"/>
-              </a:endParaRPr>
-            </a:p>
-          </p:txBody>
-        </p:sp>
-        <p:sp>
-          <p:nvSpPr>
-            <p:cNvPr id="2" name="Google Shape;272;p4">
-              <a:extLst>
-                <a:ext uri="{FF2B5EF4-FFF2-40B4-BE49-F238E27FC236}">
-                  <a16:creationId xmlns:a16="http://schemas.microsoft.com/office/drawing/2014/main" id="{9D6DDFDF-190A-91D2-5315-17CAA6B763F5}"/>
-                </a:ext>
-              </a:extLst>
-            </p:cNvPr>
-            <p:cNvSpPr/>
-            <p:nvPr/>
-          </p:nvSpPr>
-          <p:spPr>
-            <a:xfrm>
-              <a:off x="495701" y="6176722"/>
-              <a:ext cx="949348" cy="349800"/>
-            </a:xfrm>
-            <a:prstGeom prst="rect">
-              <a:avLst/>
-            </a:prstGeom>
-            <a:solidFill>
-              <a:srgbClr val="6D9EEB"/>
-            </a:solidFill>
-            <a:ln w="9525" cap="flat" cmpd="sng">
-              <a:noFill/>
-              <a:prstDash val="solid"/>
-              <a:round/>
-              <a:headEnd type="none" w="sm" len="sm"/>
-              <a:tailEnd type="none" w="sm" len="sm"/>
-            </a:ln>
-          </p:spPr>
-          <p:txBody>
-            <a:bodyPr spcFirstLastPara="1" wrap="square" lIns="91425" tIns="91425" rIns="91425" bIns="91425" anchor="ctr" anchorCtr="0">
-              <a:noAutofit/>
-            </a:bodyPr>
-            <a:lstStyle/>
-            <a:p>
-              <a:pPr marL="0" lvl="0" indent="0" algn="ctr" rtl="0">
-                <a:spcBef>
-                  <a:spcPts val="0"/>
-                </a:spcBef>
-                <a:spcAft>
-                  <a:spcPts val="0"/>
-                </a:spcAft>
-                <a:buNone/>
-              </a:pPr>
-              <a:r>
-                <a:rPr lang="ko" sz="1000" dirty="0">
-                  <a:solidFill>
-                    <a:schemeClr val="lt1"/>
-                  </a:solidFill>
-                  <a:latin typeface="Microsoft GothicNeo Light" panose="020B0300000101010101" pitchFamily="50" charset="-127"/>
-                  <a:ea typeface="Microsoft GothicNeo Light" panose="020B0300000101010101" pitchFamily="50" charset="-127"/>
-                  <a:cs typeface="Microsoft GothicNeo Light" panose="020B0300000101010101" pitchFamily="50" charset="-127"/>
-                </a:rPr>
-                <a:t>void Recv</a:t>
-              </a:r>
-              <a:endParaRPr sz="1000" dirty="0">
-                <a:solidFill>
-                  <a:schemeClr val="lt1"/>
-                </a:solidFill>
-                <a:latin typeface="Microsoft GothicNeo Light" panose="020B0300000101010101" pitchFamily="50" charset="-127"/>
-                <a:ea typeface="Microsoft GothicNeo Light" panose="020B0300000101010101" pitchFamily="50" charset="-127"/>
-                <a:cs typeface="Microsoft GothicNeo Light" panose="020B0300000101010101" pitchFamily="50" charset="-127"/>
-              </a:endParaRPr>
-            </a:p>
-          </p:txBody>
-        </p:sp>
-        <p:sp>
-          <p:nvSpPr>
-            <p:cNvPr id="3" name="Google Shape;272;p4">
-              <a:extLst>
-                <a:ext uri="{FF2B5EF4-FFF2-40B4-BE49-F238E27FC236}">
-                  <a16:creationId xmlns:a16="http://schemas.microsoft.com/office/drawing/2014/main" id="{5BB5CB8E-4B0B-7048-2CB8-C2316B99DB05}"/>
-                </a:ext>
-              </a:extLst>
-            </p:cNvPr>
-            <p:cNvSpPr/>
-            <p:nvPr/>
-          </p:nvSpPr>
-          <p:spPr>
-            <a:xfrm>
-              <a:off x="1921051" y="6176722"/>
-              <a:ext cx="949348" cy="349800"/>
-            </a:xfrm>
-            <a:prstGeom prst="rect">
-              <a:avLst/>
-            </a:prstGeom>
-            <a:solidFill>
-              <a:srgbClr val="6D9EEB"/>
-            </a:solidFill>
-            <a:ln w="9525" cap="flat" cmpd="sng">
-              <a:noFill/>
-              <a:prstDash val="solid"/>
-              <a:round/>
-              <a:headEnd type="none" w="sm" len="sm"/>
-              <a:tailEnd type="none" w="sm" len="sm"/>
-            </a:ln>
-          </p:spPr>
-          <p:txBody>
-            <a:bodyPr spcFirstLastPara="1" wrap="square" lIns="91425" tIns="91425" rIns="91425" bIns="91425" anchor="ctr" anchorCtr="0">
-              <a:noAutofit/>
-            </a:bodyPr>
-            <a:lstStyle/>
-            <a:p>
-              <a:pPr marL="0" lvl="0" indent="0" algn="ctr" rtl="0">
-                <a:spcBef>
-                  <a:spcPts val="0"/>
-                </a:spcBef>
-                <a:spcAft>
-                  <a:spcPts val="0"/>
-                </a:spcAft>
-                <a:buNone/>
-              </a:pPr>
-              <a:r>
-                <a:rPr lang="ko" sz="1000" dirty="0">
-                  <a:solidFill>
-                    <a:schemeClr val="lt1"/>
-                  </a:solidFill>
-                  <a:latin typeface="Microsoft GothicNeo Light" panose="020B0300000101010101" pitchFamily="50" charset="-127"/>
-                  <a:ea typeface="Microsoft GothicNeo Light" panose="020B0300000101010101" pitchFamily="50" charset="-127"/>
-                  <a:cs typeface="Microsoft GothicNeo Light" panose="020B0300000101010101" pitchFamily="50" charset="-127"/>
-                </a:rPr>
-                <a:t>void Recv</a:t>
-              </a:r>
-              <a:endParaRPr sz="1000" dirty="0">
-                <a:solidFill>
-                  <a:schemeClr val="lt1"/>
-                </a:solidFill>
-                <a:latin typeface="Microsoft GothicNeo Light" panose="020B0300000101010101" pitchFamily="50" charset="-127"/>
-                <a:ea typeface="Microsoft GothicNeo Light" panose="020B0300000101010101" pitchFamily="50" charset="-127"/>
-                <a:cs typeface="Microsoft GothicNeo Light" panose="020B0300000101010101" pitchFamily="50" charset="-127"/>
-              </a:endParaRPr>
-            </a:p>
-          </p:txBody>
-        </p:sp>
-        <p:sp>
-          <p:nvSpPr>
-            <p:cNvPr id="4" name="Google Shape;272;p4">
-              <a:extLst>
-                <a:ext uri="{FF2B5EF4-FFF2-40B4-BE49-F238E27FC236}">
-                  <a16:creationId xmlns:a16="http://schemas.microsoft.com/office/drawing/2014/main" id="{8A17655E-2E3E-27A4-830D-91731608E320}"/>
-                </a:ext>
-              </a:extLst>
-            </p:cNvPr>
-            <p:cNvSpPr/>
-            <p:nvPr/>
-          </p:nvSpPr>
-          <p:spPr>
-            <a:xfrm>
-              <a:off x="3397336" y="6190611"/>
-              <a:ext cx="949348" cy="349800"/>
-            </a:xfrm>
-            <a:prstGeom prst="rect">
-              <a:avLst/>
-            </a:prstGeom>
-            <a:solidFill>
-              <a:srgbClr val="6D9EEB"/>
-            </a:solidFill>
-            <a:ln w="9525" cap="flat" cmpd="sng">
-              <a:noFill/>
-              <a:prstDash val="solid"/>
-              <a:round/>
-              <a:headEnd type="none" w="sm" len="sm"/>
-              <a:tailEnd type="none" w="sm" len="sm"/>
-            </a:ln>
-          </p:spPr>
-          <p:txBody>
-            <a:bodyPr spcFirstLastPara="1" wrap="square" lIns="91425" tIns="91425" rIns="91425" bIns="91425" anchor="ctr" anchorCtr="0">
-              <a:noAutofit/>
-            </a:bodyPr>
-            <a:lstStyle/>
-            <a:p>
-              <a:pPr marL="0" lvl="0" indent="0" algn="ctr" rtl="0">
-                <a:spcBef>
-                  <a:spcPts val="0"/>
-                </a:spcBef>
-                <a:spcAft>
-                  <a:spcPts val="0"/>
-                </a:spcAft>
-                <a:buNone/>
-              </a:pPr>
-              <a:r>
-                <a:rPr lang="ko" sz="1000" dirty="0">
-                  <a:solidFill>
-                    <a:schemeClr val="lt1"/>
-                  </a:solidFill>
-                  <a:latin typeface="Microsoft GothicNeo Light" panose="020B0300000101010101" pitchFamily="50" charset="-127"/>
-                  <a:ea typeface="Microsoft GothicNeo Light" panose="020B0300000101010101" pitchFamily="50" charset="-127"/>
-                  <a:cs typeface="Microsoft GothicNeo Light" panose="020B0300000101010101" pitchFamily="50" charset="-127"/>
-                </a:rPr>
-                <a:t>void Recv</a:t>
-              </a:r>
-              <a:endParaRPr sz="1000" dirty="0">
-                <a:solidFill>
-                  <a:schemeClr val="lt1"/>
-                </a:solidFill>
-                <a:latin typeface="Microsoft GothicNeo Light" panose="020B0300000101010101" pitchFamily="50" charset="-127"/>
-                <a:ea typeface="Microsoft GothicNeo Light" panose="020B0300000101010101" pitchFamily="50" charset="-127"/>
-                <a:cs typeface="Microsoft GothicNeo Light" panose="020B0300000101010101" pitchFamily="50" charset="-127"/>
-              </a:endParaRPr>
-            </a:p>
-          </p:txBody>
-        </p:sp>
-        <p:sp>
-          <p:nvSpPr>
-            <p:cNvPr id="5" name="Google Shape;272;p4">
-              <a:extLst>
-                <a:ext uri="{FF2B5EF4-FFF2-40B4-BE49-F238E27FC236}">
-                  <a16:creationId xmlns:a16="http://schemas.microsoft.com/office/drawing/2014/main" id="{6D53D29D-364B-6ABD-4931-C5CC885CAD29}"/>
-                </a:ext>
-              </a:extLst>
-            </p:cNvPr>
-            <p:cNvSpPr/>
-            <p:nvPr/>
-          </p:nvSpPr>
-          <p:spPr>
-            <a:xfrm>
-              <a:off x="437171" y="4886030"/>
-              <a:ext cx="1483880" cy="349800"/>
-            </a:xfrm>
-            <a:prstGeom prst="rect">
-              <a:avLst/>
-            </a:prstGeom>
-            <a:solidFill>
-              <a:srgbClr val="6D9EEB"/>
-            </a:solidFill>
-            <a:ln w="9525" cap="flat" cmpd="sng">
-              <a:noFill/>
-              <a:prstDash val="solid"/>
-              <a:round/>
-              <a:headEnd type="none" w="sm" len="sm"/>
-              <a:tailEnd type="none" w="sm" len="sm"/>
-            </a:ln>
-          </p:spPr>
-          <p:txBody>
-            <a:bodyPr spcFirstLastPara="1" wrap="square" lIns="91425" tIns="91425" rIns="91425" bIns="91425" anchor="ctr" anchorCtr="0">
-              <a:noAutofit/>
-            </a:bodyPr>
-            <a:lstStyle/>
-            <a:p>
-              <a:pPr marL="0" lvl="0" indent="0" algn="ctr" rtl="0">
-                <a:spcBef>
-                  <a:spcPts val="0"/>
-                </a:spcBef>
-                <a:spcAft>
-                  <a:spcPts val="0"/>
-                </a:spcAft>
-                <a:buNone/>
-              </a:pPr>
-              <a:r>
-                <a:rPr lang="en-US" sz="1000" dirty="0">
-                  <a:solidFill>
-                    <a:schemeClr val="lt1"/>
-                  </a:solidFill>
-                  <a:latin typeface="Microsoft GothicNeo Light" panose="020B0300000101010101" pitchFamily="50" charset="-127"/>
-                  <a:ea typeface="Microsoft GothicNeo Light" panose="020B0300000101010101" pitchFamily="50" charset="-127"/>
-                  <a:cs typeface="Microsoft GothicNeo Light" panose="020B0300000101010101" pitchFamily="50" charset="-127"/>
-                </a:rPr>
-                <a:t>Void </a:t>
-              </a:r>
-              <a:r>
-                <a:rPr lang="en-US" sz="1000" dirty="0" err="1">
-                  <a:solidFill>
-                    <a:schemeClr val="lt1"/>
-                  </a:solidFill>
-                  <a:latin typeface="Microsoft GothicNeo Light" panose="020B0300000101010101" pitchFamily="50" charset="-127"/>
-                  <a:ea typeface="Microsoft GothicNeo Light" panose="020B0300000101010101" pitchFamily="50" charset="-127"/>
-                  <a:cs typeface="Microsoft GothicNeo Light" panose="020B0300000101010101" pitchFamily="50" charset="-127"/>
-                </a:rPr>
-                <a:t>SetTimer</a:t>
-              </a:r>
-              <a:endParaRPr sz="1000" dirty="0">
-                <a:solidFill>
-                  <a:schemeClr val="lt1"/>
-                </a:solidFill>
-                <a:latin typeface="Microsoft GothicNeo Light" panose="020B0300000101010101" pitchFamily="50" charset="-127"/>
-                <a:ea typeface="Microsoft GothicNeo Light" panose="020B0300000101010101" pitchFamily="50" charset="-127"/>
-                <a:cs typeface="Microsoft GothicNeo Light" panose="020B0300000101010101" pitchFamily="50" charset="-127"/>
-              </a:endParaRPr>
-            </a:p>
-          </p:txBody>
-        </p:sp>
-        <p:sp>
-          <p:nvSpPr>
-            <p:cNvPr id="6" name="Google Shape;272;p4">
-              <a:extLst>
-                <a:ext uri="{FF2B5EF4-FFF2-40B4-BE49-F238E27FC236}">
-                  <a16:creationId xmlns:a16="http://schemas.microsoft.com/office/drawing/2014/main" id="{F289AB5D-AF58-4E63-B633-AF0D6500EC86}"/>
-                </a:ext>
-              </a:extLst>
-            </p:cNvPr>
-            <p:cNvSpPr/>
-            <p:nvPr/>
-          </p:nvSpPr>
-          <p:spPr>
-            <a:xfrm>
-              <a:off x="4336186" y="4868251"/>
-              <a:ext cx="1476599" cy="349800"/>
-            </a:xfrm>
-            <a:prstGeom prst="rect">
-              <a:avLst/>
-            </a:prstGeom>
-            <a:solidFill>
-              <a:srgbClr val="6D9EEB"/>
-            </a:solidFill>
-            <a:ln w="9525" cap="flat" cmpd="sng">
-              <a:noFill/>
-              <a:prstDash val="solid"/>
-              <a:round/>
-              <a:headEnd type="none" w="sm" len="sm"/>
-              <a:tailEnd type="none" w="sm" len="sm"/>
-            </a:ln>
-          </p:spPr>
-          <p:txBody>
-            <a:bodyPr spcFirstLastPara="1" wrap="square" lIns="91425" tIns="91425" rIns="91425" bIns="91425" anchor="ctr" anchorCtr="0">
-              <a:noAutofit/>
-            </a:bodyPr>
-            <a:lstStyle/>
-            <a:p>
-              <a:pPr marL="0" lvl="0" indent="0" algn="ctr" rtl="0">
-                <a:spcBef>
-                  <a:spcPts val="0"/>
-                </a:spcBef>
-                <a:spcAft>
-                  <a:spcPts val="0"/>
-                </a:spcAft>
-                <a:buNone/>
-              </a:pPr>
-              <a:r>
-                <a:rPr lang="en-US" sz="1000" dirty="0">
-                  <a:solidFill>
-                    <a:schemeClr val="lt1"/>
-                  </a:solidFill>
-                  <a:latin typeface="Microsoft GothicNeo Light" panose="020B0300000101010101" pitchFamily="50" charset="-127"/>
-                  <a:ea typeface="Microsoft GothicNeo Light" panose="020B0300000101010101" pitchFamily="50" charset="-127"/>
-                  <a:cs typeface="Microsoft GothicNeo Light" panose="020B0300000101010101" pitchFamily="50" charset="-127"/>
-                </a:rPr>
-                <a:t>Void </a:t>
-              </a:r>
-              <a:r>
-                <a:rPr lang="en-US" sz="1000" dirty="0" err="1">
-                  <a:solidFill>
-                    <a:schemeClr val="lt1"/>
-                  </a:solidFill>
-                  <a:latin typeface="Microsoft GothicNeo Light" panose="020B0300000101010101" pitchFamily="50" charset="-127"/>
-                  <a:ea typeface="Microsoft GothicNeo Light" panose="020B0300000101010101" pitchFamily="50" charset="-127"/>
-                  <a:cs typeface="Microsoft GothicNeo Light" panose="020B0300000101010101" pitchFamily="50" charset="-127"/>
-                </a:rPr>
-                <a:t>Timer_update</a:t>
-              </a:r>
-              <a:endParaRPr sz="1000" dirty="0">
-                <a:solidFill>
-                  <a:schemeClr val="lt1"/>
-                </a:solidFill>
-                <a:latin typeface="Microsoft GothicNeo Light" panose="020B0300000101010101" pitchFamily="50" charset="-127"/>
-                <a:ea typeface="Microsoft GothicNeo Light" panose="020B0300000101010101" pitchFamily="50" charset="-127"/>
-                <a:cs typeface="Microsoft GothicNeo Light" panose="020B0300000101010101" pitchFamily="50" charset="-127"/>
-              </a:endParaRPr>
-            </a:p>
-          </p:txBody>
-        </p:sp>
-      </p:grpSp>
+              </a:rPr>
+              <a:t>Timer_update</a:t>
+            </a:r>
+            <a:endParaRPr sz="1000" dirty="0">
+              <a:solidFill>
+                <a:schemeClr val="lt1"/>
+              </a:solidFill>
+              <a:latin typeface="Microsoft GothicNeo Light" panose="020B0300000101010101" pitchFamily="50" charset="-127"/>
+              <a:ea typeface="Microsoft GothicNeo Light" panose="020B0300000101010101" pitchFamily="50" charset="-127"/>
+              <a:cs typeface="Microsoft GothicNeo Light" panose="020B0300000101010101" pitchFamily="50" charset="-127"/>
+            </a:endParaRPr>
+          </a:p>
+        </p:txBody>
+      </p:sp>
     </p:spTree>
   </p:cSld>
   <p:clrMapOvr>
